--- a/Slideshow template.pptx
+++ b/Slideshow template.pptx
@@ -25,6 +25,7 @@
     <p:sldId id="272" r:id="rId20"/>
     <p:sldId id="273" r:id="rId21"/>
     <p:sldId id="274" r:id="rId22"/>
+    <p:sldId id="275" r:id="rId23"/>
   </p:sldIdLst>
   <p:sldSz cx="12192000" cy="6858000"/>
   <p:notesSz cx="7559675" cy="10691813"/>
@@ -55,7 +56,7 @@
             <a:spLocks noGrp="1"/>
           </p:cNvSpPr>
           <p:nvPr>
-            <p:ph type="ftr" idx="2"/>
+            <p:ph type="ftr" idx="1"/>
           </p:nvPr>
         </p:nvSpPr>
         <p:spPr/>
@@ -75,14 +76,14 @@
             <a:spLocks noGrp="1"/>
           </p:cNvSpPr>
           <p:nvPr>
-            <p:ph type="sldNum" idx="3"/>
+            <p:ph type="sldNum" idx="2"/>
           </p:nvPr>
         </p:nvSpPr>
         <p:spPr/>
         <p:txBody>
           <a:bodyPr/>
           <a:p>
-            <a:fld id="{A2D70D12-EA4E-4E27-A735-12B80B38C4E9}" type="slidenum">
+            <a:fld id="{935F352B-6011-4672-A666-C1F45F2C626C}" type="slidenum">
               <a:t>&lt;#&gt;</a:t>
             </a:fld>
           </a:p>
@@ -95,7 +96,7 @@
             <a:spLocks noGrp="1"/>
           </p:cNvSpPr>
           <p:nvPr>
-            <p:ph type="dt" idx="1"/>
+            <p:ph type="dt" idx="3"/>
           </p:nvPr>
         </p:nvSpPr>
         <p:spPr/>
@@ -143,8 +144,8 @@
         </p:nvSpPr>
         <p:spPr>
           <a:xfrm>
-            <a:off x="838080" y="365040"/>
-            <a:ext cx="10515240" cy="1325160"/>
+            <a:off x="609480" y="273600"/>
+            <a:ext cx="10972440" cy="1144800"/>
           </a:xfrm>
           <a:prstGeom prst="rect">
             <a:avLst/>
@@ -159,11 +160,11 @@
             <a:noAutofit/>
           </a:bodyPr>
           <a:p>
-            <a:endParaRPr b="0" lang="en-US" sz="1800" spc="-1" strike="noStrike">
-              <a:solidFill>
-                <a:srgbClr val="000000"/>
-              </a:solidFill>
-              <a:latin typeface="Calibri"/>
+            <a:pPr algn="ctr">
+              <a:buNone/>
+            </a:pPr>
+            <a:endParaRPr b="0" lang="en-IE" sz="4400" spc="-1" strike="noStrike">
+              <a:latin typeface="Arial"/>
             </a:endParaRPr>
           </a:p>
         </p:txBody>
@@ -180,8 +181,8 @@
         </p:nvSpPr>
         <p:spPr>
           <a:xfrm>
-            <a:off x="838080" y="1825560"/>
-            <a:ext cx="10515240" cy="2075040"/>
+            <a:off x="609480" y="1604520"/>
+            <a:ext cx="10972440" cy="1896840"/>
           </a:xfrm>
           <a:prstGeom prst="rect">
             <a:avLst/>
@@ -196,20 +197,8 @@
             <a:normAutofit/>
           </a:bodyPr>
           <a:p>
-            <a:pPr>
-              <a:lnSpc>
-                <a:spcPct val="90000"/>
-              </a:lnSpc>
-              <a:spcBef>
-                <a:spcPts val="1417"/>
-              </a:spcBef>
-              <a:buNone/>
-            </a:pPr>
-            <a:endParaRPr b="0" lang="en-US" sz="2800" spc="-1" strike="noStrike">
-              <a:solidFill>
-                <a:srgbClr val="000000"/>
-              </a:solidFill>
-              <a:latin typeface="Calibri"/>
+            <a:endParaRPr b="0" lang="en-IE" sz="3200" spc="-1" strike="noStrike">
+              <a:latin typeface="Arial"/>
             </a:endParaRPr>
           </a:p>
         </p:txBody>
@@ -226,8 +215,8 @@
         </p:nvSpPr>
         <p:spPr>
           <a:xfrm>
-            <a:off x="838080" y="4098240"/>
-            <a:ext cx="10515240" cy="2075040"/>
+            <a:off x="609480" y="3682080"/>
+            <a:ext cx="10972440" cy="1896840"/>
           </a:xfrm>
           <a:prstGeom prst="rect">
             <a:avLst/>
@@ -242,20 +231,8 @@
             <a:normAutofit/>
           </a:bodyPr>
           <a:p>
-            <a:pPr>
-              <a:lnSpc>
-                <a:spcPct val="90000"/>
-              </a:lnSpc>
-              <a:spcBef>
-                <a:spcPts val="1417"/>
-              </a:spcBef>
-              <a:buNone/>
-            </a:pPr>
-            <a:endParaRPr b="0" lang="en-US" sz="2800" spc="-1" strike="noStrike">
-              <a:solidFill>
-                <a:srgbClr val="000000"/>
-              </a:solidFill>
-              <a:latin typeface="Calibri"/>
+            <a:endParaRPr b="0" lang="en-IE" sz="3200" spc="-1" strike="noStrike">
+              <a:latin typeface="Arial"/>
             </a:endParaRPr>
           </a:p>
         </p:txBody>
@@ -267,7 +244,7 @@
             <a:spLocks noGrp="1"/>
           </p:cNvSpPr>
           <p:nvPr>
-            <p:ph type="ftr" idx="2"/>
+            <p:ph type="ftr" idx="1"/>
           </p:nvPr>
         </p:nvSpPr>
         <p:spPr/>
@@ -287,14 +264,14 @@
             <a:spLocks noGrp="1"/>
           </p:cNvSpPr>
           <p:nvPr>
-            <p:ph type="sldNum" idx="3"/>
+            <p:ph type="sldNum" idx="2"/>
           </p:nvPr>
         </p:nvSpPr>
         <p:spPr/>
         <p:txBody>
           <a:bodyPr/>
           <a:p>
-            <a:fld id="{9A86411F-F3BA-426B-B27B-896D4CF2BF26}" type="slidenum">
+            <a:fld id="{A6499DED-97D1-432D-9669-70C2F33E7F42}" type="slidenum">
               <a:t>&lt;#&gt;</a:t>
             </a:fld>
           </a:p>
@@ -307,7 +284,7 @@
             <a:spLocks noGrp="1"/>
           </p:cNvSpPr>
           <p:nvPr>
-            <p:ph type="dt" idx="1"/>
+            <p:ph type="dt" idx="3"/>
           </p:nvPr>
         </p:nvSpPr>
         <p:spPr/>
@@ -355,8 +332,8 @@
         </p:nvSpPr>
         <p:spPr>
           <a:xfrm>
-            <a:off x="838080" y="365040"/>
-            <a:ext cx="10515240" cy="1325160"/>
+            <a:off x="609480" y="273600"/>
+            <a:ext cx="10972440" cy="1144800"/>
           </a:xfrm>
           <a:prstGeom prst="rect">
             <a:avLst/>
@@ -371,11 +348,11 @@
             <a:noAutofit/>
           </a:bodyPr>
           <a:p>
-            <a:endParaRPr b="0" lang="en-US" sz="1800" spc="-1" strike="noStrike">
-              <a:solidFill>
-                <a:srgbClr val="000000"/>
-              </a:solidFill>
-              <a:latin typeface="Calibri"/>
+            <a:pPr algn="ctr">
+              <a:buNone/>
+            </a:pPr>
+            <a:endParaRPr b="0" lang="en-IE" sz="4400" spc="-1" strike="noStrike">
+              <a:latin typeface="Arial"/>
             </a:endParaRPr>
           </a:p>
         </p:txBody>
@@ -392,8 +369,8 @@
         </p:nvSpPr>
         <p:spPr>
           <a:xfrm>
-            <a:off x="838080" y="1825560"/>
-            <a:ext cx="5131080" cy="2075040"/>
+            <a:off x="609480" y="1604520"/>
+            <a:ext cx="5354280" cy="1896840"/>
           </a:xfrm>
           <a:prstGeom prst="rect">
             <a:avLst/>
@@ -408,20 +385,8 @@
             <a:normAutofit/>
           </a:bodyPr>
           <a:p>
-            <a:pPr>
-              <a:lnSpc>
-                <a:spcPct val="90000"/>
-              </a:lnSpc>
-              <a:spcBef>
-                <a:spcPts val="1417"/>
-              </a:spcBef>
-              <a:buNone/>
-            </a:pPr>
-            <a:endParaRPr b="0" lang="en-US" sz="2800" spc="-1" strike="noStrike">
-              <a:solidFill>
-                <a:srgbClr val="000000"/>
-              </a:solidFill>
-              <a:latin typeface="Calibri"/>
+            <a:endParaRPr b="0" lang="en-IE" sz="3200" spc="-1" strike="noStrike">
+              <a:latin typeface="Arial"/>
             </a:endParaRPr>
           </a:p>
         </p:txBody>
@@ -438,8 +403,8 @@
         </p:nvSpPr>
         <p:spPr>
           <a:xfrm>
-            <a:off x="6226200" y="1825560"/>
-            <a:ext cx="5131080" cy="2075040"/>
+            <a:off x="6231960" y="1604520"/>
+            <a:ext cx="5354280" cy="1896840"/>
           </a:xfrm>
           <a:prstGeom prst="rect">
             <a:avLst/>
@@ -454,20 +419,8 @@
             <a:normAutofit/>
           </a:bodyPr>
           <a:p>
-            <a:pPr>
-              <a:lnSpc>
-                <a:spcPct val="90000"/>
-              </a:lnSpc>
-              <a:spcBef>
-                <a:spcPts val="1417"/>
-              </a:spcBef>
-              <a:buNone/>
-            </a:pPr>
-            <a:endParaRPr b="0" lang="en-US" sz="2800" spc="-1" strike="noStrike">
-              <a:solidFill>
-                <a:srgbClr val="000000"/>
-              </a:solidFill>
-              <a:latin typeface="Calibri"/>
+            <a:endParaRPr b="0" lang="en-IE" sz="3200" spc="-1" strike="noStrike">
+              <a:latin typeface="Arial"/>
             </a:endParaRPr>
           </a:p>
         </p:txBody>
@@ -484,8 +437,8 @@
         </p:nvSpPr>
         <p:spPr>
           <a:xfrm>
-            <a:off x="838080" y="4098240"/>
-            <a:ext cx="5131080" cy="2075040"/>
+            <a:off x="609480" y="3682080"/>
+            <a:ext cx="5354280" cy="1896840"/>
           </a:xfrm>
           <a:prstGeom prst="rect">
             <a:avLst/>
@@ -500,20 +453,8 @@
             <a:normAutofit/>
           </a:bodyPr>
           <a:p>
-            <a:pPr>
-              <a:lnSpc>
-                <a:spcPct val="90000"/>
-              </a:lnSpc>
-              <a:spcBef>
-                <a:spcPts val="1417"/>
-              </a:spcBef>
-              <a:buNone/>
-            </a:pPr>
-            <a:endParaRPr b="0" lang="en-US" sz="2800" spc="-1" strike="noStrike">
-              <a:solidFill>
-                <a:srgbClr val="000000"/>
-              </a:solidFill>
-              <a:latin typeface="Calibri"/>
+            <a:endParaRPr b="0" lang="en-IE" sz="3200" spc="-1" strike="noStrike">
+              <a:latin typeface="Arial"/>
             </a:endParaRPr>
           </a:p>
         </p:txBody>
@@ -530,8 +471,8 @@
         </p:nvSpPr>
         <p:spPr>
           <a:xfrm>
-            <a:off x="6226200" y="4098240"/>
-            <a:ext cx="5131080" cy="2075040"/>
+            <a:off x="6231960" y="3682080"/>
+            <a:ext cx="5354280" cy="1896840"/>
           </a:xfrm>
           <a:prstGeom prst="rect">
             <a:avLst/>
@@ -546,20 +487,8 @@
             <a:normAutofit/>
           </a:bodyPr>
           <a:p>
-            <a:pPr>
-              <a:lnSpc>
-                <a:spcPct val="90000"/>
-              </a:lnSpc>
-              <a:spcBef>
-                <a:spcPts val="1417"/>
-              </a:spcBef>
-              <a:buNone/>
-            </a:pPr>
-            <a:endParaRPr b="0" lang="en-US" sz="2800" spc="-1" strike="noStrike">
-              <a:solidFill>
-                <a:srgbClr val="000000"/>
-              </a:solidFill>
-              <a:latin typeface="Calibri"/>
+            <a:endParaRPr b="0" lang="en-IE" sz="3200" spc="-1" strike="noStrike">
+              <a:latin typeface="Arial"/>
             </a:endParaRPr>
           </a:p>
         </p:txBody>
@@ -571,7 +500,7 @@
             <a:spLocks noGrp="1"/>
           </p:cNvSpPr>
           <p:nvPr>
-            <p:ph type="ftr" idx="2"/>
+            <p:ph type="ftr" idx="1"/>
           </p:nvPr>
         </p:nvSpPr>
         <p:spPr/>
@@ -591,14 +520,14 @@
             <a:spLocks noGrp="1"/>
           </p:cNvSpPr>
           <p:nvPr>
-            <p:ph type="sldNum" idx="3"/>
+            <p:ph type="sldNum" idx="2"/>
           </p:nvPr>
         </p:nvSpPr>
         <p:spPr/>
         <p:txBody>
           <a:bodyPr/>
           <a:p>
-            <a:fld id="{971AF47C-AD45-4061-AD7A-12AB70B231C7}" type="slidenum">
+            <a:fld id="{868017E5-313D-4A61-8330-8E9242B6D910}" type="slidenum">
               <a:t>&lt;#&gt;</a:t>
             </a:fld>
           </a:p>
@@ -611,7 +540,7 @@
             <a:spLocks noGrp="1"/>
           </p:cNvSpPr>
           <p:nvPr>
-            <p:ph type="dt" idx="1"/>
+            <p:ph type="dt" idx="3"/>
           </p:nvPr>
         </p:nvSpPr>
         <p:spPr/>
@@ -659,8 +588,8 @@
         </p:nvSpPr>
         <p:spPr>
           <a:xfrm>
-            <a:off x="838080" y="365040"/>
-            <a:ext cx="10515240" cy="1325160"/>
+            <a:off x="609480" y="273600"/>
+            <a:ext cx="10972440" cy="1144800"/>
           </a:xfrm>
           <a:prstGeom prst="rect">
             <a:avLst/>
@@ -675,11 +604,11 @@
             <a:noAutofit/>
           </a:bodyPr>
           <a:p>
-            <a:endParaRPr b="0" lang="en-US" sz="1800" spc="-1" strike="noStrike">
-              <a:solidFill>
-                <a:srgbClr val="000000"/>
-              </a:solidFill>
-              <a:latin typeface="Calibri"/>
+            <a:pPr algn="ctr">
+              <a:buNone/>
+            </a:pPr>
+            <a:endParaRPr b="0" lang="en-IE" sz="4400" spc="-1" strike="noStrike">
+              <a:latin typeface="Arial"/>
             </a:endParaRPr>
           </a:p>
         </p:txBody>
@@ -696,8 +625,8 @@
         </p:nvSpPr>
         <p:spPr>
           <a:xfrm>
-            <a:off x="838080" y="1825560"/>
-            <a:ext cx="3385800" cy="2075040"/>
+            <a:off x="609480" y="1604520"/>
+            <a:ext cx="3533040" cy="1896840"/>
           </a:xfrm>
           <a:prstGeom prst="rect">
             <a:avLst/>
@@ -712,20 +641,8 @@
             <a:normAutofit/>
           </a:bodyPr>
           <a:p>
-            <a:pPr>
-              <a:lnSpc>
-                <a:spcPct val="90000"/>
-              </a:lnSpc>
-              <a:spcBef>
-                <a:spcPts val="1417"/>
-              </a:spcBef>
-              <a:buNone/>
-            </a:pPr>
-            <a:endParaRPr b="0" lang="en-US" sz="2800" spc="-1" strike="noStrike">
-              <a:solidFill>
-                <a:srgbClr val="000000"/>
-              </a:solidFill>
-              <a:latin typeface="Calibri"/>
+            <a:endParaRPr b="0" lang="en-IE" sz="3200" spc="-1" strike="noStrike">
+              <a:latin typeface="Arial"/>
             </a:endParaRPr>
           </a:p>
         </p:txBody>
@@ -742,8 +659,8 @@
         </p:nvSpPr>
         <p:spPr>
           <a:xfrm>
-            <a:off x="4393440" y="1825560"/>
-            <a:ext cx="3385800" cy="2075040"/>
+            <a:off x="4319640" y="1604520"/>
+            <a:ext cx="3533040" cy="1896840"/>
           </a:xfrm>
           <a:prstGeom prst="rect">
             <a:avLst/>
@@ -758,20 +675,8 @@
             <a:normAutofit/>
           </a:bodyPr>
           <a:p>
-            <a:pPr>
-              <a:lnSpc>
-                <a:spcPct val="90000"/>
-              </a:lnSpc>
-              <a:spcBef>
-                <a:spcPts val="1417"/>
-              </a:spcBef>
-              <a:buNone/>
-            </a:pPr>
-            <a:endParaRPr b="0" lang="en-US" sz="2800" spc="-1" strike="noStrike">
-              <a:solidFill>
-                <a:srgbClr val="000000"/>
-              </a:solidFill>
-              <a:latin typeface="Calibri"/>
+            <a:endParaRPr b="0" lang="en-IE" sz="3200" spc="-1" strike="noStrike">
+              <a:latin typeface="Arial"/>
             </a:endParaRPr>
           </a:p>
         </p:txBody>
@@ -788,8 +693,8 @@
         </p:nvSpPr>
         <p:spPr>
           <a:xfrm>
-            <a:off x="7949160" y="1825560"/>
-            <a:ext cx="3385800" cy="2075040"/>
+            <a:off x="8029800" y="1604520"/>
+            <a:ext cx="3533040" cy="1896840"/>
           </a:xfrm>
           <a:prstGeom prst="rect">
             <a:avLst/>
@@ -804,20 +709,8 @@
             <a:normAutofit/>
           </a:bodyPr>
           <a:p>
-            <a:pPr>
-              <a:lnSpc>
-                <a:spcPct val="90000"/>
-              </a:lnSpc>
-              <a:spcBef>
-                <a:spcPts val="1417"/>
-              </a:spcBef>
-              <a:buNone/>
-            </a:pPr>
-            <a:endParaRPr b="0" lang="en-US" sz="2800" spc="-1" strike="noStrike">
-              <a:solidFill>
-                <a:srgbClr val="000000"/>
-              </a:solidFill>
-              <a:latin typeface="Calibri"/>
+            <a:endParaRPr b="0" lang="en-IE" sz="3200" spc="-1" strike="noStrike">
+              <a:latin typeface="Arial"/>
             </a:endParaRPr>
           </a:p>
         </p:txBody>
@@ -834,8 +727,8 @@
         </p:nvSpPr>
         <p:spPr>
           <a:xfrm>
-            <a:off x="838080" y="4098240"/>
-            <a:ext cx="3385800" cy="2075040"/>
+            <a:off x="609480" y="3682080"/>
+            <a:ext cx="3533040" cy="1896840"/>
           </a:xfrm>
           <a:prstGeom prst="rect">
             <a:avLst/>
@@ -850,20 +743,8 @@
             <a:normAutofit/>
           </a:bodyPr>
           <a:p>
-            <a:pPr>
-              <a:lnSpc>
-                <a:spcPct val="90000"/>
-              </a:lnSpc>
-              <a:spcBef>
-                <a:spcPts val="1417"/>
-              </a:spcBef>
-              <a:buNone/>
-            </a:pPr>
-            <a:endParaRPr b="0" lang="en-US" sz="2800" spc="-1" strike="noStrike">
-              <a:solidFill>
-                <a:srgbClr val="000000"/>
-              </a:solidFill>
-              <a:latin typeface="Calibri"/>
+            <a:endParaRPr b="0" lang="en-IE" sz="3200" spc="-1" strike="noStrike">
+              <a:latin typeface="Arial"/>
             </a:endParaRPr>
           </a:p>
         </p:txBody>
@@ -880,8 +761,8 @@
         </p:nvSpPr>
         <p:spPr>
           <a:xfrm>
-            <a:off x="4393440" y="4098240"/>
-            <a:ext cx="3385800" cy="2075040"/>
+            <a:off x="4319640" y="3682080"/>
+            <a:ext cx="3533040" cy="1896840"/>
           </a:xfrm>
           <a:prstGeom prst="rect">
             <a:avLst/>
@@ -896,20 +777,8 @@
             <a:normAutofit/>
           </a:bodyPr>
           <a:p>
-            <a:pPr>
-              <a:lnSpc>
-                <a:spcPct val="90000"/>
-              </a:lnSpc>
-              <a:spcBef>
-                <a:spcPts val="1417"/>
-              </a:spcBef>
-              <a:buNone/>
-            </a:pPr>
-            <a:endParaRPr b="0" lang="en-US" sz="2800" spc="-1" strike="noStrike">
-              <a:solidFill>
-                <a:srgbClr val="000000"/>
-              </a:solidFill>
-              <a:latin typeface="Calibri"/>
+            <a:endParaRPr b="0" lang="en-IE" sz="3200" spc="-1" strike="noStrike">
+              <a:latin typeface="Arial"/>
             </a:endParaRPr>
           </a:p>
         </p:txBody>
@@ -926,8 +795,8 @@
         </p:nvSpPr>
         <p:spPr>
           <a:xfrm>
-            <a:off x="7949160" y="4098240"/>
-            <a:ext cx="3385800" cy="2075040"/>
+            <a:off x="8029800" y="3682080"/>
+            <a:ext cx="3533040" cy="1896840"/>
           </a:xfrm>
           <a:prstGeom prst="rect">
             <a:avLst/>
@@ -942,20 +811,8 @@
             <a:normAutofit/>
           </a:bodyPr>
           <a:p>
-            <a:pPr>
-              <a:lnSpc>
-                <a:spcPct val="90000"/>
-              </a:lnSpc>
-              <a:spcBef>
-                <a:spcPts val="1417"/>
-              </a:spcBef>
-              <a:buNone/>
-            </a:pPr>
-            <a:endParaRPr b="0" lang="en-US" sz="2800" spc="-1" strike="noStrike">
-              <a:solidFill>
-                <a:srgbClr val="000000"/>
-              </a:solidFill>
-              <a:latin typeface="Calibri"/>
+            <a:endParaRPr b="0" lang="en-IE" sz="3200" spc="-1" strike="noStrike">
+              <a:latin typeface="Arial"/>
             </a:endParaRPr>
           </a:p>
         </p:txBody>
@@ -967,7 +824,7 @@
             <a:spLocks noGrp="1"/>
           </p:cNvSpPr>
           <p:nvPr>
-            <p:ph type="ftr" idx="2"/>
+            <p:ph type="ftr" idx="1"/>
           </p:nvPr>
         </p:nvSpPr>
         <p:spPr/>
@@ -987,14 +844,14 @@
             <a:spLocks noGrp="1"/>
           </p:cNvSpPr>
           <p:nvPr>
-            <p:ph type="sldNum" idx="3"/>
+            <p:ph type="sldNum" idx="2"/>
           </p:nvPr>
         </p:nvSpPr>
         <p:spPr/>
         <p:txBody>
           <a:bodyPr/>
           <a:p>
-            <a:fld id="{B53534EE-8BF7-4038-97B0-00EFD1E92066}" type="slidenum">
+            <a:fld id="{FBE01B4A-E1E4-45B4-8302-144239087B98}" type="slidenum">
               <a:t>&lt;#&gt;</a:t>
             </a:fld>
           </a:p>
@@ -1007,7 +864,7 @@
             <a:spLocks noGrp="1"/>
           </p:cNvSpPr>
           <p:nvPr>
-            <p:ph type="dt" idx="1"/>
+            <p:ph type="dt" idx="3"/>
           </p:nvPr>
         </p:nvSpPr>
         <p:spPr/>
@@ -1050,7 +907,7 @@
             <a:spLocks noGrp="1"/>
           </p:cNvSpPr>
           <p:nvPr>
-            <p:ph type="ftr" idx="5"/>
+            <p:ph type="ftr" idx="4"/>
           </p:nvPr>
         </p:nvSpPr>
         <p:spPr/>
@@ -1070,14 +927,14 @@
             <a:spLocks noGrp="1"/>
           </p:cNvSpPr>
           <p:nvPr>
-            <p:ph type="sldNum" idx="6"/>
+            <p:ph type="sldNum" idx="5"/>
           </p:nvPr>
         </p:nvSpPr>
         <p:spPr/>
         <p:txBody>
           <a:bodyPr/>
           <a:p>
-            <a:fld id="{9E3F8C65-8D2C-4BC2-8E3F-0A72230D8AB2}" type="slidenum">
+            <a:fld id="{CC0DCFAC-7C0D-415D-A5FD-7151DB2FAA71}" type="slidenum">
               <a:t>&lt;#&gt;</a:t>
             </a:fld>
           </a:p>
@@ -1090,7 +947,7 @@
             <a:spLocks noGrp="1"/>
           </p:cNvSpPr>
           <p:nvPr>
-            <p:ph type="dt" idx="4"/>
+            <p:ph type="dt" idx="6"/>
           </p:nvPr>
         </p:nvSpPr>
         <p:spPr/>
@@ -1138,8 +995,8 @@
         </p:nvSpPr>
         <p:spPr>
           <a:xfrm>
-            <a:off x="838080" y="365040"/>
-            <a:ext cx="10515240" cy="1325160"/>
+            <a:off x="609480" y="273600"/>
+            <a:ext cx="10972440" cy="1144800"/>
           </a:xfrm>
           <a:prstGeom prst="rect">
             <a:avLst/>
@@ -1154,11 +1011,11 @@
             <a:noAutofit/>
           </a:bodyPr>
           <a:p>
-            <a:endParaRPr b="0" lang="en-US" sz="1800" spc="-1" strike="noStrike">
-              <a:solidFill>
-                <a:srgbClr val="000000"/>
-              </a:solidFill>
-              <a:latin typeface="Calibri"/>
+            <a:pPr algn="ctr">
+              <a:buNone/>
+            </a:pPr>
+            <a:endParaRPr b="0" lang="en-IE" sz="4400" spc="-1" strike="noStrike">
+              <a:latin typeface="Arial"/>
             </a:endParaRPr>
           </a:p>
         </p:txBody>
@@ -1175,8 +1032,8 @@
         </p:nvSpPr>
         <p:spPr>
           <a:xfrm>
-            <a:off x="838080" y="1825560"/>
-            <a:ext cx="10515240" cy="4350960"/>
+            <a:off x="609480" y="1604520"/>
+            <a:ext cx="10972440" cy="3977280"/>
           </a:xfrm>
           <a:prstGeom prst="rect">
             <a:avLst/>
@@ -1207,7 +1064,7 @@
             <a:spLocks noGrp="1"/>
           </p:cNvSpPr>
           <p:nvPr>
-            <p:ph type="ftr" idx="5"/>
+            <p:ph type="ftr" idx="4"/>
           </p:nvPr>
         </p:nvSpPr>
         <p:spPr/>
@@ -1227,14 +1084,14 @@
             <a:spLocks noGrp="1"/>
           </p:cNvSpPr>
           <p:nvPr>
-            <p:ph type="sldNum" idx="6"/>
+            <p:ph type="sldNum" idx="5"/>
           </p:nvPr>
         </p:nvSpPr>
         <p:spPr/>
         <p:txBody>
           <a:bodyPr/>
           <a:p>
-            <a:fld id="{BF4E3AAE-7F89-4C54-9DA2-9637B582B05D}" type="slidenum">
+            <a:fld id="{64C7F5DC-C8AA-4018-A245-617478D6B12C}" type="slidenum">
               <a:t>&lt;#&gt;</a:t>
             </a:fld>
           </a:p>
@@ -1247,7 +1104,7 @@
             <a:spLocks noGrp="1"/>
           </p:cNvSpPr>
           <p:nvPr>
-            <p:ph type="dt" idx="4"/>
+            <p:ph type="dt" idx="6"/>
           </p:nvPr>
         </p:nvSpPr>
         <p:spPr/>
@@ -1295,8 +1152,8 @@
         </p:nvSpPr>
         <p:spPr>
           <a:xfrm>
-            <a:off x="838080" y="365040"/>
-            <a:ext cx="10515240" cy="1325160"/>
+            <a:off x="609480" y="273600"/>
+            <a:ext cx="10972440" cy="1144800"/>
           </a:xfrm>
           <a:prstGeom prst="rect">
             <a:avLst/>
@@ -1311,11 +1168,11 @@
             <a:noAutofit/>
           </a:bodyPr>
           <a:p>
-            <a:endParaRPr b="0" lang="en-US" sz="1800" spc="-1" strike="noStrike">
-              <a:solidFill>
-                <a:srgbClr val="000000"/>
-              </a:solidFill>
-              <a:latin typeface="Calibri"/>
+            <a:pPr algn="ctr">
+              <a:buNone/>
+            </a:pPr>
+            <a:endParaRPr b="0" lang="en-IE" sz="4400" spc="-1" strike="noStrike">
+              <a:latin typeface="Arial"/>
             </a:endParaRPr>
           </a:p>
         </p:txBody>
@@ -1332,8 +1189,8 @@
         </p:nvSpPr>
         <p:spPr>
           <a:xfrm>
-            <a:off x="838080" y="1825560"/>
-            <a:ext cx="10515240" cy="4350960"/>
+            <a:off x="609480" y="1604520"/>
+            <a:ext cx="10972440" cy="3977280"/>
           </a:xfrm>
           <a:prstGeom prst="rect">
             <a:avLst/>
@@ -1348,20 +1205,8 @@
             <a:normAutofit/>
           </a:bodyPr>
           <a:p>
-            <a:pPr>
-              <a:lnSpc>
-                <a:spcPct val="90000"/>
-              </a:lnSpc>
-              <a:spcBef>
-                <a:spcPts val="1417"/>
-              </a:spcBef>
-              <a:buNone/>
-            </a:pPr>
-            <a:endParaRPr b="0" lang="en-US" sz="2800" spc="-1" strike="noStrike">
-              <a:solidFill>
-                <a:srgbClr val="000000"/>
-              </a:solidFill>
-              <a:latin typeface="Calibri"/>
+            <a:endParaRPr b="0" lang="en-IE" sz="3200" spc="-1" strike="noStrike">
+              <a:latin typeface="Arial"/>
             </a:endParaRPr>
           </a:p>
         </p:txBody>
@@ -1373,7 +1218,7 @@
             <a:spLocks noGrp="1"/>
           </p:cNvSpPr>
           <p:nvPr>
-            <p:ph type="ftr" idx="5"/>
+            <p:ph type="ftr" idx="4"/>
           </p:nvPr>
         </p:nvSpPr>
         <p:spPr/>
@@ -1393,14 +1238,14 @@
             <a:spLocks noGrp="1"/>
           </p:cNvSpPr>
           <p:nvPr>
-            <p:ph type="sldNum" idx="6"/>
+            <p:ph type="sldNum" idx="5"/>
           </p:nvPr>
         </p:nvSpPr>
         <p:spPr/>
         <p:txBody>
           <a:bodyPr/>
           <a:p>
-            <a:fld id="{5CADE633-0E46-4CDF-99F7-82183EFB0835}" type="slidenum">
+            <a:fld id="{A2252A64-B259-4F3C-97B7-3E50661091C6}" type="slidenum">
               <a:t>&lt;#&gt;</a:t>
             </a:fld>
           </a:p>
@@ -1413,7 +1258,7 @@
             <a:spLocks noGrp="1"/>
           </p:cNvSpPr>
           <p:nvPr>
-            <p:ph type="dt" idx="4"/>
+            <p:ph type="dt" idx="6"/>
           </p:nvPr>
         </p:nvSpPr>
         <p:spPr/>
@@ -1461,8 +1306,8 @@
         </p:nvSpPr>
         <p:spPr>
           <a:xfrm>
-            <a:off x="838080" y="365040"/>
-            <a:ext cx="10515240" cy="1325160"/>
+            <a:off x="609480" y="273600"/>
+            <a:ext cx="10972440" cy="1144800"/>
           </a:xfrm>
           <a:prstGeom prst="rect">
             <a:avLst/>
@@ -1477,11 +1322,11 @@
             <a:noAutofit/>
           </a:bodyPr>
           <a:p>
-            <a:endParaRPr b="0" lang="en-US" sz="1800" spc="-1" strike="noStrike">
-              <a:solidFill>
-                <a:srgbClr val="000000"/>
-              </a:solidFill>
-              <a:latin typeface="Calibri"/>
+            <a:pPr algn="ctr">
+              <a:buNone/>
+            </a:pPr>
+            <a:endParaRPr b="0" lang="en-IE" sz="4400" spc="-1" strike="noStrike">
+              <a:latin typeface="Arial"/>
             </a:endParaRPr>
           </a:p>
         </p:txBody>
@@ -1498,8 +1343,8 @@
         </p:nvSpPr>
         <p:spPr>
           <a:xfrm>
-            <a:off x="838080" y="1825560"/>
-            <a:ext cx="5131080" cy="4350960"/>
+            <a:off x="609480" y="1604520"/>
+            <a:ext cx="5354280" cy="3977280"/>
           </a:xfrm>
           <a:prstGeom prst="rect">
             <a:avLst/>
@@ -1514,20 +1359,8 @@
             <a:normAutofit/>
           </a:bodyPr>
           <a:p>
-            <a:pPr>
-              <a:lnSpc>
-                <a:spcPct val="90000"/>
-              </a:lnSpc>
-              <a:spcBef>
-                <a:spcPts val="1417"/>
-              </a:spcBef>
-              <a:buNone/>
-            </a:pPr>
-            <a:endParaRPr b="0" lang="en-US" sz="2800" spc="-1" strike="noStrike">
-              <a:solidFill>
-                <a:srgbClr val="000000"/>
-              </a:solidFill>
-              <a:latin typeface="Calibri"/>
+            <a:endParaRPr b="0" lang="en-IE" sz="3200" spc="-1" strike="noStrike">
+              <a:latin typeface="Arial"/>
             </a:endParaRPr>
           </a:p>
         </p:txBody>
@@ -1544,8 +1377,8 @@
         </p:nvSpPr>
         <p:spPr>
           <a:xfrm>
-            <a:off x="6226200" y="1825560"/>
-            <a:ext cx="5131080" cy="4350960"/>
+            <a:off x="6231960" y="1604520"/>
+            <a:ext cx="5354280" cy="3977280"/>
           </a:xfrm>
           <a:prstGeom prst="rect">
             <a:avLst/>
@@ -1560,20 +1393,8 @@
             <a:normAutofit/>
           </a:bodyPr>
           <a:p>
-            <a:pPr>
-              <a:lnSpc>
-                <a:spcPct val="90000"/>
-              </a:lnSpc>
-              <a:spcBef>
-                <a:spcPts val="1417"/>
-              </a:spcBef>
-              <a:buNone/>
-            </a:pPr>
-            <a:endParaRPr b="0" lang="en-US" sz="2800" spc="-1" strike="noStrike">
-              <a:solidFill>
-                <a:srgbClr val="000000"/>
-              </a:solidFill>
-              <a:latin typeface="Calibri"/>
+            <a:endParaRPr b="0" lang="en-IE" sz="3200" spc="-1" strike="noStrike">
+              <a:latin typeface="Arial"/>
             </a:endParaRPr>
           </a:p>
         </p:txBody>
@@ -1585,7 +1406,7 @@
             <a:spLocks noGrp="1"/>
           </p:cNvSpPr>
           <p:nvPr>
-            <p:ph type="ftr" idx="5"/>
+            <p:ph type="ftr" idx="4"/>
           </p:nvPr>
         </p:nvSpPr>
         <p:spPr/>
@@ -1605,14 +1426,14 @@
             <a:spLocks noGrp="1"/>
           </p:cNvSpPr>
           <p:nvPr>
-            <p:ph type="sldNum" idx="6"/>
+            <p:ph type="sldNum" idx="5"/>
           </p:nvPr>
         </p:nvSpPr>
         <p:spPr/>
         <p:txBody>
           <a:bodyPr/>
           <a:p>
-            <a:fld id="{3FFAB94C-79BB-400E-8A82-0F963C0D9D33}" type="slidenum">
+            <a:fld id="{1B769F6B-89CC-4C26-ADE4-46D8C8C511B2}" type="slidenum">
               <a:t>&lt;#&gt;</a:t>
             </a:fld>
           </a:p>
@@ -1625,7 +1446,7 @@
             <a:spLocks noGrp="1"/>
           </p:cNvSpPr>
           <p:nvPr>
-            <p:ph type="dt" idx="4"/>
+            <p:ph type="dt" idx="6"/>
           </p:nvPr>
         </p:nvSpPr>
         <p:spPr/>
@@ -1673,8 +1494,8 @@
         </p:nvSpPr>
         <p:spPr>
           <a:xfrm>
-            <a:off x="838080" y="365040"/>
-            <a:ext cx="10515240" cy="1325160"/>
+            <a:off x="609480" y="273600"/>
+            <a:ext cx="10972440" cy="1144800"/>
           </a:xfrm>
           <a:prstGeom prst="rect">
             <a:avLst/>
@@ -1689,11 +1510,11 @@
             <a:noAutofit/>
           </a:bodyPr>
           <a:p>
-            <a:endParaRPr b="0" lang="en-US" sz="1800" spc="-1" strike="noStrike">
-              <a:solidFill>
-                <a:srgbClr val="000000"/>
-              </a:solidFill>
-              <a:latin typeface="Calibri"/>
+            <a:pPr algn="ctr">
+              <a:buNone/>
+            </a:pPr>
+            <a:endParaRPr b="0" lang="en-IE" sz="4400" spc="-1" strike="noStrike">
+              <a:latin typeface="Arial"/>
             </a:endParaRPr>
           </a:p>
         </p:txBody>
@@ -1705,7 +1526,7 @@
             <a:spLocks noGrp="1"/>
           </p:cNvSpPr>
           <p:nvPr>
-            <p:ph type="ftr" idx="5"/>
+            <p:ph type="ftr" idx="4"/>
           </p:nvPr>
         </p:nvSpPr>
         <p:spPr/>
@@ -1725,14 +1546,14 @@
             <a:spLocks noGrp="1"/>
           </p:cNvSpPr>
           <p:nvPr>
-            <p:ph type="sldNum" idx="6"/>
+            <p:ph type="sldNum" idx="5"/>
           </p:nvPr>
         </p:nvSpPr>
         <p:spPr/>
         <p:txBody>
           <a:bodyPr/>
           <a:p>
-            <a:fld id="{61223BBC-4E7F-4E94-8972-F9B1533B9849}" type="slidenum">
+            <a:fld id="{D0886789-5E7B-45DB-9169-B716856E2420}" type="slidenum">
               <a:t>&lt;#&gt;</a:t>
             </a:fld>
           </a:p>
@@ -1745,7 +1566,7 @@
             <a:spLocks noGrp="1"/>
           </p:cNvSpPr>
           <p:nvPr>
-            <p:ph type="dt" idx="4"/>
+            <p:ph type="dt" idx="6"/>
           </p:nvPr>
         </p:nvSpPr>
         <p:spPr/>
@@ -1793,8 +1614,8 @@
         </p:nvSpPr>
         <p:spPr>
           <a:xfrm>
-            <a:off x="838080" y="365040"/>
-            <a:ext cx="10515240" cy="6144120"/>
+            <a:off x="609480" y="273600"/>
+            <a:ext cx="10972440" cy="5307840"/>
           </a:xfrm>
           <a:prstGeom prst="rect">
             <a:avLst/>
@@ -1825,7 +1646,7 @@
             <a:spLocks noGrp="1"/>
           </p:cNvSpPr>
           <p:nvPr>
-            <p:ph type="ftr" idx="5"/>
+            <p:ph type="ftr" idx="4"/>
           </p:nvPr>
         </p:nvSpPr>
         <p:spPr/>
@@ -1845,14 +1666,14 @@
             <a:spLocks noGrp="1"/>
           </p:cNvSpPr>
           <p:nvPr>
-            <p:ph type="sldNum" idx="6"/>
+            <p:ph type="sldNum" idx="5"/>
           </p:nvPr>
         </p:nvSpPr>
         <p:spPr/>
         <p:txBody>
           <a:bodyPr/>
           <a:p>
-            <a:fld id="{A2DEB99B-FFA5-43F0-995D-FA5A648F369E}" type="slidenum">
+            <a:fld id="{4CD2A25E-74CE-4AC5-95DE-D64047527CF7}" type="slidenum">
               <a:t>&lt;#&gt;</a:t>
             </a:fld>
           </a:p>
@@ -1865,7 +1686,7 @@
             <a:spLocks noGrp="1"/>
           </p:cNvSpPr>
           <p:nvPr>
-            <p:ph type="dt" idx="4"/>
+            <p:ph type="dt" idx="6"/>
           </p:nvPr>
         </p:nvSpPr>
         <p:spPr/>
@@ -1913,8 +1734,8 @@
         </p:nvSpPr>
         <p:spPr>
           <a:xfrm>
-            <a:off x="838080" y="365040"/>
-            <a:ext cx="10515240" cy="1325160"/>
+            <a:off x="609480" y="273600"/>
+            <a:ext cx="10972440" cy="1144800"/>
           </a:xfrm>
           <a:prstGeom prst="rect">
             <a:avLst/>
@@ -1929,11 +1750,11 @@
             <a:noAutofit/>
           </a:bodyPr>
           <a:p>
-            <a:endParaRPr b="0" lang="en-US" sz="1800" spc="-1" strike="noStrike">
-              <a:solidFill>
-                <a:srgbClr val="000000"/>
-              </a:solidFill>
-              <a:latin typeface="Calibri"/>
+            <a:pPr algn="ctr">
+              <a:buNone/>
+            </a:pPr>
+            <a:endParaRPr b="0" lang="en-IE" sz="4400" spc="-1" strike="noStrike">
+              <a:latin typeface="Arial"/>
             </a:endParaRPr>
           </a:p>
         </p:txBody>
@@ -1950,8 +1771,8 @@
         </p:nvSpPr>
         <p:spPr>
           <a:xfrm>
-            <a:off x="838080" y="1825560"/>
-            <a:ext cx="5131080" cy="2075040"/>
+            <a:off x="609480" y="1604520"/>
+            <a:ext cx="5354280" cy="1896840"/>
           </a:xfrm>
           <a:prstGeom prst="rect">
             <a:avLst/>
@@ -1966,20 +1787,8 @@
             <a:normAutofit/>
           </a:bodyPr>
           <a:p>
-            <a:pPr>
-              <a:lnSpc>
-                <a:spcPct val="90000"/>
-              </a:lnSpc>
-              <a:spcBef>
-                <a:spcPts val="1417"/>
-              </a:spcBef>
-              <a:buNone/>
-            </a:pPr>
-            <a:endParaRPr b="0" lang="en-US" sz="2800" spc="-1" strike="noStrike">
-              <a:solidFill>
-                <a:srgbClr val="000000"/>
-              </a:solidFill>
-              <a:latin typeface="Calibri"/>
+            <a:endParaRPr b="0" lang="en-IE" sz="3200" spc="-1" strike="noStrike">
+              <a:latin typeface="Arial"/>
             </a:endParaRPr>
           </a:p>
         </p:txBody>
@@ -1996,8 +1805,8 @@
         </p:nvSpPr>
         <p:spPr>
           <a:xfrm>
-            <a:off x="6226200" y="1825560"/>
-            <a:ext cx="5131080" cy="4350960"/>
+            <a:off x="6231960" y="1604520"/>
+            <a:ext cx="5354280" cy="3977280"/>
           </a:xfrm>
           <a:prstGeom prst="rect">
             <a:avLst/>
@@ -2012,20 +1821,8 @@
             <a:normAutofit/>
           </a:bodyPr>
           <a:p>
-            <a:pPr>
-              <a:lnSpc>
-                <a:spcPct val="90000"/>
-              </a:lnSpc>
-              <a:spcBef>
-                <a:spcPts val="1417"/>
-              </a:spcBef>
-              <a:buNone/>
-            </a:pPr>
-            <a:endParaRPr b="0" lang="en-US" sz="2800" spc="-1" strike="noStrike">
-              <a:solidFill>
-                <a:srgbClr val="000000"/>
-              </a:solidFill>
-              <a:latin typeface="Calibri"/>
+            <a:endParaRPr b="0" lang="en-IE" sz="3200" spc="-1" strike="noStrike">
+              <a:latin typeface="Arial"/>
             </a:endParaRPr>
           </a:p>
         </p:txBody>
@@ -2042,8 +1839,8 @@
         </p:nvSpPr>
         <p:spPr>
           <a:xfrm>
-            <a:off x="838080" y="4098240"/>
-            <a:ext cx="5131080" cy="2075040"/>
+            <a:off x="609480" y="3682080"/>
+            <a:ext cx="5354280" cy="1896840"/>
           </a:xfrm>
           <a:prstGeom prst="rect">
             <a:avLst/>
@@ -2058,20 +1855,8 @@
             <a:normAutofit/>
           </a:bodyPr>
           <a:p>
-            <a:pPr>
-              <a:lnSpc>
-                <a:spcPct val="90000"/>
-              </a:lnSpc>
-              <a:spcBef>
-                <a:spcPts val="1417"/>
-              </a:spcBef>
-              <a:buNone/>
-            </a:pPr>
-            <a:endParaRPr b="0" lang="en-US" sz="2800" spc="-1" strike="noStrike">
-              <a:solidFill>
-                <a:srgbClr val="000000"/>
-              </a:solidFill>
-              <a:latin typeface="Calibri"/>
+            <a:endParaRPr b="0" lang="en-IE" sz="3200" spc="-1" strike="noStrike">
+              <a:latin typeface="Arial"/>
             </a:endParaRPr>
           </a:p>
         </p:txBody>
@@ -2083,7 +1868,7 @@
             <a:spLocks noGrp="1"/>
           </p:cNvSpPr>
           <p:nvPr>
-            <p:ph type="ftr" idx="5"/>
+            <p:ph type="ftr" idx="4"/>
           </p:nvPr>
         </p:nvSpPr>
         <p:spPr/>
@@ -2103,14 +1888,14 @@
             <a:spLocks noGrp="1"/>
           </p:cNvSpPr>
           <p:nvPr>
-            <p:ph type="sldNum" idx="6"/>
+            <p:ph type="sldNum" idx="5"/>
           </p:nvPr>
         </p:nvSpPr>
         <p:spPr/>
         <p:txBody>
           <a:bodyPr/>
           <a:p>
-            <a:fld id="{FE2251E1-2F67-43AC-B63A-1A3231989A4C}" type="slidenum">
+            <a:fld id="{D974A659-94BE-4F93-B9E1-B23BC2A0C3C1}" type="slidenum">
               <a:t>&lt;#&gt;</a:t>
             </a:fld>
           </a:p>
@@ -2123,7 +1908,7 @@
             <a:spLocks noGrp="1"/>
           </p:cNvSpPr>
           <p:nvPr>
-            <p:ph type="dt" idx="4"/>
+            <p:ph type="dt" idx="6"/>
           </p:nvPr>
         </p:nvSpPr>
         <p:spPr/>
@@ -2171,8 +1956,8 @@
         </p:nvSpPr>
         <p:spPr>
           <a:xfrm>
-            <a:off x="838080" y="365040"/>
-            <a:ext cx="10515240" cy="1325160"/>
+            <a:off x="609480" y="273600"/>
+            <a:ext cx="10972440" cy="1144800"/>
           </a:xfrm>
           <a:prstGeom prst="rect">
             <a:avLst/>
@@ -2187,11 +1972,11 @@
             <a:noAutofit/>
           </a:bodyPr>
           <a:p>
-            <a:endParaRPr b="0" lang="en-US" sz="1800" spc="-1" strike="noStrike">
-              <a:solidFill>
-                <a:srgbClr val="000000"/>
-              </a:solidFill>
-              <a:latin typeface="Calibri"/>
+            <a:pPr algn="ctr">
+              <a:buNone/>
+            </a:pPr>
+            <a:endParaRPr b="0" lang="en-IE" sz="4400" spc="-1" strike="noStrike">
+              <a:latin typeface="Arial"/>
             </a:endParaRPr>
           </a:p>
         </p:txBody>
@@ -2208,8 +1993,8 @@
         </p:nvSpPr>
         <p:spPr>
           <a:xfrm>
-            <a:off x="838080" y="1825560"/>
-            <a:ext cx="10515240" cy="4350960"/>
+            <a:off x="609480" y="1604520"/>
+            <a:ext cx="10972440" cy="3977280"/>
           </a:xfrm>
           <a:prstGeom prst="rect">
             <a:avLst/>
@@ -2240,7 +2025,7 @@
             <a:spLocks noGrp="1"/>
           </p:cNvSpPr>
           <p:nvPr>
-            <p:ph type="ftr" idx="2"/>
+            <p:ph type="ftr" idx="1"/>
           </p:nvPr>
         </p:nvSpPr>
         <p:spPr/>
@@ -2260,14 +2045,14 @@
             <a:spLocks noGrp="1"/>
           </p:cNvSpPr>
           <p:nvPr>
-            <p:ph type="sldNum" idx="3"/>
+            <p:ph type="sldNum" idx="2"/>
           </p:nvPr>
         </p:nvSpPr>
         <p:spPr/>
         <p:txBody>
           <a:bodyPr/>
           <a:p>
-            <a:fld id="{F54E8F5E-E175-4FAF-A5D9-CAB39D7D854F}" type="slidenum">
+            <a:fld id="{47F9BC83-F17E-481A-820C-5429FBCC0771}" type="slidenum">
               <a:t>&lt;#&gt;</a:t>
             </a:fld>
           </a:p>
@@ -2280,7 +2065,7 @@
             <a:spLocks noGrp="1"/>
           </p:cNvSpPr>
           <p:nvPr>
-            <p:ph type="dt" idx="1"/>
+            <p:ph type="dt" idx="3"/>
           </p:nvPr>
         </p:nvSpPr>
         <p:spPr/>
@@ -2328,8 +2113,8 @@
         </p:nvSpPr>
         <p:spPr>
           <a:xfrm>
-            <a:off x="838080" y="365040"/>
-            <a:ext cx="10515240" cy="1325160"/>
+            <a:off x="609480" y="273600"/>
+            <a:ext cx="10972440" cy="1144800"/>
           </a:xfrm>
           <a:prstGeom prst="rect">
             <a:avLst/>
@@ -2344,11 +2129,11 @@
             <a:noAutofit/>
           </a:bodyPr>
           <a:p>
-            <a:endParaRPr b="0" lang="en-US" sz="1800" spc="-1" strike="noStrike">
-              <a:solidFill>
-                <a:srgbClr val="000000"/>
-              </a:solidFill>
-              <a:latin typeface="Calibri"/>
+            <a:pPr algn="ctr">
+              <a:buNone/>
+            </a:pPr>
+            <a:endParaRPr b="0" lang="en-IE" sz="4400" spc="-1" strike="noStrike">
+              <a:latin typeface="Arial"/>
             </a:endParaRPr>
           </a:p>
         </p:txBody>
@@ -2365,8 +2150,8 @@
         </p:nvSpPr>
         <p:spPr>
           <a:xfrm>
-            <a:off x="838080" y="1825560"/>
-            <a:ext cx="5131080" cy="4350960"/>
+            <a:off x="609480" y="1604520"/>
+            <a:ext cx="5354280" cy="3977280"/>
           </a:xfrm>
           <a:prstGeom prst="rect">
             <a:avLst/>
@@ -2381,20 +2166,8 @@
             <a:normAutofit/>
           </a:bodyPr>
           <a:p>
-            <a:pPr>
-              <a:lnSpc>
-                <a:spcPct val="90000"/>
-              </a:lnSpc>
-              <a:spcBef>
-                <a:spcPts val="1417"/>
-              </a:spcBef>
-              <a:buNone/>
-            </a:pPr>
-            <a:endParaRPr b="0" lang="en-US" sz="2800" spc="-1" strike="noStrike">
-              <a:solidFill>
-                <a:srgbClr val="000000"/>
-              </a:solidFill>
-              <a:latin typeface="Calibri"/>
+            <a:endParaRPr b="0" lang="en-IE" sz="3200" spc="-1" strike="noStrike">
+              <a:latin typeface="Arial"/>
             </a:endParaRPr>
           </a:p>
         </p:txBody>
@@ -2411,8 +2184,8 @@
         </p:nvSpPr>
         <p:spPr>
           <a:xfrm>
-            <a:off x="6226200" y="1825560"/>
-            <a:ext cx="5131080" cy="2075040"/>
+            <a:off x="6231960" y="1604520"/>
+            <a:ext cx="5354280" cy="1896840"/>
           </a:xfrm>
           <a:prstGeom prst="rect">
             <a:avLst/>
@@ -2427,20 +2200,8 @@
             <a:normAutofit/>
           </a:bodyPr>
           <a:p>
-            <a:pPr>
-              <a:lnSpc>
-                <a:spcPct val="90000"/>
-              </a:lnSpc>
-              <a:spcBef>
-                <a:spcPts val="1417"/>
-              </a:spcBef>
-              <a:buNone/>
-            </a:pPr>
-            <a:endParaRPr b="0" lang="en-US" sz="2800" spc="-1" strike="noStrike">
-              <a:solidFill>
-                <a:srgbClr val="000000"/>
-              </a:solidFill>
-              <a:latin typeface="Calibri"/>
+            <a:endParaRPr b="0" lang="en-IE" sz="3200" spc="-1" strike="noStrike">
+              <a:latin typeface="Arial"/>
             </a:endParaRPr>
           </a:p>
         </p:txBody>
@@ -2457,8 +2218,8 @@
         </p:nvSpPr>
         <p:spPr>
           <a:xfrm>
-            <a:off x="6226200" y="4098240"/>
-            <a:ext cx="5131080" cy="2075040"/>
+            <a:off x="6231960" y="3682080"/>
+            <a:ext cx="5354280" cy="1896840"/>
           </a:xfrm>
           <a:prstGeom prst="rect">
             <a:avLst/>
@@ -2473,20 +2234,8 @@
             <a:normAutofit/>
           </a:bodyPr>
           <a:p>
-            <a:pPr>
-              <a:lnSpc>
-                <a:spcPct val="90000"/>
-              </a:lnSpc>
-              <a:spcBef>
-                <a:spcPts val="1417"/>
-              </a:spcBef>
-              <a:buNone/>
-            </a:pPr>
-            <a:endParaRPr b="0" lang="en-US" sz="2800" spc="-1" strike="noStrike">
-              <a:solidFill>
-                <a:srgbClr val="000000"/>
-              </a:solidFill>
-              <a:latin typeface="Calibri"/>
+            <a:endParaRPr b="0" lang="en-IE" sz="3200" spc="-1" strike="noStrike">
+              <a:latin typeface="Arial"/>
             </a:endParaRPr>
           </a:p>
         </p:txBody>
@@ -2498,7 +2247,7 @@
             <a:spLocks noGrp="1"/>
           </p:cNvSpPr>
           <p:nvPr>
-            <p:ph type="ftr" idx="5"/>
+            <p:ph type="ftr" idx="4"/>
           </p:nvPr>
         </p:nvSpPr>
         <p:spPr/>
@@ -2518,14 +2267,14 @@
             <a:spLocks noGrp="1"/>
           </p:cNvSpPr>
           <p:nvPr>
-            <p:ph type="sldNum" idx="6"/>
+            <p:ph type="sldNum" idx="5"/>
           </p:nvPr>
         </p:nvSpPr>
         <p:spPr/>
         <p:txBody>
           <a:bodyPr/>
           <a:p>
-            <a:fld id="{61F0CAE7-5B0B-47BE-AB31-1585EF861A08}" type="slidenum">
+            <a:fld id="{06D5054F-712A-4F80-B511-ED19B94C8CD3}" type="slidenum">
               <a:t>&lt;#&gt;</a:t>
             </a:fld>
           </a:p>
@@ -2538,7 +2287,7 @@
             <a:spLocks noGrp="1"/>
           </p:cNvSpPr>
           <p:nvPr>
-            <p:ph type="dt" idx="4"/>
+            <p:ph type="dt" idx="6"/>
           </p:nvPr>
         </p:nvSpPr>
         <p:spPr/>
@@ -2586,8 +2335,8 @@
         </p:nvSpPr>
         <p:spPr>
           <a:xfrm>
-            <a:off x="838080" y="365040"/>
-            <a:ext cx="10515240" cy="1325160"/>
+            <a:off x="609480" y="273600"/>
+            <a:ext cx="10972440" cy="1144800"/>
           </a:xfrm>
           <a:prstGeom prst="rect">
             <a:avLst/>
@@ -2602,11 +2351,11 @@
             <a:noAutofit/>
           </a:bodyPr>
           <a:p>
-            <a:endParaRPr b="0" lang="en-US" sz="1800" spc="-1" strike="noStrike">
-              <a:solidFill>
-                <a:srgbClr val="000000"/>
-              </a:solidFill>
-              <a:latin typeface="Calibri"/>
+            <a:pPr algn="ctr">
+              <a:buNone/>
+            </a:pPr>
+            <a:endParaRPr b="0" lang="en-IE" sz="4400" spc="-1" strike="noStrike">
+              <a:latin typeface="Arial"/>
             </a:endParaRPr>
           </a:p>
         </p:txBody>
@@ -2623,8 +2372,8 @@
         </p:nvSpPr>
         <p:spPr>
           <a:xfrm>
-            <a:off x="838080" y="1825560"/>
-            <a:ext cx="5131080" cy="2075040"/>
+            <a:off x="609480" y="1604520"/>
+            <a:ext cx="5354280" cy="1896840"/>
           </a:xfrm>
           <a:prstGeom prst="rect">
             <a:avLst/>
@@ -2639,20 +2388,8 @@
             <a:normAutofit/>
           </a:bodyPr>
           <a:p>
-            <a:pPr>
-              <a:lnSpc>
-                <a:spcPct val="90000"/>
-              </a:lnSpc>
-              <a:spcBef>
-                <a:spcPts val="1417"/>
-              </a:spcBef>
-              <a:buNone/>
-            </a:pPr>
-            <a:endParaRPr b="0" lang="en-US" sz="2800" spc="-1" strike="noStrike">
-              <a:solidFill>
-                <a:srgbClr val="000000"/>
-              </a:solidFill>
-              <a:latin typeface="Calibri"/>
+            <a:endParaRPr b="0" lang="en-IE" sz="3200" spc="-1" strike="noStrike">
+              <a:latin typeface="Arial"/>
             </a:endParaRPr>
           </a:p>
         </p:txBody>
@@ -2669,8 +2406,8 @@
         </p:nvSpPr>
         <p:spPr>
           <a:xfrm>
-            <a:off x="6226200" y="1825560"/>
-            <a:ext cx="5131080" cy="2075040"/>
+            <a:off x="6231960" y="1604520"/>
+            <a:ext cx="5354280" cy="1896840"/>
           </a:xfrm>
           <a:prstGeom prst="rect">
             <a:avLst/>
@@ -2685,20 +2422,8 @@
             <a:normAutofit/>
           </a:bodyPr>
           <a:p>
-            <a:pPr>
-              <a:lnSpc>
-                <a:spcPct val="90000"/>
-              </a:lnSpc>
-              <a:spcBef>
-                <a:spcPts val="1417"/>
-              </a:spcBef>
-              <a:buNone/>
-            </a:pPr>
-            <a:endParaRPr b="0" lang="en-US" sz="2800" spc="-1" strike="noStrike">
-              <a:solidFill>
-                <a:srgbClr val="000000"/>
-              </a:solidFill>
-              <a:latin typeface="Calibri"/>
+            <a:endParaRPr b="0" lang="en-IE" sz="3200" spc="-1" strike="noStrike">
+              <a:latin typeface="Arial"/>
             </a:endParaRPr>
           </a:p>
         </p:txBody>
@@ -2715,8 +2440,8 @@
         </p:nvSpPr>
         <p:spPr>
           <a:xfrm>
-            <a:off x="838080" y="4098240"/>
-            <a:ext cx="10515240" cy="2075040"/>
+            <a:off x="609480" y="3682080"/>
+            <a:ext cx="10972440" cy="1896840"/>
           </a:xfrm>
           <a:prstGeom prst="rect">
             <a:avLst/>
@@ -2731,20 +2456,8 @@
             <a:normAutofit/>
           </a:bodyPr>
           <a:p>
-            <a:pPr>
-              <a:lnSpc>
-                <a:spcPct val="90000"/>
-              </a:lnSpc>
-              <a:spcBef>
-                <a:spcPts val="1417"/>
-              </a:spcBef>
-              <a:buNone/>
-            </a:pPr>
-            <a:endParaRPr b="0" lang="en-US" sz="2800" spc="-1" strike="noStrike">
-              <a:solidFill>
-                <a:srgbClr val="000000"/>
-              </a:solidFill>
-              <a:latin typeface="Calibri"/>
+            <a:endParaRPr b="0" lang="en-IE" sz="3200" spc="-1" strike="noStrike">
+              <a:latin typeface="Arial"/>
             </a:endParaRPr>
           </a:p>
         </p:txBody>
@@ -2756,7 +2469,7 @@
             <a:spLocks noGrp="1"/>
           </p:cNvSpPr>
           <p:nvPr>
-            <p:ph type="ftr" idx="5"/>
+            <p:ph type="ftr" idx="4"/>
           </p:nvPr>
         </p:nvSpPr>
         <p:spPr/>
@@ -2776,14 +2489,14 @@
             <a:spLocks noGrp="1"/>
           </p:cNvSpPr>
           <p:nvPr>
-            <p:ph type="sldNum" idx="6"/>
+            <p:ph type="sldNum" idx="5"/>
           </p:nvPr>
         </p:nvSpPr>
         <p:spPr/>
         <p:txBody>
           <a:bodyPr/>
           <a:p>
-            <a:fld id="{6F10CBA2-9CEE-4C82-B9DA-AA115726C337}" type="slidenum">
+            <a:fld id="{BC7142C5-3A82-4AB8-985A-BC3836AEAA27}" type="slidenum">
               <a:t>&lt;#&gt;</a:t>
             </a:fld>
           </a:p>
@@ -2796,7 +2509,7 @@
             <a:spLocks noGrp="1"/>
           </p:cNvSpPr>
           <p:nvPr>
-            <p:ph type="dt" idx="4"/>
+            <p:ph type="dt" idx="6"/>
           </p:nvPr>
         </p:nvSpPr>
         <p:spPr/>
@@ -2844,8 +2557,8 @@
         </p:nvSpPr>
         <p:spPr>
           <a:xfrm>
-            <a:off x="838080" y="365040"/>
-            <a:ext cx="10515240" cy="1325160"/>
+            <a:off x="609480" y="273600"/>
+            <a:ext cx="10972440" cy="1144800"/>
           </a:xfrm>
           <a:prstGeom prst="rect">
             <a:avLst/>
@@ -2860,11 +2573,11 @@
             <a:noAutofit/>
           </a:bodyPr>
           <a:p>
-            <a:endParaRPr b="0" lang="en-US" sz="1800" spc="-1" strike="noStrike">
-              <a:solidFill>
-                <a:srgbClr val="000000"/>
-              </a:solidFill>
-              <a:latin typeface="Calibri"/>
+            <a:pPr algn="ctr">
+              <a:buNone/>
+            </a:pPr>
+            <a:endParaRPr b="0" lang="en-IE" sz="4400" spc="-1" strike="noStrike">
+              <a:latin typeface="Arial"/>
             </a:endParaRPr>
           </a:p>
         </p:txBody>
@@ -2881,8 +2594,8 @@
         </p:nvSpPr>
         <p:spPr>
           <a:xfrm>
-            <a:off x="838080" y="1825560"/>
-            <a:ext cx="10515240" cy="2075040"/>
+            <a:off x="609480" y="1604520"/>
+            <a:ext cx="10972440" cy="1896840"/>
           </a:xfrm>
           <a:prstGeom prst="rect">
             <a:avLst/>
@@ -2897,20 +2610,8 @@
             <a:normAutofit/>
           </a:bodyPr>
           <a:p>
-            <a:pPr>
-              <a:lnSpc>
-                <a:spcPct val="90000"/>
-              </a:lnSpc>
-              <a:spcBef>
-                <a:spcPts val="1417"/>
-              </a:spcBef>
-              <a:buNone/>
-            </a:pPr>
-            <a:endParaRPr b="0" lang="en-US" sz="2800" spc="-1" strike="noStrike">
-              <a:solidFill>
-                <a:srgbClr val="000000"/>
-              </a:solidFill>
-              <a:latin typeface="Calibri"/>
+            <a:endParaRPr b="0" lang="en-IE" sz="3200" spc="-1" strike="noStrike">
+              <a:latin typeface="Arial"/>
             </a:endParaRPr>
           </a:p>
         </p:txBody>
@@ -2927,8 +2628,8 @@
         </p:nvSpPr>
         <p:spPr>
           <a:xfrm>
-            <a:off x="838080" y="4098240"/>
-            <a:ext cx="10515240" cy="2075040"/>
+            <a:off x="609480" y="3682080"/>
+            <a:ext cx="10972440" cy="1896840"/>
           </a:xfrm>
           <a:prstGeom prst="rect">
             <a:avLst/>
@@ -2943,20 +2644,8 @@
             <a:normAutofit/>
           </a:bodyPr>
           <a:p>
-            <a:pPr>
-              <a:lnSpc>
-                <a:spcPct val="90000"/>
-              </a:lnSpc>
-              <a:spcBef>
-                <a:spcPts val="1417"/>
-              </a:spcBef>
-              <a:buNone/>
-            </a:pPr>
-            <a:endParaRPr b="0" lang="en-US" sz="2800" spc="-1" strike="noStrike">
-              <a:solidFill>
-                <a:srgbClr val="000000"/>
-              </a:solidFill>
-              <a:latin typeface="Calibri"/>
+            <a:endParaRPr b="0" lang="en-IE" sz="3200" spc="-1" strike="noStrike">
+              <a:latin typeface="Arial"/>
             </a:endParaRPr>
           </a:p>
         </p:txBody>
@@ -2968,7 +2657,7 @@
             <a:spLocks noGrp="1"/>
           </p:cNvSpPr>
           <p:nvPr>
-            <p:ph type="ftr" idx="5"/>
+            <p:ph type="ftr" idx="4"/>
           </p:nvPr>
         </p:nvSpPr>
         <p:spPr/>
@@ -2988,14 +2677,14 @@
             <a:spLocks noGrp="1"/>
           </p:cNvSpPr>
           <p:nvPr>
-            <p:ph type="sldNum" idx="6"/>
+            <p:ph type="sldNum" idx="5"/>
           </p:nvPr>
         </p:nvSpPr>
         <p:spPr/>
         <p:txBody>
           <a:bodyPr/>
           <a:p>
-            <a:fld id="{C6944F0F-8E1C-41DF-A176-BFA5F913CED2}" type="slidenum">
+            <a:fld id="{DEA7F238-9342-4FA6-B4C0-328DCB655BB3}" type="slidenum">
               <a:t>&lt;#&gt;</a:t>
             </a:fld>
           </a:p>
@@ -3008,7 +2697,7 @@
             <a:spLocks noGrp="1"/>
           </p:cNvSpPr>
           <p:nvPr>
-            <p:ph type="dt" idx="4"/>
+            <p:ph type="dt" idx="6"/>
           </p:nvPr>
         </p:nvSpPr>
         <p:spPr/>
@@ -3056,8 +2745,8 @@
         </p:nvSpPr>
         <p:spPr>
           <a:xfrm>
-            <a:off x="838080" y="365040"/>
-            <a:ext cx="10515240" cy="1325160"/>
+            <a:off x="609480" y="273600"/>
+            <a:ext cx="10972440" cy="1144800"/>
           </a:xfrm>
           <a:prstGeom prst="rect">
             <a:avLst/>
@@ -3072,11 +2761,11 @@
             <a:noAutofit/>
           </a:bodyPr>
           <a:p>
-            <a:endParaRPr b="0" lang="en-US" sz="1800" spc="-1" strike="noStrike">
-              <a:solidFill>
-                <a:srgbClr val="000000"/>
-              </a:solidFill>
-              <a:latin typeface="Calibri"/>
+            <a:pPr algn="ctr">
+              <a:buNone/>
+            </a:pPr>
+            <a:endParaRPr b="0" lang="en-IE" sz="4400" spc="-1" strike="noStrike">
+              <a:latin typeface="Arial"/>
             </a:endParaRPr>
           </a:p>
         </p:txBody>
@@ -3093,8 +2782,8 @@
         </p:nvSpPr>
         <p:spPr>
           <a:xfrm>
-            <a:off x="838080" y="1825560"/>
-            <a:ext cx="5131080" cy="2075040"/>
+            <a:off x="609480" y="1604520"/>
+            <a:ext cx="5354280" cy="1896840"/>
           </a:xfrm>
           <a:prstGeom prst="rect">
             <a:avLst/>
@@ -3109,20 +2798,8 @@
             <a:normAutofit/>
           </a:bodyPr>
           <a:p>
-            <a:pPr>
-              <a:lnSpc>
-                <a:spcPct val="90000"/>
-              </a:lnSpc>
-              <a:spcBef>
-                <a:spcPts val="1417"/>
-              </a:spcBef>
-              <a:buNone/>
-            </a:pPr>
-            <a:endParaRPr b="0" lang="en-US" sz="2800" spc="-1" strike="noStrike">
-              <a:solidFill>
-                <a:srgbClr val="000000"/>
-              </a:solidFill>
-              <a:latin typeface="Calibri"/>
+            <a:endParaRPr b="0" lang="en-IE" sz="3200" spc="-1" strike="noStrike">
+              <a:latin typeface="Arial"/>
             </a:endParaRPr>
           </a:p>
         </p:txBody>
@@ -3139,8 +2816,8 @@
         </p:nvSpPr>
         <p:spPr>
           <a:xfrm>
-            <a:off x="6226200" y="1825560"/>
-            <a:ext cx="5131080" cy="2075040"/>
+            <a:off x="6231960" y="1604520"/>
+            <a:ext cx="5354280" cy="1896840"/>
           </a:xfrm>
           <a:prstGeom prst="rect">
             <a:avLst/>
@@ -3155,20 +2832,8 @@
             <a:normAutofit/>
           </a:bodyPr>
           <a:p>
-            <a:pPr>
-              <a:lnSpc>
-                <a:spcPct val="90000"/>
-              </a:lnSpc>
-              <a:spcBef>
-                <a:spcPts val="1417"/>
-              </a:spcBef>
-              <a:buNone/>
-            </a:pPr>
-            <a:endParaRPr b="0" lang="en-US" sz="2800" spc="-1" strike="noStrike">
-              <a:solidFill>
-                <a:srgbClr val="000000"/>
-              </a:solidFill>
-              <a:latin typeface="Calibri"/>
+            <a:endParaRPr b="0" lang="en-IE" sz="3200" spc="-1" strike="noStrike">
+              <a:latin typeface="Arial"/>
             </a:endParaRPr>
           </a:p>
         </p:txBody>
@@ -3185,8 +2850,8 @@
         </p:nvSpPr>
         <p:spPr>
           <a:xfrm>
-            <a:off x="838080" y="4098240"/>
-            <a:ext cx="5131080" cy="2075040"/>
+            <a:off x="609480" y="3682080"/>
+            <a:ext cx="5354280" cy="1896840"/>
           </a:xfrm>
           <a:prstGeom prst="rect">
             <a:avLst/>
@@ -3201,20 +2866,8 @@
             <a:normAutofit/>
           </a:bodyPr>
           <a:p>
-            <a:pPr>
-              <a:lnSpc>
-                <a:spcPct val="90000"/>
-              </a:lnSpc>
-              <a:spcBef>
-                <a:spcPts val="1417"/>
-              </a:spcBef>
-              <a:buNone/>
-            </a:pPr>
-            <a:endParaRPr b="0" lang="en-US" sz="2800" spc="-1" strike="noStrike">
-              <a:solidFill>
-                <a:srgbClr val="000000"/>
-              </a:solidFill>
-              <a:latin typeface="Calibri"/>
+            <a:endParaRPr b="0" lang="en-IE" sz="3200" spc="-1" strike="noStrike">
+              <a:latin typeface="Arial"/>
             </a:endParaRPr>
           </a:p>
         </p:txBody>
@@ -3231,8 +2884,8 @@
         </p:nvSpPr>
         <p:spPr>
           <a:xfrm>
-            <a:off x="6226200" y="4098240"/>
-            <a:ext cx="5131080" cy="2075040"/>
+            <a:off x="6231960" y="3682080"/>
+            <a:ext cx="5354280" cy="1896840"/>
           </a:xfrm>
           <a:prstGeom prst="rect">
             <a:avLst/>
@@ -3247,20 +2900,8 @@
             <a:normAutofit/>
           </a:bodyPr>
           <a:p>
-            <a:pPr>
-              <a:lnSpc>
-                <a:spcPct val="90000"/>
-              </a:lnSpc>
-              <a:spcBef>
-                <a:spcPts val="1417"/>
-              </a:spcBef>
-              <a:buNone/>
-            </a:pPr>
-            <a:endParaRPr b="0" lang="en-US" sz="2800" spc="-1" strike="noStrike">
-              <a:solidFill>
-                <a:srgbClr val="000000"/>
-              </a:solidFill>
-              <a:latin typeface="Calibri"/>
+            <a:endParaRPr b="0" lang="en-IE" sz="3200" spc="-1" strike="noStrike">
+              <a:latin typeface="Arial"/>
             </a:endParaRPr>
           </a:p>
         </p:txBody>
@@ -3272,7 +2913,7 @@
             <a:spLocks noGrp="1"/>
           </p:cNvSpPr>
           <p:nvPr>
-            <p:ph type="ftr" idx="5"/>
+            <p:ph type="ftr" idx="4"/>
           </p:nvPr>
         </p:nvSpPr>
         <p:spPr/>
@@ -3292,14 +2933,14 @@
             <a:spLocks noGrp="1"/>
           </p:cNvSpPr>
           <p:nvPr>
-            <p:ph type="sldNum" idx="6"/>
+            <p:ph type="sldNum" idx="5"/>
           </p:nvPr>
         </p:nvSpPr>
         <p:spPr/>
         <p:txBody>
           <a:bodyPr/>
           <a:p>
-            <a:fld id="{4EAD5914-156F-47EB-BD07-197048476F3B}" type="slidenum">
+            <a:fld id="{BD203AA1-5052-4413-B637-6D6F43EDAB03}" type="slidenum">
               <a:t>&lt;#&gt;</a:t>
             </a:fld>
           </a:p>
@@ -3312,7 +2953,7 @@
             <a:spLocks noGrp="1"/>
           </p:cNvSpPr>
           <p:nvPr>
-            <p:ph type="dt" idx="4"/>
+            <p:ph type="dt" idx="6"/>
           </p:nvPr>
         </p:nvSpPr>
         <p:spPr/>
@@ -3360,8 +3001,8 @@
         </p:nvSpPr>
         <p:spPr>
           <a:xfrm>
-            <a:off x="838080" y="365040"/>
-            <a:ext cx="10515240" cy="1325160"/>
+            <a:off x="609480" y="273600"/>
+            <a:ext cx="10972440" cy="1144800"/>
           </a:xfrm>
           <a:prstGeom prst="rect">
             <a:avLst/>
@@ -3376,11 +3017,11 @@
             <a:noAutofit/>
           </a:bodyPr>
           <a:p>
-            <a:endParaRPr b="0" lang="en-US" sz="1800" spc="-1" strike="noStrike">
-              <a:solidFill>
-                <a:srgbClr val="000000"/>
-              </a:solidFill>
-              <a:latin typeface="Calibri"/>
+            <a:pPr algn="ctr">
+              <a:buNone/>
+            </a:pPr>
+            <a:endParaRPr b="0" lang="en-IE" sz="4400" spc="-1" strike="noStrike">
+              <a:latin typeface="Arial"/>
             </a:endParaRPr>
           </a:p>
         </p:txBody>
@@ -3397,8 +3038,8 @@
         </p:nvSpPr>
         <p:spPr>
           <a:xfrm>
-            <a:off x="838080" y="1825560"/>
-            <a:ext cx="3385800" cy="2075040"/>
+            <a:off x="609480" y="1604520"/>
+            <a:ext cx="3533040" cy="1896840"/>
           </a:xfrm>
           <a:prstGeom prst="rect">
             <a:avLst/>
@@ -3413,20 +3054,8 @@
             <a:normAutofit/>
           </a:bodyPr>
           <a:p>
-            <a:pPr>
-              <a:lnSpc>
-                <a:spcPct val="90000"/>
-              </a:lnSpc>
-              <a:spcBef>
-                <a:spcPts val="1417"/>
-              </a:spcBef>
-              <a:buNone/>
-            </a:pPr>
-            <a:endParaRPr b="0" lang="en-US" sz="2800" spc="-1" strike="noStrike">
-              <a:solidFill>
-                <a:srgbClr val="000000"/>
-              </a:solidFill>
-              <a:latin typeface="Calibri"/>
+            <a:endParaRPr b="0" lang="en-IE" sz="3200" spc="-1" strike="noStrike">
+              <a:latin typeface="Arial"/>
             </a:endParaRPr>
           </a:p>
         </p:txBody>
@@ -3443,8 +3072,8 @@
         </p:nvSpPr>
         <p:spPr>
           <a:xfrm>
-            <a:off x="4393440" y="1825560"/>
-            <a:ext cx="3385800" cy="2075040"/>
+            <a:off x="4319640" y="1604520"/>
+            <a:ext cx="3533040" cy="1896840"/>
           </a:xfrm>
           <a:prstGeom prst="rect">
             <a:avLst/>
@@ -3459,20 +3088,8 @@
             <a:normAutofit/>
           </a:bodyPr>
           <a:p>
-            <a:pPr>
-              <a:lnSpc>
-                <a:spcPct val="90000"/>
-              </a:lnSpc>
-              <a:spcBef>
-                <a:spcPts val="1417"/>
-              </a:spcBef>
-              <a:buNone/>
-            </a:pPr>
-            <a:endParaRPr b="0" lang="en-US" sz="2800" spc="-1" strike="noStrike">
-              <a:solidFill>
-                <a:srgbClr val="000000"/>
-              </a:solidFill>
-              <a:latin typeface="Calibri"/>
+            <a:endParaRPr b="0" lang="en-IE" sz="3200" spc="-1" strike="noStrike">
+              <a:latin typeface="Arial"/>
             </a:endParaRPr>
           </a:p>
         </p:txBody>
@@ -3489,8 +3106,8 @@
         </p:nvSpPr>
         <p:spPr>
           <a:xfrm>
-            <a:off x="7949160" y="1825560"/>
-            <a:ext cx="3385800" cy="2075040"/>
+            <a:off x="8029800" y="1604520"/>
+            <a:ext cx="3533040" cy="1896840"/>
           </a:xfrm>
           <a:prstGeom prst="rect">
             <a:avLst/>
@@ -3505,20 +3122,8 @@
             <a:normAutofit/>
           </a:bodyPr>
           <a:p>
-            <a:pPr>
-              <a:lnSpc>
-                <a:spcPct val="90000"/>
-              </a:lnSpc>
-              <a:spcBef>
-                <a:spcPts val="1417"/>
-              </a:spcBef>
-              <a:buNone/>
-            </a:pPr>
-            <a:endParaRPr b="0" lang="en-US" sz="2800" spc="-1" strike="noStrike">
-              <a:solidFill>
-                <a:srgbClr val="000000"/>
-              </a:solidFill>
-              <a:latin typeface="Calibri"/>
+            <a:endParaRPr b="0" lang="en-IE" sz="3200" spc="-1" strike="noStrike">
+              <a:latin typeface="Arial"/>
             </a:endParaRPr>
           </a:p>
         </p:txBody>
@@ -3535,8 +3140,8 @@
         </p:nvSpPr>
         <p:spPr>
           <a:xfrm>
-            <a:off x="838080" y="4098240"/>
-            <a:ext cx="3385800" cy="2075040"/>
+            <a:off x="609480" y="3682080"/>
+            <a:ext cx="3533040" cy="1896840"/>
           </a:xfrm>
           <a:prstGeom prst="rect">
             <a:avLst/>
@@ -3551,20 +3156,8 @@
             <a:normAutofit/>
           </a:bodyPr>
           <a:p>
-            <a:pPr>
-              <a:lnSpc>
-                <a:spcPct val="90000"/>
-              </a:lnSpc>
-              <a:spcBef>
-                <a:spcPts val="1417"/>
-              </a:spcBef>
-              <a:buNone/>
-            </a:pPr>
-            <a:endParaRPr b="0" lang="en-US" sz="2800" spc="-1" strike="noStrike">
-              <a:solidFill>
-                <a:srgbClr val="000000"/>
-              </a:solidFill>
-              <a:latin typeface="Calibri"/>
+            <a:endParaRPr b="0" lang="en-IE" sz="3200" spc="-1" strike="noStrike">
+              <a:latin typeface="Arial"/>
             </a:endParaRPr>
           </a:p>
         </p:txBody>
@@ -3581,8 +3174,8 @@
         </p:nvSpPr>
         <p:spPr>
           <a:xfrm>
-            <a:off x="4393440" y="4098240"/>
-            <a:ext cx="3385800" cy="2075040"/>
+            <a:off x="4319640" y="3682080"/>
+            <a:ext cx="3533040" cy="1896840"/>
           </a:xfrm>
           <a:prstGeom prst="rect">
             <a:avLst/>
@@ -3597,20 +3190,8 @@
             <a:normAutofit/>
           </a:bodyPr>
           <a:p>
-            <a:pPr>
-              <a:lnSpc>
-                <a:spcPct val="90000"/>
-              </a:lnSpc>
-              <a:spcBef>
-                <a:spcPts val="1417"/>
-              </a:spcBef>
-              <a:buNone/>
-            </a:pPr>
-            <a:endParaRPr b="0" lang="en-US" sz="2800" spc="-1" strike="noStrike">
-              <a:solidFill>
-                <a:srgbClr val="000000"/>
-              </a:solidFill>
-              <a:latin typeface="Calibri"/>
+            <a:endParaRPr b="0" lang="en-IE" sz="3200" spc="-1" strike="noStrike">
+              <a:latin typeface="Arial"/>
             </a:endParaRPr>
           </a:p>
         </p:txBody>
@@ -3627,8 +3208,8 @@
         </p:nvSpPr>
         <p:spPr>
           <a:xfrm>
-            <a:off x="7949160" y="4098240"/>
-            <a:ext cx="3385800" cy="2075040"/>
+            <a:off x="8029800" y="3682080"/>
+            <a:ext cx="3533040" cy="1896840"/>
           </a:xfrm>
           <a:prstGeom prst="rect">
             <a:avLst/>
@@ -3643,20 +3224,8 @@
             <a:normAutofit/>
           </a:bodyPr>
           <a:p>
-            <a:pPr>
-              <a:lnSpc>
-                <a:spcPct val="90000"/>
-              </a:lnSpc>
-              <a:spcBef>
-                <a:spcPts val="1417"/>
-              </a:spcBef>
-              <a:buNone/>
-            </a:pPr>
-            <a:endParaRPr b="0" lang="en-US" sz="2800" spc="-1" strike="noStrike">
-              <a:solidFill>
-                <a:srgbClr val="000000"/>
-              </a:solidFill>
-              <a:latin typeface="Calibri"/>
+            <a:endParaRPr b="0" lang="en-IE" sz="3200" spc="-1" strike="noStrike">
+              <a:latin typeface="Arial"/>
             </a:endParaRPr>
           </a:p>
         </p:txBody>
@@ -3668,7 +3237,7 @@
             <a:spLocks noGrp="1"/>
           </p:cNvSpPr>
           <p:nvPr>
-            <p:ph type="ftr" idx="5"/>
+            <p:ph type="ftr" idx="4"/>
           </p:nvPr>
         </p:nvSpPr>
         <p:spPr/>
@@ -3688,14 +3257,14 @@
             <a:spLocks noGrp="1"/>
           </p:cNvSpPr>
           <p:nvPr>
-            <p:ph type="sldNum" idx="6"/>
+            <p:ph type="sldNum" idx="5"/>
           </p:nvPr>
         </p:nvSpPr>
         <p:spPr/>
         <p:txBody>
           <a:bodyPr/>
           <a:p>
-            <a:fld id="{67446DEF-3A95-4127-9C05-B30F73E5C222}" type="slidenum">
+            <a:fld id="{1A0CB73C-2EE6-4906-91DB-81AA719CAEFD}" type="slidenum">
               <a:t>&lt;#&gt;</a:t>
             </a:fld>
           </a:p>
@@ -3708,7 +3277,7 @@
             <a:spLocks noGrp="1"/>
           </p:cNvSpPr>
           <p:nvPr>
-            <p:ph type="dt" idx="4"/>
+            <p:ph type="dt" idx="6"/>
           </p:nvPr>
         </p:nvSpPr>
         <p:spPr/>
@@ -3756,8 +3325,8 @@
         </p:nvSpPr>
         <p:spPr>
           <a:xfrm>
-            <a:off x="838080" y="365040"/>
-            <a:ext cx="10515240" cy="1325160"/>
+            <a:off x="609480" y="273600"/>
+            <a:ext cx="10972440" cy="1144800"/>
           </a:xfrm>
           <a:prstGeom prst="rect">
             <a:avLst/>
@@ -3772,11 +3341,11 @@
             <a:noAutofit/>
           </a:bodyPr>
           <a:p>
-            <a:endParaRPr b="0" lang="en-US" sz="1800" spc="-1" strike="noStrike">
-              <a:solidFill>
-                <a:srgbClr val="000000"/>
-              </a:solidFill>
-              <a:latin typeface="Calibri"/>
+            <a:pPr algn="ctr">
+              <a:buNone/>
+            </a:pPr>
+            <a:endParaRPr b="0" lang="en-IE" sz="4400" spc="-1" strike="noStrike">
+              <a:latin typeface="Arial"/>
             </a:endParaRPr>
           </a:p>
         </p:txBody>
@@ -3793,8 +3362,8 @@
         </p:nvSpPr>
         <p:spPr>
           <a:xfrm>
-            <a:off x="838080" y="1825560"/>
-            <a:ext cx="10515240" cy="4350960"/>
+            <a:off x="609480" y="1604520"/>
+            <a:ext cx="10972440" cy="3977280"/>
           </a:xfrm>
           <a:prstGeom prst="rect">
             <a:avLst/>
@@ -3809,20 +3378,8 @@
             <a:normAutofit/>
           </a:bodyPr>
           <a:p>
-            <a:pPr>
-              <a:lnSpc>
-                <a:spcPct val="90000"/>
-              </a:lnSpc>
-              <a:spcBef>
-                <a:spcPts val="1417"/>
-              </a:spcBef>
-              <a:buNone/>
-            </a:pPr>
-            <a:endParaRPr b="0" lang="en-US" sz="2800" spc="-1" strike="noStrike">
-              <a:solidFill>
-                <a:srgbClr val="000000"/>
-              </a:solidFill>
-              <a:latin typeface="Calibri"/>
+            <a:endParaRPr b="0" lang="en-IE" sz="3200" spc="-1" strike="noStrike">
+              <a:latin typeface="Arial"/>
             </a:endParaRPr>
           </a:p>
         </p:txBody>
@@ -3834,7 +3391,7 @@
             <a:spLocks noGrp="1"/>
           </p:cNvSpPr>
           <p:nvPr>
-            <p:ph type="ftr" idx="2"/>
+            <p:ph type="ftr" idx="1"/>
           </p:nvPr>
         </p:nvSpPr>
         <p:spPr/>
@@ -3854,14 +3411,14 @@
             <a:spLocks noGrp="1"/>
           </p:cNvSpPr>
           <p:nvPr>
-            <p:ph type="sldNum" idx="3"/>
+            <p:ph type="sldNum" idx="2"/>
           </p:nvPr>
         </p:nvSpPr>
         <p:spPr/>
         <p:txBody>
           <a:bodyPr/>
           <a:p>
-            <a:fld id="{F81844BD-1032-4D47-89CA-CEEE1AA25BE2}" type="slidenum">
+            <a:fld id="{A83A050E-65BC-4526-B58E-03DE5002E032}" type="slidenum">
               <a:t>&lt;#&gt;</a:t>
             </a:fld>
           </a:p>
@@ -3874,7 +3431,7 @@
             <a:spLocks noGrp="1"/>
           </p:cNvSpPr>
           <p:nvPr>
-            <p:ph type="dt" idx="1"/>
+            <p:ph type="dt" idx="3"/>
           </p:nvPr>
         </p:nvSpPr>
         <p:spPr/>
@@ -3922,8 +3479,8 @@
         </p:nvSpPr>
         <p:spPr>
           <a:xfrm>
-            <a:off x="838080" y="365040"/>
-            <a:ext cx="10515240" cy="1325160"/>
+            <a:off x="609480" y="273600"/>
+            <a:ext cx="10972440" cy="1144800"/>
           </a:xfrm>
           <a:prstGeom prst="rect">
             <a:avLst/>
@@ -3938,11 +3495,11 @@
             <a:noAutofit/>
           </a:bodyPr>
           <a:p>
-            <a:endParaRPr b="0" lang="en-US" sz="1800" spc="-1" strike="noStrike">
-              <a:solidFill>
-                <a:srgbClr val="000000"/>
-              </a:solidFill>
-              <a:latin typeface="Calibri"/>
+            <a:pPr algn="ctr">
+              <a:buNone/>
+            </a:pPr>
+            <a:endParaRPr b="0" lang="en-IE" sz="4400" spc="-1" strike="noStrike">
+              <a:latin typeface="Arial"/>
             </a:endParaRPr>
           </a:p>
         </p:txBody>
@@ -3959,8 +3516,8 @@
         </p:nvSpPr>
         <p:spPr>
           <a:xfrm>
-            <a:off x="838080" y="1825560"/>
-            <a:ext cx="5131080" cy="4350960"/>
+            <a:off x="609480" y="1604520"/>
+            <a:ext cx="5354280" cy="3977280"/>
           </a:xfrm>
           <a:prstGeom prst="rect">
             <a:avLst/>
@@ -3975,20 +3532,8 @@
             <a:normAutofit/>
           </a:bodyPr>
           <a:p>
-            <a:pPr>
-              <a:lnSpc>
-                <a:spcPct val="90000"/>
-              </a:lnSpc>
-              <a:spcBef>
-                <a:spcPts val="1417"/>
-              </a:spcBef>
-              <a:buNone/>
-            </a:pPr>
-            <a:endParaRPr b="0" lang="en-US" sz="2800" spc="-1" strike="noStrike">
-              <a:solidFill>
-                <a:srgbClr val="000000"/>
-              </a:solidFill>
-              <a:latin typeface="Calibri"/>
+            <a:endParaRPr b="0" lang="en-IE" sz="3200" spc="-1" strike="noStrike">
+              <a:latin typeface="Arial"/>
             </a:endParaRPr>
           </a:p>
         </p:txBody>
@@ -4005,8 +3550,8 @@
         </p:nvSpPr>
         <p:spPr>
           <a:xfrm>
-            <a:off x="6226200" y="1825560"/>
-            <a:ext cx="5131080" cy="4350960"/>
+            <a:off x="6231960" y="1604520"/>
+            <a:ext cx="5354280" cy="3977280"/>
           </a:xfrm>
           <a:prstGeom prst="rect">
             <a:avLst/>
@@ -4021,20 +3566,8 @@
             <a:normAutofit/>
           </a:bodyPr>
           <a:p>
-            <a:pPr>
-              <a:lnSpc>
-                <a:spcPct val="90000"/>
-              </a:lnSpc>
-              <a:spcBef>
-                <a:spcPts val="1417"/>
-              </a:spcBef>
-              <a:buNone/>
-            </a:pPr>
-            <a:endParaRPr b="0" lang="en-US" sz="2800" spc="-1" strike="noStrike">
-              <a:solidFill>
-                <a:srgbClr val="000000"/>
-              </a:solidFill>
-              <a:latin typeface="Calibri"/>
+            <a:endParaRPr b="0" lang="en-IE" sz="3200" spc="-1" strike="noStrike">
+              <a:latin typeface="Arial"/>
             </a:endParaRPr>
           </a:p>
         </p:txBody>
@@ -4046,7 +3579,7 @@
             <a:spLocks noGrp="1"/>
           </p:cNvSpPr>
           <p:nvPr>
-            <p:ph type="ftr" idx="2"/>
+            <p:ph type="ftr" idx="1"/>
           </p:nvPr>
         </p:nvSpPr>
         <p:spPr/>
@@ -4066,14 +3599,14 @@
             <a:spLocks noGrp="1"/>
           </p:cNvSpPr>
           <p:nvPr>
-            <p:ph type="sldNum" idx="3"/>
+            <p:ph type="sldNum" idx="2"/>
           </p:nvPr>
         </p:nvSpPr>
         <p:spPr/>
         <p:txBody>
           <a:bodyPr/>
           <a:p>
-            <a:fld id="{0F3EDB73-832E-4E02-BCDA-E7C7E375F865}" type="slidenum">
+            <a:fld id="{F0494670-8366-4137-9A32-4B9C474D87AD}" type="slidenum">
               <a:t>&lt;#&gt;</a:t>
             </a:fld>
           </a:p>
@@ -4086,7 +3619,7 @@
             <a:spLocks noGrp="1"/>
           </p:cNvSpPr>
           <p:nvPr>
-            <p:ph type="dt" idx="1"/>
+            <p:ph type="dt" idx="3"/>
           </p:nvPr>
         </p:nvSpPr>
         <p:spPr/>
@@ -4134,8 +3667,8 @@
         </p:nvSpPr>
         <p:spPr>
           <a:xfrm>
-            <a:off x="838080" y="365040"/>
-            <a:ext cx="10515240" cy="1325160"/>
+            <a:off x="609480" y="273600"/>
+            <a:ext cx="10972440" cy="1144800"/>
           </a:xfrm>
           <a:prstGeom prst="rect">
             <a:avLst/>
@@ -4150,11 +3683,11 @@
             <a:noAutofit/>
           </a:bodyPr>
           <a:p>
-            <a:endParaRPr b="0" lang="en-US" sz="1800" spc="-1" strike="noStrike">
-              <a:solidFill>
-                <a:srgbClr val="000000"/>
-              </a:solidFill>
-              <a:latin typeface="Calibri"/>
+            <a:pPr algn="ctr">
+              <a:buNone/>
+            </a:pPr>
+            <a:endParaRPr b="0" lang="en-IE" sz="4400" spc="-1" strike="noStrike">
+              <a:latin typeface="Arial"/>
             </a:endParaRPr>
           </a:p>
         </p:txBody>
@@ -4166,7 +3699,7 @@
             <a:spLocks noGrp="1"/>
           </p:cNvSpPr>
           <p:nvPr>
-            <p:ph type="ftr" idx="2"/>
+            <p:ph type="ftr" idx="1"/>
           </p:nvPr>
         </p:nvSpPr>
         <p:spPr/>
@@ -4186,14 +3719,14 @@
             <a:spLocks noGrp="1"/>
           </p:cNvSpPr>
           <p:nvPr>
-            <p:ph type="sldNum" idx="3"/>
+            <p:ph type="sldNum" idx="2"/>
           </p:nvPr>
         </p:nvSpPr>
         <p:spPr/>
         <p:txBody>
           <a:bodyPr/>
           <a:p>
-            <a:fld id="{B52B3D91-A255-4D83-87EB-78B2C7E4D668}" type="slidenum">
+            <a:fld id="{150B9FB2-042C-4FC6-83AD-3E80D6413934}" type="slidenum">
               <a:t>&lt;#&gt;</a:t>
             </a:fld>
           </a:p>
@@ -4206,7 +3739,7 @@
             <a:spLocks noGrp="1"/>
           </p:cNvSpPr>
           <p:nvPr>
-            <p:ph type="dt" idx="1"/>
+            <p:ph type="dt" idx="3"/>
           </p:nvPr>
         </p:nvSpPr>
         <p:spPr/>
@@ -4254,8 +3787,8 @@
         </p:nvSpPr>
         <p:spPr>
           <a:xfrm>
-            <a:off x="838080" y="365040"/>
-            <a:ext cx="10515240" cy="6144120"/>
+            <a:off x="609480" y="273600"/>
+            <a:ext cx="10972440" cy="5307840"/>
           </a:xfrm>
           <a:prstGeom prst="rect">
             <a:avLst/>
@@ -4286,7 +3819,7 @@
             <a:spLocks noGrp="1"/>
           </p:cNvSpPr>
           <p:nvPr>
-            <p:ph type="ftr" idx="2"/>
+            <p:ph type="ftr" idx="1"/>
           </p:nvPr>
         </p:nvSpPr>
         <p:spPr/>
@@ -4306,14 +3839,14 @@
             <a:spLocks noGrp="1"/>
           </p:cNvSpPr>
           <p:nvPr>
-            <p:ph type="sldNum" idx="3"/>
+            <p:ph type="sldNum" idx="2"/>
           </p:nvPr>
         </p:nvSpPr>
         <p:spPr/>
         <p:txBody>
           <a:bodyPr/>
           <a:p>
-            <a:fld id="{8925A19A-C8FB-4033-8EB7-2E6F2373E532}" type="slidenum">
+            <a:fld id="{B9282BE2-B494-4172-B7B5-5C78DF1CB31A}" type="slidenum">
               <a:t>&lt;#&gt;</a:t>
             </a:fld>
           </a:p>
@@ -4326,7 +3859,7 @@
             <a:spLocks noGrp="1"/>
           </p:cNvSpPr>
           <p:nvPr>
-            <p:ph type="dt" idx="1"/>
+            <p:ph type="dt" idx="3"/>
           </p:nvPr>
         </p:nvSpPr>
         <p:spPr/>
@@ -4374,8 +3907,8 @@
         </p:nvSpPr>
         <p:spPr>
           <a:xfrm>
-            <a:off x="838080" y="365040"/>
-            <a:ext cx="10515240" cy="1325160"/>
+            <a:off x="609480" y="273600"/>
+            <a:ext cx="10972440" cy="1144800"/>
           </a:xfrm>
           <a:prstGeom prst="rect">
             <a:avLst/>
@@ -4390,11 +3923,11 @@
             <a:noAutofit/>
           </a:bodyPr>
           <a:p>
-            <a:endParaRPr b="0" lang="en-US" sz="1800" spc="-1" strike="noStrike">
-              <a:solidFill>
-                <a:srgbClr val="000000"/>
-              </a:solidFill>
-              <a:latin typeface="Calibri"/>
+            <a:pPr algn="ctr">
+              <a:buNone/>
+            </a:pPr>
+            <a:endParaRPr b="0" lang="en-IE" sz="4400" spc="-1" strike="noStrike">
+              <a:latin typeface="Arial"/>
             </a:endParaRPr>
           </a:p>
         </p:txBody>
@@ -4411,8 +3944,8 @@
         </p:nvSpPr>
         <p:spPr>
           <a:xfrm>
-            <a:off x="838080" y="1825560"/>
-            <a:ext cx="5131080" cy="2075040"/>
+            <a:off x="609480" y="1604520"/>
+            <a:ext cx="5354280" cy="1896840"/>
           </a:xfrm>
           <a:prstGeom prst="rect">
             <a:avLst/>
@@ -4427,20 +3960,8 @@
             <a:normAutofit/>
           </a:bodyPr>
           <a:p>
-            <a:pPr>
-              <a:lnSpc>
-                <a:spcPct val="90000"/>
-              </a:lnSpc>
-              <a:spcBef>
-                <a:spcPts val="1417"/>
-              </a:spcBef>
-              <a:buNone/>
-            </a:pPr>
-            <a:endParaRPr b="0" lang="en-US" sz="2800" spc="-1" strike="noStrike">
-              <a:solidFill>
-                <a:srgbClr val="000000"/>
-              </a:solidFill>
-              <a:latin typeface="Calibri"/>
+            <a:endParaRPr b="0" lang="en-IE" sz="3200" spc="-1" strike="noStrike">
+              <a:latin typeface="Arial"/>
             </a:endParaRPr>
           </a:p>
         </p:txBody>
@@ -4457,8 +3978,8 @@
         </p:nvSpPr>
         <p:spPr>
           <a:xfrm>
-            <a:off x="6226200" y="1825560"/>
-            <a:ext cx="5131080" cy="4350960"/>
+            <a:off x="6231960" y="1604520"/>
+            <a:ext cx="5354280" cy="3977280"/>
           </a:xfrm>
           <a:prstGeom prst="rect">
             <a:avLst/>
@@ -4473,20 +3994,8 @@
             <a:normAutofit/>
           </a:bodyPr>
           <a:p>
-            <a:pPr>
-              <a:lnSpc>
-                <a:spcPct val="90000"/>
-              </a:lnSpc>
-              <a:spcBef>
-                <a:spcPts val="1417"/>
-              </a:spcBef>
-              <a:buNone/>
-            </a:pPr>
-            <a:endParaRPr b="0" lang="en-US" sz="2800" spc="-1" strike="noStrike">
-              <a:solidFill>
-                <a:srgbClr val="000000"/>
-              </a:solidFill>
-              <a:latin typeface="Calibri"/>
+            <a:endParaRPr b="0" lang="en-IE" sz="3200" spc="-1" strike="noStrike">
+              <a:latin typeface="Arial"/>
             </a:endParaRPr>
           </a:p>
         </p:txBody>
@@ -4503,8 +4012,8 @@
         </p:nvSpPr>
         <p:spPr>
           <a:xfrm>
-            <a:off x="838080" y="4098240"/>
-            <a:ext cx="5131080" cy="2075040"/>
+            <a:off x="609480" y="3682080"/>
+            <a:ext cx="5354280" cy="1896840"/>
           </a:xfrm>
           <a:prstGeom prst="rect">
             <a:avLst/>
@@ -4519,20 +4028,8 @@
             <a:normAutofit/>
           </a:bodyPr>
           <a:p>
-            <a:pPr>
-              <a:lnSpc>
-                <a:spcPct val="90000"/>
-              </a:lnSpc>
-              <a:spcBef>
-                <a:spcPts val="1417"/>
-              </a:spcBef>
-              <a:buNone/>
-            </a:pPr>
-            <a:endParaRPr b="0" lang="en-US" sz="2800" spc="-1" strike="noStrike">
-              <a:solidFill>
-                <a:srgbClr val="000000"/>
-              </a:solidFill>
-              <a:latin typeface="Calibri"/>
+            <a:endParaRPr b="0" lang="en-IE" sz="3200" spc="-1" strike="noStrike">
+              <a:latin typeface="Arial"/>
             </a:endParaRPr>
           </a:p>
         </p:txBody>
@@ -4544,7 +4041,7 @@
             <a:spLocks noGrp="1"/>
           </p:cNvSpPr>
           <p:nvPr>
-            <p:ph type="ftr" idx="2"/>
+            <p:ph type="ftr" idx="1"/>
           </p:nvPr>
         </p:nvSpPr>
         <p:spPr/>
@@ -4564,14 +4061,14 @@
             <a:spLocks noGrp="1"/>
           </p:cNvSpPr>
           <p:nvPr>
-            <p:ph type="sldNum" idx="3"/>
+            <p:ph type="sldNum" idx="2"/>
           </p:nvPr>
         </p:nvSpPr>
         <p:spPr/>
         <p:txBody>
           <a:bodyPr/>
           <a:p>
-            <a:fld id="{344DF115-EA86-4CB1-B270-49E304ACA033}" type="slidenum">
+            <a:fld id="{D4A64607-50C1-4444-BBC1-2AA65F159A25}" type="slidenum">
               <a:t>&lt;#&gt;</a:t>
             </a:fld>
           </a:p>
@@ -4584,7 +4081,7 @@
             <a:spLocks noGrp="1"/>
           </p:cNvSpPr>
           <p:nvPr>
-            <p:ph type="dt" idx="1"/>
+            <p:ph type="dt" idx="3"/>
           </p:nvPr>
         </p:nvSpPr>
         <p:spPr/>
@@ -4632,8 +4129,8 @@
         </p:nvSpPr>
         <p:spPr>
           <a:xfrm>
-            <a:off x="838080" y="365040"/>
-            <a:ext cx="10515240" cy="1325160"/>
+            <a:off x="609480" y="273600"/>
+            <a:ext cx="10972440" cy="1144800"/>
           </a:xfrm>
           <a:prstGeom prst="rect">
             <a:avLst/>
@@ -4648,11 +4145,11 @@
             <a:noAutofit/>
           </a:bodyPr>
           <a:p>
-            <a:endParaRPr b="0" lang="en-US" sz="1800" spc="-1" strike="noStrike">
-              <a:solidFill>
-                <a:srgbClr val="000000"/>
-              </a:solidFill>
-              <a:latin typeface="Calibri"/>
+            <a:pPr algn="ctr">
+              <a:buNone/>
+            </a:pPr>
+            <a:endParaRPr b="0" lang="en-IE" sz="4400" spc="-1" strike="noStrike">
+              <a:latin typeface="Arial"/>
             </a:endParaRPr>
           </a:p>
         </p:txBody>
@@ -4669,8 +4166,8 @@
         </p:nvSpPr>
         <p:spPr>
           <a:xfrm>
-            <a:off x="838080" y="1825560"/>
-            <a:ext cx="5131080" cy="4350960"/>
+            <a:off x="609480" y="1604520"/>
+            <a:ext cx="5354280" cy="3977280"/>
           </a:xfrm>
           <a:prstGeom prst="rect">
             <a:avLst/>
@@ -4685,20 +4182,8 @@
             <a:normAutofit/>
           </a:bodyPr>
           <a:p>
-            <a:pPr>
-              <a:lnSpc>
-                <a:spcPct val="90000"/>
-              </a:lnSpc>
-              <a:spcBef>
-                <a:spcPts val="1417"/>
-              </a:spcBef>
-              <a:buNone/>
-            </a:pPr>
-            <a:endParaRPr b="0" lang="en-US" sz="2800" spc="-1" strike="noStrike">
-              <a:solidFill>
-                <a:srgbClr val="000000"/>
-              </a:solidFill>
-              <a:latin typeface="Calibri"/>
+            <a:endParaRPr b="0" lang="en-IE" sz="3200" spc="-1" strike="noStrike">
+              <a:latin typeface="Arial"/>
             </a:endParaRPr>
           </a:p>
         </p:txBody>
@@ -4715,8 +4200,8 @@
         </p:nvSpPr>
         <p:spPr>
           <a:xfrm>
-            <a:off x="6226200" y="1825560"/>
-            <a:ext cx="5131080" cy="2075040"/>
+            <a:off x="6231960" y="1604520"/>
+            <a:ext cx="5354280" cy="1896840"/>
           </a:xfrm>
           <a:prstGeom prst="rect">
             <a:avLst/>
@@ -4731,20 +4216,8 @@
             <a:normAutofit/>
           </a:bodyPr>
           <a:p>
-            <a:pPr>
-              <a:lnSpc>
-                <a:spcPct val="90000"/>
-              </a:lnSpc>
-              <a:spcBef>
-                <a:spcPts val="1417"/>
-              </a:spcBef>
-              <a:buNone/>
-            </a:pPr>
-            <a:endParaRPr b="0" lang="en-US" sz="2800" spc="-1" strike="noStrike">
-              <a:solidFill>
-                <a:srgbClr val="000000"/>
-              </a:solidFill>
-              <a:latin typeface="Calibri"/>
+            <a:endParaRPr b="0" lang="en-IE" sz="3200" spc="-1" strike="noStrike">
+              <a:latin typeface="Arial"/>
             </a:endParaRPr>
           </a:p>
         </p:txBody>
@@ -4761,8 +4234,8 @@
         </p:nvSpPr>
         <p:spPr>
           <a:xfrm>
-            <a:off x="6226200" y="4098240"/>
-            <a:ext cx="5131080" cy="2075040"/>
+            <a:off x="6231960" y="3682080"/>
+            <a:ext cx="5354280" cy="1896840"/>
           </a:xfrm>
           <a:prstGeom prst="rect">
             <a:avLst/>
@@ -4777,20 +4250,8 @@
             <a:normAutofit/>
           </a:bodyPr>
           <a:p>
-            <a:pPr>
-              <a:lnSpc>
-                <a:spcPct val="90000"/>
-              </a:lnSpc>
-              <a:spcBef>
-                <a:spcPts val="1417"/>
-              </a:spcBef>
-              <a:buNone/>
-            </a:pPr>
-            <a:endParaRPr b="0" lang="en-US" sz="2800" spc="-1" strike="noStrike">
-              <a:solidFill>
-                <a:srgbClr val="000000"/>
-              </a:solidFill>
-              <a:latin typeface="Calibri"/>
+            <a:endParaRPr b="0" lang="en-IE" sz="3200" spc="-1" strike="noStrike">
+              <a:latin typeface="Arial"/>
             </a:endParaRPr>
           </a:p>
         </p:txBody>
@@ -4802,7 +4263,7 @@
             <a:spLocks noGrp="1"/>
           </p:cNvSpPr>
           <p:nvPr>
-            <p:ph type="ftr" idx="2"/>
+            <p:ph type="ftr" idx="1"/>
           </p:nvPr>
         </p:nvSpPr>
         <p:spPr/>
@@ -4822,14 +4283,14 @@
             <a:spLocks noGrp="1"/>
           </p:cNvSpPr>
           <p:nvPr>
-            <p:ph type="sldNum" idx="3"/>
+            <p:ph type="sldNum" idx="2"/>
           </p:nvPr>
         </p:nvSpPr>
         <p:spPr/>
         <p:txBody>
           <a:bodyPr/>
           <a:p>
-            <a:fld id="{C563396A-2A3D-4E3B-9634-C66097070F3F}" type="slidenum">
+            <a:fld id="{87BA3801-BED7-4013-89C2-AF1C58FAC638}" type="slidenum">
               <a:t>&lt;#&gt;</a:t>
             </a:fld>
           </a:p>
@@ -4842,7 +4303,7 @@
             <a:spLocks noGrp="1"/>
           </p:cNvSpPr>
           <p:nvPr>
-            <p:ph type="dt" idx="1"/>
+            <p:ph type="dt" idx="3"/>
           </p:nvPr>
         </p:nvSpPr>
         <p:spPr/>
@@ -4890,8 +4351,8 @@
         </p:nvSpPr>
         <p:spPr>
           <a:xfrm>
-            <a:off x="838080" y="365040"/>
-            <a:ext cx="10515240" cy="1325160"/>
+            <a:off x="609480" y="273600"/>
+            <a:ext cx="10972440" cy="1144800"/>
           </a:xfrm>
           <a:prstGeom prst="rect">
             <a:avLst/>
@@ -4906,11 +4367,11 @@
             <a:noAutofit/>
           </a:bodyPr>
           <a:p>
-            <a:endParaRPr b="0" lang="en-US" sz="1800" spc="-1" strike="noStrike">
-              <a:solidFill>
-                <a:srgbClr val="000000"/>
-              </a:solidFill>
-              <a:latin typeface="Calibri"/>
+            <a:pPr algn="ctr">
+              <a:buNone/>
+            </a:pPr>
+            <a:endParaRPr b="0" lang="en-IE" sz="4400" spc="-1" strike="noStrike">
+              <a:latin typeface="Arial"/>
             </a:endParaRPr>
           </a:p>
         </p:txBody>
@@ -4927,8 +4388,8 @@
         </p:nvSpPr>
         <p:spPr>
           <a:xfrm>
-            <a:off x="838080" y="1825560"/>
-            <a:ext cx="5131080" cy="2075040"/>
+            <a:off x="609480" y="1604520"/>
+            <a:ext cx="5354280" cy="1896840"/>
           </a:xfrm>
           <a:prstGeom prst="rect">
             <a:avLst/>
@@ -4943,20 +4404,8 @@
             <a:normAutofit/>
           </a:bodyPr>
           <a:p>
-            <a:pPr>
-              <a:lnSpc>
-                <a:spcPct val="90000"/>
-              </a:lnSpc>
-              <a:spcBef>
-                <a:spcPts val="1417"/>
-              </a:spcBef>
-              <a:buNone/>
-            </a:pPr>
-            <a:endParaRPr b="0" lang="en-US" sz="2800" spc="-1" strike="noStrike">
-              <a:solidFill>
-                <a:srgbClr val="000000"/>
-              </a:solidFill>
-              <a:latin typeface="Calibri"/>
+            <a:endParaRPr b="0" lang="en-IE" sz="3200" spc="-1" strike="noStrike">
+              <a:latin typeface="Arial"/>
             </a:endParaRPr>
           </a:p>
         </p:txBody>
@@ -4973,8 +4422,8 @@
         </p:nvSpPr>
         <p:spPr>
           <a:xfrm>
-            <a:off x="6226200" y="1825560"/>
-            <a:ext cx="5131080" cy="2075040"/>
+            <a:off x="6231960" y="1604520"/>
+            <a:ext cx="5354280" cy="1896840"/>
           </a:xfrm>
           <a:prstGeom prst="rect">
             <a:avLst/>
@@ -4989,20 +4438,8 @@
             <a:normAutofit/>
           </a:bodyPr>
           <a:p>
-            <a:pPr>
-              <a:lnSpc>
-                <a:spcPct val="90000"/>
-              </a:lnSpc>
-              <a:spcBef>
-                <a:spcPts val="1417"/>
-              </a:spcBef>
-              <a:buNone/>
-            </a:pPr>
-            <a:endParaRPr b="0" lang="en-US" sz="2800" spc="-1" strike="noStrike">
-              <a:solidFill>
-                <a:srgbClr val="000000"/>
-              </a:solidFill>
-              <a:latin typeface="Calibri"/>
+            <a:endParaRPr b="0" lang="en-IE" sz="3200" spc="-1" strike="noStrike">
+              <a:latin typeface="Arial"/>
             </a:endParaRPr>
           </a:p>
         </p:txBody>
@@ -5019,8 +4456,8 @@
         </p:nvSpPr>
         <p:spPr>
           <a:xfrm>
-            <a:off x="838080" y="4098240"/>
-            <a:ext cx="10515240" cy="2075040"/>
+            <a:off x="609480" y="3682080"/>
+            <a:ext cx="10972440" cy="1896840"/>
           </a:xfrm>
           <a:prstGeom prst="rect">
             <a:avLst/>
@@ -5035,20 +4472,8 @@
             <a:normAutofit/>
           </a:bodyPr>
           <a:p>
-            <a:pPr>
-              <a:lnSpc>
-                <a:spcPct val="90000"/>
-              </a:lnSpc>
-              <a:spcBef>
-                <a:spcPts val="1417"/>
-              </a:spcBef>
-              <a:buNone/>
-            </a:pPr>
-            <a:endParaRPr b="0" lang="en-US" sz="2800" spc="-1" strike="noStrike">
-              <a:solidFill>
-                <a:srgbClr val="000000"/>
-              </a:solidFill>
-              <a:latin typeface="Calibri"/>
+            <a:endParaRPr b="0" lang="en-IE" sz="3200" spc="-1" strike="noStrike">
+              <a:latin typeface="Arial"/>
             </a:endParaRPr>
           </a:p>
         </p:txBody>
@@ -5060,7 +4485,7 @@
             <a:spLocks noGrp="1"/>
           </p:cNvSpPr>
           <p:nvPr>
-            <p:ph type="ftr" idx="2"/>
+            <p:ph type="ftr" idx="1"/>
           </p:nvPr>
         </p:nvSpPr>
         <p:spPr/>
@@ -5080,14 +4505,14 @@
             <a:spLocks noGrp="1"/>
           </p:cNvSpPr>
           <p:nvPr>
-            <p:ph type="sldNum" idx="3"/>
+            <p:ph type="sldNum" idx="2"/>
           </p:nvPr>
         </p:nvSpPr>
         <p:spPr/>
         <p:txBody>
           <a:bodyPr/>
           <a:p>
-            <a:fld id="{1D10EA53-4FA7-4226-9C00-39D5AC1B7BBD}" type="slidenum">
+            <a:fld id="{17358A18-4D6C-4C9C-BACB-58E231B787B8}" type="slidenum">
               <a:t>&lt;#&gt;</a:t>
             </a:fld>
           </a:p>
@@ -5100,7 +4525,7 @@
             <a:spLocks noGrp="1"/>
           </p:cNvSpPr>
           <p:nvPr>
-            <p:ph type="dt" idx="1"/>
+            <p:ph type="dt" idx="3"/>
           </p:nvPr>
         </p:nvSpPr>
         <p:spPr/>
@@ -5155,42 +4580,30 @@
         </p:nvSpPr>
         <p:spPr>
           <a:xfrm>
-            <a:off x="1523880" y="1122480"/>
-            <a:ext cx="9143640" cy="2387160"/>
-          </a:xfrm>
-          <a:prstGeom prst="rect">
-            <a:avLst/>
-          </a:prstGeom>
-          <a:noFill/>
-          <a:ln w="0">
-            <a:noFill/>
-          </a:ln>
-        </p:spPr>
-        <p:txBody>
-          <a:bodyPr anchor="b">
+            <a:off x="838080" y="365040"/>
+            <a:ext cx="10514880" cy="1324800"/>
+          </a:xfrm>
+          <a:prstGeom prst="rect">
+            <a:avLst/>
+          </a:prstGeom>
+          <a:noFill/>
+          <a:ln w="0">
+            <a:noFill/>
+          </a:ln>
+        </p:spPr>
+        <p:txBody>
+          <a:bodyPr lIns="0" rIns="0" tIns="0" bIns="0" anchor="ctr">
             <a:noAutofit/>
           </a:bodyPr>
           <a:p>
-            <a:pPr algn="ctr">
-              <a:lnSpc>
-                <a:spcPct val="90000"/>
-              </a:lnSpc>
-              <a:buNone/>
-            </a:pPr>
-            <a:r>
-              <a:rPr b="0" lang="en-US" sz="6000" spc="-1" strike="noStrike">
-                <a:solidFill>
-                  <a:srgbClr val="000000"/>
-                </a:solidFill>
-                <a:latin typeface="Calibri Light"/>
-              </a:rPr>
-              <a:t>Click to edit Master title style</a:t>
-            </a:r>
-            <a:endParaRPr b="0" lang="en-US" sz="6000" spc="-1" strike="noStrike">
-              <a:solidFill>
-                <a:srgbClr val="000000"/>
-              </a:solidFill>
-              <a:latin typeface="Calibri"/>
+            <a:r>
+              <a:rPr b="0" lang="en-IE" sz="1800" spc="-1" strike="noStrike">
+                <a:latin typeface="Arial"/>
+              </a:rPr>
+              <a:t>Click to edit the title text format</a:t>
+            </a:r>
+            <a:endParaRPr b="0" lang="en-IE" sz="1800" spc="-1" strike="noStrike">
+              <a:latin typeface="Arial"/>
             </a:endParaRPr>
           </a:p>
         </p:txBody>
@@ -5202,91 +4615,31 @@
             <a:spLocks noGrp="1"/>
           </p:cNvSpPr>
           <p:nvPr>
-            <p:ph type="dt" idx="1"/>
-          </p:nvPr>
-        </p:nvSpPr>
-        <p:spPr>
-          <a:xfrm>
-            <a:off x="838080" y="6356520"/>
-            <a:ext cx="2742840" cy="364680"/>
-          </a:xfrm>
-          <a:prstGeom prst="rect">
-            <a:avLst/>
-          </a:prstGeom>
-          <a:noFill/>
-          <a:ln w="0">
-            <a:noFill/>
-          </a:ln>
-        </p:spPr>
-        <p:txBody>
-          <a:bodyPr anchor="ctr">
+            <p:ph type="ftr" idx="1"/>
+          </p:nvPr>
+        </p:nvSpPr>
+        <p:spPr>
+          <a:xfrm>
+            <a:off x="4038480" y="6356520"/>
+            <a:ext cx="4114080" cy="364320"/>
+          </a:xfrm>
+          <a:prstGeom prst="rect">
+            <a:avLst/>
+          </a:prstGeom>
+          <a:noFill/>
+          <a:ln w="0">
+            <a:noFill/>
+          </a:ln>
+        </p:spPr>
+        <p:txBody>
+          <a:bodyPr lIns="90000" rIns="90000" tIns="45000" bIns="45000" anchor="ctr">
             <a:noAutofit/>
           </a:bodyPr>
           <a:lstStyle>
-            <a:lvl1pPr>
+            <a:lvl1pPr algn="ctr">
               <a:lnSpc>
                 <a:spcPct val="100000"/>
               </a:lnSpc>
-              <a:buNone/>
-              <a:defRPr b="0" lang="en-GB" sz="1200" spc="-1" strike="noStrike">
-                <a:solidFill>
-                  <a:srgbClr val="8b8b8b"/>
-                </a:solidFill>
-                <a:latin typeface="Calibri"/>
-              </a:defRPr>
-            </a:lvl1pPr>
-          </a:lstStyle>
-          <a:p>
-            <a:pPr>
-              <a:lnSpc>
-                <a:spcPct val="100000"/>
-              </a:lnSpc>
-              <a:buNone/>
-            </a:pPr>
-            <a:r>
-              <a:rPr b="0" lang="en-GB" sz="1200" spc="-1" strike="noStrike">
-                <a:solidFill>
-                  <a:srgbClr val="8b8b8b"/>
-                </a:solidFill>
-                <a:latin typeface="Calibri"/>
-              </a:rPr>
-              <a:t>&lt;date/time&gt;</a:t>
-            </a:r>
-            <a:endParaRPr b="0" lang="en-IE" sz="1200" spc="-1" strike="noStrike">
-              <a:latin typeface="Times New Roman"/>
-            </a:endParaRPr>
-          </a:p>
-        </p:txBody>
-      </p:sp>
-      <p:sp>
-        <p:nvSpPr>
-          <p:cNvPr id="2" name="PlaceHolder 3"/>
-          <p:cNvSpPr>
-            <a:spLocks noGrp="1"/>
-          </p:cNvSpPr>
-          <p:nvPr>
-            <p:ph type="ftr" idx="2"/>
-          </p:nvPr>
-        </p:nvSpPr>
-        <p:spPr>
-          <a:xfrm>
-            <a:off x="4038480" y="6356520"/>
-            <a:ext cx="4114440" cy="364680"/>
-          </a:xfrm>
-          <a:prstGeom prst="rect">
-            <a:avLst/>
-          </a:prstGeom>
-          <a:noFill/>
-          <a:ln w="0">
-            <a:noFill/>
-          </a:ln>
-        </p:spPr>
-        <p:txBody>
-          <a:bodyPr anchor="ctr">
-            <a:noAutofit/>
-          </a:bodyPr>
-          <a:lstStyle>
-            <a:lvl1pPr algn="ctr">
               <a:buNone/>
               <a:defRPr b="0" lang="en-IE" sz="1400" spc="-1" strike="noStrike">
                 <a:latin typeface="Times New Roman"/>
@@ -5295,13 +4648,16 @@
           </a:lstStyle>
           <a:p>
             <a:pPr algn="ctr">
+              <a:lnSpc>
+                <a:spcPct val="100000"/>
+              </a:lnSpc>
               <a:buNone/>
             </a:pPr>
             <a:r>
               <a:rPr b="0" lang="en-IE" sz="1400" spc="-1" strike="noStrike">
                 <a:latin typeface="Times New Roman"/>
               </a:rPr>
-              <a:t>&lt;footer&gt;</a:t>
+              <a:t> </a:t>
             </a:r>
             <a:endParaRPr b="0" lang="en-IE" sz="1400" spc="-1" strike="noStrike">
               <a:latin typeface="Times New Roman"/>
@@ -5311,29 +4667,29 @@
       </p:sp>
       <p:sp>
         <p:nvSpPr>
-          <p:cNvPr id="3" name="PlaceHolder 4"/>
-          <p:cNvSpPr>
-            <a:spLocks noGrp="1"/>
-          </p:cNvSpPr>
-          <p:nvPr>
-            <p:ph type="sldNum" idx="3"/>
+          <p:cNvPr id="2" name="PlaceHolder 3"/>
+          <p:cNvSpPr>
+            <a:spLocks noGrp="1"/>
+          </p:cNvSpPr>
+          <p:nvPr>
+            <p:ph type="sldNum" idx="2"/>
           </p:nvPr>
         </p:nvSpPr>
         <p:spPr>
           <a:xfrm>
             <a:off x="8610480" y="6356520"/>
-            <a:ext cx="2742840" cy="364680"/>
-          </a:xfrm>
-          <a:prstGeom prst="rect">
-            <a:avLst/>
-          </a:prstGeom>
-          <a:noFill/>
-          <a:ln w="0">
-            <a:noFill/>
-          </a:ln>
-        </p:spPr>
-        <p:txBody>
-          <a:bodyPr anchor="ctr">
+            <a:ext cx="2742480" cy="364320"/>
+          </a:xfrm>
+          <a:prstGeom prst="rect">
+            <a:avLst/>
+          </a:prstGeom>
+          <a:noFill/>
+          <a:ln w="0">
+            <a:noFill/>
+          </a:ln>
+        </p:spPr>
+        <p:txBody>
+          <a:bodyPr lIns="90000" rIns="90000" tIns="45000" bIns="45000" anchor="ctr">
             <a:noAutofit/>
           </a:bodyPr>
           <a:lstStyle>
@@ -5357,14 +4713,14 @@
               </a:lnSpc>
               <a:buNone/>
             </a:pPr>
-            <a:fld id="{4F4D6DC6-5253-4BB3-A9C4-97BCC955446A}" type="slidenum">
+            <a:fld id="{5EDFD17B-C6DB-4D73-A364-FDF57FBA2487}" type="slidenum">
               <a:rPr b="0" lang="en-GB" sz="1200" spc="-1" strike="noStrike">
                 <a:solidFill>
                   <a:srgbClr val="8b8b8b"/>
                 </a:solidFill>
                 <a:latin typeface="Calibri"/>
               </a:rPr>
-              <a:t>&lt;number&gt;</a:t>
+              <a:t>14</a:t>
             </a:fld>
             <a:endParaRPr b="0" lang="en-IE" sz="1200" spc="-1" strike="noStrike">
               <a:latin typeface="Times New Roman"/>
@@ -5374,6 +4730,53 @@
       </p:sp>
       <p:sp>
         <p:nvSpPr>
+          <p:cNvPr id="3" name="PlaceHolder 4"/>
+          <p:cNvSpPr>
+            <a:spLocks noGrp="1"/>
+          </p:cNvSpPr>
+          <p:nvPr>
+            <p:ph type="dt" idx="3"/>
+          </p:nvPr>
+        </p:nvSpPr>
+        <p:spPr>
+          <a:xfrm>
+            <a:off x="838080" y="6356520"/>
+            <a:ext cx="2742480" cy="364320"/>
+          </a:xfrm>
+          <a:prstGeom prst="rect">
+            <a:avLst/>
+          </a:prstGeom>
+          <a:noFill/>
+          <a:ln w="0">
+            <a:noFill/>
+          </a:ln>
+        </p:spPr>
+        <p:txBody>
+          <a:bodyPr lIns="90000" rIns="90000" tIns="45000" bIns="45000" anchor="ctr">
+            <a:noAutofit/>
+          </a:bodyPr>
+          <a:lstStyle>
+            <a:lvl1pPr>
+              <a:defRPr b="0" lang="en-IE" sz="1400" spc="-1" strike="noStrike">
+                <a:latin typeface="Times New Roman"/>
+              </a:defRPr>
+            </a:lvl1pPr>
+          </a:lstStyle>
+          <a:p>
+            <a:r>
+              <a:rPr b="0" lang="en-IE" sz="1400" spc="-1" strike="noStrike">
+                <a:latin typeface="Times New Roman"/>
+              </a:rPr>
+              <a:t> </a:t>
+            </a:r>
+            <a:endParaRPr b="0" lang="en-IE" sz="1400" spc="-1" strike="noStrike">
+              <a:latin typeface="Times New Roman"/>
+            </a:endParaRPr>
+          </a:p>
+        </p:txBody>
+      </p:sp>
+      <p:sp>
+        <p:nvSpPr>
           <p:cNvPr id="4" name="PlaceHolder 5"/>
           <p:cNvSpPr>
             <a:spLocks noGrp="1"/>
@@ -5401,9 +4804,6 @@
           </a:bodyPr>
           <a:p>
             <a:pPr marL="432000" indent="-324000">
-              <a:lnSpc>
-                <a:spcPct val="90000"/>
-              </a:lnSpc>
               <a:spcBef>
                 <a:spcPts val="1417"/>
               </a:spcBef>
@@ -5415,26 +4815,17 @@
               <a:buChar char=""/>
             </a:pPr>
             <a:r>
-              <a:rPr b="0" lang="en-US" sz="2800" spc="-1" strike="noStrike">
-                <a:solidFill>
-                  <a:srgbClr val="000000"/>
-                </a:solidFill>
-                <a:latin typeface="Calibri"/>
+              <a:rPr b="0" lang="en-IE" sz="3200" spc="-1" strike="noStrike">
+                <a:latin typeface="Arial"/>
               </a:rPr>
               <a:t>Click to edit the outline text format</a:t>
             </a:r>
-            <a:endParaRPr b="0" lang="en-US" sz="2800" spc="-1" strike="noStrike">
-              <a:solidFill>
-                <a:srgbClr val="000000"/>
-              </a:solidFill>
-              <a:latin typeface="Calibri"/>
+            <a:endParaRPr b="0" lang="en-IE" sz="3200" spc="-1" strike="noStrike">
+              <a:latin typeface="Arial"/>
             </a:endParaRPr>
           </a:p>
           <a:p>
             <a:pPr lvl="1" marL="864000" indent="-324000">
-              <a:lnSpc>
-                <a:spcPct val="90000"/>
-              </a:lnSpc>
               <a:spcBef>
                 <a:spcPts val="1134"/>
               </a:spcBef>
@@ -5446,26 +4837,17 @@
               <a:buChar char=""/>
             </a:pPr>
             <a:r>
-              <a:rPr b="0" lang="en-US" sz="2000" spc="-1" strike="noStrike">
-                <a:solidFill>
-                  <a:srgbClr val="000000"/>
-                </a:solidFill>
-                <a:latin typeface="Calibri"/>
+              <a:rPr b="0" lang="en-IE" sz="2800" spc="-1" strike="noStrike">
+                <a:latin typeface="Arial"/>
               </a:rPr>
               <a:t>Second Outline Level</a:t>
             </a:r>
-            <a:endParaRPr b="0" lang="en-US" sz="2000" spc="-1" strike="noStrike">
-              <a:solidFill>
-                <a:srgbClr val="000000"/>
-              </a:solidFill>
-              <a:latin typeface="Calibri"/>
+            <a:endParaRPr b="0" lang="en-IE" sz="2800" spc="-1" strike="noStrike">
+              <a:latin typeface="Arial"/>
             </a:endParaRPr>
           </a:p>
           <a:p>
             <a:pPr lvl="2" marL="1296000" indent="-288000">
-              <a:lnSpc>
-                <a:spcPct val="90000"/>
-              </a:lnSpc>
               <a:spcBef>
                 <a:spcPts val="850"/>
               </a:spcBef>
@@ -5477,26 +4859,17 @@
               <a:buChar char=""/>
             </a:pPr>
             <a:r>
-              <a:rPr b="0" lang="en-US" sz="1800" spc="-1" strike="noStrike">
-                <a:solidFill>
-                  <a:srgbClr val="000000"/>
-                </a:solidFill>
-                <a:latin typeface="Calibri"/>
+              <a:rPr b="0" lang="en-IE" sz="2400" spc="-1" strike="noStrike">
+                <a:latin typeface="Arial"/>
               </a:rPr>
               <a:t>Third Outline Level</a:t>
             </a:r>
-            <a:endParaRPr b="0" lang="en-US" sz="1800" spc="-1" strike="noStrike">
-              <a:solidFill>
-                <a:srgbClr val="000000"/>
-              </a:solidFill>
-              <a:latin typeface="Calibri"/>
+            <a:endParaRPr b="0" lang="en-IE" sz="2400" spc="-1" strike="noStrike">
+              <a:latin typeface="Arial"/>
             </a:endParaRPr>
           </a:p>
           <a:p>
             <a:pPr lvl="3" marL="1728000" indent="-216000">
-              <a:lnSpc>
-                <a:spcPct val="90000"/>
-              </a:lnSpc>
               <a:spcBef>
                 <a:spcPts val="567"/>
               </a:spcBef>
@@ -5508,26 +4881,17 @@
               <a:buChar char=""/>
             </a:pPr>
             <a:r>
-              <a:rPr b="0" lang="en-US" sz="1800" spc="-1" strike="noStrike">
-                <a:solidFill>
-                  <a:srgbClr val="000000"/>
-                </a:solidFill>
-                <a:latin typeface="Calibri"/>
+              <a:rPr b="0" lang="en-IE" sz="2000" spc="-1" strike="noStrike">
+                <a:latin typeface="Arial"/>
               </a:rPr>
               <a:t>Fourth Outline Level</a:t>
             </a:r>
-            <a:endParaRPr b="0" lang="en-US" sz="1800" spc="-1" strike="noStrike">
-              <a:solidFill>
-                <a:srgbClr val="000000"/>
-              </a:solidFill>
-              <a:latin typeface="Calibri"/>
+            <a:endParaRPr b="0" lang="en-IE" sz="2000" spc="-1" strike="noStrike">
+              <a:latin typeface="Arial"/>
             </a:endParaRPr>
           </a:p>
           <a:p>
             <a:pPr lvl="4" marL="2160000" indent="-216000">
-              <a:lnSpc>
-                <a:spcPct val="90000"/>
-              </a:lnSpc>
               <a:spcBef>
                 <a:spcPts val="283"/>
               </a:spcBef>
@@ -5539,26 +4903,17 @@
               <a:buChar char=""/>
             </a:pPr>
             <a:r>
-              <a:rPr b="0" lang="en-US" sz="2000" spc="-1" strike="noStrike">
-                <a:solidFill>
-                  <a:srgbClr val="000000"/>
-                </a:solidFill>
-                <a:latin typeface="Calibri"/>
+              <a:rPr b="0" lang="en-IE" sz="2000" spc="-1" strike="noStrike">
+                <a:latin typeface="Arial"/>
               </a:rPr>
               <a:t>Fifth Outline Level</a:t>
             </a:r>
-            <a:endParaRPr b="0" lang="en-US" sz="2000" spc="-1" strike="noStrike">
-              <a:solidFill>
-                <a:srgbClr val="000000"/>
-              </a:solidFill>
-              <a:latin typeface="Calibri"/>
+            <a:endParaRPr b="0" lang="en-IE" sz="2000" spc="-1" strike="noStrike">
+              <a:latin typeface="Arial"/>
             </a:endParaRPr>
           </a:p>
           <a:p>
             <a:pPr lvl="5" marL="2592000" indent="-216000">
-              <a:lnSpc>
-                <a:spcPct val="90000"/>
-              </a:lnSpc>
               <a:spcBef>
                 <a:spcPts val="283"/>
               </a:spcBef>
@@ -5570,26 +4925,17 @@
               <a:buChar char=""/>
             </a:pPr>
             <a:r>
-              <a:rPr b="0" lang="en-US" sz="2000" spc="-1" strike="noStrike">
-                <a:solidFill>
-                  <a:srgbClr val="000000"/>
-                </a:solidFill>
-                <a:latin typeface="Calibri"/>
+              <a:rPr b="0" lang="en-IE" sz="2000" spc="-1" strike="noStrike">
+                <a:latin typeface="Arial"/>
               </a:rPr>
               <a:t>Sixth Outline Level</a:t>
             </a:r>
-            <a:endParaRPr b="0" lang="en-US" sz="2000" spc="-1" strike="noStrike">
-              <a:solidFill>
-                <a:srgbClr val="000000"/>
-              </a:solidFill>
-              <a:latin typeface="Calibri"/>
+            <a:endParaRPr b="0" lang="en-IE" sz="2000" spc="-1" strike="noStrike">
+              <a:latin typeface="Arial"/>
             </a:endParaRPr>
           </a:p>
           <a:p>
             <a:pPr lvl="6" marL="3024000" indent="-216000">
-              <a:lnSpc>
-                <a:spcPct val="90000"/>
-              </a:lnSpc>
               <a:spcBef>
                 <a:spcPts val="283"/>
               </a:spcBef>
@@ -5601,19 +4947,13 @@
               <a:buChar char=""/>
             </a:pPr>
             <a:r>
-              <a:rPr b="0" lang="en-US" sz="2000" spc="-1" strike="noStrike">
-                <a:solidFill>
-                  <a:srgbClr val="000000"/>
-                </a:solidFill>
-                <a:latin typeface="Calibri"/>
+              <a:rPr b="0" lang="en-IE" sz="2000" spc="-1" strike="noStrike">
+                <a:latin typeface="Arial"/>
               </a:rPr>
               <a:t>Seventh Outline Level</a:t>
             </a:r>
-            <a:endParaRPr b="0" lang="en-US" sz="2000" spc="-1" strike="noStrike">
-              <a:solidFill>
-                <a:srgbClr val="000000"/>
-              </a:solidFill>
-              <a:latin typeface="Calibri"/>
+            <a:endParaRPr b="0" lang="en-IE" sz="2000" spc="-1" strike="noStrike">
+              <a:latin typeface="Arial"/>
             </a:endParaRPr>
           </a:p>
         </p:txBody>
@@ -5669,322 +5009,31 @@
             <a:spLocks noGrp="1"/>
           </p:cNvSpPr>
           <p:nvPr>
-            <p:ph type="title"/>
-          </p:nvPr>
-        </p:nvSpPr>
-        <p:spPr>
-          <a:xfrm>
-            <a:off x="838080" y="365040"/>
-            <a:ext cx="10515240" cy="1325160"/>
-          </a:xfrm>
-          <a:prstGeom prst="rect">
-            <a:avLst/>
-          </a:prstGeom>
-          <a:noFill/>
-          <a:ln w="0">
-            <a:noFill/>
-          </a:ln>
-        </p:spPr>
-        <p:txBody>
-          <a:bodyPr anchor="ctr">
+            <p:ph type="ftr" idx="4"/>
+          </p:nvPr>
+        </p:nvSpPr>
+        <p:spPr>
+          <a:xfrm>
+            <a:off x="4038480" y="6356520"/>
+            <a:ext cx="4114080" cy="364320"/>
+          </a:xfrm>
+          <a:prstGeom prst="rect">
+            <a:avLst/>
+          </a:prstGeom>
+          <a:noFill/>
+          <a:ln w="0">
+            <a:noFill/>
+          </a:ln>
+        </p:spPr>
+        <p:txBody>
+          <a:bodyPr lIns="90000" rIns="90000" tIns="45000" bIns="45000" anchor="ctr">
             <a:noAutofit/>
           </a:bodyPr>
-          <a:p>
-            <a:pPr>
-              <a:lnSpc>
-                <a:spcPct val="90000"/>
-              </a:lnSpc>
-              <a:buNone/>
-            </a:pPr>
-            <a:r>
-              <a:rPr b="0" lang="en-US" sz="4400" spc="-1" strike="noStrike">
-                <a:solidFill>
-                  <a:srgbClr val="000000"/>
-                </a:solidFill>
-                <a:latin typeface="Calibri Light"/>
-              </a:rPr>
-              <a:t>Click to edit Master title style</a:t>
-            </a:r>
-            <a:endParaRPr b="0" lang="en-US" sz="4400" spc="-1" strike="noStrike">
-              <a:solidFill>
-                <a:srgbClr val="000000"/>
-              </a:solidFill>
-              <a:latin typeface="Calibri"/>
-            </a:endParaRPr>
-          </a:p>
-        </p:txBody>
-      </p:sp>
-      <p:sp>
-        <p:nvSpPr>
-          <p:cNvPr id="42" name="PlaceHolder 2"/>
-          <p:cNvSpPr>
-            <a:spLocks noGrp="1"/>
-          </p:cNvSpPr>
-          <p:nvPr>
-            <p:ph type="body"/>
-          </p:nvPr>
-        </p:nvSpPr>
-        <p:spPr>
-          <a:xfrm>
-            <a:off x="838080" y="1825560"/>
-            <a:ext cx="10515240" cy="4350960"/>
-          </a:xfrm>
-          <a:prstGeom prst="rect">
-            <a:avLst/>
-          </a:prstGeom>
-          <a:noFill/>
-          <a:ln w="0">
-            <a:noFill/>
-          </a:ln>
-        </p:spPr>
-        <p:txBody>
-          <a:bodyPr anchor="t">
-            <a:noAutofit/>
-          </a:bodyPr>
-          <a:p>
-            <a:pPr marL="228600" indent="-228600">
-              <a:lnSpc>
-                <a:spcPct val="90000"/>
-              </a:lnSpc>
-              <a:spcBef>
-                <a:spcPts val="1001"/>
-              </a:spcBef>
-              <a:buClr>
-                <a:srgbClr val="000000"/>
-              </a:buClr>
-              <a:buFont typeface="Arial"/>
-              <a:buChar char="•"/>
-            </a:pPr>
-            <a:r>
-              <a:rPr b="0" lang="en-US" sz="2800" spc="-1" strike="noStrike">
-                <a:solidFill>
-                  <a:srgbClr val="000000"/>
-                </a:solidFill>
-                <a:latin typeface="Calibri"/>
-              </a:rPr>
-              <a:t>Click to edit Master text styles</a:t>
-            </a:r>
-            <a:endParaRPr b="0" lang="en-US" sz="2800" spc="-1" strike="noStrike">
-              <a:solidFill>
-                <a:srgbClr val="000000"/>
-              </a:solidFill>
-              <a:latin typeface="Calibri"/>
-            </a:endParaRPr>
-          </a:p>
-          <a:p>
-            <a:pPr lvl="1" marL="685800" indent="-228600">
-              <a:lnSpc>
-                <a:spcPct val="90000"/>
-              </a:lnSpc>
-              <a:spcBef>
-                <a:spcPts val="499"/>
-              </a:spcBef>
-              <a:buClr>
-                <a:srgbClr val="000000"/>
-              </a:buClr>
-              <a:buFont typeface="Arial"/>
-              <a:buChar char="•"/>
-            </a:pPr>
-            <a:r>
-              <a:rPr b="0" lang="en-US" sz="2400" spc="-1" strike="noStrike">
-                <a:solidFill>
-                  <a:srgbClr val="000000"/>
-                </a:solidFill>
-                <a:latin typeface="Calibri"/>
-              </a:rPr>
-              <a:t>Second level</a:t>
-            </a:r>
-            <a:endParaRPr b="0" lang="en-US" sz="2400" spc="-1" strike="noStrike">
-              <a:solidFill>
-                <a:srgbClr val="000000"/>
-              </a:solidFill>
-              <a:latin typeface="Calibri"/>
-            </a:endParaRPr>
-          </a:p>
-          <a:p>
-            <a:pPr lvl="2" marL="1143000" indent="-228600">
-              <a:lnSpc>
-                <a:spcPct val="90000"/>
-              </a:lnSpc>
-              <a:spcBef>
-                <a:spcPts val="499"/>
-              </a:spcBef>
-              <a:buClr>
-                <a:srgbClr val="000000"/>
-              </a:buClr>
-              <a:buFont typeface="Arial"/>
-              <a:buChar char="•"/>
-            </a:pPr>
-            <a:r>
-              <a:rPr b="0" lang="en-US" sz="2000" spc="-1" strike="noStrike">
-                <a:solidFill>
-                  <a:srgbClr val="000000"/>
-                </a:solidFill>
-                <a:latin typeface="Calibri"/>
-              </a:rPr>
-              <a:t>Third level</a:t>
-            </a:r>
-            <a:endParaRPr b="0" lang="en-US" sz="2000" spc="-1" strike="noStrike">
-              <a:solidFill>
-                <a:srgbClr val="000000"/>
-              </a:solidFill>
-              <a:latin typeface="Calibri"/>
-            </a:endParaRPr>
-          </a:p>
-          <a:p>
-            <a:pPr lvl="3" marL="1600200" indent="-228600">
-              <a:lnSpc>
-                <a:spcPct val="90000"/>
-              </a:lnSpc>
-              <a:spcBef>
-                <a:spcPts val="499"/>
-              </a:spcBef>
-              <a:buClr>
-                <a:srgbClr val="000000"/>
-              </a:buClr>
-              <a:buFont typeface="Arial"/>
-              <a:buChar char="•"/>
-            </a:pPr>
-            <a:r>
-              <a:rPr b="0" lang="en-US" sz="1800" spc="-1" strike="noStrike">
-                <a:solidFill>
-                  <a:srgbClr val="000000"/>
-                </a:solidFill>
-                <a:latin typeface="Calibri"/>
-              </a:rPr>
-              <a:t>Fourth level</a:t>
-            </a:r>
-            <a:endParaRPr b="0" lang="en-US" sz="1800" spc="-1" strike="noStrike">
-              <a:solidFill>
-                <a:srgbClr val="000000"/>
-              </a:solidFill>
-              <a:latin typeface="Calibri"/>
-            </a:endParaRPr>
-          </a:p>
-          <a:p>
-            <a:pPr lvl="4" marL="2057400" indent="-228600">
-              <a:lnSpc>
-                <a:spcPct val="90000"/>
-              </a:lnSpc>
-              <a:spcBef>
-                <a:spcPts val="499"/>
-              </a:spcBef>
-              <a:buClr>
-                <a:srgbClr val="000000"/>
-              </a:buClr>
-              <a:buFont typeface="Arial"/>
-              <a:buChar char="•"/>
-            </a:pPr>
-            <a:r>
-              <a:rPr b="0" lang="en-US" sz="1800" spc="-1" strike="noStrike">
-                <a:solidFill>
-                  <a:srgbClr val="000000"/>
-                </a:solidFill>
-                <a:latin typeface="Calibri"/>
-              </a:rPr>
-              <a:t>Fifth level</a:t>
-            </a:r>
-            <a:endParaRPr b="0" lang="en-US" sz="1800" spc="-1" strike="noStrike">
-              <a:solidFill>
-                <a:srgbClr val="000000"/>
-              </a:solidFill>
-              <a:latin typeface="Calibri"/>
-            </a:endParaRPr>
-          </a:p>
-        </p:txBody>
-      </p:sp>
-      <p:sp>
-        <p:nvSpPr>
-          <p:cNvPr id="43" name="PlaceHolder 3"/>
-          <p:cNvSpPr>
-            <a:spLocks noGrp="1"/>
-          </p:cNvSpPr>
-          <p:nvPr>
-            <p:ph type="dt" idx="4"/>
-          </p:nvPr>
-        </p:nvSpPr>
-        <p:spPr>
-          <a:xfrm>
-            <a:off x="838080" y="6356520"/>
-            <a:ext cx="2742840" cy="364680"/>
-          </a:xfrm>
-          <a:prstGeom prst="rect">
-            <a:avLst/>
-          </a:prstGeom>
-          <a:noFill/>
-          <a:ln w="0">
-            <a:noFill/>
-          </a:ln>
-        </p:spPr>
-        <p:txBody>
-          <a:bodyPr anchor="ctr">
-            <a:noAutofit/>
-          </a:bodyPr>
           <a:lstStyle>
-            <a:lvl1pPr>
+            <a:lvl1pPr algn="ctr">
               <a:lnSpc>
                 <a:spcPct val="100000"/>
               </a:lnSpc>
-              <a:buNone/>
-              <a:defRPr b="0" lang="en-GB" sz="1200" spc="-1" strike="noStrike">
-                <a:solidFill>
-                  <a:srgbClr val="8b8b8b"/>
-                </a:solidFill>
-                <a:latin typeface="Calibri"/>
-              </a:defRPr>
-            </a:lvl1pPr>
-          </a:lstStyle>
-          <a:p>
-            <a:pPr>
-              <a:lnSpc>
-                <a:spcPct val="100000"/>
-              </a:lnSpc>
-              <a:buNone/>
-            </a:pPr>
-            <a:r>
-              <a:rPr b="0" lang="en-GB" sz="1200" spc="-1" strike="noStrike">
-                <a:solidFill>
-                  <a:srgbClr val="8b8b8b"/>
-                </a:solidFill>
-                <a:latin typeface="Calibri"/>
-              </a:rPr>
-              <a:t>&lt;date/time&gt;</a:t>
-            </a:r>
-            <a:endParaRPr b="0" lang="en-IE" sz="1200" spc="-1" strike="noStrike">
-              <a:latin typeface="Times New Roman"/>
-            </a:endParaRPr>
-          </a:p>
-        </p:txBody>
-      </p:sp>
-      <p:sp>
-        <p:nvSpPr>
-          <p:cNvPr id="44" name="PlaceHolder 4"/>
-          <p:cNvSpPr>
-            <a:spLocks noGrp="1"/>
-          </p:cNvSpPr>
-          <p:nvPr>
-            <p:ph type="ftr" idx="5"/>
-          </p:nvPr>
-        </p:nvSpPr>
-        <p:spPr>
-          <a:xfrm>
-            <a:off x="4038480" y="6356520"/>
-            <a:ext cx="4114440" cy="364680"/>
-          </a:xfrm>
-          <a:prstGeom prst="rect">
-            <a:avLst/>
-          </a:prstGeom>
-          <a:noFill/>
-          <a:ln w="0">
-            <a:noFill/>
-          </a:ln>
-        </p:spPr>
-        <p:txBody>
-          <a:bodyPr anchor="ctr">
-            <a:noAutofit/>
-          </a:bodyPr>
-          <a:lstStyle>
-            <a:lvl1pPr algn="ctr">
               <a:buNone/>
               <a:defRPr b="0" lang="en-IE" sz="1400" spc="-1" strike="noStrike">
                 <a:latin typeface="Times New Roman"/>
@@ -5993,6 +5042,9 @@
           </a:lstStyle>
           <a:p>
             <a:pPr algn="ctr">
+              <a:lnSpc>
+                <a:spcPct val="100000"/>
+              </a:lnSpc>
               <a:buNone/>
             </a:pPr>
             <a:r>
@@ -6009,29 +5061,29 @@
       </p:sp>
       <p:sp>
         <p:nvSpPr>
-          <p:cNvPr id="45" name="PlaceHolder 5"/>
-          <p:cNvSpPr>
-            <a:spLocks noGrp="1"/>
-          </p:cNvSpPr>
-          <p:nvPr>
-            <p:ph type="sldNum" idx="6"/>
+          <p:cNvPr id="42" name="PlaceHolder 2"/>
+          <p:cNvSpPr>
+            <a:spLocks noGrp="1"/>
+          </p:cNvSpPr>
+          <p:nvPr>
+            <p:ph type="sldNum" idx="5"/>
           </p:nvPr>
         </p:nvSpPr>
         <p:spPr>
           <a:xfrm>
             <a:off x="8610480" y="6356520"/>
-            <a:ext cx="2742840" cy="364680"/>
-          </a:xfrm>
-          <a:prstGeom prst="rect">
-            <a:avLst/>
-          </a:prstGeom>
-          <a:noFill/>
-          <a:ln w="0">
-            <a:noFill/>
-          </a:ln>
-        </p:spPr>
-        <p:txBody>
-          <a:bodyPr anchor="ctr">
+            <a:ext cx="2742480" cy="364320"/>
+          </a:xfrm>
+          <a:prstGeom prst="rect">
+            <a:avLst/>
+          </a:prstGeom>
+          <a:noFill/>
+          <a:ln w="0">
+            <a:noFill/>
+          </a:ln>
+        </p:spPr>
+        <p:txBody>
+          <a:bodyPr lIns="90000" rIns="90000" tIns="45000" bIns="45000" anchor="ctr">
             <a:noAutofit/>
           </a:bodyPr>
           <a:lstStyle>
@@ -6055,7 +5107,7 @@
               </a:lnSpc>
               <a:buNone/>
             </a:pPr>
-            <a:fld id="{EA6319C5-3A3D-484D-AFB3-D32D8A97F707}" type="slidenum">
+            <a:fld id="{F5C903AC-6C3C-454A-B4CA-D6AECA8FCE04}" type="slidenum">
               <a:rPr b="0" lang="en-GB" sz="1200" spc="-1" strike="noStrike">
                 <a:solidFill>
                   <a:srgbClr val="8b8b8b"/>
@@ -6066,6 +5118,291 @@
             </a:fld>
             <a:endParaRPr b="0" lang="en-IE" sz="1200" spc="-1" strike="noStrike">
               <a:latin typeface="Times New Roman"/>
+            </a:endParaRPr>
+          </a:p>
+        </p:txBody>
+      </p:sp>
+      <p:sp>
+        <p:nvSpPr>
+          <p:cNvPr id="43" name="PlaceHolder 3"/>
+          <p:cNvSpPr>
+            <a:spLocks noGrp="1"/>
+          </p:cNvSpPr>
+          <p:nvPr>
+            <p:ph type="dt" idx="6"/>
+          </p:nvPr>
+        </p:nvSpPr>
+        <p:spPr>
+          <a:xfrm>
+            <a:off x="838080" y="6356520"/>
+            <a:ext cx="2742480" cy="364320"/>
+          </a:xfrm>
+          <a:prstGeom prst="rect">
+            <a:avLst/>
+          </a:prstGeom>
+          <a:noFill/>
+          <a:ln w="0">
+            <a:noFill/>
+          </a:ln>
+        </p:spPr>
+        <p:txBody>
+          <a:bodyPr lIns="90000" rIns="90000" tIns="45000" bIns="45000" anchor="ctr">
+            <a:noAutofit/>
+          </a:bodyPr>
+          <a:lstStyle>
+            <a:lvl1pPr>
+              <a:defRPr b="0" lang="en-IE" sz="1400" spc="-1" strike="noStrike">
+                <a:latin typeface="Times New Roman"/>
+              </a:defRPr>
+            </a:lvl1pPr>
+          </a:lstStyle>
+          <a:p>
+            <a:r>
+              <a:rPr b="0" lang="en-IE" sz="1400" spc="-1" strike="noStrike">
+                <a:latin typeface="Times New Roman"/>
+              </a:rPr>
+              <a:t>&lt;date/time&gt;</a:t>
+            </a:r>
+            <a:endParaRPr b="0" lang="en-IE" sz="1400" spc="-1" strike="noStrike">
+              <a:latin typeface="Times New Roman"/>
+            </a:endParaRPr>
+          </a:p>
+        </p:txBody>
+      </p:sp>
+      <p:sp>
+        <p:nvSpPr>
+          <p:cNvPr id="44" name="PlaceHolder 4"/>
+          <p:cNvSpPr>
+            <a:spLocks noGrp="1"/>
+          </p:cNvSpPr>
+          <p:nvPr>
+            <p:ph type="title"/>
+          </p:nvPr>
+        </p:nvSpPr>
+        <p:spPr>
+          <a:xfrm>
+            <a:off x="609480" y="273600"/>
+            <a:ext cx="10972440" cy="1144800"/>
+          </a:xfrm>
+          <a:prstGeom prst="rect">
+            <a:avLst/>
+          </a:prstGeom>
+          <a:noFill/>
+          <a:ln w="0">
+            <a:noFill/>
+          </a:ln>
+        </p:spPr>
+        <p:txBody>
+          <a:bodyPr lIns="0" rIns="0" tIns="0" bIns="0" anchor="ctr">
+            <a:noAutofit/>
+          </a:bodyPr>
+          <a:p>
+            <a:pPr algn="ctr">
+              <a:buNone/>
+            </a:pPr>
+            <a:r>
+              <a:rPr b="0" lang="en-IE" sz="4400" spc="-1" strike="noStrike">
+                <a:latin typeface="Arial"/>
+              </a:rPr>
+              <a:t>Click to edit the title text format</a:t>
+            </a:r>
+            <a:endParaRPr b="0" lang="en-IE" sz="4400" spc="-1" strike="noStrike">
+              <a:latin typeface="Arial"/>
+            </a:endParaRPr>
+          </a:p>
+        </p:txBody>
+      </p:sp>
+      <p:sp>
+        <p:nvSpPr>
+          <p:cNvPr id="45" name="PlaceHolder 5"/>
+          <p:cNvSpPr>
+            <a:spLocks noGrp="1"/>
+          </p:cNvSpPr>
+          <p:nvPr>
+            <p:ph type="body"/>
+          </p:nvPr>
+        </p:nvSpPr>
+        <p:spPr>
+          <a:xfrm>
+            <a:off x="609480" y="1604520"/>
+            <a:ext cx="10972440" cy="3977280"/>
+          </a:xfrm>
+          <a:prstGeom prst="rect">
+            <a:avLst/>
+          </a:prstGeom>
+          <a:noFill/>
+          <a:ln w="0">
+            <a:noFill/>
+          </a:ln>
+        </p:spPr>
+        <p:txBody>
+          <a:bodyPr lIns="0" rIns="0" tIns="0" bIns="0" anchor="t">
+            <a:normAutofit/>
+          </a:bodyPr>
+          <a:p>
+            <a:pPr marL="432000" indent="-324000">
+              <a:spcBef>
+                <a:spcPts val="1417"/>
+              </a:spcBef>
+              <a:buClr>
+                <a:srgbClr val="000000"/>
+              </a:buClr>
+              <a:buSzPct val="45000"/>
+              <a:buFont typeface="Wingdings" charset="2"/>
+              <a:buChar char=""/>
+            </a:pPr>
+            <a:r>
+              <a:rPr b="0" lang="en-IE" sz="3200" spc="-1" strike="noStrike">
+                <a:latin typeface="Arial"/>
+              </a:rPr>
+              <a:t>Click to edit the outline </a:t>
+            </a:r>
+            <a:r>
+              <a:rPr b="0" lang="en-IE" sz="3200" spc="-1" strike="noStrike">
+                <a:latin typeface="Arial"/>
+              </a:rPr>
+              <a:t>text format</a:t>
+            </a:r>
+            <a:endParaRPr b="0" lang="en-IE" sz="3200" spc="-1" strike="noStrike">
+              <a:latin typeface="Arial"/>
+            </a:endParaRPr>
+          </a:p>
+          <a:p>
+            <a:pPr lvl="1" marL="864000" indent="-324000">
+              <a:spcBef>
+                <a:spcPts val="1134"/>
+              </a:spcBef>
+              <a:buClr>
+                <a:srgbClr val="000000"/>
+              </a:buClr>
+              <a:buSzPct val="75000"/>
+              <a:buFont typeface="Symbol" charset="2"/>
+              <a:buChar char=""/>
+            </a:pPr>
+            <a:r>
+              <a:rPr b="0" lang="en-IE" sz="2800" spc="-1" strike="noStrike">
+                <a:latin typeface="Arial"/>
+              </a:rPr>
+              <a:t>Second Outline Level</a:t>
+            </a:r>
+            <a:endParaRPr b="0" lang="en-IE" sz="2800" spc="-1" strike="noStrike">
+              <a:latin typeface="Arial"/>
+            </a:endParaRPr>
+          </a:p>
+          <a:p>
+            <a:pPr lvl="2" marL="1296000" indent="-288000">
+              <a:spcBef>
+                <a:spcPts val="850"/>
+              </a:spcBef>
+              <a:buClr>
+                <a:srgbClr val="000000"/>
+              </a:buClr>
+              <a:buSzPct val="45000"/>
+              <a:buFont typeface="Wingdings" charset="2"/>
+              <a:buChar char=""/>
+            </a:pPr>
+            <a:r>
+              <a:rPr b="0" lang="en-IE" sz="2400" spc="-1" strike="noStrike">
+                <a:latin typeface="Arial"/>
+              </a:rPr>
+              <a:t>Third Outline Level</a:t>
+            </a:r>
+            <a:endParaRPr b="0" lang="en-IE" sz="2400" spc="-1" strike="noStrike">
+              <a:latin typeface="Arial"/>
+            </a:endParaRPr>
+          </a:p>
+          <a:p>
+            <a:pPr lvl="3" marL="1728000" indent="-216000">
+              <a:spcBef>
+                <a:spcPts val="567"/>
+              </a:spcBef>
+              <a:buClr>
+                <a:srgbClr val="000000"/>
+              </a:buClr>
+              <a:buSzPct val="75000"/>
+              <a:buFont typeface="Symbol" charset="2"/>
+              <a:buChar char=""/>
+            </a:pPr>
+            <a:r>
+              <a:rPr b="0" lang="en-IE" sz="2000" spc="-1" strike="noStrike">
+                <a:latin typeface="Arial"/>
+              </a:rPr>
+              <a:t>Fourth Outline Level</a:t>
+            </a:r>
+            <a:endParaRPr b="0" lang="en-IE" sz="2000" spc="-1" strike="noStrike">
+              <a:latin typeface="Arial"/>
+            </a:endParaRPr>
+          </a:p>
+          <a:p>
+            <a:pPr lvl="4" marL="2160000" indent="-216000">
+              <a:spcBef>
+                <a:spcPts val="283"/>
+              </a:spcBef>
+              <a:buClr>
+                <a:srgbClr val="000000"/>
+              </a:buClr>
+              <a:buSzPct val="45000"/>
+              <a:buFont typeface="Wingdings" charset="2"/>
+              <a:buChar char=""/>
+            </a:pPr>
+            <a:r>
+              <a:rPr b="0" lang="en-IE" sz="2000" spc="-1" strike="noStrike">
+                <a:latin typeface="Arial"/>
+              </a:rPr>
+              <a:t>Fifth Outline Level</a:t>
+            </a:r>
+            <a:endParaRPr b="0" lang="en-IE" sz="2000" spc="-1" strike="noStrike">
+              <a:latin typeface="Arial"/>
+            </a:endParaRPr>
+          </a:p>
+          <a:p>
+            <a:pPr lvl="5" marL="2592000" indent="-216000">
+              <a:spcBef>
+                <a:spcPts val="283"/>
+              </a:spcBef>
+              <a:buClr>
+                <a:srgbClr val="000000"/>
+              </a:buClr>
+              <a:buSzPct val="45000"/>
+              <a:buFont typeface="Wingdings" charset="2"/>
+              <a:buChar char=""/>
+            </a:pPr>
+            <a:r>
+              <a:rPr b="0" lang="en-IE" sz="2000" spc="-1" strike="noStrike">
+                <a:latin typeface="Arial"/>
+              </a:rPr>
+              <a:t>Sixth Outline Level</a:t>
+            </a:r>
+            <a:endParaRPr b="0" lang="en-IE" sz="2000" spc="-1" strike="noStrike">
+              <a:latin typeface="Arial"/>
+            </a:endParaRPr>
+          </a:p>
+          <a:p>
+            <a:pPr lvl="6" marL="3024000" indent="-216000">
+              <a:spcBef>
+                <a:spcPts val="283"/>
+              </a:spcBef>
+              <a:buClr>
+                <a:srgbClr val="000000"/>
+              </a:buClr>
+              <a:buSzPct val="45000"/>
+              <a:buFont typeface="Wingdings" charset="2"/>
+              <a:buChar char=""/>
+            </a:pPr>
+            <a:r>
+              <a:rPr b="0" lang="en-IE" sz="2000" spc="-1" strike="noStrike">
+                <a:latin typeface="Arial"/>
+              </a:rPr>
+              <a:t>Seventh Outline </a:t>
+            </a:r>
+            <a:r>
+              <a:rPr b="0" lang="en-IE" sz="2000" spc="-1" strike="noStrike">
+                <a:latin typeface="Arial"/>
+              </a:rPr>
+              <a:t>Level</a:t>
+            </a:r>
+            <a:endParaRPr b="0" lang="en-IE" sz="2000" spc="-1" strike="noStrike">
+              <a:latin typeface="Arial"/>
             </a:endParaRPr>
           </a:p>
         </p:txBody>
@@ -6120,18 +5457,18 @@
         <p:spPr>
           <a:xfrm>
             <a:off x="1523880" y="1122480"/>
-            <a:ext cx="9143640" cy="2387160"/>
-          </a:xfrm>
-          <a:prstGeom prst="rect">
-            <a:avLst/>
-          </a:prstGeom>
-          <a:noFill/>
-          <a:ln w="0">
-            <a:noFill/>
-          </a:ln>
-        </p:spPr>
-        <p:txBody>
-          <a:bodyPr anchor="b">
+            <a:ext cx="9143280" cy="2386800"/>
+          </a:xfrm>
+          <a:prstGeom prst="rect">
+            <a:avLst/>
+          </a:prstGeom>
+          <a:noFill/>
+          <a:ln w="0">
+            <a:noFill/>
+          </a:ln>
+        </p:spPr>
+        <p:txBody>
+          <a:bodyPr lIns="0" rIns="0" tIns="0" bIns="0" anchor="b">
             <a:noAutofit/>
           </a:bodyPr>
           <a:p>
@@ -6150,11 +5487,8 @@
               </a:rPr>
               <a:t>Title Page</a:t>
             </a:r>
-            <a:endParaRPr b="0" lang="en-US" sz="6000" spc="-1" strike="noStrike">
-              <a:solidFill>
-                <a:srgbClr val="000000"/>
-              </a:solidFill>
-              <a:latin typeface="Calibri"/>
+            <a:endParaRPr b="0" lang="en-IE" sz="6000" spc="-1" strike="noStrike">
+              <a:latin typeface="Arial"/>
             </a:endParaRPr>
           </a:p>
         </p:txBody>
@@ -6172,18 +5506,18 @@
         <p:spPr>
           <a:xfrm>
             <a:off x="1523880" y="3602160"/>
-            <a:ext cx="9143640" cy="1655280"/>
-          </a:xfrm>
-          <a:prstGeom prst="rect">
-            <a:avLst/>
-          </a:prstGeom>
-          <a:noFill/>
-          <a:ln w="0">
-            <a:noFill/>
-          </a:ln>
-        </p:spPr>
-        <p:txBody>
-          <a:bodyPr anchor="t">
+            <a:ext cx="9143280" cy="1654920"/>
+          </a:xfrm>
+          <a:prstGeom prst="rect">
+            <a:avLst/>
+          </a:prstGeom>
+          <a:noFill/>
+          <a:ln w="0">
+            <a:noFill/>
+          </a:ln>
+        </p:spPr>
+        <p:txBody>
+          <a:bodyPr lIns="0" rIns="0" tIns="0" bIns="0" anchor="t">
             <a:noAutofit/>
           </a:bodyPr>
           <a:p>
@@ -6257,18 +5591,18 @@
         <p:spPr>
           <a:xfrm>
             <a:off x="838080" y="365040"/>
-            <a:ext cx="10515240" cy="1325160"/>
-          </a:xfrm>
-          <a:prstGeom prst="rect">
-            <a:avLst/>
-          </a:prstGeom>
-          <a:noFill/>
-          <a:ln w="0">
-            <a:noFill/>
-          </a:ln>
-        </p:spPr>
-        <p:txBody>
-          <a:bodyPr anchor="ctr">
+            <a:ext cx="10514880" cy="1324800"/>
+          </a:xfrm>
+          <a:prstGeom prst="rect">
+            <a:avLst/>
+          </a:prstGeom>
+          <a:noFill/>
+          <a:ln w="0">
+            <a:noFill/>
+          </a:ln>
+        </p:spPr>
+        <p:txBody>
+          <a:bodyPr lIns="90000" rIns="90000" tIns="45000" bIns="45000" anchor="ctr">
             <a:noAutofit/>
           </a:bodyPr>
           <a:p>
@@ -6287,11 +5621,8 @@
               </a:rPr>
               <a:t>Network Connectivity</a:t>
             </a:r>
-            <a:endParaRPr b="0" lang="en-US" sz="4400" spc="-1" strike="noStrike">
-              <a:solidFill>
-                <a:srgbClr val="000000"/>
-              </a:solidFill>
-              <a:latin typeface="Calibri"/>
+            <a:endParaRPr b="0" lang="en-IE" sz="4400" spc="-1" strike="noStrike">
+              <a:latin typeface="Arial"/>
             </a:endParaRPr>
           </a:p>
         </p:txBody>
@@ -6309,18 +5640,18 @@
         <p:spPr>
           <a:xfrm>
             <a:off x="838080" y="1825560"/>
-            <a:ext cx="10515240" cy="4350960"/>
-          </a:xfrm>
-          <a:prstGeom prst="rect">
-            <a:avLst/>
-          </a:prstGeom>
-          <a:noFill/>
-          <a:ln w="0">
-            <a:noFill/>
-          </a:ln>
-        </p:spPr>
-        <p:txBody>
-          <a:bodyPr anchor="t">
+            <a:ext cx="10514880" cy="4350600"/>
+          </a:xfrm>
+          <a:prstGeom prst="rect">
+            <a:avLst/>
+          </a:prstGeom>
+          <a:noFill/>
+          <a:ln w="0">
+            <a:noFill/>
+          </a:ln>
+        </p:spPr>
+        <p:txBody>
+          <a:bodyPr lIns="90000" rIns="90000" tIns="45000" bIns="45000" anchor="t">
             <a:noAutofit/>
           </a:bodyPr>
           <a:p>
@@ -6346,11 +5677,8 @@
               </a:rPr>
               <a:t>How does it connect?</a:t>
             </a:r>
-            <a:endParaRPr b="0" lang="en-US" sz="2800" spc="-1" strike="noStrike">
-              <a:solidFill>
-                <a:srgbClr val="000000"/>
-              </a:solidFill>
-              <a:latin typeface="Calibri"/>
+            <a:endParaRPr b="0" lang="en-IE" sz="2800" spc="-1" strike="noStrike">
+              <a:latin typeface="Arial"/>
             </a:endParaRPr>
           </a:p>
           <a:p>
@@ -6376,11 +5704,8 @@
               </a:rPr>
               <a:t>How does it handle a loss of connection? (good segway into the data portion of the slideshow)</a:t>
             </a:r>
-            <a:endParaRPr b="0" lang="en-US" sz="2800" spc="-1" strike="noStrike">
-              <a:solidFill>
-                <a:srgbClr val="000000"/>
-              </a:solidFill>
-              <a:latin typeface="Calibri"/>
+            <a:endParaRPr b="0" lang="en-IE" sz="2800" spc="-1" strike="noStrike">
+              <a:latin typeface="Arial"/>
             </a:endParaRPr>
           </a:p>
         </p:txBody>
@@ -6428,18 +5753,18 @@
         <p:spPr>
           <a:xfrm>
             <a:off x="838080" y="365040"/>
-            <a:ext cx="10515240" cy="1325160"/>
-          </a:xfrm>
-          <a:prstGeom prst="rect">
-            <a:avLst/>
-          </a:prstGeom>
-          <a:noFill/>
-          <a:ln w="0">
-            <a:noFill/>
-          </a:ln>
-        </p:spPr>
-        <p:txBody>
-          <a:bodyPr anchor="ctr">
+            <a:ext cx="10514880" cy="1324800"/>
+          </a:xfrm>
+          <a:prstGeom prst="rect">
+            <a:avLst/>
+          </a:prstGeom>
+          <a:noFill/>
+          <a:ln w="0">
+            <a:noFill/>
+          </a:ln>
+        </p:spPr>
+        <p:txBody>
+          <a:bodyPr lIns="90000" rIns="90000" tIns="45000" bIns="45000" anchor="ctr">
             <a:noAutofit/>
           </a:bodyPr>
           <a:p>
@@ -6458,11 +5783,8 @@
               </a:rPr>
               <a:t>Storage of Data</a:t>
             </a:r>
-            <a:endParaRPr b="0" lang="en-US" sz="4400" spc="-1" strike="noStrike">
-              <a:solidFill>
-                <a:srgbClr val="000000"/>
-              </a:solidFill>
-              <a:latin typeface="Calibri"/>
+            <a:endParaRPr b="0" lang="en-IE" sz="4400" spc="-1" strike="noStrike">
+              <a:latin typeface="Arial"/>
             </a:endParaRPr>
           </a:p>
         </p:txBody>
@@ -6480,18 +5802,18 @@
         <p:spPr>
           <a:xfrm>
             <a:off x="838080" y="1825560"/>
-            <a:ext cx="10515240" cy="4350960"/>
-          </a:xfrm>
-          <a:prstGeom prst="rect">
-            <a:avLst/>
-          </a:prstGeom>
-          <a:noFill/>
-          <a:ln w="0">
-            <a:noFill/>
-          </a:ln>
-        </p:spPr>
-        <p:txBody>
-          <a:bodyPr anchor="t">
+            <a:ext cx="10514880" cy="4350600"/>
+          </a:xfrm>
+          <a:prstGeom prst="rect">
+            <a:avLst/>
+          </a:prstGeom>
+          <a:noFill/>
+          <a:ln w="0">
+            <a:noFill/>
+          </a:ln>
+        </p:spPr>
+        <p:txBody>
+          <a:bodyPr lIns="90000" rIns="90000" tIns="45000" bIns="45000" anchor="t">
             <a:noAutofit/>
           </a:bodyPr>
           <a:p>
@@ -6517,11 +5839,8 @@
               </a:rPr>
               <a:t>Where data will be stored</a:t>
             </a:r>
-            <a:endParaRPr b="0" lang="en-US" sz="2800" spc="-1" strike="noStrike">
-              <a:solidFill>
-                <a:srgbClr val="000000"/>
-              </a:solidFill>
-              <a:latin typeface="Calibri"/>
+            <a:endParaRPr b="0" lang="en-IE" sz="2800" spc="-1" strike="noStrike">
+              <a:latin typeface="Arial"/>
             </a:endParaRPr>
           </a:p>
           <a:p>
@@ -6547,11 +5866,8 @@
               </a:rPr>
               <a:t>On-board data storage</a:t>
             </a:r>
-            <a:endParaRPr b="0" lang="en-US" sz="2400" spc="-1" strike="noStrike">
-              <a:solidFill>
-                <a:srgbClr val="000000"/>
-              </a:solidFill>
-              <a:latin typeface="Calibri"/>
+            <a:endParaRPr b="0" lang="en-IE" sz="2400" spc="-1" strike="noStrike">
+              <a:latin typeface="Arial"/>
             </a:endParaRPr>
           </a:p>
           <a:p>
@@ -6577,11 +5893,8 @@
               </a:rPr>
               <a:t>Cloud data storage</a:t>
             </a:r>
-            <a:endParaRPr b="0" lang="en-US" sz="2400" spc="-1" strike="noStrike">
-              <a:solidFill>
-                <a:srgbClr val="000000"/>
-              </a:solidFill>
-              <a:latin typeface="Calibri"/>
+            <a:endParaRPr b="0" lang="en-IE" sz="2400" spc="-1" strike="noStrike">
+              <a:latin typeface="Arial"/>
             </a:endParaRPr>
           </a:p>
           <a:p>
@@ -6607,11 +5920,8 @@
               </a:rPr>
               <a:t>Etc</a:t>
             </a:r>
-            <a:endParaRPr b="0" lang="en-US" sz="2400" spc="-1" strike="noStrike">
-              <a:solidFill>
-                <a:srgbClr val="000000"/>
-              </a:solidFill>
-              <a:latin typeface="Calibri"/>
+            <a:endParaRPr b="0" lang="en-IE" sz="2400" spc="-1" strike="noStrike">
+              <a:latin typeface="Arial"/>
             </a:endParaRPr>
           </a:p>
           <a:p>
@@ -6637,11 +5947,8 @@
               </a:rPr>
               <a:t>What database will we be using</a:t>
             </a:r>
-            <a:endParaRPr b="0" lang="en-US" sz="2800" spc="-1" strike="noStrike">
-              <a:solidFill>
-                <a:srgbClr val="000000"/>
-              </a:solidFill>
-              <a:latin typeface="Calibri"/>
+            <a:endParaRPr b="0" lang="en-IE" sz="2800" spc="-1" strike="noStrike">
+              <a:latin typeface="Arial"/>
             </a:endParaRPr>
           </a:p>
           <a:p>
@@ -6667,11 +5974,8 @@
               </a:rPr>
               <a:t>Assuming we use MySQL, we must detail a schema for the database and give sample queries that will be used to process and query the data</a:t>
             </a:r>
-            <a:endParaRPr b="0" lang="en-US" sz="2400" spc="-1" strike="noStrike">
-              <a:solidFill>
-                <a:srgbClr val="000000"/>
-              </a:solidFill>
-              <a:latin typeface="Calibri"/>
+            <a:endParaRPr b="0" lang="en-IE" sz="2400" spc="-1" strike="noStrike">
+              <a:latin typeface="Arial"/>
             </a:endParaRPr>
           </a:p>
         </p:txBody>
@@ -6718,8 +6022,8 @@
         </p:nvSpPr>
         <p:spPr>
           <a:xfrm>
-            <a:off x="838080" y="365040"/>
-            <a:ext cx="10515240" cy="1325160"/>
+            <a:off x="609480" y="273600"/>
+            <a:ext cx="10972440" cy="1144800"/>
           </a:xfrm>
           <a:prstGeom prst="rect">
             <a:avLst/>
@@ -6734,20 +6038,17 @@
             <a:noAutofit/>
           </a:bodyPr>
           <a:p>
-            <a:r>
-              <a:rPr b="0" lang="en-US" sz="1800" spc="-1" strike="noStrike">
-                <a:solidFill>
-                  <a:srgbClr val="000000"/>
-                </a:solidFill>
-                <a:latin typeface="Calibri"/>
+            <a:pPr algn="ctr">
+              <a:buNone/>
+            </a:pPr>
+            <a:r>
+              <a:rPr b="0" lang="en-IE" sz="4400" spc="-1" strike="noStrike">
+                <a:latin typeface="Arial"/>
               </a:rPr>
               <a:t>Data Storage</a:t>
             </a:r>
-            <a:endParaRPr b="0" lang="en-US" sz="1800" spc="-1" strike="noStrike">
-              <a:solidFill>
-                <a:srgbClr val="000000"/>
-              </a:solidFill>
-              <a:latin typeface="Calibri"/>
+            <a:endParaRPr b="0" lang="en-IE" sz="4400" spc="-1" strike="noStrike">
+              <a:latin typeface="Arial"/>
             </a:endParaRPr>
           </a:p>
         </p:txBody>
@@ -6760,8 +6061,8 @@
         </p:nvSpPr>
         <p:spPr>
           <a:xfrm>
-            <a:off x="838080" y="1440000"/>
-            <a:ext cx="10681920" cy="1882080"/>
+            <a:off x="1080000" y="1800000"/>
+            <a:ext cx="10260000" cy="4140000"/>
           </a:xfrm>
           <a:prstGeom prst="rect">
             <a:avLst/>
@@ -6780,7 +6081,7 @@
               <a:rPr b="0" lang="en-IE" sz="1800" spc="-1" strike="noStrike">
                 <a:latin typeface="Arial"/>
               </a:rPr>
-              <a:t>There will be a database locally on the Rasberry Pi and a copy of it on AWS. In the case of a network outage the local database will record all updates made to the database, so that the AWS database can be updated after a connection is resumed.</a:t>
+              <a:t>There will be a database locally on the Rasberry Pi and a copy of it on AWS. In the case of a network outage the local database will record all updates made to the database, so that the AWS database can be updated after a connection is resumed</a:t>
             </a:r>
             <a:endParaRPr b="0" lang="en-IE" sz="1800" spc="-1" strike="noStrike">
               <a:latin typeface="Arial"/>
@@ -6792,16 +6093,12 @@
             </a:endParaRPr>
           </a:p>
           <a:p>
-            <a:endParaRPr b="0" lang="en-IE" sz="1800" spc="-1" strike="noStrike">
-              <a:latin typeface="Arial"/>
-            </a:endParaRPr>
-          </a:p>
-          <a:p>
-            <a:endParaRPr b="0" lang="en-IE" sz="1800" spc="-1" strike="noStrike">
-              <a:latin typeface="Arial"/>
-            </a:endParaRPr>
-          </a:p>
-          <a:p>
+            <a:r>
+              <a:rPr b="0" lang="en-IE" sz="1800" spc="-1" strike="noStrike">
+                <a:latin typeface="Arial"/>
+              </a:rPr>
+              <a:t>#TODO schema</a:t>
+            </a:r>
             <a:endParaRPr b="0" lang="en-IE" sz="1800" spc="-1" strike="noStrike">
               <a:latin typeface="Arial"/>
             </a:endParaRPr>
@@ -6851,18 +6148,18 @@
         <p:spPr>
           <a:xfrm>
             <a:off x="838080" y="365040"/>
-            <a:ext cx="10515240" cy="1325160"/>
-          </a:xfrm>
-          <a:prstGeom prst="rect">
-            <a:avLst/>
-          </a:prstGeom>
-          <a:noFill/>
-          <a:ln w="0">
-            <a:noFill/>
-          </a:ln>
-        </p:spPr>
-        <p:txBody>
-          <a:bodyPr anchor="ctr">
+            <a:ext cx="10514880" cy="1324800"/>
+          </a:xfrm>
+          <a:prstGeom prst="rect">
+            <a:avLst/>
+          </a:prstGeom>
+          <a:noFill/>
+          <a:ln w="0">
+            <a:noFill/>
+          </a:ln>
+        </p:spPr>
+        <p:txBody>
+          <a:bodyPr lIns="90000" rIns="90000" tIns="45000" bIns="45000" anchor="ctr">
             <a:noAutofit/>
           </a:bodyPr>
           <a:p>
@@ -6881,11 +6178,8 @@
               </a:rPr>
               <a:t>Data Gathering</a:t>
             </a:r>
-            <a:endParaRPr b="0" lang="en-US" sz="4400" spc="-1" strike="noStrike">
-              <a:solidFill>
-                <a:srgbClr val="000000"/>
-              </a:solidFill>
-              <a:latin typeface="Calibri"/>
+            <a:endParaRPr b="0" lang="en-IE" sz="4400" spc="-1" strike="noStrike">
+              <a:latin typeface="Arial"/>
             </a:endParaRPr>
           </a:p>
         </p:txBody>
@@ -6903,18 +6197,18 @@
         <p:spPr>
           <a:xfrm>
             <a:off x="838080" y="1825560"/>
-            <a:ext cx="10515240" cy="4350960"/>
-          </a:xfrm>
-          <a:prstGeom prst="rect">
-            <a:avLst/>
-          </a:prstGeom>
-          <a:noFill/>
-          <a:ln w="0">
-            <a:noFill/>
-          </a:ln>
-        </p:spPr>
-        <p:txBody>
-          <a:bodyPr anchor="t">
+            <a:ext cx="10514880" cy="4350600"/>
+          </a:xfrm>
+          <a:prstGeom prst="rect">
+            <a:avLst/>
+          </a:prstGeom>
+          <a:noFill/>
+          <a:ln w="0">
+            <a:noFill/>
+          </a:ln>
+        </p:spPr>
+        <p:txBody>
+          <a:bodyPr lIns="90000" rIns="90000" tIns="45000" bIns="45000" anchor="t">
             <a:noAutofit/>
           </a:bodyPr>
           <a:p>
@@ -6940,11 +6234,8 @@
               </a:rPr>
               <a:t>include detail about the frequency with which each sensor can record a value and how the sensors work</a:t>
             </a:r>
-            <a:endParaRPr b="0" lang="en-US" sz="2800" spc="-1" strike="noStrike">
-              <a:solidFill>
-                <a:srgbClr val="000000"/>
-              </a:solidFill>
-              <a:latin typeface="Calibri"/>
+            <a:endParaRPr b="0" lang="en-IE" sz="2800" spc="-1" strike="noStrike">
+              <a:latin typeface="Arial"/>
             </a:endParaRPr>
           </a:p>
           <a:p>
@@ -6970,11 +6261,8 @@
               </a:rPr>
               <a:t>What types of data are we gathering</a:t>
             </a:r>
-            <a:endParaRPr b="0" lang="en-US" sz="2800" spc="-1" strike="noStrike">
-              <a:solidFill>
-                <a:srgbClr val="000000"/>
-              </a:solidFill>
-              <a:latin typeface="Calibri"/>
+            <a:endParaRPr b="0" lang="en-IE" sz="2800" spc="-1" strike="noStrike">
+              <a:latin typeface="Arial"/>
             </a:endParaRPr>
           </a:p>
           <a:p>
@@ -7000,11 +6288,8 @@
               </a:rPr>
               <a:t>How much data are we gathering</a:t>
             </a:r>
-            <a:endParaRPr b="0" lang="en-US" sz="2800" spc="-1" strike="noStrike">
-              <a:solidFill>
-                <a:srgbClr val="000000"/>
-              </a:solidFill>
-              <a:latin typeface="Calibri"/>
+            <a:endParaRPr b="0" lang="en-IE" sz="2800" spc="-1" strike="noStrike">
+              <a:latin typeface="Arial"/>
             </a:endParaRPr>
           </a:p>
           <a:p>
@@ -7030,11 +6315,8 @@
               </a:rPr>
               <a:t>Why do we need to gather this data</a:t>
             </a:r>
-            <a:endParaRPr b="0" lang="en-US" sz="2800" spc="-1" strike="noStrike">
-              <a:solidFill>
-                <a:srgbClr val="000000"/>
-              </a:solidFill>
-              <a:latin typeface="Calibri"/>
+            <a:endParaRPr b="0" lang="en-IE" sz="2800" spc="-1" strike="noStrike">
+              <a:latin typeface="Arial"/>
             </a:endParaRPr>
           </a:p>
           <a:p>
@@ -7047,11 +6329,8 @@
               </a:spcBef>
               <a:buNone/>
             </a:pPr>
-            <a:endParaRPr b="0" lang="en-US" sz="2800" spc="-1" strike="noStrike">
-              <a:solidFill>
-                <a:srgbClr val="000000"/>
-              </a:solidFill>
-              <a:latin typeface="Calibri"/>
+            <a:endParaRPr b="0" lang="en-IE" sz="2800" spc="-1" strike="noStrike">
+              <a:latin typeface="Arial"/>
             </a:endParaRPr>
           </a:p>
         </p:txBody>
@@ -7098,195 +6377,219 @@
         </p:nvSpPr>
         <p:spPr>
           <a:xfrm>
-            <a:off x="838080" y="365040"/>
-            <a:ext cx="10515240" cy="1325160"/>
-          </a:xfrm>
-          <a:prstGeom prst="rect">
-            <a:avLst/>
-          </a:prstGeom>
-          <a:noFill/>
-          <a:ln w="0">
-            <a:noFill/>
-          </a:ln>
-        </p:spPr>
-        <p:txBody>
-          <a:bodyPr anchor="ctr">
+            <a:off x="609480" y="273600"/>
+            <a:ext cx="10972440" cy="1144800"/>
+          </a:xfrm>
+          <a:prstGeom prst="rect">
+            <a:avLst/>
+          </a:prstGeom>
+          <a:noFill/>
+          <a:ln w="0">
+            <a:noFill/>
+          </a:ln>
+        </p:spPr>
+        <p:txBody>
+          <a:bodyPr lIns="0" rIns="0" tIns="0" bIns="0" anchor="ctr">
             <a:noAutofit/>
           </a:bodyPr>
           <a:p>
-            <a:pPr>
-              <a:lnSpc>
-                <a:spcPct val="90000"/>
-              </a:lnSpc>
+            <a:pPr algn="ctr">
               <a:buNone/>
             </a:pPr>
             <a:r>
-              <a:rPr b="0" lang="en-GB" sz="4400" spc="-1" strike="noStrike">
-                <a:solidFill>
-                  <a:srgbClr val="000000"/>
-                </a:solidFill>
-                <a:latin typeface="Calibri Light"/>
-              </a:rPr>
-              <a:t>Data Processing</a:t>
-            </a:r>
-            <a:endParaRPr b="0" lang="en-US" sz="4400" spc="-1" strike="noStrike">
-              <a:solidFill>
-                <a:srgbClr val="000000"/>
-              </a:solidFill>
-              <a:latin typeface="Calibri"/>
-            </a:endParaRPr>
-          </a:p>
-        </p:txBody>
-      </p:sp>
-      <p:sp>
-        <p:nvSpPr>
-          <p:cNvPr id="109" name="PlaceHolder 2"/>
-          <p:cNvSpPr>
-            <a:spLocks noGrp="1"/>
-          </p:cNvSpPr>
-          <p:nvPr>
-            <p:ph/>
-          </p:nvPr>
-        </p:nvSpPr>
-        <p:spPr>
-          <a:xfrm>
-            <a:off x="838080" y="1825560"/>
-            <a:ext cx="10515240" cy="4350960"/>
-          </a:xfrm>
-          <a:prstGeom prst="rect">
-            <a:avLst/>
-          </a:prstGeom>
-          <a:noFill/>
-          <a:ln w="0">
-            <a:noFill/>
-          </a:ln>
-        </p:spPr>
-        <p:txBody>
-          <a:bodyPr anchor="t">
+              <a:rPr b="0" lang="en-IE" sz="4400" spc="-1" strike="noStrike">
+                <a:latin typeface="Arial"/>
+              </a:rPr>
+              <a:t>Data Gathering</a:t>
+            </a:r>
+            <a:endParaRPr b="0" lang="en-IE" sz="4400" spc="-1" strike="noStrike">
+              <a:latin typeface="Arial"/>
+            </a:endParaRPr>
+          </a:p>
+        </p:txBody>
+      </p:sp>
+      <p:sp>
+        <p:nvSpPr>
+          <p:cNvPr id="109" name=""/>
+          <p:cNvSpPr txBox="1"/>
+          <p:nvPr/>
+        </p:nvSpPr>
+        <p:spPr>
+          <a:xfrm>
+            <a:off x="900000" y="1800000"/>
+            <a:ext cx="10800000" cy="2649960"/>
+          </a:xfrm>
+          <a:prstGeom prst="rect">
+            <a:avLst/>
+          </a:prstGeom>
+          <a:noFill/>
+          <a:ln w="0">
+            <a:noFill/>
+          </a:ln>
+        </p:spPr>
+        <p:txBody>
+          <a:bodyPr lIns="90000" rIns="90000" tIns="45000" bIns="45000" anchor="t">
             <a:noAutofit/>
           </a:bodyPr>
           <a:p>
-            <a:pPr marL="228600" indent="-228600">
-              <a:lnSpc>
-                <a:spcPct val="90000"/>
-              </a:lnSpc>
-              <a:spcBef>
-                <a:spcPts val="1001"/>
-              </a:spcBef>
-              <a:buClr>
-                <a:srgbClr val="000000"/>
-              </a:buClr>
-              <a:buFont typeface="Arial"/>
-              <a:buChar char="•"/>
-            </a:pPr>
-            <a:r>
-              <a:rPr b="0" lang="en-GB" sz="2800" spc="-1" strike="noStrike">
-                <a:solidFill>
-                  <a:srgbClr val="000000"/>
-                </a:solidFill>
-                <a:latin typeface="Calibri"/>
-              </a:rPr>
-              <a:t>Where is the data processed</a:t>
-            </a:r>
-            <a:endParaRPr b="0" lang="en-US" sz="2800" spc="-1" strike="noStrike">
-              <a:solidFill>
-                <a:srgbClr val="000000"/>
-              </a:solidFill>
-              <a:latin typeface="Calibri"/>
-            </a:endParaRPr>
-          </a:p>
-          <a:p>
-            <a:pPr marL="228600" indent="-228600">
-              <a:lnSpc>
-                <a:spcPct val="90000"/>
-              </a:lnSpc>
-              <a:spcBef>
-                <a:spcPts val="1001"/>
-              </a:spcBef>
-              <a:buClr>
-                <a:srgbClr val="000000"/>
-              </a:buClr>
-              <a:buFont typeface="Arial"/>
-              <a:buChar char="•"/>
-            </a:pPr>
-            <a:r>
-              <a:rPr b="0" lang="en-GB" sz="2800" spc="-1" strike="noStrike">
-                <a:solidFill>
-                  <a:srgbClr val="000000"/>
-                </a:solidFill>
-                <a:latin typeface="Calibri"/>
-              </a:rPr>
-              <a:t>What is the end result of data processing</a:t>
-            </a:r>
-            <a:endParaRPr b="0" lang="en-US" sz="2800" spc="-1" strike="noStrike">
-              <a:solidFill>
-                <a:srgbClr val="000000"/>
-              </a:solidFill>
-              <a:latin typeface="Calibri"/>
-            </a:endParaRPr>
-          </a:p>
-          <a:p>
-            <a:pPr marL="228600" indent="-228600">
-              <a:lnSpc>
-                <a:spcPct val="90000"/>
-              </a:lnSpc>
-              <a:spcBef>
-                <a:spcPts val="1001"/>
-              </a:spcBef>
-              <a:buClr>
-                <a:srgbClr val="000000"/>
-              </a:buClr>
-              <a:buFont typeface="Arial"/>
-              <a:buChar char="•"/>
-            </a:pPr>
-            <a:r>
-              <a:rPr b="0" lang="en-GB" sz="2800" spc="-1" strike="noStrike">
-                <a:solidFill>
-                  <a:srgbClr val="000000"/>
-                </a:solidFill>
-                <a:latin typeface="Calibri"/>
-              </a:rPr>
-              <a:t>How CRON fits into the process</a:t>
-            </a:r>
-            <a:endParaRPr b="0" lang="en-US" sz="2800" spc="-1" strike="noStrike">
-              <a:solidFill>
-                <a:srgbClr val="000000"/>
-              </a:solidFill>
-              <a:latin typeface="Calibri"/>
-            </a:endParaRPr>
-          </a:p>
-          <a:p>
-            <a:pPr lvl="1" marL="685800" indent="-228600">
-              <a:lnSpc>
-                <a:spcPct val="90000"/>
-              </a:lnSpc>
-              <a:spcBef>
-                <a:spcPts val="499"/>
-              </a:spcBef>
-              <a:buClr>
-                <a:srgbClr val="000000"/>
-              </a:buClr>
-              <a:buFont typeface="Arial"/>
-              <a:buChar char="•"/>
-            </a:pPr>
-            <a:r>
-              <a:rPr b="0" lang="en-GB" sz="2400" spc="-1" strike="noStrike">
-                <a:solidFill>
-                  <a:srgbClr val="000000"/>
-                </a:solidFill>
-                <a:latin typeface="Calibri"/>
-              </a:rPr>
-              <a:t>List the cron jobs that will be run</a:t>
-            </a:r>
-            <a:endParaRPr b="0" lang="en-US" sz="2400" spc="-1" strike="noStrike">
-              <a:solidFill>
-                <a:srgbClr val="000000"/>
-              </a:solidFill>
-              <a:latin typeface="Calibri"/>
-            </a:endParaRPr>
-          </a:p>
-        </p:txBody>
-      </p:sp>
+            <a:r>
+              <a:rPr b="0" lang="en-IE" sz="1800" spc="-1" strike="noStrike">
+                <a:latin typeface="Arial"/>
+              </a:rPr>
+              <a:t>Force Sensitive Resistor</a:t>
+            </a:r>
+            <a:endParaRPr b="0" lang="en-IE" sz="1800" spc="-1" strike="noStrike">
+              <a:latin typeface="Arial"/>
+            </a:endParaRPr>
+          </a:p>
+          <a:p>
+            <a:r>
+              <a:rPr b="0" lang="en-IE" sz="1800" spc="-1" strike="noStrike">
+                <a:latin typeface="Arial"/>
+              </a:rPr>
+              <a:t>	</a:t>
+            </a:r>
+            <a:r>
+              <a:rPr b="0" lang="en-IE" sz="1800" spc="-1" strike="noStrike">
+                <a:latin typeface="Arial"/>
+              </a:rPr>
+              <a:t>- Analog data</a:t>
+            </a:r>
+            <a:endParaRPr b="0" lang="en-IE" sz="1800" spc="-1" strike="noStrike">
+              <a:latin typeface="Arial"/>
+            </a:endParaRPr>
+          </a:p>
+          <a:p>
+            <a:r>
+              <a:rPr b="0" lang="en-IE" sz="1800" spc="-1" strike="noStrike">
+                <a:latin typeface="Arial"/>
+              </a:rPr>
+              <a:t>	</a:t>
+            </a:r>
+            <a:r>
+              <a:rPr b="0" lang="en-IE" sz="1800" spc="-1" strike="noStrike">
+                <a:latin typeface="Arial"/>
+              </a:rPr>
+              <a:t>- Values between 0 – 1023</a:t>
+            </a:r>
+            <a:endParaRPr b="0" lang="en-IE" sz="1800" spc="-1" strike="noStrike">
+              <a:latin typeface="Arial"/>
+            </a:endParaRPr>
+          </a:p>
+          <a:p>
+            <a:r>
+              <a:rPr b="0" lang="en-IE" sz="1800" spc="-1" strike="noStrike">
+                <a:latin typeface="Arial"/>
+              </a:rPr>
+              <a:t>	</a:t>
+            </a:r>
+            <a:r>
+              <a:rPr b="0" lang="en-IE" sz="1800" spc="-1" strike="noStrike">
+                <a:latin typeface="Arial"/>
+              </a:rPr>
+              <a:t>- 0 reprensents a low force</a:t>
+            </a:r>
+            <a:endParaRPr b="0" lang="en-IE" sz="1800" spc="-1" strike="noStrike">
+              <a:latin typeface="Arial"/>
+            </a:endParaRPr>
+          </a:p>
+          <a:p>
+            <a:r>
+              <a:rPr b="0" lang="en-IE" sz="1800" spc="-1" strike="noStrike">
+                <a:latin typeface="Arial"/>
+              </a:rPr>
+              <a:t>	</a:t>
+            </a:r>
+            <a:r>
+              <a:rPr b="0" lang="en-IE" sz="1800" spc="-1" strike="noStrike">
+                <a:latin typeface="Arial"/>
+              </a:rPr>
+              <a:t>- 1023 represents a high force</a:t>
+            </a:r>
+            <a:endParaRPr b="0" lang="en-IE" sz="1800" spc="-1" strike="noStrike">
+              <a:latin typeface="Arial"/>
+            </a:endParaRPr>
+          </a:p>
+          <a:p>
+            <a:endParaRPr b="0" lang="en-IE" sz="1800" spc="-1" strike="noStrike">
+              <a:latin typeface="Arial"/>
+            </a:endParaRPr>
+          </a:p>
+          <a:p>
+            <a:endParaRPr b="0" lang="en-IE" sz="1800" spc="-1" strike="noStrike">
+              <a:latin typeface="Arial"/>
+            </a:endParaRPr>
+          </a:p>
+          <a:p>
+            <a:r>
+              <a:rPr b="0" lang="en-IE" sz="1800" spc="-1" strike="noStrike">
+                <a:latin typeface="Arial"/>
+              </a:rPr>
+              <a:t>Micro Switch</a:t>
+            </a:r>
+            <a:endParaRPr b="0" lang="en-IE" sz="1800" spc="-1" strike="noStrike">
+              <a:latin typeface="Arial"/>
+            </a:endParaRPr>
+          </a:p>
+          <a:p>
+            <a:r>
+              <a:rPr b="0" lang="en-IE" sz="1800" spc="-1" strike="noStrike">
+                <a:latin typeface="Arial"/>
+              </a:rPr>
+              <a:t>	</a:t>
+            </a:r>
+            <a:r>
+              <a:rPr b="0" lang="en-IE" sz="1800" spc="-1" strike="noStrike">
+                <a:latin typeface="Arial"/>
+              </a:rPr>
+              <a:t>- Binary data</a:t>
+            </a:r>
+            <a:endParaRPr b="0" lang="en-IE" sz="1800" spc="-1" strike="noStrike">
+              <a:latin typeface="Arial"/>
+            </a:endParaRPr>
+          </a:p>
+          <a:p>
+            <a:r>
+              <a:rPr b="0" lang="en-IE" sz="1800" spc="-1" strike="noStrike">
+                <a:latin typeface="Arial"/>
+              </a:rPr>
+              <a:t>	</a:t>
+            </a:r>
+            <a:r>
+              <a:rPr b="0" lang="en-IE" sz="1800" spc="-1" strike="noStrike">
+                <a:latin typeface="Arial"/>
+              </a:rPr>
+              <a:t>- </a:t>
+            </a:r>
+            <a:endParaRPr b="0" lang="en-IE" sz="1800" spc="-1" strike="noStrike">
+              <a:latin typeface="Arial"/>
+            </a:endParaRPr>
+          </a:p>
+        </p:txBody>
+      </p:sp>
+      <p:pic>
+        <p:nvPicPr>
+          <p:cNvPr id="110" name="" descr=""/>
+          <p:cNvPicPr/>
+          <p:nvPr/>
+        </p:nvPicPr>
+        <p:blipFill>
+          <a:blip r:embed="rId1"/>
+          <a:stretch/>
+        </p:blipFill>
+        <p:spPr>
+          <a:xfrm>
+            <a:off x="7740000" y="1626840"/>
+            <a:ext cx="3420000" cy="2131920"/>
+          </a:xfrm>
+          <a:prstGeom prst="rect">
+            <a:avLst/>
+          </a:prstGeom>
+          <a:ln w="0">
+            <a:noFill/>
+          </a:ln>
+        </p:spPr>
+      </p:pic>
     </p:spTree>
   </p:cSld>
   <mc:AlternateContent>
@@ -7319,7 +6622,7 @@
       </p:grpSpPr>
       <p:sp>
         <p:nvSpPr>
-          <p:cNvPr id="110" name="PlaceHolder 1"/>
+          <p:cNvPr id="111" name="PlaceHolder 1"/>
           <p:cNvSpPr>
             <a:spLocks noGrp="1"/>
           </p:cNvSpPr>
@@ -7330,18 +6633,18 @@
         <p:spPr>
           <a:xfrm>
             <a:off x="838080" y="365040"/>
-            <a:ext cx="10515240" cy="1325160"/>
-          </a:xfrm>
-          <a:prstGeom prst="rect">
-            <a:avLst/>
-          </a:prstGeom>
-          <a:noFill/>
-          <a:ln w="0">
-            <a:noFill/>
-          </a:ln>
-        </p:spPr>
-        <p:txBody>
-          <a:bodyPr anchor="ctr">
+            <a:ext cx="10514880" cy="1324800"/>
+          </a:xfrm>
+          <a:prstGeom prst="rect">
+            <a:avLst/>
+          </a:prstGeom>
+          <a:noFill/>
+          <a:ln w="0">
+            <a:noFill/>
+          </a:ln>
+        </p:spPr>
+        <p:txBody>
+          <a:bodyPr lIns="90000" rIns="90000" tIns="45000" bIns="45000" anchor="ctr">
             <a:noAutofit/>
           </a:bodyPr>
           <a:p>
@@ -7358,20 +6661,17 @@
                 </a:solidFill>
                 <a:latin typeface="Calibri Light"/>
               </a:rPr>
-              <a:t>Physical Security</a:t>
-            </a:r>
-            <a:endParaRPr b="0" lang="en-US" sz="4400" spc="-1" strike="noStrike">
-              <a:solidFill>
-                <a:srgbClr val="000000"/>
-              </a:solidFill>
-              <a:latin typeface="Calibri"/>
-            </a:endParaRPr>
-          </a:p>
-        </p:txBody>
-      </p:sp>
-      <p:sp>
-        <p:nvSpPr>
-          <p:cNvPr id="111" name="PlaceHolder 2"/>
+              <a:t>Data Processing</a:t>
+            </a:r>
+            <a:endParaRPr b="0" lang="en-IE" sz="4400" spc="-1" strike="noStrike">
+              <a:latin typeface="Arial"/>
+            </a:endParaRPr>
+          </a:p>
+        </p:txBody>
+      </p:sp>
+      <p:sp>
+        <p:nvSpPr>
+          <p:cNvPr id="112" name="PlaceHolder 2"/>
           <p:cNvSpPr>
             <a:spLocks noGrp="1"/>
           </p:cNvSpPr>
@@ -7382,18 +6682,18 @@
         <p:spPr>
           <a:xfrm>
             <a:off x="838080" y="1825560"/>
-            <a:ext cx="10515240" cy="4350960"/>
-          </a:xfrm>
-          <a:prstGeom prst="rect">
-            <a:avLst/>
-          </a:prstGeom>
-          <a:noFill/>
-          <a:ln w="0">
-            <a:noFill/>
-          </a:ln>
-        </p:spPr>
-        <p:txBody>
-          <a:bodyPr anchor="t">
+            <a:ext cx="10514880" cy="4350600"/>
+          </a:xfrm>
+          <a:prstGeom prst="rect">
+            <a:avLst/>
+          </a:prstGeom>
+          <a:noFill/>
+          <a:ln w="0">
+            <a:noFill/>
+          </a:ln>
+        </p:spPr>
+        <p:txBody>
+          <a:bodyPr lIns="90000" rIns="90000" tIns="45000" bIns="45000" anchor="t">
             <a:noAutofit/>
           </a:bodyPr>
           <a:p>
@@ -7417,13 +6717,10 @@
                 </a:solidFill>
                 <a:latin typeface="Calibri"/>
               </a:rPr>
-              <a:t>Protection of the box’s physical structure</a:t>
-            </a:r>
-            <a:endParaRPr b="0" lang="en-US" sz="2800" spc="-1" strike="noStrike">
-              <a:solidFill>
-                <a:srgbClr val="000000"/>
-              </a:solidFill>
-              <a:latin typeface="Calibri"/>
+              <a:t>Where is the data processed</a:t>
+            </a:r>
+            <a:endParaRPr b="0" lang="en-IE" sz="2800" spc="-1" strike="noStrike">
+              <a:latin typeface="Arial"/>
             </a:endParaRPr>
           </a:p>
           <a:p>
@@ -7447,13 +6744,37 @@
                 </a:solidFill>
                 <a:latin typeface="Calibri"/>
               </a:rPr>
-              <a:t>Restriction of access to the device’s onboard ports</a:t>
-            </a:r>
-            <a:endParaRPr b="0" lang="en-US" sz="2800" spc="-1" strike="noStrike">
-              <a:solidFill>
+              <a:t>What is the end result of data processing</a:t>
+            </a:r>
+            <a:endParaRPr b="0" lang="en-IE" sz="2800" spc="-1" strike="noStrike">
+              <a:latin typeface="Arial"/>
+            </a:endParaRPr>
+          </a:p>
+          <a:p>
+            <a:pPr marL="228600" indent="-228600">
+              <a:lnSpc>
+                <a:spcPct val="90000"/>
+              </a:lnSpc>
+              <a:spcBef>
+                <a:spcPts val="1001"/>
+              </a:spcBef>
+              <a:buClr>
                 <a:srgbClr val="000000"/>
-              </a:solidFill>
-              <a:latin typeface="Calibri"/>
+              </a:buClr>
+              <a:buFont typeface="Arial"/>
+              <a:buChar char="•"/>
+            </a:pPr>
+            <a:r>
+              <a:rPr b="0" lang="en-GB" sz="2800" spc="-1" strike="noStrike">
+                <a:solidFill>
+                  <a:srgbClr val="000000"/>
+                </a:solidFill>
+                <a:latin typeface="Calibri"/>
+              </a:rPr>
+              <a:t>How CRON fits into the process</a:t>
+            </a:r>
+            <a:endParaRPr b="0" lang="en-IE" sz="2800" spc="-1" strike="noStrike">
+              <a:latin typeface="Arial"/>
             </a:endParaRPr>
           </a:p>
           <a:p>
@@ -7477,43 +6798,10 @@
                 </a:solidFill>
                 <a:latin typeface="Calibri"/>
               </a:rPr>
-              <a:t>Block off ports altogether where feasible</a:t>
-            </a:r>
-            <a:endParaRPr b="0" lang="en-US" sz="2400" spc="-1" strike="noStrike">
-              <a:solidFill>
-                <a:srgbClr val="000000"/>
-              </a:solidFill>
-              <a:latin typeface="Calibri"/>
-            </a:endParaRPr>
-          </a:p>
-          <a:p>
-            <a:pPr lvl="1" marL="685800" indent="-228600">
-              <a:lnSpc>
-                <a:spcPct val="90000"/>
-              </a:lnSpc>
-              <a:spcBef>
-                <a:spcPts val="499"/>
-              </a:spcBef>
-              <a:buClr>
-                <a:srgbClr val="000000"/>
-              </a:buClr>
-              <a:buFont typeface="Arial"/>
-              <a:buChar char="•"/>
-            </a:pPr>
-            <a:r>
-              <a:rPr b="0" lang="en-GB" sz="2400" spc="-1" strike="noStrike">
-                <a:solidFill>
-                  <a:srgbClr val="000000"/>
-                </a:solidFill>
-                <a:latin typeface="Calibri"/>
-              </a:rPr>
-              <a:t>Ports that can’t be reliably blocked off physically should be secured digitally</a:t>
-            </a:r>
-            <a:endParaRPr b="0" lang="en-US" sz="2400" spc="-1" strike="noStrike">
-              <a:solidFill>
-                <a:srgbClr val="000000"/>
-              </a:solidFill>
-              <a:latin typeface="Calibri"/>
+              <a:t>List the cron jobs that will be run</a:t>
+            </a:r>
+            <a:endParaRPr b="0" lang="en-IE" sz="2400" spc="-1" strike="noStrike">
+              <a:latin typeface="Arial"/>
             </a:endParaRPr>
           </a:p>
         </p:txBody>
@@ -7550,7 +6838,7 @@
       </p:grpSpPr>
       <p:sp>
         <p:nvSpPr>
-          <p:cNvPr id="112" name="PlaceHolder 1"/>
+          <p:cNvPr id="113" name="PlaceHolder 1"/>
           <p:cNvSpPr>
             <a:spLocks noGrp="1"/>
           </p:cNvSpPr>
@@ -7561,18 +6849,18 @@
         <p:spPr>
           <a:xfrm>
             <a:off x="838080" y="365040"/>
-            <a:ext cx="10515240" cy="1325160"/>
-          </a:xfrm>
-          <a:prstGeom prst="rect">
-            <a:avLst/>
-          </a:prstGeom>
-          <a:noFill/>
-          <a:ln w="0">
-            <a:noFill/>
-          </a:ln>
-        </p:spPr>
-        <p:txBody>
-          <a:bodyPr anchor="ctr">
+            <a:ext cx="10514880" cy="1324800"/>
+          </a:xfrm>
+          <a:prstGeom prst="rect">
+            <a:avLst/>
+          </a:prstGeom>
+          <a:noFill/>
+          <a:ln w="0">
+            <a:noFill/>
+          </a:ln>
+        </p:spPr>
+        <p:txBody>
+          <a:bodyPr lIns="90000" rIns="90000" tIns="45000" bIns="45000" anchor="ctr">
             <a:noAutofit/>
           </a:bodyPr>
           <a:p>
@@ -7589,20 +6877,17 @@
                 </a:solidFill>
                 <a:latin typeface="Calibri Light"/>
               </a:rPr>
-              <a:t>Security of Transmitted Data</a:t>
-            </a:r>
-            <a:endParaRPr b="0" lang="en-US" sz="4400" spc="-1" strike="noStrike">
-              <a:solidFill>
-                <a:srgbClr val="000000"/>
-              </a:solidFill>
-              <a:latin typeface="Calibri"/>
-            </a:endParaRPr>
-          </a:p>
-        </p:txBody>
-      </p:sp>
-      <p:sp>
-        <p:nvSpPr>
-          <p:cNvPr id="113" name="PlaceHolder 2"/>
+              <a:t>Physical Security</a:t>
+            </a:r>
+            <a:endParaRPr b="0" lang="en-IE" sz="4400" spc="-1" strike="noStrike">
+              <a:latin typeface="Arial"/>
+            </a:endParaRPr>
+          </a:p>
+        </p:txBody>
+      </p:sp>
+      <p:sp>
+        <p:nvSpPr>
+          <p:cNvPr id="114" name="PlaceHolder 2"/>
           <p:cNvSpPr>
             <a:spLocks noGrp="1"/>
           </p:cNvSpPr>
@@ -7613,18 +6898,18 @@
         <p:spPr>
           <a:xfrm>
             <a:off x="838080" y="1825560"/>
-            <a:ext cx="10515240" cy="4350960"/>
-          </a:xfrm>
-          <a:prstGeom prst="rect">
-            <a:avLst/>
-          </a:prstGeom>
-          <a:noFill/>
-          <a:ln w="0">
-            <a:noFill/>
-          </a:ln>
-        </p:spPr>
-        <p:txBody>
-          <a:bodyPr anchor="t">
+            <a:ext cx="10514880" cy="4350600"/>
+          </a:xfrm>
+          <a:prstGeom prst="rect">
+            <a:avLst/>
+          </a:prstGeom>
+          <a:noFill/>
+          <a:ln w="0">
+            <a:noFill/>
+          </a:ln>
+        </p:spPr>
+        <p:txBody>
+          <a:bodyPr lIns="90000" rIns="90000" tIns="45000" bIns="45000" anchor="t">
             <a:noAutofit/>
           </a:bodyPr>
           <a:p>
@@ -7648,13 +6933,10 @@
                 </a:solidFill>
                 <a:latin typeface="Calibri"/>
               </a:rPr>
-              <a:t>e.g Using POST instead of GET</a:t>
-            </a:r>
-            <a:endParaRPr b="0" lang="en-US" sz="2800" spc="-1" strike="noStrike">
-              <a:solidFill>
-                <a:srgbClr val="000000"/>
-              </a:solidFill>
-              <a:latin typeface="Calibri"/>
+              <a:t>Protection of the box’s physical structure</a:t>
+            </a:r>
+            <a:endParaRPr b="0" lang="en-IE" sz="2800" spc="-1" strike="noStrike">
+              <a:latin typeface="Arial"/>
             </a:endParaRPr>
           </a:p>
           <a:p>
@@ -7678,13 +6960,64 @@
                 </a:solidFill>
                 <a:latin typeface="Calibri"/>
               </a:rPr>
-              <a:t>Make sure the data can’t be intercepted with something like wireshark</a:t>
-            </a:r>
-            <a:endParaRPr b="0" lang="en-US" sz="2800" spc="-1" strike="noStrike">
-              <a:solidFill>
+              <a:t>Restriction of access to the device’s onboard ports</a:t>
+            </a:r>
+            <a:endParaRPr b="0" lang="en-IE" sz="2800" spc="-1" strike="noStrike">
+              <a:latin typeface="Arial"/>
+            </a:endParaRPr>
+          </a:p>
+          <a:p>
+            <a:pPr lvl="1" marL="685800" indent="-228600">
+              <a:lnSpc>
+                <a:spcPct val="90000"/>
+              </a:lnSpc>
+              <a:spcBef>
+                <a:spcPts val="499"/>
+              </a:spcBef>
+              <a:buClr>
                 <a:srgbClr val="000000"/>
-              </a:solidFill>
-              <a:latin typeface="Calibri"/>
+              </a:buClr>
+              <a:buFont typeface="Arial"/>
+              <a:buChar char="•"/>
+            </a:pPr>
+            <a:r>
+              <a:rPr b="0" lang="en-GB" sz="2400" spc="-1" strike="noStrike">
+                <a:solidFill>
+                  <a:srgbClr val="000000"/>
+                </a:solidFill>
+                <a:latin typeface="Calibri"/>
+              </a:rPr>
+              <a:t>Block off ports altogether where feasible</a:t>
+            </a:r>
+            <a:endParaRPr b="0" lang="en-IE" sz="2400" spc="-1" strike="noStrike">
+              <a:latin typeface="Arial"/>
+            </a:endParaRPr>
+          </a:p>
+          <a:p>
+            <a:pPr lvl="1" marL="685800" indent="-228600">
+              <a:lnSpc>
+                <a:spcPct val="90000"/>
+              </a:lnSpc>
+              <a:spcBef>
+                <a:spcPts val="499"/>
+              </a:spcBef>
+              <a:buClr>
+                <a:srgbClr val="000000"/>
+              </a:buClr>
+              <a:buFont typeface="Arial"/>
+              <a:buChar char="•"/>
+            </a:pPr>
+            <a:r>
+              <a:rPr b="0" lang="en-GB" sz="2400" spc="-1" strike="noStrike">
+                <a:solidFill>
+                  <a:srgbClr val="000000"/>
+                </a:solidFill>
+                <a:latin typeface="Calibri"/>
+              </a:rPr>
+              <a:t>Ports that can’t be reliably blocked off physically should be secured digitally</a:t>
+            </a:r>
+            <a:endParaRPr b="0" lang="en-IE" sz="2400" spc="-1" strike="noStrike">
+              <a:latin typeface="Arial"/>
             </a:endParaRPr>
           </a:p>
         </p:txBody>
@@ -7721,7 +7054,7 @@
       </p:grpSpPr>
       <p:sp>
         <p:nvSpPr>
-          <p:cNvPr id="114" name="PlaceHolder 1"/>
+          <p:cNvPr id="115" name="PlaceHolder 1"/>
           <p:cNvSpPr>
             <a:spLocks noGrp="1"/>
           </p:cNvSpPr>
@@ -7732,18 +7065,18 @@
         <p:spPr>
           <a:xfrm>
             <a:off x="838080" y="365040"/>
-            <a:ext cx="10515240" cy="1325160"/>
-          </a:xfrm>
-          <a:prstGeom prst="rect">
-            <a:avLst/>
-          </a:prstGeom>
-          <a:noFill/>
-          <a:ln w="0">
-            <a:noFill/>
-          </a:ln>
-        </p:spPr>
-        <p:txBody>
-          <a:bodyPr anchor="ctr">
+            <a:ext cx="10514880" cy="1324800"/>
+          </a:xfrm>
+          <a:prstGeom prst="rect">
+            <a:avLst/>
+          </a:prstGeom>
+          <a:noFill/>
+          <a:ln w="0">
+            <a:noFill/>
+          </a:ln>
+        </p:spPr>
+        <p:txBody>
+          <a:bodyPr lIns="90000" rIns="90000" tIns="45000" bIns="45000" anchor="ctr">
             <a:noAutofit/>
           </a:bodyPr>
           <a:p>
@@ -7760,20 +7093,17 @@
                 </a:solidFill>
                 <a:latin typeface="Calibri Light"/>
               </a:rPr>
-              <a:t>Security of Data at Rest</a:t>
-            </a:r>
-            <a:endParaRPr b="0" lang="en-US" sz="4400" spc="-1" strike="noStrike">
-              <a:solidFill>
-                <a:srgbClr val="000000"/>
-              </a:solidFill>
-              <a:latin typeface="Calibri"/>
-            </a:endParaRPr>
-          </a:p>
-        </p:txBody>
-      </p:sp>
-      <p:sp>
-        <p:nvSpPr>
-          <p:cNvPr id="115" name="PlaceHolder 2"/>
+              <a:t>Security of Transmitted Data</a:t>
+            </a:r>
+            <a:endParaRPr b="0" lang="en-IE" sz="4400" spc="-1" strike="noStrike">
+              <a:latin typeface="Arial"/>
+            </a:endParaRPr>
+          </a:p>
+        </p:txBody>
+      </p:sp>
+      <p:sp>
+        <p:nvSpPr>
+          <p:cNvPr id="116" name="PlaceHolder 2"/>
           <p:cNvSpPr>
             <a:spLocks noGrp="1"/>
           </p:cNvSpPr>
@@ -7784,18 +7114,18 @@
         <p:spPr>
           <a:xfrm>
             <a:off x="838080" y="1825560"/>
-            <a:ext cx="10515240" cy="4350960"/>
-          </a:xfrm>
-          <a:prstGeom prst="rect">
-            <a:avLst/>
-          </a:prstGeom>
-          <a:noFill/>
-          <a:ln w="0">
-            <a:noFill/>
-          </a:ln>
-        </p:spPr>
-        <p:txBody>
-          <a:bodyPr anchor="t">
+            <a:ext cx="10514880" cy="4350600"/>
+          </a:xfrm>
+          <a:prstGeom prst="rect">
+            <a:avLst/>
+          </a:prstGeom>
+          <a:noFill/>
+          <a:ln w="0">
+            <a:noFill/>
+          </a:ln>
+        </p:spPr>
+        <p:txBody>
+          <a:bodyPr lIns="90000" rIns="90000" tIns="45000" bIns="45000" anchor="t">
             <a:noAutofit/>
           </a:bodyPr>
           <a:p>
@@ -7819,13 +7149,10 @@
                 </a:solidFill>
                 <a:latin typeface="Calibri"/>
               </a:rPr>
-              <a:t>Store on a secure cloud service</a:t>
-            </a:r>
-            <a:endParaRPr b="0" lang="en-US" sz="2800" spc="-1" strike="noStrike">
-              <a:solidFill>
-                <a:srgbClr val="000000"/>
-              </a:solidFill>
-              <a:latin typeface="Calibri"/>
+              <a:t>e.g Using POST instead of GET</a:t>
+            </a:r>
+            <a:endParaRPr b="0" lang="en-IE" sz="2800" spc="-1" strike="noStrike">
+              <a:latin typeface="Arial"/>
             </a:endParaRPr>
           </a:p>
           <a:p>
@@ -7849,13 +7176,10 @@
                 </a:solidFill>
                 <a:latin typeface="Calibri"/>
               </a:rPr>
-              <a:t>Maybe wipe the onboard data once it has been sent, as it is only meant to be a backup</a:t>
-            </a:r>
-            <a:endParaRPr b="0" lang="en-US" sz="2800" spc="-1" strike="noStrike">
-              <a:solidFill>
-                <a:srgbClr val="000000"/>
-              </a:solidFill>
-              <a:latin typeface="Calibri"/>
+              <a:t>Make sure the data can’t be intercepted with something like wireshark</a:t>
+            </a:r>
+            <a:endParaRPr b="0" lang="en-IE" sz="2800" spc="-1" strike="noStrike">
+              <a:latin typeface="Arial"/>
             </a:endParaRPr>
           </a:p>
         </p:txBody>
@@ -7892,7 +7216,7 @@
       </p:grpSpPr>
       <p:sp>
         <p:nvSpPr>
-          <p:cNvPr id="116" name="PlaceHolder 1"/>
+          <p:cNvPr id="117" name="PlaceHolder 1"/>
           <p:cNvSpPr>
             <a:spLocks noGrp="1"/>
           </p:cNvSpPr>
@@ -7903,18 +7227,18 @@
         <p:spPr>
           <a:xfrm>
             <a:off x="838080" y="365040"/>
-            <a:ext cx="10515240" cy="1325160"/>
-          </a:xfrm>
-          <a:prstGeom prst="rect">
-            <a:avLst/>
-          </a:prstGeom>
-          <a:noFill/>
-          <a:ln w="0">
-            <a:noFill/>
-          </a:ln>
-        </p:spPr>
-        <p:txBody>
-          <a:bodyPr anchor="ctr">
+            <a:ext cx="10514880" cy="1324800"/>
+          </a:xfrm>
+          <a:prstGeom prst="rect">
+            <a:avLst/>
+          </a:prstGeom>
+          <a:noFill/>
+          <a:ln w="0">
+            <a:noFill/>
+          </a:ln>
+        </p:spPr>
+        <p:txBody>
+          <a:bodyPr lIns="90000" rIns="90000" tIns="45000" bIns="45000" anchor="ctr">
             <a:noAutofit/>
           </a:bodyPr>
           <a:p>
@@ -7931,20 +7255,17 @@
                 </a:solidFill>
                 <a:latin typeface="Calibri Light"/>
               </a:rPr>
-              <a:t>Testing</a:t>
-            </a:r>
-            <a:endParaRPr b="0" lang="en-US" sz="4400" spc="-1" strike="noStrike">
-              <a:solidFill>
-                <a:srgbClr val="000000"/>
-              </a:solidFill>
-              <a:latin typeface="Calibri"/>
-            </a:endParaRPr>
-          </a:p>
-        </p:txBody>
-      </p:sp>
-      <p:sp>
-        <p:nvSpPr>
-          <p:cNvPr id="117" name="PlaceHolder 2"/>
+              <a:t>Security of Data at Rest</a:t>
+            </a:r>
+            <a:endParaRPr b="0" lang="en-IE" sz="4400" spc="-1" strike="noStrike">
+              <a:latin typeface="Arial"/>
+            </a:endParaRPr>
+          </a:p>
+        </p:txBody>
+      </p:sp>
+      <p:sp>
+        <p:nvSpPr>
+          <p:cNvPr id="118" name="PlaceHolder 2"/>
           <p:cNvSpPr>
             <a:spLocks noGrp="1"/>
           </p:cNvSpPr>
@@ -7955,18 +7276,18 @@
         <p:spPr>
           <a:xfrm>
             <a:off x="838080" y="1825560"/>
-            <a:ext cx="10515240" cy="4350960"/>
-          </a:xfrm>
-          <a:prstGeom prst="rect">
-            <a:avLst/>
-          </a:prstGeom>
-          <a:noFill/>
-          <a:ln w="0">
-            <a:noFill/>
-          </a:ln>
-        </p:spPr>
-        <p:txBody>
-          <a:bodyPr anchor="t">
+            <a:ext cx="10514880" cy="4350600"/>
+          </a:xfrm>
+          <a:prstGeom prst="rect">
+            <a:avLst/>
+          </a:prstGeom>
+          <a:noFill/>
+          <a:ln w="0">
+            <a:noFill/>
+          </a:ln>
+        </p:spPr>
+        <p:txBody>
+          <a:bodyPr lIns="90000" rIns="90000" tIns="45000" bIns="45000" anchor="t">
             <a:noAutofit/>
           </a:bodyPr>
           <a:p>
@@ -7990,13 +7311,10 @@
                 </a:solidFill>
                 <a:latin typeface="Calibri"/>
               </a:rPr>
-              <a:t>User tests on initial UI</a:t>
-            </a:r>
-            <a:endParaRPr b="0" lang="en-US" sz="2800" spc="-1" strike="noStrike">
-              <a:solidFill>
-                <a:srgbClr val="000000"/>
-              </a:solidFill>
-              <a:latin typeface="Calibri"/>
+              <a:t>Store on a secure cloud service</a:t>
+            </a:r>
+            <a:endParaRPr b="0" lang="en-IE" sz="2800" spc="-1" strike="noStrike">
+              <a:latin typeface="Arial"/>
             </a:endParaRPr>
           </a:p>
           <a:p>
@@ -8020,43 +7338,10 @@
                 </a:solidFill>
                 <a:latin typeface="Calibri"/>
               </a:rPr>
-              <a:t>Test the hardware we have on hand</a:t>
-            </a:r>
-            <a:endParaRPr b="0" lang="en-US" sz="2800" spc="-1" strike="noStrike">
-              <a:solidFill>
-                <a:srgbClr val="000000"/>
-              </a:solidFill>
-              <a:latin typeface="Calibri"/>
-            </a:endParaRPr>
-          </a:p>
-          <a:p>
-            <a:pPr marL="228600" indent="-228600">
-              <a:lnSpc>
-                <a:spcPct val="90000"/>
-              </a:lnSpc>
-              <a:spcBef>
-                <a:spcPts val="1001"/>
-              </a:spcBef>
-              <a:buClr>
-                <a:srgbClr val="000000"/>
-              </a:buClr>
-              <a:buFont typeface="Arial"/>
-              <a:buChar char="•"/>
-            </a:pPr>
-            <a:r>
-              <a:rPr b="0" lang="en-GB" sz="2800" spc="-1" strike="noStrike">
-                <a:solidFill>
-                  <a:srgbClr val="000000"/>
-                </a:solidFill>
-                <a:latin typeface="Calibri"/>
-              </a:rPr>
-              <a:t>Test the software we will be using to ensure it can handle what we require of it</a:t>
-            </a:r>
-            <a:endParaRPr b="0" lang="en-US" sz="2800" spc="-1" strike="noStrike">
-              <a:solidFill>
-                <a:srgbClr val="000000"/>
-              </a:solidFill>
-              <a:latin typeface="Calibri"/>
+              <a:t>Maybe wipe the onboard data once it has been sent, as it is only meant to be a backup</a:t>
+            </a:r>
+            <a:endParaRPr b="0" lang="en-IE" sz="2800" spc="-1" strike="noStrike">
+              <a:latin typeface="Arial"/>
             </a:endParaRPr>
           </a:p>
         </p:txBody>
@@ -8093,7 +7378,7 @@
       </p:grpSpPr>
       <p:sp>
         <p:nvSpPr>
-          <p:cNvPr id="118" name="PlaceHolder 1"/>
+          <p:cNvPr id="119" name="PlaceHolder 1"/>
           <p:cNvSpPr>
             <a:spLocks noGrp="1"/>
           </p:cNvSpPr>
@@ -8104,18 +7389,18 @@
         <p:spPr>
           <a:xfrm>
             <a:off x="838080" y="365040"/>
-            <a:ext cx="10515240" cy="1325160"/>
-          </a:xfrm>
-          <a:prstGeom prst="rect">
-            <a:avLst/>
-          </a:prstGeom>
-          <a:noFill/>
-          <a:ln w="0">
-            <a:noFill/>
-          </a:ln>
-        </p:spPr>
-        <p:txBody>
-          <a:bodyPr anchor="ctr">
+            <a:ext cx="10514880" cy="1324800"/>
+          </a:xfrm>
+          <a:prstGeom prst="rect">
+            <a:avLst/>
+          </a:prstGeom>
+          <a:noFill/>
+          <a:ln w="0">
+            <a:noFill/>
+          </a:ln>
+        </p:spPr>
+        <p:txBody>
+          <a:bodyPr lIns="90000" rIns="90000" tIns="45000" bIns="45000" anchor="ctr">
             <a:noAutofit/>
           </a:bodyPr>
           <a:p>
@@ -8132,20 +7417,17 @@
                 </a:solidFill>
                 <a:latin typeface="Calibri Light"/>
               </a:rPr>
-              <a:t>References</a:t>
-            </a:r>
-            <a:endParaRPr b="0" lang="en-US" sz="4400" spc="-1" strike="noStrike">
-              <a:solidFill>
-                <a:srgbClr val="000000"/>
-              </a:solidFill>
-              <a:latin typeface="Calibri"/>
-            </a:endParaRPr>
-          </a:p>
-        </p:txBody>
-      </p:sp>
-      <p:sp>
-        <p:nvSpPr>
-          <p:cNvPr id="119" name="PlaceHolder 2"/>
+              <a:t>Testing</a:t>
+            </a:r>
+            <a:endParaRPr b="0" lang="en-IE" sz="4400" spc="-1" strike="noStrike">
+              <a:latin typeface="Arial"/>
+            </a:endParaRPr>
+          </a:p>
+        </p:txBody>
+      </p:sp>
+      <p:sp>
+        <p:nvSpPr>
+          <p:cNvPr id="120" name="PlaceHolder 2"/>
           <p:cNvSpPr>
             <a:spLocks noGrp="1"/>
           </p:cNvSpPr>
@@ -8156,18 +7438,18 @@
         <p:spPr>
           <a:xfrm>
             <a:off x="838080" y="1825560"/>
-            <a:ext cx="10515240" cy="4350960"/>
-          </a:xfrm>
-          <a:prstGeom prst="rect">
-            <a:avLst/>
-          </a:prstGeom>
-          <a:noFill/>
-          <a:ln w="0">
-            <a:noFill/>
-          </a:ln>
-        </p:spPr>
-        <p:txBody>
-          <a:bodyPr anchor="t">
+            <a:ext cx="10514880" cy="4350600"/>
+          </a:xfrm>
+          <a:prstGeom prst="rect">
+            <a:avLst/>
+          </a:prstGeom>
+          <a:noFill/>
+          <a:ln w="0">
+            <a:noFill/>
+          </a:ln>
+        </p:spPr>
+        <p:txBody>
+          <a:bodyPr lIns="90000" rIns="90000" tIns="45000" bIns="45000" anchor="t">
             <a:noAutofit/>
           </a:bodyPr>
           <a:p>
@@ -8191,30 +7473,64 @@
                 </a:solidFill>
                 <a:latin typeface="Calibri"/>
               </a:rPr>
-              <a:t>Include any external references for slideshow contents here</a:t>
-            </a:r>
-            <a:endParaRPr b="0" lang="en-US" sz="2800" spc="-1" strike="noStrike">
-              <a:solidFill>
-                <a:srgbClr val="000000"/>
-              </a:solidFill>
-              <a:latin typeface="Calibri"/>
-            </a:endParaRPr>
-          </a:p>
-          <a:p>
-            <a:pPr>
+              <a:t>User tests on initial UI</a:t>
+            </a:r>
+            <a:endParaRPr b="0" lang="en-IE" sz="2800" spc="-1" strike="noStrike">
+              <a:latin typeface="Arial"/>
+            </a:endParaRPr>
+          </a:p>
+          <a:p>
+            <a:pPr marL="228600" indent="-228600">
               <a:lnSpc>
                 <a:spcPct val="90000"/>
               </a:lnSpc>
               <a:spcBef>
                 <a:spcPts val="1001"/>
               </a:spcBef>
-              <a:buNone/>
-            </a:pPr>
-            <a:endParaRPr b="0" lang="en-US" sz="2800" spc="-1" strike="noStrike">
-              <a:solidFill>
+              <a:buClr>
                 <a:srgbClr val="000000"/>
-              </a:solidFill>
-              <a:latin typeface="Calibri"/>
+              </a:buClr>
+              <a:buFont typeface="Arial"/>
+              <a:buChar char="•"/>
+            </a:pPr>
+            <a:r>
+              <a:rPr b="0" lang="en-GB" sz="2800" spc="-1" strike="noStrike">
+                <a:solidFill>
+                  <a:srgbClr val="000000"/>
+                </a:solidFill>
+                <a:latin typeface="Calibri"/>
+              </a:rPr>
+              <a:t>Test the hardware we have on hand</a:t>
+            </a:r>
+            <a:endParaRPr b="0" lang="en-IE" sz="2800" spc="-1" strike="noStrike">
+              <a:latin typeface="Arial"/>
+            </a:endParaRPr>
+          </a:p>
+          <a:p>
+            <a:pPr marL="228600" indent="-228600">
+              <a:lnSpc>
+                <a:spcPct val="90000"/>
+              </a:lnSpc>
+              <a:spcBef>
+                <a:spcPts val="1001"/>
+              </a:spcBef>
+              <a:buClr>
+                <a:srgbClr val="000000"/>
+              </a:buClr>
+              <a:buFont typeface="Arial"/>
+              <a:buChar char="•"/>
+            </a:pPr>
+            <a:r>
+              <a:rPr b="0" lang="en-GB" sz="2800" spc="-1" strike="noStrike">
+                <a:solidFill>
+                  <a:srgbClr val="000000"/>
+                </a:solidFill>
+                <a:latin typeface="Calibri"/>
+              </a:rPr>
+              <a:t>Test the software we will be using to ensure it can handle what we require of it</a:t>
+            </a:r>
+            <a:endParaRPr b="0" lang="en-IE" sz="2800" spc="-1" strike="noStrike">
+              <a:latin typeface="Arial"/>
             </a:endParaRPr>
           </a:p>
         </p:txBody>
@@ -8262,18 +7578,18 @@
         <p:spPr>
           <a:xfrm>
             <a:off x="838080" y="365040"/>
-            <a:ext cx="10515240" cy="1325160"/>
-          </a:xfrm>
-          <a:prstGeom prst="rect">
-            <a:avLst/>
-          </a:prstGeom>
-          <a:noFill/>
-          <a:ln w="0">
-            <a:noFill/>
-          </a:ln>
-        </p:spPr>
-        <p:txBody>
-          <a:bodyPr anchor="ctr">
+            <a:ext cx="10514880" cy="1324800"/>
+          </a:xfrm>
+          <a:prstGeom prst="rect">
+            <a:avLst/>
+          </a:prstGeom>
+          <a:noFill/>
+          <a:ln w="0">
+            <a:noFill/>
+          </a:ln>
+        </p:spPr>
+        <p:txBody>
+          <a:bodyPr lIns="90000" rIns="90000" tIns="45000" bIns="45000" anchor="ctr">
             <a:noAutofit/>
           </a:bodyPr>
           <a:p>
@@ -8292,11 +7608,8 @@
               </a:rPr>
               <a:t>Table of Contents</a:t>
             </a:r>
-            <a:endParaRPr b="0" lang="en-US" sz="4400" spc="-1" strike="noStrike">
-              <a:solidFill>
-                <a:srgbClr val="000000"/>
-              </a:solidFill>
-              <a:latin typeface="Calibri"/>
+            <a:endParaRPr b="0" lang="en-IE" sz="4400" spc="-1" strike="noStrike">
+              <a:latin typeface="Arial"/>
             </a:endParaRPr>
           </a:p>
         </p:txBody>
@@ -8314,18 +7627,18 @@
         <p:spPr>
           <a:xfrm>
             <a:off x="838080" y="1825560"/>
-            <a:ext cx="10515240" cy="4350960"/>
-          </a:xfrm>
-          <a:prstGeom prst="rect">
-            <a:avLst/>
-          </a:prstGeom>
-          <a:noFill/>
-          <a:ln w="0">
-            <a:noFill/>
-          </a:ln>
-        </p:spPr>
-        <p:txBody>
-          <a:bodyPr anchor="t">
+            <a:ext cx="10514880" cy="4350600"/>
+          </a:xfrm>
+          <a:prstGeom prst="rect">
+            <a:avLst/>
+          </a:prstGeom>
+          <a:noFill/>
+          <a:ln w="0">
+            <a:noFill/>
+          </a:ln>
+        </p:spPr>
+        <p:txBody>
+          <a:bodyPr lIns="90000" rIns="90000" tIns="45000" bIns="45000" anchor="t">
             <a:noAutofit/>
           </a:bodyPr>
           <a:p>
@@ -8349,13 +7662,168 @@
                 </a:solidFill>
                 <a:latin typeface="Calibri"/>
               </a:rPr>
-              <a:t>Add this last, once all content and extra slides are added</a:t>
-            </a:r>
-            <a:endParaRPr b="0" lang="en-US" sz="2800" spc="-1" strike="noStrike">
-              <a:solidFill>
+              <a:t>Add this last, once all content and </a:t>
+            </a:r>
+            <a:r>
+              <a:rPr b="0" lang="en-GB" sz="2800" spc="-1" strike="noStrike">
+                <a:solidFill>
+                  <a:srgbClr val="000000"/>
+                </a:solidFill>
+                <a:latin typeface="Calibri"/>
+              </a:rPr>
+              <a:t>extra slides are added</a:t>
+            </a:r>
+            <a:endParaRPr b="0" lang="en-IE" sz="2800" spc="-1" strike="noStrike">
+              <a:latin typeface="Arial"/>
+            </a:endParaRPr>
+          </a:p>
+        </p:txBody>
+      </p:sp>
+    </p:spTree>
+  </p:cSld>
+  <mc:AlternateContent>
+    <mc:Choice Requires="p14">
+      <p:transition spd="slow" p14:dur="2000"/>
+    </mc:Choice>
+    <mc:Fallback>
+      <p:transition spd="slow"/>
+    </mc:Fallback>
+  </mc:AlternateContent>
+</p:sld>
+</file>
+
+<file path=ppt/slides/slide20.xml><?xml version="1.0" encoding="utf-8"?>
+<p:sld xmlns:a="http://schemas.openxmlformats.org/drawingml/2006/main" xmlns:p="http://schemas.openxmlformats.org/presentationml/2006/main" xmlns:r="http://schemas.openxmlformats.org/officeDocument/2006/relationships" xmlns:p14="http://schemas.microsoft.com/office/powerpoint/2010/main" xmlns:p15="http://schemas.microsoft.com/office/powerpoint/2012/main" xmlns:mc="http://schemas.openxmlformats.org/markup-compatibility/2006">
+  <p:cSld>
+    <p:spTree>
+      <p:nvGrpSpPr>
+        <p:cNvPr id="1" name=""/>
+        <p:cNvGrpSpPr/>
+        <p:nvPr/>
+      </p:nvGrpSpPr>
+      <p:grpSpPr>
+        <a:xfrm>
+          <a:off x="0" y="0"/>
+          <a:ext cx="0" cy="0"/>
+          <a:chOff x="0" y="0"/>
+          <a:chExt cx="0" cy="0"/>
+        </a:xfrm>
+      </p:grpSpPr>
+      <p:sp>
+        <p:nvSpPr>
+          <p:cNvPr id="121" name="PlaceHolder 1"/>
+          <p:cNvSpPr>
+            <a:spLocks noGrp="1"/>
+          </p:cNvSpPr>
+          <p:nvPr>
+            <p:ph type="title"/>
+          </p:nvPr>
+        </p:nvSpPr>
+        <p:spPr>
+          <a:xfrm>
+            <a:off x="838080" y="365040"/>
+            <a:ext cx="10514880" cy="1324800"/>
+          </a:xfrm>
+          <a:prstGeom prst="rect">
+            <a:avLst/>
+          </a:prstGeom>
+          <a:noFill/>
+          <a:ln w="0">
+            <a:noFill/>
+          </a:ln>
+        </p:spPr>
+        <p:txBody>
+          <a:bodyPr lIns="90000" rIns="90000" tIns="45000" bIns="45000" anchor="ctr">
+            <a:noAutofit/>
+          </a:bodyPr>
+          <a:p>
+            <a:pPr>
+              <a:lnSpc>
+                <a:spcPct val="90000"/>
+              </a:lnSpc>
+              <a:buNone/>
+            </a:pPr>
+            <a:r>
+              <a:rPr b="0" lang="en-GB" sz="4400" spc="-1" strike="noStrike">
+                <a:solidFill>
+                  <a:srgbClr val="000000"/>
+                </a:solidFill>
+                <a:latin typeface="Calibri Light"/>
+              </a:rPr>
+              <a:t>References</a:t>
+            </a:r>
+            <a:endParaRPr b="0" lang="en-IE" sz="4400" spc="-1" strike="noStrike">
+              <a:latin typeface="Arial"/>
+            </a:endParaRPr>
+          </a:p>
+        </p:txBody>
+      </p:sp>
+      <p:sp>
+        <p:nvSpPr>
+          <p:cNvPr id="122" name="PlaceHolder 2"/>
+          <p:cNvSpPr>
+            <a:spLocks noGrp="1"/>
+          </p:cNvSpPr>
+          <p:nvPr>
+            <p:ph/>
+          </p:nvPr>
+        </p:nvSpPr>
+        <p:spPr>
+          <a:xfrm>
+            <a:off x="838080" y="1825560"/>
+            <a:ext cx="10514880" cy="4350600"/>
+          </a:xfrm>
+          <a:prstGeom prst="rect">
+            <a:avLst/>
+          </a:prstGeom>
+          <a:noFill/>
+          <a:ln w="0">
+            <a:noFill/>
+          </a:ln>
+        </p:spPr>
+        <p:txBody>
+          <a:bodyPr lIns="90000" rIns="90000" tIns="45000" bIns="45000" anchor="t">
+            <a:noAutofit/>
+          </a:bodyPr>
+          <a:p>
+            <a:pPr marL="228600" indent="-228600">
+              <a:lnSpc>
+                <a:spcPct val="90000"/>
+              </a:lnSpc>
+              <a:spcBef>
+                <a:spcPts val="1001"/>
+              </a:spcBef>
+              <a:buClr>
                 <a:srgbClr val="000000"/>
-              </a:solidFill>
-              <a:latin typeface="Calibri"/>
+              </a:buClr>
+              <a:buFont typeface="Arial"/>
+              <a:buChar char="•"/>
+            </a:pPr>
+            <a:r>
+              <a:rPr b="0" lang="en-GB" sz="2800" spc="-1" strike="noStrike">
+                <a:solidFill>
+                  <a:srgbClr val="000000"/>
+                </a:solidFill>
+                <a:latin typeface="Calibri"/>
+              </a:rPr>
+              <a:t>Include any external references for slideshow contents here</a:t>
+            </a:r>
+            <a:endParaRPr b="0" lang="en-IE" sz="2800" spc="-1" strike="noStrike">
+              <a:latin typeface="Arial"/>
+            </a:endParaRPr>
+          </a:p>
+          <a:p>
+            <a:pPr>
+              <a:lnSpc>
+                <a:spcPct val="90000"/>
+              </a:lnSpc>
+              <a:spcBef>
+                <a:spcPts val="1001"/>
+              </a:spcBef>
+              <a:buNone/>
+            </a:pPr>
+            <a:endParaRPr b="0" lang="en-IE" sz="2800" spc="-1" strike="noStrike">
+              <a:latin typeface="Arial"/>
             </a:endParaRPr>
           </a:p>
         </p:txBody>
@@ -8403,18 +7871,18 @@
         <p:spPr>
           <a:xfrm>
             <a:off x="838080" y="365040"/>
-            <a:ext cx="10515240" cy="1325160"/>
-          </a:xfrm>
-          <a:prstGeom prst="rect">
-            <a:avLst/>
-          </a:prstGeom>
-          <a:noFill/>
-          <a:ln w="0">
-            <a:noFill/>
-          </a:ln>
-        </p:spPr>
-        <p:txBody>
-          <a:bodyPr anchor="ctr">
+            <a:ext cx="10514880" cy="1324800"/>
+          </a:xfrm>
+          <a:prstGeom prst="rect">
+            <a:avLst/>
+          </a:prstGeom>
+          <a:noFill/>
+          <a:ln w="0">
+            <a:noFill/>
+          </a:ln>
+        </p:spPr>
+        <p:txBody>
+          <a:bodyPr lIns="90000" rIns="90000" tIns="45000" bIns="45000" anchor="ctr">
             <a:noAutofit/>
           </a:bodyPr>
           <a:p>
@@ -8433,11 +7901,8 @@
               </a:rPr>
               <a:t>Introduction</a:t>
             </a:r>
-            <a:endParaRPr b="0" lang="en-US" sz="4400" spc="-1" strike="noStrike">
-              <a:solidFill>
-                <a:srgbClr val="000000"/>
-              </a:solidFill>
-              <a:latin typeface="Calibri"/>
+            <a:endParaRPr b="0" lang="en-IE" sz="4400" spc="-1" strike="noStrike">
+              <a:latin typeface="Arial"/>
             </a:endParaRPr>
           </a:p>
         </p:txBody>
@@ -8455,18 +7920,18 @@
         <p:spPr>
           <a:xfrm>
             <a:off x="838080" y="1825560"/>
-            <a:ext cx="10515240" cy="4350960"/>
-          </a:xfrm>
-          <a:prstGeom prst="rect">
-            <a:avLst/>
-          </a:prstGeom>
-          <a:noFill/>
-          <a:ln w="0">
-            <a:noFill/>
-          </a:ln>
-        </p:spPr>
-        <p:txBody>
-          <a:bodyPr anchor="t">
+            <a:ext cx="10514880" cy="4350600"/>
+          </a:xfrm>
+          <a:prstGeom prst="rect">
+            <a:avLst/>
+          </a:prstGeom>
+          <a:noFill/>
+          <a:ln w="0">
+            <a:noFill/>
+          </a:ln>
+        </p:spPr>
+        <p:txBody>
+          <a:bodyPr lIns="90000" rIns="90000" tIns="45000" bIns="45000" anchor="t">
             <a:noAutofit/>
           </a:bodyPr>
           <a:p>
@@ -8490,13 +7955,28 @@
                 </a:solidFill>
                 <a:latin typeface="Calibri"/>
               </a:rPr>
-              <a:t>Introduce the team members, with their roles</a:t>
-            </a:r>
-            <a:endParaRPr b="0" lang="en-US" sz="2800" spc="-1" strike="noStrike">
-              <a:solidFill>
-                <a:srgbClr val="000000"/>
-              </a:solidFill>
-              <a:latin typeface="Calibri"/>
+              <a:t>Introduce the team </a:t>
+            </a:r>
+            <a:r>
+              <a:rPr b="0" lang="en-GB" sz="2800" spc="-1" strike="noStrike">
+                <a:solidFill>
+                  <a:srgbClr val="000000"/>
+                </a:solidFill>
+                <a:latin typeface="Calibri"/>
+              </a:rPr>
+              <a:t>members, with their </a:t>
+            </a:r>
+            <a:r>
+              <a:rPr b="0" lang="en-GB" sz="2800" spc="-1" strike="noStrike">
+                <a:solidFill>
+                  <a:srgbClr val="000000"/>
+                </a:solidFill>
+                <a:latin typeface="Calibri"/>
+              </a:rPr>
+              <a:t>roles</a:t>
+            </a:r>
+            <a:endParaRPr b="0" lang="en-IE" sz="2800" spc="-1" strike="noStrike">
+              <a:latin typeface="Arial"/>
             </a:endParaRPr>
           </a:p>
           <a:p>
@@ -8520,13 +8000,28 @@
                 </a:solidFill>
                 <a:latin typeface="Calibri"/>
               </a:rPr>
-              <a:t>Introduce our idea and the goals of our project here</a:t>
-            </a:r>
-            <a:endParaRPr b="0" lang="en-US" sz="2800" spc="-1" strike="noStrike">
-              <a:solidFill>
-                <a:srgbClr val="000000"/>
-              </a:solidFill>
-              <a:latin typeface="Calibri"/>
+              <a:t>Introduce our idea and </a:t>
+            </a:r>
+            <a:r>
+              <a:rPr b="0" lang="en-GB" sz="2800" spc="-1" strike="noStrike">
+                <a:solidFill>
+                  <a:srgbClr val="000000"/>
+                </a:solidFill>
+                <a:latin typeface="Calibri"/>
+              </a:rPr>
+              <a:t>the goals of our </a:t>
+            </a:r>
+            <a:r>
+              <a:rPr b="0" lang="en-GB" sz="2800" spc="-1" strike="noStrike">
+                <a:solidFill>
+                  <a:srgbClr val="000000"/>
+                </a:solidFill>
+                <a:latin typeface="Calibri"/>
+              </a:rPr>
+              <a:t>project here</a:t>
+            </a:r>
+            <a:endParaRPr b="0" lang="en-IE" sz="2800" spc="-1" strike="noStrike">
+              <a:latin typeface="Arial"/>
             </a:endParaRPr>
           </a:p>
         </p:txBody>
@@ -8574,18 +8069,18 @@
         <p:spPr>
           <a:xfrm>
             <a:off x="838080" y="365040"/>
-            <a:ext cx="10515240" cy="1325160"/>
-          </a:xfrm>
-          <a:prstGeom prst="rect">
-            <a:avLst/>
-          </a:prstGeom>
-          <a:noFill/>
-          <a:ln w="0">
-            <a:noFill/>
-          </a:ln>
-        </p:spPr>
-        <p:txBody>
-          <a:bodyPr anchor="ctr">
+            <a:ext cx="10514880" cy="1324800"/>
+          </a:xfrm>
+          <a:prstGeom prst="rect">
+            <a:avLst/>
+          </a:prstGeom>
+          <a:noFill/>
+          <a:ln w="0">
+            <a:noFill/>
+          </a:ln>
+        </p:spPr>
+        <p:txBody>
+          <a:bodyPr lIns="90000" rIns="90000" tIns="45000" bIns="45000" anchor="ctr">
             <a:noAutofit/>
           </a:bodyPr>
           <a:p>
@@ -8604,11 +8099,8 @@
               </a:rPr>
               <a:t>Functionality</a:t>
             </a:r>
-            <a:endParaRPr b="0" lang="en-US" sz="4400" spc="-1" strike="noStrike">
-              <a:solidFill>
-                <a:srgbClr val="000000"/>
-              </a:solidFill>
-              <a:latin typeface="Calibri"/>
+            <a:endParaRPr b="0" lang="en-IE" sz="4400" spc="-1" strike="noStrike">
+              <a:latin typeface="Arial"/>
             </a:endParaRPr>
           </a:p>
         </p:txBody>
@@ -8626,18 +8118,18 @@
         <p:spPr>
           <a:xfrm>
             <a:off x="838080" y="1825560"/>
-            <a:ext cx="10515240" cy="4350960"/>
-          </a:xfrm>
-          <a:prstGeom prst="rect">
-            <a:avLst/>
-          </a:prstGeom>
-          <a:noFill/>
-          <a:ln w="0">
-            <a:noFill/>
-          </a:ln>
-        </p:spPr>
-        <p:txBody>
-          <a:bodyPr anchor="t">
+            <a:ext cx="10514880" cy="4350600"/>
+          </a:xfrm>
+          <a:prstGeom prst="rect">
+            <a:avLst/>
+          </a:prstGeom>
+          <a:noFill/>
+          <a:ln w="0">
+            <a:noFill/>
+          </a:ln>
+        </p:spPr>
+        <p:txBody>
+          <a:bodyPr lIns="90000" rIns="90000" tIns="45000" bIns="45000" anchor="t">
             <a:noAutofit/>
           </a:bodyPr>
           <a:p>
@@ -8661,13 +8153,19 @@
                 </a:solidFill>
                 <a:latin typeface="Calibri"/>
               </a:rPr>
-              <a:t>List the functional requirements</a:t>
-            </a:r>
-            <a:endParaRPr b="0" lang="en-US" sz="2800" spc="-1" strike="noStrike">
-              <a:solidFill>
-                <a:srgbClr val="000000"/>
-              </a:solidFill>
-              <a:latin typeface="Calibri"/>
+              <a:t>List the functional </a:t>
+            </a:r>
+            <a:r>
+              <a:rPr b="0" lang="en-GB" sz="2800" spc="-1" strike="noStrike">
+                <a:solidFill>
+                  <a:srgbClr val="000000"/>
+                </a:solidFill>
+                <a:latin typeface="Calibri"/>
+              </a:rPr>
+              <a:t>requirements</a:t>
+            </a:r>
+            <a:endParaRPr b="0" lang="en-IE" sz="2800" spc="-1" strike="noStrike">
+              <a:latin typeface="Arial"/>
             </a:endParaRPr>
           </a:p>
           <a:p>
@@ -8691,13 +8189,28 @@
                 </a:solidFill>
                 <a:latin typeface="Calibri"/>
               </a:rPr>
-              <a:t>Talk about the use cases this device can fulfil(?)</a:t>
-            </a:r>
-            <a:endParaRPr b="0" lang="en-US" sz="2800" spc="-1" strike="noStrike">
-              <a:solidFill>
-                <a:srgbClr val="000000"/>
-              </a:solidFill>
-              <a:latin typeface="Calibri"/>
+              <a:t>Talk about the use </a:t>
+            </a:r>
+            <a:r>
+              <a:rPr b="0" lang="en-GB" sz="2800" spc="-1" strike="noStrike">
+                <a:solidFill>
+                  <a:srgbClr val="000000"/>
+                </a:solidFill>
+                <a:latin typeface="Calibri"/>
+              </a:rPr>
+              <a:t>cases this device can </a:t>
+            </a:r>
+            <a:r>
+              <a:rPr b="0" lang="en-GB" sz="2800" spc="-1" strike="noStrike">
+                <a:solidFill>
+                  <a:srgbClr val="000000"/>
+                </a:solidFill>
+                <a:latin typeface="Calibri"/>
+              </a:rPr>
+              <a:t>fulfil(?)</a:t>
+            </a:r>
+            <a:endParaRPr b="0" lang="en-IE" sz="2800" spc="-1" strike="noStrike">
+              <a:latin typeface="Arial"/>
             </a:endParaRPr>
           </a:p>
         </p:txBody>
@@ -8745,18 +8258,18 @@
         <p:spPr>
           <a:xfrm>
             <a:off x="838080" y="365040"/>
-            <a:ext cx="10515240" cy="1325160"/>
-          </a:xfrm>
-          <a:prstGeom prst="rect">
-            <a:avLst/>
-          </a:prstGeom>
-          <a:noFill/>
-          <a:ln w="0">
-            <a:noFill/>
-          </a:ln>
-        </p:spPr>
-        <p:txBody>
-          <a:bodyPr anchor="ctr">
+            <a:ext cx="10514880" cy="1324800"/>
+          </a:xfrm>
+          <a:prstGeom prst="rect">
+            <a:avLst/>
+          </a:prstGeom>
+          <a:noFill/>
+          <a:ln w="0">
+            <a:noFill/>
+          </a:ln>
+        </p:spPr>
+        <p:txBody>
+          <a:bodyPr lIns="90000" rIns="90000" tIns="45000" bIns="45000" anchor="ctr">
             <a:noAutofit/>
           </a:bodyPr>
           <a:p>
@@ -8775,11 +8288,8 @@
               </a:rPr>
               <a:t>Users</a:t>
             </a:r>
-            <a:endParaRPr b="0" lang="en-US" sz="4400" spc="-1" strike="noStrike">
-              <a:solidFill>
-                <a:srgbClr val="000000"/>
-              </a:solidFill>
-              <a:latin typeface="Calibri"/>
+            <a:endParaRPr b="0" lang="en-IE" sz="4400" spc="-1" strike="noStrike">
+              <a:latin typeface="Arial"/>
             </a:endParaRPr>
           </a:p>
         </p:txBody>
@@ -8797,18 +8307,18 @@
         <p:spPr>
           <a:xfrm>
             <a:off x="838080" y="1825560"/>
-            <a:ext cx="10515240" cy="4350960"/>
-          </a:xfrm>
-          <a:prstGeom prst="rect">
-            <a:avLst/>
-          </a:prstGeom>
-          <a:noFill/>
-          <a:ln w="0">
-            <a:noFill/>
-          </a:ln>
-        </p:spPr>
-        <p:txBody>
-          <a:bodyPr anchor="t">
+            <a:ext cx="10514880" cy="4350600"/>
+          </a:xfrm>
+          <a:prstGeom prst="rect">
+            <a:avLst/>
+          </a:prstGeom>
+          <a:noFill/>
+          <a:ln w="0">
+            <a:noFill/>
+          </a:ln>
+        </p:spPr>
+        <p:txBody>
+          <a:bodyPr lIns="90000" rIns="90000" tIns="45000" bIns="45000" anchor="t">
             <a:noAutofit/>
           </a:bodyPr>
           <a:p>
@@ -8834,11 +8344,8 @@
               </a:rPr>
               <a:t>User personas</a:t>
             </a:r>
-            <a:endParaRPr b="0" lang="en-US" sz="2800" spc="-1" strike="noStrike">
-              <a:solidFill>
-                <a:srgbClr val="000000"/>
-              </a:solidFill>
-              <a:latin typeface="Calibri"/>
+            <a:endParaRPr b="0" lang="en-IE" sz="2800" spc="-1" strike="noStrike">
+              <a:latin typeface="Arial"/>
             </a:endParaRPr>
           </a:p>
           <a:p>
@@ -8862,13 +8369,37 @@
                 </a:solidFill>
                 <a:latin typeface="Calibri"/>
               </a:rPr>
-              <a:t>detail how users connect, what data is available to them and what functionality they have to view and interrogate the data. </a:t>
-            </a:r>
-            <a:endParaRPr b="0" lang="en-US" sz="1800" spc="-1" strike="noStrike">
-              <a:solidFill>
-                <a:srgbClr val="000000"/>
-              </a:solidFill>
-              <a:latin typeface="Calibri"/>
+              <a:t>detail how users connect, what </a:t>
+            </a:r>
+            <a:r>
+              <a:rPr b="0" lang="en-GB" sz="1800" spc="-1" strike="noStrike">
+                <a:solidFill>
+                  <a:srgbClr val="000000"/>
+                </a:solidFill>
+                <a:latin typeface="Calibri"/>
+              </a:rPr>
+              <a:t>data is available to them and what </a:t>
+            </a:r>
+            <a:r>
+              <a:rPr b="0" lang="en-GB" sz="1800" spc="-1" strike="noStrike">
+                <a:solidFill>
+                  <a:srgbClr val="000000"/>
+                </a:solidFill>
+                <a:latin typeface="Calibri"/>
+              </a:rPr>
+              <a:t>functionality they have to view and </a:t>
+            </a:r>
+            <a:r>
+              <a:rPr b="0" lang="en-GB" sz="1800" spc="-1" strike="noStrike">
+                <a:solidFill>
+                  <a:srgbClr val="000000"/>
+                </a:solidFill>
+                <a:latin typeface="Calibri"/>
+              </a:rPr>
+              <a:t>interrogate the data. </a:t>
+            </a:r>
+            <a:endParaRPr b="0" lang="en-IE" sz="1800" spc="-1" strike="noStrike">
+              <a:latin typeface="Arial"/>
             </a:endParaRPr>
           </a:p>
         </p:txBody>
@@ -8916,18 +8447,18 @@
         <p:spPr>
           <a:xfrm>
             <a:off x="838080" y="365040"/>
-            <a:ext cx="10515240" cy="1325160"/>
-          </a:xfrm>
-          <a:prstGeom prst="rect">
-            <a:avLst/>
-          </a:prstGeom>
-          <a:noFill/>
-          <a:ln w="0">
-            <a:noFill/>
-          </a:ln>
-        </p:spPr>
-        <p:txBody>
-          <a:bodyPr anchor="ctr">
+            <a:ext cx="10514880" cy="1324800"/>
+          </a:xfrm>
+          <a:prstGeom prst="rect">
+            <a:avLst/>
+          </a:prstGeom>
+          <a:noFill/>
+          <a:ln w="0">
+            <a:noFill/>
+          </a:ln>
+        </p:spPr>
+        <p:txBody>
+          <a:bodyPr lIns="90000" rIns="90000" tIns="45000" bIns="45000" anchor="ctr">
             <a:noAutofit/>
           </a:bodyPr>
           <a:p>
@@ -8946,11 +8477,8 @@
               </a:rPr>
               <a:t>UI Mock-Ups</a:t>
             </a:r>
-            <a:endParaRPr b="0" lang="en-US" sz="4400" spc="-1" strike="noStrike">
-              <a:solidFill>
-                <a:srgbClr val="000000"/>
-              </a:solidFill>
-              <a:latin typeface="Calibri"/>
+            <a:endParaRPr b="0" lang="en-IE" sz="4400" spc="-1" strike="noStrike">
+              <a:latin typeface="Arial"/>
             </a:endParaRPr>
           </a:p>
         </p:txBody>
@@ -8968,18 +8496,18 @@
         <p:spPr>
           <a:xfrm>
             <a:off x="838080" y="1825560"/>
-            <a:ext cx="10515240" cy="4350960"/>
-          </a:xfrm>
-          <a:prstGeom prst="rect">
-            <a:avLst/>
-          </a:prstGeom>
-          <a:noFill/>
-          <a:ln w="0">
-            <a:noFill/>
-          </a:ln>
-        </p:spPr>
-        <p:txBody>
-          <a:bodyPr anchor="t">
+            <a:ext cx="10514880" cy="4350600"/>
+          </a:xfrm>
+          <a:prstGeom prst="rect">
+            <a:avLst/>
+          </a:prstGeom>
+          <a:noFill/>
+          <a:ln w="0">
+            <a:noFill/>
+          </a:ln>
+        </p:spPr>
+        <p:txBody>
+          <a:bodyPr lIns="90000" rIns="90000" tIns="45000" bIns="45000" anchor="t">
             <a:noAutofit/>
           </a:bodyPr>
           <a:p>
@@ -9003,13 +8531,28 @@
                 </a:solidFill>
                 <a:latin typeface="Calibri"/>
               </a:rPr>
-              <a:t>Show some paper prototyping first, then some figma</a:t>
-            </a:r>
-            <a:endParaRPr b="0" lang="en-US" sz="2800" spc="-1" strike="noStrike">
-              <a:solidFill>
-                <a:srgbClr val="000000"/>
-              </a:solidFill>
-              <a:latin typeface="Calibri"/>
+              <a:t>Show some paper </a:t>
+            </a:r>
+            <a:r>
+              <a:rPr b="0" lang="en-GB" sz="2800" spc="-1" strike="noStrike">
+                <a:solidFill>
+                  <a:srgbClr val="000000"/>
+                </a:solidFill>
+                <a:latin typeface="Calibri"/>
+              </a:rPr>
+              <a:t>prototyping first, then </a:t>
+            </a:r>
+            <a:r>
+              <a:rPr b="0" lang="en-GB" sz="2800" spc="-1" strike="noStrike">
+                <a:solidFill>
+                  <a:srgbClr val="000000"/>
+                </a:solidFill>
+                <a:latin typeface="Calibri"/>
+              </a:rPr>
+              <a:t>some figma</a:t>
+            </a:r>
+            <a:endParaRPr b="0" lang="en-IE" sz="2800" spc="-1" strike="noStrike">
+              <a:latin typeface="Arial"/>
             </a:endParaRPr>
           </a:p>
         </p:txBody>
@@ -9057,18 +8600,18 @@
         <p:spPr>
           <a:xfrm>
             <a:off x="838080" y="365040"/>
-            <a:ext cx="10515240" cy="1325160"/>
-          </a:xfrm>
-          <a:prstGeom prst="rect">
-            <a:avLst/>
-          </a:prstGeom>
-          <a:noFill/>
-          <a:ln w="0">
-            <a:noFill/>
-          </a:ln>
-        </p:spPr>
-        <p:txBody>
-          <a:bodyPr anchor="ctr">
+            <a:ext cx="10514880" cy="1324800"/>
+          </a:xfrm>
+          <a:prstGeom prst="rect">
+            <a:avLst/>
+          </a:prstGeom>
+          <a:noFill/>
+          <a:ln w="0">
+            <a:noFill/>
+          </a:ln>
+        </p:spPr>
+        <p:txBody>
+          <a:bodyPr lIns="90000" rIns="90000" tIns="45000" bIns="45000" anchor="ctr">
             <a:noAutofit/>
           </a:bodyPr>
           <a:p>
@@ -9087,11 +8630,8 @@
               </a:rPr>
               <a:t>List of Hardware</a:t>
             </a:r>
-            <a:endParaRPr b="0" lang="en-US" sz="4400" spc="-1" strike="noStrike">
-              <a:solidFill>
-                <a:srgbClr val="000000"/>
-              </a:solidFill>
-              <a:latin typeface="Calibri"/>
+            <a:endParaRPr b="0" lang="en-IE" sz="4400" spc="-1" strike="noStrike">
+              <a:latin typeface="Arial"/>
             </a:endParaRPr>
           </a:p>
         </p:txBody>
@@ -9109,18 +8649,18 @@
         <p:spPr>
           <a:xfrm>
             <a:off x="838080" y="1825560"/>
-            <a:ext cx="10515240" cy="4350960"/>
-          </a:xfrm>
-          <a:prstGeom prst="rect">
-            <a:avLst/>
-          </a:prstGeom>
-          <a:noFill/>
-          <a:ln w="0">
-            <a:noFill/>
-          </a:ln>
-        </p:spPr>
-        <p:txBody>
-          <a:bodyPr anchor="t">
+            <a:ext cx="10514880" cy="4350600"/>
+          </a:xfrm>
+          <a:prstGeom prst="rect">
+            <a:avLst/>
+          </a:prstGeom>
+          <a:noFill/>
+          <a:ln w="0">
+            <a:noFill/>
+          </a:ln>
+        </p:spPr>
+        <p:txBody>
+          <a:bodyPr lIns="90000" rIns="90000" tIns="45000" bIns="45000" anchor="t">
             <a:noAutofit/>
           </a:bodyPr>
           <a:p>
@@ -9144,13 +8684,28 @@
                 </a:solidFill>
                 <a:latin typeface="Calibri"/>
               </a:rPr>
-              <a:t>List all physical components and sensors here</a:t>
-            </a:r>
-            <a:endParaRPr b="0" lang="en-US" sz="2800" spc="-1" strike="noStrike">
-              <a:solidFill>
-                <a:srgbClr val="000000"/>
-              </a:solidFill>
-              <a:latin typeface="Calibri"/>
+              <a:t>List all physical </a:t>
+            </a:r>
+            <a:r>
+              <a:rPr b="0" lang="en-GB" sz="2800" spc="-1" strike="noStrike">
+                <a:solidFill>
+                  <a:srgbClr val="000000"/>
+                </a:solidFill>
+                <a:latin typeface="Calibri"/>
+              </a:rPr>
+              <a:t>components and </a:t>
+            </a:r>
+            <a:r>
+              <a:rPr b="0" lang="en-GB" sz="2800" spc="-1" strike="noStrike">
+                <a:solidFill>
+                  <a:srgbClr val="000000"/>
+                </a:solidFill>
+                <a:latin typeface="Calibri"/>
+              </a:rPr>
+              <a:t>sensors here</a:t>
+            </a:r>
+            <a:endParaRPr b="0" lang="en-IE" sz="2800" spc="-1" strike="noStrike">
+              <a:latin typeface="Arial"/>
             </a:endParaRPr>
           </a:p>
           <a:p>
@@ -9174,13 +8729,82 @@
                 </a:solidFill>
                 <a:latin typeface="WordVisi_MSFontService"/>
               </a:rPr>
-              <a:t>This must include all sensors, resistors, connectors, power bank if the device is not plugged in and GSM modules if the device is to be mobile</a:t>
-            </a:r>
-            <a:endParaRPr b="0" lang="en-US" sz="2800" spc="-1" strike="noStrike">
-              <a:solidFill>
-                <a:srgbClr val="000000"/>
-              </a:solidFill>
-              <a:latin typeface="Calibri"/>
+              <a:t>This must include </a:t>
+            </a:r>
+            <a:r>
+              <a:rPr b="0" lang="en-IE" sz="2800" spc="-1" strike="noStrike">
+                <a:solidFill>
+                  <a:srgbClr val="000000"/>
+                </a:solidFill>
+                <a:latin typeface="WordVisi_MSFontService"/>
+              </a:rPr>
+              <a:t>all sensors, </a:t>
+            </a:r>
+            <a:r>
+              <a:rPr b="0" lang="en-IE" sz="2800" spc="-1" strike="noStrike">
+                <a:solidFill>
+                  <a:srgbClr val="000000"/>
+                </a:solidFill>
+                <a:latin typeface="WordVisi_MSFontService"/>
+              </a:rPr>
+              <a:t>resistors, </a:t>
+            </a:r>
+            <a:r>
+              <a:rPr b="0" lang="en-IE" sz="2800" spc="-1" strike="noStrike">
+                <a:solidFill>
+                  <a:srgbClr val="000000"/>
+                </a:solidFill>
+                <a:latin typeface="WordVisi_MSFontService"/>
+              </a:rPr>
+              <a:t>connectors, power </a:t>
+            </a:r>
+            <a:r>
+              <a:rPr b="0" lang="en-IE" sz="2800" spc="-1" strike="noStrike">
+                <a:solidFill>
+                  <a:srgbClr val="000000"/>
+                </a:solidFill>
+                <a:latin typeface="WordVisi_MSFontService"/>
+              </a:rPr>
+              <a:t>bank if the device is </a:t>
+            </a:r>
+            <a:r>
+              <a:rPr b="0" lang="en-IE" sz="2800" spc="-1" strike="noStrike">
+                <a:solidFill>
+                  <a:srgbClr val="000000"/>
+                </a:solidFill>
+                <a:latin typeface="WordVisi_MSFontService"/>
+              </a:rPr>
+              <a:t>not plugged in and </a:t>
+            </a:r>
+            <a:r>
+              <a:rPr b="0" lang="en-IE" sz="2800" spc="-1" strike="noStrike">
+                <a:solidFill>
+                  <a:srgbClr val="000000"/>
+                </a:solidFill>
+                <a:latin typeface="WordVisi_MSFontService"/>
+              </a:rPr>
+              <a:t>GSM modules if the </a:t>
+            </a:r>
+            <a:r>
+              <a:rPr b="0" lang="en-IE" sz="2800" spc="-1" strike="noStrike">
+                <a:solidFill>
+                  <a:srgbClr val="000000"/>
+                </a:solidFill>
+                <a:latin typeface="WordVisi_MSFontService"/>
+              </a:rPr>
+              <a:t>device is to be </a:t>
+            </a:r>
+            <a:r>
+              <a:rPr b="0" lang="en-IE" sz="2800" spc="-1" strike="noStrike">
+                <a:solidFill>
+                  <a:srgbClr val="000000"/>
+                </a:solidFill>
+                <a:latin typeface="WordVisi_MSFontService"/>
+              </a:rPr>
+              <a:t>mobile</a:t>
+            </a:r>
+            <a:endParaRPr b="0" lang="en-IE" sz="2800" spc="-1" strike="noStrike">
+              <a:latin typeface="Arial"/>
             </a:endParaRPr>
           </a:p>
         </p:txBody>
@@ -9228,18 +8852,18 @@
         <p:spPr>
           <a:xfrm>
             <a:off x="838080" y="365040"/>
-            <a:ext cx="10515240" cy="1325160"/>
-          </a:xfrm>
-          <a:prstGeom prst="rect">
-            <a:avLst/>
-          </a:prstGeom>
-          <a:noFill/>
-          <a:ln w="0">
-            <a:noFill/>
-          </a:ln>
-        </p:spPr>
-        <p:txBody>
-          <a:bodyPr anchor="ctr">
+            <a:ext cx="10514880" cy="1324800"/>
+          </a:xfrm>
+          <a:prstGeom prst="rect">
+            <a:avLst/>
+          </a:prstGeom>
+          <a:noFill/>
+          <a:ln w="0">
+            <a:noFill/>
+          </a:ln>
+        </p:spPr>
+        <p:txBody>
+          <a:bodyPr lIns="90000" rIns="90000" tIns="45000" bIns="45000" anchor="ctr">
             <a:noAutofit/>
           </a:bodyPr>
           <a:p>
@@ -9258,11 +8882,8 @@
               </a:rPr>
               <a:t>Fritzing Diagram</a:t>
             </a:r>
-            <a:endParaRPr b="0" lang="en-US" sz="4400" spc="-1" strike="noStrike">
-              <a:solidFill>
-                <a:srgbClr val="000000"/>
-              </a:solidFill>
-              <a:latin typeface="Calibri"/>
+            <a:endParaRPr b="0" lang="en-IE" sz="4400" spc="-1" strike="noStrike">
+              <a:latin typeface="Arial"/>
             </a:endParaRPr>
           </a:p>
         </p:txBody>
@@ -9280,18 +8901,18 @@
         <p:spPr>
           <a:xfrm>
             <a:off x="838080" y="1825560"/>
-            <a:ext cx="10515240" cy="4350960"/>
-          </a:xfrm>
-          <a:prstGeom prst="rect">
-            <a:avLst/>
-          </a:prstGeom>
-          <a:noFill/>
-          <a:ln w="0">
-            <a:noFill/>
-          </a:ln>
-        </p:spPr>
-        <p:txBody>
-          <a:bodyPr anchor="t">
+            <a:ext cx="10514880" cy="4350600"/>
+          </a:xfrm>
+          <a:prstGeom prst="rect">
+            <a:avLst/>
+          </a:prstGeom>
+          <a:noFill/>
+          <a:ln w="0">
+            <a:noFill/>
+          </a:ln>
+        </p:spPr>
+        <p:txBody>
+          <a:bodyPr lIns="90000" rIns="90000" tIns="45000" bIns="45000" anchor="t">
             <a:noAutofit/>
           </a:bodyPr>
           <a:p>
@@ -9315,13 +8936,19 @@
                 </a:solidFill>
                 <a:latin typeface="Calibri"/>
               </a:rPr>
-              <a:t>Shows how the hardware connects</a:t>
-            </a:r>
-            <a:endParaRPr b="0" lang="en-US" sz="2800" spc="-1" strike="noStrike">
-              <a:solidFill>
-                <a:srgbClr val="000000"/>
-              </a:solidFill>
-              <a:latin typeface="Calibri"/>
+              <a:t>Shows how the </a:t>
+            </a:r>
+            <a:r>
+              <a:rPr b="0" lang="en-GB" sz="2800" spc="-1" strike="noStrike">
+                <a:solidFill>
+                  <a:srgbClr val="000000"/>
+                </a:solidFill>
+                <a:latin typeface="Calibri"/>
+              </a:rPr>
+              <a:t>hardware connects</a:t>
+            </a:r>
+            <a:endParaRPr b="0" lang="en-IE" sz="2800" spc="-1" strike="noStrike">
+              <a:latin typeface="Arial"/>
             </a:endParaRPr>
           </a:p>
           <a:p>
@@ -9345,13 +8972,46 @@
                 </a:solidFill>
                 <a:latin typeface="Calibri"/>
               </a:rPr>
-              <a:t>Could come after “Powering the Device”, if a power source that can be represented in fritzing will be used</a:t>
-            </a:r>
-            <a:endParaRPr b="0" lang="en-US" sz="2800" spc="-1" strike="noStrike">
-              <a:solidFill>
-                <a:srgbClr val="000000"/>
-              </a:solidFill>
-              <a:latin typeface="Calibri"/>
+              <a:t>Could come after </a:t>
+            </a:r>
+            <a:r>
+              <a:rPr b="0" lang="en-GB" sz="2800" spc="-1" strike="noStrike">
+                <a:solidFill>
+                  <a:srgbClr val="000000"/>
+                </a:solidFill>
+                <a:latin typeface="Calibri"/>
+              </a:rPr>
+              <a:t>“Powering the Device”, </a:t>
+            </a:r>
+            <a:r>
+              <a:rPr b="0" lang="en-GB" sz="2800" spc="-1" strike="noStrike">
+                <a:solidFill>
+                  <a:srgbClr val="000000"/>
+                </a:solidFill>
+                <a:latin typeface="Calibri"/>
+              </a:rPr>
+              <a:t>if a power source that </a:t>
+            </a:r>
+            <a:r>
+              <a:rPr b="0" lang="en-GB" sz="2800" spc="-1" strike="noStrike">
+                <a:solidFill>
+                  <a:srgbClr val="000000"/>
+                </a:solidFill>
+                <a:latin typeface="Calibri"/>
+              </a:rPr>
+              <a:t>can be represented in </a:t>
+            </a:r>
+            <a:r>
+              <a:rPr b="0" lang="en-GB" sz="2800" spc="-1" strike="noStrike">
+                <a:solidFill>
+                  <a:srgbClr val="000000"/>
+                </a:solidFill>
+                <a:latin typeface="Calibri"/>
+              </a:rPr>
+              <a:t>fritzing will be used</a:t>
+            </a:r>
+            <a:endParaRPr b="0" lang="en-IE" sz="2800" spc="-1" strike="noStrike">
+              <a:latin typeface="Arial"/>
             </a:endParaRPr>
           </a:p>
         </p:txBody>
@@ -9399,18 +9059,18 @@
         <p:spPr>
           <a:xfrm>
             <a:off x="838080" y="365040"/>
-            <a:ext cx="10515240" cy="1325160"/>
-          </a:xfrm>
-          <a:prstGeom prst="rect">
-            <a:avLst/>
-          </a:prstGeom>
-          <a:noFill/>
-          <a:ln w="0">
-            <a:noFill/>
-          </a:ln>
-        </p:spPr>
-        <p:txBody>
-          <a:bodyPr anchor="ctr">
+            <a:ext cx="10514880" cy="1324800"/>
+          </a:xfrm>
+          <a:prstGeom prst="rect">
+            <a:avLst/>
+          </a:prstGeom>
+          <a:noFill/>
+          <a:ln w="0">
+            <a:noFill/>
+          </a:ln>
+        </p:spPr>
+        <p:txBody>
+          <a:bodyPr lIns="90000" rIns="90000" tIns="45000" bIns="45000" anchor="ctr">
             <a:noAutofit/>
           </a:bodyPr>
           <a:p>
@@ -9429,11 +9089,8 @@
               </a:rPr>
               <a:t>Powering the Device</a:t>
             </a:r>
-            <a:endParaRPr b="0" lang="en-US" sz="4400" spc="-1" strike="noStrike">
-              <a:solidFill>
-                <a:srgbClr val="000000"/>
-              </a:solidFill>
-              <a:latin typeface="Calibri"/>
+            <a:endParaRPr b="0" lang="en-IE" sz="4400" spc="-1" strike="noStrike">
+              <a:latin typeface="Arial"/>
             </a:endParaRPr>
           </a:p>
         </p:txBody>
@@ -9451,18 +9108,18 @@
         <p:spPr>
           <a:xfrm>
             <a:off x="838080" y="1825560"/>
-            <a:ext cx="10515240" cy="4350960"/>
-          </a:xfrm>
-          <a:prstGeom prst="rect">
-            <a:avLst/>
-          </a:prstGeom>
-          <a:noFill/>
-          <a:ln w="0">
-            <a:noFill/>
-          </a:ln>
-        </p:spPr>
-        <p:txBody>
-          <a:bodyPr anchor="t">
+            <a:ext cx="10514880" cy="4350600"/>
+          </a:xfrm>
+          <a:prstGeom prst="rect">
+            <a:avLst/>
+          </a:prstGeom>
+          <a:noFill/>
+          <a:ln w="0">
+            <a:noFill/>
+          </a:ln>
+        </p:spPr>
+        <p:txBody>
+          <a:bodyPr lIns="90000" rIns="90000" tIns="45000" bIns="45000" anchor="t">
             <a:noAutofit/>
           </a:bodyPr>
           <a:p>
@@ -9488,11 +9145,8 @@
               </a:rPr>
               <a:t>Powerbank?</a:t>
             </a:r>
-            <a:endParaRPr b="0" lang="en-US" sz="2800" spc="-1" strike="noStrike">
-              <a:solidFill>
-                <a:srgbClr val="000000"/>
-              </a:solidFill>
-              <a:latin typeface="Calibri"/>
+            <a:endParaRPr b="0" lang="en-IE" sz="2800" spc="-1" strike="noStrike">
+              <a:latin typeface="Arial"/>
             </a:endParaRPr>
           </a:p>
           <a:p>
@@ -9518,11 +9172,8 @@
               </a:rPr>
               <a:t>Batteries?</a:t>
             </a:r>
-            <a:endParaRPr b="0" lang="en-US" sz="2800" spc="-1" strike="noStrike">
-              <a:solidFill>
-                <a:srgbClr val="000000"/>
-              </a:solidFill>
-              <a:latin typeface="Calibri"/>
+            <a:endParaRPr b="0" lang="en-IE" sz="2800" spc="-1" strike="noStrike">
+              <a:latin typeface="Arial"/>
             </a:endParaRPr>
           </a:p>
           <a:p>
@@ -9546,13 +9197,19 @@
                 </a:solidFill>
                 <a:latin typeface="Calibri"/>
               </a:rPr>
-              <a:t>How does it handle power loss when plugged into wall socket?</a:t>
-            </a:r>
-            <a:endParaRPr b="0" lang="en-US" sz="2800" spc="-1" strike="noStrike">
-              <a:solidFill>
-                <a:srgbClr val="000000"/>
-              </a:solidFill>
-              <a:latin typeface="Calibri"/>
+              <a:t>How does it handle power loss </a:t>
+            </a:r>
+            <a:r>
+              <a:rPr b="0" lang="en-GB" sz="2800" spc="-1" strike="noStrike">
+                <a:solidFill>
+                  <a:srgbClr val="000000"/>
+                </a:solidFill>
+                <a:latin typeface="Calibri"/>
+              </a:rPr>
+              <a:t>when plugged into wall socket?</a:t>
+            </a:r>
+            <a:endParaRPr b="0" lang="en-IE" sz="2800" spc="-1" strike="noStrike">
+              <a:latin typeface="Arial"/>
             </a:endParaRPr>
           </a:p>
         </p:txBody>

--- a/Slideshow template.pptx
+++ b/Slideshow template.pptx
@@ -4,28 +4,30 @@
   <p:sldMasterIdLst>
     <p:sldMasterId id="2147483648" r:id="rId2"/>
     <p:sldMasterId id="2147483661" r:id="rId3"/>
+    <p:sldMasterId id="2147483674" r:id="rId4"/>
   </p:sldMasterIdLst>
   <p:sldIdLst>
-    <p:sldId id="256" r:id="rId4"/>
-    <p:sldId id="257" r:id="rId5"/>
-    <p:sldId id="258" r:id="rId6"/>
-    <p:sldId id="259" r:id="rId7"/>
-    <p:sldId id="260" r:id="rId8"/>
-    <p:sldId id="261" r:id="rId9"/>
-    <p:sldId id="262" r:id="rId10"/>
-    <p:sldId id="263" r:id="rId11"/>
-    <p:sldId id="264" r:id="rId12"/>
-    <p:sldId id="265" r:id="rId13"/>
-    <p:sldId id="266" r:id="rId14"/>
-    <p:sldId id="267" r:id="rId15"/>
-    <p:sldId id="268" r:id="rId16"/>
-    <p:sldId id="269" r:id="rId17"/>
-    <p:sldId id="270" r:id="rId18"/>
-    <p:sldId id="271" r:id="rId19"/>
-    <p:sldId id="272" r:id="rId20"/>
-    <p:sldId id="273" r:id="rId21"/>
-    <p:sldId id="274" r:id="rId22"/>
-    <p:sldId id="275" r:id="rId23"/>
+    <p:sldId id="256" r:id="rId5"/>
+    <p:sldId id="257" r:id="rId6"/>
+    <p:sldId id="258" r:id="rId7"/>
+    <p:sldId id="259" r:id="rId8"/>
+    <p:sldId id="260" r:id="rId9"/>
+    <p:sldId id="261" r:id="rId10"/>
+    <p:sldId id="262" r:id="rId11"/>
+    <p:sldId id="263" r:id="rId12"/>
+    <p:sldId id="264" r:id="rId13"/>
+    <p:sldId id="265" r:id="rId14"/>
+    <p:sldId id="266" r:id="rId15"/>
+    <p:sldId id="267" r:id="rId16"/>
+    <p:sldId id="268" r:id="rId17"/>
+    <p:sldId id="269" r:id="rId18"/>
+    <p:sldId id="270" r:id="rId19"/>
+    <p:sldId id="271" r:id="rId20"/>
+    <p:sldId id="272" r:id="rId21"/>
+    <p:sldId id="273" r:id="rId22"/>
+    <p:sldId id="274" r:id="rId23"/>
+    <p:sldId id="275" r:id="rId24"/>
+    <p:sldId id="276" r:id="rId25"/>
   </p:sldIdLst>
   <p:sldSz cx="12192000" cy="6858000"/>
   <p:notesSz cx="7559675" cy="10691813"/>
@@ -83,7 +85,7 @@
         <p:txBody>
           <a:bodyPr/>
           <a:p>
-            <a:fld id="{935F352B-6011-4672-A666-C1F45F2C626C}" type="slidenum">
+            <a:fld id="{E701A5B8-42BC-4E20-B1B0-735907BB89E6}" type="slidenum">
               <a:t>&lt;#&gt;</a:t>
             </a:fld>
           </a:p>
@@ -271,7 +273,7 @@
         <p:txBody>
           <a:bodyPr/>
           <a:p>
-            <a:fld id="{A6499DED-97D1-432D-9669-70C2F33E7F42}" type="slidenum">
+            <a:fld id="{1B893E18-73C4-4FED-AAF3-19AD36B6BD31}" type="slidenum">
               <a:t>&lt;#&gt;</a:t>
             </a:fld>
           </a:p>
@@ -527,7 +529,7 @@
         <p:txBody>
           <a:bodyPr/>
           <a:p>
-            <a:fld id="{868017E5-313D-4A61-8330-8E9242B6D910}" type="slidenum">
+            <a:fld id="{5B0E602D-2945-4213-8A99-C303C0825AAA}" type="slidenum">
               <a:t>&lt;#&gt;</a:t>
             </a:fld>
           </a:p>
@@ -851,7 +853,7 @@
         <p:txBody>
           <a:bodyPr/>
           <a:p>
-            <a:fld id="{FBE01B4A-E1E4-45B4-8302-144239087B98}" type="slidenum">
+            <a:fld id="{06F9E35C-DAB8-46A0-824F-34634DF87BAC}" type="slidenum">
               <a:t>&lt;#&gt;</a:t>
             </a:fld>
           </a:p>
@@ -934,7 +936,7 @@
         <p:txBody>
           <a:bodyPr/>
           <a:p>
-            <a:fld id="{CC0DCFAC-7C0D-415D-A5FD-7151DB2FAA71}" type="slidenum">
+            <a:fld id="{75C3DC34-6435-43D3-882D-216C44E66D3B}" type="slidenum">
               <a:t>&lt;#&gt;</a:t>
             </a:fld>
           </a:p>
@@ -1091,7 +1093,7 @@
         <p:txBody>
           <a:bodyPr/>
           <a:p>
-            <a:fld id="{64C7F5DC-C8AA-4018-A245-617478D6B12C}" type="slidenum">
+            <a:fld id="{08E65585-8D53-4836-B08C-6DA5F9D964E0}" type="slidenum">
               <a:t>&lt;#&gt;</a:t>
             </a:fld>
           </a:p>
@@ -1245,7 +1247,7 @@
         <p:txBody>
           <a:bodyPr/>
           <a:p>
-            <a:fld id="{A2252A64-B259-4F3C-97B7-3E50661091C6}" type="slidenum">
+            <a:fld id="{2C49D1D9-9264-4B4A-AD6B-C0D2A28244AF}" type="slidenum">
               <a:t>&lt;#&gt;</a:t>
             </a:fld>
           </a:p>
@@ -1433,7 +1435,7 @@
         <p:txBody>
           <a:bodyPr/>
           <a:p>
-            <a:fld id="{1B769F6B-89CC-4C26-ADE4-46D8C8C511B2}" type="slidenum">
+            <a:fld id="{7F71583B-E306-42C9-A23E-EDC278D396EB}" type="slidenum">
               <a:t>&lt;#&gt;</a:t>
             </a:fld>
           </a:p>
@@ -1553,7 +1555,7 @@
         <p:txBody>
           <a:bodyPr/>
           <a:p>
-            <a:fld id="{D0886789-5E7B-45DB-9169-B716856E2420}" type="slidenum">
+            <a:fld id="{6A2467C9-A262-486D-85C2-3A3CDD0A50FF}" type="slidenum">
               <a:t>&lt;#&gt;</a:t>
             </a:fld>
           </a:p>
@@ -1673,7 +1675,7 @@
         <p:txBody>
           <a:bodyPr/>
           <a:p>
-            <a:fld id="{4CD2A25E-74CE-4AC5-95DE-D64047527CF7}" type="slidenum">
+            <a:fld id="{29F8D221-431E-4F8D-BDC0-44C92E15768A}" type="slidenum">
               <a:t>&lt;#&gt;</a:t>
             </a:fld>
           </a:p>
@@ -1895,7 +1897,7 @@
         <p:txBody>
           <a:bodyPr/>
           <a:p>
-            <a:fld id="{D974A659-94BE-4F93-B9E1-B23BC2A0C3C1}" type="slidenum">
+            <a:fld id="{B688F07B-9BE1-4CE0-97FD-FE985273B713}" type="slidenum">
               <a:t>&lt;#&gt;</a:t>
             </a:fld>
           </a:p>
@@ -2052,7 +2054,7 @@
         <p:txBody>
           <a:bodyPr/>
           <a:p>
-            <a:fld id="{47F9BC83-F17E-481A-820C-5429FBCC0771}" type="slidenum">
+            <a:fld id="{F9650C1F-E862-49AF-BAAD-2D839CA949F0}" type="slidenum">
               <a:t>&lt;#&gt;</a:t>
             </a:fld>
           </a:p>
@@ -2274,7 +2276,7 @@
         <p:txBody>
           <a:bodyPr/>
           <a:p>
-            <a:fld id="{06D5054F-712A-4F80-B511-ED19B94C8CD3}" type="slidenum">
+            <a:fld id="{ED913F98-144B-457B-BE53-EDE8A69711E4}" type="slidenum">
               <a:t>&lt;#&gt;</a:t>
             </a:fld>
           </a:p>
@@ -2496,7 +2498,7 @@
         <p:txBody>
           <a:bodyPr/>
           <a:p>
-            <a:fld id="{BC7142C5-3A82-4AB8-985A-BC3836AEAA27}" type="slidenum">
+            <a:fld id="{5D98426A-9434-4F74-B32F-43F37A33D177}" type="slidenum">
               <a:t>&lt;#&gt;</a:t>
             </a:fld>
           </a:p>
@@ -2684,7 +2686,7 @@
         <p:txBody>
           <a:bodyPr/>
           <a:p>
-            <a:fld id="{DEA7F238-9342-4FA6-B4C0-328DCB655BB3}" type="slidenum">
+            <a:fld id="{94929422-8305-415C-AD01-C501BDF413D0}" type="slidenum">
               <a:t>&lt;#&gt;</a:t>
             </a:fld>
           </a:p>
@@ -2940,7 +2942,7 @@
         <p:txBody>
           <a:bodyPr/>
           <a:p>
-            <a:fld id="{BD203AA1-5052-4413-B637-6D6F43EDAB03}" type="slidenum">
+            <a:fld id="{EF6FBCDF-6E20-4BAA-913A-22EEF1F257E6}" type="slidenum">
               <a:t>&lt;#&gt;</a:t>
             </a:fld>
           </a:p>
@@ -3264,7 +3266,7 @@
         <p:txBody>
           <a:bodyPr/>
           <a:p>
-            <a:fld id="{1A0CB73C-2EE6-4906-91DB-81AA719CAEFD}" type="slidenum">
+            <a:fld id="{AC9B5B00-7A08-480A-AC35-302A51DC35B5}" type="slidenum">
               <a:t>&lt;#&gt;</a:t>
             </a:fld>
           </a:p>
@@ -3278,6 +3280,708 @@
           </p:cNvSpPr>
           <p:nvPr>
             <p:ph type="dt" idx="6"/>
+          </p:nvPr>
+        </p:nvSpPr>
+        <p:spPr/>
+        <p:txBody>
+          <a:bodyPr/>
+          <a:p>
+            <a:r>
+              <a:rPr lang="en-IE"/>
+              <a:t/>
+            </a:r>
+          </a:p>
+        </p:txBody>
+      </p:sp>
+    </p:spTree>
+  </p:cSld>
+</p:sldLayout>
+</file>
+
+<file path=ppt/slideLayouts/slideLayout25.xml><?xml version="1.0" encoding="utf-8"?>
+<p:sldLayout xmlns:a="http://schemas.openxmlformats.org/drawingml/2006/main" xmlns:p="http://schemas.openxmlformats.org/presentationml/2006/main" xmlns:r="http://schemas.openxmlformats.org/officeDocument/2006/relationships" xmlns:p14="http://schemas.microsoft.com/office/powerpoint/2010/main" xmlns:p15="http://schemas.microsoft.com/office/powerpoint/2012/main" xmlns:mc="http://schemas.openxmlformats.org/markup-compatibility/2006" type="blank" preserve="1">
+  <p:cSld name="Blank Slide">
+    <p:spTree>
+      <p:nvGrpSpPr>
+        <p:cNvPr id="1" name=""/>
+        <p:cNvGrpSpPr/>
+        <p:nvPr/>
+      </p:nvGrpSpPr>
+      <p:grpSpPr>
+        <a:xfrm>
+          <a:off x="0" y="0"/>
+          <a:ext cx="0" cy="0"/>
+          <a:chOff x="0" y="0"/>
+          <a:chExt cx="0" cy="0"/>
+        </a:xfrm>
+      </p:grpSpPr>
+      <p:sp>
+        <p:nvSpPr>
+          <p:cNvPr id="2" name="PlaceHolder 1"/>
+          <p:cNvSpPr>
+            <a:spLocks noGrp="1"/>
+          </p:cNvSpPr>
+          <p:nvPr>
+            <p:ph type="ftr" idx="7"/>
+          </p:nvPr>
+        </p:nvSpPr>
+        <p:spPr/>
+        <p:txBody>
+          <a:bodyPr/>
+          <a:p>
+            <a:r>
+              <a:t>Footer</a:t>
+            </a:r>
+          </a:p>
+        </p:txBody>
+      </p:sp>
+      <p:sp>
+        <p:nvSpPr>
+          <p:cNvPr id="3" name="PlaceHolder 2"/>
+          <p:cNvSpPr>
+            <a:spLocks noGrp="1"/>
+          </p:cNvSpPr>
+          <p:nvPr>
+            <p:ph type="sldNum" idx="8"/>
+          </p:nvPr>
+        </p:nvSpPr>
+        <p:spPr/>
+        <p:txBody>
+          <a:bodyPr/>
+          <a:p>
+            <a:fld id="{5808D2A6-BD0A-4BE6-A262-5DE397261DEE}" type="slidenum">
+              <a:t>&lt;#&gt;</a:t>
+            </a:fld>
+          </a:p>
+        </p:txBody>
+      </p:sp>
+      <p:sp>
+        <p:nvSpPr>
+          <p:cNvPr id="4" name="PlaceHolder 3"/>
+          <p:cNvSpPr>
+            <a:spLocks noGrp="1"/>
+          </p:cNvSpPr>
+          <p:nvPr>
+            <p:ph type="dt" idx="9"/>
+          </p:nvPr>
+        </p:nvSpPr>
+        <p:spPr/>
+        <p:txBody>
+          <a:bodyPr/>
+          <a:p>
+            <a:r>
+              <a:rPr lang="en-IE"/>
+              <a:t/>
+            </a:r>
+          </a:p>
+        </p:txBody>
+      </p:sp>
+    </p:spTree>
+  </p:cSld>
+</p:sldLayout>
+</file>
+
+<file path=ppt/slideLayouts/slideLayout26.xml><?xml version="1.0" encoding="utf-8"?>
+<p:sldLayout xmlns:a="http://schemas.openxmlformats.org/drawingml/2006/main" xmlns:p="http://schemas.openxmlformats.org/presentationml/2006/main" xmlns:r="http://schemas.openxmlformats.org/officeDocument/2006/relationships" xmlns:p14="http://schemas.microsoft.com/office/powerpoint/2010/main" xmlns:p15="http://schemas.microsoft.com/office/powerpoint/2012/main" xmlns:mc="http://schemas.openxmlformats.org/markup-compatibility/2006" type="tx" preserve="1">
+  <p:cSld name="Title Slide">
+    <p:spTree>
+      <p:nvGrpSpPr>
+        <p:cNvPr id="1" name=""/>
+        <p:cNvGrpSpPr/>
+        <p:nvPr/>
+      </p:nvGrpSpPr>
+      <p:grpSpPr>
+        <a:xfrm>
+          <a:off x="0" y="0"/>
+          <a:ext cx="0" cy="0"/>
+          <a:chOff x="0" y="0"/>
+          <a:chExt cx="0" cy="0"/>
+        </a:xfrm>
+      </p:grpSpPr>
+      <p:sp>
+        <p:nvSpPr>
+          <p:cNvPr id="87" name="PlaceHolder 1"/>
+          <p:cNvSpPr>
+            <a:spLocks noGrp="1"/>
+          </p:cNvSpPr>
+          <p:nvPr>
+            <p:ph type="title"/>
+          </p:nvPr>
+        </p:nvSpPr>
+        <p:spPr>
+          <a:xfrm>
+            <a:off x="609480" y="273600"/>
+            <a:ext cx="10972440" cy="1144800"/>
+          </a:xfrm>
+          <a:prstGeom prst="rect">
+            <a:avLst/>
+          </a:prstGeom>
+          <a:noFill/>
+          <a:ln w="0">
+            <a:noFill/>
+          </a:ln>
+        </p:spPr>
+        <p:txBody>
+          <a:bodyPr lIns="0" rIns="0" tIns="0" bIns="0" anchor="ctr">
+            <a:noAutofit/>
+          </a:bodyPr>
+          <a:p>
+            <a:pPr algn="ctr">
+              <a:buNone/>
+            </a:pPr>
+            <a:endParaRPr b="0" lang="en-IE" sz="4400" spc="-1" strike="noStrike">
+              <a:latin typeface="Arial"/>
+            </a:endParaRPr>
+          </a:p>
+        </p:txBody>
+      </p:sp>
+      <p:sp>
+        <p:nvSpPr>
+          <p:cNvPr id="88" name="PlaceHolder 2"/>
+          <p:cNvSpPr>
+            <a:spLocks noGrp="1"/>
+          </p:cNvSpPr>
+          <p:nvPr>
+            <p:ph type="subTitle"/>
+          </p:nvPr>
+        </p:nvSpPr>
+        <p:spPr>
+          <a:xfrm>
+            <a:off x="609480" y="1604520"/>
+            <a:ext cx="10972440" cy="3977280"/>
+          </a:xfrm>
+          <a:prstGeom prst="rect">
+            <a:avLst/>
+          </a:prstGeom>
+          <a:noFill/>
+          <a:ln w="0">
+            <a:noFill/>
+          </a:ln>
+        </p:spPr>
+        <p:txBody>
+          <a:bodyPr lIns="0" rIns="0" tIns="0" bIns="0" anchor="ctr">
+            <a:noAutofit/>
+          </a:bodyPr>
+          <a:p>
+            <a:pPr algn="ctr">
+              <a:buNone/>
+            </a:pPr>
+            <a:endParaRPr b="0" lang="en-IE" sz="3200" spc="-1" strike="noStrike">
+              <a:latin typeface="Arial"/>
+            </a:endParaRPr>
+          </a:p>
+        </p:txBody>
+      </p:sp>
+      <p:sp>
+        <p:nvSpPr>
+          <p:cNvPr id="4" name="PlaceHolder 3"/>
+          <p:cNvSpPr>
+            <a:spLocks noGrp="1"/>
+          </p:cNvSpPr>
+          <p:nvPr>
+            <p:ph type="ftr" idx="7"/>
+          </p:nvPr>
+        </p:nvSpPr>
+        <p:spPr/>
+        <p:txBody>
+          <a:bodyPr/>
+          <a:p>
+            <a:r>
+              <a:t>Footer</a:t>
+            </a:r>
+          </a:p>
+        </p:txBody>
+      </p:sp>
+      <p:sp>
+        <p:nvSpPr>
+          <p:cNvPr id="5" name="PlaceHolder 4"/>
+          <p:cNvSpPr>
+            <a:spLocks noGrp="1"/>
+          </p:cNvSpPr>
+          <p:nvPr>
+            <p:ph type="sldNum" idx="8"/>
+          </p:nvPr>
+        </p:nvSpPr>
+        <p:spPr/>
+        <p:txBody>
+          <a:bodyPr/>
+          <a:p>
+            <a:fld id="{62489E00-09FA-490B-9B0B-195A9E3AE399}" type="slidenum">
+              <a:t>&lt;#&gt;</a:t>
+            </a:fld>
+          </a:p>
+        </p:txBody>
+      </p:sp>
+      <p:sp>
+        <p:nvSpPr>
+          <p:cNvPr id="6" name="PlaceHolder 5"/>
+          <p:cNvSpPr>
+            <a:spLocks noGrp="1"/>
+          </p:cNvSpPr>
+          <p:nvPr>
+            <p:ph type="dt" idx="9"/>
+          </p:nvPr>
+        </p:nvSpPr>
+        <p:spPr/>
+        <p:txBody>
+          <a:bodyPr/>
+          <a:p>
+            <a:r>
+              <a:rPr lang="en-IE"/>
+              <a:t/>
+            </a:r>
+          </a:p>
+        </p:txBody>
+      </p:sp>
+    </p:spTree>
+  </p:cSld>
+</p:sldLayout>
+</file>
+
+<file path=ppt/slideLayouts/slideLayout27.xml><?xml version="1.0" encoding="utf-8"?>
+<p:sldLayout xmlns:a="http://schemas.openxmlformats.org/drawingml/2006/main" xmlns:p="http://schemas.openxmlformats.org/presentationml/2006/main" xmlns:r="http://schemas.openxmlformats.org/officeDocument/2006/relationships" xmlns:p14="http://schemas.microsoft.com/office/powerpoint/2010/main" xmlns:p15="http://schemas.microsoft.com/office/powerpoint/2012/main" xmlns:mc="http://schemas.openxmlformats.org/markup-compatibility/2006" type="obj" preserve="1">
+  <p:cSld name="Title, Content">
+    <p:spTree>
+      <p:nvGrpSpPr>
+        <p:cNvPr id="1" name=""/>
+        <p:cNvGrpSpPr/>
+        <p:nvPr/>
+      </p:nvGrpSpPr>
+      <p:grpSpPr>
+        <a:xfrm>
+          <a:off x="0" y="0"/>
+          <a:ext cx="0" cy="0"/>
+          <a:chOff x="0" y="0"/>
+          <a:chExt cx="0" cy="0"/>
+        </a:xfrm>
+      </p:grpSpPr>
+      <p:sp>
+        <p:nvSpPr>
+          <p:cNvPr id="89" name="PlaceHolder 1"/>
+          <p:cNvSpPr>
+            <a:spLocks noGrp="1"/>
+          </p:cNvSpPr>
+          <p:nvPr>
+            <p:ph type="title"/>
+          </p:nvPr>
+        </p:nvSpPr>
+        <p:spPr>
+          <a:xfrm>
+            <a:off x="609480" y="273600"/>
+            <a:ext cx="10972440" cy="1144800"/>
+          </a:xfrm>
+          <a:prstGeom prst="rect">
+            <a:avLst/>
+          </a:prstGeom>
+          <a:noFill/>
+          <a:ln w="0">
+            <a:noFill/>
+          </a:ln>
+        </p:spPr>
+        <p:txBody>
+          <a:bodyPr lIns="0" rIns="0" tIns="0" bIns="0" anchor="ctr">
+            <a:noAutofit/>
+          </a:bodyPr>
+          <a:p>
+            <a:pPr algn="ctr">
+              <a:buNone/>
+            </a:pPr>
+            <a:endParaRPr b="0" lang="en-IE" sz="4400" spc="-1" strike="noStrike">
+              <a:latin typeface="Arial"/>
+            </a:endParaRPr>
+          </a:p>
+        </p:txBody>
+      </p:sp>
+      <p:sp>
+        <p:nvSpPr>
+          <p:cNvPr id="90" name="PlaceHolder 2"/>
+          <p:cNvSpPr>
+            <a:spLocks noGrp="1"/>
+          </p:cNvSpPr>
+          <p:nvPr>
+            <p:ph/>
+          </p:nvPr>
+        </p:nvSpPr>
+        <p:spPr>
+          <a:xfrm>
+            <a:off x="609480" y="1604520"/>
+            <a:ext cx="10972440" cy="3977280"/>
+          </a:xfrm>
+          <a:prstGeom prst="rect">
+            <a:avLst/>
+          </a:prstGeom>
+          <a:noFill/>
+          <a:ln w="0">
+            <a:noFill/>
+          </a:ln>
+        </p:spPr>
+        <p:txBody>
+          <a:bodyPr lIns="0" rIns="0" tIns="0" bIns="0" anchor="t">
+            <a:normAutofit/>
+          </a:bodyPr>
+          <a:p>
+            <a:endParaRPr b="0" lang="en-IE" sz="3200" spc="-1" strike="noStrike">
+              <a:latin typeface="Arial"/>
+            </a:endParaRPr>
+          </a:p>
+        </p:txBody>
+      </p:sp>
+      <p:sp>
+        <p:nvSpPr>
+          <p:cNvPr id="4" name="PlaceHolder 3"/>
+          <p:cNvSpPr>
+            <a:spLocks noGrp="1"/>
+          </p:cNvSpPr>
+          <p:nvPr>
+            <p:ph type="ftr" idx="7"/>
+          </p:nvPr>
+        </p:nvSpPr>
+        <p:spPr/>
+        <p:txBody>
+          <a:bodyPr/>
+          <a:p>
+            <a:r>
+              <a:t>Footer</a:t>
+            </a:r>
+          </a:p>
+        </p:txBody>
+      </p:sp>
+      <p:sp>
+        <p:nvSpPr>
+          <p:cNvPr id="5" name="PlaceHolder 4"/>
+          <p:cNvSpPr>
+            <a:spLocks noGrp="1"/>
+          </p:cNvSpPr>
+          <p:nvPr>
+            <p:ph type="sldNum" idx="8"/>
+          </p:nvPr>
+        </p:nvSpPr>
+        <p:spPr/>
+        <p:txBody>
+          <a:bodyPr/>
+          <a:p>
+            <a:fld id="{B0D669E4-1CA6-495F-94DF-BABAFD588B6B}" type="slidenum">
+              <a:t>&lt;#&gt;</a:t>
+            </a:fld>
+          </a:p>
+        </p:txBody>
+      </p:sp>
+      <p:sp>
+        <p:nvSpPr>
+          <p:cNvPr id="6" name="PlaceHolder 5"/>
+          <p:cNvSpPr>
+            <a:spLocks noGrp="1"/>
+          </p:cNvSpPr>
+          <p:nvPr>
+            <p:ph type="dt" idx="9"/>
+          </p:nvPr>
+        </p:nvSpPr>
+        <p:spPr/>
+        <p:txBody>
+          <a:bodyPr/>
+          <a:p>
+            <a:r>
+              <a:rPr lang="en-IE"/>
+              <a:t/>
+            </a:r>
+          </a:p>
+        </p:txBody>
+      </p:sp>
+    </p:spTree>
+  </p:cSld>
+</p:sldLayout>
+</file>
+
+<file path=ppt/slideLayouts/slideLayout28.xml><?xml version="1.0" encoding="utf-8"?>
+<p:sldLayout xmlns:a="http://schemas.openxmlformats.org/drawingml/2006/main" xmlns:p="http://schemas.openxmlformats.org/presentationml/2006/main" xmlns:r="http://schemas.openxmlformats.org/officeDocument/2006/relationships" xmlns:p14="http://schemas.microsoft.com/office/powerpoint/2010/main" xmlns:p15="http://schemas.microsoft.com/office/powerpoint/2012/main" xmlns:mc="http://schemas.openxmlformats.org/markup-compatibility/2006" type="twoObj" preserve="1">
+  <p:cSld name="Title, 2 Content">
+    <p:spTree>
+      <p:nvGrpSpPr>
+        <p:cNvPr id="1" name=""/>
+        <p:cNvGrpSpPr/>
+        <p:nvPr/>
+      </p:nvGrpSpPr>
+      <p:grpSpPr>
+        <a:xfrm>
+          <a:off x="0" y="0"/>
+          <a:ext cx="0" cy="0"/>
+          <a:chOff x="0" y="0"/>
+          <a:chExt cx="0" cy="0"/>
+        </a:xfrm>
+      </p:grpSpPr>
+      <p:sp>
+        <p:nvSpPr>
+          <p:cNvPr id="91" name="PlaceHolder 1"/>
+          <p:cNvSpPr>
+            <a:spLocks noGrp="1"/>
+          </p:cNvSpPr>
+          <p:nvPr>
+            <p:ph type="title"/>
+          </p:nvPr>
+        </p:nvSpPr>
+        <p:spPr>
+          <a:xfrm>
+            <a:off x="609480" y="273600"/>
+            <a:ext cx="10972440" cy="1144800"/>
+          </a:xfrm>
+          <a:prstGeom prst="rect">
+            <a:avLst/>
+          </a:prstGeom>
+          <a:noFill/>
+          <a:ln w="0">
+            <a:noFill/>
+          </a:ln>
+        </p:spPr>
+        <p:txBody>
+          <a:bodyPr lIns="0" rIns="0" tIns="0" bIns="0" anchor="ctr">
+            <a:noAutofit/>
+          </a:bodyPr>
+          <a:p>
+            <a:pPr algn="ctr">
+              <a:buNone/>
+            </a:pPr>
+            <a:endParaRPr b="0" lang="en-IE" sz="4400" spc="-1" strike="noStrike">
+              <a:latin typeface="Arial"/>
+            </a:endParaRPr>
+          </a:p>
+        </p:txBody>
+      </p:sp>
+      <p:sp>
+        <p:nvSpPr>
+          <p:cNvPr id="92" name="PlaceHolder 2"/>
+          <p:cNvSpPr>
+            <a:spLocks noGrp="1"/>
+          </p:cNvSpPr>
+          <p:nvPr>
+            <p:ph/>
+          </p:nvPr>
+        </p:nvSpPr>
+        <p:spPr>
+          <a:xfrm>
+            <a:off x="609480" y="1604520"/>
+            <a:ext cx="5354280" cy="3977280"/>
+          </a:xfrm>
+          <a:prstGeom prst="rect">
+            <a:avLst/>
+          </a:prstGeom>
+          <a:noFill/>
+          <a:ln w="0">
+            <a:noFill/>
+          </a:ln>
+        </p:spPr>
+        <p:txBody>
+          <a:bodyPr lIns="0" rIns="0" tIns="0" bIns="0" anchor="t">
+            <a:normAutofit/>
+          </a:bodyPr>
+          <a:p>
+            <a:endParaRPr b="0" lang="en-IE" sz="3200" spc="-1" strike="noStrike">
+              <a:latin typeface="Arial"/>
+            </a:endParaRPr>
+          </a:p>
+        </p:txBody>
+      </p:sp>
+      <p:sp>
+        <p:nvSpPr>
+          <p:cNvPr id="93" name="PlaceHolder 3"/>
+          <p:cNvSpPr>
+            <a:spLocks noGrp="1"/>
+          </p:cNvSpPr>
+          <p:nvPr>
+            <p:ph/>
+          </p:nvPr>
+        </p:nvSpPr>
+        <p:spPr>
+          <a:xfrm>
+            <a:off x="6231960" y="1604520"/>
+            <a:ext cx="5354280" cy="3977280"/>
+          </a:xfrm>
+          <a:prstGeom prst="rect">
+            <a:avLst/>
+          </a:prstGeom>
+          <a:noFill/>
+          <a:ln w="0">
+            <a:noFill/>
+          </a:ln>
+        </p:spPr>
+        <p:txBody>
+          <a:bodyPr lIns="0" rIns="0" tIns="0" bIns="0" anchor="t">
+            <a:normAutofit/>
+          </a:bodyPr>
+          <a:p>
+            <a:endParaRPr b="0" lang="en-IE" sz="3200" spc="-1" strike="noStrike">
+              <a:latin typeface="Arial"/>
+            </a:endParaRPr>
+          </a:p>
+        </p:txBody>
+      </p:sp>
+      <p:sp>
+        <p:nvSpPr>
+          <p:cNvPr id="5" name="PlaceHolder 4"/>
+          <p:cNvSpPr>
+            <a:spLocks noGrp="1"/>
+          </p:cNvSpPr>
+          <p:nvPr>
+            <p:ph type="ftr" idx="7"/>
+          </p:nvPr>
+        </p:nvSpPr>
+        <p:spPr/>
+        <p:txBody>
+          <a:bodyPr/>
+          <a:p>
+            <a:r>
+              <a:t>Footer</a:t>
+            </a:r>
+          </a:p>
+        </p:txBody>
+      </p:sp>
+      <p:sp>
+        <p:nvSpPr>
+          <p:cNvPr id="6" name="PlaceHolder 5"/>
+          <p:cNvSpPr>
+            <a:spLocks noGrp="1"/>
+          </p:cNvSpPr>
+          <p:nvPr>
+            <p:ph type="sldNum" idx="8"/>
+          </p:nvPr>
+        </p:nvSpPr>
+        <p:spPr/>
+        <p:txBody>
+          <a:bodyPr/>
+          <a:p>
+            <a:fld id="{78FE5B99-F16A-4E85-8DEB-AD8F7DC3CD9B}" type="slidenum">
+              <a:t>&lt;#&gt;</a:t>
+            </a:fld>
+          </a:p>
+        </p:txBody>
+      </p:sp>
+      <p:sp>
+        <p:nvSpPr>
+          <p:cNvPr id="7" name="PlaceHolder 6"/>
+          <p:cNvSpPr>
+            <a:spLocks noGrp="1"/>
+          </p:cNvSpPr>
+          <p:nvPr>
+            <p:ph type="dt" idx="9"/>
+          </p:nvPr>
+        </p:nvSpPr>
+        <p:spPr/>
+        <p:txBody>
+          <a:bodyPr/>
+          <a:p>
+            <a:r>
+              <a:rPr lang="en-IE"/>
+              <a:t/>
+            </a:r>
+          </a:p>
+        </p:txBody>
+      </p:sp>
+    </p:spTree>
+  </p:cSld>
+</p:sldLayout>
+</file>
+
+<file path=ppt/slideLayouts/slideLayout29.xml><?xml version="1.0" encoding="utf-8"?>
+<p:sldLayout xmlns:a="http://schemas.openxmlformats.org/drawingml/2006/main" xmlns:p="http://schemas.openxmlformats.org/presentationml/2006/main" xmlns:r="http://schemas.openxmlformats.org/officeDocument/2006/relationships" xmlns:p14="http://schemas.microsoft.com/office/powerpoint/2010/main" xmlns:p15="http://schemas.microsoft.com/office/powerpoint/2012/main" xmlns:mc="http://schemas.openxmlformats.org/markup-compatibility/2006" type="titleOnly" preserve="1">
+  <p:cSld name="Title Only">
+    <p:spTree>
+      <p:nvGrpSpPr>
+        <p:cNvPr id="1" name=""/>
+        <p:cNvGrpSpPr/>
+        <p:nvPr/>
+      </p:nvGrpSpPr>
+      <p:grpSpPr>
+        <a:xfrm>
+          <a:off x="0" y="0"/>
+          <a:ext cx="0" cy="0"/>
+          <a:chOff x="0" y="0"/>
+          <a:chExt cx="0" cy="0"/>
+        </a:xfrm>
+      </p:grpSpPr>
+      <p:sp>
+        <p:nvSpPr>
+          <p:cNvPr id="94" name="PlaceHolder 1"/>
+          <p:cNvSpPr>
+            <a:spLocks noGrp="1"/>
+          </p:cNvSpPr>
+          <p:nvPr>
+            <p:ph type="title"/>
+          </p:nvPr>
+        </p:nvSpPr>
+        <p:spPr>
+          <a:xfrm>
+            <a:off x="609480" y="273600"/>
+            <a:ext cx="10972440" cy="1144800"/>
+          </a:xfrm>
+          <a:prstGeom prst="rect">
+            <a:avLst/>
+          </a:prstGeom>
+          <a:noFill/>
+          <a:ln w="0">
+            <a:noFill/>
+          </a:ln>
+        </p:spPr>
+        <p:txBody>
+          <a:bodyPr lIns="0" rIns="0" tIns="0" bIns="0" anchor="ctr">
+            <a:noAutofit/>
+          </a:bodyPr>
+          <a:p>
+            <a:pPr algn="ctr">
+              <a:buNone/>
+            </a:pPr>
+            <a:endParaRPr b="0" lang="en-IE" sz="4400" spc="-1" strike="noStrike">
+              <a:latin typeface="Arial"/>
+            </a:endParaRPr>
+          </a:p>
+        </p:txBody>
+      </p:sp>
+      <p:sp>
+        <p:nvSpPr>
+          <p:cNvPr id="3" name="PlaceHolder 2"/>
+          <p:cNvSpPr>
+            <a:spLocks noGrp="1"/>
+          </p:cNvSpPr>
+          <p:nvPr>
+            <p:ph type="ftr" idx="7"/>
+          </p:nvPr>
+        </p:nvSpPr>
+        <p:spPr/>
+        <p:txBody>
+          <a:bodyPr/>
+          <a:p>
+            <a:r>
+              <a:t>Footer</a:t>
+            </a:r>
+          </a:p>
+        </p:txBody>
+      </p:sp>
+      <p:sp>
+        <p:nvSpPr>
+          <p:cNvPr id="4" name="PlaceHolder 3"/>
+          <p:cNvSpPr>
+            <a:spLocks noGrp="1"/>
+          </p:cNvSpPr>
+          <p:nvPr>
+            <p:ph type="sldNum" idx="8"/>
+          </p:nvPr>
+        </p:nvSpPr>
+        <p:spPr/>
+        <p:txBody>
+          <a:bodyPr/>
+          <a:p>
+            <a:fld id="{BB0A7841-652E-48C9-ACD1-F1929AA51C26}" type="slidenum">
+              <a:t>&lt;#&gt;</a:t>
+            </a:fld>
+          </a:p>
+        </p:txBody>
+      </p:sp>
+      <p:sp>
+        <p:nvSpPr>
+          <p:cNvPr id="5" name="PlaceHolder 4"/>
+          <p:cNvSpPr>
+            <a:spLocks noGrp="1"/>
+          </p:cNvSpPr>
+          <p:nvPr>
+            <p:ph type="dt" idx="9"/>
           </p:nvPr>
         </p:nvSpPr>
         <p:spPr/>
@@ -3418,7 +4122,7 @@
         <p:txBody>
           <a:bodyPr/>
           <a:p>
-            <a:fld id="{A83A050E-65BC-4526-B58E-03DE5002E032}" type="slidenum">
+            <a:fld id="{FDC2BC48-541C-41DB-A559-F37AC579B07E}" type="slidenum">
               <a:t>&lt;#&gt;</a:t>
             </a:fld>
           </a:p>
@@ -3432,6 +4136,1560 @@
           </p:cNvSpPr>
           <p:nvPr>
             <p:ph type="dt" idx="3"/>
+          </p:nvPr>
+        </p:nvSpPr>
+        <p:spPr/>
+        <p:txBody>
+          <a:bodyPr/>
+          <a:p>
+            <a:r>
+              <a:rPr lang="en-IE"/>
+              <a:t/>
+            </a:r>
+          </a:p>
+        </p:txBody>
+      </p:sp>
+    </p:spTree>
+  </p:cSld>
+</p:sldLayout>
+</file>
+
+<file path=ppt/slideLayouts/slideLayout30.xml><?xml version="1.0" encoding="utf-8"?>
+<p:sldLayout xmlns:a="http://schemas.openxmlformats.org/drawingml/2006/main" xmlns:p="http://schemas.openxmlformats.org/presentationml/2006/main" xmlns:r="http://schemas.openxmlformats.org/officeDocument/2006/relationships" xmlns:p14="http://schemas.microsoft.com/office/powerpoint/2010/main" xmlns:p15="http://schemas.microsoft.com/office/powerpoint/2012/main" xmlns:mc="http://schemas.openxmlformats.org/markup-compatibility/2006" type="objOnly" preserve="1">
+  <p:cSld name="Centered Text">
+    <p:spTree>
+      <p:nvGrpSpPr>
+        <p:cNvPr id="1" name=""/>
+        <p:cNvGrpSpPr/>
+        <p:nvPr/>
+      </p:nvGrpSpPr>
+      <p:grpSpPr>
+        <a:xfrm>
+          <a:off x="0" y="0"/>
+          <a:ext cx="0" cy="0"/>
+          <a:chOff x="0" y="0"/>
+          <a:chExt cx="0" cy="0"/>
+        </a:xfrm>
+      </p:grpSpPr>
+      <p:sp>
+        <p:nvSpPr>
+          <p:cNvPr id="95" name="PlaceHolder 1"/>
+          <p:cNvSpPr>
+            <a:spLocks noGrp="1"/>
+          </p:cNvSpPr>
+          <p:nvPr>
+            <p:ph type="subTitle"/>
+          </p:nvPr>
+        </p:nvSpPr>
+        <p:spPr>
+          <a:xfrm>
+            <a:off x="609480" y="273600"/>
+            <a:ext cx="10972440" cy="5307840"/>
+          </a:xfrm>
+          <a:prstGeom prst="rect">
+            <a:avLst/>
+          </a:prstGeom>
+          <a:noFill/>
+          <a:ln w="0">
+            <a:noFill/>
+          </a:ln>
+        </p:spPr>
+        <p:txBody>
+          <a:bodyPr lIns="0" rIns="0" tIns="0" bIns="0" anchor="ctr">
+            <a:noAutofit/>
+          </a:bodyPr>
+          <a:p>
+            <a:pPr algn="ctr">
+              <a:buNone/>
+            </a:pPr>
+            <a:endParaRPr b="0" lang="en-IE" sz="3200" spc="-1" strike="noStrike">
+              <a:latin typeface="Arial"/>
+            </a:endParaRPr>
+          </a:p>
+        </p:txBody>
+      </p:sp>
+      <p:sp>
+        <p:nvSpPr>
+          <p:cNvPr id="3" name="PlaceHolder 2"/>
+          <p:cNvSpPr>
+            <a:spLocks noGrp="1"/>
+          </p:cNvSpPr>
+          <p:nvPr>
+            <p:ph type="ftr" idx="7"/>
+          </p:nvPr>
+        </p:nvSpPr>
+        <p:spPr/>
+        <p:txBody>
+          <a:bodyPr/>
+          <a:p>
+            <a:r>
+              <a:t>Footer</a:t>
+            </a:r>
+          </a:p>
+        </p:txBody>
+      </p:sp>
+      <p:sp>
+        <p:nvSpPr>
+          <p:cNvPr id="4" name="PlaceHolder 3"/>
+          <p:cNvSpPr>
+            <a:spLocks noGrp="1"/>
+          </p:cNvSpPr>
+          <p:nvPr>
+            <p:ph type="sldNum" idx="8"/>
+          </p:nvPr>
+        </p:nvSpPr>
+        <p:spPr/>
+        <p:txBody>
+          <a:bodyPr/>
+          <a:p>
+            <a:fld id="{4026B004-9E65-40A2-B1A1-1B9215AA0F3C}" type="slidenum">
+              <a:t>&lt;#&gt;</a:t>
+            </a:fld>
+          </a:p>
+        </p:txBody>
+      </p:sp>
+      <p:sp>
+        <p:nvSpPr>
+          <p:cNvPr id="5" name="PlaceHolder 4"/>
+          <p:cNvSpPr>
+            <a:spLocks noGrp="1"/>
+          </p:cNvSpPr>
+          <p:nvPr>
+            <p:ph type="dt" idx="9"/>
+          </p:nvPr>
+        </p:nvSpPr>
+        <p:spPr/>
+        <p:txBody>
+          <a:bodyPr/>
+          <a:p>
+            <a:r>
+              <a:rPr lang="en-IE"/>
+              <a:t/>
+            </a:r>
+          </a:p>
+        </p:txBody>
+      </p:sp>
+    </p:spTree>
+  </p:cSld>
+</p:sldLayout>
+</file>
+
+<file path=ppt/slideLayouts/slideLayout31.xml><?xml version="1.0" encoding="utf-8"?>
+<p:sldLayout xmlns:a="http://schemas.openxmlformats.org/drawingml/2006/main" xmlns:p="http://schemas.openxmlformats.org/presentationml/2006/main" xmlns:r="http://schemas.openxmlformats.org/officeDocument/2006/relationships" xmlns:p14="http://schemas.microsoft.com/office/powerpoint/2010/main" xmlns:p15="http://schemas.microsoft.com/office/powerpoint/2012/main" xmlns:mc="http://schemas.openxmlformats.org/markup-compatibility/2006" type="twoObjAndObj" preserve="1">
+  <p:cSld name="Title, 2 Content and Content">
+    <p:spTree>
+      <p:nvGrpSpPr>
+        <p:cNvPr id="1" name=""/>
+        <p:cNvGrpSpPr/>
+        <p:nvPr/>
+      </p:nvGrpSpPr>
+      <p:grpSpPr>
+        <a:xfrm>
+          <a:off x="0" y="0"/>
+          <a:ext cx="0" cy="0"/>
+          <a:chOff x="0" y="0"/>
+          <a:chExt cx="0" cy="0"/>
+        </a:xfrm>
+      </p:grpSpPr>
+      <p:sp>
+        <p:nvSpPr>
+          <p:cNvPr id="96" name="PlaceHolder 1"/>
+          <p:cNvSpPr>
+            <a:spLocks noGrp="1"/>
+          </p:cNvSpPr>
+          <p:nvPr>
+            <p:ph type="title"/>
+          </p:nvPr>
+        </p:nvSpPr>
+        <p:spPr>
+          <a:xfrm>
+            <a:off x="609480" y="273600"/>
+            <a:ext cx="10972440" cy="1144800"/>
+          </a:xfrm>
+          <a:prstGeom prst="rect">
+            <a:avLst/>
+          </a:prstGeom>
+          <a:noFill/>
+          <a:ln w="0">
+            <a:noFill/>
+          </a:ln>
+        </p:spPr>
+        <p:txBody>
+          <a:bodyPr lIns="0" rIns="0" tIns="0" bIns="0" anchor="ctr">
+            <a:noAutofit/>
+          </a:bodyPr>
+          <a:p>
+            <a:pPr algn="ctr">
+              <a:buNone/>
+            </a:pPr>
+            <a:endParaRPr b="0" lang="en-IE" sz="4400" spc="-1" strike="noStrike">
+              <a:latin typeface="Arial"/>
+            </a:endParaRPr>
+          </a:p>
+        </p:txBody>
+      </p:sp>
+      <p:sp>
+        <p:nvSpPr>
+          <p:cNvPr id="97" name="PlaceHolder 2"/>
+          <p:cNvSpPr>
+            <a:spLocks noGrp="1"/>
+          </p:cNvSpPr>
+          <p:nvPr>
+            <p:ph/>
+          </p:nvPr>
+        </p:nvSpPr>
+        <p:spPr>
+          <a:xfrm>
+            <a:off x="609480" y="1604520"/>
+            <a:ext cx="5354280" cy="1896840"/>
+          </a:xfrm>
+          <a:prstGeom prst="rect">
+            <a:avLst/>
+          </a:prstGeom>
+          <a:noFill/>
+          <a:ln w="0">
+            <a:noFill/>
+          </a:ln>
+        </p:spPr>
+        <p:txBody>
+          <a:bodyPr lIns="0" rIns="0" tIns="0" bIns="0" anchor="t">
+            <a:normAutofit/>
+          </a:bodyPr>
+          <a:p>
+            <a:endParaRPr b="0" lang="en-IE" sz="3200" spc="-1" strike="noStrike">
+              <a:latin typeface="Arial"/>
+            </a:endParaRPr>
+          </a:p>
+        </p:txBody>
+      </p:sp>
+      <p:sp>
+        <p:nvSpPr>
+          <p:cNvPr id="98" name="PlaceHolder 3"/>
+          <p:cNvSpPr>
+            <a:spLocks noGrp="1"/>
+          </p:cNvSpPr>
+          <p:nvPr>
+            <p:ph/>
+          </p:nvPr>
+        </p:nvSpPr>
+        <p:spPr>
+          <a:xfrm>
+            <a:off x="6231960" y="1604520"/>
+            <a:ext cx="5354280" cy="3977280"/>
+          </a:xfrm>
+          <a:prstGeom prst="rect">
+            <a:avLst/>
+          </a:prstGeom>
+          <a:noFill/>
+          <a:ln w="0">
+            <a:noFill/>
+          </a:ln>
+        </p:spPr>
+        <p:txBody>
+          <a:bodyPr lIns="0" rIns="0" tIns="0" bIns="0" anchor="t">
+            <a:normAutofit/>
+          </a:bodyPr>
+          <a:p>
+            <a:endParaRPr b="0" lang="en-IE" sz="3200" spc="-1" strike="noStrike">
+              <a:latin typeface="Arial"/>
+            </a:endParaRPr>
+          </a:p>
+        </p:txBody>
+      </p:sp>
+      <p:sp>
+        <p:nvSpPr>
+          <p:cNvPr id="99" name="PlaceHolder 4"/>
+          <p:cNvSpPr>
+            <a:spLocks noGrp="1"/>
+          </p:cNvSpPr>
+          <p:nvPr>
+            <p:ph/>
+          </p:nvPr>
+        </p:nvSpPr>
+        <p:spPr>
+          <a:xfrm>
+            <a:off x="609480" y="3682080"/>
+            <a:ext cx="5354280" cy="1896840"/>
+          </a:xfrm>
+          <a:prstGeom prst="rect">
+            <a:avLst/>
+          </a:prstGeom>
+          <a:noFill/>
+          <a:ln w="0">
+            <a:noFill/>
+          </a:ln>
+        </p:spPr>
+        <p:txBody>
+          <a:bodyPr lIns="0" rIns="0" tIns="0" bIns="0" anchor="t">
+            <a:normAutofit/>
+          </a:bodyPr>
+          <a:p>
+            <a:endParaRPr b="0" lang="en-IE" sz="3200" spc="-1" strike="noStrike">
+              <a:latin typeface="Arial"/>
+            </a:endParaRPr>
+          </a:p>
+        </p:txBody>
+      </p:sp>
+      <p:sp>
+        <p:nvSpPr>
+          <p:cNvPr id="6" name="PlaceHolder 5"/>
+          <p:cNvSpPr>
+            <a:spLocks noGrp="1"/>
+          </p:cNvSpPr>
+          <p:nvPr>
+            <p:ph type="ftr" idx="7"/>
+          </p:nvPr>
+        </p:nvSpPr>
+        <p:spPr/>
+        <p:txBody>
+          <a:bodyPr/>
+          <a:p>
+            <a:r>
+              <a:t>Footer</a:t>
+            </a:r>
+          </a:p>
+        </p:txBody>
+      </p:sp>
+      <p:sp>
+        <p:nvSpPr>
+          <p:cNvPr id="7" name="PlaceHolder 6"/>
+          <p:cNvSpPr>
+            <a:spLocks noGrp="1"/>
+          </p:cNvSpPr>
+          <p:nvPr>
+            <p:ph type="sldNum" idx="8"/>
+          </p:nvPr>
+        </p:nvSpPr>
+        <p:spPr/>
+        <p:txBody>
+          <a:bodyPr/>
+          <a:p>
+            <a:fld id="{11BF06A7-C651-4366-A30A-D287B41AAB8D}" type="slidenum">
+              <a:t>&lt;#&gt;</a:t>
+            </a:fld>
+          </a:p>
+        </p:txBody>
+      </p:sp>
+      <p:sp>
+        <p:nvSpPr>
+          <p:cNvPr id="8" name="PlaceHolder 7"/>
+          <p:cNvSpPr>
+            <a:spLocks noGrp="1"/>
+          </p:cNvSpPr>
+          <p:nvPr>
+            <p:ph type="dt" idx="9"/>
+          </p:nvPr>
+        </p:nvSpPr>
+        <p:spPr/>
+        <p:txBody>
+          <a:bodyPr/>
+          <a:p>
+            <a:r>
+              <a:rPr lang="en-IE"/>
+              <a:t/>
+            </a:r>
+          </a:p>
+        </p:txBody>
+      </p:sp>
+    </p:spTree>
+  </p:cSld>
+</p:sldLayout>
+</file>
+
+<file path=ppt/slideLayouts/slideLayout32.xml><?xml version="1.0" encoding="utf-8"?>
+<p:sldLayout xmlns:a="http://schemas.openxmlformats.org/drawingml/2006/main" xmlns:p="http://schemas.openxmlformats.org/presentationml/2006/main" xmlns:r="http://schemas.openxmlformats.org/officeDocument/2006/relationships" xmlns:p14="http://schemas.microsoft.com/office/powerpoint/2010/main" xmlns:p15="http://schemas.microsoft.com/office/powerpoint/2012/main" xmlns:mc="http://schemas.openxmlformats.org/markup-compatibility/2006" type="objAndTwoObj" preserve="1">
+  <p:cSld name="Title Content and 2 Content">
+    <p:spTree>
+      <p:nvGrpSpPr>
+        <p:cNvPr id="1" name=""/>
+        <p:cNvGrpSpPr/>
+        <p:nvPr/>
+      </p:nvGrpSpPr>
+      <p:grpSpPr>
+        <a:xfrm>
+          <a:off x="0" y="0"/>
+          <a:ext cx="0" cy="0"/>
+          <a:chOff x="0" y="0"/>
+          <a:chExt cx="0" cy="0"/>
+        </a:xfrm>
+      </p:grpSpPr>
+      <p:sp>
+        <p:nvSpPr>
+          <p:cNvPr id="100" name="PlaceHolder 1"/>
+          <p:cNvSpPr>
+            <a:spLocks noGrp="1"/>
+          </p:cNvSpPr>
+          <p:nvPr>
+            <p:ph type="title"/>
+          </p:nvPr>
+        </p:nvSpPr>
+        <p:spPr>
+          <a:xfrm>
+            <a:off x="609480" y="273600"/>
+            <a:ext cx="10972440" cy="1144800"/>
+          </a:xfrm>
+          <a:prstGeom prst="rect">
+            <a:avLst/>
+          </a:prstGeom>
+          <a:noFill/>
+          <a:ln w="0">
+            <a:noFill/>
+          </a:ln>
+        </p:spPr>
+        <p:txBody>
+          <a:bodyPr lIns="0" rIns="0" tIns="0" bIns="0" anchor="ctr">
+            <a:noAutofit/>
+          </a:bodyPr>
+          <a:p>
+            <a:pPr algn="ctr">
+              <a:buNone/>
+            </a:pPr>
+            <a:endParaRPr b="0" lang="en-IE" sz="4400" spc="-1" strike="noStrike">
+              <a:latin typeface="Arial"/>
+            </a:endParaRPr>
+          </a:p>
+        </p:txBody>
+      </p:sp>
+      <p:sp>
+        <p:nvSpPr>
+          <p:cNvPr id="101" name="PlaceHolder 2"/>
+          <p:cNvSpPr>
+            <a:spLocks noGrp="1"/>
+          </p:cNvSpPr>
+          <p:nvPr>
+            <p:ph/>
+          </p:nvPr>
+        </p:nvSpPr>
+        <p:spPr>
+          <a:xfrm>
+            <a:off x="609480" y="1604520"/>
+            <a:ext cx="5354280" cy="3977280"/>
+          </a:xfrm>
+          <a:prstGeom prst="rect">
+            <a:avLst/>
+          </a:prstGeom>
+          <a:noFill/>
+          <a:ln w="0">
+            <a:noFill/>
+          </a:ln>
+        </p:spPr>
+        <p:txBody>
+          <a:bodyPr lIns="0" rIns="0" tIns="0" bIns="0" anchor="t">
+            <a:normAutofit/>
+          </a:bodyPr>
+          <a:p>
+            <a:endParaRPr b="0" lang="en-IE" sz="3200" spc="-1" strike="noStrike">
+              <a:latin typeface="Arial"/>
+            </a:endParaRPr>
+          </a:p>
+        </p:txBody>
+      </p:sp>
+      <p:sp>
+        <p:nvSpPr>
+          <p:cNvPr id="102" name="PlaceHolder 3"/>
+          <p:cNvSpPr>
+            <a:spLocks noGrp="1"/>
+          </p:cNvSpPr>
+          <p:nvPr>
+            <p:ph/>
+          </p:nvPr>
+        </p:nvSpPr>
+        <p:spPr>
+          <a:xfrm>
+            <a:off x="6231960" y="1604520"/>
+            <a:ext cx="5354280" cy="1896840"/>
+          </a:xfrm>
+          <a:prstGeom prst="rect">
+            <a:avLst/>
+          </a:prstGeom>
+          <a:noFill/>
+          <a:ln w="0">
+            <a:noFill/>
+          </a:ln>
+        </p:spPr>
+        <p:txBody>
+          <a:bodyPr lIns="0" rIns="0" tIns="0" bIns="0" anchor="t">
+            <a:normAutofit/>
+          </a:bodyPr>
+          <a:p>
+            <a:endParaRPr b="0" lang="en-IE" sz="3200" spc="-1" strike="noStrike">
+              <a:latin typeface="Arial"/>
+            </a:endParaRPr>
+          </a:p>
+        </p:txBody>
+      </p:sp>
+      <p:sp>
+        <p:nvSpPr>
+          <p:cNvPr id="103" name="PlaceHolder 4"/>
+          <p:cNvSpPr>
+            <a:spLocks noGrp="1"/>
+          </p:cNvSpPr>
+          <p:nvPr>
+            <p:ph/>
+          </p:nvPr>
+        </p:nvSpPr>
+        <p:spPr>
+          <a:xfrm>
+            <a:off x="6231960" y="3682080"/>
+            <a:ext cx="5354280" cy="1896840"/>
+          </a:xfrm>
+          <a:prstGeom prst="rect">
+            <a:avLst/>
+          </a:prstGeom>
+          <a:noFill/>
+          <a:ln w="0">
+            <a:noFill/>
+          </a:ln>
+        </p:spPr>
+        <p:txBody>
+          <a:bodyPr lIns="0" rIns="0" tIns="0" bIns="0" anchor="t">
+            <a:normAutofit/>
+          </a:bodyPr>
+          <a:p>
+            <a:endParaRPr b="0" lang="en-IE" sz="3200" spc="-1" strike="noStrike">
+              <a:latin typeface="Arial"/>
+            </a:endParaRPr>
+          </a:p>
+        </p:txBody>
+      </p:sp>
+      <p:sp>
+        <p:nvSpPr>
+          <p:cNvPr id="6" name="PlaceHolder 5"/>
+          <p:cNvSpPr>
+            <a:spLocks noGrp="1"/>
+          </p:cNvSpPr>
+          <p:nvPr>
+            <p:ph type="ftr" idx="7"/>
+          </p:nvPr>
+        </p:nvSpPr>
+        <p:spPr/>
+        <p:txBody>
+          <a:bodyPr/>
+          <a:p>
+            <a:r>
+              <a:t>Footer</a:t>
+            </a:r>
+          </a:p>
+        </p:txBody>
+      </p:sp>
+      <p:sp>
+        <p:nvSpPr>
+          <p:cNvPr id="7" name="PlaceHolder 6"/>
+          <p:cNvSpPr>
+            <a:spLocks noGrp="1"/>
+          </p:cNvSpPr>
+          <p:nvPr>
+            <p:ph type="sldNum" idx="8"/>
+          </p:nvPr>
+        </p:nvSpPr>
+        <p:spPr/>
+        <p:txBody>
+          <a:bodyPr/>
+          <a:p>
+            <a:fld id="{321AAB82-0D5B-40C3-AA5E-D073DD75FC20}" type="slidenum">
+              <a:t>&lt;#&gt;</a:t>
+            </a:fld>
+          </a:p>
+        </p:txBody>
+      </p:sp>
+      <p:sp>
+        <p:nvSpPr>
+          <p:cNvPr id="8" name="PlaceHolder 7"/>
+          <p:cNvSpPr>
+            <a:spLocks noGrp="1"/>
+          </p:cNvSpPr>
+          <p:nvPr>
+            <p:ph type="dt" idx="9"/>
+          </p:nvPr>
+        </p:nvSpPr>
+        <p:spPr/>
+        <p:txBody>
+          <a:bodyPr/>
+          <a:p>
+            <a:r>
+              <a:rPr lang="en-IE"/>
+              <a:t/>
+            </a:r>
+          </a:p>
+        </p:txBody>
+      </p:sp>
+    </p:spTree>
+  </p:cSld>
+</p:sldLayout>
+</file>
+
+<file path=ppt/slideLayouts/slideLayout33.xml><?xml version="1.0" encoding="utf-8"?>
+<p:sldLayout xmlns:a="http://schemas.openxmlformats.org/drawingml/2006/main" xmlns:p="http://schemas.openxmlformats.org/presentationml/2006/main" xmlns:r="http://schemas.openxmlformats.org/officeDocument/2006/relationships" xmlns:p14="http://schemas.microsoft.com/office/powerpoint/2010/main" xmlns:p15="http://schemas.microsoft.com/office/powerpoint/2012/main" xmlns:mc="http://schemas.openxmlformats.org/markup-compatibility/2006" type="twoObjOverTx" preserve="1">
+  <p:cSld name="Title, 2 Content over Content">
+    <p:spTree>
+      <p:nvGrpSpPr>
+        <p:cNvPr id="1" name=""/>
+        <p:cNvGrpSpPr/>
+        <p:nvPr/>
+      </p:nvGrpSpPr>
+      <p:grpSpPr>
+        <a:xfrm>
+          <a:off x="0" y="0"/>
+          <a:ext cx="0" cy="0"/>
+          <a:chOff x="0" y="0"/>
+          <a:chExt cx="0" cy="0"/>
+        </a:xfrm>
+      </p:grpSpPr>
+      <p:sp>
+        <p:nvSpPr>
+          <p:cNvPr id="104" name="PlaceHolder 1"/>
+          <p:cNvSpPr>
+            <a:spLocks noGrp="1"/>
+          </p:cNvSpPr>
+          <p:nvPr>
+            <p:ph type="title"/>
+          </p:nvPr>
+        </p:nvSpPr>
+        <p:spPr>
+          <a:xfrm>
+            <a:off x="609480" y="273600"/>
+            <a:ext cx="10972440" cy="1144800"/>
+          </a:xfrm>
+          <a:prstGeom prst="rect">
+            <a:avLst/>
+          </a:prstGeom>
+          <a:noFill/>
+          <a:ln w="0">
+            <a:noFill/>
+          </a:ln>
+        </p:spPr>
+        <p:txBody>
+          <a:bodyPr lIns="0" rIns="0" tIns="0" bIns="0" anchor="ctr">
+            <a:noAutofit/>
+          </a:bodyPr>
+          <a:p>
+            <a:pPr algn="ctr">
+              <a:buNone/>
+            </a:pPr>
+            <a:endParaRPr b="0" lang="en-IE" sz="4400" spc="-1" strike="noStrike">
+              <a:latin typeface="Arial"/>
+            </a:endParaRPr>
+          </a:p>
+        </p:txBody>
+      </p:sp>
+      <p:sp>
+        <p:nvSpPr>
+          <p:cNvPr id="105" name="PlaceHolder 2"/>
+          <p:cNvSpPr>
+            <a:spLocks noGrp="1"/>
+          </p:cNvSpPr>
+          <p:nvPr>
+            <p:ph/>
+          </p:nvPr>
+        </p:nvSpPr>
+        <p:spPr>
+          <a:xfrm>
+            <a:off x="609480" y="1604520"/>
+            <a:ext cx="5354280" cy="1896840"/>
+          </a:xfrm>
+          <a:prstGeom prst="rect">
+            <a:avLst/>
+          </a:prstGeom>
+          <a:noFill/>
+          <a:ln w="0">
+            <a:noFill/>
+          </a:ln>
+        </p:spPr>
+        <p:txBody>
+          <a:bodyPr lIns="0" rIns="0" tIns="0" bIns="0" anchor="t">
+            <a:normAutofit/>
+          </a:bodyPr>
+          <a:p>
+            <a:endParaRPr b="0" lang="en-IE" sz="3200" spc="-1" strike="noStrike">
+              <a:latin typeface="Arial"/>
+            </a:endParaRPr>
+          </a:p>
+        </p:txBody>
+      </p:sp>
+      <p:sp>
+        <p:nvSpPr>
+          <p:cNvPr id="106" name="PlaceHolder 3"/>
+          <p:cNvSpPr>
+            <a:spLocks noGrp="1"/>
+          </p:cNvSpPr>
+          <p:nvPr>
+            <p:ph/>
+          </p:nvPr>
+        </p:nvSpPr>
+        <p:spPr>
+          <a:xfrm>
+            <a:off x="6231960" y="1604520"/>
+            <a:ext cx="5354280" cy="1896840"/>
+          </a:xfrm>
+          <a:prstGeom prst="rect">
+            <a:avLst/>
+          </a:prstGeom>
+          <a:noFill/>
+          <a:ln w="0">
+            <a:noFill/>
+          </a:ln>
+        </p:spPr>
+        <p:txBody>
+          <a:bodyPr lIns="0" rIns="0" tIns="0" bIns="0" anchor="t">
+            <a:normAutofit/>
+          </a:bodyPr>
+          <a:p>
+            <a:endParaRPr b="0" lang="en-IE" sz="3200" spc="-1" strike="noStrike">
+              <a:latin typeface="Arial"/>
+            </a:endParaRPr>
+          </a:p>
+        </p:txBody>
+      </p:sp>
+      <p:sp>
+        <p:nvSpPr>
+          <p:cNvPr id="107" name="PlaceHolder 4"/>
+          <p:cNvSpPr>
+            <a:spLocks noGrp="1"/>
+          </p:cNvSpPr>
+          <p:nvPr>
+            <p:ph/>
+          </p:nvPr>
+        </p:nvSpPr>
+        <p:spPr>
+          <a:xfrm>
+            <a:off x="609480" y="3682080"/>
+            <a:ext cx="10972440" cy="1896840"/>
+          </a:xfrm>
+          <a:prstGeom prst="rect">
+            <a:avLst/>
+          </a:prstGeom>
+          <a:noFill/>
+          <a:ln w="0">
+            <a:noFill/>
+          </a:ln>
+        </p:spPr>
+        <p:txBody>
+          <a:bodyPr lIns="0" rIns="0" tIns="0" bIns="0" anchor="t">
+            <a:normAutofit/>
+          </a:bodyPr>
+          <a:p>
+            <a:endParaRPr b="0" lang="en-IE" sz="3200" spc="-1" strike="noStrike">
+              <a:latin typeface="Arial"/>
+            </a:endParaRPr>
+          </a:p>
+        </p:txBody>
+      </p:sp>
+      <p:sp>
+        <p:nvSpPr>
+          <p:cNvPr id="6" name="PlaceHolder 5"/>
+          <p:cNvSpPr>
+            <a:spLocks noGrp="1"/>
+          </p:cNvSpPr>
+          <p:nvPr>
+            <p:ph type="ftr" idx="7"/>
+          </p:nvPr>
+        </p:nvSpPr>
+        <p:spPr/>
+        <p:txBody>
+          <a:bodyPr/>
+          <a:p>
+            <a:r>
+              <a:t>Footer</a:t>
+            </a:r>
+          </a:p>
+        </p:txBody>
+      </p:sp>
+      <p:sp>
+        <p:nvSpPr>
+          <p:cNvPr id="7" name="PlaceHolder 6"/>
+          <p:cNvSpPr>
+            <a:spLocks noGrp="1"/>
+          </p:cNvSpPr>
+          <p:nvPr>
+            <p:ph type="sldNum" idx="8"/>
+          </p:nvPr>
+        </p:nvSpPr>
+        <p:spPr/>
+        <p:txBody>
+          <a:bodyPr/>
+          <a:p>
+            <a:fld id="{14C5D71A-3277-423C-BF5D-3FF6F8A6CF83}" type="slidenum">
+              <a:t>&lt;#&gt;</a:t>
+            </a:fld>
+          </a:p>
+        </p:txBody>
+      </p:sp>
+      <p:sp>
+        <p:nvSpPr>
+          <p:cNvPr id="8" name="PlaceHolder 7"/>
+          <p:cNvSpPr>
+            <a:spLocks noGrp="1"/>
+          </p:cNvSpPr>
+          <p:nvPr>
+            <p:ph type="dt" idx="9"/>
+          </p:nvPr>
+        </p:nvSpPr>
+        <p:spPr/>
+        <p:txBody>
+          <a:bodyPr/>
+          <a:p>
+            <a:r>
+              <a:rPr lang="en-IE"/>
+              <a:t/>
+            </a:r>
+          </a:p>
+        </p:txBody>
+      </p:sp>
+    </p:spTree>
+  </p:cSld>
+</p:sldLayout>
+</file>
+
+<file path=ppt/slideLayouts/slideLayout34.xml><?xml version="1.0" encoding="utf-8"?>
+<p:sldLayout xmlns:a="http://schemas.openxmlformats.org/drawingml/2006/main" xmlns:p="http://schemas.openxmlformats.org/presentationml/2006/main" xmlns:r="http://schemas.openxmlformats.org/officeDocument/2006/relationships" xmlns:p14="http://schemas.microsoft.com/office/powerpoint/2010/main" xmlns:p15="http://schemas.microsoft.com/office/powerpoint/2012/main" xmlns:mc="http://schemas.openxmlformats.org/markup-compatibility/2006" type="objOverTx" preserve="1">
+  <p:cSld name="Title, Content over Content">
+    <p:spTree>
+      <p:nvGrpSpPr>
+        <p:cNvPr id="1" name=""/>
+        <p:cNvGrpSpPr/>
+        <p:nvPr/>
+      </p:nvGrpSpPr>
+      <p:grpSpPr>
+        <a:xfrm>
+          <a:off x="0" y="0"/>
+          <a:ext cx="0" cy="0"/>
+          <a:chOff x="0" y="0"/>
+          <a:chExt cx="0" cy="0"/>
+        </a:xfrm>
+      </p:grpSpPr>
+      <p:sp>
+        <p:nvSpPr>
+          <p:cNvPr id="108" name="PlaceHolder 1"/>
+          <p:cNvSpPr>
+            <a:spLocks noGrp="1"/>
+          </p:cNvSpPr>
+          <p:nvPr>
+            <p:ph type="title"/>
+          </p:nvPr>
+        </p:nvSpPr>
+        <p:spPr>
+          <a:xfrm>
+            <a:off x="609480" y="273600"/>
+            <a:ext cx="10972440" cy="1144800"/>
+          </a:xfrm>
+          <a:prstGeom prst="rect">
+            <a:avLst/>
+          </a:prstGeom>
+          <a:noFill/>
+          <a:ln w="0">
+            <a:noFill/>
+          </a:ln>
+        </p:spPr>
+        <p:txBody>
+          <a:bodyPr lIns="0" rIns="0" tIns="0" bIns="0" anchor="ctr">
+            <a:noAutofit/>
+          </a:bodyPr>
+          <a:p>
+            <a:pPr algn="ctr">
+              <a:buNone/>
+            </a:pPr>
+            <a:endParaRPr b="0" lang="en-IE" sz="4400" spc="-1" strike="noStrike">
+              <a:latin typeface="Arial"/>
+            </a:endParaRPr>
+          </a:p>
+        </p:txBody>
+      </p:sp>
+      <p:sp>
+        <p:nvSpPr>
+          <p:cNvPr id="109" name="PlaceHolder 2"/>
+          <p:cNvSpPr>
+            <a:spLocks noGrp="1"/>
+          </p:cNvSpPr>
+          <p:nvPr>
+            <p:ph/>
+          </p:nvPr>
+        </p:nvSpPr>
+        <p:spPr>
+          <a:xfrm>
+            <a:off x="609480" y="1604520"/>
+            <a:ext cx="10972440" cy="1896840"/>
+          </a:xfrm>
+          <a:prstGeom prst="rect">
+            <a:avLst/>
+          </a:prstGeom>
+          <a:noFill/>
+          <a:ln w="0">
+            <a:noFill/>
+          </a:ln>
+        </p:spPr>
+        <p:txBody>
+          <a:bodyPr lIns="0" rIns="0" tIns="0" bIns="0" anchor="t">
+            <a:normAutofit/>
+          </a:bodyPr>
+          <a:p>
+            <a:endParaRPr b="0" lang="en-IE" sz="3200" spc="-1" strike="noStrike">
+              <a:latin typeface="Arial"/>
+            </a:endParaRPr>
+          </a:p>
+        </p:txBody>
+      </p:sp>
+      <p:sp>
+        <p:nvSpPr>
+          <p:cNvPr id="110" name="PlaceHolder 3"/>
+          <p:cNvSpPr>
+            <a:spLocks noGrp="1"/>
+          </p:cNvSpPr>
+          <p:nvPr>
+            <p:ph/>
+          </p:nvPr>
+        </p:nvSpPr>
+        <p:spPr>
+          <a:xfrm>
+            <a:off x="609480" y="3682080"/>
+            <a:ext cx="10972440" cy="1896840"/>
+          </a:xfrm>
+          <a:prstGeom prst="rect">
+            <a:avLst/>
+          </a:prstGeom>
+          <a:noFill/>
+          <a:ln w="0">
+            <a:noFill/>
+          </a:ln>
+        </p:spPr>
+        <p:txBody>
+          <a:bodyPr lIns="0" rIns="0" tIns="0" bIns="0" anchor="t">
+            <a:normAutofit/>
+          </a:bodyPr>
+          <a:p>
+            <a:endParaRPr b="0" lang="en-IE" sz="3200" spc="-1" strike="noStrike">
+              <a:latin typeface="Arial"/>
+            </a:endParaRPr>
+          </a:p>
+        </p:txBody>
+      </p:sp>
+      <p:sp>
+        <p:nvSpPr>
+          <p:cNvPr id="5" name="PlaceHolder 4"/>
+          <p:cNvSpPr>
+            <a:spLocks noGrp="1"/>
+          </p:cNvSpPr>
+          <p:nvPr>
+            <p:ph type="ftr" idx="7"/>
+          </p:nvPr>
+        </p:nvSpPr>
+        <p:spPr/>
+        <p:txBody>
+          <a:bodyPr/>
+          <a:p>
+            <a:r>
+              <a:t>Footer</a:t>
+            </a:r>
+          </a:p>
+        </p:txBody>
+      </p:sp>
+      <p:sp>
+        <p:nvSpPr>
+          <p:cNvPr id="6" name="PlaceHolder 5"/>
+          <p:cNvSpPr>
+            <a:spLocks noGrp="1"/>
+          </p:cNvSpPr>
+          <p:nvPr>
+            <p:ph type="sldNum" idx="8"/>
+          </p:nvPr>
+        </p:nvSpPr>
+        <p:spPr/>
+        <p:txBody>
+          <a:bodyPr/>
+          <a:p>
+            <a:fld id="{C22F6DFF-583A-4D0B-917B-449A1F4230A3}" type="slidenum">
+              <a:t>&lt;#&gt;</a:t>
+            </a:fld>
+          </a:p>
+        </p:txBody>
+      </p:sp>
+      <p:sp>
+        <p:nvSpPr>
+          <p:cNvPr id="7" name="PlaceHolder 6"/>
+          <p:cNvSpPr>
+            <a:spLocks noGrp="1"/>
+          </p:cNvSpPr>
+          <p:nvPr>
+            <p:ph type="dt" idx="9"/>
+          </p:nvPr>
+        </p:nvSpPr>
+        <p:spPr/>
+        <p:txBody>
+          <a:bodyPr/>
+          <a:p>
+            <a:r>
+              <a:rPr lang="en-IE"/>
+              <a:t/>
+            </a:r>
+          </a:p>
+        </p:txBody>
+      </p:sp>
+    </p:spTree>
+  </p:cSld>
+</p:sldLayout>
+</file>
+
+<file path=ppt/slideLayouts/slideLayout35.xml><?xml version="1.0" encoding="utf-8"?>
+<p:sldLayout xmlns:a="http://schemas.openxmlformats.org/drawingml/2006/main" xmlns:p="http://schemas.openxmlformats.org/presentationml/2006/main" xmlns:r="http://schemas.openxmlformats.org/officeDocument/2006/relationships" xmlns:p14="http://schemas.microsoft.com/office/powerpoint/2010/main" xmlns:p15="http://schemas.microsoft.com/office/powerpoint/2012/main" xmlns:mc="http://schemas.openxmlformats.org/markup-compatibility/2006" type="fourObj" preserve="1">
+  <p:cSld name="Title, 4 Content">
+    <p:spTree>
+      <p:nvGrpSpPr>
+        <p:cNvPr id="1" name=""/>
+        <p:cNvGrpSpPr/>
+        <p:nvPr/>
+      </p:nvGrpSpPr>
+      <p:grpSpPr>
+        <a:xfrm>
+          <a:off x="0" y="0"/>
+          <a:ext cx="0" cy="0"/>
+          <a:chOff x="0" y="0"/>
+          <a:chExt cx="0" cy="0"/>
+        </a:xfrm>
+      </p:grpSpPr>
+      <p:sp>
+        <p:nvSpPr>
+          <p:cNvPr id="111" name="PlaceHolder 1"/>
+          <p:cNvSpPr>
+            <a:spLocks noGrp="1"/>
+          </p:cNvSpPr>
+          <p:nvPr>
+            <p:ph type="title"/>
+          </p:nvPr>
+        </p:nvSpPr>
+        <p:spPr>
+          <a:xfrm>
+            <a:off x="609480" y="273600"/>
+            <a:ext cx="10972440" cy="1144800"/>
+          </a:xfrm>
+          <a:prstGeom prst="rect">
+            <a:avLst/>
+          </a:prstGeom>
+          <a:noFill/>
+          <a:ln w="0">
+            <a:noFill/>
+          </a:ln>
+        </p:spPr>
+        <p:txBody>
+          <a:bodyPr lIns="0" rIns="0" tIns="0" bIns="0" anchor="ctr">
+            <a:noAutofit/>
+          </a:bodyPr>
+          <a:p>
+            <a:pPr algn="ctr">
+              <a:buNone/>
+            </a:pPr>
+            <a:endParaRPr b="0" lang="en-IE" sz="4400" spc="-1" strike="noStrike">
+              <a:latin typeface="Arial"/>
+            </a:endParaRPr>
+          </a:p>
+        </p:txBody>
+      </p:sp>
+      <p:sp>
+        <p:nvSpPr>
+          <p:cNvPr id="112" name="PlaceHolder 2"/>
+          <p:cNvSpPr>
+            <a:spLocks noGrp="1"/>
+          </p:cNvSpPr>
+          <p:nvPr>
+            <p:ph/>
+          </p:nvPr>
+        </p:nvSpPr>
+        <p:spPr>
+          <a:xfrm>
+            <a:off x="609480" y="1604520"/>
+            <a:ext cx="5354280" cy="1896840"/>
+          </a:xfrm>
+          <a:prstGeom prst="rect">
+            <a:avLst/>
+          </a:prstGeom>
+          <a:noFill/>
+          <a:ln w="0">
+            <a:noFill/>
+          </a:ln>
+        </p:spPr>
+        <p:txBody>
+          <a:bodyPr lIns="0" rIns="0" tIns="0" bIns="0" anchor="t">
+            <a:normAutofit/>
+          </a:bodyPr>
+          <a:p>
+            <a:endParaRPr b="0" lang="en-IE" sz="3200" spc="-1" strike="noStrike">
+              <a:latin typeface="Arial"/>
+            </a:endParaRPr>
+          </a:p>
+        </p:txBody>
+      </p:sp>
+      <p:sp>
+        <p:nvSpPr>
+          <p:cNvPr id="113" name="PlaceHolder 3"/>
+          <p:cNvSpPr>
+            <a:spLocks noGrp="1"/>
+          </p:cNvSpPr>
+          <p:nvPr>
+            <p:ph/>
+          </p:nvPr>
+        </p:nvSpPr>
+        <p:spPr>
+          <a:xfrm>
+            <a:off x="6231960" y="1604520"/>
+            <a:ext cx="5354280" cy="1896840"/>
+          </a:xfrm>
+          <a:prstGeom prst="rect">
+            <a:avLst/>
+          </a:prstGeom>
+          <a:noFill/>
+          <a:ln w="0">
+            <a:noFill/>
+          </a:ln>
+        </p:spPr>
+        <p:txBody>
+          <a:bodyPr lIns="0" rIns="0" tIns="0" bIns="0" anchor="t">
+            <a:normAutofit/>
+          </a:bodyPr>
+          <a:p>
+            <a:endParaRPr b="0" lang="en-IE" sz="3200" spc="-1" strike="noStrike">
+              <a:latin typeface="Arial"/>
+            </a:endParaRPr>
+          </a:p>
+        </p:txBody>
+      </p:sp>
+      <p:sp>
+        <p:nvSpPr>
+          <p:cNvPr id="114" name="PlaceHolder 4"/>
+          <p:cNvSpPr>
+            <a:spLocks noGrp="1"/>
+          </p:cNvSpPr>
+          <p:nvPr>
+            <p:ph/>
+          </p:nvPr>
+        </p:nvSpPr>
+        <p:spPr>
+          <a:xfrm>
+            <a:off x="609480" y="3682080"/>
+            <a:ext cx="5354280" cy="1896840"/>
+          </a:xfrm>
+          <a:prstGeom prst="rect">
+            <a:avLst/>
+          </a:prstGeom>
+          <a:noFill/>
+          <a:ln w="0">
+            <a:noFill/>
+          </a:ln>
+        </p:spPr>
+        <p:txBody>
+          <a:bodyPr lIns="0" rIns="0" tIns="0" bIns="0" anchor="t">
+            <a:normAutofit/>
+          </a:bodyPr>
+          <a:p>
+            <a:endParaRPr b="0" lang="en-IE" sz="3200" spc="-1" strike="noStrike">
+              <a:latin typeface="Arial"/>
+            </a:endParaRPr>
+          </a:p>
+        </p:txBody>
+      </p:sp>
+      <p:sp>
+        <p:nvSpPr>
+          <p:cNvPr id="115" name="PlaceHolder 5"/>
+          <p:cNvSpPr>
+            <a:spLocks noGrp="1"/>
+          </p:cNvSpPr>
+          <p:nvPr>
+            <p:ph/>
+          </p:nvPr>
+        </p:nvSpPr>
+        <p:spPr>
+          <a:xfrm>
+            <a:off x="6231960" y="3682080"/>
+            <a:ext cx="5354280" cy="1896840"/>
+          </a:xfrm>
+          <a:prstGeom prst="rect">
+            <a:avLst/>
+          </a:prstGeom>
+          <a:noFill/>
+          <a:ln w="0">
+            <a:noFill/>
+          </a:ln>
+        </p:spPr>
+        <p:txBody>
+          <a:bodyPr lIns="0" rIns="0" tIns="0" bIns="0" anchor="t">
+            <a:normAutofit/>
+          </a:bodyPr>
+          <a:p>
+            <a:endParaRPr b="0" lang="en-IE" sz="3200" spc="-1" strike="noStrike">
+              <a:latin typeface="Arial"/>
+            </a:endParaRPr>
+          </a:p>
+        </p:txBody>
+      </p:sp>
+      <p:sp>
+        <p:nvSpPr>
+          <p:cNvPr id="7" name="PlaceHolder 6"/>
+          <p:cNvSpPr>
+            <a:spLocks noGrp="1"/>
+          </p:cNvSpPr>
+          <p:nvPr>
+            <p:ph type="ftr" idx="7"/>
+          </p:nvPr>
+        </p:nvSpPr>
+        <p:spPr/>
+        <p:txBody>
+          <a:bodyPr/>
+          <a:p>
+            <a:r>
+              <a:t>Footer</a:t>
+            </a:r>
+          </a:p>
+        </p:txBody>
+      </p:sp>
+      <p:sp>
+        <p:nvSpPr>
+          <p:cNvPr id="8" name="PlaceHolder 7"/>
+          <p:cNvSpPr>
+            <a:spLocks noGrp="1"/>
+          </p:cNvSpPr>
+          <p:nvPr>
+            <p:ph type="sldNum" idx="8"/>
+          </p:nvPr>
+        </p:nvSpPr>
+        <p:spPr/>
+        <p:txBody>
+          <a:bodyPr/>
+          <a:p>
+            <a:fld id="{8BB490C8-FB68-4096-8613-494AF29B1F2C}" type="slidenum">
+              <a:t>&lt;#&gt;</a:t>
+            </a:fld>
+          </a:p>
+        </p:txBody>
+      </p:sp>
+      <p:sp>
+        <p:nvSpPr>
+          <p:cNvPr id="9" name="PlaceHolder 8"/>
+          <p:cNvSpPr>
+            <a:spLocks noGrp="1"/>
+          </p:cNvSpPr>
+          <p:nvPr>
+            <p:ph type="dt" idx="9"/>
+          </p:nvPr>
+        </p:nvSpPr>
+        <p:spPr/>
+        <p:txBody>
+          <a:bodyPr/>
+          <a:p>
+            <a:r>
+              <a:rPr lang="en-IE"/>
+              <a:t/>
+            </a:r>
+          </a:p>
+        </p:txBody>
+      </p:sp>
+    </p:spTree>
+  </p:cSld>
+</p:sldLayout>
+</file>
+
+<file path=ppt/slideLayouts/slideLayout36.xml><?xml version="1.0" encoding="utf-8"?>
+<p:sldLayout xmlns:a="http://schemas.openxmlformats.org/drawingml/2006/main" xmlns:p="http://schemas.openxmlformats.org/presentationml/2006/main" xmlns:r="http://schemas.openxmlformats.org/officeDocument/2006/relationships" xmlns:p14="http://schemas.microsoft.com/office/powerpoint/2010/main" xmlns:p15="http://schemas.microsoft.com/office/powerpoint/2012/main" xmlns:mc="http://schemas.openxmlformats.org/markup-compatibility/2006" type="blank" preserve="1">
+  <p:cSld name="Title, 6 Content">
+    <p:spTree>
+      <p:nvGrpSpPr>
+        <p:cNvPr id="1" name=""/>
+        <p:cNvGrpSpPr/>
+        <p:nvPr/>
+      </p:nvGrpSpPr>
+      <p:grpSpPr>
+        <a:xfrm>
+          <a:off x="0" y="0"/>
+          <a:ext cx="0" cy="0"/>
+          <a:chOff x="0" y="0"/>
+          <a:chExt cx="0" cy="0"/>
+        </a:xfrm>
+      </p:grpSpPr>
+      <p:sp>
+        <p:nvSpPr>
+          <p:cNvPr id="116" name="PlaceHolder 1"/>
+          <p:cNvSpPr>
+            <a:spLocks noGrp="1"/>
+          </p:cNvSpPr>
+          <p:nvPr>
+            <p:ph type="title"/>
+          </p:nvPr>
+        </p:nvSpPr>
+        <p:spPr>
+          <a:xfrm>
+            <a:off x="609480" y="273600"/>
+            <a:ext cx="10972440" cy="1144800"/>
+          </a:xfrm>
+          <a:prstGeom prst="rect">
+            <a:avLst/>
+          </a:prstGeom>
+          <a:noFill/>
+          <a:ln w="0">
+            <a:noFill/>
+          </a:ln>
+        </p:spPr>
+        <p:txBody>
+          <a:bodyPr lIns="0" rIns="0" tIns="0" bIns="0" anchor="ctr">
+            <a:noAutofit/>
+          </a:bodyPr>
+          <a:p>
+            <a:pPr algn="ctr">
+              <a:buNone/>
+            </a:pPr>
+            <a:endParaRPr b="0" lang="en-IE" sz="4400" spc="-1" strike="noStrike">
+              <a:latin typeface="Arial"/>
+            </a:endParaRPr>
+          </a:p>
+        </p:txBody>
+      </p:sp>
+      <p:sp>
+        <p:nvSpPr>
+          <p:cNvPr id="117" name="PlaceHolder 2"/>
+          <p:cNvSpPr>
+            <a:spLocks noGrp="1"/>
+          </p:cNvSpPr>
+          <p:nvPr>
+            <p:ph/>
+          </p:nvPr>
+        </p:nvSpPr>
+        <p:spPr>
+          <a:xfrm>
+            <a:off x="609480" y="1604520"/>
+            <a:ext cx="3533040" cy="1896840"/>
+          </a:xfrm>
+          <a:prstGeom prst="rect">
+            <a:avLst/>
+          </a:prstGeom>
+          <a:noFill/>
+          <a:ln w="0">
+            <a:noFill/>
+          </a:ln>
+        </p:spPr>
+        <p:txBody>
+          <a:bodyPr lIns="0" rIns="0" tIns="0" bIns="0" anchor="t">
+            <a:normAutofit/>
+          </a:bodyPr>
+          <a:p>
+            <a:endParaRPr b="0" lang="en-IE" sz="3200" spc="-1" strike="noStrike">
+              <a:latin typeface="Arial"/>
+            </a:endParaRPr>
+          </a:p>
+        </p:txBody>
+      </p:sp>
+      <p:sp>
+        <p:nvSpPr>
+          <p:cNvPr id="118" name="PlaceHolder 3"/>
+          <p:cNvSpPr>
+            <a:spLocks noGrp="1"/>
+          </p:cNvSpPr>
+          <p:nvPr>
+            <p:ph/>
+          </p:nvPr>
+        </p:nvSpPr>
+        <p:spPr>
+          <a:xfrm>
+            <a:off x="4319640" y="1604520"/>
+            <a:ext cx="3533040" cy="1896840"/>
+          </a:xfrm>
+          <a:prstGeom prst="rect">
+            <a:avLst/>
+          </a:prstGeom>
+          <a:noFill/>
+          <a:ln w="0">
+            <a:noFill/>
+          </a:ln>
+        </p:spPr>
+        <p:txBody>
+          <a:bodyPr lIns="0" rIns="0" tIns="0" bIns="0" anchor="t">
+            <a:normAutofit/>
+          </a:bodyPr>
+          <a:p>
+            <a:endParaRPr b="0" lang="en-IE" sz="3200" spc="-1" strike="noStrike">
+              <a:latin typeface="Arial"/>
+            </a:endParaRPr>
+          </a:p>
+        </p:txBody>
+      </p:sp>
+      <p:sp>
+        <p:nvSpPr>
+          <p:cNvPr id="119" name="PlaceHolder 4"/>
+          <p:cNvSpPr>
+            <a:spLocks noGrp="1"/>
+          </p:cNvSpPr>
+          <p:nvPr>
+            <p:ph/>
+          </p:nvPr>
+        </p:nvSpPr>
+        <p:spPr>
+          <a:xfrm>
+            <a:off x="8029800" y="1604520"/>
+            <a:ext cx="3533040" cy="1896840"/>
+          </a:xfrm>
+          <a:prstGeom prst="rect">
+            <a:avLst/>
+          </a:prstGeom>
+          <a:noFill/>
+          <a:ln w="0">
+            <a:noFill/>
+          </a:ln>
+        </p:spPr>
+        <p:txBody>
+          <a:bodyPr lIns="0" rIns="0" tIns="0" bIns="0" anchor="t">
+            <a:normAutofit/>
+          </a:bodyPr>
+          <a:p>
+            <a:endParaRPr b="0" lang="en-IE" sz="3200" spc="-1" strike="noStrike">
+              <a:latin typeface="Arial"/>
+            </a:endParaRPr>
+          </a:p>
+        </p:txBody>
+      </p:sp>
+      <p:sp>
+        <p:nvSpPr>
+          <p:cNvPr id="120" name="PlaceHolder 5"/>
+          <p:cNvSpPr>
+            <a:spLocks noGrp="1"/>
+          </p:cNvSpPr>
+          <p:nvPr>
+            <p:ph/>
+          </p:nvPr>
+        </p:nvSpPr>
+        <p:spPr>
+          <a:xfrm>
+            <a:off x="609480" y="3682080"/>
+            <a:ext cx="3533040" cy="1896840"/>
+          </a:xfrm>
+          <a:prstGeom prst="rect">
+            <a:avLst/>
+          </a:prstGeom>
+          <a:noFill/>
+          <a:ln w="0">
+            <a:noFill/>
+          </a:ln>
+        </p:spPr>
+        <p:txBody>
+          <a:bodyPr lIns="0" rIns="0" tIns="0" bIns="0" anchor="t">
+            <a:normAutofit/>
+          </a:bodyPr>
+          <a:p>
+            <a:endParaRPr b="0" lang="en-IE" sz="3200" spc="-1" strike="noStrike">
+              <a:latin typeface="Arial"/>
+            </a:endParaRPr>
+          </a:p>
+        </p:txBody>
+      </p:sp>
+      <p:sp>
+        <p:nvSpPr>
+          <p:cNvPr id="121" name="PlaceHolder 6"/>
+          <p:cNvSpPr>
+            <a:spLocks noGrp="1"/>
+          </p:cNvSpPr>
+          <p:nvPr>
+            <p:ph/>
+          </p:nvPr>
+        </p:nvSpPr>
+        <p:spPr>
+          <a:xfrm>
+            <a:off x="4319640" y="3682080"/>
+            <a:ext cx="3533040" cy="1896840"/>
+          </a:xfrm>
+          <a:prstGeom prst="rect">
+            <a:avLst/>
+          </a:prstGeom>
+          <a:noFill/>
+          <a:ln w="0">
+            <a:noFill/>
+          </a:ln>
+        </p:spPr>
+        <p:txBody>
+          <a:bodyPr lIns="0" rIns="0" tIns="0" bIns="0" anchor="t">
+            <a:normAutofit/>
+          </a:bodyPr>
+          <a:p>
+            <a:endParaRPr b="0" lang="en-IE" sz="3200" spc="-1" strike="noStrike">
+              <a:latin typeface="Arial"/>
+            </a:endParaRPr>
+          </a:p>
+        </p:txBody>
+      </p:sp>
+      <p:sp>
+        <p:nvSpPr>
+          <p:cNvPr id="122" name="PlaceHolder 7"/>
+          <p:cNvSpPr>
+            <a:spLocks noGrp="1"/>
+          </p:cNvSpPr>
+          <p:nvPr>
+            <p:ph/>
+          </p:nvPr>
+        </p:nvSpPr>
+        <p:spPr>
+          <a:xfrm>
+            <a:off x="8029800" y="3682080"/>
+            <a:ext cx="3533040" cy="1896840"/>
+          </a:xfrm>
+          <a:prstGeom prst="rect">
+            <a:avLst/>
+          </a:prstGeom>
+          <a:noFill/>
+          <a:ln w="0">
+            <a:noFill/>
+          </a:ln>
+        </p:spPr>
+        <p:txBody>
+          <a:bodyPr lIns="0" rIns="0" tIns="0" bIns="0" anchor="t">
+            <a:normAutofit/>
+          </a:bodyPr>
+          <a:p>
+            <a:endParaRPr b="0" lang="en-IE" sz="3200" spc="-1" strike="noStrike">
+              <a:latin typeface="Arial"/>
+            </a:endParaRPr>
+          </a:p>
+        </p:txBody>
+      </p:sp>
+      <p:sp>
+        <p:nvSpPr>
+          <p:cNvPr id="9" name="PlaceHolder 8"/>
+          <p:cNvSpPr>
+            <a:spLocks noGrp="1"/>
+          </p:cNvSpPr>
+          <p:nvPr>
+            <p:ph type="ftr" idx="7"/>
+          </p:nvPr>
+        </p:nvSpPr>
+        <p:spPr/>
+        <p:txBody>
+          <a:bodyPr/>
+          <a:p>
+            <a:r>
+              <a:t>Footer</a:t>
+            </a:r>
+          </a:p>
+        </p:txBody>
+      </p:sp>
+      <p:sp>
+        <p:nvSpPr>
+          <p:cNvPr id="10" name="PlaceHolder 9"/>
+          <p:cNvSpPr>
+            <a:spLocks noGrp="1"/>
+          </p:cNvSpPr>
+          <p:nvPr>
+            <p:ph type="sldNum" idx="8"/>
+          </p:nvPr>
+        </p:nvSpPr>
+        <p:spPr/>
+        <p:txBody>
+          <a:bodyPr/>
+          <a:p>
+            <a:fld id="{B1FCF0C0-C51B-445E-9601-AF02FB88E5B8}" type="slidenum">
+              <a:t>&lt;#&gt;</a:t>
+            </a:fld>
+          </a:p>
+        </p:txBody>
+      </p:sp>
+      <p:sp>
+        <p:nvSpPr>
+          <p:cNvPr id="11" name="PlaceHolder 10"/>
+          <p:cNvSpPr>
+            <a:spLocks noGrp="1"/>
+          </p:cNvSpPr>
+          <p:nvPr>
+            <p:ph type="dt" idx="9"/>
           </p:nvPr>
         </p:nvSpPr>
         <p:spPr/>
@@ -3606,7 +5864,7 @@
         <p:txBody>
           <a:bodyPr/>
           <a:p>
-            <a:fld id="{F0494670-8366-4137-9A32-4B9C474D87AD}" type="slidenum">
+            <a:fld id="{6C2EE0C3-B171-46EC-8AF4-0F23D6B2F04B}" type="slidenum">
               <a:t>&lt;#&gt;</a:t>
             </a:fld>
           </a:p>
@@ -3726,7 +5984,7 @@
         <p:txBody>
           <a:bodyPr/>
           <a:p>
-            <a:fld id="{150B9FB2-042C-4FC6-83AD-3E80D6413934}" type="slidenum">
+            <a:fld id="{F8F3E4CD-6514-4700-91E4-88D7FE5F8AA3}" type="slidenum">
               <a:t>&lt;#&gt;</a:t>
             </a:fld>
           </a:p>
@@ -3846,7 +6104,7 @@
         <p:txBody>
           <a:bodyPr/>
           <a:p>
-            <a:fld id="{B9282BE2-B494-4172-B7B5-5C78DF1CB31A}" type="slidenum">
+            <a:fld id="{7258CD6E-6ECC-4EF7-A13C-86889D9F79B1}" type="slidenum">
               <a:t>&lt;#&gt;</a:t>
             </a:fld>
           </a:p>
@@ -4068,7 +6326,7 @@
         <p:txBody>
           <a:bodyPr/>
           <a:p>
-            <a:fld id="{D4A64607-50C1-4444-BBC1-2AA65F159A25}" type="slidenum">
+            <a:fld id="{3DC2C423-01F7-4DB9-BBE8-5906D9A77398}" type="slidenum">
               <a:t>&lt;#&gt;</a:t>
             </a:fld>
           </a:p>
@@ -4290,7 +6548,7 @@
         <p:txBody>
           <a:bodyPr/>
           <a:p>
-            <a:fld id="{87BA3801-BED7-4013-89C2-AF1C58FAC638}" type="slidenum">
+            <a:fld id="{7B80A729-44D7-42BA-B587-F8C301E317C0}" type="slidenum">
               <a:t>&lt;#&gt;</a:t>
             </a:fld>
           </a:p>
@@ -4512,7 +6770,7 @@
         <p:txBody>
           <a:bodyPr/>
           <a:p>
-            <a:fld id="{17358A18-4D6C-4C9C-BACB-58E231B787B8}" type="slidenum">
+            <a:fld id="{E1E7CD5B-FDA1-45CA-99E9-313E61904F03}" type="slidenum">
               <a:t>&lt;#&gt;</a:t>
             </a:fld>
           </a:p>
@@ -4580,8 +6838,8 @@
         </p:nvSpPr>
         <p:spPr>
           <a:xfrm>
-            <a:off x="838080" y="365040"/>
-            <a:ext cx="10514880" cy="1324800"/>
+            <a:off x="609480" y="273600"/>
+            <a:ext cx="10972080" cy="1144440"/>
           </a:xfrm>
           <a:prstGeom prst="rect">
             <a:avLst/>
@@ -4615,13 +6873,196 @@
             <a:spLocks noGrp="1"/>
           </p:cNvSpPr>
           <p:nvPr>
+            <p:ph type="body"/>
+          </p:nvPr>
+        </p:nvSpPr>
+        <p:spPr>
+          <a:xfrm>
+            <a:off x="609480" y="1604520"/>
+            <a:ext cx="10972080" cy="3976920"/>
+          </a:xfrm>
+          <a:prstGeom prst="rect">
+            <a:avLst/>
+          </a:prstGeom>
+          <a:noFill/>
+          <a:ln w="0">
+            <a:noFill/>
+          </a:ln>
+        </p:spPr>
+        <p:txBody>
+          <a:bodyPr lIns="0" rIns="0" tIns="0" bIns="0" anchor="t">
+            <a:normAutofit/>
+          </a:bodyPr>
+          <a:p>
+            <a:pPr marL="432000" indent="-324000">
+              <a:spcBef>
+                <a:spcPts val="1417"/>
+              </a:spcBef>
+              <a:buClr>
+                <a:srgbClr val="000000"/>
+              </a:buClr>
+              <a:buSzPct val="45000"/>
+              <a:buFont typeface="Wingdings" charset="2"/>
+              <a:buChar char=""/>
+            </a:pPr>
+            <a:r>
+              <a:rPr b="0" lang="en-IE" sz="1800" spc="-1" strike="noStrike">
+                <a:latin typeface="Arial"/>
+              </a:rPr>
+              <a:t>Click to edit the outline text format</a:t>
+            </a:r>
+            <a:endParaRPr b="0" lang="en-IE" sz="1800" spc="-1" strike="noStrike">
+              <a:latin typeface="Arial"/>
+            </a:endParaRPr>
+          </a:p>
+          <a:p>
+            <a:pPr lvl="1" marL="864000" indent="-324000">
+              <a:spcBef>
+                <a:spcPts val="1134"/>
+              </a:spcBef>
+              <a:buClr>
+                <a:srgbClr val="000000"/>
+              </a:buClr>
+              <a:buSzPct val="75000"/>
+              <a:buFont typeface="Symbol" charset="2"/>
+              <a:buChar char=""/>
+            </a:pPr>
+            <a:r>
+              <a:rPr b="0" lang="en-IE" sz="1800" spc="-1" strike="noStrike">
+                <a:latin typeface="Arial"/>
+              </a:rPr>
+              <a:t>Second Outline Level</a:t>
+            </a:r>
+            <a:endParaRPr b="0" lang="en-IE" sz="1800" spc="-1" strike="noStrike">
+              <a:latin typeface="Arial"/>
+            </a:endParaRPr>
+          </a:p>
+          <a:p>
+            <a:pPr lvl="2" marL="1296000" indent="-288000">
+              <a:spcBef>
+                <a:spcPts val="850"/>
+              </a:spcBef>
+              <a:buClr>
+                <a:srgbClr val="000000"/>
+              </a:buClr>
+              <a:buSzPct val="45000"/>
+              <a:buFont typeface="Wingdings" charset="2"/>
+              <a:buChar char=""/>
+            </a:pPr>
+            <a:r>
+              <a:rPr b="0" lang="en-IE" sz="1800" spc="-1" strike="noStrike">
+                <a:latin typeface="Arial"/>
+              </a:rPr>
+              <a:t>Third Outline Level</a:t>
+            </a:r>
+            <a:endParaRPr b="0" lang="en-IE" sz="1800" spc="-1" strike="noStrike">
+              <a:latin typeface="Arial"/>
+            </a:endParaRPr>
+          </a:p>
+          <a:p>
+            <a:pPr lvl="3" marL="1728000" indent="-216000">
+              <a:spcBef>
+                <a:spcPts val="567"/>
+              </a:spcBef>
+              <a:buClr>
+                <a:srgbClr val="000000"/>
+              </a:buClr>
+              <a:buSzPct val="75000"/>
+              <a:buFont typeface="Symbol" charset="2"/>
+              <a:buChar char=""/>
+            </a:pPr>
+            <a:r>
+              <a:rPr b="0" lang="en-IE" sz="1800" spc="-1" strike="noStrike">
+                <a:latin typeface="Arial"/>
+              </a:rPr>
+              <a:t>Fourth Outline Level</a:t>
+            </a:r>
+            <a:endParaRPr b="0" lang="en-IE" sz="1800" spc="-1" strike="noStrike">
+              <a:latin typeface="Arial"/>
+            </a:endParaRPr>
+          </a:p>
+          <a:p>
+            <a:pPr lvl="4" marL="2160000" indent="-216000">
+              <a:spcBef>
+                <a:spcPts val="283"/>
+              </a:spcBef>
+              <a:buClr>
+                <a:srgbClr val="000000"/>
+              </a:buClr>
+              <a:buSzPct val="45000"/>
+              <a:buFont typeface="Wingdings" charset="2"/>
+              <a:buChar char=""/>
+            </a:pPr>
+            <a:r>
+              <a:rPr b="0" lang="en-IE" sz="1800" spc="-1" strike="noStrike">
+                <a:latin typeface="Arial"/>
+              </a:rPr>
+              <a:t>Fifth Outline Level</a:t>
+            </a:r>
+            <a:endParaRPr b="0" lang="en-IE" sz="1800" spc="-1" strike="noStrike">
+              <a:latin typeface="Arial"/>
+            </a:endParaRPr>
+          </a:p>
+          <a:p>
+            <a:pPr lvl="5" marL="2592000" indent="-216000">
+              <a:spcBef>
+                <a:spcPts val="283"/>
+              </a:spcBef>
+              <a:buClr>
+                <a:srgbClr val="000000"/>
+              </a:buClr>
+              <a:buSzPct val="45000"/>
+              <a:buFont typeface="Wingdings" charset="2"/>
+              <a:buChar char=""/>
+            </a:pPr>
+            <a:r>
+              <a:rPr b="0" lang="en-IE" sz="1800" spc="-1" strike="noStrike">
+                <a:latin typeface="Arial"/>
+              </a:rPr>
+              <a:t>Sixth Outline Level</a:t>
+            </a:r>
+            <a:endParaRPr b="0" lang="en-IE" sz="1800" spc="-1" strike="noStrike">
+              <a:latin typeface="Arial"/>
+            </a:endParaRPr>
+          </a:p>
+          <a:p>
+            <a:pPr lvl="6" marL="3024000" indent="-216000">
+              <a:spcBef>
+                <a:spcPts val="283"/>
+              </a:spcBef>
+              <a:buClr>
+                <a:srgbClr val="000000"/>
+              </a:buClr>
+              <a:buSzPct val="45000"/>
+              <a:buFont typeface="Wingdings" charset="2"/>
+              <a:buChar char=""/>
+            </a:pPr>
+            <a:r>
+              <a:rPr b="0" lang="en-IE" sz="1800" spc="-1" strike="noStrike">
+                <a:latin typeface="Arial"/>
+              </a:rPr>
+              <a:t>Seventh Outline Level</a:t>
+            </a:r>
+            <a:endParaRPr b="0" lang="en-IE" sz="1800" spc="-1" strike="noStrike">
+              <a:latin typeface="Arial"/>
+            </a:endParaRPr>
+          </a:p>
+        </p:txBody>
+      </p:sp>
+      <p:sp>
+        <p:nvSpPr>
+          <p:cNvPr id="2" name="PlaceHolder 3"/>
+          <p:cNvSpPr>
+            <a:spLocks noGrp="1"/>
+          </p:cNvSpPr>
+          <p:nvPr>
             <p:ph type="ftr" idx="1"/>
           </p:nvPr>
         </p:nvSpPr>
         <p:spPr>
           <a:xfrm>
             <a:off x="4038480" y="6356520"/>
-            <a:ext cx="4114080" cy="364320"/>
+            <a:ext cx="4113720" cy="363960"/>
           </a:xfrm>
           <a:prstGeom prst="rect">
             <a:avLst/>
@@ -4657,7 +7098,7 @@
               <a:rPr b="0" lang="en-IE" sz="1400" spc="-1" strike="noStrike">
                 <a:latin typeface="Times New Roman"/>
               </a:rPr>
-              <a:t> </a:t>
+              <a:t>&lt;footer&gt;</a:t>
             </a:r>
             <a:endParaRPr b="0" lang="en-IE" sz="1400" spc="-1" strike="noStrike">
               <a:latin typeface="Times New Roman"/>
@@ -4667,7 +7108,7 @@
       </p:sp>
       <p:sp>
         <p:nvSpPr>
-          <p:cNvPr id="2" name="PlaceHolder 3"/>
+          <p:cNvPr id="3" name="PlaceHolder 4"/>
           <p:cNvSpPr>
             <a:spLocks noGrp="1"/>
           </p:cNvSpPr>
@@ -4678,7 +7119,7 @@
         <p:spPr>
           <a:xfrm>
             <a:off x="8610480" y="6356520"/>
-            <a:ext cx="2742480" cy="364320"/>
+            <a:ext cx="2742120" cy="363960"/>
           </a:xfrm>
           <a:prstGeom prst="rect">
             <a:avLst/>
@@ -4713,14 +7154,14 @@
               </a:lnSpc>
               <a:buNone/>
             </a:pPr>
-            <a:fld id="{5EDFD17B-C6DB-4D73-A364-FDF57FBA2487}" type="slidenum">
+            <a:fld id="{B3B076E2-84DD-4CF6-9760-107BFBC88E51}" type="slidenum">
               <a:rPr b="0" lang="en-GB" sz="1200" spc="-1" strike="noStrike">
                 <a:solidFill>
                   <a:srgbClr val="8b8b8b"/>
                 </a:solidFill>
                 <a:latin typeface="Calibri"/>
               </a:rPr>
-              <a:t>14</a:t>
+              <a:t>&lt;number&gt;</a:t>
             </a:fld>
             <a:endParaRPr b="0" lang="en-IE" sz="1200" spc="-1" strike="noStrike">
               <a:latin typeface="Times New Roman"/>
@@ -4730,7 +7171,7 @@
       </p:sp>
       <p:sp>
         <p:nvSpPr>
-          <p:cNvPr id="3" name="PlaceHolder 4"/>
+          <p:cNvPr id="4" name="PlaceHolder 5"/>
           <p:cNvSpPr>
             <a:spLocks noGrp="1"/>
           </p:cNvSpPr>
@@ -4741,7 +7182,7 @@
         <p:spPr>
           <a:xfrm>
             <a:off x="838080" y="6356520"/>
-            <a:ext cx="2742480" cy="364320"/>
+            <a:ext cx="2742120" cy="363960"/>
           </a:xfrm>
           <a:prstGeom prst="rect">
             <a:avLst/>
@@ -4767,193 +7208,10 @@
               <a:rPr b="0" lang="en-IE" sz="1400" spc="-1" strike="noStrike">
                 <a:latin typeface="Times New Roman"/>
               </a:rPr>
-              <a:t> </a:t>
+              <a:t>&lt;date/time&gt;</a:t>
             </a:r>
             <a:endParaRPr b="0" lang="en-IE" sz="1400" spc="-1" strike="noStrike">
               <a:latin typeface="Times New Roman"/>
-            </a:endParaRPr>
-          </a:p>
-        </p:txBody>
-      </p:sp>
-      <p:sp>
-        <p:nvSpPr>
-          <p:cNvPr id="4" name="PlaceHolder 5"/>
-          <p:cNvSpPr>
-            <a:spLocks noGrp="1"/>
-          </p:cNvSpPr>
-          <p:nvPr>
-            <p:ph type="body"/>
-          </p:nvPr>
-        </p:nvSpPr>
-        <p:spPr>
-          <a:xfrm>
-            <a:off x="609480" y="1604520"/>
-            <a:ext cx="10972440" cy="3977280"/>
-          </a:xfrm>
-          <a:prstGeom prst="rect">
-            <a:avLst/>
-          </a:prstGeom>
-          <a:noFill/>
-          <a:ln w="0">
-            <a:noFill/>
-          </a:ln>
-        </p:spPr>
-        <p:txBody>
-          <a:bodyPr lIns="0" rIns="0" tIns="0" bIns="0" anchor="t">
-            <a:normAutofit/>
-          </a:bodyPr>
-          <a:p>
-            <a:pPr marL="432000" indent="-324000">
-              <a:spcBef>
-                <a:spcPts val="1417"/>
-              </a:spcBef>
-              <a:buClr>
-                <a:srgbClr val="000000"/>
-              </a:buClr>
-              <a:buSzPct val="45000"/>
-              <a:buFont typeface="Wingdings" charset="2"/>
-              <a:buChar char=""/>
-            </a:pPr>
-            <a:r>
-              <a:rPr b="0" lang="en-IE" sz="3200" spc="-1" strike="noStrike">
-                <a:latin typeface="Arial"/>
-              </a:rPr>
-              <a:t>Click to edit the outline text format</a:t>
-            </a:r>
-            <a:endParaRPr b="0" lang="en-IE" sz="3200" spc="-1" strike="noStrike">
-              <a:latin typeface="Arial"/>
-            </a:endParaRPr>
-          </a:p>
-          <a:p>
-            <a:pPr lvl="1" marL="864000" indent="-324000">
-              <a:spcBef>
-                <a:spcPts val="1134"/>
-              </a:spcBef>
-              <a:buClr>
-                <a:srgbClr val="000000"/>
-              </a:buClr>
-              <a:buSzPct val="75000"/>
-              <a:buFont typeface="Symbol" charset="2"/>
-              <a:buChar char=""/>
-            </a:pPr>
-            <a:r>
-              <a:rPr b="0" lang="en-IE" sz="2800" spc="-1" strike="noStrike">
-                <a:latin typeface="Arial"/>
-              </a:rPr>
-              <a:t>Second Outline Level</a:t>
-            </a:r>
-            <a:endParaRPr b="0" lang="en-IE" sz="2800" spc="-1" strike="noStrike">
-              <a:latin typeface="Arial"/>
-            </a:endParaRPr>
-          </a:p>
-          <a:p>
-            <a:pPr lvl="2" marL="1296000" indent="-288000">
-              <a:spcBef>
-                <a:spcPts val="850"/>
-              </a:spcBef>
-              <a:buClr>
-                <a:srgbClr val="000000"/>
-              </a:buClr>
-              <a:buSzPct val="45000"/>
-              <a:buFont typeface="Wingdings" charset="2"/>
-              <a:buChar char=""/>
-            </a:pPr>
-            <a:r>
-              <a:rPr b="0" lang="en-IE" sz="2400" spc="-1" strike="noStrike">
-                <a:latin typeface="Arial"/>
-              </a:rPr>
-              <a:t>Third Outline Level</a:t>
-            </a:r>
-            <a:endParaRPr b="0" lang="en-IE" sz="2400" spc="-1" strike="noStrike">
-              <a:latin typeface="Arial"/>
-            </a:endParaRPr>
-          </a:p>
-          <a:p>
-            <a:pPr lvl="3" marL="1728000" indent="-216000">
-              <a:spcBef>
-                <a:spcPts val="567"/>
-              </a:spcBef>
-              <a:buClr>
-                <a:srgbClr val="000000"/>
-              </a:buClr>
-              <a:buSzPct val="75000"/>
-              <a:buFont typeface="Symbol" charset="2"/>
-              <a:buChar char=""/>
-            </a:pPr>
-            <a:r>
-              <a:rPr b="0" lang="en-IE" sz="2000" spc="-1" strike="noStrike">
-                <a:latin typeface="Arial"/>
-              </a:rPr>
-              <a:t>Fourth Outline Level</a:t>
-            </a:r>
-            <a:endParaRPr b="0" lang="en-IE" sz="2000" spc="-1" strike="noStrike">
-              <a:latin typeface="Arial"/>
-            </a:endParaRPr>
-          </a:p>
-          <a:p>
-            <a:pPr lvl="4" marL="2160000" indent="-216000">
-              <a:spcBef>
-                <a:spcPts val="283"/>
-              </a:spcBef>
-              <a:buClr>
-                <a:srgbClr val="000000"/>
-              </a:buClr>
-              <a:buSzPct val="45000"/>
-              <a:buFont typeface="Wingdings" charset="2"/>
-              <a:buChar char=""/>
-            </a:pPr>
-            <a:r>
-              <a:rPr b="0" lang="en-IE" sz="2000" spc="-1" strike="noStrike">
-                <a:latin typeface="Arial"/>
-              </a:rPr>
-              <a:t>Fifth Outline Level</a:t>
-            </a:r>
-            <a:endParaRPr b="0" lang="en-IE" sz="2000" spc="-1" strike="noStrike">
-              <a:latin typeface="Arial"/>
-            </a:endParaRPr>
-          </a:p>
-          <a:p>
-            <a:pPr lvl="5" marL="2592000" indent="-216000">
-              <a:spcBef>
-                <a:spcPts val="283"/>
-              </a:spcBef>
-              <a:buClr>
-                <a:srgbClr val="000000"/>
-              </a:buClr>
-              <a:buSzPct val="45000"/>
-              <a:buFont typeface="Wingdings" charset="2"/>
-              <a:buChar char=""/>
-            </a:pPr>
-            <a:r>
-              <a:rPr b="0" lang="en-IE" sz="2000" spc="-1" strike="noStrike">
-                <a:latin typeface="Arial"/>
-              </a:rPr>
-              <a:t>Sixth Outline Level</a:t>
-            </a:r>
-            <a:endParaRPr b="0" lang="en-IE" sz="2000" spc="-1" strike="noStrike">
-              <a:latin typeface="Arial"/>
-            </a:endParaRPr>
-          </a:p>
-          <a:p>
-            <a:pPr lvl="6" marL="3024000" indent="-216000">
-              <a:spcBef>
-                <a:spcPts val="283"/>
-              </a:spcBef>
-              <a:buClr>
-                <a:srgbClr val="000000"/>
-              </a:buClr>
-              <a:buSzPct val="45000"/>
-              <a:buFont typeface="Wingdings" charset="2"/>
-              <a:buChar char=""/>
-            </a:pPr>
-            <a:r>
-              <a:rPr b="0" lang="en-IE" sz="2000" spc="-1" strike="noStrike">
-                <a:latin typeface="Arial"/>
-              </a:rPr>
-              <a:t>Seventh Outline Level</a:t>
-            </a:r>
-            <a:endParaRPr b="0" lang="en-IE" sz="2000" spc="-1" strike="noStrike">
-              <a:latin typeface="Arial"/>
             </a:endParaRPr>
           </a:p>
         </p:txBody>
@@ -5015,7 +7273,7 @@
         <p:spPr>
           <a:xfrm>
             <a:off x="4038480" y="6356520"/>
-            <a:ext cx="4114080" cy="364320"/>
+            <a:ext cx="4113720" cy="363960"/>
           </a:xfrm>
           <a:prstGeom prst="rect">
             <a:avLst/>
@@ -5072,7 +7330,7 @@
         <p:spPr>
           <a:xfrm>
             <a:off x="8610480" y="6356520"/>
-            <a:ext cx="2742480" cy="364320"/>
+            <a:ext cx="2742120" cy="363960"/>
           </a:xfrm>
           <a:prstGeom prst="rect">
             <a:avLst/>
@@ -5107,7 +7365,7 @@
               </a:lnSpc>
               <a:buNone/>
             </a:pPr>
-            <a:fld id="{F5C903AC-6C3C-454A-B4CA-D6AECA8FCE04}" type="slidenum">
+            <a:fld id="{7A389846-5D0F-4DC2-B612-CBF567B99C16}" type="slidenum">
               <a:rPr b="0" lang="en-GB" sz="1200" spc="-1" strike="noStrike">
                 <a:solidFill>
                   <a:srgbClr val="8b8b8b"/>
@@ -5135,7 +7393,7 @@
         <p:spPr>
           <a:xfrm>
             <a:off x="838080" y="6356520"/>
-            <a:ext cx="2742480" cy="364320"/>
+            <a:ext cx="2742120" cy="363960"/>
           </a:xfrm>
           <a:prstGeom prst="rect">
             <a:avLst/>
@@ -5255,13 +7513,7 @@
               <a:rPr b="0" lang="en-IE" sz="3200" spc="-1" strike="noStrike">
                 <a:latin typeface="Arial"/>
               </a:rPr>
-              <a:t>Click to edit the outline </a:t>
-            </a:r>
-            <a:r>
-              <a:rPr b="0" lang="en-IE" sz="3200" spc="-1" strike="noStrike">
-                <a:latin typeface="Arial"/>
-              </a:rPr>
-              <a:t>text format</a:t>
+              <a:t>Click to edit the outline text format</a:t>
             </a:r>
             <a:endParaRPr b="0" lang="en-IE" sz="3200" spc="-1" strike="noStrike">
               <a:latin typeface="Arial"/>
@@ -5393,13 +7645,7 @@
               <a:rPr b="0" lang="en-IE" sz="2000" spc="-1" strike="noStrike">
                 <a:latin typeface="Arial"/>
               </a:rPr>
-              <a:t>Seventh Outline </a:t>
-            </a:r>
-            <a:r>
-              <a:rPr b="0" lang="en-IE" sz="2000" spc="-1" strike="noStrike">
-                <a:latin typeface="Arial"/>
-              </a:rPr>
-              <a:t>Level</a:t>
+              <a:t>Seventh Outline Level</a:t>
             </a:r>
             <a:endParaRPr b="0" lang="en-IE" sz="2000" spc="-1" strike="noStrike">
               <a:latin typeface="Arial"/>
@@ -5423,6 +7669,440 @@
     <p:sldLayoutId id="2147483671" r:id="rId11"/>
     <p:sldLayoutId id="2147483672" r:id="rId12"/>
     <p:sldLayoutId id="2147483673" r:id="rId13"/>
+  </p:sldLayoutIdLst>
+</p:sldMaster>
+</file>
+
+<file path=ppt/slideMasters/slideMaster3.xml><?xml version="1.0" encoding="utf-8"?>
+<p:sldMaster xmlns:a="http://schemas.openxmlformats.org/drawingml/2006/main" xmlns:p="http://schemas.openxmlformats.org/presentationml/2006/main" xmlns:r="http://schemas.openxmlformats.org/officeDocument/2006/relationships" xmlns:p14="http://schemas.microsoft.com/office/powerpoint/2010/main" xmlns:p15="http://schemas.microsoft.com/office/powerpoint/2012/main" xmlns:mc="http://schemas.openxmlformats.org/markup-compatibility/2006">
+  <p:cSld>
+    <p:bg>
+      <p:bgPr>
+        <a:solidFill>
+          <a:srgbClr val="ffffff"/>
+        </a:solidFill>
+      </p:bgPr>
+    </p:bg>
+    <p:spTree>
+      <p:nvGrpSpPr>
+        <p:cNvPr id="1" name=""/>
+        <p:cNvGrpSpPr/>
+        <p:nvPr/>
+      </p:nvGrpSpPr>
+      <p:grpSpPr>
+        <a:xfrm>
+          <a:off x="0" y="0"/>
+          <a:ext cx="0" cy="0"/>
+          <a:chOff x="0" y="0"/>
+          <a:chExt cx="0" cy="0"/>
+        </a:xfrm>
+      </p:grpSpPr>
+      <p:sp>
+        <p:nvSpPr>
+          <p:cNvPr id="82" name="PlaceHolder 1"/>
+          <p:cNvSpPr>
+            <a:spLocks noGrp="1"/>
+          </p:cNvSpPr>
+          <p:nvPr>
+            <p:ph type="title"/>
+          </p:nvPr>
+        </p:nvSpPr>
+        <p:spPr>
+          <a:xfrm>
+            <a:off x="609480" y="273600"/>
+            <a:ext cx="10972080" cy="1144440"/>
+          </a:xfrm>
+          <a:prstGeom prst="rect">
+            <a:avLst/>
+          </a:prstGeom>
+          <a:noFill/>
+          <a:ln w="0">
+            <a:noFill/>
+          </a:ln>
+        </p:spPr>
+        <p:txBody>
+          <a:bodyPr lIns="0" rIns="0" tIns="0" bIns="0" anchor="ctr">
+            <a:noAutofit/>
+          </a:bodyPr>
+          <a:p>
+            <a:r>
+              <a:rPr b="0" lang="en-IE" sz="1800" spc="-1" strike="noStrike">
+                <a:latin typeface="Arial"/>
+              </a:rPr>
+              <a:t>Click to edit the title text format</a:t>
+            </a:r>
+            <a:endParaRPr b="0" lang="en-IE" sz="1800" spc="-1" strike="noStrike">
+              <a:latin typeface="Arial"/>
+            </a:endParaRPr>
+          </a:p>
+        </p:txBody>
+      </p:sp>
+      <p:sp>
+        <p:nvSpPr>
+          <p:cNvPr id="83" name="PlaceHolder 2"/>
+          <p:cNvSpPr>
+            <a:spLocks noGrp="1"/>
+          </p:cNvSpPr>
+          <p:nvPr>
+            <p:ph type="ftr" idx="7"/>
+          </p:nvPr>
+        </p:nvSpPr>
+        <p:spPr>
+          <a:xfrm>
+            <a:off x="4038480" y="6356520"/>
+            <a:ext cx="4113720" cy="363960"/>
+          </a:xfrm>
+          <a:prstGeom prst="rect">
+            <a:avLst/>
+          </a:prstGeom>
+          <a:noFill/>
+          <a:ln w="0">
+            <a:noFill/>
+          </a:ln>
+        </p:spPr>
+        <p:txBody>
+          <a:bodyPr lIns="90000" rIns="90000" tIns="45000" bIns="45000" anchor="ctr">
+            <a:noAutofit/>
+          </a:bodyPr>
+          <a:lstStyle>
+            <a:lvl1pPr algn="ctr">
+              <a:lnSpc>
+                <a:spcPct val="100000"/>
+              </a:lnSpc>
+              <a:buNone/>
+              <a:defRPr b="0" lang="en-IE" sz="1400" spc="-1" strike="noStrike">
+                <a:latin typeface="Times New Roman"/>
+              </a:defRPr>
+            </a:lvl1pPr>
+          </a:lstStyle>
+          <a:p>
+            <a:pPr algn="ctr">
+              <a:lnSpc>
+                <a:spcPct val="100000"/>
+              </a:lnSpc>
+              <a:buNone/>
+            </a:pPr>
+            <a:r>
+              <a:rPr b="0" lang="en-IE" sz="1400" spc="-1" strike="noStrike">
+                <a:latin typeface="Times New Roman"/>
+              </a:rPr>
+              <a:t>&lt;footer&gt;</a:t>
+            </a:r>
+            <a:endParaRPr b="0" lang="en-IE" sz="1400" spc="-1" strike="noStrike">
+              <a:latin typeface="Times New Roman"/>
+            </a:endParaRPr>
+          </a:p>
+        </p:txBody>
+      </p:sp>
+      <p:sp>
+        <p:nvSpPr>
+          <p:cNvPr id="84" name="PlaceHolder 3"/>
+          <p:cNvSpPr>
+            <a:spLocks noGrp="1"/>
+          </p:cNvSpPr>
+          <p:nvPr>
+            <p:ph type="sldNum" idx="8"/>
+          </p:nvPr>
+        </p:nvSpPr>
+        <p:spPr>
+          <a:xfrm>
+            <a:off x="8610480" y="6356520"/>
+            <a:ext cx="2742120" cy="363960"/>
+          </a:xfrm>
+          <a:prstGeom prst="rect">
+            <a:avLst/>
+          </a:prstGeom>
+          <a:noFill/>
+          <a:ln w="0">
+            <a:noFill/>
+          </a:ln>
+        </p:spPr>
+        <p:txBody>
+          <a:bodyPr lIns="90000" rIns="90000" tIns="45000" bIns="45000" anchor="ctr">
+            <a:noAutofit/>
+          </a:bodyPr>
+          <a:lstStyle>
+            <a:lvl1pPr algn="r">
+              <a:lnSpc>
+                <a:spcPct val="100000"/>
+              </a:lnSpc>
+              <a:buNone/>
+              <a:defRPr b="0" lang="en-GB" sz="1200" spc="-1" strike="noStrike">
+                <a:solidFill>
+                  <a:srgbClr val="8b8b8b"/>
+                </a:solidFill>
+                <a:latin typeface="Calibri"/>
+              </a:defRPr>
+            </a:lvl1pPr>
+          </a:lstStyle>
+          <a:p>
+            <a:pPr algn="r">
+              <a:lnSpc>
+                <a:spcPct val="100000"/>
+              </a:lnSpc>
+              <a:buNone/>
+            </a:pPr>
+            <a:fld id="{F157CD0B-7138-4BC9-A66F-59BA7B359BB7}" type="slidenum">
+              <a:rPr b="0" lang="en-GB" sz="1200" spc="-1" strike="noStrike">
+                <a:solidFill>
+                  <a:srgbClr val="8b8b8b"/>
+                </a:solidFill>
+                <a:latin typeface="Calibri"/>
+              </a:rPr>
+              <a:t>&lt;number&gt;</a:t>
+            </a:fld>
+            <a:endParaRPr b="0" lang="en-IE" sz="1200" spc="-1" strike="noStrike">
+              <a:latin typeface="Times New Roman"/>
+            </a:endParaRPr>
+          </a:p>
+        </p:txBody>
+      </p:sp>
+      <p:sp>
+        <p:nvSpPr>
+          <p:cNvPr id="85" name="PlaceHolder 4"/>
+          <p:cNvSpPr>
+            <a:spLocks noGrp="1"/>
+          </p:cNvSpPr>
+          <p:nvPr>
+            <p:ph type="dt" idx="9"/>
+          </p:nvPr>
+        </p:nvSpPr>
+        <p:spPr>
+          <a:xfrm>
+            <a:off x="838080" y="6356520"/>
+            <a:ext cx="2742120" cy="363960"/>
+          </a:xfrm>
+          <a:prstGeom prst="rect">
+            <a:avLst/>
+          </a:prstGeom>
+          <a:noFill/>
+          <a:ln w="0">
+            <a:noFill/>
+          </a:ln>
+        </p:spPr>
+        <p:txBody>
+          <a:bodyPr lIns="90000" rIns="90000" tIns="45000" bIns="45000" anchor="ctr">
+            <a:noAutofit/>
+          </a:bodyPr>
+          <a:lstStyle>
+            <a:lvl1pPr>
+              <a:defRPr b="0" lang="en-IE" sz="1400" spc="-1" strike="noStrike">
+                <a:latin typeface="Times New Roman"/>
+              </a:defRPr>
+            </a:lvl1pPr>
+          </a:lstStyle>
+          <a:p>
+            <a:r>
+              <a:rPr b="0" lang="en-IE" sz="1400" spc="-1" strike="noStrike">
+                <a:latin typeface="Times New Roman"/>
+              </a:rPr>
+              <a:t>&lt;date/time&gt;</a:t>
+            </a:r>
+            <a:endParaRPr b="0" lang="en-IE" sz="1400" spc="-1" strike="noStrike">
+              <a:latin typeface="Times New Roman"/>
+            </a:endParaRPr>
+          </a:p>
+        </p:txBody>
+      </p:sp>
+      <p:sp>
+        <p:nvSpPr>
+          <p:cNvPr id="86" name="PlaceHolder 5"/>
+          <p:cNvSpPr>
+            <a:spLocks noGrp="1"/>
+          </p:cNvSpPr>
+          <p:nvPr>
+            <p:ph type="body"/>
+          </p:nvPr>
+        </p:nvSpPr>
+        <p:spPr>
+          <a:xfrm>
+            <a:off x="609480" y="1604520"/>
+            <a:ext cx="10972440" cy="3977280"/>
+          </a:xfrm>
+          <a:prstGeom prst="rect">
+            <a:avLst/>
+          </a:prstGeom>
+          <a:noFill/>
+          <a:ln w="0">
+            <a:noFill/>
+          </a:ln>
+        </p:spPr>
+        <p:txBody>
+          <a:bodyPr lIns="0" rIns="0" tIns="0" bIns="0" anchor="t">
+            <a:normAutofit/>
+          </a:bodyPr>
+          <a:p>
+            <a:pPr marL="432000" indent="-324000">
+              <a:spcBef>
+                <a:spcPts val="1417"/>
+              </a:spcBef>
+              <a:buClr>
+                <a:srgbClr val="000000"/>
+              </a:buClr>
+              <a:buSzPct val="45000"/>
+              <a:buFont typeface="Wingdings" charset="2"/>
+              <a:buChar char=""/>
+            </a:pPr>
+            <a:r>
+              <a:rPr b="0" lang="en-IE" sz="3200" spc="-1" strike="noStrike">
+                <a:latin typeface="Arial"/>
+              </a:rPr>
+              <a:t>Click to edit the outline text format</a:t>
+            </a:r>
+            <a:endParaRPr b="0" lang="en-IE" sz="3200" spc="-1" strike="noStrike">
+              <a:latin typeface="Arial"/>
+            </a:endParaRPr>
+          </a:p>
+          <a:p>
+            <a:pPr lvl="1" marL="864000" indent="-324000">
+              <a:spcBef>
+                <a:spcPts val="1134"/>
+              </a:spcBef>
+              <a:buClr>
+                <a:srgbClr val="000000"/>
+              </a:buClr>
+              <a:buSzPct val="75000"/>
+              <a:buFont typeface="Symbol" charset="2"/>
+              <a:buChar char=""/>
+            </a:pPr>
+            <a:r>
+              <a:rPr b="0" lang="en-IE" sz="2800" spc="-1" strike="noStrike">
+                <a:latin typeface="Arial"/>
+              </a:rPr>
+              <a:t>Second Outline Level</a:t>
+            </a:r>
+            <a:endParaRPr b="0" lang="en-IE" sz="2800" spc="-1" strike="noStrike">
+              <a:latin typeface="Arial"/>
+            </a:endParaRPr>
+          </a:p>
+          <a:p>
+            <a:pPr lvl="2" marL="1296000" indent="-288000">
+              <a:spcBef>
+                <a:spcPts val="850"/>
+              </a:spcBef>
+              <a:buClr>
+                <a:srgbClr val="000000"/>
+              </a:buClr>
+              <a:buSzPct val="45000"/>
+              <a:buFont typeface="Wingdings" charset="2"/>
+              <a:buChar char=""/>
+            </a:pPr>
+            <a:r>
+              <a:rPr b="0" lang="en-IE" sz="2400" spc="-1" strike="noStrike">
+                <a:latin typeface="Arial"/>
+              </a:rPr>
+              <a:t>Third Outline Level</a:t>
+            </a:r>
+            <a:endParaRPr b="0" lang="en-IE" sz="2400" spc="-1" strike="noStrike">
+              <a:latin typeface="Arial"/>
+            </a:endParaRPr>
+          </a:p>
+          <a:p>
+            <a:pPr lvl="3" marL="1728000" indent="-216000">
+              <a:spcBef>
+                <a:spcPts val="567"/>
+              </a:spcBef>
+              <a:buClr>
+                <a:srgbClr val="000000"/>
+              </a:buClr>
+              <a:buSzPct val="75000"/>
+              <a:buFont typeface="Symbol" charset="2"/>
+              <a:buChar char=""/>
+            </a:pPr>
+            <a:r>
+              <a:rPr b="0" lang="en-IE" sz="2000" spc="-1" strike="noStrike">
+                <a:latin typeface="Arial"/>
+              </a:rPr>
+              <a:t>Fourth Outline Level</a:t>
+            </a:r>
+            <a:endParaRPr b="0" lang="en-IE" sz="2000" spc="-1" strike="noStrike">
+              <a:latin typeface="Arial"/>
+            </a:endParaRPr>
+          </a:p>
+          <a:p>
+            <a:pPr lvl="4" marL="2160000" indent="-216000">
+              <a:spcBef>
+                <a:spcPts val="283"/>
+              </a:spcBef>
+              <a:buClr>
+                <a:srgbClr val="000000"/>
+              </a:buClr>
+              <a:buSzPct val="45000"/>
+              <a:buFont typeface="Wingdings" charset="2"/>
+              <a:buChar char=""/>
+            </a:pPr>
+            <a:r>
+              <a:rPr b="0" lang="en-IE" sz="2000" spc="-1" strike="noStrike">
+                <a:latin typeface="Arial"/>
+              </a:rPr>
+              <a:t>Fifth Outline Level</a:t>
+            </a:r>
+            <a:endParaRPr b="0" lang="en-IE" sz="2000" spc="-1" strike="noStrike">
+              <a:latin typeface="Arial"/>
+            </a:endParaRPr>
+          </a:p>
+          <a:p>
+            <a:pPr lvl="5" marL="2592000" indent="-216000">
+              <a:spcBef>
+                <a:spcPts val="283"/>
+              </a:spcBef>
+              <a:buClr>
+                <a:srgbClr val="000000"/>
+              </a:buClr>
+              <a:buSzPct val="45000"/>
+              <a:buFont typeface="Wingdings" charset="2"/>
+              <a:buChar char=""/>
+            </a:pPr>
+            <a:r>
+              <a:rPr b="0" lang="en-IE" sz="2000" spc="-1" strike="noStrike">
+                <a:latin typeface="Arial"/>
+              </a:rPr>
+              <a:t>Sixth Outline Level</a:t>
+            </a:r>
+            <a:endParaRPr b="0" lang="en-IE" sz="2000" spc="-1" strike="noStrike">
+              <a:latin typeface="Arial"/>
+            </a:endParaRPr>
+          </a:p>
+          <a:p>
+            <a:pPr lvl="6" marL="3024000" indent="-216000">
+              <a:spcBef>
+                <a:spcPts val="283"/>
+              </a:spcBef>
+              <a:buClr>
+                <a:srgbClr val="000000"/>
+              </a:buClr>
+              <a:buSzPct val="45000"/>
+              <a:buFont typeface="Wingdings" charset="2"/>
+              <a:buChar char=""/>
+            </a:pPr>
+            <a:r>
+              <a:rPr b="0" lang="en-IE" sz="2000" spc="-1" strike="noStrike">
+                <a:latin typeface="Arial"/>
+              </a:rPr>
+              <a:t>Seventh Outline Level</a:t>
+            </a:r>
+            <a:endParaRPr b="0" lang="en-IE" sz="2000" spc="-1" strike="noStrike">
+              <a:latin typeface="Arial"/>
+            </a:endParaRPr>
+          </a:p>
+        </p:txBody>
+      </p:sp>
+    </p:spTree>
+  </p:cSld>
+  <p:clrMap bg1="lt1" bg2="lt2" tx1="dk1" tx2="dk2" accent1="accent1" accent2="accent2" accent3="accent3" accent4="accent4" accent5="accent5" accent6="accent6" hlink="hlink" folHlink="folHlink"/>
+  <p:sldLayoutIdLst>
+    <p:sldLayoutId id="2147483675" r:id="rId2"/>
+    <p:sldLayoutId id="2147483676" r:id="rId3"/>
+    <p:sldLayoutId id="2147483677" r:id="rId4"/>
+    <p:sldLayoutId id="2147483678" r:id="rId5"/>
+    <p:sldLayoutId id="2147483679" r:id="rId6"/>
+    <p:sldLayoutId id="2147483680" r:id="rId7"/>
+    <p:sldLayoutId id="2147483681" r:id="rId8"/>
+    <p:sldLayoutId id="2147483682" r:id="rId9"/>
+    <p:sldLayoutId id="2147483683" r:id="rId10"/>
+    <p:sldLayoutId id="2147483684" r:id="rId11"/>
+    <p:sldLayoutId id="2147483685" r:id="rId12"/>
+    <p:sldLayoutId id="2147483686" r:id="rId13"/>
   </p:sldLayoutIdLst>
 </p:sldMaster>
 </file>
@@ -5446,7 +8126,7 @@
       </p:grpSpPr>
       <p:sp>
         <p:nvSpPr>
-          <p:cNvPr id="82" name="PlaceHolder 1"/>
+          <p:cNvPr id="123" name="PlaceHolder 1"/>
           <p:cNvSpPr>
             <a:spLocks noGrp="1"/>
           </p:cNvSpPr>
@@ -5457,7 +8137,7 @@
         <p:spPr>
           <a:xfrm>
             <a:off x="1523880" y="1122480"/>
-            <a:ext cx="9143280" cy="2386800"/>
+            <a:ext cx="9142920" cy="2386440"/>
           </a:xfrm>
           <a:prstGeom prst="rect">
             <a:avLst/>
@@ -5495,7 +8175,7 @@
       </p:sp>
       <p:sp>
         <p:nvSpPr>
-          <p:cNvPr id="83" name="PlaceHolder 2"/>
+          <p:cNvPr id="124" name="PlaceHolder 2"/>
           <p:cNvSpPr>
             <a:spLocks noGrp="1"/>
           </p:cNvSpPr>
@@ -5506,7 +8186,7 @@
         <p:spPr>
           <a:xfrm>
             <a:off x="1523880" y="3602160"/>
-            <a:ext cx="9143280" cy="1654920"/>
+            <a:ext cx="9142920" cy="1654560"/>
           </a:xfrm>
           <a:prstGeom prst="rect">
             <a:avLst/>
@@ -5580,7 +8260,7 @@
       </p:grpSpPr>
       <p:sp>
         <p:nvSpPr>
-          <p:cNvPr id="100" name="PlaceHolder 1"/>
+          <p:cNvPr id="141" name="PlaceHolder 1"/>
           <p:cNvSpPr>
             <a:spLocks noGrp="1"/>
           </p:cNvSpPr>
@@ -5591,7 +8271,7 @@
         <p:spPr>
           <a:xfrm>
             <a:off x="838080" y="365040"/>
-            <a:ext cx="10514880" cy="1324800"/>
+            <a:ext cx="10514520" cy="1324440"/>
           </a:xfrm>
           <a:prstGeom prst="rect">
             <a:avLst/>
@@ -5629,7 +8309,7 @@
       </p:sp>
       <p:sp>
         <p:nvSpPr>
-          <p:cNvPr id="101" name="PlaceHolder 2"/>
+          <p:cNvPr id="142" name="PlaceHolder 2"/>
           <p:cNvSpPr>
             <a:spLocks noGrp="1"/>
           </p:cNvSpPr>
@@ -5640,7 +8320,7 @@
         <p:spPr>
           <a:xfrm>
             <a:off x="838080" y="1825560"/>
-            <a:ext cx="10514880" cy="4350600"/>
+            <a:ext cx="10514520" cy="4350240"/>
           </a:xfrm>
           <a:prstGeom prst="rect">
             <a:avLst/>
@@ -5742,7 +8422,7 @@
       </p:grpSpPr>
       <p:sp>
         <p:nvSpPr>
-          <p:cNvPr id="102" name="PlaceHolder 1"/>
+          <p:cNvPr id="143" name="PlaceHolder 1"/>
           <p:cNvSpPr>
             <a:spLocks noGrp="1"/>
           </p:cNvSpPr>
@@ -5753,7 +8433,7 @@
         <p:spPr>
           <a:xfrm>
             <a:off x="838080" y="365040"/>
-            <a:ext cx="10514880" cy="1324800"/>
+            <a:ext cx="10514520" cy="1324440"/>
           </a:xfrm>
           <a:prstGeom prst="rect">
             <a:avLst/>
@@ -5791,7 +8471,7 @@
       </p:sp>
       <p:sp>
         <p:nvSpPr>
-          <p:cNvPr id="103" name="PlaceHolder 2"/>
+          <p:cNvPr id="144" name="PlaceHolder 2"/>
           <p:cNvSpPr>
             <a:spLocks noGrp="1"/>
           </p:cNvSpPr>
@@ -5802,7 +8482,7 @@
         <p:spPr>
           <a:xfrm>
             <a:off x="838080" y="1825560"/>
-            <a:ext cx="10514880" cy="4350600"/>
+            <a:ext cx="10514520" cy="4350240"/>
           </a:xfrm>
           <a:prstGeom prst="rect">
             <a:avLst/>
@@ -6012,7 +8692,7 @@
       </p:grpSpPr>
       <p:sp>
         <p:nvSpPr>
-          <p:cNvPr id="104" name="PlaceHolder 1"/>
+          <p:cNvPr id="145" name="PlaceHolder 1"/>
           <p:cNvSpPr>
             <a:spLocks noGrp="1"/>
           </p:cNvSpPr>
@@ -6023,7 +8703,7 @@
         <p:spPr>
           <a:xfrm>
             <a:off x="609480" y="273600"/>
-            <a:ext cx="10972440" cy="1144800"/>
+            <a:ext cx="10972080" cy="1144440"/>
           </a:xfrm>
           <a:prstGeom prst="rect">
             <a:avLst/>
@@ -6039,6 +8719,9 @@
           </a:bodyPr>
           <a:p>
             <a:pPr algn="ctr">
+              <a:lnSpc>
+                <a:spcPct val="100000"/>
+              </a:lnSpc>
               <a:buNone/>
             </a:pPr>
             <a:r>
@@ -6055,28 +8738,40 @@
       </p:sp>
       <p:sp>
         <p:nvSpPr>
-          <p:cNvPr id="105" name=""/>
-          <p:cNvSpPr txBox="1"/>
+          <p:cNvPr id="146" name=""/>
+          <p:cNvSpPr/>
           <p:nvPr/>
         </p:nvSpPr>
         <p:spPr>
           <a:xfrm>
             <a:off x="1080000" y="1800000"/>
-            <a:ext cx="10260000" cy="4140000"/>
-          </a:xfrm>
-          <a:prstGeom prst="rect">
-            <a:avLst/>
-          </a:prstGeom>
-          <a:noFill/>
-          <a:ln w="0">
-            <a:noFill/>
-          </a:ln>
-        </p:spPr>
+            <a:ext cx="10259640" cy="4139640"/>
+          </a:xfrm>
+          <a:prstGeom prst="rect">
+            <a:avLst/>
+          </a:prstGeom>
+          <a:noFill/>
+          <a:ln w="0">
+            <a:noFill/>
+          </a:ln>
+        </p:spPr>
+        <p:style>
+          <a:lnRef idx="0"/>
+          <a:fillRef idx="0"/>
+          <a:effectRef idx="0"/>
+          <a:fontRef idx="minor"/>
+        </p:style>
         <p:txBody>
           <a:bodyPr lIns="90000" rIns="90000" tIns="45000" bIns="45000" anchor="t">
             <a:noAutofit/>
           </a:bodyPr>
           <a:p>
+            <a:pPr>
+              <a:lnSpc>
+                <a:spcPct val="100000"/>
+              </a:lnSpc>
+              <a:buNone/>
+            </a:pPr>
             <a:r>
               <a:rPr b="0" lang="en-IE" sz="1800" spc="-1" strike="noStrike">
                 <a:latin typeface="Arial"/>
@@ -6088,11 +8783,23 @@
             </a:endParaRPr>
           </a:p>
           <a:p>
+            <a:pPr>
+              <a:lnSpc>
+                <a:spcPct val="100000"/>
+              </a:lnSpc>
+              <a:buNone/>
+            </a:pPr>
             <a:endParaRPr b="0" lang="en-IE" sz="1800" spc="-1" strike="noStrike">
               <a:latin typeface="Arial"/>
             </a:endParaRPr>
           </a:p>
           <a:p>
+            <a:pPr>
+              <a:lnSpc>
+                <a:spcPct val="100000"/>
+              </a:lnSpc>
+              <a:buNone/>
+            </a:pPr>
             <a:r>
               <a:rPr b="0" lang="en-IE" sz="1800" spc="-1" strike="noStrike">
                 <a:latin typeface="Arial"/>
@@ -6137,7 +8844,7 @@
       </p:grpSpPr>
       <p:sp>
         <p:nvSpPr>
-          <p:cNvPr id="106" name="PlaceHolder 1"/>
+          <p:cNvPr id="147" name="PlaceHolder 1"/>
           <p:cNvSpPr>
             <a:spLocks noGrp="1"/>
           </p:cNvSpPr>
@@ -6148,7 +8855,7 @@
         <p:spPr>
           <a:xfrm>
             <a:off x="838080" y="365040"/>
-            <a:ext cx="10514880" cy="1324800"/>
+            <a:ext cx="10514520" cy="1324440"/>
           </a:xfrm>
           <a:prstGeom prst="rect">
             <a:avLst/>
@@ -6186,7 +8893,7 @@
       </p:sp>
       <p:sp>
         <p:nvSpPr>
-          <p:cNvPr id="107" name="PlaceHolder 2"/>
+          <p:cNvPr id="148" name="PlaceHolder 2"/>
           <p:cNvSpPr>
             <a:spLocks noGrp="1"/>
           </p:cNvSpPr>
@@ -6197,7 +8904,7 @@
         <p:spPr>
           <a:xfrm>
             <a:off x="838080" y="1825560"/>
-            <a:ext cx="10514880" cy="4350600"/>
+            <a:ext cx="10514520" cy="4350240"/>
           </a:xfrm>
           <a:prstGeom prst="rect">
             <a:avLst/>
@@ -6367,7 +9074,7 @@
       </p:grpSpPr>
       <p:sp>
         <p:nvSpPr>
-          <p:cNvPr id="108" name="PlaceHolder 1"/>
+          <p:cNvPr id="149" name="PlaceHolder 1"/>
           <p:cNvSpPr>
             <a:spLocks noGrp="1"/>
           </p:cNvSpPr>
@@ -6378,7 +9085,7 @@
         <p:spPr>
           <a:xfrm>
             <a:off x="609480" y="273600"/>
-            <a:ext cx="10972440" cy="1144800"/>
+            <a:ext cx="10972080" cy="1144440"/>
           </a:xfrm>
           <a:prstGeom prst="rect">
             <a:avLst/>
@@ -6394,6 +9101,9 @@
           </a:bodyPr>
           <a:p>
             <a:pPr algn="ctr">
+              <a:lnSpc>
+                <a:spcPct val="100000"/>
+              </a:lnSpc>
               <a:buNone/>
             </a:pPr>
             <a:r>
@@ -6410,28 +9120,40 @@
       </p:sp>
       <p:sp>
         <p:nvSpPr>
-          <p:cNvPr id="109" name=""/>
-          <p:cNvSpPr txBox="1"/>
+          <p:cNvPr id="150" name=""/>
+          <p:cNvSpPr/>
           <p:nvPr/>
         </p:nvSpPr>
         <p:spPr>
           <a:xfrm>
             <a:off x="900000" y="1800000"/>
-            <a:ext cx="10800000" cy="2649960"/>
-          </a:xfrm>
-          <a:prstGeom prst="rect">
-            <a:avLst/>
-          </a:prstGeom>
-          <a:noFill/>
-          <a:ln w="0">
-            <a:noFill/>
-          </a:ln>
-        </p:spPr>
+            <a:ext cx="10799640" cy="2649600"/>
+          </a:xfrm>
+          <a:prstGeom prst="rect">
+            <a:avLst/>
+          </a:prstGeom>
+          <a:noFill/>
+          <a:ln w="0">
+            <a:noFill/>
+          </a:ln>
+        </p:spPr>
+        <p:style>
+          <a:lnRef idx="0"/>
+          <a:fillRef idx="0"/>
+          <a:effectRef idx="0"/>
+          <a:fontRef idx="minor"/>
+        </p:style>
         <p:txBody>
           <a:bodyPr lIns="90000" rIns="90000" tIns="45000" bIns="45000" anchor="t">
             <a:noAutofit/>
           </a:bodyPr>
           <a:p>
+            <a:pPr>
+              <a:lnSpc>
+                <a:spcPct val="100000"/>
+              </a:lnSpc>
+              <a:buNone/>
+            </a:pPr>
             <a:r>
               <a:rPr b="0" lang="en-IE" sz="1800" spc="-1" strike="noStrike">
                 <a:latin typeface="Arial"/>
@@ -6443,6 +9165,12 @@
             </a:endParaRPr>
           </a:p>
           <a:p>
+            <a:pPr>
+              <a:lnSpc>
+                <a:spcPct val="100000"/>
+              </a:lnSpc>
+              <a:buNone/>
+            </a:pPr>
             <a:r>
               <a:rPr b="0" lang="en-IE" sz="1800" spc="-1" strike="noStrike">
                 <a:latin typeface="Arial"/>
@@ -6460,6 +9188,12 @@
             </a:endParaRPr>
           </a:p>
           <a:p>
+            <a:pPr>
+              <a:lnSpc>
+                <a:spcPct val="100000"/>
+              </a:lnSpc>
+              <a:buNone/>
+            </a:pPr>
             <a:r>
               <a:rPr b="0" lang="en-IE" sz="1800" spc="-1" strike="noStrike">
                 <a:latin typeface="Arial"/>
@@ -6477,6 +9211,12 @@
             </a:endParaRPr>
           </a:p>
           <a:p>
+            <a:pPr>
+              <a:lnSpc>
+                <a:spcPct val="100000"/>
+              </a:lnSpc>
+              <a:buNone/>
+            </a:pPr>
             <a:r>
               <a:rPr b="0" lang="en-IE" sz="1800" spc="-1" strike="noStrike">
                 <a:latin typeface="Arial"/>
@@ -6494,6 +9234,12 @@
             </a:endParaRPr>
           </a:p>
           <a:p>
+            <a:pPr>
+              <a:lnSpc>
+                <a:spcPct val="100000"/>
+              </a:lnSpc>
+              <a:buNone/>
+            </a:pPr>
             <a:r>
               <a:rPr b="0" lang="en-IE" sz="1800" spc="-1" strike="noStrike">
                 <a:latin typeface="Arial"/>
@@ -6511,16 +9257,34 @@
             </a:endParaRPr>
           </a:p>
           <a:p>
+            <a:pPr>
+              <a:lnSpc>
+                <a:spcPct val="100000"/>
+              </a:lnSpc>
+              <a:buNone/>
+            </a:pPr>
             <a:endParaRPr b="0" lang="en-IE" sz="1800" spc="-1" strike="noStrike">
               <a:latin typeface="Arial"/>
             </a:endParaRPr>
           </a:p>
           <a:p>
+            <a:pPr>
+              <a:lnSpc>
+                <a:spcPct val="100000"/>
+              </a:lnSpc>
+              <a:buNone/>
+            </a:pPr>
             <a:endParaRPr b="0" lang="en-IE" sz="1800" spc="-1" strike="noStrike">
               <a:latin typeface="Arial"/>
             </a:endParaRPr>
           </a:p>
           <a:p>
+            <a:pPr>
+              <a:lnSpc>
+                <a:spcPct val="100000"/>
+              </a:lnSpc>
+              <a:buNone/>
+            </a:pPr>
             <a:r>
               <a:rPr b="0" lang="en-IE" sz="1800" spc="-1" strike="noStrike">
                 <a:latin typeface="Arial"/>
@@ -6532,6 +9296,12 @@
             </a:endParaRPr>
           </a:p>
           <a:p>
+            <a:pPr>
+              <a:lnSpc>
+                <a:spcPct val="100000"/>
+              </a:lnSpc>
+              <a:buNone/>
+            </a:pPr>
             <a:r>
               <a:rPr b="0" lang="en-IE" sz="1800" spc="-1" strike="noStrike">
                 <a:latin typeface="Arial"/>
@@ -6549,6 +9319,12 @@
             </a:endParaRPr>
           </a:p>
           <a:p>
+            <a:pPr>
+              <a:lnSpc>
+                <a:spcPct val="100000"/>
+              </a:lnSpc>
+              <a:buNone/>
+            </a:pPr>
             <a:r>
               <a:rPr b="0" lang="en-IE" sz="1800" spc="-1" strike="noStrike">
                 <a:latin typeface="Arial"/>
@@ -6569,7 +9345,7 @@
       </p:sp>
       <p:pic>
         <p:nvPicPr>
-          <p:cNvPr id="110" name="" descr=""/>
+          <p:cNvPr id="151" name="" descr=""/>
           <p:cNvPicPr/>
           <p:nvPr/>
         </p:nvPicPr>
@@ -6580,7 +9356,7 @@
         <p:spPr>
           <a:xfrm>
             <a:off x="7740000" y="1626840"/>
-            <a:ext cx="3420000" cy="2131920"/>
+            <a:ext cx="3419640" cy="2131560"/>
           </a:xfrm>
           <a:prstGeom prst="rect">
             <a:avLst/>
@@ -6622,7 +9398,7 @@
       </p:grpSpPr>
       <p:sp>
         <p:nvSpPr>
-          <p:cNvPr id="111" name="PlaceHolder 1"/>
+          <p:cNvPr id="152" name="PlaceHolder 1"/>
           <p:cNvSpPr>
             <a:spLocks noGrp="1"/>
           </p:cNvSpPr>
@@ -6632,36 +9408,30 @@
         </p:nvSpPr>
         <p:spPr>
           <a:xfrm>
-            <a:off x="838080" y="365040"/>
-            <a:ext cx="10514880" cy="1324800"/>
-          </a:xfrm>
-          <a:prstGeom prst="rect">
-            <a:avLst/>
-          </a:prstGeom>
-          <a:noFill/>
-          <a:ln w="0">
-            <a:noFill/>
-          </a:ln>
-        </p:spPr>
-        <p:txBody>
-          <a:bodyPr lIns="90000" rIns="90000" tIns="45000" bIns="45000" anchor="ctr">
+            <a:off x="609480" y="273600"/>
+            <a:ext cx="10972080" cy="1144440"/>
+          </a:xfrm>
+          <a:prstGeom prst="rect">
+            <a:avLst/>
+          </a:prstGeom>
+          <a:noFill/>
+          <a:ln w="0">
+            <a:noFill/>
+          </a:ln>
+        </p:spPr>
+        <p:txBody>
+          <a:bodyPr lIns="0" rIns="0" tIns="0" bIns="0" anchor="ctr">
             <a:noAutofit/>
           </a:bodyPr>
           <a:p>
-            <a:pPr>
-              <a:lnSpc>
-                <a:spcPct val="90000"/>
-              </a:lnSpc>
+            <a:pPr algn="ctr">
               <a:buNone/>
             </a:pPr>
             <a:r>
-              <a:rPr b="0" lang="en-GB" sz="4400" spc="-1" strike="noStrike">
-                <a:solidFill>
-                  <a:srgbClr val="000000"/>
-                </a:solidFill>
-                <a:latin typeface="Calibri Light"/>
+              <a:rPr b="0" lang="en-IE" sz="4400" spc="-1" strike="noStrike">
+                <a:latin typeface="Arial"/>
               </a:rPr>
-              <a:t>Data Processing</a:t>
+              <a:t>Data Gathering</a:t>
             </a:r>
             <a:endParaRPr b="0" lang="en-IE" sz="4400" spc="-1" strike="noStrike">
               <a:latin typeface="Arial"/>
@@ -6671,18 +9441,14 @@
       </p:sp>
       <p:sp>
         <p:nvSpPr>
-          <p:cNvPr id="112" name="PlaceHolder 2"/>
-          <p:cNvSpPr>
-            <a:spLocks noGrp="1"/>
-          </p:cNvSpPr>
-          <p:nvPr>
-            <p:ph/>
-          </p:nvPr>
-        </p:nvSpPr>
-        <p:spPr>
-          <a:xfrm>
-            <a:off x="838080" y="1825560"/>
-            <a:ext cx="10514880" cy="4350600"/>
+          <p:cNvPr id="153" name=""/>
+          <p:cNvSpPr txBox="1"/>
+          <p:nvPr/>
+        </p:nvSpPr>
+        <p:spPr>
+          <a:xfrm>
+            <a:off x="540000" y="1620000"/>
+            <a:ext cx="11160000" cy="1882080"/>
           </a:xfrm>
           <a:prstGeom prst="rect">
             <a:avLst/>
@@ -6697,110 +9463,97 @@
             <a:noAutofit/>
           </a:bodyPr>
           <a:p>
-            <a:pPr marL="228600" indent="-228600">
-              <a:lnSpc>
-                <a:spcPct val="90000"/>
-              </a:lnSpc>
-              <a:spcBef>
-                <a:spcPts val="1001"/>
-              </a:spcBef>
-              <a:buClr>
-                <a:srgbClr val="000000"/>
-              </a:buClr>
-              <a:buFont typeface="Arial"/>
-              <a:buChar char="•"/>
-            </a:pPr>
-            <a:r>
-              <a:rPr b="0" lang="en-GB" sz="2800" spc="-1" strike="noStrike">
-                <a:solidFill>
-                  <a:srgbClr val="000000"/>
-                </a:solidFill>
-                <a:latin typeface="Calibri"/>
+            <a:r>
+              <a:rPr b="0" lang="en-IE" sz="1800" spc="-1" strike="noStrike">
+                <a:latin typeface="Arial"/>
               </a:rPr>
-              <a:t>Where is the data processed</a:t>
-            </a:r>
-            <a:endParaRPr b="0" lang="en-IE" sz="2800" spc="-1" strike="noStrike">
-              <a:latin typeface="Arial"/>
-            </a:endParaRPr>
-          </a:p>
-          <a:p>
-            <a:pPr marL="228600" indent="-228600">
-              <a:lnSpc>
-                <a:spcPct val="90000"/>
-              </a:lnSpc>
-              <a:spcBef>
-                <a:spcPts val="1001"/>
-              </a:spcBef>
-              <a:buClr>
-                <a:srgbClr val="000000"/>
-              </a:buClr>
-              <a:buFont typeface="Arial"/>
-              <a:buChar char="•"/>
-            </a:pPr>
-            <a:r>
-              <a:rPr b="0" lang="en-GB" sz="2800" spc="-1" strike="noStrike">
-                <a:solidFill>
-                  <a:srgbClr val="000000"/>
-                </a:solidFill>
-                <a:latin typeface="Calibri"/>
+              <a:t>User Inputted Data</a:t>
+            </a:r>
+            <a:endParaRPr b="0" lang="en-IE" sz="1800" spc="-1" strike="noStrike">
+              <a:latin typeface="Arial"/>
+            </a:endParaRPr>
+          </a:p>
+          <a:p>
+            <a:r>
+              <a:rPr b="0" lang="en-IE" sz="1800" spc="-1" strike="noStrike">
+                <a:latin typeface="Arial"/>
               </a:rPr>
-              <a:t>What is the end result of data processing</a:t>
-            </a:r>
-            <a:endParaRPr b="0" lang="en-IE" sz="2800" spc="-1" strike="noStrike">
-              <a:latin typeface="Arial"/>
-            </a:endParaRPr>
-          </a:p>
-          <a:p>
-            <a:pPr marL="228600" indent="-228600">
-              <a:lnSpc>
-                <a:spcPct val="90000"/>
-              </a:lnSpc>
-              <a:spcBef>
-                <a:spcPts val="1001"/>
-              </a:spcBef>
-              <a:buClr>
-                <a:srgbClr val="000000"/>
-              </a:buClr>
-              <a:buFont typeface="Arial"/>
-              <a:buChar char="•"/>
-            </a:pPr>
-            <a:r>
-              <a:rPr b="0" lang="en-GB" sz="2800" spc="-1" strike="noStrike">
-                <a:solidFill>
-                  <a:srgbClr val="000000"/>
-                </a:solidFill>
-                <a:latin typeface="Calibri"/>
+              <a:t>	</a:t>
+            </a:r>
+            <a:r>
+              <a:rPr b="0" lang="en-IE" sz="1800" spc="-1" strike="noStrike">
+                <a:latin typeface="Arial"/>
               </a:rPr>
-              <a:t>How CRON fits into the process</a:t>
-            </a:r>
-            <a:endParaRPr b="0" lang="en-IE" sz="2800" spc="-1" strike="noStrike">
-              <a:latin typeface="Arial"/>
-            </a:endParaRPr>
-          </a:p>
-          <a:p>
-            <a:pPr lvl="1" marL="685800" indent="-228600">
-              <a:lnSpc>
-                <a:spcPct val="90000"/>
-              </a:lnSpc>
-              <a:spcBef>
-                <a:spcPts val="499"/>
-              </a:spcBef>
-              <a:buClr>
-                <a:srgbClr val="000000"/>
-              </a:buClr>
-              <a:buFont typeface="Arial"/>
-              <a:buChar char="•"/>
-            </a:pPr>
-            <a:r>
-              <a:rPr b="0" lang="en-GB" sz="2400" spc="-1" strike="noStrike">
-                <a:solidFill>
-                  <a:srgbClr val="000000"/>
-                </a:solidFill>
-                <a:latin typeface="Calibri"/>
+              <a:t>- User email</a:t>
+            </a:r>
+            <a:endParaRPr b="0" lang="en-IE" sz="1800" spc="-1" strike="noStrike">
+              <a:latin typeface="Arial"/>
+            </a:endParaRPr>
+          </a:p>
+          <a:p>
+            <a:r>
+              <a:rPr b="0" lang="en-IE" sz="1800" spc="-1" strike="noStrike">
+                <a:latin typeface="Arial"/>
               </a:rPr>
-              <a:t>List the cron jobs that will be run</a:t>
-            </a:r>
-            <a:endParaRPr b="0" lang="en-IE" sz="2400" spc="-1" strike="noStrike">
+              <a:t>	</a:t>
+            </a:r>
+            <a:r>
+              <a:rPr b="0" lang="en-IE" sz="1800" spc="-1" strike="noStrike">
+                <a:latin typeface="Arial"/>
+              </a:rPr>
+              <a:t>- Password</a:t>
+            </a:r>
+            <a:endParaRPr b="0" lang="en-IE" sz="1800" spc="-1" strike="noStrike">
+              <a:latin typeface="Arial"/>
+            </a:endParaRPr>
+          </a:p>
+          <a:p>
+            <a:r>
+              <a:rPr b="0" lang="en-IE" sz="1800" spc="-1" strike="noStrike">
+                <a:latin typeface="Arial"/>
+              </a:rPr>
+              <a:t>	</a:t>
+            </a:r>
+            <a:r>
+              <a:rPr b="0" lang="en-IE" sz="1800" spc="-1" strike="noStrike">
+                <a:latin typeface="Arial"/>
+              </a:rPr>
+              <a:t>- User medication</a:t>
+            </a:r>
+            <a:endParaRPr b="0" lang="en-IE" sz="1800" spc="-1" strike="noStrike">
+              <a:latin typeface="Arial"/>
+            </a:endParaRPr>
+          </a:p>
+          <a:p>
+            <a:endParaRPr b="0" lang="en-IE" sz="1800" spc="-1" strike="noStrike">
+              <a:latin typeface="Arial"/>
+            </a:endParaRPr>
+          </a:p>
+          <a:p>
+            <a:r>
+              <a:rPr b="0" lang="en-IE" sz="1800" spc="-1" strike="noStrike">
+                <a:latin typeface="Arial"/>
+              </a:rPr>
+              <a:t>Other Data</a:t>
+            </a:r>
+            <a:endParaRPr b="0" lang="en-IE" sz="1800" spc="-1" strike="noStrike">
+              <a:latin typeface="Arial"/>
+            </a:endParaRPr>
+          </a:p>
+          <a:p>
+            <a:r>
+              <a:rPr b="0" lang="en-IE" sz="1800" spc="-1" strike="noStrike">
+                <a:latin typeface="Arial"/>
+              </a:rPr>
+              <a:t>	</a:t>
+            </a:r>
+            <a:r>
+              <a:rPr b="0" lang="en-IE" sz="1800" spc="-1" strike="noStrike">
+                <a:latin typeface="Arial"/>
+              </a:rPr>
+              <a:t>- Time sensors recorded change</a:t>
+            </a:r>
+            <a:endParaRPr b="0" lang="en-IE" sz="1800" spc="-1" strike="noStrike">
               <a:latin typeface="Arial"/>
             </a:endParaRPr>
           </a:p>
@@ -6838,7 +9591,7 @@
       </p:grpSpPr>
       <p:sp>
         <p:nvSpPr>
-          <p:cNvPr id="113" name="PlaceHolder 1"/>
+          <p:cNvPr id="154" name="PlaceHolder 1"/>
           <p:cNvSpPr>
             <a:spLocks noGrp="1"/>
           </p:cNvSpPr>
@@ -6849,7 +9602,7 @@
         <p:spPr>
           <a:xfrm>
             <a:off x="838080" y="365040"/>
-            <a:ext cx="10514880" cy="1324800"/>
+            <a:ext cx="10514520" cy="1324440"/>
           </a:xfrm>
           <a:prstGeom prst="rect">
             <a:avLst/>
@@ -6877,7 +9630,7 @@
                 </a:solidFill>
                 <a:latin typeface="Calibri Light"/>
               </a:rPr>
-              <a:t>Physical Security</a:t>
+              <a:t>Data Processing</a:t>
             </a:r>
             <a:endParaRPr b="0" lang="en-IE" sz="4400" spc="-1" strike="noStrike">
               <a:latin typeface="Arial"/>
@@ -6887,7 +9640,7 @@
       </p:sp>
       <p:sp>
         <p:nvSpPr>
-          <p:cNvPr id="114" name="PlaceHolder 2"/>
+          <p:cNvPr id="155" name="PlaceHolder 2"/>
           <p:cNvSpPr>
             <a:spLocks noGrp="1"/>
           </p:cNvSpPr>
@@ -6898,7 +9651,7 @@
         <p:spPr>
           <a:xfrm>
             <a:off x="838080" y="1825560"/>
-            <a:ext cx="10514880" cy="4350600"/>
+            <a:ext cx="10514520" cy="4350240"/>
           </a:xfrm>
           <a:prstGeom prst="rect">
             <a:avLst/>
@@ -6933,7 +9686,7 @@
                 </a:solidFill>
                 <a:latin typeface="Calibri"/>
               </a:rPr>
-              <a:t>Protection of the box’s physical structure</a:t>
+              <a:t>Where is the data processed</a:t>
             </a:r>
             <a:endParaRPr b="0" lang="en-IE" sz="2800" spc="-1" strike="noStrike">
               <a:latin typeface="Arial"/>
@@ -6960,7 +9713,34 @@
                 </a:solidFill>
                 <a:latin typeface="Calibri"/>
               </a:rPr>
-              <a:t>Restriction of access to the device’s onboard ports</a:t>
+              <a:t>What is the end result of data processing</a:t>
+            </a:r>
+            <a:endParaRPr b="0" lang="en-IE" sz="2800" spc="-1" strike="noStrike">
+              <a:latin typeface="Arial"/>
+            </a:endParaRPr>
+          </a:p>
+          <a:p>
+            <a:pPr marL="228600" indent="-228600">
+              <a:lnSpc>
+                <a:spcPct val="90000"/>
+              </a:lnSpc>
+              <a:spcBef>
+                <a:spcPts val="1001"/>
+              </a:spcBef>
+              <a:buClr>
+                <a:srgbClr val="000000"/>
+              </a:buClr>
+              <a:buFont typeface="Arial"/>
+              <a:buChar char="•"/>
+            </a:pPr>
+            <a:r>
+              <a:rPr b="0" lang="en-GB" sz="2800" spc="-1" strike="noStrike">
+                <a:solidFill>
+                  <a:srgbClr val="000000"/>
+                </a:solidFill>
+                <a:latin typeface="Calibri"/>
+              </a:rPr>
+              <a:t>How CRON fits into the process</a:t>
             </a:r>
             <a:endParaRPr b="0" lang="en-IE" sz="2800" spc="-1" strike="noStrike">
               <a:latin typeface="Arial"/>
@@ -6987,34 +9767,7 @@
                 </a:solidFill>
                 <a:latin typeface="Calibri"/>
               </a:rPr>
-              <a:t>Block off ports altogether where feasible</a:t>
-            </a:r>
-            <a:endParaRPr b="0" lang="en-IE" sz="2400" spc="-1" strike="noStrike">
-              <a:latin typeface="Arial"/>
-            </a:endParaRPr>
-          </a:p>
-          <a:p>
-            <a:pPr lvl="1" marL="685800" indent="-228600">
-              <a:lnSpc>
-                <a:spcPct val="90000"/>
-              </a:lnSpc>
-              <a:spcBef>
-                <a:spcPts val="499"/>
-              </a:spcBef>
-              <a:buClr>
-                <a:srgbClr val="000000"/>
-              </a:buClr>
-              <a:buFont typeface="Arial"/>
-              <a:buChar char="•"/>
-            </a:pPr>
-            <a:r>
-              <a:rPr b="0" lang="en-GB" sz="2400" spc="-1" strike="noStrike">
-                <a:solidFill>
-                  <a:srgbClr val="000000"/>
-                </a:solidFill>
-                <a:latin typeface="Calibri"/>
-              </a:rPr>
-              <a:t>Ports that can’t be reliably blocked off physically should be secured digitally</a:t>
+              <a:t>List the cron jobs that will be run</a:t>
             </a:r>
             <a:endParaRPr b="0" lang="en-IE" sz="2400" spc="-1" strike="noStrike">
               <a:latin typeface="Arial"/>
@@ -7054,7 +9807,7 @@
       </p:grpSpPr>
       <p:sp>
         <p:nvSpPr>
-          <p:cNvPr id="115" name="PlaceHolder 1"/>
+          <p:cNvPr id="156" name="PlaceHolder 1"/>
           <p:cNvSpPr>
             <a:spLocks noGrp="1"/>
           </p:cNvSpPr>
@@ -7065,7 +9818,7 @@
         <p:spPr>
           <a:xfrm>
             <a:off x="838080" y="365040"/>
-            <a:ext cx="10514880" cy="1324800"/>
+            <a:ext cx="10514520" cy="1324440"/>
           </a:xfrm>
           <a:prstGeom prst="rect">
             <a:avLst/>
@@ -7093,7 +9846,7 @@
                 </a:solidFill>
                 <a:latin typeface="Calibri Light"/>
               </a:rPr>
-              <a:t>Security of Transmitted Data</a:t>
+              <a:t>Physical Security</a:t>
             </a:r>
             <a:endParaRPr b="0" lang="en-IE" sz="4400" spc="-1" strike="noStrike">
               <a:latin typeface="Arial"/>
@@ -7103,7 +9856,7 @@
       </p:sp>
       <p:sp>
         <p:nvSpPr>
-          <p:cNvPr id="116" name="PlaceHolder 2"/>
+          <p:cNvPr id="157" name="PlaceHolder 2"/>
           <p:cNvSpPr>
             <a:spLocks noGrp="1"/>
           </p:cNvSpPr>
@@ -7114,7 +9867,7 @@
         <p:spPr>
           <a:xfrm>
             <a:off x="838080" y="1825560"/>
-            <a:ext cx="10514880" cy="4350600"/>
+            <a:ext cx="10514520" cy="4350240"/>
           </a:xfrm>
           <a:prstGeom prst="rect">
             <a:avLst/>
@@ -7149,7 +9902,7 @@
                 </a:solidFill>
                 <a:latin typeface="Calibri"/>
               </a:rPr>
-              <a:t>e.g Using POST instead of GET</a:t>
+              <a:t>Protection of the box’s physical structure</a:t>
             </a:r>
             <a:endParaRPr b="0" lang="en-IE" sz="2800" spc="-1" strike="noStrike">
               <a:latin typeface="Arial"/>
@@ -7176,9 +9929,63 @@
                 </a:solidFill>
                 <a:latin typeface="Calibri"/>
               </a:rPr>
-              <a:t>Make sure the data can’t be intercepted with something like wireshark</a:t>
+              <a:t>Restriction of access to the device’s onboard ports</a:t>
             </a:r>
             <a:endParaRPr b="0" lang="en-IE" sz="2800" spc="-1" strike="noStrike">
+              <a:latin typeface="Arial"/>
+            </a:endParaRPr>
+          </a:p>
+          <a:p>
+            <a:pPr lvl="1" marL="685800" indent="-228600">
+              <a:lnSpc>
+                <a:spcPct val="90000"/>
+              </a:lnSpc>
+              <a:spcBef>
+                <a:spcPts val="499"/>
+              </a:spcBef>
+              <a:buClr>
+                <a:srgbClr val="000000"/>
+              </a:buClr>
+              <a:buFont typeface="Arial"/>
+              <a:buChar char="•"/>
+            </a:pPr>
+            <a:r>
+              <a:rPr b="0" lang="en-GB" sz="2400" spc="-1" strike="noStrike">
+                <a:solidFill>
+                  <a:srgbClr val="000000"/>
+                </a:solidFill>
+                <a:latin typeface="Calibri"/>
+              </a:rPr>
+              <a:t>Block off ports altogether where feasible</a:t>
+            </a:r>
+            <a:endParaRPr b="0" lang="en-IE" sz="2400" spc="-1" strike="noStrike">
+              <a:latin typeface="Arial"/>
+            </a:endParaRPr>
+          </a:p>
+          <a:p>
+            <a:pPr lvl="1" marL="685800" indent="-228600">
+              <a:lnSpc>
+                <a:spcPct val="90000"/>
+              </a:lnSpc>
+              <a:spcBef>
+                <a:spcPts val="499"/>
+              </a:spcBef>
+              <a:buClr>
+                <a:srgbClr val="000000"/>
+              </a:buClr>
+              <a:buFont typeface="Arial"/>
+              <a:buChar char="•"/>
+            </a:pPr>
+            <a:r>
+              <a:rPr b="0" lang="en-GB" sz="2400" spc="-1" strike="noStrike">
+                <a:solidFill>
+                  <a:srgbClr val="000000"/>
+                </a:solidFill>
+                <a:latin typeface="Calibri"/>
+              </a:rPr>
+              <a:t>Ports that can’t be reliably blocked off physically should be secured digitally</a:t>
+            </a:r>
+            <a:endParaRPr b="0" lang="en-IE" sz="2400" spc="-1" strike="noStrike">
               <a:latin typeface="Arial"/>
             </a:endParaRPr>
           </a:p>
@@ -7216,7 +10023,7 @@
       </p:grpSpPr>
       <p:sp>
         <p:nvSpPr>
-          <p:cNvPr id="117" name="PlaceHolder 1"/>
+          <p:cNvPr id="158" name="PlaceHolder 1"/>
           <p:cNvSpPr>
             <a:spLocks noGrp="1"/>
           </p:cNvSpPr>
@@ -7227,7 +10034,7 @@
         <p:spPr>
           <a:xfrm>
             <a:off x="838080" y="365040"/>
-            <a:ext cx="10514880" cy="1324800"/>
+            <a:ext cx="10514520" cy="1324440"/>
           </a:xfrm>
           <a:prstGeom prst="rect">
             <a:avLst/>
@@ -7255,7 +10062,7 @@
                 </a:solidFill>
                 <a:latin typeface="Calibri Light"/>
               </a:rPr>
-              <a:t>Security of Data at Rest</a:t>
+              <a:t>Security of Transmitted Data</a:t>
             </a:r>
             <a:endParaRPr b="0" lang="en-IE" sz="4400" spc="-1" strike="noStrike">
               <a:latin typeface="Arial"/>
@@ -7265,7 +10072,7 @@
       </p:sp>
       <p:sp>
         <p:nvSpPr>
-          <p:cNvPr id="118" name="PlaceHolder 2"/>
+          <p:cNvPr id="159" name="PlaceHolder 2"/>
           <p:cNvSpPr>
             <a:spLocks noGrp="1"/>
           </p:cNvSpPr>
@@ -7276,7 +10083,7 @@
         <p:spPr>
           <a:xfrm>
             <a:off x="838080" y="1825560"/>
-            <a:ext cx="10514880" cy="4350600"/>
+            <a:ext cx="10514520" cy="4350240"/>
           </a:xfrm>
           <a:prstGeom prst="rect">
             <a:avLst/>
@@ -7311,7 +10118,7 @@
                 </a:solidFill>
                 <a:latin typeface="Calibri"/>
               </a:rPr>
-              <a:t>Store on a secure cloud service</a:t>
+              <a:t>e.g Using POST instead of GET</a:t>
             </a:r>
             <a:endParaRPr b="0" lang="en-IE" sz="2800" spc="-1" strike="noStrike">
               <a:latin typeface="Arial"/>
@@ -7338,7 +10145,7 @@
                 </a:solidFill>
                 <a:latin typeface="Calibri"/>
               </a:rPr>
-              <a:t>Maybe wipe the onboard data once it has been sent, as it is only meant to be a backup</a:t>
+              <a:t>Make sure the data can’t be intercepted with something like wireshark</a:t>
             </a:r>
             <a:endParaRPr b="0" lang="en-IE" sz="2800" spc="-1" strike="noStrike">
               <a:latin typeface="Arial"/>
@@ -7378,7 +10185,7 @@
       </p:grpSpPr>
       <p:sp>
         <p:nvSpPr>
-          <p:cNvPr id="119" name="PlaceHolder 1"/>
+          <p:cNvPr id="160" name="PlaceHolder 1"/>
           <p:cNvSpPr>
             <a:spLocks noGrp="1"/>
           </p:cNvSpPr>
@@ -7389,7 +10196,7 @@
         <p:spPr>
           <a:xfrm>
             <a:off x="838080" y="365040"/>
-            <a:ext cx="10514880" cy="1324800"/>
+            <a:ext cx="10514520" cy="1324440"/>
           </a:xfrm>
           <a:prstGeom prst="rect">
             <a:avLst/>
@@ -7417,7 +10224,7 @@
                 </a:solidFill>
                 <a:latin typeface="Calibri Light"/>
               </a:rPr>
-              <a:t>Testing</a:t>
+              <a:t>Security of Data at Rest</a:t>
             </a:r>
             <a:endParaRPr b="0" lang="en-IE" sz="4400" spc="-1" strike="noStrike">
               <a:latin typeface="Arial"/>
@@ -7427,7 +10234,7 @@
       </p:sp>
       <p:sp>
         <p:nvSpPr>
-          <p:cNvPr id="120" name="PlaceHolder 2"/>
+          <p:cNvPr id="161" name="PlaceHolder 2"/>
           <p:cNvSpPr>
             <a:spLocks noGrp="1"/>
           </p:cNvSpPr>
@@ -7438,7 +10245,7 @@
         <p:spPr>
           <a:xfrm>
             <a:off x="838080" y="1825560"/>
-            <a:ext cx="10514880" cy="4350600"/>
+            <a:ext cx="10514520" cy="4350240"/>
           </a:xfrm>
           <a:prstGeom prst="rect">
             <a:avLst/>
@@ -7473,7 +10280,7 @@
                 </a:solidFill>
                 <a:latin typeface="Calibri"/>
               </a:rPr>
-              <a:t>User tests on initial UI</a:t>
+              <a:t>Store on a secure cloud service</a:t>
             </a:r>
             <a:endParaRPr b="0" lang="en-IE" sz="2800" spc="-1" strike="noStrike">
               <a:latin typeface="Arial"/>
@@ -7500,34 +10307,7 @@
                 </a:solidFill>
                 <a:latin typeface="Calibri"/>
               </a:rPr>
-              <a:t>Test the hardware we have on hand</a:t>
-            </a:r>
-            <a:endParaRPr b="0" lang="en-IE" sz="2800" spc="-1" strike="noStrike">
-              <a:latin typeface="Arial"/>
-            </a:endParaRPr>
-          </a:p>
-          <a:p>
-            <a:pPr marL="228600" indent="-228600">
-              <a:lnSpc>
-                <a:spcPct val="90000"/>
-              </a:lnSpc>
-              <a:spcBef>
-                <a:spcPts val="1001"/>
-              </a:spcBef>
-              <a:buClr>
-                <a:srgbClr val="000000"/>
-              </a:buClr>
-              <a:buFont typeface="Arial"/>
-              <a:buChar char="•"/>
-            </a:pPr>
-            <a:r>
-              <a:rPr b="0" lang="en-GB" sz="2800" spc="-1" strike="noStrike">
-                <a:solidFill>
-                  <a:srgbClr val="000000"/>
-                </a:solidFill>
-                <a:latin typeface="Calibri"/>
-              </a:rPr>
-              <a:t>Test the software we will be using to ensure it can handle what we require of it</a:t>
+              <a:t>Maybe wipe the onboard data once it has been sent, as it is only meant to be a backup</a:t>
             </a:r>
             <a:endParaRPr b="0" lang="en-IE" sz="2800" spc="-1" strike="noStrike">
               <a:latin typeface="Arial"/>
@@ -7567,7 +10347,7 @@
       </p:grpSpPr>
       <p:sp>
         <p:nvSpPr>
-          <p:cNvPr id="84" name="PlaceHolder 1"/>
+          <p:cNvPr id="125" name="PlaceHolder 1"/>
           <p:cNvSpPr>
             <a:spLocks noGrp="1"/>
           </p:cNvSpPr>
@@ -7578,7 +10358,7 @@
         <p:spPr>
           <a:xfrm>
             <a:off x="838080" y="365040"/>
-            <a:ext cx="10514880" cy="1324800"/>
+            <a:ext cx="10514520" cy="1324440"/>
           </a:xfrm>
           <a:prstGeom prst="rect">
             <a:avLst/>
@@ -7616,7 +10396,7 @@
       </p:sp>
       <p:sp>
         <p:nvSpPr>
-          <p:cNvPr id="85" name="PlaceHolder 2"/>
+          <p:cNvPr id="126" name="PlaceHolder 2"/>
           <p:cNvSpPr>
             <a:spLocks noGrp="1"/>
           </p:cNvSpPr>
@@ -7627,7 +10407,7 @@
         <p:spPr>
           <a:xfrm>
             <a:off x="838080" y="1825560"/>
-            <a:ext cx="10514880" cy="4350600"/>
+            <a:ext cx="10514520" cy="4350240"/>
           </a:xfrm>
           <a:prstGeom prst="rect">
             <a:avLst/>
@@ -7662,16 +10442,7 @@
                 </a:solidFill>
                 <a:latin typeface="Calibri"/>
               </a:rPr>
-              <a:t>Add this last, once all content and </a:t>
-            </a:r>
-            <a:r>
-              <a:rPr b="0" lang="en-GB" sz="2800" spc="-1" strike="noStrike">
-                <a:solidFill>
-                  <a:srgbClr val="000000"/>
-                </a:solidFill>
-                <a:latin typeface="Calibri"/>
-              </a:rPr>
-              <a:t>extra slides are added</a:t>
+              <a:t>Add this last, once all content and extra slides are added</a:t>
             </a:r>
             <a:endParaRPr b="0" lang="en-IE" sz="2800" spc="-1" strike="noStrike">
               <a:latin typeface="Arial"/>
@@ -7711,7 +10482,7 @@
       </p:grpSpPr>
       <p:sp>
         <p:nvSpPr>
-          <p:cNvPr id="121" name="PlaceHolder 1"/>
+          <p:cNvPr id="162" name="PlaceHolder 1"/>
           <p:cNvSpPr>
             <a:spLocks noGrp="1"/>
           </p:cNvSpPr>
@@ -7722,7 +10493,196 @@
         <p:spPr>
           <a:xfrm>
             <a:off x="838080" y="365040"/>
-            <a:ext cx="10514880" cy="1324800"/>
+            <a:ext cx="10514520" cy="1324440"/>
+          </a:xfrm>
+          <a:prstGeom prst="rect">
+            <a:avLst/>
+          </a:prstGeom>
+          <a:noFill/>
+          <a:ln w="0">
+            <a:noFill/>
+          </a:ln>
+        </p:spPr>
+        <p:txBody>
+          <a:bodyPr lIns="90000" rIns="90000" tIns="45000" bIns="45000" anchor="ctr">
+            <a:noAutofit/>
+          </a:bodyPr>
+          <a:p>
+            <a:pPr>
+              <a:lnSpc>
+                <a:spcPct val="90000"/>
+              </a:lnSpc>
+              <a:buNone/>
+            </a:pPr>
+            <a:r>
+              <a:rPr b="0" lang="en-GB" sz="4400" spc="-1" strike="noStrike">
+                <a:solidFill>
+                  <a:srgbClr val="000000"/>
+                </a:solidFill>
+                <a:latin typeface="Calibri Light"/>
+              </a:rPr>
+              <a:t>Testing</a:t>
+            </a:r>
+            <a:endParaRPr b="0" lang="en-IE" sz="4400" spc="-1" strike="noStrike">
+              <a:latin typeface="Arial"/>
+            </a:endParaRPr>
+          </a:p>
+        </p:txBody>
+      </p:sp>
+      <p:sp>
+        <p:nvSpPr>
+          <p:cNvPr id="163" name="PlaceHolder 2"/>
+          <p:cNvSpPr>
+            <a:spLocks noGrp="1"/>
+          </p:cNvSpPr>
+          <p:nvPr>
+            <p:ph/>
+          </p:nvPr>
+        </p:nvSpPr>
+        <p:spPr>
+          <a:xfrm>
+            <a:off x="838080" y="1825560"/>
+            <a:ext cx="10514520" cy="4350240"/>
+          </a:xfrm>
+          <a:prstGeom prst="rect">
+            <a:avLst/>
+          </a:prstGeom>
+          <a:noFill/>
+          <a:ln w="0">
+            <a:noFill/>
+          </a:ln>
+        </p:spPr>
+        <p:txBody>
+          <a:bodyPr lIns="90000" rIns="90000" tIns="45000" bIns="45000" anchor="t">
+            <a:noAutofit/>
+          </a:bodyPr>
+          <a:p>
+            <a:pPr marL="228600" indent="-228600">
+              <a:lnSpc>
+                <a:spcPct val="90000"/>
+              </a:lnSpc>
+              <a:spcBef>
+                <a:spcPts val="1001"/>
+              </a:spcBef>
+              <a:buClr>
+                <a:srgbClr val="000000"/>
+              </a:buClr>
+              <a:buFont typeface="Arial"/>
+              <a:buChar char="•"/>
+            </a:pPr>
+            <a:r>
+              <a:rPr b="0" lang="en-GB" sz="2800" spc="-1" strike="noStrike">
+                <a:solidFill>
+                  <a:srgbClr val="000000"/>
+                </a:solidFill>
+                <a:latin typeface="Calibri"/>
+              </a:rPr>
+              <a:t>User tests on initial UI</a:t>
+            </a:r>
+            <a:endParaRPr b="0" lang="en-IE" sz="2800" spc="-1" strike="noStrike">
+              <a:latin typeface="Arial"/>
+            </a:endParaRPr>
+          </a:p>
+          <a:p>
+            <a:pPr marL="228600" indent="-228600">
+              <a:lnSpc>
+                <a:spcPct val="90000"/>
+              </a:lnSpc>
+              <a:spcBef>
+                <a:spcPts val="1001"/>
+              </a:spcBef>
+              <a:buClr>
+                <a:srgbClr val="000000"/>
+              </a:buClr>
+              <a:buFont typeface="Arial"/>
+              <a:buChar char="•"/>
+            </a:pPr>
+            <a:r>
+              <a:rPr b="0" lang="en-GB" sz="2800" spc="-1" strike="noStrike">
+                <a:solidFill>
+                  <a:srgbClr val="000000"/>
+                </a:solidFill>
+                <a:latin typeface="Calibri"/>
+              </a:rPr>
+              <a:t>Test the hardware we have on hand</a:t>
+            </a:r>
+            <a:endParaRPr b="0" lang="en-IE" sz="2800" spc="-1" strike="noStrike">
+              <a:latin typeface="Arial"/>
+            </a:endParaRPr>
+          </a:p>
+          <a:p>
+            <a:pPr marL="228600" indent="-228600">
+              <a:lnSpc>
+                <a:spcPct val="90000"/>
+              </a:lnSpc>
+              <a:spcBef>
+                <a:spcPts val="1001"/>
+              </a:spcBef>
+              <a:buClr>
+                <a:srgbClr val="000000"/>
+              </a:buClr>
+              <a:buFont typeface="Arial"/>
+              <a:buChar char="•"/>
+            </a:pPr>
+            <a:r>
+              <a:rPr b="0" lang="en-GB" sz="2800" spc="-1" strike="noStrike">
+                <a:solidFill>
+                  <a:srgbClr val="000000"/>
+                </a:solidFill>
+                <a:latin typeface="Calibri"/>
+              </a:rPr>
+              <a:t>Test the software we will be using to ensure it can handle what we require of it</a:t>
+            </a:r>
+            <a:endParaRPr b="0" lang="en-IE" sz="2800" spc="-1" strike="noStrike">
+              <a:latin typeface="Arial"/>
+            </a:endParaRPr>
+          </a:p>
+        </p:txBody>
+      </p:sp>
+    </p:spTree>
+  </p:cSld>
+  <mc:AlternateContent>
+    <mc:Choice Requires="p14">
+      <p:transition spd="slow" p14:dur="2000"/>
+    </mc:Choice>
+    <mc:Fallback>
+      <p:transition spd="slow"/>
+    </mc:Fallback>
+  </mc:AlternateContent>
+</p:sld>
+</file>
+
+<file path=ppt/slides/slide21.xml><?xml version="1.0" encoding="utf-8"?>
+<p:sld xmlns:a="http://schemas.openxmlformats.org/drawingml/2006/main" xmlns:p="http://schemas.openxmlformats.org/presentationml/2006/main" xmlns:r="http://schemas.openxmlformats.org/officeDocument/2006/relationships" xmlns:p14="http://schemas.microsoft.com/office/powerpoint/2010/main" xmlns:p15="http://schemas.microsoft.com/office/powerpoint/2012/main" xmlns:mc="http://schemas.openxmlformats.org/markup-compatibility/2006">
+  <p:cSld>
+    <p:spTree>
+      <p:nvGrpSpPr>
+        <p:cNvPr id="1" name=""/>
+        <p:cNvGrpSpPr/>
+        <p:nvPr/>
+      </p:nvGrpSpPr>
+      <p:grpSpPr>
+        <a:xfrm>
+          <a:off x="0" y="0"/>
+          <a:ext cx="0" cy="0"/>
+          <a:chOff x="0" y="0"/>
+          <a:chExt cx="0" cy="0"/>
+        </a:xfrm>
+      </p:grpSpPr>
+      <p:sp>
+        <p:nvSpPr>
+          <p:cNvPr id="164" name="PlaceHolder 1"/>
+          <p:cNvSpPr>
+            <a:spLocks noGrp="1"/>
+          </p:cNvSpPr>
+          <p:nvPr>
+            <p:ph type="title"/>
+          </p:nvPr>
+        </p:nvSpPr>
+        <p:spPr>
+          <a:xfrm>
+            <a:off x="838080" y="365040"/>
+            <a:ext cx="10514520" cy="1324440"/>
           </a:xfrm>
           <a:prstGeom prst="rect">
             <a:avLst/>
@@ -7760,7 +10720,7 @@
       </p:sp>
       <p:sp>
         <p:nvSpPr>
-          <p:cNvPr id="122" name="PlaceHolder 2"/>
+          <p:cNvPr id="165" name="PlaceHolder 2"/>
           <p:cNvSpPr>
             <a:spLocks noGrp="1"/>
           </p:cNvSpPr>
@@ -7771,7 +10731,7 @@
         <p:spPr>
           <a:xfrm>
             <a:off x="838080" y="1825560"/>
-            <a:ext cx="10514880" cy="4350600"/>
+            <a:ext cx="10514520" cy="4350240"/>
           </a:xfrm>
           <a:prstGeom prst="rect">
             <a:avLst/>
@@ -7860,7 +10820,7 @@
       </p:grpSpPr>
       <p:sp>
         <p:nvSpPr>
-          <p:cNvPr id="86" name="PlaceHolder 1"/>
+          <p:cNvPr id="127" name="PlaceHolder 1"/>
           <p:cNvSpPr>
             <a:spLocks noGrp="1"/>
           </p:cNvSpPr>
@@ -7871,7 +10831,7 @@
         <p:spPr>
           <a:xfrm>
             <a:off x="838080" y="365040"/>
-            <a:ext cx="10514880" cy="1324800"/>
+            <a:ext cx="10514520" cy="1324440"/>
           </a:xfrm>
           <a:prstGeom prst="rect">
             <a:avLst/>
@@ -7909,7 +10869,7 @@
       </p:sp>
       <p:sp>
         <p:nvSpPr>
-          <p:cNvPr id="87" name="PlaceHolder 2"/>
+          <p:cNvPr id="128" name="PlaceHolder 2"/>
           <p:cNvSpPr>
             <a:spLocks noGrp="1"/>
           </p:cNvSpPr>
@@ -7920,7 +10880,7 @@
         <p:spPr>
           <a:xfrm>
             <a:off x="838080" y="1825560"/>
-            <a:ext cx="10514880" cy="4350600"/>
+            <a:ext cx="10514520" cy="4350240"/>
           </a:xfrm>
           <a:prstGeom prst="rect">
             <a:avLst/>
@@ -7955,25 +10915,7 @@
                 </a:solidFill>
                 <a:latin typeface="Calibri"/>
               </a:rPr>
-              <a:t>Introduce the team </a:t>
-            </a:r>
-            <a:r>
-              <a:rPr b="0" lang="en-GB" sz="2800" spc="-1" strike="noStrike">
-                <a:solidFill>
-                  <a:srgbClr val="000000"/>
-                </a:solidFill>
-                <a:latin typeface="Calibri"/>
-              </a:rPr>
-              <a:t>members, with their </a:t>
-            </a:r>
-            <a:r>
-              <a:rPr b="0" lang="en-GB" sz="2800" spc="-1" strike="noStrike">
-                <a:solidFill>
-                  <a:srgbClr val="000000"/>
-                </a:solidFill>
-                <a:latin typeface="Calibri"/>
-              </a:rPr>
-              <a:t>roles</a:t>
+              <a:t>Introduce the team members, with their roles</a:t>
             </a:r>
             <a:endParaRPr b="0" lang="en-IE" sz="2800" spc="-1" strike="noStrike">
               <a:latin typeface="Arial"/>
@@ -8000,25 +10942,7 @@
                 </a:solidFill>
                 <a:latin typeface="Calibri"/>
               </a:rPr>
-              <a:t>Introduce our idea and </a:t>
-            </a:r>
-            <a:r>
-              <a:rPr b="0" lang="en-GB" sz="2800" spc="-1" strike="noStrike">
-                <a:solidFill>
-                  <a:srgbClr val="000000"/>
-                </a:solidFill>
-                <a:latin typeface="Calibri"/>
-              </a:rPr>
-              <a:t>the goals of our </a:t>
-            </a:r>
-            <a:r>
-              <a:rPr b="0" lang="en-GB" sz="2800" spc="-1" strike="noStrike">
-                <a:solidFill>
-                  <a:srgbClr val="000000"/>
-                </a:solidFill>
-                <a:latin typeface="Calibri"/>
-              </a:rPr>
-              <a:t>project here</a:t>
+              <a:t>Introduce our idea and the goals of our project here</a:t>
             </a:r>
             <a:endParaRPr b="0" lang="en-IE" sz="2800" spc="-1" strike="noStrike">
               <a:latin typeface="Arial"/>
@@ -8058,7 +10982,7 @@
       </p:grpSpPr>
       <p:sp>
         <p:nvSpPr>
-          <p:cNvPr id="88" name="PlaceHolder 1"/>
+          <p:cNvPr id="129" name="PlaceHolder 1"/>
           <p:cNvSpPr>
             <a:spLocks noGrp="1"/>
           </p:cNvSpPr>
@@ -8069,7 +10993,7 @@
         <p:spPr>
           <a:xfrm>
             <a:off x="838080" y="365040"/>
-            <a:ext cx="10514880" cy="1324800"/>
+            <a:ext cx="10514520" cy="1324440"/>
           </a:xfrm>
           <a:prstGeom prst="rect">
             <a:avLst/>
@@ -8107,7 +11031,7 @@
       </p:sp>
       <p:sp>
         <p:nvSpPr>
-          <p:cNvPr id="89" name="PlaceHolder 2"/>
+          <p:cNvPr id="130" name="PlaceHolder 2"/>
           <p:cNvSpPr>
             <a:spLocks noGrp="1"/>
           </p:cNvSpPr>
@@ -8118,7 +11042,7 @@
         <p:spPr>
           <a:xfrm>
             <a:off x="838080" y="1825560"/>
-            <a:ext cx="10514880" cy="4350600"/>
+            <a:ext cx="10514520" cy="4350240"/>
           </a:xfrm>
           <a:prstGeom prst="rect">
             <a:avLst/>
@@ -8153,16 +11077,7 @@
                 </a:solidFill>
                 <a:latin typeface="Calibri"/>
               </a:rPr>
-              <a:t>List the functional </a:t>
-            </a:r>
-            <a:r>
-              <a:rPr b="0" lang="en-GB" sz="2800" spc="-1" strike="noStrike">
-                <a:solidFill>
-                  <a:srgbClr val="000000"/>
-                </a:solidFill>
-                <a:latin typeface="Calibri"/>
-              </a:rPr>
-              <a:t>requirements</a:t>
+              <a:t>List the functional requirements</a:t>
             </a:r>
             <a:endParaRPr b="0" lang="en-IE" sz="2800" spc="-1" strike="noStrike">
               <a:latin typeface="Arial"/>
@@ -8189,25 +11104,7 @@
                 </a:solidFill>
                 <a:latin typeface="Calibri"/>
               </a:rPr>
-              <a:t>Talk about the use </a:t>
-            </a:r>
-            <a:r>
-              <a:rPr b="0" lang="en-GB" sz="2800" spc="-1" strike="noStrike">
-                <a:solidFill>
-                  <a:srgbClr val="000000"/>
-                </a:solidFill>
-                <a:latin typeface="Calibri"/>
-              </a:rPr>
-              <a:t>cases this device can </a:t>
-            </a:r>
-            <a:r>
-              <a:rPr b="0" lang="en-GB" sz="2800" spc="-1" strike="noStrike">
-                <a:solidFill>
-                  <a:srgbClr val="000000"/>
-                </a:solidFill>
-                <a:latin typeface="Calibri"/>
-              </a:rPr>
-              <a:t>fulfil(?)</a:t>
+              <a:t>Talk about the use cases this device can fulfil(?)</a:t>
             </a:r>
             <a:endParaRPr b="0" lang="en-IE" sz="2800" spc="-1" strike="noStrike">
               <a:latin typeface="Arial"/>
@@ -8247,7 +11144,7 @@
       </p:grpSpPr>
       <p:sp>
         <p:nvSpPr>
-          <p:cNvPr id="90" name="PlaceHolder 1"/>
+          <p:cNvPr id="131" name="PlaceHolder 1"/>
           <p:cNvSpPr>
             <a:spLocks noGrp="1"/>
           </p:cNvSpPr>
@@ -8258,7 +11155,7 @@
         <p:spPr>
           <a:xfrm>
             <a:off x="838080" y="365040"/>
-            <a:ext cx="10514880" cy="1324800"/>
+            <a:ext cx="10514520" cy="1324440"/>
           </a:xfrm>
           <a:prstGeom prst="rect">
             <a:avLst/>
@@ -8296,7 +11193,7 @@
       </p:sp>
       <p:sp>
         <p:nvSpPr>
-          <p:cNvPr id="91" name="PlaceHolder 2"/>
+          <p:cNvPr id="132" name="PlaceHolder 2"/>
           <p:cNvSpPr>
             <a:spLocks noGrp="1"/>
           </p:cNvSpPr>
@@ -8307,7 +11204,7 @@
         <p:spPr>
           <a:xfrm>
             <a:off x="838080" y="1825560"/>
-            <a:ext cx="10514880" cy="4350600"/>
+            <a:ext cx="10514520" cy="4350240"/>
           </a:xfrm>
           <a:prstGeom prst="rect">
             <a:avLst/>
@@ -8369,34 +11266,7 @@
                 </a:solidFill>
                 <a:latin typeface="Calibri"/>
               </a:rPr>
-              <a:t>detail how users connect, what </a:t>
-            </a:r>
-            <a:r>
-              <a:rPr b="0" lang="en-GB" sz="1800" spc="-1" strike="noStrike">
-                <a:solidFill>
-                  <a:srgbClr val="000000"/>
-                </a:solidFill>
-                <a:latin typeface="Calibri"/>
-              </a:rPr>
-              <a:t>data is available to them and what </a:t>
-            </a:r>
-            <a:r>
-              <a:rPr b="0" lang="en-GB" sz="1800" spc="-1" strike="noStrike">
-                <a:solidFill>
-                  <a:srgbClr val="000000"/>
-                </a:solidFill>
-                <a:latin typeface="Calibri"/>
-              </a:rPr>
-              <a:t>functionality they have to view and </a:t>
-            </a:r>
-            <a:r>
-              <a:rPr b="0" lang="en-GB" sz="1800" spc="-1" strike="noStrike">
-                <a:solidFill>
-                  <a:srgbClr val="000000"/>
-                </a:solidFill>
-                <a:latin typeface="Calibri"/>
-              </a:rPr>
-              <a:t>interrogate the data. </a:t>
+              <a:t>detail how users connect, what data is available to them and what functionality they have to view and interrogate the data. </a:t>
             </a:r>
             <a:endParaRPr b="0" lang="en-IE" sz="1800" spc="-1" strike="noStrike">
               <a:latin typeface="Arial"/>
@@ -8436,7 +11306,7 @@
       </p:grpSpPr>
       <p:sp>
         <p:nvSpPr>
-          <p:cNvPr id="92" name="PlaceHolder 1"/>
+          <p:cNvPr id="133" name="PlaceHolder 1"/>
           <p:cNvSpPr>
             <a:spLocks noGrp="1"/>
           </p:cNvSpPr>
@@ -8447,7 +11317,7 @@
         <p:spPr>
           <a:xfrm>
             <a:off x="838080" y="365040"/>
-            <a:ext cx="10514880" cy="1324800"/>
+            <a:ext cx="10514520" cy="1324440"/>
           </a:xfrm>
           <a:prstGeom prst="rect">
             <a:avLst/>
@@ -8485,7 +11355,7 @@
       </p:sp>
       <p:sp>
         <p:nvSpPr>
-          <p:cNvPr id="93" name="PlaceHolder 2"/>
+          <p:cNvPr id="134" name="PlaceHolder 2"/>
           <p:cNvSpPr>
             <a:spLocks noGrp="1"/>
           </p:cNvSpPr>
@@ -8496,7 +11366,7 @@
         <p:spPr>
           <a:xfrm>
             <a:off x="838080" y="1825560"/>
-            <a:ext cx="10514880" cy="4350600"/>
+            <a:ext cx="10514520" cy="4350240"/>
           </a:xfrm>
           <a:prstGeom prst="rect">
             <a:avLst/>
@@ -8531,25 +11401,7 @@
                 </a:solidFill>
                 <a:latin typeface="Calibri"/>
               </a:rPr>
-              <a:t>Show some paper </a:t>
-            </a:r>
-            <a:r>
-              <a:rPr b="0" lang="en-GB" sz="2800" spc="-1" strike="noStrike">
-                <a:solidFill>
-                  <a:srgbClr val="000000"/>
-                </a:solidFill>
-                <a:latin typeface="Calibri"/>
-              </a:rPr>
-              <a:t>prototyping first, then </a:t>
-            </a:r>
-            <a:r>
-              <a:rPr b="0" lang="en-GB" sz="2800" spc="-1" strike="noStrike">
-                <a:solidFill>
-                  <a:srgbClr val="000000"/>
-                </a:solidFill>
-                <a:latin typeface="Calibri"/>
-              </a:rPr>
-              <a:t>some figma</a:t>
+              <a:t>Show some paper prototyping first, then some figma</a:t>
             </a:r>
             <a:endParaRPr b="0" lang="en-IE" sz="2800" spc="-1" strike="noStrike">
               <a:latin typeface="Arial"/>
@@ -8589,7 +11441,7 @@
       </p:grpSpPr>
       <p:sp>
         <p:nvSpPr>
-          <p:cNvPr id="94" name="PlaceHolder 1"/>
+          <p:cNvPr id="135" name="PlaceHolder 1"/>
           <p:cNvSpPr>
             <a:spLocks noGrp="1"/>
           </p:cNvSpPr>
@@ -8600,7 +11452,7 @@
         <p:spPr>
           <a:xfrm>
             <a:off x="838080" y="365040"/>
-            <a:ext cx="10514880" cy="1324800"/>
+            <a:ext cx="10514520" cy="1324440"/>
           </a:xfrm>
           <a:prstGeom prst="rect">
             <a:avLst/>
@@ -8638,7 +11490,7 @@
       </p:sp>
       <p:sp>
         <p:nvSpPr>
-          <p:cNvPr id="95" name="PlaceHolder 2"/>
+          <p:cNvPr id="136" name="PlaceHolder 2"/>
           <p:cNvSpPr>
             <a:spLocks noGrp="1"/>
           </p:cNvSpPr>
@@ -8649,7 +11501,7 @@
         <p:spPr>
           <a:xfrm>
             <a:off x="838080" y="1825560"/>
-            <a:ext cx="10514880" cy="4350600"/>
+            <a:ext cx="10514520" cy="4350240"/>
           </a:xfrm>
           <a:prstGeom prst="rect">
             <a:avLst/>
@@ -8684,25 +11536,7 @@
                 </a:solidFill>
                 <a:latin typeface="Calibri"/>
               </a:rPr>
-              <a:t>List all physical </a:t>
-            </a:r>
-            <a:r>
-              <a:rPr b="0" lang="en-GB" sz="2800" spc="-1" strike="noStrike">
-                <a:solidFill>
-                  <a:srgbClr val="000000"/>
-                </a:solidFill>
-                <a:latin typeface="Calibri"/>
-              </a:rPr>
-              <a:t>components and </a:t>
-            </a:r>
-            <a:r>
-              <a:rPr b="0" lang="en-GB" sz="2800" spc="-1" strike="noStrike">
-                <a:solidFill>
-                  <a:srgbClr val="000000"/>
-                </a:solidFill>
-                <a:latin typeface="Calibri"/>
-              </a:rPr>
-              <a:t>sensors here</a:t>
+              <a:t>List all physical components and sensors here</a:t>
             </a:r>
             <a:endParaRPr b="0" lang="en-IE" sz="2800" spc="-1" strike="noStrike">
               <a:latin typeface="Arial"/>
@@ -8729,79 +11563,7 @@
                 </a:solidFill>
                 <a:latin typeface="WordVisi_MSFontService"/>
               </a:rPr>
-              <a:t>This must include </a:t>
-            </a:r>
-            <a:r>
-              <a:rPr b="0" lang="en-IE" sz="2800" spc="-1" strike="noStrike">
-                <a:solidFill>
-                  <a:srgbClr val="000000"/>
-                </a:solidFill>
-                <a:latin typeface="WordVisi_MSFontService"/>
-              </a:rPr>
-              <a:t>all sensors, </a:t>
-            </a:r>
-            <a:r>
-              <a:rPr b="0" lang="en-IE" sz="2800" spc="-1" strike="noStrike">
-                <a:solidFill>
-                  <a:srgbClr val="000000"/>
-                </a:solidFill>
-                <a:latin typeface="WordVisi_MSFontService"/>
-              </a:rPr>
-              <a:t>resistors, </a:t>
-            </a:r>
-            <a:r>
-              <a:rPr b="0" lang="en-IE" sz="2800" spc="-1" strike="noStrike">
-                <a:solidFill>
-                  <a:srgbClr val="000000"/>
-                </a:solidFill>
-                <a:latin typeface="WordVisi_MSFontService"/>
-              </a:rPr>
-              <a:t>connectors, power </a:t>
-            </a:r>
-            <a:r>
-              <a:rPr b="0" lang="en-IE" sz="2800" spc="-1" strike="noStrike">
-                <a:solidFill>
-                  <a:srgbClr val="000000"/>
-                </a:solidFill>
-                <a:latin typeface="WordVisi_MSFontService"/>
-              </a:rPr>
-              <a:t>bank if the device is </a:t>
-            </a:r>
-            <a:r>
-              <a:rPr b="0" lang="en-IE" sz="2800" spc="-1" strike="noStrike">
-                <a:solidFill>
-                  <a:srgbClr val="000000"/>
-                </a:solidFill>
-                <a:latin typeface="WordVisi_MSFontService"/>
-              </a:rPr>
-              <a:t>not plugged in and </a:t>
-            </a:r>
-            <a:r>
-              <a:rPr b="0" lang="en-IE" sz="2800" spc="-1" strike="noStrike">
-                <a:solidFill>
-                  <a:srgbClr val="000000"/>
-                </a:solidFill>
-                <a:latin typeface="WordVisi_MSFontService"/>
-              </a:rPr>
-              <a:t>GSM modules if the </a:t>
-            </a:r>
-            <a:r>
-              <a:rPr b="0" lang="en-IE" sz="2800" spc="-1" strike="noStrike">
-                <a:solidFill>
-                  <a:srgbClr val="000000"/>
-                </a:solidFill>
-                <a:latin typeface="WordVisi_MSFontService"/>
-              </a:rPr>
-              <a:t>device is to be </a:t>
-            </a:r>
-            <a:r>
-              <a:rPr b="0" lang="en-IE" sz="2800" spc="-1" strike="noStrike">
-                <a:solidFill>
-                  <a:srgbClr val="000000"/>
-                </a:solidFill>
-                <a:latin typeface="WordVisi_MSFontService"/>
-              </a:rPr>
-              <a:t>mobile</a:t>
+              <a:t>This must include all sensors, resistors, connectors, power bank if the device is not plugged in and GSM modules if the device is to be mobile</a:t>
             </a:r>
             <a:endParaRPr b="0" lang="en-IE" sz="2800" spc="-1" strike="noStrike">
               <a:latin typeface="Arial"/>
@@ -8841,7 +11603,7 @@
       </p:grpSpPr>
       <p:sp>
         <p:nvSpPr>
-          <p:cNvPr id="96" name="PlaceHolder 1"/>
+          <p:cNvPr id="137" name="PlaceHolder 1"/>
           <p:cNvSpPr>
             <a:spLocks noGrp="1"/>
           </p:cNvSpPr>
@@ -8852,7 +11614,7 @@
         <p:spPr>
           <a:xfrm>
             <a:off x="838080" y="365040"/>
-            <a:ext cx="10514880" cy="1324800"/>
+            <a:ext cx="10514520" cy="1324440"/>
           </a:xfrm>
           <a:prstGeom prst="rect">
             <a:avLst/>
@@ -8890,7 +11652,7 @@
       </p:sp>
       <p:sp>
         <p:nvSpPr>
-          <p:cNvPr id="97" name="PlaceHolder 2"/>
+          <p:cNvPr id="138" name="PlaceHolder 2"/>
           <p:cNvSpPr>
             <a:spLocks noGrp="1"/>
           </p:cNvSpPr>
@@ -8901,7 +11663,7 @@
         <p:spPr>
           <a:xfrm>
             <a:off x="838080" y="1825560"/>
-            <a:ext cx="10514880" cy="4350600"/>
+            <a:ext cx="10514520" cy="4350240"/>
           </a:xfrm>
           <a:prstGeom prst="rect">
             <a:avLst/>
@@ -8936,16 +11698,7 @@
                 </a:solidFill>
                 <a:latin typeface="Calibri"/>
               </a:rPr>
-              <a:t>Shows how the </a:t>
-            </a:r>
-            <a:r>
-              <a:rPr b="0" lang="en-GB" sz="2800" spc="-1" strike="noStrike">
-                <a:solidFill>
-                  <a:srgbClr val="000000"/>
-                </a:solidFill>
-                <a:latin typeface="Calibri"/>
-              </a:rPr>
-              <a:t>hardware connects</a:t>
+              <a:t>Shows how the hardware connects</a:t>
             </a:r>
             <a:endParaRPr b="0" lang="en-IE" sz="2800" spc="-1" strike="noStrike">
               <a:latin typeface="Arial"/>
@@ -8972,43 +11725,7 @@
                 </a:solidFill>
                 <a:latin typeface="Calibri"/>
               </a:rPr>
-              <a:t>Could come after </a:t>
-            </a:r>
-            <a:r>
-              <a:rPr b="0" lang="en-GB" sz="2800" spc="-1" strike="noStrike">
-                <a:solidFill>
-                  <a:srgbClr val="000000"/>
-                </a:solidFill>
-                <a:latin typeface="Calibri"/>
-              </a:rPr>
-              <a:t>“Powering the Device”, </a:t>
-            </a:r>
-            <a:r>
-              <a:rPr b="0" lang="en-GB" sz="2800" spc="-1" strike="noStrike">
-                <a:solidFill>
-                  <a:srgbClr val="000000"/>
-                </a:solidFill>
-                <a:latin typeface="Calibri"/>
-              </a:rPr>
-              <a:t>if a power source that </a:t>
-            </a:r>
-            <a:r>
-              <a:rPr b="0" lang="en-GB" sz="2800" spc="-1" strike="noStrike">
-                <a:solidFill>
-                  <a:srgbClr val="000000"/>
-                </a:solidFill>
-                <a:latin typeface="Calibri"/>
-              </a:rPr>
-              <a:t>can be represented in </a:t>
-            </a:r>
-            <a:r>
-              <a:rPr b="0" lang="en-GB" sz="2800" spc="-1" strike="noStrike">
-                <a:solidFill>
-                  <a:srgbClr val="000000"/>
-                </a:solidFill>
-                <a:latin typeface="Calibri"/>
-              </a:rPr>
-              <a:t>fritzing will be used</a:t>
+              <a:t>Could come after “Powering the Device”, if a power source that can be represented in fritzing will be used</a:t>
             </a:r>
             <a:endParaRPr b="0" lang="en-IE" sz="2800" spc="-1" strike="noStrike">
               <a:latin typeface="Arial"/>
@@ -9048,7 +11765,7 @@
       </p:grpSpPr>
       <p:sp>
         <p:nvSpPr>
-          <p:cNvPr id="98" name="PlaceHolder 1"/>
+          <p:cNvPr id="139" name="PlaceHolder 1"/>
           <p:cNvSpPr>
             <a:spLocks noGrp="1"/>
           </p:cNvSpPr>
@@ -9059,7 +11776,7 @@
         <p:spPr>
           <a:xfrm>
             <a:off x="838080" y="365040"/>
-            <a:ext cx="10514880" cy="1324800"/>
+            <a:ext cx="10514520" cy="1324440"/>
           </a:xfrm>
           <a:prstGeom prst="rect">
             <a:avLst/>
@@ -9097,7 +11814,7 @@
       </p:sp>
       <p:sp>
         <p:nvSpPr>
-          <p:cNvPr id="99" name="PlaceHolder 2"/>
+          <p:cNvPr id="140" name="PlaceHolder 2"/>
           <p:cNvSpPr>
             <a:spLocks noGrp="1"/>
           </p:cNvSpPr>
@@ -9108,7 +11825,7 @@
         <p:spPr>
           <a:xfrm>
             <a:off x="838080" y="1825560"/>
-            <a:ext cx="10514880" cy="4350600"/>
+            <a:ext cx="10514520" cy="4350240"/>
           </a:xfrm>
           <a:prstGeom prst="rect">
             <a:avLst/>
@@ -9197,16 +11914,7 @@
                 </a:solidFill>
                 <a:latin typeface="Calibri"/>
               </a:rPr>
-              <a:t>How does it handle power loss </a:t>
-            </a:r>
-            <a:r>
-              <a:rPr b="0" lang="en-GB" sz="2800" spc="-1" strike="noStrike">
-                <a:solidFill>
-                  <a:srgbClr val="000000"/>
-                </a:solidFill>
-                <a:latin typeface="Calibri"/>
-              </a:rPr>
-              <a:t>when plugged into wall socket?</a:t>
+              <a:t>How does it handle power loss when plugged into wall socket?</a:t>
             </a:r>
             <a:endParaRPr b="0" lang="en-IE" sz="2800" spc="-1" strike="noStrike">
               <a:latin typeface="Arial"/>
@@ -9677,4 +12385,230 @@
     </a:fmtScheme>
   </a:themeElements>
 </a:theme>
+</file>
+
+<file path=ppt/theme/theme3.xml><?xml version="1.0" encoding="utf-8"?>
+<a:theme xmlns:a="http://schemas.openxmlformats.org/drawingml/2006/main" name="Office Theme">
+  <a:themeElements>
+    <a:clrScheme name="Office">
+      <a:dk1>
+        <a:sysClr val="windowText" lastClr="000000"/>
+      </a:dk1>
+      <a:lt1>
+        <a:sysClr val="window" lastClr="FFFFFF"/>
+      </a:lt1>
+      <a:dk2>
+        <a:srgbClr val="44546a"/>
+      </a:dk2>
+      <a:lt2>
+        <a:srgbClr val="e7e6e6"/>
+      </a:lt2>
+      <a:accent1>
+        <a:srgbClr val="4472c4"/>
+      </a:accent1>
+      <a:accent2>
+        <a:srgbClr val="ed7d31"/>
+      </a:accent2>
+      <a:accent3>
+        <a:srgbClr val="a5a5a5"/>
+      </a:accent3>
+      <a:accent4>
+        <a:srgbClr val="ffc000"/>
+      </a:accent4>
+      <a:accent5>
+        <a:srgbClr val="5b9bd5"/>
+      </a:accent5>
+      <a:accent6>
+        <a:srgbClr val="70ad47"/>
+      </a:accent6>
+      <a:hlink>
+        <a:srgbClr val="0563c1"/>
+      </a:hlink>
+      <a:folHlink>
+        <a:srgbClr val="954f72"/>
+      </a:folHlink>
+    </a:clrScheme>
+    <a:fontScheme name="Office">
+      <a:majorFont>
+        <a:latin typeface="Arial"/>
+        <a:ea typeface="DejaVu Sans"/>
+        <a:cs typeface="DejaVu Sans"/>
+      </a:majorFont>
+      <a:minorFont>
+        <a:latin typeface="Arial"/>
+        <a:ea typeface="DejaVu Sans"/>
+        <a:cs typeface="DejaVu Sans"/>
+      </a:minorFont>
+    </a:fontScheme>
+    <a:fmtScheme name="Office">
+      <a:fillStyleLst>
+        <a:solidFill>
+          <a:schemeClr val="phClr"/>
+        </a:solidFill>
+        <a:gradFill rotWithShape="1">
+          <a:gsLst>
+            <a:gs pos="0">
+              <a:schemeClr val="phClr">
+                <a:tint val="50000"/>
+                <a:satMod val="300000"/>
+              </a:schemeClr>
+            </a:gs>
+            <a:gs pos="35000">
+              <a:schemeClr val="phClr">
+                <a:tint val="37000"/>
+                <a:satMod val="300000"/>
+              </a:schemeClr>
+            </a:gs>
+            <a:gs pos="100000">
+              <a:schemeClr val="phClr">
+                <a:tint val="15000"/>
+                <a:satMod val="350000"/>
+              </a:schemeClr>
+            </a:gs>
+          </a:gsLst>
+          <a:lin ang="16200000" scaled="1"/>
+        </a:gradFill>
+        <a:gradFill rotWithShape="1">
+          <a:gsLst>
+            <a:gs pos="0">
+              <a:schemeClr val="phClr">
+                <a:shade val="51000"/>
+                <a:satMod val="130000"/>
+              </a:schemeClr>
+            </a:gs>
+            <a:gs pos="80000">
+              <a:schemeClr val="phClr">
+                <a:shade val="93000"/>
+                <a:satMod val="130000"/>
+              </a:schemeClr>
+            </a:gs>
+            <a:gs pos="100000">
+              <a:schemeClr val="phClr">
+                <a:shade val="94000"/>
+                <a:satMod val="135000"/>
+              </a:schemeClr>
+            </a:gs>
+          </a:gsLst>
+          <a:lin ang="16200000" scaled="0"/>
+        </a:gradFill>
+      </a:fillStyleLst>
+      <a:lnStyleLst>
+        <a:ln w="9525" cap="flat" cmpd="sng" algn="ctr">
+          <a:solidFill>
+            <a:schemeClr val="phClr">
+              <a:shade val="95000"/>
+              <a:satMod val="105000"/>
+            </a:schemeClr>
+          </a:solidFill>
+          <a:prstDash val="solid"/>
+          <a:miter/>
+        </a:ln>
+        <a:ln w="25400" cap="flat" cmpd="sng" algn="ctr">
+          <a:solidFill>
+            <a:schemeClr val="phClr"/>
+          </a:solidFill>
+          <a:prstDash val="solid"/>
+          <a:miter/>
+        </a:ln>
+        <a:ln w="38100" cap="flat" cmpd="sng" algn="ctr">
+          <a:solidFill>
+            <a:schemeClr val="phClr"/>
+          </a:solidFill>
+          <a:prstDash val="solid"/>
+          <a:miter/>
+        </a:ln>
+      </a:lnStyleLst>
+      <a:effectStyleLst>
+        <a:effectStyle>
+          <a:effectLst>
+            <a:outerShdw blurRad="40000" dist="20000" dir="5400000" rotWithShape="0">
+              <a:srgbClr val="000000">
+                <a:alpha val="38000"/>
+              </a:srgbClr>
+            </a:outerShdw>
+          </a:effectLst>
+        </a:effectStyle>
+        <a:effectStyle>
+          <a:effectLst>
+            <a:outerShdw blurRad="40000" dist="23000" dir="5400000" rotWithShape="0">
+              <a:srgbClr val="000000">
+                <a:alpha val="35000"/>
+              </a:srgbClr>
+            </a:outerShdw>
+          </a:effectLst>
+        </a:effectStyle>
+        <a:effectStyle>
+          <a:effectLst>
+            <a:outerShdw blurRad="40000" dist="23000" dir="5400000" rotWithShape="0">
+              <a:srgbClr val="000000">
+                <a:alpha val="35000"/>
+              </a:srgbClr>
+            </a:outerShdw>
+          </a:effectLst>
+          <a:scene3d>
+            <a:camera prst="orthographicFront">
+              <a:rot lat="0" lon="0" rev="0"/>
+            </a:camera>
+            <a:lightRig rig="threePt" dir="t">
+              <a:rot lat="0" lon="0" rev="1200000"/>
+            </a:lightRig>
+          </a:scene3d>
+          <a:sp3d>
+            <a:bevelT w="63500" h="25400"/>
+          </a:sp3d>
+        </a:effectStyle>
+      </a:effectStyleLst>
+      <a:bgFillStyleLst>
+        <a:solidFill>
+          <a:schemeClr val="phClr"/>
+        </a:solidFill>
+        <a:gradFill rotWithShape="1">
+          <a:gsLst>
+            <a:gs pos="0">
+              <a:schemeClr val="phClr">
+                <a:tint val="40000"/>
+                <a:satMod val="350000"/>
+              </a:schemeClr>
+            </a:gs>
+            <a:gs pos="40000">
+              <a:schemeClr val="phClr">
+                <a:tint val="45000"/>
+                <a:shade val="99000"/>
+                <a:satMod val="350000"/>
+              </a:schemeClr>
+            </a:gs>
+            <a:gs pos="100000">
+              <a:schemeClr val="phClr">
+                <a:shade val="20000"/>
+                <a:satMod val="255000"/>
+              </a:schemeClr>
+            </a:gs>
+          </a:gsLst>
+          <a:path path="circle">
+            <a:fillToRect l="50000" t="-80000" r="50000" b="180000"/>
+          </a:path>
+        </a:gradFill>
+        <a:gradFill rotWithShape="1">
+          <a:gsLst>
+            <a:gs pos="0">
+              <a:schemeClr val="phClr">
+                <a:tint val="80000"/>
+                <a:satMod val="300000"/>
+              </a:schemeClr>
+            </a:gs>
+            <a:gs pos="100000">
+              <a:schemeClr val="phClr">
+                <a:shade val="30000"/>
+                <a:satMod val="200000"/>
+              </a:schemeClr>
+            </a:gs>
+          </a:gsLst>
+          <a:path path="circle">
+            <a:fillToRect l="50000" t="50000" r="50000" b="50000"/>
+          </a:path>
+        </a:gradFill>
+      </a:bgFillStyleLst>
+    </a:fmtScheme>
+  </a:themeElements>
+</a:theme>
 </file>
--- a/Slideshow template.pptx
+++ b/Slideshow template.pptx
@@ -5,29 +5,31 @@
     <p:sldMasterId id="2147483648" r:id="rId2"/>
     <p:sldMasterId id="2147483661" r:id="rId3"/>
     <p:sldMasterId id="2147483674" r:id="rId4"/>
+    <p:sldMasterId id="2147483687" r:id="rId5"/>
   </p:sldMasterIdLst>
   <p:sldIdLst>
-    <p:sldId id="256" r:id="rId5"/>
-    <p:sldId id="257" r:id="rId6"/>
-    <p:sldId id="258" r:id="rId7"/>
-    <p:sldId id="259" r:id="rId8"/>
-    <p:sldId id="260" r:id="rId9"/>
-    <p:sldId id="261" r:id="rId10"/>
-    <p:sldId id="262" r:id="rId11"/>
-    <p:sldId id="263" r:id="rId12"/>
-    <p:sldId id="264" r:id="rId13"/>
-    <p:sldId id="265" r:id="rId14"/>
-    <p:sldId id="266" r:id="rId15"/>
-    <p:sldId id="267" r:id="rId16"/>
-    <p:sldId id="268" r:id="rId17"/>
-    <p:sldId id="269" r:id="rId18"/>
-    <p:sldId id="270" r:id="rId19"/>
-    <p:sldId id="271" r:id="rId20"/>
-    <p:sldId id="272" r:id="rId21"/>
-    <p:sldId id="273" r:id="rId22"/>
-    <p:sldId id="274" r:id="rId23"/>
-    <p:sldId id="275" r:id="rId24"/>
-    <p:sldId id="276" r:id="rId25"/>
+    <p:sldId id="256" r:id="rId6"/>
+    <p:sldId id="257" r:id="rId7"/>
+    <p:sldId id="258" r:id="rId8"/>
+    <p:sldId id="259" r:id="rId9"/>
+    <p:sldId id="260" r:id="rId10"/>
+    <p:sldId id="261" r:id="rId11"/>
+    <p:sldId id="262" r:id="rId12"/>
+    <p:sldId id="263" r:id="rId13"/>
+    <p:sldId id="264" r:id="rId14"/>
+    <p:sldId id="265" r:id="rId15"/>
+    <p:sldId id="266" r:id="rId16"/>
+    <p:sldId id="267" r:id="rId17"/>
+    <p:sldId id="268" r:id="rId18"/>
+    <p:sldId id="269" r:id="rId19"/>
+    <p:sldId id="270" r:id="rId20"/>
+    <p:sldId id="271" r:id="rId21"/>
+    <p:sldId id="272" r:id="rId22"/>
+    <p:sldId id="273" r:id="rId23"/>
+    <p:sldId id="274" r:id="rId24"/>
+    <p:sldId id="275" r:id="rId25"/>
+    <p:sldId id="276" r:id="rId26"/>
+    <p:sldId id="277" r:id="rId27"/>
   </p:sldIdLst>
   <p:sldSz cx="12192000" cy="6858000"/>
   <p:notesSz cx="7559675" cy="10691813"/>
@@ -85,7 +87,7 @@
         <p:txBody>
           <a:bodyPr/>
           <a:p>
-            <a:fld id="{E701A5B8-42BC-4E20-B1B0-735907BB89E6}" type="slidenum">
+            <a:fld id="{8D55DE94-3E2E-49A2-B294-2CCB11968A9D}" type="slidenum">
               <a:t>&lt;#&gt;</a:t>
             </a:fld>
           </a:p>
@@ -273,7 +275,7 @@
         <p:txBody>
           <a:bodyPr/>
           <a:p>
-            <a:fld id="{1B893E18-73C4-4FED-AAF3-19AD36B6BD31}" type="slidenum">
+            <a:fld id="{114701A0-393E-4EFD-A9F0-67663B80D262}" type="slidenum">
               <a:t>&lt;#&gt;</a:t>
             </a:fld>
           </a:p>
@@ -529,7 +531,7 @@
         <p:txBody>
           <a:bodyPr/>
           <a:p>
-            <a:fld id="{5B0E602D-2945-4213-8A99-C303C0825AAA}" type="slidenum">
+            <a:fld id="{F7391DBF-009C-4303-9A32-D9EF0DD17D07}" type="slidenum">
               <a:t>&lt;#&gt;</a:t>
             </a:fld>
           </a:p>
@@ -853,7 +855,7 @@
         <p:txBody>
           <a:bodyPr/>
           <a:p>
-            <a:fld id="{06F9E35C-DAB8-46A0-824F-34634DF87BAC}" type="slidenum">
+            <a:fld id="{8522107C-043C-4036-80D3-F6C5AAEDFF19}" type="slidenum">
               <a:t>&lt;#&gt;</a:t>
             </a:fld>
           </a:p>
@@ -936,7 +938,7 @@
         <p:txBody>
           <a:bodyPr/>
           <a:p>
-            <a:fld id="{75C3DC34-6435-43D3-882D-216C44E66D3B}" type="slidenum">
+            <a:fld id="{ACAA2E0D-1E77-4E3D-9534-771754D3B194}" type="slidenum">
               <a:t>&lt;#&gt;</a:t>
             </a:fld>
           </a:p>
@@ -1093,7 +1095,7 @@
         <p:txBody>
           <a:bodyPr/>
           <a:p>
-            <a:fld id="{08E65585-8D53-4836-B08C-6DA5F9D964E0}" type="slidenum">
+            <a:fld id="{C80D20D9-58B0-4AA6-8AC9-5A4631CC103A}" type="slidenum">
               <a:t>&lt;#&gt;</a:t>
             </a:fld>
           </a:p>
@@ -1247,7 +1249,7 @@
         <p:txBody>
           <a:bodyPr/>
           <a:p>
-            <a:fld id="{2C49D1D9-9264-4B4A-AD6B-C0D2A28244AF}" type="slidenum">
+            <a:fld id="{0E93F932-A6BC-49F9-9013-B34AA5C71CA6}" type="slidenum">
               <a:t>&lt;#&gt;</a:t>
             </a:fld>
           </a:p>
@@ -1435,7 +1437,7 @@
         <p:txBody>
           <a:bodyPr/>
           <a:p>
-            <a:fld id="{7F71583B-E306-42C9-A23E-EDC278D396EB}" type="slidenum">
+            <a:fld id="{487E7443-01C0-4C3B-AD9F-F0B31A9E3F7D}" type="slidenum">
               <a:t>&lt;#&gt;</a:t>
             </a:fld>
           </a:p>
@@ -1555,7 +1557,7 @@
         <p:txBody>
           <a:bodyPr/>
           <a:p>
-            <a:fld id="{6A2467C9-A262-486D-85C2-3A3CDD0A50FF}" type="slidenum">
+            <a:fld id="{24A9B8B1-7E41-4539-AE02-16D669FD0FF4}" type="slidenum">
               <a:t>&lt;#&gt;</a:t>
             </a:fld>
           </a:p>
@@ -1675,7 +1677,7 @@
         <p:txBody>
           <a:bodyPr/>
           <a:p>
-            <a:fld id="{29F8D221-431E-4F8D-BDC0-44C92E15768A}" type="slidenum">
+            <a:fld id="{8728385C-224B-4770-9E39-2077E8A1AB17}" type="slidenum">
               <a:t>&lt;#&gt;</a:t>
             </a:fld>
           </a:p>
@@ -1897,7 +1899,7 @@
         <p:txBody>
           <a:bodyPr/>
           <a:p>
-            <a:fld id="{B688F07B-9BE1-4CE0-97FD-FE985273B713}" type="slidenum">
+            <a:fld id="{574F78A7-1AB8-481E-B779-A32948A4D212}" type="slidenum">
               <a:t>&lt;#&gt;</a:t>
             </a:fld>
           </a:p>
@@ -2054,7 +2056,7 @@
         <p:txBody>
           <a:bodyPr/>
           <a:p>
-            <a:fld id="{F9650C1F-E862-49AF-BAAD-2D839CA949F0}" type="slidenum">
+            <a:fld id="{C9F6F914-203B-4ECF-9F11-E74412B66CD9}" type="slidenum">
               <a:t>&lt;#&gt;</a:t>
             </a:fld>
           </a:p>
@@ -2276,7 +2278,7 @@
         <p:txBody>
           <a:bodyPr/>
           <a:p>
-            <a:fld id="{ED913F98-144B-457B-BE53-EDE8A69711E4}" type="slidenum">
+            <a:fld id="{68E27E26-0B56-40AD-8D5B-8D989B551B84}" type="slidenum">
               <a:t>&lt;#&gt;</a:t>
             </a:fld>
           </a:p>
@@ -2498,7 +2500,7 @@
         <p:txBody>
           <a:bodyPr/>
           <a:p>
-            <a:fld id="{5D98426A-9434-4F74-B32F-43F37A33D177}" type="slidenum">
+            <a:fld id="{9F61F574-0993-44E6-AAB2-2EB29CDA05DD}" type="slidenum">
               <a:t>&lt;#&gt;</a:t>
             </a:fld>
           </a:p>
@@ -2686,7 +2688,7 @@
         <p:txBody>
           <a:bodyPr/>
           <a:p>
-            <a:fld id="{94929422-8305-415C-AD01-C501BDF413D0}" type="slidenum">
+            <a:fld id="{F69B623E-DA7D-4EF5-9B73-8780CACE517C}" type="slidenum">
               <a:t>&lt;#&gt;</a:t>
             </a:fld>
           </a:p>
@@ -2942,7 +2944,7 @@
         <p:txBody>
           <a:bodyPr/>
           <a:p>
-            <a:fld id="{EF6FBCDF-6E20-4BAA-913A-22EEF1F257E6}" type="slidenum">
+            <a:fld id="{825B756C-B355-491D-8709-B9E49EDEED06}" type="slidenum">
               <a:t>&lt;#&gt;</a:t>
             </a:fld>
           </a:p>
@@ -3266,7 +3268,7 @@
         <p:txBody>
           <a:bodyPr/>
           <a:p>
-            <a:fld id="{AC9B5B00-7A08-480A-AC35-302A51DC35B5}" type="slidenum">
+            <a:fld id="{F06FE113-E086-45CD-AFCD-2B3C45B0A4D0}" type="slidenum">
               <a:t>&lt;#&gt;</a:t>
             </a:fld>
           </a:p>
@@ -3349,7 +3351,7 @@
         <p:txBody>
           <a:bodyPr/>
           <a:p>
-            <a:fld id="{5808D2A6-BD0A-4BE6-A262-5DE397261DEE}" type="slidenum">
+            <a:fld id="{31C294AD-A76C-4805-85CB-7CFB8B38288B}" type="slidenum">
               <a:t>&lt;#&gt;</a:t>
             </a:fld>
           </a:p>
@@ -3506,7 +3508,7 @@
         <p:txBody>
           <a:bodyPr/>
           <a:p>
-            <a:fld id="{62489E00-09FA-490B-9B0B-195A9E3AE399}" type="slidenum">
+            <a:fld id="{97DB1581-D9B0-4F82-8261-DCE7812D1371}" type="slidenum">
               <a:t>&lt;#&gt;</a:t>
             </a:fld>
           </a:p>
@@ -3660,7 +3662,7 @@
         <p:txBody>
           <a:bodyPr/>
           <a:p>
-            <a:fld id="{B0D669E4-1CA6-495F-94DF-BABAFD588B6B}" type="slidenum">
+            <a:fld id="{9236558A-1A19-46C3-A04F-69869A2B7952}" type="slidenum">
               <a:t>&lt;#&gt;</a:t>
             </a:fld>
           </a:p>
@@ -3848,7 +3850,7 @@
         <p:txBody>
           <a:bodyPr/>
           <a:p>
-            <a:fld id="{78FE5B99-F16A-4E85-8DEB-AD8F7DC3CD9B}" type="slidenum">
+            <a:fld id="{223D20BC-616A-4263-A8DD-186AF067E50C}" type="slidenum">
               <a:t>&lt;#&gt;</a:t>
             </a:fld>
           </a:p>
@@ -3968,7 +3970,7 @@
         <p:txBody>
           <a:bodyPr/>
           <a:p>
-            <a:fld id="{BB0A7841-652E-48C9-ACD1-F1929AA51C26}" type="slidenum">
+            <a:fld id="{015AABE9-DB99-41DD-A676-3BC7CDA17B19}" type="slidenum">
               <a:t>&lt;#&gt;</a:t>
             </a:fld>
           </a:p>
@@ -4122,7 +4124,7 @@
         <p:txBody>
           <a:bodyPr/>
           <a:p>
-            <a:fld id="{FDC2BC48-541C-41DB-A559-F37AC579B07E}" type="slidenum">
+            <a:fld id="{0A9E0180-EAC0-4061-8990-77CC6A324A07}" type="slidenum">
               <a:t>&lt;#&gt;</a:t>
             </a:fld>
           </a:p>
@@ -4242,7 +4244,7 @@
         <p:txBody>
           <a:bodyPr/>
           <a:p>
-            <a:fld id="{4026B004-9E65-40A2-B1A1-1B9215AA0F3C}" type="slidenum">
+            <a:fld id="{ECD556E6-8D91-4CAA-81EA-4D3D6F137E2B}" type="slidenum">
               <a:t>&lt;#&gt;</a:t>
             </a:fld>
           </a:p>
@@ -4464,7 +4466,7 @@
         <p:txBody>
           <a:bodyPr/>
           <a:p>
-            <a:fld id="{11BF06A7-C651-4366-A30A-D287B41AAB8D}" type="slidenum">
+            <a:fld id="{C420664B-4518-4A34-8660-DB7111371CF0}" type="slidenum">
               <a:t>&lt;#&gt;</a:t>
             </a:fld>
           </a:p>
@@ -4686,7 +4688,7 @@
         <p:txBody>
           <a:bodyPr/>
           <a:p>
-            <a:fld id="{321AAB82-0D5B-40C3-AA5E-D073DD75FC20}" type="slidenum">
+            <a:fld id="{AA3723D5-DA5C-4E7A-8E13-7C74847ED370}" type="slidenum">
               <a:t>&lt;#&gt;</a:t>
             </a:fld>
           </a:p>
@@ -4908,7 +4910,7 @@
         <p:txBody>
           <a:bodyPr/>
           <a:p>
-            <a:fld id="{14C5D71A-3277-423C-BF5D-3FF6F8A6CF83}" type="slidenum">
+            <a:fld id="{7DC679CA-DBCC-40C5-B4B7-299CD0129ABE}" type="slidenum">
               <a:t>&lt;#&gt;</a:t>
             </a:fld>
           </a:p>
@@ -5096,7 +5098,7 @@
         <p:txBody>
           <a:bodyPr/>
           <a:p>
-            <a:fld id="{C22F6DFF-583A-4D0B-917B-449A1F4230A3}" type="slidenum">
+            <a:fld id="{9082E445-ADAF-40BA-BD88-01307CD1B8FF}" type="slidenum">
               <a:t>&lt;#&gt;</a:t>
             </a:fld>
           </a:p>
@@ -5352,7 +5354,7 @@
         <p:txBody>
           <a:bodyPr/>
           <a:p>
-            <a:fld id="{8BB490C8-FB68-4096-8613-494AF29B1F2C}" type="slidenum">
+            <a:fld id="{C3A52522-00AA-44A0-99C0-1EB4690948D9}" type="slidenum">
               <a:t>&lt;#&gt;</a:t>
             </a:fld>
           </a:p>
@@ -5676,7 +5678,7 @@
         <p:txBody>
           <a:bodyPr/>
           <a:p>
-            <a:fld id="{B1FCF0C0-C51B-445E-9601-AF02FB88E5B8}" type="slidenum">
+            <a:fld id="{508D54ED-6C64-4E16-8271-4DAB1896D39A}" type="slidenum">
               <a:t>&lt;#&gt;</a:t>
             </a:fld>
           </a:p>
@@ -5690,6 +5692,400 @@
           </p:cNvSpPr>
           <p:nvPr>
             <p:ph type="dt" idx="9"/>
+          </p:nvPr>
+        </p:nvSpPr>
+        <p:spPr/>
+        <p:txBody>
+          <a:bodyPr/>
+          <a:p>
+            <a:r>
+              <a:rPr lang="en-IE"/>
+              <a:t/>
+            </a:r>
+          </a:p>
+        </p:txBody>
+      </p:sp>
+    </p:spTree>
+  </p:cSld>
+</p:sldLayout>
+</file>
+
+<file path=ppt/slideLayouts/slideLayout37.xml><?xml version="1.0" encoding="utf-8"?>
+<p:sldLayout xmlns:a="http://schemas.openxmlformats.org/drawingml/2006/main" xmlns:p="http://schemas.openxmlformats.org/presentationml/2006/main" xmlns:r="http://schemas.openxmlformats.org/officeDocument/2006/relationships" xmlns:p14="http://schemas.microsoft.com/office/powerpoint/2010/main" xmlns:p15="http://schemas.microsoft.com/office/powerpoint/2012/main" xmlns:mc="http://schemas.openxmlformats.org/markup-compatibility/2006" type="blank" preserve="1">
+  <p:cSld name="Blank Slide">
+    <p:spTree>
+      <p:nvGrpSpPr>
+        <p:cNvPr id="1" name=""/>
+        <p:cNvGrpSpPr/>
+        <p:nvPr/>
+      </p:nvGrpSpPr>
+      <p:grpSpPr>
+        <a:xfrm>
+          <a:off x="0" y="0"/>
+          <a:ext cx="0" cy="0"/>
+          <a:chOff x="0" y="0"/>
+          <a:chExt cx="0" cy="0"/>
+        </a:xfrm>
+      </p:grpSpPr>
+      <p:sp>
+        <p:nvSpPr>
+          <p:cNvPr id="2" name="PlaceHolder 1"/>
+          <p:cNvSpPr>
+            <a:spLocks noGrp="1"/>
+          </p:cNvSpPr>
+          <p:nvPr>
+            <p:ph type="ftr" idx="10"/>
+          </p:nvPr>
+        </p:nvSpPr>
+        <p:spPr/>
+        <p:txBody>
+          <a:bodyPr/>
+          <a:p>
+            <a:r>
+              <a:t>Footer</a:t>
+            </a:r>
+          </a:p>
+        </p:txBody>
+      </p:sp>
+      <p:sp>
+        <p:nvSpPr>
+          <p:cNvPr id="3" name="PlaceHolder 2"/>
+          <p:cNvSpPr>
+            <a:spLocks noGrp="1"/>
+          </p:cNvSpPr>
+          <p:nvPr>
+            <p:ph type="sldNum" idx="11"/>
+          </p:nvPr>
+        </p:nvSpPr>
+        <p:spPr/>
+        <p:txBody>
+          <a:bodyPr/>
+          <a:p>
+            <a:fld id="{1EBE8690-A5F8-4EB1-9C1F-520344A28882}" type="slidenum">
+              <a:t>&lt;#&gt;</a:t>
+            </a:fld>
+          </a:p>
+        </p:txBody>
+      </p:sp>
+      <p:sp>
+        <p:nvSpPr>
+          <p:cNvPr id="4" name="PlaceHolder 3"/>
+          <p:cNvSpPr>
+            <a:spLocks noGrp="1"/>
+          </p:cNvSpPr>
+          <p:nvPr>
+            <p:ph type="dt" idx="12"/>
+          </p:nvPr>
+        </p:nvSpPr>
+        <p:spPr/>
+        <p:txBody>
+          <a:bodyPr/>
+          <a:p>
+            <a:r>
+              <a:rPr lang="en-IE"/>
+              <a:t/>
+            </a:r>
+          </a:p>
+        </p:txBody>
+      </p:sp>
+    </p:spTree>
+  </p:cSld>
+</p:sldLayout>
+</file>
+
+<file path=ppt/slideLayouts/slideLayout38.xml><?xml version="1.0" encoding="utf-8"?>
+<p:sldLayout xmlns:a="http://schemas.openxmlformats.org/drawingml/2006/main" xmlns:p="http://schemas.openxmlformats.org/presentationml/2006/main" xmlns:r="http://schemas.openxmlformats.org/officeDocument/2006/relationships" xmlns:p14="http://schemas.microsoft.com/office/powerpoint/2010/main" xmlns:p15="http://schemas.microsoft.com/office/powerpoint/2012/main" xmlns:mc="http://schemas.openxmlformats.org/markup-compatibility/2006" type="tx" preserve="1">
+  <p:cSld name="Title Slide">
+    <p:spTree>
+      <p:nvGrpSpPr>
+        <p:cNvPr id="1" name=""/>
+        <p:cNvGrpSpPr/>
+        <p:nvPr/>
+      </p:nvGrpSpPr>
+      <p:grpSpPr>
+        <a:xfrm>
+          <a:off x="0" y="0"/>
+          <a:ext cx="0" cy="0"/>
+          <a:chOff x="0" y="0"/>
+          <a:chExt cx="0" cy="0"/>
+        </a:xfrm>
+      </p:grpSpPr>
+      <p:sp>
+        <p:nvSpPr>
+          <p:cNvPr id="128" name="PlaceHolder 1"/>
+          <p:cNvSpPr>
+            <a:spLocks noGrp="1"/>
+          </p:cNvSpPr>
+          <p:nvPr>
+            <p:ph type="title"/>
+          </p:nvPr>
+        </p:nvSpPr>
+        <p:spPr>
+          <a:xfrm>
+            <a:off x="609480" y="273600"/>
+            <a:ext cx="10972440" cy="1144800"/>
+          </a:xfrm>
+          <a:prstGeom prst="rect">
+            <a:avLst/>
+          </a:prstGeom>
+          <a:noFill/>
+          <a:ln w="0">
+            <a:noFill/>
+          </a:ln>
+        </p:spPr>
+        <p:txBody>
+          <a:bodyPr lIns="0" rIns="0" tIns="0" bIns="0" anchor="ctr">
+            <a:noAutofit/>
+          </a:bodyPr>
+          <a:p>
+            <a:pPr algn="ctr">
+              <a:buNone/>
+            </a:pPr>
+            <a:endParaRPr b="0" lang="en-IE" sz="4400" spc="-1" strike="noStrike">
+              <a:latin typeface="Arial"/>
+            </a:endParaRPr>
+          </a:p>
+        </p:txBody>
+      </p:sp>
+      <p:sp>
+        <p:nvSpPr>
+          <p:cNvPr id="129" name="PlaceHolder 2"/>
+          <p:cNvSpPr>
+            <a:spLocks noGrp="1"/>
+          </p:cNvSpPr>
+          <p:nvPr>
+            <p:ph type="subTitle"/>
+          </p:nvPr>
+        </p:nvSpPr>
+        <p:spPr>
+          <a:xfrm>
+            <a:off x="609480" y="1604520"/>
+            <a:ext cx="10972440" cy="3977280"/>
+          </a:xfrm>
+          <a:prstGeom prst="rect">
+            <a:avLst/>
+          </a:prstGeom>
+          <a:noFill/>
+          <a:ln w="0">
+            <a:noFill/>
+          </a:ln>
+        </p:spPr>
+        <p:txBody>
+          <a:bodyPr lIns="0" rIns="0" tIns="0" bIns="0" anchor="ctr">
+            <a:noAutofit/>
+          </a:bodyPr>
+          <a:p>
+            <a:pPr algn="ctr">
+              <a:buNone/>
+            </a:pPr>
+            <a:endParaRPr b="0" lang="en-IE" sz="3200" spc="-1" strike="noStrike">
+              <a:latin typeface="Arial"/>
+            </a:endParaRPr>
+          </a:p>
+        </p:txBody>
+      </p:sp>
+      <p:sp>
+        <p:nvSpPr>
+          <p:cNvPr id="4" name="PlaceHolder 3"/>
+          <p:cNvSpPr>
+            <a:spLocks noGrp="1"/>
+          </p:cNvSpPr>
+          <p:nvPr>
+            <p:ph type="ftr" idx="10"/>
+          </p:nvPr>
+        </p:nvSpPr>
+        <p:spPr/>
+        <p:txBody>
+          <a:bodyPr/>
+          <a:p>
+            <a:r>
+              <a:t>Footer</a:t>
+            </a:r>
+          </a:p>
+        </p:txBody>
+      </p:sp>
+      <p:sp>
+        <p:nvSpPr>
+          <p:cNvPr id="5" name="PlaceHolder 4"/>
+          <p:cNvSpPr>
+            <a:spLocks noGrp="1"/>
+          </p:cNvSpPr>
+          <p:nvPr>
+            <p:ph type="sldNum" idx="11"/>
+          </p:nvPr>
+        </p:nvSpPr>
+        <p:spPr/>
+        <p:txBody>
+          <a:bodyPr/>
+          <a:p>
+            <a:fld id="{797A0BE5-29B0-4D02-A794-9C10547DA103}" type="slidenum">
+              <a:t>&lt;#&gt;</a:t>
+            </a:fld>
+          </a:p>
+        </p:txBody>
+      </p:sp>
+      <p:sp>
+        <p:nvSpPr>
+          <p:cNvPr id="6" name="PlaceHolder 5"/>
+          <p:cNvSpPr>
+            <a:spLocks noGrp="1"/>
+          </p:cNvSpPr>
+          <p:nvPr>
+            <p:ph type="dt" idx="12"/>
+          </p:nvPr>
+        </p:nvSpPr>
+        <p:spPr/>
+        <p:txBody>
+          <a:bodyPr/>
+          <a:p>
+            <a:r>
+              <a:rPr lang="en-IE"/>
+              <a:t/>
+            </a:r>
+          </a:p>
+        </p:txBody>
+      </p:sp>
+    </p:spTree>
+  </p:cSld>
+</p:sldLayout>
+</file>
+
+<file path=ppt/slideLayouts/slideLayout39.xml><?xml version="1.0" encoding="utf-8"?>
+<p:sldLayout xmlns:a="http://schemas.openxmlformats.org/drawingml/2006/main" xmlns:p="http://schemas.openxmlformats.org/presentationml/2006/main" xmlns:r="http://schemas.openxmlformats.org/officeDocument/2006/relationships" xmlns:p14="http://schemas.microsoft.com/office/powerpoint/2010/main" xmlns:p15="http://schemas.microsoft.com/office/powerpoint/2012/main" xmlns:mc="http://schemas.openxmlformats.org/markup-compatibility/2006" type="obj" preserve="1">
+  <p:cSld name="Title, Content">
+    <p:spTree>
+      <p:nvGrpSpPr>
+        <p:cNvPr id="1" name=""/>
+        <p:cNvGrpSpPr/>
+        <p:nvPr/>
+      </p:nvGrpSpPr>
+      <p:grpSpPr>
+        <a:xfrm>
+          <a:off x="0" y="0"/>
+          <a:ext cx="0" cy="0"/>
+          <a:chOff x="0" y="0"/>
+          <a:chExt cx="0" cy="0"/>
+        </a:xfrm>
+      </p:grpSpPr>
+      <p:sp>
+        <p:nvSpPr>
+          <p:cNvPr id="130" name="PlaceHolder 1"/>
+          <p:cNvSpPr>
+            <a:spLocks noGrp="1"/>
+          </p:cNvSpPr>
+          <p:nvPr>
+            <p:ph type="title"/>
+          </p:nvPr>
+        </p:nvSpPr>
+        <p:spPr>
+          <a:xfrm>
+            <a:off x="609480" y="273600"/>
+            <a:ext cx="10972440" cy="1144800"/>
+          </a:xfrm>
+          <a:prstGeom prst="rect">
+            <a:avLst/>
+          </a:prstGeom>
+          <a:noFill/>
+          <a:ln w="0">
+            <a:noFill/>
+          </a:ln>
+        </p:spPr>
+        <p:txBody>
+          <a:bodyPr lIns="0" rIns="0" tIns="0" bIns="0" anchor="ctr">
+            <a:noAutofit/>
+          </a:bodyPr>
+          <a:p>
+            <a:pPr algn="ctr">
+              <a:buNone/>
+            </a:pPr>
+            <a:endParaRPr b="0" lang="en-IE" sz="4400" spc="-1" strike="noStrike">
+              <a:latin typeface="Arial"/>
+            </a:endParaRPr>
+          </a:p>
+        </p:txBody>
+      </p:sp>
+      <p:sp>
+        <p:nvSpPr>
+          <p:cNvPr id="131" name="PlaceHolder 2"/>
+          <p:cNvSpPr>
+            <a:spLocks noGrp="1"/>
+          </p:cNvSpPr>
+          <p:nvPr>
+            <p:ph/>
+          </p:nvPr>
+        </p:nvSpPr>
+        <p:spPr>
+          <a:xfrm>
+            <a:off x="609480" y="1604520"/>
+            <a:ext cx="10972440" cy="3977280"/>
+          </a:xfrm>
+          <a:prstGeom prst="rect">
+            <a:avLst/>
+          </a:prstGeom>
+          <a:noFill/>
+          <a:ln w="0">
+            <a:noFill/>
+          </a:ln>
+        </p:spPr>
+        <p:txBody>
+          <a:bodyPr lIns="0" rIns="0" tIns="0" bIns="0" anchor="t">
+            <a:normAutofit/>
+          </a:bodyPr>
+          <a:p>
+            <a:endParaRPr b="0" lang="en-IE" sz="3200" spc="-1" strike="noStrike">
+              <a:latin typeface="Arial"/>
+            </a:endParaRPr>
+          </a:p>
+        </p:txBody>
+      </p:sp>
+      <p:sp>
+        <p:nvSpPr>
+          <p:cNvPr id="4" name="PlaceHolder 3"/>
+          <p:cNvSpPr>
+            <a:spLocks noGrp="1"/>
+          </p:cNvSpPr>
+          <p:nvPr>
+            <p:ph type="ftr" idx="10"/>
+          </p:nvPr>
+        </p:nvSpPr>
+        <p:spPr/>
+        <p:txBody>
+          <a:bodyPr/>
+          <a:p>
+            <a:r>
+              <a:t>Footer</a:t>
+            </a:r>
+          </a:p>
+        </p:txBody>
+      </p:sp>
+      <p:sp>
+        <p:nvSpPr>
+          <p:cNvPr id="5" name="PlaceHolder 4"/>
+          <p:cNvSpPr>
+            <a:spLocks noGrp="1"/>
+          </p:cNvSpPr>
+          <p:nvPr>
+            <p:ph type="sldNum" idx="11"/>
+          </p:nvPr>
+        </p:nvSpPr>
+        <p:spPr/>
+        <p:txBody>
+          <a:bodyPr/>
+          <a:p>
+            <a:fld id="{7BFB6170-2D8C-426E-BD4D-6A620CFCEB66}" type="slidenum">
+              <a:t>&lt;#&gt;</a:t>
+            </a:fld>
+          </a:p>
+        </p:txBody>
+      </p:sp>
+      <p:sp>
+        <p:nvSpPr>
+          <p:cNvPr id="6" name="PlaceHolder 5"/>
+          <p:cNvSpPr>
+            <a:spLocks noGrp="1"/>
+          </p:cNvSpPr>
+          <p:nvPr>
+            <p:ph type="dt" idx="12"/>
           </p:nvPr>
         </p:nvSpPr>
         <p:spPr/>
@@ -5864,7 +6260,7 @@
         <p:txBody>
           <a:bodyPr/>
           <a:p>
-            <a:fld id="{6C2EE0C3-B171-46EC-8AF4-0F23D6B2F04B}" type="slidenum">
+            <a:fld id="{FA0A6D72-7939-4F1F-AE49-C86DD9EDC269}" type="slidenum">
               <a:t>&lt;#&gt;</a:t>
             </a:fld>
           </a:p>
@@ -5878,6 +6274,1868 @@
           </p:cNvSpPr>
           <p:nvPr>
             <p:ph type="dt" idx="3"/>
+          </p:nvPr>
+        </p:nvSpPr>
+        <p:spPr/>
+        <p:txBody>
+          <a:bodyPr/>
+          <a:p>
+            <a:r>
+              <a:rPr lang="en-IE"/>
+              <a:t/>
+            </a:r>
+          </a:p>
+        </p:txBody>
+      </p:sp>
+    </p:spTree>
+  </p:cSld>
+</p:sldLayout>
+</file>
+
+<file path=ppt/slideLayouts/slideLayout40.xml><?xml version="1.0" encoding="utf-8"?>
+<p:sldLayout xmlns:a="http://schemas.openxmlformats.org/drawingml/2006/main" xmlns:p="http://schemas.openxmlformats.org/presentationml/2006/main" xmlns:r="http://schemas.openxmlformats.org/officeDocument/2006/relationships" xmlns:p14="http://schemas.microsoft.com/office/powerpoint/2010/main" xmlns:p15="http://schemas.microsoft.com/office/powerpoint/2012/main" xmlns:mc="http://schemas.openxmlformats.org/markup-compatibility/2006" type="twoObj" preserve="1">
+  <p:cSld name="Title, 2 Content">
+    <p:spTree>
+      <p:nvGrpSpPr>
+        <p:cNvPr id="1" name=""/>
+        <p:cNvGrpSpPr/>
+        <p:nvPr/>
+      </p:nvGrpSpPr>
+      <p:grpSpPr>
+        <a:xfrm>
+          <a:off x="0" y="0"/>
+          <a:ext cx="0" cy="0"/>
+          <a:chOff x="0" y="0"/>
+          <a:chExt cx="0" cy="0"/>
+        </a:xfrm>
+      </p:grpSpPr>
+      <p:sp>
+        <p:nvSpPr>
+          <p:cNvPr id="132" name="PlaceHolder 1"/>
+          <p:cNvSpPr>
+            <a:spLocks noGrp="1"/>
+          </p:cNvSpPr>
+          <p:nvPr>
+            <p:ph type="title"/>
+          </p:nvPr>
+        </p:nvSpPr>
+        <p:spPr>
+          <a:xfrm>
+            <a:off x="609480" y="273600"/>
+            <a:ext cx="10972440" cy="1144800"/>
+          </a:xfrm>
+          <a:prstGeom prst="rect">
+            <a:avLst/>
+          </a:prstGeom>
+          <a:noFill/>
+          <a:ln w="0">
+            <a:noFill/>
+          </a:ln>
+        </p:spPr>
+        <p:txBody>
+          <a:bodyPr lIns="0" rIns="0" tIns="0" bIns="0" anchor="ctr">
+            <a:noAutofit/>
+          </a:bodyPr>
+          <a:p>
+            <a:pPr algn="ctr">
+              <a:buNone/>
+            </a:pPr>
+            <a:endParaRPr b="0" lang="en-IE" sz="4400" spc="-1" strike="noStrike">
+              <a:latin typeface="Arial"/>
+            </a:endParaRPr>
+          </a:p>
+        </p:txBody>
+      </p:sp>
+      <p:sp>
+        <p:nvSpPr>
+          <p:cNvPr id="133" name="PlaceHolder 2"/>
+          <p:cNvSpPr>
+            <a:spLocks noGrp="1"/>
+          </p:cNvSpPr>
+          <p:nvPr>
+            <p:ph/>
+          </p:nvPr>
+        </p:nvSpPr>
+        <p:spPr>
+          <a:xfrm>
+            <a:off x="609480" y="1604520"/>
+            <a:ext cx="5354280" cy="3977280"/>
+          </a:xfrm>
+          <a:prstGeom prst="rect">
+            <a:avLst/>
+          </a:prstGeom>
+          <a:noFill/>
+          <a:ln w="0">
+            <a:noFill/>
+          </a:ln>
+        </p:spPr>
+        <p:txBody>
+          <a:bodyPr lIns="0" rIns="0" tIns="0" bIns="0" anchor="t">
+            <a:normAutofit/>
+          </a:bodyPr>
+          <a:p>
+            <a:endParaRPr b="0" lang="en-IE" sz="3200" spc="-1" strike="noStrike">
+              <a:latin typeface="Arial"/>
+            </a:endParaRPr>
+          </a:p>
+        </p:txBody>
+      </p:sp>
+      <p:sp>
+        <p:nvSpPr>
+          <p:cNvPr id="134" name="PlaceHolder 3"/>
+          <p:cNvSpPr>
+            <a:spLocks noGrp="1"/>
+          </p:cNvSpPr>
+          <p:nvPr>
+            <p:ph/>
+          </p:nvPr>
+        </p:nvSpPr>
+        <p:spPr>
+          <a:xfrm>
+            <a:off x="6231960" y="1604520"/>
+            <a:ext cx="5354280" cy="3977280"/>
+          </a:xfrm>
+          <a:prstGeom prst="rect">
+            <a:avLst/>
+          </a:prstGeom>
+          <a:noFill/>
+          <a:ln w="0">
+            <a:noFill/>
+          </a:ln>
+        </p:spPr>
+        <p:txBody>
+          <a:bodyPr lIns="0" rIns="0" tIns="0" bIns="0" anchor="t">
+            <a:normAutofit/>
+          </a:bodyPr>
+          <a:p>
+            <a:endParaRPr b="0" lang="en-IE" sz="3200" spc="-1" strike="noStrike">
+              <a:latin typeface="Arial"/>
+            </a:endParaRPr>
+          </a:p>
+        </p:txBody>
+      </p:sp>
+      <p:sp>
+        <p:nvSpPr>
+          <p:cNvPr id="5" name="PlaceHolder 4"/>
+          <p:cNvSpPr>
+            <a:spLocks noGrp="1"/>
+          </p:cNvSpPr>
+          <p:nvPr>
+            <p:ph type="ftr" idx="10"/>
+          </p:nvPr>
+        </p:nvSpPr>
+        <p:spPr/>
+        <p:txBody>
+          <a:bodyPr/>
+          <a:p>
+            <a:r>
+              <a:t>Footer</a:t>
+            </a:r>
+          </a:p>
+        </p:txBody>
+      </p:sp>
+      <p:sp>
+        <p:nvSpPr>
+          <p:cNvPr id="6" name="PlaceHolder 5"/>
+          <p:cNvSpPr>
+            <a:spLocks noGrp="1"/>
+          </p:cNvSpPr>
+          <p:nvPr>
+            <p:ph type="sldNum" idx="11"/>
+          </p:nvPr>
+        </p:nvSpPr>
+        <p:spPr/>
+        <p:txBody>
+          <a:bodyPr/>
+          <a:p>
+            <a:fld id="{9F0A7486-C202-4E67-8694-E61D09055BCC}" type="slidenum">
+              <a:t>&lt;#&gt;</a:t>
+            </a:fld>
+          </a:p>
+        </p:txBody>
+      </p:sp>
+      <p:sp>
+        <p:nvSpPr>
+          <p:cNvPr id="7" name="PlaceHolder 6"/>
+          <p:cNvSpPr>
+            <a:spLocks noGrp="1"/>
+          </p:cNvSpPr>
+          <p:nvPr>
+            <p:ph type="dt" idx="12"/>
+          </p:nvPr>
+        </p:nvSpPr>
+        <p:spPr/>
+        <p:txBody>
+          <a:bodyPr/>
+          <a:p>
+            <a:r>
+              <a:rPr lang="en-IE"/>
+              <a:t/>
+            </a:r>
+          </a:p>
+        </p:txBody>
+      </p:sp>
+    </p:spTree>
+  </p:cSld>
+</p:sldLayout>
+</file>
+
+<file path=ppt/slideLayouts/slideLayout41.xml><?xml version="1.0" encoding="utf-8"?>
+<p:sldLayout xmlns:a="http://schemas.openxmlformats.org/drawingml/2006/main" xmlns:p="http://schemas.openxmlformats.org/presentationml/2006/main" xmlns:r="http://schemas.openxmlformats.org/officeDocument/2006/relationships" xmlns:p14="http://schemas.microsoft.com/office/powerpoint/2010/main" xmlns:p15="http://schemas.microsoft.com/office/powerpoint/2012/main" xmlns:mc="http://schemas.openxmlformats.org/markup-compatibility/2006" type="titleOnly" preserve="1">
+  <p:cSld name="Title Only">
+    <p:spTree>
+      <p:nvGrpSpPr>
+        <p:cNvPr id="1" name=""/>
+        <p:cNvGrpSpPr/>
+        <p:nvPr/>
+      </p:nvGrpSpPr>
+      <p:grpSpPr>
+        <a:xfrm>
+          <a:off x="0" y="0"/>
+          <a:ext cx="0" cy="0"/>
+          <a:chOff x="0" y="0"/>
+          <a:chExt cx="0" cy="0"/>
+        </a:xfrm>
+      </p:grpSpPr>
+      <p:sp>
+        <p:nvSpPr>
+          <p:cNvPr id="135" name="PlaceHolder 1"/>
+          <p:cNvSpPr>
+            <a:spLocks noGrp="1"/>
+          </p:cNvSpPr>
+          <p:nvPr>
+            <p:ph type="title"/>
+          </p:nvPr>
+        </p:nvSpPr>
+        <p:spPr>
+          <a:xfrm>
+            <a:off x="609480" y="273600"/>
+            <a:ext cx="10972440" cy="1144800"/>
+          </a:xfrm>
+          <a:prstGeom prst="rect">
+            <a:avLst/>
+          </a:prstGeom>
+          <a:noFill/>
+          <a:ln w="0">
+            <a:noFill/>
+          </a:ln>
+        </p:spPr>
+        <p:txBody>
+          <a:bodyPr lIns="0" rIns="0" tIns="0" bIns="0" anchor="ctr">
+            <a:noAutofit/>
+          </a:bodyPr>
+          <a:p>
+            <a:pPr algn="ctr">
+              <a:buNone/>
+            </a:pPr>
+            <a:endParaRPr b="0" lang="en-IE" sz="4400" spc="-1" strike="noStrike">
+              <a:latin typeface="Arial"/>
+            </a:endParaRPr>
+          </a:p>
+        </p:txBody>
+      </p:sp>
+      <p:sp>
+        <p:nvSpPr>
+          <p:cNvPr id="3" name="PlaceHolder 2"/>
+          <p:cNvSpPr>
+            <a:spLocks noGrp="1"/>
+          </p:cNvSpPr>
+          <p:nvPr>
+            <p:ph type="ftr" idx="10"/>
+          </p:nvPr>
+        </p:nvSpPr>
+        <p:spPr/>
+        <p:txBody>
+          <a:bodyPr/>
+          <a:p>
+            <a:r>
+              <a:t>Footer</a:t>
+            </a:r>
+          </a:p>
+        </p:txBody>
+      </p:sp>
+      <p:sp>
+        <p:nvSpPr>
+          <p:cNvPr id="4" name="PlaceHolder 3"/>
+          <p:cNvSpPr>
+            <a:spLocks noGrp="1"/>
+          </p:cNvSpPr>
+          <p:nvPr>
+            <p:ph type="sldNum" idx="11"/>
+          </p:nvPr>
+        </p:nvSpPr>
+        <p:spPr/>
+        <p:txBody>
+          <a:bodyPr/>
+          <a:p>
+            <a:fld id="{6AD3C03C-1F80-4DF8-AA7E-2E0C639E1170}" type="slidenum">
+              <a:t>&lt;#&gt;</a:t>
+            </a:fld>
+          </a:p>
+        </p:txBody>
+      </p:sp>
+      <p:sp>
+        <p:nvSpPr>
+          <p:cNvPr id="5" name="PlaceHolder 4"/>
+          <p:cNvSpPr>
+            <a:spLocks noGrp="1"/>
+          </p:cNvSpPr>
+          <p:nvPr>
+            <p:ph type="dt" idx="12"/>
+          </p:nvPr>
+        </p:nvSpPr>
+        <p:spPr/>
+        <p:txBody>
+          <a:bodyPr/>
+          <a:p>
+            <a:r>
+              <a:rPr lang="en-IE"/>
+              <a:t/>
+            </a:r>
+          </a:p>
+        </p:txBody>
+      </p:sp>
+    </p:spTree>
+  </p:cSld>
+</p:sldLayout>
+</file>
+
+<file path=ppt/slideLayouts/slideLayout42.xml><?xml version="1.0" encoding="utf-8"?>
+<p:sldLayout xmlns:a="http://schemas.openxmlformats.org/drawingml/2006/main" xmlns:p="http://schemas.openxmlformats.org/presentationml/2006/main" xmlns:r="http://schemas.openxmlformats.org/officeDocument/2006/relationships" xmlns:p14="http://schemas.microsoft.com/office/powerpoint/2010/main" xmlns:p15="http://schemas.microsoft.com/office/powerpoint/2012/main" xmlns:mc="http://schemas.openxmlformats.org/markup-compatibility/2006" type="objOnly" preserve="1">
+  <p:cSld name="Centered Text">
+    <p:spTree>
+      <p:nvGrpSpPr>
+        <p:cNvPr id="1" name=""/>
+        <p:cNvGrpSpPr/>
+        <p:nvPr/>
+      </p:nvGrpSpPr>
+      <p:grpSpPr>
+        <a:xfrm>
+          <a:off x="0" y="0"/>
+          <a:ext cx="0" cy="0"/>
+          <a:chOff x="0" y="0"/>
+          <a:chExt cx="0" cy="0"/>
+        </a:xfrm>
+      </p:grpSpPr>
+      <p:sp>
+        <p:nvSpPr>
+          <p:cNvPr id="136" name="PlaceHolder 1"/>
+          <p:cNvSpPr>
+            <a:spLocks noGrp="1"/>
+          </p:cNvSpPr>
+          <p:nvPr>
+            <p:ph type="subTitle"/>
+          </p:nvPr>
+        </p:nvSpPr>
+        <p:spPr>
+          <a:xfrm>
+            <a:off x="609480" y="273600"/>
+            <a:ext cx="10972440" cy="5307840"/>
+          </a:xfrm>
+          <a:prstGeom prst="rect">
+            <a:avLst/>
+          </a:prstGeom>
+          <a:noFill/>
+          <a:ln w="0">
+            <a:noFill/>
+          </a:ln>
+        </p:spPr>
+        <p:txBody>
+          <a:bodyPr lIns="0" rIns="0" tIns="0" bIns="0" anchor="ctr">
+            <a:noAutofit/>
+          </a:bodyPr>
+          <a:p>
+            <a:pPr algn="ctr">
+              <a:buNone/>
+            </a:pPr>
+            <a:endParaRPr b="0" lang="en-IE" sz="3200" spc="-1" strike="noStrike">
+              <a:latin typeface="Arial"/>
+            </a:endParaRPr>
+          </a:p>
+        </p:txBody>
+      </p:sp>
+      <p:sp>
+        <p:nvSpPr>
+          <p:cNvPr id="3" name="PlaceHolder 2"/>
+          <p:cNvSpPr>
+            <a:spLocks noGrp="1"/>
+          </p:cNvSpPr>
+          <p:nvPr>
+            <p:ph type="ftr" idx="10"/>
+          </p:nvPr>
+        </p:nvSpPr>
+        <p:spPr/>
+        <p:txBody>
+          <a:bodyPr/>
+          <a:p>
+            <a:r>
+              <a:t>Footer</a:t>
+            </a:r>
+          </a:p>
+        </p:txBody>
+      </p:sp>
+      <p:sp>
+        <p:nvSpPr>
+          <p:cNvPr id="4" name="PlaceHolder 3"/>
+          <p:cNvSpPr>
+            <a:spLocks noGrp="1"/>
+          </p:cNvSpPr>
+          <p:nvPr>
+            <p:ph type="sldNum" idx="11"/>
+          </p:nvPr>
+        </p:nvSpPr>
+        <p:spPr/>
+        <p:txBody>
+          <a:bodyPr/>
+          <a:p>
+            <a:fld id="{AAC5A8EC-B90E-4AA9-937A-4CA6D9FFD072}" type="slidenum">
+              <a:t>&lt;#&gt;</a:t>
+            </a:fld>
+          </a:p>
+        </p:txBody>
+      </p:sp>
+      <p:sp>
+        <p:nvSpPr>
+          <p:cNvPr id="5" name="PlaceHolder 4"/>
+          <p:cNvSpPr>
+            <a:spLocks noGrp="1"/>
+          </p:cNvSpPr>
+          <p:nvPr>
+            <p:ph type="dt" idx="12"/>
+          </p:nvPr>
+        </p:nvSpPr>
+        <p:spPr/>
+        <p:txBody>
+          <a:bodyPr/>
+          <a:p>
+            <a:r>
+              <a:rPr lang="en-IE"/>
+              <a:t/>
+            </a:r>
+          </a:p>
+        </p:txBody>
+      </p:sp>
+    </p:spTree>
+  </p:cSld>
+</p:sldLayout>
+</file>
+
+<file path=ppt/slideLayouts/slideLayout43.xml><?xml version="1.0" encoding="utf-8"?>
+<p:sldLayout xmlns:a="http://schemas.openxmlformats.org/drawingml/2006/main" xmlns:p="http://schemas.openxmlformats.org/presentationml/2006/main" xmlns:r="http://schemas.openxmlformats.org/officeDocument/2006/relationships" xmlns:p14="http://schemas.microsoft.com/office/powerpoint/2010/main" xmlns:p15="http://schemas.microsoft.com/office/powerpoint/2012/main" xmlns:mc="http://schemas.openxmlformats.org/markup-compatibility/2006" type="twoObjAndObj" preserve="1">
+  <p:cSld name="Title, 2 Content and Content">
+    <p:spTree>
+      <p:nvGrpSpPr>
+        <p:cNvPr id="1" name=""/>
+        <p:cNvGrpSpPr/>
+        <p:nvPr/>
+      </p:nvGrpSpPr>
+      <p:grpSpPr>
+        <a:xfrm>
+          <a:off x="0" y="0"/>
+          <a:ext cx="0" cy="0"/>
+          <a:chOff x="0" y="0"/>
+          <a:chExt cx="0" cy="0"/>
+        </a:xfrm>
+      </p:grpSpPr>
+      <p:sp>
+        <p:nvSpPr>
+          <p:cNvPr id="137" name="PlaceHolder 1"/>
+          <p:cNvSpPr>
+            <a:spLocks noGrp="1"/>
+          </p:cNvSpPr>
+          <p:nvPr>
+            <p:ph type="title"/>
+          </p:nvPr>
+        </p:nvSpPr>
+        <p:spPr>
+          <a:xfrm>
+            <a:off x="609480" y="273600"/>
+            <a:ext cx="10972440" cy="1144800"/>
+          </a:xfrm>
+          <a:prstGeom prst="rect">
+            <a:avLst/>
+          </a:prstGeom>
+          <a:noFill/>
+          <a:ln w="0">
+            <a:noFill/>
+          </a:ln>
+        </p:spPr>
+        <p:txBody>
+          <a:bodyPr lIns="0" rIns="0" tIns="0" bIns="0" anchor="ctr">
+            <a:noAutofit/>
+          </a:bodyPr>
+          <a:p>
+            <a:pPr algn="ctr">
+              <a:buNone/>
+            </a:pPr>
+            <a:endParaRPr b="0" lang="en-IE" sz="4400" spc="-1" strike="noStrike">
+              <a:latin typeface="Arial"/>
+            </a:endParaRPr>
+          </a:p>
+        </p:txBody>
+      </p:sp>
+      <p:sp>
+        <p:nvSpPr>
+          <p:cNvPr id="138" name="PlaceHolder 2"/>
+          <p:cNvSpPr>
+            <a:spLocks noGrp="1"/>
+          </p:cNvSpPr>
+          <p:nvPr>
+            <p:ph/>
+          </p:nvPr>
+        </p:nvSpPr>
+        <p:spPr>
+          <a:xfrm>
+            <a:off x="609480" y="1604520"/>
+            <a:ext cx="5354280" cy="1896840"/>
+          </a:xfrm>
+          <a:prstGeom prst="rect">
+            <a:avLst/>
+          </a:prstGeom>
+          <a:noFill/>
+          <a:ln w="0">
+            <a:noFill/>
+          </a:ln>
+        </p:spPr>
+        <p:txBody>
+          <a:bodyPr lIns="0" rIns="0" tIns="0" bIns="0" anchor="t">
+            <a:normAutofit/>
+          </a:bodyPr>
+          <a:p>
+            <a:endParaRPr b="0" lang="en-IE" sz="3200" spc="-1" strike="noStrike">
+              <a:latin typeface="Arial"/>
+            </a:endParaRPr>
+          </a:p>
+        </p:txBody>
+      </p:sp>
+      <p:sp>
+        <p:nvSpPr>
+          <p:cNvPr id="139" name="PlaceHolder 3"/>
+          <p:cNvSpPr>
+            <a:spLocks noGrp="1"/>
+          </p:cNvSpPr>
+          <p:nvPr>
+            <p:ph/>
+          </p:nvPr>
+        </p:nvSpPr>
+        <p:spPr>
+          <a:xfrm>
+            <a:off x="6231960" y="1604520"/>
+            <a:ext cx="5354280" cy="3977280"/>
+          </a:xfrm>
+          <a:prstGeom prst="rect">
+            <a:avLst/>
+          </a:prstGeom>
+          <a:noFill/>
+          <a:ln w="0">
+            <a:noFill/>
+          </a:ln>
+        </p:spPr>
+        <p:txBody>
+          <a:bodyPr lIns="0" rIns="0" tIns="0" bIns="0" anchor="t">
+            <a:normAutofit/>
+          </a:bodyPr>
+          <a:p>
+            <a:endParaRPr b="0" lang="en-IE" sz="3200" spc="-1" strike="noStrike">
+              <a:latin typeface="Arial"/>
+            </a:endParaRPr>
+          </a:p>
+        </p:txBody>
+      </p:sp>
+      <p:sp>
+        <p:nvSpPr>
+          <p:cNvPr id="140" name="PlaceHolder 4"/>
+          <p:cNvSpPr>
+            <a:spLocks noGrp="1"/>
+          </p:cNvSpPr>
+          <p:nvPr>
+            <p:ph/>
+          </p:nvPr>
+        </p:nvSpPr>
+        <p:spPr>
+          <a:xfrm>
+            <a:off x="609480" y="3682080"/>
+            <a:ext cx="5354280" cy="1896840"/>
+          </a:xfrm>
+          <a:prstGeom prst="rect">
+            <a:avLst/>
+          </a:prstGeom>
+          <a:noFill/>
+          <a:ln w="0">
+            <a:noFill/>
+          </a:ln>
+        </p:spPr>
+        <p:txBody>
+          <a:bodyPr lIns="0" rIns="0" tIns="0" bIns="0" anchor="t">
+            <a:normAutofit/>
+          </a:bodyPr>
+          <a:p>
+            <a:endParaRPr b="0" lang="en-IE" sz="3200" spc="-1" strike="noStrike">
+              <a:latin typeface="Arial"/>
+            </a:endParaRPr>
+          </a:p>
+        </p:txBody>
+      </p:sp>
+      <p:sp>
+        <p:nvSpPr>
+          <p:cNvPr id="6" name="PlaceHolder 5"/>
+          <p:cNvSpPr>
+            <a:spLocks noGrp="1"/>
+          </p:cNvSpPr>
+          <p:nvPr>
+            <p:ph type="ftr" idx="10"/>
+          </p:nvPr>
+        </p:nvSpPr>
+        <p:spPr/>
+        <p:txBody>
+          <a:bodyPr/>
+          <a:p>
+            <a:r>
+              <a:t>Footer</a:t>
+            </a:r>
+          </a:p>
+        </p:txBody>
+      </p:sp>
+      <p:sp>
+        <p:nvSpPr>
+          <p:cNvPr id="7" name="PlaceHolder 6"/>
+          <p:cNvSpPr>
+            <a:spLocks noGrp="1"/>
+          </p:cNvSpPr>
+          <p:nvPr>
+            <p:ph type="sldNum" idx="11"/>
+          </p:nvPr>
+        </p:nvSpPr>
+        <p:spPr/>
+        <p:txBody>
+          <a:bodyPr/>
+          <a:p>
+            <a:fld id="{811F63B7-928F-4113-AA63-62270CD2E7BE}" type="slidenum">
+              <a:t>&lt;#&gt;</a:t>
+            </a:fld>
+          </a:p>
+        </p:txBody>
+      </p:sp>
+      <p:sp>
+        <p:nvSpPr>
+          <p:cNvPr id="8" name="PlaceHolder 7"/>
+          <p:cNvSpPr>
+            <a:spLocks noGrp="1"/>
+          </p:cNvSpPr>
+          <p:nvPr>
+            <p:ph type="dt" idx="12"/>
+          </p:nvPr>
+        </p:nvSpPr>
+        <p:spPr/>
+        <p:txBody>
+          <a:bodyPr/>
+          <a:p>
+            <a:r>
+              <a:rPr lang="en-IE"/>
+              <a:t/>
+            </a:r>
+          </a:p>
+        </p:txBody>
+      </p:sp>
+    </p:spTree>
+  </p:cSld>
+</p:sldLayout>
+</file>
+
+<file path=ppt/slideLayouts/slideLayout44.xml><?xml version="1.0" encoding="utf-8"?>
+<p:sldLayout xmlns:a="http://schemas.openxmlformats.org/drawingml/2006/main" xmlns:p="http://schemas.openxmlformats.org/presentationml/2006/main" xmlns:r="http://schemas.openxmlformats.org/officeDocument/2006/relationships" xmlns:p14="http://schemas.microsoft.com/office/powerpoint/2010/main" xmlns:p15="http://schemas.microsoft.com/office/powerpoint/2012/main" xmlns:mc="http://schemas.openxmlformats.org/markup-compatibility/2006" type="objAndTwoObj" preserve="1">
+  <p:cSld name="Title Content and 2 Content">
+    <p:spTree>
+      <p:nvGrpSpPr>
+        <p:cNvPr id="1" name=""/>
+        <p:cNvGrpSpPr/>
+        <p:nvPr/>
+      </p:nvGrpSpPr>
+      <p:grpSpPr>
+        <a:xfrm>
+          <a:off x="0" y="0"/>
+          <a:ext cx="0" cy="0"/>
+          <a:chOff x="0" y="0"/>
+          <a:chExt cx="0" cy="0"/>
+        </a:xfrm>
+      </p:grpSpPr>
+      <p:sp>
+        <p:nvSpPr>
+          <p:cNvPr id="141" name="PlaceHolder 1"/>
+          <p:cNvSpPr>
+            <a:spLocks noGrp="1"/>
+          </p:cNvSpPr>
+          <p:nvPr>
+            <p:ph type="title"/>
+          </p:nvPr>
+        </p:nvSpPr>
+        <p:spPr>
+          <a:xfrm>
+            <a:off x="609480" y="273600"/>
+            <a:ext cx="10972440" cy="1144800"/>
+          </a:xfrm>
+          <a:prstGeom prst="rect">
+            <a:avLst/>
+          </a:prstGeom>
+          <a:noFill/>
+          <a:ln w="0">
+            <a:noFill/>
+          </a:ln>
+        </p:spPr>
+        <p:txBody>
+          <a:bodyPr lIns="0" rIns="0" tIns="0" bIns="0" anchor="ctr">
+            <a:noAutofit/>
+          </a:bodyPr>
+          <a:p>
+            <a:pPr algn="ctr">
+              <a:buNone/>
+            </a:pPr>
+            <a:endParaRPr b="0" lang="en-IE" sz="4400" spc="-1" strike="noStrike">
+              <a:latin typeface="Arial"/>
+            </a:endParaRPr>
+          </a:p>
+        </p:txBody>
+      </p:sp>
+      <p:sp>
+        <p:nvSpPr>
+          <p:cNvPr id="142" name="PlaceHolder 2"/>
+          <p:cNvSpPr>
+            <a:spLocks noGrp="1"/>
+          </p:cNvSpPr>
+          <p:nvPr>
+            <p:ph/>
+          </p:nvPr>
+        </p:nvSpPr>
+        <p:spPr>
+          <a:xfrm>
+            <a:off x="609480" y="1604520"/>
+            <a:ext cx="5354280" cy="3977280"/>
+          </a:xfrm>
+          <a:prstGeom prst="rect">
+            <a:avLst/>
+          </a:prstGeom>
+          <a:noFill/>
+          <a:ln w="0">
+            <a:noFill/>
+          </a:ln>
+        </p:spPr>
+        <p:txBody>
+          <a:bodyPr lIns="0" rIns="0" tIns="0" bIns="0" anchor="t">
+            <a:normAutofit/>
+          </a:bodyPr>
+          <a:p>
+            <a:endParaRPr b="0" lang="en-IE" sz="3200" spc="-1" strike="noStrike">
+              <a:latin typeface="Arial"/>
+            </a:endParaRPr>
+          </a:p>
+        </p:txBody>
+      </p:sp>
+      <p:sp>
+        <p:nvSpPr>
+          <p:cNvPr id="143" name="PlaceHolder 3"/>
+          <p:cNvSpPr>
+            <a:spLocks noGrp="1"/>
+          </p:cNvSpPr>
+          <p:nvPr>
+            <p:ph/>
+          </p:nvPr>
+        </p:nvSpPr>
+        <p:spPr>
+          <a:xfrm>
+            <a:off x="6231960" y="1604520"/>
+            <a:ext cx="5354280" cy="1896840"/>
+          </a:xfrm>
+          <a:prstGeom prst="rect">
+            <a:avLst/>
+          </a:prstGeom>
+          <a:noFill/>
+          <a:ln w="0">
+            <a:noFill/>
+          </a:ln>
+        </p:spPr>
+        <p:txBody>
+          <a:bodyPr lIns="0" rIns="0" tIns="0" bIns="0" anchor="t">
+            <a:normAutofit/>
+          </a:bodyPr>
+          <a:p>
+            <a:endParaRPr b="0" lang="en-IE" sz="3200" spc="-1" strike="noStrike">
+              <a:latin typeface="Arial"/>
+            </a:endParaRPr>
+          </a:p>
+        </p:txBody>
+      </p:sp>
+      <p:sp>
+        <p:nvSpPr>
+          <p:cNvPr id="144" name="PlaceHolder 4"/>
+          <p:cNvSpPr>
+            <a:spLocks noGrp="1"/>
+          </p:cNvSpPr>
+          <p:nvPr>
+            <p:ph/>
+          </p:nvPr>
+        </p:nvSpPr>
+        <p:spPr>
+          <a:xfrm>
+            <a:off x="6231960" y="3682080"/>
+            <a:ext cx="5354280" cy="1896840"/>
+          </a:xfrm>
+          <a:prstGeom prst="rect">
+            <a:avLst/>
+          </a:prstGeom>
+          <a:noFill/>
+          <a:ln w="0">
+            <a:noFill/>
+          </a:ln>
+        </p:spPr>
+        <p:txBody>
+          <a:bodyPr lIns="0" rIns="0" tIns="0" bIns="0" anchor="t">
+            <a:normAutofit/>
+          </a:bodyPr>
+          <a:p>
+            <a:endParaRPr b="0" lang="en-IE" sz="3200" spc="-1" strike="noStrike">
+              <a:latin typeface="Arial"/>
+            </a:endParaRPr>
+          </a:p>
+        </p:txBody>
+      </p:sp>
+      <p:sp>
+        <p:nvSpPr>
+          <p:cNvPr id="6" name="PlaceHolder 5"/>
+          <p:cNvSpPr>
+            <a:spLocks noGrp="1"/>
+          </p:cNvSpPr>
+          <p:nvPr>
+            <p:ph type="ftr" idx="10"/>
+          </p:nvPr>
+        </p:nvSpPr>
+        <p:spPr/>
+        <p:txBody>
+          <a:bodyPr/>
+          <a:p>
+            <a:r>
+              <a:t>Footer</a:t>
+            </a:r>
+          </a:p>
+        </p:txBody>
+      </p:sp>
+      <p:sp>
+        <p:nvSpPr>
+          <p:cNvPr id="7" name="PlaceHolder 6"/>
+          <p:cNvSpPr>
+            <a:spLocks noGrp="1"/>
+          </p:cNvSpPr>
+          <p:nvPr>
+            <p:ph type="sldNum" idx="11"/>
+          </p:nvPr>
+        </p:nvSpPr>
+        <p:spPr/>
+        <p:txBody>
+          <a:bodyPr/>
+          <a:p>
+            <a:fld id="{F1AE3581-4602-4075-B478-A0989C3749F1}" type="slidenum">
+              <a:t>&lt;#&gt;</a:t>
+            </a:fld>
+          </a:p>
+        </p:txBody>
+      </p:sp>
+      <p:sp>
+        <p:nvSpPr>
+          <p:cNvPr id="8" name="PlaceHolder 7"/>
+          <p:cNvSpPr>
+            <a:spLocks noGrp="1"/>
+          </p:cNvSpPr>
+          <p:nvPr>
+            <p:ph type="dt" idx="12"/>
+          </p:nvPr>
+        </p:nvSpPr>
+        <p:spPr/>
+        <p:txBody>
+          <a:bodyPr/>
+          <a:p>
+            <a:r>
+              <a:rPr lang="en-IE"/>
+              <a:t/>
+            </a:r>
+          </a:p>
+        </p:txBody>
+      </p:sp>
+    </p:spTree>
+  </p:cSld>
+</p:sldLayout>
+</file>
+
+<file path=ppt/slideLayouts/slideLayout45.xml><?xml version="1.0" encoding="utf-8"?>
+<p:sldLayout xmlns:a="http://schemas.openxmlformats.org/drawingml/2006/main" xmlns:p="http://schemas.openxmlformats.org/presentationml/2006/main" xmlns:r="http://schemas.openxmlformats.org/officeDocument/2006/relationships" xmlns:p14="http://schemas.microsoft.com/office/powerpoint/2010/main" xmlns:p15="http://schemas.microsoft.com/office/powerpoint/2012/main" xmlns:mc="http://schemas.openxmlformats.org/markup-compatibility/2006" type="twoObjOverTx" preserve="1">
+  <p:cSld name="Title, 2 Content over Content">
+    <p:spTree>
+      <p:nvGrpSpPr>
+        <p:cNvPr id="1" name=""/>
+        <p:cNvGrpSpPr/>
+        <p:nvPr/>
+      </p:nvGrpSpPr>
+      <p:grpSpPr>
+        <a:xfrm>
+          <a:off x="0" y="0"/>
+          <a:ext cx="0" cy="0"/>
+          <a:chOff x="0" y="0"/>
+          <a:chExt cx="0" cy="0"/>
+        </a:xfrm>
+      </p:grpSpPr>
+      <p:sp>
+        <p:nvSpPr>
+          <p:cNvPr id="145" name="PlaceHolder 1"/>
+          <p:cNvSpPr>
+            <a:spLocks noGrp="1"/>
+          </p:cNvSpPr>
+          <p:nvPr>
+            <p:ph type="title"/>
+          </p:nvPr>
+        </p:nvSpPr>
+        <p:spPr>
+          <a:xfrm>
+            <a:off x="609480" y="273600"/>
+            <a:ext cx="10972440" cy="1144800"/>
+          </a:xfrm>
+          <a:prstGeom prst="rect">
+            <a:avLst/>
+          </a:prstGeom>
+          <a:noFill/>
+          <a:ln w="0">
+            <a:noFill/>
+          </a:ln>
+        </p:spPr>
+        <p:txBody>
+          <a:bodyPr lIns="0" rIns="0" tIns="0" bIns="0" anchor="ctr">
+            <a:noAutofit/>
+          </a:bodyPr>
+          <a:p>
+            <a:pPr algn="ctr">
+              <a:buNone/>
+            </a:pPr>
+            <a:endParaRPr b="0" lang="en-IE" sz="4400" spc="-1" strike="noStrike">
+              <a:latin typeface="Arial"/>
+            </a:endParaRPr>
+          </a:p>
+        </p:txBody>
+      </p:sp>
+      <p:sp>
+        <p:nvSpPr>
+          <p:cNvPr id="146" name="PlaceHolder 2"/>
+          <p:cNvSpPr>
+            <a:spLocks noGrp="1"/>
+          </p:cNvSpPr>
+          <p:nvPr>
+            <p:ph/>
+          </p:nvPr>
+        </p:nvSpPr>
+        <p:spPr>
+          <a:xfrm>
+            <a:off x="609480" y="1604520"/>
+            <a:ext cx="5354280" cy="1896840"/>
+          </a:xfrm>
+          <a:prstGeom prst="rect">
+            <a:avLst/>
+          </a:prstGeom>
+          <a:noFill/>
+          <a:ln w="0">
+            <a:noFill/>
+          </a:ln>
+        </p:spPr>
+        <p:txBody>
+          <a:bodyPr lIns="0" rIns="0" tIns="0" bIns="0" anchor="t">
+            <a:normAutofit/>
+          </a:bodyPr>
+          <a:p>
+            <a:endParaRPr b="0" lang="en-IE" sz="3200" spc="-1" strike="noStrike">
+              <a:latin typeface="Arial"/>
+            </a:endParaRPr>
+          </a:p>
+        </p:txBody>
+      </p:sp>
+      <p:sp>
+        <p:nvSpPr>
+          <p:cNvPr id="147" name="PlaceHolder 3"/>
+          <p:cNvSpPr>
+            <a:spLocks noGrp="1"/>
+          </p:cNvSpPr>
+          <p:nvPr>
+            <p:ph/>
+          </p:nvPr>
+        </p:nvSpPr>
+        <p:spPr>
+          <a:xfrm>
+            <a:off x="6231960" y="1604520"/>
+            <a:ext cx="5354280" cy="1896840"/>
+          </a:xfrm>
+          <a:prstGeom prst="rect">
+            <a:avLst/>
+          </a:prstGeom>
+          <a:noFill/>
+          <a:ln w="0">
+            <a:noFill/>
+          </a:ln>
+        </p:spPr>
+        <p:txBody>
+          <a:bodyPr lIns="0" rIns="0" tIns="0" bIns="0" anchor="t">
+            <a:normAutofit/>
+          </a:bodyPr>
+          <a:p>
+            <a:endParaRPr b="0" lang="en-IE" sz="3200" spc="-1" strike="noStrike">
+              <a:latin typeface="Arial"/>
+            </a:endParaRPr>
+          </a:p>
+        </p:txBody>
+      </p:sp>
+      <p:sp>
+        <p:nvSpPr>
+          <p:cNvPr id="148" name="PlaceHolder 4"/>
+          <p:cNvSpPr>
+            <a:spLocks noGrp="1"/>
+          </p:cNvSpPr>
+          <p:nvPr>
+            <p:ph/>
+          </p:nvPr>
+        </p:nvSpPr>
+        <p:spPr>
+          <a:xfrm>
+            <a:off x="609480" y="3682080"/>
+            <a:ext cx="10972440" cy="1896840"/>
+          </a:xfrm>
+          <a:prstGeom prst="rect">
+            <a:avLst/>
+          </a:prstGeom>
+          <a:noFill/>
+          <a:ln w="0">
+            <a:noFill/>
+          </a:ln>
+        </p:spPr>
+        <p:txBody>
+          <a:bodyPr lIns="0" rIns="0" tIns="0" bIns="0" anchor="t">
+            <a:normAutofit/>
+          </a:bodyPr>
+          <a:p>
+            <a:endParaRPr b="0" lang="en-IE" sz="3200" spc="-1" strike="noStrike">
+              <a:latin typeface="Arial"/>
+            </a:endParaRPr>
+          </a:p>
+        </p:txBody>
+      </p:sp>
+      <p:sp>
+        <p:nvSpPr>
+          <p:cNvPr id="6" name="PlaceHolder 5"/>
+          <p:cNvSpPr>
+            <a:spLocks noGrp="1"/>
+          </p:cNvSpPr>
+          <p:nvPr>
+            <p:ph type="ftr" idx="10"/>
+          </p:nvPr>
+        </p:nvSpPr>
+        <p:spPr/>
+        <p:txBody>
+          <a:bodyPr/>
+          <a:p>
+            <a:r>
+              <a:t>Footer</a:t>
+            </a:r>
+          </a:p>
+        </p:txBody>
+      </p:sp>
+      <p:sp>
+        <p:nvSpPr>
+          <p:cNvPr id="7" name="PlaceHolder 6"/>
+          <p:cNvSpPr>
+            <a:spLocks noGrp="1"/>
+          </p:cNvSpPr>
+          <p:nvPr>
+            <p:ph type="sldNum" idx="11"/>
+          </p:nvPr>
+        </p:nvSpPr>
+        <p:spPr/>
+        <p:txBody>
+          <a:bodyPr/>
+          <a:p>
+            <a:fld id="{9AD2DC45-98D6-4083-9DCA-77E87D5852C2}" type="slidenum">
+              <a:t>&lt;#&gt;</a:t>
+            </a:fld>
+          </a:p>
+        </p:txBody>
+      </p:sp>
+      <p:sp>
+        <p:nvSpPr>
+          <p:cNvPr id="8" name="PlaceHolder 7"/>
+          <p:cNvSpPr>
+            <a:spLocks noGrp="1"/>
+          </p:cNvSpPr>
+          <p:nvPr>
+            <p:ph type="dt" idx="12"/>
+          </p:nvPr>
+        </p:nvSpPr>
+        <p:spPr/>
+        <p:txBody>
+          <a:bodyPr/>
+          <a:p>
+            <a:r>
+              <a:rPr lang="en-IE"/>
+              <a:t/>
+            </a:r>
+          </a:p>
+        </p:txBody>
+      </p:sp>
+    </p:spTree>
+  </p:cSld>
+</p:sldLayout>
+</file>
+
+<file path=ppt/slideLayouts/slideLayout46.xml><?xml version="1.0" encoding="utf-8"?>
+<p:sldLayout xmlns:a="http://schemas.openxmlformats.org/drawingml/2006/main" xmlns:p="http://schemas.openxmlformats.org/presentationml/2006/main" xmlns:r="http://schemas.openxmlformats.org/officeDocument/2006/relationships" xmlns:p14="http://schemas.microsoft.com/office/powerpoint/2010/main" xmlns:p15="http://schemas.microsoft.com/office/powerpoint/2012/main" xmlns:mc="http://schemas.openxmlformats.org/markup-compatibility/2006" type="objOverTx" preserve="1">
+  <p:cSld name="Title, Content over Content">
+    <p:spTree>
+      <p:nvGrpSpPr>
+        <p:cNvPr id="1" name=""/>
+        <p:cNvGrpSpPr/>
+        <p:nvPr/>
+      </p:nvGrpSpPr>
+      <p:grpSpPr>
+        <a:xfrm>
+          <a:off x="0" y="0"/>
+          <a:ext cx="0" cy="0"/>
+          <a:chOff x="0" y="0"/>
+          <a:chExt cx="0" cy="0"/>
+        </a:xfrm>
+      </p:grpSpPr>
+      <p:sp>
+        <p:nvSpPr>
+          <p:cNvPr id="149" name="PlaceHolder 1"/>
+          <p:cNvSpPr>
+            <a:spLocks noGrp="1"/>
+          </p:cNvSpPr>
+          <p:nvPr>
+            <p:ph type="title"/>
+          </p:nvPr>
+        </p:nvSpPr>
+        <p:spPr>
+          <a:xfrm>
+            <a:off x="609480" y="273600"/>
+            <a:ext cx="10972440" cy="1144800"/>
+          </a:xfrm>
+          <a:prstGeom prst="rect">
+            <a:avLst/>
+          </a:prstGeom>
+          <a:noFill/>
+          <a:ln w="0">
+            <a:noFill/>
+          </a:ln>
+        </p:spPr>
+        <p:txBody>
+          <a:bodyPr lIns="0" rIns="0" tIns="0" bIns="0" anchor="ctr">
+            <a:noAutofit/>
+          </a:bodyPr>
+          <a:p>
+            <a:pPr algn="ctr">
+              <a:buNone/>
+            </a:pPr>
+            <a:endParaRPr b="0" lang="en-IE" sz="4400" spc="-1" strike="noStrike">
+              <a:latin typeface="Arial"/>
+            </a:endParaRPr>
+          </a:p>
+        </p:txBody>
+      </p:sp>
+      <p:sp>
+        <p:nvSpPr>
+          <p:cNvPr id="150" name="PlaceHolder 2"/>
+          <p:cNvSpPr>
+            <a:spLocks noGrp="1"/>
+          </p:cNvSpPr>
+          <p:nvPr>
+            <p:ph/>
+          </p:nvPr>
+        </p:nvSpPr>
+        <p:spPr>
+          <a:xfrm>
+            <a:off x="609480" y="1604520"/>
+            <a:ext cx="10972440" cy="1896840"/>
+          </a:xfrm>
+          <a:prstGeom prst="rect">
+            <a:avLst/>
+          </a:prstGeom>
+          <a:noFill/>
+          <a:ln w="0">
+            <a:noFill/>
+          </a:ln>
+        </p:spPr>
+        <p:txBody>
+          <a:bodyPr lIns="0" rIns="0" tIns="0" bIns="0" anchor="t">
+            <a:normAutofit/>
+          </a:bodyPr>
+          <a:p>
+            <a:endParaRPr b="0" lang="en-IE" sz="3200" spc="-1" strike="noStrike">
+              <a:latin typeface="Arial"/>
+            </a:endParaRPr>
+          </a:p>
+        </p:txBody>
+      </p:sp>
+      <p:sp>
+        <p:nvSpPr>
+          <p:cNvPr id="151" name="PlaceHolder 3"/>
+          <p:cNvSpPr>
+            <a:spLocks noGrp="1"/>
+          </p:cNvSpPr>
+          <p:nvPr>
+            <p:ph/>
+          </p:nvPr>
+        </p:nvSpPr>
+        <p:spPr>
+          <a:xfrm>
+            <a:off x="609480" y="3682080"/>
+            <a:ext cx="10972440" cy="1896840"/>
+          </a:xfrm>
+          <a:prstGeom prst="rect">
+            <a:avLst/>
+          </a:prstGeom>
+          <a:noFill/>
+          <a:ln w="0">
+            <a:noFill/>
+          </a:ln>
+        </p:spPr>
+        <p:txBody>
+          <a:bodyPr lIns="0" rIns="0" tIns="0" bIns="0" anchor="t">
+            <a:normAutofit/>
+          </a:bodyPr>
+          <a:p>
+            <a:endParaRPr b="0" lang="en-IE" sz="3200" spc="-1" strike="noStrike">
+              <a:latin typeface="Arial"/>
+            </a:endParaRPr>
+          </a:p>
+        </p:txBody>
+      </p:sp>
+      <p:sp>
+        <p:nvSpPr>
+          <p:cNvPr id="5" name="PlaceHolder 4"/>
+          <p:cNvSpPr>
+            <a:spLocks noGrp="1"/>
+          </p:cNvSpPr>
+          <p:nvPr>
+            <p:ph type="ftr" idx="10"/>
+          </p:nvPr>
+        </p:nvSpPr>
+        <p:spPr/>
+        <p:txBody>
+          <a:bodyPr/>
+          <a:p>
+            <a:r>
+              <a:t>Footer</a:t>
+            </a:r>
+          </a:p>
+        </p:txBody>
+      </p:sp>
+      <p:sp>
+        <p:nvSpPr>
+          <p:cNvPr id="6" name="PlaceHolder 5"/>
+          <p:cNvSpPr>
+            <a:spLocks noGrp="1"/>
+          </p:cNvSpPr>
+          <p:nvPr>
+            <p:ph type="sldNum" idx="11"/>
+          </p:nvPr>
+        </p:nvSpPr>
+        <p:spPr/>
+        <p:txBody>
+          <a:bodyPr/>
+          <a:p>
+            <a:fld id="{6E3A3CFF-EB75-47C7-876B-14E08B6F209C}" type="slidenum">
+              <a:t>&lt;#&gt;</a:t>
+            </a:fld>
+          </a:p>
+        </p:txBody>
+      </p:sp>
+      <p:sp>
+        <p:nvSpPr>
+          <p:cNvPr id="7" name="PlaceHolder 6"/>
+          <p:cNvSpPr>
+            <a:spLocks noGrp="1"/>
+          </p:cNvSpPr>
+          <p:nvPr>
+            <p:ph type="dt" idx="12"/>
+          </p:nvPr>
+        </p:nvSpPr>
+        <p:spPr/>
+        <p:txBody>
+          <a:bodyPr/>
+          <a:p>
+            <a:r>
+              <a:rPr lang="en-IE"/>
+              <a:t/>
+            </a:r>
+          </a:p>
+        </p:txBody>
+      </p:sp>
+    </p:spTree>
+  </p:cSld>
+</p:sldLayout>
+</file>
+
+<file path=ppt/slideLayouts/slideLayout47.xml><?xml version="1.0" encoding="utf-8"?>
+<p:sldLayout xmlns:a="http://schemas.openxmlformats.org/drawingml/2006/main" xmlns:p="http://schemas.openxmlformats.org/presentationml/2006/main" xmlns:r="http://schemas.openxmlformats.org/officeDocument/2006/relationships" xmlns:p14="http://schemas.microsoft.com/office/powerpoint/2010/main" xmlns:p15="http://schemas.microsoft.com/office/powerpoint/2012/main" xmlns:mc="http://schemas.openxmlformats.org/markup-compatibility/2006" type="fourObj" preserve="1">
+  <p:cSld name="Title, 4 Content">
+    <p:spTree>
+      <p:nvGrpSpPr>
+        <p:cNvPr id="1" name=""/>
+        <p:cNvGrpSpPr/>
+        <p:nvPr/>
+      </p:nvGrpSpPr>
+      <p:grpSpPr>
+        <a:xfrm>
+          <a:off x="0" y="0"/>
+          <a:ext cx="0" cy="0"/>
+          <a:chOff x="0" y="0"/>
+          <a:chExt cx="0" cy="0"/>
+        </a:xfrm>
+      </p:grpSpPr>
+      <p:sp>
+        <p:nvSpPr>
+          <p:cNvPr id="152" name="PlaceHolder 1"/>
+          <p:cNvSpPr>
+            <a:spLocks noGrp="1"/>
+          </p:cNvSpPr>
+          <p:nvPr>
+            <p:ph type="title"/>
+          </p:nvPr>
+        </p:nvSpPr>
+        <p:spPr>
+          <a:xfrm>
+            <a:off x="609480" y="273600"/>
+            <a:ext cx="10972440" cy="1144800"/>
+          </a:xfrm>
+          <a:prstGeom prst="rect">
+            <a:avLst/>
+          </a:prstGeom>
+          <a:noFill/>
+          <a:ln w="0">
+            <a:noFill/>
+          </a:ln>
+        </p:spPr>
+        <p:txBody>
+          <a:bodyPr lIns="0" rIns="0" tIns="0" bIns="0" anchor="ctr">
+            <a:noAutofit/>
+          </a:bodyPr>
+          <a:p>
+            <a:pPr algn="ctr">
+              <a:buNone/>
+            </a:pPr>
+            <a:endParaRPr b="0" lang="en-IE" sz="4400" spc="-1" strike="noStrike">
+              <a:latin typeface="Arial"/>
+            </a:endParaRPr>
+          </a:p>
+        </p:txBody>
+      </p:sp>
+      <p:sp>
+        <p:nvSpPr>
+          <p:cNvPr id="153" name="PlaceHolder 2"/>
+          <p:cNvSpPr>
+            <a:spLocks noGrp="1"/>
+          </p:cNvSpPr>
+          <p:nvPr>
+            <p:ph/>
+          </p:nvPr>
+        </p:nvSpPr>
+        <p:spPr>
+          <a:xfrm>
+            <a:off x="609480" y="1604520"/>
+            <a:ext cx="5354280" cy="1896840"/>
+          </a:xfrm>
+          <a:prstGeom prst="rect">
+            <a:avLst/>
+          </a:prstGeom>
+          <a:noFill/>
+          <a:ln w="0">
+            <a:noFill/>
+          </a:ln>
+        </p:spPr>
+        <p:txBody>
+          <a:bodyPr lIns="0" rIns="0" tIns="0" bIns="0" anchor="t">
+            <a:normAutofit/>
+          </a:bodyPr>
+          <a:p>
+            <a:endParaRPr b="0" lang="en-IE" sz="3200" spc="-1" strike="noStrike">
+              <a:latin typeface="Arial"/>
+            </a:endParaRPr>
+          </a:p>
+        </p:txBody>
+      </p:sp>
+      <p:sp>
+        <p:nvSpPr>
+          <p:cNvPr id="154" name="PlaceHolder 3"/>
+          <p:cNvSpPr>
+            <a:spLocks noGrp="1"/>
+          </p:cNvSpPr>
+          <p:nvPr>
+            <p:ph/>
+          </p:nvPr>
+        </p:nvSpPr>
+        <p:spPr>
+          <a:xfrm>
+            <a:off x="6231960" y="1604520"/>
+            <a:ext cx="5354280" cy="1896840"/>
+          </a:xfrm>
+          <a:prstGeom prst="rect">
+            <a:avLst/>
+          </a:prstGeom>
+          <a:noFill/>
+          <a:ln w="0">
+            <a:noFill/>
+          </a:ln>
+        </p:spPr>
+        <p:txBody>
+          <a:bodyPr lIns="0" rIns="0" tIns="0" bIns="0" anchor="t">
+            <a:normAutofit/>
+          </a:bodyPr>
+          <a:p>
+            <a:endParaRPr b="0" lang="en-IE" sz="3200" spc="-1" strike="noStrike">
+              <a:latin typeface="Arial"/>
+            </a:endParaRPr>
+          </a:p>
+        </p:txBody>
+      </p:sp>
+      <p:sp>
+        <p:nvSpPr>
+          <p:cNvPr id="155" name="PlaceHolder 4"/>
+          <p:cNvSpPr>
+            <a:spLocks noGrp="1"/>
+          </p:cNvSpPr>
+          <p:nvPr>
+            <p:ph/>
+          </p:nvPr>
+        </p:nvSpPr>
+        <p:spPr>
+          <a:xfrm>
+            <a:off x="609480" y="3682080"/>
+            <a:ext cx="5354280" cy="1896840"/>
+          </a:xfrm>
+          <a:prstGeom prst="rect">
+            <a:avLst/>
+          </a:prstGeom>
+          <a:noFill/>
+          <a:ln w="0">
+            <a:noFill/>
+          </a:ln>
+        </p:spPr>
+        <p:txBody>
+          <a:bodyPr lIns="0" rIns="0" tIns="0" bIns="0" anchor="t">
+            <a:normAutofit/>
+          </a:bodyPr>
+          <a:p>
+            <a:endParaRPr b="0" lang="en-IE" sz="3200" spc="-1" strike="noStrike">
+              <a:latin typeface="Arial"/>
+            </a:endParaRPr>
+          </a:p>
+        </p:txBody>
+      </p:sp>
+      <p:sp>
+        <p:nvSpPr>
+          <p:cNvPr id="156" name="PlaceHolder 5"/>
+          <p:cNvSpPr>
+            <a:spLocks noGrp="1"/>
+          </p:cNvSpPr>
+          <p:nvPr>
+            <p:ph/>
+          </p:nvPr>
+        </p:nvSpPr>
+        <p:spPr>
+          <a:xfrm>
+            <a:off x="6231960" y="3682080"/>
+            <a:ext cx="5354280" cy="1896840"/>
+          </a:xfrm>
+          <a:prstGeom prst="rect">
+            <a:avLst/>
+          </a:prstGeom>
+          <a:noFill/>
+          <a:ln w="0">
+            <a:noFill/>
+          </a:ln>
+        </p:spPr>
+        <p:txBody>
+          <a:bodyPr lIns="0" rIns="0" tIns="0" bIns="0" anchor="t">
+            <a:normAutofit/>
+          </a:bodyPr>
+          <a:p>
+            <a:endParaRPr b="0" lang="en-IE" sz="3200" spc="-1" strike="noStrike">
+              <a:latin typeface="Arial"/>
+            </a:endParaRPr>
+          </a:p>
+        </p:txBody>
+      </p:sp>
+      <p:sp>
+        <p:nvSpPr>
+          <p:cNvPr id="7" name="PlaceHolder 6"/>
+          <p:cNvSpPr>
+            <a:spLocks noGrp="1"/>
+          </p:cNvSpPr>
+          <p:nvPr>
+            <p:ph type="ftr" idx="10"/>
+          </p:nvPr>
+        </p:nvSpPr>
+        <p:spPr/>
+        <p:txBody>
+          <a:bodyPr/>
+          <a:p>
+            <a:r>
+              <a:t>Footer</a:t>
+            </a:r>
+          </a:p>
+        </p:txBody>
+      </p:sp>
+      <p:sp>
+        <p:nvSpPr>
+          <p:cNvPr id="8" name="PlaceHolder 7"/>
+          <p:cNvSpPr>
+            <a:spLocks noGrp="1"/>
+          </p:cNvSpPr>
+          <p:nvPr>
+            <p:ph type="sldNum" idx="11"/>
+          </p:nvPr>
+        </p:nvSpPr>
+        <p:spPr/>
+        <p:txBody>
+          <a:bodyPr/>
+          <a:p>
+            <a:fld id="{8FF805A4-B6EB-4FA5-B277-C0C7B34C6AA2}" type="slidenum">
+              <a:t>&lt;#&gt;</a:t>
+            </a:fld>
+          </a:p>
+        </p:txBody>
+      </p:sp>
+      <p:sp>
+        <p:nvSpPr>
+          <p:cNvPr id="9" name="PlaceHolder 8"/>
+          <p:cNvSpPr>
+            <a:spLocks noGrp="1"/>
+          </p:cNvSpPr>
+          <p:nvPr>
+            <p:ph type="dt" idx="12"/>
+          </p:nvPr>
+        </p:nvSpPr>
+        <p:spPr/>
+        <p:txBody>
+          <a:bodyPr/>
+          <a:p>
+            <a:r>
+              <a:rPr lang="en-IE"/>
+              <a:t/>
+            </a:r>
+          </a:p>
+        </p:txBody>
+      </p:sp>
+    </p:spTree>
+  </p:cSld>
+</p:sldLayout>
+</file>
+
+<file path=ppt/slideLayouts/slideLayout48.xml><?xml version="1.0" encoding="utf-8"?>
+<p:sldLayout xmlns:a="http://schemas.openxmlformats.org/drawingml/2006/main" xmlns:p="http://schemas.openxmlformats.org/presentationml/2006/main" xmlns:r="http://schemas.openxmlformats.org/officeDocument/2006/relationships" xmlns:p14="http://schemas.microsoft.com/office/powerpoint/2010/main" xmlns:p15="http://schemas.microsoft.com/office/powerpoint/2012/main" xmlns:mc="http://schemas.openxmlformats.org/markup-compatibility/2006" type="blank" preserve="1">
+  <p:cSld name="Title, 6 Content">
+    <p:spTree>
+      <p:nvGrpSpPr>
+        <p:cNvPr id="1" name=""/>
+        <p:cNvGrpSpPr/>
+        <p:nvPr/>
+      </p:nvGrpSpPr>
+      <p:grpSpPr>
+        <a:xfrm>
+          <a:off x="0" y="0"/>
+          <a:ext cx="0" cy="0"/>
+          <a:chOff x="0" y="0"/>
+          <a:chExt cx="0" cy="0"/>
+        </a:xfrm>
+      </p:grpSpPr>
+      <p:sp>
+        <p:nvSpPr>
+          <p:cNvPr id="157" name="PlaceHolder 1"/>
+          <p:cNvSpPr>
+            <a:spLocks noGrp="1"/>
+          </p:cNvSpPr>
+          <p:nvPr>
+            <p:ph type="title"/>
+          </p:nvPr>
+        </p:nvSpPr>
+        <p:spPr>
+          <a:xfrm>
+            <a:off x="609480" y="273600"/>
+            <a:ext cx="10972440" cy="1144800"/>
+          </a:xfrm>
+          <a:prstGeom prst="rect">
+            <a:avLst/>
+          </a:prstGeom>
+          <a:noFill/>
+          <a:ln w="0">
+            <a:noFill/>
+          </a:ln>
+        </p:spPr>
+        <p:txBody>
+          <a:bodyPr lIns="0" rIns="0" tIns="0" bIns="0" anchor="ctr">
+            <a:noAutofit/>
+          </a:bodyPr>
+          <a:p>
+            <a:pPr algn="ctr">
+              <a:buNone/>
+            </a:pPr>
+            <a:endParaRPr b="0" lang="en-IE" sz="4400" spc="-1" strike="noStrike">
+              <a:latin typeface="Arial"/>
+            </a:endParaRPr>
+          </a:p>
+        </p:txBody>
+      </p:sp>
+      <p:sp>
+        <p:nvSpPr>
+          <p:cNvPr id="158" name="PlaceHolder 2"/>
+          <p:cNvSpPr>
+            <a:spLocks noGrp="1"/>
+          </p:cNvSpPr>
+          <p:nvPr>
+            <p:ph/>
+          </p:nvPr>
+        </p:nvSpPr>
+        <p:spPr>
+          <a:xfrm>
+            <a:off x="609480" y="1604520"/>
+            <a:ext cx="3533040" cy="1896840"/>
+          </a:xfrm>
+          <a:prstGeom prst="rect">
+            <a:avLst/>
+          </a:prstGeom>
+          <a:noFill/>
+          <a:ln w="0">
+            <a:noFill/>
+          </a:ln>
+        </p:spPr>
+        <p:txBody>
+          <a:bodyPr lIns="0" rIns="0" tIns="0" bIns="0" anchor="t">
+            <a:normAutofit/>
+          </a:bodyPr>
+          <a:p>
+            <a:endParaRPr b="0" lang="en-IE" sz="3200" spc="-1" strike="noStrike">
+              <a:latin typeface="Arial"/>
+            </a:endParaRPr>
+          </a:p>
+        </p:txBody>
+      </p:sp>
+      <p:sp>
+        <p:nvSpPr>
+          <p:cNvPr id="159" name="PlaceHolder 3"/>
+          <p:cNvSpPr>
+            <a:spLocks noGrp="1"/>
+          </p:cNvSpPr>
+          <p:nvPr>
+            <p:ph/>
+          </p:nvPr>
+        </p:nvSpPr>
+        <p:spPr>
+          <a:xfrm>
+            <a:off x="4319640" y="1604520"/>
+            <a:ext cx="3533040" cy="1896840"/>
+          </a:xfrm>
+          <a:prstGeom prst="rect">
+            <a:avLst/>
+          </a:prstGeom>
+          <a:noFill/>
+          <a:ln w="0">
+            <a:noFill/>
+          </a:ln>
+        </p:spPr>
+        <p:txBody>
+          <a:bodyPr lIns="0" rIns="0" tIns="0" bIns="0" anchor="t">
+            <a:normAutofit/>
+          </a:bodyPr>
+          <a:p>
+            <a:endParaRPr b="0" lang="en-IE" sz="3200" spc="-1" strike="noStrike">
+              <a:latin typeface="Arial"/>
+            </a:endParaRPr>
+          </a:p>
+        </p:txBody>
+      </p:sp>
+      <p:sp>
+        <p:nvSpPr>
+          <p:cNvPr id="160" name="PlaceHolder 4"/>
+          <p:cNvSpPr>
+            <a:spLocks noGrp="1"/>
+          </p:cNvSpPr>
+          <p:nvPr>
+            <p:ph/>
+          </p:nvPr>
+        </p:nvSpPr>
+        <p:spPr>
+          <a:xfrm>
+            <a:off x="8029800" y="1604520"/>
+            <a:ext cx="3533040" cy="1896840"/>
+          </a:xfrm>
+          <a:prstGeom prst="rect">
+            <a:avLst/>
+          </a:prstGeom>
+          <a:noFill/>
+          <a:ln w="0">
+            <a:noFill/>
+          </a:ln>
+        </p:spPr>
+        <p:txBody>
+          <a:bodyPr lIns="0" rIns="0" tIns="0" bIns="0" anchor="t">
+            <a:normAutofit/>
+          </a:bodyPr>
+          <a:p>
+            <a:endParaRPr b="0" lang="en-IE" sz="3200" spc="-1" strike="noStrike">
+              <a:latin typeface="Arial"/>
+            </a:endParaRPr>
+          </a:p>
+        </p:txBody>
+      </p:sp>
+      <p:sp>
+        <p:nvSpPr>
+          <p:cNvPr id="161" name="PlaceHolder 5"/>
+          <p:cNvSpPr>
+            <a:spLocks noGrp="1"/>
+          </p:cNvSpPr>
+          <p:nvPr>
+            <p:ph/>
+          </p:nvPr>
+        </p:nvSpPr>
+        <p:spPr>
+          <a:xfrm>
+            <a:off x="609480" y="3682080"/>
+            <a:ext cx="3533040" cy="1896840"/>
+          </a:xfrm>
+          <a:prstGeom prst="rect">
+            <a:avLst/>
+          </a:prstGeom>
+          <a:noFill/>
+          <a:ln w="0">
+            <a:noFill/>
+          </a:ln>
+        </p:spPr>
+        <p:txBody>
+          <a:bodyPr lIns="0" rIns="0" tIns="0" bIns="0" anchor="t">
+            <a:normAutofit/>
+          </a:bodyPr>
+          <a:p>
+            <a:endParaRPr b="0" lang="en-IE" sz="3200" spc="-1" strike="noStrike">
+              <a:latin typeface="Arial"/>
+            </a:endParaRPr>
+          </a:p>
+        </p:txBody>
+      </p:sp>
+      <p:sp>
+        <p:nvSpPr>
+          <p:cNvPr id="162" name="PlaceHolder 6"/>
+          <p:cNvSpPr>
+            <a:spLocks noGrp="1"/>
+          </p:cNvSpPr>
+          <p:nvPr>
+            <p:ph/>
+          </p:nvPr>
+        </p:nvSpPr>
+        <p:spPr>
+          <a:xfrm>
+            <a:off x="4319640" y="3682080"/>
+            <a:ext cx="3533040" cy="1896840"/>
+          </a:xfrm>
+          <a:prstGeom prst="rect">
+            <a:avLst/>
+          </a:prstGeom>
+          <a:noFill/>
+          <a:ln w="0">
+            <a:noFill/>
+          </a:ln>
+        </p:spPr>
+        <p:txBody>
+          <a:bodyPr lIns="0" rIns="0" tIns="0" bIns="0" anchor="t">
+            <a:normAutofit/>
+          </a:bodyPr>
+          <a:p>
+            <a:endParaRPr b="0" lang="en-IE" sz="3200" spc="-1" strike="noStrike">
+              <a:latin typeface="Arial"/>
+            </a:endParaRPr>
+          </a:p>
+        </p:txBody>
+      </p:sp>
+      <p:sp>
+        <p:nvSpPr>
+          <p:cNvPr id="163" name="PlaceHolder 7"/>
+          <p:cNvSpPr>
+            <a:spLocks noGrp="1"/>
+          </p:cNvSpPr>
+          <p:nvPr>
+            <p:ph/>
+          </p:nvPr>
+        </p:nvSpPr>
+        <p:spPr>
+          <a:xfrm>
+            <a:off x="8029800" y="3682080"/>
+            <a:ext cx="3533040" cy="1896840"/>
+          </a:xfrm>
+          <a:prstGeom prst="rect">
+            <a:avLst/>
+          </a:prstGeom>
+          <a:noFill/>
+          <a:ln w="0">
+            <a:noFill/>
+          </a:ln>
+        </p:spPr>
+        <p:txBody>
+          <a:bodyPr lIns="0" rIns="0" tIns="0" bIns="0" anchor="t">
+            <a:normAutofit/>
+          </a:bodyPr>
+          <a:p>
+            <a:endParaRPr b="0" lang="en-IE" sz="3200" spc="-1" strike="noStrike">
+              <a:latin typeface="Arial"/>
+            </a:endParaRPr>
+          </a:p>
+        </p:txBody>
+      </p:sp>
+      <p:sp>
+        <p:nvSpPr>
+          <p:cNvPr id="9" name="PlaceHolder 8"/>
+          <p:cNvSpPr>
+            <a:spLocks noGrp="1"/>
+          </p:cNvSpPr>
+          <p:nvPr>
+            <p:ph type="ftr" idx="10"/>
+          </p:nvPr>
+        </p:nvSpPr>
+        <p:spPr/>
+        <p:txBody>
+          <a:bodyPr/>
+          <a:p>
+            <a:r>
+              <a:t>Footer</a:t>
+            </a:r>
+          </a:p>
+        </p:txBody>
+      </p:sp>
+      <p:sp>
+        <p:nvSpPr>
+          <p:cNvPr id="10" name="PlaceHolder 9"/>
+          <p:cNvSpPr>
+            <a:spLocks noGrp="1"/>
+          </p:cNvSpPr>
+          <p:nvPr>
+            <p:ph type="sldNum" idx="11"/>
+          </p:nvPr>
+        </p:nvSpPr>
+        <p:spPr/>
+        <p:txBody>
+          <a:bodyPr/>
+          <a:p>
+            <a:fld id="{DDCB849F-1424-4ABC-BCAF-EE4316D9BEDE}" type="slidenum">
+              <a:t>&lt;#&gt;</a:t>
+            </a:fld>
+          </a:p>
+        </p:txBody>
+      </p:sp>
+      <p:sp>
+        <p:nvSpPr>
+          <p:cNvPr id="11" name="PlaceHolder 10"/>
+          <p:cNvSpPr>
+            <a:spLocks noGrp="1"/>
+          </p:cNvSpPr>
+          <p:nvPr>
+            <p:ph type="dt" idx="12"/>
           </p:nvPr>
         </p:nvSpPr>
         <p:spPr/>
@@ -5984,7 +8242,7 @@
         <p:txBody>
           <a:bodyPr/>
           <a:p>
-            <a:fld id="{F8F3E4CD-6514-4700-91E4-88D7FE5F8AA3}" type="slidenum">
+            <a:fld id="{BD1B9974-C4DA-4FE4-B123-AF2535CBAEA3}" type="slidenum">
               <a:t>&lt;#&gt;</a:t>
             </a:fld>
           </a:p>
@@ -6104,7 +8362,7 @@
         <p:txBody>
           <a:bodyPr/>
           <a:p>
-            <a:fld id="{7258CD6E-6ECC-4EF7-A13C-86889D9F79B1}" type="slidenum">
+            <a:fld id="{8E6E6BDA-BBED-4D6D-BB1D-F0F2E0867DB9}" type="slidenum">
               <a:t>&lt;#&gt;</a:t>
             </a:fld>
           </a:p>
@@ -6326,7 +8584,7 @@
         <p:txBody>
           <a:bodyPr/>
           <a:p>
-            <a:fld id="{3DC2C423-01F7-4DB9-BBE8-5906D9A77398}" type="slidenum">
+            <a:fld id="{2DB5A55D-0C8D-4797-80DD-EA5FA500C724}" type="slidenum">
               <a:t>&lt;#&gt;</a:t>
             </a:fld>
           </a:p>
@@ -6548,7 +8806,7 @@
         <p:txBody>
           <a:bodyPr/>
           <a:p>
-            <a:fld id="{7B80A729-44D7-42BA-B587-F8C301E317C0}" type="slidenum">
+            <a:fld id="{8F3D2509-98E4-44FA-8556-8083935C00B2}" type="slidenum">
               <a:t>&lt;#&gt;</a:t>
             </a:fld>
           </a:p>
@@ -6770,7 +9028,7 @@
         <p:txBody>
           <a:bodyPr/>
           <a:p>
-            <a:fld id="{E1E7CD5B-FDA1-45CA-99E9-313E61904F03}" type="slidenum">
+            <a:fld id="{FF7C9F70-AD73-4439-BE59-37145B261FFC}" type="slidenum">
               <a:t>&lt;#&gt;</a:t>
             </a:fld>
           </a:p>
@@ -6833,236 +9091,13 @@
             <a:spLocks noGrp="1"/>
           </p:cNvSpPr>
           <p:nvPr>
-            <p:ph type="title"/>
-          </p:nvPr>
-        </p:nvSpPr>
-        <p:spPr>
-          <a:xfrm>
-            <a:off x="609480" y="273600"/>
-            <a:ext cx="10972080" cy="1144440"/>
-          </a:xfrm>
-          <a:prstGeom prst="rect">
-            <a:avLst/>
-          </a:prstGeom>
-          <a:noFill/>
-          <a:ln w="0">
-            <a:noFill/>
-          </a:ln>
-        </p:spPr>
-        <p:txBody>
-          <a:bodyPr lIns="0" rIns="0" tIns="0" bIns="0" anchor="ctr">
-            <a:noAutofit/>
-          </a:bodyPr>
-          <a:p>
-            <a:r>
-              <a:rPr b="0" lang="en-IE" sz="1800" spc="-1" strike="noStrike">
-                <a:latin typeface="Arial"/>
-              </a:rPr>
-              <a:t>Click to edit the title text format</a:t>
-            </a:r>
-            <a:endParaRPr b="0" lang="en-IE" sz="1800" spc="-1" strike="noStrike">
-              <a:latin typeface="Arial"/>
-            </a:endParaRPr>
-          </a:p>
-        </p:txBody>
-      </p:sp>
-      <p:sp>
-        <p:nvSpPr>
-          <p:cNvPr id="1" name="PlaceHolder 2"/>
-          <p:cNvSpPr>
-            <a:spLocks noGrp="1"/>
-          </p:cNvSpPr>
-          <p:nvPr>
-            <p:ph type="body"/>
-          </p:nvPr>
-        </p:nvSpPr>
-        <p:spPr>
-          <a:xfrm>
-            <a:off x="609480" y="1604520"/>
-            <a:ext cx="10972080" cy="3976920"/>
-          </a:xfrm>
-          <a:prstGeom prst="rect">
-            <a:avLst/>
-          </a:prstGeom>
-          <a:noFill/>
-          <a:ln w="0">
-            <a:noFill/>
-          </a:ln>
-        </p:spPr>
-        <p:txBody>
-          <a:bodyPr lIns="0" rIns="0" tIns="0" bIns="0" anchor="t">
-            <a:normAutofit/>
-          </a:bodyPr>
-          <a:p>
-            <a:pPr marL="432000" indent="-324000">
-              <a:spcBef>
-                <a:spcPts val="1417"/>
-              </a:spcBef>
-              <a:buClr>
-                <a:srgbClr val="000000"/>
-              </a:buClr>
-              <a:buSzPct val="45000"/>
-              <a:buFont typeface="Wingdings" charset="2"/>
-              <a:buChar char=""/>
-            </a:pPr>
-            <a:r>
-              <a:rPr b="0" lang="en-IE" sz="1800" spc="-1" strike="noStrike">
-                <a:latin typeface="Arial"/>
-              </a:rPr>
-              <a:t>Click to edit the outline text format</a:t>
-            </a:r>
-            <a:endParaRPr b="0" lang="en-IE" sz="1800" spc="-1" strike="noStrike">
-              <a:latin typeface="Arial"/>
-            </a:endParaRPr>
-          </a:p>
-          <a:p>
-            <a:pPr lvl="1" marL="864000" indent="-324000">
-              <a:spcBef>
-                <a:spcPts val="1134"/>
-              </a:spcBef>
-              <a:buClr>
-                <a:srgbClr val="000000"/>
-              </a:buClr>
-              <a:buSzPct val="75000"/>
-              <a:buFont typeface="Symbol" charset="2"/>
-              <a:buChar char=""/>
-            </a:pPr>
-            <a:r>
-              <a:rPr b="0" lang="en-IE" sz="1800" spc="-1" strike="noStrike">
-                <a:latin typeface="Arial"/>
-              </a:rPr>
-              <a:t>Second Outline Level</a:t>
-            </a:r>
-            <a:endParaRPr b="0" lang="en-IE" sz="1800" spc="-1" strike="noStrike">
-              <a:latin typeface="Arial"/>
-            </a:endParaRPr>
-          </a:p>
-          <a:p>
-            <a:pPr lvl="2" marL="1296000" indent="-288000">
-              <a:spcBef>
-                <a:spcPts val="850"/>
-              </a:spcBef>
-              <a:buClr>
-                <a:srgbClr val="000000"/>
-              </a:buClr>
-              <a:buSzPct val="45000"/>
-              <a:buFont typeface="Wingdings" charset="2"/>
-              <a:buChar char=""/>
-            </a:pPr>
-            <a:r>
-              <a:rPr b="0" lang="en-IE" sz="1800" spc="-1" strike="noStrike">
-                <a:latin typeface="Arial"/>
-              </a:rPr>
-              <a:t>Third Outline Level</a:t>
-            </a:r>
-            <a:endParaRPr b="0" lang="en-IE" sz="1800" spc="-1" strike="noStrike">
-              <a:latin typeface="Arial"/>
-            </a:endParaRPr>
-          </a:p>
-          <a:p>
-            <a:pPr lvl="3" marL="1728000" indent="-216000">
-              <a:spcBef>
-                <a:spcPts val="567"/>
-              </a:spcBef>
-              <a:buClr>
-                <a:srgbClr val="000000"/>
-              </a:buClr>
-              <a:buSzPct val="75000"/>
-              <a:buFont typeface="Symbol" charset="2"/>
-              <a:buChar char=""/>
-            </a:pPr>
-            <a:r>
-              <a:rPr b="0" lang="en-IE" sz="1800" spc="-1" strike="noStrike">
-                <a:latin typeface="Arial"/>
-              </a:rPr>
-              <a:t>Fourth Outline Level</a:t>
-            </a:r>
-            <a:endParaRPr b="0" lang="en-IE" sz="1800" spc="-1" strike="noStrike">
-              <a:latin typeface="Arial"/>
-            </a:endParaRPr>
-          </a:p>
-          <a:p>
-            <a:pPr lvl="4" marL="2160000" indent="-216000">
-              <a:spcBef>
-                <a:spcPts val="283"/>
-              </a:spcBef>
-              <a:buClr>
-                <a:srgbClr val="000000"/>
-              </a:buClr>
-              <a:buSzPct val="45000"/>
-              <a:buFont typeface="Wingdings" charset="2"/>
-              <a:buChar char=""/>
-            </a:pPr>
-            <a:r>
-              <a:rPr b="0" lang="en-IE" sz="1800" spc="-1" strike="noStrike">
-                <a:latin typeface="Arial"/>
-              </a:rPr>
-              <a:t>Fifth Outline Level</a:t>
-            </a:r>
-            <a:endParaRPr b="0" lang="en-IE" sz="1800" spc="-1" strike="noStrike">
-              <a:latin typeface="Arial"/>
-            </a:endParaRPr>
-          </a:p>
-          <a:p>
-            <a:pPr lvl="5" marL="2592000" indent="-216000">
-              <a:spcBef>
-                <a:spcPts val="283"/>
-              </a:spcBef>
-              <a:buClr>
-                <a:srgbClr val="000000"/>
-              </a:buClr>
-              <a:buSzPct val="45000"/>
-              <a:buFont typeface="Wingdings" charset="2"/>
-              <a:buChar char=""/>
-            </a:pPr>
-            <a:r>
-              <a:rPr b="0" lang="en-IE" sz="1800" spc="-1" strike="noStrike">
-                <a:latin typeface="Arial"/>
-              </a:rPr>
-              <a:t>Sixth Outline Level</a:t>
-            </a:r>
-            <a:endParaRPr b="0" lang="en-IE" sz="1800" spc="-1" strike="noStrike">
-              <a:latin typeface="Arial"/>
-            </a:endParaRPr>
-          </a:p>
-          <a:p>
-            <a:pPr lvl="6" marL="3024000" indent="-216000">
-              <a:spcBef>
-                <a:spcPts val="283"/>
-              </a:spcBef>
-              <a:buClr>
-                <a:srgbClr val="000000"/>
-              </a:buClr>
-              <a:buSzPct val="45000"/>
-              <a:buFont typeface="Wingdings" charset="2"/>
-              <a:buChar char=""/>
-            </a:pPr>
-            <a:r>
-              <a:rPr b="0" lang="en-IE" sz="1800" spc="-1" strike="noStrike">
-                <a:latin typeface="Arial"/>
-              </a:rPr>
-              <a:t>Seventh Outline Level</a:t>
-            </a:r>
-            <a:endParaRPr b="0" lang="en-IE" sz="1800" spc="-1" strike="noStrike">
-              <a:latin typeface="Arial"/>
-            </a:endParaRPr>
-          </a:p>
-        </p:txBody>
-      </p:sp>
-      <p:sp>
-        <p:nvSpPr>
-          <p:cNvPr id="2" name="PlaceHolder 3"/>
-          <p:cNvSpPr>
-            <a:spLocks noGrp="1"/>
-          </p:cNvSpPr>
-          <p:nvPr>
             <p:ph type="ftr" idx="1"/>
           </p:nvPr>
         </p:nvSpPr>
         <p:spPr>
           <a:xfrm>
             <a:off x="4038480" y="6356520"/>
-            <a:ext cx="4113720" cy="363960"/>
+            <a:ext cx="4113000" cy="363240"/>
           </a:xfrm>
           <a:prstGeom prst="rect">
             <a:avLst/>
@@ -7108,7 +9143,7 @@
       </p:sp>
       <p:sp>
         <p:nvSpPr>
-          <p:cNvPr id="3" name="PlaceHolder 4"/>
+          <p:cNvPr id="1" name="PlaceHolder 2"/>
           <p:cNvSpPr>
             <a:spLocks noGrp="1"/>
           </p:cNvSpPr>
@@ -7119,7 +9154,7 @@
         <p:spPr>
           <a:xfrm>
             <a:off x="8610480" y="6356520"/>
-            <a:ext cx="2742120" cy="363960"/>
+            <a:ext cx="2741400" cy="363240"/>
           </a:xfrm>
           <a:prstGeom prst="rect">
             <a:avLst/>
@@ -7154,7 +9189,7 @@
               </a:lnSpc>
               <a:buNone/>
             </a:pPr>
-            <a:fld id="{B3B076E2-84DD-4CF6-9760-107BFBC88E51}" type="slidenum">
+            <a:fld id="{730CF4CB-8751-4ECD-BEC1-796F7B22E2AB}" type="slidenum">
               <a:rPr b="0" lang="en-GB" sz="1200" spc="-1" strike="noStrike">
                 <a:solidFill>
                   <a:srgbClr val="8b8b8b"/>
@@ -7171,7 +9206,7 @@
       </p:sp>
       <p:sp>
         <p:nvSpPr>
-          <p:cNvPr id="4" name="PlaceHolder 5"/>
+          <p:cNvPr id="2" name="PlaceHolder 3"/>
           <p:cNvSpPr>
             <a:spLocks noGrp="1"/>
           </p:cNvSpPr>
@@ -7182,7 +9217,7 @@
         <p:spPr>
           <a:xfrm>
             <a:off x="838080" y="6356520"/>
-            <a:ext cx="2742120" cy="363960"/>
+            <a:ext cx="2741400" cy="363240"/>
           </a:xfrm>
           <a:prstGeom prst="rect">
             <a:avLst/>
@@ -7212,6 +9247,232 @@
             </a:r>
             <a:endParaRPr b="0" lang="en-IE" sz="1400" spc="-1" strike="noStrike">
               <a:latin typeface="Times New Roman"/>
+            </a:endParaRPr>
+          </a:p>
+        </p:txBody>
+      </p:sp>
+      <p:sp>
+        <p:nvSpPr>
+          <p:cNvPr id="3" name="PlaceHolder 4"/>
+          <p:cNvSpPr>
+            <a:spLocks noGrp="1"/>
+          </p:cNvSpPr>
+          <p:nvPr>
+            <p:ph type="title"/>
+          </p:nvPr>
+        </p:nvSpPr>
+        <p:spPr>
+          <a:xfrm>
+            <a:off x="609480" y="273600"/>
+            <a:ext cx="10972440" cy="1144800"/>
+          </a:xfrm>
+          <a:prstGeom prst="rect">
+            <a:avLst/>
+          </a:prstGeom>
+          <a:noFill/>
+          <a:ln w="0">
+            <a:noFill/>
+          </a:ln>
+        </p:spPr>
+        <p:txBody>
+          <a:bodyPr lIns="0" rIns="0" tIns="0" bIns="0" anchor="ctr">
+            <a:noAutofit/>
+          </a:bodyPr>
+          <a:p>
+            <a:pPr algn="ctr">
+              <a:buNone/>
+            </a:pPr>
+            <a:r>
+              <a:rPr b="0" lang="en-IE" sz="4400" spc="-1" strike="noStrike">
+                <a:latin typeface="Arial"/>
+              </a:rPr>
+              <a:t>Click to edit the title text format</a:t>
+            </a:r>
+            <a:endParaRPr b="0" lang="en-IE" sz="4400" spc="-1" strike="noStrike">
+              <a:latin typeface="Arial"/>
+            </a:endParaRPr>
+          </a:p>
+        </p:txBody>
+      </p:sp>
+      <p:sp>
+        <p:nvSpPr>
+          <p:cNvPr id="4" name="PlaceHolder 5"/>
+          <p:cNvSpPr>
+            <a:spLocks noGrp="1"/>
+          </p:cNvSpPr>
+          <p:nvPr>
+            <p:ph type="body"/>
+          </p:nvPr>
+        </p:nvSpPr>
+        <p:spPr>
+          <a:xfrm>
+            <a:off x="609480" y="1604520"/>
+            <a:ext cx="10972440" cy="3977280"/>
+          </a:xfrm>
+          <a:prstGeom prst="rect">
+            <a:avLst/>
+          </a:prstGeom>
+          <a:noFill/>
+          <a:ln w="0">
+            <a:noFill/>
+          </a:ln>
+        </p:spPr>
+        <p:txBody>
+          <a:bodyPr lIns="0" rIns="0" tIns="0" bIns="0" anchor="t">
+            <a:normAutofit/>
+          </a:bodyPr>
+          <a:p>
+            <a:pPr marL="432000" indent="-324000">
+              <a:spcBef>
+                <a:spcPts val="1417"/>
+              </a:spcBef>
+              <a:buClr>
+                <a:srgbClr val="000000"/>
+              </a:buClr>
+              <a:buSzPct val="45000"/>
+              <a:buFont typeface="Wingdings" charset="2"/>
+              <a:buChar char=""/>
+            </a:pPr>
+            <a:r>
+              <a:rPr b="0" lang="en-IE" sz="3200" spc="-1" strike="noStrike">
+                <a:latin typeface="Arial"/>
+              </a:rPr>
+              <a:t>Click to edit the outline text format</a:t>
+            </a:r>
+            <a:endParaRPr b="0" lang="en-IE" sz="3200" spc="-1" strike="noStrike">
+              <a:latin typeface="Arial"/>
+            </a:endParaRPr>
+          </a:p>
+          <a:p>
+            <a:pPr lvl="1" marL="864000" indent="-324000">
+              <a:spcBef>
+                <a:spcPts val="1134"/>
+              </a:spcBef>
+              <a:buClr>
+                <a:srgbClr val="000000"/>
+              </a:buClr>
+              <a:buSzPct val="75000"/>
+              <a:buFont typeface="Symbol" charset="2"/>
+              <a:buChar char=""/>
+            </a:pPr>
+            <a:r>
+              <a:rPr b="0" lang="en-IE" sz="2800" spc="-1" strike="noStrike">
+                <a:latin typeface="Arial"/>
+              </a:rPr>
+              <a:t>Second Outline Level</a:t>
+            </a:r>
+            <a:endParaRPr b="0" lang="en-IE" sz="2800" spc="-1" strike="noStrike">
+              <a:latin typeface="Arial"/>
+            </a:endParaRPr>
+          </a:p>
+          <a:p>
+            <a:pPr lvl="2" marL="1296000" indent="-288000">
+              <a:spcBef>
+                <a:spcPts val="850"/>
+              </a:spcBef>
+              <a:buClr>
+                <a:srgbClr val="000000"/>
+              </a:buClr>
+              <a:buSzPct val="45000"/>
+              <a:buFont typeface="Wingdings" charset="2"/>
+              <a:buChar char=""/>
+            </a:pPr>
+            <a:r>
+              <a:rPr b="0" lang="en-IE" sz="2400" spc="-1" strike="noStrike">
+                <a:latin typeface="Arial"/>
+              </a:rPr>
+              <a:t>Third Outline Level</a:t>
+            </a:r>
+            <a:endParaRPr b="0" lang="en-IE" sz="2400" spc="-1" strike="noStrike">
+              <a:latin typeface="Arial"/>
+            </a:endParaRPr>
+          </a:p>
+          <a:p>
+            <a:pPr lvl="3" marL="1728000" indent="-216000">
+              <a:spcBef>
+                <a:spcPts val="567"/>
+              </a:spcBef>
+              <a:buClr>
+                <a:srgbClr val="000000"/>
+              </a:buClr>
+              <a:buSzPct val="75000"/>
+              <a:buFont typeface="Symbol" charset="2"/>
+              <a:buChar char=""/>
+            </a:pPr>
+            <a:r>
+              <a:rPr b="0" lang="en-IE" sz="2000" spc="-1" strike="noStrike">
+                <a:latin typeface="Arial"/>
+              </a:rPr>
+              <a:t>Fourth Outline Level</a:t>
+            </a:r>
+            <a:endParaRPr b="0" lang="en-IE" sz="2000" spc="-1" strike="noStrike">
+              <a:latin typeface="Arial"/>
+            </a:endParaRPr>
+          </a:p>
+          <a:p>
+            <a:pPr lvl="4" marL="2160000" indent="-216000">
+              <a:spcBef>
+                <a:spcPts val="283"/>
+              </a:spcBef>
+              <a:buClr>
+                <a:srgbClr val="000000"/>
+              </a:buClr>
+              <a:buSzPct val="45000"/>
+              <a:buFont typeface="Wingdings" charset="2"/>
+              <a:buChar char=""/>
+            </a:pPr>
+            <a:r>
+              <a:rPr b="0" lang="en-IE" sz="2000" spc="-1" strike="noStrike">
+                <a:latin typeface="Arial"/>
+              </a:rPr>
+              <a:t>Fifth Outline Level</a:t>
+            </a:r>
+            <a:endParaRPr b="0" lang="en-IE" sz="2000" spc="-1" strike="noStrike">
+              <a:latin typeface="Arial"/>
+            </a:endParaRPr>
+          </a:p>
+          <a:p>
+            <a:pPr lvl="5" marL="2592000" indent="-216000">
+              <a:spcBef>
+                <a:spcPts val="283"/>
+              </a:spcBef>
+              <a:buClr>
+                <a:srgbClr val="000000"/>
+              </a:buClr>
+              <a:buSzPct val="45000"/>
+              <a:buFont typeface="Wingdings" charset="2"/>
+              <a:buChar char=""/>
+            </a:pPr>
+            <a:r>
+              <a:rPr b="0" lang="en-IE" sz="2000" spc="-1" strike="noStrike">
+                <a:latin typeface="Arial"/>
+              </a:rPr>
+              <a:t>Sixth Outline Level</a:t>
+            </a:r>
+            <a:endParaRPr b="0" lang="en-IE" sz="2000" spc="-1" strike="noStrike">
+              <a:latin typeface="Arial"/>
+            </a:endParaRPr>
+          </a:p>
+          <a:p>
+            <a:pPr lvl="6" marL="3024000" indent="-216000">
+              <a:spcBef>
+                <a:spcPts val="283"/>
+              </a:spcBef>
+              <a:buClr>
+                <a:srgbClr val="000000"/>
+              </a:buClr>
+              <a:buSzPct val="45000"/>
+              <a:buFont typeface="Wingdings" charset="2"/>
+              <a:buChar char=""/>
+            </a:pPr>
+            <a:r>
+              <a:rPr b="0" lang="en-IE" sz="2000" spc="-1" strike="noStrike">
+                <a:latin typeface="Arial"/>
+              </a:rPr>
+              <a:t>Seventh Outline Level</a:t>
+            </a:r>
+            <a:endParaRPr b="0" lang="en-IE" sz="2000" spc="-1" strike="noStrike">
+              <a:latin typeface="Arial"/>
             </a:endParaRPr>
           </a:p>
         </p:txBody>
@@ -7273,7 +9534,7 @@
         <p:spPr>
           <a:xfrm>
             <a:off x="4038480" y="6356520"/>
-            <a:ext cx="4113720" cy="363960"/>
+            <a:ext cx="4113000" cy="363240"/>
           </a:xfrm>
           <a:prstGeom prst="rect">
             <a:avLst/>
@@ -7330,7 +9591,7 @@
         <p:spPr>
           <a:xfrm>
             <a:off x="8610480" y="6356520"/>
-            <a:ext cx="2742120" cy="363960"/>
+            <a:ext cx="2741400" cy="363240"/>
           </a:xfrm>
           <a:prstGeom prst="rect">
             <a:avLst/>
@@ -7365,7 +9626,7 @@
               </a:lnSpc>
               <a:buNone/>
             </a:pPr>
-            <a:fld id="{7A389846-5D0F-4DC2-B612-CBF567B99C16}" type="slidenum">
+            <a:fld id="{8470E5F1-855A-4A33-B0B1-F98E3DCC89D3}" type="slidenum">
               <a:rPr b="0" lang="en-GB" sz="1200" spc="-1" strike="noStrike">
                 <a:solidFill>
                   <a:srgbClr val="8b8b8b"/>
@@ -7393,7 +9654,7 @@
         <p:spPr>
           <a:xfrm>
             <a:off x="838080" y="6356520"/>
-            <a:ext cx="2742120" cy="363960"/>
+            <a:ext cx="2741400" cy="363240"/>
           </a:xfrm>
           <a:prstGeom prst="rect">
             <a:avLst/>
@@ -7704,53 +9965,13 @@
             <a:spLocks noGrp="1"/>
           </p:cNvSpPr>
           <p:nvPr>
-            <p:ph type="title"/>
-          </p:nvPr>
-        </p:nvSpPr>
-        <p:spPr>
-          <a:xfrm>
-            <a:off x="609480" y="273600"/>
-            <a:ext cx="10972080" cy="1144440"/>
-          </a:xfrm>
-          <a:prstGeom prst="rect">
-            <a:avLst/>
-          </a:prstGeom>
-          <a:noFill/>
-          <a:ln w="0">
-            <a:noFill/>
-          </a:ln>
-        </p:spPr>
-        <p:txBody>
-          <a:bodyPr lIns="0" rIns="0" tIns="0" bIns="0" anchor="ctr">
-            <a:noAutofit/>
-          </a:bodyPr>
-          <a:p>
-            <a:r>
-              <a:rPr b="0" lang="en-IE" sz="1800" spc="-1" strike="noStrike">
-                <a:latin typeface="Arial"/>
-              </a:rPr>
-              <a:t>Click to edit the title text format</a:t>
-            </a:r>
-            <a:endParaRPr b="0" lang="en-IE" sz="1800" spc="-1" strike="noStrike">
-              <a:latin typeface="Arial"/>
-            </a:endParaRPr>
-          </a:p>
-        </p:txBody>
-      </p:sp>
-      <p:sp>
-        <p:nvSpPr>
-          <p:cNvPr id="83" name="PlaceHolder 2"/>
-          <p:cNvSpPr>
-            <a:spLocks noGrp="1"/>
-          </p:cNvSpPr>
-          <p:nvPr>
             <p:ph type="ftr" idx="7"/>
           </p:nvPr>
         </p:nvSpPr>
         <p:spPr>
           <a:xfrm>
             <a:off x="4038480" y="6356520"/>
-            <a:ext cx="4113720" cy="363960"/>
+            <a:ext cx="4113000" cy="363240"/>
           </a:xfrm>
           <a:prstGeom prst="rect">
             <a:avLst/>
@@ -7796,7 +10017,7 @@
       </p:sp>
       <p:sp>
         <p:nvSpPr>
-          <p:cNvPr id="84" name="PlaceHolder 3"/>
+          <p:cNvPr id="83" name="PlaceHolder 2"/>
           <p:cNvSpPr>
             <a:spLocks noGrp="1"/>
           </p:cNvSpPr>
@@ -7807,7 +10028,7 @@
         <p:spPr>
           <a:xfrm>
             <a:off x="8610480" y="6356520"/>
-            <a:ext cx="2742120" cy="363960"/>
+            <a:ext cx="2741400" cy="363240"/>
           </a:xfrm>
           <a:prstGeom prst="rect">
             <a:avLst/>
@@ -7842,7 +10063,7 @@
               </a:lnSpc>
               <a:buNone/>
             </a:pPr>
-            <a:fld id="{F157CD0B-7138-4BC9-A66F-59BA7B359BB7}" type="slidenum">
+            <a:fld id="{7A84EEF5-78B3-4AD9-B750-1999497E7A23}" type="slidenum">
               <a:rPr b="0" lang="en-GB" sz="1200" spc="-1" strike="noStrike">
                 <a:solidFill>
                   <a:srgbClr val="8b8b8b"/>
@@ -7859,7 +10080,7 @@
       </p:sp>
       <p:sp>
         <p:nvSpPr>
-          <p:cNvPr id="85" name="PlaceHolder 4"/>
+          <p:cNvPr id="84" name="PlaceHolder 3"/>
           <p:cNvSpPr>
             <a:spLocks noGrp="1"/>
           </p:cNvSpPr>
@@ -7870,7 +10091,7 @@
         <p:spPr>
           <a:xfrm>
             <a:off x="838080" y="6356520"/>
-            <a:ext cx="2742120" cy="363960"/>
+            <a:ext cx="2741400" cy="363240"/>
           </a:xfrm>
           <a:prstGeom prst="rect">
             <a:avLst/>
@@ -7900,6 +10121,49 @@
             </a:r>
             <a:endParaRPr b="0" lang="en-IE" sz="1400" spc="-1" strike="noStrike">
               <a:latin typeface="Times New Roman"/>
+            </a:endParaRPr>
+          </a:p>
+        </p:txBody>
+      </p:sp>
+      <p:sp>
+        <p:nvSpPr>
+          <p:cNvPr id="85" name="PlaceHolder 4"/>
+          <p:cNvSpPr>
+            <a:spLocks noGrp="1"/>
+          </p:cNvSpPr>
+          <p:nvPr>
+            <p:ph type="title"/>
+          </p:nvPr>
+        </p:nvSpPr>
+        <p:spPr>
+          <a:xfrm>
+            <a:off x="609480" y="273600"/>
+            <a:ext cx="10972440" cy="1144800"/>
+          </a:xfrm>
+          <a:prstGeom prst="rect">
+            <a:avLst/>
+          </a:prstGeom>
+          <a:noFill/>
+          <a:ln w="0">
+            <a:noFill/>
+          </a:ln>
+        </p:spPr>
+        <p:txBody>
+          <a:bodyPr lIns="0" rIns="0" tIns="0" bIns="0" anchor="ctr">
+            <a:noAutofit/>
+          </a:bodyPr>
+          <a:p>
+            <a:pPr algn="ctr">
+              <a:buNone/>
+            </a:pPr>
+            <a:r>
+              <a:rPr b="0" lang="en-IE" sz="4400" spc="-1" strike="noStrike">
+                <a:latin typeface="Arial"/>
+              </a:rPr>
+              <a:t>Click to edit the title text format</a:t>
+            </a:r>
+            <a:endParaRPr b="0" lang="en-IE" sz="4400" spc="-1" strike="noStrike">
+              <a:latin typeface="Arial"/>
             </a:endParaRPr>
           </a:p>
         </p:txBody>
@@ -8103,6 +10367,440 @@
     <p:sldLayoutId id="2147483684" r:id="rId11"/>
     <p:sldLayoutId id="2147483685" r:id="rId12"/>
     <p:sldLayoutId id="2147483686" r:id="rId13"/>
+  </p:sldLayoutIdLst>
+</p:sldMaster>
+</file>
+
+<file path=ppt/slideMasters/slideMaster4.xml><?xml version="1.0" encoding="utf-8"?>
+<p:sldMaster xmlns:a="http://schemas.openxmlformats.org/drawingml/2006/main" xmlns:p="http://schemas.openxmlformats.org/presentationml/2006/main" xmlns:r="http://schemas.openxmlformats.org/officeDocument/2006/relationships" xmlns:p14="http://schemas.microsoft.com/office/powerpoint/2010/main" xmlns:p15="http://schemas.microsoft.com/office/powerpoint/2012/main" xmlns:mc="http://schemas.openxmlformats.org/markup-compatibility/2006">
+  <p:cSld>
+    <p:bg>
+      <p:bgPr>
+        <a:solidFill>
+          <a:srgbClr val="ffffff"/>
+        </a:solidFill>
+      </p:bgPr>
+    </p:bg>
+    <p:spTree>
+      <p:nvGrpSpPr>
+        <p:cNvPr id="1" name=""/>
+        <p:cNvGrpSpPr/>
+        <p:nvPr/>
+      </p:nvGrpSpPr>
+      <p:grpSpPr>
+        <a:xfrm>
+          <a:off x="0" y="0"/>
+          <a:ext cx="0" cy="0"/>
+          <a:chOff x="0" y="0"/>
+          <a:chExt cx="0" cy="0"/>
+        </a:xfrm>
+      </p:grpSpPr>
+      <p:sp>
+        <p:nvSpPr>
+          <p:cNvPr id="123" name="PlaceHolder 1"/>
+          <p:cNvSpPr>
+            <a:spLocks noGrp="1"/>
+          </p:cNvSpPr>
+          <p:nvPr>
+            <p:ph type="title"/>
+          </p:nvPr>
+        </p:nvSpPr>
+        <p:spPr>
+          <a:xfrm>
+            <a:off x="609480" y="273600"/>
+            <a:ext cx="10972080" cy="1144440"/>
+          </a:xfrm>
+          <a:prstGeom prst="rect">
+            <a:avLst/>
+          </a:prstGeom>
+          <a:noFill/>
+          <a:ln w="0">
+            <a:noFill/>
+          </a:ln>
+        </p:spPr>
+        <p:txBody>
+          <a:bodyPr lIns="0" rIns="0" tIns="0" bIns="0" anchor="ctr">
+            <a:noAutofit/>
+          </a:bodyPr>
+          <a:p>
+            <a:r>
+              <a:rPr b="0" lang="en-IE" sz="1800" spc="-1" strike="noStrike">
+                <a:latin typeface="Arial"/>
+              </a:rPr>
+              <a:t>Click to edit the title text format</a:t>
+            </a:r>
+            <a:endParaRPr b="0" lang="en-IE" sz="1800" spc="-1" strike="noStrike">
+              <a:latin typeface="Arial"/>
+            </a:endParaRPr>
+          </a:p>
+        </p:txBody>
+      </p:sp>
+      <p:sp>
+        <p:nvSpPr>
+          <p:cNvPr id="124" name="PlaceHolder 2"/>
+          <p:cNvSpPr>
+            <a:spLocks noGrp="1"/>
+          </p:cNvSpPr>
+          <p:nvPr>
+            <p:ph type="ftr" idx="10"/>
+          </p:nvPr>
+        </p:nvSpPr>
+        <p:spPr>
+          <a:xfrm>
+            <a:off x="4038480" y="6356520"/>
+            <a:ext cx="4113000" cy="363240"/>
+          </a:xfrm>
+          <a:prstGeom prst="rect">
+            <a:avLst/>
+          </a:prstGeom>
+          <a:noFill/>
+          <a:ln w="0">
+            <a:noFill/>
+          </a:ln>
+        </p:spPr>
+        <p:txBody>
+          <a:bodyPr lIns="90000" rIns="90000" tIns="45000" bIns="45000" anchor="ctr">
+            <a:noAutofit/>
+          </a:bodyPr>
+          <a:lstStyle>
+            <a:lvl1pPr algn="ctr">
+              <a:lnSpc>
+                <a:spcPct val="100000"/>
+              </a:lnSpc>
+              <a:buNone/>
+              <a:defRPr b="0" lang="en-IE" sz="1400" spc="-1" strike="noStrike">
+                <a:latin typeface="Times New Roman"/>
+              </a:defRPr>
+            </a:lvl1pPr>
+          </a:lstStyle>
+          <a:p>
+            <a:pPr algn="ctr">
+              <a:lnSpc>
+                <a:spcPct val="100000"/>
+              </a:lnSpc>
+              <a:buNone/>
+            </a:pPr>
+            <a:r>
+              <a:rPr b="0" lang="en-IE" sz="1400" spc="-1" strike="noStrike">
+                <a:latin typeface="Times New Roman"/>
+              </a:rPr>
+              <a:t>&lt;footer&gt;</a:t>
+            </a:r>
+            <a:endParaRPr b="0" lang="en-IE" sz="1400" spc="-1" strike="noStrike">
+              <a:latin typeface="Times New Roman"/>
+            </a:endParaRPr>
+          </a:p>
+        </p:txBody>
+      </p:sp>
+      <p:sp>
+        <p:nvSpPr>
+          <p:cNvPr id="125" name="PlaceHolder 3"/>
+          <p:cNvSpPr>
+            <a:spLocks noGrp="1"/>
+          </p:cNvSpPr>
+          <p:nvPr>
+            <p:ph type="sldNum" idx="11"/>
+          </p:nvPr>
+        </p:nvSpPr>
+        <p:spPr>
+          <a:xfrm>
+            <a:off x="8610480" y="6356520"/>
+            <a:ext cx="2741400" cy="363240"/>
+          </a:xfrm>
+          <a:prstGeom prst="rect">
+            <a:avLst/>
+          </a:prstGeom>
+          <a:noFill/>
+          <a:ln w="0">
+            <a:noFill/>
+          </a:ln>
+        </p:spPr>
+        <p:txBody>
+          <a:bodyPr lIns="90000" rIns="90000" tIns="45000" bIns="45000" anchor="ctr">
+            <a:noAutofit/>
+          </a:bodyPr>
+          <a:lstStyle>
+            <a:lvl1pPr algn="r">
+              <a:lnSpc>
+                <a:spcPct val="100000"/>
+              </a:lnSpc>
+              <a:buNone/>
+              <a:defRPr b="0" lang="en-GB" sz="1200" spc="-1" strike="noStrike">
+                <a:solidFill>
+                  <a:srgbClr val="8b8b8b"/>
+                </a:solidFill>
+                <a:latin typeface="Calibri"/>
+              </a:defRPr>
+            </a:lvl1pPr>
+          </a:lstStyle>
+          <a:p>
+            <a:pPr algn="r">
+              <a:lnSpc>
+                <a:spcPct val="100000"/>
+              </a:lnSpc>
+              <a:buNone/>
+            </a:pPr>
+            <a:fld id="{990C55B9-5DDF-4DAD-9DE1-B544CA915527}" type="slidenum">
+              <a:rPr b="0" lang="en-GB" sz="1200" spc="-1" strike="noStrike">
+                <a:solidFill>
+                  <a:srgbClr val="8b8b8b"/>
+                </a:solidFill>
+                <a:latin typeface="Calibri"/>
+              </a:rPr>
+              <a:t>&lt;number&gt;</a:t>
+            </a:fld>
+            <a:endParaRPr b="0" lang="en-IE" sz="1200" spc="-1" strike="noStrike">
+              <a:latin typeface="Times New Roman"/>
+            </a:endParaRPr>
+          </a:p>
+        </p:txBody>
+      </p:sp>
+      <p:sp>
+        <p:nvSpPr>
+          <p:cNvPr id="126" name="PlaceHolder 4"/>
+          <p:cNvSpPr>
+            <a:spLocks noGrp="1"/>
+          </p:cNvSpPr>
+          <p:nvPr>
+            <p:ph type="dt" idx="12"/>
+          </p:nvPr>
+        </p:nvSpPr>
+        <p:spPr>
+          <a:xfrm>
+            <a:off x="838080" y="6356520"/>
+            <a:ext cx="2741400" cy="363240"/>
+          </a:xfrm>
+          <a:prstGeom prst="rect">
+            <a:avLst/>
+          </a:prstGeom>
+          <a:noFill/>
+          <a:ln w="0">
+            <a:noFill/>
+          </a:ln>
+        </p:spPr>
+        <p:txBody>
+          <a:bodyPr lIns="90000" rIns="90000" tIns="45000" bIns="45000" anchor="ctr">
+            <a:noAutofit/>
+          </a:bodyPr>
+          <a:lstStyle>
+            <a:lvl1pPr>
+              <a:defRPr b="0" lang="en-IE" sz="1400" spc="-1" strike="noStrike">
+                <a:latin typeface="Times New Roman"/>
+              </a:defRPr>
+            </a:lvl1pPr>
+          </a:lstStyle>
+          <a:p>
+            <a:r>
+              <a:rPr b="0" lang="en-IE" sz="1400" spc="-1" strike="noStrike">
+                <a:latin typeface="Times New Roman"/>
+              </a:rPr>
+              <a:t>&lt;date/time&gt;</a:t>
+            </a:r>
+            <a:endParaRPr b="0" lang="en-IE" sz="1400" spc="-1" strike="noStrike">
+              <a:latin typeface="Times New Roman"/>
+            </a:endParaRPr>
+          </a:p>
+        </p:txBody>
+      </p:sp>
+      <p:sp>
+        <p:nvSpPr>
+          <p:cNvPr id="127" name="PlaceHolder 5"/>
+          <p:cNvSpPr>
+            <a:spLocks noGrp="1"/>
+          </p:cNvSpPr>
+          <p:nvPr>
+            <p:ph type="body"/>
+          </p:nvPr>
+        </p:nvSpPr>
+        <p:spPr>
+          <a:xfrm>
+            <a:off x="609480" y="1604520"/>
+            <a:ext cx="10972440" cy="3977280"/>
+          </a:xfrm>
+          <a:prstGeom prst="rect">
+            <a:avLst/>
+          </a:prstGeom>
+          <a:noFill/>
+          <a:ln w="0">
+            <a:noFill/>
+          </a:ln>
+        </p:spPr>
+        <p:txBody>
+          <a:bodyPr lIns="0" rIns="0" tIns="0" bIns="0" anchor="t">
+            <a:normAutofit/>
+          </a:bodyPr>
+          <a:p>
+            <a:pPr marL="432000" indent="-324000">
+              <a:spcBef>
+                <a:spcPts val="1417"/>
+              </a:spcBef>
+              <a:buClr>
+                <a:srgbClr val="000000"/>
+              </a:buClr>
+              <a:buSzPct val="45000"/>
+              <a:buFont typeface="Wingdings" charset="2"/>
+              <a:buChar char=""/>
+            </a:pPr>
+            <a:r>
+              <a:rPr b="0" lang="en-IE" sz="3200" spc="-1" strike="noStrike">
+                <a:latin typeface="Arial"/>
+              </a:rPr>
+              <a:t>Click to edit the outline text format</a:t>
+            </a:r>
+            <a:endParaRPr b="0" lang="en-IE" sz="3200" spc="-1" strike="noStrike">
+              <a:latin typeface="Arial"/>
+            </a:endParaRPr>
+          </a:p>
+          <a:p>
+            <a:pPr lvl="1" marL="864000" indent="-324000">
+              <a:spcBef>
+                <a:spcPts val="1134"/>
+              </a:spcBef>
+              <a:buClr>
+                <a:srgbClr val="000000"/>
+              </a:buClr>
+              <a:buSzPct val="75000"/>
+              <a:buFont typeface="Symbol" charset="2"/>
+              <a:buChar char=""/>
+            </a:pPr>
+            <a:r>
+              <a:rPr b="0" lang="en-IE" sz="2800" spc="-1" strike="noStrike">
+                <a:latin typeface="Arial"/>
+              </a:rPr>
+              <a:t>Second Outline Level</a:t>
+            </a:r>
+            <a:endParaRPr b="0" lang="en-IE" sz="2800" spc="-1" strike="noStrike">
+              <a:latin typeface="Arial"/>
+            </a:endParaRPr>
+          </a:p>
+          <a:p>
+            <a:pPr lvl="2" marL="1296000" indent="-288000">
+              <a:spcBef>
+                <a:spcPts val="850"/>
+              </a:spcBef>
+              <a:buClr>
+                <a:srgbClr val="000000"/>
+              </a:buClr>
+              <a:buSzPct val="45000"/>
+              <a:buFont typeface="Wingdings" charset="2"/>
+              <a:buChar char=""/>
+            </a:pPr>
+            <a:r>
+              <a:rPr b="0" lang="en-IE" sz="2400" spc="-1" strike="noStrike">
+                <a:latin typeface="Arial"/>
+              </a:rPr>
+              <a:t>Third Outline Level</a:t>
+            </a:r>
+            <a:endParaRPr b="0" lang="en-IE" sz="2400" spc="-1" strike="noStrike">
+              <a:latin typeface="Arial"/>
+            </a:endParaRPr>
+          </a:p>
+          <a:p>
+            <a:pPr lvl="3" marL="1728000" indent="-216000">
+              <a:spcBef>
+                <a:spcPts val="567"/>
+              </a:spcBef>
+              <a:buClr>
+                <a:srgbClr val="000000"/>
+              </a:buClr>
+              <a:buSzPct val="75000"/>
+              <a:buFont typeface="Symbol" charset="2"/>
+              <a:buChar char=""/>
+            </a:pPr>
+            <a:r>
+              <a:rPr b="0" lang="en-IE" sz="2000" spc="-1" strike="noStrike">
+                <a:latin typeface="Arial"/>
+              </a:rPr>
+              <a:t>Fourth Outline Level</a:t>
+            </a:r>
+            <a:endParaRPr b="0" lang="en-IE" sz="2000" spc="-1" strike="noStrike">
+              <a:latin typeface="Arial"/>
+            </a:endParaRPr>
+          </a:p>
+          <a:p>
+            <a:pPr lvl="4" marL="2160000" indent="-216000">
+              <a:spcBef>
+                <a:spcPts val="283"/>
+              </a:spcBef>
+              <a:buClr>
+                <a:srgbClr val="000000"/>
+              </a:buClr>
+              <a:buSzPct val="45000"/>
+              <a:buFont typeface="Wingdings" charset="2"/>
+              <a:buChar char=""/>
+            </a:pPr>
+            <a:r>
+              <a:rPr b="0" lang="en-IE" sz="2000" spc="-1" strike="noStrike">
+                <a:latin typeface="Arial"/>
+              </a:rPr>
+              <a:t>Fifth Outline Level</a:t>
+            </a:r>
+            <a:endParaRPr b="0" lang="en-IE" sz="2000" spc="-1" strike="noStrike">
+              <a:latin typeface="Arial"/>
+            </a:endParaRPr>
+          </a:p>
+          <a:p>
+            <a:pPr lvl="5" marL="2592000" indent="-216000">
+              <a:spcBef>
+                <a:spcPts val="283"/>
+              </a:spcBef>
+              <a:buClr>
+                <a:srgbClr val="000000"/>
+              </a:buClr>
+              <a:buSzPct val="45000"/>
+              <a:buFont typeface="Wingdings" charset="2"/>
+              <a:buChar char=""/>
+            </a:pPr>
+            <a:r>
+              <a:rPr b="0" lang="en-IE" sz="2000" spc="-1" strike="noStrike">
+                <a:latin typeface="Arial"/>
+              </a:rPr>
+              <a:t>Sixth Outline Level</a:t>
+            </a:r>
+            <a:endParaRPr b="0" lang="en-IE" sz="2000" spc="-1" strike="noStrike">
+              <a:latin typeface="Arial"/>
+            </a:endParaRPr>
+          </a:p>
+          <a:p>
+            <a:pPr lvl="6" marL="3024000" indent="-216000">
+              <a:spcBef>
+                <a:spcPts val="283"/>
+              </a:spcBef>
+              <a:buClr>
+                <a:srgbClr val="000000"/>
+              </a:buClr>
+              <a:buSzPct val="45000"/>
+              <a:buFont typeface="Wingdings" charset="2"/>
+              <a:buChar char=""/>
+            </a:pPr>
+            <a:r>
+              <a:rPr b="0" lang="en-IE" sz="2000" spc="-1" strike="noStrike">
+                <a:latin typeface="Arial"/>
+              </a:rPr>
+              <a:t>Seventh Outline Level</a:t>
+            </a:r>
+            <a:endParaRPr b="0" lang="en-IE" sz="2000" spc="-1" strike="noStrike">
+              <a:latin typeface="Arial"/>
+            </a:endParaRPr>
+          </a:p>
+        </p:txBody>
+      </p:sp>
+    </p:spTree>
+  </p:cSld>
+  <p:clrMap bg1="lt1" bg2="lt2" tx1="dk1" tx2="dk2" accent1="accent1" accent2="accent2" accent3="accent3" accent4="accent4" accent5="accent5" accent6="accent6" hlink="hlink" folHlink="folHlink"/>
+  <p:sldLayoutIdLst>
+    <p:sldLayoutId id="2147483688" r:id="rId2"/>
+    <p:sldLayoutId id="2147483689" r:id="rId3"/>
+    <p:sldLayoutId id="2147483690" r:id="rId4"/>
+    <p:sldLayoutId id="2147483691" r:id="rId5"/>
+    <p:sldLayoutId id="2147483692" r:id="rId6"/>
+    <p:sldLayoutId id="2147483693" r:id="rId7"/>
+    <p:sldLayoutId id="2147483694" r:id="rId8"/>
+    <p:sldLayoutId id="2147483695" r:id="rId9"/>
+    <p:sldLayoutId id="2147483696" r:id="rId10"/>
+    <p:sldLayoutId id="2147483697" r:id="rId11"/>
+    <p:sldLayoutId id="2147483698" r:id="rId12"/>
+    <p:sldLayoutId id="2147483699" r:id="rId13"/>
   </p:sldLayoutIdLst>
 </p:sldMaster>
 </file>
@@ -8126,7 +10824,7 @@
       </p:grpSpPr>
       <p:sp>
         <p:nvSpPr>
-          <p:cNvPr id="123" name="PlaceHolder 1"/>
+          <p:cNvPr id="164" name="PlaceHolder 1"/>
           <p:cNvSpPr>
             <a:spLocks noGrp="1"/>
           </p:cNvSpPr>
@@ -8137,7 +10835,7 @@
         <p:spPr>
           <a:xfrm>
             <a:off x="1523880" y="1122480"/>
-            <a:ext cx="9142920" cy="2386440"/>
+            <a:ext cx="9142200" cy="2385720"/>
           </a:xfrm>
           <a:prstGeom prst="rect">
             <a:avLst/>
@@ -8175,7 +10873,7 @@
       </p:sp>
       <p:sp>
         <p:nvSpPr>
-          <p:cNvPr id="124" name="PlaceHolder 2"/>
+          <p:cNvPr id="165" name="PlaceHolder 2"/>
           <p:cNvSpPr>
             <a:spLocks noGrp="1"/>
           </p:cNvSpPr>
@@ -8186,7 +10884,7 @@
         <p:spPr>
           <a:xfrm>
             <a:off x="1523880" y="3602160"/>
-            <a:ext cx="9142920" cy="1654560"/>
+            <a:ext cx="9142200" cy="1653840"/>
           </a:xfrm>
           <a:prstGeom prst="rect">
             <a:avLst/>
@@ -8260,7 +10958,7 @@
       </p:grpSpPr>
       <p:sp>
         <p:nvSpPr>
-          <p:cNvPr id="141" name="PlaceHolder 1"/>
+          <p:cNvPr id="182" name="PlaceHolder 1"/>
           <p:cNvSpPr>
             <a:spLocks noGrp="1"/>
           </p:cNvSpPr>
@@ -8271,7 +10969,7 @@
         <p:spPr>
           <a:xfrm>
             <a:off x="838080" y="365040"/>
-            <a:ext cx="10514520" cy="1324440"/>
+            <a:ext cx="10513800" cy="1323720"/>
           </a:xfrm>
           <a:prstGeom prst="rect">
             <a:avLst/>
@@ -8309,7 +11007,7 @@
       </p:sp>
       <p:sp>
         <p:nvSpPr>
-          <p:cNvPr id="142" name="PlaceHolder 2"/>
+          <p:cNvPr id="183" name="PlaceHolder 2"/>
           <p:cNvSpPr>
             <a:spLocks noGrp="1"/>
           </p:cNvSpPr>
@@ -8320,7 +11018,7 @@
         <p:spPr>
           <a:xfrm>
             <a:off x="838080" y="1825560"/>
-            <a:ext cx="10514520" cy="4350240"/>
+            <a:ext cx="10513800" cy="4349520"/>
           </a:xfrm>
           <a:prstGeom prst="rect">
             <a:avLst/>
@@ -8422,7 +11120,7 @@
       </p:grpSpPr>
       <p:sp>
         <p:nvSpPr>
-          <p:cNvPr id="143" name="PlaceHolder 1"/>
+          <p:cNvPr id="184" name="PlaceHolder 1"/>
           <p:cNvSpPr>
             <a:spLocks noGrp="1"/>
           </p:cNvSpPr>
@@ -8433,7 +11131,7 @@
         <p:spPr>
           <a:xfrm>
             <a:off x="838080" y="365040"/>
-            <a:ext cx="10514520" cy="1324440"/>
+            <a:ext cx="10513800" cy="1323720"/>
           </a:xfrm>
           <a:prstGeom prst="rect">
             <a:avLst/>
@@ -8471,7 +11169,7 @@
       </p:sp>
       <p:sp>
         <p:nvSpPr>
-          <p:cNvPr id="144" name="PlaceHolder 2"/>
+          <p:cNvPr id="185" name="PlaceHolder 2"/>
           <p:cNvSpPr>
             <a:spLocks noGrp="1"/>
           </p:cNvSpPr>
@@ -8482,7 +11180,7 @@
         <p:spPr>
           <a:xfrm>
             <a:off x="838080" y="1825560"/>
-            <a:ext cx="10514520" cy="4350240"/>
+            <a:ext cx="10513800" cy="4349520"/>
           </a:xfrm>
           <a:prstGeom prst="rect">
             <a:avLst/>
@@ -8692,7 +11390,7 @@
       </p:grpSpPr>
       <p:sp>
         <p:nvSpPr>
-          <p:cNvPr id="145" name="PlaceHolder 1"/>
+          <p:cNvPr id="186" name="PlaceHolder 1"/>
           <p:cNvSpPr>
             <a:spLocks noGrp="1"/>
           </p:cNvSpPr>
@@ -8703,7 +11401,7 @@
         <p:spPr>
           <a:xfrm>
             <a:off x="609480" y="273600"/>
-            <a:ext cx="10972080" cy="1144440"/>
+            <a:ext cx="10971360" cy="1143720"/>
           </a:xfrm>
           <a:prstGeom prst="rect">
             <a:avLst/>
@@ -8738,14 +11436,14 @@
       </p:sp>
       <p:sp>
         <p:nvSpPr>
-          <p:cNvPr id="146" name=""/>
+          <p:cNvPr id="187" name=""/>
           <p:cNvSpPr/>
           <p:nvPr/>
         </p:nvSpPr>
         <p:spPr>
           <a:xfrm>
             <a:off x="1080000" y="1800000"/>
-            <a:ext cx="10259640" cy="4139640"/>
+            <a:ext cx="10258920" cy="4138920"/>
           </a:xfrm>
           <a:prstGeom prst="rect">
             <a:avLst/>
@@ -8774,7 +11472,11 @@
             </a:pPr>
             <a:r>
               <a:rPr b="0" lang="en-IE" sz="1800" spc="-1" strike="noStrike">
+                <a:solidFill>
+                  <a:srgbClr val="000000"/>
+                </a:solidFill>
                 <a:latin typeface="Arial"/>
+                <a:ea typeface="DejaVu Sans"/>
               </a:rPr>
               <a:t>There will be a database locally on the Rasberry Pi and a copy of it on AWS. In the case of a network outage the local database will record all updates made to the database, so that the AWS database can be updated after a connection is resumed</a:t>
             </a:r>
@@ -8802,7 +11504,11 @@
             </a:pPr>
             <a:r>
               <a:rPr b="0" lang="en-IE" sz="1800" spc="-1" strike="noStrike">
+                <a:solidFill>
+                  <a:srgbClr val="000000"/>
+                </a:solidFill>
                 <a:latin typeface="Arial"/>
+                <a:ea typeface="DejaVu Sans"/>
               </a:rPr>
               <a:t>#TODO schema</a:t>
             </a:r>
@@ -8844,7 +11550,7 @@
       </p:grpSpPr>
       <p:sp>
         <p:nvSpPr>
-          <p:cNvPr id="147" name="PlaceHolder 1"/>
+          <p:cNvPr id="188" name="PlaceHolder 1"/>
           <p:cNvSpPr>
             <a:spLocks noGrp="1"/>
           </p:cNvSpPr>
@@ -8855,7 +11561,7 @@
         <p:spPr>
           <a:xfrm>
             <a:off x="838080" y="365040"/>
-            <a:ext cx="10514520" cy="1324440"/>
+            <a:ext cx="10513800" cy="1323720"/>
           </a:xfrm>
           <a:prstGeom prst="rect">
             <a:avLst/>
@@ -8893,7 +11599,7 @@
       </p:sp>
       <p:sp>
         <p:nvSpPr>
-          <p:cNvPr id="148" name="PlaceHolder 2"/>
+          <p:cNvPr id="189" name="PlaceHolder 2"/>
           <p:cNvSpPr>
             <a:spLocks noGrp="1"/>
           </p:cNvSpPr>
@@ -8904,7 +11610,7 @@
         <p:spPr>
           <a:xfrm>
             <a:off x="838080" y="1825560"/>
-            <a:ext cx="10514520" cy="4350240"/>
+            <a:ext cx="10513800" cy="4349520"/>
           </a:xfrm>
           <a:prstGeom prst="rect">
             <a:avLst/>
@@ -9074,7 +11780,7 @@
       </p:grpSpPr>
       <p:sp>
         <p:nvSpPr>
-          <p:cNvPr id="149" name="PlaceHolder 1"/>
+          <p:cNvPr id="190" name="PlaceHolder 1"/>
           <p:cNvSpPr>
             <a:spLocks noGrp="1"/>
           </p:cNvSpPr>
@@ -9085,7 +11791,7 @@
         <p:spPr>
           <a:xfrm>
             <a:off x="609480" y="273600"/>
-            <a:ext cx="10972080" cy="1144440"/>
+            <a:ext cx="10971360" cy="1143720"/>
           </a:xfrm>
           <a:prstGeom prst="rect">
             <a:avLst/>
@@ -9120,14 +11826,14 @@
       </p:sp>
       <p:sp>
         <p:nvSpPr>
-          <p:cNvPr id="150" name=""/>
+          <p:cNvPr id="191" name=""/>
           <p:cNvSpPr/>
           <p:nvPr/>
         </p:nvSpPr>
         <p:spPr>
           <a:xfrm>
             <a:off x="900000" y="1800000"/>
-            <a:ext cx="10799640" cy="2649600"/>
+            <a:ext cx="10798920" cy="2648880"/>
           </a:xfrm>
           <a:prstGeom prst="rect">
             <a:avLst/>
@@ -9156,7 +11862,11 @@
             </a:pPr>
             <a:r>
               <a:rPr b="0" lang="en-IE" sz="1800" spc="-1" strike="noStrike">
+                <a:solidFill>
+                  <a:srgbClr val="000000"/>
+                </a:solidFill>
                 <a:latin typeface="Arial"/>
+                <a:ea typeface="DejaVu Sans"/>
               </a:rPr>
               <a:t>Force Sensitive Resistor</a:t>
             </a:r>
@@ -9173,13 +11883,21 @@
             </a:pPr>
             <a:r>
               <a:rPr b="0" lang="en-IE" sz="1800" spc="-1" strike="noStrike">
+                <a:solidFill>
+                  <a:srgbClr val="000000"/>
+                </a:solidFill>
                 <a:latin typeface="Arial"/>
+                <a:ea typeface="DejaVu Sans"/>
               </a:rPr>
               <a:t>	</a:t>
             </a:r>
             <a:r>
               <a:rPr b="0" lang="en-IE" sz="1800" spc="-1" strike="noStrike">
+                <a:solidFill>
+                  <a:srgbClr val="000000"/>
+                </a:solidFill>
                 <a:latin typeface="Arial"/>
+                <a:ea typeface="DejaVu Sans"/>
               </a:rPr>
               <a:t>- Analog data</a:t>
             </a:r>
@@ -9196,13 +11914,21 @@
             </a:pPr>
             <a:r>
               <a:rPr b="0" lang="en-IE" sz="1800" spc="-1" strike="noStrike">
+                <a:solidFill>
+                  <a:srgbClr val="000000"/>
+                </a:solidFill>
                 <a:latin typeface="Arial"/>
+                <a:ea typeface="DejaVu Sans"/>
               </a:rPr>
               <a:t>	</a:t>
             </a:r>
             <a:r>
               <a:rPr b="0" lang="en-IE" sz="1800" spc="-1" strike="noStrike">
+                <a:solidFill>
+                  <a:srgbClr val="000000"/>
+                </a:solidFill>
                 <a:latin typeface="Arial"/>
+                <a:ea typeface="DejaVu Sans"/>
               </a:rPr>
               <a:t>- Values between 0 – 1023</a:t>
             </a:r>
@@ -9219,13 +11945,21 @@
             </a:pPr>
             <a:r>
               <a:rPr b="0" lang="en-IE" sz="1800" spc="-1" strike="noStrike">
+                <a:solidFill>
+                  <a:srgbClr val="000000"/>
+                </a:solidFill>
                 <a:latin typeface="Arial"/>
+                <a:ea typeface="DejaVu Sans"/>
               </a:rPr>
               <a:t>	</a:t>
             </a:r>
             <a:r>
               <a:rPr b="0" lang="en-IE" sz="1800" spc="-1" strike="noStrike">
+                <a:solidFill>
+                  <a:srgbClr val="000000"/>
+                </a:solidFill>
                 <a:latin typeface="Arial"/>
+                <a:ea typeface="DejaVu Sans"/>
               </a:rPr>
               <a:t>- 0 reprensents a low force</a:t>
             </a:r>
@@ -9242,13 +11976,21 @@
             </a:pPr>
             <a:r>
               <a:rPr b="0" lang="en-IE" sz="1800" spc="-1" strike="noStrike">
+                <a:solidFill>
+                  <a:srgbClr val="000000"/>
+                </a:solidFill>
                 <a:latin typeface="Arial"/>
+                <a:ea typeface="DejaVu Sans"/>
               </a:rPr>
               <a:t>	</a:t>
             </a:r>
             <a:r>
               <a:rPr b="0" lang="en-IE" sz="1800" spc="-1" strike="noStrike">
+                <a:solidFill>
+                  <a:srgbClr val="000000"/>
+                </a:solidFill>
                 <a:latin typeface="Arial"/>
+                <a:ea typeface="DejaVu Sans"/>
               </a:rPr>
               <a:t>- 1023 represents a high force</a:t>
             </a:r>
@@ -9287,7 +12029,11 @@
             </a:pPr>
             <a:r>
               <a:rPr b="0" lang="en-IE" sz="1800" spc="-1" strike="noStrike">
+                <a:solidFill>
+                  <a:srgbClr val="000000"/>
+                </a:solidFill>
                 <a:latin typeface="Arial"/>
+                <a:ea typeface="DejaVu Sans"/>
               </a:rPr>
               <a:t>Micro Switch</a:t>
             </a:r>
@@ -9304,13 +12050,21 @@
             </a:pPr>
             <a:r>
               <a:rPr b="0" lang="en-IE" sz="1800" spc="-1" strike="noStrike">
+                <a:solidFill>
+                  <a:srgbClr val="000000"/>
+                </a:solidFill>
                 <a:latin typeface="Arial"/>
+                <a:ea typeface="DejaVu Sans"/>
               </a:rPr>
               <a:t>	</a:t>
             </a:r>
             <a:r>
               <a:rPr b="0" lang="en-IE" sz="1800" spc="-1" strike="noStrike">
+                <a:solidFill>
+                  <a:srgbClr val="000000"/>
+                </a:solidFill>
                 <a:latin typeface="Arial"/>
+                <a:ea typeface="DejaVu Sans"/>
               </a:rPr>
               <a:t>- Binary data</a:t>
             </a:r>
@@ -9327,13 +12081,21 @@
             </a:pPr>
             <a:r>
               <a:rPr b="0" lang="en-IE" sz="1800" spc="-1" strike="noStrike">
+                <a:solidFill>
+                  <a:srgbClr val="000000"/>
+                </a:solidFill>
                 <a:latin typeface="Arial"/>
+                <a:ea typeface="DejaVu Sans"/>
               </a:rPr>
               <a:t>	</a:t>
             </a:r>
             <a:r>
               <a:rPr b="0" lang="en-IE" sz="1800" spc="-1" strike="noStrike">
+                <a:solidFill>
+                  <a:srgbClr val="000000"/>
+                </a:solidFill>
                 <a:latin typeface="Arial"/>
+                <a:ea typeface="DejaVu Sans"/>
               </a:rPr>
               <a:t>- </a:t>
             </a:r>
@@ -9345,7 +12107,7 @@
       </p:sp>
       <p:pic>
         <p:nvPicPr>
-          <p:cNvPr id="151" name="" descr=""/>
+          <p:cNvPr id="192" name="" descr=""/>
           <p:cNvPicPr/>
           <p:nvPr/>
         </p:nvPicPr>
@@ -9356,7 +12118,7 @@
         <p:spPr>
           <a:xfrm>
             <a:off x="7740000" y="1626840"/>
-            <a:ext cx="3419640" cy="2131560"/>
+            <a:ext cx="3418920" cy="2130840"/>
           </a:xfrm>
           <a:prstGeom prst="rect">
             <a:avLst/>
@@ -9398,7 +12160,7 @@
       </p:grpSpPr>
       <p:sp>
         <p:nvSpPr>
-          <p:cNvPr id="152" name="PlaceHolder 1"/>
+          <p:cNvPr id="193" name="PlaceHolder 1"/>
           <p:cNvSpPr>
             <a:spLocks noGrp="1"/>
           </p:cNvSpPr>
@@ -9409,7 +12171,7 @@
         <p:spPr>
           <a:xfrm>
             <a:off x="609480" y="273600"/>
-            <a:ext cx="10972080" cy="1144440"/>
+            <a:ext cx="10971360" cy="1143720"/>
           </a:xfrm>
           <a:prstGeom prst="rect">
             <a:avLst/>
@@ -9425,6 +12187,9 @@
           </a:bodyPr>
           <a:p>
             <a:pPr algn="ctr">
+              <a:lnSpc>
+                <a:spcPct val="100000"/>
+              </a:lnSpc>
               <a:buNone/>
             </a:pPr>
             <a:r>
@@ -9441,31 +12206,47 @@
       </p:sp>
       <p:sp>
         <p:nvSpPr>
-          <p:cNvPr id="153" name=""/>
-          <p:cNvSpPr txBox="1"/>
+          <p:cNvPr id="194" name=""/>
+          <p:cNvSpPr/>
           <p:nvPr/>
         </p:nvSpPr>
         <p:spPr>
           <a:xfrm>
             <a:off x="540000" y="1620000"/>
-            <a:ext cx="11160000" cy="1882080"/>
-          </a:xfrm>
-          <a:prstGeom prst="rect">
-            <a:avLst/>
-          </a:prstGeom>
-          <a:noFill/>
-          <a:ln w="0">
-            <a:noFill/>
-          </a:ln>
-        </p:spPr>
+            <a:ext cx="11159280" cy="1881360"/>
+          </a:xfrm>
+          <a:prstGeom prst="rect">
+            <a:avLst/>
+          </a:prstGeom>
+          <a:noFill/>
+          <a:ln w="0">
+            <a:noFill/>
+          </a:ln>
+        </p:spPr>
+        <p:style>
+          <a:lnRef idx="0"/>
+          <a:fillRef idx="0"/>
+          <a:effectRef idx="0"/>
+          <a:fontRef idx="minor"/>
+        </p:style>
         <p:txBody>
           <a:bodyPr lIns="90000" rIns="90000" tIns="45000" bIns="45000" anchor="t">
             <a:noAutofit/>
           </a:bodyPr>
           <a:p>
+            <a:pPr>
+              <a:lnSpc>
+                <a:spcPct val="100000"/>
+              </a:lnSpc>
+              <a:buNone/>
+            </a:pPr>
             <a:r>
               <a:rPr b="0" lang="en-IE" sz="1800" spc="-1" strike="noStrike">
+                <a:solidFill>
+                  <a:srgbClr val="000000"/>
+                </a:solidFill>
                 <a:latin typeface="Arial"/>
+                <a:ea typeface="DejaVu Sans"/>
               </a:rPr>
               <a:t>User Inputted Data</a:t>
             </a:r>
@@ -9474,15 +12255,29 @@
             </a:endParaRPr>
           </a:p>
           <a:p>
+            <a:pPr>
+              <a:lnSpc>
+                <a:spcPct val="100000"/>
+              </a:lnSpc>
+              <a:buNone/>
+            </a:pPr>
             <a:r>
               <a:rPr b="0" lang="en-IE" sz="1800" spc="-1" strike="noStrike">
+                <a:solidFill>
+                  <a:srgbClr val="000000"/>
+                </a:solidFill>
                 <a:latin typeface="Arial"/>
+                <a:ea typeface="DejaVu Sans"/>
               </a:rPr>
               <a:t>	</a:t>
             </a:r>
             <a:r>
               <a:rPr b="0" lang="en-IE" sz="1800" spc="-1" strike="noStrike">
+                <a:solidFill>
+                  <a:srgbClr val="000000"/>
+                </a:solidFill>
                 <a:latin typeface="Arial"/>
+                <a:ea typeface="DejaVu Sans"/>
               </a:rPr>
               <a:t>- User email</a:t>
             </a:r>
@@ -9491,15 +12286,29 @@
             </a:endParaRPr>
           </a:p>
           <a:p>
+            <a:pPr>
+              <a:lnSpc>
+                <a:spcPct val="100000"/>
+              </a:lnSpc>
+              <a:buNone/>
+            </a:pPr>
             <a:r>
               <a:rPr b="0" lang="en-IE" sz="1800" spc="-1" strike="noStrike">
+                <a:solidFill>
+                  <a:srgbClr val="000000"/>
+                </a:solidFill>
                 <a:latin typeface="Arial"/>
+                <a:ea typeface="DejaVu Sans"/>
               </a:rPr>
               <a:t>	</a:t>
             </a:r>
             <a:r>
               <a:rPr b="0" lang="en-IE" sz="1800" spc="-1" strike="noStrike">
+                <a:solidFill>
+                  <a:srgbClr val="000000"/>
+                </a:solidFill>
                 <a:latin typeface="Arial"/>
+                <a:ea typeface="DejaVu Sans"/>
               </a:rPr>
               <a:t>- Password</a:t>
             </a:r>
@@ -9508,15 +12317,29 @@
             </a:endParaRPr>
           </a:p>
           <a:p>
+            <a:pPr>
+              <a:lnSpc>
+                <a:spcPct val="100000"/>
+              </a:lnSpc>
+              <a:buNone/>
+            </a:pPr>
             <a:r>
               <a:rPr b="0" lang="en-IE" sz="1800" spc="-1" strike="noStrike">
+                <a:solidFill>
+                  <a:srgbClr val="000000"/>
+                </a:solidFill>
                 <a:latin typeface="Arial"/>
+                <a:ea typeface="DejaVu Sans"/>
               </a:rPr>
               <a:t>	</a:t>
             </a:r>
             <a:r>
               <a:rPr b="0" lang="en-IE" sz="1800" spc="-1" strike="noStrike">
+                <a:solidFill>
+                  <a:srgbClr val="000000"/>
+                </a:solidFill>
                 <a:latin typeface="Arial"/>
+                <a:ea typeface="DejaVu Sans"/>
               </a:rPr>
               <a:t>- User medication</a:t>
             </a:r>
@@ -9525,14 +12348,30 @@
             </a:endParaRPr>
           </a:p>
           <a:p>
+            <a:pPr>
+              <a:lnSpc>
+                <a:spcPct val="100000"/>
+              </a:lnSpc>
+              <a:buNone/>
+            </a:pPr>
             <a:endParaRPr b="0" lang="en-IE" sz="1800" spc="-1" strike="noStrike">
               <a:latin typeface="Arial"/>
             </a:endParaRPr>
           </a:p>
           <a:p>
+            <a:pPr>
+              <a:lnSpc>
+                <a:spcPct val="100000"/>
+              </a:lnSpc>
+              <a:buNone/>
+            </a:pPr>
             <a:r>
               <a:rPr b="0" lang="en-IE" sz="1800" spc="-1" strike="noStrike">
+                <a:solidFill>
+                  <a:srgbClr val="000000"/>
+                </a:solidFill>
                 <a:latin typeface="Arial"/>
+                <a:ea typeface="DejaVu Sans"/>
               </a:rPr>
               <a:t>Other Data</a:t>
             </a:r>
@@ -9541,15 +12380,29 @@
             </a:endParaRPr>
           </a:p>
           <a:p>
+            <a:pPr>
+              <a:lnSpc>
+                <a:spcPct val="100000"/>
+              </a:lnSpc>
+              <a:buNone/>
+            </a:pPr>
             <a:r>
               <a:rPr b="0" lang="en-IE" sz="1800" spc="-1" strike="noStrike">
+                <a:solidFill>
+                  <a:srgbClr val="000000"/>
+                </a:solidFill>
                 <a:latin typeface="Arial"/>
+                <a:ea typeface="DejaVu Sans"/>
               </a:rPr>
               <a:t>	</a:t>
             </a:r>
             <a:r>
               <a:rPr b="0" lang="en-IE" sz="1800" spc="-1" strike="noStrike">
+                <a:solidFill>
+                  <a:srgbClr val="000000"/>
+                </a:solidFill>
                 <a:latin typeface="Arial"/>
+                <a:ea typeface="DejaVu Sans"/>
               </a:rPr>
               <a:t>- Time sensors recorded change</a:t>
             </a:r>
@@ -9591,7 +12444,7 @@
       </p:grpSpPr>
       <p:sp>
         <p:nvSpPr>
-          <p:cNvPr id="154" name="PlaceHolder 1"/>
+          <p:cNvPr id="195" name="PlaceHolder 1"/>
           <p:cNvSpPr>
             <a:spLocks noGrp="1"/>
           </p:cNvSpPr>
@@ -9602,7 +12455,7 @@
         <p:spPr>
           <a:xfrm>
             <a:off x="838080" y="365040"/>
-            <a:ext cx="10514520" cy="1324440"/>
+            <a:ext cx="10513800" cy="1323720"/>
           </a:xfrm>
           <a:prstGeom prst="rect">
             <a:avLst/>
@@ -9640,7 +12493,7 @@
       </p:sp>
       <p:sp>
         <p:nvSpPr>
-          <p:cNvPr id="155" name="PlaceHolder 2"/>
+          <p:cNvPr id="196" name="PlaceHolder 2"/>
           <p:cNvSpPr>
             <a:spLocks noGrp="1"/>
           </p:cNvSpPr>
@@ -9651,7 +12504,7 @@
         <p:spPr>
           <a:xfrm>
             <a:off x="838080" y="1825560"/>
-            <a:ext cx="10514520" cy="4350240"/>
+            <a:ext cx="10513800" cy="4349520"/>
           </a:xfrm>
           <a:prstGeom prst="rect">
             <a:avLst/>
@@ -9807,7 +12660,7 @@
       </p:grpSpPr>
       <p:sp>
         <p:nvSpPr>
-          <p:cNvPr id="156" name="PlaceHolder 1"/>
+          <p:cNvPr id="197" name="PlaceHolder 1"/>
           <p:cNvSpPr>
             <a:spLocks noGrp="1"/>
           </p:cNvSpPr>
@@ -9817,175 +12670,201 @@
         </p:nvSpPr>
         <p:spPr>
           <a:xfrm>
-            <a:off x="838080" y="365040"/>
-            <a:ext cx="10514520" cy="1324440"/>
-          </a:xfrm>
-          <a:prstGeom prst="rect">
-            <a:avLst/>
-          </a:prstGeom>
-          <a:noFill/>
-          <a:ln w="0">
-            <a:noFill/>
-          </a:ln>
-        </p:spPr>
-        <p:txBody>
-          <a:bodyPr lIns="90000" rIns="90000" tIns="45000" bIns="45000" anchor="ctr">
+            <a:off x="609480" y="273600"/>
+            <a:ext cx="10972080" cy="1144440"/>
+          </a:xfrm>
+          <a:prstGeom prst="rect">
+            <a:avLst/>
+          </a:prstGeom>
+          <a:noFill/>
+          <a:ln w="0">
+            <a:noFill/>
+          </a:ln>
+        </p:spPr>
+        <p:txBody>
+          <a:bodyPr lIns="0" rIns="0" tIns="0" bIns="0" anchor="ctr">
+            <a:noAutofit/>
+          </a:bodyPr>
+          <a:p>
+            <a:pPr algn="ctr">
+              <a:lnSpc>
+                <a:spcPct val="100000"/>
+              </a:lnSpc>
+              <a:buNone/>
+            </a:pPr>
+            <a:r>
+              <a:rPr b="0" lang="en-IE" sz="4400" spc="-1" strike="noStrike">
+                <a:latin typeface="Arial"/>
+              </a:rPr>
+              <a:t>Data Processing</a:t>
+            </a:r>
+            <a:endParaRPr b="0" lang="en-IE" sz="4400" spc="-1" strike="noStrike">
+              <a:latin typeface="Arial"/>
+            </a:endParaRPr>
+          </a:p>
+        </p:txBody>
+      </p:sp>
+      <p:sp>
+        <p:nvSpPr>
+          <p:cNvPr id="198" name=""/>
+          <p:cNvSpPr/>
+          <p:nvPr/>
+        </p:nvSpPr>
+        <p:spPr>
+          <a:xfrm>
+            <a:off x="720000" y="1620000"/>
+            <a:ext cx="11159640" cy="857880"/>
+          </a:xfrm>
+          <a:prstGeom prst="rect">
+            <a:avLst/>
+          </a:prstGeom>
+          <a:noFill/>
+          <a:ln w="0">
+            <a:noFill/>
+          </a:ln>
+        </p:spPr>
+        <p:style>
+          <a:lnRef idx="0"/>
+          <a:fillRef idx="0"/>
+          <a:effectRef idx="0"/>
+          <a:fontRef idx="minor"/>
+        </p:style>
+        <p:txBody>
+          <a:bodyPr lIns="90000" rIns="90000" tIns="45000" bIns="45000" anchor="t">
             <a:noAutofit/>
           </a:bodyPr>
           <a:p>
             <a:pPr>
               <a:lnSpc>
-                <a:spcPct val="90000"/>
+                <a:spcPct val="100000"/>
               </a:lnSpc>
               <a:buNone/>
             </a:pPr>
             <a:r>
-              <a:rPr b="0" lang="en-GB" sz="4400" spc="-1" strike="noStrike">
-                <a:solidFill>
-                  <a:srgbClr val="000000"/>
-                </a:solidFill>
-                <a:latin typeface="Calibri Light"/>
+              <a:rPr b="0" lang="en-IE" sz="1800" spc="-1" strike="noStrike">
+                <a:latin typeface="Arial"/>
               </a:rPr>
-              <a:t>Physical Security</a:t>
-            </a:r>
-            <a:endParaRPr b="0" lang="en-IE" sz="4400" spc="-1" strike="noStrike">
-              <a:latin typeface="Arial"/>
-            </a:endParaRPr>
-          </a:p>
-        </p:txBody>
-      </p:sp>
-      <p:sp>
-        <p:nvSpPr>
-          <p:cNvPr id="157" name="PlaceHolder 2"/>
-          <p:cNvSpPr>
-            <a:spLocks noGrp="1"/>
-          </p:cNvSpPr>
-          <p:nvPr>
-            <p:ph/>
-          </p:nvPr>
-        </p:nvSpPr>
-        <p:spPr>
-          <a:xfrm>
-            <a:off x="838080" y="1825560"/>
-            <a:ext cx="10514520" cy="4350240"/>
-          </a:xfrm>
-          <a:prstGeom prst="rect">
-            <a:avLst/>
-          </a:prstGeom>
-          <a:noFill/>
-          <a:ln w="0">
-            <a:noFill/>
-          </a:ln>
-        </p:spPr>
-        <p:txBody>
-          <a:bodyPr lIns="90000" rIns="90000" tIns="45000" bIns="45000" anchor="t">
-            <a:noAutofit/>
-          </a:bodyPr>
-          <a:p>
-            <a:pPr marL="228600" indent="-228600">
+              <a:t>Sensor data will be processed locally.</a:t>
+            </a:r>
+            <a:endParaRPr b="0" lang="en-IE" sz="1800" spc="-1" strike="noStrike">
+              <a:latin typeface="Arial"/>
+            </a:endParaRPr>
+          </a:p>
+          <a:p>
+            <a:pPr>
               <a:lnSpc>
-                <a:spcPct val="90000"/>
+                <a:spcPct val="100000"/>
               </a:lnSpc>
-              <a:spcBef>
-                <a:spcPts val="1001"/>
-              </a:spcBef>
-              <a:buClr>
-                <a:srgbClr val="000000"/>
-              </a:buClr>
-              <a:buFont typeface="Arial"/>
-              <a:buChar char="•"/>
-            </a:pPr>
-            <a:r>
-              <a:rPr b="0" lang="en-GB" sz="2800" spc="-1" strike="noStrike">
-                <a:solidFill>
-                  <a:srgbClr val="000000"/>
-                </a:solidFill>
-                <a:latin typeface="Calibri"/>
+              <a:buNone/>
+            </a:pPr>
+            <a:r>
+              <a:rPr b="0" lang="en-IE" sz="1800" spc="-1" strike="noStrike">
+                <a:latin typeface="Arial"/>
               </a:rPr>
-              <a:t>Protection of the box’s physical structure</a:t>
-            </a:r>
-            <a:endParaRPr b="0" lang="en-IE" sz="2800" spc="-1" strike="noStrike">
-              <a:latin typeface="Arial"/>
-            </a:endParaRPr>
-          </a:p>
-          <a:p>
-            <a:pPr marL="228600" indent="-228600">
+              <a:t>Medication data will be processed remotely on a server hosted by AWS.</a:t>
+            </a:r>
+            <a:endParaRPr b="0" lang="en-IE" sz="1800" spc="-1" strike="noStrike">
+              <a:latin typeface="Arial"/>
+            </a:endParaRPr>
+          </a:p>
+          <a:p>
+            <a:pPr>
               <a:lnSpc>
-                <a:spcPct val="90000"/>
+                <a:spcPct val="100000"/>
               </a:lnSpc>
-              <a:spcBef>
-                <a:spcPts val="1001"/>
-              </a:spcBef>
-              <a:buClr>
-                <a:srgbClr val="000000"/>
-              </a:buClr>
-              <a:buFont typeface="Arial"/>
-              <a:buChar char="•"/>
-            </a:pPr>
-            <a:r>
-              <a:rPr b="0" lang="en-GB" sz="2800" spc="-1" strike="noStrike">
-                <a:solidFill>
-                  <a:srgbClr val="000000"/>
-                </a:solidFill>
-                <a:latin typeface="Calibri"/>
+              <a:buNone/>
+            </a:pPr>
+            <a:r>
+              <a:rPr b="0" lang="en-IE" sz="1800" spc="-1" strike="noStrike">
+                <a:latin typeface="Arial"/>
               </a:rPr>
-              <a:t>Restriction of access to the device’s onboard ports</a:t>
-            </a:r>
-            <a:endParaRPr b="0" lang="en-IE" sz="2800" spc="-1" strike="noStrike">
-              <a:latin typeface="Arial"/>
-            </a:endParaRPr>
-          </a:p>
-          <a:p>
-            <a:pPr lvl="1" marL="685800" indent="-228600">
+              <a:t>Notifications will be sent to the users’ devices by AWS.</a:t>
+            </a:r>
+            <a:endParaRPr b="0" lang="en-IE" sz="1800" spc="-1" strike="noStrike">
+              <a:latin typeface="Arial"/>
+            </a:endParaRPr>
+          </a:p>
+          <a:p>
+            <a:pPr>
               <a:lnSpc>
-                <a:spcPct val="90000"/>
+                <a:spcPct val="100000"/>
               </a:lnSpc>
-              <a:spcBef>
-                <a:spcPts val="499"/>
-              </a:spcBef>
-              <a:buClr>
-                <a:srgbClr val="000000"/>
-              </a:buClr>
-              <a:buFont typeface="Arial"/>
-              <a:buChar char="•"/>
-            </a:pPr>
-            <a:r>
-              <a:rPr b="0" lang="en-GB" sz="2400" spc="-1" strike="noStrike">
-                <a:solidFill>
-                  <a:srgbClr val="000000"/>
-                </a:solidFill>
-                <a:latin typeface="Calibri"/>
+              <a:buNone/>
+            </a:pPr>
+            <a:r>
+              <a:rPr b="0" lang="en-IE" sz="1800" spc="-1" strike="noStrike">
+                <a:latin typeface="Arial"/>
               </a:rPr>
-              <a:t>Block off ports altogether where feasible</a:t>
-            </a:r>
-            <a:endParaRPr b="0" lang="en-IE" sz="2400" spc="-1" strike="noStrike">
-              <a:latin typeface="Arial"/>
-            </a:endParaRPr>
-          </a:p>
-          <a:p>
-            <a:pPr lvl="1" marL="685800" indent="-228600">
+              <a:t>Medication data will be entered and updated on a web or mobile client before being sent to AWS server.</a:t>
+            </a:r>
+            <a:endParaRPr b="0" lang="en-IE" sz="1800" spc="-1" strike="noStrike">
+              <a:latin typeface="Arial"/>
+            </a:endParaRPr>
+          </a:p>
+          <a:p>
+            <a:pPr>
               <a:lnSpc>
-                <a:spcPct val="90000"/>
+                <a:spcPct val="100000"/>
               </a:lnSpc>
-              <a:spcBef>
-                <a:spcPts val="499"/>
-              </a:spcBef>
-              <a:buClr>
-                <a:srgbClr val="000000"/>
-              </a:buClr>
-              <a:buFont typeface="Arial"/>
-              <a:buChar char="•"/>
-            </a:pPr>
-            <a:r>
-              <a:rPr b="0" lang="en-GB" sz="2400" spc="-1" strike="noStrike">
-                <a:solidFill>
-                  <a:srgbClr val="000000"/>
-                </a:solidFill>
-                <a:latin typeface="Calibri"/>
+              <a:buNone/>
+            </a:pPr>
+            <a:endParaRPr b="0" lang="en-IE" sz="1800" spc="-1" strike="noStrike">
+              <a:latin typeface="Arial"/>
+            </a:endParaRPr>
+          </a:p>
+          <a:p>
+            <a:pPr>
+              <a:lnSpc>
+                <a:spcPct val="100000"/>
+              </a:lnSpc>
+              <a:buNone/>
+            </a:pPr>
+            <a:r>
+              <a:rPr b="0" lang="en-IE" sz="1800" spc="-1" strike="noStrike">
+                <a:latin typeface="Arial"/>
               </a:rPr>
-              <a:t>Ports that can’t be reliably blocked off physically should be secured digitally</a:t>
-            </a:r>
-            <a:endParaRPr b="0" lang="en-IE" sz="2400" spc="-1" strike="noStrike">
+              <a:t>The data will be processed to record if medication was taking on time, a dose was missed and if the medication box will require a refill.</a:t>
+            </a:r>
+            <a:endParaRPr b="0" lang="en-IE" sz="1800" spc="-1" strike="noStrike">
+              <a:latin typeface="Arial"/>
+            </a:endParaRPr>
+          </a:p>
+          <a:p>
+            <a:pPr>
+              <a:lnSpc>
+                <a:spcPct val="100000"/>
+              </a:lnSpc>
+              <a:buNone/>
+            </a:pPr>
+            <a:endParaRPr b="0" lang="en-IE" sz="1800" spc="-1" strike="noStrike">
+              <a:latin typeface="Arial"/>
+            </a:endParaRPr>
+          </a:p>
+          <a:p>
+            <a:pPr>
+              <a:lnSpc>
+                <a:spcPct val="100000"/>
+              </a:lnSpc>
+              <a:buNone/>
+            </a:pPr>
+            <a:r>
+              <a:rPr b="0" lang="en-IE" sz="1800" spc="-1" strike="noStrike">
+                <a:latin typeface="Arial"/>
+              </a:rPr>
+              <a:t>A CRON job will be running to restart the program if it has stopped.</a:t>
+            </a:r>
+            <a:endParaRPr b="0" lang="en-IE" sz="1800" spc="-1" strike="noStrike">
+              <a:latin typeface="Arial"/>
+            </a:endParaRPr>
+          </a:p>
+          <a:p>
+            <a:pPr>
+              <a:lnSpc>
+                <a:spcPct val="100000"/>
+              </a:lnSpc>
+              <a:buNone/>
+            </a:pPr>
+            <a:endParaRPr b="0" lang="en-IE" sz="1800" spc="-1" strike="noStrike">
               <a:latin typeface="Arial"/>
             </a:endParaRPr>
           </a:p>
@@ -10023,7 +12902,7 @@
       </p:grpSpPr>
       <p:sp>
         <p:nvSpPr>
-          <p:cNvPr id="158" name="PlaceHolder 1"/>
+          <p:cNvPr id="199" name="PlaceHolder 1"/>
           <p:cNvSpPr>
             <a:spLocks noGrp="1"/>
           </p:cNvSpPr>
@@ -10034,7 +12913,7 @@
         <p:spPr>
           <a:xfrm>
             <a:off x="838080" y="365040"/>
-            <a:ext cx="10514520" cy="1324440"/>
+            <a:ext cx="10513800" cy="1323720"/>
           </a:xfrm>
           <a:prstGeom prst="rect">
             <a:avLst/>
@@ -10062,7 +12941,7 @@
                 </a:solidFill>
                 <a:latin typeface="Calibri Light"/>
               </a:rPr>
-              <a:t>Security of Transmitted Data</a:t>
+              <a:t>Physical Security</a:t>
             </a:r>
             <a:endParaRPr b="0" lang="en-IE" sz="4400" spc="-1" strike="noStrike">
               <a:latin typeface="Arial"/>
@@ -10072,7 +12951,7 @@
       </p:sp>
       <p:sp>
         <p:nvSpPr>
-          <p:cNvPr id="159" name="PlaceHolder 2"/>
+          <p:cNvPr id="200" name="PlaceHolder 2"/>
           <p:cNvSpPr>
             <a:spLocks noGrp="1"/>
           </p:cNvSpPr>
@@ -10083,7 +12962,7 @@
         <p:spPr>
           <a:xfrm>
             <a:off x="838080" y="1825560"/>
-            <a:ext cx="10514520" cy="4350240"/>
+            <a:ext cx="10513800" cy="4349520"/>
           </a:xfrm>
           <a:prstGeom prst="rect">
             <a:avLst/>
@@ -10118,7 +12997,7 @@
                 </a:solidFill>
                 <a:latin typeface="Calibri"/>
               </a:rPr>
-              <a:t>e.g Using POST instead of GET</a:t>
+              <a:t>Protection of the box’s physical structure</a:t>
             </a:r>
             <a:endParaRPr b="0" lang="en-IE" sz="2800" spc="-1" strike="noStrike">
               <a:latin typeface="Arial"/>
@@ -10145,9 +13024,63 @@
                 </a:solidFill>
                 <a:latin typeface="Calibri"/>
               </a:rPr>
-              <a:t>Make sure the data can’t be intercepted with something like wireshark</a:t>
+              <a:t>Restriction of access to the device’s onboard ports</a:t>
             </a:r>
             <a:endParaRPr b="0" lang="en-IE" sz="2800" spc="-1" strike="noStrike">
+              <a:latin typeface="Arial"/>
+            </a:endParaRPr>
+          </a:p>
+          <a:p>
+            <a:pPr lvl="1" marL="685800" indent="-228600">
+              <a:lnSpc>
+                <a:spcPct val="90000"/>
+              </a:lnSpc>
+              <a:spcBef>
+                <a:spcPts val="499"/>
+              </a:spcBef>
+              <a:buClr>
+                <a:srgbClr val="000000"/>
+              </a:buClr>
+              <a:buFont typeface="Arial"/>
+              <a:buChar char="•"/>
+            </a:pPr>
+            <a:r>
+              <a:rPr b="0" lang="en-GB" sz="2400" spc="-1" strike="noStrike">
+                <a:solidFill>
+                  <a:srgbClr val="000000"/>
+                </a:solidFill>
+                <a:latin typeface="Calibri"/>
+              </a:rPr>
+              <a:t>Block off ports altogether where feasible</a:t>
+            </a:r>
+            <a:endParaRPr b="0" lang="en-IE" sz="2400" spc="-1" strike="noStrike">
+              <a:latin typeface="Arial"/>
+            </a:endParaRPr>
+          </a:p>
+          <a:p>
+            <a:pPr lvl="1" marL="685800" indent="-228600">
+              <a:lnSpc>
+                <a:spcPct val="90000"/>
+              </a:lnSpc>
+              <a:spcBef>
+                <a:spcPts val="499"/>
+              </a:spcBef>
+              <a:buClr>
+                <a:srgbClr val="000000"/>
+              </a:buClr>
+              <a:buFont typeface="Arial"/>
+              <a:buChar char="•"/>
+            </a:pPr>
+            <a:r>
+              <a:rPr b="0" lang="en-GB" sz="2400" spc="-1" strike="noStrike">
+                <a:solidFill>
+                  <a:srgbClr val="000000"/>
+                </a:solidFill>
+                <a:latin typeface="Calibri"/>
+              </a:rPr>
+              <a:t>Ports that can’t be reliably blocked off physically should be secured digitally</a:t>
+            </a:r>
+            <a:endParaRPr b="0" lang="en-IE" sz="2400" spc="-1" strike="noStrike">
               <a:latin typeface="Arial"/>
             </a:endParaRPr>
           </a:p>
@@ -10185,7 +13118,7 @@
       </p:grpSpPr>
       <p:sp>
         <p:nvSpPr>
-          <p:cNvPr id="160" name="PlaceHolder 1"/>
+          <p:cNvPr id="201" name="PlaceHolder 1"/>
           <p:cNvSpPr>
             <a:spLocks noGrp="1"/>
           </p:cNvSpPr>
@@ -10196,7 +13129,7 @@
         <p:spPr>
           <a:xfrm>
             <a:off x="838080" y="365040"/>
-            <a:ext cx="10514520" cy="1324440"/>
+            <a:ext cx="10513800" cy="1323720"/>
           </a:xfrm>
           <a:prstGeom prst="rect">
             <a:avLst/>
@@ -10224,7 +13157,7 @@
                 </a:solidFill>
                 <a:latin typeface="Calibri Light"/>
               </a:rPr>
-              <a:t>Security of Data at Rest</a:t>
+              <a:t>Security of Transmitted Data</a:t>
             </a:r>
             <a:endParaRPr b="0" lang="en-IE" sz="4400" spc="-1" strike="noStrike">
               <a:latin typeface="Arial"/>
@@ -10234,7 +13167,7 @@
       </p:sp>
       <p:sp>
         <p:nvSpPr>
-          <p:cNvPr id="161" name="PlaceHolder 2"/>
+          <p:cNvPr id="202" name="PlaceHolder 2"/>
           <p:cNvSpPr>
             <a:spLocks noGrp="1"/>
           </p:cNvSpPr>
@@ -10245,7 +13178,7 @@
         <p:spPr>
           <a:xfrm>
             <a:off x="838080" y="1825560"/>
-            <a:ext cx="10514520" cy="4350240"/>
+            <a:ext cx="10513800" cy="4349520"/>
           </a:xfrm>
           <a:prstGeom prst="rect">
             <a:avLst/>
@@ -10280,7 +13213,7 @@
                 </a:solidFill>
                 <a:latin typeface="Calibri"/>
               </a:rPr>
-              <a:t>Store on a secure cloud service</a:t>
+              <a:t>e.g Using POST instead of GET</a:t>
             </a:r>
             <a:endParaRPr b="0" lang="en-IE" sz="2800" spc="-1" strike="noStrike">
               <a:latin typeface="Arial"/>
@@ -10307,7 +13240,7 @@
                 </a:solidFill>
                 <a:latin typeface="Calibri"/>
               </a:rPr>
-              <a:t>Maybe wipe the onboard data once it has been sent, as it is only meant to be a backup</a:t>
+              <a:t>Make sure the data can’t be intercepted with something like wireshark</a:t>
             </a:r>
             <a:endParaRPr b="0" lang="en-IE" sz="2800" spc="-1" strike="noStrike">
               <a:latin typeface="Arial"/>
@@ -10347,7 +13280,7 @@
       </p:grpSpPr>
       <p:sp>
         <p:nvSpPr>
-          <p:cNvPr id="125" name="PlaceHolder 1"/>
+          <p:cNvPr id="166" name="PlaceHolder 1"/>
           <p:cNvSpPr>
             <a:spLocks noGrp="1"/>
           </p:cNvSpPr>
@@ -10358,7 +13291,7 @@
         <p:spPr>
           <a:xfrm>
             <a:off x="838080" y="365040"/>
-            <a:ext cx="10514520" cy="1324440"/>
+            <a:ext cx="10513800" cy="1323720"/>
           </a:xfrm>
           <a:prstGeom prst="rect">
             <a:avLst/>
@@ -10396,7 +13329,7 @@
       </p:sp>
       <p:sp>
         <p:nvSpPr>
-          <p:cNvPr id="126" name="PlaceHolder 2"/>
+          <p:cNvPr id="167" name="PlaceHolder 2"/>
           <p:cNvSpPr>
             <a:spLocks noGrp="1"/>
           </p:cNvSpPr>
@@ -10407,7 +13340,7 @@
         <p:spPr>
           <a:xfrm>
             <a:off x="838080" y="1825560"/>
-            <a:ext cx="10514520" cy="4350240"/>
+            <a:ext cx="10513800" cy="4349520"/>
           </a:xfrm>
           <a:prstGeom prst="rect">
             <a:avLst/>
@@ -10482,7 +13415,7 @@
       </p:grpSpPr>
       <p:sp>
         <p:nvSpPr>
-          <p:cNvPr id="162" name="PlaceHolder 1"/>
+          <p:cNvPr id="203" name="PlaceHolder 1"/>
           <p:cNvSpPr>
             <a:spLocks noGrp="1"/>
           </p:cNvSpPr>
@@ -10493,7 +13426,7 @@
         <p:spPr>
           <a:xfrm>
             <a:off x="838080" y="365040"/>
-            <a:ext cx="10514520" cy="1324440"/>
+            <a:ext cx="10513800" cy="1323720"/>
           </a:xfrm>
           <a:prstGeom prst="rect">
             <a:avLst/>
@@ -10521,7 +13454,7 @@
                 </a:solidFill>
                 <a:latin typeface="Calibri Light"/>
               </a:rPr>
-              <a:t>Testing</a:t>
+              <a:t>Security of Data at Rest</a:t>
             </a:r>
             <a:endParaRPr b="0" lang="en-IE" sz="4400" spc="-1" strike="noStrike">
               <a:latin typeface="Arial"/>
@@ -10531,7 +13464,7 @@
       </p:sp>
       <p:sp>
         <p:nvSpPr>
-          <p:cNvPr id="163" name="PlaceHolder 2"/>
+          <p:cNvPr id="204" name="PlaceHolder 2"/>
           <p:cNvSpPr>
             <a:spLocks noGrp="1"/>
           </p:cNvSpPr>
@@ -10542,7 +13475,7 @@
         <p:spPr>
           <a:xfrm>
             <a:off x="838080" y="1825560"/>
-            <a:ext cx="10514520" cy="4350240"/>
+            <a:ext cx="10513800" cy="4349520"/>
           </a:xfrm>
           <a:prstGeom prst="rect">
             <a:avLst/>
@@ -10577,7 +13510,7 @@
                 </a:solidFill>
                 <a:latin typeface="Calibri"/>
               </a:rPr>
-              <a:t>User tests on initial UI</a:t>
+              <a:t>Store on a secure cloud service</a:t>
             </a:r>
             <a:endParaRPr b="0" lang="en-IE" sz="2800" spc="-1" strike="noStrike">
               <a:latin typeface="Arial"/>
@@ -10604,34 +13537,7 @@
                 </a:solidFill>
                 <a:latin typeface="Calibri"/>
               </a:rPr>
-              <a:t>Test the hardware we have on hand</a:t>
-            </a:r>
-            <a:endParaRPr b="0" lang="en-IE" sz="2800" spc="-1" strike="noStrike">
-              <a:latin typeface="Arial"/>
-            </a:endParaRPr>
-          </a:p>
-          <a:p>
-            <a:pPr marL="228600" indent="-228600">
-              <a:lnSpc>
-                <a:spcPct val="90000"/>
-              </a:lnSpc>
-              <a:spcBef>
-                <a:spcPts val="1001"/>
-              </a:spcBef>
-              <a:buClr>
-                <a:srgbClr val="000000"/>
-              </a:buClr>
-              <a:buFont typeface="Arial"/>
-              <a:buChar char="•"/>
-            </a:pPr>
-            <a:r>
-              <a:rPr b="0" lang="en-GB" sz="2800" spc="-1" strike="noStrike">
-                <a:solidFill>
-                  <a:srgbClr val="000000"/>
-                </a:solidFill>
-                <a:latin typeface="Calibri"/>
-              </a:rPr>
-              <a:t>Test the software we will be using to ensure it can handle what we require of it</a:t>
+              <a:t>Maybe wipe the onboard data once it has been sent, as it is only meant to be a backup</a:t>
             </a:r>
             <a:endParaRPr b="0" lang="en-IE" sz="2800" spc="-1" strike="noStrike">
               <a:latin typeface="Arial"/>
@@ -10671,7 +13577,7 @@
       </p:grpSpPr>
       <p:sp>
         <p:nvSpPr>
-          <p:cNvPr id="164" name="PlaceHolder 1"/>
+          <p:cNvPr id="205" name="PlaceHolder 1"/>
           <p:cNvSpPr>
             <a:spLocks noGrp="1"/>
           </p:cNvSpPr>
@@ -10682,7 +13588,196 @@
         <p:spPr>
           <a:xfrm>
             <a:off x="838080" y="365040"/>
-            <a:ext cx="10514520" cy="1324440"/>
+            <a:ext cx="10513800" cy="1323720"/>
+          </a:xfrm>
+          <a:prstGeom prst="rect">
+            <a:avLst/>
+          </a:prstGeom>
+          <a:noFill/>
+          <a:ln w="0">
+            <a:noFill/>
+          </a:ln>
+        </p:spPr>
+        <p:txBody>
+          <a:bodyPr lIns="90000" rIns="90000" tIns="45000" bIns="45000" anchor="ctr">
+            <a:noAutofit/>
+          </a:bodyPr>
+          <a:p>
+            <a:pPr>
+              <a:lnSpc>
+                <a:spcPct val="90000"/>
+              </a:lnSpc>
+              <a:buNone/>
+            </a:pPr>
+            <a:r>
+              <a:rPr b="0" lang="en-GB" sz="4400" spc="-1" strike="noStrike">
+                <a:solidFill>
+                  <a:srgbClr val="000000"/>
+                </a:solidFill>
+                <a:latin typeface="Calibri Light"/>
+              </a:rPr>
+              <a:t>Testing</a:t>
+            </a:r>
+            <a:endParaRPr b="0" lang="en-IE" sz="4400" spc="-1" strike="noStrike">
+              <a:latin typeface="Arial"/>
+            </a:endParaRPr>
+          </a:p>
+        </p:txBody>
+      </p:sp>
+      <p:sp>
+        <p:nvSpPr>
+          <p:cNvPr id="206" name="PlaceHolder 2"/>
+          <p:cNvSpPr>
+            <a:spLocks noGrp="1"/>
+          </p:cNvSpPr>
+          <p:nvPr>
+            <p:ph/>
+          </p:nvPr>
+        </p:nvSpPr>
+        <p:spPr>
+          <a:xfrm>
+            <a:off x="838080" y="1825560"/>
+            <a:ext cx="10513800" cy="4349520"/>
+          </a:xfrm>
+          <a:prstGeom prst="rect">
+            <a:avLst/>
+          </a:prstGeom>
+          <a:noFill/>
+          <a:ln w="0">
+            <a:noFill/>
+          </a:ln>
+        </p:spPr>
+        <p:txBody>
+          <a:bodyPr lIns="90000" rIns="90000" tIns="45000" bIns="45000" anchor="t">
+            <a:noAutofit/>
+          </a:bodyPr>
+          <a:p>
+            <a:pPr marL="228600" indent="-228600">
+              <a:lnSpc>
+                <a:spcPct val="90000"/>
+              </a:lnSpc>
+              <a:spcBef>
+                <a:spcPts val="1001"/>
+              </a:spcBef>
+              <a:buClr>
+                <a:srgbClr val="000000"/>
+              </a:buClr>
+              <a:buFont typeface="Arial"/>
+              <a:buChar char="•"/>
+            </a:pPr>
+            <a:r>
+              <a:rPr b="0" lang="en-GB" sz="2800" spc="-1" strike="noStrike">
+                <a:solidFill>
+                  <a:srgbClr val="000000"/>
+                </a:solidFill>
+                <a:latin typeface="Calibri"/>
+              </a:rPr>
+              <a:t>User tests on initial UI</a:t>
+            </a:r>
+            <a:endParaRPr b="0" lang="en-IE" sz="2800" spc="-1" strike="noStrike">
+              <a:latin typeface="Arial"/>
+            </a:endParaRPr>
+          </a:p>
+          <a:p>
+            <a:pPr marL="228600" indent="-228600">
+              <a:lnSpc>
+                <a:spcPct val="90000"/>
+              </a:lnSpc>
+              <a:spcBef>
+                <a:spcPts val="1001"/>
+              </a:spcBef>
+              <a:buClr>
+                <a:srgbClr val="000000"/>
+              </a:buClr>
+              <a:buFont typeface="Arial"/>
+              <a:buChar char="•"/>
+            </a:pPr>
+            <a:r>
+              <a:rPr b="0" lang="en-GB" sz="2800" spc="-1" strike="noStrike">
+                <a:solidFill>
+                  <a:srgbClr val="000000"/>
+                </a:solidFill>
+                <a:latin typeface="Calibri"/>
+              </a:rPr>
+              <a:t>Test the hardware we have on hand</a:t>
+            </a:r>
+            <a:endParaRPr b="0" lang="en-IE" sz="2800" spc="-1" strike="noStrike">
+              <a:latin typeface="Arial"/>
+            </a:endParaRPr>
+          </a:p>
+          <a:p>
+            <a:pPr marL="228600" indent="-228600">
+              <a:lnSpc>
+                <a:spcPct val="90000"/>
+              </a:lnSpc>
+              <a:spcBef>
+                <a:spcPts val="1001"/>
+              </a:spcBef>
+              <a:buClr>
+                <a:srgbClr val="000000"/>
+              </a:buClr>
+              <a:buFont typeface="Arial"/>
+              <a:buChar char="•"/>
+            </a:pPr>
+            <a:r>
+              <a:rPr b="0" lang="en-GB" sz="2800" spc="-1" strike="noStrike">
+                <a:solidFill>
+                  <a:srgbClr val="000000"/>
+                </a:solidFill>
+                <a:latin typeface="Calibri"/>
+              </a:rPr>
+              <a:t>Test the software we will be using to ensure it can handle what we require of it</a:t>
+            </a:r>
+            <a:endParaRPr b="0" lang="en-IE" sz="2800" spc="-1" strike="noStrike">
+              <a:latin typeface="Arial"/>
+            </a:endParaRPr>
+          </a:p>
+        </p:txBody>
+      </p:sp>
+    </p:spTree>
+  </p:cSld>
+  <mc:AlternateContent>
+    <mc:Choice Requires="p14">
+      <p:transition spd="slow" p14:dur="2000"/>
+    </mc:Choice>
+    <mc:Fallback>
+      <p:transition spd="slow"/>
+    </mc:Fallback>
+  </mc:AlternateContent>
+</p:sld>
+</file>
+
+<file path=ppt/slides/slide22.xml><?xml version="1.0" encoding="utf-8"?>
+<p:sld xmlns:a="http://schemas.openxmlformats.org/drawingml/2006/main" xmlns:p="http://schemas.openxmlformats.org/presentationml/2006/main" xmlns:r="http://schemas.openxmlformats.org/officeDocument/2006/relationships" xmlns:p14="http://schemas.microsoft.com/office/powerpoint/2010/main" xmlns:p15="http://schemas.microsoft.com/office/powerpoint/2012/main" xmlns:mc="http://schemas.openxmlformats.org/markup-compatibility/2006">
+  <p:cSld>
+    <p:spTree>
+      <p:nvGrpSpPr>
+        <p:cNvPr id="1" name=""/>
+        <p:cNvGrpSpPr/>
+        <p:nvPr/>
+      </p:nvGrpSpPr>
+      <p:grpSpPr>
+        <a:xfrm>
+          <a:off x="0" y="0"/>
+          <a:ext cx="0" cy="0"/>
+          <a:chOff x="0" y="0"/>
+          <a:chExt cx="0" cy="0"/>
+        </a:xfrm>
+      </p:grpSpPr>
+      <p:sp>
+        <p:nvSpPr>
+          <p:cNvPr id="207" name="PlaceHolder 1"/>
+          <p:cNvSpPr>
+            <a:spLocks noGrp="1"/>
+          </p:cNvSpPr>
+          <p:nvPr>
+            <p:ph type="title"/>
+          </p:nvPr>
+        </p:nvSpPr>
+        <p:spPr>
+          <a:xfrm>
+            <a:off x="838080" y="365040"/>
+            <a:ext cx="10513800" cy="1323720"/>
           </a:xfrm>
           <a:prstGeom prst="rect">
             <a:avLst/>
@@ -10720,7 +13815,7 @@
       </p:sp>
       <p:sp>
         <p:nvSpPr>
-          <p:cNvPr id="165" name="PlaceHolder 2"/>
+          <p:cNvPr id="208" name="PlaceHolder 2"/>
           <p:cNvSpPr>
             <a:spLocks noGrp="1"/>
           </p:cNvSpPr>
@@ -10731,7 +13826,7 @@
         <p:spPr>
           <a:xfrm>
             <a:off x="838080" y="1825560"/>
-            <a:ext cx="10514520" cy="4350240"/>
+            <a:ext cx="10513800" cy="4349520"/>
           </a:xfrm>
           <a:prstGeom prst="rect">
             <a:avLst/>
@@ -10820,7 +13915,7 @@
       </p:grpSpPr>
       <p:sp>
         <p:nvSpPr>
-          <p:cNvPr id="127" name="PlaceHolder 1"/>
+          <p:cNvPr id="168" name="PlaceHolder 1"/>
           <p:cNvSpPr>
             <a:spLocks noGrp="1"/>
           </p:cNvSpPr>
@@ -10831,7 +13926,7 @@
         <p:spPr>
           <a:xfrm>
             <a:off x="838080" y="365040"/>
-            <a:ext cx="10514520" cy="1324440"/>
+            <a:ext cx="10513800" cy="1323720"/>
           </a:xfrm>
           <a:prstGeom prst="rect">
             <a:avLst/>
@@ -10869,7 +13964,7 @@
       </p:sp>
       <p:sp>
         <p:nvSpPr>
-          <p:cNvPr id="128" name="PlaceHolder 2"/>
+          <p:cNvPr id="169" name="PlaceHolder 2"/>
           <p:cNvSpPr>
             <a:spLocks noGrp="1"/>
           </p:cNvSpPr>
@@ -10880,7 +13975,7 @@
         <p:spPr>
           <a:xfrm>
             <a:off x="838080" y="1825560"/>
-            <a:ext cx="10514520" cy="4350240"/>
+            <a:ext cx="10513800" cy="4349520"/>
           </a:xfrm>
           <a:prstGeom prst="rect">
             <a:avLst/>
@@ -10982,7 +14077,7 @@
       </p:grpSpPr>
       <p:sp>
         <p:nvSpPr>
-          <p:cNvPr id="129" name="PlaceHolder 1"/>
+          <p:cNvPr id="170" name="PlaceHolder 1"/>
           <p:cNvSpPr>
             <a:spLocks noGrp="1"/>
           </p:cNvSpPr>
@@ -10993,7 +14088,7 @@
         <p:spPr>
           <a:xfrm>
             <a:off x="838080" y="365040"/>
-            <a:ext cx="10514520" cy="1324440"/>
+            <a:ext cx="10513800" cy="1323720"/>
           </a:xfrm>
           <a:prstGeom prst="rect">
             <a:avLst/>
@@ -11031,7 +14126,7 @@
       </p:sp>
       <p:sp>
         <p:nvSpPr>
-          <p:cNvPr id="130" name="PlaceHolder 2"/>
+          <p:cNvPr id="171" name="PlaceHolder 2"/>
           <p:cNvSpPr>
             <a:spLocks noGrp="1"/>
           </p:cNvSpPr>
@@ -11042,7 +14137,7 @@
         <p:spPr>
           <a:xfrm>
             <a:off x="838080" y="1825560"/>
-            <a:ext cx="10514520" cy="4350240"/>
+            <a:ext cx="10513800" cy="4349520"/>
           </a:xfrm>
           <a:prstGeom prst="rect">
             <a:avLst/>
@@ -11144,7 +14239,7 @@
       </p:grpSpPr>
       <p:sp>
         <p:nvSpPr>
-          <p:cNvPr id="131" name="PlaceHolder 1"/>
+          <p:cNvPr id="172" name="PlaceHolder 1"/>
           <p:cNvSpPr>
             <a:spLocks noGrp="1"/>
           </p:cNvSpPr>
@@ -11155,7 +14250,7 @@
         <p:spPr>
           <a:xfrm>
             <a:off x="838080" y="365040"/>
-            <a:ext cx="10514520" cy="1324440"/>
+            <a:ext cx="10513800" cy="1323720"/>
           </a:xfrm>
           <a:prstGeom prst="rect">
             <a:avLst/>
@@ -11193,7 +14288,7 @@
       </p:sp>
       <p:sp>
         <p:nvSpPr>
-          <p:cNvPr id="132" name="PlaceHolder 2"/>
+          <p:cNvPr id="173" name="PlaceHolder 2"/>
           <p:cNvSpPr>
             <a:spLocks noGrp="1"/>
           </p:cNvSpPr>
@@ -11204,7 +14299,7 @@
         <p:spPr>
           <a:xfrm>
             <a:off x="838080" y="1825560"/>
-            <a:ext cx="10514520" cy="4350240"/>
+            <a:ext cx="10513800" cy="4349520"/>
           </a:xfrm>
           <a:prstGeom prst="rect">
             <a:avLst/>
@@ -11306,7 +14401,7 @@
       </p:grpSpPr>
       <p:sp>
         <p:nvSpPr>
-          <p:cNvPr id="133" name="PlaceHolder 1"/>
+          <p:cNvPr id="174" name="PlaceHolder 1"/>
           <p:cNvSpPr>
             <a:spLocks noGrp="1"/>
           </p:cNvSpPr>
@@ -11317,7 +14412,7 @@
         <p:spPr>
           <a:xfrm>
             <a:off x="838080" y="365040"/>
-            <a:ext cx="10514520" cy="1324440"/>
+            <a:ext cx="10513800" cy="1323720"/>
           </a:xfrm>
           <a:prstGeom prst="rect">
             <a:avLst/>
@@ -11355,7 +14450,7 @@
       </p:sp>
       <p:sp>
         <p:nvSpPr>
-          <p:cNvPr id="134" name="PlaceHolder 2"/>
+          <p:cNvPr id="175" name="PlaceHolder 2"/>
           <p:cNvSpPr>
             <a:spLocks noGrp="1"/>
           </p:cNvSpPr>
@@ -11366,7 +14461,7 @@
         <p:spPr>
           <a:xfrm>
             <a:off x="838080" y="1825560"/>
-            <a:ext cx="10514520" cy="4350240"/>
+            <a:ext cx="10513800" cy="4349520"/>
           </a:xfrm>
           <a:prstGeom prst="rect">
             <a:avLst/>
@@ -11441,7 +14536,7 @@
       </p:grpSpPr>
       <p:sp>
         <p:nvSpPr>
-          <p:cNvPr id="135" name="PlaceHolder 1"/>
+          <p:cNvPr id="176" name="PlaceHolder 1"/>
           <p:cNvSpPr>
             <a:spLocks noGrp="1"/>
           </p:cNvSpPr>
@@ -11452,7 +14547,7 @@
         <p:spPr>
           <a:xfrm>
             <a:off x="838080" y="365040"/>
-            <a:ext cx="10514520" cy="1324440"/>
+            <a:ext cx="10513800" cy="1323720"/>
           </a:xfrm>
           <a:prstGeom prst="rect">
             <a:avLst/>
@@ -11490,7 +14585,7 @@
       </p:sp>
       <p:sp>
         <p:nvSpPr>
-          <p:cNvPr id="136" name="PlaceHolder 2"/>
+          <p:cNvPr id="177" name="PlaceHolder 2"/>
           <p:cNvSpPr>
             <a:spLocks noGrp="1"/>
           </p:cNvSpPr>
@@ -11501,7 +14596,7 @@
         <p:spPr>
           <a:xfrm>
             <a:off x="838080" y="1825560"/>
-            <a:ext cx="10514520" cy="4350240"/>
+            <a:ext cx="10513800" cy="4349520"/>
           </a:xfrm>
           <a:prstGeom prst="rect">
             <a:avLst/>
@@ -11603,7 +14698,7 @@
       </p:grpSpPr>
       <p:sp>
         <p:nvSpPr>
-          <p:cNvPr id="137" name="PlaceHolder 1"/>
+          <p:cNvPr id="178" name="PlaceHolder 1"/>
           <p:cNvSpPr>
             <a:spLocks noGrp="1"/>
           </p:cNvSpPr>
@@ -11614,7 +14709,7 @@
         <p:spPr>
           <a:xfrm>
             <a:off x="838080" y="365040"/>
-            <a:ext cx="10514520" cy="1324440"/>
+            <a:ext cx="10513800" cy="1323720"/>
           </a:xfrm>
           <a:prstGeom prst="rect">
             <a:avLst/>
@@ -11652,7 +14747,7 @@
       </p:sp>
       <p:sp>
         <p:nvSpPr>
-          <p:cNvPr id="138" name="PlaceHolder 2"/>
+          <p:cNvPr id="179" name="PlaceHolder 2"/>
           <p:cNvSpPr>
             <a:spLocks noGrp="1"/>
           </p:cNvSpPr>
@@ -11663,7 +14758,7 @@
         <p:spPr>
           <a:xfrm>
             <a:off x="838080" y="1825560"/>
-            <a:ext cx="10514520" cy="4350240"/>
+            <a:ext cx="10513800" cy="4349520"/>
           </a:xfrm>
           <a:prstGeom prst="rect">
             <a:avLst/>
@@ -11765,7 +14860,7 @@
       </p:grpSpPr>
       <p:sp>
         <p:nvSpPr>
-          <p:cNvPr id="139" name="PlaceHolder 1"/>
+          <p:cNvPr id="180" name="PlaceHolder 1"/>
           <p:cNvSpPr>
             <a:spLocks noGrp="1"/>
           </p:cNvSpPr>
@@ -11776,7 +14871,7 @@
         <p:spPr>
           <a:xfrm>
             <a:off x="838080" y="365040"/>
-            <a:ext cx="10514520" cy="1324440"/>
+            <a:ext cx="10513800" cy="1323720"/>
           </a:xfrm>
           <a:prstGeom prst="rect">
             <a:avLst/>
@@ -11814,7 +14909,7 @@
       </p:sp>
       <p:sp>
         <p:nvSpPr>
-          <p:cNvPr id="140" name="PlaceHolder 2"/>
+          <p:cNvPr id="181" name="PlaceHolder 2"/>
           <p:cNvSpPr>
             <a:spLocks noGrp="1"/>
           </p:cNvSpPr>
@@ -11825,7 +14920,7 @@
         <p:spPr>
           <a:xfrm>
             <a:off x="838080" y="1825560"/>
-            <a:ext cx="10514520" cy="4350240"/>
+            <a:ext cx="10513800" cy="4349520"/>
           </a:xfrm>
           <a:prstGeom prst="rect">
             <a:avLst/>
@@ -12611,4 +15706,230 @@
     </a:fmtScheme>
   </a:themeElements>
 </a:theme>
+</file>
+
+<file path=ppt/theme/theme4.xml><?xml version="1.0" encoding="utf-8"?>
+<a:theme xmlns:a="http://schemas.openxmlformats.org/drawingml/2006/main" name="Office Theme">
+  <a:themeElements>
+    <a:clrScheme name="Office">
+      <a:dk1>
+        <a:sysClr val="windowText" lastClr="000000"/>
+      </a:dk1>
+      <a:lt1>
+        <a:sysClr val="window" lastClr="FFFFFF"/>
+      </a:lt1>
+      <a:dk2>
+        <a:srgbClr val="44546a"/>
+      </a:dk2>
+      <a:lt2>
+        <a:srgbClr val="e7e6e6"/>
+      </a:lt2>
+      <a:accent1>
+        <a:srgbClr val="4472c4"/>
+      </a:accent1>
+      <a:accent2>
+        <a:srgbClr val="ed7d31"/>
+      </a:accent2>
+      <a:accent3>
+        <a:srgbClr val="a5a5a5"/>
+      </a:accent3>
+      <a:accent4>
+        <a:srgbClr val="ffc000"/>
+      </a:accent4>
+      <a:accent5>
+        <a:srgbClr val="5b9bd5"/>
+      </a:accent5>
+      <a:accent6>
+        <a:srgbClr val="70ad47"/>
+      </a:accent6>
+      <a:hlink>
+        <a:srgbClr val="0563c1"/>
+      </a:hlink>
+      <a:folHlink>
+        <a:srgbClr val="954f72"/>
+      </a:folHlink>
+    </a:clrScheme>
+    <a:fontScheme name="Office">
+      <a:majorFont>
+        <a:latin typeface="Arial"/>
+        <a:ea typeface="DejaVu Sans"/>
+        <a:cs typeface="DejaVu Sans"/>
+      </a:majorFont>
+      <a:minorFont>
+        <a:latin typeface="Arial"/>
+        <a:ea typeface="DejaVu Sans"/>
+        <a:cs typeface="DejaVu Sans"/>
+      </a:minorFont>
+    </a:fontScheme>
+    <a:fmtScheme name="Office">
+      <a:fillStyleLst>
+        <a:solidFill>
+          <a:schemeClr val="phClr"/>
+        </a:solidFill>
+        <a:gradFill rotWithShape="1">
+          <a:gsLst>
+            <a:gs pos="0">
+              <a:schemeClr val="phClr">
+                <a:tint val="50000"/>
+                <a:satMod val="300000"/>
+              </a:schemeClr>
+            </a:gs>
+            <a:gs pos="35000">
+              <a:schemeClr val="phClr">
+                <a:tint val="37000"/>
+                <a:satMod val="300000"/>
+              </a:schemeClr>
+            </a:gs>
+            <a:gs pos="100000">
+              <a:schemeClr val="phClr">
+                <a:tint val="15000"/>
+                <a:satMod val="350000"/>
+              </a:schemeClr>
+            </a:gs>
+          </a:gsLst>
+          <a:lin ang="16200000" scaled="1"/>
+        </a:gradFill>
+        <a:gradFill rotWithShape="1">
+          <a:gsLst>
+            <a:gs pos="0">
+              <a:schemeClr val="phClr">
+                <a:shade val="51000"/>
+                <a:satMod val="130000"/>
+              </a:schemeClr>
+            </a:gs>
+            <a:gs pos="80000">
+              <a:schemeClr val="phClr">
+                <a:shade val="93000"/>
+                <a:satMod val="130000"/>
+              </a:schemeClr>
+            </a:gs>
+            <a:gs pos="100000">
+              <a:schemeClr val="phClr">
+                <a:shade val="94000"/>
+                <a:satMod val="135000"/>
+              </a:schemeClr>
+            </a:gs>
+          </a:gsLst>
+          <a:lin ang="16200000" scaled="0"/>
+        </a:gradFill>
+      </a:fillStyleLst>
+      <a:lnStyleLst>
+        <a:ln w="9525" cap="flat" cmpd="sng" algn="ctr">
+          <a:solidFill>
+            <a:schemeClr val="phClr">
+              <a:shade val="95000"/>
+              <a:satMod val="105000"/>
+            </a:schemeClr>
+          </a:solidFill>
+          <a:prstDash val="solid"/>
+          <a:miter/>
+        </a:ln>
+        <a:ln w="25400" cap="flat" cmpd="sng" algn="ctr">
+          <a:solidFill>
+            <a:schemeClr val="phClr"/>
+          </a:solidFill>
+          <a:prstDash val="solid"/>
+          <a:miter/>
+        </a:ln>
+        <a:ln w="38100" cap="flat" cmpd="sng" algn="ctr">
+          <a:solidFill>
+            <a:schemeClr val="phClr"/>
+          </a:solidFill>
+          <a:prstDash val="solid"/>
+          <a:miter/>
+        </a:ln>
+      </a:lnStyleLst>
+      <a:effectStyleLst>
+        <a:effectStyle>
+          <a:effectLst>
+            <a:outerShdw blurRad="40000" dist="20000" dir="5400000" rotWithShape="0">
+              <a:srgbClr val="000000">
+                <a:alpha val="38000"/>
+              </a:srgbClr>
+            </a:outerShdw>
+          </a:effectLst>
+        </a:effectStyle>
+        <a:effectStyle>
+          <a:effectLst>
+            <a:outerShdw blurRad="40000" dist="23000" dir="5400000" rotWithShape="0">
+              <a:srgbClr val="000000">
+                <a:alpha val="35000"/>
+              </a:srgbClr>
+            </a:outerShdw>
+          </a:effectLst>
+        </a:effectStyle>
+        <a:effectStyle>
+          <a:effectLst>
+            <a:outerShdw blurRad="40000" dist="23000" dir="5400000" rotWithShape="0">
+              <a:srgbClr val="000000">
+                <a:alpha val="35000"/>
+              </a:srgbClr>
+            </a:outerShdw>
+          </a:effectLst>
+          <a:scene3d>
+            <a:camera prst="orthographicFront">
+              <a:rot lat="0" lon="0" rev="0"/>
+            </a:camera>
+            <a:lightRig rig="threePt" dir="t">
+              <a:rot lat="0" lon="0" rev="1200000"/>
+            </a:lightRig>
+          </a:scene3d>
+          <a:sp3d>
+            <a:bevelT w="63500" h="25400"/>
+          </a:sp3d>
+        </a:effectStyle>
+      </a:effectStyleLst>
+      <a:bgFillStyleLst>
+        <a:solidFill>
+          <a:schemeClr val="phClr"/>
+        </a:solidFill>
+        <a:gradFill rotWithShape="1">
+          <a:gsLst>
+            <a:gs pos="0">
+              <a:schemeClr val="phClr">
+                <a:tint val="40000"/>
+                <a:satMod val="350000"/>
+              </a:schemeClr>
+            </a:gs>
+            <a:gs pos="40000">
+              <a:schemeClr val="phClr">
+                <a:tint val="45000"/>
+                <a:shade val="99000"/>
+                <a:satMod val="350000"/>
+              </a:schemeClr>
+            </a:gs>
+            <a:gs pos="100000">
+              <a:schemeClr val="phClr">
+                <a:shade val="20000"/>
+                <a:satMod val="255000"/>
+              </a:schemeClr>
+            </a:gs>
+          </a:gsLst>
+          <a:path path="circle">
+            <a:fillToRect l="50000" t="-80000" r="50000" b="180000"/>
+          </a:path>
+        </a:gradFill>
+        <a:gradFill rotWithShape="1">
+          <a:gsLst>
+            <a:gs pos="0">
+              <a:schemeClr val="phClr">
+                <a:tint val="80000"/>
+                <a:satMod val="300000"/>
+              </a:schemeClr>
+            </a:gs>
+            <a:gs pos="100000">
+              <a:schemeClr val="phClr">
+                <a:shade val="30000"/>
+                <a:satMod val="200000"/>
+              </a:schemeClr>
+            </a:gs>
+          </a:gsLst>
+          <a:path path="circle">
+            <a:fillToRect l="50000" t="50000" r="50000" b="50000"/>
+          </a:path>
+        </a:gradFill>
+      </a:bgFillStyleLst>
+    </a:fmtScheme>
+  </a:themeElements>
+</a:theme>
 </file>
--- a/Slideshow template.pptx
+++ b/Slideshow template.pptx
@@ -30,6 +30,7 @@
     <p:sldId id="275" r:id="rId25"/>
     <p:sldId id="276" r:id="rId26"/>
     <p:sldId id="277" r:id="rId27"/>
+    <p:sldId id="278" r:id="rId28"/>
   </p:sldIdLst>
   <p:sldSz cx="12192000" cy="6858000"/>
   <p:notesSz cx="7559675" cy="10691813"/>
@@ -87,7 +88,7 @@
         <p:txBody>
           <a:bodyPr/>
           <a:p>
-            <a:fld id="{8D55DE94-3E2E-49A2-B294-2CCB11968A9D}" type="slidenum">
+            <a:fld id="{5D2AD31F-980F-4D72-B808-80CB11D880F0}" type="slidenum">
               <a:t>&lt;#&gt;</a:t>
             </a:fld>
           </a:p>
@@ -275,7 +276,7 @@
         <p:txBody>
           <a:bodyPr/>
           <a:p>
-            <a:fld id="{114701A0-393E-4EFD-A9F0-67663B80D262}" type="slidenum">
+            <a:fld id="{1C0A8691-7C58-4EED-8141-18A6AA4D1125}" type="slidenum">
               <a:t>&lt;#&gt;</a:t>
             </a:fld>
           </a:p>
@@ -531,7 +532,7 @@
         <p:txBody>
           <a:bodyPr/>
           <a:p>
-            <a:fld id="{F7391DBF-009C-4303-9A32-D9EF0DD17D07}" type="slidenum">
+            <a:fld id="{343B006E-68C1-4B99-A652-76BD9D6524D5}" type="slidenum">
               <a:t>&lt;#&gt;</a:t>
             </a:fld>
           </a:p>
@@ -855,7 +856,7 @@
         <p:txBody>
           <a:bodyPr/>
           <a:p>
-            <a:fld id="{8522107C-043C-4036-80D3-F6C5AAEDFF19}" type="slidenum">
+            <a:fld id="{03BA3D3A-4954-444A-81A4-5A6C3C2AB5FD}" type="slidenum">
               <a:t>&lt;#&gt;</a:t>
             </a:fld>
           </a:p>
@@ -938,7 +939,7 @@
         <p:txBody>
           <a:bodyPr/>
           <a:p>
-            <a:fld id="{ACAA2E0D-1E77-4E3D-9534-771754D3B194}" type="slidenum">
+            <a:fld id="{E90805A2-6238-496E-9880-48F1F49EAC77}" type="slidenum">
               <a:t>&lt;#&gt;</a:t>
             </a:fld>
           </a:p>
@@ -1095,7 +1096,7 @@
         <p:txBody>
           <a:bodyPr/>
           <a:p>
-            <a:fld id="{C80D20D9-58B0-4AA6-8AC9-5A4631CC103A}" type="slidenum">
+            <a:fld id="{65BBF0EA-69BF-4308-BE8A-BAB1A0FF75D8}" type="slidenum">
               <a:t>&lt;#&gt;</a:t>
             </a:fld>
           </a:p>
@@ -1249,7 +1250,7 @@
         <p:txBody>
           <a:bodyPr/>
           <a:p>
-            <a:fld id="{0E93F932-A6BC-49F9-9013-B34AA5C71CA6}" type="slidenum">
+            <a:fld id="{CCCE9115-9043-4298-A38C-0BBC2C440AA1}" type="slidenum">
               <a:t>&lt;#&gt;</a:t>
             </a:fld>
           </a:p>
@@ -1437,7 +1438,7 @@
         <p:txBody>
           <a:bodyPr/>
           <a:p>
-            <a:fld id="{487E7443-01C0-4C3B-AD9F-F0B31A9E3F7D}" type="slidenum">
+            <a:fld id="{367BCEEB-DF0D-4836-8B1B-3008525BBFDB}" type="slidenum">
               <a:t>&lt;#&gt;</a:t>
             </a:fld>
           </a:p>
@@ -1557,7 +1558,7 @@
         <p:txBody>
           <a:bodyPr/>
           <a:p>
-            <a:fld id="{24A9B8B1-7E41-4539-AE02-16D669FD0FF4}" type="slidenum">
+            <a:fld id="{D9D136C6-B261-408E-878C-06B70ECC5BB9}" type="slidenum">
               <a:t>&lt;#&gt;</a:t>
             </a:fld>
           </a:p>
@@ -1677,7 +1678,7 @@
         <p:txBody>
           <a:bodyPr/>
           <a:p>
-            <a:fld id="{8728385C-224B-4770-9E39-2077E8A1AB17}" type="slidenum">
+            <a:fld id="{391A097D-1C99-4A38-9080-D5A9ADD9B836}" type="slidenum">
               <a:t>&lt;#&gt;</a:t>
             </a:fld>
           </a:p>
@@ -1899,7 +1900,7 @@
         <p:txBody>
           <a:bodyPr/>
           <a:p>
-            <a:fld id="{574F78A7-1AB8-481E-B779-A32948A4D212}" type="slidenum">
+            <a:fld id="{B2DA0A98-6CA0-4C06-BAE9-A749651B7862}" type="slidenum">
               <a:t>&lt;#&gt;</a:t>
             </a:fld>
           </a:p>
@@ -2056,7 +2057,7 @@
         <p:txBody>
           <a:bodyPr/>
           <a:p>
-            <a:fld id="{C9F6F914-203B-4ECF-9F11-E74412B66CD9}" type="slidenum">
+            <a:fld id="{C91AA9F7-F2E5-4525-8454-D91B2920D077}" type="slidenum">
               <a:t>&lt;#&gt;</a:t>
             </a:fld>
           </a:p>
@@ -2278,7 +2279,7 @@
         <p:txBody>
           <a:bodyPr/>
           <a:p>
-            <a:fld id="{68E27E26-0B56-40AD-8D5B-8D989B551B84}" type="slidenum">
+            <a:fld id="{B9D9E5EE-71FB-43C6-98DB-2BD1D7DE339A}" type="slidenum">
               <a:t>&lt;#&gt;</a:t>
             </a:fld>
           </a:p>
@@ -2500,7 +2501,7 @@
         <p:txBody>
           <a:bodyPr/>
           <a:p>
-            <a:fld id="{9F61F574-0993-44E6-AAB2-2EB29CDA05DD}" type="slidenum">
+            <a:fld id="{6B4AD49E-70F8-43CC-B204-6773C8367279}" type="slidenum">
               <a:t>&lt;#&gt;</a:t>
             </a:fld>
           </a:p>
@@ -2688,7 +2689,7 @@
         <p:txBody>
           <a:bodyPr/>
           <a:p>
-            <a:fld id="{F69B623E-DA7D-4EF5-9B73-8780CACE517C}" type="slidenum">
+            <a:fld id="{D3A1DF3A-C738-4D0E-A61F-6B327F9706BD}" type="slidenum">
               <a:t>&lt;#&gt;</a:t>
             </a:fld>
           </a:p>
@@ -2944,7 +2945,7 @@
         <p:txBody>
           <a:bodyPr/>
           <a:p>
-            <a:fld id="{825B756C-B355-491D-8709-B9E49EDEED06}" type="slidenum">
+            <a:fld id="{769523FE-5AE6-4FAA-93A4-BEB7FE6C0C48}" type="slidenum">
               <a:t>&lt;#&gt;</a:t>
             </a:fld>
           </a:p>
@@ -3268,7 +3269,7 @@
         <p:txBody>
           <a:bodyPr/>
           <a:p>
-            <a:fld id="{F06FE113-E086-45CD-AFCD-2B3C45B0A4D0}" type="slidenum">
+            <a:fld id="{1BD730A4-B4E4-4136-8546-3A41CA20693D}" type="slidenum">
               <a:t>&lt;#&gt;</a:t>
             </a:fld>
           </a:p>
@@ -3351,7 +3352,7 @@
         <p:txBody>
           <a:bodyPr/>
           <a:p>
-            <a:fld id="{31C294AD-A76C-4805-85CB-7CFB8B38288B}" type="slidenum">
+            <a:fld id="{AB43330A-FD31-446C-9693-4D7387819C4B}" type="slidenum">
               <a:t>&lt;#&gt;</a:t>
             </a:fld>
           </a:p>
@@ -3508,7 +3509,7 @@
         <p:txBody>
           <a:bodyPr/>
           <a:p>
-            <a:fld id="{97DB1581-D9B0-4F82-8261-DCE7812D1371}" type="slidenum">
+            <a:fld id="{A9C78D21-296F-4FC8-9190-44DAD70E7C02}" type="slidenum">
               <a:t>&lt;#&gt;</a:t>
             </a:fld>
           </a:p>
@@ -3662,7 +3663,7 @@
         <p:txBody>
           <a:bodyPr/>
           <a:p>
-            <a:fld id="{9236558A-1A19-46C3-A04F-69869A2B7952}" type="slidenum">
+            <a:fld id="{B3ACDE87-E8F1-49D4-96AA-3C6EF2483F0C}" type="slidenum">
               <a:t>&lt;#&gt;</a:t>
             </a:fld>
           </a:p>
@@ -3850,7 +3851,7 @@
         <p:txBody>
           <a:bodyPr/>
           <a:p>
-            <a:fld id="{223D20BC-616A-4263-A8DD-186AF067E50C}" type="slidenum">
+            <a:fld id="{D97CACE9-1019-41BA-BDE6-5A2011588D72}" type="slidenum">
               <a:t>&lt;#&gt;</a:t>
             </a:fld>
           </a:p>
@@ -3970,7 +3971,7 @@
         <p:txBody>
           <a:bodyPr/>
           <a:p>
-            <a:fld id="{015AABE9-DB99-41DD-A676-3BC7CDA17B19}" type="slidenum">
+            <a:fld id="{7F010197-2297-41E9-BF59-6F0974A36FCF}" type="slidenum">
               <a:t>&lt;#&gt;</a:t>
             </a:fld>
           </a:p>
@@ -4124,7 +4125,7 @@
         <p:txBody>
           <a:bodyPr/>
           <a:p>
-            <a:fld id="{0A9E0180-EAC0-4061-8990-77CC6A324A07}" type="slidenum">
+            <a:fld id="{646B4F69-B763-4F79-BCC3-C78761AED019}" type="slidenum">
               <a:t>&lt;#&gt;</a:t>
             </a:fld>
           </a:p>
@@ -4244,7 +4245,7 @@
         <p:txBody>
           <a:bodyPr/>
           <a:p>
-            <a:fld id="{ECD556E6-8D91-4CAA-81EA-4D3D6F137E2B}" type="slidenum">
+            <a:fld id="{F28B5CE7-C4DC-4D3F-8A02-55ADF5DC1AE8}" type="slidenum">
               <a:t>&lt;#&gt;</a:t>
             </a:fld>
           </a:p>
@@ -4466,7 +4467,7 @@
         <p:txBody>
           <a:bodyPr/>
           <a:p>
-            <a:fld id="{C420664B-4518-4A34-8660-DB7111371CF0}" type="slidenum">
+            <a:fld id="{87BFEA8A-8443-4A2F-870C-CF3A5150B87D}" type="slidenum">
               <a:t>&lt;#&gt;</a:t>
             </a:fld>
           </a:p>
@@ -4688,7 +4689,7 @@
         <p:txBody>
           <a:bodyPr/>
           <a:p>
-            <a:fld id="{AA3723D5-DA5C-4E7A-8E13-7C74847ED370}" type="slidenum">
+            <a:fld id="{7FF5FEB2-8A1E-4485-A362-332E49FB8C62}" type="slidenum">
               <a:t>&lt;#&gt;</a:t>
             </a:fld>
           </a:p>
@@ -4910,7 +4911,7 @@
         <p:txBody>
           <a:bodyPr/>
           <a:p>
-            <a:fld id="{7DC679CA-DBCC-40C5-B4B7-299CD0129ABE}" type="slidenum">
+            <a:fld id="{53D4D4B2-27C7-44EF-AE8F-853C3E2C345A}" type="slidenum">
               <a:t>&lt;#&gt;</a:t>
             </a:fld>
           </a:p>
@@ -5098,7 +5099,7 @@
         <p:txBody>
           <a:bodyPr/>
           <a:p>
-            <a:fld id="{9082E445-ADAF-40BA-BD88-01307CD1B8FF}" type="slidenum">
+            <a:fld id="{E11CFADD-6757-4E7C-A356-B7123F133D08}" type="slidenum">
               <a:t>&lt;#&gt;</a:t>
             </a:fld>
           </a:p>
@@ -5354,7 +5355,7 @@
         <p:txBody>
           <a:bodyPr/>
           <a:p>
-            <a:fld id="{C3A52522-00AA-44A0-99C0-1EB4690948D9}" type="slidenum">
+            <a:fld id="{9E8E9528-A387-4570-9B50-F0854940869F}" type="slidenum">
               <a:t>&lt;#&gt;</a:t>
             </a:fld>
           </a:p>
@@ -5678,7 +5679,7 @@
         <p:txBody>
           <a:bodyPr/>
           <a:p>
-            <a:fld id="{508D54ED-6C64-4E16-8271-4DAB1896D39A}" type="slidenum">
+            <a:fld id="{47F9FEDB-3739-477A-AD51-5229EC47958A}" type="slidenum">
               <a:t>&lt;#&gt;</a:t>
             </a:fld>
           </a:p>
@@ -5761,7 +5762,7 @@
         <p:txBody>
           <a:bodyPr/>
           <a:p>
-            <a:fld id="{1EBE8690-A5F8-4EB1-9C1F-520344A28882}" type="slidenum">
+            <a:fld id="{9AF1D13B-C6E3-4C8F-9B67-B53C3BE337EE}" type="slidenum">
               <a:t>&lt;#&gt;</a:t>
             </a:fld>
           </a:p>
@@ -5918,7 +5919,7 @@
         <p:txBody>
           <a:bodyPr/>
           <a:p>
-            <a:fld id="{797A0BE5-29B0-4D02-A794-9C10547DA103}" type="slidenum">
+            <a:fld id="{71ECA753-718B-470C-B638-0EE971E3D394}" type="slidenum">
               <a:t>&lt;#&gt;</a:t>
             </a:fld>
           </a:p>
@@ -6072,7 +6073,7 @@
         <p:txBody>
           <a:bodyPr/>
           <a:p>
-            <a:fld id="{7BFB6170-2D8C-426E-BD4D-6A620CFCEB66}" type="slidenum">
+            <a:fld id="{069F0415-2FE5-47AA-816B-EC225BDEF03A}" type="slidenum">
               <a:t>&lt;#&gt;</a:t>
             </a:fld>
           </a:p>
@@ -6260,7 +6261,7 @@
         <p:txBody>
           <a:bodyPr/>
           <a:p>
-            <a:fld id="{FA0A6D72-7939-4F1F-AE49-C86DD9EDC269}" type="slidenum">
+            <a:fld id="{559EF466-27B9-4A38-8795-852F983E3960}" type="slidenum">
               <a:t>&lt;#&gt;</a:t>
             </a:fld>
           </a:p>
@@ -6448,7 +6449,7 @@
         <p:txBody>
           <a:bodyPr/>
           <a:p>
-            <a:fld id="{9F0A7486-C202-4E67-8694-E61D09055BCC}" type="slidenum">
+            <a:fld id="{7CFD966C-7749-4838-B5D6-36341FA7B578}" type="slidenum">
               <a:t>&lt;#&gt;</a:t>
             </a:fld>
           </a:p>
@@ -6568,7 +6569,7 @@
         <p:txBody>
           <a:bodyPr/>
           <a:p>
-            <a:fld id="{6AD3C03C-1F80-4DF8-AA7E-2E0C639E1170}" type="slidenum">
+            <a:fld id="{BEB831C4-AC8F-4939-8F96-84F0A595B5BE}" type="slidenum">
               <a:t>&lt;#&gt;</a:t>
             </a:fld>
           </a:p>
@@ -6688,7 +6689,7 @@
         <p:txBody>
           <a:bodyPr/>
           <a:p>
-            <a:fld id="{AAC5A8EC-B90E-4AA9-937A-4CA6D9FFD072}" type="slidenum">
+            <a:fld id="{1656B31D-3A3D-4B7E-BC81-045127974695}" type="slidenum">
               <a:t>&lt;#&gt;</a:t>
             </a:fld>
           </a:p>
@@ -6910,7 +6911,7 @@
         <p:txBody>
           <a:bodyPr/>
           <a:p>
-            <a:fld id="{811F63B7-928F-4113-AA63-62270CD2E7BE}" type="slidenum">
+            <a:fld id="{DE4BD8FA-1393-4E51-9267-D78544607060}" type="slidenum">
               <a:t>&lt;#&gt;</a:t>
             </a:fld>
           </a:p>
@@ -7132,7 +7133,7 @@
         <p:txBody>
           <a:bodyPr/>
           <a:p>
-            <a:fld id="{F1AE3581-4602-4075-B478-A0989C3749F1}" type="slidenum">
+            <a:fld id="{E4F66C1F-13BC-411D-A51D-9640E2DA369D}" type="slidenum">
               <a:t>&lt;#&gt;</a:t>
             </a:fld>
           </a:p>
@@ -7354,7 +7355,7 @@
         <p:txBody>
           <a:bodyPr/>
           <a:p>
-            <a:fld id="{9AD2DC45-98D6-4083-9DCA-77E87D5852C2}" type="slidenum">
+            <a:fld id="{24929091-BD52-4BED-93C0-BAD64FE839D3}" type="slidenum">
               <a:t>&lt;#&gt;</a:t>
             </a:fld>
           </a:p>
@@ -7542,7 +7543,7 @@
         <p:txBody>
           <a:bodyPr/>
           <a:p>
-            <a:fld id="{6E3A3CFF-EB75-47C7-876B-14E08B6F209C}" type="slidenum">
+            <a:fld id="{BA60143E-BDC9-4542-B916-A2013DE94F7A}" type="slidenum">
               <a:t>&lt;#&gt;</a:t>
             </a:fld>
           </a:p>
@@ -7798,7 +7799,7 @@
         <p:txBody>
           <a:bodyPr/>
           <a:p>
-            <a:fld id="{8FF805A4-B6EB-4FA5-B277-C0C7B34C6AA2}" type="slidenum">
+            <a:fld id="{D1D20411-024F-4732-80CB-8B73528473EE}" type="slidenum">
               <a:t>&lt;#&gt;</a:t>
             </a:fld>
           </a:p>
@@ -8122,7 +8123,7 @@
         <p:txBody>
           <a:bodyPr/>
           <a:p>
-            <a:fld id="{DDCB849F-1424-4ABC-BCAF-EE4316D9BEDE}" type="slidenum">
+            <a:fld id="{96A3A761-0D70-4E3C-8C6A-B0F8BB7CE50A}" type="slidenum">
               <a:t>&lt;#&gt;</a:t>
             </a:fld>
           </a:p>
@@ -8242,7 +8243,7 @@
         <p:txBody>
           <a:bodyPr/>
           <a:p>
-            <a:fld id="{BD1B9974-C4DA-4FE4-B123-AF2535CBAEA3}" type="slidenum">
+            <a:fld id="{69CF5677-4C15-4609-8F24-97200107A8F8}" type="slidenum">
               <a:t>&lt;#&gt;</a:t>
             </a:fld>
           </a:p>
@@ -8362,7 +8363,7 @@
         <p:txBody>
           <a:bodyPr/>
           <a:p>
-            <a:fld id="{8E6E6BDA-BBED-4D6D-BB1D-F0F2E0867DB9}" type="slidenum">
+            <a:fld id="{C4761C42-5039-4CB3-BB4D-D06F0F445A46}" type="slidenum">
               <a:t>&lt;#&gt;</a:t>
             </a:fld>
           </a:p>
@@ -8584,7 +8585,7 @@
         <p:txBody>
           <a:bodyPr/>
           <a:p>
-            <a:fld id="{2DB5A55D-0C8D-4797-80DD-EA5FA500C724}" type="slidenum">
+            <a:fld id="{8D90432E-B214-4BCB-B9C0-623721023DA9}" type="slidenum">
               <a:t>&lt;#&gt;</a:t>
             </a:fld>
           </a:p>
@@ -8806,7 +8807,7 @@
         <p:txBody>
           <a:bodyPr/>
           <a:p>
-            <a:fld id="{8F3D2509-98E4-44FA-8556-8083935C00B2}" type="slidenum">
+            <a:fld id="{2563F993-99C3-4478-8F70-488906E21178}" type="slidenum">
               <a:t>&lt;#&gt;</a:t>
             </a:fld>
           </a:p>
@@ -9028,7 +9029,7 @@
         <p:txBody>
           <a:bodyPr/>
           <a:p>
-            <a:fld id="{FF7C9F70-AD73-4439-BE59-37145B261FFC}" type="slidenum">
+            <a:fld id="{E11F4E20-F2B6-4BDA-9B6E-868A97E74667}" type="slidenum">
               <a:t>&lt;#&gt;</a:t>
             </a:fld>
           </a:p>
@@ -9097,7 +9098,7 @@
         <p:spPr>
           <a:xfrm>
             <a:off x="4038480" y="6356520"/>
-            <a:ext cx="4113000" cy="363240"/>
+            <a:ext cx="4112640" cy="362880"/>
           </a:xfrm>
           <a:prstGeom prst="rect">
             <a:avLst/>
@@ -9154,7 +9155,7 @@
         <p:spPr>
           <a:xfrm>
             <a:off x="8610480" y="6356520"/>
-            <a:ext cx="2741400" cy="363240"/>
+            <a:ext cx="2741040" cy="362880"/>
           </a:xfrm>
           <a:prstGeom prst="rect">
             <a:avLst/>
@@ -9189,7 +9190,7 @@
               </a:lnSpc>
               <a:buNone/>
             </a:pPr>
-            <a:fld id="{730CF4CB-8751-4ECD-BEC1-796F7B22E2AB}" type="slidenum">
+            <a:fld id="{F84DEFD9-06A3-472A-AC18-1D554262DA55}" type="slidenum">
               <a:rPr b="0" lang="en-GB" sz="1200" spc="-1" strike="noStrike">
                 <a:solidFill>
                   <a:srgbClr val="8b8b8b"/>
@@ -9217,7 +9218,7 @@
         <p:spPr>
           <a:xfrm>
             <a:off x="838080" y="6356520"/>
-            <a:ext cx="2741400" cy="363240"/>
+            <a:ext cx="2741040" cy="362880"/>
           </a:xfrm>
           <a:prstGeom prst="rect">
             <a:avLst/>
@@ -9534,7 +9535,7 @@
         <p:spPr>
           <a:xfrm>
             <a:off x="4038480" y="6356520"/>
-            <a:ext cx="4113000" cy="363240"/>
+            <a:ext cx="4112640" cy="362880"/>
           </a:xfrm>
           <a:prstGeom prst="rect">
             <a:avLst/>
@@ -9591,7 +9592,7 @@
         <p:spPr>
           <a:xfrm>
             <a:off x="8610480" y="6356520"/>
-            <a:ext cx="2741400" cy="363240"/>
+            <a:ext cx="2741040" cy="362880"/>
           </a:xfrm>
           <a:prstGeom prst="rect">
             <a:avLst/>
@@ -9626,7 +9627,7 @@
               </a:lnSpc>
               <a:buNone/>
             </a:pPr>
-            <a:fld id="{8470E5F1-855A-4A33-B0B1-F98E3DCC89D3}" type="slidenum">
+            <a:fld id="{D67251F1-302D-425B-A7A6-E84F0043369F}" type="slidenum">
               <a:rPr b="0" lang="en-GB" sz="1200" spc="-1" strike="noStrike">
                 <a:solidFill>
                   <a:srgbClr val="8b8b8b"/>
@@ -9654,7 +9655,7 @@
         <p:spPr>
           <a:xfrm>
             <a:off x="838080" y="6356520"/>
-            <a:ext cx="2741400" cy="363240"/>
+            <a:ext cx="2741040" cy="362880"/>
           </a:xfrm>
           <a:prstGeom prst="rect">
             <a:avLst/>
@@ -9971,7 +9972,7 @@
         <p:spPr>
           <a:xfrm>
             <a:off x="4038480" y="6356520"/>
-            <a:ext cx="4113000" cy="363240"/>
+            <a:ext cx="4112640" cy="362880"/>
           </a:xfrm>
           <a:prstGeom prst="rect">
             <a:avLst/>
@@ -10028,7 +10029,7 @@
         <p:spPr>
           <a:xfrm>
             <a:off x="8610480" y="6356520"/>
-            <a:ext cx="2741400" cy="363240"/>
+            <a:ext cx="2741040" cy="362880"/>
           </a:xfrm>
           <a:prstGeom prst="rect">
             <a:avLst/>
@@ -10063,7 +10064,7 @@
               </a:lnSpc>
               <a:buNone/>
             </a:pPr>
-            <a:fld id="{7A84EEF5-78B3-4AD9-B750-1999497E7A23}" type="slidenum">
+            <a:fld id="{0A0C4DE0-CD81-489C-95A2-F243C05BD7E7}" type="slidenum">
               <a:rPr b="0" lang="en-GB" sz="1200" spc="-1" strike="noStrike">
                 <a:solidFill>
                   <a:srgbClr val="8b8b8b"/>
@@ -10091,7 +10092,7 @@
         <p:spPr>
           <a:xfrm>
             <a:off x="838080" y="6356520"/>
-            <a:ext cx="2741400" cy="363240"/>
+            <a:ext cx="2741040" cy="362880"/>
           </a:xfrm>
           <a:prstGeom prst="rect">
             <a:avLst/>
@@ -10442,13 +10443,196 @@
             <a:spLocks noGrp="1"/>
           </p:cNvSpPr>
           <p:nvPr>
+            <p:ph type="body"/>
+          </p:nvPr>
+        </p:nvSpPr>
+        <p:spPr>
+          <a:xfrm>
+            <a:off x="609480" y="1604520"/>
+            <a:ext cx="10972080" cy="3976920"/>
+          </a:xfrm>
+          <a:prstGeom prst="rect">
+            <a:avLst/>
+          </a:prstGeom>
+          <a:noFill/>
+          <a:ln w="0">
+            <a:noFill/>
+          </a:ln>
+        </p:spPr>
+        <p:txBody>
+          <a:bodyPr lIns="0" rIns="0" tIns="0" bIns="0" anchor="t">
+            <a:normAutofit/>
+          </a:bodyPr>
+          <a:p>
+            <a:pPr marL="432000" indent="-324000">
+              <a:spcBef>
+                <a:spcPts val="1417"/>
+              </a:spcBef>
+              <a:buClr>
+                <a:srgbClr val="000000"/>
+              </a:buClr>
+              <a:buSzPct val="45000"/>
+              <a:buFont typeface="Wingdings" charset="2"/>
+              <a:buChar char=""/>
+            </a:pPr>
+            <a:r>
+              <a:rPr b="0" lang="en-IE" sz="1800" spc="-1" strike="noStrike">
+                <a:latin typeface="Arial"/>
+              </a:rPr>
+              <a:t>Click to edit the outline text format</a:t>
+            </a:r>
+            <a:endParaRPr b="0" lang="en-IE" sz="1800" spc="-1" strike="noStrike">
+              <a:latin typeface="Arial"/>
+            </a:endParaRPr>
+          </a:p>
+          <a:p>
+            <a:pPr lvl="1" marL="864000" indent="-324000">
+              <a:spcBef>
+                <a:spcPts val="1134"/>
+              </a:spcBef>
+              <a:buClr>
+                <a:srgbClr val="000000"/>
+              </a:buClr>
+              <a:buSzPct val="75000"/>
+              <a:buFont typeface="Symbol" charset="2"/>
+              <a:buChar char=""/>
+            </a:pPr>
+            <a:r>
+              <a:rPr b="0" lang="en-IE" sz="1800" spc="-1" strike="noStrike">
+                <a:latin typeface="Arial"/>
+              </a:rPr>
+              <a:t>Second Outline Level</a:t>
+            </a:r>
+            <a:endParaRPr b="0" lang="en-IE" sz="1800" spc="-1" strike="noStrike">
+              <a:latin typeface="Arial"/>
+            </a:endParaRPr>
+          </a:p>
+          <a:p>
+            <a:pPr lvl="2" marL="1296000" indent="-288000">
+              <a:spcBef>
+                <a:spcPts val="850"/>
+              </a:spcBef>
+              <a:buClr>
+                <a:srgbClr val="000000"/>
+              </a:buClr>
+              <a:buSzPct val="45000"/>
+              <a:buFont typeface="Wingdings" charset="2"/>
+              <a:buChar char=""/>
+            </a:pPr>
+            <a:r>
+              <a:rPr b="0" lang="en-IE" sz="1800" spc="-1" strike="noStrike">
+                <a:latin typeface="Arial"/>
+              </a:rPr>
+              <a:t>Third Outline Level</a:t>
+            </a:r>
+            <a:endParaRPr b="0" lang="en-IE" sz="1800" spc="-1" strike="noStrike">
+              <a:latin typeface="Arial"/>
+            </a:endParaRPr>
+          </a:p>
+          <a:p>
+            <a:pPr lvl="3" marL="1728000" indent="-216000">
+              <a:spcBef>
+                <a:spcPts val="567"/>
+              </a:spcBef>
+              <a:buClr>
+                <a:srgbClr val="000000"/>
+              </a:buClr>
+              <a:buSzPct val="75000"/>
+              <a:buFont typeface="Symbol" charset="2"/>
+              <a:buChar char=""/>
+            </a:pPr>
+            <a:r>
+              <a:rPr b="0" lang="en-IE" sz="1800" spc="-1" strike="noStrike">
+                <a:latin typeface="Arial"/>
+              </a:rPr>
+              <a:t>Fourth Outline Level</a:t>
+            </a:r>
+            <a:endParaRPr b="0" lang="en-IE" sz="1800" spc="-1" strike="noStrike">
+              <a:latin typeface="Arial"/>
+            </a:endParaRPr>
+          </a:p>
+          <a:p>
+            <a:pPr lvl="4" marL="2160000" indent="-216000">
+              <a:spcBef>
+                <a:spcPts val="283"/>
+              </a:spcBef>
+              <a:buClr>
+                <a:srgbClr val="000000"/>
+              </a:buClr>
+              <a:buSzPct val="45000"/>
+              <a:buFont typeface="Wingdings" charset="2"/>
+              <a:buChar char=""/>
+            </a:pPr>
+            <a:r>
+              <a:rPr b="0" lang="en-IE" sz="1800" spc="-1" strike="noStrike">
+                <a:latin typeface="Arial"/>
+              </a:rPr>
+              <a:t>Fifth Outline Level</a:t>
+            </a:r>
+            <a:endParaRPr b="0" lang="en-IE" sz="1800" spc="-1" strike="noStrike">
+              <a:latin typeface="Arial"/>
+            </a:endParaRPr>
+          </a:p>
+          <a:p>
+            <a:pPr lvl="5" marL="2592000" indent="-216000">
+              <a:spcBef>
+                <a:spcPts val="283"/>
+              </a:spcBef>
+              <a:buClr>
+                <a:srgbClr val="000000"/>
+              </a:buClr>
+              <a:buSzPct val="45000"/>
+              <a:buFont typeface="Wingdings" charset="2"/>
+              <a:buChar char=""/>
+            </a:pPr>
+            <a:r>
+              <a:rPr b="0" lang="en-IE" sz="1800" spc="-1" strike="noStrike">
+                <a:latin typeface="Arial"/>
+              </a:rPr>
+              <a:t>Sixth Outline Level</a:t>
+            </a:r>
+            <a:endParaRPr b="0" lang="en-IE" sz="1800" spc="-1" strike="noStrike">
+              <a:latin typeface="Arial"/>
+            </a:endParaRPr>
+          </a:p>
+          <a:p>
+            <a:pPr lvl="6" marL="3024000" indent="-216000">
+              <a:spcBef>
+                <a:spcPts val="283"/>
+              </a:spcBef>
+              <a:buClr>
+                <a:srgbClr val="000000"/>
+              </a:buClr>
+              <a:buSzPct val="45000"/>
+              <a:buFont typeface="Wingdings" charset="2"/>
+              <a:buChar char=""/>
+            </a:pPr>
+            <a:r>
+              <a:rPr b="0" lang="en-IE" sz="1800" spc="-1" strike="noStrike">
+                <a:latin typeface="Arial"/>
+              </a:rPr>
+              <a:t>Seventh Outline Level</a:t>
+            </a:r>
+            <a:endParaRPr b="0" lang="en-IE" sz="1800" spc="-1" strike="noStrike">
+              <a:latin typeface="Arial"/>
+            </a:endParaRPr>
+          </a:p>
+        </p:txBody>
+      </p:sp>
+      <p:sp>
+        <p:nvSpPr>
+          <p:cNvPr id="125" name="PlaceHolder 3"/>
+          <p:cNvSpPr>
+            <a:spLocks noGrp="1"/>
+          </p:cNvSpPr>
+          <p:nvPr>
             <p:ph type="ftr" idx="10"/>
           </p:nvPr>
         </p:nvSpPr>
         <p:spPr>
           <a:xfrm>
             <a:off x="4038480" y="6356520"/>
-            <a:ext cx="4113000" cy="363240"/>
+            <a:ext cx="4112640" cy="362880"/>
           </a:xfrm>
           <a:prstGeom prst="rect">
             <a:avLst/>
@@ -10494,7 +10678,7 @@
       </p:sp>
       <p:sp>
         <p:nvSpPr>
-          <p:cNvPr id="125" name="PlaceHolder 3"/>
+          <p:cNvPr id="126" name="PlaceHolder 4"/>
           <p:cNvSpPr>
             <a:spLocks noGrp="1"/>
           </p:cNvSpPr>
@@ -10505,7 +10689,7 @@
         <p:spPr>
           <a:xfrm>
             <a:off x="8610480" y="6356520"/>
-            <a:ext cx="2741400" cy="363240"/>
+            <a:ext cx="2741040" cy="362880"/>
           </a:xfrm>
           <a:prstGeom prst="rect">
             <a:avLst/>
@@ -10540,7 +10724,7 @@
               </a:lnSpc>
               <a:buNone/>
             </a:pPr>
-            <a:fld id="{990C55B9-5DDF-4DAD-9DE1-B544CA915527}" type="slidenum">
+            <a:fld id="{908B0564-3C24-4281-9C6E-6952393A2AE8}" type="slidenum">
               <a:rPr b="0" lang="en-GB" sz="1200" spc="-1" strike="noStrike">
                 <a:solidFill>
                   <a:srgbClr val="8b8b8b"/>
@@ -10557,7 +10741,7 @@
       </p:sp>
       <p:sp>
         <p:nvSpPr>
-          <p:cNvPr id="126" name="PlaceHolder 4"/>
+          <p:cNvPr id="127" name="PlaceHolder 5"/>
           <p:cNvSpPr>
             <a:spLocks noGrp="1"/>
           </p:cNvSpPr>
@@ -10568,7 +10752,7 @@
         <p:spPr>
           <a:xfrm>
             <a:off x="838080" y="6356520"/>
-            <a:ext cx="2741400" cy="363240"/>
+            <a:ext cx="2741040" cy="362880"/>
           </a:xfrm>
           <a:prstGeom prst="rect">
             <a:avLst/>
@@ -10598,189 +10782,6 @@
             </a:r>
             <a:endParaRPr b="0" lang="en-IE" sz="1400" spc="-1" strike="noStrike">
               <a:latin typeface="Times New Roman"/>
-            </a:endParaRPr>
-          </a:p>
-        </p:txBody>
-      </p:sp>
-      <p:sp>
-        <p:nvSpPr>
-          <p:cNvPr id="127" name="PlaceHolder 5"/>
-          <p:cNvSpPr>
-            <a:spLocks noGrp="1"/>
-          </p:cNvSpPr>
-          <p:nvPr>
-            <p:ph type="body"/>
-          </p:nvPr>
-        </p:nvSpPr>
-        <p:spPr>
-          <a:xfrm>
-            <a:off x="609480" y="1604520"/>
-            <a:ext cx="10972440" cy="3977280"/>
-          </a:xfrm>
-          <a:prstGeom prst="rect">
-            <a:avLst/>
-          </a:prstGeom>
-          <a:noFill/>
-          <a:ln w="0">
-            <a:noFill/>
-          </a:ln>
-        </p:spPr>
-        <p:txBody>
-          <a:bodyPr lIns="0" rIns="0" tIns="0" bIns="0" anchor="t">
-            <a:normAutofit/>
-          </a:bodyPr>
-          <a:p>
-            <a:pPr marL="432000" indent="-324000">
-              <a:spcBef>
-                <a:spcPts val="1417"/>
-              </a:spcBef>
-              <a:buClr>
-                <a:srgbClr val="000000"/>
-              </a:buClr>
-              <a:buSzPct val="45000"/>
-              <a:buFont typeface="Wingdings" charset="2"/>
-              <a:buChar char=""/>
-            </a:pPr>
-            <a:r>
-              <a:rPr b="0" lang="en-IE" sz="3200" spc="-1" strike="noStrike">
-                <a:latin typeface="Arial"/>
-              </a:rPr>
-              <a:t>Click to edit the outline text format</a:t>
-            </a:r>
-            <a:endParaRPr b="0" lang="en-IE" sz="3200" spc="-1" strike="noStrike">
-              <a:latin typeface="Arial"/>
-            </a:endParaRPr>
-          </a:p>
-          <a:p>
-            <a:pPr lvl="1" marL="864000" indent="-324000">
-              <a:spcBef>
-                <a:spcPts val="1134"/>
-              </a:spcBef>
-              <a:buClr>
-                <a:srgbClr val="000000"/>
-              </a:buClr>
-              <a:buSzPct val="75000"/>
-              <a:buFont typeface="Symbol" charset="2"/>
-              <a:buChar char=""/>
-            </a:pPr>
-            <a:r>
-              <a:rPr b="0" lang="en-IE" sz="2800" spc="-1" strike="noStrike">
-                <a:latin typeface="Arial"/>
-              </a:rPr>
-              <a:t>Second Outline Level</a:t>
-            </a:r>
-            <a:endParaRPr b="0" lang="en-IE" sz="2800" spc="-1" strike="noStrike">
-              <a:latin typeface="Arial"/>
-            </a:endParaRPr>
-          </a:p>
-          <a:p>
-            <a:pPr lvl="2" marL="1296000" indent="-288000">
-              <a:spcBef>
-                <a:spcPts val="850"/>
-              </a:spcBef>
-              <a:buClr>
-                <a:srgbClr val="000000"/>
-              </a:buClr>
-              <a:buSzPct val="45000"/>
-              <a:buFont typeface="Wingdings" charset="2"/>
-              <a:buChar char=""/>
-            </a:pPr>
-            <a:r>
-              <a:rPr b="0" lang="en-IE" sz="2400" spc="-1" strike="noStrike">
-                <a:latin typeface="Arial"/>
-              </a:rPr>
-              <a:t>Third Outline Level</a:t>
-            </a:r>
-            <a:endParaRPr b="0" lang="en-IE" sz="2400" spc="-1" strike="noStrike">
-              <a:latin typeface="Arial"/>
-            </a:endParaRPr>
-          </a:p>
-          <a:p>
-            <a:pPr lvl="3" marL="1728000" indent="-216000">
-              <a:spcBef>
-                <a:spcPts val="567"/>
-              </a:spcBef>
-              <a:buClr>
-                <a:srgbClr val="000000"/>
-              </a:buClr>
-              <a:buSzPct val="75000"/>
-              <a:buFont typeface="Symbol" charset="2"/>
-              <a:buChar char=""/>
-            </a:pPr>
-            <a:r>
-              <a:rPr b="0" lang="en-IE" sz="2000" spc="-1" strike="noStrike">
-                <a:latin typeface="Arial"/>
-              </a:rPr>
-              <a:t>Fourth Outline Level</a:t>
-            </a:r>
-            <a:endParaRPr b="0" lang="en-IE" sz="2000" spc="-1" strike="noStrike">
-              <a:latin typeface="Arial"/>
-            </a:endParaRPr>
-          </a:p>
-          <a:p>
-            <a:pPr lvl="4" marL="2160000" indent="-216000">
-              <a:spcBef>
-                <a:spcPts val="283"/>
-              </a:spcBef>
-              <a:buClr>
-                <a:srgbClr val="000000"/>
-              </a:buClr>
-              <a:buSzPct val="45000"/>
-              <a:buFont typeface="Wingdings" charset="2"/>
-              <a:buChar char=""/>
-            </a:pPr>
-            <a:r>
-              <a:rPr b="0" lang="en-IE" sz="2000" spc="-1" strike="noStrike">
-                <a:latin typeface="Arial"/>
-              </a:rPr>
-              <a:t>Fifth Outline Level</a:t>
-            </a:r>
-            <a:endParaRPr b="0" lang="en-IE" sz="2000" spc="-1" strike="noStrike">
-              <a:latin typeface="Arial"/>
-            </a:endParaRPr>
-          </a:p>
-          <a:p>
-            <a:pPr lvl="5" marL="2592000" indent="-216000">
-              <a:spcBef>
-                <a:spcPts val="283"/>
-              </a:spcBef>
-              <a:buClr>
-                <a:srgbClr val="000000"/>
-              </a:buClr>
-              <a:buSzPct val="45000"/>
-              <a:buFont typeface="Wingdings" charset="2"/>
-              <a:buChar char=""/>
-            </a:pPr>
-            <a:r>
-              <a:rPr b="0" lang="en-IE" sz="2000" spc="-1" strike="noStrike">
-                <a:latin typeface="Arial"/>
-              </a:rPr>
-              <a:t>Sixth Outline Level</a:t>
-            </a:r>
-            <a:endParaRPr b="0" lang="en-IE" sz="2000" spc="-1" strike="noStrike">
-              <a:latin typeface="Arial"/>
-            </a:endParaRPr>
-          </a:p>
-          <a:p>
-            <a:pPr lvl="6" marL="3024000" indent="-216000">
-              <a:spcBef>
-                <a:spcPts val="283"/>
-              </a:spcBef>
-              <a:buClr>
-                <a:srgbClr val="000000"/>
-              </a:buClr>
-              <a:buSzPct val="45000"/>
-              <a:buFont typeface="Wingdings" charset="2"/>
-              <a:buChar char=""/>
-            </a:pPr>
-            <a:r>
-              <a:rPr b="0" lang="en-IE" sz="2000" spc="-1" strike="noStrike">
-                <a:latin typeface="Arial"/>
-              </a:rPr>
-              <a:t>Seventh Outline Level</a:t>
-            </a:r>
-            <a:endParaRPr b="0" lang="en-IE" sz="2000" spc="-1" strike="noStrike">
-              <a:latin typeface="Arial"/>
             </a:endParaRPr>
           </a:p>
         </p:txBody>
@@ -10835,7 +10836,7 @@
         <p:spPr>
           <a:xfrm>
             <a:off x="1523880" y="1122480"/>
-            <a:ext cx="9142200" cy="2385720"/>
+            <a:ext cx="9141840" cy="2385360"/>
           </a:xfrm>
           <a:prstGeom prst="rect">
             <a:avLst/>
@@ -10884,7 +10885,7 @@
         <p:spPr>
           <a:xfrm>
             <a:off x="1523880" y="3602160"/>
-            <a:ext cx="9142200" cy="1653840"/>
+            <a:ext cx="9141840" cy="1653480"/>
           </a:xfrm>
           <a:prstGeom prst="rect">
             <a:avLst/>
@@ -10969,7 +10970,7 @@
         <p:spPr>
           <a:xfrm>
             <a:off x="838080" y="365040"/>
-            <a:ext cx="10513800" cy="1323720"/>
+            <a:ext cx="10513440" cy="1323360"/>
           </a:xfrm>
           <a:prstGeom prst="rect">
             <a:avLst/>
@@ -11018,7 +11019,7 @@
         <p:spPr>
           <a:xfrm>
             <a:off x="838080" y="1825560"/>
-            <a:ext cx="10513800" cy="4349520"/>
+            <a:ext cx="10513440" cy="4349160"/>
           </a:xfrm>
           <a:prstGeom prst="rect">
             <a:avLst/>
@@ -11131,7 +11132,7 @@
         <p:spPr>
           <a:xfrm>
             <a:off x="838080" y="365040"/>
-            <a:ext cx="10513800" cy="1323720"/>
+            <a:ext cx="10513440" cy="1323360"/>
           </a:xfrm>
           <a:prstGeom prst="rect">
             <a:avLst/>
@@ -11180,7 +11181,7 @@
         <p:spPr>
           <a:xfrm>
             <a:off x="838080" y="1825560"/>
-            <a:ext cx="10513800" cy="4349520"/>
+            <a:ext cx="10513440" cy="4349160"/>
           </a:xfrm>
           <a:prstGeom prst="rect">
             <a:avLst/>
@@ -11401,7 +11402,7 @@
         <p:spPr>
           <a:xfrm>
             <a:off x="609480" y="273600"/>
-            <a:ext cx="10971360" cy="1143720"/>
+            <a:ext cx="10971000" cy="1143360"/>
           </a:xfrm>
           <a:prstGeom prst="rect">
             <a:avLst/>
@@ -11443,7 +11444,7 @@
         <p:spPr>
           <a:xfrm>
             <a:off x="1080000" y="1800000"/>
-            <a:ext cx="10258920" cy="4138920"/>
+            <a:ext cx="10258560" cy="4138560"/>
           </a:xfrm>
           <a:prstGeom prst="rect">
             <a:avLst/>
@@ -11561,7 +11562,7 @@
         <p:spPr>
           <a:xfrm>
             <a:off x="838080" y="365040"/>
-            <a:ext cx="10513800" cy="1323720"/>
+            <a:ext cx="10513440" cy="1323360"/>
           </a:xfrm>
           <a:prstGeom prst="rect">
             <a:avLst/>
@@ -11610,7 +11611,7 @@
         <p:spPr>
           <a:xfrm>
             <a:off x="838080" y="1825560"/>
-            <a:ext cx="10513800" cy="4349520"/>
+            <a:ext cx="10513440" cy="4349160"/>
           </a:xfrm>
           <a:prstGeom prst="rect">
             <a:avLst/>
@@ -11791,7 +11792,7 @@
         <p:spPr>
           <a:xfrm>
             <a:off x="609480" y="273600"/>
-            <a:ext cx="10971360" cy="1143720"/>
+            <a:ext cx="10971000" cy="1143360"/>
           </a:xfrm>
           <a:prstGeom prst="rect">
             <a:avLst/>
@@ -11833,7 +11834,7 @@
         <p:spPr>
           <a:xfrm>
             <a:off x="900000" y="1800000"/>
-            <a:ext cx="10798920" cy="2648880"/>
+            <a:ext cx="10798560" cy="2648520"/>
           </a:xfrm>
           <a:prstGeom prst="rect">
             <a:avLst/>
@@ -12118,7 +12119,7 @@
         <p:spPr>
           <a:xfrm>
             <a:off x="7740000" y="1626840"/>
-            <a:ext cx="3418920" cy="2130840"/>
+            <a:ext cx="3418560" cy="2130480"/>
           </a:xfrm>
           <a:prstGeom prst="rect">
             <a:avLst/>
@@ -12171,7 +12172,7 @@
         <p:spPr>
           <a:xfrm>
             <a:off x="609480" y="273600"/>
-            <a:ext cx="10971360" cy="1143720"/>
+            <a:ext cx="10971000" cy="1143360"/>
           </a:xfrm>
           <a:prstGeom prst="rect">
             <a:avLst/>
@@ -12213,7 +12214,7 @@
         <p:spPr>
           <a:xfrm>
             <a:off x="540000" y="1620000"/>
-            <a:ext cx="11159280" cy="1881360"/>
+            <a:ext cx="11158920" cy="1881000"/>
           </a:xfrm>
           <a:prstGeom prst="rect">
             <a:avLst/>
@@ -12455,7 +12456,7 @@
         <p:spPr>
           <a:xfrm>
             <a:off x="838080" y="365040"/>
-            <a:ext cx="10513800" cy="1323720"/>
+            <a:ext cx="10513440" cy="1323360"/>
           </a:xfrm>
           <a:prstGeom prst="rect">
             <a:avLst/>
@@ -12504,7 +12505,7 @@
         <p:spPr>
           <a:xfrm>
             <a:off x="838080" y="1825560"/>
-            <a:ext cx="10513800" cy="4349520"/>
+            <a:ext cx="10513440" cy="4349160"/>
           </a:xfrm>
           <a:prstGeom prst="rect">
             <a:avLst/>
@@ -12671,7 +12672,7 @@
         <p:spPr>
           <a:xfrm>
             <a:off x="609480" y="273600"/>
-            <a:ext cx="10972080" cy="1144440"/>
+            <a:ext cx="10971720" cy="1144080"/>
           </a:xfrm>
           <a:prstGeom prst="rect">
             <a:avLst/>
@@ -12713,7 +12714,7 @@
         <p:spPr>
           <a:xfrm>
             <a:off x="720000" y="1620000"/>
-            <a:ext cx="11159640" cy="857880"/>
+            <a:ext cx="11159280" cy="857520"/>
           </a:xfrm>
           <a:prstGeom prst="rect">
             <a:avLst/>
@@ -12742,7 +12743,11 @@
             </a:pPr>
             <a:r>
               <a:rPr b="0" lang="en-IE" sz="1800" spc="-1" strike="noStrike">
+                <a:solidFill>
+                  <a:srgbClr val="000000"/>
+                </a:solidFill>
                 <a:latin typeface="Arial"/>
+                <a:ea typeface="DejaVu Sans"/>
               </a:rPr>
               <a:t>Sensor data will be processed locally.</a:t>
             </a:r>
@@ -12759,7 +12764,11 @@
             </a:pPr>
             <a:r>
               <a:rPr b="0" lang="en-IE" sz="1800" spc="-1" strike="noStrike">
+                <a:solidFill>
+                  <a:srgbClr val="000000"/>
+                </a:solidFill>
                 <a:latin typeface="Arial"/>
+                <a:ea typeface="DejaVu Sans"/>
               </a:rPr>
               <a:t>Medication data will be processed remotely on a server hosted by AWS.</a:t>
             </a:r>
@@ -12776,7 +12785,11 @@
             </a:pPr>
             <a:r>
               <a:rPr b="0" lang="en-IE" sz="1800" spc="-1" strike="noStrike">
+                <a:solidFill>
+                  <a:srgbClr val="000000"/>
+                </a:solidFill>
                 <a:latin typeface="Arial"/>
+                <a:ea typeface="DejaVu Sans"/>
               </a:rPr>
               <a:t>Notifications will be sent to the users’ devices by AWS.</a:t>
             </a:r>
@@ -12793,7 +12806,11 @@
             </a:pPr>
             <a:r>
               <a:rPr b="0" lang="en-IE" sz="1800" spc="-1" strike="noStrike">
+                <a:solidFill>
+                  <a:srgbClr val="000000"/>
+                </a:solidFill>
                 <a:latin typeface="Arial"/>
+                <a:ea typeface="DejaVu Sans"/>
               </a:rPr>
               <a:t>Medication data will be entered and updated on a web or mobile client before being sent to AWS server.</a:t>
             </a:r>
@@ -12821,7 +12838,11 @@
             </a:pPr>
             <a:r>
               <a:rPr b="0" lang="en-IE" sz="1800" spc="-1" strike="noStrike">
+                <a:solidFill>
+                  <a:srgbClr val="000000"/>
+                </a:solidFill>
                 <a:latin typeface="Arial"/>
+                <a:ea typeface="DejaVu Sans"/>
               </a:rPr>
               <a:t>The data will be processed to record if medication was taking on time, a dose was missed and if the medication box will require a refill.</a:t>
             </a:r>
@@ -12849,7 +12870,11 @@
             </a:pPr>
             <a:r>
               <a:rPr b="0" lang="en-IE" sz="1800" spc="-1" strike="noStrike">
+                <a:solidFill>
+                  <a:srgbClr val="000000"/>
+                </a:solidFill>
                 <a:latin typeface="Arial"/>
+                <a:ea typeface="DejaVu Sans"/>
               </a:rPr>
               <a:t>A CRON job will be running to restart the program if it has stopped.</a:t>
             </a:r>
@@ -12913,7 +12938,7 @@
         <p:spPr>
           <a:xfrm>
             <a:off x="838080" y="365040"/>
-            <a:ext cx="10513800" cy="1323720"/>
+            <a:ext cx="10513440" cy="1323360"/>
           </a:xfrm>
           <a:prstGeom prst="rect">
             <a:avLst/>
@@ -12962,7 +12987,7 @@
         <p:spPr>
           <a:xfrm>
             <a:off x="838080" y="1825560"/>
-            <a:ext cx="10513800" cy="4349520"/>
+            <a:ext cx="10513440" cy="4349160"/>
           </a:xfrm>
           <a:prstGeom prst="rect">
             <a:avLst/>
@@ -13129,7 +13154,7 @@
         <p:spPr>
           <a:xfrm>
             <a:off x="838080" y="365040"/>
-            <a:ext cx="10513800" cy="1323720"/>
+            <a:ext cx="10513440" cy="1323360"/>
           </a:xfrm>
           <a:prstGeom prst="rect">
             <a:avLst/>
@@ -13178,7 +13203,7 @@
         <p:spPr>
           <a:xfrm>
             <a:off x="838080" y="1825560"/>
-            <a:ext cx="10513800" cy="4349520"/>
+            <a:ext cx="10513440" cy="4349160"/>
           </a:xfrm>
           <a:prstGeom prst="rect">
             <a:avLst/>
@@ -13291,7 +13316,7 @@
         <p:spPr>
           <a:xfrm>
             <a:off x="838080" y="365040"/>
-            <a:ext cx="10513800" cy="1323720"/>
+            <a:ext cx="10513440" cy="1323360"/>
           </a:xfrm>
           <a:prstGeom prst="rect">
             <a:avLst/>
@@ -13340,7 +13365,7 @@
         <p:spPr>
           <a:xfrm>
             <a:off x="838080" y="1825560"/>
-            <a:ext cx="10513800" cy="4349520"/>
+            <a:ext cx="10513440" cy="4349160"/>
           </a:xfrm>
           <a:prstGeom prst="rect">
             <a:avLst/>
@@ -13426,7 +13451,7 @@
         <p:spPr>
           <a:xfrm>
             <a:off x="838080" y="365040"/>
-            <a:ext cx="10513800" cy="1323720"/>
+            <a:ext cx="10513440" cy="1323360"/>
           </a:xfrm>
           <a:prstGeom prst="rect">
             <a:avLst/>
@@ -13475,7 +13500,7 @@
         <p:spPr>
           <a:xfrm>
             <a:off x="838080" y="1825560"/>
-            <a:ext cx="10513800" cy="4349520"/>
+            <a:ext cx="10513440" cy="4349160"/>
           </a:xfrm>
           <a:prstGeom prst="rect">
             <a:avLst/>
@@ -13587,36 +13612,30 @@
         </p:nvSpPr>
         <p:spPr>
           <a:xfrm>
-            <a:off x="838080" y="365040"/>
-            <a:ext cx="10513800" cy="1323720"/>
-          </a:xfrm>
-          <a:prstGeom prst="rect">
-            <a:avLst/>
-          </a:prstGeom>
-          <a:noFill/>
-          <a:ln w="0">
-            <a:noFill/>
-          </a:ln>
-        </p:spPr>
-        <p:txBody>
-          <a:bodyPr lIns="90000" rIns="90000" tIns="45000" bIns="45000" anchor="ctr">
+            <a:off x="609480" y="273600"/>
+            <a:ext cx="10972440" cy="1144800"/>
+          </a:xfrm>
+          <a:prstGeom prst="rect">
+            <a:avLst/>
+          </a:prstGeom>
+          <a:noFill/>
+          <a:ln w="0">
+            <a:noFill/>
+          </a:ln>
+        </p:spPr>
+        <p:txBody>
+          <a:bodyPr lIns="0" rIns="0" tIns="0" bIns="0" anchor="ctr">
             <a:noAutofit/>
           </a:bodyPr>
           <a:p>
-            <a:pPr>
-              <a:lnSpc>
-                <a:spcPct val="90000"/>
-              </a:lnSpc>
+            <a:pPr algn="ctr">
               <a:buNone/>
             </a:pPr>
             <a:r>
-              <a:rPr b="0" lang="en-GB" sz="4400" spc="-1" strike="noStrike">
-                <a:solidFill>
-                  <a:srgbClr val="000000"/>
-                </a:solidFill>
-                <a:latin typeface="Calibri Light"/>
+              <a:rPr b="0" lang="en-IE" sz="4400" spc="-1" strike="noStrike">
+                <a:latin typeface="Arial"/>
               </a:rPr>
-              <a:t>Testing</a:t>
+              <a:t>Data Security</a:t>
             </a:r>
             <a:endParaRPr b="0" lang="en-IE" sz="4400" spc="-1" strike="noStrike">
               <a:latin typeface="Arial"/>
@@ -13626,18 +13645,14 @@
       </p:sp>
       <p:sp>
         <p:nvSpPr>
-          <p:cNvPr id="206" name="PlaceHolder 2"/>
-          <p:cNvSpPr>
-            <a:spLocks noGrp="1"/>
-          </p:cNvSpPr>
-          <p:nvPr>
-            <p:ph/>
-          </p:nvPr>
-        </p:nvSpPr>
-        <p:spPr>
-          <a:xfrm>
-            <a:off x="838080" y="1825560"/>
-            <a:ext cx="10513800" cy="4349520"/>
+          <p:cNvPr id="206" name=""/>
+          <p:cNvSpPr txBox="1"/>
+          <p:nvPr/>
+        </p:nvSpPr>
+        <p:spPr>
+          <a:xfrm>
+            <a:off x="360000" y="1440000"/>
+            <a:ext cx="11520000" cy="2394000"/>
           </a:xfrm>
           <a:prstGeom prst="rect">
             <a:avLst/>
@@ -13652,83 +13667,84 @@
             <a:noAutofit/>
           </a:bodyPr>
           <a:p>
-            <a:pPr marL="228600" indent="-228600">
-              <a:lnSpc>
-                <a:spcPct val="90000"/>
-              </a:lnSpc>
-              <a:spcBef>
-                <a:spcPts val="1001"/>
-              </a:spcBef>
-              <a:buClr>
-                <a:srgbClr val="000000"/>
-              </a:buClr>
-              <a:buFont typeface="Arial"/>
-              <a:buChar char="•"/>
-            </a:pPr>
-            <a:r>
-              <a:rPr b="0" lang="en-GB" sz="2800" spc="-1" strike="noStrike">
-                <a:solidFill>
-                  <a:srgbClr val="000000"/>
-                </a:solidFill>
-                <a:latin typeface="Calibri"/>
+            <a:r>
+              <a:rPr b="0" lang="en-IE" sz="1800" spc="-1" strike="noStrike">
+                <a:latin typeface="Arial"/>
               </a:rPr>
-              <a:t>User tests on initial UI</a:t>
-            </a:r>
-            <a:endParaRPr b="0" lang="en-IE" sz="2800" spc="-1" strike="noStrike">
-              <a:latin typeface="Arial"/>
-            </a:endParaRPr>
-          </a:p>
-          <a:p>
-            <a:pPr marL="228600" indent="-228600">
-              <a:lnSpc>
-                <a:spcPct val="90000"/>
-              </a:lnSpc>
-              <a:spcBef>
-                <a:spcPts val="1001"/>
-              </a:spcBef>
-              <a:buClr>
-                <a:srgbClr val="000000"/>
-              </a:buClr>
-              <a:buFont typeface="Arial"/>
-              <a:buChar char="•"/>
-            </a:pPr>
-            <a:r>
-              <a:rPr b="0" lang="en-GB" sz="2800" spc="-1" strike="noStrike">
-                <a:solidFill>
-                  <a:srgbClr val="000000"/>
-                </a:solidFill>
-                <a:latin typeface="Calibri"/>
+              <a:t>Data will be transferred between the device, server and web/mobile client by HTTPS.</a:t>
+            </a:r>
+            <a:endParaRPr b="0" lang="en-IE" sz="1800" spc="-1" strike="noStrike">
+              <a:latin typeface="Arial"/>
+            </a:endParaRPr>
+          </a:p>
+          <a:p>
+            <a:r>
+              <a:rPr b="0" lang="en-IE" sz="1800" spc="-1" strike="noStrike">
+                <a:latin typeface="Arial"/>
               </a:rPr>
-              <a:t>Test the hardware we have on hand</a:t>
-            </a:r>
-            <a:endParaRPr b="0" lang="en-IE" sz="2800" spc="-1" strike="noStrike">
-              <a:latin typeface="Arial"/>
-            </a:endParaRPr>
-          </a:p>
-          <a:p>
-            <a:pPr marL="228600" indent="-228600">
-              <a:lnSpc>
-                <a:spcPct val="90000"/>
-              </a:lnSpc>
-              <a:spcBef>
-                <a:spcPts val="1001"/>
-              </a:spcBef>
-              <a:buClr>
-                <a:srgbClr val="000000"/>
-              </a:buClr>
-              <a:buFont typeface="Arial"/>
-              <a:buChar char="•"/>
-            </a:pPr>
-            <a:r>
-              <a:rPr b="0" lang="en-GB" sz="2800" spc="-1" strike="noStrike">
-                <a:solidFill>
-                  <a:srgbClr val="000000"/>
-                </a:solidFill>
-                <a:latin typeface="Calibri"/>
+              <a:t>HTTP GET will only be used to retrieved data.</a:t>
+            </a:r>
+            <a:endParaRPr b="0" lang="en-IE" sz="1800" spc="-1" strike="noStrike">
+              <a:latin typeface="Arial"/>
+            </a:endParaRPr>
+          </a:p>
+          <a:p>
+            <a:r>
+              <a:rPr b="0" lang="en-IE" sz="1800" spc="-1" strike="noStrike">
+                <a:latin typeface="Arial"/>
               </a:rPr>
-              <a:t>Test the software we will be using to ensure it can handle what we require of it</a:t>
-            </a:r>
-            <a:endParaRPr b="0" lang="en-IE" sz="2800" spc="-1" strike="noStrike">
+              <a:t>HTTP POST or PUT will be used to enter or update data.</a:t>
+            </a:r>
+            <a:endParaRPr b="0" lang="en-IE" sz="1800" spc="-1" strike="noStrike">
+              <a:latin typeface="Arial"/>
+            </a:endParaRPr>
+          </a:p>
+          <a:p>
+            <a:endParaRPr b="0" lang="en-IE" sz="1800" spc="-1" strike="noStrike">
+              <a:latin typeface="Arial"/>
+            </a:endParaRPr>
+          </a:p>
+          <a:p>
+            <a:r>
+              <a:rPr b="0" lang="en-IE" sz="1800" spc="-1" strike="noStrike">
+                <a:latin typeface="Arial"/>
+              </a:rPr>
+              <a:t>Sensitive data will only be stored as encrypted data.</a:t>
+            </a:r>
+            <a:endParaRPr b="0" lang="en-IE" sz="1800" spc="-1" strike="noStrike">
+              <a:latin typeface="Arial"/>
+            </a:endParaRPr>
+          </a:p>
+          <a:p>
+            <a:r>
+              <a:rPr b="0" lang="en-IE" sz="1800" spc="-1" strike="noStrike">
+                <a:latin typeface="Arial"/>
+              </a:rPr>
+              <a:t>The database will be stored on a AWS server.</a:t>
+            </a:r>
+            <a:endParaRPr b="0" lang="en-IE" sz="1800" spc="-1" strike="noStrike">
+              <a:latin typeface="Arial"/>
+            </a:endParaRPr>
+          </a:p>
+          <a:p>
+            <a:r>
+              <a:rPr b="0" lang="en-IE" sz="1800" spc="-1" strike="noStrike">
+                <a:latin typeface="Arial"/>
+              </a:rPr>
+              <a:t>Only the next number of times to take medication and which specific box it is stored in will be stored locally.</a:t>
+            </a:r>
+            <a:endParaRPr b="0" lang="en-IE" sz="1800" spc="-1" strike="noStrike">
+              <a:latin typeface="Arial"/>
+            </a:endParaRPr>
+          </a:p>
+          <a:p>
+            <a:r>
+              <a:rPr b="0" lang="en-IE" sz="1800" spc="-1" strike="noStrike">
+                <a:latin typeface="Arial"/>
+              </a:rPr>
+              <a:t>If sensor data is required to be stored locally due to an inability to communicate with the server, it will be wipe after the connection is reestablished and the updates are applied.</a:t>
+            </a:r>
+            <a:endParaRPr b="0" lang="en-IE" sz="1800" spc="-1" strike="noStrike">
               <a:latin typeface="Arial"/>
             </a:endParaRPr>
           </a:p>
@@ -13777,7 +13793,196 @@
         <p:spPr>
           <a:xfrm>
             <a:off x="838080" y="365040"/>
-            <a:ext cx="10513800" cy="1323720"/>
+            <a:ext cx="10513440" cy="1323360"/>
+          </a:xfrm>
+          <a:prstGeom prst="rect">
+            <a:avLst/>
+          </a:prstGeom>
+          <a:noFill/>
+          <a:ln w="0">
+            <a:noFill/>
+          </a:ln>
+        </p:spPr>
+        <p:txBody>
+          <a:bodyPr lIns="90000" rIns="90000" tIns="45000" bIns="45000" anchor="ctr">
+            <a:noAutofit/>
+          </a:bodyPr>
+          <a:p>
+            <a:pPr>
+              <a:lnSpc>
+                <a:spcPct val="90000"/>
+              </a:lnSpc>
+              <a:buNone/>
+            </a:pPr>
+            <a:r>
+              <a:rPr b="0" lang="en-GB" sz="4400" spc="-1" strike="noStrike">
+                <a:solidFill>
+                  <a:srgbClr val="000000"/>
+                </a:solidFill>
+                <a:latin typeface="Calibri Light"/>
+              </a:rPr>
+              <a:t>Testing</a:t>
+            </a:r>
+            <a:endParaRPr b="0" lang="en-IE" sz="4400" spc="-1" strike="noStrike">
+              <a:latin typeface="Arial"/>
+            </a:endParaRPr>
+          </a:p>
+        </p:txBody>
+      </p:sp>
+      <p:sp>
+        <p:nvSpPr>
+          <p:cNvPr id="208" name="PlaceHolder 2"/>
+          <p:cNvSpPr>
+            <a:spLocks noGrp="1"/>
+          </p:cNvSpPr>
+          <p:nvPr>
+            <p:ph/>
+          </p:nvPr>
+        </p:nvSpPr>
+        <p:spPr>
+          <a:xfrm>
+            <a:off x="838080" y="1825560"/>
+            <a:ext cx="10513440" cy="4349160"/>
+          </a:xfrm>
+          <a:prstGeom prst="rect">
+            <a:avLst/>
+          </a:prstGeom>
+          <a:noFill/>
+          <a:ln w="0">
+            <a:noFill/>
+          </a:ln>
+        </p:spPr>
+        <p:txBody>
+          <a:bodyPr lIns="90000" rIns="90000" tIns="45000" bIns="45000" anchor="t">
+            <a:noAutofit/>
+          </a:bodyPr>
+          <a:p>
+            <a:pPr marL="228600" indent="-228600">
+              <a:lnSpc>
+                <a:spcPct val="90000"/>
+              </a:lnSpc>
+              <a:spcBef>
+                <a:spcPts val="1001"/>
+              </a:spcBef>
+              <a:buClr>
+                <a:srgbClr val="000000"/>
+              </a:buClr>
+              <a:buFont typeface="Arial"/>
+              <a:buChar char="•"/>
+            </a:pPr>
+            <a:r>
+              <a:rPr b="0" lang="en-GB" sz="2800" spc="-1" strike="noStrike">
+                <a:solidFill>
+                  <a:srgbClr val="000000"/>
+                </a:solidFill>
+                <a:latin typeface="Calibri"/>
+              </a:rPr>
+              <a:t>User tests on initial UI</a:t>
+            </a:r>
+            <a:endParaRPr b="0" lang="en-IE" sz="2800" spc="-1" strike="noStrike">
+              <a:latin typeface="Arial"/>
+            </a:endParaRPr>
+          </a:p>
+          <a:p>
+            <a:pPr marL="228600" indent="-228600">
+              <a:lnSpc>
+                <a:spcPct val="90000"/>
+              </a:lnSpc>
+              <a:spcBef>
+                <a:spcPts val="1001"/>
+              </a:spcBef>
+              <a:buClr>
+                <a:srgbClr val="000000"/>
+              </a:buClr>
+              <a:buFont typeface="Arial"/>
+              <a:buChar char="•"/>
+            </a:pPr>
+            <a:r>
+              <a:rPr b="0" lang="en-GB" sz="2800" spc="-1" strike="noStrike">
+                <a:solidFill>
+                  <a:srgbClr val="000000"/>
+                </a:solidFill>
+                <a:latin typeface="Calibri"/>
+              </a:rPr>
+              <a:t>Test the hardware we have on hand</a:t>
+            </a:r>
+            <a:endParaRPr b="0" lang="en-IE" sz="2800" spc="-1" strike="noStrike">
+              <a:latin typeface="Arial"/>
+            </a:endParaRPr>
+          </a:p>
+          <a:p>
+            <a:pPr marL="228600" indent="-228600">
+              <a:lnSpc>
+                <a:spcPct val="90000"/>
+              </a:lnSpc>
+              <a:spcBef>
+                <a:spcPts val="1001"/>
+              </a:spcBef>
+              <a:buClr>
+                <a:srgbClr val="000000"/>
+              </a:buClr>
+              <a:buFont typeface="Arial"/>
+              <a:buChar char="•"/>
+            </a:pPr>
+            <a:r>
+              <a:rPr b="0" lang="en-GB" sz="2800" spc="-1" strike="noStrike">
+                <a:solidFill>
+                  <a:srgbClr val="000000"/>
+                </a:solidFill>
+                <a:latin typeface="Calibri"/>
+              </a:rPr>
+              <a:t>Test the software we will be using to ensure it can handle what we require of it</a:t>
+            </a:r>
+            <a:endParaRPr b="0" lang="en-IE" sz="2800" spc="-1" strike="noStrike">
+              <a:latin typeface="Arial"/>
+            </a:endParaRPr>
+          </a:p>
+        </p:txBody>
+      </p:sp>
+    </p:spTree>
+  </p:cSld>
+  <mc:AlternateContent>
+    <mc:Choice Requires="p14">
+      <p:transition spd="slow" p14:dur="2000"/>
+    </mc:Choice>
+    <mc:Fallback>
+      <p:transition spd="slow"/>
+    </mc:Fallback>
+  </mc:AlternateContent>
+</p:sld>
+</file>
+
+<file path=ppt/slides/slide23.xml><?xml version="1.0" encoding="utf-8"?>
+<p:sld xmlns:a="http://schemas.openxmlformats.org/drawingml/2006/main" xmlns:p="http://schemas.openxmlformats.org/presentationml/2006/main" xmlns:r="http://schemas.openxmlformats.org/officeDocument/2006/relationships" xmlns:p14="http://schemas.microsoft.com/office/powerpoint/2010/main" xmlns:p15="http://schemas.microsoft.com/office/powerpoint/2012/main" xmlns:mc="http://schemas.openxmlformats.org/markup-compatibility/2006">
+  <p:cSld>
+    <p:spTree>
+      <p:nvGrpSpPr>
+        <p:cNvPr id="1" name=""/>
+        <p:cNvGrpSpPr/>
+        <p:nvPr/>
+      </p:nvGrpSpPr>
+      <p:grpSpPr>
+        <a:xfrm>
+          <a:off x="0" y="0"/>
+          <a:ext cx="0" cy="0"/>
+          <a:chOff x="0" y="0"/>
+          <a:chExt cx="0" cy="0"/>
+        </a:xfrm>
+      </p:grpSpPr>
+      <p:sp>
+        <p:nvSpPr>
+          <p:cNvPr id="209" name="PlaceHolder 1"/>
+          <p:cNvSpPr>
+            <a:spLocks noGrp="1"/>
+          </p:cNvSpPr>
+          <p:nvPr>
+            <p:ph type="title"/>
+          </p:nvPr>
+        </p:nvSpPr>
+        <p:spPr>
+          <a:xfrm>
+            <a:off x="838080" y="365040"/>
+            <a:ext cx="10513440" cy="1323360"/>
           </a:xfrm>
           <a:prstGeom prst="rect">
             <a:avLst/>
@@ -13815,7 +14020,7 @@
       </p:sp>
       <p:sp>
         <p:nvSpPr>
-          <p:cNvPr id="208" name="PlaceHolder 2"/>
+          <p:cNvPr id="210" name="PlaceHolder 2"/>
           <p:cNvSpPr>
             <a:spLocks noGrp="1"/>
           </p:cNvSpPr>
@@ -13826,7 +14031,7 @@
         <p:spPr>
           <a:xfrm>
             <a:off x="838080" y="1825560"/>
-            <a:ext cx="10513800" cy="4349520"/>
+            <a:ext cx="10513440" cy="4349160"/>
           </a:xfrm>
           <a:prstGeom prst="rect">
             <a:avLst/>
@@ -13926,7 +14131,7 @@
         <p:spPr>
           <a:xfrm>
             <a:off x="838080" y="365040"/>
-            <a:ext cx="10513800" cy="1323720"/>
+            <a:ext cx="10513440" cy="1323360"/>
           </a:xfrm>
           <a:prstGeom prst="rect">
             <a:avLst/>
@@ -13975,7 +14180,7 @@
         <p:spPr>
           <a:xfrm>
             <a:off x="838080" y="1825560"/>
-            <a:ext cx="10513800" cy="4349520"/>
+            <a:ext cx="10513440" cy="4349160"/>
           </a:xfrm>
           <a:prstGeom prst="rect">
             <a:avLst/>
@@ -14088,7 +14293,7 @@
         <p:spPr>
           <a:xfrm>
             <a:off x="838080" y="365040"/>
-            <a:ext cx="10513800" cy="1323720"/>
+            <a:ext cx="10513440" cy="1323360"/>
           </a:xfrm>
           <a:prstGeom prst="rect">
             <a:avLst/>
@@ -14137,7 +14342,7 @@
         <p:spPr>
           <a:xfrm>
             <a:off x="838080" y="1825560"/>
-            <a:ext cx="10513800" cy="4349520"/>
+            <a:ext cx="10513440" cy="4349160"/>
           </a:xfrm>
           <a:prstGeom prst="rect">
             <a:avLst/>
@@ -14250,7 +14455,7 @@
         <p:spPr>
           <a:xfrm>
             <a:off x="838080" y="365040"/>
-            <a:ext cx="10513800" cy="1323720"/>
+            <a:ext cx="10513440" cy="1323360"/>
           </a:xfrm>
           <a:prstGeom prst="rect">
             <a:avLst/>
@@ -14299,7 +14504,7 @@
         <p:spPr>
           <a:xfrm>
             <a:off x="838080" y="1825560"/>
-            <a:ext cx="10513800" cy="4349520"/>
+            <a:ext cx="10513440" cy="4349160"/>
           </a:xfrm>
           <a:prstGeom prst="rect">
             <a:avLst/>
@@ -14412,7 +14617,7 @@
         <p:spPr>
           <a:xfrm>
             <a:off x="838080" y="365040"/>
-            <a:ext cx="10513800" cy="1323720"/>
+            <a:ext cx="10513440" cy="1323360"/>
           </a:xfrm>
           <a:prstGeom prst="rect">
             <a:avLst/>
@@ -14461,7 +14666,7 @@
         <p:spPr>
           <a:xfrm>
             <a:off x="838080" y="1825560"/>
-            <a:ext cx="10513800" cy="4349520"/>
+            <a:ext cx="10513440" cy="4349160"/>
           </a:xfrm>
           <a:prstGeom prst="rect">
             <a:avLst/>
@@ -14547,7 +14752,7 @@
         <p:spPr>
           <a:xfrm>
             <a:off x="838080" y="365040"/>
-            <a:ext cx="10513800" cy="1323720"/>
+            <a:ext cx="10513440" cy="1323360"/>
           </a:xfrm>
           <a:prstGeom prst="rect">
             <a:avLst/>
@@ -14596,7 +14801,7 @@
         <p:spPr>
           <a:xfrm>
             <a:off x="838080" y="1825560"/>
-            <a:ext cx="10513800" cy="4349520"/>
+            <a:ext cx="10513440" cy="4349160"/>
           </a:xfrm>
           <a:prstGeom prst="rect">
             <a:avLst/>
@@ -14709,7 +14914,7 @@
         <p:spPr>
           <a:xfrm>
             <a:off x="838080" y="365040"/>
-            <a:ext cx="10513800" cy="1323720"/>
+            <a:ext cx="10513440" cy="1323360"/>
           </a:xfrm>
           <a:prstGeom prst="rect">
             <a:avLst/>
@@ -14758,7 +14963,7 @@
         <p:spPr>
           <a:xfrm>
             <a:off x="838080" y="1825560"/>
-            <a:ext cx="10513800" cy="4349520"/>
+            <a:ext cx="10513440" cy="4349160"/>
           </a:xfrm>
           <a:prstGeom prst="rect">
             <a:avLst/>
@@ -14871,7 +15076,7 @@
         <p:spPr>
           <a:xfrm>
             <a:off x="838080" y="365040"/>
-            <a:ext cx="10513800" cy="1323720"/>
+            <a:ext cx="10513440" cy="1323360"/>
           </a:xfrm>
           <a:prstGeom prst="rect">
             <a:avLst/>
@@ -14920,7 +15125,7 @@
         <p:spPr>
           <a:xfrm>
             <a:off x="838080" y="1825560"/>
-            <a:ext cx="10513800" cy="4349520"/>
+            <a:ext cx="10513440" cy="4349160"/>
           </a:xfrm>
           <a:prstGeom prst="rect">
             <a:avLst/>

--- a/Slideshow template.pptx
+++ b/Slideshow template.pptx
@@ -6,19 +6,18 @@
     <p:sldMasterId id="2147483661" r:id="rId3"/>
     <p:sldMasterId id="2147483674" r:id="rId4"/>
     <p:sldMasterId id="2147483687" r:id="rId5"/>
-    <p:sldMasterId id="2147483700" r:id="rId6"/>
   </p:sldMasterIdLst>
   <p:sldIdLst>
-    <p:sldId id="256" r:id="rId7"/>
-    <p:sldId id="257" r:id="rId8"/>
-    <p:sldId id="258" r:id="rId9"/>
-    <p:sldId id="259" r:id="rId10"/>
-    <p:sldId id="260" r:id="rId11"/>
-    <p:sldId id="261" r:id="rId12"/>
-    <p:sldId id="262" r:id="rId13"/>
-    <p:sldId id="263" r:id="rId14"/>
-    <p:sldId id="264" r:id="rId15"/>
-    <p:sldId id="265" r:id="rId16"/>
+    <p:sldId id="256" r:id="rId6"/>
+    <p:sldId id="257" r:id="rId7"/>
+    <p:sldId id="258" r:id="rId8"/>
+    <p:sldId id="259" r:id="rId9"/>
+    <p:sldId id="260" r:id="rId10"/>
+    <p:sldId id="261" r:id="rId11"/>
+    <p:sldId id="262" r:id="rId12"/>
+    <p:sldId id="263" r:id="rId13"/>
+    <p:sldId id="264" r:id="rId14"/>
+    <p:sldId id="265" r:id="rId15"/>
   </p:sldIdLst>
   <p:sldSz cx="12192000" cy="6858000"/>
   <p:notesSz cx="7559675" cy="10691813"/>
@@ -76,7 +75,7 @@
         <p:txBody>
           <a:bodyPr/>
           <a:p>
-            <a:fld id="{8E87B15B-5107-4923-A707-AC632F18081C}" type="slidenum">
+            <a:fld id="{9EB82405-3199-4468-BD3D-669EE9501BB2}" type="slidenum">
               <a:t>&lt;#&gt;</a:t>
             </a:fld>
           </a:p>
@@ -138,7 +137,7 @@
         <p:spPr>
           <a:xfrm>
             <a:off x="609480" y="273600"/>
-            <a:ext cx="10972080" cy="1144440"/>
+            <a:ext cx="10972440" cy="1144800"/>
           </a:xfrm>
           <a:prstGeom prst="rect">
             <a:avLst/>
@@ -175,7 +174,7 @@
         <p:spPr>
           <a:xfrm>
             <a:off x="609480" y="1604520"/>
-            <a:ext cx="10972080" cy="1896840"/>
+            <a:ext cx="10972440" cy="1896840"/>
           </a:xfrm>
           <a:prstGeom prst="rect">
             <a:avLst/>
@@ -209,7 +208,7 @@
         <p:spPr>
           <a:xfrm>
             <a:off x="609480" y="3682080"/>
-            <a:ext cx="10972080" cy="1896840"/>
+            <a:ext cx="10972440" cy="1896840"/>
           </a:xfrm>
           <a:prstGeom prst="rect">
             <a:avLst/>
@@ -264,7 +263,7 @@
         <p:txBody>
           <a:bodyPr/>
           <a:p>
-            <a:fld id="{8BDF18B8-B584-4E46-82F9-69AAEA83CC0D}" type="slidenum">
+            <a:fld id="{62768776-F962-4F1C-8818-890D5544D487}" type="slidenum">
               <a:t>&lt;#&gt;</a:t>
             </a:fld>
           </a:p>
@@ -326,7 +325,7 @@
         <p:spPr>
           <a:xfrm>
             <a:off x="609480" y="273600"/>
-            <a:ext cx="10972080" cy="1144440"/>
+            <a:ext cx="10972440" cy="1144800"/>
           </a:xfrm>
           <a:prstGeom prst="rect">
             <a:avLst/>
@@ -520,7 +519,7 @@
         <p:txBody>
           <a:bodyPr/>
           <a:p>
-            <a:fld id="{CD133BE3-5CCB-43F5-9A87-764F48C6B8E3}" type="slidenum">
+            <a:fld id="{F25E49CD-F8BF-4A89-94FF-7FB4617A4149}" type="slidenum">
               <a:t>&lt;#&gt;</a:t>
             </a:fld>
           </a:p>
@@ -582,7 +581,7 @@
         <p:spPr>
           <a:xfrm>
             <a:off x="609480" y="273600"/>
-            <a:ext cx="10972080" cy="1144440"/>
+            <a:ext cx="10972440" cy="1144800"/>
           </a:xfrm>
           <a:prstGeom prst="rect">
             <a:avLst/>
@@ -619,7 +618,7 @@
         <p:spPr>
           <a:xfrm>
             <a:off x="609480" y="1604520"/>
-            <a:ext cx="3532680" cy="1896840"/>
+            <a:ext cx="3533040" cy="1896840"/>
           </a:xfrm>
           <a:prstGeom prst="rect">
             <a:avLst/>
@@ -652,8 +651,8 @@
         </p:nvSpPr>
         <p:spPr>
           <a:xfrm>
-            <a:off x="4319280" y="1604520"/>
-            <a:ext cx="3532680" cy="1896840"/>
+            <a:off x="4319640" y="1604520"/>
+            <a:ext cx="3533040" cy="1896840"/>
           </a:xfrm>
           <a:prstGeom prst="rect">
             <a:avLst/>
@@ -686,8 +685,8 @@
         </p:nvSpPr>
         <p:spPr>
           <a:xfrm>
-            <a:off x="8028720" y="1604520"/>
-            <a:ext cx="3532680" cy="1896840"/>
+            <a:off x="8029800" y="1604520"/>
+            <a:ext cx="3533040" cy="1896840"/>
           </a:xfrm>
           <a:prstGeom prst="rect">
             <a:avLst/>
@@ -721,7 +720,7 @@
         <p:spPr>
           <a:xfrm>
             <a:off x="609480" y="3682080"/>
-            <a:ext cx="3532680" cy="1896840"/>
+            <a:ext cx="3533040" cy="1896840"/>
           </a:xfrm>
           <a:prstGeom prst="rect">
             <a:avLst/>
@@ -754,8 +753,8 @@
         </p:nvSpPr>
         <p:spPr>
           <a:xfrm>
-            <a:off x="4319280" y="3682080"/>
-            <a:ext cx="3532680" cy="1896840"/>
+            <a:off x="4319640" y="3682080"/>
+            <a:ext cx="3533040" cy="1896840"/>
           </a:xfrm>
           <a:prstGeom prst="rect">
             <a:avLst/>
@@ -788,8 +787,8 @@
         </p:nvSpPr>
         <p:spPr>
           <a:xfrm>
-            <a:off x="8028720" y="3682080"/>
-            <a:ext cx="3532680" cy="1896840"/>
+            <a:off x="8029800" y="3682080"/>
+            <a:ext cx="3533040" cy="1896840"/>
           </a:xfrm>
           <a:prstGeom prst="rect">
             <a:avLst/>
@@ -844,7 +843,7 @@
         <p:txBody>
           <a:bodyPr/>
           <a:p>
-            <a:fld id="{056BDF5E-4195-40BB-9893-A6013BA56E65}" type="slidenum">
+            <a:fld id="{24A18188-2939-4ACC-BE17-DAE3EACC0BA9}" type="slidenum">
               <a:t>&lt;#&gt;</a:t>
             </a:fld>
           </a:p>
@@ -927,7 +926,7 @@
         <p:txBody>
           <a:bodyPr/>
           <a:p>
-            <a:fld id="{86DD407C-3862-4253-88F3-85A2F1C391BB}" type="slidenum">
+            <a:fld id="{5F087CBA-2149-4920-A49A-57F2ADBE03AE}" type="slidenum">
               <a:t>&lt;#&gt;</a:t>
             </a:fld>
           </a:p>
@@ -989,7 +988,7 @@
         <p:spPr>
           <a:xfrm>
             <a:off x="609480" y="273600"/>
-            <a:ext cx="10972080" cy="1144440"/>
+            <a:ext cx="10972440" cy="1144800"/>
           </a:xfrm>
           <a:prstGeom prst="rect">
             <a:avLst/>
@@ -1026,7 +1025,7 @@
         <p:spPr>
           <a:xfrm>
             <a:off x="609480" y="1604520"/>
-            <a:ext cx="10972080" cy="3976920"/>
+            <a:ext cx="10972440" cy="3977280"/>
           </a:xfrm>
           <a:prstGeom prst="rect">
             <a:avLst/>
@@ -1084,7 +1083,7 @@
         <p:txBody>
           <a:bodyPr/>
           <a:p>
-            <a:fld id="{728740B3-9F10-48A6-8595-EF1C1BE50209}" type="slidenum">
+            <a:fld id="{906558E8-D04F-4005-9C0D-B2FA5EBBE70D}" type="slidenum">
               <a:t>&lt;#&gt;</a:t>
             </a:fld>
           </a:p>
@@ -1146,7 +1145,7 @@
         <p:spPr>
           <a:xfrm>
             <a:off x="609480" y="273600"/>
-            <a:ext cx="10972080" cy="1144440"/>
+            <a:ext cx="10972440" cy="1144800"/>
           </a:xfrm>
           <a:prstGeom prst="rect">
             <a:avLst/>
@@ -1183,7 +1182,7 @@
         <p:spPr>
           <a:xfrm>
             <a:off x="609480" y="1604520"/>
-            <a:ext cx="10972080" cy="3976920"/>
+            <a:ext cx="10972440" cy="3977280"/>
           </a:xfrm>
           <a:prstGeom prst="rect">
             <a:avLst/>
@@ -1238,7 +1237,7 @@
         <p:txBody>
           <a:bodyPr/>
           <a:p>
-            <a:fld id="{2505F8BB-AB31-4192-8E8C-E07EC0C37195}" type="slidenum">
+            <a:fld id="{52095F90-88CD-46C2-9CF5-B7A4B9E16579}" type="slidenum">
               <a:t>&lt;#&gt;</a:t>
             </a:fld>
           </a:p>
@@ -1300,7 +1299,7 @@
         <p:spPr>
           <a:xfrm>
             <a:off x="609480" y="273600"/>
-            <a:ext cx="10972080" cy="1144440"/>
+            <a:ext cx="10972440" cy="1144800"/>
           </a:xfrm>
           <a:prstGeom prst="rect">
             <a:avLst/>
@@ -1337,7 +1336,7 @@
         <p:spPr>
           <a:xfrm>
             <a:off x="609480" y="1604520"/>
-            <a:ext cx="5354280" cy="3976920"/>
+            <a:ext cx="5354280" cy="3977280"/>
           </a:xfrm>
           <a:prstGeom prst="rect">
             <a:avLst/>
@@ -1371,7 +1370,7 @@
         <p:spPr>
           <a:xfrm>
             <a:off x="6231960" y="1604520"/>
-            <a:ext cx="5354280" cy="3976920"/>
+            <a:ext cx="5354280" cy="3977280"/>
           </a:xfrm>
           <a:prstGeom prst="rect">
             <a:avLst/>
@@ -1426,7 +1425,7 @@
         <p:txBody>
           <a:bodyPr/>
           <a:p>
-            <a:fld id="{CBEC139F-5720-4A3F-A125-4BDCEB558F92}" type="slidenum">
+            <a:fld id="{0EC63B70-9552-4FE6-8A30-DEAE274043D0}" type="slidenum">
               <a:t>&lt;#&gt;</a:t>
             </a:fld>
           </a:p>
@@ -1488,7 +1487,7 @@
         <p:spPr>
           <a:xfrm>
             <a:off x="609480" y="273600"/>
-            <a:ext cx="10972080" cy="1144440"/>
+            <a:ext cx="10972440" cy="1144800"/>
           </a:xfrm>
           <a:prstGeom prst="rect">
             <a:avLst/>
@@ -1546,7 +1545,7 @@
         <p:txBody>
           <a:bodyPr/>
           <a:p>
-            <a:fld id="{5474B2EB-4C98-4E10-B872-34FAE3B37702}" type="slidenum">
+            <a:fld id="{C2981ABE-6C62-4F1A-BFD0-0EC5031371E1}" type="slidenum">
               <a:t>&lt;#&gt;</a:t>
             </a:fld>
           </a:p>
@@ -1608,7 +1607,7 @@
         <p:spPr>
           <a:xfrm>
             <a:off x="609480" y="273600"/>
-            <a:ext cx="10972080" cy="5306400"/>
+            <a:ext cx="10972440" cy="5307840"/>
           </a:xfrm>
           <a:prstGeom prst="rect">
             <a:avLst/>
@@ -1666,7 +1665,7 @@
         <p:txBody>
           <a:bodyPr/>
           <a:p>
-            <a:fld id="{2CFDD73F-18CE-49DD-AB79-5A601CBFAE8A}" type="slidenum">
+            <a:fld id="{45196D11-D370-479A-827C-BCD17C3AAC46}" type="slidenum">
               <a:t>&lt;#&gt;</a:t>
             </a:fld>
           </a:p>
@@ -1728,7 +1727,7 @@
         <p:spPr>
           <a:xfrm>
             <a:off x="609480" y="273600"/>
-            <a:ext cx="10972080" cy="1144440"/>
+            <a:ext cx="10972440" cy="1144800"/>
           </a:xfrm>
           <a:prstGeom prst="rect">
             <a:avLst/>
@@ -1799,7 +1798,7 @@
         <p:spPr>
           <a:xfrm>
             <a:off x="6231960" y="1604520"/>
-            <a:ext cx="5354280" cy="3976920"/>
+            <a:ext cx="5354280" cy="3977280"/>
           </a:xfrm>
           <a:prstGeom prst="rect">
             <a:avLst/>
@@ -1888,7 +1887,7 @@
         <p:txBody>
           <a:bodyPr/>
           <a:p>
-            <a:fld id="{AA4756FF-ECFB-4787-9AA4-2082F44094ED}" type="slidenum">
+            <a:fld id="{B071A1F6-1027-410A-B012-39FADD45069D}" type="slidenum">
               <a:t>&lt;#&gt;</a:t>
             </a:fld>
           </a:p>
@@ -1950,7 +1949,7 @@
         <p:spPr>
           <a:xfrm>
             <a:off x="609480" y="273600"/>
-            <a:ext cx="10972080" cy="1144440"/>
+            <a:ext cx="10972440" cy="1144800"/>
           </a:xfrm>
           <a:prstGeom prst="rect">
             <a:avLst/>
@@ -1987,7 +1986,7 @@
         <p:spPr>
           <a:xfrm>
             <a:off x="609480" y="1604520"/>
-            <a:ext cx="10972080" cy="3976920"/>
+            <a:ext cx="10972440" cy="3977280"/>
           </a:xfrm>
           <a:prstGeom prst="rect">
             <a:avLst/>
@@ -2045,7 +2044,7 @@
         <p:txBody>
           <a:bodyPr/>
           <a:p>
-            <a:fld id="{26583B68-9849-484D-A5AF-36C1721EB23F}" type="slidenum">
+            <a:fld id="{16935C09-1047-4F79-B51A-3206344CCB93}" type="slidenum">
               <a:t>&lt;#&gt;</a:t>
             </a:fld>
           </a:p>
@@ -2107,7 +2106,7 @@
         <p:spPr>
           <a:xfrm>
             <a:off x="609480" y="273600"/>
-            <a:ext cx="10972080" cy="1144440"/>
+            <a:ext cx="10972440" cy="1144800"/>
           </a:xfrm>
           <a:prstGeom prst="rect">
             <a:avLst/>
@@ -2144,7 +2143,7 @@
         <p:spPr>
           <a:xfrm>
             <a:off x="609480" y="1604520"/>
-            <a:ext cx="5354280" cy="3976920"/>
+            <a:ext cx="5354280" cy="3977280"/>
           </a:xfrm>
           <a:prstGeom prst="rect">
             <a:avLst/>
@@ -2267,7 +2266,7 @@
         <p:txBody>
           <a:bodyPr/>
           <a:p>
-            <a:fld id="{5CB3BF07-D842-446F-909E-5939614FB4F2}" type="slidenum">
+            <a:fld id="{FBD229B5-5641-40B9-885B-3E467E35F673}" type="slidenum">
               <a:t>&lt;#&gt;</a:t>
             </a:fld>
           </a:p>
@@ -2329,7 +2328,7 @@
         <p:spPr>
           <a:xfrm>
             <a:off x="609480" y="273600"/>
-            <a:ext cx="10972080" cy="1144440"/>
+            <a:ext cx="10972440" cy="1144800"/>
           </a:xfrm>
           <a:prstGeom prst="rect">
             <a:avLst/>
@@ -2434,7 +2433,7 @@
         <p:spPr>
           <a:xfrm>
             <a:off x="609480" y="3682080"/>
-            <a:ext cx="10972080" cy="1896840"/>
+            <a:ext cx="10972440" cy="1896840"/>
           </a:xfrm>
           <a:prstGeom prst="rect">
             <a:avLst/>
@@ -2489,7 +2488,7 @@
         <p:txBody>
           <a:bodyPr/>
           <a:p>
-            <a:fld id="{B94B72FA-10BA-4E6B-BBBF-044C3E7FBB2F}" type="slidenum">
+            <a:fld id="{6D2259E1-E74F-4C0F-BF87-B9E8A2264CEA}" type="slidenum">
               <a:t>&lt;#&gt;</a:t>
             </a:fld>
           </a:p>
@@ -2551,7 +2550,7 @@
         <p:spPr>
           <a:xfrm>
             <a:off x="609480" y="273600"/>
-            <a:ext cx="10972080" cy="1144440"/>
+            <a:ext cx="10972440" cy="1144800"/>
           </a:xfrm>
           <a:prstGeom prst="rect">
             <a:avLst/>
@@ -2588,7 +2587,7 @@
         <p:spPr>
           <a:xfrm>
             <a:off x="609480" y="1604520"/>
-            <a:ext cx="10972080" cy="1896840"/>
+            <a:ext cx="10972440" cy="1896840"/>
           </a:xfrm>
           <a:prstGeom prst="rect">
             <a:avLst/>
@@ -2622,7 +2621,7 @@
         <p:spPr>
           <a:xfrm>
             <a:off x="609480" y="3682080"/>
-            <a:ext cx="10972080" cy="1896840"/>
+            <a:ext cx="10972440" cy="1896840"/>
           </a:xfrm>
           <a:prstGeom prst="rect">
             <a:avLst/>
@@ -2677,7 +2676,7 @@
         <p:txBody>
           <a:bodyPr/>
           <a:p>
-            <a:fld id="{3C11B1EF-9874-46BE-88B2-95E7143181F3}" type="slidenum">
+            <a:fld id="{7790B6D5-8593-4E3B-846A-5343873A6113}" type="slidenum">
               <a:t>&lt;#&gt;</a:t>
             </a:fld>
           </a:p>
@@ -2739,7 +2738,7 @@
         <p:spPr>
           <a:xfrm>
             <a:off x="609480" y="273600"/>
-            <a:ext cx="10972080" cy="1144440"/>
+            <a:ext cx="10972440" cy="1144800"/>
           </a:xfrm>
           <a:prstGeom prst="rect">
             <a:avLst/>
@@ -2933,7 +2932,7 @@
         <p:txBody>
           <a:bodyPr/>
           <a:p>
-            <a:fld id="{EF6EFBC5-8080-410F-A112-60644CC3CA88}" type="slidenum">
+            <a:fld id="{BC82F6CB-01AD-415D-9A6A-032F3648BA40}" type="slidenum">
               <a:t>&lt;#&gt;</a:t>
             </a:fld>
           </a:p>
@@ -2995,7 +2994,7 @@
         <p:spPr>
           <a:xfrm>
             <a:off x="609480" y="273600"/>
-            <a:ext cx="10972080" cy="1144440"/>
+            <a:ext cx="10972440" cy="1144800"/>
           </a:xfrm>
           <a:prstGeom prst="rect">
             <a:avLst/>
@@ -3032,7 +3031,7 @@
         <p:spPr>
           <a:xfrm>
             <a:off x="609480" y="1604520"/>
-            <a:ext cx="3532680" cy="1896840"/>
+            <a:ext cx="3533040" cy="1896840"/>
           </a:xfrm>
           <a:prstGeom prst="rect">
             <a:avLst/>
@@ -3065,8 +3064,8 @@
         </p:nvSpPr>
         <p:spPr>
           <a:xfrm>
-            <a:off x="4319280" y="1604520"/>
-            <a:ext cx="3532680" cy="1896840"/>
+            <a:off x="4319640" y="1604520"/>
+            <a:ext cx="3533040" cy="1896840"/>
           </a:xfrm>
           <a:prstGeom prst="rect">
             <a:avLst/>
@@ -3099,8 +3098,8 @@
         </p:nvSpPr>
         <p:spPr>
           <a:xfrm>
-            <a:off x="8028720" y="1604520"/>
-            <a:ext cx="3532680" cy="1896840"/>
+            <a:off x="8029800" y="1604520"/>
+            <a:ext cx="3533040" cy="1896840"/>
           </a:xfrm>
           <a:prstGeom prst="rect">
             <a:avLst/>
@@ -3134,7 +3133,7 @@
         <p:spPr>
           <a:xfrm>
             <a:off x="609480" y="3682080"/>
-            <a:ext cx="3532680" cy="1896840"/>
+            <a:ext cx="3533040" cy="1896840"/>
           </a:xfrm>
           <a:prstGeom prst="rect">
             <a:avLst/>
@@ -3167,8 +3166,8 @@
         </p:nvSpPr>
         <p:spPr>
           <a:xfrm>
-            <a:off x="4319280" y="3682080"/>
-            <a:ext cx="3532680" cy="1896840"/>
+            <a:off x="4319640" y="3682080"/>
+            <a:ext cx="3533040" cy="1896840"/>
           </a:xfrm>
           <a:prstGeom prst="rect">
             <a:avLst/>
@@ -3201,8 +3200,8 @@
         </p:nvSpPr>
         <p:spPr>
           <a:xfrm>
-            <a:off x="8028720" y="3682080"/>
-            <a:ext cx="3532680" cy="1896840"/>
+            <a:off x="8029800" y="3682080"/>
+            <a:ext cx="3533040" cy="1896840"/>
           </a:xfrm>
           <a:prstGeom prst="rect">
             <a:avLst/>
@@ -3257,7 +3256,7 @@
         <p:txBody>
           <a:bodyPr/>
           <a:p>
-            <a:fld id="{DAFFE7EA-C042-4CBF-9042-5019B2037BCB}" type="slidenum">
+            <a:fld id="{8A197DA1-5E9D-429A-B5DD-156C547A891C}" type="slidenum">
               <a:t>&lt;#&gt;</a:t>
             </a:fld>
           </a:p>
@@ -3340,7 +3339,7 @@
         <p:txBody>
           <a:bodyPr/>
           <a:p>
-            <a:fld id="{2CD30B6E-1556-4A3D-82D3-DEB56B4B6229}" type="slidenum">
+            <a:fld id="{E37035A3-37E3-475B-837C-009F9EC65C05}" type="slidenum">
               <a:t>&lt;#&gt;</a:t>
             </a:fld>
           </a:p>
@@ -3402,7 +3401,7 @@
         <p:spPr>
           <a:xfrm>
             <a:off x="609480" y="273600"/>
-            <a:ext cx="10972080" cy="1144440"/>
+            <a:ext cx="10972440" cy="1144800"/>
           </a:xfrm>
           <a:prstGeom prst="rect">
             <a:avLst/>
@@ -3439,7 +3438,7 @@
         <p:spPr>
           <a:xfrm>
             <a:off x="609480" y="1604520"/>
-            <a:ext cx="10972080" cy="3976920"/>
+            <a:ext cx="10972440" cy="3977280"/>
           </a:xfrm>
           <a:prstGeom prst="rect">
             <a:avLst/>
@@ -3497,7 +3496,7 @@
         <p:txBody>
           <a:bodyPr/>
           <a:p>
-            <a:fld id="{72AA23FA-E8C5-4546-92AD-65CCF52D723E}" type="slidenum">
+            <a:fld id="{15ED3F37-33C9-4F04-B6B4-6C9001185FDB}" type="slidenum">
               <a:t>&lt;#&gt;</a:t>
             </a:fld>
           </a:p>
@@ -3559,7 +3558,7 @@
         <p:spPr>
           <a:xfrm>
             <a:off x="609480" y="273600"/>
-            <a:ext cx="10972080" cy="1144440"/>
+            <a:ext cx="10972440" cy="1144800"/>
           </a:xfrm>
           <a:prstGeom prst="rect">
             <a:avLst/>
@@ -3596,7 +3595,7 @@
         <p:spPr>
           <a:xfrm>
             <a:off x="609480" y="1604520"/>
-            <a:ext cx="10972080" cy="3976920"/>
+            <a:ext cx="10972440" cy="3977280"/>
           </a:xfrm>
           <a:prstGeom prst="rect">
             <a:avLst/>
@@ -3651,7 +3650,7 @@
         <p:txBody>
           <a:bodyPr/>
           <a:p>
-            <a:fld id="{9A8093BD-2F90-49EC-B1AD-85DF9B9E80F4}" type="slidenum">
+            <a:fld id="{78EF8DD9-E453-483B-83EB-760983C44E75}" type="slidenum">
               <a:t>&lt;#&gt;</a:t>
             </a:fld>
           </a:p>
@@ -3713,7 +3712,7 @@
         <p:spPr>
           <a:xfrm>
             <a:off x="609480" y="273600"/>
-            <a:ext cx="10972080" cy="1144440"/>
+            <a:ext cx="10972440" cy="1144800"/>
           </a:xfrm>
           <a:prstGeom prst="rect">
             <a:avLst/>
@@ -3750,7 +3749,7 @@
         <p:spPr>
           <a:xfrm>
             <a:off x="609480" y="1604520"/>
-            <a:ext cx="5354280" cy="3976920"/>
+            <a:ext cx="5354280" cy="3977280"/>
           </a:xfrm>
           <a:prstGeom prst="rect">
             <a:avLst/>
@@ -3784,7 +3783,7 @@
         <p:spPr>
           <a:xfrm>
             <a:off x="6231960" y="1604520"/>
-            <a:ext cx="5354280" cy="3976920"/>
+            <a:ext cx="5354280" cy="3977280"/>
           </a:xfrm>
           <a:prstGeom prst="rect">
             <a:avLst/>
@@ -3839,7 +3838,7 @@
         <p:txBody>
           <a:bodyPr/>
           <a:p>
-            <a:fld id="{8796087F-23AE-4D67-9837-FC0D516F2812}" type="slidenum">
+            <a:fld id="{D8AB79F3-F02B-42A8-880A-DBBD1E3E2AA9}" type="slidenum">
               <a:t>&lt;#&gt;</a:t>
             </a:fld>
           </a:p>
@@ -3901,7 +3900,7 @@
         <p:spPr>
           <a:xfrm>
             <a:off x="609480" y="273600"/>
-            <a:ext cx="10972080" cy="1144440"/>
+            <a:ext cx="10972440" cy="1144800"/>
           </a:xfrm>
           <a:prstGeom prst="rect">
             <a:avLst/>
@@ -3959,7 +3958,7 @@
         <p:txBody>
           <a:bodyPr/>
           <a:p>
-            <a:fld id="{F310B082-317F-4B5D-A157-6B668CCAAB33}" type="slidenum">
+            <a:fld id="{0210C36B-7558-4541-A50C-A7EB4A284294}" type="slidenum">
               <a:t>&lt;#&gt;</a:t>
             </a:fld>
           </a:p>
@@ -4021,7 +4020,7 @@
         <p:spPr>
           <a:xfrm>
             <a:off x="609480" y="273600"/>
-            <a:ext cx="10972080" cy="1144440"/>
+            <a:ext cx="10972440" cy="1144800"/>
           </a:xfrm>
           <a:prstGeom prst="rect">
             <a:avLst/>
@@ -4058,7 +4057,7 @@
         <p:spPr>
           <a:xfrm>
             <a:off x="609480" y="1604520"/>
-            <a:ext cx="10972080" cy="3976920"/>
+            <a:ext cx="10972440" cy="3977280"/>
           </a:xfrm>
           <a:prstGeom prst="rect">
             <a:avLst/>
@@ -4113,7 +4112,7 @@
         <p:txBody>
           <a:bodyPr/>
           <a:p>
-            <a:fld id="{EFC65698-0455-4D5F-AB80-55C5AA7ABD01}" type="slidenum">
+            <a:fld id="{2A1895DF-793D-417D-A8B6-2DF80479A871}" type="slidenum">
               <a:t>&lt;#&gt;</a:t>
             </a:fld>
           </a:p>
@@ -4175,7 +4174,7 @@
         <p:spPr>
           <a:xfrm>
             <a:off x="609480" y="273600"/>
-            <a:ext cx="10972080" cy="5306400"/>
+            <a:ext cx="10972440" cy="5307840"/>
           </a:xfrm>
           <a:prstGeom prst="rect">
             <a:avLst/>
@@ -4233,7 +4232,7 @@
         <p:txBody>
           <a:bodyPr/>
           <a:p>
-            <a:fld id="{DD57DC70-B799-4D3E-9883-AD64CEEBC881}" type="slidenum">
+            <a:fld id="{CACF4980-A890-4F4B-BA45-6ACBD71902F8}" type="slidenum">
               <a:t>&lt;#&gt;</a:t>
             </a:fld>
           </a:p>
@@ -4295,7 +4294,7 @@
         <p:spPr>
           <a:xfrm>
             <a:off x="609480" y="273600"/>
-            <a:ext cx="10972080" cy="1144440"/>
+            <a:ext cx="10972440" cy="1144800"/>
           </a:xfrm>
           <a:prstGeom prst="rect">
             <a:avLst/>
@@ -4366,7 +4365,7 @@
         <p:spPr>
           <a:xfrm>
             <a:off x="6231960" y="1604520"/>
-            <a:ext cx="5354280" cy="3976920"/>
+            <a:ext cx="5354280" cy="3977280"/>
           </a:xfrm>
           <a:prstGeom prst="rect">
             <a:avLst/>
@@ -4455,7 +4454,7 @@
         <p:txBody>
           <a:bodyPr/>
           <a:p>
-            <a:fld id="{BF1A979B-A7E0-47BB-99F8-7E824E3D50F4}" type="slidenum">
+            <a:fld id="{76CE28B6-D4E8-41B3-8589-2422F6B6D9E4}" type="slidenum">
               <a:t>&lt;#&gt;</a:t>
             </a:fld>
           </a:p>
@@ -4517,7 +4516,7 @@
         <p:spPr>
           <a:xfrm>
             <a:off x="609480" y="273600"/>
-            <a:ext cx="10972080" cy="1144440"/>
+            <a:ext cx="10972440" cy="1144800"/>
           </a:xfrm>
           <a:prstGeom prst="rect">
             <a:avLst/>
@@ -4554,7 +4553,7 @@
         <p:spPr>
           <a:xfrm>
             <a:off x="609480" y="1604520"/>
-            <a:ext cx="5354280" cy="3976920"/>
+            <a:ext cx="5354280" cy="3977280"/>
           </a:xfrm>
           <a:prstGeom prst="rect">
             <a:avLst/>
@@ -4677,7 +4676,7 @@
         <p:txBody>
           <a:bodyPr/>
           <a:p>
-            <a:fld id="{37161349-3579-4EE6-AA05-3CC2A14A7EC2}" type="slidenum">
+            <a:fld id="{E5F73E6E-58FC-466C-912F-612ECF07E793}" type="slidenum">
               <a:t>&lt;#&gt;</a:t>
             </a:fld>
           </a:p>
@@ -4739,7 +4738,7 @@
         <p:spPr>
           <a:xfrm>
             <a:off x="609480" y="273600"/>
-            <a:ext cx="10972080" cy="1144440"/>
+            <a:ext cx="10972440" cy="1144800"/>
           </a:xfrm>
           <a:prstGeom prst="rect">
             <a:avLst/>
@@ -4844,7 +4843,7 @@
         <p:spPr>
           <a:xfrm>
             <a:off x="609480" y="3682080"/>
-            <a:ext cx="10972080" cy="1896840"/>
+            <a:ext cx="10972440" cy="1896840"/>
           </a:xfrm>
           <a:prstGeom prst="rect">
             <a:avLst/>
@@ -4899,7 +4898,7 @@
         <p:txBody>
           <a:bodyPr/>
           <a:p>
-            <a:fld id="{89100444-1516-4CC9-948B-F99B16BF8A1C}" type="slidenum">
+            <a:fld id="{A0BC7876-D9E8-4DE3-87B2-2B0D285C64A2}" type="slidenum">
               <a:t>&lt;#&gt;</a:t>
             </a:fld>
           </a:p>
@@ -4961,7 +4960,7 @@
         <p:spPr>
           <a:xfrm>
             <a:off x="609480" y="273600"/>
-            <a:ext cx="10972080" cy="1144440"/>
+            <a:ext cx="10972440" cy="1144800"/>
           </a:xfrm>
           <a:prstGeom prst="rect">
             <a:avLst/>
@@ -4998,7 +4997,7 @@
         <p:spPr>
           <a:xfrm>
             <a:off x="609480" y="1604520"/>
-            <a:ext cx="10972080" cy="1896840"/>
+            <a:ext cx="10972440" cy="1896840"/>
           </a:xfrm>
           <a:prstGeom prst="rect">
             <a:avLst/>
@@ -5032,7 +5031,7 @@
         <p:spPr>
           <a:xfrm>
             <a:off x="609480" y="3682080"/>
-            <a:ext cx="10972080" cy="1896840"/>
+            <a:ext cx="10972440" cy="1896840"/>
           </a:xfrm>
           <a:prstGeom prst="rect">
             <a:avLst/>
@@ -5087,7 +5086,7 @@
         <p:txBody>
           <a:bodyPr/>
           <a:p>
-            <a:fld id="{52F382A0-0E24-48A1-908A-A0EB45309CCC}" type="slidenum">
+            <a:fld id="{B2968D35-3625-42D9-A11C-2C60777F65F7}" type="slidenum">
               <a:t>&lt;#&gt;</a:t>
             </a:fld>
           </a:p>
@@ -5149,7 +5148,7 @@
         <p:spPr>
           <a:xfrm>
             <a:off x="609480" y="273600"/>
-            <a:ext cx="10972080" cy="1144440"/>
+            <a:ext cx="10972440" cy="1144800"/>
           </a:xfrm>
           <a:prstGeom prst="rect">
             <a:avLst/>
@@ -5343,7 +5342,7 @@
         <p:txBody>
           <a:bodyPr/>
           <a:p>
-            <a:fld id="{AB8D1047-0420-4A75-9186-68B7FB2C3B8B}" type="slidenum">
+            <a:fld id="{D61DEECF-4954-4C96-96A3-9C10C3A23444}" type="slidenum">
               <a:t>&lt;#&gt;</a:t>
             </a:fld>
           </a:p>
@@ -5405,7 +5404,7 @@
         <p:spPr>
           <a:xfrm>
             <a:off x="609480" y="273600"/>
-            <a:ext cx="10972080" cy="1144440"/>
+            <a:ext cx="10972440" cy="1144800"/>
           </a:xfrm>
           <a:prstGeom prst="rect">
             <a:avLst/>
@@ -5442,7 +5441,7 @@
         <p:spPr>
           <a:xfrm>
             <a:off x="609480" y="1604520"/>
-            <a:ext cx="3532680" cy="1896840"/>
+            <a:ext cx="3533040" cy="1896840"/>
           </a:xfrm>
           <a:prstGeom prst="rect">
             <a:avLst/>
@@ -5475,8 +5474,8 @@
         </p:nvSpPr>
         <p:spPr>
           <a:xfrm>
-            <a:off x="4319280" y="1604520"/>
-            <a:ext cx="3532680" cy="1896840"/>
+            <a:off x="4319640" y="1604520"/>
+            <a:ext cx="3533040" cy="1896840"/>
           </a:xfrm>
           <a:prstGeom prst="rect">
             <a:avLst/>
@@ -5509,8 +5508,8 @@
         </p:nvSpPr>
         <p:spPr>
           <a:xfrm>
-            <a:off x="8028720" y="1604520"/>
-            <a:ext cx="3532680" cy="1896840"/>
+            <a:off x="8029800" y="1604520"/>
+            <a:ext cx="3533040" cy="1896840"/>
           </a:xfrm>
           <a:prstGeom prst="rect">
             <a:avLst/>
@@ -5544,7 +5543,7 @@
         <p:spPr>
           <a:xfrm>
             <a:off x="609480" y="3682080"/>
-            <a:ext cx="3532680" cy="1896840"/>
+            <a:ext cx="3533040" cy="1896840"/>
           </a:xfrm>
           <a:prstGeom prst="rect">
             <a:avLst/>
@@ -5577,8 +5576,8 @@
         </p:nvSpPr>
         <p:spPr>
           <a:xfrm>
-            <a:off x="4319280" y="3682080"/>
-            <a:ext cx="3532680" cy="1896840"/>
+            <a:off x="4319640" y="3682080"/>
+            <a:ext cx="3533040" cy="1896840"/>
           </a:xfrm>
           <a:prstGeom prst="rect">
             <a:avLst/>
@@ -5611,8 +5610,8 @@
         </p:nvSpPr>
         <p:spPr>
           <a:xfrm>
-            <a:off x="8028720" y="3682080"/>
-            <a:ext cx="3532680" cy="1896840"/>
+            <a:off x="8029800" y="3682080"/>
+            <a:ext cx="3533040" cy="1896840"/>
           </a:xfrm>
           <a:prstGeom prst="rect">
             <a:avLst/>
@@ -5667,7 +5666,7 @@
         <p:txBody>
           <a:bodyPr/>
           <a:p>
-            <a:fld id="{A1E7DC66-49C7-49DD-AA7C-D34B9B7C5642}" type="slidenum">
+            <a:fld id="{54147FAF-BB0F-41CB-B461-E3228424DD4F}" type="slidenum">
               <a:t>&lt;#&gt;</a:t>
             </a:fld>
           </a:p>
@@ -5750,7 +5749,7 @@
         <p:txBody>
           <a:bodyPr/>
           <a:p>
-            <a:fld id="{0039A686-A512-432A-94D2-CC2B8D92DCB5}" type="slidenum">
+            <a:fld id="{BC8D13D4-797E-4EB1-8AAF-CD8E6DE63002}" type="slidenum">
               <a:t>&lt;#&gt;</a:t>
             </a:fld>
           </a:p>
@@ -5812,7 +5811,7 @@
         <p:spPr>
           <a:xfrm>
             <a:off x="609480" y="273600"/>
-            <a:ext cx="10972080" cy="1144440"/>
+            <a:ext cx="10972440" cy="1144800"/>
           </a:xfrm>
           <a:prstGeom prst="rect">
             <a:avLst/>
@@ -5849,7 +5848,7 @@
         <p:spPr>
           <a:xfrm>
             <a:off x="609480" y="1604520"/>
-            <a:ext cx="10972080" cy="3976920"/>
+            <a:ext cx="10972440" cy="3977280"/>
           </a:xfrm>
           <a:prstGeom prst="rect">
             <a:avLst/>
@@ -5907,7 +5906,7 @@
         <p:txBody>
           <a:bodyPr/>
           <a:p>
-            <a:fld id="{112FBE46-57FC-4A94-8777-F71777CE1F01}" type="slidenum">
+            <a:fld id="{216F0A6C-AC14-4602-BC8E-148AE9FB43E4}" type="slidenum">
               <a:t>&lt;#&gt;</a:t>
             </a:fld>
           </a:p>
@@ -5969,7 +5968,7 @@
         <p:spPr>
           <a:xfrm>
             <a:off x="609480" y="273600"/>
-            <a:ext cx="10972080" cy="1144440"/>
+            <a:ext cx="10972440" cy="1144800"/>
           </a:xfrm>
           <a:prstGeom prst="rect">
             <a:avLst/>
@@ -6006,7 +6005,7 @@
         <p:spPr>
           <a:xfrm>
             <a:off x="609480" y="1604520"/>
-            <a:ext cx="10972080" cy="3976920"/>
+            <a:ext cx="10972440" cy="3977280"/>
           </a:xfrm>
           <a:prstGeom prst="rect">
             <a:avLst/>
@@ -6061,7 +6060,7 @@
         <p:txBody>
           <a:bodyPr/>
           <a:p>
-            <a:fld id="{E36D2BAC-8A99-49A7-A461-193FF4647D5F}" type="slidenum">
+            <a:fld id="{20595309-BAA4-4E0E-BC63-1DF803E40065}" type="slidenum">
               <a:t>&lt;#&gt;</a:t>
             </a:fld>
           </a:p>
@@ -6123,7 +6122,7 @@
         <p:spPr>
           <a:xfrm>
             <a:off x="609480" y="273600"/>
-            <a:ext cx="10972080" cy="1144440"/>
+            <a:ext cx="10972440" cy="1144800"/>
           </a:xfrm>
           <a:prstGeom prst="rect">
             <a:avLst/>
@@ -6160,7 +6159,7 @@
         <p:spPr>
           <a:xfrm>
             <a:off x="609480" y="1604520"/>
-            <a:ext cx="5354280" cy="3976920"/>
+            <a:ext cx="5354280" cy="3977280"/>
           </a:xfrm>
           <a:prstGeom prst="rect">
             <a:avLst/>
@@ -6194,7 +6193,7 @@
         <p:spPr>
           <a:xfrm>
             <a:off x="6231960" y="1604520"/>
-            <a:ext cx="5354280" cy="3976920"/>
+            <a:ext cx="5354280" cy="3977280"/>
           </a:xfrm>
           <a:prstGeom prst="rect">
             <a:avLst/>
@@ -6249,7 +6248,7 @@
         <p:txBody>
           <a:bodyPr/>
           <a:p>
-            <a:fld id="{B91C8F67-90AD-4F46-8145-4995F28127B6}" type="slidenum">
+            <a:fld id="{EA24313B-759A-4326-B7A7-ABD4BB87B702}" type="slidenum">
               <a:t>&lt;#&gt;</a:t>
             </a:fld>
           </a:p>
@@ -6311,7 +6310,7 @@
         <p:spPr>
           <a:xfrm>
             <a:off x="609480" y="273600"/>
-            <a:ext cx="10972080" cy="1144440"/>
+            <a:ext cx="10972440" cy="1144800"/>
           </a:xfrm>
           <a:prstGeom prst="rect">
             <a:avLst/>
@@ -6348,7 +6347,7 @@
         <p:spPr>
           <a:xfrm>
             <a:off x="609480" y="1604520"/>
-            <a:ext cx="5354280" cy="3976920"/>
+            <a:ext cx="5354280" cy="3977280"/>
           </a:xfrm>
           <a:prstGeom prst="rect">
             <a:avLst/>
@@ -6382,7 +6381,7 @@
         <p:spPr>
           <a:xfrm>
             <a:off x="6231960" y="1604520"/>
-            <a:ext cx="5354280" cy="3976920"/>
+            <a:ext cx="5354280" cy="3977280"/>
           </a:xfrm>
           <a:prstGeom prst="rect">
             <a:avLst/>
@@ -6437,7 +6436,7 @@
         <p:txBody>
           <a:bodyPr/>
           <a:p>
-            <a:fld id="{0E1F57E5-DDA2-47BC-B2E2-E69ECB45A3A5}" type="slidenum">
+            <a:fld id="{F4952E26-F213-4E5E-A6DB-FD26ABECA738}" type="slidenum">
               <a:t>&lt;#&gt;</a:t>
             </a:fld>
           </a:p>
@@ -6499,7 +6498,7 @@
         <p:spPr>
           <a:xfrm>
             <a:off x="609480" y="273600"/>
-            <a:ext cx="10972080" cy="1144440"/>
+            <a:ext cx="10972440" cy="1144800"/>
           </a:xfrm>
           <a:prstGeom prst="rect">
             <a:avLst/>
@@ -6557,7 +6556,7 @@
         <p:txBody>
           <a:bodyPr/>
           <a:p>
-            <a:fld id="{E40304AD-264F-41AB-9E46-4E82DFA6BBFA}" type="slidenum">
+            <a:fld id="{8043D620-2C54-43CC-8BF1-97E97A1F51B3}" type="slidenum">
               <a:t>&lt;#&gt;</a:t>
             </a:fld>
           </a:p>
@@ -6619,7 +6618,7 @@
         <p:spPr>
           <a:xfrm>
             <a:off x="609480" y="273600"/>
-            <a:ext cx="10972080" cy="5306400"/>
+            <a:ext cx="10972440" cy="5307840"/>
           </a:xfrm>
           <a:prstGeom prst="rect">
             <a:avLst/>
@@ -6677,7 +6676,7 @@
         <p:txBody>
           <a:bodyPr/>
           <a:p>
-            <a:fld id="{7A46ACFB-8D41-4C5C-AFFE-1378409A6075}" type="slidenum">
+            <a:fld id="{85A8A460-70CE-472D-ACC6-DCB78625768F}" type="slidenum">
               <a:t>&lt;#&gt;</a:t>
             </a:fld>
           </a:p>
@@ -6739,7 +6738,7 @@
         <p:spPr>
           <a:xfrm>
             <a:off x="609480" y="273600"/>
-            <a:ext cx="10972080" cy="1144440"/>
+            <a:ext cx="10972440" cy="1144800"/>
           </a:xfrm>
           <a:prstGeom prst="rect">
             <a:avLst/>
@@ -6810,7 +6809,7 @@
         <p:spPr>
           <a:xfrm>
             <a:off x="6231960" y="1604520"/>
-            <a:ext cx="5354280" cy="3976920"/>
+            <a:ext cx="5354280" cy="3977280"/>
           </a:xfrm>
           <a:prstGeom prst="rect">
             <a:avLst/>
@@ -6899,7 +6898,7 @@
         <p:txBody>
           <a:bodyPr/>
           <a:p>
-            <a:fld id="{03D6B112-9233-4BFF-809E-1D248FAFBB90}" type="slidenum">
+            <a:fld id="{8DBBD59F-23E8-489F-ABBB-6A5A080F8455}" type="slidenum">
               <a:t>&lt;#&gt;</a:t>
             </a:fld>
           </a:p>
@@ -6961,7 +6960,7 @@
         <p:spPr>
           <a:xfrm>
             <a:off x="609480" y="273600"/>
-            <a:ext cx="10972080" cy="1144440"/>
+            <a:ext cx="10972440" cy="1144800"/>
           </a:xfrm>
           <a:prstGeom prst="rect">
             <a:avLst/>
@@ -6998,7 +6997,7 @@
         <p:spPr>
           <a:xfrm>
             <a:off x="609480" y="1604520"/>
-            <a:ext cx="5354280" cy="3976920"/>
+            <a:ext cx="5354280" cy="3977280"/>
           </a:xfrm>
           <a:prstGeom prst="rect">
             <a:avLst/>
@@ -7121,7 +7120,7 @@
         <p:txBody>
           <a:bodyPr/>
           <a:p>
-            <a:fld id="{E8BE37B6-BCD5-41AA-AD92-50723629E201}" type="slidenum">
+            <a:fld id="{7CA512EB-9C02-4FDA-98C1-03AEEBB9B0CF}" type="slidenum">
               <a:t>&lt;#&gt;</a:t>
             </a:fld>
           </a:p>
@@ -7183,7 +7182,7 @@
         <p:spPr>
           <a:xfrm>
             <a:off x="609480" y="273600"/>
-            <a:ext cx="10972080" cy="1144440"/>
+            <a:ext cx="10972440" cy="1144800"/>
           </a:xfrm>
           <a:prstGeom prst="rect">
             <a:avLst/>
@@ -7288,7 +7287,7 @@
         <p:spPr>
           <a:xfrm>
             <a:off x="609480" y="3682080"/>
-            <a:ext cx="10972080" cy="1896840"/>
+            <a:ext cx="10972440" cy="1896840"/>
           </a:xfrm>
           <a:prstGeom prst="rect">
             <a:avLst/>
@@ -7343,7 +7342,7 @@
         <p:txBody>
           <a:bodyPr/>
           <a:p>
-            <a:fld id="{D1E4F544-2675-4FF3-82E4-FB9E3091AD34}" type="slidenum">
+            <a:fld id="{22D27B10-3BF5-46FB-A5C3-07A6FCC40F45}" type="slidenum">
               <a:t>&lt;#&gt;</a:t>
             </a:fld>
           </a:p>
@@ -7405,7 +7404,7 @@
         <p:spPr>
           <a:xfrm>
             <a:off x="609480" y="273600"/>
-            <a:ext cx="10972080" cy="1144440"/>
+            <a:ext cx="10972440" cy="1144800"/>
           </a:xfrm>
           <a:prstGeom prst="rect">
             <a:avLst/>
@@ -7442,7 +7441,7 @@
         <p:spPr>
           <a:xfrm>
             <a:off x="609480" y="1604520"/>
-            <a:ext cx="10972080" cy="1896840"/>
+            <a:ext cx="10972440" cy="1896840"/>
           </a:xfrm>
           <a:prstGeom prst="rect">
             <a:avLst/>
@@ -7476,7 +7475,7 @@
         <p:spPr>
           <a:xfrm>
             <a:off x="609480" y="3682080"/>
-            <a:ext cx="10972080" cy="1896840"/>
+            <a:ext cx="10972440" cy="1896840"/>
           </a:xfrm>
           <a:prstGeom prst="rect">
             <a:avLst/>
@@ -7531,7 +7530,7 @@
         <p:txBody>
           <a:bodyPr/>
           <a:p>
-            <a:fld id="{1CDBDD26-0ADF-4D04-B933-A5A2C2136E17}" type="slidenum">
+            <a:fld id="{662F20E4-4AC6-46D6-8043-FB770EBB94BD}" type="slidenum">
               <a:t>&lt;#&gt;</a:t>
             </a:fld>
           </a:p>
@@ -7593,7 +7592,7 @@
         <p:spPr>
           <a:xfrm>
             <a:off x="609480" y="273600"/>
-            <a:ext cx="10972080" cy="1144440"/>
+            <a:ext cx="10972440" cy="1144800"/>
           </a:xfrm>
           <a:prstGeom prst="rect">
             <a:avLst/>
@@ -7787,7 +7786,7 @@
         <p:txBody>
           <a:bodyPr/>
           <a:p>
-            <a:fld id="{BCA7B8DD-B3C2-47B6-ACCF-B2AD4DF0C991}" type="slidenum">
+            <a:fld id="{47861810-17AC-42D7-AEC5-D3436AA34893}" type="slidenum">
               <a:t>&lt;#&gt;</a:t>
             </a:fld>
           </a:p>
@@ -7849,7 +7848,7 @@
         <p:spPr>
           <a:xfrm>
             <a:off x="609480" y="273600"/>
-            <a:ext cx="10972080" cy="1144440"/>
+            <a:ext cx="10972440" cy="1144800"/>
           </a:xfrm>
           <a:prstGeom prst="rect">
             <a:avLst/>
@@ -7886,7 +7885,7 @@
         <p:spPr>
           <a:xfrm>
             <a:off x="609480" y="1604520"/>
-            <a:ext cx="3532680" cy="1896840"/>
+            <a:ext cx="3533040" cy="1896840"/>
           </a:xfrm>
           <a:prstGeom prst="rect">
             <a:avLst/>
@@ -7919,8 +7918,8 @@
         </p:nvSpPr>
         <p:spPr>
           <a:xfrm>
-            <a:off x="4319280" y="1604520"/>
-            <a:ext cx="3532680" cy="1896840"/>
+            <a:off x="4319640" y="1604520"/>
+            <a:ext cx="3533040" cy="1896840"/>
           </a:xfrm>
           <a:prstGeom prst="rect">
             <a:avLst/>
@@ -7953,8 +7952,8 @@
         </p:nvSpPr>
         <p:spPr>
           <a:xfrm>
-            <a:off x="8028720" y="1604520"/>
-            <a:ext cx="3532680" cy="1896840"/>
+            <a:off x="8029800" y="1604520"/>
+            <a:ext cx="3533040" cy="1896840"/>
           </a:xfrm>
           <a:prstGeom prst="rect">
             <a:avLst/>
@@ -7988,7 +7987,7 @@
         <p:spPr>
           <a:xfrm>
             <a:off x="609480" y="3682080"/>
-            <a:ext cx="3532680" cy="1896840"/>
+            <a:ext cx="3533040" cy="1896840"/>
           </a:xfrm>
           <a:prstGeom prst="rect">
             <a:avLst/>
@@ -8021,8 +8020,8 @@
         </p:nvSpPr>
         <p:spPr>
           <a:xfrm>
-            <a:off x="4319280" y="3682080"/>
-            <a:ext cx="3532680" cy="1896840"/>
+            <a:off x="4319640" y="3682080"/>
+            <a:ext cx="3533040" cy="1896840"/>
           </a:xfrm>
           <a:prstGeom prst="rect">
             <a:avLst/>
@@ -8055,8 +8054,8 @@
         </p:nvSpPr>
         <p:spPr>
           <a:xfrm>
-            <a:off x="8028720" y="3682080"/>
-            <a:ext cx="3532680" cy="1896840"/>
+            <a:off x="8029800" y="3682080"/>
+            <a:ext cx="3533040" cy="1896840"/>
           </a:xfrm>
           <a:prstGeom prst="rect">
             <a:avLst/>
@@ -8111,7 +8110,7 @@
         <p:txBody>
           <a:bodyPr/>
           <a:p>
-            <a:fld id="{0F3AECE8-0333-49CA-9B1F-67245704DD7B}" type="slidenum">
+            <a:fld id="{9C44D1D8-173B-4FA8-BA91-81451D519F4C}" type="slidenum">
               <a:t>&lt;#&gt;</a:t>
             </a:fld>
           </a:p>
@@ -8125,89 +8124,6 @@
           </p:cNvSpPr>
           <p:nvPr>
             <p:ph type="dt" idx="12"/>
-          </p:nvPr>
-        </p:nvSpPr>
-        <p:spPr/>
-        <p:txBody>
-          <a:bodyPr/>
-          <a:p>
-            <a:r>
-              <a:rPr lang="en-IE"/>
-              <a:t/>
-            </a:r>
-          </a:p>
-        </p:txBody>
-      </p:sp>
-    </p:spTree>
-  </p:cSld>
-</p:sldLayout>
-</file>
-
-<file path=ppt/slideLayouts/slideLayout49.xml><?xml version="1.0" encoding="utf-8"?>
-<p:sldLayout xmlns:a="http://schemas.openxmlformats.org/drawingml/2006/main" xmlns:p="http://schemas.openxmlformats.org/presentationml/2006/main" xmlns:r="http://schemas.openxmlformats.org/officeDocument/2006/relationships" xmlns:p14="http://schemas.microsoft.com/office/powerpoint/2010/main" xmlns:p15="http://schemas.microsoft.com/office/powerpoint/2012/main" xmlns:mc="http://schemas.openxmlformats.org/markup-compatibility/2006" type="blank" preserve="1">
-  <p:cSld name="Blank Slide">
-    <p:spTree>
-      <p:nvGrpSpPr>
-        <p:cNvPr id="1" name=""/>
-        <p:cNvGrpSpPr/>
-        <p:nvPr/>
-      </p:nvGrpSpPr>
-      <p:grpSpPr>
-        <a:xfrm>
-          <a:off x="0" y="0"/>
-          <a:ext cx="0" cy="0"/>
-          <a:chOff x="0" y="0"/>
-          <a:chExt cx="0" cy="0"/>
-        </a:xfrm>
-      </p:grpSpPr>
-      <p:sp>
-        <p:nvSpPr>
-          <p:cNvPr id="2" name="PlaceHolder 1"/>
-          <p:cNvSpPr>
-            <a:spLocks noGrp="1"/>
-          </p:cNvSpPr>
-          <p:nvPr>
-            <p:ph type="ftr" idx="13"/>
-          </p:nvPr>
-        </p:nvSpPr>
-        <p:spPr/>
-        <p:txBody>
-          <a:bodyPr/>
-          <a:p>
-            <a:r>
-              <a:t>Footer</a:t>
-            </a:r>
-          </a:p>
-        </p:txBody>
-      </p:sp>
-      <p:sp>
-        <p:nvSpPr>
-          <p:cNvPr id="3" name="PlaceHolder 2"/>
-          <p:cNvSpPr>
-            <a:spLocks noGrp="1"/>
-          </p:cNvSpPr>
-          <p:nvPr>
-            <p:ph type="sldNum" idx="14"/>
-          </p:nvPr>
-        </p:nvSpPr>
-        <p:spPr/>
-        <p:txBody>
-          <a:bodyPr/>
-          <a:p>
-            <a:fld id="{5F3EAB1E-1E62-4577-A09D-DB08E6E4A34A}" type="slidenum">
-              <a:t>&lt;#&gt;</a:t>
-            </a:fld>
-          </a:p>
-        </p:txBody>
-      </p:sp>
-      <p:sp>
-        <p:nvSpPr>
-          <p:cNvPr id="4" name="PlaceHolder 3"/>
-          <p:cNvSpPr>
-            <a:spLocks noGrp="1"/>
-          </p:cNvSpPr>
-          <p:nvPr>
-            <p:ph type="dt" idx="15"/>
           </p:nvPr>
         </p:nvSpPr>
         <p:spPr/>
@@ -8256,7 +8172,7 @@
         <p:spPr>
           <a:xfrm>
             <a:off x="609480" y="273600"/>
-            <a:ext cx="10972080" cy="1144440"/>
+            <a:ext cx="10972440" cy="1144800"/>
           </a:xfrm>
           <a:prstGeom prst="rect">
             <a:avLst/>
@@ -8314,7 +8230,7 @@
         <p:txBody>
           <a:bodyPr/>
           <a:p>
-            <a:fld id="{B4153D2D-5BF4-46B5-A7C9-045617DD2E86}" type="slidenum">
+            <a:fld id="{5B021989-1039-41A2-8328-F99FE8A441C5}" type="slidenum">
               <a:t>&lt;#&gt;</a:t>
             </a:fld>
           </a:p>
@@ -8328,1855 +8244,6 @@
           </p:cNvSpPr>
           <p:nvPr>
             <p:ph type="dt" idx="3"/>
-          </p:nvPr>
-        </p:nvSpPr>
-        <p:spPr/>
-        <p:txBody>
-          <a:bodyPr/>
-          <a:p>
-            <a:r>
-              <a:rPr lang="en-IE"/>
-              <a:t/>
-            </a:r>
-          </a:p>
-        </p:txBody>
-      </p:sp>
-    </p:spTree>
-  </p:cSld>
-</p:sldLayout>
-</file>
-
-<file path=ppt/slideLayouts/slideLayout50.xml><?xml version="1.0" encoding="utf-8"?>
-<p:sldLayout xmlns:a="http://schemas.openxmlformats.org/drawingml/2006/main" xmlns:p="http://schemas.openxmlformats.org/presentationml/2006/main" xmlns:r="http://schemas.openxmlformats.org/officeDocument/2006/relationships" xmlns:p14="http://schemas.microsoft.com/office/powerpoint/2010/main" xmlns:p15="http://schemas.microsoft.com/office/powerpoint/2012/main" xmlns:mc="http://schemas.openxmlformats.org/markup-compatibility/2006" type="tx" preserve="1">
-  <p:cSld name="Title Slide">
-    <p:spTree>
-      <p:nvGrpSpPr>
-        <p:cNvPr id="1" name=""/>
-        <p:cNvGrpSpPr/>
-        <p:nvPr/>
-      </p:nvGrpSpPr>
-      <p:grpSpPr>
-        <a:xfrm>
-          <a:off x="0" y="0"/>
-          <a:ext cx="0" cy="0"/>
-          <a:chOff x="0" y="0"/>
-          <a:chExt cx="0" cy="0"/>
-        </a:xfrm>
-      </p:grpSpPr>
-      <p:sp>
-        <p:nvSpPr>
-          <p:cNvPr id="169" name="PlaceHolder 1"/>
-          <p:cNvSpPr>
-            <a:spLocks noGrp="1"/>
-          </p:cNvSpPr>
-          <p:nvPr>
-            <p:ph type="title"/>
-          </p:nvPr>
-        </p:nvSpPr>
-        <p:spPr>
-          <a:xfrm>
-            <a:off x="609480" y="273600"/>
-            <a:ext cx="10972080" cy="1144440"/>
-          </a:xfrm>
-          <a:prstGeom prst="rect">
-            <a:avLst/>
-          </a:prstGeom>
-          <a:noFill/>
-          <a:ln w="0">
-            <a:noFill/>
-          </a:ln>
-        </p:spPr>
-        <p:txBody>
-          <a:bodyPr lIns="0" rIns="0" tIns="0" bIns="0" anchor="ctr">
-            <a:noAutofit/>
-          </a:bodyPr>
-          <a:p>
-            <a:pPr algn="ctr">
-              <a:buNone/>
-            </a:pPr>
-            <a:endParaRPr b="0" lang="en-IE" sz="4400" spc="-1" strike="noStrike">
-              <a:latin typeface="Arial"/>
-            </a:endParaRPr>
-          </a:p>
-        </p:txBody>
-      </p:sp>
-      <p:sp>
-        <p:nvSpPr>
-          <p:cNvPr id="170" name="PlaceHolder 2"/>
-          <p:cNvSpPr>
-            <a:spLocks noGrp="1"/>
-          </p:cNvSpPr>
-          <p:nvPr>
-            <p:ph type="subTitle"/>
-          </p:nvPr>
-        </p:nvSpPr>
-        <p:spPr>
-          <a:xfrm>
-            <a:off x="609480" y="1604520"/>
-            <a:ext cx="10972080" cy="3976920"/>
-          </a:xfrm>
-          <a:prstGeom prst="rect">
-            <a:avLst/>
-          </a:prstGeom>
-          <a:noFill/>
-          <a:ln w="0">
-            <a:noFill/>
-          </a:ln>
-        </p:spPr>
-        <p:txBody>
-          <a:bodyPr lIns="0" rIns="0" tIns="0" bIns="0" anchor="ctr">
-            <a:noAutofit/>
-          </a:bodyPr>
-          <a:p>
-            <a:pPr algn="ctr">
-              <a:buNone/>
-            </a:pPr>
-            <a:endParaRPr b="0" lang="en-IE" sz="3200" spc="-1" strike="noStrike">
-              <a:latin typeface="Arial"/>
-            </a:endParaRPr>
-          </a:p>
-        </p:txBody>
-      </p:sp>
-      <p:sp>
-        <p:nvSpPr>
-          <p:cNvPr id="4" name="PlaceHolder 3"/>
-          <p:cNvSpPr>
-            <a:spLocks noGrp="1"/>
-          </p:cNvSpPr>
-          <p:nvPr>
-            <p:ph type="ftr" idx="13"/>
-          </p:nvPr>
-        </p:nvSpPr>
-        <p:spPr/>
-        <p:txBody>
-          <a:bodyPr/>
-          <a:p>
-            <a:r>
-              <a:t>Footer</a:t>
-            </a:r>
-          </a:p>
-        </p:txBody>
-      </p:sp>
-      <p:sp>
-        <p:nvSpPr>
-          <p:cNvPr id="5" name="PlaceHolder 4"/>
-          <p:cNvSpPr>
-            <a:spLocks noGrp="1"/>
-          </p:cNvSpPr>
-          <p:nvPr>
-            <p:ph type="sldNum" idx="14"/>
-          </p:nvPr>
-        </p:nvSpPr>
-        <p:spPr/>
-        <p:txBody>
-          <a:bodyPr/>
-          <a:p>
-            <a:fld id="{B4F29912-09E9-4E9F-8CFC-8479AF35C8FA}" type="slidenum">
-              <a:t>&lt;#&gt;</a:t>
-            </a:fld>
-          </a:p>
-        </p:txBody>
-      </p:sp>
-      <p:sp>
-        <p:nvSpPr>
-          <p:cNvPr id="6" name="PlaceHolder 5"/>
-          <p:cNvSpPr>
-            <a:spLocks noGrp="1"/>
-          </p:cNvSpPr>
-          <p:nvPr>
-            <p:ph type="dt" idx="15"/>
-          </p:nvPr>
-        </p:nvSpPr>
-        <p:spPr/>
-        <p:txBody>
-          <a:bodyPr/>
-          <a:p>
-            <a:r>
-              <a:rPr lang="en-IE"/>
-              <a:t/>
-            </a:r>
-          </a:p>
-        </p:txBody>
-      </p:sp>
-    </p:spTree>
-  </p:cSld>
-</p:sldLayout>
-</file>
-
-<file path=ppt/slideLayouts/slideLayout51.xml><?xml version="1.0" encoding="utf-8"?>
-<p:sldLayout xmlns:a="http://schemas.openxmlformats.org/drawingml/2006/main" xmlns:p="http://schemas.openxmlformats.org/presentationml/2006/main" xmlns:r="http://schemas.openxmlformats.org/officeDocument/2006/relationships" xmlns:p14="http://schemas.microsoft.com/office/powerpoint/2010/main" xmlns:p15="http://schemas.microsoft.com/office/powerpoint/2012/main" xmlns:mc="http://schemas.openxmlformats.org/markup-compatibility/2006" type="obj" preserve="1">
-  <p:cSld name="Title, Content">
-    <p:spTree>
-      <p:nvGrpSpPr>
-        <p:cNvPr id="1" name=""/>
-        <p:cNvGrpSpPr/>
-        <p:nvPr/>
-      </p:nvGrpSpPr>
-      <p:grpSpPr>
-        <a:xfrm>
-          <a:off x="0" y="0"/>
-          <a:ext cx="0" cy="0"/>
-          <a:chOff x="0" y="0"/>
-          <a:chExt cx="0" cy="0"/>
-        </a:xfrm>
-      </p:grpSpPr>
-      <p:sp>
-        <p:nvSpPr>
-          <p:cNvPr id="171" name="PlaceHolder 1"/>
-          <p:cNvSpPr>
-            <a:spLocks noGrp="1"/>
-          </p:cNvSpPr>
-          <p:nvPr>
-            <p:ph type="title"/>
-          </p:nvPr>
-        </p:nvSpPr>
-        <p:spPr>
-          <a:xfrm>
-            <a:off x="609480" y="273600"/>
-            <a:ext cx="10972080" cy="1144440"/>
-          </a:xfrm>
-          <a:prstGeom prst="rect">
-            <a:avLst/>
-          </a:prstGeom>
-          <a:noFill/>
-          <a:ln w="0">
-            <a:noFill/>
-          </a:ln>
-        </p:spPr>
-        <p:txBody>
-          <a:bodyPr lIns="0" rIns="0" tIns="0" bIns="0" anchor="ctr">
-            <a:noAutofit/>
-          </a:bodyPr>
-          <a:p>
-            <a:pPr algn="ctr">
-              <a:buNone/>
-            </a:pPr>
-            <a:endParaRPr b="0" lang="en-IE" sz="4400" spc="-1" strike="noStrike">
-              <a:latin typeface="Arial"/>
-            </a:endParaRPr>
-          </a:p>
-        </p:txBody>
-      </p:sp>
-      <p:sp>
-        <p:nvSpPr>
-          <p:cNvPr id="172" name="PlaceHolder 2"/>
-          <p:cNvSpPr>
-            <a:spLocks noGrp="1"/>
-          </p:cNvSpPr>
-          <p:nvPr>
-            <p:ph/>
-          </p:nvPr>
-        </p:nvSpPr>
-        <p:spPr>
-          <a:xfrm>
-            <a:off x="609480" y="1604520"/>
-            <a:ext cx="10972080" cy="3976920"/>
-          </a:xfrm>
-          <a:prstGeom prst="rect">
-            <a:avLst/>
-          </a:prstGeom>
-          <a:noFill/>
-          <a:ln w="0">
-            <a:noFill/>
-          </a:ln>
-        </p:spPr>
-        <p:txBody>
-          <a:bodyPr lIns="0" rIns="0" tIns="0" bIns="0" anchor="t">
-            <a:normAutofit/>
-          </a:bodyPr>
-          <a:p>
-            <a:endParaRPr b="0" lang="en-IE" sz="3200" spc="-1" strike="noStrike">
-              <a:latin typeface="Arial"/>
-            </a:endParaRPr>
-          </a:p>
-        </p:txBody>
-      </p:sp>
-      <p:sp>
-        <p:nvSpPr>
-          <p:cNvPr id="4" name="PlaceHolder 3"/>
-          <p:cNvSpPr>
-            <a:spLocks noGrp="1"/>
-          </p:cNvSpPr>
-          <p:nvPr>
-            <p:ph type="ftr" idx="13"/>
-          </p:nvPr>
-        </p:nvSpPr>
-        <p:spPr/>
-        <p:txBody>
-          <a:bodyPr/>
-          <a:p>
-            <a:r>
-              <a:t>Footer</a:t>
-            </a:r>
-          </a:p>
-        </p:txBody>
-      </p:sp>
-      <p:sp>
-        <p:nvSpPr>
-          <p:cNvPr id="5" name="PlaceHolder 4"/>
-          <p:cNvSpPr>
-            <a:spLocks noGrp="1"/>
-          </p:cNvSpPr>
-          <p:nvPr>
-            <p:ph type="sldNum" idx="14"/>
-          </p:nvPr>
-        </p:nvSpPr>
-        <p:spPr/>
-        <p:txBody>
-          <a:bodyPr/>
-          <a:p>
-            <a:fld id="{18B36CBC-4654-431F-B0F0-103704EF6801}" type="slidenum">
-              <a:t>&lt;#&gt;</a:t>
-            </a:fld>
-          </a:p>
-        </p:txBody>
-      </p:sp>
-      <p:sp>
-        <p:nvSpPr>
-          <p:cNvPr id="6" name="PlaceHolder 5"/>
-          <p:cNvSpPr>
-            <a:spLocks noGrp="1"/>
-          </p:cNvSpPr>
-          <p:nvPr>
-            <p:ph type="dt" idx="15"/>
-          </p:nvPr>
-        </p:nvSpPr>
-        <p:spPr/>
-        <p:txBody>
-          <a:bodyPr/>
-          <a:p>
-            <a:r>
-              <a:rPr lang="en-IE"/>
-              <a:t/>
-            </a:r>
-          </a:p>
-        </p:txBody>
-      </p:sp>
-    </p:spTree>
-  </p:cSld>
-</p:sldLayout>
-</file>
-
-<file path=ppt/slideLayouts/slideLayout52.xml><?xml version="1.0" encoding="utf-8"?>
-<p:sldLayout xmlns:a="http://schemas.openxmlformats.org/drawingml/2006/main" xmlns:p="http://schemas.openxmlformats.org/presentationml/2006/main" xmlns:r="http://schemas.openxmlformats.org/officeDocument/2006/relationships" xmlns:p14="http://schemas.microsoft.com/office/powerpoint/2010/main" xmlns:p15="http://schemas.microsoft.com/office/powerpoint/2012/main" xmlns:mc="http://schemas.openxmlformats.org/markup-compatibility/2006" type="twoObj" preserve="1">
-  <p:cSld name="Title, 2 Content">
-    <p:spTree>
-      <p:nvGrpSpPr>
-        <p:cNvPr id="1" name=""/>
-        <p:cNvGrpSpPr/>
-        <p:nvPr/>
-      </p:nvGrpSpPr>
-      <p:grpSpPr>
-        <a:xfrm>
-          <a:off x="0" y="0"/>
-          <a:ext cx="0" cy="0"/>
-          <a:chOff x="0" y="0"/>
-          <a:chExt cx="0" cy="0"/>
-        </a:xfrm>
-      </p:grpSpPr>
-      <p:sp>
-        <p:nvSpPr>
-          <p:cNvPr id="173" name="PlaceHolder 1"/>
-          <p:cNvSpPr>
-            <a:spLocks noGrp="1"/>
-          </p:cNvSpPr>
-          <p:nvPr>
-            <p:ph type="title"/>
-          </p:nvPr>
-        </p:nvSpPr>
-        <p:spPr>
-          <a:xfrm>
-            <a:off x="609480" y="273600"/>
-            <a:ext cx="10972080" cy="1144440"/>
-          </a:xfrm>
-          <a:prstGeom prst="rect">
-            <a:avLst/>
-          </a:prstGeom>
-          <a:noFill/>
-          <a:ln w="0">
-            <a:noFill/>
-          </a:ln>
-        </p:spPr>
-        <p:txBody>
-          <a:bodyPr lIns="0" rIns="0" tIns="0" bIns="0" anchor="ctr">
-            <a:noAutofit/>
-          </a:bodyPr>
-          <a:p>
-            <a:pPr algn="ctr">
-              <a:buNone/>
-            </a:pPr>
-            <a:endParaRPr b="0" lang="en-IE" sz="4400" spc="-1" strike="noStrike">
-              <a:latin typeface="Arial"/>
-            </a:endParaRPr>
-          </a:p>
-        </p:txBody>
-      </p:sp>
-      <p:sp>
-        <p:nvSpPr>
-          <p:cNvPr id="174" name="PlaceHolder 2"/>
-          <p:cNvSpPr>
-            <a:spLocks noGrp="1"/>
-          </p:cNvSpPr>
-          <p:nvPr>
-            <p:ph/>
-          </p:nvPr>
-        </p:nvSpPr>
-        <p:spPr>
-          <a:xfrm>
-            <a:off x="609480" y="1604520"/>
-            <a:ext cx="5354280" cy="3976920"/>
-          </a:xfrm>
-          <a:prstGeom prst="rect">
-            <a:avLst/>
-          </a:prstGeom>
-          <a:noFill/>
-          <a:ln w="0">
-            <a:noFill/>
-          </a:ln>
-        </p:spPr>
-        <p:txBody>
-          <a:bodyPr lIns="0" rIns="0" tIns="0" bIns="0" anchor="t">
-            <a:normAutofit/>
-          </a:bodyPr>
-          <a:p>
-            <a:endParaRPr b="0" lang="en-IE" sz="3200" spc="-1" strike="noStrike">
-              <a:latin typeface="Arial"/>
-            </a:endParaRPr>
-          </a:p>
-        </p:txBody>
-      </p:sp>
-      <p:sp>
-        <p:nvSpPr>
-          <p:cNvPr id="175" name="PlaceHolder 3"/>
-          <p:cNvSpPr>
-            <a:spLocks noGrp="1"/>
-          </p:cNvSpPr>
-          <p:nvPr>
-            <p:ph/>
-          </p:nvPr>
-        </p:nvSpPr>
-        <p:spPr>
-          <a:xfrm>
-            <a:off x="6231960" y="1604520"/>
-            <a:ext cx="5354280" cy="3976920"/>
-          </a:xfrm>
-          <a:prstGeom prst="rect">
-            <a:avLst/>
-          </a:prstGeom>
-          <a:noFill/>
-          <a:ln w="0">
-            <a:noFill/>
-          </a:ln>
-        </p:spPr>
-        <p:txBody>
-          <a:bodyPr lIns="0" rIns="0" tIns="0" bIns="0" anchor="t">
-            <a:normAutofit/>
-          </a:bodyPr>
-          <a:p>
-            <a:endParaRPr b="0" lang="en-IE" sz="3200" spc="-1" strike="noStrike">
-              <a:latin typeface="Arial"/>
-            </a:endParaRPr>
-          </a:p>
-        </p:txBody>
-      </p:sp>
-      <p:sp>
-        <p:nvSpPr>
-          <p:cNvPr id="5" name="PlaceHolder 4"/>
-          <p:cNvSpPr>
-            <a:spLocks noGrp="1"/>
-          </p:cNvSpPr>
-          <p:nvPr>
-            <p:ph type="ftr" idx="13"/>
-          </p:nvPr>
-        </p:nvSpPr>
-        <p:spPr/>
-        <p:txBody>
-          <a:bodyPr/>
-          <a:p>
-            <a:r>
-              <a:t>Footer</a:t>
-            </a:r>
-          </a:p>
-        </p:txBody>
-      </p:sp>
-      <p:sp>
-        <p:nvSpPr>
-          <p:cNvPr id="6" name="PlaceHolder 5"/>
-          <p:cNvSpPr>
-            <a:spLocks noGrp="1"/>
-          </p:cNvSpPr>
-          <p:nvPr>
-            <p:ph type="sldNum" idx="14"/>
-          </p:nvPr>
-        </p:nvSpPr>
-        <p:spPr/>
-        <p:txBody>
-          <a:bodyPr/>
-          <a:p>
-            <a:fld id="{5905A147-FDC0-4DFD-B06C-AC3A97BD90A2}" type="slidenum">
-              <a:t>&lt;#&gt;</a:t>
-            </a:fld>
-          </a:p>
-        </p:txBody>
-      </p:sp>
-      <p:sp>
-        <p:nvSpPr>
-          <p:cNvPr id="7" name="PlaceHolder 6"/>
-          <p:cNvSpPr>
-            <a:spLocks noGrp="1"/>
-          </p:cNvSpPr>
-          <p:nvPr>
-            <p:ph type="dt" idx="15"/>
-          </p:nvPr>
-        </p:nvSpPr>
-        <p:spPr/>
-        <p:txBody>
-          <a:bodyPr/>
-          <a:p>
-            <a:r>
-              <a:rPr lang="en-IE"/>
-              <a:t/>
-            </a:r>
-          </a:p>
-        </p:txBody>
-      </p:sp>
-    </p:spTree>
-  </p:cSld>
-</p:sldLayout>
-</file>
-
-<file path=ppt/slideLayouts/slideLayout53.xml><?xml version="1.0" encoding="utf-8"?>
-<p:sldLayout xmlns:a="http://schemas.openxmlformats.org/drawingml/2006/main" xmlns:p="http://schemas.openxmlformats.org/presentationml/2006/main" xmlns:r="http://schemas.openxmlformats.org/officeDocument/2006/relationships" xmlns:p14="http://schemas.microsoft.com/office/powerpoint/2010/main" xmlns:p15="http://schemas.microsoft.com/office/powerpoint/2012/main" xmlns:mc="http://schemas.openxmlformats.org/markup-compatibility/2006" type="titleOnly" preserve="1">
-  <p:cSld name="Title Only">
-    <p:spTree>
-      <p:nvGrpSpPr>
-        <p:cNvPr id="1" name=""/>
-        <p:cNvGrpSpPr/>
-        <p:nvPr/>
-      </p:nvGrpSpPr>
-      <p:grpSpPr>
-        <a:xfrm>
-          <a:off x="0" y="0"/>
-          <a:ext cx="0" cy="0"/>
-          <a:chOff x="0" y="0"/>
-          <a:chExt cx="0" cy="0"/>
-        </a:xfrm>
-      </p:grpSpPr>
-      <p:sp>
-        <p:nvSpPr>
-          <p:cNvPr id="176" name="PlaceHolder 1"/>
-          <p:cNvSpPr>
-            <a:spLocks noGrp="1"/>
-          </p:cNvSpPr>
-          <p:nvPr>
-            <p:ph type="title"/>
-          </p:nvPr>
-        </p:nvSpPr>
-        <p:spPr>
-          <a:xfrm>
-            <a:off x="609480" y="273600"/>
-            <a:ext cx="10972080" cy="1144440"/>
-          </a:xfrm>
-          <a:prstGeom prst="rect">
-            <a:avLst/>
-          </a:prstGeom>
-          <a:noFill/>
-          <a:ln w="0">
-            <a:noFill/>
-          </a:ln>
-        </p:spPr>
-        <p:txBody>
-          <a:bodyPr lIns="0" rIns="0" tIns="0" bIns="0" anchor="ctr">
-            <a:noAutofit/>
-          </a:bodyPr>
-          <a:p>
-            <a:pPr algn="ctr">
-              <a:buNone/>
-            </a:pPr>
-            <a:endParaRPr b="0" lang="en-IE" sz="4400" spc="-1" strike="noStrike">
-              <a:latin typeface="Arial"/>
-            </a:endParaRPr>
-          </a:p>
-        </p:txBody>
-      </p:sp>
-      <p:sp>
-        <p:nvSpPr>
-          <p:cNvPr id="3" name="PlaceHolder 2"/>
-          <p:cNvSpPr>
-            <a:spLocks noGrp="1"/>
-          </p:cNvSpPr>
-          <p:nvPr>
-            <p:ph type="ftr" idx="13"/>
-          </p:nvPr>
-        </p:nvSpPr>
-        <p:spPr/>
-        <p:txBody>
-          <a:bodyPr/>
-          <a:p>
-            <a:r>
-              <a:t>Footer</a:t>
-            </a:r>
-          </a:p>
-        </p:txBody>
-      </p:sp>
-      <p:sp>
-        <p:nvSpPr>
-          <p:cNvPr id="4" name="PlaceHolder 3"/>
-          <p:cNvSpPr>
-            <a:spLocks noGrp="1"/>
-          </p:cNvSpPr>
-          <p:nvPr>
-            <p:ph type="sldNum" idx="14"/>
-          </p:nvPr>
-        </p:nvSpPr>
-        <p:spPr/>
-        <p:txBody>
-          <a:bodyPr/>
-          <a:p>
-            <a:fld id="{168B5054-79E5-43FA-99C3-E3F4078047B4}" type="slidenum">
-              <a:t>&lt;#&gt;</a:t>
-            </a:fld>
-          </a:p>
-        </p:txBody>
-      </p:sp>
-      <p:sp>
-        <p:nvSpPr>
-          <p:cNvPr id="5" name="PlaceHolder 4"/>
-          <p:cNvSpPr>
-            <a:spLocks noGrp="1"/>
-          </p:cNvSpPr>
-          <p:nvPr>
-            <p:ph type="dt" idx="15"/>
-          </p:nvPr>
-        </p:nvSpPr>
-        <p:spPr/>
-        <p:txBody>
-          <a:bodyPr/>
-          <a:p>
-            <a:r>
-              <a:rPr lang="en-IE"/>
-              <a:t/>
-            </a:r>
-          </a:p>
-        </p:txBody>
-      </p:sp>
-    </p:spTree>
-  </p:cSld>
-</p:sldLayout>
-</file>
-
-<file path=ppt/slideLayouts/slideLayout54.xml><?xml version="1.0" encoding="utf-8"?>
-<p:sldLayout xmlns:a="http://schemas.openxmlformats.org/drawingml/2006/main" xmlns:p="http://schemas.openxmlformats.org/presentationml/2006/main" xmlns:r="http://schemas.openxmlformats.org/officeDocument/2006/relationships" xmlns:p14="http://schemas.microsoft.com/office/powerpoint/2010/main" xmlns:p15="http://schemas.microsoft.com/office/powerpoint/2012/main" xmlns:mc="http://schemas.openxmlformats.org/markup-compatibility/2006" type="objOnly" preserve="1">
-  <p:cSld name="Centered Text">
-    <p:spTree>
-      <p:nvGrpSpPr>
-        <p:cNvPr id="1" name=""/>
-        <p:cNvGrpSpPr/>
-        <p:nvPr/>
-      </p:nvGrpSpPr>
-      <p:grpSpPr>
-        <a:xfrm>
-          <a:off x="0" y="0"/>
-          <a:ext cx="0" cy="0"/>
-          <a:chOff x="0" y="0"/>
-          <a:chExt cx="0" cy="0"/>
-        </a:xfrm>
-      </p:grpSpPr>
-      <p:sp>
-        <p:nvSpPr>
-          <p:cNvPr id="177" name="PlaceHolder 1"/>
-          <p:cNvSpPr>
-            <a:spLocks noGrp="1"/>
-          </p:cNvSpPr>
-          <p:nvPr>
-            <p:ph type="subTitle"/>
-          </p:nvPr>
-        </p:nvSpPr>
-        <p:spPr>
-          <a:xfrm>
-            <a:off x="609480" y="273600"/>
-            <a:ext cx="10972080" cy="5306400"/>
-          </a:xfrm>
-          <a:prstGeom prst="rect">
-            <a:avLst/>
-          </a:prstGeom>
-          <a:noFill/>
-          <a:ln w="0">
-            <a:noFill/>
-          </a:ln>
-        </p:spPr>
-        <p:txBody>
-          <a:bodyPr lIns="0" rIns="0" tIns="0" bIns="0" anchor="ctr">
-            <a:noAutofit/>
-          </a:bodyPr>
-          <a:p>
-            <a:pPr algn="ctr">
-              <a:buNone/>
-            </a:pPr>
-            <a:endParaRPr b="0" lang="en-IE" sz="3200" spc="-1" strike="noStrike">
-              <a:latin typeface="Arial"/>
-            </a:endParaRPr>
-          </a:p>
-        </p:txBody>
-      </p:sp>
-      <p:sp>
-        <p:nvSpPr>
-          <p:cNvPr id="3" name="PlaceHolder 2"/>
-          <p:cNvSpPr>
-            <a:spLocks noGrp="1"/>
-          </p:cNvSpPr>
-          <p:nvPr>
-            <p:ph type="ftr" idx="13"/>
-          </p:nvPr>
-        </p:nvSpPr>
-        <p:spPr/>
-        <p:txBody>
-          <a:bodyPr/>
-          <a:p>
-            <a:r>
-              <a:t>Footer</a:t>
-            </a:r>
-          </a:p>
-        </p:txBody>
-      </p:sp>
-      <p:sp>
-        <p:nvSpPr>
-          <p:cNvPr id="4" name="PlaceHolder 3"/>
-          <p:cNvSpPr>
-            <a:spLocks noGrp="1"/>
-          </p:cNvSpPr>
-          <p:nvPr>
-            <p:ph type="sldNum" idx="14"/>
-          </p:nvPr>
-        </p:nvSpPr>
-        <p:spPr/>
-        <p:txBody>
-          <a:bodyPr/>
-          <a:p>
-            <a:fld id="{0D3EB174-8BBE-4C3F-8ED3-933F9218AC31}" type="slidenum">
-              <a:t>&lt;#&gt;</a:t>
-            </a:fld>
-          </a:p>
-        </p:txBody>
-      </p:sp>
-      <p:sp>
-        <p:nvSpPr>
-          <p:cNvPr id="5" name="PlaceHolder 4"/>
-          <p:cNvSpPr>
-            <a:spLocks noGrp="1"/>
-          </p:cNvSpPr>
-          <p:nvPr>
-            <p:ph type="dt" idx="15"/>
-          </p:nvPr>
-        </p:nvSpPr>
-        <p:spPr/>
-        <p:txBody>
-          <a:bodyPr/>
-          <a:p>
-            <a:r>
-              <a:rPr lang="en-IE"/>
-              <a:t/>
-            </a:r>
-          </a:p>
-        </p:txBody>
-      </p:sp>
-    </p:spTree>
-  </p:cSld>
-</p:sldLayout>
-</file>
-
-<file path=ppt/slideLayouts/slideLayout55.xml><?xml version="1.0" encoding="utf-8"?>
-<p:sldLayout xmlns:a="http://schemas.openxmlformats.org/drawingml/2006/main" xmlns:p="http://schemas.openxmlformats.org/presentationml/2006/main" xmlns:r="http://schemas.openxmlformats.org/officeDocument/2006/relationships" xmlns:p14="http://schemas.microsoft.com/office/powerpoint/2010/main" xmlns:p15="http://schemas.microsoft.com/office/powerpoint/2012/main" xmlns:mc="http://schemas.openxmlformats.org/markup-compatibility/2006" type="twoObjAndObj" preserve="1">
-  <p:cSld name="Title, 2 Content and Content">
-    <p:spTree>
-      <p:nvGrpSpPr>
-        <p:cNvPr id="1" name=""/>
-        <p:cNvGrpSpPr/>
-        <p:nvPr/>
-      </p:nvGrpSpPr>
-      <p:grpSpPr>
-        <a:xfrm>
-          <a:off x="0" y="0"/>
-          <a:ext cx="0" cy="0"/>
-          <a:chOff x="0" y="0"/>
-          <a:chExt cx="0" cy="0"/>
-        </a:xfrm>
-      </p:grpSpPr>
-      <p:sp>
-        <p:nvSpPr>
-          <p:cNvPr id="178" name="PlaceHolder 1"/>
-          <p:cNvSpPr>
-            <a:spLocks noGrp="1"/>
-          </p:cNvSpPr>
-          <p:nvPr>
-            <p:ph type="title"/>
-          </p:nvPr>
-        </p:nvSpPr>
-        <p:spPr>
-          <a:xfrm>
-            <a:off x="609480" y="273600"/>
-            <a:ext cx="10972080" cy="1144440"/>
-          </a:xfrm>
-          <a:prstGeom prst="rect">
-            <a:avLst/>
-          </a:prstGeom>
-          <a:noFill/>
-          <a:ln w="0">
-            <a:noFill/>
-          </a:ln>
-        </p:spPr>
-        <p:txBody>
-          <a:bodyPr lIns="0" rIns="0" tIns="0" bIns="0" anchor="ctr">
-            <a:noAutofit/>
-          </a:bodyPr>
-          <a:p>
-            <a:pPr algn="ctr">
-              <a:buNone/>
-            </a:pPr>
-            <a:endParaRPr b="0" lang="en-IE" sz="4400" spc="-1" strike="noStrike">
-              <a:latin typeface="Arial"/>
-            </a:endParaRPr>
-          </a:p>
-        </p:txBody>
-      </p:sp>
-      <p:sp>
-        <p:nvSpPr>
-          <p:cNvPr id="179" name="PlaceHolder 2"/>
-          <p:cNvSpPr>
-            <a:spLocks noGrp="1"/>
-          </p:cNvSpPr>
-          <p:nvPr>
-            <p:ph/>
-          </p:nvPr>
-        </p:nvSpPr>
-        <p:spPr>
-          <a:xfrm>
-            <a:off x="609480" y="1604520"/>
-            <a:ext cx="5354280" cy="1896840"/>
-          </a:xfrm>
-          <a:prstGeom prst="rect">
-            <a:avLst/>
-          </a:prstGeom>
-          <a:noFill/>
-          <a:ln w="0">
-            <a:noFill/>
-          </a:ln>
-        </p:spPr>
-        <p:txBody>
-          <a:bodyPr lIns="0" rIns="0" tIns="0" bIns="0" anchor="t">
-            <a:normAutofit/>
-          </a:bodyPr>
-          <a:p>
-            <a:endParaRPr b="0" lang="en-IE" sz="3200" spc="-1" strike="noStrike">
-              <a:latin typeface="Arial"/>
-            </a:endParaRPr>
-          </a:p>
-        </p:txBody>
-      </p:sp>
-      <p:sp>
-        <p:nvSpPr>
-          <p:cNvPr id="180" name="PlaceHolder 3"/>
-          <p:cNvSpPr>
-            <a:spLocks noGrp="1"/>
-          </p:cNvSpPr>
-          <p:nvPr>
-            <p:ph/>
-          </p:nvPr>
-        </p:nvSpPr>
-        <p:spPr>
-          <a:xfrm>
-            <a:off x="6231960" y="1604520"/>
-            <a:ext cx="5354280" cy="3976920"/>
-          </a:xfrm>
-          <a:prstGeom prst="rect">
-            <a:avLst/>
-          </a:prstGeom>
-          <a:noFill/>
-          <a:ln w="0">
-            <a:noFill/>
-          </a:ln>
-        </p:spPr>
-        <p:txBody>
-          <a:bodyPr lIns="0" rIns="0" tIns="0" bIns="0" anchor="t">
-            <a:normAutofit/>
-          </a:bodyPr>
-          <a:p>
-            <a:endParaRPr b="0" lang="en-IE" sz="3200" spc="-1" strike="noStrike">
-              <a:latin typeface="Arial"/>
-            </a:endParaRPr>
-          </a:p>
-        </p:txBody>
-      </p:sp>
-      <p:sp>
-        <p:nvSpPr>
-          <p:cNvPr id="181" name="PlaceHolder 4"/>
-          <p:cNvSpPr>
-            <a:spLocks noGrp="1"/>
-          </p:cNvSpPr>
-          <p:nvPr>
-            <p:ph/>
-          </p:nvPr>
-        </p:nvSpPr>
-        <p:spPr>
-          <a:xfrm>
-            <a:off x="609480" y="3682080"/>
-            <a:ext cx="5354280" cy="1896840"/>
-          </a:xfrm>
-          <a:prstGeom prst="rect">
-            <a:avLst/>
-          </a:prstGeom>
-          <a:noFill/>
-          <a:ln w="0">
-            <a:noFill/>
-          </a:ln>
-        </p:spPr>
-        <p:txBody>
-          <a:bodyPr lIns="0" rIns="0" tIns="0" bIns="0" anchor="t">
-            <a:normAutofit/>
-          </a:bodyPr>
-          <a:p>
-            <a:endParaRPr b="0" lang="en-IE" sz="3200" spc="-1" strike="noStrike">
-              <a:latin typeface="Arial"/>
-            </a:endParaRPr>
-          </a:p>
-        </p:txBody>
-      </p:sp>
-      <p:sp>
-        <p:nvSpPr>
-          <p:cNvPr id="6" name="PlaceHolder 5"/>
-          <p:cNvSpPr>
-            <a:spLocks noGrp="1"/>
-          </p:cNvSpPr>
-          <p:nvPr>
-            <p:ph type="ftr" idx="13"/>
-          </p:nvPr>
-        </p:nvSpPr>
-        <p:spPr/>
-        <p:txBody>
-          <a:bodyPr/>
-          <a:p>
-            <a:r>
-              <a:t>Footer</a:t>
-            </a:r>
-          </a:p>
-        </p:txBody>
-      </p:sp>
-      <p:sp>
-        <p:nvSpPr>
-          <p:cNvPr id="7" name="PlaceHolder 6"/>
-          <p:cNvSpPr>
-            <a:spLocks noGrp="1"/>
-          </p:cNvSpPr>
-          <p:nvPr>
-            <p:ph type="sldNum" idx="14"/>
-          </p:nvPr>
-        </p:nvSpPr>
-        <p:spPr/>
-        <p:txBody>
-          <a:bodyPr/>
-          <a:p>
-            <a:fld id="{4584CC7C-88FD-40F7-9FC0-1D427B464555}" type="slidenum">
-              <a:t>&lt;#&gt;</a:t>
-            </a:fld>
-          </a:p>
-        </p:txBody>
-      </p:sp>
-      <p:sp>
-        <p:nvSpPr>
-          <p:cNvPr id="8" name="PlaceHolder 7"/>
-          <p:cNvSpPr>
-            <a:spLocks noGrp="1"/>
-          </p:cNvSpPr>
-          <p:nvPr>
-            <p:ph type="dt" idx="15"/>
-          </p:nvPr>
-        </p:nvSpPr>
-        <p:spPr/>
-        <p:txBody>
-          <a:bodyPr/>
-          <a:p>
-            <a:r>
-              <a:rPr lang="en-IE"/>
-              <a:t/>
-            </a:r>
-          </a:p>
-        </p:txBody>
-      </p:sp>
-    </p:spTree>
-  </p:cSld>
-</p:sldLayout>
-</file>
-
-<file path=ppt/slideLayouts/slideLayout56.xml><?xml version="1.0" encoding="utf-8"?>
-<p:sldLayout xmlns:a="http://schemas.openxmlformats.org/drawingml/2006/main" xmlns:p="http://schemas.openxmlformats.org/presentationml/2006/main" xmlns:r="http://schemas.openxmlformats.org/officeDocument/2006/relationships" xmlns:p14="http://schemas.microsoft.com/office/powerpoint/2010/main" xmlns:p15="http://schemas.microsoft.com/office/powerpoint/2012/main" xmlns:mc="http://schemas.openxmlformats.org/markup-compatibility/2006" type="objAndTwoObj" preserve="1">
-  <p:cSld name="Title Content and 2 Content">
-    <p:spTree>
-      <p:nvGrpSpPr>
-        <p:cNvPr id="1" name=""/>
-        <p:cNvGrpSpPr/>
-        <p:nvPr/>
-      </p:nvGrpSpPr>
-      <p:grpSpPr>
-        <a:xfrm>
-          <a:off x="0" y="0"/>
-          <a:ext cx="0" cy="0"/>
-          <a:chOff x="0" y="0"/>
-          <a:chExt cx="0" cy="0"/>
-        </a:xfrm>
-      </p:grpSpPr>
-      <p:sp>
-        <p:nvSpPr>
-          <p:cNvPr id="182" name="PlaceHolder 1"/>
-          <p:cNvSpPr>
-            <a:spLocks noGrp="1"/>
-          </p:cNvSpPr>
-          <p:nvPr>
-            <p:ph type="title"/>
-          </p:nvPr>
-        </p:nvSpPr>
-        <p:spPr>
-          <a:xfrm>
-            <a:off x="609480" y="273600"/>
-            <a:ext cx="10972080" cy="1144440"/>
-          </a:xfrm>
-          <a:prstGeom prst="rect">
-            <a:avLst/>
-          </a:prstGeom>
-          <a:noFill/>
-          <a:ln w="0">
-            <a:noFill/>
-          </a:ln>
-        </p:spPr>
-        <p:txBody>
-          <a:bodyPr lIns="0" rIns="0" tIns="0" bIns="0" anchor="ctr">
-            <a:noAutofit/>
-          </a:bodyPr>
-          <a:p>
-            <a:pPr algn="ctr">
-              <a:buNone/>
-            </a:pPr>
-            <a:endParaRPr b="0" lang="en-IE" sz="4400" spc="-1" strike="noStrike">
-              <a:latin typeface="Arial"/>
-            </a:endParaRPr>
-          </a:p>
-        </p:txBody>
-      </p:sp>
-      <p:sp>
-        <p:nvSpPr>
-          <p:cNvPr id="183" name="PlaceHolder 2"/>
-          <p:cNvSpPr>
-            <a:spLocks noGrp="1"/>
-          </p:cNvSpPr>
-          <p:nvPr>
-            <p:ph/>
-          </p:nvPr>
-        </p:nvSpPr>
-        <p:spPr>
-          <a:xfrm>
-            <a:off x="609480" y="1604520"/>
-            <a:ext cx="5354280" cy="3976920"/>
-          </a:xfrm>
-          <a:prstGeom prst="rect">
-            <a:avLst/>
-          </a:prstGeom>
-          <a:noFill/>
-          <a:ln w="0">
-            <a:noFill/>
-          </a:ln>
-        </p:spPr>
-        <p:txBody>
-          <a:bodyPr lIns="0" rIns="0" tIns="0" bIns="0" anchor="t">
-            <a:normAutofit/>
-          </a:bodyPr>
-          <a:p>
-            <a:endParaRPr b="0" lang="en-IE" sz="3200" spc="-1" strike="noStrike">
-              <a:latin typeface="Arial"/>
-            </a:endParaRPr>
-          </a:p>
-        </p:txBody>
-      </p:sp>
-      <p:sp>
-        <p:nvSpPr>
-          <p:cNvPr id="184" name="PlaceHolder 3"/>
-          <p:cNvSpPr>
-            <a:spLocks noGrp="1"/>
-          </p:cNvSpPr>
-          <p:nvPr>
-            <p:ph/>
-          </p:nvPr>
-        </p:nvSpPr>
-        <p:spPr>
-          <a:xfrm>
-            <a:off x="6231960" y="1604520"/>
-            <a:ext cx="5354280" cy="1896840"/>
-          </a:xfrm>
-          <a:prstGeom prst="rect">
-            <a:avLst/>
-          </a:prstGeom>
-          <a:noFill/>
-          <a:ln w="0">
-            <a:noFill/>
-          </a:ln>
-        </p:spPr>
-        <p:txBody>
-          <a:bodyPr lIns="0" rIns="0" tIns="0" bIns="0" anchor="t">
-            <a:normAutofit/>
-          </a:bodyPr>
-          <a:p>
-            <a:endParaRPr b="0" lang="en-IE" sz="3200" spc="-1" strike="noStrike">
-              <a:latin typeface="Arial"/>
-            </a:endParaRPr>
-          </a:p>
-        </p:txBody>
-      </p:sp>
-      <p:sp>
-        <p:nvSpPr>
-          <p:cNvPr id="185" name="PlaceHolder 4"/>
-          <p:cNvSpPr>
-            <a:spLocks noGrp="1"/>
-          </p:cNvSpPr>
-          <p:nvPr>
-            <p:ph/>
-          </p:nvPr>
-        </p:nvSpPr>
-        <p:spPr>
-          <a:xfrm>
-            <a:off x="6231960" y="3682080"/>
-            <a:ext cx="5354280" cy="1896840"/>
-          </a:xfrm>
-          <a:prstGeom prst="rect">
-            <a:avLst/>
-          </a:prstGeom>
-          <a:noFill/>
-          <a:ln w="0">
-            <a:noFill/>
-          </a:ln>
-        </p:spPr>
-        <p:txBody>
-          <a:bodyPr lIns="0" rIns="0" tIns="0" bIns="0" anchor="t">
-            <a:normAutofit/>
-          </a:bodyPr>
-          <a:p>
-            <a:endParaRPr b="0" lang="en-IE" sz="3200" spc="-1" strike="noStrike">
-              <a:latin typeface="Arial"/>
-            </a:endParaRPr>
-          </a:p>
-        </p:txBody>
-      </p:sp>
-      <p:sp>
-        <p:nvSpPr>
-          <p:cNvPr id="6" name="PlaceHolder 5"/>
-          <p:cNvSpPr>
-            <a:spLocks noGrp="1"/>
-          </p:cNvSpPr>
-          <p:nvPr>
-            <p:ph type="ftr" idx="13"/>
-          </p:nvPr>
-        </p:nvSpPr>
-        <p:spPr/>
-        <p:txBody>
-          <a:bodyPr/>
-          <a:p>
-            <a:r>
-              <a:t>Footer</a:t>
-            </a:r>
-          </a:p>
-        </p:txBody>
-      </p:sp>
-      <p:sp>
-        <p:nvSpPr>
-          <p:cNvPr id="7" name="PlaceHolder 6"/>
-          <p:cNvSpPr>
-            <a:spLocks noGrp="1"/>
-          </p:cNvSpPr>
-          <p:nvPr>
-            <p:ph type="sldNum" idx="14"/>
-          </p:nvPr>
-        </p:nvSpPr>
-        <p:spPr/>
-        <p:txBody>
-          <a:bodyPr/>
-          <a:p>
-            <a:fld id="{479952BF-2F92-4307-B6CF-CA6A698B68D5}" type="slidenum">
-              <a:t>&lt;#&gt;</a:t>
-            </a:fld>
-          </a:p>
-        </p:txBody>
-      </p:sp>
-      <p:sp>
-        <p:nvSpPr>
-          <p:cNvPr id="8" name="PlaceHolder 7"/>
-          <p:cNvSpPr>
-            <a:spLocks noGrp="1"/>
-          </p:cNvSpPr>
-          <p:nvPr>
-            <p:ph type="dt" idx="15"/>
-          </p:nvPr>
-        </p:nvSpPr>
-        <p:spPr/>
-        <p:txBody>
-          <a:bodyPr/>
-          <a:p>
-            <a:r>
-              <a:rPr lang="en-IE"/>
-              <a:t/>
-            </a:r>
-          </a:p>
-        </p:txBody>
-      </p:sp>
-    </p:spTree>
-  </p:cSld>
-</p:sldLayout>
-</file>
-
-<file path=ppt/slideLayouts/slideLayout57.xml><?xml version="1.0" encoding="utf-8"?>
-<p:sldLayout xmlns:a="http://schemas.openxmlformats.org/drawingml/2006/main" xmlns:p="http://schemas.openxmlformats.org/presentationml/2006/main" xmlns:r="http://schemas.openxmlformats.org/officeDocument/2006/relationships" xmlns:p14="http://schemas.microsoft.com/office/powerpoint/2010/main" xmlns:p15="http://schemas.microsoft.com/office/powerpoint/2012/main" xmlns:mc="http://schemas.openxmlformats.org/markup-compatibility/2006" type="twoObjOverTx" preserve="1">
-  <p:cSld name="Title, 2 Content over Content">
-    <p:spTree>
-      <p:nvGrpSpPr>
-        <p:cNvPr id="1" name=""/>
-        <p:cNvGrpSpPr/>
-        <p:nvPr/>
-      </p:nvGrpSpPr>
-      <p:grpSpPr>
-        <a:xfrm>
-          <a:off x="0" y="0"/>
-          <a:ext cx="0" cy="0"/>
-          <a:chOff x="0" y="0"/>
-          <a:chExt cx="0" cy="0"/>
-        </a:xfrm>
-      </p:grpSpPr>
-      <p:sp>
-        <p:nvSpPr>
-          <p:cNvPr id="186" name="PlaceHolder 1"/>
-          <p:cNvSpPr>
-            <a:spLocks noGrp="1"/>
-          </p:cNvSpPr>
-          <p:nvPr>
-            <p:ph type="title"/>
-          </p:nvPr>
-        </p:nvSpPr>
-        <p:spPr>
-          <a:xfrm>
-            <a:off x="609480" y="273600"/>
-            <a:ext cx="10972080" cy="1144440"/>
-          </a:xfrm>
-          <a:prstGeom prst="rect">
-            <a:avLst/>
-          </a:prstGeom>
-          <a:noFill/>
-          <a:ln w="0">
-            <a:noFill/>
-          </a:ln>
-        </p:spPr>
-        <p:txBody>
-          <a:bodyPr lIns="0" rIns="0" tIns="0" bIns="0" anchor="ctr">
-            <a:noAutofit/>
-          </a:bodyPr>
-          <a:p>
-            <a:pPr algn="ctr">
-              <a:buNone/>
-            </a:pPr>
-            <a:endParaRPr b="0" lang="en-IE" sz="4400" spc="-1" strike="noStrike">
-              <a:latin typeface="Arial"/>
-            </a:endParaRPr>
-          </a:p>
-        </p:txBody>
-      </p:sp>
-      <p:sp>
-        <p:nvSpPr>
-          <p:cNvPr id="187" name="PlaceHolder 2"/>
-          <p:cNvSpPr>
-            <a:spLocks noGrp="1"/>
-          </p:cNvSpPr>
-          <p:nvPr>
-            <p:ph/>
-          </p:nvPr>
-        </p:nvSpPr>
-        <p:spPr>
-          <a:xfrm>
-            <a:off x="609480" y="1604520"/>
-            <a:ext cx="5354280" cy="1896840"/>
-          </a:xfrm>
-          <a:prstGeom prst="rect">
-            <a:avLst/>
-          </a:prstGeom>
-          <a:noFill/>
-          <a:ln w="0">
-            <a:noFill/>
-          </a:ln>
-        </p:spPr>
-        <p:txBody>
-          <a:bodyPr lIns="0" rIns="0" tIns="0" bIns="0" anchor="t">
-            <a:normAutofit/>
-          </a:bodyPr>
-          <a:p>
-            <a:endParaRPr b="0" lang="en-IE" sz="3200" spc="-1" strike="noStrike">
-              <a:latin typeface="Arial"/>
-            </a:endParaRPr>
-          </a:p>
-        </p:txBody>
-      </p:sp>
-      <p:sp>
-        <p:nvSpPr>
-          <p:cNvPr id="188" name="PlaceHolder 3"/>
-          <p:cNvSpPr>
-            <a:spLocks noGrp="1"/>
-          </p:cNvSpPr>
-          <p:nvPr>
-            <p:ph/>
-          </p:nvPr>
-        </p:nvSpPr>
-        <p:spPr>
-          <a:xfrm>
-            <a:off x="6231960" y="1604520"/>
-            <a:ext cx="5354280" cy="1896840"/>
-          </a:xfrm>
-          <a:prstGeom prst="rect">
-            <a:avLst/>
-          </a:prstGeom>
-          <a:noFill/>
-          <a:ln w="0">
-            <a:noFill/>
-          </a:ln>
-        </p:spPr>
-        <p:txBody>
-          <a:bodyPr lIns="0" rIns="0" tIns="0" bIns="0" anchor="t">
-            <a:normAutofit/>
-          </a:bodyPr>
-          <a:p>
-            <a:endParaRPr b="0" lang="en-IE" sz="3200" spc="-1" strike="noStrike">
-              <a:latin typeface="Arial"/>
-            </a:endParaRPr>
-          </a:p>
-        </p:txBody>
-      </p:sp>
-      <p:sp>
-        <p:nvSpPr>
-          <p:cNvPr id="189" name="PlaceHolder 4"/>
-          <p:cNvSpPr>
-            <a:spLocks noGrp="1"/>
-          </p:cNvSpPr>
-          <p:nvPr>
-            <p:ph/>
-          </p:nvPr>
-        </p:nvSpPr>
-        <p:spPr>
-          <a:xfrm>
-            <a:off x="609480" y="3682080"/>
-            <a:ext cx="10972080" cy="1896840"/>
-          </a:xfrm>
-          <a:prstGeom prst="rect">
-            <a:avLst/>
-          </a:prstGeom>
-          <a:noFill/>
-          <a:ln w="0">
-            <a:noFill/>
-          </a:ln>
-        </p:spPr>
-        <p:txBody>
-          <a:bodyPr lIns="0" rIns="0" tIns="0" bIns="0" anchor="t">
-            <a:normAutofit/>
-          </a:bodyPr>
-          <a:p>
-            <a:endParaRPr b="0" lang="en-IE" sz="3200" spc="-1" strike="noStrike">
-              <a:latin typeface="Arial"/>
-            </a:endParaRPr>
-          </a:p>
-        </p:txBody>
-      </p:sp>
-      <p:sp>
-        <p:nvSpPr>
-          <p:cNvPr id="6" name="PlaceHolder 5"/>
-          <p:cNvSpPr>
-            <a:spLocks noGrp="1"/>
-          </p:cNvSpPr>
-          <p:nvPr>
-            <p:ph type="ftr" idx="13"/>
-          </p:nvPr>
-        </p:nvSpPr>
-        <p:spPr/>
-        <p:txBody>
-          <a:bodyPr/>
-          <a:p>
-            <a:r>
-              <a:t>Footer</a:t>
-            </a:r>
-          </a:p>
-        </p:txBody>
-      </p:sp>
-      <p:sp>
-        <p:nvSpPr>
-          <p:cNvPr id="7" name="PlaceHolder 6"/>
-          <p:cNvSpPr>
-            <a:spLocks noGrp="1"/>
-          </p:cNvSpPr>
-          <p:nvPr>
-            <p:ph type="sldNum" idx="14"/>
-          </p:nvPr>
-        </p:nvSpPr>
-        <p:spPr/>
-        <p:txBody>
-          <a:bodyPr/>
-          <a:p>
-            <a:fld id="{9FB26411-8973-4C47-8BBE-6D7A5DAC6D2F}" type="slidenum">
-              <a:t>&lt;#&gt;</a:t>
-            </a:fld>
-          </a:p>
-        </p:txBody>
-      </p:sp>
-      <p:sp>
-        <p:nvSpPr>
-          <p:cNvPr id="8" name="PlaceHolder 7"/>
-          <p:cNvSpPr>
-            <a:spLocks noGrp="1"/>
-          </p:cNvSpPr>
-          <p:nvPr>
-            <p:ph type="dt" idx="15"/>
-          </p:nvPr>
-        </p:nvSpPr>
-        <p:spPr/>
-        <p:txBody>
-          <a:bodyPr/>
-          <a:p>
-            <a:r>
-              <a:rPr lang="en-IE"/>
-              <a:t/>
-            </a:r>
-          </a:p>
-        </p:txBody>
-      </p:sp>
-    </p:spTree>
-  </p:cSld>
-</p:sldLayout>
-</file>
-
-<file path=ppt/slideLayouts/slideLayout58.xml><?xml version="1.0" encoding="utf-8"?>
-<p:sldLayout xmlns:a="http://schemas.openxmlformats.org/drawingml/2006/main" xmlns:p="http://schemas.openxmlformats.org/presentationml/2006/main" xmlns:r="http://schemas.openxmlformats.org/officeDocument/2006/relationships" xmlns:p14="http://schemas.microsoft.com/office/powerpoint/2010/main" xmlns:p15="http://schemas.microsoft.com/office/powerpoint/2012/main" xmlns:mc="http://schemas.openxmlformats.org/markup-compatibility/2006" type="objOverTx" preserve="1">
-  <p:cSld name="Title, Content over Content">
-    <p:spTree>
-      <p:nvGrpSpPr>
-        <p:cNvPr id="1" name=""/>
-        <p:cNvGrpSpPr/>
-        <p:nvPr/>
-      </p:nvGrpSpPr>
-      <p:grpSpPr>
-        <a:xfrm>
-          <a:off x="0" y="0"/>
-          <a:ext cx="0" cy="0"/>
-          <a:chOff x="0" y="0"/>
-          <a:chExt cx="0" cy="0"/>
-        </a:xfrm>
-      </p:grpSpPr>
-      <p:sp>
-        <p:nvSpPr>
-          <p:cNvPr id="190" name="PlaceHolder 1"/>
-          <p:cNvSpPr>
-            <a:spLocks noGrp="1"/>
-          </p:cNvSpPr>
-          <p:nvPr>
-            <p:ph type="title"/>
-          </p:nvPr>
-        </p:nvSpPr>
-        <p:spPr>
-          <a:xfrm>
-            <a:off x="609480" y="273600"/>
-            <a:ext cx="10972080" cy="1144440"/>
-          </a:xfrm>
-          <a:prstGeom prst="rect">
-            <a:avLst/>
-          </a:prstGeom>
-          <a:noFill/>
-          <a:ln w="0">
-            <a:noFill/>
-          </a:ln>
-        </p:spPr>
-        <p:txBody>
-          <a:bodyPr lIns="0" rIns="0" tIns="0" bIns="0" anchor="ctr">
-            <a:noAutofit/>
-          </a:bodyPr>
-          <a:p>
-            <a:pPr algn="ctr">
-              <a:buNone/>
-            </a:pPr>
-            <a:endParaRPr b="0" lang="en-IE" sz="4400" spc="-1" strike="noStrike">
-              <a:latin typeface="Arial"/>
-            </a:endParaRPr>
-          </a:p>
-        </p:txBody>
-      </p:sp>
-      <p:sp>
-        <p:nvSpPr>
-          <p:cNvPr id="191" name="PlaceHolder 2"/>
-          <p:cNvSpPr>
-            <a:spLocks noGrp="1"/>
-          </p:cNvSpPr>
-          <p:nvPr>
-            <p:ph/>
-          </p:nvPr>
-        </p:nvSpPr>
-        <p:spPr>
-          <a:xfrm>
-            <a:off x="609480" y="1604520"/>
-            <a:ext cx="10972080" cy="1896840"/>
-          </a:xfrm>
-          <a:prstGeom prst="rect">
-            <a:avLst/>
-          </a:prstGeom>
-          <a:noFill/>
-          <a:ln w="0">
-            <a:noFill/>
-          </a:ln>
-        </p:spPr>
-        <p:txBody>
-          <a:bodyPr lIns="0" rIns="0" tIns="0" bIns="0" anchor="t">
-            <a:normAutofit/>
-          </a:bodyPr>
-          <a:p>
-            <a:endParaRPr b="0" lang="en-IE" sz="3200" spc="-1" strike="noStrike">
-              <a:latin typeface="Arial"/>
-            </a:endParaRPr>
-          </a:p>
-        </p:txBody>
-      </p:sp>
-      <p:sp>
-        <p:nvSpPr>
-          <p:cNvPr id="192" name="PlaceHolder 3"/>
-          <p:cNvSpPr>
-            <a:spLocks noGrp="1"/>
-          </p:cNvSpPr>
-          <p:nvPr>
-            <p:ph/>
-          </p:nvPr>
-        </p:nvSpPr>
-        <p:spPr>
-          <a:xfrm>
-            <a:off x="609480" y="3682080"/>
-            <a:ext cx="10972080" cy="1896840"/>
-          </a:xfrm>
-          <a:prstGeom prst="rect">
-            <a:avLst/>
-          </a:prstGeom>
-          <a:noFill/>
-          <a:ln w="0">
-            <a:noFill/>
-          </a:ln>
-        </p:spPr>
-        <p:txBody>
-          <a:bodyPr lIns="0" rIns="0" tIns="0" bIns="0" anchor="t">
-            <a:normAutofit/>
-          </a:bodyPr>
-          <a:p>
-            <a:endParaRPr b="0" lang="en-IE" sz="3200" spc="-1" strike="noStrike">
-              <a:latin typeface="Arial"/>
-            </a:endParaRPr>
-          </a:p>
-        </p:txBody>
-      </p:sp>
-      <p:sp>
-        <p:nvSpPr>
-          <p:cNvPr id="5" name="PlaceHolder 4"/>
-          <p:cNvSpPr>
-            <a:spLocks noGrp="1"/>
-          </p:cNvSpPr>
-          <p:nvPr>
-            <p:ph type="ftr" idx="13"/>
-          </p:nvPr>
-        </p:nvSpPr>
-        <p:spPr/>
-        <p:txBody>
-          <a:bodyPr/>
-          <a:p>
-            <a:r>
-              <a:t>Footer</a:t>
-            </a:r>
-          </a:p>
-        </p:txBody>
-      </p:sp>
-      <p:sp>
-        <p:nvSpPr>
-          <p:cNvPr id="6" name="PlaceHolder 5"/>
-          <p:cNvSpPr>
-            <a:spLocks noGrp="1"/>
-          </p:cNvSpPr>
-          <p:nvPr>
-            <p:ph type="sldNum" idx="14"/>
-          </p:nvPr>
-        </p:nvSpPr>
-        <p:spPr/>
-        <p:txBody>
-          <a:bodyPr/>
-          <a:p>
-            <a:fld id="{9B29230D-5CC0-4755-9522-37EF57FA3645}" type="slidenum">
-              <a:t>&lt;#&gt;</a:t>
-            </a:fld>
-          </a:p>
-        </p:txBody>
-      </p:sp>
-      <p:sp>
-        <p:nvSpPr>
-          <p:cNvPr id="7" name="PlaceHolder 6"/>
-          <p:cNvSpPr>
-            <a:spLocks noGrp="1"/>
-          </p:cNvSpPr>
-          <p:nvPr>
-            <p:ph type="dt" idx="15"/>
-          </p:nvPr>
-        </p:nvSpPr>
-        <p:spPr/>
-        <p:txBody>
-          <a:bodyPr/>
-          <a:p>
-            <a:r>
-              <a:rPr lang="en-IE"/>
-              <a:t/>
-            </a:r>
-          </a:p>
-        </p:txBody>
-      </p:sp>
-    </p:spTree>
-  </p:cSld>
-</p:sldLayout>
-</file>
-
-<file path=ppt/slideLayouts/slideLayout59.xml><?xml version="1.0" encoding="utf-8"?>
-<p:sldLayout xmlns:a="http://schemas.openxmlformats.org/drawingml/2006/main" xmlns:p="http://schemas.openxmlformats.org/presentationml/2006/main" xmlns:r="http://schemas.openxmlformats.org/officeDocument/2006/relationships" xmlns:p14="http://schemas.microsoft.com/office/powerpoint/2010/main" xmlns:p15="http://schemas.microsoft.com/office/powerpoint/2012/main" xmlns:mc="http://schemas.openxmlformats.org/markup-compatibility/2006" type="fourObj" preserve="1">
-  <p:cSld name="Title, 4 Content">
-    <p:spTree>
-      <p:nvGrpSpPr>
-        <p:cNvPr id="1" name=""/>
-        <p:cNvGrpSpPr/>
-        <p:nvPr/>
-      </p:nvGrpSpPr>
-      <p:grpSpPr>
-        <a:xfrm>
-          <a:off x="0" y="0"/>
-          <a:ext cx="0" cy="0"/>
-          <a:chOff x="0" y="0"/>
-          <a:chExt cx="0" cy="0"/>
-        </a:xfrm>
-      </p:grpSpPr>
-      <p:sp>
-        <p:nvSpPr>
-          <p:cNvPr id="193" name="PlaceHolder 1"/>
-          <p:cNvSpPr>
-            <a:spLocks noGrp="1"/>
-          </p:cNvSpPr>
-          <p:nvPr>
-            <p:ph type="title"/>
-          </p:nvPr>
-        </p:nvSpPr>
-        <p:spPr>
-          <a:xfrm>
-            <a:off x="609480" y="273600"/>
-            <a:ext cx="10972080" cy="1144440"/>
-          </a:xfrm>
-          <a:prstGeom prst="rect">
-            <a:avLst/>
-          </a:prstGeom>
-          <a:noFill/>
-          <a:ln w="0">
-            <a:noFill/>
-          </a:ln>
-        </p:spPr>
-        <p:txBody>
-          <a:bodyPr lIns="0" rIns="0" tIns="0" bIns="0" anchor="ctr">
-            <a:noAutofit/>
-          </a:bodyPr>
-          <a:p>
-            <a:pPr algn="ctr">
-              <a:buNone/>
-            </a:pPr>
-            <a:endParaRPr b="0" lang="en-IE" sz="4400" spc="-1" strike="noStrike">
-              <a:latin typeface="Arial"/>
-            </a:endParaRPr>
-          </a:p>
-        </p:txBody>
-      </p:sp>
-      <p:sp>
-        <p:nvSpPr>
-          <p:cNvPr id="194" name="PlaceHolder 2"/>
-          <p:cNvSpPr>
-            <a:spLocks noGrp="1"/>
-          </p:cNvSpPr>
-          <p:nvPr>
-            <p:ph/>
-          </p:nvPr>
-        </p:nvSpPr>
-        <p:spPr>
-          <a:xfrm>
-            <a:off x="609480" y="1604520"/>
-            <a:ext cx="5354280" cy="1896840"/>
-          </a:xfrm>
-          <a:prstGeom prst="rect">
-            <a:avLst/>
-          </a:prstGeom>
-          <a:noFill/>
-          <a:ln w="0">
-            <a:noFill/>
-          </a:ln>
-        </p:spPr>
-        <p:txBody>
-          <a:bodyPr lIns="0" rIns="0" tIns="0" bIns="0" anchor="t">
-            <a:normAutofit/>
-          </a:bodyPr>
-          <a:p>
-            <a:endParaRPr b="0" lang="en-IE" sz="3200" spc="-1" strike="noStrike">
-              <a:latin typeface="Arial"/>
-            </a:endParaRPr>
-          </a:p>
-        </p:txBody>
-      </p:sp>
-      <p:sp>
-        <p:nvSpPr>
-          <p:cNvPr id="195" name="PlaceHolder 3"/>
-          <p:cNvSpPr>
-            <a:spLocks noGrp="1"/>
-          </p:cNvSpPr>
-          <p:nvPr>
-            <p:ph/>
-          </p:nvPr>
-        </p:nvSpPr>
-        <p:spPr>
-          <a:xfrm>
-            <a:off x="6231960" y="1604520"/>
-            <a:ext cx="5354280" cy="1896840"/>
-          </a:xfrm>
-          <a:prstGeom prst="rect">
-            <a:avLst/>
-          </a:prstGeom>
-          <a:noFill/>
-          <a:ln w="0">
-            <a:noFill/>
-          </a:ln>
-        </p:spPr>
-        <p:txBody>
-          <a:bodyPr lIns="0" rIns="0" tIns="0" bIns="0" anchor="t">
-            <a:normAutofit/>
-          </a:bodyPr>
-          <a:p>
-            <a:endParaRPr b="0" lang="en-IE" sz="3200" spc="-1" strike="noStrike">
-              <a:latin typeface="Arial"/>
-            </a:endParaRPr>
-          </a:p>
-        </p:txBody>
-      </p:sp>
-      <p:sp>
-        <p:nvSpPr>
-          <p:cNvPr id="196" name="PlaceHolder 4"/>
-          <p:cNvSpPr>
-            <a:spLocks noGrp="1"/>
-          </p:cNvSpPr>
-          <p:nvPr>
-            <p:ph/>
-          </p:nvPr>
-        </p:nvSpPr>
-        <p:spPr>
-          <a:xfrm>
-            <a:off x="609480" y="3682080"/>
-            <a:ext cx="5354280" cy="1896840"/>
-          </a:xfrm>
-          <a:prstGeom prst="rect">
-            <a:avLst/>
-          </a:prstGeom>
-          <a:noFill/>
-          <a:ln w="0">
-            <a:noFill/>
-          </a:ln>
-        </p:spPr>
-        <p:txBody>
-          <a:bodyPr lIns="0" rIns="0" tIns="0" bIns="0" anchor="t">
-            <a:normAutofit/>
-          </a:bodyPr>
-          <a:p>
-            <a:endParaRPr b="0" lang="en-IE" sz="3200" spc="-1" strike="noStrike">
-              <a:latin typeface="Arial"/>
-            </a:endParaRPr>
-          </a:p>
-        </p:txBody>
-      </p:sp>
-      <p:sp>
-        <p:nvSpPr>
-          <p:cNvPr id="197" name="PlaceHolder 5"/>
-          <p:cNvSpPr>
-            <a:spLocks noGrp="1"/>
-          </p:cNvSpPr>
-          <p:nvPr>
-            <p:ph/>
-          </p:nvPr>
-        </p:nvSpPr>
-        <p:spPr>
-          <a:xfrm>
-            <a:off x="6231960" y="3682080"/>
-            <a:ext cx="5354280" cy="1896840"/>
-          </a:xfrm>
-          <a:prstGeom prst="rect">
-            <a:avLst/>
-          </a:prstGeom>
-          <a:noFill/>
-          <a:ln w="0">
-            <a:noFill/>
-          </a:ln>
-        </p:spPr>
-        <p:txBody>
-          <a:bodyPr lIns="0" rIns="0" tIns="0" bIns="0" anchor="t">
-            <a:normAutofit/>
-          </a:bodyPr>
-          <a:p>
-            <a:endParaRPr b="0" lang="en-IE" sz="3200" spc="-1" strike="noStrike">
-              <a:latin typeface="Arial"/>
-            </a:endParaRPr>
-          </a:p>
-        </p:txBody>
-      </p:sp>
-      <p:sp>
-        <p:nvSpPr>
-          <p:cNvPr id="7" name="PlaceHolder 6"/>
-          <p:cNvSpPr>
-            <a:spLocks noGrp="1"/>
-          </p:cNvSpPr>
-          <p:nvPr>
-            <p:ph type="ftr" idx="13"/>
-          </p:nvPr>
-        </p:nvSpPr>
-        <p:spPr/>
-        <p:txBody>
-          <a:bodyPr/>
-          <a:p>
-            <a:r>
-              <a:t>Footer</a:t>
-            </a:r>
-          </a:p>
-        </p:txBody>
-      </p:sp>
-      <p:sp>
-        <p:nvSpPr>
-          <p:cNvPr id="8" name="PlaceHolder 7"/>
-          <p:cNvSpPr>
-            <a:spLocks noGrp="1"/>
-          </p:cNvSpPr>
-          <p:nvPr>
-            <p:ph type="sldNum" idx="14"/>
-          </p:nvPr>
-        </p:nvSpPr>
-        <p:spPr/>
-        <p:txBody>
-          <a:bodyPr/>
-          <a:p>
-            <a:fld id="{7A037DA6-AF4E-404D-B704-BF50ABEAC917}" type="slidenum">
-              <a:t>&lt;#&gt;</a:t>
-            </a:fld>
-          </a:p>
-        </p:txBody>
-      </p:sp>
-      <p:sp>
-        <p:nvSpPr>
-          <p:cNvPr id="9" name="PlaceHolder 8"/>
-          <p:cNvSpPr>
-            <a:spLocks noGrp="1"/>
-          </p:cNvSpPr>
-          <p:nvPr>
-            <p:ph type="dt" idx="15"/>
           </p:nvPr>
         </p:nvSpPr>
         <p:spPr/>
@@ -10225,7 +8292,7 @@
         <p:spPr>
           <a:xfrm>
             <a:off x="609480" y="273600"/>
-            <a:ext cx="10972080" cy="5306400"/>
+            <a:ext cx="10972440" cy="5307840"/>
           </a:xfrm>
           <a:prstGeom prst="rect">
             <a:avLst/>
@@ -10283,7 +8350,7 @@
         <p:txBody>
           <a:bodyPr/>
           <a:p>
-            <a:fld id="{55DC9A13-066C-4429-8663-06D165F73B9A}" type="slidenum">
+            <a:fld id="{9A2C7C35-83AA-4FC9-A0A6-2099B505CBA1}" type="slidenum">
               <a:t>&lt;#&gt;</a:t>
             </a:fld>
           </a:p>
@@ -10297,330 +8364,6 @@
           </p:cNvSpPr>
           <p:nvPr>
             <p:ph type="dt" idx="3"/>
-          </p:nvPr>
-        </p:nvSpPr>
-        <p:spPr/>
-        <p:txBody>
-          <a:bodyPr/>
-          <a:p>
-            <a:r>
-              <a:rPr lang="en-IE"/>
-              <a:t/>
-            </a:r>
-          </a:p>
-        </p:txBody>
-      </p:sp>
-    </p:spTree>
-  </p:cSld>
-</p:sldLayout>
-</file>
-
-<file path=ppt/slideLayouts/slideLayout60.xml><?xml version="1.0" encoding="utf-8"?>
-<p:sldLayout xmlns:a="http://schemas.openxmlformats.org/drawingml/2006/main" xmlns:p="http://schemas.openxmlformats.org/presentationml/2006/main" xmlns:r="http://schemas.openxmlformats.org/officeDocument/2006/relationships" xmlns:p14="http://schemas.microsoft.com/office/powerpoint/2010/main" xmlns:p15="http://schemas.microsoft.com/office/powerpoint/2012/main" xmlns:mc="http://schemas.openxmlformats.org/markup-compatibility/2006" type="blank" preserve="1">
-  <p:cSld name="Title, 6 Content">
-    <p:spTree>
-      <p:nvGrpSpPr>
-        <p:cNvPr id="1" name=""/>
-        <p:cNvGrpSpPr/>
-        <p:nvPr/>
-      </p:nvGrpSpPr>
-      <p:grpSpPr>
-        <a:xfrm>
-          <a:off x="0" y="0"/>
-          <a:ext cx="0" cy="0"/>
-          <a:chOff x="0" y="0"/>
-          <a:chExt cx="0" cy="0"/>
-        </a:xfrm>
-      </p:grpSpPr>
-      <p:sp>
-        <p:nvSpPr>
-          <p:cNvPr id="198" name="PlaceHolder 1"/>
-          <p:cNvSpPr>
-            <a:spLocks noGrp="1"/>
-          </p:cNvSpPr>
-          <p:nvPr>
-            <p:ph type="title"/>
-          </p:nvPr>
-        </p:nvSpPr>
-        <p:spPr>
-          <a:xfrm>
-            <a:off x="609480" y="273600"/>
-            <a:ext cx="10972080" cy="1144440"/>
-          </a:xfrm>
-          <a:prstGeom prst="rect">
-            <a:avLst/>
-          </a:prstGeom>
-          <a:noFill/>
-          <a:ln w="0">
-            <a:noFill/>
-          </a:ln>
-        </p:spPr>
-        <p:txBody>
-          <a:bodyPr lIns="0" rIns="0" tIns="0" bIns="0" anchor="ctr">
-            <a:noAutofit/>
-          </a:bodyPr>
-          <a:p>
-            <a:pPr algn="ctr">
-              <a:buNone/>
-            </a:pPr>
-            <a:endParaRPr b="0" lang="en-IE" sz="4400" spc="-1" strike="noStrike">
-              <a:latin typeface="Arial"/>
-            </a:endParaRPr>
-          </a:p>
-        </p:txBody>
-      </p:sp>
-      <p:sp>
-        <p:nvSpPr>
-          <p:cNvPr id="199" name="PlaceHolder 2"/>
-          <p:cNvSpPr>
-            <a:spLocks noGrp="1"/>
-          </p:cNvSpPr>
-          <p:nvPr>
-            <p:ph/>
-          </p:nvPr>
-        </p:nvSpPr>
-        <p:spPr>
-          <a:xfrm>
-            <a:off x="609480" y="1604520"/>
-            <a:ext cx="3532680" cy="1896840"/>
-          </a:xfrm>
-          <a:prstGeom prst="rect">
-            <a:avLst/>
-          </a:prstGeom>
-          <a:noFill/>
-          <a:ln w="0">
-            <a:noFill/>
-          </a:ln>
-        </p:spPr>
-        <p:txBody>
-          <a:bodyPr lIns="0" rIns="0" tIns="0" bIns="0" anchor="t">
-            <a:normAutofit/>
-          </a:bodyPr>
-          <a:p>
-            <a:endParaRPr b="0" lang="en-IE" sz="3200" spc="-1" strike="noStrike">
-              <a:latin typeface="Arial"/>
-            </a:endParaRPr>
-          </a:p>
-        </p:txBody>
-      </p:sp>
-      <p:sp>
-        <p:nvSpPr>
-          <p:cNvPr id="200" name="PlaceHolder 3"/>
-          <p:cNvSpPr>
-            <a:spLocks noGrp="1"/>
-          </p:cNvSpPr>
-          <p:nvPr>
-            <p:ph/>
-          </p:nvPr>
-        </p:nvSpPr>
-        <p:spPr>
-          <a:xfrm>
-            <a:off x="4319280" y="1604520"/>
-            <a:ext cx="3532680" cy="1896840"/>
-          </a:xfrm>
-          <a:prstGeom prst="rect">
-            <a:avLst/>
-          </a:prstGeom>
-          <a:noFill/>
-          <a:ln w="0">
-            <a:noFill/>
-          </a:ln>
-        </p:spPr>
-        <p:txBody>
-          <a:bodyPr lIns="0" rIns="0" tIns="0" bIns="0" anchor="t">
-            <a:normAutofit/>
-          </a:bodyPr>
-          <a:p>
-            <a:endParaRPr b="0" lang="en-IE" sz="3200" spc="-1" strike="noStrike">
-              <a:latin typeface="Arial"/>
-            </a:endParaRPr>
-          </a:p>
-        </p:txBody>
-      </p:sp>
-      <p:sp>
-        <p:nvSpPr>
-          <p:cNvPr id="201" name="PlaceHolder 4"/>
-          <p:cNvSpPr>
-            <a:spLocks noGrp="1"/>
-          </p:cNvSpPr>
-          <p:nvPr>
-            <p:ph/>
-          </p:nvPr>
-        </p:nvSpPr>
-        <p:spPr>
-          <a:xfrm>
-            <a:off x="8028720" y="1604520"/>
-            <a:ext cx="3532680" cy="1896840"/>
-          </a:xfrm>
-          <a:prstGeom prst="rect">
-            <a:avLst/>
-          </a:prstGeom>
-          <a:noFill/>
-          <a:ln w="0">
-            <a:noFill/>
-          </a:ln>
-        </p:spPr>
-        <p:txBody>
-          <a:bodyPr lIns="0" rIns="0" tIns="0" bIns="0" anchor="t">
-            <a:normAutofit/>
-          </a:bodyPr>
-          <a:p>
-            <a:endParaRPr b="0" lang="en-IE" sz="3200" spc="-1" strike="noStrike">
-              <a:latin typeface="Arial"/>
-            </a:endParaRPr>
-          </a:p>
-        </p:txBody>
-      </p:sp>
-      <p:sp>
-        <p:nvSpPr>
-          <p:cNvPr id="202" name="PlaceHolder 5"/>
-          <p:cNvSpPr>
-            <a:spLocks noGrp="1"/>
-          </p:cNvSpPr>
-          <p:nvPr>
-            <p:ph/>
-          </p:nvPr>
-        </p:nvSpPr>
-        <p:spPr>
-          <a:xfrm>
-            <a:off x="609480" y="3682080"/>
-            <a:ext cx="3532680" cy="1896840"/>
-          </a:xfrm>
-          <a:prstGeom prst="rect">
-            <a:avLst/>
-          </a:prstGeom>
-          <a:noFill/>
-          <a:ln w="0">
-            <a:noFill/>
-          </a:ln>
-        </p:spPr>
-        <p:txBody>
-          <a:bodyPr lIns="0" rIns="0" tIns="0" bIns="0" anchor="t">
-            <a:normAutofit/>
-          </a:bodyPr>
-          <a:p>
-            <a:endParaRPr b="0" lang="en-IE" sz="3200" spc="-1" strike="noStrike">
-              <a:latin typeface="Arial"/>
-            </a:endParaRPr>
-          </a:p>
-        </p:txBody>
-      </p:sp>
-      <p:sp>
-        <p:nvSpPr>
-          <p:cNvPr id="203" name="PlaceHolder 6"/>
-          <p:cNvSpPr>
-            <a:spLocks noGrp="1"/>
-          </p:cNvSpPr>
-          <p:nvPr>
-            <p:ph/>
-          </p:nvPr>
-        </p:nvSpPr>
-        <p:spPr>
-          <a:xfrm>
-            <a:off x="4319280" y="3682080"/>
-            <a:ext cx="3532680" cy="1896840"/>
-          </a:xfrm>
-          <a:prstGeom prst="rect">
-            <a:avLst/>
-          </a:prstGeom>
-          <a:noFill/>
-          <a:ln w="0">
-            <a:noFill/>
-          </a:ln>
-        </p:spPr>
-        <p:txBody>
-          <a:bodyPr lIns="0" rIns="0" tIns="0" bIns="0" anchor="t">
-            <a:normAutofit/>
-          </a:bodyPr>
-          <a:p>
-            <a:endParaRPr b="0" lang="en-IE" sz="3200" spc="-1" strike="noStrike">
-              <a:latin typeface="Arial"/>
-            </a:endParaRPr>
-          </a:p>
-        </p:txBody>
-      </p:sp>
-      <p:sp>
-        <p:nvSpPr>
-          <p:cNvPr id="204" name="PlaceHolder 7"/>
-          <p:cNvSpPr>
-            <a:spLocks noGrp="1"/>
-          </p:cNvSpPr>
-          <p:nvPr>
-            <p:ph/>
-          </p:nvPr>
-        </p:nvSpPr>
-        <p:spPr>
-          <a:xfrm>
-            <a:off x="8028720" y="3682080"/>
-            <a:ext cx="3532680" cy="1896840"/>
-          </a:xfrm>
-          <a:prstGeom prst="rect">
-            <a:avLst/>
-          </a:prstGeom>
-          <a:noFill/>
-          <a:ln w="0">
-            <a:noFill/>
-          </a:ln>
-        </p:spPr>
-        <p:txBody>
-          <a:bodyPr lIns="0" rIns="0" tIns="0" bIns="0" anchor="t">
-            <a:normAutofit/>
-          </a:bodyPr>
-          <a:p>
-            <a:endParaRPr b="0" lang="en-IE" sz="3200" spc="-1" strike="noStrike">
-              <a:latin typeface="Arial"/>
-            </a:endParaRPr>
-          </a:p>
-        </p:txBody>
-      </p:sp>
-      <p:sp>
-        <p:nvSpPr>
-          <p:cNvPr id="9" name="PlaceHolder 8"/>
-          <p:cNvSpPr>
-            <a:spLocks noGrp="1"/>
-          </p:cNvSpPr>
-          <p:nvPr>
-            <p:ph type="ftr" idx="13"/>
-          </p:nvPr>
-        </p:nvSpPr>
-        <p:spPr/>
-        <p:txBody>
-          <a:bodyPr/>
-          <a:p>
-            <a:r>
-              <a:t>Footer</a:t>
-            </a:r>
-          </a:p>
-        </p:txBody>
-      </p:sp>
-      <p:sp>
-        <p:nvSpPr>
-          <p:cNvPr id="10" name="PlaceHolder 9"/>
-          <p:cNvSpPr>
-            <a:spLocks noGrp="1"/>
-          </p:cNvSpPr>
-          <p:nvPr>
-            <p:ph type="sldNum" idx="14"/>
-          </p:nvPr>
-        </p:nvSpPr>
-        <p:spPr/>
-        <p:txBody>
-          <a:bodyPr/>
-          <a:p>
-            <a:fld id="{7624771A-799A-4142-9C24-57A32046EDD9}" type="slidenum">
-              <a:t>&lt;#&gt;</a:t>
-            </a:fld>
-          </a:p>
-        </p:txBody>
-      </p:sp>
-      <p:sp>
-        <p:nvSpPr>
-          <p:cNvPr id="11" name="PlaceHolder 10"/>
-          <p:cNvSpPr>
-            <a:spLocks noGrp="1"/>
-          </p:cNvSpPr>
-          <p:nvPr>
-            <p:ph type="dt" idx="15"/>
           </p:nvPr>
         </p:nvSpPr>
         <p:spPr/>
@@ -10669,7 +8412,7 @@
         <p:spPr>
           <a:xfrm>
             <a:off x="609480" y="273600"/>
-            <a:ext cx="10972080" cy="1144440"/>
+            <a:ext cx="10972440" cy="1144800"/>
           </a:xfrm>
           <a:prstGeom prst="rect">
             <a:avLst/>
@@ -10740,7 +8483,7 @@
         <p:spPr>
           <a:xfrm>
             <a:off x="6231960" y="1604520"/>
-            <a:ext cx="5354280" cy="3976920"/>
+            <a:ext cx="5354280" cy="3977280"/>
           </a:xfrm>
           <a:prstGeom prst="rect">
             <a:avLst/>
@@ -10829,7 +8572,7 @@
         <p:txBody>
           <a:bodyPr/>
           <a:p>
-            <a:fld id="{0C236E61-5043-4712-932F-4E9AB2B91F5F}" type="slidenum">
+            <a:fld id="{539EF7F6-85BE-4093-B893-9B295101D9FC}" type="slidenum">
               <a:t>&lt;#&gt;</a:t>
             </a:fld>
           </a:p>
@@ -10891,7 +8634,7 @@
         <p:spPr>
           <a:xfrm>
             <a:off x="609480" y="273600"/>
-            <a:ext cx="10972080" cy="1144440"/>
+            <a:ext cx="10972440" cy="1144800"/>
           </a:xfrm>
           <a:prstGeom prst="rect">
             <a:avLst/>
@@ -10928,7 +8671,7 @@
         <p:spPr>
           <a:xfrm>
             <a:off x="609480" y="1604520"/>
-            <a:ext cx="5354280" cy="3976920"/>
+            <a:ext cx="5354280" cy="3977280"/>
           </a:xfrm>
           <a:prstGeom prst="rect">
             <a:avLst/>
@@ -11051,7 +8794,7 @@
         <p:txBody>
           <a:bodyPr/>
           <a:p>
-            <a:fld id="{24D3C687-4C2F-48BA-A36C-119844405877}" type="slidenum">
+            <a:fld id="{EB88FAF1-A40E-4F7B-AF82-DF12805489D1}" type="slidenum">
               <a:t>&lt;#&gt;</a:t>
             </a:fld>
           </a:p>
@@ -11113,7 +8856,7 @@
         <p:spPr>
           <a:xfrm>
             <a:off x="609480" y="273600"/>
-            <a:ext cx="10972080" cy="1144440"/>
+            <a:ext cx="10972440" cy="1144800"/>
           </a:xfrm>
           <a:prstGeom prst="rect">
             <a:avLst/>
@@ -11218,7 +8961,7 @@
         <p:spPr>
           <a:xfrm>
             <a:off x="609480" y="3682080"/>
-            <a:ext cx="10972080" cy="1896840"/>
+            <a:ext cx="10972440" cy="1896840"/>
           </a:xfrm>
           <a:prstGeom prst="rect">
             <a:avLst/>
@@ -11273,7 +9016,7 @@
         <p:txBody>
           <a:bodyPr/>
           <a:p>
-            <a:fld id="{D3939563-D910-4A15-BAA5-2931C9BD23B3}" type="slidenum">
+            <a:fld id="{2DAC9FAD-2668-417B-955C-225C27D27547}" type="slidenum">
               <a:t>&lt;#&gt;</a:t>
             </a:fld>
           </a:p>
@@ -11342,7 +9085,7 @@
         <p:spPr>
           <a:xfrm>
             <a:off x="4038480" y="6356520"/>
-            <a:ext cx="4112280" cy="362520"/>
+            <a:ext cx="4111920" cy="362160"/>
           </a:xfrm>
           <a:prstGeom prst="rect">
             <a:avLst/>
@@ -11378,7 +9121,7 @@
               <a:rPr b="0" lang="en-IE" sz="1400" spc="-1" strike="noStrike">
                 <a:latin typeface="Times New Roman"/>
               </a:rPr>
-              <a:t> </a:t>
+              <a:t>&lt;footer&gt;</a:t>
             </a:r>
             <a:endParaRPr b="0" lang="en-IE" sz="1400" spc="-1" strike="noStrike">
               <a:latin typeface="Times New Roman"/>
@@ -11399,7 +9142,7 @@
         <p:spPr>
           <a:xfrm>
             <a:off x="8610480" y="6356520"/>
-            <a:ext cx="2740680" cy="362520"/>
+            <a:ext cx="2740320" cy="362160"/>
           </a:xfrm>
           <a:prstGeom prst="rect">
             <a:avLst/>
@@ -11434,14 +9177,14 @@
               </a:lnSpc>
               <a:buNone/>
             </a:pPr>
-            <a:fld id="{7EEC4C23-0C50-4EEA-A09A-C5FCFE6E2F3B}" type="slidenum">
+            <a:fld id="{57432328-DCEF-4C99-9D94-420F38954414}" type="slidenum">
               <a:rPr b="0" lang="en-GB" sz="1200" spc="-1" strike="noStrike">
                 <a:solidFill>
                   <a:srgbClr val="8b8b8b"/>
                 </a:solidFill>
                 <a:latin typeface="Calibri"/>
               </a:rPr>
-              <a:t>2</a:t>
+              <a:t>&lt;number&gt;</a:t>
             </a:fld>
             <a:endParaRPr b="0" lang="en-IE" sz="1200" spc="-1" strike="noStrike">
               <a:latin typeface="Times New Roman"/>
@@ -11462,7 +9205,7 @@
         <p:spPr>
           <a:xfrm>
             <a:off x="838080" y="6356520"/>
-            <a:ext cx="2740680" cy="362520"/>
+            <a:ext cx="2740320" cy="362160"/>
           </a:xfrm>
           <a:prstGeom prst="rect">
             <a:avLst/>
@@ -11488,7 +9231,7 @@
               <a:rPr b="0" lang="en-IE" sz="1400" spc="-1" strike="noStrike">
                 <a:latin typeface="Times New Roman"/>
               </a:rPr>
-              <a:t> </a:t>
+              <a:t>&lt;date/time&gt;</a:t>
             </a:r>
             <a:endParaRPr b="0" lang="en-IE" sz="1400" spc="-1" strike="noStrike">
               <a:latin typeface="Times New Roman"/>
@@ -11779,7 +9522,7 @@
         <p:spPr>
           <a:xfrm>
             <a:off x="4038480" y="6356520"/>
-            <a:ext cx="4112280" cy="362520"/>
+            <a:ext cx="4111920" cy="362160"/>
           </a:xfrm>
           <a:prstGeom prst="rect">
             <a:avLst/>
@@ -11836,7 +9579,7 @@
         <p:spPr>
           <a:xfrm>
             <a:off x="8610480" y="6356520"/>
-            <a:ext cx="2740680" cy="362520"/>
+            <a:ext cx="2740320" cy="362160"/>
           </a:xfrm>
           <a:prstGeom prst="rect">
             <a:avLst/>
@@ -11871,7 +9614,7 @@
               </a:lnSpc>
               <a:buNone/>
             </a:pPr>
-            <a:fld id="{F3086267-D4A3-4335-A6E7-3A4796B4DEBD}" type="slidenum">
+            <a:fld id="{744022F6-C0C5-47AA-B14B-D67995D45B9B}" type="slidenum">
               <a:rPr b="0" lang="en-GB" sz="1200" spc="-1" strike="noStrike">
                 <a:solidFill>
                   <a:srgbClr val="8b8b8b"/>
@@ -11899,7 +9642,7 @@
         <p:spPr>
           <a:xfrm>
             <a:off x="838080" y="6356520"/>
-            <a:ext cx="2740680" cy="362520"/>
+            <a:ext cx="2740320" cy="362160"/>
           </a:xfrm>
           <a:prstGeom prst="rect">
             <a:avLst/>
@@ -12216,7 +9959,7 @@
         <p:spPr>
           <a:xfrm>
             <a:off x="4038480" y="6356520"/>
-            <a:ext cx="4112280" cy="362520"/>
+            <a:ext cx="4111920" cy="362160"/>
           </a:xfrm>
           <a:prstGeom prst="rect">
             <a:avLst/>
@@ -12273,7 +10016,7 @@
         <p:spPr>
           <a:xfrm>
             <a:off x="8610480" y="6356520"/>
-            <a:ext cx="2740680" cy="362520"/>
+            <a:ext cx="2740320" cy="362160"/>
           </a:xfrm>
           <a:prstGeom prst="rect">
             <a:avLst/>
@@ -12308,7 +10051,7 @@
               </a:lnSpc>
               <a:buNone/>
             </a:pPr>
-            <a:fld id="{47FFFB09-36D8-4B27-B170-EC8F859B8675}" type="slidenum">
+            <a:fld id="{017A91BE-AFDA-46B1-B110-0522A70576E8}" type="slidenum">
               <a:rPr b="0" lang="en-GB" sz="1200" spc="-1" strike="noStrike">
                 <a:solidFill>
                   <a:srgbClr val="8b8b8b"/>
@@ -12336,7 +10079,7 @@
         <p:spPr>
           <a:xfrm>
             <a:off x="838080" y="6356520"/>
-            <a:ext cx="2740680" cy="362520"/>
+            <a:ext cx="2740320" cy="362160"/>
           </a:xfrm>
           <a:prstGeom prst="rect">
             <a:avLst/>
@@ -12653,7 +10396,7 @@
         <p:spPr>
           <a:xfrm>
             <a:off x="4038480" y="6356520"/>
-            <a:ext cx="4112280" cy="362520"/>
+            <a:ext cx="4111920" cy="362160"/>
           </a:xfrm>
           <a:prstGeom prst="rect">
             <a:avLst/>
@@ -12710,7 +10453,7 @@
         <p:spPr>
           <a:xfrm>
             <a:off x="8610480" y="6356520"/>
-            <a:ext cx="2740680" cy="362520"/>
+            <a:ext cx="2740320" cy="362160"/>
           </a:xfrm>
           <a:prstGeom prst="rect">
             <a:avLst/>
@@ -12745,7 +10488,7 @@
               </a:lnSpc>
               <a:buNone/>
             </a:pPr>
-            <a:fld id="{50B677AA-815C-4C5F-8C7D-B79F6F094EAC}" type="slidenum">
+            <a:fld id="{A87F6114-809F-4494-B242-935C4F5C755F}" type="slidenum">
               <a:rPr b="0" lang="en-GB" sz="1200" spc="-1" strike="noStrike">
                 <a:solidFill>
                   <a:srgbClr val="8b8b8b"/>
@@ -12773,7 +10516,7 @@
         <p:spPr>
           <a:xfrm>
             <a:off x="838080" y="6356520"/>
-            <a:ext cx="2740680" cy="362520"/>
+            <a:ext cx="2740320" cy="362160"/>
           </a:xfrm>
           <a:prstGeom prst="rect">
             <a:avLst/>
@@ -13049,440 +10792,6 @@
     <p:sldLayoutId id="2147483697" r:id="rId11"/>
     <p:sldLayoutId id="2147483698" r:id="rId12"/>
     <p:sldLayoutId id="2147483699" r:id="rId13"/>
-  </p:sldLayoutIdLst>
-</p:sldMaster>
-</file>
-
-<file path=ppt/slideMasters/slideMaster5.xml><?xml version="1.0" encoding="utf-8"?>
-<p:sldMaster xmlns:a="http://schemas.openxmlformats.org/drawingml/2006/main" xmlns:p="http://schemas.openxmlformats.org/presentationml/2006/main" xmlns:r="http://schemas.openxmlformats.org/officeDocument/2006/relationships" xmlns:p14="http://schemas.microsoft.com/office/powerpoint/2010/main" xmlns:p15="http://schemas.microsoft.com/office/powerpoint/2012/main" xmlns:mc="http://schemas.openxmlformats.org/markup-compatibility/2006">
-  <p:cSld>
-    <p:bg>
-      <p:bgPr>
-        <a:solidFill>
-          <a:srgbClr val="ffffff"/>
-        </a:solidFill>
-      </p:bgPr>
-    </p:bg>
-    <p:spTree>
-      <p:nvGrpSpPr>
-        <p:cNvPr id="1" name=""/>
-        <p:cNvGrpSpPr/>
-        <p:nvPr/>
-      </p:nvGrpSpPr>
-      <p:grpSpPr>
-        <a:xfrm>
-          <a:off x="0" y="0"/>
-          <a:ext cx="0" cy="0"/>
-          <a:chOff x="0" y="0"/>
-          <a:chExt cx="0" cy="0"/>
-        </a:xfrm>
-      </p:grpSpPr>
-      <p:sp>
-        <p:nvSpPr>
-          <p:cNvPr id="164" name="PlaceHolder 1"/>
-          <p:cNvSpPr>
-            <a:spLocks noGrp="1"/>
-          </p:cNvSpPr>
-          <p:nvPr>
-            <p:ph type="title"/>
-          </p:nvPr>
-        </p:nvSpPr>
-        <p:spPr>
-          <a:xfrm>
-            <a:off x="609480" y="273600"/>
-            <a:ext cx="10972080" cy="1144440"/>
-          </a:xfrm>
-          <a:prstGeom prst="rect">
-            <a:avLst/>
-          </a:prstGeom>
-          <a:noFill/>
-          <a:ln w="0">
-            <a:noFill/>
-          </a:ln>
-        </p:spPr>
-        <p:txBody>
-          <a:bodyPr lIns="0" rIns="0" tIns="0" bIns="0" anchor="ctr">
-            <a:noAutofit/>
-          </a:bodyPr>
-          <a:p>
-            <a:r>
-              <a:rPr b="0" lang="en-IE" sz="1800" spc="-1" strike="noStrike">
-                <a:latin typeface="Arial"/>
-              </a:rPr>
-              <a:t>Click to edit the title text format</a:t>
-            </a:r>
-            <a:endParaRPr b="0" lang="en-IE" sz="1800" spc="-1" strike="noStrike">
-              <a:latin typeface="Arial"/>
-            </a:endParaRPr>
-          </a:p>
-        </p:txBody>
-      </p:sp>
-      <p:sp>
-        <p:nvSpPr>
-          <p:cNvPr id="165" name="PlaceHolder 2"/>
-          <p:cNvSpPr>
-            <a:spLocks noGrp="1"/>
-          </p:cNvSpPr>
-          <p:nvPr>
-            <p:ph type="body"/>
-          </p:nvPr>
-        </p:nvSpPr>
-        <p:spPr>
-          <a:xfrm>
-            <a:off x="609480" y="1604520"/>
-            <a:ext cx="10972080" cy="3976920"/>
-          </a:xfrm>
-          <a:prstGeom prst="rect">
-            <a:avLst/>
-          </a:prstGeom>
-          <a:noFill/>
-          <a:ln w="0">
-            <a:noFill/>
-          </a:ln>
-        </p:spPr>
-        <p:txBody>
-          <a:bodyPr lIns="0" rIns="0" tIns="0" bIns="0" anchor="t">
-            <a:normAutofit/>
-          </a:bodyPr>
-          <a:p>
-            <a:pPr marL="432000" indent="-324000">
-              <a:spcBef>
-                <a:spcPts val="1417"/>
-              </a:spcBef>
-              <a:buClr>
-                <a:srgbClr val="000000"/>
-              </a:buClr>
-              <a:buSzPct val="45000"/>
-              <a:buFont typeface="Wingdings" charset="2"/>
-              <a:buChar char=""/>
-            </a:pPr>
-            <a:r>
-              <a:rPr b="0" lang="en-IE" sz="1800" spc="-1" strike="noStrike">
-                <a:latin typeface="Arial"/>
-              </a:rPr>
-              <a:t>Click to edit the outline text format</a:t>
-            </a:r>
-            <a:endParaRPr b="0" lang="en-IE" sz="1800" spc="-1" strike="noStrike">
-              <a:latin typeface="Arial"/>
-            </a:endParaRPr>
-          </a:p>
-          <a:p>
-            <a:pPr lvl="1" marL="864000" indent="-324000">
-              <a:spcBef>
-                <a:spcPts val="1134"/>
-              </a:spcBef>
-              <a:buClr>
-                <a:srgbClr val="000000"/>
-              </a:buClr>
-              <a:buSzPct val="75000"/>
-              <a:buFont typeface="Symbol" charset="2"/>
-              <a:buChar char=""/>
-            </a:pPr>
-            <a:r>
-              <a:rPr b="0" lang="en-IE" sz="1800" spc="-1" strike="noStrike">
-                <a:latin typeface="Arial"/>
-              </a:rPr>
-              <a:t>Second Outline Level</a:t>
-            </a:r>
-            <a:endParaRPr b="0" lang="en-IE" sz="1800" spc="-1" strike="noStrike">
-              <a:latin typeface="Arial"/>
-            </a:endParaRPr>
-          </a:p>
-          <a:p>
-            <a:pPr lvl="2" marL="1296000" indent="-288000">
-              <a:spcBef>
-                <a:spcPts val="850"/>
-              </a:spcBef>
-              <a:buClr>
-                <a:srgbClr val="000000"/>
-              </a:buClr>
-              <a:buSzPct val="45000"/>
-              <a:buFont typeface="Wingdings" charset="2"/>
-              <a:buChar char=""/>
-            </a:pPr>
-            <a:r>
-              <a:rPr b="0" lang="en-IE" sz="1800" spc="-1" strike="noStrike">
-                <a:latin typeface="Arial"/>
-              </a:rPr>
-              <a:t>Third Outline Level</a:t>
-            </a:r>
-            <a:endParaRPr b="0" lang="en-IE" sz="1800" spc="-1" strike="noStrike">
-              <a:latin typeface="Arial"/>
-            </a:endParaRPr>
-          </a:p>
-          <a:p>
-            <a:pPr lvl="3" marL="1728000" indent="-216000">
-              <a:spcBef>
-                <a:spcPts val="567"/>
-              </a:spcBef>
-              <a:buClr>
-                <a:srgbClr val="000000"/>
-              </a:buClr>
-              <a:buSzPct val="75000"/>
-              <a:buFont typeface="Symbol" charset="2"/>
-              <a:buChar char=""/>
-            </a:pPr>
-            <a:r>
-              <a:rPr b="0" lang="en-IE" sz="1800" spc="-1" strike="noStrike">
-                <a:latin typeface="Arial"/>
-              </a:rPr>
-              <a:t>Fourth Outline Level</a:t>
-            </a:r>
-            <a:endParaRPr b="0" lang="en-IE" sz="1800" spc="-1" strike="noStrike">
-              <a:latin typeface="Arial"/>
-            </a:endParaRPr>
-          </a:p>
-          <a:p>
-            <a:pPr lvl="4" marL="2160000" indent="-216000">
-              <a:spcBef>
-                <a:spcPts val="283"/>
-              </a:spcBef>
-              <a:buClr>
-                <a:srgbClr val="000000"/>
-              </a:buClr>
-              <a:buSzPct val="45000"/>
-              <a:buFont typeface="Wingdings" charset="2"/>
-              <a:buChar char=""/>
-            </a:pPr>
-            <a:r>
-              <a:rPr b="0" lang="en-IE" sz="1800" spc="-1" strike="noStrike">
-                <a:latin typeface="Arial"/>
-              </a:rPr>
-              <a:t>Fifth Outline Level</a:t>
-            </a:r>
-            <a:endParaRPr b="0" lang="en-IE" sz="1800" spc="-1" strike="noStrike">
-              <a:latin typeface="Arial"/>
-            </a:endParaRPr>
-          </a:p>
-          <a:p>
-            <a:pPr lvl="5" marL="2592000" indent="-216000">
-              <a:spcBef>
-                <a:spcPts val="283"/>
-              </a:spcBef>
-              <a:buClr>
-                <a:srgbClr val="000000"/>
-              </a:buClr>
-              <a:buSzPct val="45000"/>
-              <a:buFont typeface="Wingdings" charset="2"/>
-              <a:buChar char=""/>
-            </a:pPr>
-            <a:r>
-              <a:rPr b="0" lang="en-IE" sz="1800" spc="-1" strike="noStrike">
-                <a:latin typeface="Arial"/>
-              </a:rPr>
-              <a:t>Sixth Outline Level</a:t>
-            </a:r>
-            <a:endParaRPr b="0" lang="en-IE" sz="1800" spc="-1" strike="noStrike">
-              <a:latin typeface="Arial"/>
-            </a:endParaRPr>
-          </a:p>
-          <a:p>
-            <a:pPr lvl="6" marL="3024000" indent="-216000">
-              <a:spcBef>
-                <a:spcPts val="283"/>
-              </a:spcBef>
-              <a:buClr>
-                <a:srgbClr val="000000"/>
-              </a:buClr>
-              <a:buSzPct val="45000"/>
-              <a:buFont typeface="Wingdings" charset="2"/>
-              <a:buChar char=""/>
-            </a:pPr>
-            <a:r>
-              <a:rPr b="0" lang="en-IE" sz="1800" spc="-1" strike="noStrike">
-                <a:latin typeface="Arial"/>
-              </a:rPr>
-              <a:t>Seventh Outline Level</a:t>
-            </a:r>
-            <a:endParaRPr b="0" lang="en-IE" sz="1800" spc="-1" strike="noStrike">
-              <a:latin typeface="Arial"/>
-            </a:endParaRPr>
-          </a:p>
-        </p:txBody>
-      </p:sp>
-      <p:sp>
-        <p:nvSpPr>
-          <p:cNvPr id="166" name="PlaceHolder 3"/>
-          <p:cNvSpPr>
-            <a:spLocks noGrp="1"/>
-          </p:cNvSpPr>
-          <p:nvPr>
-            <p:ph type="ftr" idx="13"/>
-          </p:nvPr>
-        </p:nvSpPr>
-        <p:spPr>
-          <a:xfrm>
-            <a:off x="4038480" y="6356520"/>
-            <a:ext cx="4112280" cy="362520"/>
-          </a:xfrm>
-          <a:prstGeom prst="rect">
-            <a:avLst/>
-          </a:prstGeom>
-          <a:noFill/>
-          <a:ln w="0">
-            <a:noFill/>
-          </a:ln>
-        </p:spPr>
-        <p:txBody>
-          <a:bodyPr lIns="90000" rIns="90000" tIns="45000" bIns="45000" anchor="ctr">
-            <a:noAutofit/>
-          </a:bodyPr>
-          <a:lstStyle>
-            <a:lvl1pPr algn="ctr">
-              <a:lnSpc>
-                <a:spcPct val="100000"/>
-              </a:lnSpc>
-              <a:buNone/>
-              <a:defRPr b="0" lang="en-IE" sz="1400" spc="-1" strike="noStrike">
-                <a:latin typeface="Times New Roman"/>
-              </a:defRPr>
-            </a:lvl1pPr>
-          </a:lstStyle>
-          <a:p>
-            <a:pPr algn="ctr">
-              <a:lnSpc>
-                <a:spcPct val="100000"/>
-              </a:lnSpc>
-              <a:buNone/>
-            </a:pPr>
-            <a:r>
-              <a:rPr b="0" lang="en-IE" sz="1400" spc="-1" strike="noStrike">
-                <a:latin typeface="Times New Roman"/>
-              </a:rPr>
-              <a:t>&lt;footer&gt;</a:t>
-            </a:r>
-            <a:endParaRPr b="0" lang="en-IE" sz="1400" spc="-1" strike="noStrike">
-              <a:latin typeface="Times New Roman"/>
-            </a:endParaRPr>
-          </a:p>
-        </p:txBody>
-      </p:sp>
-      <p:sp>
-        <p:nvSpPr>
-          <p:cNvPr id="167" name="PlaceHolder 4"/>
-          <p:cNvSpPr>
-            <a:spLocks noGrp="1"/>
-          </p:cNvSpPr>
-          <p:nvPr>
-            <p:ph type="sldNum" idx="14"/>
-          </p:nvPr>
-        </p:nvSpPr>
-        <p:spPr>
-          <a:xfrm>
-            <a:off x="8610480" y="6356520"/>
-            <a:ext cx="2740680" cy="362520"/>
-          </a:xfrm>
-          <a:prstGeom prst="rect">
-            <a:avLst/>
-          </a:prstGeom>
-          <a:noFill/>
-          <a:ln w="0">
-            <a:noFill/>
-          </a:ln>
-        </p:spPr>
-        <p:txBody>
-          <a:bodyPr lIns="90000" rIns="90000" tIns="45000" bIns="45000" anchor="ctr">
-            <a:noAutofit/>
-          </a:bodyPr>
-          <a:lstStyle>
-            <a:lvl1pPr algn="r">
-              <a:lnSpc>
-                <a:spcPct val="100000"/>
-              </a:lnSpc>
-              <a:buNone/>
-              <a:defRPr b="0" lang="en-GB" sz="1200" spc="-1" strike="noStrike">
-                <a:solidFill>
-                  <a:srgbClr val="8b8b8b"/>
-                </a:solidFill>
-                <a:latin typeface="Calibri"/>
-              </a:defRPr>
-            </a:lvl1pPr>
-          </a:lstStyle>
-          <a:p>
-            <a:pPr algn="r">
-              <a:lnSpc>
-                <a:spcPct val="100000"/>
-              </a:lnSpc>
-              <a:buNone/>
-            </a:pPr>
-            <a:fld id="{2DEE2363-4AE1-4615-99A9-408D6B0667DE}" type="slidenum">
-              <a:rPr b="0" lang="en-GB" sz="1200" spc="-1" strike="noStrike">
-                <a:solidFill>
-                  <a:srgbClr val="8b8b8b"/>
-                </a:solidFill>
-                <a:latin typeface="Calibri"/>
-              </a:rPr>
-              <a:t>&lt;number&gt;</a:t>
-            </a:fld>
-            <a:endParaRPr b="0" lang="en-IE" sz="1200" spc="-1" strike="noStrike">
-              <a:latin typeface="Times New Roman"/>
-            </a:endParaRPr>
-          </a:p>
-        </p:txBody>
-      </p:sp>
-      <p:sp>
-        <p:nvSpPr>
-          <p:cNvPr id="168" name="PlaceHolder 5"/>
-          <p:cNvSpPr>
-            <a:spLocks noGrp="1"/>
-          </p:cNvSpPr>
-          <p:nvPr>
-            <p:ph type="dt" idx="15"/>
-          </p:nvPr>
-        </p:nvSpPr>
-        <p:spPr>
-          <a:xfrm>
-            <a:off x="838080" y="6356520"/>
-            <a:ext cx="2740680" cy="362520"/>
-          </a:xfrm>
-          <a:prstGeom prst="rect">
-            <a:avLst/>
-          </a:prstGeom>
-          <a:noFill/>
-          <a:ln w="0">
-            <a:noFill/>
-          </a:ln>
-        </p:spPr>
-        <p:txBody>
-          <a:bodyPr lIns="90000" rIns="90000" tIns="45000" bIns="45000" anchor="ctr">
-            <a:noAutofit/>
-          </a:bodyPr>
-          <a:lstStyle>
-            <a:lvl1pPr>
-              <a:defRPr b="0" lang="en-IE" sz="1400" spc="-1" strike="noStrike">
-                <a:latin typeface="Times New Roman"/>
-              </a:defRPr>
-            </a:lvl1pPr>
-          </a:lstStyle>
-          <a:p>
-            <a:r>
-              <a:rPr b="0" lang="en-IE" sz="1400" spc="-1" strike="noStrike">
-                <a:latin typeface="Times New Roman"/>
-              </a:rPr>
-              <a:t>&lt;date/time&gt;</a:t>
-            </a:r>
-            <a:endParaRPr b="0" lang="en-IE" sz="1400" spc="-1" strike="noStrike">
-              <a:latin typeface="Times New Roman"/>
-            </a:endParaRPr>
-          </a:p>
-        </p:txBody>
-      </p:sp>
-    </p:spTree>
-  </p:cSld>
-  <p:clrMap bg1="lt1" bg2="lt2" tx1="dk1" tx2="dk2" accent1="accent1" accent2="accent2" accent3="accent3" accent4="accent4" accent5="accent5" accent6="accent6" hlink="hlink" folHlink="folHlink"/>
-  <p:sldLayoutIdLst>
-    <p:sldLayoutId id="2147483701" r:id="rId2"/>
-    <p:sldLayoutId id="2147483702" r:id="rId3"/>
-    <p:sldLayoutId id="2147483703" r:id="rId4"/>
-    <p:sldLayoutId id="2147483704" r:id="rId5"/>
-    <p:sldLayoutId id="2147483705" r:id="rId6"/>
-    <p:sldLayoutId id="2147483706" r:id="rId7"/>
-    <p:sldLayoutId id="2147483707" r:id="rId8"/>
-    <p:sldLayoutId id="2147483708" r:id="rId9"/>
-    <p:sldLayoutId id="2147483709" r:id="rId10"/>
-    <p:sldLayoutId id="2147483710" r:id="rId11"/>
-    <p:sldLayoutId id="2147483711" r:id="rId12"/>
-    <p:sldLayoutId id="2147483712" r:id="rId13"/>
   </p:sldLayoutIdLst>
 </p:sldMaster>
 </file>
@@ -13506,7 +10815,7 @@
       </p:grpSpPr>
       <p:sp>
         <p:nvSpPr>
-          <p:cNvPr id="205" name="PlaceHolder 1"/>
+          <p:cNvPr id="164" name="PlaceHolder 1"/>
           <p:cNvSpPr>
             <a:spLocks noGrp="1"/>
           </p:cNvSpPr>
@@ -13517,7 +10826,7 @@
         <p:spPr>
           <a:xfrm>
             <a:off x="838080" y="365040"/>
-            <a:ext cx="10513080" cy="1323000"/>
+            <a:ext cx="10512720" cy="1322640"/>
           </a:xfrm>
           <a:prstGeom prst="rect">
             <a:avLst/>
@@ -13555,7 +10864,7 @@
       </p:sp>
       <p:sp>
         <p:nvSpPr>
-          <p:cNvPr id="206" name="PlaceHolder 2"/>
+          <p:cNvPr id="165" name="PlaceHolder 2"/>
           <p:cNvSpPr>
             <a:spLocks noGrp="1"/>
           </p:cNvSpPr>
@@ -13566,7 +10875,7 @@
         <p:spPr>
           <a:xfrm>
             <a:off x="838080" y="1825560"/>
-            <a:ext cx="10513080" cy="4348800"/>
+            <a:ext cx="10512720" cy="4348440"/>
           </a:xfrm>
           <a:prstGeom prst="rect">
             <a:avLst/>
@@ -13776,7 +11085,7 @@
       </p:grpSpPr>
       <p:sp>
         <p:nvSpPr>
-          <p:cNvPr id="224" name="PlaceHolder 1"/>
+          <p:cNvPr id="183" name="PlaceHolder 1"/>
           <p:cNvSpPr>
             <a:spLocks noGrp="1"/>
           </p:cNvSpPr>
@@ -13787,7 +11096,7 @@
         <p:spPr>
           <a:xfrm>
             <a:off x="609480" y="273600"/>
-            <a:ext cx="10972080" cy="1144440"/>
+            <a:ext cx="10971720" cy="1144080"/>
           </a:xfrm>
           <a:prstGeom prst="rect">
             <a:avLst/>
@@ -13822,14 +11131,14 @@
       </p:sp>
       <p:sp>
         <p:nvSpPr>
-          <p:cNvPr id="225" name=""/>
+          <p:cNvPr id="184" name=""/>
           <p:cNvSpPr/>
           <p:nvPr/>
         </p:nvSpPr>
         <p:spPr>
           <a:xfrm>
             <a:off x="360000" y="1440000"/>
-            <a:ext cx="11519640" cy="2393640"/>
+            <a:ext cx="11519280" cy="2393280"/>
           </a:xfrm>
           <a:prstGeom prst="rect">
             <a:avLst/>
@@ -13858,7 +11167,11 @@
             </a:pPr>
             <a:r>
               <a:rPr b="0" lang="en-IE" sz="1800" spc="-1" strike="noStrike">
+                <a:solidFill>
+                  <a:srgbClr val="000000"/>
+                </a:solidFill>
                 <a:latin typeface="Arial"/>
+                <a:ea typeface="DejaVu Sans"/>
               </a:rPr>
               <a:t>Data will be transferred between the device, server and web/mobile client by HTTPS.</a:t>
             </a:r>
@@ -13875,7 +11188,11 @@
             </a:pPr>
             <a:r>
               <a:rPr b="0" lang="en-IE" sz="1800" spc="-1" strike="noStrike">
+                <a:solidFill>
+                  <a:srgbClr val="000000"/>
+                </a:solidFill>
                 <a:latin typeface="Arial"/>
+                <a:ea typeface="DejaVu Sans"/>
               </a:rPr>
               <a:t>HTTP GET will only be used to retrieved data.</a:t>
             </a:r>
@@ -13892,7 +11209,11 @@
             </a:pPr>
             <a:r>
               <a:rPr b="0" lang="en-IE" sz="1800" spc="-1" strike="noStrike">
+                <a:solidFill>
+                  <a:srgbClr val="000000"/>
+                </a:solidFill>
                 <a:latin typeface="Arial"/>
+                <a:ea typeface="DejaVu Sans"/>
               </a:rPr>
               <a:t>HTTP POST or PUT will be used to enter or update data.</a:t>
             </a:r>
@@ -13920,7 +11241,11 @@
             </a:pPr>
             <a:r>
               <a:rPr b="0" lang="en-IE" sz="1800" spc="-1" strike="noStrike">
+                <a:solidFill>
+                  <a:srgbClr val="000000"/>
+                </a:solidFill>
                 <a:latin typeface="Arial"/>
+                <a:ea typeface="DejaVu Sans"/>
               </a:rPr>
               <a:t>Sensitive data will only be stored as encrypted data.</a:t>
             </a:r>
@@ -13937,7 +11262,11 @@
             </a:pPr>
             <a:r>
               <a:rPr b="0" lang="en-IE" sz="1800" spc="-1" strike="noStrike">
+                <a:solidFill>
+                  <a:srgbClr val="000000"/>
+                </a:solidFill>
                 <a:latin typeface="Arial"/>
+                <a:ea typeface="DejaVu Sans"/>
               </a:rPr>
               <a:t>The database will be stored on a AWS server.</a:t>
             </a:r>
@@ -13954,7 +11283,11 @@
             </a:pPr>
             <a:r>
               <a:rPr b="0" lang="en-IE" sz="1800" spc="-1" strike="noStrike">
+                <a:solidFill>
+                  <a:srgbClr val="000000"/>
+                </a:solidFill>
                 <a:latin typeface="Arial"/>
+                <a:ea typeface="DejaVu Sans"/>
               </a:rPr>
               <a:t>Only the next number of times to take medication and which specific box it is stored in will be stored locally.</a:t>
             </a:r>
@@ -13971,7 +11304,11 @@
             </a:pPr>
             <a:r>
               <a:rPr b="0" lang="en-IE" sz="1800" spc="-1" strike="noStrike">
+                <a:solidFill>
+                  <a:srgbClr val="000000"/>
+                </a:solidFill>
                 <a:latin typeface="Arial"/>
+                <a:ea typeface="DejaVu Sans"/>
               </a:rPr>
               <a:t>If sensor data is required to be stored locally due to an inability to communicate with the server, it will be wipe after the connection is reestablished and the updates are applied.</a:t>
             </a:r>
@@ -14013,7 +11350,7 @@
       </p:grpSpPr>
       <p:sp>
         <p:nvSpPr>
-          <p:cNvPr id="207" name="PlaceHolder 1"/>
+          <p:cNvPr id="166" name="PlaceHolder 1"/>
           <p:cNvSpPr>
             <a:spLocks noGrp="1"/>
           </p:cNvSpPr>
@@ -14024,7 +11361,7 @@
         <p:spPr>
           <a:xfrm>
             <a:off x="609480" y="273600"/>
-            <a:ext cx="10970640" cy="1143000"/>
+            <a:ext cx="10970280" cy="1142640"/>
           </a:xfrm>
           <a:prstGeom prst="rect">
             <a:avLst/>
@@ -14059,14 +11396,14 @@
       </p:sp>
       <p:sp>
         <p:nvSpPr>
-          <p:cNvPr id="208" name=""/>
+          <p:cNvPr id="167" name=""/>
           <p:cNvSpPr/>
           <p:nvPr/>
         </p:nvSpPr>
         <p:spPr>
           <a:xfrm>
             <a:off x="1080000" y="1800000"/>
-            <a:ext cx="10258200" cy="4138200"/>
+            <a:ext cx="10257840" cy="4137840"/>
           </a:xfrm>
           <a:prstGeom prst="rect">
             <a:avLst/>
@@ -14173,7 +11510,7 @@
       </p:grpSpPr>
       <p:sp>
         <p:nvSpPr>
-          <p:cNvPr id="209" name="PlaceHolder 1"/>
+          <p:cNvPr id="168" name="PlaceHolder 1"/>
           <p:cNvSpPr>
             <a:spLocks noGrp="1"/>
           </p:cNvSpPr>
@@ -14184,7 +11521,7 @@
         <p:spPr>
           <a:xfrm>
             <a:off x="838080" y="365040"/>
-            <a:ext cx="10513080" cy="1323000"/>
+            <a:ext cx="10512720" cy="1322640"/>
           </a:xfrm>
           <a:prstGeom prst="rect">
             <a:avLst/>
@@ -14222,7 +11559,7 @@
       </p:sp>
       <p:sp>
         <p:nvSpPr>
-          <p:cNvPr id="210" name="PlaceHolder 2"/>
+          <p:cNvPr id="169" name="PlaceHolder 2"/>
           <p:cNvSpPr>
             <a:spLocks noGrp="1"/>
           </p:cNvSpPr>
@@ -14233,7 +11570,7 @@
         <p:spPr>
           <a:xfrm>
             <a:off x="838080" y="1825560"/>
-            <a:ext cx="10513080" cy="4348800"/>
+            <a:ext cx="10512720" cy="4348440"/>
           </a:xfrm>
           <a:prstGeom prst="rect">
             <a:avLst/>
@@ -14403,7 +11740,7 @@
       </p:grpSpPr>
       <p:sp>
         <p:nvSpPr>
-          <p:cNvPr id="211" name="PlaceHolder 1"/>
+          <p:cNvPr id="170" name="PlaceHolder 1"/>
           <p:cNvSpPr>
             <a:spLocks noGrp="1"/>
           </p:cNvSpPr>
@@ -14414,7 +11751,7 @@
         <p:spPr>
           <a:xfrm>
             <a:off x="609480" y="273600"/>
-            <a:ext cx="10970640" cy="1143000"/>
+            <a:ext cx="10970280" cy="1142640"/>
           </a:xfrm>
           <a:prstGeom prst="rect">
             <a:avLst/>
@@ -14439,7 +11776,7 @@
               <a:rPr b="0" lang="en-IE" sz="4400" spc="-1" strike="noStrike">
                 <a:latin typeface="Arial"/>
               </a:rPr>
-              <a:t>Data Gathering</a:t>
+              <a:t>Data Gathering - Switches</a:t>
             </a:r>
             <a:endParaRPr b="0" lang="en-IE" sz="4400" spc="-1" strike="noStrike">
               <a:latin typeface="Arial"/>
@@ -14449,14 +11786,14 @@
       </p:sp>
       <p:sp>
         <p:nvSpPr>
-          <p:cNvPr id="212" name=""/>
+          <p:cNvPr id="171" name=""/>
           <p:cNvSpPr/>
           <p:nvPr/>
         </p:nvSpPr>
         <p:spPr>
           <a:xfrm>
             <a:off x="900000" y="1800000"/>
-            <a:ext cx="10798200" cy="2648160"/>
+            <a:ext cx="10797840" cy="2647800"/>
           </a:xfrm>
           <a:prstGeom prst="rect">
             <a:avLst/>
@@ -14628,6 +11965,37 @@
               </a:lnSpc>
               <a:buNone/>
             </a:pPr>
+            <a:r>
+              <a:rPr b="0" lang="en-IE" sz="1800" spc="-1" strike="noStrike">
+                <a:solidFill>
+                  <a:srgbClr val="000000"/>
+                </a:solidFill>
+                <a:latin typeface="Arial"/>
+                <a:ea typeface="DejaVu Sans"/>
+              </a:rPr>
+              <a:t>	</a:t>
+            </a:r>
+            <a:r>
+              <a:rPr b="0" lang="en-IE" sz="1800" spc="-1" strike="noStrike">
+                <a:solidFill>
+                  <a:srgbClr val="000000"/>
+                </a:solidFill>
+                <a:latin typeface="Arial"/>
+                <a:ea typeface="DejaVu Sans"/>
+              </a:rPr>
+              <a:t>- This will tell us if a box is empty or has pills inside</a:t>
+            </a:r>
+            <a:endParaRPr b="0" lang="en-IE" sz="1800" spc="-1" strike="noStrike">
+              <a:latin typeface="Arial"/>
+            </a:endParaRPr>
+          </a:p>
+          <a:p>
+            <a:pPr>
+              <a:lnSpc>
+                <a:spcPct val="100000"/>
+              </a:lnSpc>
+              <a:buNone/>
+            </a:pPr>
             <a:endParaRPr b="0" lang="en-IE" sz="1800" spc="-1" strike="noStrike">
               <a:latin typeface="Arial"/>
             </a:endParaRPr>
@@ -14689,7 +12057,7 @@
                 <a:latin typeface="Arial"/>
                 <a:ea typeface="DejaVu Sans"/>
               </a:rPr>
-              <a:t>- Binary data</a:t>
+              <a:t>- 0v across an open switch</a:t>
             </a:r>
             <a:endParaRPr b="0" lang="en-IE" sz="1800" spc="-1" strike="noStrike">
               <a:latin typeface="Arial"/>
@@ -14720,7 +12088,38 @@
                 <a:latin typeface="Arial"/>
                 <a:ea typeface="DejaVu Sans"/>
               </a:rPr>
-              <a:t>- </a:t>
+              <a:t>- 5v across a closed switch</a:t>
+            </a:r>
+            <a:endParaRPr b="0" lang="en-IE" sz="1800" spc="-1" strike="noStrike">
+              <a:latin typeface="Arial"/>
+            </a:endParaRPr>
+          </a:p>
+          <a:p>
+            <a:pPr>
+              <a:lnSpc>
+                <a:spcPct val="100000"/>
+              </a:lnSpc>
+              <a:buNone/>
+            </a:pPr>
+            <a:r>
+              <a:rPr b="0" lang="en-IE" sz="1800" spc="-1" strike="noStrike">
+                <a:solidFill>
+                  <a:srgbClr val="000000"/>
+                </a:solidFill>
+                <a:latin typeface="Arial"/>
+                <a:ea typeface="DejaVu Sans"/>
+              </a:rPr>
+              <a:t>	</a:t>
+            </a:r>
+            <a:r>
+              <a:rPr b="0" lang="en-IE" sz="1800" spc="-1" strike="noStrike">
+                <a:solidFill>
+                  <a:srgbClr val="000000"/>
+                </a:solidFill>
+                <a:latin typeface="Arial"/>
+                <a:ea typeface="DejaVu Sans"/>
+              </a:rPr>
+              <a:t>- This will tell us if a box is open or closed</a:t>
             </a:r>
             <a:endParaRPr b="0" lang="en-IE" sz="1800" spc="-1" strike="noStrike">
               <a:latin typeface="Arial"/>
@@ -14730,7 +12129,7 @@
       </p:sp>
       <p:pic>
         <p:nvPicPr>
-          <p:cNvPr id="213" name="" descr=""/>
+          <p:cNvPr id="172" name="" descr=""/>
           <p:cNvPicPr/>
           <p:nvPr/>
         </p:nvPicPr>
@@ -14740,8 +12139,8 @@
         </p:blipFill>
         <p:spPr>
           <a:xfrm>
-            <a:off x="7740000" y="1626840"/>
-            <a:ext cx="3418200" cy="2130120"/>
+            <a:off x="7560000" y="1416240"/>
+            <a:ext cx="4021920" cy="2858400"/>
           </a:xfrm>
           <a:prstGeom prst="rect">
             <a:avLst/>
@@ -14783,7 +12182,7 @@
       </p:grpSpPr>
       <p:sp>
         <p:nvSpPr>
-          <p:cNvPr id="214" name="PlaceHolder 1"/>
+          <p:cNvPr id="173" name="PlaceHolder 1"/>
           <p:cNvSpPr>
             <a:spLocks noGrp="1"/>
           </p:cNvSpPr>
@@ -14794,7 +12193,7 @@
         <p:spPr>
           <a:xfrm>
             <a:off x="609480" y="273600"/>
-            <a:ext cx="10970640" cy="1143000"/>
+            <a:ext cx="10970280" cy="1142640"/>
           </a:xfrm>
           <a:prstGeom prst="rect">
             <a:avLst/>
@@ -14819,7 +12218,7 @@
               <a:rPr b="0" lang="en-IE" sz="4400" spc="-1" strike="noStrike">
                 <a:latin typeface="Arial"/>
               </a:rPr>
-              <a:t>Data Gathering</a:t>
+              <a:t>Data Gathering - User</a:t>
             </a:r>
             <a:endParaRPr b="0" lang="en-IE" sz="4400" spc="-1" strike="noStrike">
               <a:latin typeface="Arial"/>
@@ -14829,14 +12228,14 @@
       </p:sp>
       <p:sp>
         <p:nvSpPr>
-          <p:cNvPr id="215" name=""/>
+          <p:cNvPr id="174" name=""/>
           <p:cNvSpPr/>
           <p:nvPr/>
         </p:nvSpPr>
         <p:spPr>
           <a:xfrm>
             <a:off x="540000" y="1620000"/>
-            <a:ext cx="11158560" cy="1880640"/>
+            <a:ext cx="11158200" cy="1880280"/>
           </a:xfrm>
           <a:prstGeom prst="rect">
             <a:avLst/>
@@ -14871,7 +12270,7 @@
                 <a:latin typeface="Arial"/>
                 <a:ea typeface="DejaVu Sans"/>
               </a:rPr>
-              <a:t>User Inputted Data</a:t>
+              <a:t>User Data</a:t>
             </a:r>
             <a:endParaRPr b="0" lang="en-IE" sz="1800" spc="-1" strike="noStrike">
               <a:latin typeface="Arial"/>
@@ -14964,7 +12363,7 @@
                 <a:latin typeface="Arial"/>
                 <a:ea typeface="DejaVu Sans"/>
               </a:rPr>
-              <a:t>- User medication</a:t>
+              <a:t>- This will be used to create a user account</a:t>
             </a:r>
             <a:endParaRPr b="0" lang="en-IE" sz="1800" spc="-1" strike="noStrike">
               <a:latin typeface="Arial"/>
@@ -14996,7 +12395,7 @@
                 <a:latin typeface="Arial"/>
                 <a:ea typeface="DejaVu Sans"/>
               </a:rPr>
-              <a:t>Other Data</a:t>
+              <a:t>Medication</a:t>
             </a:r>
             <a:endParaRPr b="0" lang="en-IE" sz="1800" spc="-1" strike="noStrike">
               <a:latin typeface="Arial"/>
@@ -15027,7 +12426,163 @@
                 <a:latin typeface="Arial"/>
                 <a:ea typeface="DejaVu Sans"/>
               </a:rPr>
-              <a:t>- Time sensors recorded change</a:t>
+              <a:t>- Medication details</a:t>
+            </a:r>
+            <a:endParaRPr b="0" lang="en-IE" sz="1800" spc="-1" strike="noStrike">
+              <a:latin typeface="Arial"/>
+            </a:endParaRPr>
+          </a:p>
+          <a:p>
+            <a:pPr>
+              <a:lnSpc>
+                <a:spcPct val="100000"/>
+              </a:lnSpc>
+              <a:buNone/>
+            </a:pPr>
+            <a:r>
+              <a:rPr b="0" lang="en-IE" sz="1800" spc="-1" strike="noStrike">
+                <a:solidFill>
+                  <a:srgbClr val="000000"/>
+                </a:solidFill>
+                <a:latin typeface="Arial"/>
+                <a:ea typeface="DejaVu Sans"/>
+              </a:rPr>
+              <a:t>	</a:t>
+            </a:r>
+            <a:r>
+              <a:rPr b="0" lang="en-IE" sz="1800" spc="-1" strike="noStrike">
+                <a:solidFill>
+                  <a:srgbClr val="000000"/>
+                </a:solidFill>
+                <a:latin typeface="Arial"/>
+                <a:ea typeface="DejaVu Sans"/>
+              </a:rPr>
+              <a:t>- This will be used to assist in refilling the boxes and to create medication histories</a:t>
+            </a:r>
+            <a:endParaRPr b="0" lang="en-IE" sz="1800" spc="-1" strike="noStrike">
+              <a:latin typeface="Arial"/>
+            </a:endParaRPr>
+          </a:p>
+          <a:p>
+            <a:pPr>
+              <a:lnSpc>
+                <a:spcPct val="100000"/>
+              </a:lnSpc>
+              <a:buNone/>
+            </a:pPr>
+            <a:endParaRPr b="0" lang="en-IE" sz="1800" spc="-1" strike="noStrike">
+              <a:latin typeface="Arial"/>
+            </a:endParaRPr>
+          </a:p>
+          <a:p>
+            <a:pPr>
+              <a:lnSpc>
+                <a:spcPct val="100000"/>
+              </a:lnSpc>
+              <a:buNone/>
+            </a:pPr>
+            <a:r>
+              <a:rPr b="0" lang="en-IE" sz="1800" spc="-1" strike="noStrike">
+                <a:solidFill>
+                  <a:srgbClr val="000000"/>
+                </a:solidFill>
+                <a:latin typeface="Arial"/>
+                <a:ea typeface="DejaVu Sans"/>
+              </a:rPr>
+              <a:t>Time</a:t>
+            </a:r>
+            <a:endParaRPr b="0" lang="en-IE" sz="1800" spc="-1" strike="noStrike">
+              <a:latin typeface="Arial"/>
+            </a:endParaRPr>
+          </a:p>
+          <a:p>
+            <a:pPr>
+              <a:lnSpc>
+                <a:spcPct val="100000"/>
+              </a:lnSpc>
+              <a:buNone/>
+            </a:pPr>
+            <a:r>
+              <a:rPr b="0" lang="en-IE" sz="1800" spc="-1" strike="noStrike">
+                <a:solidFill>
+                  <a:srgbClr val="000000"/>
+                </a:solidFill>
+                <a:latin typeface="Arial"/>
+                <a:ea typeface="DejaVu Sans"/>
+              </a:rPr>
+              <a:t>	</a:t>
+            </a:r>
+            <a:r>
+              <a:rPr b="0" lang="en-IE" sz="1800" spc="-1" strike="noStrike">
+                <a:solidFill>
+                  <a:srgbClr val="000000"/>
+                </a:solidFill>
+                <a:latin typeface="Arial"/>
+                <a:ea typeface="DejaVu Sans"/>
+              </a:rPr>
+              <a:t>- To send notifications</a:t>
+            </a:r>
+            <a:endParaRPr b="0" lang="en-IE" sz="1800" spc="-1" strike="noStrike">
+              <a:latin typeface="Arial"/>
+            </a:endParaRPr>
+          </a:p>
+          <a:p>
+            <a:pPr>
+              <a:lnSpc>
+                <a:spcPct val="100000"/>
+              </a:lnSpc>
+              <a:buNone/>
+            </a:pPr>
+            <a:r>
+              <a:rPr b="0" lang="en-IE" sz="1800" spc="-1" strike="noStrike">
+                <a:solidFill>
+                  <a:srgbClr val="000000"/>
+                </a:solidFill>
+                <a:latin typeface="Arial"/>
+                <a:ea typeface="DejaVu Sans"/>
+              </a:rPr>
+              <a:t>	</a:t>
+            </a:r>
+            <a:r>
+              <a:rPr b="0" lang="en-IE" sz="1800" spc="-1" strike="noStrike">
+                <a:solidFill>
+                  <a:srgbClr val="000000"/>
+                </a:solidFill>
+                <a:latin typeface="Arial"/>
+                <a:ea typeface="DejaVu Sans"/>
+              </a:rPr>
+              <a:t>- To see when a box was opened</a:t>
+            </a:r>
+            <a:endParaRPr b="0" lang="en-IE" sz="1800" spc="-1" strike="noStrike">
+              <a:latin typeface="Arial"/>
+            </a:endParaRPr>
+          </a:p>
+          <a:p>
+            <a:pPr>
+              <a:lnSpc>
+                <a:spcPct val="100000"/>
+              </a:lnSpc>
+              <a:buNone/>
+            </a:pPr>
+            <a:r>
+              <a:rPr b="0" lang="en-IE" sz="1800" spc="-1" strike="noStrike">
+                <a:solidFill>
+                  <a:srgbClr val="000000"/>
+                </a:solidFill>
+                <a:latin typeface="Arial"/>
+                <a:ea typeface="DejaVu Sans"/>
+              </a:rPr>
+              <a:t>	</a:t>
+            </a:r>
+            <a:r>
+              <a:rPr b="0" lang="en-IE" sz="1800" spc="-1" strike="noStrike">
+                <a:solidFill>
+                  <a:srgbClr val="000000"/>
+                </a:solidFill>
+                <a:latin typeface="Arial"/>
+                <a:ea typeface="DejaVu Sans"/>
+              </a:rPr>
+              <a:t>- To record missed doeses</a:t>
             </a:r>
             <a:endParaRPr b="0" lang="en-IE" sz="1800" spc="-1" strike="noStrike">
               <a:latin typeface="Arial"/>
@@ -15067,7 +12622,7 @@
       </p:grpSpPr>
       <p:sp>
         <p:nvSpPr>
-          <p:cNvPr id="216" name="PlaceHolder 1"/>
+          <p:cNvPr id="175" name="PlaceHolder 1"/>
           <p:cNvSpPr>
             <a:spLocks noGrp="1"/>
           </p:cNvSpPr>
@@ -15078,7 +12633,7 @@
         <p:spPr>
           <a:xfrm>
             <a:off x="838080" y="365040"/>
-            <a:ext cx="10513080" cy="1323000"/>
+            <a:ext cx="10512720" cy="1322640"/>
           </a:xfrm>
           <a:prstGeom prst="rect">
             <a:avLst/>
@@ -15116,7 +12671,7 @@
       </p:sp>
       <p:sp>
         <p:nvSpPr>
-          <p:cNvPr id="217" name="PlaceHolder 2"/>
+          <p:cNvPr id="176" name="PlaceHolder 2"/>
           <p:cNvSpPr>
             <a:spLocks noGrp="1"/>
           </p:cNvSpPr>
@@ -15127,7 +12682,7 @@
         <p:spPr>
           <a:xfrm>
             <a:off x="838080" y="1825560"/>
-            <a:ext cx="10513080" cy="4348800"/>
+            <a:ext cx="10512720" cy="4348440"/>
           </a:xfrm>
           <a:prstGeom prst="rect">
             <a:avLst/>
@@ -15283,7 +12838,7 @@
       </p:grpSpPr>
       <p:sp>
         <p:nvSpPr>
-          <p:cNvPr id="218" name="PlaceHolder 1"/>
+          <p:cNvPr id="177" name="PlaceHolder 1"/>
           <p:cNvSpPr>
             <a:spLocks noGrp="1"/>
           </p:cNvSpPr>
@@ -15294,7 +12849,7 @@
         <p:spPr>
           <a:xfrm>
             <a:off x="609480" y="273600"/>
-            <a:ext cx="10971360" cy="1143720"/>
+            <a:ext cx="10971000" cy="1143360"/>
           </a:xfrm>
           <a:prstGeom prst="rect">
             <a:avLst/>
@@ -15329,14 +12884,14 @@
       </p:sp>
       <p:sp>
         <p:nvSpPr>
-          <p:cNvPr id="219" name=""/>
+          <p:cNvPr id="178" name=""/>
           <p:cNvSpPr/>
           <p:nvPr/>
         </p:nvSpPr>
         <p:spPr>
           <a:xfrm>
             <a:off x="720000" y="1620000"/>
-            <a:ext cx="11158920" cy="857160"/>
+            <a:ext cx="11158560" cy="856800"/>
           </a:xfrm>
           <a:prstGeom prst="rect">
             <a:avLst/>
@@ -15549,7 +13104,7 @@
       </p:grpSpPr>
       <p:sp>
         <p:nvSpPr>
-          <p:cNvPr id="220" name="PlaceHolder 1"/>
+          <p:cNvPr id="179" name="PlaceHolder 1"/>
           <p:cNvSpPr>
             <a:spLocks noGrp="1"/>
           </p:cNvSpPr>
@@ -15560,7 +13115,7 @@
         <p:spPr>
           <a:xfrm>
             <a:off x="838080" y="365040"/>
-            <a:ext cx="10513080" cy="1323000"/>
+            <a:ext cx="10512720" cy="1322640"/>
           </a:xfrm>
           <a:prstGeom prst="rect">
             <a:avLst/>
@@ -15598,7 +13153,7 @@
       </p:sp>
       <p:sp>
         <p:nvSpPr>
-          <p:cNvPr id="221" name="PlaceHolder 2"/>
+          <p:cNvPr id="180" name="PlaceHolder 2"/>
           <p:cNvSpPr>
             <a:spLocks noGrp="1"/>
           </p:cNvSpPr>
@@ -15609,7 +13164,7 @@
         <p:spPr>
           <a:xfrm>
             <a:off x="838080" y="1825560"/>
-            <a:ext cx="10513080" cy="4348800"/>
+            <a:ext cx="10512720" cy="4348440"/>
           </a:xfrm>
           <a:prstGeom prst="rect">
             <a:avLst/>
@@ -15711,7 +13266,7 @@
       </p:grpSpPr>
       <p:sp>
         <p:nvSpPr>
-          <p:cNvPr id="222" name="PlaceHolder 1"/>
+          <p:cNvPr id="181" name="PlaceHolder 1"/>
           <p:cNvSpPr>
             <a:spLocks noGrp="1"/>
           </p:cNvSpPr>
@@ -15722,7 +13277,7 @@
         <p:spPr>
           <a:xfrm>
             <a:off x="838080" y="365040"/>
-            <a:ext cx="10513080" cy="1323000"/>
+            <a:ext cx="10512720" cy="1322640"/>
           </a:xfrm>
           <a:prstGeom prst="rect">
             <a:avLst/>
@@ -15760,7 +13315,7 @@
       </p:sp>
       <p:sp>
         <p:nvSpPr>
-          <p:cNvPr id="223" name="PlaceHolder 2"/>
+          <p:cNvPr id="182" name="PlaceHolder 2"/>
           <p:cNvSpPr>
             <a:spLocks noGrp="1"/>
           </p:cNvSpPr>
@@ -15771,7 +13326,7 @@
         <p:spPr>
           <a:xfrm>
             <a:off x="838080" y="1825560"/>
-            <a:ext cx="10513080" cy="4348800"/>
+            <a:ext cx="10512720" cy="4348440"/>
           </a:xfrm>
           <a:prstGeom prst="rect">
             <a:avLst/>
@@ -16756,230 +14311,4 @@
     </a:fmtScheme>
   </a:themeElements>
 </a:theme>
-</file>
-
-<file path=ppt/theme/theme5.xml><?xml version="1.0" encoding="utf-8"?>
-<a:theme xmlns:a="http://schemas.openxmlformats.org/drawingml/2006/main" name="Office Theme">
-  <a:themeElements>
-    <a:clrScheme name="Office">
-      <a:dk1>
-        <a:sysClr val="windowText" lastClr="000000"/>
-      </a:dk1>
-      <a:lt1>
-        <a:sysClr val="window" lastClr="FFFFFF"/>
-      </a:lt1>
-      <a:dk2>
-        <a:srgbClr val="44546a"/>
-      </a:dk2>
-      <a:lt2>
-        <a:srgbClr val="e7e6e6"/>
-      </a:lt2>
-      <a:accent1>
-        <a:srgbClr val="4472c4"/>
-      </a:accent1>
-      <a:accent2>
-        <a:srgbClr val="ed7d31"/>
-      </a:accent2>
-      <a:accent3>
-        <a:srgbClr val="a5a5a5"/>
-      </a:accent3>
-      <a:accent4>
-        <a:srgbClr val="ffc000"/>
-      </a:accent4>
-      <a:accent5>
-        <a:srgbClr val="5b9bd5"/>
-      </a:accent5>
-      <a:accent6>
-        <a:srgbClr val="70ad47"/>
-      </a:accent6>
-      <a:hlink>
-        <a:srgbClr val="0563c1"/>
-      </a:hlink>
-      <a:folHlink>
-        <a:srgbClr val="954f72"/>
-      </a:folHlink>
-    </a:clrScheme>
-    <a:fontScheme name="Office">
-      <a:majorFont>
-        <a:latin typeface="Arial"/>
-        <a:ea typeface="DejaVu Sans"/>
-        <a:cs typeface="DejaVu Sans"/>
-      </a:majorFont>
-      <a:minorFont>
-        <a:latin typeface="Arial"/>
-        <a:ea typeface="DejaVu Sans"/>
-        <a:cs typeface="DejaVu Sans"/>
-      </a:minorFont>
-    </a:fontScheme>
-    <a:fmtScheme name="Office">
-      <a:fillStyleLst>
-        <a:solidFill>
-          <a:schemeClr val="phClr"/>
-        </a:solidFill>
-        <a:gradFill rotWithShape="1">
-          <a:gsLst>
-            <a:gs pos="0">
-              <a:schemeClr val="phClr">
-                <a:tint val="50000"/>
-                <a:satMod val="300000"/>
-              </a:schemeClr>
-            </a:gs>
-            <a:gs pos="35000">
-              <a:schemeClr val="phClr">
-                <a:tint val="37000"/>
-                <a:satMod val="300000"/>
-              </a:schemeClr>
-            </a:gs>
-            <a:gs pos="100000">
-              <a:schemeClr val="phClr">
-                <a:tint val="15000"/>
-                <a:satMod val="350000"/>
-              </a:schemeClr>
-            </a:gs>
-          </a:gsLst>
-          <a:lin ang="16200000" scaled="1"/>
-        </a:gradFill>
-        <a:gradFill rotWithShape="1">
-          <a:gsLst>
-            <a:gs pos="0">
-              <a:schemeClr val="phClr">
-                <a:shade val="51000"/>
-                <a:satMod val="130000"/>
-              </a:schemeClr>
-            </a:gs>
-            <a:gs pos="80000">
-              <a:schemeClr val="phClr">
-                <a:shade val="93000"/>
-                <a:satMod val="130000"/>
-              </a:schemeClr>
-            </a:gs>
-            <a:gs pos="100000">
-              <a:schemeClr val="phClr">
-                <a:shade val="94000"/>
-                <a:satMod val="135000"/>
-              </a:schemeClr>
-            </a:gs>
-          </a:gsLst>
-          <a:lin ang="16200000" scaled="0"/>
-        </a:gradFill>
-      </a:fillStyleLst>
-      <a:lnStyleLst>
-        <a:ln w="9525" cap="flat" cmpd="sng" algn="ctr">
-          <a:solidFill>
-            <a:schemeClr val="phClr">
-              <a:shade val="95000"/>
-              <a:satMod val="105000"/>
-            </a:schemeClr>
-          </a:solidFill>
-          <a:prstDash val="solid"/>
-          <a:miter/>
-        </a:ln>
-        <a:ln w="25400" cap="flat" cmpd="sng" algn="ctr">
-          <a:solidFill>
-            <a:schemeClr val="phClr"/>
-          </a:solidFill>
-          <a:prstDash val="solid"/>
-          <a:miter/>
-        </a:ln>
-        <a:ln w="38100" cap="flat" cmpd="sng" algn="ctr">
-          <a:solidFill>
-            <a:schemeClr val="phClr"/>
-          </a:solidFill>
-          <a:prstDash val="solid"/>
-          <a:miter/>
-        </a:ln>
-      </a:lnStyleLst>
-      <a:effectStyleLst>
-        <a:effectStyle>
-          <a:effectLst>
-            <a:outerShdw blurRad="40000" dist="20000" dir="5400000" rotWithShape="0">
-              <a:srgbClr val="000000">
-                <a:alpha val="38000"/>
-              </a:srgbClr>
-            </a:outerShdw>
-          </a:effectLst>
-        </a:effectStyle>
-        <a:effectStyle>
-          <a:effectLst>
-            <a:outerShdw blurRad="40000" dist="23000" dir="5400000" rotWithShape="0">
-              <a:srgbClr val="000000">
-                <a:alpha val="35000"/>
-              </a:srgbClr>
-            </a:outerShdw>
-          </a:effectLst>
-        </a:effectStyle>
-        <a:effectStyle>
-          <a:effectLst>
-            <a:outerShdw blurRad="40000" dist="23000" dir="5400000" rotWithShape="0">
-              <a:srgbClr val="000000">
-                <a:alpha val="35000"/>
-              </a:srgbClr>
-            </a:outerShdw>
-          </a:effectLst>
-          <a:scene3d>
-            <a:camera prst="orthographicFront">
-              <a:rot lat="0" lon="0" rev="0"/>
-            </a:camera>
-            <a:lightRig rig="threePt" dir="t">
-              <a:rot lat="0" lon="0" rev="1200000"/>
-            </a:lightRig>
-          </a:scene3d>
-          <a:sp3d>
-            <a:bevelT w="63500" h="25400"/>
-          </a:sp3d>
-        </a:effectStyle>
-      </a:effectStyleLst>
-      <a:bgFillStyleLst>
-        <a:solidFill>
-          <a:schemeClr val="phClr"/>
-        </a:solidFill>
-        <a:gradFill rotWithShape="1">
-          <a:gsLst>
-            <a:gs pos="0">
-              <a:schemeClr val="phClr">
-                <a:tint val="40000"/>
-                <a:satMod val="350000"/>
-              </a:schemeClr>
-            </a:gs>
-            <a:gs pos="40000">
-              <a:schemeClr val="phClr">
-                <a:tint val="45000"/>
-                <a:shade val="99000"/>
-                <a:satMod val="350000"/>
-              </a:schemeClr>
-            </a:gs>
-            <a:gs pos="100000">
-              <a:schemeClr val="phClr">
-                <a:shade val="20000"/>
-                <a:satMod val="255000"/>
-              </a:schemeClr>
-            </a:gs>
-          </a:gsLst>
-          <a:path path="circle">
-            <a:fillToRect l="50000" t="-80000" r="50000" b="180000"/>
-          </a:path>
-        </a:gradFill>
-        <a:gradFill rotWithShape="1">
-          <a:gsLst>
-            <a:gs pos="0">
-              <a:schemeClr val="phClr">
-                <a:tint val="80000"/>
-                <a:satMod val="300000"/>
-              </a:schemeClr>
-            </a:gs>
-            <a:gs pos="100000">
-              <a:schemeClr val="phClr">
-                <a:shade val="30000"/>
-                <a:satMod val="200000"/>
-              </a:schemeClr>
-            </a:gs>
-          </a:gsLst>
-          <a:path path="circle">
-            <a:fillToRect l="50000" t="50000" r="50000" b="50000"/>
-          </a:path>
-        </a:gradFill>
-      </a:bgFillStyleLst>
-    </a:fmtScheme>
-  </a:themeElements>
-</a:theme>
 </file>
--- a/Slideshow template.pptx
+++ b/Slideshow template.pptx
@@ -75,7 +75,7 @@
         <p:txBody>
           <a:bodyPr/>
           <a:p>
-            <a:fld id="{9EB82405-3199-4468-BD3D-669EE9501BB2}" type="slidenum">
+            <a:fld id="{0891FA53-6FA1-4558-AF64-DFC20A398278}" type="slidenum">
               <a:t>&lt;#&gt;</a:t>
             </a:fld>
           </a:p>
@@ -263,7 +263,7 @@
         <p:txBody>
           <a:bodyPr/>
           <a:p>
-            <a:fld id="{62768776-F962-4F1C-8818-890D5544D487}" type="slidenum">
+            <a:fld id="{42B46EAE-7F43-408F-A182-4E8203E5C831}" type="slidenum">
               <a:t>&lt;#&gt;</a:t>
             </a:fld>
           </a:p>
@@ -519,7 +519,7 @@
         <p:txBody>
           <a:bodyPr/>
           <a:p>
-            <a:fld id="{F25E49CD-F8BF-4A89-94FF-7FB4617A4149}" type="slidenum">
+            <a:fld id="{DF94EA34-72D0-4293-A3CB-BED7871DA3FA}" type="slidenum">
               <a:t>&lt;#&gt;</a:t>
             </a:fld>
           </a:p>
@@ -843,7 +843,7 @@
         <p:txBody>
           <a:bodyPr/>
           <a:p>
-            <a:fld id="{24A18188-2939-4ACC-BE17-DAE3EACC0BA9}" type="slidenum">
+            <a:fld id="{7A2E0632-996F-4B1B-855B-66A7FB5DD822}" type="slidenum">
               <a:t>&lt;#&gt;</a:t>
             </a:fld>
           </a:p>
@@ -926,7 +926,7 @@
         <p:txBody>
           <a:bodyPr/>
           <a:p>
-            <a:fld id="{5F087CBA-2149-4920-A49A-57F2ADBE03AE}" type="slidenum">
+            <a:fld id="{35744489-BC3A-4D50-AC21-A4C99D41F271}" type="slidenum">
               <a:t>&lt;#&gt;</a:t>
             </a:fld>
           </a:p>
@@ -1083,7 +1083,7 @@
         <p:txBody>
           <a:bodyPr/>
           <a:p>
-            <a:fld id="{906558E8-D04F-4005-9C0D-B2FA5EBBE70D}" type="slidenum">
+            <a:fld id="{C1A8EC4F-1EE5-451B-9B7D-B5C05A6C39C3}" type="slidenum">
               <a:t>&lt;#&gt;</a:t>
             </a:fld>
           </a:p>
@@ -1237,7 +1237,7 @@
         <p:txBody>
           <a:bodyPr/>
           <a:p>
-            <a:fld id="{52095F90-88CD-46C2-9CF5-B7A4B9E16579}" type="slidenum">
+            <a:fld id="{82D83F0C-C894-4BA4-A2C9-D2D3583E1DE9}" type="slidenum">
               <a:t>&lt;#&gt;</a:t>
             </a:fld>
           </a:p>
@@ -1425,7 +1425,7 @@
         <p:txBody>
           <a:bodyPr/>
           <a:p>
-            <a:fld id="{0EC63B70-9552-4FE6-8A30-DEAE274043D0}" type="slidenum">
+            <a:fld id="{C6FF13F1-09EB-4BD1-B304-507C35C82BC3}" type="slidenum">
               <a:t>&lt;#&gt;</a:t>
             </a:fld>
           </a:p>
@@ -1545,7 +1545,7 @@
         <p:txBody>
           <a:bodyPr/>
           <a:p>
-            <a:fld id="{C2981ABE-6C62-4F1A-BFD0-0EC5031371E1}" type="slidenum">
+            <a:fld id="{AED330E8-29C7-45EC-8732-A5ED47F62112}" type="slidenum">
               <a:t>&lt;#&gt;</a:t>
             </a:fld>
           </a:p>
@@ -1665,7 +1665,7 @@
         <p:txBody>
           <a:bodyPr/>
           <a:p>
-            <a:fld id="{45196D11-D370-479A-827C-BCD17C3AAC46}" type="slidenum">
+            <a:fld id="{A5CC8CF0-BE7C-48C0-A888-16EF5EC9E9B3}" type="slidenum">
               <a:t>&lt;#&gt;</a:t>
             </a:fld>
           </a:p>
@@ -1887,7 +1887,7 @@
         <p:txBody>
           <a:bodyPr/>
           <a:p>
-            <a:fld id="{B071A1F6-1027-410A-B012-39FADD45069D}" type="slidenum">
+            <a:fld id="{74E12D94-3DC6-4908-A272-49A273BF02F3}" type="slidenum">
               <a:t>&lt;#&gt;</a:t>
             </a:fld>
           </a:p>
@@ -2044,7 +2044,7 @@
         <p:txBody>
           <a:bodyPr/>
           <a:p>
-            <a:fld id="{16935C09-1047-4F79-B51A-3206344CCB93}" type="slidenum">
+            <a:fld id="{0D781A0F-7615-4DDB-A8CB-A30D2AC0A298}" type="slidenum">
               <a:t>&lt;#&gt;</a:t>
             </a:fld>
           </a:p>
@@ -2266,7 +2266,7 @@
         <p:txBody>
           <a:bodyPr/>
           <a:p>
-            <a:fld id="{FBD229B5-5641-40B9-885B-3E467E35F673}" type="slidenum">
+            <a:fld id="{DA716B4B-F8D8-4B87-8EDD-9CCA7F7CB453}" type="slidenum">
               <a:t>&lt;#&gt;</a:t>
             </a:fld>
           </a:p>
@@ -2488,7 +2488,7 @@
         <p:txBody>
           <a:bodyPr/>
           <a:p>
-            <a:fld id="{6D2259E1-E74F-4C0F-BF87-B9E8A2264CEA}" type="slidenum">
+            <a:fld id="{775A9034-A0C3-4146-BECC-83C569C61C65}" type="slidenum">
               <a:t>&lt;#&gt;</a:t>
             </a:fld>
           </a:p>
@@ -2676,7 +2676,7 @@
         <p:txBody>
           <a:bodyPr/>
           <a:p>
-            <a:fld id="{7790B6D5-8593-4E3B-846A-5343873A6113}" type="slidenum">
+            <a:fld id="{5F1B68DC-74E0-46C3-8D61-FC448BA22DB1}" type="slidenum">
               <a:t>&lt;#&gt;</a:t>
             </a:fld>
           </a:p>
@@ -2932,7 +2932,7 @@
         <p:txBody>
           <a:bodyPr/>
           <a:p>
-            <a:fld id="{BC82F6CB-01AD-415D-9A6A-032F3648BA40}" type="slidenum">
+            <a:fld id="{9EA9CD83-24EF-46DA-8466-8A08002EB2DF}" type="slidenum">
               <a:t>&lt;#&gt;</a:t>
             </a:fld>
           </a:p>
@@ -3256,7 +3256,7 @@
         <p:txBody>
           <a:bodyPr/>
           <a:p>
-            <a:fld id="{8A197DA1-5E9D-429A-B5DD-156C547A891C}" type="slidenum">
+            <a:fld id="{0AEE485D-F2FE-4458-A572-9EBBC6EC2CF2}" type="slidenum">
               <a:t>&lt;#&gt;</a:t>
             </a:fld>
           </a:p>
@@ -3339,7 +3339,7 @@
         <p:txBody>
           <a:bodyPr/>
           <a:p>
-            <a:fld id="{E37035A3-37E3-475B-837C-009F9EC65C05}" type="slidenum">
+            <a:fld id="{8D0F5BA6-C461-4306-9D55-3D8A208542A1}" type="slidenum">
               <a:t>&lt;#&gt;</a:t>
             </a:fld>
           </a:p>
@@ -3496,7 +3496,7 @@
         <p:txBody>
           <a:bodyPr/>
           <a:p>
-            <a:fld id="{15ED3F37-33C9-4F04-B6B4-6C9001185FDB}" type="slidenum">
+            <a:fld id="{397AA6EB-CBD5-4001-BDE0-011643735A98}" type="slidenum">
               <a:t>&lt;#&gt;</a:t>
             </a:fld>
           </a:p>
@@ -3650,7 +3650,7 @@
         <p:txBody>
           <a:bodyPr/>
           <a:p>
-            <a:fld id="{78EF8DD9-E453-483B-83EB-760983C44E75}" type="slidenum">
+            <a:fld id="{F4E068C7-7C85-45BB-989F-9A4D8298A77B}" type="slidenum">
               <a:t>&lt;#&gt;</a:t>
             </a:fld>
           </a:p>
@@ -3838,7 +3838,7 @@
         <p:txBody>
           <a:bodyPr/>
           <a:p>
-            <a:fld id="{D8AB79F3-F02B-42A8-880A-DBBD1E3E2AA9}" type="slidenum">
+            <a:fld id="{13BFBE98-EDAB-48D0-9889-7C06A4AFA7B3}" type="slidenum">
               <a:t>&lt;#&gt;</a:t>
             </a:fld>
           </a:p>
@@ -3958,7 +3958,7 @@
         <p:txBody>
           <a:bodyPr/>
           <a:p>
-            <a:fld id="{0210C36B-7558-4541-A50C-A7EB4A284294}" type="slidenum">
+            <a:fld id="{BB7FA050-65F8-4AB5-A132-C847317C898E}" type="slidenum">
               <a:t>&lt;#&gt;</a:t>
             </a:fld>
           </a:p>
@@ -4112,7 +4112,7 @@
         <p:txBody>
           <a:bodyPr/>
           <a:p>
-            <a:fld id="{2A1895DF-793D-417D-A8B6-2DF80479A871}" type="slidenum">
+            <a:fld id="{C4ABD1AC-89A3-4B62-8BD8-27D5817EE4D1}" type="slidenum">
               <a:t>&lt;#&gt;</a:t>
             </a:fld>
           </a:p>
@@ -4232,7 +4232,7 @@
         <p:txBody>
           <a:bodyPr/>
           <a:p>
-            <a:fld id="{CACF4980-A890-4F4B-BA45-6ACBD71902F8}" type="slidenum">
+            <a:fld id="{6DAA2FE3-06FA-423D-9B06-9EFA9E85BA57}" type="slidenum">
               <a:t>&lt;#&gt;</a:t>
             </a:fld>
           </a:p>
@@ -4454,7 +4454,7 @@
         <p:txBody>
           <a:bodyPr/>
           <a:p>
-            <a:fld id="{76CE28B6-D4E8-41B3-8589-2422F6B6D9E4}" type="slidenum">
+            <a:fld id="{EC38685E-629F-448A-8DBD-2B083FE75F3F}" type="slidenum">
               <a:t>&lt;#&gt;</a:t>
             </a:fld>
           </a:p>
@@ -4676,7 +4676,7 @@
         <p:txBody>
           <a:bodyPr/>
           <a:p>
-            <a:fld id="{E5F73E6E-58FC-466C-912F-612ECF07E793}" type="slidenum">
+            <a:fld id="{9BC842E5-A4F2-4FF0-B63F-D135CEACABC1}" type="slidenum">
               <a:t>&lt;#&gt;</a:t>
             </a:fld>
           </a:p>
@@ -4898,7 +4898,7 @@
         <p:txBody>
           <a:bodyPr/>
           <a:p>
-            <a:fld id="{A0BC7876-D9E8-4DE3-87B2-2B0D285C64A2}" type="slidenum">
+            <a:fld id="{A2AEFAF9-3D45-41CE-83C8-AC600C451470}" type="slidenum">
               <a:t>&lt;#&gt;</a:t>
             </a:fld>
           </a:p>
@@ -5086,7 +5086,7 @@
         <p:txBody>
           <a:bodyPr/>
           <a:p>
-            <a:fld id="{B2968D35-3625-42D9-A11C-2C60777F65F7}" type="slidenum">
+            <a:fld id="{DD5E46AD-663A-4526-A8F7-C7EA1FF86228}" type="slidenum">
               <a:t>&lt;#&gt;</a:t>
             </a:fld>
           </a:p>
@@ -5342,7 +5342,7 @@
         <p:txBody>
           <a:bodyPr/>
           <a:p>
-            <a:fld id="{D61DEECF-4954-4C96-96A3-9C10C3A23444}" type="slidenum">
+            <a:fld id="{0A8409AE-E2E7-4227-A760-67F451477399}" type="slidenum">
               <a:t>&lt;#&gt;</a:t>
             </a:fld>
           </a:p>
@@ -5666,7 +5666,7 @@
         <p:txBody>
           <a:bodyPr/>
           <a:p>
-            <a:fld id="{54147FAF-BB0F-41CB-B461-E3228424DD4F}" type="slidenum">
+            <a:fld id="{2DDD0DED-C4A4-4850-B26D-E26F7D9261E3}" type="slidenum">
               <a:t>&lt;#&gt;</a:t>
             </a:fld>
           </a:p>
@@ -5749,7 +5749,7 @@
         <p:txBody>
           <a:bodyPr/>
           <a:p>
-            <a:fld id="{BC8D13D4-797E-4EB1-8AAF-CD8E6DE63002}" type="slidenum">
+            <a:fld id="{67764DCD-7CE5-4F85-AD7B-A0C55AC1A95D}" type="slidenum">
               <a:t>&lt;#&gt;</a:t>
             </a:fld>
           </a:p>
@@ -5906,7 +5906,7 @@
         <p:txBody>
           <a:bodyPr/>
           <a:p>
-            <a:fld id="{216F0A6C-AC14-4602-BC8E-148AE9FB43E4}" type="slidenum">
+            <a:fld id="{B5E0BEC1-B010-49B8-A579-2A46391AD40C}" type="slidenum">
               <a:t>&lt;#&gt;</a:t>
             </a:fld>
           </a:p>
@@ -6060,7 +6060,7 @@
         <p:txBody>
           <a:bodyPr/>
           <a:p>
-            <a:fld id="{20595309-BAA4-4E0E-BC63-1DF803E40065}" type="slidenum">
+            <a:fld id="{4D52B144-00E8-43F2-8D01-9EFB6CA136E7}" type="slidenum">
               <a:t>&lt;#&gt;</a:t>
             </a:fld>
           </a:p>
@@ -6248,7 +6248,7 @@
         <p:txBody>
           <a:bodyPr/>
           <a:p>
-            <a:fld id="{EA24313B-759A-4326-B7A7-ABD4BB87B702}" type="slidenum">
+            <a:fld id="{369BA249-C4E8-45A0-9565-E33ADFE528A0}" type="slidenum">
               <a:t>&lt;#&gt;</a:t>
             </a:fld>
           </a:p>
@@ -6436,7 +6436,7 @@
         <p:txBody>
           <a:bodyPr/>
           <a:p>
-            <a:fld id="{F4952E26-F213-4E5E-A6DB-FD26ABECA738}" type="slidenum">
+            <a:fld id="{75B3D577-4507-47FB-999C-78F0CF12A280}" type="slidenum">
               <a:t>&lt;#&gt;</a:t>
             </a:fld>
           </a:p>
@@ -6556,7 +6556,7 @@
         <p:txBody>
           <a:bodyPr/>
           <a:p>
-            <a:fld id="{8043D620-2C54-43CC-8BF1-97E97A1F51B3}" type="slidenum">
+            <a:fld id="{037ED0E5-63D7-47F3-9BDC-BF1E094ADED9}" type="slidenum">
               <a:t>&lt;#&gt;</a:t>
             </a:fld>
           </a:p>
@@ -6676,7 +6676,7 @@
         <p:txBody>
           <a:bodyPr/>
           <a:p>
-            <a:fld id="{85A8A460-70CE-472D-ACC6-DCB78625768F}" type="slidenum">
+            <a:fld id="{260D3E29-2208-4031-9515-09634122125B}" type="slidenum">
               <a:t>&lt;#&gt;</a:t>
             </a:fld>
           </a:p>
@@ -6898,7 +6898,7 @@
         <p:txBody>
           <a:bodyPr/>
           <a:p>
-            <a:fld id="{8DBBD59F-23E8-489F-ABBB-6A5A080F8455}" type="slidenum">
+            <a:fld id="{05DB2390-C8BB-4B36-B576-6E6461A8DDD9}" type="slidenum">
               <a:t>&lt;#&gt;</a:t>
             </a:fld>
           </a:p>
@@ -7120,7 +7120,7 @@
         <p:txBody>
           <a:bodyPr/>
           <a:p>
-            <a:fld id="{7CA512EB-9C02-4FDA-98C1-03AEEBB9B0CF}" type="slidenum">
+            <a:fld id="{9834DC7B-9356-4EA5-A4BF-1FA047DD078A}" type="slidenum">
               <a:t>&lt;#&gt;</a:t>
             </a:fld>
           </a:p>
@@ -7342,7 +7342,7 @@
         <p:txBody>
           <a:bodyPr/>
           <a:p>
-            <a:fld id="{22D27B10-3BF5-46FB-A5C3-07A6FCC40F45}" type="slidenum">
+            <a:fld id="{15488012-2D05-4BC3-BCD8-8232B0C86989}" type="slidenum">
               <a:t>&lt;#&gt;</a:t>
             </a:fld>
           </a:p>
@@ -7530,7 +7530,7 @@
         <p:txBody>
           <a:bodyPr/>
           <a:p>
-            <a:fld id="{662F20E4-4AC6-46D6-8043-FB770EBB94BD}" type="slidenum">
+            <a:fld id="{755B6DD4-AD54-4203-A47B-E000A26E0AD7}" type="slidenum">
               <a:t>&lt;#&gt;</a:t>
             </a:fld>
           </a:p>
@@ -7786,7 +7786,7 @@
         <p:txBody>
           <a:bodyPr/>
           <a:p>
-            <a:fld id="{47861810-17AC-42D7-AEC5-D3436AA34893}" type="slidenum">
+            <a:fld id="{3791D590-F26A-4951-8B55-3168DA6CF5E3}" type="slidenum">
               <a:t>&lt;#&gt;</a:t>
             </a:fld>
           </a:p>
@@ -8110,7 +8110,7 @@
         <p:txBody>
           <a:bodyPr/>
           <a:p>
-            <a:fld id="{9C44D1D8-173B-4FA8-BA91-81451D519F4C}" type="slidenum">
+            <a:fld id="{FC750431-1C9A-4421-B4E3-C26FF9F497C2}" type="slidenum">
               <a:t>&lt;#&gt;</a:t>
             </a:fld>
           </a:p>
@@ -8230,7 +8230,7 @@
         <p:txBody>
           <a:bodyPr/>
           <a:p>
-            <a:fld id="{5B021989-1039-41A2-8328-F99FE8A441C5}" type="slidenum">
+            <a:fld id="{49A19BD8-3566-4C64-B516-56670905B043}" type="slidenum">
               <a:t>&lt;#&gt;</a:t>
             </a:fld>
           </a:p>
@@ -8350,7 +8350,7 @@
         <p:txBody>
           <a:bodyPr/>
           <a:p>
-            <a:fld id="{9A2C7C35-83AA-4FC9-A0A6-2099B505CBA1}" type="slidenum">
+            <a:fld id="{47926F95-49B1-4CE8-B893-06CAB3D9F31D}" type="slidenum">
               <a:t>&lt;#&gt;</a:t>
             </a:fld>
           </a:p>
@@ -8572,7 +8572,7 @@
         <p:txBody>
           <a:bodyPr/>
           <a:p>
-            <a:fld id="{539EF7F6-85BE-4093-B893-9B295101D9FC}" type="slidenum">
+            <a:fld id="{E08B15E2-ABD1-43F4-A671-ACC04BB41259}" type="slidenum">
               <a:t>&lt;#&gt;</a:t>
             </a:fld>
           </a:p>
@@ -8794,7 +8794,7 @@
         <p:txBody>
           <a:bodyPr/>
           <a:p>
-            <a:fld id="{EB88FAF1-A40E-4F7B-AF82-DF12805489D1}" type="slidenum">
+            <a:fld id="{C63441CA-075A-4537-9825-BA2A91A86DE2}" type="slidenum">
               <a:t>&lt;#&gt;</a:t>
             </a:fld>
           </a:p>
@@ -9016,7 +9016,7 @@
         <p:txBody>
           <a:bodyPr/>
           <a:p>
-            <a:fld id="{2DAC9FAD-2668-417B-955C-225C27D27547}" type="slidenum">
+            <a:fld id="{90253DA0-52A7-404C-A2E1-2B95CE7B72E9}" type="slidenum">
               <a:t>&lt;#&gt;</a:t>
             </a:fld>
           </a:p>
@@ -9085,7 +9085,7 @@
         <p:spPr>
           <a:xfrm>
             <a:off x="4038480" y="6356520"/>
-            <a:ext cx="4111920" cy="362160"/>
+            <a:ext cx="4111560" cy="361800"/>
           </a:xfrm>
           <a:prstGeom prst="rect">
             <a:avLst/>
@@ -9142,7 +9142,7 @@
         <p:spPr>
           <a:xfrm>
             <a:off x="8610480" y="6356520"/>
-            <a:ext cx="2740320" cy="362160"/>
+            <a:ext cx="2739960" cy="361800"/>
           </a:xfrm>
           <a:prstGeom prst="rect">
             <a:avLst/>
@@ -9177,7 +9177,7 @@
               </a:lnSpc>
               <a:buNone/>
             </a:pPr>
-            <a:fld id="{57432328-DCEF-4C99-9D94-420F38954414}" type="slidenum">
+            <a:fld id="{F2C14FD0-C269-42E2-9CAF-A3EC520AA41D}" type="slidenum">
               <a:rPr b="0" lang="en-GB" sz="1200" spc="-1" strike="noStrike">
                 <a:solidFill>
                   <a:srgbClr val="8b8b8b"/>
@@ -9205,7 +9205,7 @@
         <p:spPr>
           <a:xfrm>
             <a:off x="838080" y="6356520"/>
-            <a:ext cx="2740320" cy="362160"/>
+            <a:ext cx="2739960" cy="361800"/>
           </a:xfrm>
           <a:prstGeom prst="rect">
             <a:avLst/>
@@ -9522,7 +9522,7 @@
         <p:spPr>
           <a:xfrm>
             <a:off x="4038480" y="6356520"/>
-            <a:ext cx="4111920" cy="362160"/>
+            <a:ext cx="4111560" cy="361800"/>
           </a:xfrm>
           <a:prstGeom prst="rect">
             <a:avLst/>
@@ -9579,7 +9579,7 @@
         <p:spPr>
           <a:xfrm>
             <a:off x="8610480" y="6356520"/>
-            <a:ext cx="2740320" cy="362160"/>
+            <a:ext cx="2739960" cy="361800"/>
           </a:xfrm>
           <a:prstGeom prst="rect">
             <a:avLst/>
@@ -9614,7 +9614,7 @@
               </a:lnSpc>
               <a:buNone/>
             </a:pPr>
-            <a:fld id="{744022F6-C0C5-47AA-B14B-D67995D45B9B}" type="slidenum">
+            <a:fld id="{58C8FA7E-AAEC-4009-A6B6-0AFAC29F494B}" type="slidenum">
               <a:rPr b="0" lang="en-GB" sz="1200" spc="-1" strike="noStrike">
                 <a:solidFill>
                   <a:srgbClr val="8b8b8b"/>
@@ -9642,7 +9642,7 @@
         <p:spPr>
           <a:xfrm>
             <a:off x="838080" y="6356520"/>
-            <a:ext cx="2740320" cy="362160"/>
+            <a:ext cx="2739960" cy="361800"/>
           </a:xfrm>
           <a:prstGeom prst="rect">
             <a:avLst/>
@@ -9959,7 +9959,7 @@
         <p:spPr>
           <a:xfrm>
             <a:off x="4038480" y="6356520"/>
-            <a:ext cx="4111920" cy="362160"/>
+            <a:ext cx="4111560" cy="361800"/>
           </a:xfrm>
           <a:prstGeom prst="rect">
             <a:avLst/>
@@ -10016,7 +10016,7 @@
         <p:spPr>
           <a:xfrm>
             <a:off x="8610480" y="6356520"/>
-            <a:ext cx="2740320" cy="362160"/>
+            <a:ext cx="2739960" cy="361800"/>
           </a:xfrm>
           <a:prstGeom prst="rect">
             <a:avLst/>
@@ -10051,7 +10051,7 @@
               </a:lnSpc>
               <a:buNone/>
             </a:pPr>
-            <a:fld id="{017A91BE-AFDA-46B1-B110-0522A70576E8}" type="slidenum">
+            <a:fld id="{83D80796-4873-4074-93E2-E413AE95B49B}" type="slidenum">
               <a:rPr b="0" lang="en-GB" sz="1200" spc="-1" strike="noStrike">
                 <a:solidFill>
                   <a:srgbClr val="8b8b8b"/>
@@ -10079,7 +10079,7 @@
         <p:spPr>
           <a:xfrm>
             <a:off x="838080" y="6356520"/>
-            <a:ext cx="2740320" cy="362160"/>
+            <a:ext cx="2739960" cy="361800"/>
           </a:xfrm>
           <a:prstGeom prst="rect">
             <a:avLst/>
@@ -10396,7 +10396,7 @@
         <p:spPr>
           <a:xfrm>
             <a:off x="4038480" y="6356520"/>
-            <a:ext cx="4111920" cy="362160"/>
+            <a:ext cx="4111560" cy="361800"/>
           </a:xfrm>
           <a:prstGeom prst="rect">
             <a:avLst/>
@@ -10453,7 +10453,7 @@
         <p:spPr>
           <a:xfrm>
             <a:off x="8610480" y="6356520"/>
-            <a:ext cx="2740320" cy="362160"/>
+            <a:ext cx="2739960" cy="361800"/>
           </a:xfrm>
           <a:prstGeom prst="rect">
             <a:avLst/>
@@ -10488,7 +10488,7 @@
               </a:lnSpc>
               <a:buNone/>
             </a:pPr>
-            <a:fld id="{A87F6114-809F-4494-B242-935C4F5C755F}" type="slidenum">
+            <a:fld id="{B985146C-7557-4888-95F4-EA171F1DD509}" type="slidenum">
               <a:rPr b="0" lang="en-GB" sz="1200" spc="-1" strike="noStrike">
                 <a:solidFill>
                   <a:srgbClr val="8b8b8b"/>
@@ -10516,7 +10516,7 @@
         <p:spPr>
           <a:xfrm>
             <a:off x="838080" y="6356520"/>
-            <a:ext cx="2740320" cy="362160"/>
+            <a:ext cx="2739960" cy="361800"/>
           </a:xfrm>
           <a:prstGeom prst="rect">
             <a:avLst/>
@@ -10826,7 +10826,7 @@
         <p:spPr>
           <a:xfrm>
             <a:off x="838080" y="365040"/>
-            <a:ext cx="10512720" cy="1322640"/>
+            <a:ext cx="10512360" cy="1322280"/>
           </a:xfrm>
           <a:prstGeom prst="rect">
             <a:avLst/>
@@ -10875,7 +10875,7 @@
         <p:spPr>
           <a:xfrm>
             <a:off x="838080" y="1825560"/>
-            <a:ext cx="10512720" cy="4348440"/>
+            <a:ext cx="10512360" cy="4348080"/>
           </a:xfrm>
           <a:prstGeom prst="rect">
             <a:avLst/>
@@ -11096,7 +11096,7 @@
         <p:spPr>
           <a:xfrm>
             <a:off x="609480" y="273600"/>
-            <a:ext cx="10971720" cy="1144080"/>
+            <a:ext cx="10971360" cy="1143720"/>
           </a:xfrm>
           <a:prstGeom prst="rect">
             <a:avLst/>
@@ -11138,7 +11138,7 @@
         <p:spPr>
           <a:xfrm>
             <a:off x="360000" y="1440000"/>
-            <a:ext cx="11519280" cy="2393280"/>
+            <a:ext cx="11518920" cy="3960000"/>
           </a:xfrm>
           <a:prstGeom prst="rect">
             <a:avLst/>
@@ -11247,7 +11247,28 @@
                 <a:latin typeface="Arial"/>
                 <a:ea typeface="DejaVu Sans"/>
               </a:rPr>
-              <a:t>Sensitive data will only be stored as encrypted data.</a:t>
+              <a:t>Sensitive data, such as medication information, will only be stored as encrypted data.</a:t>
+            </a:r>
+            <a:endParaRPr b="0" lang="en-IE" sz="1800" spc="-1" strike="noStrike">
+              <a:latin typeface="Arial"/>
+            </a:endParaRPr>
+          </a:p>
+          <a:p>
+            <a:pPr>
+              <a:lnSpc>
+                <a:spcPct val="100000"/>
+              </a:lnSpc>
+              <a:buNone/>
+            </a:pPr>
+            <a:r>
+              <a:rPr b="0" lang="en-IE" sz="1800" spc="-1" strike="noStrike">
+                <a:solidFill>
+                  <a:srgbClr val="000000"/>
+                </a:solidFill>
+                <a:latin typeface="Arial"/>
+                <a:ea typeface="DejaVu Sans"/>
+              </a:rPr>
+              <a:t>End to end encryption will be used to ensure only the user as access to sensitive data in a decrypted form.</a:t>
             </a:r>
             <a:endParaRPr b="0" lang="en-IE" sz="1800" spc="-1" strike="noStrike">
               <a:latin typeface="Arial"/>
@@ -11289,7 +11310,7 @@
                 <a:latin typeface="Arial"/>
                 <a:ea typeface="DejaVu Sans"/>
               </a:rPr>
-              <a:t>Only the next number of times to take medication and which specific box it is stored in will be stored locally.</a:t>
+              <a:t>Only times to take medication and which specific box it is stored in will be stored locally.</a:t>
             </a:r>
             <a:endParaRPr b="0" lang="en-IE" sz="1800" spc="-1" strike="noStrike">
               <a:latin typeface="Arial"/>
@@ -11310,7 +11331,7 @@
                 <a:latin typeface="Arial"/>
                 <a:ea typeface="DejaVu Sans"/>
               </a:rPr>
-              <a:t>If sensor data is required to be stored locally due to an inability to communicate with the server, it will be wipe after the connection is reestablished and the updates are applied.</a:t>
+              <a:t>If sensor data is required to be stored locally due to an inability to communicate with the server, it will be wiped after the connection is reestablished and the updates are applied.</a:t>
             </a:r>
             <a:endParaRPr b="0" lang="en-IE" sz="1800" spc="-1" strike="noStrike">
               <a:latin typeface="Arial"/>
@@ -11361,7 +11382,7 @@
         <p:spPr>
           <a:xfrm>
             <a:off x="609480" y="273600"/>
-            <a:ext cx="10970280" cy="1142640"/>
+            <a:ext cx="10969920" cy="1142280"/>
           </a:xfrm>
           <a:prstGeom prst="rect">
             <a:avLst/>
@@ -11403,7 +11424,7 @@
         <p:spPr>
           <a:xfrm>
             <a:off x="1080000" y="1800000"/>
-            <a:ext cx="10257840" cy="4137840"/>
+            <a:ext cx="10257480" cy="4137480"/>
           </a:xfrm>
           <a:prstGeom prst="rect">
             <a:avLst/>
@@ -11521,7 +11542,7 @@
         <p:spPr>
           <a:xfrm>
             <a:off x="838080" y="365040"/>
-            <a:ext cx="10512720" cy="1322640"/>
+            <a:ext cx="10512360" cy="1322280"/>
           </a:xfrm>
           <a:prstGeom prst="rect">
             <a:avLst/>
@@ -11570,7 +11591,7 @@
         <p:spPr>
           <a:xfrm>
             <a:off x="838080" y="1825560"/>
-            <a:ext cx="10512720" cy="4348440"/>
+            <a:ext cx="10512360" cy="4348080"/>
           </a:xfrm>
           <a:prstGeom prst="rect">
             <a:avLst/>
@@ -11751,7 +11772,7 @@
         <p:spPr>
           <a:xfrm>
             <a:off x="609480" y="273600"/>
-            <a:ext cx="10970280" cy="1142640"/>
+            <a:ext cx="10969920" cy="1142280"/>
           </a:xfrm>
           <a:prstGeom prst="rect">
             <a:avLst/>
@@ -11793,7 +11814,7 @@
         <p:spPr>
           <a:xfrm>
             <a:off x="900000" y="1800000"/>
-            <a:ext cx="10797840" cy="2647800"/>
+            <a:ext cx="10797480" cy="2647440"/>
           </a:xfrm>
           <a:prstGeom prst="rect">
             <a:avLst/>
@@ -12140,7 +12161,7 @@
         <p:spPr>
           <a:xfrm>
             <a:off x="7560000" y="1416240"/>
-            <a:ext cx="4021920" cy="2858400"/>
+            <a:ext cx="4021560" cy="2858040"/>
           </a:xfrm>
           <a:prstGeom prst="rect">
             <a:avLst/>
@@ -12193,7 +12214,7 @@
         <p:spPr>
           <a:xfrm>
             <a:off x="609480" y="273600"/>
-            <a:ext cx="10970280" cy="1142640"/>
+            <a:ext cx="10969920" cy="1142280"/>
           </a:xfrm>
           <a:prstGeom prst="rect">
             <a:avLst/>
@@ -12235,7 +12256,7 @@
         <p:spPr>
           <a:xfrm>
             <a:off x="540000" y="1620000"/>
-            <a:ext cx="11158200" cy="1880280"/>
+            <a:ext cx="11157840" cy="1879920"/>
           </a:xfrm>
           <a:prstGeom prst="rect">
             <a:avLst/>
@@ -12633,7 +12654,7 @@
         <p:spPr>
           <a:xfrm>
             <a:off x="838080" y="365040"/>
-            <a:ext cx="10512720" cy="1322640"/>
+            <a:ext cx="10512360" cy="1322280"/>
           </a:xfrm>
           <a:prstGeom prst="rect">
             <a:avLst/>
@@ -12682,7 +12703,7 @@
         <p:spPr>
           <a:xfrm>
             <a:off x="838080" y="1825560"/>
-            <a:ext cx="10512720" cy="4348440"/>
+            <a:ext cx="10512360" cy="4348080"/>
           </a:xfrm>
           <a:prstGeom prst="rect">
             <a:avLst/>
@@ -12849,7 +12870,7 @@
         <p:spPr>
           <a:xfrm>
             <a:off x="609480" y="273600"/>
-            <a:ext cx="10971000" cy="1143360"/>
+            <a:ext cx="10970640" cy="1143000"/>
           </a:xfrm>
           <a:prstGeom prst="rect">
             <a:avLst/>
@@ -12891,7 +12912,7 @@
         <p:spPr>
           <a:xfrm>
             <a:off x="720000" y="1620000"/>
-            <a:ext cx="11158560" cy="856800"/>
+            <a:ext cx="11158200" cy="856440"/>
           </a:xfrm>
           <a:prstGeom prst="rect">
             <a:avLst/>
@@ -12947,7 +12968,7 @@
                 <a:latin typeface="Arial"/>
                 <a:ea typeface="DejaVu Sans"/>
               </a:rPr>
-              <a:t>Medication data will be processed remotely on a server hosted by AWS.</a:t>
+              <a:t>Notifications and medication history will be process on the AWS server.</a:t>
             </a:r>
             <a:endParaRPr b="0" lang="en-IE" sz="1800" spc="-1" strike="noStrike">
               <a:latin typeface="Arial"/>
@@ -12968,7 +12989,7 @@
                 <a:latin typeface="Arial"/>
                 <a:ea typeface="DejaVu Sans"/>
               </a:rPr>
-              <a:t>Notifications will be sent to the users’ devices by AWS.</a:t>
+              <a:t>Notifications will be sent to the users’ devices by AWS server.</a:t>
             </a:r>
             <a:endParaRPr b="0" lang="en-IE" sz="1800" spc="-1" strike="noStrike">
               <a:latin typeface="Arial"/>
@@ -12989,7 +13010,7 @@
                 <a:latin typeface="Arial"/>
                 <a:ea typeface="DejaVu Sans"/>
               </a:rPr>
-              <a:t>Medication data will be entered and updated on a web or mobile client before being sent to AWS server.</a:t>
+              <a:t>Medication data will be edited on the web client before being sent to AWS server.</a:t>
             </a:r>
             <a:endParaRPr b="0" lang="en-IE" sz="1800" spc="-1" strike="noStrike">
               <a:latin typeface="Arial"/>
@@ -13115,7 +13136,7 @@
         <p:spPr>
           <a:xfrm>
             <a:off x="838080" y="365040"/>
-            <a:ext cx="10512720" cy="1322640"/>
+            <a:ext cx="10512360" cy="1322280"/>
           </a:xfrm>
           <a:prstGeom prst="rect">
             <a:avLst/>
@@ -13164,7 +13185,7 @@
         <p:spPr>
           <a:xfrm>
             <a:off x="838080" y="1825560"/>
-            <a:ext cx="10512720" cy="4348440"/>
+            <a:ext cx="10512360" cy="4348080"/>
           </a:xfrm>
           <a:prstGeom prst="rect">
             <a:avLst/>
@@ -13277,7 +13298,7 @@
         <p:spPr>
           <a:xfrm>
             <a:off x="838080" y="365040"/>
-            <a:ext cx="10512720" cy="1322640"/>
+            <a:ext cx="10512360" cy="1322280"/>
           </a:xfrm>
           <a:prstGeom prst="rect">
             <a:avLst/>
@@ -13326,7 +13347,7 @@
         <p:spPr>
           <a:xfrm>
             <a:off x="838080" y="1825560"/>
-            <a:ext cx="10512720" cy="4348440"/>
+            <a:ext cx="10512360" cy="4348080"/>
           </a:xfrm>
           <a:prstGeom prst="rect">
             <a:avLst/>

--- a/Slideshow template.pptx
+++ b/Slideshow template.pptx
@@ -18,6 +18,7 @@
     <p:sldId id="263" r:id="rId13"/>
     <p:sldId id="264" r:id="rId14"/>
     <p:sldId id="265" r:id="rId15"/>
+    <p:sldId id="266" r:id="rId16"/>
   </p:sldIdLst>
   <p:sldSz cx="12192000" cy="6858000"/>
   <p:notesSz cx="7559675" cy="10691813"/>
@@ -75,7 +76,7 @@
         <p:txBody>
           <a:bodyPr/>
           <a:p>
-            <a:fld id="{0891FA53-6FA1-4558-AF64-DFC20A398278}" type="slidenum">
+            <a:fld id="{3343F5CD-7A2A-44EE-A49F-25351E879AC4}" type="slidenum">
               <a:t>&lt;#&gt;</a:t>
             </a:fld>
           </a:p>
@@ -263,7 +264,7 @@
         <p:txBody>
           <a:bodyPr/>
           <a:p>
-            <a:fld id="{42B46EAE-7F43-408F-A182-4E8203E5C831}" type="slidenum">
+            <a:fld id="{202F58AD-D7FF-4BDB-BAB5-1A83890DF8A1}" type="slidenum">
               <a:t>&lt;#&gt;</a:t>
             </a:fld>
           </a:p>
@@ -519,7 +520,7 @@
         <p:txBody>
           <a:bodyPr/>
           <a:p>
-            <a:fld id="{DF94EA34-72D0-4293-A3CB-BED7871DA3FA}" type="slidenum">
+            <a:fld id="{5E115DE0-C17E-4398-8E9A-3579683F5D7E}" type="slidenum">
               <a:t>&lt;#&gt;</a:t>
             </a:fld>
           </a:p>
@@ -843,7 +844,7 @@
         <p:txBody>
           <a:bodyPr/>
           <a:p>
-            <a:fld id="{7A2E0632-996F-4B1B-855B-66A7FB5DD822}" type="slidenum">
+            <a:fld id="{135D3B07-11D0-42F9-9B20-73A66761BA17}" type="slidenum">
               <a:t>&lt;#&gt;</a:t>
             </a:fld>
           </a:p>
@@ -926,7 +927,7 @@
         <p:txBody>
           <a:bodyPr/>
           <a:p>
-            <a:fld id="{35744489-BC3A-4D50-AC21-A4C99D41F271}" type="slidenum">
+            <a:fld id="{A0AA5555-5F4D-4AB2-99D5-1D844505CB71}" type="slidenum">
               <a:t>&lt;#&gt;</a:t>
             </a:fld>
           </a:p>
@@ -1083,7 +1084,7 @@
         <p:txBody>
           <a:bodyPr/>
           <a:p>
-            <a:fld id="{C1A8EC4F-1EE5-451B-9B7D-B5C05A6C39C3}" type="slidenum">
+            <a:fld id="{0F357BE9-69AB-428A-944C-86434207CB52}" type="slidenum">
               <a:t>&lt;#&gt;</a:t>
             </a:fld>
           </a:p>
@@ -1237,7 +1238,7 @@
         <p:txBody>
           <a:bodyPr/>
           <a:p>
-            <a:fld id="{82D83F0C-C894-4BA4-A2C9-D2D3583E1DE9}" type="slidenum">
+            <a:fld id="{EEAB24ED-ADDB-4538-8699-1248637C3E5B}" type="slidenum">
               <a:t>&lt;#&gt;</a:t>
             </a:fld>
           </a:p>
@@ -1425,7 +1426,7 @@
         <p:txBody>
           <a:bodyPr/>
           <a:p>
-            <a:fld id="{C6FF13F1-09EB-4BD1-B304-507C35C82BC3}" type="slidenum">
+            <a:fld id="{EEF35550-9DEE-4BEC-B82C-8B81723F6266}" type="slidenum">
               <a:t>&lt;#&gt;</a:t>
             </a:fld>
           </a:p>
@@ -1545,7 +1546,7 @@
         <p:txBody>
           <a:bodyPr/>
           <a:p>
-            <a:fld id="{AED330E8-29C7-45EC-8732-A5ED47F62112}" type="slidenum">
+            <a:fld id="{2BD698EC-D480-4B86-BE5A-E3DEF5C4F10A}" type="slidenum">
               <a:t>&lt;#&gt;</a:t>
             </a:fld>
           </a:p>
@@ -1665,7 +1666,7 @@
         <p:txBody>
           <a:bodyPr/>
           <a:p>
-            <a:fld id="{A5CC8CF0-BE7C-48C0-A888-16EF5EC9E9B3}" type="slidenum">
+            <a:fld id="{61B4B1A9-FB6B-4E9F-8B0C-A3200D8199B2}" type="slidenum">
               <a:t>&lt;#&gt;</a:t>
             </a:fld>
           </a:p>
@@ -1887,7 +1888,7 @@
         <p:txBody>
           <a:bodyPr/>
           <a:p>
-            <a:fld id="{74E12D94-3DC6-4908-A272-49A273BF02F3}" type="slidenum">
+            <a:fld id="{FD262562-4A1F-41AC-B5BA-95FC559EFDC5}" type="slidenum">
               <a:t>&lt;#&gt;</a:t>
             </a:fld>
           </a:p>
@@ -2044,7 +2045,7 @@
         <p:txBody>
           <a:bodyPr/>
           <a:p>
-            <a:fld id="{0D781A0F-7615-4DDB-A8CB-A30D2AC0A298}" type="slidenum">
+            <a:fld id="{BB5616F7-0A52-4714-BF3F-0C8DA11F78C4}" type="slidenum">
               <a:t>&lt;#&gt;</a:t>
             </a:fld>
           </a:p>
@@ -2266,7 +2267,7 @@
         <p:txBody>
           <a:bodyPr/>
           <a:p>
-            <a:fld id="{DA716B4B-F8D8-4B87-8EDD-9CCA7F7CB453}" type="slidenum">
+            <a:fld id="{42AD2AAC-E3D3-4950-B619-29DD0F10132D}" type="slidenum">
               <a:t>&lt;#&gt;</a:t>
             </a:fld>
           </a:p>
@@ -2488,7 +2489,7 @@
         <p:txBody>
           <a:bodyPr/>
           <a:p>
-            <a:fld id="{775A9034-A0C3-4146-BECC-83C569C61C65}" type="slidenum">
+            <a:fld id="{758EC788-D2CA-4403-81AB-2D71016C836B}" type="slidenum">
               <a:t>&lt;#&gt;</a:t>
             </a:fld>
           </a:p>
@@ -2676,7 +2677,7 @@
         <p:txBody>
           <a:bodyPr/>
           <a:p>
-            <a:fld id="{5F1B68DC-74E0-46C3-8D61-FC448BA22DB1}" type="slidenum">
+            <a:fld id="{572E0874-B201-4FD3-A148-B5A27E284EE6}" type="slidenum">
               <a:t>&lt;#&gt;</a:t>
             </a:fld>
           </a:p>
@@ -2932,7 +2933,7 @@
         <p:txBody>
           <a:bodyPr/>
           <a:p>
-            <a:fld id="{9EA9CD83-24EF-46DA-8466-8A08002EB2DF}" type="slidenum">
+            <a:fld id="{E348429C-4C44-4095-9C1A-BE1CFE9EF00B}" type="slidenum">
               <a:t>&lt;#&gt;</a:t>
             </a:fld>
           </a:p>
@@ -3256,7 +3257,7 @@
         <p:txBody>
           <a:bodyPr/>
           <a:p>
-            <a:fld id="{0AEE485D-F2FE-4458-A572-9EBBC6EC2CF2}" type="slidenum">
+            <a:fld id="{71060308-C5DF-4C2E-8E3E-7CF610472893}" type="slidenum">
               <a:t>&lt;#&gt;</a:t>
             </a:fld>
           </a:p>
@@ -3339,7 +3340,7 @@
         <p:txBody>
           <a:bodyPr/>
           <a:p>
-            <a:fld id="{8D0F5BA6-C461-4306-9D55-3D8A208542A1}" type="slidenum">
+            <a:fld id="{BB6C99AB-82CA-4623-8853-77AA44C6D4EE}" type="slidenum">
               <a:t>&lt;#&gt;</a:t>
             </a:fld>
           </a:p>
@@ -3496,7 +3497,7 @@
         <p:txBody>
           <a:bodyPr/>
           <a:p>
-            <a:fld id="{397AA6EB-CBD5-4001-BDE0-011643735A98}" type="slidenum">
+            <a:fld id="{51BC560A-3B1C-495A-ABFA-A0BBCB86924F}" type="slidenum">
               <a:t>&lt;#&gt;</a:t>
             </a:fld>
           </a:p>
@@ -3650,7 +3651,7 @@
         <p:txBody>
           <a:bodyPr/>
           <a:p>
-            <a:fld id="{F4E068C7-7C85-45BB-989F-9A4D8298A77B}" type="slidenum">
+            <a:fld id="{B3F335CB-7D7D-4BFF-A5EB-59CB1223F244}" type="slidenum">
               <a:t>&lt;#&gt;</a:t>
             </a:fld>
           </a:p>
@@ -3838,7 +3839,7 @@
         <p:txBody>
           <a:bodyPr/>
           <a:p>
-            <a:fld id="{13BFBE98-EDAB-48D0-9889-7C06A4AFA7B3}" type="slidenum">
+            <a:fld id="{6B90E6DA-7E9A-4416-878D-FDF42114BBD0}" type="slidenum">
               <a:t>&lt;#&gt;</a:t>
             </a:fld>
           </a:p>
@@ -3958,7 +3959,7 @@
         <p:txBody>
           <a:bodyPr/>
           <a:p>
-            <a:fld id="{BB7FA050-65F8-4AB5-A132-C847317C898E}" type="slidenum">
+            <a:fld id="{7800152E-63D4-403E-837D-8AA02F6A759E}" type="slidenum">
               <a:t>&lt;#&gt;</a:t>
             </a:fld>
           </a:p>
@@ -4112,7 +4113,7 @@
         <p:txBody>
           <a:bodyPr/>
           <a:p>
-            <a:fld id="{C4ABD1AC-89A3-4B62-8BD8-27D5817EE4D1}" type="slidenum">
+            <a:fld id="{77491C1A-CC0F-4594-9A9B-EA37FAD6654E}" type="slidenum">
               <a:t>&lt;#&gt;</a:t>
             </a:fld>
           </a:p>
@@ -4232,7 +4233,7 @@
         <p:txBody>
           <a:bodyPr/>
           <a:p>
-            <a:fld id="{6DAA2FE3-06FA-423D-9B06-9EFA9E85BA57}" type="slidenum">
+            <a:fld id="{34632077-7041-42ED-B060-3721BE43EA1E}" type="slidenum">
               <a:t>&lt;#&gt;</a:t>
             </a:fld>
           </a:p>
@@ -4454,7 +4455,7 @@
         <p:txBody>
           <a:bodyPr/>
           <a:p>
-            <a:fld id="{EC38685E-629F-448A-8DBD-2B083FE75F3F}" type="slidenum">
+            <a:fld id="{503FF4B0-64AD-45B2-B905-0BF1AA0DB95D}" type="slidenum">
               <a:t>&lt;#&gt;</a:t>
             </a:fld>
           </a:p>
@@ -4676,7 +4677,7 @@
         <p:txBody>
           <a:bodyPr/>
           <a:p>
-            <a:fld id="{9BC842E5-A4F2-4FF0-B63F-D135CEACABC1}" type="slidenum">
+            <a:fld id="{25DD194C-9BEA-42F5-826A-27054116FB88}" type="slidenum">
               <a:t>&lt;#&gt;</a:t>
             </a:fld>
           </a:p>
@@ -4898,7 +4899,7 @@
         <p:txBody>
           <a:bodyPr/>
           <a:p>
-            <a:fld id="{A2AEFAF9-3D45-41CE-83C8-AC600C451470}" type="slidenum">
+            <a:fld id="{D96ECA79-5733-4370-BCEC-8D46ADC7B1B9}" type="slidenum">
               <a:t>&lt;#&gt;</a:t>
             </a:fld>
           </a:p>
@@ -5086,7 +5087,7 @@
         <p:txBody>
           <a:bodyPr/>
           <a:p>
-            <a:fld id="{DD5E46AD-663A-4526-A8F7-C7EA1FF86228}" type="slidenum">
+            <a:fld id="{FC596A8A-9BF2-4C8A-8A3E-0F8E506BC211}" type="slidenum">
               <a:t>&lt;#&gt;</a:t>
             </a:fld>
           </a:p>
@@ -5342,7 +5343,7 @@
         <p:txBody>
           <a:bodyPr/>
           <a:p>
-            <a:fld id="{0A8409AE-E2E7-4227-A760-67F451477399}" type="slidenum">
+            <a:fld id="{721317B9-3143-4CD0-B179-8DFF46BB1D7E}" type="slidenum">
               <a:t>&lt;#&gt;</a:t>
             </a:fld>
           </a:p>
@@ -5666,7 +5667,7 @@
         <p:txBody>
           <a:bodyPr/>
           <a:p>
-            <a:fld id="{2DDD0DED-C4A4-4850-B26D-E26F7D9261E3}" type="slidenum">
+            <a:fld id="{9129FFBA-17A5-49F7-9373-D2B588A00A38}" type="slidenum">
               <a:t>&lt;#&gt;</a:t>
             </a:fld>
           </a:p>
@@ -5749,7 +5750,7 @@
         <p:txBody>
           <a:bodyPr/>
           <a:p>
-            <a:fld id="{67764DCD-7CE5-4F85-AD7B-A0C55AC1A95D}" type="slidenum">
+            <a:fld id="{F6F219C8-2EDE-40EB-91D1-3BB3843F17C7}" type="slidenum">
               <a:t>&lt;#&gt;</a:t>
             </a:fld>
           </a:p>
@@ -5906,7 +5907,7 @@
         <p:txBody>
           <a:bodyPr/>
           <a:p>
-            <a:fld id="{B5E0BEC1-B010-49B8-A579-2A46391AD40C}" type="slidenum">
+            <a:fld id="{89261E7C-338D-4D4B-B4C3-AA4896839492}" type="slidenum">
               <a:t>&lt;#&gt;</a:t>
             </a:fld>
           </a:p>
@@ -6060,7 +6061,7 @@
         <p:txBody>
           <a:bodyPr/>
           <a:p>
-            <a:fld id="{4D52B144-00E8-43F2-8D01-9EFB6CA136E7}" type="slidenum">
+            <a:fld id="{24A1F644-15F3-4A88-9CE4-F53498B5704E}" type="slidenum">
               <a:t>&lt;#&gt;</a:t>
             </a:fld>
           </a:p>
@@ -6248,7 +6249,7 @@
         <p:txBody>
           <a:bodyPr/>
           <a:p>
-            <a:fld id="{369BA249-C4E8-45A0-9565-E33ADFE528A0}" type="slidenum">
+            <a:fld id="{EB0D2893-5D1E-4F6E-AD48-E85905E6243C}" type="slidenum">
               <a:t>&lt;#&gt;</a:t>
             </a:fld>
           </a:p>
@@ -6436,7 +6437,7 @@
         <p:txBody>
           <a:bodyPr/>
           <a:p>
-            <a:fld id="{75B3D577-4507-47FB-999C-78F0CF12A280}" type="slidenum">
+            <a:fld id="{48A51476-4991-4E98-8B1A-3A503D9DF8AE}" type="slidenum">
               <a:t>&lt;#&gt;</a:t>
             </a:fld>
           </a:p>
@@ -6556,7 +6557,7 @@
         <p:txBody>
           <a:bodyPr/>
           <a:p>
-            <a:fld id="{037ED0E5-63D7-47F3-9BDC-BF1E094ADED9}" type="slidenum">
+            <a:fld id="{1F6B655B-2142-4F1C-94A9-DC42CFB64922}" type="slidenum">
               <a:t>&lt;#&gt;</a:t>
             </a:fld>
           </a:p>
@@ -6676,7 +6677,7 @@
         <p:txBody>
           <a:bodyPr/>
           <a:p>
-            <a:fld id="{260D3E29-2208-4031-9515-09634122125B}" type="slidenum">
+            <a:fld id="{7836A54E-33C4-46CF-B745-844FB354BD7D}" type="slidenum">
               <a:t>&lt;#&gt;</a:t>
             </a:fld>
           </a:p>
@@ -6898,7 +6899,7 @@
         <p:txBody>
           <a:bodyPr/>
           <a:p>
-            <a:fld id="{05DB2390-C8BB-4B36-B576-6E6461A8DDD9}" type="slidenum">
+            <a:fld id="{62A13CEB-841C-4D25-9ECB-8D4A8D3B9712}" type="slidenum">
               <a:t>&lt;#&gt;</a:t>
             </a:fld>
           </a:p>
@@ -7120,7 +7121,7 @@
         <p:txBody>
           <a:bodyPr/>
           <a:p>
-            <a:fld id="{9834DC7B-9356-4EA5-A4BF-1FA047DD078A}" type="slidenum">
+            <a:fld id="{2107DCC7-385A-489D-BDBC-BBBBC0F1FF37}" type="slidenum">
               <a:t>&lt;#&gt;</a:t>
             </a:fld>
           </a:p>
@@ -7342,7 +7343,7 @@
         <p:txBody>
           <a:bodyPr/>
           <a:p>
-            <a:fld id="{15488012-2D05-4BC3-BCD8-8232B0C86989}" type="slidenum">
+            <a:fld id="{DAD7DB4F-30E3-468E-A777-0DD915026AB4}" type="slidenum">
               <a:t>&lt;#&gt;</a:t>
             </a:fld>
           </a:p>
@@ -7530,7 +7531,7 @@
         <p:txBody>
           <a:bodyPr/>
           <a:p>
-            <a:fld id="{755B6DD4-AD54-4203-A47B-E000A26E0AD7}" type="slidenum">
+            <a:fld id="{EC4B80A3-2FF6-4E5D-A230-068006A47902}" type="slidenum">
               <a:t>&lt;#&gt;</a:t>
             </a:fld>
           </a:p>
@@ -7786,7 +7787,7 @@
         <p:txBody>
           <a:bodyPr/>
           <a:p>
-            <a:fld id="{3791D590-F26A-4951-8B55-3168DA6CF5E3}" type="slidenum">
+            <a:fld id="{70D1146F-3CC3-45F6-BFB5-6C90CFAEF85F}" type="slidenum">
               <a:t>&lt;#&gt;</a:t>
             </a:fld>
           </a:p>
@@ -8110,7 +8111,7 @@
         <p:txBody>
           <a:bodyPr/>
           <a:p>
-            <a:fld id="{FC750431-1C9A-4421-B4E3-C26FF9F497C2}" type="slidenum">
+            <a:fld id="{AF69046E-DBFE-438B-998B-C83C70BC17D9}" type="slidenum">
               <a:t>&lt;#&gt;</a:t>
             </a:fld>
           </a:p>
@@ -8230,7 +8231,7 @@
         <p:txBody>
           <a:bodyPr/>
           <a:p>
-            <a:fld id="{49A19BD8-3566-4C64-B516-56670905B043}" type="slidenum">
+            <a:fld id="{DA18FAF0-4757-49ED-A3FD-2E90C17EBB2D}" type="slidenum">
               <a:t>&lt;#&gt;</a:t>
             </a:fld>
           </a:p>
@@ -8350,7 +8351,7 @@
         <p:txBody>
           <a:bodyPr/>
           <a:p>
-            <a:fld id="{47926F95-49B1-4CE8-B893-06CAB3D9F31D}" type="slidenum">
+            <a:fld id="{A986D56E-F42B-4FA2-B468-C17610D8F4BE}" type="slidenum">
               <a:t>&lt;#&gt;</a:t>
             </a:fld>
           </a:p>
@@ -8572,7 +8573,7 @@
         <p:txBody>
           <a:bodyPr/>
           <a:p>
-            <a:fld id="{E08B15E2-ABD1-43F4-A671-ACC04BB41259}" type="slidenum">
+            <a:fld id="{36ACE1A4-00CE-446C-BF6B-01A86A9F47AE}" type="slidenum">
               <a:t>&lt;#&gt;</a:t>
             </a:fld>
           </a:p>
@@ -8794,7 +8795,7 @@
         <p:txBody>
           <a:bodyPr/>
           <a:p>
-            <a:fld id="{C63441CA-075A-4537-9825-BA2A91A86DE2}" type="slidenum">
+            <a:fld id="{D1FC9933-F108-4B3E-B257-5AAD72111665}" type="slidenum">
               <a:t>&lt;#&gt;</a:t>
             </a:fld>
           </a:p>
@@ -9016,7 +9017,7 @@
         <p:txBody>
           <a:bodyPr/>
           <a:p>
-            <a:fld id="{90253DA0-52A7-404C-A2E1-2B95CE7B72E9}" type="slidenum">
+            <a:fld id="{ACF03292-D602-4F53-A2D3-AA61E78F2B93}" type="slidenum">
               <a:t>&lt;#&gt;</a:t>
             </a:fld>
           </a:p>
@@ -9085,7 +9086,7 @@
         <p:spPr>
           <a:xfrm>
             <a:off x="4038480" y="6356520"/>
-            <a:ext cx="4111560" cy="361800"/>
+            <a:ext cx="4111200" cy="361440"/>
           </a:xfrm>
           <a:prstGeom prst="rect">
             <a:avLst/>
@@ -9142,7 +9143,7 @@
         <p:spPr>
           <a:xfrm>
             <a:off x="8610480" y="6356520"/>
-            <a:ext cx="2739960" cy="361800"/>
+            <a:ext cx="2739600" cy="361440"/>
           </a:xfrm>
           <a:prstGeom prst="rect">
             <a:avLst/>
@@ -9177,7 +9178,7 @@
               </a:lnSpc>
               <a:buNone/>
             </a:pPr>
-            <a:fld id="{F2C14FD0-C269-42E2-9CAF-A3EC520AA41D}" type="slidenum">
+            <a:fld id="{07F87909-D9FF-472F-8297-4911C3A089C5}" type="slidenum">
               <a:rPr b="0" lang="en-GB" sz="1200" spc="-1" strike="noStrike">
                 <a:solidFill>
                   <a:srgbClr val="8b8b8b"/>
@@ -9205,7 +9206,7 @@
         <p:spPr>
           <a:xfrm>
             <a:off x="838080" y="6356520"/>
-            <a:ext cx="2739960" cy="361800"/>
+            <a:ext cx="2739600" cy="361440"/>
           </a:xfrm>
           <a:prstGeom prst="rect">
             <a:avLst/>
@@ -9522,7 +9523,7 @@
         <p:spPr>
           <a:xfrm>
             <a:off x="4038480" y="6356520"/>
-            <a:ext cx="4111560" cy="361800"/>
+            <a:ext cx="4111200" cy="361440"/>
           </a:xfrm>
           <a:prstGeom prst="rect">
             <a:avLst/>
@@ -9579,7 +9580,7 @@
         <p:spPr>
           <a:xfrm>
             <a:off x="8610480" y="6356520"/>
-            <a:ext cx="2739960" cy="361800"/>
+            <a:ext cx="2739600" cy="361440"/>
           </a:xfrm>
           <a:prstGeom prst="rect">
             <a:avLst/>
@@ -9614,7 +9615,7 @@
               </a:lnSpc>
               <a:buNone/>
             </a:pPr>
-            <a:fld id="{58C8FA7E-AAEC-4009-A6B6-0AFAC29F494B}" type="slidenum">
+            <a:fld id="{550C0714-001B-4B20-A449-01B402A85359}" type="slidenum">
               <a:rPr b="0" lang="en-GB" sz="1200" spc="-1" strike="noStrike">
                 <a:solidFill>
                   <a:srgbClr val="8b8b8b"/>
@@ -9642,7 +9643,7 @@
         <p:spPr>
           <a:xfrm>
             <a:off x="838080" y="6356520"/>
-            <a:ext cx="2739960" cy="361800"/>
+            <a:ext cx="2739600" cy="361440"/>
           </a:xfrm>
           <a:prstGeom prst="rect">
             <a:avLst/>
@@ -9959,7 +9960,7 @@
         <p:spPr>
           <a:xfrm>
             <a:off x="4038480" y="6356520"/>
-            <a:ext cx="4111560" cy="361800"/>
+            <a:ext cx="4111200" cy="361440"/>
           </a:xfrm>
           <a:prstGeom prst="rect">
             <a:avLst/>
@@ -10016,7 +10017,7 @@
         <p:spPr>
           <a:xfrm>
             <a:off x="8610480" y="6356520"/>
-            <a:ext cx="2739960" cy="361800"/>
+            <a:ext cx="2739600" cy="361440"/>
           </a:xfrm>
           <a:prstGeom prst="rect">
             <a:avLst/>
@@ -10051,7 +10052,7 @@
               </a:lnSpc>
               <a:buNone/>
             </a:pPr>
-            <a:fld id="{83D80796-4873-4074-93E2-E413AE95B49B}" type="slidenum">
+            <a:fld id="{A9687C17-7130-472A-9F5B-30E4620C079E}" type="slidenum">
               <a:rPr b="0" lang="en-GB" sz="1200" spc="-1" strike="noStrike">
                 <a:solidFill>
                   <a:srgbClr val="8b8b8b"/>
@@ -10079,7 +10080,7 @@
         <p:spPr>
           <a:xfrm>
             <a:off x="838080" y="6356520"/>
-            <a:ext cx="2739960" cy="361800"/>
+            <a:ext cx="2739600" cy="361440"/>
           </a:xfrm>
           <a:prstGeom prst="rect">
             <a:avLst/>
@@ -10396,7 +10397,7 @@
         <p:spPr>
           <a:xfrm>
             <a:off x="4038480" y="6356520"/>
-            <a:ext cx="4111560" cy="361800"/>
+            <a:ext cx="4111200" cy="361440"/>
           </a:xfrm>
           <a:prstGeom prst="rect">
             <a:avLst/>
@@ -10453,7 +10454,7 @@
         <p:spPr>
           <a:xfrm>
             <a:off x="8610480" y="6356520"/>
-            <a:ext cx="2739960" cy="361800"/>
+            <a:ext cx="2739600" cy="361440"/>
           </a:xfrm>
           <a:prstGeom prst="rect">
             <a:avLst/>
@@ -10488,7 +10489,7 @@
               </a:lnSpc>
               <a:buNone/>
             </a:pPr>
-            <a:fld id="{B985146C-7557-4888-95F4-EA171F1DD509}" type="slidenum">
+            <a:fld id="{DD6C240D-3A34-47DD-B5A5-E54B7081F958}" type="slidenum">
               <a:rPr b="0" lang="en-GB" sz="1200" spc="-1" strike="noStrike">
                 <a:solidFill>
                   <a:srgbClr val="8b8b8b"/>
@@ -10516,7 +10517,7 @@
         <p:spPr>
           <a:xfrm>
             <a:off x="838080" y="6356520"/>
-            <a:ext cx="2739960" cy="361800"/>
+            <a:ext cx="2739600" cy="361440"/>
           </a:xfrm>
           <a:prstGeom prst="rect">
             <a:avLst/>
@@ -10826,7 +10827,7 @@
         <p:spPr>
           <a:xfrm>
             <a:off x="838080" y="365040"/>
-            <a:ext cx="10512360" cy="1322280"/>
+            <a:ext cx="10512000" cy="1321920"/>
           </a:xfrm>
           <a:prstGeom prst="rect">
             <a:avLst/>
@@ -10875,7 +10876,7 @@
         <p:spPr>
           <a:xfrm>
             <a:off x="838080" y="1825560"/>
-            <a:ext cx="10512360" cy="4348080"/>
+            <a:ext cx="10512000" cy="4347720"/>
           </a:xfrm>
           <a:prstGeom prst="rect">
             <a:avLst/>
@@ -11085,7 +11086,7 @@
       </p:grpSpPr>
       <p:sp>
         <p:nvSpPr>
-          <p:cNvPr id="183" name="PlaceHolder 1"/>
+          <p:cNvPr id="186" name="PlaceHolder 1"/>
           <p:cNvSpPr>
             <a:spLocks noGrp="1"/>
           </p:cNvSpPr>
@@ -11095,8 +11096,170 @@
         </p:nvSpPr>
         <p:spPr>
           <a:xfrm>
+            <a:off x="838080" y="365040"/>
+            <a:ext cx="10512000" cy="1321920"/>
+          </a:xfrm>
+          <a:prstGeom prst="rect">
+            <a:avLst/>
+          </a:prstGeom>
+          <a:noFill/>
+          <a:ln w="0">
+            <a:noFill/>
+          </a:ln>
+        </p:spPr>
+        <p:txBody>
+          <a:bodyPr lIns="90000" rIns="90000" tIns="45000" bIns="45000" anchor="ctr">
+            <a:noAutofit/>
+          </a:bodyPr>
+          <a:p>
+            <a:pPr>
+              <a:lnSpc>
+                <a:spcPct val="90000"/>
+              </a:lnSpc>
+              <a:buNone/>
+            </a:pPr>
+            <a:r>
+              <a:rPr b="0" lang="en-GB" sz="4400" spc="-1" strike="noStrike">
+                <a:solidFill>
+                  <a:srgbClr val="000000"/>
+                </a:solidFill>
+                <a:latin typeface="Calibri Light"/>
+              </a:rPr>
+              <a:t>Security of Data at Rest</a:t>
+            </a:r>
+            <a:endParaRPr b="0" lang="en-IE" sz="4400" spc="-1" strike="noStrike">
+              <a:latin typeface="Arial"/>
+            </a:endParaRPr>
+          </a:p>
+        </p:txBody>
+      </p:sp>
+      <p:sp>
+        <p:nvSpPr>
+          <p:cNvPr id="187" name="PlaceHolder 2"/>
+          <p:cNvSpPr>
+            <a:spLocks noGrp="1"/>
+          </p:cNvSpPr>
+          <p:nvPr>
+            <p:ph/>
+          </p:nvPr>
+        </p:nvSpPr>
+        <p:spPr>
+          <a:xfrm>
+            <a:off x="838080" y="1825560"/>
+            <a:ext cx="10512000" cy="4347720"/>
+          </a:xfrm>
+          <a:prstGeom prst="rect">
+            <a:avLst/>
+          </a:prstGeom>
+          <a:noFill/>
+          <a:ln w="0">
+            <a:noFill/>
+          </a:ln>
+        </p:spPr>
+        <p:txBody>
+          <a:bodyPr lIns="90000" rIns="90000" tIns="45000" bIns="45000" anchor="t">
+            <a:noAutofit/>
+          </a:bodyPr>
+          <a:p>
+            <a:pPr marL="228600" indent="-228600">
+              <a:lnSpc>
+                <a:spcPct val="90000"/>
+              </a:lnSpc>
+              <a:spcBef>
+                <a:spcPts val="1001"/>
+              </a:spcBef>
+              <a:buClr>
+                <a:srgbClr val="000000"/>
+              </a:buClr>
+              <a:buFont typeface="Arial"/>
+              <a:buChar char="•"/>
+            </a:pPr>
+            <a:r>
+              <a:rPr b="0" lang="en-GB" sz="2800" spc="-1" strike="noStrike">
+                <a:solidFill>
+                  <a:srgbClr val="000000"/>
+                </a:solidFill>
+                <a:latin typeface="Calibri"/>
+              </a:rPr>
+              <a:t>Store on a secure cloud service</a:t>
+            </a:r>
+            <a:endParaRPr b="0" lang="en-IE" sz="2800" spc="-1" strike="noStrike">
+              <a:latin typeface="Arial"/>
+            </a:endParaRPr>
+          </a:p>
+          <a:p>
+            <a:pPr marL="228600" indent="-228600">
+              <a:lnSpc>
+                <a:spcPct val="90000"/>
+              </a:lnSpc>
+              <a:spcBef>
+                <a:spcPts val="1001"/>
+              </a:spcBef>
+              <a:buClr>
+                <a:srgbClr val="000000"/>
+              </a:buClr>
+              <a:buFont typeface="Arial"/>
+              <a:buChar char="•"/>
+            </a:pPr>
+            <a:r>
+              <a:rPr b="0" lang="en-GB" sz="2800" spc="-1" strike="noStrike">
+                <a:solidFill>
+                  <a:srgbClr val="000000"/>
+                </a:solidFill>
+                <a:latin typeface="Calibri"/>
+              </a:rPr>
+              <a:t>Maybe wipe the onboard data once it has been sent, as it is only meant to be a backup</a:t>
+            </a:r>
+            <a:endParaRPr b="0" lang="en-IE" sz="2800" spc="-1" strike="noStrike">
+              <a:latin typeface="Arial"/>
+            </a:endParaRPr>
+          </a:p>
+        </p:txBody>
+      </p:sp>
+    </p:spTree>
+  </p:cSld>
+  <mc:AlternateContent>
+    <mc:Choice Requires="p14">
+      <p:transition spd="slow" p14:dur="2000"/>
+    </mc:Choice>
+    <mc:Fallback>
+      <p:transition spd="slow"/>
+    </mc:Fallback>
+  </mc:AlternateContent>
+</p:sld>
+</file>
+
+<file path=ppt/slides/slide11.xml><?xml version="1.0" encoding="utf-8"?>
+<p:sld xmlns:a="http://schemas.openxmlformats.org/drawingml/2006/main" xmlns:p="http://schemas.openxmlformats.org/presentationml/2006/main" xmlns:r="http://schemas.openxmlformats.org/officeDocument/2006/relationships" xmlns:p14="http://schemas.microsoft.com/office/powerpoint/2010/main" xmlns:p15="http://schemas.microsoft.com/office/powerpoint/2012/main" xmlns:mc="http://schemas.openxmlformats.org/markup-compatibility/2006">
+  <p:cSld>
+    <p:spTree>
+      <p:nvGrpSpPr>
+        <p:cNvPr id="1" name=""/>
+        <p:cNvGrpSpPr/>
+        <p:nvPr/>
+      </p:nvGrpSpPr>
+      <p:grpSpPr>
+        <a:xfrm>
+          <a:off x="0" y="0"/>
+          <a:ext cx="0" cy="0"/>
+          <a:chOff x="0" y="0"/>
+          <a:chExt cx="0" cy="0"/>
+        </a:xfrm>
+      </p:grpSpPr>
+      <p:sp>
+        <p:nvSpPr>
+          <p:cNvPr id="188" name="PlaceHolder 1"/>
+          <p:cNvSpPr>
+            <a:spLocks noGrp="1"/>
+          </p:cNvSpPr>
+          <p:nvPr>
+            <p:ph type="title"/>
+          </p:nvPr>
+        </p:nvSpPr>
+        <p:spPr>
+          <a:xfrm>
             <a:off x="609480" y="273600"/>
-            <a:ext cx="10971360" cy="1143720"/>
+            <a:ext cx="10971000" cy="1143360"/>
           </a:xfrm>
           <a:prstGeom prst="rect">
             <a:avLst/>
@@ -11131,14 +11294,14 @@
       </p:sp>
       <p:sp>
         <p:nvSpPr>
-          <p:cNvPr id="184" name=""/>
+          <p:cNvPr id="189" name=""/>
           <p:cNvSpPr/>
           <p:nvPr/>
         </p:nvSpPr>
         <p:spPr>
           <a:xfrm>
             <a:off x="360000" y="1440000"/>
-            <a:ext cx="11518920" cy="3960000"/>
+            <a:ext cx="11518560" cy="3959640"/>
           </a:xfrm>
           <a:prstGeom prst="rect">
             <a:avLst/>
@@ -11382,7 +11545,7 @@
         <p:spPr>
           <a:xfrm>
             <a:off x="609480" y="273600"/>
-            <a:ext cx="10969920" cy="1142280"/>
+            <a:ext cx="10969560" cy="1141920"/>
           </a:xfrm>
           <a:prstGeom prst="rect">
             <a:avLst/>
@@ -11424,7 +11587,7 @@
         <p:spPr>
           <a:xfrm>
             <a:off x="1080000" y="1800000"/>
-            <a:ext cx="10257480" cy="4137480"/>
+            <a:ext cx="10257120" cy="4137120"/>
           </a:xfrm>
           <a:prstGeom prst="rect">
             <a:avLst/>
@@ -11472,27 +11635,6 @@
               </a:lnSpc>
               <a:buNone/>
             </a:pPr>
-            <a:endParaRPr b="0" lang="en-IE" sz="1800" spc="-1" strike="noStrike">
-              <a:latin typeface="Arial"/>
-            </a:endParaRPr>
-          </a:p>
-          <a:p>
-            <a:pPr>
-              <a:lnSpc>
-                <a:spcPct val="100000"/>
-              </a:lnSpc>
-              <a:buNone/>
-            </a:pPr>
-            <a:r>
-              <a:rPr b="0" lang="en-IE" sz="1800" spc="-1" strike="noStrike">
-                <a:solidFill>
-                  <a:srgbClr val="000000"/>
-                </a:solidFill>
-                <a:latin typeface="Arial"/>
-                <a:ea typeface="DejaVu Sans"/>
-              </a:rPr>
-              <a:t>#TODO schema</a:t>
-            </a:r>
             <a:endParaRPr b="0" lang="en-IE" sz="1800" spc="-1" strike="noStrike">
               <a:latin typeface="Arial"/>
             </a:endParaRPr>
@@ -11541,36 +11683,30 @@
         </p:nvSpPr>
         <p:spPr>
           <a:xfrm>
-            <a:off x="838080" y="365040"/>
-            <a:ext cx="10512360" cy="1322280"/>
-          </a:xfrm>
-          <a:prstGeom prst="rect">
-            <a:avLst/>
-          </a:prstGeom>
-          <a:noFill/>
-          <a:ln w="0">
-            <a:noFill/>
-          </a:ln>
-        </p:spPr>
-        <p:txBody>
-          <a:bodyPr lIns="90000" rIns="90000" tIns="45000" bIns="45000" anchor="ctr">
+            <a:off x="609480" y="273600"/>
+            <a:ext cx="10972440" cy="1144800"/>
+          </a:xfrm>
+          <a:prstGeom prst="rect">
+            <a:avLst/>
+          </a:prstGeom>
+          <a:noFill/>
+          <a:ln w="0">
+            <a:noFill/>
+          </a:ln>
+        </p:spPr>
+        <p:txBody>
+          <a:bodyPr lIns="0" rIns="0" tIns="0" bIns="0" anchor="ctr">
             <a:noAutofit/>
           </a:bodyPr>
           <a:p>
-            <a:pPr>
-              <a:lnSpc>
-                <a:spcPct val="90000"/>
-              </a:lnSpc>
+            <a:pPr algn="ctr">
               <a:buNone/>
             </a:pPr>
             <a:r>
-              <a:rPr b="0" lang="en-GB" sz="4400" spc="-1" strike="noStrike">
-                <a:solidFill>
-                  <a:srgbClr val="000000"/>
-                </a:solidFill>
-                <a:latin typeface="Calibri Light"/>
+              <a:rPr b="0" lang="en-IE" sz="4400" spc="-1" strike="noStrike">
+                <a:latin typeface="Arial"/>
               </a:rPr>
-              <a:t>Data Gathering</a:t>
+              <a:t>Data Storage – Example Entries</a:t>
             </a:r>
             <a:endParaRPr b="0" lang="en-IE" sz="4400" spc="-1" strike="noStrike">
               <a:latin typeface="Arial"/>
@@ -11578,20 +11714,39 @@
           </a:p>
         </p:txBody>
       </p:sp>
-      <p:sp>
-        <p:nvSpPr>
-          <p:cNvPr id="169" name="PlaceHolder 2"/>
-          <p:cNvSpPr>
-            <a:spLocks noGrp="1"/>
-          </p:cNvSpPr>
-          <p:nvPr>
-            <p:ph/>
-          </p:nvPr>
-        </p:nvSpPr>
-        <p:spPr>
-          <a:xfrm>
-            <a:off x="838080" y="1825560"/>
-            <a:ext cx="10512360" cy="4348080"/>
+      <p:pic>
+        <p:nvPicPr>
+          <p:cNvPr id="169" name="" descr=""/>
+          <p:cNvPicPr/>
+          <p:nvPr/>
+        </p:nvPicPr>
+        <p:blipFill>
+          <a:blip r:embed="rId1"/>
+          <a:stretch/>
+        </p:blipFill>
+        <p:spPr>
+          <a:xfrm>
+            <a:off x="810720" y="1260000"/>
+            <a:ext cx="1529280" cy="5247360"/>
+          </a:xfrm>
+          <a:prstGeom prst="rect">
+            <a:avLst/>
+          </a:prstGeom>
+          <a:ln w="0">
+            <a:noFill/>
+          </a:ln>
+        </p:spPr>
+      </p:pic>
+      <p:sp>
+        <p:nvSpPr>
+          <p:cNvPr id="170" name=""/>
+          <p:cNvSpPr txBox="1"/>
+          <p:nvPr/>
+        </p:nvSpPr>
+        <p:spPr>
+          <a:xfrm>
+            <a:off x="2520000" y="1620000"/>
+            <a:ext cx="1980000" cy="602280"/>
           </a:xfrm>
           <a:prstGeom prst="rect">
             <a:avLst/>
@@ -11606,124 +11761,72 @@
             <a:noAutofit/>
           </a:bodyPr>
           <a:p>
-            <a:pPr marL="228600" indent="-228600">
-              <a:lnSpc>
-                <a:spcPct val="90000"/>
-              </a:lnSpc>
-              <a:spcBef>
-                <a:spcPts val="1001"/>
-              </a:spcBef>
-              <a:buClr>
-                <a:srgbClr val="000000"/>
-              </a:buClr>
-              <a:buFont typeface="Arial"/>
-              <a:buChar char="•"/>
-            </a:pPr>
-            <a:r>
-              <a:rPr b="0" lang="en-IE" sz="2800" spc="-1" strike="noStrike">
-                <a:solidFill>
-                  <a:srgbClr val="000000"/>
-                </a:solidFill>
-                <a:latin typeface="WordVisi_MSFontService"/>
+            <a:r>
+              <a:rPr b="0" lang="en-IE" sz="1800" spc="-1" strike="noStrike">
+                <a:latin typeface="Arial"/>
               </a:rPr>
-              <a:t>include detail about the frequency with which each sensor can record a value and how the sensors work</a:t>
-            </a:r>
-            <a:endParaRPr b="0" lang="en-IE" sz="2800" spc="-1" strike="noStrike">
-              <a:latin typeface="Arial"/>
-            </a:endParaRPr>
-          </a:p>
-          <a:p>
-            <a:pPr marL="228600" indent="-228600">
-              <a:lnSpc>
-                <a:spcPct val="90000"/>
-              </a:lnSpc>
-              <a:spcBef>
-                <a:spcPts val="1001"/>
-              </a:spcBef>
-              <a:buClr>
-                <a:srgbClr val="000000"/>
-              </a:buClr>
-              <a:buFont typeface="Arial"/>
-              <a:buChar char="•"/>
-            </a:pPr>
-            <a:r>
-              <a:rPr b="0" lang="en-GB" sz="2800" spc="-1" strike="noStrike">
-                <a:solidFill>
-                  <a:srgbClr val="000000"/>
-                </a:solidFill>
-                <a:latin typeface="Calibri"/>
+              <a:t>User Entry on server</a:t>
+            </a:r>
+            <a:endParaRPr b="0" lang="en-IE" sz="1800" spc="-1" strike="noStrike">
+              <a:latin typeface="Arial"/>
+            </a:endParaRPr>
+          </a:p>
+        </p:txBody>
+      </p:sp>
+      <p:pic>
+        <p:nvPicPr>
+          <p:cNvPr id="171" name="" descr=""/>
+          <p:cNvPicPr/>
+          <p:nvPr/>
+        </p:nvPicPr>
+        <p:blipFill>
+          <a:blip r:embed="rId2"/>
+          <a:stretch/>
+        </p:blipFill>
+        <p:spPr>
+          <a:xfrm>
+            <a:off x="5462280" y="1598040"/>
+            <a:ext cx="2637720" cy="2551680"/>
+          </a:xfrm>
+          <a:prstGeom prst="rect">
+            <a:avLst/>
+          </a:prstGeom>
+          <a:ln w="0">
+            <a:noFill/>
+          </a:ln>
+        </p:spPr>
+      </p:pic>
+      <p:sp>
+        <p:nvSpPr>
+          <p:cNvPr id="172" name=""/>
+          <p:cNvSpPr txBox="1"/>
+          <p:nvPr/>
+        </p:nvSpPr>
+        <p:spPr>
+          <a:xfrm>
+            <a:off x="8280000" y="1800000"/>
+            <a:ext cx="2160000" cy="602280"/>
+          </a:xfrm>
+          <a:prstGeom prst="rect">
+            <a:avLst/>
+          </a:prstGeom>
+          <a:noFill/>
+          <a:ln w="0">
+            <a:noFill/>
+          </a:ln>
+        </p:spPr>
+        <p:txBody>
+          <a:bodyPr lIns="90000" rIns="90000" tIns="45000" bIns="45000" anchor="t">
+            <a:noAutofit/>
+          </a:bodyPr>
+          <a:p>
+            <a:r>
+              <a:rPr b="0" lang="en-IE" sz="1800" spc="-1" strike="noStrike">
+                <a:latin typeface="Arial"/>
               </a:rPr>
-              <a:t>What types of data are we gathering</a:t>
-            </a:r>
-            <a:endParaRPr b="0" lang="en-IE" sz="2800" spc="-1" strike="noStrike">
-              <a:latin typeface="Arial"/>
-            </a:endParaRPr>
-          </a:p>
-          <a:p>
-            <a:pPr marL="228600" indent="-228600">
-              <a:lnSpc>
-                <a:spcPct val="90000"/>
-              </a:lnSpc>
-              <a:spcBef>
-                <a:spcPts val="1001"/>
-              </a:spcBef>
-              <a:buClr>
-                <a:srgbClr val="000000"/>
-              </a:buClr>
-              <a:buFont typeface="Arial"/>
-              <a:buChar char="•"/>
-            </a:pPr>
-            <a:r>
-              <a:rPr b="0" lang="en-GB" sz="2800" spc="-1" strike="noStrike">
-                <a:solidFill>
-                  <a:srgbClr val="000000"/>
-                </a:solidFill>
-                <a:latin typeface="Calibri"/>
-              </a:rPr>
-              <a:t>How much data are we gathering</a:t>
-            </a:r>
-            <a:endParaRPr b="0" lang="en-IE" sz="2800" spc="-1" strike="noStrike">
-              <a:latin typeface="Arial"/>
-            </a:endParaRPr>
-          </a:p>
-          <a:p>
-            <a:pPr marL="228600" indent="-228600">
-              <a:lnSpc>
-                <a:spcPct val="90000"/>
-              </a:lnSpc>
-              <a:spcBef>
-                <a:spcPts val="1001"/>
-              </a:spcBef>
-              <a:buClr>
-                <a:srgbClr val="000000"/>
-              </a:buClr>
-              <a:buFont typeface="Arial"/>
-              <a:buChar char="•"/>
-            </a:pPr>
-            <a:r>
-              <a:rPr b="0" lang="en-GB" sz="2800" spc="-1" strike="noStrike">
-                <a:solidFill>
-                  <a:srgbClr val="000000"/>
-                </a:solidFill>
-                <a:latin typeface="Calibri"/>
-              </a:rPr>
-              <a:t>Why do we need to gather this data</a:t>
-            </a:r>
-            <a:endParaRPr b="0" lang="en-IE" sz="2800" spc="-1" strike="noStrike">
-              <a:latin typeface="Arial"/>
-            </a:endParaRPr>
-          </a:p>
-          <a:p>
-            <a:pPr>
-              <a:lnSpc>
-                <a:spcPct val="90000"/>
-              </a:lnSpc>
-              <a:spcBef>
-                <a:spcPts val="1001"/>
-              </a:spcBef>
-              <a:buNone/>
-            </a:pPr>
-            <a:endParaRPr b="0" lang="en-IE" sz="2800" spc="-1" strike="noStrike">
+              <a:t>Schedule stored on Rasberry Pi</a:t>
+            </a:r>
+            <a:endParaRPr b="0" lang="en-IE" sz="1800" spc="-1" strike="noStrike">
               <a:latin typeface="Arial"/>
             </a:endParaRPr>
           </a:p>
@@ -11761,7 +11864,7 @@
       </p:grpSpPr>
       <p:sp>
         <p:nvSpPr>
-          <p:cNvPr id="170" name="PlaceHolder 1"/>
+          <p:cNvPr id="173" name="PlaceHolder 1"/>
           <p:cNvSpPr>
             <a:spLocks noGrp="1"/>
           </p:cNvSpPr>
@@ -11771,406 +11874,194 @@
         </p:nvSpPr>
         <p:spPr>
           <a:xfrm>
-            <a:off x="609480" y="273600"/>
-            <a:ext cx="10969920" cy="1142280"/>
-          </a:xfrm>
-          <a:prstGeom prst="rect">
-            <a:avLst/>
-          </a:prstGeom>
-          <a:noFill/>
-          <a:ln w="0">
-            <a:noFill/>
-          </a:ln>
-        </p:spPr>
-        <p:txBody>
-          <a:bodyPr lIns="0" rIns="0" tIns="0" bIns="0" anchor="ctr">
+            <a:off x="838080" y="365040"/>
+            <a:ext cx="10512000" cy="1321920"/>
+          </a:xfrm>
+          <a:prstGeom prst="rect">
+            <a:avLst/>
+          </a:prstGeom>
+          <a:noFill/>
+          <a:ln w="0">
+            <a:noFill/>
+          </a:ln>
+        </p:spPr>
+        <p:txBody>
+          <a:bodyPr lIns="90000" rIns="90000" tIns="45000" bIns="45000" anchor="ctr">
             <a:noAutofit/>
           </a:bodyPr>
           <a:p>
-            <a:pPr algn="ctr">
+            <a:pPr>
               <a:lnSpc>
-                <a:spcPct val="100000"/>
+                <a:spcPct val="90000"/>
               </a:lnSpc>
               <a:buNone/>
             </a:pPr>
             <a:r>
-              <a:rPr b="0" lang="en-IE" sz="4400" spc="-1" strike="noStrike">
-                <a:latin typeface="Arial"/>
-              </a:rPr>
-              <a:t>Data Gathering - Switches</a:t>
-            </a:r>
-            <a:endParaRPr b="0" lang="en-IE" sz="4400" spc="-1" strike="noStrike">
-              <a:latin typeface="Arial"/>
-            </a:endParaRPr>
-          </a:p>
-        </p:txBody>
-      </p:sp>
-      <p:sp>
-        <p:nvSpPr>
-          <p:cNvPr id="171" name=""/>
-          <p:cNvSpPr/>
-          <p:nvPr/>
-        </p:nvSpPr>
-        <p:spPr>
-          <a:xfrm>
-            <a:off x="900000" y="1800000"/>
-            <a:ext cx="10797480" cy="2647440"/>
-          </a:xfrm>
-          <a:prstGeom prst="rect">
-            <a:avLst/>
-          </a:prstGeom>
-          <a:noFill/>
-          <a:ln w="0">
-            <a:noFill/>
-          </a:ln>
-        </p:spPr>
-        <p:style>
-          <a:lnRef idx="0"/>
-          <a:fillRef idx="0"/>
-          <a:effectRef idx="0"/>
-          <a:fontRef idx="minor"/>
-        </p:style>
-        <p:txBody>
-          <a:bodyPr lIns="90000" rIns="90000" tIns="45000" bIns="45000" anchor="t">
-            <a:noAutofit/>
-          </a:bodyPr>
-          <a:p>
-            <a:pPr>
-              <a:lnSpc>
-                <a:spcPct val="100000"/>
-              </a:lnSpc>
-              <a:buNone/>
-            </a:pPr>
-            <a:r>
-              <a:rPr b="0" lang="en-IE" sz="1800" spc="-1" strike="noStrike">
+              <a:rPr b="0" lang="en-GB" sz="4400" spc="-1" strike="noStrike">
                 <a:solidFill>
                   <a:srgbClr val="000000"/>
                 </a:solidFill>
-                <a:latin typeface="Arial"/>
-                <a:ea typeface="DejaVu Sans"/>
+                <a:latin typeface="Calibri Light"/>
               </a:rPr>
-              <a:t>Force Sensitive Resistor</a:t>
-            </a:r>
-            <a:endParaRPr b="0" lang="en-IE" sz="1800" spc="-1" strike="noStrike">
-              <a:latin typeface="Arial"/>
-            </a:endParaRPr>
-          </a:p>
-          <a:p>
-            <a:pPr>
+              <a:t>Data Gathering</a:t>
+            </a:r>
+            <a:endParaRPr b="0" lang="en-IE" sz="4400" spc="-1" strike="noStrike">
+              <a:latin typeface="Arial"/>
+            </a:endParaRPr>
+          </a:p>
+        </p:txBody>
+      </p:sp>
+      <p:sp>
+        <p:nvSpPr>
+          <p:cNvPr id="174" name="PlaceHolder 2"/>
+          <p:cNvSpPr>
+            <a:spLocks noGrp="1"/>
+          </p:cNvSpPr>
+          <p:nvPr>
+            <p:ph/>
+          </p:nvPr>
+        </p:nvSpPr>
+        <p:spPr>
+          <a:xfrm>
+            <a:off x="838080" y="1825560"/>
+            <a:ext cx="10512000" cy="4347720"/>
+          </a:xfrm>
+          <a:prstGeom prst="rect">
+            <a:avLst/>
+          </a:prstGeom>
+          <a:noFill/>
+          <a:ln w="0">
+            <a:noFill/>
+          </a:ln>
+        </p:spPr>
+        <p:txBody>
+          <a:bodyPr lIns="90000" rIns="90000" tIns="45000" bIns="45000" anchor="t">
+            <a:noAutofit/>
+          </a:bodyPr>
+          <a:p>
+            <a:pPr marL="228600" indent="-228600">
               <a:lnSpc>
-                <a:spcPct val="100000"/>
+                <a:spcPct val="90000"/>
               </a:lnSpc>
-              <a:buNone/>
-            </a:pPr>
-            <a:r>
-              <a:rPr b="0" lang="en-IE" sz="1800" spc="-1" strike="noStrike">
+              <a:spcBef>
+                <a:spcPts val="1001"/>
+              </a:spcBef>
+              <a:buClr>
+                <a:srgbClr val="000000"/>
+              </a:buClr>
+              <a:buFont typeface="Arial"/>
+              <a:buChar char="•"/>
+            </a:pPr>
+            <a:r>
+              <a:rPr b="0" lang="en-IE" sz="2800" spc="-1" strike="noStrike">
                 <a:solidFill>
                   <a:srgbClr val="000000"/>
                 </a:solidFill>
-                <a:latin typeface="Arial"/>
-                <a:ea typeface="DejaVu Sans"/>
+                <a:latin typeface="WordVisi_MSFontService"/>
               </a:rPr>
-              <a:t>	</a:t>
-            </a:r>
-            <a:r>
-              <a:rPr b="0" lang="en-IE" sz="1800" spc="-1" strike="noStrike">
+              <a:t>include detail about the frequency with which each sensor can record a value and how the sensors work</a:t>
+            </a:r>
+            <a:endParaRPr b="0" lang="en-IE" sz="2800" spc="-1" strike="noStrike">
+              <a:latin typeface="Arial"/>
+            </a:endParaRPr>
+          </a:p>
+          <a:p>
+            <a:pPr marL="228600" indent="-228600">
+              <a:lnSpc>
+                <a:spcPct val="90000"/>
+              </a:lnSpc>
+              <a:spcBef>
+                <a:spcPts val="1001"/>
+              </a:spcBef>
+              <a:buClr>
+                <a:srgbClr val="000000"/>
+              </a:buClr>
+              <a:buFont typeface="Arial"/>
+              <a:buChar char="•"/>
+            </a:pPr>
+            <a:r>
+              <a:rPr b="0" lang="en-GB" sz="2800" spc="-1" strike="noStrike">
                 <a:solidFill>
                   <a:srgbClr val="000000"/>
                 </a:solidFill>
-                <a:latin typeface="Arial"/>
-                <a:ea typeface="DejaVu Sans"/>
+                <a:latin typeface="Calibri"/>
               </a:rPr>
-              <a:t>- Analog data</a:t>
-            </a:r>
-            <a:endParaRPr b="0" lang="en-IE" sz="1800" spc="-1" strike="noStrike">
-              <a:latin typeface="Arial"/>
-            </a:endParaRPr>
-          </a:p>
-          <a:p>
-            <a:pPr>
+              <a:t>What types of data are we gathering</a:t>
+            </a:r>
+            <a:endParaRPr b="0" lang="en-IE" sz="2800" spc="-1" strike="noStrike">
+              <a:latin typeface="Arial"/>
+            </a:endParaRPr>
+          </a:p>
+          <a:p>
+            <a:pPr marL="228600" indent="-228600">
               <a:lnSpc>
-                <a:spcPct val="100000"/>
+                <a:spcPct val="90000"/>
               </a:lnSpc>
-              <a:buNone/>
-            </a:pPr>
-            <a:r>
-              <a:rPr b="0" lang="en-IE" sz="1800" spc="-1" strike="noStrike">
+              <a:spcBef>
+                <a:spcPts val="1001"/>
+              </a:spcBef>
+              <a:buClr>
+                <a:srgbClr val="000000"/>
+              </a:buClr>
+              <a:buFont typeface="Arial"/>
+              <a:buChar char="•"/>
+            </a:pPr>
+            <a:r>
+              <a:rPr b="0" lang="en-GB" sz="2800" spc="-1" strike="noStrike">
                 <a:solidFill>
                   <a:srgbClr val="000000"/>
                 </a:solidFill>
-                <a:latin typeface="Arial"/>
-                <a:ea typeface="DejaVu Sans"/>
+                <a:latin typeface="Calibri"/>
               </a:rPr>
-              <a:t>	</a:t>
-            </a:r>
-            <a:r>
-              <a:rPr b="0" lang="en-IE" sz="1800" spc="-1" strike="noStrike">
+              <a:t>How much data are we gathering</a:t>
+            </a:r>
+            <a:endParaRPr b="0" lang="en-IE" sz="2800" spc="-1" strike="noStrike">
+              <a:latin typeface="Arial"/>
+            </a:endParaRPr>
+          </a:p>
+          <a:p>
+            <a:pPr marL="228600" indent="-228600">
+              <a:lnSpc>
+                <a:spcPct val="90000"/>
+              </a:lnSpc>
+              <a:spcBef>
+                <a:spcPts val="1001"/>
+              </a:spcBef>
+              <a:buClr>
+                <a:srgbClr val="000000"/>
+              </a:buClr>
+              <a:buFont typeface="Arial"/>
+              <a:buChar char="•"/>
+            </a:pPr>
+            <a:r>
+              <a:rPr b="0" lang="en-GB" sz="2800" spc="-1" strike="noStrike">
                 <a:solidFill>
                   <a:srgbClr val="000000"/>
                 </a:solidFill>
-                <a:latin typeface="Arial"/>
-                <a:ea typeface="DejaVu Sans"/>
+                <a:latin typeface="Calibri"/>
               </a:rPr>
-              <a:t>- Values between 0mV – 5000mV</a:t>
-            </a:r>
-            <a:endParaRPr b="0" lang="en-IE" sz="1800" spc="-1" strike="noStrike">
+              <a:t>Why do we need to gather this data</a:t>
+            </a:r>
+            <a:endParaRPr b="0" lang="en-IE" sz="2800" spc="-1" strike="noStrike">
               <a:latin typeface="Arial"/>
             </a:endParaRPr>
           </a:p>
           <a:p>
             <a:pPr>
               <a:lnSpc>
-                <a:spcPct val="100000"/>
+                <a:spcPct val="90000"/>
               </a:lnSpc>
+              <a:spcBef>
+                <a:spcPts val="1001"/>
+              </a:spcBef>
               <a:buNone/>
             </a:pPr>
-            <a:r>
-              <a:rPr b="0" lang="en-IE" sz="1800" spc="-1" strike="noStrike">
-                <a:solidFill>
-                  <a:srgbClr val="000000"/>
-                </a:solidFill>
-                <a:latin typeface="Arial"/>
-                <a:ea typeface="DejaVu Sans"/>
-              </a:rPr>
-              <a:t>	</a:t>
-            </a:r>
-            <a:r>
-              <a:rPr b="0" lang="en-IE" sz="1800" spc="-1" strike="noStrike">
-                <a:solidFill>
-                  <a:srgbClr val="000000"/>
-                </a:solidFill>
-                <a:latin typeface="Arial"/>
-                <a:ea typeface="DejaVu Sans"/>
-              </a:rPr>
-              <a:t>- 0mV reprensents no force</a:t>
-            </a:r>
-            <a:endParaRPr b="0" lang="en-IE" sz="1800" spc="-1" strike="noStrike">
-              <a:latin typeface="Arial"/>
-            </a:endParaRPr>
-          </a:p>
-          <a:p>
-            <a:pPr>
-              <a:lnSpc>
-                <a:spcPct val="100000"/>
-              </a:lnSpc>
-              <a:buNone/>
-            </a:pPr>
-            <a:r>
-              <a:rPr b="0" lang="en-IE" sz="1800" spc="-1" strike="noStrike">
-                <a:solidFill>
-                  <a:srgbClr val="000000"/>
-                </a:solidFill>
-                <a:latin typeface="Arial"/>
-                <a:ea typeface="DejaVu Sans"/>
-              </a:rPr>
-              <a:t>	</a:t>
-            </a:r>
-            <a:r>
-              <a:rPr b="0" lang="en-IE" sz="1800" spc="-1" strike="noStrike">
-                <a:solidFill>
-                  <a:srgbClr val="000000"/>
-                </a:solidFill>
-                <a:latin typeface="Arial"/>
-                <a:ea typeface="DejaVu Sans"/>
-              </a:rPr>
-              <a:t>- 5000mV represents a high force</a:t>
-            </a:r>
-            <a:endParaRPr b="0" lang="en-IE" sz="1800" spc="-1" strike="noStrike">
-              <a:latin typeface="Arial"/>
-            </a:endParaRPr>
-          </a:p>
-          <a:p>
-            <a:pPr>
-              <a:lnSpc>
-                <a:spcPct val="100000"/>
-              </a:lnSpc>
-              <a:buNone/>
-            </a:pPr>
-            <a:r>
-              <a:rPr b="0" lang="en-IE" sz="1800" spc="-1" strike="noStrike">
-                <a:solidFill>
-                  <a:srgbClr val="000000"/>
-                </a:solidFill>
-                <a:latin typeface="Arial"/>
-                <a:ea typeface="DejaVu Sans"/>
-              </a:rPr>
-              <a:t>	</a:t>
-            </a:r>
-            <a:r>
-              <a:rPr b="0" lang="en-IE" sz="1800" spc="-1" strike="noStrike">
-                <a:solidFill>
-                  <a:srgbClr val="000000"/>
-                </a:solidFill>
-                <a:latin typeface="Arial"/>
-                <a:ea typeface="DejaVu Sans"/>
-              </a:rPr>
-              <a:t>- This will tell us if a box is empty or has pills inside</a:t>
-            </a:r>
-            <a:endParaRPr b="0" lang="en-IE" sz="1800" spc="-1" strike="noStrike">
-              <a:latin typeface="Arial"/>
-            </a:endParaRPr>
-          </a:p>
-          <a:p>
-            <a:pPr>
-              <a:lnSpc>
-                <a:spcPct val="100000"/>
-              </a:lnSpc>
-              <a:buNone/>
-            </a:pPr>
-            <a:endParaRPr b="0" lang="en-IE" sz="1800" spc="-1" strike="noStrike">
-              <a:latin typeface="Arial"/>
-            </a:endParaRPr>
-          </a:p>
-          <a:p>
-            <a:pPr>
-              <a:lnSpc>
-                <a:spcPct val="100000"/>
-              </a:lnSpc>
-              <a:buNone/>
-            </a:pPr>
-            <a:endParaRPr b="0" lang="en-IE" sz="1800" spc="-1" strike="noStrike">
-              <a:latin typeface="Arial"/>
-            </a:endParaRPr>
-          </a:p>
-          <a:p>
-            <a:pPr>
-              <a:lnSpc>
-                <a:spcPct val="100000"/>
-              </a:lnSpc>
-              <a:buNone/>
-            </a:pPr>
-            <a:r>
-              <a:rPr b="0" lang="en-IE" sz="1800" spc="-1" strike="noStrike">
-                <a:solidFill>
-                  <a:srgbClr val="000000"/>
-                </a:solidFill>
-                <a:latin typeface="Arial"/>
-                <a:ea typeface="DejaVu Sans"/>
-              </a:rPr>
-              <a:t>Micro Switch</a:t>
-            </a:r>
-            <a:endParaRPr b="0" lang="en-IE" sz="1800" spc="-1" strike="noStrike">
-              <a:latin typeface="Arial"/>
-            </a:endParaRPr>
-          </a:p>
-          <a:p>
-            <a:pPr>
-              <a:lnSpc>
-                <a:spcPct val="100000"/>
-              </a:lnSpc>
-              <a:buNone/>
-            </a:pPr>
-            <a:r>
-              <a:rPr b="0" lang="en-IE" sz="1800" spc="-1" strike="noStrike">
-                <a:solidFill>
-                  <a:srgbClr val="000000"/>
-                </a:solidFill>
-                <a:latin typeface="Arial"/>
-                <a:ea typeface="DejaVu Sans"/>
-              </a:rPr>
-              <a:t>	</a:t>
-            </a:r>
-            <a:r>
-              <a:rPr b="0" lang="en-IE" sz="1800" spc="-1" strike="noStrike">
-                <a:solidFill>
-                  <a:srgbClr val="000000"/>
-                </a:solidFill>
-                <a:latin typeface="Arial"/>
-                <a:ea typeface="DejaVu Sans"/>
-              </a:rPr>
-              <a:t>- 0v across an open switch</a:t>
-            </a:r>
-            <a:endParaRPr b="0" lang="en-IE" sz="1800" spc="-1" strike="noStrike">
-              <a:latin typeface="Arial"/>
-            </a:endParaRPr>
-          </a:p>
-          <a:p>
-            <a:pPr>
-              <a:lnSpc>
-                <a:spcPct val="100000"/>
-              </a:lnSpc>
-              <a:buNone/>
-            </a:pPr>
-            <a:r>
-              <a:rPr b="0" lang="en-IE" sz="1800" spc="-1" strike="noStrike">
-                <a:solidFill>
-                  <a:srgbClr val="000000"/>
-                </a:solidFill>
-                <a:latin typeface="Arial"/>
-                <a:ea typeface="DejaVu Sans"/>
-              </a:rPr>
-              <a:t>	</a:t>
-            </a:r>
-            <a:r>
-              <a:rPr b="0" lang="en-IE" sz="1800" spc="-1" strike="noStrike">
-                <a:solidFill>
-                  <a:srgbClr val="000000"/>
-                </a:solidFill>
-                <a:latin typeface="Arial"/>
-                <a:ea typeface="DejaVu Sans"/>
-              </a:rPr>
-              <a:t>- 5v across a closed switch</a:t>
-            </a:r>
-            <a:endParaRPr b="0" lang="en-IE" sz="1800" spc="-1" strike="noStrike">
-              <a:latin typeface="Arial"/>
-            </a:endParaRPr>
-          </a:p>
-          <a:p>
-            <a:pPr>
-              <a:lnSpc>
-                <a:spcPct val="100000"/>
-              </a:lnSpc>
-              <a:buNone/>
-            </a:pPr>
-            <a:r>
-              <a:rPr b="0" lang="en-IE" sz="1800" spc="-1" strike="noStrike">
-                <a:solidFill>
-                  <a:srgbClr val="000000"/>
-                </a:solidFill>
-                <a:latin typeface="Arial"/>
-                <a:ea typeface="DejaVu Sans"/>
-              </a:rPr>
-              <a:t>	</a:t>
-            </a:r>
-            <a:r>
-              <a:rPr b="0" lang="en-IE" sz="1800" spc="-1" strike="noStrike">
-                <a:solidFill>
-                  <a:srgbClr val="000000"/>
-                </a:solidFill>
-                <a:latin typeface="Arial"/>
-                <a:ea typeface="DejaVu Sans"/>
-              </a:rPr>
-              <a:t>- This will tell us if a box is open or closed</a:t>
-            </a:r>
-            <a:endParaRPr b="0" lang="en-IE" sz="1800" spc="-1" strike="noStrike">
-              <a:latin typeface="Arial"/>
-            </a:endParaRPr>
-          </a:p>
-        </p:txBody>
-      </p:sp>
-      <p:pic>
-        <p:nvPicPr>
-          <p:cNvPr id="172" name="" descr=""/>
-          <p:cNvPicPr/>
-          <p:nvPr/>
-        </p:nvPicPr>
-        <p:blipFill>
-          <a:blip r:embed="rId1"/>
-          <a:stretch/>
-        </p:blipFill>
-        <p:spPr>
-          <a:xfrm>
-            <a:off x="7560000" y="1416240"/>
-            <a:ext cx="4021560" cy="2858040"/>
-          </a:xfrm>
-          <a:prstGeom prst="rect">
-            <a:avLst/>
-          </a:prstGeom>
-          <a:ln w="0">
-            <a:noFill/>
-          </a:ln>
-        </p:spPr>
-      </p:pic>
+            <a:endParaRPr b="0" lang="en-IE" sz="2800" spc="-1" strike="noStrike">
+              <a:latin typeface="Arial"/>
+            </a:endParaRPr>
+          </a:p>
+        </p:txBody>
+      </p:sp>
     </p:spTree>
   </p:cSld>
   <mc:AlternateContent>
@@ -12203,7 +12094,7 @@
       </p:grpSpPr>
       <p:sp>
         <p:nvSpPr>
-          <p:cNvPr id="173" name="PlaceHolder 1"/>
+          <p:cNvPr id="175" name="PlaceHolder 1"/>
           <p:cNvSpPr>
             <a:spLocks noGrp="1"/>
           </p:cNvSpPr>
@@ -12214,7 +12105,7 @@
         <p:spPr>
           <a:xfrm>
             <a:off x="609480" y="273600"/>
-            <a:ext cx="10969920" cy="1142280"/>
+            <a:ext cx="10969560" cy="1141920"/>
           </a:xfrm>
           <a:prstGeom prst="rect">
             <a:avLst/>
@@ -12239,7 +12130,7 @@
               <a:rPr b="0" lang="en-IE" sz="4400" spc="-1" strike="noStrike">
                 <a:latin typeface="Arial"/>
               </a:rPr>
-              <a:t>Data Gathering - User</a:t>
+              <a:t>Data Gathering - Switches</a:t>
             </a:r>
             <a:endParaRPr b="0" lang="en-IE" sz="4400" spc="-1" strike="noStrike">
               <a:latin typeface="Arial"/>
@@ -12249,14 +12140,14 @@
       </p:sp>
       <p:sp>
         <p:nvSpPr>
-          <p:cNvPr id="174" name=""/>
+          <p:cNvPr id="176" name=""/>
           <p:cNvSpPr/>
           <p:nvPr/>
         </p:nvSpPr>
         <p:spPr>
           <a:xfrm>
-            <a:off x="540000" y="1620000"/>
-            <a:ext cx="11157840" cy="1879920"/>
+            <a:off x="900000" y="1800000"/>
+            <a:ext cx="10797120" cy="2647080"/>
           </a:xfrm>
           <a:prstGeom prst="rect">
             <a:avLst/>
@@ -12291,7 +12182,7 @@
                 <a:latin typeface="Arial"/>
                 <a:ea typeface="DejaVu Sans"/>
               </a:rPr>
-              <a:t>User Data</a:t>
+              <a:t>Force Sensitive Resistor</a:t>
             </a:r>
             <a:endParaRPr b="0" lang="en-IE" sz="1800" spc="-1" strike="noStrike">
               <a:latin typeface="Arial"/>
@@ -12322,7 +12213,7 @@
                 <a:latin typeface="Arial"/>
                 <a:ea typeface="DejaVu Sans"/>
               </a:rPr>
-              <a:t>- User email</a:t>
+              <a:t>- Analog data</a:t>
             </a:r>
             <a:endParaRPr b="0" lang="en-IE" sz="1800" spc="-1" strike="noStrike">
               <a:latin typeface="Arial"/>
@@ -12353,7 +12244,7 @@
                 <a:latin typeface="Arial"/>
                 <a:ea typeface="DejaVu Sans"/>
               </a:rPr>
-              <a:t>- Password</a:t>
+              <a:t>- Values between 0mV – 5000mV</a:t>
             </a:r>
             <a:endParaRPr b="0" lang="en-IE" sz="1800" spc="-1" strike="noStrike">
               <a:latin typeface="Arial"/>
@@ -12384,39 +12275,7 @@
                 <a:latin typeface="Arial"/>
                 <a:ea typeface="DejaVu Sans"/>
               </a:rPr>
-              <a:t>- This will be used to create a user account</a:t>
-            </a:r>
-            <a:endParaRPr b="0" lang="en-IE" sz="1800" spc="-1" strike="noStrike">
-              <a:latin typeface="Arial"/>
-            </a:endParaRPr>
-          </a:p>
-          <a:p>
-            <a:pPr>
-              <a:lnSpc>
-                <a:spcPct val="100000"/>
-              </a:lnSpc>
-              <a:buNone/>
-            </a:pPr>
-            <a:endParaRPr b="0" lang="en-IE" sz="1800" spc="-1" strike="noStrike">
-              <a:latin typeface="Arial"/>
-            </a:endParaRPr>
-          </a:p>
-          <a:p>
-            <a:pPr>
-              <a:lnSpc>
-                <a:spcPct val="100000"/>
-              </a:lnSpc>
-              <a:buNone/>
-            </a:pPr>
-            <a:r>
-              <a:rPr b="0" lang="en-IE" sz="1800" spc="-1" strike="noStrike">
-                <a:solidFill>
-                  <a:srgbClr val="000000"/>
-                </a:solidFill>
-                <a:latin typeface="Arial"/>
-                <a:ea typeface="DejaVu Sans"/>
-              </a:rPr>
-              <a:t>Medication</a:t>
+              <a:t>- 0mV reprensents no force</a:t>
             </a:r>
             <a:endParaRPr b="0" lang="en-IE" sz="1800" spc="-1" strike="noStrike">
               <a:latin typeface="Arial"/>
@@ -12447,7 +12306,7 @@
                 <a:latin typeface="Arial"/>
                 <a:ea typeface="DejaVu Sans"/>
               </a:rPr>
-              <a:t>- Medication details</a:t>
+              <a:t>- 5000mV represents a high force</a:t>
             </a:r>
             <a:endParaRPr b="0" lang="en-IE" sz="1800" spc="-1" strike="noStrike">
               <a:latin typeface="Arial"/>
@@ -12478,8 +12337,19 @@
                 <a:latin typeface="Arial"/>
                 <a:ea typeface="DejaVu Sans"/>
               </a:rPr>
-              <a:t>- This will be used to assist in refilling the boxes and to create medication histories</a:t>
-            </a:r>
+              <a:t>- This will tell us if a box is empty or has pills inside</a:t>
+            </a:r>
+            <a:endParaRPr b="0" lang="en-IE" sz="1800" spc="-1" strike="noStrike">
+              <a:latin typeface="Arial"/>
+            </a:endParaRPr>
+          </a:p>
+          <a:p>
+            <a:pPr>
+              <a:lnSpc>
+                <a:spcPct val="100000"/>
+              </a:lnSpc>
+              <a:buNone/>
+            </a:pPr>
             <a:endParaRPr b="0" lang="en-IE" sz="1800" spc="-1" strike="noStrike">
               <a:latin typeface="Arial"/>
             </a:endParaRPr>
@@ -12510,7 +12380,7 @@
                 <a:latin typeface="Arial"/>
                 <a:ea typeface="DejaVu Sans"/>
               </a:rPr>
-              <a:t>Time</a:t>
+              <a:t>Micro Switch</a:t>
             </a:r>
             <a:endParaRPr b="0" lang="en-IE" sz="1800" spc="-1" strike="noStrike">
               <a:latin typeface="Arial"/>
@@ -12541,7 +12411,7 @@
                 <a:latin typeface="Arial"/>
                 <a:ea typeface="DejaVu Sans"/>
               </a:rPr>
-              <a:t>- To send notifications</a:t>
+              <a:t>- 0v across an open switch</a:t>
             </a:r>
             <a:endParaRPr b="0" lang="en-IE" sz="1800" spc="-1" strike="noStrike">
               <a:latin typeface="Arial"/>
@@ -12572,7 +12442,7 @@
                 <a:latin typeface="Arial"/>
                 <a:ea typeface="DejaVu Sans"/>
               </a:rPr>
-              <a:t>- To see when a box was opened</a:t>
+              <a:t>- 5v across a closed switch</a:t>
             </a:r>
             <a:endParaRPr b="0" lang="en-IE" sz="1800" spc="-1" strike="noStrike">
               <a:latin typeface="Arial"/>
@@ -12603,7 +12473,7 @@
                 <a:latin typeface="Arial"/>
                 <a:ea typeface="DejaVu Sans"/>
               </a:rPr>
-              <a:t>- To record missed doeses</a:t>
+              <a:t>- This will tell us if a box is open or closed</a:t>
             </a:r>
             <a:endParaRPr b="0" lang="en-IE" sz="1800" spc="-1" strike="noStrike">
               <a:latin typeface="Arial"/>
@@ -12611,6 +12481,29 @@
           </a:p>
         </p:txBody>
       </p:sp>
+      <p:pic>
+        <p:nvPicPr>
+          <p:cNvPr id="177" name="" descr=""/>
+          <p:cNvPicPr/>
+          <p:nvPr/>
+        </p:nvPicPr>
+        <p:blipFill>
+          <a:blip r:embed="rId1"/>
+          <a:stretch/>
+        </p:blipFill>
+        <p:spPr>
+          <a:xfrm>
+            <a:off x="7560000" y="1416240"/>
+            <a:ext cx="4021200" cy="2857680"/>
+          </a:xfrm>
+          <a:prstGeom prst="rect">
+            <a:avLst/>
+          </a:prstGeom>
+          <a:ln w="0">
+            <a:noFill/>
+          </a:ln>
+        </p:spPr>
+      </p:pic>
     </p:spTree>
   </p:cSld>
   <mc:AlternateContent>
@@ -12643,7 +12536,7 @@
       </p:grpSpPr>
       <p:sp>
         <p:nvSpPr>
-          <p:cNvPr id="175" name="PlaceHolder 1"/>
+          <p:cNvPr id="178" name="PlaceHolder 1"/>
           <p:cNvSpPr>
             <a:spLocks noGrp="1"/>
           </p:cNvSpPr>
@@ -12653,175 +12546,399 @@
         </p:nvSpPr>
         <p:spPr>
           <a:xfrm>
-            <a:off x="838080" y="365040"/>
-            <a:ext cx="10512360" cy="1322280"/>
-          </a:xfrm>
-          <a:prstGeom prst="rect">
-            <a:avLst/>
-          </a:prstGeom>
-          <a:noFill/>
-          <a:ln w="0">
-            <a:noFill/>
-          </a:ln>
-        </p:spPr>
-        <p:txBody>
-          <a:bodyPr lIns="90000" rIns="90000" tIns="45000" bIns="45000" anchor="ctr">
+            <a:off x="609480" y="273600"/>
+            <a:ext cx="10969560" cy="1141920"/>
+          </a:xfrm>
+          <a:prstGeom prst="rect">
+            <a:avLst/>
+          </a:prstGeom>
+          <a:noFill/>
+          <a:ln w="0">
+            <a:noFill/>
+          </a:ln>
+        </p:spPr>
+        <p:txBody>
+          <a:bodyPr lIns="0" rIns="0" tIns="0" bIns="0" anchor="ctr">
+            <a:noAutofit/>
+          </a:bodyPr>
+          <a:p>
+            <a:pPr algn="ctr">
+              <a:lnSpc>
+                <a:spcPct val="100000"/>
+              </a:lnSpc>
+              <a:buNone/>
+            </a:pPr>
+            <a:r>
+              <a:rPr b="0" lang="en-IE" sz="4400" spc="-1" strike="noStrike">
+                <a:latin typeface="Arial"/>
+              </a:rPr>
+              <a:t>Data Gathering - User</a:t>
+            </a:r>
+            <a:endParaRPr b="0" lang="en-IE" sz="4400" spc="-1" strike="noStrike">
+              <a:latin typeface="Arial"/>
+            </a:endParaRPr>
+          </a:p>
+        </p:txBody>
+      </p:sp>
+      <p:sp>
+        <p:nvSpPr>
+          <p:cNvPr id="179" name=""/>
+          <p:cNvSpPr/>
+          <p:nvPr/>
+        </p:nvSpPr>
+        <p:spPr>
+          <a:xfrm>
+            <a:off x="540000" y="1620000"/>
+            <a:ext cx="11157480" cy="1879560"/>
+          </a:xfrm>
+          <a:prstGeom prst="rect">
+            <a:avLst/>
+          </a:prstGeom>
+          <a:noFill/>
+          <a:ln w="0">
+            <a:noFill/>
+          </a:ln>
+        </p:spPr>
+        <p:style>
+          <a:lnRef idx="0"/>
+          <a:fillRef idx="0"/>
+          <a:effectRef idx="0"/>
+          <a:fontRef idx="minor"/>
+        </p:style>
+        <p:txBody>
+          <a:bodyPr lIns="90000" rIns="90000" tIns="45000" bIns="45000" anchor="t">
             <a:noAutofit/>
           </a:bodyPr>
           <a:p>
             <a:pPr>
               <a:lnSpc>
-                <a:spcPct val="90000"/>
+                <a:spcPct val="100000"/>
               </a:lnSpc>
               <a:buNone/>
             </a:pPr>
             <a:r>
-              <a:rPr b="0" lang="en-GB" sz="4400" spc="-1" strike="noStrike">
+              <a:rPr b="0" lang="en-IE" sz="1800" spc="-1" strike="noStrike">
                 <a:solidFill>
                   <a:srgbClr val="000000"/>
                 </a:solidFill>
-                <a:latin typeface="Calibri Light"/>
+                <a:latin typeface="Arial"/>
+                <a:ea typeface="DejaVu Sans"/>
               </a:rPr>
-              <a:t>Data Processing</a:t>
-            </a:r>
-            <a:endParaRPr b="0" lang="en-IE" sz="4400" spc="-1" strike="noStrike">
-              <a:latin typeface="Arial"/>
-            </a:endParaRPr>
-          </a:p>
-        </p:txBody>
-      </p:sp>
-      <p:sp>
-        <p:nvSpPr>
-          <p:cNvPr id="176" name="PlaceHolder 2"/>
-          <p:cNvSpPr>
-            <a:spLocks noGrp="1"/>
-          </p:cNvSpPr>
-          <p:nvPr>
-            <p:ph/>
-          </p:nvPr>
-        </p:nvSpPr>
-        <p:spPr>
-          <a:xfrm>
-            <a:off x="838080" y="1825560"/>
-            <a:ext cx="10512360" cy="4348080"/>
-          </a:xfrm>
-          <a:prstGeom prst="rect">
-            <a:avLst/>
-          </a:prstGeom>
-          <a:noFill/>
-          <a:ln w="0">
-            <a:noFill/>
-          </a:ln>
-        </p:spPr>
-        <p:txBody>
-          <a:bodyPr lIns="90000" rIns="90000" tIns="45000" bIns="45000" anchor="t">
-            <a:noAutofit/>
-          </a:bodyPr>
-          <a:p>
-            <a:pPr marL="228600" indent="-228600">
+              <a:t>User Data</a:t>
+            </a:r>
+            <a:endParaRPr b="0" lang="en-IE" sz="1800" spc="-1" strike="noStrike">
+              <a:latin typeface="Arial"/>
+            </a:endParaRPr>
+          </a:p>
+          <a:p>
+            <a:pPr>
               <a:lnSpc>
-                <a:spcPct val="90000"/>
+                <a:spcPct val="100000"/>
               </a:lnSpc>
-              <a:spcBef>
-                <a:spcPts val="1001"/>
-              </a:spcBef>
-              <a:buClr>
-                <a:srgbClr val="000000"/>
-              </a:buClr>
-              <a:buFont typeface="Arial"/>
-              <a:buChar char="•"/>
-            </a:pPr>
-            <a:r>
-              <a:rPr b="0" lang="en-GB" sz="2800" spc="-1" strike="noStrike">
+              <a:buNone/>
+            </a:pPr>
+            <a:r>
+              <a:rPr b="0" lang="en-IE" sz="1800" spc="-1" strike="noStrike">
                 <a:solidFill>
                   <a:srgbClr val="000000"/>
                 </a:solidFill>
-                <a:latin typeface="Calibri"/>
+                <a:latin typeface="Arial"/>
+                <a:ea typeface="DejaVu Sans"/>
               </a:rPr>
-              <a:t>Where is the data processed</a:t>
-            </a:r>
-            <a:endParaRPr b="0" lang="en-IE" sz="2800" spc="-1" strike="noStrike">
-              <a:latin typeface="Arial"/>
-            </a:endParaRPr>
-          </a:p>
-          <a:p>
-            <a:pPr marL="228600" indent="-228600">
-              <a:lnSpc>
-                <a:spcPct val="90000"/>
-              </a:lnSpc>
-              <a:spcBef>
-                <a:spcPts val="1001"/>
-              </a:spcBef>
-              <a:buClr>
-                <a:srgbClr val="000000"/>
-              </a:buClr>
-              <a:buFont typeface="Arial"/>
-              <a:buChar char="•"/>
-            </a:pPr>
-            <a:r>
-              <a:rPr b="0" lang="en-GB" sz="2800" spc="-1" strike="noStrike">
+              <a:t>	</a:t>
+            </a:r>
+            <a:r>
+              <a:rPr b="0" lang="en-IE" sz="1800" spc="-1" strike="noStrike">
                 <a:solidFill>
                   <a:srgbClr val="000000"/>
                 </a:solidFill>
-                <a:latin typeface="Calibri"/>
+                <a:latin typeface="Arial"/>
+                <a:ea typeface="DejaVu Sans"/>
               </a:rPr>
-              <a:t>What is the end result of data processing</a:t>
-            </a:r>
-            <a:endParaRPr b="0" lang="en-IE" sz="2800" spc="-1" strike="noStrike">
-              <a:latin typeface="Arial"/>
-            </a:endParaRPr>
-          </a:p>
-          <a:p>
-            <a:pPr marL="228600" indent="-228600">
+              <a:t>- User email</a:t>
+            </a:r>
+            <a:endParaRPr b="0" lang="en-IE" sz="1800" spc="-1" strike="noStrike">
+              <a:latin typeface="Arial"/>
+            </a:endParaRPr>
+          </a:p>
+          <a:p>
+            <a:pPr>
               <a:lnSpc>
-                <a:spcPct val="90000"/>
+                <a:spcPct val="100000"/>
               </a:lnSpc>
-              <a:spcBef>
-                <a:spcPts val="1001"/>
-              </a:spcBef>
-              <a:buClr>
-                <a:srgbClr val="000000"/>
-              </a:buClr>
-              <a:buFont typeface="Arial"/>
-              <a:buChar char="•"/>
-            </a:pPr>
-            <a:r>
-              <a:rPr b="0" lang="en-GB" sz="2800" spc="-1" strike="noStrike">
+              <a:buNone/>
+            </a:pPr>
+            <a:r>
+              <a:rPr b="0" lang="en-IE" sz="1800" spc="-1" strike="noStrike">
                 <a:solidFill>
                   <a:srgbClr val="000000"/>
                 </a:solidFill>
-                <a:latin typeface="Calibri"/>
+                <a:latin typeface="Arial"/>
+                <a:ea typeface="DejaVu Sans"/>
               </a:rPr>
-              <a:t>How CRON fits into the process</a:t>
-            </a:r>
-            <a:endParaRPr b="0" lang="en-IE" sz="2800" spc="-1" strike="noStrike">
-              <a:latin typeface="Arial"/>
-            </a:endParaRPr>
-          </a:p>
-          <a:p>
-            <a:pPr lvl="1" marL="685800" indent="-228600">
-              <a:lnSpc>
-                <a:spcPct val="90000"/>
-              </a:lnSpc>
-              <a:spcBef>
-                <a:spcPts val="499"/>
-              </a:spcBef>
-              <a:buClr>
-                <a:srgbClr val="000000"/>
-              </a:buClr>
-              <a:buFont typeface="Arial"/>
-              <a:buChar char="•"/>
-            </a:pPr>
-            <a:r>
-              <a:rPr b="0" lang="en-GB" sz="2400" spc="-1" strike="noStrike">
+              <a:t>	</a:t>
+            </a:r>
+            <a:r>
+              <a:rPr b="0" lang="en-IE" sz="1800" spc="-1" strike="noStrike">
                 <a:solidFill>
                   <a:srgbClr val="000000"/>
                 </a:solidFill>
-                <a:latin typeface="Calibri"/>
+                <a:latin typeface="Arial"/>
+                <a:ea typeface="DejaVu Sans"/>
               </a:rPr>
-              <a:t>List the cron jobs that will be run</a:t>
-            </a:r>
-            <a:endParaRPr b="0" lang="en-IE" sz="2400" spc="-1" strike="noStrike">
+              <a:t>- Password</a:t>
+            </a:r>
+            <a:endParaRPr b="0" lang="en-IE" sz="1800" spc="-1" strike="noStrike">
+              <a:latin typeface="Arial"/>
+            </a:endParaRPr>
+          </a:p>
+          <a:p>
+            <a:pPr>
+              <a:lnSpc>
+                <a:spcPct val="100000"/>
+              </a:lnSpc>
+              <a:buNone/>
+            </a:pPr>
+            <a:r>
+              <a:rPr b="0" lang="en-IE" sz="1800" spc="-1" strike="noStrike">
+                <a:solidFill>
+                  <a:srgbClr val="000000"/>
+                </a:solidFill>
+                <a:latin typeface="Arial"/>
+                <a:ea typeface="DejaVu Sans"/>
+              </a:rPr>
+              <a:t>	</a:t>
+            </a:r>
+            <a:r>
+              <a:rPr b="0" lang="en-IE" sz="1800" spc="-1" strike="noStrike">
+                <a:solidFill>
+                  <a:srgbClr val="000000"/>
+                </a:solidFill>
+                <a:latin typeface="Arial"/>
+                <a:ea typeface="DejaVu Sans"/>
+              </a:rPr>
+              <a:t>- This will be used to create a user account</a:t>
+            </a:r>
+            <a:endParaRPr b="0" lang="en-IE" sz="1800" spc="-1" strike="noStrike">
+              <a:latin typeface="Arial"/>
+            </a:endParaRPr>
+          </a:p>
+          <a:p>
+            <a:pPr>
+              <a:lnSpc>
+                <a:spcPct val="100000"/>
+              </a:lnSpc>
+              <a:buNone/>
+            </a:pPr>
+            <a:endParaRPr b="0" lang="en-IE" sz="1800" spc="-1" strike="noStrike">
+              <a:latin typeface="Arial"/>
+            </a:endParaRPr>
+          </a:p>
+          <a:p>
+            <a:pPr>
+              <a:lnSpc>
+                <a:spcPct val="100000"/>
+              </a:lnSpc>
+              <a:buNone/>
+            </a:pPr>
+            <a:r>
+              <a:rPr b="0" lang="en-IE" sz="1800" spc="-1" strike="noStrike">
+                <a:solidFill>
+                  <a:srgbClr val="000000"/>
+                </a:solidFill>
+                <a:latin typeface="Arial"/>
+                <a:ea typeface="DejaVu Sans"/>
+              </a:rPr>
+              <a:t>Medication</a:t>
+            </a:r>
+            <a:endParaRPr b="0" lang="en-IE" sz="1800" spc="-1" strike="noStrike">
+              <a:latin typeface="Arial"/>
+            </a:endParaRPr>
+          </a:p>
+          <a:p>
+            <a:pPr>
+              <a:lnSpc>
+                <a:spcPct val="100000"/>
+              </a:lnSpc>
+              <a:buNone/>
+            </a:pPr>
+            <a:r>
+              <a:rPr b="0" lang="en-IE" sz="1800" spc="-1" strike="noStrike">
+                <a:solidFill>
+                  <a:srgbClr val="000000"/>
+                </a:solidFill>
+                <a:latin typeface="Arial"/>
+                <a:ea typeface="DejaVu Sans"/>
+              </a:rPr>
+              <a:t>	</a:t>
+            </a:r>
+            <a:r>
+              <a:rPr b="0" lang="en-IE" sz="1800" spc="-1" strike="noStrike">
+                <a:solidFill>
+                  <a:srgbClr val="000000"/>
+                </a:solidFill>
+                <a:latin typeface="Arial"/>
+                <a:ea typeface="DejaVu Sans"/>
+              </a:rPr>
+              <a:t>- Medication details</a:t>
+            </a:r>
+            <a:endParaRPr b="0" lang="en-IE" sz="1800" spc="-1" strike="noStrike">
+              <a:latin typeface="Arial"/>
+            </a:endParaRPr>
+          </a:p>
+          <a:p>
+            <a:pPr>
+              <a:lnSpc>
+                <a:spcPct val="100000"/>
+              </a:lnSpc>
+              <a:buNone/>
+            </a:pPr>
+            <a:r>
+              <a:rPr b="0" lang="en-IE" sz="1800" spc="-1" strike="noStrike">
+                <a:solidFill>
+                  <a:srgbClr val="000000"/>
+                </a:solidFill>
+                <a:latin typeface="Arial"/>
+                <a:ea typeface="DejaVu Sans"/>
+              </a:rPr>
+              <a:t>	</a:t>
+            </a:r>
+            <a:r>
+              <a:rPr b="0" lang="en-IE" sz="1800" spc="-1" strike="noStrike">
+                <a:solidFill>
+                  <a:srgbClr val="000000"/>
+                </a:solidFill>
+                <a:latin typeface="Arial"/>
+                <a:ea typeface="DejaVu Sans"/>
+              </a:rPr>
+              <a:t>- This will be used to assist in refilling the boxes and to create medication histories</a:t>
+            </a:r>
+            <a:endParaRPr b="0" lang="en-IE" sz="1800" spc="-1" strike="noStrike">
+              <a:latin typeface="Arial"/>
+            </a:endParaRPr>
+          </a:p>
+          <a:p>
+            <a:pPr>
+              <a:lnSpc>
+                <a:spcPct val="100000"/>
+              </a:lnSpc>
+              <a:buNone/>
+            </a:pPr>
+            <a:endParaRPr b="0" lang="en-IE" sz="1800" spc="-1" strike="noStrike">
+              <a:latin typeface="Arial"/>
+            </a:endParaRPr>
+          </a:p>
+          <a:p>
+            <a:pPr>
+              <a:lnSpc>
+                <a:spcPct val="100000"/>
+              </a:lnSpc>
+              <a:buNone/>
+            </a:pPr>
+            <a:r>
+              <a:rPr b="0" lang="en-IE" sz="1800" spc="-1" strike="noStrike">
+                <a:solidFill>
+                  <a:srgbClr val="000000"/>
+                </a:solidFill>
+                <a:latin typeface="Arial"/>
+                <a:ea typeface="DejaVu Sans"/>
+              </a:rPr>
+              <a:t>Time</a:t>
+            </a:r>
+            <a:endParaRPr b="0" lang="en-IE" sz="1800" spc="-1" strike="noStrike">
+              <a:latin typeface="Arial"/>
+            </a:endParaRPr>
+          </a:p>
+          <a:p>
+            <a:pPr>
+              <a:lnSpc>
+                <a:spcPct val="100000"/>
+              </a:lnSpc>
+              <a:buNone/>
+            </a:pPr>
+            <a:r>
+              <a:rPr b="0" lang="en-IE" sz="1800" spc="-1" strike="noStrike">
+                <a:solidFill>
+                  <a:srgbClr val="000000"/>
+                </a:solidFill>
+                <a:latin typeface="Arial"/>
+                <a:ea typeface="DejaVu Sans"/>
+              </a:rPr>
+              <a:t>	</a:t>
+            </a:r>
+            <a:r>
+              <a:rPr b="0" lang="en-IE" sz="1800" spc="-1" strike="noStrike">
+                <a:solidFill>
+                  <a:srgbClr val="000000"/>
+                </a:solidFill>
+                <a:latin typeface="Arial"/>
+                <a:ea typeface="DejaVu Sans"/>
+              </a:rPr>
+              <a:t>- To send notifications</a:t>
+            </a:r>
+            <a:endParaRPr b="0" lang="en-IE" sz="1800" spc="-1" strike="noStrike">
+              <a:latin typeface="Arial"/>
+            </a:endParaRPr>
+          </a:p>
+          <a:p>
+            <a:pPr>
+              <a:lnSpc>
+                <a:spcPct val="100000"/>
+              </a:lnSpc>
+              <a:buNone/>
+            </a:pPr>
+            <a:r>
+              <a:rPr b="0" lang="en-IE" sz="1800" spc="-1" strike="noStrike">
+                <a:solidFill>
+                  <a:srgbClr val="000000"/>
+                </a:solidFill>
+                <a:latin typeface="Arial"/>
+                <a:ea typeface="DejaVu Sans"/>
+              </a:rPr>
+              <a:t>	</a:t>
+            </a:r>
+            <a:r>
+              <a:rPr b="0" lang="en-IE" sz="1800" spc="-1" strike="noStrike">
+                <a:solidFill>
+                  <a:srgbClr val="000000"/>
+                </a:solidFill>
+                <a:latin typeface="Arial"/>
+                <a:ea typeface="DejaVu Sans"/>
+              </a:rPr>
+              <a:t>- To see when a box was opened</a:t>
+            </a:r>
+            <a:endParaRPr b="0" lang="en-IE" sz="1800" spc="-1" strike="noStrike">
+              <a:latin typeface="Arial"/>
+            </a:endParaRPr>
+          </a:p>
+          <a:p>
+            <a:pPr>
+              <a:lnSpc>
+                <a:spcPct val="100000"/>
+              </a:lnSpc>
+              <a:buNone/>
+            </a:pPr>
+            <a:r>
+              <a:rPr b="0" lang="en-IE" sz="1800" spc="-1" strike="noStrike">
+                <a:solidFill>
+                  <a:srgbClr val="000000"/>
+                </a:solidFill>
+                <a:latin typeface="Arial"/>
+                <a:ea typeface="DejaVu Sans"/>
+              </a:rPr>
+              <a:t>	</a:t>
+            </a:r>
+            <a:r>
+              <a:rPr b="0" lang="en-IE" sz="1800" spc="-1" strike="noStrike">
+                <a:solidFill>
+                  <a:srgbClr val="000000"/>
+                </a:solidFill>
+                <a:latin typeface="Arial"/>
+                <a:ea typeface="DejaVu Sans"/>
+              </a:rPr>
+              <a:t>- To record missed doeses</a:t>
+            </a:r>
+            <a:endParaRPr b="0" lang="en-IE" sz="1800" spc="-1" strike="noStrike">
               <a:latin typeface="Arial"/>
             </a:endParaRPr>
           </a:p>
@@ -12859,7 +12976,7 @@
       </p:grpSpPr>
       <p:sp>
         <p:nvSpPr>
-          <p:cNvPr id="177" name="PlaceHolder 1"/>
+          <p:cNvPr id="180" name="PlaceHolder 1"/>
           <p:cNvSpPr>
             <a:spLocks noGrp="1"/>
           </p:cNvSpPr>
@@ -12869,225 +12986,175 @@
         </p:nvSpPr>
         <p:spPr>
           <a:xfrm>
-            <a:off x="609480" y="273600"/>
-            <a:ext cx="10970640" cy="1143000"/>
-          </a:xfrm>
-          <a:prstGeom prst="rect">
-            <a:avLst/>
-          </a:prstGeom>
-          <a:noFill/>
-          <a:ln w="0">
-            <a:noFill/>
-          </a:ln>
-        </p:spPr>
-        <p:txBody>
-          <a:bodyPr lIns="0" rIns="0" tIns="0" bIns="0" anchor="ctr">
+            <a:off x="838080" y="365040"/>
+            <a:ext cx="10512000" cy="1321920"/>
+          </a:xfrm>
+          <a:prstGeom prst="rect">
+            <a:avLst/>
+          </a:prstGeom>
+          <a:noFill/>
+          <a:ln w="0">
+            <a:noFill/>
+          </a:ln>
+        </p:spPr>
+        <p:txBody>
+          <a:bodyPr lIns="90000" rIns="90000" tIns="45000" bIns="45000" anchor="ctr">
             <a:noAutofit/>
           </a:bodyPr>
           <a:p>
-            <a:pPr algn="ctr">
+            <a:pPr>
               <a:lnSpc>
-                <a:spcPct val="100000"/>
+                <a:spcPct val="90000"/>
               </a:lnSpc>
               <a:buNone/>
             </a:pPr>
             <a:r>
-              <a:rPr b="0" lang="en-IE" sz="4400" spc="-1" strike="noStrike">
-                <a:latin typeface="Arial"/>
-              </a:rPr>
-              <a:t>Data Processing</a:t>
-            </a:r>
-            <a:endParaRPr b="0" lang="en-IE" sz="4400" spc="-1" strike="noStrike">
-              <a:latin typeface="Arial"/>
-            </a:endParaRPr>
-          </a:p>
-        </p:txBody>
-      </p:sp>
-      <p:sp>
-        <p:nvSpPr>
-          <p:cNvPr id="178" name=""/>
-          <p:cNvSpPr/>
-          <p:nvPr/>
-        </p:nvSpPr>
-        <p:spPr>
-          <a:xfrm>
-            <a:off x="720000" y="1620000"/>
-            <a:ext cx="11158200" cy="856440"/>
-          </a:xfrm>
-          <a:prstGeom prst="rect">
-            <a:avLst/>
-          </a:prstGeom>
-          <a:noFill/>
-          <a:ln w="0">
-            <a:noFill/>
-          </a:ln>
-        </p:spPr>
-        <p:style>
-          <a:lnRef idx="0"/>
-          <a:fillRef idx="0"/>
-          <a:effectRef idx="0"/>
-          <a:fontRef idx="minor"/>
-        </p:style>
-        <p:txBody>
-          <a:bodyPr lIns="90000" rIns="90000" tIns="45000" bIns="45000" anchor="t">
-            <a:noAutofit/>
-          </a:bodyPr>
-          <a:p>
-            <a:pPr>
-              <a:lnSpc>
-                <a:spcPct val="100000"/>
-              </a:lnSpc>
-              <a:buNone/>
-            </a:pPr>
-            <a:r>
-              <a:rPr b="0" lang="en-IE" sz="1800" spc="-1" strike="noStrike">
+              <a:rPr b="0" lang="en-GB" sz="4400" spc="-1" strike="noStrike">
                 <a:solidFill>
                   <a:srgbClr val="000000"/>
                 </a:solidFill>
-                <a:latin typeface="Arial"/>
-                <a:ea typeface="DejaVu Sans"/>
+                <a:latin typeface="Calibri Light"/>
               </a:rPr>
-              <a:t>Sensor data will be processed locally.</a:t>
-            </a:r>
-            <a:endParaRPr b="0" lang="en-IE" sz="1800" spc="-1" strike="noStrike">
-              <a:latin typeface="Arial"/>
-            </a:endParaRPr>
-          </a:p>
-          <a:p>
-            <a:pPr>
+              <a:t>Data Processing</a:t>
+            </a:r>
+            <a:endParaRPr b="0" lang="en-IE" sz="4400" spc="-1" strike="noStrike">
+              <a:latin typeface="Arial"/>
+            </a:endParaRPr>
+          </a:p>
+        </p:txBody>
+      </p:sp>
+      <p:sp>
+        <p:nvSpPr>
+          <p:cNvPr id="181" name="PlaceHolder 2"/>
+          <p:cNvSpPr>
+            <a:spLocks noGrp="1"/>
+          </p:cNvSpPr>
+          <p:nvPr>
+            <p:ph/>
+          </p:nvPr>
+        </p:nvSpPr>
+        <p:spPr>
+          <a:xfrm>
+            <a:off x="838080" y="1825560"/>
+            <a:ext cx="10512000" cy="4347720"/>
+          </a:xfrm>
+          <a:prstGeom prst="rect">
+            <a:avLst/>
+          </a:prstGeom>
+          <a:noFill/>
+          <a:ln w="0">
+            <a:noFill/>
+          </a:ln>
+        </p:spPr>
+        <p:txBody>
+          <a:bodyPr lIns="90000" rIns="90000" tIns="45000" bIns="45000" anchor="t">
+            <a:noAutofit/>
+          </a:bodyPr>
+          <a:p>
+            <a:pPr marL="228600" indent="-228600">
               <a:lnSpc>
-                <a:spcPct val="100000"/>
+                <a:spcPct val="90000"/>
               </a:lnSpc>
-              <a:buNone/>
-            </a:pPr>
-            <a:r>
-              <a:rPr b="0" lang="en-IE" sz="1800" spc="-1" strike="noStrike">
+              <a:spcBef>
+                <a:spcPts val="1001"/>
+              </a:spcBef>
+              <a:buClr>
+                <a:srgbClr val="000000"/>
+              </a:buClr>
+              <a:buFont typeface="Arial"/>
+              <a:buChar char="•"/>
+            </a:pPr>
+            <a:r>
+              <a:rPr b="0" lang="en-GB" sz="2800" spc="-1" strike="noStrike">
                 <a:solidFill>
                   <a:srgbClr val="000000"/>
                 </a:solidFill>
-                <a:latin typeface="Arial"/>
-                <a:ea typeface="DejaVu Sans"/>
+                <a:latin typeface="Calibri"/>
               </a:rPr>
-              <a:t>Notifications and medication history will be process on the AWS server.</a:t>
-            </a:r>
-            <a:endParaRPr b="0" lang="en-IE" sz="1800" spc="-1" strike="noStrike">
-              <a:latin typeface="Arial"/>
-            </a:endParaRPr>
-          </a:p>
-          <a:p>
-            <a:pPr>
+              <a:t>Where is the data processed</a:t>
+            </a:r>
+            <a:endParaRPr b="0" lang="en-IE" sz="2800" spc="-1" strike="noStrike">
+              <a:latin typeface="Arial"/>
+            </a:endParaRPr>
+          </a:p>
+          <a:p>
+            <a:pPr marL="228600" indent="-228600">
               <a:lnSpc>
-                <a:spcPct val="100000"/>
+                <a:spcPct val="90000"/>
               </a:lnSpc>
-              <a:buNone/>
-            </a:pPr>
-            <a:r>
-              <a:rPr b="0" lang="en-IE" sz="1800" spc="-1" strike="noStrike">
+              <a:spcBef>
+                <a:spcPts val="1001"/>
+              </a:spcBef>
+              <a:buClr>
+                <a:srgbClr val="000000"/>
+              </a:buClr>
+              <a:buFont typeface="Arial"/>
+              <a:buChar char="•"/>
+            </a:pPr>
+            <a:r>
+              <a:rPr b="0" lang="en-GB" sz="2800" spc="-1" strike="noStrike">
                 <a:solidFill>
                   <a:srgbClr val="000000"/>
                 </a:solidFill>
-                <a:latin typeface="Arial"/>
-                <a:ea typeface="DejaVu Sans"/>
+                <a:latin typeface="Calibri"/>
               </a:rPr>
-              <a:t>Notifications will be sent to the users’ devices by AWS server.</a:t>
-            </a:r>
-            <a:endParaRPr b="0" lang="en-IE" sz="1800" spc="-1" strike="noStrike">
-              <a:latin typeface="Arial"/>
-            </a:endParaRPr>
-          </a:p>
-          <a:p>
-            <a:pPr>
+              <a:t>What is the end result of data processing</a:t>
+            </a:r>
+            <a:endParaRPr b="0" lang="en-IE" sz="2800" spc="-1" strike="noStrike">
+              <a:latin typeface="Arial"/>
+            </a:endParaRPr>
+          </a:p>
+          <a:p>
+            <a:pPr marL="228600" indent="-228600">
               <a:lnSpc>
-                <a:spcPct val="100000"/>
+                <a:spcPct val="90000"/>
               </a:lnSpc>
-              <a:buNone/>
-            </a:pPr>
-            <a:r>
-              <a:rPr b="0" lang="en-IE" sz="1800" spc="-1" strike="noStrike">
+              <a:spcBef>
+                <a:spcPts val="1001"/>
+              </a:spcBef>
+              <a:buClr>
+                <a:srgbClr val="000000"/>
+              </a:buClr>
+              <a:buFont typeface="Arial"/>
+              <a:buChar char="•"/>
+            </a:pPr>
+            <a:r>
+              <a:rPr b="0" lang="en-GB" sz="2800" spc="-1" strike="noStrike">
                 <a:solidFill>
                   <a:srgbClr val="000000"/>
                 </a:solidFill>
-                <a:latin typeface="Arial"/>
-                <a:ea typeface="DejaVu Sans"/>
+                <a:latin typeface="Calibri"/>
               </a:rPr>
-              <a:t>Medication data will be edited on the web client before being sent to AWS server.</a:t>
-            </a:r>
-            <a:endParaRPr b="0" lang="en-IE" sz="1800" spc="-1" strike="noStrike">
-              <a:latin typeface="Arial"/>
-            </a:endParaRPr>
-          </a:p>
-          <a:p>
-            <a:pPr>
+              <a:t>How CRON fits into the process</a:t>
+            </a:r>
+            <a:endParaRPr b="0" lang="en-IE" sz="2800" spc="-1" strike="noStrike">
+              <a:latin typeface="Arial"/>
+            </a:endParaRPr>
+          </a:p>
+          <a:p>
+            <a:pPr lvl="1" marL="685800" indent="-228600">
               <a:lnSpc>
-                <a:spcPct val="100000"/>
+                <a:spcPct val="90000"/>
               </a:lnSpc>
-              <a:buNone/>
-            </a:pPr>
-            <a:endParaRPr b="0" lang="en-IE" sz="1800" spc="-1" strike="noStrike">
-              <a:latin typeface="Arial"/>
-            </a:endParaRPr>
-          </a:p>
-          <a:p>
-            <a:pPr>
-              <a:lnSpc>
-                <a:spcPct val="100000"/>
-              </a:lnSpc>
-              <a:buNone/>
-            </a:pPr>
-            <a:r>
-              <a:rPr b="0" lang="en-IE" sz="1800" spc="-1" strike="noStrike">
+              <a:spcBef>
+                <a:spcPts val="499"/>
+              </a:spcBef>
+              <a:buClr>
+                <a:srgbClr val="000000"/>
+              </a:buClr>
+              <a:buFont typeface="Arial"/>
+              <a:buChar char="•"/>
+            </a:pPr>
+            <a:r>
+              <a:rPr b="0" lang="en-GB" sz="2400" spc="-1" strike="noStrike">
                 <a:solidFill>
                   <a:srgbClr val="000000"/>
                 </a:solidFill>
-                <a:latin typeface="Arial"/>
-                <a:ea typeface="DejaVu Sans"/>
+                <a:latin typeface="Calibri"/>
               </a:rPr>
-              <a:t>The data will be processed to record if medication was taking on time, a dose was missed and if the medication box will require a refill.</a:t>
-            </a:r>
-            <a:endParaRPr b="0" lang="en-IE" sz="1800" spc="-1" strike="noStrike">
-              <a:latin typeface="Arial"/>
-            </a:endParaRPr>
-          </a:p>
-          <a:p>
-            <a:pPr>
-              <a:lnSpc>
-                <a:spcPct val="100000"/>
-              </a:lnSpc>
-              <a:buNone/>
-            </a:pPr>
-            <a:endParaRPr b="0" lang="en-IE" sz="1800" spc="-1" strike="noStrike">
-              <a:latin typeface="Arial"/>
-            </a:endParaRPr>
-          </a:p>
-          <a:p>
-            <a:pPr>
-              <a:lnSpc>
-                <a:spcPct val="100000"/>
-              </a:lnSpc>
-              <a:buNone/>
-            </a:pPr>
-            <a:r>
-              <a:rPr b="0" lang="en-IE" sz="1800" spc="-1" strike="noStrike">
-                <a:solidFill>
-                  <a:srgbClr val="000000"/>
-                </a:solidFill>
-                <a:latin typeface="Arial"/>
-                <a:ea typeface="DejaVu Sans"/>
-              </a:rPr>
-              <a:t>A CRON job will be running to restart the program if it has stopped.</a:t>
-            </a:r>
-            <a:endParaRPr b="0" lang="en-IE" sz="1800" spc="-1" strike="noStrike">
-              <a:latin typeface="Arial"/>
-            </a:endParaRPr>
-          </a:p>
-          <a:p>
-            <a:pPr>
-              <a:lnSpc>
-                <a:spcPct val="100000"/>
-              </a:lnSpc>
-              <a:buNone/>
-            </a:pPr>
-            <a:endParaRPr b="0" lang="en-IE" sz="1800" spc="-1" strike="noStrike">
+              <a:t>List the cron jobs that will be run</a:t>
+            </a:r>
+            <a:endParaRPr b="0" lang="en-IE" sz="2400" spc="-1" strike="noStrike">
               <a:latin typeface="Arial"/>
             </a:endParaRPr>
           </a:p>
@@ -13125,7 +13192,7 @@
       </p:grpSpPr>
       <p:sp>
         <p:nvSpPr>
-          <p:cNvPr id="179" name="PlaceHolder 1"/>
+          <p:cNvPr id="182" name="PlaceHolder 1"/>
           <p:cNvSpPr>
             <a:spLocks noGrp="1"/>
           </p:cNvSpPr>
@@ -13135,121 +13202,225 @@
         </p:nvSpPr>
         <p:spPr>
           <a:xfrm>
-            <a:off x="838080" y="365040"/>
-            <a:ext cx="10512360" cy="1322280"/>
-          </a:xfrm>
-          <a:prstGeom prst="rect">
-            <a:avLst/>
-          </a:prstGeom>
-          <a:noFill/>
-          <a:ln w="0">
-            <a:noFill/>
-          </a:ln>
-        </p:spPr>
-        <p:txBody>
-          <a:bodyPr lIns="90000" rIns="90000" tIns="45000" bIns="45000" anchor="ctr">
+            <a:off x="609480" y="273600"/>
+            <a:ext cx="10970280" cy="1142640"/>
+          </a:xfrm>
+          <a:prstGeom prst="rect">
+            <a:avLst/>
+          </a:prstGeom>
+          <a:noFill/>
+          <a:ln w="0">
+            <a:noFill/>
+          </a:ln>
+        </p:spPr>
+        <p:txBody>
+          <a:bodyPr lIns="0" rIns="0" tIns="0" bIns="0" anchor="ctr">
+            <a:noAutofit/>
+          </a:bodyPr>
+          <a:p>
+            <a:pPr algn="ctr">
+              <a:lnSpc>
+                <a:spcPct val="100000"/>
+              </a:lnSpc>
+              <a:buNone/>
+            </a:pPr>
+            <a:r>
+              <a:rPr b="0" lang="en-IE" sz="4400" spc="-1" strike="noStrike">
+                <a:latin typeface="Arial"/>
+              </a:rPr>
+              <a:t>Data Processing</a:t>
+            </a:r>
+            <a:endParaRPr b="0" lang="en-IE" sz="4400" spc="-1" strike="noStrike">
+              <a:latin typeface="Arial"/>
+            </a:endParaRPr>
+          </a:p>
+        </p:txBody>
+      </p:sp>
+      <p:sp>
+        <p:nvSpPr>
+          <p:cNvPr id="183" name=""/>
+          <p:cNvSpPr/>
+          <p:nvPr/>
+        </p:nvSpPr>
+        <p:spPr>
+          <a:xfrm>
+            <a:off x="720000" y="1620000"/>
+            <a:ext cx="11157840" cy="856080"/>
+          </a:xfrm>
+          <a:prstGeom prst="rect">
+            <a:avLst/>
+          </a:prstGeom>
+          <a:noFill/>
+          <a:ln w="0">
+            <a:noFill/>
+          </a:ln>
+        </p:spPr>
+        <p:style>
+          <a:lnRef idx="0"/>
+          <a:fillRef idx="0"/>
+          <a:effectRef idx="0"/>
+          <a:fontRef idx="minor"/>
+        </p:style>
+        <p:txBody>
+          <a:bodyPr lIns="90000" rIns="90000" tIns="45000" bIns="45000" anchor="t">
             <a:noAutofit/>
           </a:bodyPr>
           <a:p>
             <a:pPr>
               <a:lnSpc>
-                <a:spcPct val="90000"/>
+                <a:spcPct val="100000"/>
               </a:lnSpc>
               <a:buNone/>
             </a:pPr>
             <a:r>
-              <a:rPr b="0" lang="en-GB" sz="4400" spc="-1" strike="noStrike">
+              <a:rPr b="0" lang="en-IE" sz="1800" spc="-1" strike="noStrike">
                 <a:solidFill>
                   <a:srgbClr val="000000"/>
                 </a:solidFill>
-                <a:latin typeface="Calibri Light"/>
+                <a:latin typeface="Arial"/>
+                <a:ea typeface="DejaVu Sans"/>
               </a:rPr>
-              <a:t>Security of Transmitted Data</a:t>
-            </a:r>
-            <a:endParaRPr b="0" lang="en-IE" sz="4400" spc="-1" strike="noStrike">
-              <a:latin typeface="Arial"/>
-            </a:endParaRPr>
-          </a:p>
-        </p:txBody>
-      </p:sp>
-      <p:sp>
-        <p:nvSpPr>
-          <p:cNvPr id="180" name="PlaceHolder 2"/>
-          <p:cNvSpPr>
-            <a:spLocks noGrp="1"/>
-          </p:cNvSpPr>
-          <p:nvPr>
-            <p:ph/>
-          </p:nvPr>
-        </p:nvSpPr>
-        <p:spPr>
-          <a:xfrm>
-            <a:off x="838080" y="1825560"/>
-            <a:ext cx="10512360" cy="4348080"/>
-          </a:xfrm>
-          <a:prstGeom prst="rect">
-            <a:avLst/>
-          </a:prstGeom>
-          <a:noFill/>
-          <a:ln w="0">
-            <a:noFill/>
-          </a:ln>
-        </p:spPr>
-        <p:txBody>
-          <a:bodyPr lIns="90000" rIns="90000" tIns="45000" bIns="45000" anchor="t">
-            <a:noAutofit/>
-          </a:bodyPr>
-          <a:p>
-            <a:pPr marL="228600" indent="-228600">
+              <a:t>Sensor data will be processed locally.</a:t>
+            </a:r>
+            <a:endParaRPr b="0" lang="en-IE" sz="1800" spc="-1" strike="noStrike">
+              <a:latin typeface="Arial"/>
+            </a:endParaRPr>
+          </a:p>
+          <a:p>
+            <a:pPr>
               <a:lnSpc>
-                <a:spcPct val="90000"/>
+                <a:spcPct val="100000"/>
               </a:lnSpc>
-              <a:spcBef>
-                <a:spcPts val="1001"/>
-              </a:spcBef>
-              <a:buClr>
-                <a:srgbClr val="000000"/>
-              </a:buClr>
-              <a:buFont typeface="Arial"/>
-              <a:buChar char="•"/>
-            </a:pPr>
-            <a:r>
-              <a:rPr b="0" lang="en-GB" sz="2800" spc="-1" strike="noStrike">
+              <a:buNone/>
+            </a:pPr>
+            <a:r>
+              <a:rPr b="0" lang="en-IE" sz="1800" spc="-1" strike="noStrike">
                 <a:solidFill>
                   <a:srgbClr val="000000"/>
                 </a:solidFill>
-                <a:latin typeface="Calibri"/>
+                <a:latin typeface="Arial"/>
+                <a:ea typeface="DejaVu Sans"/>
               </a:rPr>
-              <a:t>e.g Using POST instead of GET</a:t>
-            </a:r>
-            <a:endParaRPr b="0" lang="en-IE" sz="2800" spc="-1" strike="noStrike">
-              <a:latin typeface="Arial"/>
-            </a:endParaRPr>
-          </a:p>
-          <a:p>
-            <a:pPr marL="228600" indent="-228600">
+              <a:t>Notifications and medication history will be process on the AWS server.</a:t>
+            </a:r>
+            <a:endParaRPr b="0" lang="en-IE" sz="1800" spc="-1" strike="noStrike">
+              <a:latin typeface="Arial"/>
+            </a:endParaRPr>
+          </a:p>
+          <a:p>
+            <a:pPr>
               <a:lnSpc>
-                <a:spcPct val="90000"/>
+                <a:spcPct val="100000"/>
               </a:lnSpc>
-              <a:spcBef>
-                <a:spcPts val="1001"/>
-              </a:spcBef>
-              <a:buClr>
-                <a:srgbClr val="000000"/>
-              </a:buClr>
-              <a:buFont typeface="Arial"/>
-              <a:buChar char="•"/>
-            </a:pPr>
-            <a:r>
-              <a:rPr b="0" lang="en-GB" sz="2800" spc="-1" strike="noStrike">
+              <a:buNone/>
+            </a:pPr>
+            <a:r>
+              <a:rPr b="0" lang="en-IE" sz="1800" spc="-1" strike="noStrike">
                 <a:solidFill>
                   <a:srgbClr val="000000"/>
                 </a:solidFill>
-                <a:latin typeface="Calibri"/>
+                <a:latin typeface="Arial"/>
+                <a:ea typeface="DejaVu Sans"/>
               </a:rPr>
-              <a:t>Make sure the data can’t be intercepted with something like wireshark</a:t>
-            </a:r>
-            <a:endParaRPr b="0" lang="en-IE" sz="2800" spc="-1" strike="noStrike">
+              <a:t>Notifications will be sent to the users’ devices by AWS server.</a:t>
+            </a:r>
+            <a:endParaRPr b="0" lang="en-IE" sz="1800" spc="-1" strike="noStrike">
+              <a:latin typeface="Arial"/>
+            </a:endParaRPr>
+          </a:p>
+          <a:p>
+            <a:pPr>
+              <a:lnSpc>
+                <a:spcPct val="100000"/>
+              </a:lnSpc>
+              <a:buNone/>
+            </a:pPr>
+            <a:r>
+              <a:rPr b="0" lang="en-IE" sz="1800" spc="-1" strike="noStrike">
+                <a:solidFill>
+                  <a:srgbClr val="000000"/>
+                </a:solidFill>
+                <a:latin typeface="Arial"/>
+                <a:ea typeface="DejaVu Sans"/>
+              </a:rPr>
+              <a:t>Medication data will be edited on the web client before being sent to AWS server.</a:t>
+            </a:r>
+            <a:endParaRPr b="0" lang="en-IE" sz="1800" spc="-1" strike="noStrike">
+              <a:latin typeface="Arial"/>
+            </a:endParaRPr>
+          </a:p>
+          <a:p>
+            <a:pPr>
+              <a:lnSpc>
+                <a:spcPct val="100000"/>
+              </a:lnSpc>
+              <a:buNone/>
+            </a:pPr>
+            <a:endParaRPr b="0" lang="en-IE" sz="1800" spc="-1" strike="noStrike">
+              <a:latin typeface="Arial"/>
+            </a:endParaRPr>
+          </a:p>
+          <a:p>
+            <a:pPr>
+              <a:lnSpc>
+                <a:spcPct val="100000"/>
+              </a:lnSpc>
+              <a:buNone/>
+            </a:pPr>
+            <a:r>
+              <a:rPr b="0" lang="en-IE" sz="1800" spc="-1" strike="noStrike">
+                <a:solidFill>
+                  <a:srgbClr val="000000"/>
+                </a:solidFill>
+                <a:latin typeface="Arial"/>
+                <a:ea typeface="DejaVu Sans"/>
+              </a:rPr>
+              <a:t>The data will be processed to record if medication was taking on time, a dose was missed and if the medication box will require a refill.</a:t>
+            </a:r>
+            <a:endParaRPr b="0" lang="en-IE" sz="1800" spc="-1" strike="noStrike">
+              <a:latin typeface="Arial"/>
+            </a:endParaRPr>
+          </a:p>
+          <a:p>
+            <a:pPr>
+              <a:lnSpc>
+                <a:spcPct val="100000"/>
+              </a:lnSpc>
+              <a:buNone/>
+            </a:pPr>
+            <a:endParaRPr b="0" lang="en-IE" sz="1800" spc="-1" strike="noStrike">
+              <a:latin typeface="Arial"/>
+            </a:endParaRPr>
+          </a:p>
+          <a:p>
+            <a:pPr>
+              <a:lnSpc>
+                <a:spcPct val="100000"/>
+              </a:lnSpc>
+              <a:buNone/>
+            </a:pPr>
+            <a:r>
+              <a:rPr b="0" lang="en-IE" sz="1800" spc="-1" strike="noStrike">
+                <a:solidFill>
+                  <a:srgbClr val="000000"/>
+                </a:solidFill>
+                <a:latin typeface="Arial"/>
+                <a:ea typeface="DejaVu Sans"/>
+              </a:rPr>
+              <a:t>A CRON job will be running to restart the program if it has stopped.</a:t>
+            </a:r>
+            <a:endParaRPr b="0" lang="en-IE" sz="1800" spc="-1" strike="noStrike">
+              <a:latin typeface="Arial"/>
+            </a:endParaRPr>
+          </a:p>
+          <a:p>
+            <a:pPr>
+              <a:lnSpc>
+                <a:spcPct val="100000"/>
+              </a:lnSpc>
+              <a:buNone/>
+            </a:pPr>
+            <a:endParaRPr b="0" lang="en-IE" sz="1800" spc="-1" strike="noStrike">
               <a:latin typeface="Arial"/>
             </a:endParaRPr>
           </a:p>
@@ -13287,7 +13458,7 @@
       </p:grpSpPr>
       <p:sp>
         <p:nvSpPr>
-          <p:cNvPr id="181" name="PlaceHolder 1"/>
+          <p:cNvPr id="184" name="PlaceHolder 1"/>
           <p:cNvSpPr>
             <a:spLocks noGrp="1"/>
           </p:cNvSpPr>
@@ -13298,7 +13469,7 @@
         <p:spPr>
           <a:xfrm>
             <a:off x="838080" y="365040"/>
-            <a:ext cx="10512360" cy="1322280"/>
+            <a:ext cx="10512000" cy="1321920"/>
           </a:xfrm>
           <a:prstGeom prst="rect">
             <a:avLst/>
@@ -13326,7 +13497,7 @@
                 </a:solidFill>
                 <a:latin typeface="Calibri Light"/>
               </a:rPr>
-              <a:t>Security of Data at Rest</a:t>
+              <a:t>Security of Transmitted Data</a:t>
             </a:r>
             <a:endParaRPr b="0" lang="en-IE" sz="4400" spc="-1" strike="noStrike">
               <a:latin typeface="Arial"/>
@@ -13336,7 +13507,7 @@
       </p:sp>
       <p:sp>
         <p:nvSpPr>
-          <p:cNvPr id="182" name="PlaceHolder 2"/>
+          <p:cNvPr id="185" name="PlaceHolder 2"/>
           <p:cNvSpPr>
             <a:spLocks noGrp="1"/>
           </p:cNvSpPr>
@@ -13347,7 +13518,7 @@
         <p:spPr>
           <a:xfrm>
             <a:off x="838080" y="1825560"/>
-            <a:ext cx="10512360" cy="4348080"/>
+            <a:ext cx="10512000" cy="4347720"/>
           </a:xfrm>
           <a:prstGeom prst="rect">
             <a:avLst/>
@@ -13382,7 +13553,7 @@
                 </a:solidFill>
                 <a:latin typeface="Calibri"/>
               </a:rPr>
-              <a:t>Store on a secure cloud service</a:t>
+              <a:t>e.g Using POST instead of GET</a:t>
             </a:r>
             <a:endParaRPr b="0" lang="en-IE" sz="2800" spc="-1" strike="noStrike">
               <a:latin typeface="Arial"/>
@@ -13409,7 +13580,7 @@
                 </a:solidFill>
                 <a:latin typeface="Calibri"/>
               </a:rPr>
-              <a:t>Maybe wipe the onboard data once it has been sent, as it is only meant to be a backup</a:t>
+              <a:t>Make sure the data can’t be intercepted with something like wireshark</a:t>
             </a:r>
             <a:endParaRPr b="0" lang="en-IE" sz="2800" spc="-1" strike="noStrike">
               <a:latin typeface="Arial"/>

--- a/Slideshow template.pptx
+++ b/Slideshow template.pptx
@@ -6,19 +6,15 @@
     <p:sldMasterId id="2147483661" r:id="rId3"/>
     <p:sldMasterId id="2147483674" r:id="rId4"/>
     <p:sldMasterId id="2147483687" r:id="rId5"/>
+    <p:sldMasterId id="2147483700" r:id="rId6"/>
   </p:sldMasterIdLst>
   <p:sldIdLst>
-    <p:sldId id="256" r:id="rId6"/>
-    <p:sldId id="257" r:id="rId7"/>
-    <p:sldId id="258" r:id="rId8"/>
-    <p:sldId id="259" r:id="rId9"/>
-    <p:sldId id="260" r:id="rId10"/>
-    <p:sldId id="261" r:id="rId11"/>
-    <p:sldId id="262" r:id="rId12"/>
-    <p:sldId id="263" r:id="rId13"/>
-    <p:sldId id="264" r:id="rId14"/>
-    <p:sldId id="265" r:id="rId15"/>
-    <p:sldId id="266" r:id="rId16"/>
+    <p:sldId id="256" r:id="rId7"/>
+    <p:sldId id="257" r:id="rId8"/>
+    <p:sldId id="258" r:id="rId9"/>
+    <p:sldId id="259" r:id="rId10"/>
+    <p:sldId id="260" r:id="rId11"/>
+    <p:sldId id="261" r:id="rId12"/>
   </p:sldIdLst>
   <p:sldSz cx="12192000" cy="6858000"/>
   <p:notesSz cx="7559675" cy="10691813"/>
@@ -76,7 +72,7 @@
         <p:txBody>
           <a:bodyPr/>
           <a:p>
-            <a:fld id="{3343F5CD-7A2A-44EE-A49F-25351E879AC4}" type="slidenum">
+            <a:fld id="{2D4E9CC8-4605-441E-B520-D8643A365F2D}" type="slidenum">
               <a:t>&lt;#&gt;</a:t>
             </a:fld>
           </a:p>
@@ -264,7 +260,7 @@
         <p:txBody>
           <a:bodyPr/>
           <a:p>
-            <a:fld id="{202F58AD-D7FF-4BDB-BAB5-1A83890DF8A1}" type="slidenum">
+            <a:fld id="{B5AB0A38-843E-4955-95F6-2D9ED9EBF353}" type="slidenum">
               <a:t>&lt;#&gt;</a:t>
             </a:fld>
           </a:p>
@@ -520,7 +516,7 @@
         <p:txBody>
           <a:bodyPr/>
           <a:p>
-            <a:fld id="{5E115DE0-C17E-4398-8E9A-3579683F5D7E}" type="slidenum">
+            <a:fld id="{3EB8763A-4B49-4E34-BB28-25A19CAC0EEF}" type="slidenum">
               <a:t>&lt;#&gt;</a:t>
             </a:fld>
           </a:p>
@@ -844,7 +840,7 @@
         <p:txBody>
           <a:bodyPr/>
           <a:p>
-            <a:fld id="{135D3B07-11D0-42F9-9B20-73A66761BA17}" type="slidenum">
+            <a:fld id="{C3880E71-681E-4D35-9DDF-92EDFCE24F2F}" type="slidenum">
               <a:t>&lt;#&gt;</a:t>
             </a:fld>
           </a:p>
@@ -927,7 +923,7 @@
         <p:txBody>
           <a:bodyPr/>
           <a:p>
-            <a:fld id="{A0AA5555-5F4D-4AB2-99D5-1D844505CB71}" type="slidenum">
+            <a:fld id="{A8CB51B4-5DAB-4030-A682-E7D96DA12054}" type="slidenum">
               <a:t>&lt;#&gt;</a:t>
             </a:fld>
           </a:p>
@@ -1084,7 +1080,7 @@
         <p:txBody>
           <a:bodyPr/>
           <a:p>
-            <a:fld id="{0F357BE9-69AB-428A-944C-86434207CB52}" type="slidenum">
+            <a:fld id="{FE7CE054-554C-4EB0-B87A-5B5F776B3AB9}" type="slidenum">
               <a:t>&lt;#&gt;</a:t>
             </a:fld>
           </a:p>
@@ -1238,7 +1234,7 @@
         <p:txBody>
           <a:bodyPr/>
           <a:p>
-            <a:fld id="{EEAB24ED-ADDB-4538-8699-1248637C3E5B}" type="slidenum">
+            <a:fld id="{E05291B9-A138-45AA-A1FA-142CF2F8DE0A}" type="slidenum">
               <a:t>&lt;#&gt;</a:t>
             </a:fld>
           </a:p>
@@ -1426,7 +1422,7 @@
         <p:txBody>
           <a:bodyPr/>
           <a:p>
-            <a:fld id="{EEF35550-9DEE-4BEC-B82C-8B81723F6266}" type="slidenum">
+            <a:fld id="{13D0F09F-D1F7-4E1F-8055-199EC6BA0C45}" type="slidenum">
               <a:t>&lt;#&gt;</a:t>
             </a:fld>
           </a:p>
@@ -1546,7 +1542,7 @@
         <p:txBody>
           <a:bodyPr/>
           <a:p>
-            <a:fld id="{2BD698EC-D480-4B86-BE5A-E3DEF5C4F10A}" type="slidenum">
+            <a:fld id="{64B50A20-C81D-4BC6-A002-5C1EF59E302D}" type="slidenum">
               <a:t>&lt;#&gt;</a:t>
             </a:fld>
           </a:p>
@@ -1666,7 +1662,7 @@
         <p:txBody>
           <a:bodyPr/>
           <a:p>
-            <a:fld id="{61B4B1A9-FB6B-4E9F-8B0C-A3200D8199B2}" type="slidenum">
+            <a:fld id="{56D49EA3-5608-4717-B8B8-DCC68B1373B0}" type="slidenum">
               <a:t>&lt;#&gt;</a:t>
             </a:fld>
           </a:p>
@@ -1888,7 +1884,7 @@
         <p:txBody>
           <a:bodyPr/>
           <a:p>
-            <a:fld id="{FD262562-4A1F-41AC-B5BA-95FC559EFDC5}" type="slidenum">
+            <a:fld id="{C5A00EF4-0B1C-4046-83FD-53D18BFE48AB}" type="slidenum">
               <a:t>&lt;#&gt;</a:t>
             </a:fld>
           </a:p>
@@ -2045,7 +2041,7 @@
         <p:txBody>
           <a:bodyPr/>
           <a:p>
-            <a:fld id="{BB5616F7-0A52-4714-BF3F-0C8DA11F78C4}" type="slidenum">
+            <a:fld id="{A4A7DA95-7888-4EC4-8554-EA01B829B985}" type="slidenum">
               <a:t>&lt;#&gt;</a:t>
             </a:fld>
           </a:p>
@@ -2267,7 +2263,7 @@
         <p:txBody>
           <a:bodyPr/>
           <a:p>
-            <a:fld id="{42AD2AAC-E3D3-4950-B619-29DD0F10132D}" type="slidenum">
+            <a:fld id="{2661E73C-7C59-4FB6-8D9F-265D70000B32}" type="slidenum">
               <a:t>&lt;#&gt;</a:t>
             </a:fld>
           </a:p>
@@ -2489,7 +2485,7 @@
         <p:txBody>
           <a:bodyPr/>
           <a:p>
-            <a:fld id="{758EC788-D2CA-4403-81AB-2D71016C836B}" type="slidenum">
+            <a:fld id="{3A700A76-5005-44E0-B129-7747C3088752}" type="slidenum">
               <a:t>&lt;#&gt;</a:t>
             </a:fld>
           </a:p>
@@ -2677,7 +2673,7 @@
         <p:txBody>
           <a:bodyPr/>
           <a:p>
-            <a:fld id="{572E0874-B201-4FD3-A148-B5A27E284EE6}" type="slidenum">
+            <a:fld id="{F86EE706-DA35-4119-9EB9-23AA89F1C74D}" type="slidenum">
               <a:t>&lt;#&gt;</a:t>
             </a:fld>
           </a:p>
@@ -2933,7 +2929,7 @@
         <p:txBody>
           <a:bodyPr/>
           <a:p>
-            <a:fld id="{E348429C-4C44-4095-9C1A-BE1CFE9EF00B}" type="slidenum">
+            <a:fld id="{D197F0DC-B1BB-4DF7-B262-9BCB4347E14C}" type="slidenum">
               <a:t>&lt;#&gt;</a:t>
             </a:fld>
           </a:p>
@@ -3257,7 +3253,7 @@
         <p:txBody>
           <a:bodyPr/>
           <a:p>
-            <a:fld id="{71060308-C5DF-4C2E-8E3E-7CF610472893}" type="slidenum">
+            <a:fld id="{70102285-C686-470A-BBAE-CC3770235687}" type="slidenum">
               <a:t>&lt;#&gt;</a:t>
             </a:fld>
           </a:p>
@@ -3340,7 +3336,7 @@
         <p:txBody>
           <a:bodyPr/>
           <a:p>
-            <a:fld id="{BB6C99AB-82CA-4623-8853-77AA44C6D4EE}" type="slidenum">
+            <a:fld id="{79566C53-9C5D-49D4-A35B-0F618CAA46E3}" type="slidenum">
               <a:t>&lt;#&gt;</a:t>
             </a:fld>
           </a:p>
@@ -3497,7 +3493,7 @@
         <p:txBody>
           <a:bodyPr/>
           <a:p>
-            <a:fld id="{51BC560A-3B1C-495A-ABFA-A0BBCB86924F}" type="slidenum">
+            <a:fld id="{1CF6950D-6580-468E-AA30-FA05A7D932A3}" type="slidenum">
               <a:t>&lt;#&gt;</a:t>
             </a:fld>
           </a:p>
@@ -3651,7 +3647,7 @@
         <p:txBody>
           <a:bodyPr/>
           <a:p>
-            <a:fld id="{B3F335CB-7D7D-4BFF-A5EB-59CB1223F244}" type="slidenum">
+            <a:fld id="{A882FD80-45AD-4981-AE4A-759C5D06AA72}" type="slidenum">
               <a:t>&lt;#&gt;</a:t>
             </a:fld>
           </a:p>
@@ -3839,7 +3835,7 @@
         <p:txBody>
           <a:bodyPr/>
           <a:p>
-            <a:fld id="{6B90E6DA-7E9A-4416-878D-FDF42114BBD0}" type="slidenum">
+            <a:fld id="{C4DA7A97-083B-4D8F-9C17-7BFC1A58663B}" type="slidenum">
               <a:t>&lt;#&gt;</a:t>
             </a:fld>
           </a:p>
@@ -3959,7 +3955,7 @@
         <p:txBody>
           <a:bodyPr/>
           <a:p>
-            <a:fld id="{7800152E-63D4-403E-837D-8AA02F6A759E}" type="slidenum">
+            <a:fld id="{271B586A-0956-467B-8A5E-FFB0C7A6A54C}" type="slidenum">
               <a:t>&lt;#&gt;</a:t>
             </a:fld>
           </a:p>
@@ -4113,7 +4109,7 @@
         <p:txBody>
           <a:bodyPr/>
           <a:p>
-            <a:fld id="{77491C1A-CC0F-4594-9A9B-EA37FAD6654E}" type="slidenum">
+            <a:fld id="{EA0B19CA-A71F-4C24-B412-B41FA335F4A9}" type="slidenum">
               <a:t>&lt;#&gt;</a:t>
             </a:fld>
           </a:p>
@@ -4233,7 +4229,7 @@
         <p:txBody>
           <a:bodyPr/>
           <a:p>
-            <a:fld id="{34632077-7041-42ED-B060-3721BE43EA1E}" type="slidenum">
+            <a:fld id="{7DB2FA1F-6533-4704-B5AE-262CA2C148DD}" type="slidenum">
               <a:t>&lt;#&gt;</a:t>
             </a:fld>
           </a:p>
@@ -4455,7 +4451,7 @@
         <p:txBody>
           <a:bodyPr/>
           <a:p>
-            <a:fld id="{503FF4B0-64AD-45B2-B905-0BF1AA0DB95D}" type="slidenum">
+            <a:fld id="{703E25DD-2CA2-4999-8232-71489EC5545F}" type="slidenum">
               <a:t>&lt;#&gt;</a:t>
             </a:fld>
           </a:p>
@@ -4677,7 +4673,7 @@
         <p:txBody>
           <a:bodyPr/>
           <a:p>
-            <a:fld id="{25DD194C-9BEA-42F5-826A-27054116FB88}" type="slidenum">
+            <a:fld id="{B1DDA595-1F02-490B-B905-61ECFFB80AF6}" type="slidenum">
               <a:t>&lt;#&gt;</a:t>
             </a:fld>
           </a:p>
@@ -4899,7 +4895,7 @@
         <p:txBody>
           <a:bodyPr/>
           <a:p>
-            <a:fld id="{D96ECA79-5733-4370-BCEC-8D46ADC7B1B9}" type="slidenum">
+            <a:fld id="{5539B2F1-63DF-4310-A12C-F74378977C0D}" type="slidenum">
               <a:t>&lt;#&gt;</a:t>
             </a:fld>
           </a:p>
@@ -5087,7 +5083,7 @@
         <p:txBody>
           <a:bodyPr/>
           <a:p>
-            <a:fld id="{FC596A8A-9BF2-4C8A-8A3E-0F8E506BC211}" type="slidenum">
+            <a:fld id="{2670BCA3-08CC-4D1F-B675-D884E3B14929}" type="slidenum">
               <a:t>&lt;#&gt;</a:t>
             </a:fld>
           </a:p>
@@ -5343,7 +5339,7 @@
         <p:txBody>
           <a:bodyPr/>
           <a:p>
-            <a:fld id="{721317B9-3143-4CD0-B179-8DFF46BB1D7E}" type="slidenum">
+            <a:fld id="{056FE1C7-D97A-41A8-A9B2-F02F6E5D638B}" type="slidenum">
               <a:t>&lt;#&gt;</a:t>
             </a:fld>
           </a:p>
@@ -5667,7 +5663,7 @@
         <p:txBody>
           <a:bodyPr/>
           <a:p>
-            <a:fld id="{9129FFBA-17A5-49F7-9373-D2B588A00A38}" type="slidenum">
+            <a:fld id="{367FD722-3B53-4B1C-B331-C862D9BC4A11}" type="slidenum">
               <a:t>&lt;#&gt;</a:t>
             </a:fld>
           </a:p>
@@ -5750,7 +5746,7 @@
         <p:txBody>
           <a:bodyPr/>
           <a:p>
-            <a:fld id="{F6F219C8-2EDE-40EB-91D1-3BB3843F17C7}" type="slidenum">
+            <a:fld id="{56E70B8E-0141-4FED-AB1B-D89C3A5EC3E1}" type="slidenum">
               <a:t>&lt;#&gt;</a:t>
             </a:fld>
           </a:p>
@@ -5907,7 +5903,7 @@
         <p:txBody>
           <a:bodyPr/>
           <a:p>
-            <a:fld id="{89261E7C-338D-4D4B-B4C3-AA4896839492}" type="slidenum">
+            <a:fld id="{4A0CBF87-8320-475C-B56A-5CA98392E570}" type="slidenum">
               <a:t>&lt;#&gt;</a:t>
             </a:fld>
           </a:p>
@@ -6061,7 +6057,7 @@
         <p:txBody>
           <a:bodyPr/>
           <a:p>
-            <a:fld id="{24A1F644-15F3-4A88-9CE4-F53498B5704E}" type="slidenum">
+            <a:fld id="{18AA1015-1D41-4B0C-9CD3-71576E71ACE2}" type="slidenum">
               <a:t>&lt;#&gt;</a:t>
             </a:fld>
           </a:p>
@@ -6249,7 +6245,7 @@
         <p:txBody>
           <a:bodyPr/>
           <a:p>
-            <a:fld id="{EB0D2893-5D1E-4F6E-AD48-E85905E6243C}" type="slidenum">
+            <a:fld id="{1A19F2A4-E1E3-460A-9B43-2F590F071325}" type="slidenum">
               <a:t>&lt;#&gt;</a:t>
             </a:fld>
           </a:p>
@@ -6437,7 +6433,7 @@
         <p:txBody>
           <a:bodyPr/>
           <a:p>
-            <a:fld id="{48A51476-4991-4E98-8B1A-3A503D9DF8AE}" type="slidenum">
+            <a:fld id="{39DC5AF1-5917-40D3-A7EE-F00DF25E85F4}" type="slidenum">
               <a:t>&lt;#&gt;</a:t>
             </a:fld>
           </a:p>
@@ -6557,7 +6553,7 @@
         <p:txBody>
           <a:bodyPr/>
           <a:p>
-            <a:fld id="{1F6B655B-2142-4F1C-94A9-DC42CFB64922}" type="slidenum">
+            <a:fld id="{350C9657-E31B-4441-BBE2-B7E5E511760D}" type="slidenum">
               <a:t>&lt;#&gt;</a:t>
             </a:fld>
           </a:p>
@@ -6677,7 +6673,7 @@
         <p:txBody>
           <a:bodyPr/>
           <a:p>
-            <a:fld id="{7836A54E-33C4-46CF-B745-844FB354BD7D}" type="slidenum">
+            <a:fld id="{47110877-DE3E-41B3-89B7-1CBEE443FDB0}" type="slidenum">
               <a:t>&lt;#&gt;</a:t>
             </a:fld>
           </a:p>
@@ -6899,7 +6895,7 @@
         <p:txBody>
           <a:bodyPr/>
           <a:p>
-            <a:fld id="{62A13CEB-841C-4D25-9ECB-8D4A8D3B9712}" type="slidenum">
+            <a:fld id="{64977504-C6CD-49BD-A026-DCD91371468F}" type="slidenum">
               <a:t>&lt;#&gt;</a:t>
             </a:fld>
           </a:p>
@@ -7121,7 +7117,7 @@
         <p:txBody>
           <a:bodyPr/>
           <a:p>
-            <a:fld id="{2107DCC7-385A-489D-BDBC-BBBBC0F1FF37}" type="slidenum">
+            <a:fld id="{579A52BF-1CB3-4E03-ABE2-5622C43A76F3}" type="slidenum">
               <a:t>&lt;#&gt;</a:t>
             </a:fld>
           </a:p>
@@ -7343,7 +7339,7 @@
         <p:txBody>
           <a:bodyPr/>
           <a:p>
-            <a:fld id="{DAD7DB4F-30E3-468E-A777-0DD915026AB4}" type="slidenum">
+            <a:fld id="{EEA4F3B3-9A75-4F3A-AF32-CA9054B89F46}" type="slidenum">
               <a:t>&lt;#&gt;</a:t>
             </a:fld>
           </a:p>
@@ -7531,7 +7527,7 @@
         <p:txBody>
           <a:bodyPr/>
           <a:p>
-            <a:fld id="{EC4B80A3-2FF6-4E5D-A230-068006A47902}" type="slidenum">
+            <a:fld id="{E127A851-B7B6-4192-9E61-C518F94350DD}" type="slidenum">
               <a:t>&lt;#&gt;</a:t>
             </a:fld>
           </a:p>
@@ -7787,7 +7783,7 @@
         <p:txBody>
           <a:bodyPr/>
           <a:p>
-            <a:fld id="{70D1146F-3CC3-45F6-BFB5-6C90CFAEF85F}" type="slidenum">
+            <a:fld id="{AA603B97-79AE-42B0-876F-1358044112A8}" type="slidenum">
               <a:t>&lt;#&gt;</a:t>
             </a:fld>
           </a:p>
@@ -8111,7 +8107,7 @@
         <p:txBody>
           <a:bodyPr/>
           <a:p>
-            <a:fld id="{AF69046E-DBFE-438B-998B-C83C70BC17D9}" type="slidenum">
+            <a:fld id="{7270D429-ABE3-4A44-9BC1-6D0CF01ACF96}" type="slidenum">
               <a:t>&lt;#&gt;</a:t>
             </a:fld>
           </a:p>
@@ -8125,6 +8121,89 @@
           </p:cNvSpPr>
           <p:nvPr>
             <p:ph type="dt" idx="12"/>
+          </p:nvPr>
+        </p:nvSpPr>
+        <p:spPr/>
+        <p:txBody>
+          <a:bodyPr/>
+          <a:p>
+            <a:r>
+              <a:rPr lang="en-IE"/>
+              <a:t/>
+            </a:r>
+          </a:p>
+        </p:txBody>
+      </p:sp>
+    </p:spTree>
+  </p:cSld>
+</p:sldLayout>
+</file>
+
+<file path=ppt/slideLayouts/slideLayout49.xml><?xml version="1.0" encoding="utf-8"?>
+<p:sldLayout xmlns:a="http://schemas.openxmlformats.org/drawingml/2006/main" xmlns:p="http://schemas.openxmlformats.org/presentationml/2006/main" xmlns:r="http://schemas.openxmlformats.org/officeDocument/2006/relationships" xmlns:p14="http://schemas.microsoft.com/office/powerpoint/2010/main" xmlns:p15="http://schemas.microsoft.com/office/powerpoint/2012/main" xmlns:mc="http://schemas.openxmlformats.org/markup-compatibility/2006" type="blank" preserve="1">
+  <p:cSld name="Blank Slide">
+    <p:spTree>
+      <p:nvGrpSpPr>
+        <p:cNvPr id="1" name=""/>
+        <p:cNvGrpSpPr/>
+        <p:nvPr/>
+      </p:nvGrpSpPr>
+      <p:grpSpPr>
+        <a:xfrm>
+          <a:off x="0" y="0"/>
+          <a:ext cx="0" cy="0"/>
+          <a:chOff x="0" y="0"/>
+          <a:chExt cx="0" cy="0"/>
+        </a:xfrm>
+      </p:grpSpPr>
+      <p:sp>
+        <p:nvSpPr>
+          <p:cNvPr id="2" name="PlaceHolder 1"/>
+          <p:cNvSpPr>
+            <a:spLocks noGrp="1"/>
+          </p:cNvSpPr>
+          <p:nvPr>
+            <p:ph type="ftr" idx="13"/>
+          </p:nvPr>
+        </p:nvSpPr>
+        <p:spPr/>
+        <p:txBody>
+          <a:bodyPr/>
+          <a:p>
+            <a:r>
+              <a:t>Footer</a:t>
+            </a:r>
+          </a:p>
+        </p:txBody>
+      </p:sp>
+      <p:sp>
+        <p:nvSpPr>
+          <p:cNvPr id="3" name="PlaceHolder 2"/>
+          <p:cNvSpPr>
+            <a:spLocks noGrp="1"/>
+          </p:cNvSpPr>
+          <p:nvPr>
+            <p:ph type="sldNum" idx="14"/>
+          </p:nvPr>
+        </p:nvSpPr>
+        <p:spPr/>
+        <p:txBody>
+          <a:bodyPr/>
+          <a:p>
+            <a:fld id="{D91BF520-0E4F-4098-8622-15D091A7F705}" type="slidenum">
+              <a:t>&lt;#&gt;</a:t>
+            </a:fld>
+          </a:p>
+        </p:txBody>
+      </p:sp>
+      <p:sp>
+        <p:nvSpPr>
+          <p:cNvPr id="4" name="PlaceHolder 3"/>
+          <p:cNvSpPr>
+            <a:spLocks noGrp="1"/>
+          </p:cNvSpPr>
+          <p:nvPr>
+            <p:ph type="dt" idx="15"/>
           </p:nvPr>
         </p:nvSpPr>
         <p:spPr/>
@@ -8231,7 +8310,7 @@
         <p:txBody>
           <a:bodyPr/>
           <a:p>
-            <a:fld id="{DA18FAF0-4757-49ED-A3FD-2E90C17EBB2D}" type="slidenum">
+            <a:fld id="{4F6FC5C9-A442-4B54-9DFC-8CE8D4F027F4}" type="slidenum">
               <a:t>&lt;#&gt;</a:t>
             </a:fld>
           </a:p>
@@ -8245,6 +8324,1855 @@
           </p:cNvSpPr>
           <p:nvPr>
             <p:ph type="dt" idx="3"/>
+          </p:nvPr>
+        </p:nvSpPr>
+        <p:spPr/>
+        <p:txBody>
+          <a:bodyPr/>
+          <a:p>
+            <a:r>
+              <a:rPr lang="en-IE"/>
+              <a:t/>
+            </a:r>
+          </a:p>
+        </p:txBody>
+      </p:sp>
+    </p:spTree>
+  </p:cSld>
+</p:sldLayout>
+</file>
+
+<file path=ppt/slideLayouts/slideLayout50.xml><?xml version="1.0" encoding="utf-8"?>
+<p:sldLayout xmlns:a="http://schemas.openxmlformats.org/drawingml/2006/main" xmlns:p="http://schemas.openxmlformats.org/presentationml/2006/main" xmlns:r="http://schemas.openxmlformats.org/officeDocument/2006/relationships" xmlns:p14="http://schemas.microsoft.com/office/powerpoint/2010/main" xmlns:p15="http://schemas.microsoft.com/office/powerpoint/2012/main" xmlns:mc="http://schemas.openxmlformats.org/markup-compatibility/2006" type="tx" preserve="1">
+  <p:cSld name="Title Slide">
+    <p:spTree>
+      <p:nvGrpSpPr>
+        <p:cNvPr id="1" name=""/>
+        <p:cNvGrpSpPr/>
+        <p:nvPr/>
+      </p:nvGrpSpPr>
+      <p:grpSpPr>
+        <a:xfrm>
+          <a:off x="0" y="0"/>
+          <a:ext cx="0" cy="0"/>
+          <a:chOff x="0" y="0"/>
+          <a:chExt cx="0" cy="0"/>
+        </a:xfrm>
+      </p:grpSpPr>
+      <p:sp>
+        <p:nvSpPr>
+          <p:cNvPr id="169" name="PlaceHolder 1"/>
+          <p:cNvSpPr>
+            <a:spLocks noGrp="1"/>
+          </p:cNvSpPr>
+          <p:nvPr>
+            <p:ph type="title"/>
+          </p:nvPr>
+        </p:nvSpPr>
+        <p:spPr>
+          <a:xfrm>
+            <a:off x="609480" y="273600"/>
+            <a:ext cx="10972440" cy="1144800"/>
+          </a:xfrm>
+          <a:prstGeom prst="rect">
+            <a:avLst/>
+          </a:prstGeom>
+          <a:noFill/>
+          <a:ln w="0">
+            <a:noFill/>
+          </a:ln>
+        </p:spPr>
+        <p:txBody>
+          <a:bodyPr lIns="0" rIns="0" tIns="0" bIns="0" anchor="ctr">
+            <a:noAutofit/>
+          </a:bodyPr>
+          <a:p>
+            <a:pPr algn="ctr">
+              <a:buNone/>
+            </a:pPr>
+            <a:endParaRPr b="0" lang="en-IE" sz="4400" spc="-1" strike="noStrike">
+              <a:latin typeface="Arial"/>
+            </a:endParaRPr>
+          </a:p>
+        </p:txBody>
+      </p:sp>
+      <p:sp>
+        <p:nvSpPr>
+          <p:cNvPr id="170" name="PlaceHolder 2"/>
+          <p:cNvSpPr>
+            <a:spLocks noGrp="1"/>
+          </p:cNvSpPr>
+          <p:nvPr>
+            <p:ph type="subTitle"/>
+          </p:nvPr>
+        </p:nvSpPr>
+        <p:spPr>
+          <a:xfrm>
+            <a:off x="609480" y="1604520"/>
+            <a:ext cx="10972440" cy="3977280"/>
+          </a:xfrm>
+          <a:prstGeom prst="rect">
+            <a:avLst/>
+          </a:prstGeom>
+          <a:noFill/>
+          <a:ln w="0">
+            <a:noFill/>
+          </a:ln>
+        </p:spPr>
+        <p:txBody>
+          <a:bodyPr lIns="0" rIns="0" tIns="0" bIns="0" anchor="ctr">
+            <a:noAutofit/>
+          </a:bodyPr>
+          <a:p>
+            <a:pPr algn="ctr">
+              <a:buNone/>
+            </a:pPr>
+            <a:endParaRPr b="0" lang="en-IE" sz="3200" spc="-1" strike="noStrike">
+              <a:latin typeface="Arial"/>
+            </a:endParaRPr>
+          </a:p>
+        </p:txBody>
+      </p:sp>
+      <p:sp>
+        <p:nvSpPr>
+          <p:cNvPr id="4" name="PlaceHolder 3"/>
+          <p:cNvSpPr>
+            <a:spLocks noGrp="1"/>
+          </p:cNvSpPr>
+          <p:nvPr>
+            <p:ph type="ftr" idx="13"/>
+          </p:nvPr>
+        </p:nvSpPr>
+        <p:spPr/>
+        <p:txBody>
+          <a:bodyPr/>
+          <a:p>
+            <a:r>
+              <a:t>Footer</a:t>
+            </a:r>
+          </a:p>
+        </p:txBody>
+      </p:sp>
+      <p:sp>
+        <p:nvSpPr>
+          <p:cNvPr id="5" name="PlaceHolder 4"/>
+          <p:cNvSpPr>
+            <a:spLocks noGrp="1"/>
+          </p:cNvSpPr>
+          <p:nvPr>
+            <p:ph type="sldNum" idx="14"/>
+          </p:nvPr>
+        </p:nvSpPr>
+        <p:spPr/>
+        <p:txBody>
+          <a:bodyPr/>
+          <a:p>
+            <a:fld id="{AE3DBA56-23D6-45CC-A2F6-B59726B075FA}" type="slidenum">
+              <a:t>&lt;#&gt;</a:t>
+            </a:fld>
+          </a:p>
+        </p:txBody>
+      </p:sp>
+      <p:sp>
+        <p:nvSpPr>
+          <p:cNvPr id="6" name="PlaceHolder 5"/>
+          <p:cNvSpPr>
+            <a:spLocks noGrp="1"/>
+          </p:cNvSpPr>
+          <p:nvPr>
+            <p:ph type="dt" idx="15"/>
+          </p:nvPr>
+        </p:nvSpPr>
+        <p:spPr/>
+        <p:txBody>
+          <a:bodyPr/>
+          <a:p>
+            <a:r>
+              <a:rPr lang="en-IE"/>
+              <a:t/>
+            </a:r>
+          </a:p>
+        </p:txBody>
+      </p:sp>
+    </p:spTree>
+  </p:cSld>
+</p:sldLayout>
+</file>
+
+<file path=ppt/slideLayouts/slideLayout51.xml><?xml version="1.0" encoding="utf-8"?>
+<p:sldLayout xmlns:a="http://schemas.openxmlformats.org/drawingml/2006/main" xmlns:p="http://schemas.openxmlformats.org/presentationml/2006/main" xmlns:r="http://schemas.openxmlformats.org/officeDocument/2006/relationships" xmlns:p14="http://schemas.microsoft.com/office/powerpoint/2010/main" xmlns:p15="http://schemas.microsoft.com/office/powerpoint/2012/main" xmlns:mc="http://schemas.openxmlformats.org/markup-compatibility/2006" type="obj" preserve="1">
+  <p:cSld name="Title, Content">
+    <p:spTree>
+      <p:nvGrpSpPr>
+        <p:cNvPr id="1" name=""/>
+        <p:cNvGrpSpPr/>
+        <p:nvPr/>
+      </p:nvGrpSpPr>
+      <p:grpSpPr>
+        <a:xfrm>
+          <a:off x="0" y="0"/>
+          <a:ext cx="0" cy="0"/>
+          <a:chOff x="0" y="0"/>
+          <a:chExt cx="0" cy="0"/>
+        </a:xfrm>
+      </p:grpSpPr>
+      <p:sp>
+        <p:nvSpPr>
+          <p:cNvPr id="171" name="PlaceHolder 1"/>
+          <p:cNvSpPr>
+            <a:spLocks noGrp="1"/>
+          </p:cNvSpPr>
+          <p:nvPr>
+            <p:ph type="title"/>
+          </p:nvPr>
+        </p:nvSpPr>
+        <p:spPr>
+          <a:xfrm>
+            <a:off x="609480" y="273600"/>
+            <a:ext cx="10972440" cy="1144800"/>
+          </a:xfrm>
+          <a:prstGeom prst="rect">
+            <a:avLst/>
+          </a:prstGeom>
+          <a:noFill/>
+          <a:ln w="0">
+            <a:noFill/>
+          </a:ln>
+        </p:spPr>
+        <p:txBody>
+          <a:bodyPr lIns="0" rIns="0" tIns="0" bIns="0" anchor="ctr">
+            <a:noAutofit/>
+          </a:bodyPr>
+          <a:p>
+            <a:pPr algn="ctr">
+              <a:buNone/>
+            </a:pPr>
+            <a:endParaRPr b="0" lang="en-IE" sz="4400" spc="-1" strike="noStrike">
+              <a:latin typeface="Arial"/>
+            </a:endParaRPr>
+          </a:p>
+        </p:txBody>
+      </p:sp>
+      <p:sp>
+        <p:nvSpPr>
+          <p:cNvPr id="172" name="PlaceHolder 2"/>
+          <p:cNvSpPr>
+            <a:spLocks noGrp="1"/>
+          </p:cNvSpPr>
+          <p:nvPr>
+            <p:ph/>
+          </p:nvPr>
+        </p:nvSpPr>
+        <p:spPr>
+          <a:xfrm>
+            <a:off x="609480" y="1604520"/>
+            <a:ext cx="10972440" cy="3977280"/>
+          </a:xfrm>
+          <a:prstGeom prst="rect">
+            <a:avLst/>
+          </a:prstGeom>
+          <a:noFill/>
+          <a:ln w="0">
+            <a:noFill/>
+          </a:ln>
+        </p:spPr>
+        <p:txBody>
+          <a:bodyPr lIns="0" rIns="0" tIns="0" bIns="0" anchor="t">
+            <a:normAutofit/>
+          </a:bodyPr>
+          <a:p>
+            <a:endParaRPr b="0" lang="en-IE" sz="3200" spc="-1" strike="noStrike">
+              <a:latin typeface="Arial"/>
+            </a:endParaRPr>
+          </a:p>
+        </p:txBody>
+      </p:sp>
+      <p:sp>
+        <p:nvSpPr>
+          <p:cNvPr id="4" name="PlaceHolder 3"/>
+          <p:cNvSpPr>
+            <a:spLocks noGrp="1"/>
+          </p:cNvSpPr>
+          <p:nvPr>
+            <p:ph type="ftr" idx="13"/>
+          </p:nvPr>
+        </p:nvSpPr>
+        <p:spPr/>
+        <p:txBody>
+          <a:bodyPr/>
+          <a:p>
+            <a:r>
+              <a:t>Footer</a:t>
+            </a:r>
+          </a:p>
+        </p:txBody>
+      </p:sp>
+      <p:sp>
+        <p:nvSpPr>
+          <p:cNvPr id="5" name="PlaceHolder 4"/>
+          <p:cNvSpPr>
+            <a:spLocks noGrp="1"/>
+          </p:cNvSpPr>
+          <p:nvPr>
+            <p:ph type="sldNum" idx="14"/>
+          </p:nvPr>
+        </p:nvSpPr>
+        <p:spPr/>
+        <p:txBody>
+          <a:bodyPr/>
+          <a:p>
+            <a:fld id="{3B936D4E-3A87-43E2-8D7D-304F964CAE8B}" type="slidenum">
+              <a:t>&lt;#&gt;</a:t>
+            </a:fld>
+          </a:p>
+        </p:txBody>
+      </p:sp>
+      <p:sp>
+        <p:nvSpPr>
+          <p:cNvPr id="6" name="PlaceHolder 5"/>
+          <p:cNvSpPr>
+            <a:spLocks noGrp="1"/>
+          </p:cNvSpPr>
+          <p:nvPr>
+            <p:ph type="dt" idx="15"/>
+          </p:nvPr>
+        </p:nvSpPr>
+        <p:spPr/>
+        <p:txBody>
+          <a:bodyPr/>
+          <a:p>
+            <a:r>
+              <a:rPr lang="en-IE"/>
+              <a:t/>
+            </a:r>
+          </a:p>
+        </p:txBody>
+      </p:sp>
+    </p:spTree>
+  </p:cSld>
+</p:sldLayout>
+</file>
+
+<file path=ppt/slideLayouts/slideLayout52.xml><?xml version="1.0" encoding="utf-8"?>
+<p:sldLayout xmlns:a="http://schemas.openxmlformats.org/drawingml/2006/main" xmlns:p="http://schemas.openxmlformats.org/presentationml/2006/main" xmlns:r="http://schemas.openxmlformats.org/officeDocument/2006/relationships" xmlns:p14="http://schemas.microsoft.com/office/powerpoint/2010/main" xmlns:p15="http://schemas.microsoft.com/office/powerpoint/2012/main" xmlns:mc="http://schemas.openxmlformats.org/markup-compatibility/2006" type="twoObj" preserve="1">
+  <p:cSld name="Title, 2 Content">
+    <p:spTree>
+      <p:nvGrpSpPr>
+        <p:cNvPr id="1" name=""/>
+        <p:cNvGrpSpPr/>
+        <p:nvPr/>
+      </p:nvGrpSpPr>
+      <p:grpSpPr>
+        <a:xfrm>
+          <a:off x="0" y="0"/>
+          <a:ext cx="0" cy="0"/>
+          <a:chOff x="0" y="0"/>
+          <a:chExt cx="0" cy="0"/>
+        </a:xfrm>
+      </p:grpSpPr>
+      <p:sp>
+        <p:nvSpPr>
+          <p:cNvPr id="173" name="PlaceHolder 1"/>
+          <p:cNvSpPr>
+            <a:spLocks noGrp="1"/>
+          </p:cNvSpPr>
+          <p:nvPr>
+            <p:ph type="title"/>
+          </p:nvPr>
+        </p:nvSpPr>
+        <p:spPr>
+          <a:xfrm>
+            <a:off x="609480" y="273600"/>
+            <a:ext cx="10972440" cy="1144800"/>
+          </a:xfrm>
+          <a:prstGeom prst="rect">
+            <a:avLst/>
+          </a:prstGeom>
+          <a:noFill/>
+          <a:ln w="0">
+            <a:noFill/>
+          </a:ln>
+        </p:spPr>
+        <p:txBody>
+          <a:bodyPr lIns="0" rIns="0" tIns="0" bIns="0" anchor="ctr">
+            <a:noAutofit/>
+          </a:bodyPr>
+          <a:p>
+            <a:pPr algn="ctr">
+              <a:buNone/>
+            </a:pPr>
+            <a:endParaRPr b="0" lang="en-IE" sz="4400" spc="-1" strike="noStrike">
+              <a:latin typeface="Arial"/>
+            </a:endParaRPr>
+          </a:p>
+        </p:txBody>
+      </p:sp>
+      <p:sp>
+        <p:nvSpPr>
+          <p:cNvPr id="174" name="PlaceHolder 2"/>
+          <p:cNvSpPr>
+            <a:spLocks noGrp="1"/>
+          </p:cNvSpPr>
+          <p:nvPr>
+            <p:ph/>
+          </p:nvPr>
+        </p:nvSpPr>
+        <p:spPr>
+          <a:xfrm>
+            <a:off x="609480" y="1604520"/>
+            <a:ext cx="5354280" cy="3977280"/>
+          </a:xfrm>
+          <a:prstGeom prst="rect">
+            <a:avLst/>
+          </a:prstGeom>
+          <a:noFill/>
+          <a:ln w="0">
+            <a:noFill/>
+          </a:ln>
+        </p:spPr>
+        <p:txBody>
+          <a:bodyPr lIns="0" rIns="0" tIns="0" bIns="0" anchor="t">
+            <a:normAutofit/>
+          </a:bodyPr>
+          <a:p>
+            <a:endParaRPr b="0" lang="en-IE" sz="3200" spc="-1" strike="noStrike">
+              <a:latin typeface="Arial"/>
+            </a:endParaRPr>
+          </a:p>
+        </p:txBody>
+      </p:sp>
+      <p:sp>
+        <p:nvSpPr>
+          <p:cNvPr id="175" name="PlaceHolder 3"/>
+          <p:cNvSpPr>
+            <a:spLocks noGrp="1"/>
+          </p:cNvSpPr>
+          <p:nvPr>
+            <p:ph/>
+          </p:nvPr>
+        </p:nvSpPr>
+        <p:spPr>
+          <a:xfrm>
+            <a:off x="6231960" y="1604520"/>
+            <a:ext cx="5354280" cy="3977280"/>
+          </a:xfrm>
+          <a:prstGeom prst="rect">
+            <a:avLst/>
+          </a:prstGeom>
+          <a:noFill/>
+          <a:ln w="0">
+            <a:noFill/>
+          </a:ln>
+        </p:spPr>
+        <p:txBody>
+          <a:bodyPr lIns="0" rIns="0" tIns="0" bIns="0" anchor="t">
+            <a:normAutofit/>
+          </a:bodyPr>
+          <a:p>
+            <a:endParaRPr b="0" lang="en-IE" sz="3200" spc="-1" strike="noStrike">
+              <a:latin typeface="Arial"/>
+            </a:endParaRPr>
+          </a:p>
+        </p:txBody>
+      </p:sp>
+      <p:sp>
+        <p:nvSpPr>
+          <p:cNvPr id="5" name="PlaceHolder 4"/>
+          <p:cNvSpPr>
+            <a:spLocks noGrp="1"/>
+          </p:cNvSpPr>
+          <p:nvPr>
+            <p:ph type="ftr" idx="13"/>
+          </p:nvPr>
+        </p:nvSpPr>
+        <p:spPr/>
+        <p:txBody>
+          <a:bodyPr/>
+          <a:p>
+            <a:r>
+              <a:t>Footer</a:t>
+            </a:r>
+          </a:p>
+        </p:txBody>
+      </p:sp>
+      <p:sp>
+        <p:nvSpPr>
+          <p:cNvPr id="6" name="PlaceHolder 5"/>
+          <p:cNvSpPr>
+            <a:spLocks noGrp="1"/>
+          </p:cNvSpPr>
+          <p:nvPr>
+            <p:ph type="sldNum" idx="14"/>
+          </p:nvPr>
+        </p:nvSpPr>
+        <p:spPr/>
+        <p:txBody>
+          <a:bodyPr/>
+          <a:p>
+            <a:fld id="{63173588-CA29-4AD8-AA2B-7C585F085FA9}" type="slidenum">
+              <a:t>&lt;#&gt;</a:t>
+            </a:fld>
+          </a:p>
+        </p:txBody>
+      </p:sp>
+      <p:sp>
+        <p:nvSpPr>
+          <p:cNvPr id="7" name="PlaceHolder 6"/>
+          <p:cNvSpPr>
+            <a:spLocks noGrp="1"/>
+          </p:cNvSpPr>
+          <p:nvPr>
+            <p:ph type="dt" idx="15"/>
+          </p:nvPr>
+        </p:nvSpPr>
+        <p:spPr/>
+        <p:txBody>
+          <a:bodyPr/>
+          <a:p>
+            <a:r>
+              <a:rPr lang="en-IE"/>
+              <a:t/>
+            </a:r>
+          </a:p>
+        </p:txBody>
+      </p:sp>
+    </p:spTree>
+  </p:cSld>
+</p:sldLayout>
+</file>
+
+<file path=ppt/slideLayouts/slideLayout53.xml><?xml version="1.0" encoding="utf-8"?>
+<p:sldLayout xmlns:a="http://schemas.openxmlformats.org/drawingml/2006/main" xmlns:p="http://schemas.openxmlformats.org/presentationml/2006/main" xmlns:r="http://schemas.openxmlformats.org/officeDocument/2006/relationships" xmlns:p14="http://schemas.microsoft.com/office/powerpoint/2010/main" xmlns:p15="http://schemas.microsoft.com/office/powerpoint/2012/main" xmlns:mc="http://schemas.openxmlformats.org/markup-compatibility/2006" type="titleOnly" preserve="1">
+  <p:cSld name="Title Only">
+    <p:spTree>
+      <p:nvGrpSpPr>
+        <p:cNvPr id="1" name=""/>
+        <p:cNvGrpSpPr/>
+        <p:nvPr/>
+      </p:nvGrpSpPr>
+      <p:grpSpPr>
+        <a:xfrm>
+          <a:off x="0" y="0"/>
+          <a:ext cx="0" cy="0"/>
+          <a:chOff x="0" y="0"/>
+          <a:chExt cx="0" cy="0"/>
+        </a:xfrm>
+      </p:grpSpPr>
+      <p:sp>
+        <p:nvSpPr>
+          <p:cNvPr id="176" name="PlaceHolder 1"/>
+          <p:cNvSpPr>
+            <a:spLocks noGrp="1"/>
+          </p:cNvSpPr>
+          <p:nvPr>
+            <p:ph type="title"/>
+          </p:nvPr>
+        </p:nvSpPr>
+        <p:spPr>
+          <a:xfrm>
+            <a:off x="609480" y="273600"/>
+            <a:ext cx="10972440" cy="1144800"/>
+          </a:xfrm>
+          <a:prstGeom prst="rect">
+            <a:avLst/>
+          </a:prstGeom>
+          <a:noFill/>
+          <a:ln w="0">
+            <a:noFill/>
+          </a:ln>
+        </p:spPr>
+        <p:txBody>
+          <a:bodyPr lIns="0" rIns="0" tIns="0" bIns="0" anchor="ctr">
+            <a:noAutofit/>
+          </a:bodyPr>
+          <a:p>
+            <a:pPr algn="ctr">
+              <a:buNone/>
+            </a:pPr>
+            <a:endParaRPr b="0" lang="en-IE" sz="4400" spc="-1" strike="noStrike">
+              <a:latin typeface="Arial"/>
+            </a:endParaRPr>
+          </a:p>
+        </p:txBody>
+      </p:sp>
+      <p:sp>
+        <p:nvSpPr>
+          <p:cNvPr id="3" name="PlaceHolder 2"/>
+          <p:cNvSpPr>
+            <a:spLocks noGrp="1"/>
+          </p:cNvSpPr>
+          <p:nvPr>
+            <p:ph type="ftr" idx="13"/>
+          </p:nvPr>
+        </p:nvSpPr>
+        <p:spPr/>
+        <p:txBody>
+          <a:bodyPr/>
+          <a:p>
+            <a:r>
+              <a:t>Footer</a:t>
+            </a:r>
+          </a:p>
+        </p:txBody>
+      </p:sp>
+      <p:sp>
+        <p:nvSpPr>
+          <p:cNvPr id="4" name="PlaceHolder 3"/>
+          <p:cNvSpPr>
+            <a:spLocks noGrp="1"/>
+          </p:cNvSpPr>
+          <p:nvPr>
+            <p:ph type="sldNum" idx="14"/>
+          </p:nvPr>
+        </p:nvSpPr>
+        <p:spPr/>
+        <p:txBody>
+          <a:bodyPr/>
+          <a:p>
+            <a:fld id="{54749C02-36D1-4656-B722-C7A5A1E830D9}" type="slidenum">
+              <a:t>&lt;#&gt;</a:t>
+            </a:fld>
+          </a:p>
+        </p:txBody>
+      </p:sp>
+      <p:sp>
+        <p:nvSpPr>
+          <p:cNvPr id="5" name="PlaceHolder 4"/>
+          <p:cNvSpPr>
+            <a:spLocks noGrp="1"/>
+          </p:cNvSpPr>
+          <p:nvPr>
+            <p:ph type="dt" idx="15"/>
+          </p:nvPr>
+        </p:nvSpPr>
+        <p:spPr/>
+        <p:txBody>
+          <a:bodyPr/>
+          <a:p>
+            <a:r>
+              <a:rPr lang="en-IE"/>
+              <a:t/>
+            </a:r>
+          </a:p>
+        </p:txBody>
+      </p:sp>
+    </p:spTree>
+  </p:cSld>
+</p:sldLayout>
+</file>
+
+<file path=ppt/slideLayouts/slideLayout54.xml><?xml version="1.0" encoding="utf-8"?>
+<p:sldLayout xmlns:a="http://schemas.openxmlformats.org/drawingml/2006/main" xmlns:p="http://schemas.openxmlformats.org/presentationml/2006/main" xmlns:r="http://schemas.openxmlformats.org/officeDocument/2006/relationships" xmlns:p14="http://schemas.microsoft.com/office/powerpoint/2010/main" xmlns:p15="http://schemas.microsoft.com/office/powerpoint/2012/main" xmlns:mc="http://schemas.openxmlformats.org/markup-compatibility/2006" type="objOnly" preserve="1">
+  <p:cSld name="Centered Text">
+    <p:spTree>
+      <p:nvGrpSpPr>
+        <p:cNvPr id="1" name=""/>
+        <p:cNvGrpSpPr/>
+        <p:nvPr/>
+      </p:nvGrpSpPr>
+      <p:grpSpPr>
+        <a:xfrm>
+          <a:off x="0" y="0"/>
+          <a:ext cx="0" cy="0"/>
+          <a:chOff x="0" y="0"/>
+          <a:chExt cx="0" cy="0"/>
+        </a:xfrm>
+      </p:grpSpPr>
+      <p:sp>
+        <p:nvSpPr>
+          <p:cNvPr id="177" name="PlaceHolder 1"/>
+          <p:cNvSpPr>
+            <a:spLocks noGrp="1"/>
+          </p:cNvSpPr>
+          <p:nvPr>
+            <p:ph type="subTitle"/>
+          </p:nvPr>
+        </p:nvSpPr>
+        <p:spPr>
+          <a:xfrm>
+            <a:off x="609480" y="273600"/>
+            <a:ext cx="10972440" cy="5307840"/>
+          </a:xfrm>
+          <a:prstGeom prst="rect">
+            <a:avLst/>
+          </a:prstGeom>
+          <a:noFill/>
+          <a:ln w="0">
+            <a:noFill/>
+          </a:ln>
+        </p:spPr>
+        <p:txBody>
+          <a:bodyPr lIns="0" rIns="0" tIns="0" bIns="0" anchor="ctr">
+            <a:noAutofit/>
+          </a:bodyPr>
+          <a:p>
+            <a:pPr algn="ctr">
+              <a:buNone/>
+            </a:pPr>
+            <a:endParaRPr b="0" lang="en-IE" sz="3200" spc="-1" strike="noStrike">
+              <a:latin typeface="Arial"/>
+            </a:endParaRPr>
+          </a:p>
+        </p:txBody>
+      </p:sp>
+      <p:sp>
+        <p:nvSpPr>
+          <p:cNvPr id="3" name="PlaceHolder 2"/>
+          <p:cNvSpPr>
+            <a:spLocks noGrp="1"/>
+          </p:cNvSpPr>
+          <p:nvPr>
+            <p:ph type="ftr" idx="13"/>
+          </p:nvPr>
+        </p:nvSpPr>
+        <p:spPr/>
+        <p:txBody>
+          <a:bodyPr/>
+          <a:p>
+            <a:r>
+              <a:t>Footer</a:t>
+            </a:r>
+          </a:p>
+        </p:txBody>
+      </p:sp>
+      <p:sp>
+        <p:nvSpPr>
+          <p:cNvPr id="4" name="PlaceHolder 3"/>
+          <p:cNvSpPr>
+            <a:spLocks noGrp="1"/>
+          </p:cNvSpPr>
+          <p:nvPr>
+            <p:ph type="sldNum" idx="14"/>
+          </p:nvPr>
+        </p:nvSpPr>
+        <p:spPr/>
+        <p:txBody>
+          <a:bodyPr/>
+          <a:p>
+            <a:fld id="{DE9F04D0-D0EA-47A9-94D8-1B1F64642597}" type="slidenum">
+              <a:t>&lt;#&gt;</a:t>
+            </a:fld>
+          </a:p>
+        </p:txBody>
+      </p:sp>
+      <p:sp>
+        <p:nvSpPr>
+          <p:cNvPr id="5" name="PlaceHolder 4"/>
+          <p:cNvSpPr>
+            <a:spLocks noGrp="1"/>
+          </p:cNvSpPr>
+          <p:nvPr>
+            <p:ph type="dt" idx="15"/>
+          </p:nvPr>
+        </p:nvSpPr>
+        <p:spPr/>
+        <p:txBody>
+          <a:bodyPr/>
+          <a:p>
+            <a:r>
+              <a:rPr lang="en-IE"/>
+              <a:t/>
+            </a:r>
+          </a:p>
+        </p:txBody>
+      </p:sp>
+    </p:spTree>
+  </p:cSld>
+</p:sldLayout>
+</file>
+
+<file path=ppt/slideLayouts/slideLayout55.xml><?xml version="1.0" encoding="utf-8"?>
+<p:sldLayout xmlns:a="http://schemas.openxmlformats.org/drawingml/2006/main" xmlns:p="http://schemas.openxmlformats.org/presentationml/2006/main" xmlns:r="http://schemas.openxmlformats.org/officeDocument/2006/relationships" xmlns:p14="http://schemas.microsoft.com/office/powerpoint/2010/main" xmlns:p15="http://schemas.microsoft.com/office/powerpoint/2012/main" xmlns:mc="http://schemas.openxmlformats.org/markup-compatibility/2006" type="twoObjAndObj" preserve="1">
+  <p:cSld name="Title, 2 Content and Content">
+    <p:spTree>
+      <p:nvGrpSpPr>
+        <p:cNvPr id="1" name=""/>
+        <p:cNvGrpSpPr/>
+        <p:nvPr/>
+      </p:nvGrpSpPr>
+      <p:grpSpPr>
+        <a:xfrm>
+          <a:off x="0" y="0"/>
+          <a:ext cx="0" cy="0"/>
+          <a:chOff x="0" y="0"/>
+          <a:chExt cx="0" cy="0"/>
+        </a:xfrm>
+      </p:grpSpPr>
+      <p:sp>
+        <p:nvSpPr>
+          <p:cNvPr id="178" name="PlaceHolder 1"/>
+          <p:cNvSpPr>
+            <a:spLocks noGrp="1"/>
+          </p:cNvSpPr>
+          <p:nvPr>
+            <p:ph type="title"/>
+          </p:nvPr>
+        </p:nvSpPr>
+        <p:spPr>
+          <a:xfrm>
+            <a:off x="609480" y="273600"/>
+            <a:ext cx="10972440" cy="1144800"/>
+          </a:xfrm>
+          <a:prstGeom prst="rect">
+            <a:avLst/>
+          </a:prstGeom>
+          <a:noFill/>
+          <a:ln w="0">
+            <a:noFill/>
+          </a:ln>
+        </p:spPr>
+        <p:txBody>
+          <a:bodyPr lIns="0" rIns="0" tIns="0" bIns="0" anchor="ctr">
+            <a:noAutofit/>
+          </a:bodyPr>
+          <a:p>
+            <a:pPr algn="ctr">
+              <a:buNone/>
+            </a:pPr>
+            <a:endParaRPr b="0" lang="en-IE" sz="4400" spc="-1" strike="noStrike">
+              <a:latin typeface="Arial"/>
+            </a:endParaRPr>
+          </a:p>
+        </p:txBody>
+      </p:sp>
+      <p:sp>
+        <p:nvSpPr>
+          <p:cNvPr id="179" name="PlaceHolder 2"/>
+          <p:cNvSpPr>
+            <a:spLocks noGrp="1"/>
+          </p:cNvSpPr>
+          <p:nvPr>
+            <p:ph/>
+          </p:nvPr>
+        </p:nvSpPr>
+        <p:spPr>
+          <a:xfrm>
+            <a:off x="609480" y="1604520"/>
+            <a:ext cx="5354280" cy="1896840"/>
+          </a:xfrm>
+          <a:prstGeom prst="rect">
+            <a:avLst/>
+          </a:prstGeom>
+          <a:noFill/>
+          <a:ln w="0">
+            <a:noFill/>
+          </a:ln>
+        </p:spPr>
+        <p:txBody>
+          <a:bodyPr lIns="0" rIns="0" tIns="0" bIns="0" anchor="t">
+            <a:normAutofit/>
+          </a:bodyPr>
+          <a:p>
+            <a:endParaRPr b="0" lang="en-IE" sz="3200" spc="-1" strike="noStrike">
+              <a:latin typeface="Arial"/>
+            </a:endParaRPr>
+          </a:p>
+        </p:txBody>
+      </p:sp>
+      <p:sp>
+        <p:nvSpPr>
+          <p:cNvPr id="180" name="PlaceHolder 3"/>
+          <p:cNvSpPr>
+            <a:spLocks noGrp="1"/>
+          </p:cNvSpPr>
+          <p:nvPr>
+            <p:ph/>
+          </p:nvPr>
+        </p:nvSpPr>
+        <p:spPr>
+          <a:xfrm>
+            <a:off x="6231960" y="1604520"/>
+            <a:ext cx="5354280" cy="3977280"/>
+          </a:xfrm>
+          <a:prstGeom prst="rect">
+            <a:avLst/>
+          </a:prstGeom>
+          <a:noFill/>
+          <a:ln w="0">
+            <a:noFill/>
+          </a:ln>
+        </p:spPr>
+        <p:txBody>
+          <a:bodyPr lIns="0" rIns="0" tIns="0" bIns="0" anchor="t">
+            <a:normAutofit/>
+          </a:bodyPr>
+          <a:p>
+            <a:endParaRPr b="0" lang="en-IE" sz="3200" spc="-1" strike="noStrike">
+              <a:latin typeface="Arial"/>
+            </a:endParaRPr>
+          </a:p>
+        </p:txBody>
+      </p:sp>
+      <p:sp>
+        <p:nvSpPr>
+          <p:cNvPr id="181" name="PlaceHolder 4"/>
+          <p:cNvSpPr>
+            <a:spLocks noGrp="1"/>
+          </p:cNvSpPr>
+          <p:nvPr>
+            <p:ph/>
+          </p:nvPr>
+        </p:nvSpPr>
+        <p:spPr>
+          <a:xfrm>
+            <a:off x="609480" y="3682080"/>
+            <a:ext cx="5354280" cy="1896840"/>
+          </a:xfrm>
+          <a:prstGeom prst="rect">
+            <a:avLst/>
+          </a:prstGeom>
+          <a:noFill/>
+          <a:ln w="0">
+            <a:noFill/>
+          </a:ln>
+        </p:spPr>
+        <p:txBody>
+          <a:bodyPr lIns="0" rIns="0" tIns="0" bIns="0" anchor="t">
+            <a:normAutofit/>
+          </a:bodyPr>
+          <a:p>
+            <a:endParaRPr b="0" lang="en-IE" sz="3200" spc="-1" strike="noStrike">
+              <a:latin typeface="Arial"/>
+            </a:endParaRPr>
+          </a:p>
+        </p:txBody>
+      </p:sp>
+      <p:sp>
+        <p:nvSpPr>
+          <p:cNvPr id="6" name="PlaceHolder 5"/>
+          <p:cNvSpPr>
+            <a:spLocks noGrp="1"/>
+          </p:cNvSpPr>
+          <p:nvPr>
+            <p:ph type="ftr" idx="13"/>
+          </p:nvPr>
+        </p:nvSpPr>
+        <p:spPr/>
+        <p:txBody>
+          <a:bodyPr/>
+          <a:p>
+            <a:r>
+              <a:t>Footer</a:t>
+            </a:r>
+          </a:p>
+        </p:txBody>
+      </p:sp>
+      <p:sp>
+        <p:nvSpPr>
+          <p:cNvPr id="7" name="PlaceHolder 6"/>
+          <p:cNvSpPr>
+            <a:spLocks noGrp="1"/>
+          </p:cNvSpPr>
+          <p:nvPr>
+            <p:ph type="sldNum" idx="14"/>
+          </p:nvPr>
+        </p:nvSpPr>
+        <p:spPr/>
+        <p:txBody>
+          <a:bodyPr/>
+          <a:p>
+            <a:fld id="{9380CF07-BB38-479F-A173-11DDA57F3C1C}" type="slidenum">
+              <a:t>&lt;#&gt;</a:t>
+            </a:fld>
+          </a:p>
+        </p:txBody>
+      </p:sp>
+      <p:sp>
+        <p:nvSpPr>
+          <p:cNvPr id="8" name="PlaceHolder 7"/>
+          <p:cNvSpPr>
+            <a:spLocks noGrp="1"/>
+          </p:cNvSpPr>
+          <p:nvPr>
+            <p:ph type="dt" idx="15"/>
+          </p:nvPr>
+        </p:nvSpPr>
+        <p:spPr/>
+        <p:txBody>
+          <a:bodyPr/>
+          <a:p>
+            <a:r>
+              <a:rPr lang="en-IE"/>
+              <a:t/>
+            </a:r>
+          </a:p>
+        </p:txBody>
+      </p:sp>
+    </p:spTree>
+  </p:cSld>
+</p:sldLayout>
+</file>
+
+<file path=ppt/slideLayouts/slideLayout56.xml><?xml version="1.0" encoding="utf-8"?>
+<p:sldLayout xmlns:a="http://schemas.openxmlformats.org/drawingml/2006/main" xmlns:p="http://schemas.openxmlformats.org/presentationml/2006/main" xmlns:r="http://schemas.openxmlformats.org/officeDocument/2006/relationships" xmlns:p14="http://schemas.microsoft.com/office/powerpoint/2010/main" xmlns:p15="http://schemas.microsoft.com/office/powerpoint/2012/main" xmlns:mc="http://schemas.openxmlformats.org/markup-compatibility/2006" type="objAndTwoObj" preserve="1">
+  <p:cSld name="Title Content and 2 Content">
+    <p:spTree>
+      <p:nvGrpSpPr>
+        <p:cNvPr id="1" name=""/>
+        <p:cNvGrpSpPr/>
+        <p:nvPr/>
+      </p:nvGrpSpPr>
+      <p:grpSpPr>
+        <a:xfrm>
+          <a:off x="0" y="0"/>
+          <a:ext cx="0" cy="0"/>
+          <a:chOff x="0" y="0"/>
+          <a:chExt cx="0" cy="0"/>
+        </a:xfrm>
+      </p:grpSpPr>
+      <p:sp>
+        <p:nvSpPr>
+          <p:cNvPr id="182" name="PlaceHolder 1"/>
+          <p:cNvSpPr>
+            <a:spLocks noGrp="1"/>
+          </p:cNvSpPr>
+          <p:nvPr>
+            <p:ph type="title"/>
+          </p:nvPr>
+        </p:nvSpPr>
+        <p:spPr>
+          <a:xfrm>
+            <a:off x="609480" y="273600"/>
+            <a:ext cx="10972440" cy="1144800"/>
+          </a:xfrm>
+          <a:prstGeom prst="rect">
+            <a:avLst/>
+          </a:prstGeom>
+          <a:noFill/>
+          <a:ln w="0">
+            <a:noFill/>
+          </a:ln>
+        </p:spPr>
+        <p:txBody>
+          <a:bodyPr lIns="0" rIns="0" tIns="0" bIns="0" anchor="ctr">
+            <a:noAutofit/>
+          </a:bodyPr>
+          <a:p>
+            <a:pPr algn="ctr">
+              <a:buNone/>
+            </a:pPr>
+            <a:endParaRPr b="0" lang="en-IE" sz="4400" spc="-1" strike="noStrike">
+              <a:latin typeface="Arial"/>
+            </a:endParaRPr>
+          </a:p>
+        </p:txBody>
+      </p:sp>
+      <p:sp>
+        <p:nvSpPr>
+          <p:cNvPr id="183" name="PlaceHolder 2"/>
+          <p:cNvSpPr>
+            <a:spLocks noGrp="1"/>
+          </p:cNvSpPr>
+          <p:nvPr>
+            <p:ph/>
+          </p:nvPr>
+        </p:nvSpPr>
+        <p:spPr>
+          <a:xfrm>
+            <a:off x="609480" y="1604520"/>
+            <a:ext cx="5354280" cy="3977280"/>
+          </a:xfrm>
+          <a:prstGeom prst="rect">
+            <a:avLst/>
+          </a:prstGeom>
+          <a:noFill/>
+          <a:ln w="0">
+            <a:noFill/>
+          </a:ln>
+        </p:spPr>
+        <p:txBody>
+          <a:bodyPr lIns="0" rIns="0" tIns="0" bIns="0" anchor="t">
+            <a:normAutofit/>
+          </a:bodyPr>
+          <a:p>
+            <a:endParaRPr b="0" lang="en-IE" sz="3200" spc="-1" strike="noStrike">
+              <a:latin typeface="Arial"/>
+            </a:endParaRPr>
+          </a:p>
+        </p:txBody>
+      </p:sp>
+      <p:sp>
+        <p:nvSpPr>
+          <p:cNvPr id="184" name="PlaceHolder 3"/>
+          <p:cNvSpPr>
+            <a:spLocks noGrp="1"/>
+          </p:cNvSpPr>
+          <p:nvPr>
+            <p:ph/>
+          </p:nvPr>
+        </p:nvSpPr>
+        <p:spPr>
+          <a:xfrm>
+            <a:off x="6231960" y="1604520"/>
+            <a:ext cx="5354280" cy="1896840"/>
+          </a:xfrm>
+          <a:prstGeom prst="rect">
+            <a:avLst/>
+          </a:prstGeom>
+          <a:noFill/>
+          <a:ln w="0">
+            <a:noFill/>
+          </a:ln>
+        </p:spPr>
+        <p:txBody>
+          <a:bodyPr lIns="0" rIns="0" tIns="0" bIns="0" anchor="t">
+            <a:normAutofit/>
+          </a:bodyPr>
+          <a:p>
+            <a:endParaRPr b="0" lang="en-IE" sz="3200" spc="-1" strike="noStrike">
+              <a:latin typeface="Arial"/>
+            </a:endParaRPr>
+          </a:p>
+        </p:txBody>
+      </p:sp>
+      <p:sp>
+        <p:nvSpPr>
+          <p:cNvPr id="185" name="PlaceHolder 4"/>
+          <p:cNvSpPr>
+            <a:spLocks noGrp="1"/>
+          </p:cNvSpPr>
+          <p:nvPr>
+            <p:ph/>
+          </p:nvPr>
+        </p:nvSpPr>
+        <p:spPr>
+          <a:xfrm>
+            <a:off x="6231960" y="3682080"/>
+            <a:ext cx="5354280" cy="1896840"/>
+          </a:xfrm>
+          <a:prstGeom prst="rect">
+            <a:avLst/>
+          </a:prstGeom>
+          <a:noFill/>
+          <a:ln w="0">
+            <a:noFill/>
+          </a:ln>
+        </p:spPr>
+        <p:txBody>
+          <a:bodyPr lIns="0" rIns="0" tIns="0" bIns="0" anchor="t">
+            <a:normAutofit/>
+          </a:bodyPr>
+          <a:p>
+            <a:endParaRPr b="0" lang="en-IE" sz="3200" spc="-1" strike="noStrike">
+              <a:latin typeface="Arial"/>
+            </a:endParaRPr>
+          </a:p>
+        </p:txBody>
+      </p:sp>
+      <p:sp>
+        <p:nvSpPr>
+          <p:cNvPr id="6" name="PlaceHolder 5"/>
+          <p:cNvSpPr>
+            <a:spLocks noGrp="1"/>
+          </p:cNvSpPr>
+          <p:nvPr>
+            <p:ph type="ftr" idx="13"/>
+          </p:nvPr>
+        </p:nvSpPr>
+        <p:spPr/>
+        <p:txBody>
+          <a:bodyPr/>
+          <a:p>
+            <a:r>
+              <a:t>Footer</a:t>
+            </a:r>
+          </a:p>
+        </p:txBody>
+      </p:sp>
+      <p:sp>
+        <p:nvSpPr>
+          <p:cNvPr id="7" name="PlaceHolder 6"/>
+          <p:cNvSpPr>
+            <a:spLocks noGrp="1"/>
+          </p:cNvSpPr>
+          <p:nvPr>
+            <p:ph type="sldNum" idx="14"/>
+          </p:nvPr>
+        </p:nvSpPr>
+        <p:spPr/>
+        <p:txBody>
+          <a:bodyPr/>
+          <a:p>
+            <a:fld id="{7274A465-A95D-494F-BA1F-30E1C28B2DEC}" type="slidenum">
+              <a:t>&lt;#&gt;</a:t>
+            </a:fld>
+          </a:p>
+        </p:txBody>
+      </p:sp>
+      <p:sp>
+        <p:nvSpPr>
+          <p:cNvPr id="8" name="PlaceHolder 7"/>
+          <p:cNvSpPr>
+            <a:spLocks noGrp="1"/>
+          </p:cNvSpPr>
+          <p:nvPr>
+            <p:ph type="dt" idx="15"/>
+          </p:nvPr>
+        </p:nvSpPr>
+        <p:spPr/>
+        <p:txBody>
+          <a:bodyPr/>
+          <a:p>
+            <a:r>
+              <a:rPr lang="en-IE"/>
+              <a:t/>
+            </a:r>
+          </a:p>
+        </p:txBody>
+      </p:sp>
+    </p:spTree>
+  </p:cSld>
+</p:sldLayout>
+</file>
+
+<file path=ppt/slideLayouts/slideLayout57.xml><?xml version="1.0" encoding="utf-8"?>
+<p:sldLayout xmlns:a="http://schemas.openxmlformats.org/drawingml/2006/main" xmlns:p="http://schemas.openxmlformats.org/presentationml/2006/main" xmlns:r="http://schemas.openxmlformats.org/officeDocument/2006/relationships" xmlns:p14="http://schemas.microsoft.com/office/powerpoint/2010/main" xmlns:p15="http://schemas.microsoft.com/office/powerpoint/2012/main" xmlns:mc="http://schemas.openxmlformats.org/markup-compatibility/2006" type="twoObjOverTx" preserve="1">
+  <p:cSld name="Title, 2 Content over Content">
+    <p:spTree>
+      <p:nvGrpSpPr>
+        <p:cNvPr id="1" name=""/>
+        <p:cNvGrpSpPr/>
+        <p:nvPr/>
+      </p:nvGrpSpPr>
+      <p:grpSpPr>
+        <a:xfrm>
+          <a:off x="0" y="0"/>
+          <a:ext cx="0" cy="0"/>
+          <a:chOff x="0" y="0"/>
+          <a:chExt cx="0" cy="0"/>
+        </a:xfrm>
+      </p:grpSpPr>
+      <p:sp>
+        <p:nvSpPr>
+          <p:cNvPr id="186" name="PlaceHolder 1"/>
+          <p:cNvSpPr>
+            <a:spLocks noGrp="1"/>
+          </p:cNvSpPr>
+          <p:nvPr>
+            <p:ph type="title"/>
+          </p:nvPr>
+        </p:nvSpPr>
+        <p:spPr>
+          <a:xfrm>
+            <a:off x="609480" y="273600"/>
+            <a:ext cx="10972440" cy="1144800"/>
+          </a:xfrm>
+          <a:prstGeom prst="rect">
+            <a:avLst/>
+          </a:prstGeom>
+          <a:noFill/>
+          <a:ln w="0">
+            <a:noFill/>
+          </a:ln>
+        </p:spPr>
+        <p:txBody>
+          <a:bodyPr lIns="0" rIns="0" tIns="0" bIns="0" anchor="ctr">
+            <a:noAutofit/>
+          </a:bodyPr>
+          <a:p>
+            <a:pPr algn="ctr">
+              <a:buNone/>
+            </a:pPr>
+            <a:endParaRPr b="0" lang="en-IE" sz="4400" spc="-1" strike="noStrike">
+              <a:latin typeface="Arial"/>
+            </a:endParaRPr>
+          </a:p>
+        </p:txBody>
+      </p:sp>
+      <p:sp>
+        <p:nvSpPr>
+          <p:cNvPr id="187" name="PlaceHolder 2"/>
+          <p:cNvSpPr>
+            <a:spLocks noGrp="1"/>
+          </p:cNvSpPr>
+          <p:nvPr>
+            <p:ph/>
+          </p:nvPr>
+        </p:nvSpPr>
+        <p:spPr>
+          <a:xfrm>
+            <a:off x="609480" y="1604520"/>
+            <a:ext cx="5354280" cy="1896840"/>
+          </a:xfrm>
+          <a:prstGeom prst="rect">
+            <a:avLst/>
+          </a:prstGeom>
+          <a:noFill/>
+          <a:ln w="0">
+            <a:noFill/>
+          </a:ln>
+        </p:spPr>
+        <p:txBody>
+          <a:bodyPr lIns="0" rIns="0" tIns="0" bIns="0" anchor="t">
+            <a:normAutofit/>
+          </a:bodyPr>
+          <a:p>
+            <a:endParaRPr b="0" lang="en-IE" sz="3200" spc="-1" strike="noStrike">
+              <a:latin typeface="Arial"/>
+            </a:endParaRPr>
+          </a:p>
+        </p:txBody>
+      </p:sp>
+      <p:sp>
+        <p:nvSpPr>
+          <p:cNvPr id="188" name="PlaceHolder 3"/>
+          <p:cNvSpPr>
+            <a:spLocks noGrp="1"/>
+          </p:cNvSpPr>
+          <p:nvPr>
+            <p:ph/>
+          </p:nvPr>
+        </p:nvSpPr>
+        <p:spPr>
+          <a:xfrm>
+            <a:off x="6231960" y="1604520"/>
+            <a:ext cx="5354280" cy="1896840"/>
+          </a:xfrm>
+          <a:prstGeom prst="rect">
+            <a:avLst/>
+          </a:prstGeom>
+          <a:noFill/>
+          <a:ln w="0">
+            <a:noFill/>
+          </a:ln>
+        </p:spPr>
+        <p:txBody>
+          <a:bodyPr lIns="0" rIns="0" tIns="0" bIns="0" anchor="t">
+            <a:normAutofit/>
+          </a:bodyPr>
+          <a:p>
+            <a:endParaRPr b="0" lang="en-IE" sz="3200" spc="-1" strike="noStrike">
+              <a:latin typeface="Arial"/>
+            </a:endParaRPr>
+          </a:p>
+        </p:txBody>
+      </p:sp>
+      <p:sp>
+        <p:nvSpPr>
+          <p:cNvPr id="189" name="PlaceHolder 4"/>
+          <p:cNvSpPr>
+            <a:spLocks noGrp="1"/>
+          </p:cNvSpPr>
+          <p:nvPr>
+            <p:ph/>
+          </p:nvPr>
+        </p:nvSpPr>
+        <p:spPr>
+          <a:xfrm>
+            <a:off x="609480" y="3682080"/>
+            <a:ext cx="10972440" cy="1896840"/>
+          </a:xfrm>
+          <a:prstGeom prst="rect">
+            <a:avLst/>
+          </a:prstGeom>
+          <a:noFill/>
+          <a:ln w="0">
+            <a:noFill/>
+          </a:ln>
+        </p:spPr>
+        <p:txBody>
+          <a:bodyPr lIns="0" rIns="0" tIns="0" bIns="0" anchor="t">
+            <a:normAutofit/>
+          </a:bodyPr>
+          <a:p>
+            <a:endParaRPr b="0" lang="en-IE" sz="3200" spc="-1" strike="noStrike">
+              <a:latin typeface="Arial"/>
+            </a:endParaRPr>
+          </a:p>
+        </p:txBody>
+      </p:sp>
+      <p:sp>
+        <p:nvSpPr>
+          <p:cNvPr id="6" name="PlaceHolder 5"/>
+          <p:cNvSpPr>
+            <a:spLocks noGrp="1"/>
+          </p:cNvSpPr>
+          <p:nvPr>
+            <p:ph type="ftr" idx="13"/>
+          </p:nvPr>
+        </p:nvSpPr>
+        <p:spPr/>
+        <p:txBody>
+          <a:bodyPr/>
+          <a:p>
+            <a:r>
+              <a:t>Footer</a:t>
+            </a:r>
+          </a:p>
+        </p:txBody>
+      </p:sp>
+      <p:sp>
+        <p:nvSpPr>
+          <p:cNvPr id="7" name="PlaceHolder 6"/>
+          <p:cNvSpPr>
+            <a:spLocks noGrp="1"/>
+          </p:cNvSpPr>
+          <p:nvPr>
+            <p:ph type="sldNum" idx="14"/>
+          </p:nvPr>
+        </p:nvSpPr>
+        <p:spPr/>
+        <p:txBody>
+          <a:bodyPr/>
+          <a:p>
+            <a:fld id="{1F4A3F36-F126-4C78-AFB5-FA7CBCDF3459}" type="slidenum">
+              <a:t>&lt;#&gt;</a:t>
+            </a:fld>
+          </a:p>
+        </p:txBody>
+      </p:sp>
+      <p:sp>
+        <p:nvSpPr>
+          <p:cNvPr id="8" name="PlaceHolder 7"/>
+          <p:cNvSpPr>
+            <a:spLocks noGrp="1"/>
+          </p:cNvSpPr>
+          <p:nvPr>
+            <p:ph type="dt" idx="15"/>
+          </p:nvPr>
+        </p:nvSpPr>
+        <p:spPr/>
+        <p:txBody>
+          <a:bodyPr/>
+          <a:p>
+            <a:r>
+              <a:rPr lang="en-IE"/>
+              <a:t/>
+            </a:r>
+          </a:p>
+        </p:txBody>
+      </p:sp>
+    </p:spTree>
+  </p:cSld>
+</p:sldLayout>
+</file>
+
+<file path=ppt/slideLayouts/slideLayout58.xml><?xml version="1.0" encoding="utf-8"?>
+<p:sldLayout xmlns:a="http://schemas.openxmlformats.org/drawingml/2006/main" xmlns:p="http://schemas.openxmlformats.org/presentationml/2006/main" xmlns:r="http://schemas.openxmlformats.org/officeDocument/2006/relationships" xmlns:p14="http://schemas.microsoft.com/office/powerpoint/2010/main" xmlns:p15="http://schemas.microsoft.com/office/powerpoint/2012/main" xmlns:mc="http://schemas.openxmlformats.org/markup-compatibility/2006" type="objOverTx" preserve="1">
+  <p:cSld name="Title, Content over Content">
+    <p:spTree>
+      <p:nvGrpSpPr>
+        <p:cNvPr id="1" name=""/>
+        <p:cNvGrpSpPr/>
+        <p:nvPr/>
+      </p:nvGrpSpPr>
+      <p:grpSpPr>
+        <a:xfrm>
+          <a:off x="0" y="0"/>
+          <a:ext cx="0" cy="0"/>
+          <a:chOff x="0" y="0"/>
+          <a:chExt cx="0" cy="0"/>
+        </a:xfrm>
+      </p:grpSpPr>
+      <p:sp>
+        <p:nvSpPr>
+          <p:cNvPr id="190" name="PlaceHolder 1"/>
+          <p:cNvSpPr>
+            <a:spLocks noGrp="1"/>
+          </p:cNvSpPr>
+          <p:nvPr>
+            <p:ph type="title"/>
+          </p:nvPr>
+        </p:nvSpPr>
+        <p:spPr>
+          <a:xfrm>
+            <a:off x="609480" y="273600"/>
+            <a:ext cx="10972440" cy="1144800"/>
+          </a:xfrm>
+          <a:prstGeom prst="rect">
+            <a:avLst/>
+          </a:prstGeom>
+          <a:noFill/>
+          <a:ln w="0">
+            <a:noFill/>
+          </a:ln>
+        </p:spPr>
+        <p:txBody>
+          <a:bodyPr lIns="0" rIns="0" tIns="0" bIns="0" anchor="ctr">
+            <a:noAutofit/>
+          </a:bodyPr>
+          <a:p>
+            <a:pPr algn="ctr">
+              <a:buNone/>
+            </a:pPr>
+            <a:endParaRPr b="0" lang="en-IE" sz="4400" spc="-1" strike="noStrike">
+              <a:latin typeface="Arial"/>
+            </a:endParaRPr>
+          </a:p>
+        </p:txBody>
+      </p:sp>
+      <p:sp>
+        <p:nvSpPr>
+          <p:cNvPr id="191" name="PlaceHolder 2"/>
+          <p:cNvSpPr>
+            <a:spLocks noGrp="1"/>
+          </p:cNvSpPr>
+          <p:nvPr>
+            <p:ph/>
+          </p:nvPr>
+        </p:nvSpPr>
+        <p:spPr>
+          <a:xfrm>
+            <a:off x="609480" y="1604520"/>
+            <a:ext cx="10972440" cy="1896840"/>
+          </a:xfrm>
+          <a:prstGeom prst="rect">
+            <a:avLst/>
+          </a:prstGeom>
+          <a:noFill/>
+          <a:ln w="0">
+            <a:noFill/>
+          </a:ln>
+        </p:spPr>
+        <p:txBody>
+          <a:bodyPr lIns="0" rIns="0" tIns="0" bIns="0" anchor="t">
+            <a:normAutofit/>
+          </a:bodyPr>
+          <a:p>
+            <a:endParaRPr b="0" lang="en-IE" sz="3200" spc="-1" strike="noStrike">
+              <a:latin typeface="Arial"/>
+            </a:endParaRPr>
+          </a:p>
+        </p:txBody>
+      </p:sp>
+      <p:sp>
+        <p:nvSpPr>
+          <p:cNvPr id="192" name="PlaceHolder 3"/>
+          <p:cNvSpPr>
+            <a:spLocks noGrp="1"/>
+          </p:cNvSpPr>
+          <p:nvPr>
+            <p:ph/>
+          </p:nvPr>
+        </p:nvSpPr>
+        <p:spPr>
+          <a:xfrm>
+            <a:off x="609480" y="3682080"/>
+            <a:ext cx="10972440" cy="1896840"/>
+          </a:xfrm>
+          <a:prstGeom prst="rect">
+            <a:avLst/>
+          </a:prstGeom>
+          <a:noFill/>
+          <a:ln w="0">
+            <a:noFill/>
+          </a:ln>
+        </p:spPr>
+        <p:txBody>
+          <a:bodyPr lIns="0" rIns="0" tIns="0" bIns="0" anchor="t">
+            <a:normAutofit/>
+          </a:bodyPr>
+          <a:p>
+            <a:endParaRPr b="0" lang="en-IE" sz="3200" spc="-1" strike="noStrike">
+              <a:latin typeface="Arial"/>
+            </a:endParaRPr>
+          </a:p>
+        </p:txBody>
+      </p:sp>
+      <p:sp>
+        <p:nvSpPr>
+          <p:cNvPr id="5" name="PlaceHolder 4"/>
+          <p:cNvSpPr>
+            <a:spLocks noGrp="1"/>
+          </p:cNvSpPr>
+          <p:nvPr>
+            <p:ph type="ftr" idx="13"/>
+          </p:nvPr>
+        </p:nvSpPr>
+        <p:spPr/>
+        <p:txBody>
+          <a:bodyPr/>
+          <a:p>
+            <a:r>
+              <a:t>Footer</a:t>
+            </a:r>
+          </a:p>
+        </p:txBody>
+      </p:sp>
+      <p:sp>
+        <p:nvSpPr>
+          <p:cNvPr id="6" name="PlaceHolder 5"/>
+          <p:cNvSpPr>
+            <a:spLocks noGrp="1"/>
+          </p:cNvSpPr>
+          <p:nvPr>
+            <p:ph type="sldNum" idx="14"/>
+          </p:nvPr>
+        </p:nvSpPr>
+        <p:spPr/>
+        <p:txBody>
+          <a:bodyPr/>
+          <a:p>
+            <a:fld id="{C88E2673-EFA6-415C-95DE-C0FC68D689CA}" type="slidenum">
+              <a:t>&lt;#&gt;</a:t>
+            </a:fld>
+          </a:p>
+        </p:txBody>
+      </p:sp>
+      <p:sp>
+        <p:nvSpPr>
+          <p:cNvPr id="7" name="PlaceHolder 6"/>
+          <p:cNvSpPr>
+            <a:spLocks noGrp="1"/>
+          </p:cNvSpPr>
+          <p:nvPr>
+            <p:ph type="dt" idx="15"/>
+          </p:nvPr>
+        </p:nvSpPr>
+        <p:spPr/>
+        <p:txBody>
+          <a:bodyPr/>
+          <a:p>
+            <a:r>
+              <a:rPr lang="en-IE"/>
+              <a:t/>
+            </a:r>
+          </a:p>
+        </p:txBody>
+      </p:sp>
+    </p:spTree>
+  </p:cSld>
+</p:sldLayout>
+</file>
+
+<file path=ppt/slideLayouts/slideLayout59.xml><?xml version="1.0" encoding="utf-8"?>
+<p:sldLayout xmlns:a="http://schemas.openxmlformats.org/drawingml/2006/main" xmlns:p="http://schemas.openxmlformats.org/presentationml/2006/main" xmlns:r="http://schemas.openxmlformats.org/officeDocument/2006/relationships" xmlns:p14="http://schemas.microsoft.com/office/powerpoint/2010/main" xmlns:p15="http://schemas.microsoft.com/office/powerpoint/2012/main" xmlns:mc="http://schemas.openxmlformats.org/markup-compatibility/2006" type="fourObj" preserve="1">
+  <p:cSld name="Title, 4 Content">
+    <p:spTree>
+      <p:nvGrpSpPr>
+        <p:cNvPr id="1" name=""/>
+        <p:cNvGrpSpPr/>
+        <p:nvPr/>
+      </p:nvGrpSpPr>
+      <p:grpSpPr>
+        <a:xfrm>
+          <a:off x="0" y="0"/>
+          <a:ext cx="0" cy="0"/>
+          <a:chOff x="0" y="0"/>
+          <a:chExt cx="0" cy="0"/>
+        </a:xfrm>
+      </p:grpSpPr>
+      <p:sp>
+        <p:nvSpPr>
+          <p:cNvPr id="193" name="PlaceHolder 1"/>
+          <p:cNvSpPr>
+            <a:spLocks noGrp="1"/>
+          </p:cNvSpPr>
+          <p:nvPr>
+            <p:ph type="title"/>
+          </p:nvPr>
+        </p:nvSpPr>
+        <p:spPr>
+          <a:xfrm>
+            <a:off x="609480" y="273600"/>
+            <a:ext cx="10972440" cy="1144800"/>
+          </a:xfrm>
+          <a:prstGeom prst="rect">
+            <a:avLst/>
+          </a:prstGeom>
+          <a:noFill/>
+          <a:ln w="0">
+            <a:noFill/>
+          </a:ln>
+        </p:spPr>
+        <p:txBody>
+          <a:bodyPr lIns="0" rIns="0" tIns="0" bIns="0" anchor="ctr">
+            <a:noAutofit/>
+          </a:bodyPr>
+          <a:p>
+            <a:pPr algn="ctr">
+              <a:buNone/>
+            </a:pPr>
+            <a:endParaRPr b="0" lang="en-IE" sz="4400" spc="-1" strike="noStrike">
+              <a:latin typeface="Arial"/>
+            </a:endParaRPr>
+          </a:p>
+        </p:txBody>
+      </p:sp>
+      <p:sp>
+        <p:nvSpPr>
+          <p:cNvPr id="194" name="PlaceHolder 2"/>
+          <p:cNvSpPr>
+            <a:spLocks noGrp="1"/>
+          </p:cNvSpPr>
+          <p:nvPr>
+            <p:ph/>
+          </p:nvPr>
+        </p:nvSpPr>
+        <p:spPr>
+          <a:xfrm>
+            <a:off x="609480" y="1604520"/>
+            <a:ext cx="5354280" cy="1896840"/>
+          </a:xfrm>
+          <a:prstGeom prst="rect">
+            <a:avLst/>
+          </a:prstGeom>
+          <a:noFill/>
+          <a:ln w="0">
+            <a:noFill/>
+          </a:ln>
+        </p:spPr>
+        <p:txBody>
+          <a:bodyPr lIns="0" rIns="0" tIns="0" bIns="0" anchor="t">
+            <a:normAutofit/>
+          </a:bodyPr>
+          <a:p>
+            <a:endParaRPr b="0" lang="en-IE" sz="3200" spc="-1" strike="noStrike">
+              <a:latin typeface="Arial"/>
+            </a:endParaRPr>
+          </a:p>
+        </p:txBody>
+      </p:sp>
+      <p:sp>
+        <p:nvSpPr>
+          <p:cNvPr id="195" name="PlaceHolder 3"/>
+          <p:cNvSpPr>
+            <a:spLocks noGrp="1"/>
+          </p:cNvSpPr>
+          <p:nvPr>
+            <p:ph/>
+          </p:nvPr>
+        </p:nvSpPr>
+        <p:spPr>
+          <a:xfrm>
+            <a:off x="6231960" y="1604520"/>
+            <a:ext cx="5354280" cy="1896840"/>
+          </a:xfrm>
+          <a:prstGeom prst="rect">
+            <a:avLst/>
+          </a:prstGeom>
+          <a:noFill/>
+          <a:ln w="0">
+            <a:noFill/>
+          </a:ln>
+        </p:spPr>
+        <p:txBody>
+          <a:bodyPr lIns="0" rIns="0" tIns="0" bIns="0" anchor="t">
+            <a:normAutofit/>
+          </a:bodyPr>
+          <a:p>
+            <a:endParaRPr b="0" lang="en-IE" sz="3200" spc="-1" strike="noStrike">
+              <a:latin typeface="Arial"/>
+            </a:endParaRPr>
+          </a:p>
+        </p:txBody>
+      </p:sp>
+      <p:sp>
+        <p:nvSpPr>
+          <p:cNvPr id="196" name="PlaceHolder 4"/>
+          <p:cNvSpPr>
+            <a:spLocks noGrp="1"/>
+          </p:cNvSpPr>
+          <p:nvPr>
+            <p:ph/>
+          </p:nvPr>
+        </p:nvSpPr>
+        <p:spPr>
+          <a:xfrm>
+            <a:off x="609480" y="3682080"/>
+            <a:ext cx="5354280" cy="1896840"/>
+          </a:xfrm>
+          <a:prstGeom prst="rect">
+            <a:avLst/>
+          </a:prstGeom>
+          <a:noFill/>
+          <a:ln w="0">
+            <a:noFill/>
+          </a:ln>
+        </p:spPr>
+        <p:txBody>
+          <a:bodyPr lIns="0" rIns="0" tIns="0" bIns="0" anchor="t">
+            <a:normAutofit/>
+          </a:bodyPr>
+          <a:p>
+            <a:endParaRPr b="0" lang="en-IE" sz="3200" spc="-1" strike="noStrike">
+              <a:latin typeface="Arial"/>
+            </a:endParaRPr>
+          </a:p>
+        </p:txBody>
+      </p:sp>
+      <p:sp>
+        <p:nvSpPr>
+          <p:cNvPr id="197" name="PlaceHolder 5"/>
+          <p:cNvSpPr>
+            <a:spLocks noGrp="1"/>
+          </p:cNvSpPr>
+          <p:nvPr>
+            <p:ph/>
+          </p:nvPr>
+        </p:nvSpPr>
+        <p:spPr>
+          <a:xfrm>
+            <a:off x="6231960" y="3682080"/>
+            <a:ext cx="5354280" cy="1896840"/>
+          </a:xfrm>
+          <a:prstGeom prst="rect">
+            <a:avLst/>
+          </a:prstGeom>
+          <a:noFill/>
+          <a:ln w="0">
+            <a:noFill/>
+          </a:ln>
+        </p:spPr>
+        <p:txBody>
+          <a:bodyPr lIns="0" rIns="0" tIns="0" bIns="0" anchor="t">
+            <a:normAutofit/>
+          </a:bodyPr>
+          <a:p>
+            <a:endParaRPr b="0" lang="en-IE" sz="3200" spc="-1" strike="noStrike">
+              <a:latin typeface="Arial"/>
+            </a:endParaRPr>
+          </a:p>
+        </p:txBody>
+      </p:sp>
+      <p:sp>
+        <p:nvSpPr>
+          <p:cNvPr id="7" name="PlaceHolder 6"/>
+          <p:cNvSpPr>
+            <a:spLocks noGrp="1"/>
+          </p:cNvSpPr>
+          <p:nvPr>
+            <p:ph type="ftr" idx="13"/>
+          </p:nvPr>
+        </p:nvSpPr>
+        <p:spPr/>
+        <p:txBody>
+          <a:bodyPr/>
+          <a:p>
+            <a:r>
+              <a:t>Footer</a:t>
+            </a:r>
+          </a:p>
+        </p:txBody>
+      </p:sp>
+      <p:sp>
+        <p:nvSpPr>
+          <p:cNvPr id="8" name="PlaceHolder 7"/>
+          <p:cNvSpPr>
+            <a:spLocks noGrp="1"/>
+          </p:cNvSpPr>
+          <p:nvPr>
+            <p:ph type="sldNum" idx="14"/>
+          </p:nvPr>
+        </p:nvSpPr>
+        <p:spPr/>
+        <p:txBody>
+          <a:bodyPr/>
+          <a:p>
+            <a:fld id="{C34C92CC-1E4F-4D58-84D1-67F377318FAF}" type="slidenum">
+              <a:t>&lt;#&gt;</a:t>
+            </a:fld>
+          </a:p>
+        </p:txBody>
+      </p:sp>
+      <p:sp>
+        <p:nvSpPr>
+          <p:cNvPr id="9" name="PlaceHolder 8"/>
+          <p:cNvSpPr>
+            <a:spLocks noGrp="1"/>
+          </p:cNvSpPr>
+          <p:nvPr>
+            <p:ph type="dt" idx="15"/>
           </p:nvPr>
         </p:nvSpPr>
         <p:spPr/>
@@ -8351,7 +10279,7 @@
         <p:txBody>
           <a:bodyPr/>
           <a:p>
-            <a:fld id="{A986D56E-F42B-4FA2-B468-C17610D8F4BE}" type="slidenum">
+            <a:fld id="{D0CA6B73-6C5F-47CA-85AF-AA6C4D39345E}" type="slidenum">
               <a:t>&lt;#&gt;</a:t>
             </a:fld>
           </a:p>
@@ -8365,6 +10293,330 @@
           </p:cNvSpPr>
           <p:nvPr>
             <p:ph type="dt" idx="3"/>
+          </p:nvPr>
+        </p:nvSpPr>
+        <p:spPr/>
+        <p:txBody>
+          <a:bodyPr/>
+          <a:p>
+            <a:r>
+              <a:rPr lang="en-IE"/>
+              <a:t/>
+            </a:r>
+          </a:p>
+        </p:txBody>
+      </p:sp>
+    </p:spTree>
+  </p:cSld>
+</p:sldLayout>
+</file>
+
+<file path=ppt/slideLayouts/slideLayout60.xml><?xml version="1.0" encoding="utf-8"?>
+<p:sldLayout xmlns:a="http://schemas.openxmlformats.org/drawingml/2006/main" xmlns:p="http://schemas.openxmlformats.org/presentationml/2006/main" xmlns:r="http://schemas.openxmlformats.org/officeDocument/2006/relationships" xmlns:p14="http://schemas.microsoft.com/office/powerpoint/2010/main" xmlns:p15="http://schemas.microsoft.com/office/powerpoint/2012/main" xmlns:mc="http://schemas.openxmlformats.org/markup-compatibility/2006" type="blank" preserve="1">
+  <p:cSld name="Title, 6 Content">
+    <p:spTree>
+      <p:nvGrpSpPr>
+        <p:cNvPr id="1" name=""/>
+        <p:cNvGrpSpPr/>
+        <p:nvPr/>
+      </p:nvGrpSpPr>
+      <p:grpSpPr>
+        <a:xfrm>
+          <a:off x="0" y="0"/>
+          <a:ext cx="0" cy="0"/>
+          <a:chOff x="0" y="0"/>
+          <a:chExt cx="0" cy="0"/>
+        </a:xfrm>
+      </p:grpSpPr>
+      <p:sp>
+        <p:nvSpPr>
+          <p:cNvPr id="198" name="PlaceHolder 1"/>
+          <p:cNvSpPr>
+            <a:spLocks noGrp="1"/>
+          </p:cNvSpPr>
+          <p:nvPr>
+            <p:ph type="title"/>
+          </p:nvPr>
+        </p:nvSpPr>
+        <p:spPr>
+          <a:xfrm>
+            <a:off x="609480" y="273600"/>
+            <a:ext cx="10972440" cy="1144800"/>
+          </a:xfrm>
+          <a:prstGeom prst="rect">
+            <a:avLst/>
+          </a:prstGeom>
+          <a:noFill/>
+          <a:ln w="0">
+            <a:noFill/>
+          </a:ln>
+        </p:spPr>
+        <p:txBody>
+          <a:bodyPr lIns="0" rIns="0" tIns="0" bIns="0" anchor="ctr">
+            <a:noAutofit/>
+          </a:bodyPr>
+          <a:p>
+            <a:pPr algn="ctr">
+              <a:buNone/>
+            </a:pPr>
+            <a:endParaRPr b="0" lang="en-IE" sz="4400" spc="-1" strike="noStrike">
+              <a:latin typeface="Arial"/>
+            </a:endParaRPr>
+          </a:p>
+        </p:txBody>
+      </p:sp>
+      <p:sp>
+        <p:nvSpPr>
+          <p:cNvPr id="199" name="PlaceHolder 2"/>
+          <p:cNvSpPr>
+            <a:spLocks noGrp="1"/>
+          </p:cNvSpPr>
+          <p:nvPr>
+            <p:ph/>
+          </p:nvPr>
+        </p:nvSpPr>
+        <p:spPr>
+          <a:xfrm>
+            <a:off x="609480" y="1604520"/>
+            <a:ext cx="3533040" cy="1896840"/>
+          </a:xfrm>
+          <a:prstGeom prst="rect">
+            <a:avLst/>
+          </a:prstGeom>
+          <a:noFill/>
+          <a:ln w="0">
+            <a:noFill/>
+          </a:ln>
+        </p:spPr>
+        <p:txBody>
+          <a:bodyPr lIns="0" rIns="0" tIns="0" bIns="0" anchor="t">
+            <a:normAutofit/>
+          </a:bodyPr>
+          <a:p>
+            <a:endParaRPr b="0" lang="en-IE" sz="3200" spc="-1" strike="noStrike">
+              <a:latin typeface="Arial"/>
+            </a:endParaRPr>
+          </a:p>
+        </p:txBody>
+      </p:sp>
+      <p:sp>
+        <p:nvSpPr>
+          <p:cNvPr id="200" name="PlaceHolder 3"/>
+          <p:cNvSpPr>
+            <a:spLocks noGrp="1"/>
+          </p:cNvSpPr>
+          <p:nvPr>
+            <p:ph/>
+          </p:nvPr>
+        </p:nvSpPr>
+        <p:spPr>
+          <a:xfrm>
+            <a:off x="4319640" y="1604520"/>
+            <a:ext cx="3533040" cy="1896840"/>
+          </a:xfrm>
+          <a:prstGeom prst="rect">
+            <a:avLst/>
+          </a:prstGeom>
+          <a:noFill/>
+          <a:ln w="0">
+            <a:noFill/>
+          </a:ln>
+        </p:spPr>
+        <p:txBody>
+          <a:bodyPr lIns="0" rIns="0" tIns="0" bIns="0" anchor="t">
+            <a:normAutofit/>
+          </a:bodyPr>
+          <a:p>
+            <a:endParaRPr b="0" lang="en-IE" sz="3200" spc="-1" strike="noStrike">
+              <a:latin typeface="Arial"/>
+            </a:endParaRPr>
+          </a:p>
+        </p:txBody>
+      </p:sp>
+      <p:sp>
+        <p:nvSpPr>
+          <p:cNvPr id="201" name="PlaceHolder 4"/>
+          <p:cNvSpPr>
+            <a:spLocks noGrp="1"/>
+          </p:cNvSpPr>
+          <p:nvPr>
+            <p:ph/>
+          </p:nvPr>
+        </p:nvSpPr>
+        <p:spPr>
+          <a:xfrm>
+            <a:off x="8029800" y="1604520"/>
+            <a:ext cx="3533040" cy="1896840"/>
+          </a:xfrm>
+          <a:prstGeom prst="rect">
+            <a:avLst/>
+          </a:prstGeom>
+          <a:noFill/>
+          <a:ln w="0">
+            <a:noFill/>
+          </a:ln>
+        </p:spPr>
+        <p:txBody>
+          <a:bodyPr lIns="0" rIns="0" tIns="0" bIns="0" anchor="t">
+            <a:normAutofit/>
+          </a:bodyPr>
+          <a:p>
+            <a:endParaRPr b="0" lang="en-IE" sz="3200" spc="-1" strike="noStrike">
+              <a:latin typeface="Arial"/>
+            </a:endParaRPr>
+          </a:p>
+        </p:txBody>
+      </p:sp>
+      <p:sp>
+        <p:nvSpPr>
+          <p:cNvPr id="202" name="PlaceHolder 5"/>
+          <p:cNvSpPr>
+            <a:spLocks noGrp="1"/>
+          </p:cNvSpPr>
+          <p:nvPr>
+            <p:ph/>
+          </p:nvPr>
+        </p:nvSpPr>
+        <p:spPr>
+          <a:xfrm>
+            <a:off x="609480" y="3682080"/>
+            <a:ext cx="3533040" cy="1896840"/>
+          </a:xfrm>
+          <a:prstGeom prst="rect">
+            <a:avLst/>
+          </a:prstGeom>
+          <a:noFill/>
+          <a:ln w="0">
+            <a:noFill/>
+          </a:ln>
+        </p:spPr>
+        <p:txBody>
+          <a:bodyPr lIns="0" rIns="0" tIns="0" bIns="0" anchor="t">
+            <a:normAutofit/>
+          </a:bodyPr>
+          <a:p>
+            <a:endParaRPr b="0" lang="en-IE" sz="3200" spc="-1" strike="noStrike">
+              <a:latin typeface="Arial"/>
+            </a:endParaRPr>
+          </a:p>
+        </p:txBody>
+      </p:sp>
+      <p:sp>
+        <p:nvSpPr>
+          <p:cNvPr id="203" name="PlaceHolder 6"/>
+          <p:cNvSpPr>
+            <a:spLocks noGrp="1"/>
+          </p:cNvSpPr>
+          <p:nvPr>
+            <p:ph/>
+          </p:nvPr>
+        </p:nvSpPr>
+        <p:spPr>
+          <a:xfrm>
+            <a:off x="4319640" y="3682080"/>
+            <a:ext cx="3533040" cy="1896840"/>
+          </a:xfrm>
+          <a:prstGeom prst="rect">
+            <a:avLst/>
+          </a:prstGeom>
+          <a:noFill/>
+          <a:ln w="0">
+            <a:noFill/>
+          </a:ln>
+        </p:spPr>
+        <p:txBody>
+          <a:bodyPr lIns="0" rIns="0" tIns="0" bIns="0" anchor="t">
+            <a:normAutofit/>
+          </a:bodyPr>
+          <a:p>
+            <a:endParaRPr b="0" lang="en-IE" sz="3200" spc="-1" strike="noStrike">
+              <a:latin typeface="Arial"/>
+            </a:endParaRPr>
+          </a:p>
+        </p:txBody>
+      </p:sp>
+      <p:sp>
+        <p:nvSpPr>
+          <p:cNvPr id="204" name="PlaceHolder 7"/>
+          <p:cNvSpPr>
+            <a:spLocks noGrp="1"/>
+          </p:cNvSpPr>
+          <p:nvPr>
+            <p:ph/>
+          </p:nvPr>
+        </p:nvSpPr>
+        <p:spPr>
+          <a:xfrm>
+            <a:off x="8029800" y="3682080"/>
+            <a:ext cx="3533040" cy="1896840"/>
+          </a:xfrm>
+          <a:prstGeom prst="rect">
+            <a:avLst/>
+          </a:prstGeom>
+          <a:noFill/>
+          <a:ln w="0">
+            <a:noFill/>
+          </a:ln>
+        </p:spPr>
+        <p:txBody>
+          <a:bodyPr lIns="0" rIns="0" tIns="0" bIns="0" anchor="t">
+            <a:normAutofit/>
+          </a:bodyPr>
+          <a:p>
+            <a:endParaRPr b="0" lang="en-IE" sz="3200" spc="-1" strike="noStrike">
+              <a:latin typeface="Arial"/>
+            </a:endParaRPr>
+          </a:p>
+        </p:txBody>
+      </p:sp>
+      <p:sp>
+        <p:nvSpPr>
+          <p:cNvPr id="9" name="PlaceHolder 8"/>
+          <p:cNvSpPr>
+            <a:spLocks noGrp="1"/>
+          </p:cNvSpPr>
+          <p:nvPr>
+            <p:ph type="ftr" idx="13"/>
+          </p:nvPr>
+        </p:nvSpPr>
+        <p:spPr/>
+        <p:txBody>
+          <a:bodyPr/>
+          <a:p>
+            <a:r>
+              <a:t>Footer</a:t>
+            </a:r>
+          </a:p>
+        </p:txBody>
+      </p:sp>
+      <p:sp>
+        <p:nvSpPr>
+          <p:cNvPr id="10" name="PlaceHolder 9"/>
+          <p:cNvSpPr>
+            <a:spLocks noGrp="1"/>
+          </p:cNvSpPr>
+          <p:nvPr>
+            <p:ph type="sldNum" idx="14"/>
+          </p:nvPr>
+        </p:nvSpPr>
+        <p:spPr/>
+        <p:txBody>
+          <a:bodyPr/>
+          <a:p>
+            <a:fld id="{E61C6A06-8AED-489E-91DA-D53BCFB0A5F1}" type="slidenum">
+              <a:t>&lt;#&gt;</a:t>
+            </a:fld>
+          </a:p>
+        </p:txBody>
+      </p:sp>
+      <p:sp>
+        <p:nvSpPr>
+          <p:cNvPr id="11" name="PlaceHolder 10"/>
+          <p:cNvSpPr>
+            <a:spLocks noGrp="1"/>
+          </p:cNvSpPr>
+          <p:nvPr>
+            <p:ph type="dt" idx="15"/>
           </p:nvPr>
         </p:nvSpPr>
         <p:spPr/>
@@ -8573,7 +10825,7 @@
         <p:txBody>
           <a:bodyPr/>
           <a:p>
-            <a:fld id="{36ACE1A4-00CE-446C-BF6B-01A86A9F47AE}" type="slidenum">
+            <a:fld id="{2F3E736C-E8EE-49DA-B159-25024FB25FFD}" type="slidenum">
               <a:t>&lt;#&gt;</a:t>
             </a:fld>
           </a:p>
@@ -8795,7 +11047,7 @@
         <p:txBody>
           <a:bodyPr/>
           <a:p>
-            <a:fld id="{D1FC9933-F108-4B3E-B257-5AAD72111665}" type="slidenum">
+            <a:fld id="{E9D97498-929C-4411-9A44-416E181BB6D2}" type="slidenum">
               <a:t>&lt;#&gt;</a:t>
             </a:fld>
           </a:p>
@@ -9017,7 +11269,7 @@
         <p:txBody>
           <a:bodyPr/>
           <a:p>
-            <a:fld id="{ACF03292-D602-4F53-A2D3-AA61E78F2B93}" type="slidenum">
+            <a:fld id="{9FB3282C-0612-4A41-A620-B1A82FC5072E}" type="slidenum">
               <a:t>&lt;#&gt;</a:t>
             </a:fld>
           </a:p>
@@ -9086,7 +11338,7 @@
         <p:spPr>
           <a:xfrm>
             <a:off x="4038480" y="6356520"/>
-            <a:ext cx="4111200" cy="361440"/>
+            <a:ext cx="4110840" cy="361080"/>
           </a:xfrm>
           <a:prstGeom prst="rect">
             <a:avLst/>
@@ -9143,7 +11395,7 @@
         <p:spPr>
           <a:xfrm>
             <a:off x="8610480" y="6356520"/>
-            <a:ext cx="2739600" cy="361440"/>
+            <a:ext cx="2739240" cy="361080"/>
           </a:xfrm>
           <a:prstGeom prst="rect">
             <a:avLst/>
@@ -9178,7 +11430,7 @@
               </a:lnSpc>
               <a:buNone/>
             </a:pPr>
-            <a:fld id="{07F87909-D9FF-472F-8297-4911C3A089C5}" type="slidenum">
+            <a:fld id="{DB06E6C7-076F-4859-A2FA-6B18D17F1328}" type="slidenum">
               <a:rPr b="0" lang="en-GB" sz="1200" spc="-1" strike="noStrike">
                 <a:solidFill>
                   <a:srgbClr val="8b8b8b"/>
@@ -9206,7 +11458,7 @@
         <p:spPr>
           <a:xfrm>
             <a:off x="838080" y="6356520"/>
-            <a:ext cx="2739600" cy="361440"/>
+            <a:ext cx="2739240" cy="361080"/>
           </a:xfrm>
           <a:prstGeom prst="rect">
             <a:avLst/>
@@ -9523,7 +11775,7 @@
         <p:spPr>
           <a:xfrm>
             <a:off x="4038480" y="6356520"/>
-            <a:ext cx="4111200" cy="361440"/>
+            <a:ext cx="4110840" cy="361080"/>
           </a:xfrm>
           <a:prstGeom prst="rect">
             <a:avLst/>
@@ -9580,7 +11832,7 @@
         <p:spPr>
           <a:xfrm>
             <a:off x="8610480" y="6356520"/>
-            <a:ext cx="2739600" cy="361440"/>
+            <a:ext cx="2739240" cy="361080"/>
           </a:xfrm>
           <a:prstGeom prst="rect">
             <a:avLst/>
@@ -9615,7 +11867,7 @@
               </a:lnSpc>
               <a:buNone/>
             </a:pPr>
-            <a:fld id="{550C0714-001B-4B20-A449-01B402A85359}" type="slidenum">
+            <a:fld id="{BD80684D-B86A-4790-9AA9-B597EE6CB3BF}" type="slidenum">
               <a:rPr b="0" lang="en-GB" sz="1200" spc="-1" strike="noStrike">
                 <a:solidFill>
                   <a:srgbClr val="8b8b8b"/>
@@ -9643,7 +11895,7 @@
         <p:spPr>
           <a:xfrm>
             <a:off x="838080" y="6356520"/>
-            <a:ext cx="2739600" cy="361440"/>
+            <a:ext cx="2739240" cy="361080"/>
           </a:xfrm>
           <a:prstGeom prst="rect">
             <a:avLst/>
@@ -9954,13 +12206,53 @@
             <a:spLocks noGrp="1"/>
           </p:cNvSpPr>
           <p:nvPr>
+            <p:ph type="title"/>
+          </p:nvPr>
+        </p:nvSpPr>
+        <p:spPr>
+          <a:xfrm>
+            <a:off x="609480" y="273600"/>
+            <a:ext cx="10972080" cy="1144440"/>
+          </a:xfrm>
+          <a:prstGeom prst="rect">
+            <a:avLst/>
+          </a:prstGeom>
+          <a:noFill/>
+          <a:ln w="0">
+            <a:noFill/>
+          </a:ln>
+        </p:spPr>
+        <p:txBody>
+          <a:bodyPr lIns="0" rIns="0" tIns="0" bIns="0" anchor="ctr">
+            <a:noAutofit/>
+          </a:bodyPr>
+          <a:p>
+            <a:r>
+              <a:rPr b="0" lang="en-IE" sz="1800" spc="-1" strike="noStrike">
+                <a:latin typeface="Arial"/>
+              </a:rPr>
+              <a:t>Click to edit the title text format</a:t>
+            </a:r>
+            <a:endParaRPr b="0" lang="en-IE" sz="1800" spc="-1" strike="noStrike">
+              <a:latin typeface="Arial"/>
+            </a:endParaRPr>
+          </a:p>
+        </p:txBody>
+      </p:sp>
+      <p:sp>
+        <p:nvSpPr>
+          <p:cNvPr id="83" name="PlaceHolder 2"/>
+          <p:cNvSpPr>
+            <a:spLocks noGrp="1"/>
+          </p:cNvSpPr>
+          <p:nvPr>
             <p:ph type="ftr" idx="7"/>
           </p:nvPr>
         </p:nvSpPr>
         <p:spPr>
           <a:xfrm>
             <a:off x="4038480" y="6356520"/>
-            <a:ext cx="4111200" cy="361440"/>
+            <a:ext cx="4110840" cy="361080"/>
           </a:xfrm>
           <a:prstGeom prst="rect">
             <a:avLst/>
@@ -10006,7 +12298,7 @@
       </p:sp>
       <p:sp>
         <p:nvSpPr>
-          <p:cNvPr id="83" name="PlaceHolder 2"/>
+          <p:cNvPr id="84" name="PlaceHolder 3"/>
           <p:cNvSpPr>
             <a:spLocks noGrp="1"/>
           </p:cNvSpPr>
@@ -10017,7 +12309,7 @@
         <p:spPr>
           <a:xfrm>
             <a:off x="8610480" y="6356520"/>
-            <a:ext cx="2739600" cy="361440"/>
+            <a:ext cx="2739240" cy="361080"/>
           </a:xfrm>
           <a:prstGeom prst="rect">
             <a:avLst/>
@@ -10052,7 +12344,7 @@
               </a:lnSpc>
               <a:buNone/>
             </a:pPr>
-            <a:fld id="{A9687C17-7130-472A-9F5B-30E4620C079E}" type="slidenum">
+            <a:fld id="{8F9F6823-4AFE-437F-9AB6-3543B75A6767}" type="slidenum">
               <a:rPr b="0" lang="en-GB" sz="1200" spc="-1" strike="noStrike">
                 <a:solidFill>
                   <a:srgbClr val="8b8b8b"/>
@@ -10069,7 +12361,7 @@
       </p:sp>
       <p:sp>
         <p:nvSpPr>
-          <p:cNvPr id="84" name="PlaceHolder 3"/>
+          <p:cNvPr id="85" name="PlaceHolder 4"/>
           <p:cNvSpPr>
             <a:spLocks noGrp="1"/>
           </p:cNvSpPr>
@@ -10080,7 +12372,7 @@
         <p:spPr>
           <a:xfrm>
             <a:off x="838080" y="6356520"/>
-            <a:ext cx="2739600" cy="361440"/>
+            <a:ext cx="2739240" cy="361080"/>
           </a:xfrm>
           <a:prstGeom prst="rect">
             <a:avLst/>
@@ -10110,49 +12402,6 @@
             </a:r>
             <a:endParaRPr b="0" lang="en-IE" sz="1400" spc="-1" strike="noStrike">
               <a:latin typeface="Times New Roman"/>
-            </a:endParaRPr>
-          </a:p>
-        </p:txBody>
-      </p:sp>
-      <p:sp>
-        <p:nvSpPr>
-          <p:cNvPr id="85" name="PlaceHolder 4"/>
-          <p:cNvSpPr>
-            <a:spLocks noGrp="1"/>
-          </p:cNvSpPr>
-          <p:nvPr>
-            <p:ph type="title"/>
-          </p:nvPr>
-        </p:nvSpPr>
-        <p:spPr>
-          <a:xfrm>
-            <a:off x="609480" y="273600"/>
-            <a:ext cx="10972440" cy="1144800"/>
-          </a:xfrm>
-          <a:prstGeom prst="rect">
-            <a:avLst/>
-          </a:prstGeom>
-          <a:noFill/>
-          <a:ln w="0">
-            <a:noFill/>
-          </a:ln>
-        </p:spPr>
-        <p:txBody>
-          <a:bodyPr lIns="0" rIns="0" tIns="0" bIns="0" anchor="ctr">
-            <a:noAutofit/>
-          </a:bodyPr>
-          <a:p>
-            <a:pPr algn="ctr">
-              <a:buNone/>
-            </a:pPr>
-            <a:r>
-              <a:rPr b="0" lang="en-IE" sz="4400" spc="-1" strike="noStrike">
-                <a:latin typeface="Arial"/>
-              </a:rPr>
-              <a:t>Click to edit the title text format</a:t>
-            </a:r>
-            <a:endParaRPr b="0" lang="en-IE" sz="4400" spc="-1" strike="noStrike">
-              <a:latin typeface="Arial"/>
             </a:endParaRPr>
           </a:p>
         </p:txBody>
@@ -10397,7 +12646,7 @@
         <p:spPr>
           <a:xfrm>
             <a:off x="4038480" y="6356520"/>
-            <a:ext cx="4111200" cy="361440"/>
+            <a:ext cx="4110840" cy="361080"/>
           </a:xfrm>
           <a:prstGeom prst="rect">
             <a:avLst/>
@@ -10454,7 +12703,7 @@
         <p:spPr>
           <a:xfrm>
             <a:off x="8610480" y="6356520"/>
-            <a:ext cx="2739600" cy="361440"/>
+            <a:ext cx="2739240" cy="361080"/>
           </a:xfrm>
           <a:prstGeom prst="rect">
             <a:avLst/>
@@ -10489,7 +12738,7 @@
               </a:lnSpc>
               <a:buNone/>
             </a:pPr>
-            <a:fld id="{DD6C240D-3A34-47DD-B5A5-E54B7081F958}" type="slidenum">
+            <a:fld id="{B537DB10-5353-4A4A-A0D3-30E891116B41}" type="slidenum">
               <a:rPr b="0" lang="en-GB" sz="1200" spc="-1" strike="noStrike">
                 <a:solidFill>
                   <a:srgbClr val="8b8b8b"/>
@@ -10517,7 +12766,7 @@
         <p:spPr>
           <a:xfrm>
             <a:off x="838080" y="6356520"/>
-            <a:ext cx="2739600" cy="361440"/>
+            <a:ext cx="2739240" cy="361080"/>
           </a:xfrm>
           <a:prstGeom prst="rect">
             <a:avLst/>
@@ -10793,6 +13042,443 @@
     <p:sldLayoutId id="2147483697" r:id="rId11"/>
     <p:sldLayoutId id="2147483698" r:id="rId12"/>
     <p:sldLayoutId id="2147483699" r:id="rId13"/>
+  </p:sldLayoutIdLst>
+</p:sldMaster>
+</file>
+
+<file path=ppt/slideMasters/slideMaster5.xml><?xml version="1.0" encoding="utf-8"?>
+<p:sldMaster xmlns:a="http://schemas.openxmlformats.org/drawingml/2006/main" xmlns:p="http://schemas.openxmlformats.org/presentationml/2006/main" xmlns:r="http://schemas.openxmlformats.org/officeDocument/2006/relationships" xmlns:p14="http://schemas.microsoft.com/office/powerpoint/2010/main" xmlns:p15="http://schemas.microsoft.com/office/powerpoint/2012/main" xmlns:mc="http://schemas.openxmlformats.org/markup-compatibility/2006">
+  <p:cSld>
+    <p:bg>
+      <p:bgPr>
+        <a:solidFill>
+          <a:srgbClr val="ffffff"/>
+        </a:solidFill>
+      </p:bgPr>
+    </p:bg>
+    <p:spTree>
+      <p:nvGrpSpPr>
+        <p:cNvPr id="1" name=""/>
+        <p:cNvGrpSpPr/>
+        <p:nvPr/>
+      </p:nvGrpSpPr>
+      <p:grpSpPr>
+        <a:xfrm>
+          <a:off x="0" y="0"/>
+          <a:ext cx="0" cy="0"/>
+          <a:chOff x="0" y="0"/>
+          <a:chExt cx="0" cy="0"/>
+        </a:xfrm>
+      </p:grpSpPr>
+      <p:sp>
+        <p:nvSpPr>
+          <p:cNvPr id="164" name="PlaceHolder 1"/>
+          <p:cNvSpPr>
+            <a:spLocks noGrp="1"/>
+          </p:cNvSpPr>
+          <p:nvPr>
+            <p:ph type="ftr" idx="13"/>
+          </p:nvPr>
+        </p:nvSpPr>
+        <p:spPr>
+          <a:xfrm>
+            <a:off x="4038480" y="6356520"/>
+            <a:ext cx="4110840" cy="361080"/>
+          </a:xfrm>
+          <a:prstGeom prst="rect">
+            <a:avLst/>
+          </a:prstGeom>
+          <a:noFill/>
+          <a:ln w="0">
+            <a:noFill/>
+          </a:ln>
+        </p:spPr>
+        <p:txBody>
+          <a:bodyPr lIns="90000" rIns="90000" tIns="45000" bIns="45000" anchor="ctr">
+            <a:noAutofit/>
+          </a:bodyPr>
+          <a:lstStyle>
+            <a:lvl1pPr algn="ctr">
+              <a:lnSpc>
+                <a:spcPct val="100000"/>
+              </a:lnSpc>
+              <a:buNone/>
+              <a:defRPr b="0" lang="en-IE" sz="1400" spc="-1" strike="noStrike">
+                <a:latin typeface="Times New Roman"/>
+              </a:defRPr>
+            </a:lvl1pPr>
+          </a:lstStyle>
+          <a:p>
+            <a:pPr algn="ctr">
+              <a:lnSpc>
+                <a:spcPct val="100000"/>
+              </a:lnSpc>
+              <a:buNone/>
+            </a:pPr>
+            <a:r>
+              <a:rPr b="0" lang="en-IE" sz="1400" spc="-1" strike="noStrike">
+                <a:latin typeface="Times New Roman"/>
+              </a:rPr>
+              <a:t>&lt;footer&gt;</a:t>
+            </a:r>
+            <a:endParaRPr b="0" lang="en-IE" sz="1400" spc="-1" strike="noStrike">
+              <a:latin typeface="Times New Roman"/>
+            </a:endParaRPr>
+          </a:p>
+        </p:txBody>
+      </p:sp>
+      <p:sp>
+        <p:nvSpPr>
+          <p:cNvPr id="165" name="PlaceHolder 2"/>
+          <p:cNvSpPr>
+            <a:spLocks noGrp="1"/>
+          </p:cNvSpPr>
+          <p:nvPr>
+            <p:ph type="sldNum" idx="14"/>
+          </p:nvPr>
+        </p:nvSpPr>
+        <p:spPr>
+          <a:xfrm>
+            <a:off x="8610480" y="6356520"/>
+            <a:ext cx="2739240" cy="361080"/>
+          </a:xfrm>
+          <a:prstGeom prst="rect">
+            <a:avLst/>
+          </a:prstGeom>
+          <a:noFill/>
+          <a:ln w="0">
+            <a:noFill/>
+          </a:ln>
+        </p:spPr>
+        <p:txBody>
+          <a:bodyPr lIns="90000" rIns="90000" tIns="45000" bIns="45000" anchor="ctr">
+            <a:noAutofit/>
+          </a:bodyPr>
+          <a:lstStyle>
+            <a:lvl1pPr algn="r">
+              <a:lnSpc>
+                <a:spcPct val="100000"/>
+              </a:lnSpc>
+              <a:buNone/>
+              <a:defRPr b="0" lang="en-GB" sz="1200" spc="-1" strike="noStrike">
+                <a:solidFill>
+                  <a:srgbClr val="8b8b8b"/>
+                </a:solidFill>
+                <a:latin typeface="Calibri"/>
+              </a:defRPr>
+            </a:lvl1pPr>
+          </a:lstStyle>
+          <a:p>
+            <a:pPr algn="r">
+              <a:lnSpc>
+                <a:spcPct val="100000"/>
+              </a:lnSpc>
+              <a:buNone/>
+            </a:pPr>
+            <a:fld id="{083108B5-02E1-4FA6-88A2-675E155AE8D8}" type="slidenum">
+              <a:rPr b="0" lang="en-GB" sz="1200" spc="-1" strike="noStrike">
+                <a:solidFill>
+                  <a:srgbClr val="8b8b8b"/>
+                </a:solidFill>
+                <a:latin typeface="Calibri"/>
+              </a:rPr>
+              <a:t>&lt;number&gt;</a:t>
+            </a:fld>
+            <a:endParaRPr b="0" lang="en-IE" sz="1200" spc="-1" strike="noStrike">
+              <a:latin typeface="Times New Roman"/>
+            </a:endParaRPr>
+          </a:p>
+        </p:txBody>
+      </p:sp>
+      <p:sp>
+        <p:nvSpPr>
+          <p:cNvPr id="166" name="PlaceHolder 3"/>
+          <p:cNvSpPr>
+            <a:spLocks noGrp="1"/>
+          </p:cNvSpPr>
+          <p:nvPr>
+            <p:ph type="dt" idx="15"/>
+          </p:nvPr>
+        </p:nvSpPr>
+        <p:spPr>
+          <a:xfrm>
+            <a:off x="838080" y="6356520"/>
+            <a:ext cx="2739240" cy="361080"/>
+          </a:xfrm>
+          <a:prstGeom prst="rect">
+            <a:avLst/>
+          </a:prstGeom>
+          <a:noFill/>
+          <a:ln w="0">
+            <a:noFill/>
+          </a:ln>
+        </p:spPr>
+        <p:txBody>
+          <a:bodyPr lIns="90000" rIns="90000" tIns="45000" bIns="45000" anchor="ctr">
+            <a:noAutofit/>
+          </a:bodyPr>
+          <a:lstStyle>
+            <a:lvl1pPr>
+              <a:defRPr b="0" lang="en-IE" sz="1400" spc="-1" strike="noStrike">
+                <a:latin typeface="Times New Roman"/>
+              </a:defRPr>
+            </a:lvl1pPr>
+          </a:lstStyle>
+          <a:p>
+            <a:r>
+              <a:rPr b="0" lang="en-IE" sz="1400" spc="-1" strike="noStrike">
+                <a:latin typeface="Times New Roman"/>
+              </a:rPr>
+              <a:t>&lt;date/time&gt;</a:t>
+            </a:r>
+            <a:endParaRPr b="0" lang="en-IE" sz="1400" spc="-1" strike="noStrike">
+              <a:latin typeface="Times New Roman"/>
+            </a:endParaRPr>
+          </a:p>
+        </p:txBody>
+      </p:sp>
+      <p:sp>
+        <p:nvSpPr>
+          <p:cNvPr id="167" name="PlaceHolder 4"/>
+          <p:cNvSpPr>
+            <a:spLocks noGrp="1"/>
+          </p:cNvSpPr>
+          <p:nvPr>
+            <p:ph type="title"/>
+          </p:nvPr>
+        </p:nvSpPr>
+        <p:spPr>
+          <a:xfrm>
+            <a:off x="609480" y="273600"/>
+            <a:ext cx="10972440" cy="1144800"/>
+          </a:xfrm>
+          <a:prstGeom prst="rect">
+            <a:avLst/>
+          </a:prstGeom>
+          <a:noFill/>
+          <a:ln w="0">
+            <a:noFill/>
+          </a:ln>
+        </p:spPr>
+        <p:txBody>
+          <a:bodyPr lIns="0" rIns="0" tIns="0" bIns="0" anchor="ctr">
+            <a:noAutofit/>
+          </a:bodyPr>
+          <a:p>
+            <a:pPr algn="ctr">
+              <a:buNone/>
+            </a:pPr>
+            <a:r>
+              <a:rPr b="0" lang="en-IE" sz="4400" spc="-1" strike="noStrike">
+                <a:latin typeface="Arial"/>
+              </a:rPr>
+              <a:t>Click to edit the title text format</a:t>
+            </a:r>
+            <a:endParaRPr b="0" lang="en-IE" sz="4400" spc="-1" strike="noStrike">
+              <a:latin typeface="Arial"/>
+            </a:endParaRPr>
+          </a:p>
+        </p:txBody>
+      </p:sp>
+      <p:sp>
+        <p:nvSpPr>
+          <p:cNvPr id="168" name="PlaceHolder 5"/>
+          <p:cNvSpPr>
+            <a:spLocks noGrp="1"/>
+          </p:cNvSpPr>
+          <p:nvPr>
+            <p:ph type="body"/>
+          </p:nvPr>
+        </p:nvSpPr>
+        <p:spPr>
+          <a:xfrm>
+            <a:off x="609480" y="1604520"/>
+            <a:ext cx="10972440" cy="3977280"/>
+          </a:xfrm>
+          <a:prstGeom prst="rect">
+            <a:avLst/>
+          </a:prstGeom>
+          <a:noFill/>
+          <a:ln w="0">
+            <a:noFill/>
+          </a:ln>
+        </p:spPr>
+        <p:txBody>
+          <a:bodyPr lIns="0" rIns="0" tIns="0" bIns="0" anchor="t">
+            <a:normAutofit/>
+          </a:bodyPr>
+          <a:p>
+            <a:pPr marL="432000" indent="-324000">
+              <a:spcBef>
+                <a:spcPts val="1417"/>
+              </a:spcBef>
+              <a:buClr>
+                <a:srgbClr val="000000"/>
+              </a:buClr>
+              <a:buSzPct val="45000"/>
+              <a:buFont typeface="Wingdings" charset="2"/>
+              <a:buChar char=""/>
+            </a:pPr>
+            <a:r>
+              <a:rPr b="0" lang="en-IE" sz="3200" spc="-1" strike="noStrike">
+                <a:latin typeface="Arial"/>
+              </a:rPr>
+              <a:t>Click to edit the outline text format</a:t>
+            </a:r>
+            <a:endParaRPr b="0" lang="en-IE" sz="3200" spc="-1" strike="noStrike">
+              <a:latin typeface="Arial"/>
+            </a:endParaRPr>
+          </a:p>
+          <a:p>
+            <a:pPr lvl="1" marL="864000" indent="-324000">
+              <a:spcBef>
+                <a:spcPts val="1134"/>
+              </a:spcBef>
+              <a:buClr>
+                <a:srgbClr val="000000"/>
+              </a:buClr>
+              <a:buSzPct val="75000"/>
+              <a:buFont typeface="Symbol" charset="2"/>
+              <a:buChar char=""/>
+            </a:pPr>
+            <a:r>
+              <a:rPr b="0" lang="en-IE" sz="2800" spc="-1" strike="noStrike">
+                <a:latin typeface="Arial"/>
+              </a:rPr>
+              <a:t>Second Outline Level</a:t>
+            </a:r>
+            <a:endParaRPr b="0" lang="en-IE" sz="2800" spc="-1" strike="noStrike">
+              <a:latin typeface="Arial"/>
+            </a:endParaRPr>
+          </a:p>
+          <a:p>
+            <a:pPr lvl="2" marL="1296000" indent="-288000">
+              <a:spcBef>
+                <a:spcPts val="850"/>
+              </a:spcBef>
+              <a:buClr>
+                <a:srgbClr val="000000"/>
+              </a:buClr>
+              <a:buSzPct val="45000"/>
+              <a:buFont typeface="Wingdings" charset="2"/>
+              <a:buChar char=""/>
+            </a:pPr>
+            <a:r>
+              <a:rPr b="0" lang="en-IE" sz="2400" spc="-1" strike="noStrike">
+                <a:latin typeface="Arial"/>
+              </a:rPr>
+              <a:t>Third Outline Level</a:t>
+            </a:r>
+            <a:endParaRPr b="0" lang="en-IE" sz="2400" spc="-1" strike="noStrike">
+              <a:latin typeface="Arial"/>
+            </a:endParaRPr>
+          </a:p>
+          <a:p>
+            <a:pPr lvl="3" marL="1728000" indent="-216000">
+              <a:spcBef>
+                <a:spcPts val="567"/>
+              </a:spcBef>
+              <a:buClr>
+                <a:srgbClr val="000000"/>
+              </a:buClr>
+              <a:buSzPct val="75000"/>
+              <a:buFont typeface="Symbol" charset="2"/>
+              <a:buChar char=""/>
+            </a:pPr>
+            <a:r>
+              <a:rPr b="0" lang="en-IE" sz="2000" spc="-1" strike="noStrike">
+                <a:latin typeface="Arial"/>
+              </a:rPr>
+              <a:t>Fourth Outline Level</a:t>
+            </a:r>
+            <a:endParaRPr b="0" lang="en-IE" sz="2000" spc="-1" strike="noStrike">
+              <a:latin typeface="Arial"/>
+            </a:endParaRPr>
+          </a:p>
+          <a:p>
+            <a:pPr lvl="4" marL="2160000" indent="-216000">
+              <a:spcBef>
+                <a:spcPts val="283"/>
+              </a:spcBef>
+              <a:buClr>
+                <a:srgbClr val="000000"/>
+              </a:buClr>
+              <a:buSzPct val="45000"/>
+              <a:buFont typeface="Wingdings" charset="2"/>
+              <a:buChar char=""/>
+            </a:pPr>
+            <a:r>
+              <a:rPr b="0" lang="en-IE" sz="2000" spc="-1" strike="noStrike">
+                <a:latin typeface="Arial"/>
+              </a:rPr>
+              <a:t>Fifth Outline Level</a:t>
+            </a:r>
+            <a:endParaRPr b="0" lang="en-IE" sz="2000" spc="-1" strike="noStrike">
+              <a:latin typeface="Arial"/>
+            </a:endParaRPr>
+          </a:p>
+          <a:p>
+            <a:pPr lvl="5" marL="2592000" indent="-216000">
+              <a:spcBef>
+                <a:spcPts val="283"/>
+              </a:spcBef>
+              <a:buClr>
+                <a:srgbClr val="000000"/>
+              </a:buClr>
+              <a:buSzPct val="45000"/>
+              <a:buFont typeface="Wingdings" charset="2"/>
+              <a:buChar char=""/>
+            </a:pPr>
+            <a:r>
+              <a:rPr b="0" lang="en-IE" sz="2000" spc="-1" strike="noStrike">
+                <a:latin typeface="Arial"/>
+              </a:rPr>
+              <a:t>Sixth Outline Level</a:t>
+            </a:r>
+            <a:endParaRPr b="0" lang="en-IE" sz="2000" spc="-1" strike="noStrike">
+              <a:latin typeface="Arial"/>
+            </a:endParaRPr>
+          </a:p>
+          <a:p>
+            <a:pPr lvl="6" marL="3024000" indent="-216000">
+              <a:spcBef>
+                <a:spcPts val="283"/>
+              </a:spcBef>
+              <a:buClr>
+                <a:srgbClr val="000000"/>
+              </a:buClr>
+              <a:buSzPct val="45000"/>
+              <a:buFont typeface="Wingdings" charset="2"/>
+              <a:buChar char=""/>
+            </a:pPr>
+            <a:r>
+              <a:rPr b="0" lang="en-IE" sz="2000" spc="-1" strike="noStrike">
+                <a:latin typeface="Arial"/>
+              </a:rPr>
+              <a:t>Seventh Outline Level</a:t>
+            </a:r>
+            <a:endParaRPr b="0" lang="en-IE" sz="2000" spc="-1" strike="noStrike">
+              <a:latin typeface="Arial"/>
+            </a:endParaRPr>
+          </a:p>
+        </p:txBody>
+      </p:sp>
+    </p:spTree>
+  </p:cSld>
+  <p:clrMap bg1="lt1" bg2="lt2" tx1="dk1" tx2="dk2" accent1="accent1" accent2="accent2" accent3="accent3" accent4="accent4" accent5="accent5" accent6="accent6" hlink="hlink" folHlink="folHlink"/>
+  <p:sldLayoutIdLst>
+    <p:sldLayoutId id="2147483701" r:id="rId2"/>
+    <p:sldLayoutId id="2147483702" r:id="rId3"/>
+    <p:sldLayoutId id="2147483703" r:id="rId4"/>
+    <p:sldLayoutId id="2147483704" r:id="rId5"/>
+    <p:sldLayoutId id="2147483705" r:id="rId6"/>
+    <p:sldLayoutId id="2147483706" r:id="rId7"/>
+    <p:sldLayoutId id="2147483707" r:id="rId8"/>
+    <p:sldLayoutId id="2147483708" r:id="rId9"/>
+    <p:sldLayoutId id="2147483709" r:id="rId10"/>
+    <p:sldLayoutId id="2147483710" r:id="rId11"/>
+    <p:sldLayoutId id="2147483711" r:id="rId12"/>
+    <p:sldLayoutId id="2147483712" r:id="rId13"/>
   </p:sldLayoutIdLst>
 </p:sldMaster>
 </file>
@@ -10816,7 +13502,7 @@
       </p:grpSpPr>
       <p:sp>
         <p:nvSpPr>
-          <p:cNvPr id="164" name="PlaceHolder 1"/>
+          <p:cNvPr id="205" name="PlaceHolder 1"/>
           <p:cNvSpPr>
             <a:spLocks noGrp="1"/>
           </p:cNvSpPr>
@@ -10826,440 +13512,8 @@
         </p:nvSpPr>
         <p:spPr>
           <a:xfrm>
-            <a:off x="838080" y="365040"/>
-            <a:ext cx="10512000" cy="1321920"/>
-          </a:xfrm>
-          <a:prstGeom prst="rect">
-            <a:avLst/>
-          </a:prstGeom>
-          <a:noFill/>
-          <a:ln w="0">
-            <a:noFill/>
-          </a:ln>
-        </p:spPr>
-        <p:txBody>
-          <a:bodyPr lIns="90000" rIns="90000" tIns="45000" bIns="45000" anchor="ctr">
-            <a:noAutofit/>
-          </a:bodyPr>
-          <a:p>
-            <a:pPr>
-              <a:lnSpc>
-                <a:spcPct val="90000"/>
-              </a:lnSpc>
-              <a:buNone/>
-            </a:pPr>
-            <a:r>
-              <a:rPr b="0" lang="en-GB" sz="4400" spc="-1" strike="noStrike">
-                <a:solidFill>
-                  <a:srgbClr val="000000"/>
-                </a:solidFill>
-                <a:latin typeface="Calibri Light"/>
-              </a:rPr>
-              <a:t>Storage of Data</a:t>
-            </a:r>
-            <a:endParaRPr b="0" lang="en-IE" sz="4400" spc="-1" strike="noStrike">
-              <a:latin typeface="Arial"/>
-            </a:endParaRPr>
-          </a:p>
-        </p:txBody>
-      </p:sp>
-      <p:sp>
-        <p:nvSpPr>
-          <p:cNvPr id="165" name="PlaceHolder 2"/>
-          <p:cNvSpPr>
-            <a:spLocks noGrp="1"/>
-          </p:cNvSpPr>
-          <p:nvPr>
-            <p:ph/>
-          </p:nvPr>
-        </p:nvSpPr>
-        <p:spPr>
-          <a:xfrm>
-            <a:off x="838080" y="1825560"/>
-            <a:ext cx="10512000" cy="4347720"/>
-          </a:xfrm>
-          <a:prstGeom prst="rect">
-            <a:avLst/>
-          </a:prstGeom>
-          <a:noFill/>
-          <a:ln w="0">
-            <a:noFill/>
-          </a:ln>
-        </p:spPr>
-        <p:txBody>
-          <a:bodyPr lIns="90000" rIns="90000" tIns="45000" bIns="45000" anchor="t">
-            <a:noAutofit/>
-          </a:bodyPr>
-          <a:p>
-            <a:pPr marL="228600" indent="-228600">
-              <a:lnSpc>
-                <a:spcPct val="90000"/>
-              </a:lnSpc>
-              <a:spcBef>
-                <a:spcPts val="1001"/>
-              </a:spcBef>
-              <a:buClr>
-                <a:srgbClr val="000000"/>
-              </a:buClr>
-              <a:buFont typeface="Arial"/>
-              <a:buChar char="•"/>
-            </a:pPr>
-            <a:r>
-              <a:rPr b="0" lang="en-GB" sz="2800" spc="-1" strike="noStrike">
-                <a:solidFill>
-                  <a:srgbClr val="000000"/>
-                </a:solidFill>
-                <a:latin typeface="Calibri"/>
-              </a:rPr>
-              <a:t>Where data will be stored</a:t>
-            </a:r>
-            <a:endParaRPr b="0" lang="en-IE" sz="2800" spc="-1" strike="noStrike">
-              <a:latin typeface="Arial"/>
-            </a:endParaRPr>
-          </a:p>
-          <a:p>
-            <a:pPr lvl="1" marL="685800" indent="-228600">
-              <a:lnSpc>
-                <a:spcPct val="90000"/>
-              </a:lnSpc>
-              <a:spcBef>
-                <a:spcPts val="499"/>
-              </a:spcBef>
-              <a:buClr>
-                <a:srgbClr val="000000"/>
-              </a:buClr>
-              <a:buFont typeface="Arial"/>
-              <a:buChar char="•"/>
-            </a:pPr>
-            <a:r>
-              <a:rPr b="0" lang="en-GB" sz="2400" spc="-1" strike="noStrike">
-                <a:solidFill>
-                  <a:srgbClr val="000000"/>
-                </a:solidFill>
-                <a:latin typeface="Calibri"/>
-              </a:rPr>
-              <a:t>On-board data storage</a:t>
-            </a:r>
-            <a:endParaRPr b="0" lang="en-IE" sz="2400" spc="-1" strike="noStrike">
-              <a:latin typeface="Arial"/>
-            </a:endParaRPr>
-          </a:p>
-          <a:p>
-            <a:pPr lvl="1" marL="685800" indent="-228600">
-              <a:lnSpc>
-                <a:spcPct val="90000"/>
-              </a:lnSpc>
-              <a:spcBef>
-                <a:spcPts val="499"/>
-              </a:spcBef>
-              <a:buClr>
-                <a:srgbClr val="000000"/>
-              </a:buClr>
-              <a:buFont typeface="Arial"/>
-              <a:buChar char="•"/>
-            </a:pPr>
-            <a:r>
-              <a:rPr b="0" lang="en-GB" sz="2400" spc="-1" strike="noStrike">
-                <a:solidFill>
-                  <a:srgbClr val="000000"/>
-                </a:solidFill>
-                <a:latin typeface="Calibri"/>
-              </a:rPr>
-              <a:t>Cloud data storage</a:t>
-            </a:r>
-            <a:endParaRPr b="0" lang="en-IE" sz="2400" spc="-1" strike="noStrike">
-              <a:latin typeface="Arial"/>
-            </a:endParaRPr>
-          </a:p>
-          <a:p>
-            <a:pPr lvl="1" marL="685800" indent="-228600">
-              <a:lnSpc>
-                <a:spcPct val="90000"/>
-              </a:lnSpc>
-              <a:spcBef>
-                <a:spcPts val="499"/>
-              </a:spcBef>
-              <a:buClr>
-                <a:srgbClr val="000000"/>
-              </a:buClr>
-              <a:buFont typeface="Arial"/>
-              <a:buChar char="•"/>
-            </a:pPr>
-            <a:r>
-              <a:rPr b="0" lang="en-GB" sz="2400" spc="-1" strike="noStrike">
-                <a:solidFill>
-                  <a:srgbClr val="000000"/>
-                </a:solidFill>
-                <a:latin typeface="Calibri"/>
-              </a:rPr>
-              <a:t>Etc</a:t>
-            </a:r>
-            <a:endParaRPr b="0" lang="en-IE" sz="2400" spc="-1" strike="noStrike">
-              <a:latin typeface="Arial"/>
-            </a:endParaRPr>
-          </a:p>
-          <a:p>
-            <a:pPr marL="228600" indent="-228600">
-              <a:lnSpc>
-                <a:spcPct val="90000"/>
-              </a:lnSpc>
-              <a:spcBef>
-                <a:spcPts val="1001"/>
-              </a:spcBef>
-              <a:buClr>
-                <a:srgbClr val="000000"/>
-              </a:buClr>
-              <a:buFont typeface="Arial"/>
-              <a:buChar char="•"/>
-            </a:pPr>
-            <a:r>
-              <a:rPr b="0" lang="en-GB" sz="2800" spc="-1" strike="noStrike">
-                <a:solidFill>
-                  <a:srgbClr val="000000"/>
-                </a:solidFill>
-                <a:latin typeface="Calibri"/>
-              </a:rPr>
-              <a:t>What database will we be using</a:t>
-            </a:r>
-            <a:endParaRPr b="0" lang="en-IE" sz="2800" spc="-1" strike="noStrike">
-              <a:latin typeface="Arial"/>
-            </a:endParaRPr>
-          </a:p>
-          <a:p>
-            <a:pPr lvl="1" marL="685800" indent="-228600">
-              <a:lnSpc>
-                <a:spcPct val="90000"/>
-              </a:lnSpc>
-              <a:spcBef>
-                <a:spcPts val="499"/>
-              </a:spcBef>
-              <a:buClr>
-                <a:srgbClr val="000000"/>
-              </a:buClr>
-              <a:buFont typeface="Arial"/>
-              <a:buChar char="•"/>
-            </a:pPr>
-            <a:r>
-              <a:rPr b="0" lang="en-GB" sz="2400" spc="-1" strike="noStrike">
-                <a:solidFill>
-                  <a:srgbClr val="000000"/>
-                </a:solidFill>
-                <a:latin typeface="Calibri"/>
-              </a:rPr>
-              <a:t>Assuming we use MySQL, we must detail a schema for the database and give sample queries that will be used to process and query the data</a:t>
-            </a:r>
-            <a:endParaRPr b="0" lang="en-IE" sz="2400" spc="-1" strike="noStrike">
-              <a:latin typeface="Arial"/>
-            </a:endParaRPr>
-          </a:p>
-        </p:txBody>
-      </p:sp>
-    </p:spTree>
-  </p:cSld>
-  <mc:AlternateContent>
-    <mc:Choice Requires="p14">
-      <p:transition spd="slow" p14:dur="2000"/>
-    </mc:Choice>
-    <mc:Fallback>
-      <p:transition spd="slow"/>
-    </mc:Fallback>
-  </mc:AlternateContent>
-</p:sld>
-</file>
-
-<file path=ppt/slides/slide10.xml><?xml version="1.0" encoding="utf-8"?>
-<p:sld xmlns:a="http://schemas.openxmlformats.org/drawingml/2006/main" xmlns:p="http://schemas.openxmlformats.org/presentationml/2006/main" xmlns:r="http://schemas.openxmlformats.org/officeDocument/2006/relationships" xmlns:p14="http://schemas.microsoft.com/office/powerpoint/2010/main" xmlns:p15="http://schemas.microsoft.com/office/powerpoint/2012/main" xmlns:mc="http://schemas.openxmlformats.org/markup-compatibility/2006">
-  <p:cSld>
-    <p:spTree>
-      <p:nvGrpSpPr>
-        <p:cNvPr id="1" name=""/>
-        <p:cNvGrpSpPr/>
-        <p:nvPr/>
-      </p:nvGrpSpPr>
-      <p:grpSpPr>
-        <a:xfrm>
-          <a:off x="0" y="0"/>
-          <a:ext cx="0" cy="0"/>
-          <a:chOff x="0" y="0"/>
-          <a:chExt cx="0" cy="0"/>
-        </a:xfrm>
-      </p:grpSpPr>
-      <p:sp>
-        <p:nvSpPr>
-          <p:cNvPr id="186" name="PlaceHolder 1"/>
-          <p:cNvSpPr>
-            <a:spLocks noGrp="1"/>
-          </p:cNvSpPr>
-          <p:nvPr>
-            <p:ph type="title"/>
-          </p:nvPr>
-        </p:nvSpPr>
-        <p:spPr>
-          <a:xfrm>
-            <a:off x="838080" y="365040"/>
-            <a:ext cx="10512000" cy="1321920"/>
-          </a:xfrm>
-          <a:prstGeom prst="rect">
-            <a:avLst/>
-          </a:prstGeom>
-          <a:noFill/>
-          <a:ln w="0">
-            <a:noFill/>
-          </a:ln>
-        </p:spPr>
-        <p:txBody>
-          <a:bodyPr lIns="90000" rIns="90000" tIns="45000" bIns="45000" anchor="ctr">
-            <a:noAutofit/>
-          </a:bodyPr>
-          <a:p>
-            <a:pPr>
-              <a:lnSpc>
-                <a:spcPct val="90000"/>
-              </a:lnSpc>
-              <a:buNone/>
-            </a:pPr>
-            <a:r>
-              <a:rPr b="0" lang="en-GB" sz="4400" spc="-1" strike="noStrike">
-                <a:solidFill>
-                  <a:srgbClr val="000000"/>
-                </a:solidFill>
-                <a:latin typeface="Calibri Light"/>
-              </a:rPr>
-              <a:t>Security of Data at Rest</a:t>
-            </a:r>
-            <a:endParaRPr b="0" lang="en-IE" sz="4400" spc="-1" strike="noStrike">
-              <a:latin typeface="Arial"/>
-            </a:endParaRPr>
-          </a:p>
-        </p:txBody>
-      </p:sp>
-      <p:sp>
-        <p:nvSpPr>
-          <p:cNvPr id="187" name="PlaceHolder 2"/>
-          <p:cNvSpPr>
-            <a:spLocks noGrp="1"/>
-          </p:cNvSpPr>
-          <p:nvPr>
-            <p:ph/>
-          </p:nvPr>
-        </p:nvSpPr>
-        <p:spPr>
-          <a:xfrm>
-            <a:off x="838080" y="1825560"/>
-            <a:ext cx="10512000" cy="4347720"/>
-          </a:xfrm>
-          <a:prstGeom prst="rect">
-            <a:avLst/>
-          </a:prstGeom>
-          <a:noFill/>
-          <a:ln w="0">
-            <a:noFill/>
-          </a:ln>
-        </p:spPr>
-        <p:txBody>
-          <a:bodyPr lIns="90000" rIns="90000" tIns="45000" bIns="45000" anchor="t">
-            <a:noAutofit/>
-          </a:bodyPr>
-          <a:p>
-            <a:pPr marL="228600" indent="-228600">
-              <a:lnSpc>
-                <a:spcPct val="90000"/>
-              </a:lnSpc>
-              <a:spcBef>
-                <a:spcPts val="1001"/>
-              </a:spcBef>
-              <a:buClr>
-                <a:srgbClr val="000000"/>
-              </a:buClr>
-              <a:buFont typeface="Arial"/>
-              <a:buChar char="•"/>
-            </a:pPr>
-            <a:r>
-              <a:rPr b="0" lang="en-GB" sz="2800" spc="-1" strike="noStrike">
-                <a:solidFill>
-                  <a:srgbClr val="000000"/>
-                </a:solidFill>
-                <a:latin typeface="Calibri"/>
-              </a:rPr>
-              <a:t>Store on a secure cloud service</a:t>
-            </a:r>
-            <a:endParaRPr b="0" lang="en-IE" sz="2800" spc="-1" strike="noStrike">
-              <a:latin typeface="Arial"/>
-            </a:endParaRPr>
-          </a:p>
-          <a:p>
-            <a:pPr marL="228600" indent="-228600">
-              <a:lnSpc>
-                <a:spcPct val="90000"/>
-              </a:lnSpc>
-              <a:spcBef>
-                <a:spcPts val="1001"/>
-              </a:spcBef>
-              <a:buClr>
-                <a:srgbClr val="000000"/>
-              </a:buClr>
-              <a:buFont typeface="Arial"/>
-              <a:buChar char="•"/>
-            </a:pPr>
-            <a:r>
-              <a:rPr b="0" lang="en-GB" sz="2800" spc="-1" strike="noStrike">
-                <a:solidFill>
-                  <a:srgbClr val="000000"/>
-                </a:solidFill>
-                <a:latin typeface="Calibri"/>
-              </a:rPr>
-              <a:t>Maybe wipe the onboard data once it has been sent, as it is only meant to be a backup</a:t>
-            </a:r>
-            <a:endParaRPr b="0" lang="en-IE" sz="2800" spc="-1" strike="noStrike">
-              <a:latin typeface="Arial"/>
-            </a:endParaRPr>
-          </a:p>
-        </p:txBody>
-      </p:sp>
-    </p:spTree>
-  </p:cSld>
-  <mc:AlternateContent>
-    <mc:Choice Requires="p14">
-      <p:transition spd="slow" p14:dur="2000"/>
-    </mc:Choice>
-    <mc:Fallback>
-      <p:transition spd="slow"/>
-    </mc:Fallback>
-  </mc:AlternateContent>
-</p:sld>
-</file>
-
-<file path=ppt/slides/slide11.xml><?xml version="1.0" encoding="utf-8"?>
-<p:sld xmlns:a="http://schemas.openxmlformats.org/drawingml/2006/main" xmlns:p="http://schemas.openxmlformats.org/presentationml/2006/main" xmlns:r="http://schemas.openxmlformats.org/officeDocument/2006/relationships" xmlns:p14="http://schemas.microsoft.com/office/powerpoint/2010/main" xmlns:p15="http://schemas.microsoft.com/office/powerpoint/2012/main" xmlns:mc="http://schemas.openxmlformats.org/markup-compatibility/2006">
-  <p:cSld>
-    <p:spTree>
-      <p:nvGrpSpPr>
-        <p:cNvPr id="1" name=""/>
-        <p:cNvGrpSpPr/>
-        <p:nvPr/>
-      </p:nvGrpSpPr>
-      <p:grpSpPr>
-        <a:xfrm>
-          <a:off x="0" y="0"/>
-          <a:ext cx="0" cy="0"/>
-          <a:chOff x="0" y="0"/>
-          <a:chExt cx="0" cy="0"/>
-        </a:xfrm>
-      </p:grpSpPr>
-      <p:sp>
-        <p:nvSpPr>
-          <p:cNvPr id="188" name="PlaceHolder 1"/>
-          <p:cNvSpPr>
-            <a:spLocks noGrp="1"/>
-          </p:cNvSpPr>
-          <p:nvPr>
-            <p:ph type="title"/>
-          </p:nvPr>
-        </p:nvSpPr>
-        <p:spPr>
-          <a:xfrm>
             <a:off x="609480" y="273600"/>
-            <a:ext cx="10971000" cy="1143360"/>
+            <a:ext cx="10969200" cy="1141560"/>
           </a:xfrm>
           <a:prstGeom prst="rect">
             <a:avLst/>
@@ -11284,7 +13538,7 @@
               <a:rPr b="0" lang="en-IE" sz="4400" spc="-1" strike="noStrike">
                 <a:latin typeface="Arial"/>
               </a:rPr>
-              <a:t>Data Security</a:t>
+              <a:t>Data Storage</a:t>
             </a:r>
             <a:endParaRPr b="0" lang="en-IE" sz="4400" spc="-1" strike="noStrike">
               <a:latin typeface="Arial"/>
@@ -11294,14 +13548,14 @@
       </p:sp>
       <p:sp>
         <p:nvSpPr>
-          <p:cNvPr id="189" name=""/>
+          <p:cNvPr id="206" name=""/>
           <p:cNvSpPr/>
           <p:nvPr/>
         </p:nvSpPr>
         <p:spPr>
           <a:xfrm>
-            <a:off x="360000" y="1440000"/>
-            <a:ext cx="11518560" cy="3959640"/>
+            <a:off x="1080000" y="1800000"/>
+            <a:ext cx="10256760" cy="4136760"/>
           </a:xfrm>
           <a:prstGeom prst="rect">
             <a:avLst/>
@@ -11336,7 +13590,7 @@
                 <a:latin typeface="Arial"/>
                 <a:ea typeface="DejaVu Sans"/>
               </a:rPr>
-              <a:t>Data will be transferred between the device, server and web/mobile client by HTTPS.</a:t>
+              <a:t>The primary database will be a mongodb database hosted on the AWS server. A secondary database will exist on the Rasberry Pi. This will contain enough data to be able to operate the pill box for a period of time if the connection to the server fails.</a:t>
             </a:r>
             <a:endParaRPr b="0" lang="en-IE" sz="1800" spc="-1" strike="noStrike">
               <a:latin typeface="Arial"/>
@@ -11349,153 +13603,6 @@
               </a:lnSpc>
               <a:buNone/>
             </a:pPr>
-            <a:r>
-              <a:rPr b="0" lang="en-IE" sz="1800" spc="-1" strike="noStrike">
-                <a:solidFill>
-                  <a:srgbClr val="000000"/>
-                </a:solidFill>
-                <a:latin typeface="Arial"/>
-                <a:ea typeface="DejaVu Sans"/>
-              </a:rPr>
-              <a:t>HTTP GET will only be used to retrieved data.</a:t>
-            </a:r>
-            <a:endParaRPr b="0" lang="en-IE" sz="1800" spc="-1" strike="noStrike">
-              <a:latin typeface="Arial"/>
-            </a:endParaRPr>
-          </a:p>
-          <a:p>
-            <a:pPr>
-              <a:lnSpc>
-                <a:spcPct val="100000"/>
-              </a:lnSpc>
-              <a:buNone/>
-            </a:pPr>
-            <a:r>
-              <a:rPr b="0" lang="en-IE" sz="1800" spc="-1" strike="noStrike">
-                <a:solidFill>
-                  <a:srgbClr val="000000"/>
-                </a:solidFill>
-                <a:latin typeface="Arial"/>
-                <a:ea typeface="DejaVu Sans"/>
-              </a:rPr>
-              <a:t>HTTP POST or PUT will be used to enter or update data.</a:t>
-            </a:r>
-            <a:endParaRPr b="0" lang="en-IE" sz="1800" spc="-1" strike="noStrike">
-              <a:latin typeface="Arial"/>
-            </a:endParaRPr>
-          </a:p>
-          <a:p>
-            <a:pPr>
-              <a:lnSpc>
-                <a:spcPct val="100000"/>
-              </a:lnSpc>
-              <a:buNone/>
-            </a:pPr>
-            <a:endParaRPr b="0" lang="en-IE" sz="1800" spc="-1" strike="noStrike">
-              <a:latin typeface="Arial"/>
-            </a:endParaRPr>
-          </a:p>
-          <a:p>
-            <a:pPr>
-              <a:lnSpc>
-                <a:spcPct val="100000"/>
-              </a:lnSpc>
-              <a:buNone/>
-            </a:pPr>
-            <a:r>
-              <a:rPr b="0" lang="en-IE" sz="1800" spc="-1" strike="noStrike">
-                <a:solidFill>
-                  <a:srgbClr val="000000"/>
-                </a:solidFill>
-                <a:latin typeface="Arial"/>
-                <a:ea typeface="DejaVu Sans"/>
-              </a:rPr>
-              <a:t>Sensitive data, such as medication information, will only be stored as encrypted data.</a:t>
-            </a:r>
-            <a:endParaRPr b="0" lang="en-IE" sz="1800" spc="-1" strike="noStrike">
-              <a:latin typeface="Arial"/>
-            </a:endParaRPr>
-          </a:p>
-          <a:p>
-            <a:pPr>
-              <a:lnSpc>
-                <a:spcPct val="100000"/>
-              </a:lnSpc>
-              <a:buNone/>
-            </a:pPr>
-            <a:r>
-              <a:rPr b="0" lang="en-IE" sz="1800" spc="-1" strike="noStrike">
-                <a:solidFill>
-                  <a:srgbClr val="000000"/>
-                </a:solidFill>
-                <a:latin typeface="Arial"/>
-                <a:ea typeface="DejaVu Sans"/>
-              </a:rPr>
-              <a:t>End to end encryption will be used to ensure only the user as access to sensitive data in a decrypted form.</a:t>
-            </a:r>
-            <a:endParaRPr b="0" lang="en-IE" sz="1800" spc="-1" strike="noStrike">
-              <a:latin typeface="Arial"/>
-            </a:endParaRPr>
-          </a:p>
-          <a:p>
-            <a:pPr>
-              <a:lnSpc>
-                <a:spcPct val="100000"/>
-              </a:lnSpc>
-              <a:buNone/>
-            </a:pPr>
-            <a:r>
-              <a:rPr b="0" lang="en-IE" sz="1800" spc="-1" strike="noStrike">
-                <a:solidFill>
-                  <a:srgbClr val="000000"/>
-                </a:solidFill>
-                <a:latin typeface="Arial"/>
-                <a:ea typeface="DejaVu Sans"/>
-              </a:rPr>
-              <a:t>The database will be stored on a AWS server.</a:t>
-            </a:r>
-            <a:endParaRPr b="0" lang="en-IE" sz="1800" spc="-1" strike="noStrike">
-              <a:latin typeface="Arial"/>
-            </a:endParaRPr>
-          </a:p>
-          <a:p>
-            <a:pPr>
-              <a:lnSpc>
-                <a:spcPct val="100000"/>
-              </a:lnSpc>
-              <a:buNone/>
-            </a:pPr>
-            <a:r>
-              <a:rPr b="0" lang="en-IE" sz="1800" spc="-1" strike="noStrike">
-                <a:solidFill>
-                  <a:srgbClr val="000000"/>
-                </a:solidFill>
-                <a:latin typeface="Arial"/>
-                <a:ea typeface="DejaVu Sans"/>
-              </a:rPr>
-              <a:t>Only times to take medication and which specific box it is stored in will be stored locally.</a:t>
-            </a:r>
-            <a:endParaRPr b="0" lang="en-IE" sz="1800" spc="-1" strike="noStrike">
-              <a:latin typeface="Arial"/>
-            </a:endParaRPr>
-          </a:p>
-          <a:p>
-            <a:pPr>
-              <a:lnSpc>
-                <a:spcPct val="100000"/>
-              </a:lnSpc>
-              <a:buNone/>
-            </a:pPr>
-            <a:r>
-              <a:rPr b="0" lang="en-IE" sz="1800" spc="-1" strike="noStrike">
-                <a:solidFill>
-                  <a:srgbClr val="000000"/>
-                </a:solidFill>
-                <a:latin typeface="Arial"/>
-                <a:ea typeface="DejaVu Sans"/>
-              </a:rPr>
-              <a:t>If sensor data is required to be stored locally due to an inability to communicate with the server, it will be wiped after the connection is reestablished and the updates are applied.</a:t>
-            </a:r>
             <a:endParaRPr b="0" lang="en-IE" sz="1800" spc="-1" strike="noStrike">
               <a:latin typeface="Arial"/>
             </a:endParaRPr>
@@ -11534,7 +13641,7 @@
       </p:grpSpPr>
       <p:sp>
         <p:nvSpPr>
-          <p:cNvPr id="166" name="PlaceHolder 1"/>
+          <p:cNvPr id="207" name="PlaceHolder 1"/>
           <p:cNvSpPr>
             <a:spLocks noGrp="1"/>
           </p:cNvSpPr>
@@ -11545,7 +13652,7 @@
         <p:spPr>
           <a:xfrm>
             <a:off x="609480" y="273600"/>
-            <a:ext cx="10969560" cy="1141920"/>
+            <a:ext cx="10972080" cy="1144440"/>
           </a:xfrm>
           <a:prstGeom prst="rect">
             <a:avLst/>
@@ -11570,7 +13677,7 @@
               <a:rPr b="0" lang="en-IE" sz="4400" spc="-1" strike="noStrike">
                 <a:latin typeface="Arial"/>
               </a:rPr>
-              <a:t>Data Storage</a:t>
+              <a:t>Data Storage – Example Entries</a:t>
             </a:r>
             <a:endParaRPr b="0" lang="en-IE" sz="4400" spc="-1" strike="noStrike">
               <a:latin typeface="Arial"/>
@@ -11578,16 +13685,39 @@
           </a:p>
         </p:txBody>
       </p:sp>
-      <p:sp>
-        <p:nvSpPr>
-          <p:cNvPr id="167" name=""/>
+      <p:pic>
+        <p:nvPicPr>
+          <p:cNvPr id="208" name="" descr=""/>
+          <p:cNvPicPr/>
+          <p:nvPr/>
+        </p:nvPicPr>
+        <p:blipFill>
+          <a:blip r:embed="rId1"/>
+          <a:stretch/>
+        </p:blipFill>
+        <p:spPr>
+          <a:xfrm>
+            <a:off x="810720" y="1260000"/>
+            <a:ext cx="1528920" cy="5247000"/>
+          </a:xfrm>
+          <a:prstGeom prst="rect">
+            <a:avLst/>
+          </a:prstGeom>
+          <a:ln w="0">
+            <a:noFill/>
+          </a:ln>
+        </p:spPr>
+      </p:pic>
+      <p:sp>
+        <p:nvSpPr>
+          <p:cNvPr id="209" name=""/>
           <p:cNvSpPr/>
           <p:nvPr/>
         </p:nvSpPr>
         <p:spPr>
           <a:xfrm>
-            <a:off x="1080000" y="1800000"/>
-            <a:ext cx="10257120" cy="4137120"/>
+            <a:off x="2520000" y="1620000"/>
+            <a:ext cx="1979640" cy="601920"/>
           </a:xfrm>
           <a:prstGeom prst="rect">
             <a:avLst/>
@@ -11616,18 +13746,68 @@
             </a:pPr>
             <a:r>
               <a:rPr b="0" lang="en-IE" sz="1800" spc="-1" strike="noStrike">
-                <a:solidFill>
-                  <a:srgbClr val="000000"/>
-                </a:solidFill>
                 <a:latin typeface="Arial"/>
-                <a:ea typeface="DejaVu Sans"/>
               </a:rPr>
-              <a:t>The primary database will be a mongodb database hosted on the AWS server. A secondary database will exist on the Rasberry Pi. This will contain enough data to be able to operate the pill box for a period of time if the connection to the server fails.</a:t>
+              <a:t>User Entry on server</a:t>
             </a:r>
             <a:endParaRPr b="0" lang="en-IE" sz="1800" spc="-1" strike="noStrike">
               <a:latin typeface="Arial"/>
             </a:endParaRPr>
           </a:p>
+        </p:txBody>
+      </p:sp>
+      <p:pic>
+        <p:nvPicPr>
+          <p:cNvPr id="210" name="" descr=""/>
+          <p:cNvPicPr/>
+          <p:nvPr/>
+        </p:nvPicPr>
+        <p:blipFill>
+          <a:blip r:embed="rId2"/>
+          <a:stretch/>
+        </p:blipFill>
+        <p:spPr>
+          <a:xfrm>
+            <a:off x="5462280" y="1598040"/>
+            <a:ext cx="2637360" cy="2551320"/>
+          </a:xfrm>
+          <a:prstGeom prst="rect">
+            <a:avLst/>
+          </a:prstGeom>
+          <a:ln w="0">
+            <a:noFill/>
+          </a:ln>
+        </p:spPr>
+      </p:pic>
+      <p:sp>
+        <p:nvSpPr>
+          <p:cNvPr id="211" name=""/>
+          <p:cNvSpPr/>
+          <p:nvPr/>
+        </p:nvSpPr>
+        <p:spPr>
+          <a:xfrm>
+            <a:off x="8280000" y="1800000"/>
+            <a:ext cx="2159640" cy="601920"/>
+          </a:xfrm>
+          <a:prstGeom prst="rect">
+            <a:avLst/>
+          </a:prstGeom>
+          <a:noFill/>
+          <a:ln w="0">
+            <a:noFill/>
+          </a:ln>
+        </p:spPr>
+        <p:style>
+          <a:lnRef idx="0"/>
+          <a:fillRef idx="0"/>
+          <a:effectRef idx="0"/>
+          <a:fontRef idx="minor"/>
+        </p:style>
+        <p:txBody>
+          <a:bodyPr lIns="90000" rIns="90000" tIns="45000" bIns="45000" anchor="t">
+            <a:noAutofit/>
+          </a:bodyPr>
           <a:p>
             <a:pPr>
               <a:lnSpc>
@@ -11635,6 +13815,12 @@
               </a:lnSpc>
               <a:buNone/>
             </a:pPr>
+            <a:r>
+              <a:rPr b="0" lang="en-IE" sz="1800" spc="-1" strike="noStrike">
+                <a:latin typeface="Arial"/>
+              </a:rPr>
+              <a:t>Schedule stored on Rasberry Pi</a:t>
+            </a:r>
             <a:endParaRPr b="0" lang="en-IE" sz="1800" spc="-1" strike="noStrike">
               <a:latin typeface="Arial"/>
             </a:endParaRPr>
@@ -11673,7 +13859,7 @@
       </p:grpSpPr>
       <p:sp>
         <p:nvSpPr>
-          <p:cNvPr id="168" name="PlaceHolder 1"/>
+          <p:cNvPr id="212" name="PlaceHolder 1"/>
           <p:cNvSpPr>
             <a:spLocks noGrp="1"/>
           </p:cNvSpPr>
@@ -11684,7 +13870,7 @@
         <p:spPr>
           <a:xfrm>
             <a:off x="609480" y="273600"/>
-            <a:ext cx="10972440" cy="1144800"/>
+            <a:ext cx="10969200" cy="1141560"/>
           </a:xfrm>
           <a:prstGeom prst="rect">
             <a:avLst/>
@@ -11700,15 +13886,361 @@
           </a:bodyPr>
           <a:p>
             <a:pPr algn="ctr">
+              <a:lnSpc>
+                <a:spcPct val="100000"/>
+              </a:lnSpc>
               <a:buNone/>
             </a:pPr>
             <a:r>
               <a:rPr b="0" lang="en-IE" sz="4400" spc="-1" strike="noStrike">
                 <a:latin typeface="Arial"/>
               </a:rPr>
-              <a:t>Data Storage – Example Entries</a:t>
+              <a:t>Data Gathering - Switches</a:t>
             </a:r>
             <a:endParaRPr b="0" lang="en-IE" sz="4400" spc="-1" strike="noStrike">
+              <a:latin typeface="Arial"/>
+            </a:endParaRPr>
+          </a:p>
+        </p:txBody>
+      </p:sp>
+      <p:sp>
+        <p:nvSpPr>
+          <p:cNvPr id="213" name=""/>
+          <p:cNvSpPr/>
+          <p:nvPr/>
+        </p:nvSpPr>
+        <p:spPr>
+          <a:xfrm>
+            <a:off x="900000" y="1800000"/>
+            <a:ext cx="10796760" cy="2646720"/>
+          </a:xfrm>
+          <a:prstGeom prst="rect">
+            <a:avLst/>
+          </a:prstGeom>
+          <a:noFill/>
+          <a:ln w="0">
+            <a:noFill/>
+          </a:ln>
+        </p:spPr>
+        <p:style>
+          <a:lnRef idx="0"/>
+          <a:fillRef idx="0"/>
+          <a:effectRef idx="0"/>
+          <a:fontRef idx="minor"/>
+        </p:style>
+        <p:txBody>
+          <a:bodyPr lIns="90000" rIns="90000" tIns="45000" bIns="45000" anchor="t">
+            <a:noAutofit/>
+          </a:bodyPr>
+          <a:p>
+            <a:pPr>
+              <a:lnSpc>
+                <a:spcPct val="100000"/>
+              </a:lnSpc>
+              <a:buNone/>
+            </a:pPr>
+            <a:r>
+              <a:rPr b="0" lang="en-IE" sz="1800" spc="-1" strike="noStrike">
+                <a:solidFill>
+                  <a:srgbClr val="000000"/>
+                </a:solidFill>
+                <a:latin typeface="Arial"/>
+                <a:ea typeface="DejaVu Sans"/>
+              </a:rPr>
+              <a:t>Force Sensitive Resistor</a:t>
+            </a:r>
+            <a:endParaRPr b="0" lang="en-IE" sz="1800" spc="-1" strike="noStrike">
+              <a:latin typeface="Arial"/>
+            </a:endParaRPr>
+          </a:p>
+          <a:p>
+            <a:pPr>
+              <a:lnSpc>
+                <a:spcPct val="100000"/>
+              </a:lnSpc>
+              <a:buNone/>
+            </a:pPr>
+            <a:r>
+              <a:rPr b="0" lang="en-IE" sz="1800" spc="-1" strike="noStrike">
+                <a:solidFill>
+                  <a:srgbClr val="000000"/>
+                </a:solidFill>
+                <a:latin typeface="Arial"/>
+                <a:ea typeface="DejaVu Sans"/>
+              </a:rPr>
+              <a:t>	</a:t>
+            </a:r>
+            <a:r>
+              <a:rPr b="0" lang="en-IE" sz="1800" spc="-1" strike="noStrike">
+                <a:solidFill>
+                  <a:srgbClr val="000000"/>
+                </a:solidFill>
+                <a:latin typeface="Arial"/>
+                <a:ea typeface="DejaVu Sans"/>
+              </a:rPr>
+              <a:t>- Analog data</a:t>
+            </a:r>
+            <a:endParaRPr b="0" lang="en-IE" sz="1800" spc="-1" strike="noStrike">
+              <a:latin typeface="Arial"/>
+            </a:endParaRPr>
+          </a:p>
+          <a:p>
+            <a:pPr>
+              <a:lnSpc>
+                <a:spcPct val="100000"/>
+              </a:lnSpc>
+              <a:buNone/>
+            </a:pPr>
+            <a:r>
+              <a:rPr b="0" lang="en-IE" sz="1800" spc="-1" strike="noStrike">
+                <a:solidFill>
+                  <a:srgbClr val="000000"/>
+                </a:solidFill>
+                <a:latin typeface="Arial"/>
+                <a:ea typeface="DejaVu Sans"/>
+              </a:rPr>
+              <a:t>	</a:t>
+            </a:r>
+            <a:r>
+              <a:rPr b="0" lang="en-IE" sz="1800" spc="-1" strike="noStrike">
+                <a:solidFill>
+                  <a:srgbClr val="000000"/>
+                </a:solidFill>
+                <a:latin typeface="Arial"/>
+                <a:ea typeface="DejaVu Sans"/>
+              </a:rPr>
+              <a:t>- Values between 0mV – 5000mV</a:t>
+            </a:r>
+            <a:endParaRPr b="0" lang="en-IE" sz="1800" spc="-1" strike="noStrike">
+              <a:latin typeface="Arial"/>
+            </a:endParaRPr>
+          </a:p>
+          <a:p>
+            <a:pPr>
+              <a:lnSpc>
+                <a:spcPct val="100000"/>
+              </a:lnSpc>
+              <a:buNone/>
+            </a:pPr>
+            <a:r>
+              <a:rPr b="0" lang="en-IE" sz="1800" spc="-1" strike="noStrike">
+                <a:solidFill>
+                  <a:srgbClr val="000000"/>
+                </a:solidFill>
+                <a:latin typeface="Arial"/>
+                <a:ea typeface="DejaVu Sans"/>
+              </a:rPr>
+              <a:t>	</a:t>
+            </a:r>
+            <a:r>
+              <a:rPr b="0" lang="en-IE" sz="1800" spc="-1" strike="noStrike">
+                <a:solidFill>
+                  <a:srgbClr val="000000"/>
+                </a:solidFill>
+                <a:latin typeface="Arial"/>
+                <a:ea typeface="DejaVu Sans"/>
+              </a:rPr>
+              <a:t>- 0mV reprensents no force</a:t>
+            </a:r>
+            <a:endParaRPr b="0" lang="en-IE" sz="1800" spc="-1" strike="noStrike">
+              <a:latin typeface="Arial"/>
+            </a:endParaRPr>
+          </a:p>
+          <a:p>
+            <a:pPr>
+              <a:lnSpc>
+                <a:spcPct val="100000"/>
+              </a:lnSpc>
+              <a:buNone/>
+            </a:pPr>
+            <a:r>
+              <a:rPr b="0" lang="en-IE" sz="1800" spc="-1" strike="noStrike">
+                <a:solidFill>
+                  <a:srgbClr val="000000"/>
+                </a:solidFill>
+                <a:latin typeface="Arial"/>
+                <a:ea typeface="DejaVu Sans"/>
+              </a:rPr>
+              <a:t>	</a:t>
+            </a:r>
+            <a:r>
+              <a:rPr b="0" lang="en-IE" sz="1800" spc="-1" strike="noStrike">
+                <a:solidFill>
+                  <a:srgbClr val="000000"/>
+                </a:solidFill>
+                <a:latin typeface="Arial"/>
+                <a:ea typeface="DejaVu Sans"/>
+              </a:rPr>
+              <a:t>- 5000mV represents a high force</a:t>
+            </a:r>
+            <a:endParaRPr b="0" lang="en-IE" sz="1800" spc="-1" strike="noStrike">
+              <a:latin typeface="Arial"/>
+            </a:endParaRPr>
+          </a:p>
+          <a:p>
+            <a:pPr>
+              <a:lnSpc>
+                <a:spcPct val="100000"/>
+              </a:lnSpc>
+              <a:buNone/>
+            </a:pPr>
+            <a:r>
+              <a:rPr b="0" lang="en-IE" sz="1800" spc="-1" strike="noStrike">
+                <a:solidFill>
+                  <a:srgbClr val="000000"/>
+                </a:solidFill>
+                <a:latin typeface="Arial"/>
+                <a:ea typeface="DejaVu Sans"/>
+              </a:rPr>
+              <a:t>	</a:t>
+            </a:r>
+            <a:r>
+              <a:rPr b="0" lang="en-IE" sz="1800" spc="-1" strike="noStrike">
+                <a:solidFill>
+                  <a:srgbClr val="000000"/>
+                </a:solidFill>
+                <a:latin typeface="Arial"/>
+                <a:ea typeface="DejaVu Sans"/>
+              </a:rPr>
+              <a:t>- This will tell us if a box is empty or has pills inside</a:t>
+            </a:r>
+            <a:endParaRPr b="0" lang="en-IE" sz="1800" spc="-1" strike="noStrike">
+              <a:latin typeface="Arial"/>
+            </a:endParaRPr>
+          </a:p>
+          <a:p>
+            <a:pPr>
+              <a:lnSpc>
+                <a:spcPct val="100000"/>
+              </a:lnSpc>
+              <a:buNone/>
+            </a:pPr>
+            <a:endParaRPr b="0" lang="en-IE" sz="1800" spc="-1" strike="noStrike">
+              <a:latin typeface="Arial"/>
+            </a:endParaRPr>
+          </a:p>
+          <a:p>
+            <a:pPr>
+              <a:lnSpc>
+                <a:spcPct val="100000"/>
+              </a:lnSpc>
+              <a:buNone/>
+            </a:pPr>
+            <a:endParaRPr b="0" lang="en-IE" sz="1800" spc="-1" strike="noStrike">
+              <a:latin typeface="Arial"/>
+            </a:endParaRPr>
+          </a:p>
+          <a:p>
+            <a:pPr>
+              <a:lnSpc>
+                <a:spcPct val="100000"/>
+              </a:lnSpc>
+              <a:buNone/>
+            </a:pPr>
+            <a:r>
+              <a:rPr b="0" lang="en-IE" sz="1800" spc="-1" strike="noStrike">
+                <a:solidFill>
+                  <a:srgbClr val="000000"/>
+                </a:solidFill>
+                <a:latin typeface="Arial"/>
+                <a:ea typeface="DejaVu Sans"/>
+              </a:rPr>
+              <a:t>Micro Switch</a:t>
+            </a:r>
+            <a:endParaRPr b="0" lang="en-IE" sz="1800" spc="-1" strike="noStrike">
+              <a:latin typeface="Arial"/>
+            </a:endParaRPr>
+          </a:p>
+          <a:p>
+            <a:pPr>
+              <a:lnSpc>
+                <a:spcPct val="100000"/>
+              </a:lnSpc>
+              <a:buNone/>
+            </a:pPr>
+            <a:r>
+              <a:rPr b="0" lang="en-IE" sz="1800" spc="-1" strike="noStrike">
+                <a:solidFill>
+                  <a:srgbClr val="000000"/>
+                </a:solidFill>
+                <a:latin typeface="Arial"/>
+                <a:ea typeface="DejaVu Sans"/>
+              </a:rPr>
+              <a:t>	</a:t>
+            </a:r>
+            <a:r>
+              <a:rPr b="0" lang="en-IE" sz="1800" spc="-1" strike="noStrike">
+                <a:solidFill>
+                  <a:srgbClr val="000000"/>
+                </a:solidFill>
+                <a:latin typeface="Arial"/>
+                <a:ea typeface="DejaVu Sans"/>
+              </a:rPr>
+              <a:t>- 0v across an open switch</a:t>
+            </a:r>
+            <a:endParaRPr b="0" lang="en-IE" sz="1800" spc="-1" strike="noStrike">
+              <a:latin typeface="Arial"/>
+            </a:endParaRPr>
+          </a:p>
+          <a:p>
+            <a:pPr>
+              <a:lnSpc>
+                <a:spcPct val="100000"/>
+              </a:lnSpc>
+              <a:buNone/>
+            </a:pPr>
+            <a:r>
+              <a:rPr b="0" lang="en-IE" sz="1800" spc="-1" strike="noStrike">
+                <a:solidFill>
+                  <a:srgbClr val="000000"/>
+                </a:solidFill>
+                <a:latin typeface="Arial"/>
+                <a:ea typeface="DejaVu Sans"/>
+              </a:rPr>
+              <a:t>	</a:t>
+            </a:r>
+            <a:r>
+              <a:rPr b="0" lang="en-IE" sz="1800" spc="-1" strike="noStrike">
+                <a:solidFill>
+                  <a:srgbClr val="000000"/>
+                </a:solidFill>
+                <a:latin typeface="Arial"/>
+                <a:ea typeface="DejaVu Sans"/>
+              </a:rPr>
+              <a:t>- 5v across a closed switch</a:t>
+            </a:r>
+            <a:endParaRPr b="0" lang="en-IE" sz="1800" spc="-1" strike="noStrike">
+              <a:latin typeface="Arial"/>
+            </a:endParaRPr>
+          </a:p>
+          <a:p>
+            <a:pPr>
+              <a:lnSpc>
+                <a:spcPct val="100000"/>
+              </a:lnSpc>
+              <a:buNone/>
+            </a:pPr>
+            <a:r>
+              <a:rPr b="0" lang="en-IE" sz="1800" spc="-1" strike="noStrike">
+                <a:solidFill>
+                  <a:srgbClr val="000000"/>
+                </a:solidFill>
+                <a:latin typeface="Arial"/>
+                <a:ea typeface="DejaVu Sans"/>
+              </a:rPr>
+              <a:t>	</a:t>
+            </a:r>
+            <a:r>
+              <a:rPr b="0" lang="en-IE" sz="1800" spc="-1" strike="noStrike">
+                <a:solidFill>
+                  <a:srgbClr val="000000"/>
+                </a:solidFill>
+                <a:latin typeface="Arial"/>
+                <a:ea typeface="DejaVu Sans"/>
+              </a:rPr>
+              <a:t>- This will tell us if a box is open or closed</a:t>
+            </a:r>
+            <a:endParaRPr b="0" lang="en-IE" sz="1800" spc="-1" strike="noStrike">
               <a:latin typeface="Arial"/>
             </a:endParaRPr>
           </a:p>
@@ -11716,7 +14248,7 @@
       </p:sp>
       <p:pic>
         <p:nvPicPr>
-          <p:cNvPr id="169" name="" descr=""/>
+          <p:cNvPr id="214" name="" descr=""/>
           <p:cNvPicPr/>
           <p:nvPr/>
         </p:nvPicPr>
@@ -11726,8 +14258,8 @@
         </p:blipFill>
         <p:spPr>
           <a:xfrm>
-            <a:off x="810720" y="1260000"/>
-            <a:ext cx="1529280" cy="5247360"/>
+            <a:off x="7560000" y="1416240"/>
+            <a:ext cx="4020840" cy="2857320"/>
           </a:xfrm>
           <a:prstGeom prst="rect">
             <a:avLst/>
@@ -11737,101 +14269,6 @@
           </a:ln>
         </p:spPr>
       </p:pic>
-      <p:sp>
-        <p:nvSpPr>
-          <p:cNvPr id="170" name=""/>
-          <p:cNvSpPr txBox="1"/>
-          <p:nvPr/>
-        </p:nvSpPr>
-        <p:spPr>
-          <a:xfrm>
-            <a:off x="2520000" y="1620000"/>
-            <a:ext cx="1980000" cy="602280"/>
-          </a:xfrm>
-          <a:prstGeom prst="rect">
-            <a:avLst/>
-          </a:prstGeom>
-          <a:noFill/>
-          <a:ln w="0">
-            <a:noFill/>
-          </a:ln>
-        </p:spPr>
-        <p:txBody>
-          <a:bodyPr lIns="90000" rIns="90000" tIns="45000" bIns="45000" anchor="t">
-            <a:noAutofit/>
-          </a:bodyPr>
-          <a:p>
-            <a:r>
-              <a:rPr b="0" lang="en-IE" sz="1800" spc="-1" strike="noStrike">
-                <a:latin typeface="Arial"/>
-              </a:rPr>
-              <a:t>User Entry on server</a:t>
-            </a:r>
-            <a:endParaRPr b="0" lang="en-IE" sz="1800" spc="-1" strike="noStrike">
-              <a:latin typeface="Arial"/>
-            </a:endParaRPr>
-          </a:p>
-        </p:txBody>
-      </p:sp>
-      <p:pic>
-        <p:nvPicPr>
-          <p:cNvPr id="171" name="" descr=""/>
-          <p:cNvPicPr/>
-          <p:nvPr/>
-        </p:nvPicPr>
-        <p:blipFill>
-          <a:blip r:embed="rId2"/>
-          <a:stretch/>
-        </p:blipFill>
-        <p:spPr>
-          <a:xfrm>
-            <a:off x="5462280" y="1598040"/>
-            <a:ext cx="2637720" cy="2551680"/>
-          </a:xfrm>
-          <a:prstGeom prst="rect">
-            <a:avLst/>
-          </a:prstGeom>
-          <a:ln w="0">
-            <a:noFill/>
-          </a:ln>
-        </p:spPr>
-      </p:pic>
-      <p:sp>
-        <p:nvSpPr>
-          <p:cNvPr id="172" name=""/>
-          <p:cNvSpPr txBox="1"/>
-          <p:nvPr/>
-        </p:nvSpPr>
-        <p:spPr>
-          <a:xfrm>
-            <a:off x="8280000" y="1800000"/>
-            <a:ext cx="2160000" cy="602280"/>
-          </a:xfrm>
-          <a:prstGeom prst="rect">
-            <a:avLst/>
-          </a:prstGeom>
-          <a:noFill/>
-          <a:ln w="0">
-            <a:noFill/>
-          </a:ln>
-        </p:spPr>
-        <p:txBody>
-          <a:bodyPr lIns="90000" rIns="90000" tIns="45000" bIns="45000" anchor="t">
-            <a:noAutofit/>
-          </a:bodyPr>
-          <a:p>
-            <a:r>
-              <a:rPr b="0" lang="en-IE" sz="1800" spc="-1" strike="noStrike">
-                <a:latin typeface="Arial"/>
-              </a:rPr>
-              <a:t>Schedule stored on Rasberry Pi</a:t>
-            </a:r>
-            <a:endParaRPr b="0" lang="en-IE" sz="1800" spc="-1" strike="noStrike">
-              <a:latin typeface="Arial"/>
-            </a:endParaRPr>
-          </a:p>
-        </p:txBody>
-      </p:sp>
     </p:spTree>
   </p:cSld>
   <mc:AlternateContent>
@@ -11864,7 +14301,7 @@
       </p:grpSpPr>
       <p:sp>
         <p:nvSpPr>
-          <p:cNvPr id="173" name="PlaceHolder 1"/>
+          <p:cNvPr id="215" name="PlaceHolder 1"/>
           <p:cNvSpPr>
             <a:spLocks noGrp="1"/>
           </p:cNvSpPr>
@@ -11874,189 +14311,399 @@
         </p:nvSpPr>
         <p:spPr>
           <a:xfrm>
-            <a:off x="838080" y="365040"/>
-            <a:ext cx="10512000" cy="1321920"/>
-          </a:xfrm>
-          <a:prstGeom prst="rect">
-            <a:avLst/>
-          </a:prstGeom>
-          <a:noFill/>
-          <a:ln w="0">
-            <a:noFill/>
-          </a:ln>
-        </p:spPr>
-        <p:txBody>
-          <a:bodyPr lIns="90000" rIns="90000" tIns="45000" bIns="45000" anchor="ctr">
+            <a:off x="609480" y="273600"/>
+            <a:ext cx="10969200" cy="1141560"/>
+          </a:xfrm>
+          <a:prstGeom prst="rect">
+            <a:avLst/>
+          </a:prstGeom>
+          <a:noFill/>
+          <a:ln w="0">
+            <a:noFill/>
+          </a:ln>
+        </p:spPr>
+        <p:txBody>
+          <a:bodyPr lIns="0" rIns="0" tIns="0" bIns="0" anchor="ctr">
             <a:noAutofit/>
           </a:bodyPr>
           <a:p>
-            <a:pPr>
+            <a:pPr algn="ctr">
               <a:lnSpc>
-                <a:spcPct val="90000"/>
+                <a:spcPct val="100000"/>
               </a:lnSpc>
               <a:buNone/>
             </a:pPr>
             <a:r>
-              <a:rPr b="0" lang="en-GB" sz="4400" spc="-1" strike="noStrike">
+              <a:rPr b="0" lang="en-IE" sz="4400" spc="-1" strike="noStrike">
+                <a:latin typeface="Arial"/>
+              </a:rPr>
+              <a:t>Data Gathering - User</a:t>
+            </a:r>
+            <a:endParaRPr b="0" lang="en-IE" sz="4400" spc="-1" strike="noStrike">
+              <a:latin typeface="Arial"/>
+            </a:endParaRPr>
+          </a:p>
+        </p:txBody>
+      </p:sp>
+      <p:sp>
+        <p:nvSpPr>
+          <p:cNvPr id="216" name=""/>
+          <p:cNvSpPr/>
+          <p:nvPr/>
+        </p:nvSpPr>
+        <p:spPr>
+          <a:xfrm>
+            <a:off x="540000" y="1620000"/>
+            <a:ext cx="11157120" cy="1879200"/>
+          </a:xfrm>
+          <a:prstGeom prst="rect">
+            <a:avLst/>
+          </a:prstGeom>
+          <a:noFill/>
+          <a:ln w="0">
+            <a:noFill/>
+          </a:ln>
+        </p:spPr>
+        <p:style>
+          <a:lnRef idx="0"/>
+          <a:fillRef idx="0"/>
+          <a:effectRef idx="0"/>
+          <a:fontRef idx="minor"/>
+        </p:style>
+        <p:txBody>
+          <a:bodyPr lIns="90000" rIns="90000" tIns="45000" bIns="45000" anchor="t">
+            <a:noAutofit/>
+          </a:bodyPr>
+          <a:p>
+            <a:pPr>
+              <a:lnSpc>
+                <a:spcPct val="100000"/>
+              </a:lnSpc>
+              <a:buNone/>
+            </a:pPr>
+            <a:r>
+              <a:rPr b="0" lang="en-IE" sz="1800" spc="-1" strike="noStrike">
                 <a:solidFill>
                   <a:srgbClr val="000000"/>
                 </a:solidFill>
-                <a:latin typeface="Calibri Light"/>
+                <a:latin typeface="Arial"/>
+                <a:ea typeface="DejaVu Sans"/>
               </a:rPr>
-              <a:t>Data Gathering</a:t>
-            </a:r>
-            <a:endParaRPr b="0" lang="en-IE" sz="4400" spc="-1" strike="noStrike">
-              <a:latin typeface="Arial"/>
-            </a:endParaRPr>
-          </a:p>
-        </p:txBody>
-      </p:sp>
-      <p:sp>
-        <p:nvSpPr>
-          <p:cNvPr id="174" name="PlaceHolder 2"/>
-          <p:cNvSpPr>
-            <a:spLocks noGrp="1"/>
-          </p:cNvSpPr>
-          <p:nvPr>
-            <p:ph/>
-          </p:nvPr>
-        </p:nvSpPr>
-        <p:spPr>
-          <a:xfrm>
-            <a:off x="838080" y="1825560"/>
-            <a:ext cx="10512000" cy="4347720"/>
-          </a:xfrm>
-          <a:prstGeom prst="rect">
-            <a:avLst/>
-          </a:prstGeom>
-          <a:noFill/>
-          <a:ln w="0">
-            <a:noFill/>
-          </a:ln>
-        </p:spPr>
-        <p:txBody>
-          <a:bodyPr lIns="90000" rIns="90000" tIns="45000" bIns="45000" anchor="t">
-            <a:noAutofit/>
-          </a:bodyPr>
-          <a:p>
-            <a:pPr marL="228600" indent="-228600">
+              <a:t>User Data</a:t>
+            </a:r>
+            <a:endParaRPr b="0" lang="en-IE" sz="1800" spc="-1" strike="noStrike">
+              <a:latin typeface="Arial"/>
+            </a:endParaRPr>
+          </a:p>
+          <a:p>
+            <a:pPr>
               <a:lnSpc>
-                <a:spcPct val="90000"/>
+                <a:spcPct val="100000"/>
               </a:lnSpc>
-              <a:spcBef>
-                <a:spcPts val="1001"/>
-              </a:spcBef>
-              <a:buClr>
-                <a:srgbClr val="000000"/>
-              </a:buClr>
-              <a:buFont typeface="Arial"/>
-              <a:buChar char="•"/>
+              <a:buNone/>
             </a:pPr>
             <a:r>
-              <a:rPr b="0" lang="en-IE" sz="2800" spc="-1" strike="noStrike">
+              <a:rPr b="0" lang="en-IE" sz="1800" spc="-1" strike="noStrike">
                 <a:solidFill>
                   <a:srgbClr val="000000"/>
                 </a:solidFill>
-                <a:latin typeface="WordVisi_MSFontService"/>
+                <a:latin typeface="Arial"/>
+                <a:ea typeface="DejaVu Sans"/>
               </a:rPr>
-              <a:t>include detail about the frequency with which each sensor can record a value and how the sensors work</a:t>
-            </a:r>
-            <a:endParaRPr b="0" lang="en-IE" sz="2800" spc="-1" strike="noStrike">
-              <a:latin typeface="Arial"/>
-            </a:endParaRPr>
-          </a:p>
-          <a:p>
-            <a:pPr marL="228600" indent="-228600">
-              <a:lnSpc>
-                <a:spcPct val="90000"/>
-              </a:lnSpc>
-              <a:spcBef>
-                <a:spcPts val="1001"/>
-              </a:spcBef>
-              <a:buClr>
-                <a:srgbClr val="000000"/>
-              </a:buClr>
-              <a:buFont typeface="Arial"/>
-              <a:buChar char="•"/>
-            </a:pPr>
-            <a:r>
-              <a:rPr b="0" lang="en-GB" sz="2800" spc="-1" strike="noStrike">
+              <a:t>	</a:t>
+            </a:r>
+            <a:r>
+              <a:rPr b="0" lang="en-IE" sz="1800" spc="-1" strike="noStrike">
                 <a:solidFill>
                   <a:srgbClr val="000000"/>
                 </a:solidFill>
-                <a:latin typeface="Calibri"/>
+                <a:latin typeface="Arial"/>
+                <a:ea typeface="DejaVu Sans"/>
               </a:rPr>
-              <a:t>What types of data are we gathering</a:t>
-            </a:r>
-            <a:endParaRPr b="0" lang="en-IE" sz="2800" spc="-1" strike="noStrike">
-              <a:latin typeface="Arial"/>
-            </a:endParaRPr>
-          </a:p>
-          <a:p>
-            <a:pPr marL="228600" indent="-228600">
+              <a:t>- User email</a:t>
+            </a:r>
+            <a:endParaRPr b="0" lang="en-IE" sz="1800" spc="-1" strike="noStrike">
+              <a:latin typeface="Arial"/>
+            </a:endParaRPr>
+          </a:p>
+          <a:p>
+            <a:pPr>
               <a:lnSpc>
-                <a:spcPct val="90000"/>
+                <a:spcPct val="100000"/>
               </a:lnSpc>
-              <a:spcBef>
-                <a:spcPts val="1001"/>
-              </a:spcBef>
-              <a:buClr>
-                <a:srgbClr val="000000"/>
-              </a:buClr>
-              <a:buFont typeface="Arial"/>
-              <a:buChar char="•"/>
+              <a:buNone/>
             </a:pPr>
             <a:r>
-              <a:rPr b="0" lang="en-GB" sz="2800" spc="-1" strike="noStrike">
+              <a:rPr b="0" lang="en-IE" sz="1800" spc="-1" strike="noStrike">
                 <a:solidFill>
                   <a:srgbClr val="000000"/>
                 </a:solidFill>
-                <a:latin typeface="Calibri"/>
+                <a:latin typeface="Arial"/>
+                <a:ea typeface="DejaVu Sans"/>
               </a:rPr>
-              <a:t>How much data are we gathering</a:t>
-            </a:r>
-            <a:endParaRPr b="0" lang="en-IE" sz="2800" spc="-1" strike="noStrike">
-              <a:latin typeface="Arial"/>
-            </a:endParaRPr>
-          </a:p>
-          <a:p>
-            <a:pPr marL="228600" indent="-228600">
-              <a:lnSpc>
-                <a:spcPct val="90000"/>
-              </a:lnSpc>
-              <a:spcBef>
-                <a:spcPts val="1001"/>
-              </a:spcBef>
-              <a:buClr>
-                <a:srgbClr val="000000"/>
-              </a:buClr>
-              <a:buFont typeface="Arial"/>
-              <a:buChar char="•"/>
-            </a:pPr>
-            <a:r>
-              <a:rPr b="0" lang="en-GB" sz="2800" spc="-1" strike="noStrike">
+              <a:t>	</a:t>
+            </a:r>
+            <a:r>
+              <a:rPr b="0" lang="en-IE" sz="1800" spc="-1" strike="noStrike">
                 <a:solidFill>
                   <a:srgbClr val="000000"/>
                 </a:solidFill>
-                <a:latin typeface="Calibri"/>
+                <a:latin typeface="Arial"/>
+                <a:ea typeface="DejaVu Sans"/>
               </a:rPr>
-              <a:t>Why do we need to gather this data</a:t>
-            </a:r>
-            <a:endParaRPr b="0" lang="en-IE" sz="2800" spc="-1" strike="noStrike">
+              <a:t>- Password</a:t>
+            </a:r>
+            <a:endParaRPr b="0" lang="en-IE" sz="1800" spc="-1" strike="noStrike">
               <a:latin typeface="Arial"/>
             </a:endParaRPr>
           </a:p>
           <a:p>
             <a:pPr>
               <a:lnSpc>
-                <a:spcPct val="90000"/>
+                <a:spcPct val="100000"/>
               </a:lnSpc>
-              <a:spcBef>
-                <a:spcPts val="1001"/>
-              </a:spcBef>
               <a:buNone/>
             </a:pPr>
-            <a:endParaRPr b="0" lang="en-IE" sz="2800" spc="-1" strike="noStrike">
+            <a:r>
+              <a:rPr b="0" lang="en-IE" sz="1800" spc="-1" strike="noStrike">
+                <a:solidFill>
+                  <a:srgbClr val="000000"/>
+                </a:solidFill>
+                <a:latin typeface="Arial"/>
+                <a:ea typeface="DejaVu Sans"/>
+              </a:rPr>
+              <a:t>	</a:t>
+            </a:r>
+            <a:r>
+              <a:rPr b="0" lang="en-IE" sz="1800" spc="-1" strike="noStrike">
+                <a:solidFill>
+                  <a:srgbClr val="000000"/>
+                </a:solidFill>
+                <a:latin typeface="Arial"/>
+                <a:ea typeface="DejaVu Sans"/>
+              </a:rPr>
+              <a:t>- This will be used to create a user account</a:t>
+            </a:r>
+            <a:endParaRPr b="0" lang="en-IE" sz="1800" spc="-1" strike="noStrike">
+              <a:latin typeface="Arial"/>
+            </a:endParaRPr>
+          </a:p>
+          <a:p>
+            <a:pPr>
+              <a:lnSpc>
+                <a:spcPct val="100000"/>
+              </a:lnSpc>
+              <a:buNone/>
+            </a:pPr>
+            <a:endParaRPr b="0" lang="en-IE" sz="1800" spc="-1" strike="noStrike">
+              <a:latin typeface="Arial"/>
+            </a:endParaRPr>
+          </a:p>
+          <a:p>
+            <a:pPr>
+              <a:lnSpc>
+                <a:spcPct val="100000"/>
+              </a:lnSpc>
+              <a:buNone/>
+            </a:pPr>
+            <a:r>
+              <a:rPr b="0" lang="en-IE" sz="1800" spc="-1" strike="noStrike">
+                <a:solidFill>
+                  <a:srgbClr val="000000"/>
+                </a:solidFill>
+                <a:latin typeface="Arial"/>
+                <a:ea typeface="DejaVu Sans"/>
+              </a:rPr>
+              <a:t>Medication</a:t>
+            </a:r>
+            <a:endParaRPr b="0" lang="en-IE" sz="1800" spc="-1" strike="noStrike">
+              <a:latin typeface="Arial"/>
+            </a:endParaRPr>
+          </a:p>
+          <a:p>
+            <a:pPr>
+              <a:lnSpc>
+                <a:spcPct val="100000"/>
+              </a:lnSpc>
+              <a:buNone/>
+            </a:pPr>
+            <a:r>
+              <a:rPr b="0" lang="en-IE" sz="1800" spc="-1" strike="noStrike">
+                <a:solidFill>
+                  <a:srgbClr val="000000"/>
+                </a:solidFill>
+                <a:latin typeface="Arial"/>
+                <a:ea typeface="DejaVu Sans"/>
+              </a:rPr>
+              <a:t>	</a:t>
+            </a:r>
+            <a:r>
+              <a:rPr b="0" lang="en-IE" sz="1800" spc="-1" strike="noStrike">
+                <a:solidFill>
+                  <a:srgbClr val="000000"/>
+                </a:solidFill>
+                <a:latin typeface="Arial"/>
+                <a:ea typeface="DejaVu Sans"/>
+              </a:rPr>
+              <a:t>- Medication details</a:t>
+            </a:r>
+            <a:endParaRPr b="0" lang="en-IE" sz="1800" spc="-1" strike="noStrike">
+              <a:latin typeface="Arial"/>
+            </a:endParaRPr>
+          </a:p>
+          <a:p>
+            <a:pPr>
+              <a:lnSpc>
+                <a:spcPct val="100000"/>
+              </a:lnSpc>
+              <a:buNone/>
+            </a:pPr>
+            <a:r>
+              <a:rPr b="0" lang="en-IE" sz="1800" spc="-1" strike="noStrike">
+                <a:solidFill>
+                  <a:srgbClr val="000000"/>
+                </a:solidFill>
+                <a:latin typeface="Arial"/>
+                <a:ea typeface="DejaVu Sans"/>
+              </a:rPr>
+              <a:t>	</a:t>
+            </a:r>
+            <a:r>
+              <a:rPr b="0" lang="en-IE" sz="1800" spc="-1" strike="noStrike">
+                <a:solidFill>
+                  <a:srgbClr val="000000"/>
+                </a:solidFill>
+                <a:latin typeface="Arial"/>
+                <a:ea typeface="DejaVu Sans"/>
+              </a:rPr>
+              <a:t>- This will be used to assist in refilling the boxes and to create medication histories</a:t>
+            </a:r>
+            <a:endParaRPr b="0" lang="en-IE" sz="1800" spc="-1" strike="noStrike">
+              <a:latin typeface="Arial"/>
+            </a:endParaRPr>
+          </a:p>
+          <a:p>
+            <a:pPr>
+              <a:lnSpc>
+                <a:spcPct val="100000"/>
+              </a:lnSpc>
+              <a:buNone/>
+            </a:pPr>
+            <a:endParaRPr b="0" lang="en-IE" sz="1800" spc="-1" strike="noStrike">
+              <a:latin typeface="Arial"/>
+            </a:endParaRPr>
+          </a:p>
+          <a:p>
+            <a:pPr>
+              <a:lnSpc>
+                <a:spcPct val="100000"/>
+              </a:lnSpc>
+              <a:buNone/>
+            </a:pPr>
+            <a:r>
+              <a:rPr b="0" lang="en-IE" sz="1800" spc="-1" strike="noStrike">
+                <a:solidFill>
+                  <a:srgbClr val="000000"/>
+                </a:solidFill>
+                <a:latin typeface="Arial"/>
+                <a:ea typeface="DejaVu Sans"/>
+              </a:rPr>
+              <a:t>Time</a:t>
+            </a:r>
+            <a:endParaRPr b="0" lang="en-IE" sz="1800" spc="-1" strike="noStrike">
+              <a:latin typeface="Arial"/>
+            </a:endParaRPr>
+          </a:p>
+          <a:p>
+            <a:pPr>
+              <a:lnSpc>
+                <a:spcPct val="100000"/>
+              </a:lnSpc>
+              <a:buNone/>
+            </a:pPr>
+            <a:r>
+              <a:rPr b="0" lang="en-IE" sz="1800" spc="-1" strike="noStrike">
+                <a:solidFill>
+                  <a:srgbClr val="000000"/>
+                </a:solidFill>
+                <a:latin typeface="Arial"/>
+                <a:ea typeface="DejaVu Sans"/>
+              </a:rPr>
+              <a:t>	</a:t>
+            </a:r>
+            <a:r>
+              <a:rPr b="0" lang="en-IE" sz="1800" spc="-1" strike="noStrike">
+                <a:solidFill>
+                  <a:srgbClr val="000000"/>
+                </a:solidFill>
+                <a:latin typeface="Arial"/>
+                <a:ea typeface="DejaVu Sans"/>
+              </a:rPr>
+              <a:t>- To send notifications</a:t>
+            </a:r>
+            <a:endParaRPr b="0" lang="en-IE" sz="1800" spc="-1" strike="noStrike">
+              <a:latin typeface="Arial"/>
+            </a:endParaRPr>
+          </a:p>
+          <a:p>
+            <a:pPr>
+              <a:lnSpc>
+                <a:spcPct val="100000"/>
+              </a:lnSpc>
+              <a:buNone/>
+            </a:pPr>
+            <a:r>
+              <a:rPr b="0" lang="en-IE" sz="1800" spc="-1" strike="noStrike">
+                <a:solidFill>
+                  <a:srgbClr val="000000"/>
+                </a:solidFill>
+                <a:latin typeface="Arial"/>
+                <a:ea typeface="DejaVu Sans"/>
+              </a:rPr>
+              <a:t>	</a:t>
+            </a:r>
+            <a:r>
+              <a:rPr b="0" lang="en-IE" sz="1800" spc="-1" strike="noStrike">
+                <a:solidFill>
+                  <a:srgbClr val="000000"/>
+                </a:solidFill>
+                <a:latin typeface="Arial"/>
+                <a:ea typeface="DejaVu Sans"/>
+              </a:rPr>
+              <a:t>- To see when a box was opened</a:t>
+            </a:r>
+            <a:endParaRPr b="0" lang="en-IE" sz="1800" spc="-1" strike="noStrike">
+              <a:latin typeface="Arial"/>
+            </a:endParaRPr>
+          </a:p>
+          <a:p>
+            <a:pPr>
+              <a:lnSpc>
+                <a:spcPct val="100000"/>
+              </a:lnSpc>
+              <a:buNone/>
+            </a:pPr>
+            <a:r>
+              <a:rPr b="0" lang="en-IE" sz="1800" spc="-1" strike="noStrike">
+                <a:solidFill>
+                  <a:srgbClr val="000000"/>
+                </a:solidFill>
+                <a:latin typeface="Arial"/>
+                <a:ea typeface="DejaVu Sans"/>
+              </a:rPr>
+              <a:t>	</a:t>
+            </a:r>
+            <a:r>
+              <a:rPr b="0" lang="en-IE" sz="1800" spc="-1" strike="noStrike">
+                <a:solidFill>
+                  <a:srgbClr val="000000"/>
+                </a:solidFill>
+                <a:latin typeface="Arial"/>
+                <a:ea typeface="DejaVu Sans"/>
+              </a:rPr>
+              <a:t>- To record missed doeses</a:t>
+            </a:r>
+            <a:endParaRPr b="0" lang="en-IE" sz="1800" spc="-1" strike="noStrike">
               <a:latin typeface="Arial"/>
             </a:endParaRPr>
           </a:p>
@@ -12094,7 +14741,7 @@
       </p:grpSpPr>
       <p:sp>
         <p:nvSpPr>
-          <p:cNvPr id="175" name="PlaceHolder 1"/>
+          <p:cNvPr id="217" name="PlaceHolder 1"/>
           <p:cNvSpPr>
             <a:spLocks noGrp="1"/>
           </p:cNvSpPr>
@@ -12105,7 +14752,7 @@
         <p:spPr>
           <a:xfrm>
             <a:off x="609480" y="273600"/>
-            <a:ext cx="10969560" cy="1141920"/>
+            <a:ext cx="10969920" cy="1142280"/>
           </a:xfrm>
           <a:prstGeom prst="rect">
             <a:avLst/>
@@ -12130,7 +14777,7 @@
               <a:rPr b="0" lang="en-IE" sz="4400" spc="-1" strike="noStrike">
                 <a:latin typeface="Arial"/>
               </a:rPr>
-              <a:t>Data Gathering - Switches</a:t>
+              <a:t>Data Processing</a:t>
             </a:r>
             <a:endParaRPr b="0" lang="en-IE" sz="4400" spc="-1" strike="noStrike">
               <a:latin typeface="Arial"/>
@@ -12140,14 +14787,14 @@
       </p:sp>
       <p:sp>
         <p:nvSpPr>
-          <p:cNvPr id="176" name=""/>
+          <p:cNvPr id="218" name=""/>
           <p:cNvSpPr/>
           <p:nvPr/>
         </p:nvSpPr>
         <p:spPr>
           <a:xfrm>
-            <a:off x="900000" y="1800000"/>
-            <a:ext cx="10797120" cy="2647080"/>
+            <a:off x="720000" y="1620000"/>
+            <a:ext cx="11157480" cy="855720"/>
           </a:xfrm>
           <a:prstGeom prst="rect">
             <a:avLst/>
@@ -12182,7 +14829,7 @@
                 <a:latin typeface="Arial"/>
                 <a:ea typeface="DejaVu Sans"/>
               </a:rPr>
-              <a:t>Force Sensitive Resistor</a:t>
+              <a:t>Sensor data will be processed locally.</a:t>
             </a:r>
             <a:endParaRPr b="0" lang="en-IE" sz="1800" spc="-1" strike="noStrike">
               <a:latin typeface="Arial"/>
@@ -12203,8 +14850,19 @@
                 <a:latin typeface="Arial"/>
                 <a:ea typeface="DejaVu Sans"/>
               </a:rPr>
-              <a:t>	</a:t>
-            </a:r>
+              <a:t>Notifications and medication history will be process on the AWS server.</a:t>
+            </a:r>
+            <a:endParaRPr b="0" lang="en-IE" sz="1800" spc="-1" strike="noStrike">
+              <a:latin typeface="Arial"/>
+            </a:endParaRPr>
+          </a:p>
+          <a:p>
+            <a:pPr>
+              <a:lnSpc>
+                <a:spcPct val="100000"/>
+              </a:lnSpc>
+              <a:buNone/>
+            </a:pPr>
             <a:r>
               <a:rPr b="0" lang="en-IE" sz="1800" spc="-1" strike="noStrike">
                 <a:solidFill>
@@ -12213,7 +14871,7 @@
                 <a:latin typeface="Arial"/>
                 <a:ea typeface="DejaVu Sans"/>
               </a:rPr>
-              <a:t>- Analog data</a:t>
+              <a:t>Notifications will be sent to the users’ devices by AWS server.</a:t>
             </a:r>
             <a:endParaRPr b="0" lang="en-IE" sz="1800" spc="-1" strike="noStrike">
               <a:latin typeface="Arial"/>
@@ -12234,8 +14892,30 @@
                 <a:latin typeface="Arial"/>
                 <a:ea typeface="DejaVu Sans"/>
               </a:rPr>
-              <a:t>	</a:t>
-            </a:r>
+              <a:t>Medication data will be edited on the web client before being sent to AWS server.</a:t>
+            </a:r>
+            <a:endParaRPr b="0" lang="en-IE" sz="1800" spc="-1" strike="noStrike">
+              <a:latin typeface="Arial"/>
+            </a:endParaRPr>
+          </a:p>
+          <a:p>
+            <a:pPr>
+              <a:lnSpc>
+                <a:spcPct val="100000"/>
+              </a:lnSpc>
+              <a:buNone/>
+            </a:pPr>
+            <a:endParaRPr b="0" lang="en-IE" sz="1800" spc="-1" strike="noStrike">
+              <a:latin typeface="Arial"/>
+            </a:endParaRPr>
+          </a:p>
+          <a:p>
+            <a:pPr>
+              <a:lnSpc>
+                <a:spcPct val="100000"/>
+              </a:lnSpc>
+              <a:buNone/>
+            </a:pPr>
             <a:r>
               <a:rPr b="0" lang="en-IE" sz="1800" spc="-1" strike="noStrike">
                 <a:solidFill>
@@ -12244,8 +14924,19 @@
                 <a:latin typeface="Arial"/>
                 <a:ea typeface="DejaVu Sans"/>
               </a:rPr>
-              <a:t>- Values between 0mV – 5000mV</a:t>
-            </a:r>
+              <a:t>The data will be processed to record if medication was taking on time, a dose was missed and if the medication box will require a refill.</a:t>
+            </a:r>
+            <a:endParaRPr b="0" lang="en-IE" sz="1800" spc="-1" strike="noStrike">
+              <a:latin typeface="Arial"/>
+            </a:endParaRPr>
+          </a:p>
+          <a:p>
+            <a:pPr>
+              <a:lnSpc>
+                <a:spcPct val="100000"/>
+              </a:lnSpc>
+              <a:buNone/>
+            </a:pPr>
             <a:endParaRPr b="0" lang="en-IE" sz="1800" spc="-1" strike="noStrike">
               <a:latin typeface="Arial"/>
             </a:endParaRPr>
@@ -12265,79 +14956,7 @@
                 <a:latin typeface="Arial"/>
                 <a:ea typeface="DejaVu Sans"/>
               </a:rPr>
-              <a:t>	</a:t>
-            </a:r>
-            <a:r>
-              <a:rPr b="0" lang="en-IE" sz="1800" spc="-1" strike="noStrike">
-                <a:solidFill>
-                  <a:srgbClr val="000000"/>
-                </a:solidFill>
-                <a:latin typeface="Arial"/>
-                <a:ea typeface="DejaVu Sans"/>
-              </a:rPr>
-              <a:t>- 0mV reprensents no force</a:t>
-            </a:r>
-            <a:endParaRPr b="0" lang="en-IE" sz="1800" spc="-1" strike="noStrike">
-              <a:latin typeface="Arial"/>
-            </a:endParaRPr>
-          </a:p>
-          <a:p>
-            <a:pPr>
-              <a:lnSpc>
-                <a:spcPct val="100000"/>
-              </a:lnSpc>
-              <a:buNone/>
-            </a:pPr>
-            <a:r>
-              <a:rPr b="0" lang="en-IE" sz="1800" spc="-1" strike="noStrike">
-                <a:solidFill>
-                  <a:srgbClr val="000000"/>
-                </a:solidFill>
-                <a:latin typeface="Arial"/>
-                <a:ea typeface="DejaVu Sans"/>
-              </a:rPr>
-              <a:t>	</a:t>
-            </a:r>
-            <a:r>
-              <a:rPr b="0" lang="en-IE" sz="1800" spc="-1" strike="noStrike">
-                <a:solidFill>
-                  <a:srgbClr val="000000"/>
-                </a:solidFill>
-                <a:latin typeface="Arial"/>
-                <a:ea typeface="DejaVu Sans"/>
-              </a:rPr>
-              <a:t>- 5000mV represents a high force</a:t>
-            </a:r>
-            <a:endParaRPr b="0" lang="en-IE" sz="1800" spc="-1" strike="noStrike">
-              <a:latin typeface="Arial"/>
-            </a:endParaRPr>
-          </a:p>
-          <a:p>
-            <a:pPr>
-              <a:lnSpc>
-                <a:spcPct val="100000"/>
-              </a:lnSpc>
-              <a:buNone/>
-            </a:pPr>
-            <a:r>
-              <a:rPr b="0" lang="en-IE" sz="1800" spc="-1" strike="noStrike">
-                <a:solidFill>
-                  <a:srgbClr val="000000"/>
-                </a:solidFill>
-                <a:latin typeface="Arial"/>
-                <a:ea typeface="DejaVu Sans"/>
-              </a:rPr>
-              <a:t>	</a:t>
-            </a:r>
-            <a:r>
-              <a:rPr b="0" lang="en-IE" sz="1800" spc="-1" strike="noStrike">
-                <a:solidFill>
-                  <a:srgbClr val="000000"/>
-                </a:solidFill>
-                <a:latin typeface="Arial"/>
-                <a:ea typeface="DejaVu Sans"/>
-              </a:rPr>
-              <a:t>- This will tell us if a box is empty or has pills inside</a:t>
+              <a:t>A CRON job will be running to restart the program if it has stopped.</a:t>
             </a:r>
             <a:endParaRPr b="0" lang="en-IE" sz="1800" spc="-1" strike="noStrike">
               <a:latin typeface="Arial"/>
@@ -12354,156 +14973,8 @@
               <a:latin typeface="Arial"/>
             </a:endParaRPr>
           </a:p>
-          <a:p>
-            <a:pPr>
-              <a:lnSpc>
-                <a:spcPct val="100000"/>
-              </a:lnSpc>
-              <a:buNone/>
-            </a:pPr>
-            <a:endParaRPr b="0" lang="en-IE" sz="1800" spc="-1" strike="noStrike">
-              <a:latin typeface="Arial"/>
-            </a:endParaRPr>
-          </a:p>
-          <a:p>
-            <a:pPr>
-              <a:lnSpc>
-                <a:spcPct val="100000"/>
-              </a:lnSpc>
-              <a:buNone/>
-            </a:pPr>
-            <a:r>
-              <a:rPr b="0" lang="en-IE" sz="1800" spc="-1" strike="noStrike">
-                <a:solidFill>
-                  <a:srgbClr val="000000"/>
-                </a:solidFill>
-                <a:latin typeface="Arial"/>
-                <a:ea typeface="DejaVu Sans"/>
-              </a:rPr>
-              <a:t>Micro Switch</a:t>
-            </a:r>
-            <a:endParaRPr b="0" lang="en-IE" sz="1800" spc="-1" strike="noStrike">
-              <a:latin typeface="Arial"/>
-            </a:endParaRPr>
-          </a:p>
-          <a:p>
-            <a:pPr>
-              <a:lnSpc>
-                <a:spcPct val="100000"/>
-              </a:lnSpc>
-              <a:buNone/>
-            </a:pPr>
-            <a:r>
-              <a:rPr b="0" lang="en-IE" sz="1800" spc="-1" strike="noStrike">
-                <a:solidFill>
-                  <a:srgbClr val="000000"/>
-                </a:solidFill>
-                <a:latin typeface="Arial"/>
-                <a:ea typeface="DejaVu Sans"/>
-              </a:rPr>
-              <a:t>	</a:t>
-            </a:r>
-            <a:r>
-              <a:rPr b="0" lang="en-IE" sz="1800" spc="-1" strike="noStrike">
-                <a:solidFill>
-                  <a:srgbClr val="000000"/>
-                </a:solidFill>
-                <a:latin typeface="Arial"/>
-                <a:ea typeface="DejaVu Sans"/>
-              </a:rPr>
-              <a:t>- 0v across an open switch</a:t>
-            </a:r>
-            <a:endParaRPr b="0" lang="en-IE" sz="1800" spc="-1" strike="noStrike">
-              <a:latin typeface="Arial"/>
-            </a:endParaRPr>
-          </a:p>
-          <a:p>
-            <a:pPr>
-              <a:lnSpc>
-                <a:spcPct val="100000"/>
-              </a:lnSpc>
-              <a:buNone/>
-            </a:pPr>
-            <a:r>
-              <a:rPr b="0" lang="en-IE" sz="1800" spc="-1" strike="noStrike">
-                <a:solidFill>
-                  <a:srgbClr val="000000"/>
-                </a:solidFill>
-                <a:latin typeface="Arial"/>
-                <a:ea typeface="DejaVu Sans"/>
-              </a:rPr>
-              <a:t>	</a:t>
-            </a:r>
-            <a:r>
-              <a:rPr b="0" lang="en-IE" sz="1800" spc="-1" strike="noStrike">
-                <a:solidFill>
-                  <a:srgbClr val="000000"/>
-                </a:solidFill>
-                <a:latin typeface="Arial"/>
-                <a:ea typeface="DejaVu Sans"/>
-              </a:rPr>
-              <a:t>- 5v across a closed switch</a:t>
-            </a:r>
-            <a:endParaRPr b="0" lang="en-IE" sz="1800" spc="-1" strike="noStrike">
-              <a:latin typeface="Arial"/>
-            </a:endParaRPr>
-          </a:p>
-          <a:p>
-            <a:pPr>
-              <a:lnSpc>
-                <a:spcPct val="100000"/>
-              </a:lnSpc>
-              <a:buNone/>
-            </a:pPr>
-            <a:r>
-              <a:rPr b="0" lang="en-IE" sz="1800" spc="-1" strike="noStrike">
-                <a:solidFill>
-                  <a:srgbClr val="000000"/>
-                </a:solidFill>
-                <a:latin typeface="Arial"/>
-                <a:ea typeface="DejaVu Sans"/>
-              </a:rPr>
-              <a:t>	</a:t>
-            </a:r>
-            <a:r>
-              <a:rPr b="0" lang="en-IE" sz="1800" spc="-1" strike="noStrike">
-                <a:solidFill>
-                  <a:srgbClr val="000000"/>
-                </a:solidFill>
-                <a:latin typeface="Arial"/>
-                <a:ea typeface="DejaVu Sans"/>
-              </a:rPr>
-              <a:t>- This will tell us if a box is open or closed</a:t>
-            </a:r>
-            <a:endParaRPr b="0" lang="en-IE" sz="1800" spc="-1" strike="noStrike">
-              <a:latin typeface="Arial"/>
-            </a:endParaRPr>
-          </a:p>
-        </p:txBody>
-      </p:sp>
-      <p:pic>
-        <p:nvPicPr>
-          <p:cNvPr id="177" name="" descr=""/>
-          <p:cNvPicPr/>
-          <p:nvPr/>
-        </p:nvPicPr>
-        <p:blipFill>
-          <a:blip r:embed="rId1"/>
-          <a:stretch/>
-        </p:blipFill>
-        <p:spPr>
-          <a:xfrm>
-            <a:off x="7560000" y="1416240"/>
-            <a:ext cx="4021200" cy="2857680"/>
-          </a:xfrm>
-          <a:prstGeom prst="rect">
-            <a:avLst/>
-          </a:prstGeom>
-          <a:ln w="0">
-            <a:noFill/>
-          </a:ln>
-        </p:spPr>
-      </p:pic>
+        </p:txBody>
+      </p:sp>
     </p:spTree>
   </p:cSld>
   <mc:AlternateContent>
@@ -12536,7 +15007,7 @@
       </p:grpSpPr>
       <p:sp>
         <p:nvSpPr>
-          <p:cNvPr id="178" name="PlaceHolder 1"/>
+          <p:cNvPr id="219" name="PlaceHolder 1"/>
           <p:cNvSpPr>
             <a:spLocks noGrp="1"/>
           </p:cNvSpPr>
@@ -12547,7 +15018,7 @@
         <p:spPr>
           <a:xfrm>
             <a:off x="609480" y="273600"/>
-            <a:ext cx="10969560" cy="1141920"/>
+            <a:ext cx="10970640" cy="1143000"/>
           </a:xfrm>
           <a:prstGeom prst="rect">
             <a:avLst/>
@@ -12572,7 +15043,7 @@
               <a:rPr b="0" lang="en-IE" sz="4400" spc="-1" strike="noStrike">
                 <a:latin typeface="Arial"/>
               </a:rPr>
-              <a:t>Data Gathering - User</a:t>
+              <a:t>Data Security</a:t>
             </a:r>
             <a:endParaRPr b="0" lang="en-IE" sz="4400" spc="-1" strike="noStrike">
               <a:latin typeface="Arial"/>
@@ -12582,14 +15053,14 @@
       </p:sp>
       <p:sp>
         <p:nvSpPr>
-          <p:cNvPr id="179" name=""/>
+          <p:cNvPr id="220" name=""/>
           <p:cNvSpPr/>
           <p:nvPr/>
         </p:nvSpPr>
         <p:spPr>
           <a:xfrm>
-            <a:off x="540000" y="1620000"/>
-            <a:ext cx="11157480" cy="1879560"/>
+            <a:off x="360000" y="1440000"/>
+            <a:ext cx="11518200" cy="3959280"/>
           </a:xfrm>
           <a:prstGeom prst="rect">
             <a:avLst/>
@@ -12624,7 +15095,7 @@
                 <a:latin typeface="Arial"/>
                 <a:ea typeface="DejaVu Sans"/>
               </a:rPr>
-              <a:t>User Data</a:t>
+              <a:t>Data will be transferred between the device, server and web/mobile client by HTTPS.</a:t>
             </a:r>
             <a:endParaRPr b="0" lang="en-IE" sz="1800" spc="-1" strike="noStrike">
               <a:latin typeface="Arial"/>
@@ -12645,8 +15116,19 @@
                 <a:latin typeface="Arial"/>
                 <a:ea typeface="DejaVu Sans"/>
               </a:rPr>
-              <a:t>	</a:t>
-            </a:r>
+              <a:t>HTTP GET will only be used to retrieved data.</a:t>
+            </a:r>
+            <a:endParaRPr b="0" lang="en-IE" sz="1800" spc="-1" strike="noStrike">
+              <a:latin typeface="Arial"/>
+            </a:endParaRPr>
+          </a:p>
+          <a:p>
+            <a:pPr>
+              <a:lnSpc>
+                <a:spcPct val="100000"/>
+              </a:lnSpc>
+              <a:buNone/>
+            </a:pPr>
             <a:r>
               <a:rPr b="0" lang="en-IE" sz="1800" spc="-1" strike="noStrike">
                 <a:solidFill>
@@ -12655,8 +15137,19 @@
                 <a:latin typeface="Arial"/>
                 <a:ea typeface="DejaVu Sans"/>
               </a:rPr>
-              <a:t>- User email</a:t>
-            </a:r>
+              <a:t>HTTP POST or PUT will be used to enter or update data.</a:t>
+            </a:r>
+            <a:endParaRPr b="0" lang="en-IE" sz="1800" spc="-1" strike="noStrike">
+              <a:latin typeface="Arial"/>
+            </a:endParaRPr>
+          </a:p>
+          <a:p>
+            <a:pPr>
+              <a:lnSpc>
+                <a:spcPct val="100000"/>
+              </a:lnSpc>
+              <a:buNone/>
+            </a:pPr>
             <a:endParaRPr b="0" lang="en-IE" sz="1800" spc="-1" strike="noStrike">
               <a:latin typeface="Arial"/>
             </a:endParaRPr>
@@ -12676,8 +15169,19 @@
                 <a:latin typeface="Arial"/>
                 <a:ea typeface="DejaVu Sans"/>
               </a:rPr>
-              <a:t>	</a:t>
-            </a:r>
+              <a:t>Sensitive data, such as medication information, will only be stored as encrypted data.</a:t>
+            </a:r>
+            <a:endParaRPr b="0" lang="en-IE" sz="1800" spc="-1" strike="noStrike">
+              <a:latin typeface="Arial"/>
+            </a:endParaRPr>
+          </a:p>
+          <a:p>
+            <a:pPr>
+              <a:lnSpc>
+                <a:spcPct val="100000"/>
+              </a:lnSpc>
+              <a:buNone/>
+            </a:pPr>
             <a:r>
               <a:rPr b="0" lang="en-IE" sz="1800" spc="-1" strike="noStrike">
                 <a:solidFill>
@@ -12686,7 +15190,7 @@
                 <a:latin typeface="Arial"/>
                 <a:ea typeface="DejaVu Sans"/>
               </a:rPr>
-              <a:t>- Password</a:t>
+              <a:t>End to end encryption will be used to ensure only the user as access to sensitive data in a decrypted form.</a:t>
             </a:r>
             <a:endParaRPr b="0" lang="en-IE" sz="1800" spc="-1" strike="noStrike">
               <a:latin typeface="Arial"/>
@@ -12707,8 +15211,19 @@
                 <a:latin typeface="Arial"/>
                 <a:ea typeface="DejaVu Sans"/>
               </a:rPr>
-              <a:t>	</a:t>
-            </a:r>
+              <a:t>The database will be stored on a AWS server.</a:t>
+            </a:r>
+            <a:endParaRPr b="0" lang="en-IE" sz="1800" spc="-1" strike="noStrike">
+              <a:latin typeface="Arial"/>
+            </a:endParaRPr>
+          </a:p>
+          <a:p>
+            <a:pPr>
+              <a:lnSpc>
+                <a:spcPct val="100000"/>
+              </a:lnSpc>
+              <a:buNone/>
+            </a:pPr>
             <a:r>
               <a:rPr b="0" lang="en-IE" sz="1800" spc="-1" strike="noStrike">
                 <a:solidFill>
@@ -12717,19 +15232,8 @@
                 <a:latin typeface="Arial"/>
                 <a:ea typeface="DejaVu Sans"/>
               </a:rPr>
-              <a:t>- This will be used to create a user account</a:t>
-            </a:r>
-            <a:endParaRPr b="0" lang="en-IE" sz="1800" spc="-1" strike="noStrike">
-              <a:latin typeface="Arial"/>
-            </a:endParaRPr>
-          </a:p>
-          <a:p>
-            <a:pPr>
-              <a:lnSpc>
-                <a:spcPct val="100000"/>
-              </a:lnSpc>
-              <a:buNone/>
-            </a:pPr>
+              <a:t>Only times to take medication and which specific box it is stored in will be stored locally.</a:t>
+            </a:r>
             <a:endParaRPr b="0" lang="en-IE" sz="1800" spc="-1" strike="noStrike">
               <a:latin typeface="Arial"/>
             </a:endParaRPr>
@@ -12749,840 +15253,9 @@
                 <a:latin typeface="Arial"/>
                 <a:ea typeface="DejaVu Sans"/>
               </a:rPr>
-              <a:t>Medication</a:t>
+              <a:t>If sensor data is required to be stored locally due to an inability to communicate with the server, it will be wiped after the connection is reestablished and the updates are applied.</a:t>
             </a:r>
             <a:endParaRPr b="0" lang="en-IE" sz="1800" spc="-1" strike="noStrike">
-              <a:latin typeface="Arial"/>
-            </a:endParaRPr>
-          </a:p>
-          <a:p>
-            <a:pPr>
-              <a:lnSpc>
-                <a:spcPct val="100000"/>
-              </a:lnSpc>
-              <a:buNone/>
-            </a:pPr>
-            <a:r>
-              <a:rPr b="0" lang="en-IE" sz="1800" spc="-1" strike="noStrike">
-                <a:solidFill>
-                  <a:srgbClr val="000000"/>
-                </a:solidFill>
-                <a:latin typeface="Arial"/>
-                <a:ea typeface="DejaVu Sans"/>
-              </a:rPr>
-              <a:t>	</a:t>
-            </a:r>
-            <a:r>
-              <a:rPr b="0" lang="en-IE" sz="1800" spc="-1" strike="noStrike">
-                <a:solidFill>
-                  <a:srgbClr val="000000"/>
-                </a:solidFill>
-                <a:latin typeface="Arial"/>
-                <a:ea typeface="DejaVu Sans"/>
-              </a:rPr>
-              <a:t>- Medication details</a:t>
-            </a:r>
-            <a:endParaRPr b="0" lang="en-IE" sz="1800" spc="-1" strike="noStrike">
-              <a:latin typeface="Arial"/>
-            </a:endParaRPr>
-          </a:p>
-          <a:p>
-            <a:pPr>
-              <a:lnSpc>
-                <a:spcPct val="100000"/>
-              </a:lnSpc>
-              <a:buNone/>
-            </a:pPr>
-            <a:r>
-              <a:rPr b="0" lang="en-IE" sz="1800" spc="-1" strike="noStrike">
-                <a:solidFill>
-                  <a:srgbClr val="000000"/>
-                </a:solidFill>
-                <a:latin typeface="Arial"/>
-                <a:ea typeface="DejaVu Sans"/>
-              </a:rPr>
-              <a:t>	</a:t>
-            </a:r>
-            <a:r>
-              <a:rPr b="0" lang="en-IE" sz="1800" spc="-1" strike="noStrike">
-                <a:solidFill>
-                  <a:srgbClr val="000000"/>
-                </a:solidFill>
-                <a:latin typeface="Arial"/>
-                <a:ea typeface="DejaVu Sans"/>
-              </a:rPr>
-              <a:t>- This will be used to assist in refilling the boxes and to create medication histories</a:t>
-            </a:r>
-            <a:endParaRPr b="0" lang="en-IE" sz="1800" spc="-1" strike="noStrike">
-              <a:latin typeface="Arial"/>
-            </a:endParaRPr>
-          </a:p>
-          <a:p>
-            <a:pPr>
-              <a:lnSpc>
-                <a:spcPct val="100000"/>
-              </a:lnSpc>
-              <a:buNone/>
-            </a:pPr>
-            <a:endParaRPr b="0" lang="en-IE" sz="1800" spc="-1" strike="noStrike">
-              <a:latin typeface="Arial"/>
-            </a:endParaRPr>
-          </a:p>
-          <a:p>
-            <a:pPr>
-              <a:lnSpc>
-                <a:spcPct val="100000"/>
-              </a:lnSpc>
-              <a:buNone/>
-            </a:pPr>
-            <a:r>
-              <a:rPr b="0" lang="en-IE" sz="1800" spc="-1" strike="noStrike">
-                <a:solidFill>
-                  <a:srgbClr val="000000"/>
-                </a:solidFill>
-                <a:latin typeface="Arial"/>
-                <a:ea typeface="DejaVu Sans"/>
-              </a:rPr>
-              <a:t>Time</a:t>
-            </a:r>
-            <a:endParaRPr b="0" lang="en-IE" sz="1800" spc="-1" strike="noStrike">
-              <a:latin typeface="Arial"/>
-            </a:endParaRPr>
-          </a:p>
-          <a:p>
-            <a:pPr>
-              <a:lnSpc>
-                <a:spcPct val="100000"/>
-              </a:lnSpc>
-              <a:buNone/>
-            </a:pPr>
-            <a:r>
-              <a:rPr b="0" lang="en-IE" sz="1800" spc="-1" strike="noStrike">
-                <a:solidFill>
-                  <a:srgbClr val="000000"/>
-                </a:solidFill>
-                <a:latin typeface="Arial"/>
-                <a:ea typeface="DejaVu Sans"/>
-              </a:rPr>
-              <a:t>	</a:t>
-            </a:r>
-            <a:r>
-              <a:rPr b="0" lang="en-IE" sz="1800" spc="-1" strike="noStrike">
-                <a:solidFill>
-                  <a:srgbClr val="000000"/>
-                </a:solidFill>
-                <a:latin typeface="Arial"/>
-                <a:ea typeface="DejaVu Sans"/>
-              </a:rPr>
-              <a:t>- To send notifications</a:t>
-            </a:r>
-            <a:endParaRPr b="0" lang="en-IE" sz="1800" spc="-1" strike="noStrike">
-              <a:latin typeface="Arial"/>
-            </a:endParaRPr>
-          </a:p>
-          <a:p>
-            <a:pPr>
-              <a:lnSpc>
-                <a:spcPct val="100000"/>
-              </a:lnSpc>
-              <a:buNone/>
-            </a:pPr>
-            <a:r>
-              <a:rPr b="0" lang="en-IE" sz="1800" spc="-1" strike="noStrike">
-                <a:solidFill>
-                  <a:srgbClr val="000000"/>
-                </a:solidFill>
-                <a:latin typeface="Arial"/>
-                <a:ea typeface="DejaVu Sans"/>
-              </a:rPr>
-              <a:t>	</a:t>
-            </a:r>
-            <a:r>
-              <a:rPr b="0" lang="en-IE" sz="1800" spc="-1" strike="noStrike">
-                <a:solidFill>
-                  <a:srgbClr val="000000"/>
-                </a:solidFill>
-                <a:latin typeface="Arial"/>
-                <a:ea typeface="DejaVu Sans"/>
-              </a:rPr>
-              <a:t>- To see when a box was opened</a:t>
-            </a:r>
-            <a:endParaRPr b="0" lang="en-IE" sz="1800" spc="-1" strike="noStrike">
-              <a:latin typeface="Arial"/>
-            </a:endParaRPr>
-          </a:p>
-          <a:p>
-            <a:pPr>
-              <a:lnSpc>
-                <a:spcPct val="100000"/>
-              </a:lnSpc>
-              <a:buNone/>
-            </a:pPr>
-            <a:r>
-              <a:rPr b="0" lang="en-IE" sz="1800" spc="-1" strike="noStrike">
-                <a:solidFill>
-                  <a:srgbClr val="000000"/>
-                </a:solidFill>
-                <a:latin typeface="Arial"/>
-                <a:ea typeface="DejaVu Sans"/>
-              </a:rPr>
-              <a:t>	</a:t>
-            </a:r>
-            <a:r>
-              <a:rPr b="0" lang="en-IE" sz="1800" spc="-1" strike="noStrike">
-                <a:solidFill>
-                  <a:srgbClr val="000000"/>
-                </a:solidFill>
-                <a:latin typeface="Arial"/>
-                <a:ea typeface="DejaVu Sans"/>
-              </a:rPr>
-              <a:t>- To record missed doeses</a:t>
-            </a:r>
-            <a:endParaRPr b="0" lang="en-IE" sz="1800" spc="-1" strike="noStrike">
-              <a:latin typeface="Arial"/>
-            </a:endParaRPr>
-          </a:p>
-        </p:txBody>
-      </p:sp>
-    </p:spTree>
-  </p:cSld>
-  <mc:AlternateContent>
-    <mc:Choice Requires="p14">
-      <p:transition spd="slow" p14:dur="2000"/>
-    </mc:Choice>
-    <mc:Fallback>
-      <p:transition spd="slow"/>
-    </mc:Fallback>
-  </mc:AlternateContent>
-</p:sld>
-</file>
-
-<file path=ppt/slides/slide7.xml><?xml version="1.0" encoding="utf-8"?>
-<p:sld xmlns:a="http://schemas.openxmlformats.org/drawingml/2006/main" xmlns:p="http://schemas.openxmlformats.org/presentationml/2006/main" xmlns:r="http://schemas.openxmlformats.org/officeDocument/2006/relationships" xmlns:p14="http://schemas.microsoft.com/office/powerpoint/2010/main" xmlns:p15="http://schemas.microsoft.com/office/powerpoint/2012/main" xmlns:mc="http://schemas.openxmlformats.org/markup-compatibility/2006">
-  <p:cSld>
-    <p:spTree>
-      <p:nvGrpSpPr>
-        <p:cNvPr id="1" name=""/>
-        <p:cNvGrpSpPr/>
-        <p:nvPr/>
-      </p:nvGrpSpPr>
-      <p:grpSpPr>
-        <a:xfrm>
-          <a:off x="0" y="0"/>
-          <a:ext cx="0" cy="0"/>
-          <a:chOff x="0" y="0"/>
-          <a:chExt cx="0" cy="0"/>
-        </a:xfrm>
-      </p:grpSpPr>
-      <p:sp>
-        <p:nvSpPr>
-          <p:cNvPr id="180" name="PlaceHolder 1"/>
-          <p:cNvSpPr>
-            <a:spLocks noGrp="1"/>
-          </p:cNvSpPr>
-          <p:nvPr>
-            <p:ph type="title"/>
-          </p:nvPr>
-        </p:nvSpPr>
-        <p:spPr>
-          <a:xfrm>
-            <a:off x="838080" y="365040"/>
-            <a:ext cx="10512000" cy="1321920"/>
-          </a:xfrm>
-          <a:prstGeom prst="rect">
-            <a:avLst/>
-          </a:prstGeom>
-          <a:noFill/>
-          <a:ln w="0">
-            <a:noFill/>
-          </a:ln>
-        </p:spPr>
-        <p:txBody>
-          <a:bodyPr lIns="90000" rIns="90000" tIns="45000" bIns="45000" anchor="ctr">
-            <a:noAutofit/>
-          </a:bodyPr>
-          <a:p>
-            <a:pPr>
-              <a:lnSpc>
-                <a:spcPct val="90000"/>
-              </a:lnSpc>
-              <a:buNone/>
-            </a:pPr>
-            <a:r>
-              <a:rPr b="0" lang="en-GB" sz="4400" spc="-1" strike="noStrike">
-                <a:solidFill>
-                  <a:srgbClr val="000000"/>
-                </a:solidFill>
-                <a:latin typeface="Calibri Light"/>
-              </a:rPr>
-              <a:t>Data Processing</a:t>
-            </a:r>
-            <a:endParaRPr b="0" lang="en-IE" sz="4400" spc="-1" strike="noStrike">
-              <a:latin typeface="Arial"/>
-            </a:endParaRPr>
-          </a:p>
-        </p:txBody>
-      </p:sp>
-      <p:sp>
-        <p:nvSpPr>
-          <p:cNvPr id="181" name="PlaceHolder 2"/>
-          <p:cNvSpPr>
-            <a:spLocks noGrp="1"/>
-          </p:cNvSpPr>
-          <p:nvPr>
-            <p:ph/>
-          </p:nvPr>
-        </p:nvSpPr>
-        <p:spPr>
-          <a:xfrm>
-            <a:off x="838080" y="1825560"/>
-            <a:ext cx="10512000" cy="4347720"/>
-          </a:xfrm>
-          <a:prstGeom prst="rect">
-            <a:avLst/>
-          </a:prstGeom>
-          <a:noFill/>
-          <a:ln w="0">
-            <a:noFill/>
-          </a:ln>
-        </p:spPr>
-        <p:txBody>
-          <a:bodyPr lIns="90000" rIns="90000" tIns="45000" bIns="45000" anchor="t">
-            <a:noAutofit/>
-          </a:bodyPr>
-          <a:p>
-            <a:pPr marL="228600" indent="-228600">
-              <a:lnSpc>
-                <a:spcPct val="90000"/>
-              </a:lnSpc>
-              <a:spcBef>
-                <a:spcPts val="1001"/>
-              </a:spcBef>
-              <a:buClr>
-                <a:srgbClr val="000000"/>
-              </a:buClr>
-              <a:buFont typeface="Arial"/>
-              <a:buChar char="•"/>
-            </a:pPr>
-            <a:r>
-              <a:rPr b="0" lang="en-GB" sz="2800" spc="-1" strike="noStrike">
-                <a:solidFill>
-                  <a:srgbClr val="000000"/>
-                </a:solidFill>
-                <a:latin typeface="Calibri"/>
-              </a:rPr>
-              <a:t>Where is the data processed</a:t>
-            </a:r>
-            <a:endParaRPr b="0" lang="en-IE" sz="2800" spc="-1" strike="noStrike">
-              <a:latin typeface="Arial"/>
-            </a:endParaRPr>
-          </a:p>
-          <a:p>
-            <a:pPr marL="228600" indent="-228600">
-              <a:lnSpc>
-                <a:spcPct val="90000"/>
-              </a:lnSpc>
-              <a:spcBef>
-                <a:spcPts val="1001"/>
-              </a:spcBef>
-              <a:buClr>
-                <a:srgbClr val="000000"/>
-              </a:buClr>
-              <a:buFont typeface="Arial"/>
-              <a:buChar char="•"/>
-            </a:pPr>
-            <a:r>
-              <a:rPr b="0" lang="en-GB" sz="2800" spc="-1" strike="noStrike">
-                <a:solidFill>
-                  <a:srgbClr val="000000"/>
-                </a:solidFill>
-                <a:latin typeface="Calibri"/>
-              </a:rPr>
-              <a:t>What is the end result of data processing</a:t>
-            </a:r>
-            <a:endParaRPr b="0" lang="en-IE" sz="2800" spc="-1" strike="noStrike">
-              <a:latin typeface="Arial"/>
-            </a:endParaRPr>
-          </a:p>
-          <a:p>
-            <a:pPr marL="228600" indent="-228600">
-              <a:lnSpc>
-                <a:spcPct val="90000"/>
-              </a:lnSpc>
-              <a:spcBef>
-                <a:spcPts val="1001"/>
-              </a:spcBef>
-              <a:buClr>
-                <a:srgbClr val="000000"/>
-              </a:buClr>
-              <a:buFont typeface="Arial"/>
-              <a:buChar char="•"/>
-            </a:pPr>
-            <a:r>
-              <a:rPr b="0" lang="en-GB" sz="2800" spc="-1" strike="noStrike">
-                <a:solidFill>
-                  <a:srgbClr val="000000"/>
-                </a:solidFill>
-                <a:latin typeface="Calibri"/>
-              </a:rPr>
-              <a:t>How CRON fits into the process</a:t>
-            </a:r>
-            <a:endParaRPr b="0" lang="en-IE" sz="2800" spc="-1" strike="noStrike">
-              <a:latin typeface="Arial"/>
-            </a:endParaRPr>
-          </a:p>
-          <a:p>
-            <a:pPr lvl="1" marL="685800" indent="-228600">
-              <a:lnSpc>
-                <a:spcPct val="90000"/>
-              </a:lnSpc>
-              <a:spcBef>
-                <a:spcPts val="499"/>
-              </a:spcBef>
-              <a:buClr>
-                <a:srgbClr val="000000"/>
-              </a:buClr>
-              <a:buFont typeface="Arial"/>
-              <a:buChar char="•"/>
-            </a:pPr>
-            <a:r>
-              <a:rPr b="0" lang="en-GB" sz="2400" spc="-1" strike="noStrike">
-                <a:solidFill>
-                  <a:srgbClr val="000000"/>
-                </a:solidFill>
-                <a:latin typeface="Calibri"/>
-              </a:rPr>
-              <a:t>List the cron jobs that will be run</a:t>
-            </a:r>
-            <a:endParaRPr b="0" lang="en-IE" sz="2400" spc="-1" strike="noStrike">
-              <a:latin typeface="Arial"/>
-            </a:endParaRPr>
-          </a:p>
-        </p:txBody>
-      </p:sp>
-    </p:spTree>
-  </p:cSld>
-  <mc:AlternateContent>
-    <mc:Choice Requires="p14">
-      <p:transition spd="slow" p14:dur="2000"/>
-    </mc:Choice>
-    <mc:Fallback>
-      <p:transition spd="slow"/>
-    </mc:Fallback>
-  </mc:AlternateContent>
-</p:sld>
-</file>
-
-<file path=ppt/slides/slide8.xml><?xml version="1.0" encoding="utf-8"?>
-<p:sld xmlns:a="http://schemas.openxmlformats.org/drawingml/2006/main" xmlns:p="http://schemas.openxmlformats.org/presentationml/2006/main" xmlns:r="http://schemas.openxmlformats.org/officeDocument/2006/relationships" xmlns:p14="http://schemas.microsoft.com/office/powerpoint/2010/main" xmlns:p15="http://schemas.microsoft.com/office/powerpoint/2012/main" xmlns:mc="http://schemas.openxmlformats.org/markup-compatibility/2006">
-  <p:cSld>
-    <p:spTree>
-      <p:nvGrpSpPr>
-        <p:cNvPr id="1" name=""/>
-        <p:cNvGrpSpPr/>
-        <p:nvPr/>
-      </p:nvGrpSpPr>
-      <p:grpSpPr>
-        <a:xfrm>
-          <a:off x="0" y="0"/>
-          <a:ext cx="0" cy="0"/>
-          <a:chOff x="0" y="0"/>
-          <a:chExt cx="0" cy="0"/>
-        </a:xfrm>
-      </p:grpSpPr>
-      <p:sp>
-        <p:nvSpPr>
-          <p:cNvPr id="182" name="PlaceHolder 1"/>
-          <p:cNvSpPr>
-            <a:spLocks noGrp="1"/>
-          </p:cNvSpPr>
-          <p:nvPr>
-            <p:ph type="title"/>
-          </p:nvPr>
-        </p:nvSpPr>
-        <p:spPr>
-          <a:xfrm>
-            <a:off x="609480" y="273600"/>
-            <a:ext cx="10970280" cy="1142640"/>
-          </a:xfrm>
-          <a:prstGeom prst="rect">
-            <a:avLst/>
-          </a:prstGeom>
-          <a:noFill/>
-          <a:ln w="0">
-            <a:noFill/>
-          </a:ln>
-        </p:spPr>
-        <p:txBody>
-          <a:bodyPr lIns="0" rIns="0" tIns="0" bIns="0" anchor="ctr">
-            <a:noAutofit/>
-          </a:bodyPr>
-          <a:p>
-            <a:pPr algn="ctr">
-              <a:lnSpc>
-                <a:spcPct val="100000"/>
-              </a:lnSpc>
-              <a:buNone/>
-            </a:pPr>
-            <a:r>
-              <a:rPr b="0" lang="en-IE" sz="4400" spc="-1" strike="noStrike">
-                <a:latin typeface="Arial"/>
-              </a:rPr>
-              <a:t>Data Processing</a:t>
-            </a:r>
-            <a:endParaRPr b="0" lang="en-IE" sz="4400" spc="-1" strike="noStrike">
-              <a:latin typeface="Arial"/>
-            </a:endParaRPr>
-          </a:p>
-        </p:txBody>
-      </p:sp>
-      <p:sp>
-        <p:nvSpPr>
-          <p:cNvPr id="183" name=""/>
-          <p:cNvSpPr/>
-          <p:nvPr/>
-        </p:nvSpPr>
-        <p:spPr>
-          <a:xfrm>
-            <a:off x="720000" y="1620000"/>
-            <a:ext cx="11157840" cy="856080"/>
-          </a:xfrm>
-          <a:prstGeom prst="rect">
-            <a:avLst/>
-          </a:prstGeom>
-          <a:noFill/>
-          <a:ln w="0">
-            <a:noFill/>
-          </a:ln>
-        </p:spPr>
-        <p:style>
-          <a:lnRef idx="0"/>
-          <a:fillRef idx="0"/>
-          <a:effectRef idx="0"/>
-          <a:fontRef idx="minor"/>
-        </p:style>
-        <p:txBody>
-          <a:bodyPr lIns="90000" rIns="90000" tIns="45000" bIns="45000" anchor="t">
-            <a:noAutofit/>
-          </a:bodyPr>
-          <a:p>
-            <a:pPr>
-              <a:lnSpc>
-                <a:spcPct val="100000"/>
-              </a:lnSpc>
-              <a:buNone/>
-            </a:pPr>
-            <a:r>
-              <a:rPr b="0" lang="en-IE" sz="1800" spc="-1" strike="noStrike">
-                <a:solidFill>
-                  <a:srgbClr val="000000"/>
-                </a:solidFill>
-                <a:latin typeface="Arial"/>
-                <a:ea typeface="DejaVu Sans"/>
-              </a:rPr>
-              <a:t>Sensor data will be processed locally.</a:t>
-            </a:r>
-            <a:endParaRPr b="0" lang="en-IE" sz="1800" spc="-1" strike="noStrike">
-              <a:latin typeface="Arial"/>
-            </a:endParaRPr>
-          </a:p>
-          <a:p>
-            <a:pPr>
-              <a:lnSpc>
-                <a:spcPct val="100000"/>
-              </a:lnSpc>
-              <a:buNone/>
-            </a:pPr>
-            <a:r>
-              <a:rPr b="0" lang="en-IE" sz="1800" spc="-1" strike="noStrike">
-                <a:solidFill>
-                  <a:srgbClr val="000000"/>
-                </a:solidFill>
-                <a:latin typeface="Arial"/>
-                <a:ea typeface="DejaVu Sans"/>
-              </a:rPr>
-              <a:t>Notifications and medication history will be process on the AWS server.</a:t>
-            </a:r>
-            <a:endParaRPr b="0" lang="en-IE" sz="1800" spc="-1" strike="noStrike">
-              <a:latin typeface="Arial"/>
-            </a:endParaRPr>
-          </a:p>
-          <a:p>
-            <a:pPr>
-              <a:lnSpc>
-                <a:spcPct val="100000"/>
-              </a:lnSpc>
-              <a:buNone/>
-            </a:pPr>
-            <a:r>
-              <a:rPr b="0" lang="en-IE" sz="1800" spc="-1" strike="noStrike">
-                <a:solidFill>
-                  <a:srgbClr val="000000"/>
-                </a:solidFill>
-                <a:latin typeface="Arial"/>
-                <a:ea typeface="DejaVu Sans"/>
-              </a:rPr>
-              <a:t>Notifications will be sent to the users’ devices by AWS server.</a:t>
-            </a:r>
-            <a:endParaRPr b="0" lang="en-IE" sz="1800" spc="-1" strike="noStrike">
-              <a:latin typeface="Arial"/>
-            </a:endParaRPr>
-          </a:p>
-          <a:p>
-            <a:pPr>
-              <a:lnSpc>
-                <a:spcPct val="100000"/>
-              </a:lnSpc>
-              <a:buNone/>
-            </a:pPr>
-            <a:r>
-              <a:rPr b="0" lang="en-IE" sz="1800" spc="-1" strike="noStrike">
-                <a:solidFill>
-                  <a:srgbClr val="000000"/>
-                </a:solidFill>
-                <a:latin typeface="Arial"/>
-                <a:ea typeface="DejaVu Sans"/>
-              </a:rPr>
-              <a:t>Medication data will be edited on the web client before being sent to AWS server.</a:t>
-            </a:r>
-            <a:endParaRPr b="0" lang="en-IE" sz="1800" spc="-1" strike="noStrike">
-              <a:latin typeface="Arial"/>
-            </a:endParaRPr>
-          </a:p>
-          <a:p>
-            <a:pPr>
-              <a:lnSpc>
-                <a:spcPct val="100000"/>
-              </a:lnSpc>
-              <a:buNone/>
-            </a:pPr>
-            <a:endParaRPr b="0" lang="en-IE" sz="1800" spc="-1" strike="noStrike">
-              <a:latin typeface="Arial"/>
-            </a:endParaRPr>
-          </a:p>
-          <a:p>
-            <a:pPr>
-              <a:lnSpc>
-                <a:spcPct val="100000"/>
-              </a:lnSpc>
-              <a:buNone/>
-            </a:pPr>
-            <a:r>
-              <a:rPr b="0" lang="en-IE" sz="1800" spc="-1" strike="noStrike">
-                <a:solidFill>
-                  <a:srgbClr val="000000"/>
-                </a:solidFill>
-                <a:latin typeface="Arial"/>
-                <a:ea typeface="DejaVu Sans"/>
-              </a:rPr>
-              <a:t>The data will be processed to record if medication was taking on time, a dose was missed and if the medication box will require a refill.</a:t>
-            </a:r>
-            <a:endParaRPr b="0" lang="en-IE" sz="1800" spc="-1" strike="noStrike">
-              <a:latin typeface="Arial"/>
-            </a:endParaRPr>
-          </a:p>
-          <a:p>
-            <a:pPr>
-              <a:lnSpc>
-                <a:spcPct val="100000"/>
-              </a:lnSpc>
-              <a:buNone/>
-            </a:pPr>
-            <a:endParaRPr b="0" lang="en-IE" sz="1800" spc="-1" strike="noStrike">
-              <a:latin typeface="Arial"/>
-            </a:endParaRPr>
-          </a:p>
-          <a:p>
-            <a:pPr>
-              <a:lnSpc>
-                <a:spcPct val="100000"/>
-              </a:lnSpc>
-              <a:buNone/>
-            </a:pPr>
-            <a:r>
-              <a:rPr b="0" lang="en-IE" sz="1800" spc="-1" strike="noStrike">
-                <a:solidFill>
-                  <a:srgbClr val="000000"/>
-                </a:solidFill>
-                <a:latin typeface="Arial"/>
-                <a:ea typeface="DejaVu Sans"/>
-              </a:rPr>
-              <a:t>A CRON job will be running to restart the program if it has stopped.</a:t>
-            </a:r>
-            <a:endParaRPr b="0" lang="en-IE" sz="1800" spc="-1" strike="noStrike">
-              <a:latin typeface="Arial"/>
-            </a:endParaRPr>
-          </a:p>
-          <a:p>
-            <a:pPr>
-              <a:lnSpc>
-                <a:spcPct val="100000"/>
-              </a:lnSpc>
-              <a:buNone/>
-            </a:pPr>
-            <a:endParaRPr b="0" lang="en-IE" sz="1800" spc="-1" strike="noStrike">
-              <a:latin typeface="Arial"/>
-            </a:endParaRPr>
-          </a:p>
-        </p:txBody>
-      </p:sp>
-    </p:spTree>
-  </p:cSld>
-  <mc:AlternateContent>
-    <mc:Choice Requires="p14">
-      <p:transition spd="slow" p14:dur="2000"/>
-    </mc:Choice>
-    <mc:Fallback>
-      <p:transition spd="slow"/>
-    </mc:Fallback>
-  </mc:AlternateContent>
-</p:sld>
-</file>
-
-<file path=ppt/slides/slide9.xml><?xml version="1.0" encoding="utf-8"?>
-<p:sld xmlns:a="http://schemas.openxmlformats.org/drawingml/2006/main" xmlns:p="http://schemas.openxmlformats.org/presentationml/2006/main" xmlns:r="http://schemas.openxmlformats.org/officeDocument/2006/relationships" xmlns:p14="http://schemas.microsoft.com/office/powerpoint/2010/main" xmlns:p15="http://schemas.microsoft.com/office/powerpoint/2012/main" xmlns:mc="http://schemas.openxmlformats.org/markup-compatibility/2006">
-  <p:cSld>
-    <p:spTree>
-      <p:nvGrpSpPr>
-        <p:cNvPr id="1" name=""/>
-        <p:cNvGrpSpPr/>
-        <p:nvPr/>
-      </p:nvGrpSpPr>
-      <p:grpSpPr>
-        <a:xfrm>
-          <a:off x="0" y="0"/>
-          <a:ext cx="0" cy="0"/>
-          <a:chOff x="0" y="0"/>
-          <a:chExt cx="0" cy="0"/>
-        </a:xfrm>
-      </p:grpSpPr>
-      <p:sp>
-        <p:nvSpPr>
-          <p:cNvPr id="184" name="PlaceHolder 1"/>
-          <p:cNvSpPr>
-            <a:spLocks noGrp="1"/>
-          </p:cNvSpPr>
-          <p:nvPr>
-            <p:ph type="title"/>
-          </p:nvPr>
-        </p:nvSpPr>
-        <p:spPr>
-          <a:xfrm>
-            <a:off x="838080" y="365040"/>
-            <a:ext cx="10512000" cy="1321920"/>
-          </a:xfrm>
-          <a:prstGeom prst="rect">
-            <a:avLst/>
-          </a:prstGeom>
-          <a:noFill/>
-          <a:ln w="0">
-            <a:noFill/>
-          </a:ln>
-        </p:spPr>
-        <p:txBody>
-          <a:bodyPr lIns="90000" rIns="90000" tIns="45000" bIns="45000" anchor="ctr">
-            <a:noAutofit/>
-          </a:bodyPr>
-          <a:p>
-            <a:pPr>
-              <a:lnSpc>
-                <a:spcPct val="90000"/>
-              </a:lnSpc>
-              <a:buNone/>
-            </a:pPr>
-            <a:r>
-              <a:rPr b="0" lang="en-GB" sz="4400" spc="-1" strike="noStrike">
-                <a:solidFill>
-                  <a:srgbClr val="000000"/>
-                </a:solidFill>
-                <a:latin typeface="Calibri Light"/>
-              </a:rPr>
-              <a:t>Security of Transmitted Data</a:t>
-            </a:r>
-            <a:endParaRPr b="0" lang="en-IE" sz="4400" spc="-1" strike="noStrike">
-              <a:latin typeface="Arial"/>
-            </a:endParaRPr>
-          </a:p>
-        </p:txBody>
-      </p:sp>
-      <p:sp>
-        <p:nvSpPr>
-          <p:cNvPr id="185" name="PlaceHolder 2"/>
-          <p:cNvSpPr>
-            <a:spLocks noGrp="1"/>
-          </p:cNvSpPr>
-          <p:nvPr>
-            <p:ph/>
-          </p:nvPr>
-        </p:nvSpPr>
-        <p:spPr>
-          <a:xfrm>
-            <a:off x="838080" y="1825560"/>
-            <a:ext cx="10512000" cy="4347720"/>
-          </a:xfrm>
-          <a:prstGeom prst="rect">
-            <a:avLst/>
-          </a:prstGeom>
-          <a:noFill/>
-          <a:ln w="0">
-            <a:noFill/>
-          </a:ln>
-        </p:spPr>
-        <p:txBody>
-          <a:bodyPr lIns="90000" rIns="90000" tIns="45000" bIns="45000" anchor="t">
-            <a:noAutofit/>
-          </a:bodyPr>
-          <a:p>
-            <a:pPr marL="228600" indent="-228600">
-              <a:lnSpc>
-                <a:spcPct val="90000"/>
-              </a:lnSpc>
-              <a:spcBef>
-                <a:spcPts val="1001"/>
-              </a:spcBef>
-              <a:buClr>
-                <a:srgbClr val="000000"/>
-              </a:buClr>
-              <a:buFont typeface="Arial"/>
-              <a:buChar char="•"/>
-            </a:pPr>
-            <a:r>
-              <a:rPr b="0" lang="en-GB" sz="2800" spc="-1" strike="noStrike">
-                <a:solidFill>
-                  <a:srgbClr val="000000"/>
-                </a:solidFill>
-                <a:latin typeface="Calibri"/>
-              </a:rPr>
-              <a:t>e.g Using POST instead of GET</a:t>
-            </a:r>
-            <a:endParaRPr b="0" lang="en-IE" sz="2800" spc="-1" strike="noStrike">
-              <a:latin typeface="Arial"/>
-            </a:endParaRPr>
-          </a:p>
-          <a:p>
-            <a:pPr marL="228600" indent="-228600">
-              <a:lnSpc>
-                <a:spcPct val="90000"/>
-              </a:lnSpc>
-              <a:spcBef>
-                <a:spcPts val="1001"/>
-              </a:spcBef>
-              <a:buClr>
-                <a:srgbClr val="000000"/>
-              </a:buClr>
-              <a:buFont typeface="Arial"/>
-              <a:buChar char="•"/>
-            </a:pPr>
-            <a:r>
-              <a:rPr b="0" lang="en-GB" sz="2800" spc="-1" strike="noStrike">
-                <a:solidFill>
-                  <a:srgbClr val="000000"/>
-                </a:solidFill>
-                <a:latin typeface="Calibri"/>
-              </a:rPr>
-              <a:t>Make sure the data can’t be intercepted with something like wireshark</a:t>
-            </a:r>
-            <a:endParaRPr b="0" lang="en-IE" sz="2800" spc="-1" strike="noStrike">
               <a:latin typeface="Arial"/>
             </a:endParaRPr>
           </a:p>
@@ -14503,4 +16176,230 @@
     </a:fmtScheme>
   </a:themeElements>
 </a:theme>
+</file>
+
+<file path=ppt/theme/theme5.xml><?xml version="1.0" encoding="utf-8"?>
+<a:theme xmlns:a="http://schemas.openxmlformats.org/drawingml/2006/main" name="Office Theme">
+  <a:themeElements>
+    <a:clrScheme name="Office">
+      <a:dk1>
+        <a:sysClr val="windowText" lastClr="000000"/>
+      </a:dk1>
+      <a:lt1>
+        <a:sysClr val="window" lastClr="FFFFFF"/>
+      </a:lt1>
+      <a:dk2>
+        <a:srgbClr val="44546a"/>
+      </a:dk2>
+      <a:lt2>
+        <a:srgbClr val="e7e6e6"/>
+      </a:lt2>
+      <a:accent1>
+        <a:srgbClr val="4472c4"/>
+      </a:accent1>
+      <a:accent2>
+        <a:srgbClr val="ed7d31"/>
+      </a:accent2>
+      <a:accent3>
+        <a:srgbClr val="a5a5a5"/>
+      </a:accent3>
+      <a:accent4>
+        <a:srgbClr val="ffc000"/>
+      </a:accent4>
+      <a:accent5>
+        <a:srgbClr val="5b9bd5"/>
+      </a:accent5>
+      <a:accent6>
+        <a:srgbClr val="70ad47"/>
+      </a:accent6>
+      <a:hlink>
+        <a:srgbClr val="0563c1"/>
+      </a:hlink>
+      <a:folHlink>
+        <a:srgbClr val="954f72"/>
+      </a:folHlink>
+    </a:clrScheme>
+    <a:fontScheme name="Office">
+      <a:majorFont>
+        <a:latin typeface="Arial"/>
+        <a:ea typeface="DejaVu Sans"/>
+        <a:cs typeface="DejaVu Sans"/>
+      </a:majorFont>
+      <a:minorFont>
+        <a:latin typeface="Arial"/>
+        <a:ea typeface="DejaVu Sans"/>
+        <a:cs typeface="DejaVu Sans"/>
+      </a:minorFont>
+    </a:fontScheme>
+    <a:fmtScheme name="Office">
+      <a:fillStyleLst>
+        <a:solidFill>
+          <a:schemeClr val="phClr"/>
+        </a:solidFill>
+        <a:gradFill rotWithShape="1">
+          <a:gsLst>
+            <a:gs pos="0">
+              <a:schemeClr val="phClr">
+                <a:tint val="50000"/>
+                <a:satMod val="300000"/>
+              </a:schemeClr>
+            </a:gs>
+            <a:gs pos="35000">
+              <a:schemeClr val="phClr">
+                <a:tint val="37000"/>
+                <a:satMod val="300000"/>
+              </a:schemeClr>
+            </a:gs>
+            <a:gs pos="100000">
+              <a:schemeClr val="phClr">
+                <a:tint val="15000"/>
+                <a:satMod val="350000"/>
+              </a:schemeClr>
+            </a:gs>
+          </a:gsLst>
+          <a:lin ang="16200000" scaled="1"/>
+        </a:gradFill>
+        <a:gradFill rotWithShape="1">
+          <a:gsLst>
+            <a:gs pos="0">
+              <a:schemeClr val="phClr">
+                <a:shade val="51000"/>
+                <a:satMod val="130000"/>
+              </a:schemeClr>
+            </a:gs>
+            <a:gs pos="80000">
+              <a:schemeClr val="phClr">
+                <a:shade val="93000"/>
+                <a:satMod val="130000"/>
+              </a:schemeClr>
+            </a:gs>
+            <a:gs pos="100000">
+              <a:schemeClr val="phClr">
+                <a:shade val="94000"/>
+                <a:satMod val="135000"/>
+              </a:schemeClr>
+            </a:gs>
+          </a:gsLst>
+          <a:lin ang="16200000" scaled="0"/>
+        </a:gradFill>
+      </a:fillStyleLst>
+      <a:lnStyleLst>
+        <a:ln w="9525" cap="flat" cmpd="sng" algn="ctr">
+          <a:solidFill>
+            <a:schemeClr val="phClr">
+              <a:shade val="95000"/>
+              <a:satMod val="105000"/>
+            </a:schemeClr>
+          </a:solidFill>
+          <a:prstDash val="solid"/>
+          <a:miter/>
+        </a:ln>
+        <a:ln w="25400" cap="flat" cmpd="sng" algn="ctr">
+          <a:solidFill>
+            <a:schemeClr val="phClr"/>
+          </a:solidFill>
+          <a:prstDash val="solid"/>
+          <a:miter/>
+        </a:ln>
+        <a:ln w="38100" cap="flat" cmpd="sng" algn="ctr">
+          <a:solidFill>
+            <a:schemeClr val="phClr"/>
+          </a:solidFill>
+          <a:prstDash val="solid"/>
+          <a:miter/>
+        </a:ln>
+      </a:lnStyleLst>
+      <a:effectStyleLst>
+        <a:effectStyle>
+          <a:effectLst>
+            <a:outerShdw blurRad="40000" dist="20000" dir="5400000" rotWithShape="0">
+              <a:srgbClr val="000000">
+                <a:alpha val="38000"/>
+              </a:srgbClr>
+            </a:outerShdw>
+          </a:effectLst>
+        </a:effectStyle>
+        <a:effectStyle>
+          <a:effectLst>
+            <a:outerShdw blurRad="40000" dist="23000" dir="5400000" rotWithShape="0">
+              <a:srgbClr val="000000">
+                <a:alpha val="35000"/>
+              </a:srgbClr>
+            </a:outerShdw>
+          </a:effectLst>
+        </a:effectStyle>
+        <a:effectStyle>
+          <a:effectLst>
+            <a:outerShdw blurRad="40000" dist="23000" dir="5400000" rotWithShape="0">
+              <a:srgbClr val="000000">
+                <a:alpha val="35000"/>
+              </a:srgbClr>
+            </a:outerShdw>
+          </a:effectLst>
+          <a:scene3d>
+            <a:camera prst="orthographicFront">
+              <a:rot lat="0" lon="0" rev="0"/>
+            </a:camera>
+            <a:lightRig rig="threePt" dir="t">
+              <a:rot lat="0" lon="0" rev="1200000"/>
+            </a:lightRig>
+          </a:scene3d>
+          <a:sp3d>
+            <a:bevelT w="63500" h="25400"/>
+          </a:sp3d>
+        </a:effectStyle>
+      </a:effectStyleLst>
+      <a:bgFillStyleLst>
+        <a:solidFill>
+          <a:schemeClr val="phClr"/>
+        </a:solidFill>
+        <a:gradFill rotWithShape="1">
+          <a:gsLst>
+            <a:gs pos="0">
+              <a:schemeClr val="phClr">
+                <a:tint val="40000"/>
+                <a:satMod val="350000"/>
+              </a:schemeClr>
+            </a:gs>
+            <a:gs pos="40000">
+              <a:schemeClr val="phClr">
+                <a:tint val="45000"/>
+                <a:shade val="99000"/>
+                <a:satMod val="350000"/>
+              </a:schemeClr>
+            </a:gs>
+            <a:gs pos="100000">
+              <a:schemeClr val="phClr">
+                <a:shade val="20000"/>
+                <a:satMod val="255000"/>
+              </a:schemeClr>
+            </a:gs>
+          </a:gsLst>
+          <a:path path="circle">
+            <a:fillToRect l="50000" t="-80000" r="50000" b="180000"/>
+          </a:path>
+        </a:gradFill>
+        <a:gradFill rotWithShape="1">
+          <a:gsLst>
+            <a:gs pos="0">
+              <a:schemeClr val="phClr">
+                <a:tint val="80000"/>
+                <a:satMod val="300000"/>
+              </a:schemeClr>
+            </a:gs>
+            <a:gs pos="100000">
+              <a:schemeClr val="phClr">
+                <a:shade val="30000"/>
+                <a:satMod val="200000"/>
+              </a:schemeClr>
+            </a:gs>
+          </a:gsLst>
+          <a:path path="circle">
+            <a:fillToRect l="50000" t="50000" r="50000" b="50000"/>
+          </a:path>
+        </a:gradFill>
+      </a:bgFillStyleLst>
+    </a:fmtScheme>
+  </a:themeElements>
+</a:theme>
 </file>
--- a/Slideshow template.pptx
+++ b/Slideshow template.pptx
@@ -6,15 +6,14 @@
     <p:sldMasterId id="2147483661" r:id="rId3"/>
     <p:sldMasterId id="2147483674" r:id="rId4"/>
     <p:sldMasterId id="2147483687" r:id="rId5"/>
-    <p:sldMasterId id="2147483700" r:id="rId6"/>
   </p:sldMasterIdLst>
   <p:sldIdLst>
-    <p:sldId id="256" r:id="rId7"/>
-    <p:sldId id="257" r:id="rId8"/>
-    <p:sldId id="258" r:id="rId9"/>
-    <p:sldId id="259" r:id="rId10"/>
-    <p:sldId id="260" r:id="rId11"/>
-    <p:sldId id="261" r:id="rId12"/>
+    <p:sldId id="256" r:id="rId6"/>
+    <p:sldId id="257" r:id="rId7"/>
+    <p:sldId id="258" r:id="rId8"/>
+    <p:sldId id="259" r:id="rId9"/>
+    <p:sldId id="260" r:id="rId10"/>
+    <p:sldId id="261" r:id="rId11"/>
   </p:sldIdLst>
   <p:sldSz cx="12192000" cy="6858000"/>
   <p:notesSz cx="7559675" cy="10691813"/>
@@ -72,7 +71,7 @@
         <p:txBody>
           <a:bodyPr/>
           <a:p>
-            <a:fld id="{2D4E9CC8-4605-441E-B520-D8643A365F2D}" type="slidenum">
+            <a:fld id="{2CB93991-8103-45BB-9C33-C65B46A732CB}" type="slidenum">
               <a:t>&lt;#&gt;</a:t>
             </a:fld>
           </a:p>
@@ -260,7 +259,7 @@
         <p:txBody>
           <a:bodyPr/>
           <a:p>
-            <a:fld id="{B5AB0A38-843E-4955-95F6-2D9ED9EBF353}" type="slidenum">
+            <a:fld id="{70F74648-21DE-4BC5-945D-424E8C6B5A46}" type="slidenum">
               <a:t>&lt;#&gt;</a:t>
             </a:fld>
           </a:p>
@@ -516,7 +515,7 @@
         <p:txBody>
           <a:bodyPr/>
           <a:p>
-            <a:fld id="{3EB8763A-4B49-4E34-BB28-25A19CAC0EEF}" type="slidenum">
+            <a:fld id="{E96A0865-3694-467D-A55F-A04876A830CC}" type="slidenum">
               <a:t>&lt;#&gt;</a:t>
             </a:fld>
           </a:p>
@@ -840,7 +839,7 @@
         <p:txBody>
           <a:bodyPr/>
           <a:p>
-            <a:fld id="{C3880E71-681E-4D35-9DDF-92EDFCE24F2F}" type="slidenum">
+            <a:fld id="{4382D00B-1C90-4D61-B532-CDA8FB91D37E}" type="slidenum">
               <a:t>&lt;#&gt;</a:t>
             </a:fld>
           </a:p>
@@ -923,7 +922,7 @@
         <p:txBody>
           <a:bodyPr/>
           <a:p>
-            <a:fld id="{A8CB51B4-5DAB-4030-A682-E7D96DA12054}" type="slidenum">
+            <a:fld id="{8646B1C0-29AF-4B73-8C37-A2D6DAA041F1}" type="slidenum">
               <a:t>&lt;#&gt;</a:t>
             </a:fld>
           </a:p>
@@ -1080,7 +1079,7 @@
         <p:txBody>
           <a:bodyPr/>
           <a:p>
-            <a:fld id="{FE7CE054-554C-4EB0-B87A-5B5F776B3AB9}" type="slidenum">
+            <a:fld id="{1C8FF72A-B342-4387-8906-005883569B75}" type="slidenum">
               <a:t>&lt;#&gt;</a:t>
             </a:fld>
           </a:p>
@@ -1234,7 +1233,7 @@
         <p:txBody>
           <a:bodyPr/>
           <a:p>
-            <a:fld id="{E05291B9-A138-45AA-A1FA-142CF2F8DE0A}" type="slidenum">
+            <a:fld id="{D9D6D3FA-A324-4742-8B97-06723841D28D}" type="slidenum">
               <a:t>&lt;#&gt;</a:t>
             </a:fld>
           </a:p>
@@ -1422,7 +1421,7 @@
         <p:txBody>
           <a:bodyPr/>
           <a:p>
-            <a:fld id="{13D0F09F-D1F7-4E1F-8055-199EC6BA0C45}" type="slidenum">
+            <a:fld id="{57861A4E-C201-4CD0-A11E-C6F518219E11}" type="slidenum">
               <a:t>&lt;#&gt;</a:t>
             </a:fld>
           </a:p>
@@ -1542,7 +1541,7 @@
         <p:txBody>
           <a:bodyPr/>
           <a:p>
-            <a:fld id="{64B50A20-C81D-4BC6-A002-5C1EF59E302D}" type="slidenum">
+            <a:fld id="{C2840BEF-BD8D-458B-BDD7-0F573117FFE5}" type="slidenum">
               <a:t>&lt;#&gt;</a:t>
             </a:fld>
           </a:p>
@@ -1662,7 +1661,7 @@
         <p:txBody>
           <a:bodyPr/>
           <a:p>
-            <a:fld id="{56D49EA3-5608-4717-B8B8-DCC68B1373B0}" type="slidenum">
+            <a:fld id="{D42EEC06-4681-4C79-860C-260341E2D213}" type="slidenum">
               <a:t>&lt;#&gt;</a:t>
             </a:fld>
           </a:p>
@@ -1884,7 +1883,7 @@
         <p:txBody>
           <a:bodyPr/>
           <a:p>
-            <a:fld id="{C5A00EF4-0B1C-4046-83FD-53D18BFE48AB}" type="slidenum">
+            <a:fld id="{B2994421-C647-4024-99D8-5142F150BF58}" type="slidenum">
               <a:t>&lt;#&gt;</a:t>
             </a:fld>
           </a:p>
@@ -2041,7 +2040,7 @@
         <p:txBody>
           <a:bodyPr/>
           <a:p>
-            <a:fld id="{A4A7DA95-7888-4EC4-8554-EA01B829B985}" type="slidenum">
+            <a:fld id="{C79C4566-707E-479F-90A9-88A214B4BEEA}" type="slidenum">
               <a:t>&lt;#&gt;</a:t>
             </a:fld>
           </a:p>
@@ -2263,7 +2262,7 @@
         <p:txBody>
           <a:bodyPr/>
           <a:p>
-            <a:fld id="{2661E73C-7C59-4FB6-8D9F-265D70000B32}" type="slidenum">
+            <a:fld id="{AF7E91FF-FA6A-4D60-9C84-D3A844F0C4FE}" type="slidenum">
               <a:t>&lt;#&gt;</a:t>
             </a:fld>
           </a:p>
@@ -2485,7 +2484,7 @@
         <p:txBody>
           <a:bodyPr/>
           <a:p>
-            <a:fld id="{3A700A76-5005-44E0-B129-7747C3088752}" type="slidenum">
+            <a:fld id="{1A856060-CFBA-445C-8196-90F29538595E}" type="slidenum">
               <a:t>&lt;#&gt;</a:t>
             </a:fld>
           </a:p>
@@ -2673,7 +2672,7 @@
         <p:txBody>
           <a:bodyPr/>
           <a:p>
-            <a:fld id="{F86EE706-DA35-4119-9EB9-23AA89F1C74D}" type="slidenum">
+            <a:fld id="{EE9721A7-B638-443E-988B-4F8C4162AF9B}" type="slidenum">
               <a:t>&lt;#&gt;</a:t>
             </a:fld>
           </a:p>
@@ -2929,7 +2928,7 @@
         <p:txBody>
           <a:bodyPr/>
           <a:p>
-            <a:fld id="{D197F0DC-B1BB-4DF7-B262-9BCB4347E14C}" type="slidenum">
+            <a:fld id="{72F48204-198C-4CD8-8FBA-724FA4F77520}" type="slidenum">
               <a:t>&lt;#&gt;</a:t>
             </a:fld>
           </a:p>
@@ -3253,7 +3252,7 @@
         <p:txBody>
           <a:bodyPr/>
           <a:p>
-            <a:fld id="{70102285-C686-470A-BBAE-CC3770235687}" type="slidenum">
+            <a:fld id="{61B6D331-ACCF-4DB8-9DE9-44550B2304C6}" type="slidenum">
               <a:t>&lt;#&gt;</a:t>
             </a:fld>
           </a:p>
@@ -3336,7 +3335,7 @@
         <p:txBody>
           <a:bodyPr/>
           <a:p>
-            <a:fld id="{79566C53-9C5D-49D4-A35B-0F618CAA46E3}" type="slidenum">
+            <a:fld id="{F3C9D029-C62F-4A8F-A973-3BACF21597E3}" type="slidenum">
               <a:t>&lt;#&gt;</a:t>
             </a:fld>
           </a:p>
@@ -3493,7 +3492,7 @@
         <p:txBody>
           <a:bodyPr/>
           <a:p>
-            <a:fld id="{1CF6950D-6580-468E-AA30-FA05A7D932A3}" type="slidenum">
+            <a:fld id="{5CAB6F17-AEF3-42C9-BC40-26BE32689306}" type="slidenum">
               <a:t>&lt;#&gt;</a:t>
             </a:fld>
           </a:p>
@@ -3647,7 +3646,7 @@
         <p:txBody>
           <a:bodyPr/>
           <a:p>
-            <a:fld id="{A882FD80-45AD-4981-AE4A-759C5D06AA72}" type="slidenum">
+            <a:fld id="{8618AB83-5F47-4E08-A5B6-AB8C8ED326E5}" type="slidenum">
               <a:t>&lt;#&gt;</a:t>
             </a:fld>
           </a:p>
@@ -3835,7 +3834,7 @@
         <p:txBody>
           <a:bodyPr/>
           <a:p>
-            <a:fld id="{C4DA7A97-083B-4D8F-9C17-7BFC1A58663B}" type="slidenum">
+            <a:fld id="{7FF5BE94-440D-4369-B8D7-253CF2A18039}" type="slidenum">
               <a:t>&lt;#&gt;</a:t>
             </a:fld>
           </a:p>
@@ -3955,7 +3954,7 @@
         <p:txBody>
           <a:bodyPr/>
           <a:p>
-            <a:fld id="{271B586A-0956-467B-8A5E-FFB0C7A6A54C}" type="slidenum">
+            <a:fld id="{D6FB78DB-F006-4CED-8138-9EEBFAD29F0E}" type="slidenum">
               <a:t>&lt;#&gt;</a:t>
             </a:fld>
           </a:p>
@@ -4109,7 +4108,7 @@
         <p:txBody>
           <a:bodyPr/>
           <a:p>
-            <a:fld id="{EA0B19CA-A71F-4C24-B412-B41FA335F4A9}" type="slidenum">
+            <a:fld id="{654185C2-5B71-4A43-A519-E5232081980B}" type="slidenum">
               <a:t>&lt;#&gt;</a:t>
             </a:fld>
           </a:p>
@@ -4229,7 +4228,7 @@
         <p:txBody>
           <a:bodyPr/>
           <a:p>
-            <a:fld id="{7DB2FA1F-6533-4704-B5AE-262CA2C148DD}" type="slidenum">
+            <a:fld id="{FADAE761-D931-4CA8-BA75-D69BDC27911E}" type="slidenum">
               <a:t>&lt;#&gt;</a:t>
             </a:fld>
           </a:p>
@@ -4451,7 +4450,7 @@
         <p:txBody>
           <a:bodyPr/>
           <a:p>
-            <a:fld id="{703E25DD-2CA2-4999-8232-71489EC5545F}" type="slidenum">
+            <a:fld id="{1B29A35F-98C3-4541-9EDE-F5DA58F3A501}" type="slidenum">
               <a:t>&lt;#&gt;</a:t>
             </a:fld>
           </a:p>
@@ -4673,7 +4672,7 @@
         <p:txBody>
           <a:bodyPr/>
           <a:p>
-            <a:fld id="{B1DDA595-1F02-490B-B905-61ECFFB80AF6}" type="slidenum">
+            <a:fld id="{09814735-7288-4D62-A2C1-D7623DAFFFEC}" type="slidenum">
               <a:t>&lt;#&gt;</a:t>
             </a:fld>
           </a:p>
@@ -4895,7 +4894,7 @@
         <p:txBody>
           <a:bodyPr/>
           <a:p>
-            <a:fld id="{5539B2F1-63DF-4310-A12C-F74378977C0D}" type="slidenum">
+            <a:fld id="{AC6050D2-E478-48F3-949A-5C6A8B688050}" type="slidenum">
               <a:t>&lt;#&gt;</a:t>
             </a:fld>
           </a:p>
@@ -5083,7 +5082,7 @@
         <p:txBody>
           <a:bodyPr/>
           <a:p>
-            <a:fld id="{2670BCA3-08CC-4D1F-B675-D884E3B14929}" type="slidenum">
+            <a:fld id="{ED32D5D7-DFB2-4F85-AA5F-CCAE35921C53}" type="slidenum">
               <a:t>&lt;#&gt;</a:t>
             </a:fld>
           </a:p>
@@ -5339,7 +5338,7 @@
         <p:txBody>
           <a:bodyPr/>
           <a:p>
-            <a:fld id="{056FE1C7-D97A-41A8-A9B2-F02F6E5D638B}" type="slidenum">
+            <a:fld id="{E81F3385-3602-4B01-A9B1-F608EB2C9730}" type="slidenum">
               <a:t>&lt;#&gt;</a:t>
             </a:fld>
           </a:p>
@@ -5663,7 +5662,7 @@
         <p:txBody>
           <a:bodyPr/>
           <a:p>
-            <a:fld id="{367FD722-3B53-4B1C-B331-C862D9BC4A11}" type="slidenum">
+            <a:fld id="{A33E7D17-83C7-49A2-A176-AA1F1514FE3C}" type="slidenum">
               <a:t>&lt;#&gt;</a:t>
             </a:fld>
           </a:p>
@@ -5746,7 +5745,7 @@
         <p:txBody>
           <a:bodyPr/>
           <a:p>
-            <a:fld id="{56E70B8E-0141-4FED-AB1B-D89C3A5EC3E1}" type="slidenum">
+            <a:fld id="{DD196854-C4DF-4F0E-8A46-D995B1382063}" type="slidenum">
               <a:t>&lt;#&gt;</a:t>
             </a:fld>
           </a:p>
@@ -5903,7 +5902,7 @@
         <p:txBody>
           <a:bodyPr/>
           <a:p>
-            <a:fld id="{4A0CBF87-8320-475C-B56A-5CA98392E570}" type="slidenum">
+            <a:fld id="{41D7D8FE-D71B-44D6-BCCD-95872E026517}" type="slidenum">
               <a:t>&lt;#&gt;</a:t>
             </a:fld>
           </a:p>
@@ -6057,7 +6056,7 @@
         <p:txBody>
           <a:bodyPr/>
           <a:p>
-            <a:fld id="{18AA1015-1D41-4B0C-9CD3-71576E71ACE2}" type="slidenum">
+            <a:fld id="{2EDEDF05-FECF-429D-A124-2FC750E969DF}" type="slidenum">
               <a:t>&lt;#&gt;</a:t>
             </a:fld>
           </a:p>
@@ -6245,7 +6244,7 @@
         <p:txBody>
           <a:bodyPr/>
           <a:p>
-            <a:fld id="{1A19F2A4-E1E3-460A-9B43-2F590F071325}" type="slidenum">
+            <a:fld id="{98508261-A8EE-4BE6-ADF5-A16AEACFA237}" type="slidenum">
               <a:t>&lt;#&gt;</a:t>
             </a:fld>
           </a:p>
@@ -6433,7 +6432,7 @@
         <p:txBody>
           <a:bodyPr/>
           <a:p>
-            <a:fld id="{39DC5AF1-5917-40D3-A7EE-F00DF25E85F4}" type="slidenum">
+            <a:fld id="{0C7B9D34-BA0D-4A61-B19A-00A6C5016E0F}" type="slidenum">
               <a:t>&lt;#&gt;</a:t>
             </a:fld>
           </a:p>
@@ -6553,7 +6552,7 @@
         <p:txBody>
           <a:bodyPr/>
           <a:p>
-            <a:fld id="{350C9657-E31B-4441-BBE2-B7E5E511760D}" type="slidenum">
+            <a:fld id="{58B3A7EE-839B-40D5-A33A-A139DB35B953}" type="slidenum">
               <a:t>&lt;#&gt;</a:t>
             </a:fld>
           </a:p>
@@ -6673,7 +6672,7 @@
         <p:txBody>
           <a:bodyPr/>
           <a:p>
-            <a:fld id="{47110877-DE3E-41B3-89B7-1CBEE443FDB0}" type="slidenum">
+            <a:fld id="{74221E92-A6AB-4335-935A-7FF8FDCE0DEC}" type="slidenum">
               <a:t>&lt;#&gt;</a:t>
             </a:fld>
           </a:p>
@@ -6895,7 +6894,7 @@
         <p:txBody>
           <a:bodyPr/>
           <a:p>
-            <a:fld id="{64977504-C6CD-49BD-A026-DCD91371468F}" type="slidenum">
+            <a:fld id="{1505D9ED-47C6-43D4-A054-1D0F6065BFF1}" type="slidenum">
               <a:t>&lt;#&gt;</a:t>
             </a:fld>
           </a:p>
@@ -7117,7 +7116,7 @@
         <p:txBody>
           <a:bodyPr/>
           <a:p>
-            <a:fld id="{579A52BF-1CB3-4E03-ABE2-5622C43A76F3}" type="slidenum">
+            <a:fld id="{94855B97-198E-467E-8117-5C64ED197DF3}" type="slidenum">
               <a:t>&lt;#&gt;</a:t>
             </a:fld>
           </a:p>
@@ -7339,7 +7338,7 @@
         <p:txBody>
           <a:bodyPr/>
           <a:p>
-            <a:fld id="{EEA4F3B3-9A75-4F3A-AF32-CA9054B89F46}" type="slidenum">
+            <a:fld id="{E5EB0567-6341-4172-B396-717DA0BA002B}" type="slidenum">
               <a:t>&lt;#&gt;</a:t>
             </a:fld>
           </a:p>
@@ -7527,7 +7526,7 @@
         <p:txBody>
           <a:bodyPr/>
           <a:p>
-            <a:fld id="{E127A851-B7B6-4192-9E61-C518F94350DD}" type="slidenum">
+            <a:fld id="{EDAEF4EB-0CEF-459B-B0E7-6E6DDBA6CEF7}" type="slidenum">
               <a:t>&lt;#&gt;</a:t>
             </a:fld>
           </a:p>
@@ -7783,7 +7782,7 @@
         <p:txBody>
           <a:bodyPr/>
           <a:p>
-            <a:fld id="{AA603B97-79AE-42B0-876F-1358044112A8}" type="slidenum">
+            <a:fld id="{E90C0065-F79A-4B66-B00F-824CDAB7C5B0}" type="slidenum">
               <a:t>&lt;#&gt;</a:t>
             </a:fld>
           </a:p>
@@ -8107,7 +8106,7 @@
         <p:txBody>
           <a:bodyPr/>
           <a:p>
-            <a:fld id="{7270D429-ABE3-4A44-9BC1-6D0CF01ACF96}" type="slidenum">
+            <a:fld id="{FE52C7AC-86CB-41D7-A7A7-C60D1127FA85}" type="slidenum">
               <a:t>&lt;#&gt;</a:t>
             </a:fld>
           </a:p>
@@ -8121,89 +8120,6 @@
           </p:cNvSpPr>
           <p:nvPr>
             <p:ph type="dt" idx="12"/>
-          </p:nvPr>
-        </p:nvSpPr>
-        <p:spPr/>
-        <p:txBody>
-          <a:bodyPr/>
-          <a:p>
-            <a:r>
-              <a:rPr lang="en-IE"/>
-              <a:t/>
-            </a:r>
-          </a:p>
-        </p:txBody>
-      </p:sp>
-    </p:spTree>
-  </p:cSld>
-</p:sldLayout>
-</file>
-
-<file path=ppt/slideLayouts/slideLayout49.xml><?xml version="1.0" encoding="utf-8"?>
-<p:sldLayout xmlns:a="http://schemas.openxmlformats.org/drawingml/2006/main" xmlns:p="http://schemas.openxmlformats.org/presentationml/2006/main" xmlns:r="http://schemas.openxmlformats.org/officeDocument/2006/relationships" xmlns:p14="http://schemas.microsoft.com/office/powerpoint/2010/main" xmlns:p15="http://schemas.microsoft.com/office/powerpoint/2012/main" xmlns:mc="http://schemas.openxmlformats.org/markup-compatibility/2006" type="blank" preserve="1">
-  <p:cSld name="Blank Slide">
-    <p:spTree>
-      <p:nvGrpSpPr>
-        <p:cNvPr id="1" name=""/>
-        <p:cNvGrpSpPr/>
-        <p:nvPr/>
-      </p:nvGrpSpPr>
-      <p:grpSpPr>
-        <a:xfrm>
-          <a:off x="0" y="0"/>
-          <a:ext cx="0" cy="0"/>
-          <a:chOff x="0" y="0"/>
-          <a:chExt cx="0" cy="0"/>
-        </a:xfrm>
-      </p:grpSpPr>
-      <p:sp>
-        <p:nvSpPr>
-          <p:cNvPr id="2" name="PlaceHolder 1"/>
-          <p:cNvSpPr>
-            <a:spLocks noGrp="1"/>
-          </p:cNvSpPr>
-          <p:nvPr>
-            <p:ph type="ftr" idx="13"/>
-          </p:nvPr>
-        </p:nvSpPr>
-        <p:spPr/>
-        <p:txBody>
-          <a:bodyPr/>
-          <a:p>
-            <a:r>
-              <a:t>Footer</a:t>
-            </a:r>
-          </a:p>
-        </p:txBody>
-      </p:sp>
-      <p:sp>
-        <p:nvSpPr>
-          <p:cNvPr id="3" name="PlaceHolder 2"/>
-          <p:cNvSpPr>
-            <a:spLocks noGrp="1"/>
-          </p:cNvSpPr>
-          <p:nvPr>
-            <p:ph type="sldNum" idx="14"/>
-          </p:nvPr>
-        </p:nvSpPr>
-        <p:spPr/>
-        <p:txBody>
-          <a:bodyPr/>
-          <a:p>
-            <a:fld id="{D91BF520-0E4F-4098-8622-15D091A7F705}" type="slidenum">
-              <a:t>&lt;#&gt;</a:t>
-            </a:fld>
-          </a:p>
-        </p:txBody>
-      </p:sp>
-      <p:sp>
-        <p:nvSpPr>
-          <p:cNvPr id="4" name="PlaceHolder 3"/>
-          <p:cNvSpPr>
-            <a:spLocks noGrp="1"/>
-          </p:cNvSpPr>
-          <p:nvPr>
-            <p:ph type="dt" idx="15"/>
           </p:nvPr>
         </p:nvSpPr>
         <p:spPr/>
@@ -8310,7 +8226,7 @@
         <p:txBody>
           <a:bodyPr/>
           <a:p>
-            <a:fld id="{4F6FC5C9-A442-4B54-9DFC-8CE8D4F027F4}" type="slidenum">
+            <a:fld id="{2DE7318E-BEC9-49B0-94DE-7C1C29C661B0}" type="slidenum">
               <a:t>&lt;#&gt;</a:t>
             </a:fld>
           </a:p>
@@ -8324,1855 +8240,6 @@
           </p:cNvSpPr>
           <p:nvPr>
             <p:ph type="dt" idx="3"/>
-          </p:nvPr>
-        </p:nvSpPr>
-        <p:spPr/>
-        <p:txBody>
-          <a:bodyPr/>
-          <a:p>
-            <a:r>
-              <a:rPr lang="en-IE"/>
-              <a:t/>
-            </a:r>
-          </a:p>
-        </p:txBody>
-      </p:sp>
-    </p:spTree>
-  </p:cSld>
-</p:sldLayout>
-</file>
-
-<file path=ppt/slideLayouts/slideLayout50.xml><?xml version="1.0" encoding="utf-8"?>
-<p:sldLayout xmlns:a="http://schemas.openxmlformats.org/drawingml/2006/main" xmlns:p="http://schemas.openxmlformats.org/presentationml/2006/main" xmlns:r="http://schemas.openxmlformats.org/officeDocument/2006/relationships" xmlns:p14="http://schemas.microsoft.com/office/powerpoint/2010/main" xmlns:p15="http://schemas.microsoft.com/office/powerpoint/2012/main" xmlns:mc="http://schemas.openxmlformats.org/markup-compatibility/2006" type="tx" preserve="1">
-  <p:cSld name="Title Slide">
-    <p:spTree>
-      <p:nvGrpSpPr>
-        <p:cNvPr id="1" name=""/>
-        <p:cNvGrpSpPr/>
-        <p:nvPr/>
-      </p:nvGrpSpPr>
-      <p:grpSpPr>
-        <a:xfrm>
-          <a:off x="0" y="0"/>
-          <a:ext cx="0" cy="0"/>
-          <a:chOff x="0" y="0"/>
-          <a:chExt cx="0" cy="0"/>
-        </a:xfrm>
-      </p:grpSpPr>
-      <p:sp>
-        <p:nvSpPr>
-          <p:cNvPr id="169" name="PlaceHolder 1"/>
-          <p:cNvSpPr>
-            <a:spLocks noGrp="1"/>
-          </p:cNvSpPr>
-          <p:nvPr>
-            <p:ph type="title"/>
-          </p:nvPr>
-        </p:nvSpPr>
-        <p:spPr>
-          <a:xfrm>
-            <a:off x="609480" y="273600"/>
-            <a:ext cx="10972440" cy="1144800"/>
-          </a:xfrm>
-          <a:prstGeom prst="rect">
-            <a:avLst/>
-          </a:prstGeom>
-          <a:noFill/>
-          <a:ln w="0">
-            <a:noFill/>
-          </a:ln>
-        </p:spPr>
-        <p:txBody>
-          <a:bodyPr lIns="0" rIns="0" tIns="0" bIns="0" anchor="ctr">
-            <a:noAutofit/>
-          </a:bodyPr>
-          <a:p>
-            <a:pPr algn="ctr">
-              <a:buNone/>
-            </a:pPr>
-            <a:endParaRPr b="0" lang="en-IE" sz="4400" spc="-1" strike="noStrike">
-              <a:latin typeface="Arial"/>
-            </a:endParaRPr>
-          </a:p>
-        </p:txBody>
-      </p:sp>
-      <p:sp>
-        <p:nvSpPr>
-          <p:cNvPr id="170" name="PlaceHolder 2"/>
-          <p:cNvSpPr>
-            <a:spLocks noGrp="1"/>
-          </p:cNvSpPr>
-          <p:nvPr>
-            <p:ph type="subTitle"/>
-          </p:nvPr>
-        </p:nvSpPr>
-        <p:spPr>
-          <a:xfrm>
-            <a:off x="609480" y="1604520"/>
-            <a:ext cx="10972440" cy="3977280"/>
-          </a:xfrm>
-          <a:prstGeom prst="rect">
-            <a:avLst/>
-          </a:prstGeom>
-          <a:noFill/>
-          <a:ln w="0">
-            <a:noFill/>
-          </a:ln>
-        </p:spPr>
-        <p:txBody>
-          <a:bodyPr lIns="0" rIns="0" tIns="0" bIns="0" anchor="ctr">
-            <a:noAutofit/>
-          </a:bodyPr>
-          <a:p>
-            <a:pPr algn="ctr">
-              <a:buNone/>
-            </a:pPr>
-            <a:endParaRPr b="0" lang="en-IE" sz="3200" spc="-1" strike="noStrike">
-              <a:latin typeface="Arial"/>
-            </a:endParaRPr>
-          </a:p>
-        </p:txBody>
-      </p:sp>
-      <p:sp>
-        <p:nvSpPr>
-          <p:cNvPr id="4" name="PlaceHolder 3"/>
-          <p:cNvSpPr>
-            <a:spLocks noGrp="1"/>
-          </p:cNvSpPr>
-          <p:nvPr>
-            <p:ph type="ftr" idx="13"/>
-          </p:nvPr>
-        </p:nvSpPr>
-        <p:spPr/>
-        <p:txBody>
-          <a:bodyPr/>
-          <a:p>
-            <a:r>
-              <a:t>Footer</a:t>
-            </a:r>
-          </a:p>
-        </p:txBody>
-      </p:sp>
-      <p:sp>
-        <p:nvSpPr>
-          <p:cNvPr id="5" name="PlaceHolder 4"/>
-          <p:cNvSpPr>
-            <a:spLocks noGrp="1"/>
-          </p:cNvSpPr>
-          <p:nvPr>
-            <p:ph type="sldNum" idx="14"/>
-          </p:nvPr>
-        </p:nvSpPr>
-        <p:spPr/>
-        <p:txBody>
-          <a:bodyPr/>
-          <a:p>
-            <a:fld id="{AE3DBA56-23D6-45CC-A2F6-B59726B075FA}" type="slidenum">
-              <a:t>&lt;#&gt;</a:t>
-            </a:fld>
-          </a:p>
-        </p:txBody>
-      </p:sp>
-      <p:sp>
-        <p:nvSpPr>
-          <p:cNvPr id="6" name="PlaceHolder 5"/>
-          <p:cNvSpPr>
-            <a:spLocks noGrp="1"/>
-          </p:cNvSpPr>
-          <p:nvPr>
-            <p:ph type="dt" idx="15"/>
-          </p:nvPr>
-        </p:nvSpPr>
-        <p:spPr/>
-        <p:txBody>
-          <a:bodyPr/>
-          <a:p>
-            <a:r>
-              <a:rPr lang="en-IE"/>
-              <a:t/>
-            </a:r>
-          </a:p>
-        </p:txBody>
-      </p:sp>
-    </p:spTree>
-  </p:cSld>
-</p:sldLayout>
-</file>
-
-<file path=ppt/slideLayouts/slideLayout51.xml><?xml version="1.0" encoding="utf-8"?>
-<p:sldLayout xmlns:a="http://schemas.openxmlformats.org/drawingml/2006/main" xmlns:p="http://schemas.openxmlformats.org/presentationml/2006/main" xmlns:r="http://schemas.openxmlformats.org/officeDocument/2006/relationships" xmlns:p14="http://schemas.microsoft.com/office/powerpoint/2010/main" xmlns:p15="http://schemas.microsoft.com/office/powerpoint/2012/main" xmlns:mc="http://schemas.openxmlformats.org/markup-compatibility/2006" type="obj" preserve="1">
-  <p:cSld name="Title, Content">
-    <p:spTree>
-      <p:nvGrpSpPr>
-        <p:cNvPr id="1" name=""/>
-        <p:cNvGrpSpPr/>
-        <p:nvPr/>
-      </p:nvGrpSpPr>
-      <p:grpSpPr>
-        <a:xfrm>
-          <a:off x="0" y="0"/>
-          <a:ext cx="0" cy="0"/>
-          <a:chOff x="0" y="0"/>
-          <a:chExt cx="0" cy="0"/>
-        </a:xfrm>
-      </p:grpSpPr>
-      <p:sp>
-        <p:nvSpPr>
-          <p:cNvPr id="171" name="PlaceHolder 1"/>
-          <p:cNvSpPr>
-            <a:spLocks noGrp="1"/>
-          </p:cNvSpPr>
-          <p:nvPr>
-            <p:ph type="title"/>
-          </p:nvPr>
-        </p:nvSpPr>
-        <p:spPr>
-          <a:xfrm>
-            <a:off x="609480" y="273600"/>
-            <a:ext cx="10972440" cy="1144800"/>
-          </a:xfrm>
-          <a:prstGeom prst="rect">
-            <a:avLst/>
-          </a:prstGeom>
-          <a:noFill/>
-          <a:ln w="0">
-            <a:noFill/>
-          </a:ln>
-        </p:spPr>
-        <p:txBody>
-          <a:bodyPr lIns="0" rIns="0" tIns="0" bIns="0" anchor="ctr">
-            <a:noAutofit/>
-          </a:bodyPr>
-          <a:p>
-            <a:pPr algn="ctr">
-              <a:buNone/>
-            </a:pPr>
-            <a:endParaRPr b="0" lang="en-IE" sz="4400" spc="-1" strike="noStrike">
-              <a:latin typeface="Arial"/>
-            </a:endParaRPr>
-          </a:p>
-        </p:txBody>
-      </p:sp>
-      <p:sp>
-        <p:nvSpPr>
-          <p:cNvPr id="172" name="PlaceHolder 2"/>
-          <p:cNvSpPr>
-            <a:spLocks noGrp="1"/>
-          </p:cNvSpPr>
-          <p:nvPr>
-            <p:ph/>
-          </p:nvPr>
-        </p:nvSpPr>
-        <p:spPr>
-          <a:xfrm>
-            <a:off x="609480" y="1604520"/>
-            <a:ext cx="10972440" cy="3977280"/>
-          </a:xfrm>
-          <a:prstGeom prst="rect">
-            <a:avLst/>
-          </a:prstGeom>
-          <a:noFill/>
-          <a:ln w="0">
-            <a:noFill/>
-          </a:ln>
-        </p:spPr>
-        <p:txBody>
-          <a:bodyPr lIns="0" rIns="0" tIns="0" bIns="0" anchor="t">
-            <a:normAutofit/>
-          </a:bodyPr>
-          <a:p>
-            <a:endParaRPr b="0" lang="en-IE" sz="3200" spc="-1" strike="noStrike">
-              <a:latin typeface="Arial"/>
-            </a:endParaRPr>
-          </a:p>
-        </p:txBody>
-      </p:sp>
-      <p:sp>
-        <p:nvSpPr>
-          <p:cNvPr id="4" name="PlaceHolder 3"/>
-          <p:cNvSpPr>
-            <a:spLocks noGrp="1"/>
-          </p:cNvSpPr>
-          <p:nvPr>
-            <p:ph type="ftr" idx="13"/>
-          </p:nvPr>
-        </p:nvSpPr>
-        <p:spPr/>
-        <p:txBody>
-          <a:bodyPr/>
-          <a:p>
-            <a:r>
-              <a:t>Footer</a:t>
-            </a:r>
-          </a:p>
-        </p:txBody>
-      </p:sp>
-      <p:sp>
-        <p:nvSpPr>
-          <p:cNvPr id="5" name="PlaceHolder 4"/>
-          <p:cNvSpPr>
-            <a:spLocks noGrp="1"/>
-          </p:cNvSpPr>
-          <p:nvPr>
-            <p:ph type="sldNum" idx="14"/>
-          </p:nvPr>
-        </p:nvSpPr>
-        <p:spPr/>
-        <p:txBody>
-          <a:bodyPr/>
-          <a:p>
-            <a:fld id="{3B936D4E-3A87-43E2-8D7D-304F964CAE8B}" type="slidenum">
-              <a:t>&lt;#&gt;</a:t>
-            </a:fld>
-          </a:p>
-        </p:txBody>
-      </p:sp>
-      <p:sp>
-        <p:nvSpPr>
-          <p:cNvPr id="6" name="PlaceHolder 5"/>
-          <p:cNvSpPr>
-            <a:spLocks noGrp="1"/>
-          </p:cNvSpPr>
-          <p:nvPr>
-            <p:ph type="dt" idx="15"/>
-          </p:nvPr>
-        </p:nvSpPr>
-        <p:spPr/>
-        <p:txBody>
-          <a:bodyPr/>
-          <a:p>
-            <a:r>
-              <a:rPr lang="en-IE"/>
-              <a:t/>
-            </a:r>
-          </a:p>
-        </p:txBody>
-      </p:sp>
-    </p:spTree>
-  </p:cSld>
-</p:sldLayout>
-</file>
-
-<file path=ppt/slideLayouts/slideLayout52.xml><?xml version="1.0" encoding="utf-8"?>
-<p:sldLayout xmlns:a="http://schemas.openxmlformats.org/drawingml/2006/main" xmlns:p="http://schemas.openxmlformats.org/presentationml/2006/main" xmlns:r="http://schemas.openxmlformats.org/officeDocument/2006/relationships" xmlns:p14="http://schemas.microsoft.com/office/powerpoint/2010/main" xmlns:p15="http://schemas.microsoft.com/office/powerpoint/2012/main" xmlns:mc="http://schemas.openxmlformats.org/markup-compatibility/2006" type="twoObj" preserve="1">
-  <p:cSld name="Title, 2 Content">
-    <p:spTree>
-      <p:nvGrpSpPr>
-        <p:cNvPr id="1" name=""/>
-        <p:cNvGrpSpPr/>
-        <p:nvPr/>
-      </p:nvGrpSpPr>
-      <p:grpSpPr>
-        <a:xfrm>
-          <a:off x="0" y="0"/>
-          <a:ext cx="0" cy="0"/>
-          <a:chOff x="0" y="0"/>
-          <a:chExt cx="0" cy="0"/>
-        </a:xfrm>
-      </p:grpSpPr>
-      <p:sp>
-        <p:nvSpPr>
-          <p:cNvPr id="173" name="PlaceHolder 1"/>
-          <p:cNvSpPr>
-            <a:spLocks noGrp="1"/>
-          </p:cNvSpPr>
-          <p:nvPr>
-            <p:ph type="title"/>
-          </p:nvPr>
-        </p:nvSpPr>
-        <p:spPr>
-          <a:xfrm>
-            <a:off x="609480" y="273600"/>
-            <a:ext cx="10972440" cy="1144800"/>
-          </a:xfrm>
-          <a:prstGeom prst="rect">
-            <a:avLst/>
-          </a:prstGeom>
-          <a:noFill/>
-          <a:ln w="0">
-            <a:noFill/>
-          </a:ln>
-        </p:spPr>
-        <p:txBody>
-          <a:bodyPr lIns="0" rIns="0" tIns="0" bIns="0" anchor="ctr">
-            <a:noAutofit/>
-          </a:bodyPr>
-          <a:p>
-            <a:pPr algn="ctr">
-              <a:buNone/>
-            </a:pPr>
-            <a:endParaRPr b="0" lang="en-IE" sz="4400" spc="-1" strike="noStrike">
-              <a:latin typeface="Arial"/>
-            </a:endParaRPr>
-          </a:p>
-        </p:txBody>
-      </p:sp>
-      <p:sp>
-        <p:nvSpPr>
-          <p:cNvPr id="174" name="PlaceHolder 2"/>
-          <p:cNvSpPr>
-            <a:spLocks noGrp="1"/>
-          </p:cNvSpPr>
-          <p:nvPr>
-            <p:ph/>
-          </p:nvPr>
-        </p:nvSpPr>
-        <p:spPr>
-          <a:xfrm>
-            <a:off x="609480" y="1604520"/>
-            <a:ext cx="5354280" cy="3977280"/>
-          </a:xfrm>
-          <a:prstGeom prst="rect">
-            <a:avLst/>
-          </a:prstGeom>
-          <a:noFill/>
-          <a:ln w="0">
-            <a:noFill/>
-          </a:ln>
-        </p:spPr>
-        <p:txBody>
-          <a:bodyPr lIns="0" rIns="0" tIns="0" bIns="0" anchor="t">
-            <a:normAutofit/>
-          </a:bodyPr>
-          <a:p>
-            <a:endParaRPr b="0" lang="en-IE" sz="3200" spc="-1" strike="noStrike">
-              <a:latin typeface="Arial"/>
-            </a:endParaRPr>
-          </a:p>
-        </p:txBody>
-      </p:sp>
-      <p:sp>
-        <p:nvSpPr>
-          <p:cNvPr id="175" name="PlaceHolder 3"/>
-          <p:cNvSpPr>
-            <a:spLocks noGrp="1"/>
-          </p:cNvSpPr>
-          <p:nvPr>
-            <p:ph/>
-          </p:nvPr>
-        </p:nvSpPr>
-        <p:spPr>
-          <a:xfrm>
-            <a:off x="6231960" y="1604520"/>
-            <a:ext cx="5354280" cy="3977280"/>
-          </a:xfrm>
-          <a:prstGeom prst="rect">
-            <a:avLst/>
-          </a:prstGeom>
-          <a:noFill/>
-          <a:ln w="0">
-            <a:noFill/>
-          </a:ln>
-        </p:spPr>
-        <p:txBody>
-          <a:bodyPr lIns="0" rIns="0" tIns="0" bIns="0" anchor="t">
-            <a:normAutofit/>
-          </a:bodyPr>
-          <a:p>
-            <a:endParaRPr b="0" lang="en-IE" sz="3200" spc="-1" strike="noStrike">
-              <a:latin typeface="Arial"/>
-            </a:endParaRPr>
-          </a:p>
-        </p:txBody>
-      </p:sp>
-      <p:sp>
-        <p:nvSpPr>
-          <p:cNvPr id="5" name="PlaceHolder 4"/>
-          <p:cNvSpPr>
-            <a:spLocks noGrp="1"/>
-          </p:cNvSpPr>
-          <p:nvPr>
-            <p:ph type="ftr" idx="13"/>
-          </p:nvPr>
-        </p:nvSpPr>
-        <p:spPr/>
-        <p:txBody>
-          <a:bodyPr/>
-          <a:p>
-            <a:r>
-              <a:t>Footer</a:t>
-            </a:r>
-          </a:p>
-        </p:txBody>
-      </p:sp>
-      <p:sp>
-        <p:nvSpPr>
-          <p:cNvPr id="6" name="PlaceHolder 5"/>
-          <p:cNvSpPr>
-            <a:spLocks noGrp="1"/>
-          </p:cNvSpPr>
-          <p:nvPr>
-            <p:ph type="sldNum" idx="14"/>
-          </p:nvPr>
-        </p:nvSpPr>
-        <p:spPr/>
-        <p:txBody>
-          <a:bodyPr/>
-          <a:p>
-            <a:fld id="{63173588-CA29-4AD8-AA2B-7C585F085FA9}" type="slidenum">
-              <a:t>&lt;#&gt;</a:t>
-            </a:fld>
-          </a:p>
-        </p:txBody>
-      </p:sp>
-      <p:sp>
-        <p:nvSpPr>
-          <p:cNvPr id="7" name="PlaceHolder 6"/>
-          <p:cNvSpPr>
-            <a:spLocks noGrp="1"/>
-          </p:cNvSpPr>
-          <p:nvPr>
-            <p:ph type="dt" idx="15"/>
-          </p:nvPr>
-        </p:nvSpPr>
-        <p:spPr/>
-        <p:txBody>
-          <a:bodyPr/>
-          <a:p>
-            <a:r>
-              <a:rPr lang="en-IE"/>
-              <a:t/>
-            </a:r>
-          </a:p>
-        </p:txBody>
-      </p:sp>
-    </p:spTree>
-  </p:cSld>
-</p:sldLayout>
-</file>
-
-<file path=ppt/slideLayouts/slideLayout53.xml><?xml version="1.0" encoding="utf-8"?>
-<p:sldLayout xmlns:a="http://schemas.openxmlformats.org/drawingml/2006/main" xmlns:p="http://schemas.openxmlformats.org/presentationml/2006/main" xmlns:r="http://schemas.openxmlformats.org/officeDocument/2006/relationships" xmlns:p14="http://schemas.microsoft.com/office/powerpoint/2010/main" xmlns:p15="http://schemas.microsoft.com/office/powerpoint/2012/main" xmlns:mc="http://schemas.openxmlformats.org/markup-compatibility/2006" type="titleOnly" preserve="1">
-  <p:cSld name="Title Only">
-    <p:spTree>
-      <p:nvGrpSpPr>
-        <p:cNvPr id="1" name=""/>
-        <p:cNvGrpSpPr/>
-        <p:nvPr/>
-      </p:nvGrpSpPr>
-      <p:grpSpPr>
-        <a:xfrm>
-          <a:off x="0" y="0"/>
-          <a:ext cx="0" cy="0"/>
-          <a:chOff x="0" y="0"/>
-          <a:chExt cx="0" cy="0"/>
-        </a:xfrm>
-      </p:grpSpPr>
-      <p:sp>
-        <p:nvSpPr>
-          <p:cNvPr id="176" name="PlaceHolder 1"/>
-          <p:cNvSpPr>
-            <a:spLocks noGrp="1"/>
-          </p:cNvSpPr>
-          <p:nvPr>
-            <p:ph type="title"/>
-          </p:nvPr>
-        </p:nvSpPr>
-        <p:spPr>
-          <a:xfrm>
-            <a:off x="609480" y="273600"/>
-            <a:ext cx="10972440" cy="1144800"/>
-          </a:xfrm>
-          <a:prstGeom prst="rect">
-            <a:avLst/>
-          </a:prstGeom>
-          <a:noFill/>
-          <a:ln w="0">
-            <a:noFill/>
-          </a:ln>
-        </p:spPr>
-        <p:txBody>
-          <a:bodyPr lIns="0" rIns="0" tIns="0" bIns="0" anchor="ctr">
-            <a:noAutofit/>
-          </a:bodyPr>
-          <a:p>
-            <a:pPr algn="ctr">
-              <a:buNone/>
-            </a:pPr>
-            <a:endParaRPr b="0" lang="en-IE" sz="4400" spc="-1" strike="noStrike">
-              <a:latin typeface="Arial"/>
-            </a:endParaRPr>
-          </a:p>
-        </p:txBody>
-      </p:sp>
-      <p:sp>
-        <p:nvSpPr>
-          <p:cNvPr id="3" name="PlaceHolder 2"/>
-          <p:cNvSpPr>
-            <a:spLocks noGrp="1"/>
-          </p:cNvSpPr>
-          <p:nvPr>
-            <p:ph type="ftr" idx="13"/>
-          </p:nvPr>
-        </p:nvSpPr>
-        <p:spPr/>
-        <p:txBody>
-          <a:bodyPr/>
-          <a:p>
-            <a:r>
-              <a:t>Footer</a:t>
-            </a:r>
-          </a:p>
-        </p:txBody>
-      </p:sp>
-      <p:sp>
-        <p:nvSpPr>
-          <p:cNvPr id="4" name="PlaceHolder 3"/>
-          <p:cNvSpPr>
-            <a:spLocks noGrp="1"/>
-          </p:cNvSpPr>
-          <p:nvPr>
-            <p:ph type="sldNum" idx="14"/>
-          </p:nvPr>
-        </p:nvSpPr>
-        <p:spPr/>
-        <p:txBody>
-          <a:bodyPr/>
-          <a:p>
-            <a:fld id="{54749C02-36D1-4656-B722-C7A5A1E830D9}" type="slidenum">
-              <a:t>&lt;#&gt;</a:t>
-            </a:fld>
-          </a:p>
-        </p:txBody>
-      </p:sp>
-      <p:sp>
-        <p:nvSpPr>
-          <p:cNvPr id="5" name="PlaceHolder 4"/>
-          <p:cNvSpPr>
-            <a:spLocks noGrp="1"/>
-          </p:cNvSpPr>
-          <p:nvPr>
-            <p:ph type="dt" idx="15"/>
-          </p:nvPr>
-        </p:nvSpPr>
-        <p:spPr/>
-        <p:txBody>
-          <a:bodyPr/>
-          <a:p>
-            <a:r>
-              <a:rPr lang="en-IE"/>
-              <a:t/>
-            </a:r>
-          </a:p>
-        </p:txBody>
-      </p:sp>
-    </p:spTree>
-  </p:cSld>
-</p:sldLayout>
-</file>
-
-<file path=ppt/slideLayouts/slideLayout54.xml><?xml version="1.0" encoding="utf-8"?>
-<p:sldLayout xmlns:a="http://schemas.openxmlformats.org/drawingml/2006/main" xmlns:p="http://schemas.openxmlformats.org/presentationml/2006/main" xmlns:r="http://schemas.openxmlformats.org/officeDocument/2006/relationships" xmlns:p14="http://schemas.microsoft.com/office/powerpoint/2010/main" xmlns:p15="http://schemas.microsoft.com/office/powerpoint/2012/main" xmlns:mc="http://schemas.openxmlformats.org/markup-compatibility/2006" type="objOnly" preserve="1">
-  <p:cSld name="Centered Text">
-    <p:spTree>
-      <p:nvGrpSpPr>
-        <p:cNvPr id="1" name=""/>
-        <p:cNvGrpSpPr/>
-        <p:nvPr/>
-      </p:nvGrpSpPr>
-      <p:grpSpPr>
-        <a:xfrm>
-          <a:off x="0" y="0"/>
-          <a:ext cx="0" cy="0"/>
-          <a:chOff x="0" y="0"/>
-          <a:chExt cx="0" cy="0"/>
-        </a:xfrm>
-      </p:grpSpPr>
-      <p:sp>
-        <p:nvSpPr>
-          <p:cNvPr id="177" name="PlaceHolder 1"/>
-          <p:cNvSpPr>
-            <a:spLocks noGrp="1"/>
-          </p:cNvSpPr>
-          <p:nvPr>
-            <p:ph type="subTitle"/>
-          </p:nvPr>
-        </p:nvSpPr>
-        <p:spPr>
-          <a:xfrm>
-            <a:off x="609480" y="273600"/>
-            <a:ext cx="10972440" cy="5307840"/>
-          </a:xfrm>
-          <a:prstGeom prst="rect">
-            <a:avLst/>
-          </a:prstGeom>
-          <a:noFill/>
-          <a:ln w="0">
-            <a:noFill/>
-          </a:ln>
-        </p:spPr>
-        <p:txBody>
-          <a:bodyPr lIns="0" rIns="0" tIns="0" bIns="0" anchor="ctr">
-            <a:noAutofit/>
-          </a:bodyPr>
-          <a:p>
-            <a:pPr algn="ctr">
-              <a:buNone/>
-            </a:pPr>
-            <a:endParaRPr b="0" lang="en-IE" sz="3200" spc="-1" strike="noStrike">
-              <a:latin typeface="Arial"/>
-            </a:endParaRPr>
-          </a:p>
-        </p:txBody>
-      </p:sp>
-      <p:sp>
-        <p:nvSpPr>
-          <p:cNvPr id="3" name="PlaceHolder 2"/>
-          <p:cNvSpPr>
-            <a:spLocks noGrp="1"/>
-          </p:cNvSpPr>
-          <p:nvPr>
-            <p:ph type="ftr" idx="13"/>
-          </p:nvPr>
-        </p:nvSpPr>
-        <p:spPr/>
-        <p:txBody>
-          <a:bodyPr/>
-          <a:p>
-            <a:r>
-              <a:t>Footer</a:t>
-            </a:r>
-          </a:p>
-        </p:txBody>
-      </p:sp>
-      <p:sp>
-        <p:nvSpPr>
-          <p:cNvPr id="4" name="PlaceHolder 3"/>
-          <p:cNvSpPr>
-            <a:spLocks noGrp="1"/>
-          </p:cNvSpPr>
-          <p:nvPr>
-            <p:ph type="sldNum" idx="14"/>
-          </p:nvPr>
-        </p:nvSpPr>
-        <p:spPr/>
-        <p:txBody>
-          <a:bodyPr/>
-          <a:p>
-            <a:fld id="{DE9F04D0-D0EA-47A9-94D8-1B1F64642597}" type="slidenum">
-              <a:t>&lt;#&gt;</a:t>
-            </a:fld>
-          </a:p>
-        </p:txBody>
-      </p:sp>
-      <p:sp>
-        <p:nvSpPr>
-          <p:cNvPr id="5" name="PlaceHolder 4"/>
-          <p:cNvSpPr>
-            <a:spLocks noGrp="1"/>
-          </p:cNvSpPr>
-          <p:nvPr>
-            <p:ph type="dt" idx="15"/>
-          </p:nvPr>
-        </p:nvSpPr>
-        <p:spPr/>
-        <p:txBody>
-          <a:bodyPr/>
-          <a:p>
-            <a:r>
-              <a:rPr lang="en-IE"/>
-              <a:t/>
-            </a:r>
-          </a:p>
-        </p:txBody>
-      </p:sp>
-    </p:spTree>
-  </p:cSld>
-</p:sldLayout>
-</file>
-
-<file path=ppt/slideLayouts/slideLayout55.xml><?xml version="1.0" encoding="utf-8"?>
-<p:sldLayout xmlns:a="http://schemas.openxmlformats.org/drawingml/2006/main" xmlns:p="http://schemas.openxmlformats.org/presentationml/2006/main" xmlns:r="http://schemas.openxmlformats.org/officeDocument/2006/relationships" xmlns:p14="http://schemas.microsoft.com/office/powerpoint/2010/main" xmlns:p15="http://schemas.microsoft.com/office/powerpoint/2012/main" xmlns:mc="http://schemas.openxmlformats.org/markup-compatibility/2006" type="twoObjAndObj" preserve="1">
-  <p:cSld name="Title, 2 Content and Content">
-    <p:spTree>
-      <p:nvGrpSpPr>
-        <p:cNvPr id="1" name=""/>
-        <p:cNvGrpSpPr/>
-        <p:nvPr/>
-      </p:nvGrpSpPr>
-      <p:grpSpPr>
-        <a:xfrm>
-          <a:off x="0" y="0"/>
-          <a:ext cx="0" cy="0"/>
-          <a:chOff x="0" y="0"/>
-          <a:chExt cx="0" cy="0"/>
-        </a:xfrm>
-      </p:grpSpPr>
-      <p:sp>
-        <p:nvSpPr>
-          <p:cNvPr id="178" name="PlaceHolder 1"/>
-          <p:cNvSpPr>
-            <a:spLocks noGrp="1"/>
-          </p:cNvSpPr>
-          <p:nvPr>
-            <p:ph type="title"/>
-          </p:nvPr>
-        </p:nvSpPr>
-        <p:spPr>
-          <a:xfrm>
-            <a:off x="609480" y="273600"/>
-            <a:ext cx="10972440" cy="1144800"/>
-          </a:xfrm>
-          <a:prstGeom prst="rect">
-            <a:avLst/>
-          </a:prstGeom>
-          <a:noFill/>
-          <a:ln w="0">
-            <a:noFill/>
-          </a:ln>
-        </p:spPr>
-        <p:txBody>
-          <a:bodyPr lIns="0" rIns="0" tIns="0" bIns="0" anchor="ctr">
-            <a:noAutofit/>
-          </a:bodyPr>
-          <a:p>
-            <a:pPr algn="ctr">
-              <a:buNone/>
-            </a:pPr>
-            <a:endParaRPr b="0" lang="en-IE" sz="4400" spc="-1" strike="noStrike">
-              <a:latin typeface="Arial"/>
-            </a:endParaRPr>
-          </a:p>
-        </p:txBody>
-      </p:sp>
-      <p:sp>
-        <p:nvSpPr>
-          <p:cNvPr id="179" name="PlaceHolder 2"/>
-          <p:cNvSpPr>
-            <a:spLocks noGrp="1"/>
-          </p:cNvSpPr>
-          <p:nvPr>
-            <p:ph/>
-          </p:nvPr>
-        </p:nvSpPr>
-        <p:spPr>
-          <a:xfrm>
-            <a:off x="609480" y="1604520"/>
-            <a:ext cx="5354280" cy="1896840"/>
-          </a:xfrm>
-          <a:prstGeom prst="rect">
-            <a:avLst/>
-          </a:prstGeom>
-          <a:noFill/>
-          <a:ln w="0">
-            <a:noFill/>
-          </a:ln>
-        </p:spPr>
-        <p:txBody>
-          <a:bodyPr lIns="0" rIns="0" tIns="0" bIns="0" anchor="t">
-            <a:normAutofit/>
-          </a:bodyPr>
-          <a:p>
-            <a:endParaRPr b="0" lang="en-IE" sz="3200" spc="-1" strike="noStrike">
-              <a:latin typeface="Arial"/>
-            </a:endParaRPr>
-          </a:p>
-        </p:txBody>
-      </p:sp>
-      <p:sp>
-        <p:nvSpPr>
-          <p:cNvPr id="180" name="PlaceHolder 3"/>
-          <p:cNvSpPr>
-            <a:spLocks noGrp="1"/>
-          </p:cNvSpPr>
-          <p:nvPr>
-            <p:ph/>
-          </p:nvPr>
-        </p:nvSpPr>
-        <p:spPr>
-          <a:xfrm>
-            <a:off x="6231960" y="1604520"/>
-            <a:ext cx="5354280" cy="3977280"/>
-          </a:xfrm>
-          <a:prstGeom prst="rect">
-            <a:avLst/>
-          </a:prstGeom>
-          <a:noFill/>
-          <a:ln w="0">
-            <a:noFill/>
-          </a:ln>
-        </p:spPr>
-        <p:txBody>
-          <a:bodyPr lIns="0" rIns="0" tIns="0" bIns="0" anchor="t">
-            <a:normAutofit/>
-          </a:bodyPr>
-          <a:p>
-            <a:endParaRPr b="0" lang="en-IE" sz="3200" spc="-1" strike="noStrike">
-              <a:latin typeface="Arial"/>
-            </a:endParaRPr>
-          </a:p>
-        </p:txBody>
-      </p:sp>
-      <p:sp>
-        <p:nvSpPr>
-          <p:cNvPr id="181" name="PlaceHolder 4"/>
-          <p:cNvSpPr>
-            <a:spLocks noGrp="1"/>
-          </p:cNvSpPr>
-          <p:nvPr>
-            <p:ph/>
-          </p:nvPr>
-        </p:nvSpPr>
-        <p:spPr>
-          <a:xfrm>
-            <a:off x="609480" y="3682080"/>
-            <a:ext cx="5354280" cy="1896840"/>
-          </a:xfrm>
-          <a:prstGeom prst="rect">
-            <a:avLst/>
-          </a:prstGeom>
-          <a:noFill/>
-          <a:ln w="0">
-            <a:noFill/>
-          </a:ln>
-        </p:spPr>
-        <p:txBody>
-          <a:bodyPr lIns="0" rIns="0" tIns="0" bIns="0" anchor="t">
-            <a:normAutofit/>
-          </a:bodyPr>
-          <a:p>
-            <a:endParaRPr b="0" lang="en-IE" sz="3200" spc="-1" strike="noStrike">
-              <a:latin typeface="Arial"/>
-            </a:endParaRPr>
-          </a:p>
-        </p:txBody>
-      </p:sp>
-      <p:sp>
-        <p:nvSpPr>
-          <p:cNvPr id="6" name="PlaceHolder 5"/>
-          <p:cNvSpPr>
-            <a:spLocks noGrp="1"/>
-          </p:cNvSpPr>
-          <p:nvPr>
-            <p:ph type="ftr" idx="13"/>
-          </p:nvPr>
-        </p:nvSpPr>
-        <p:spPr/>
-        <p:txBody>
-          <a:bodyPr/>
-          <a:p>
-            <a:r>
-              <a:t>Footer</a:t>
-            </a:r>
-          </a:p>
-        </p:txBody>
-      </p:sp>
-      <p:sp>
-        <p:nvSpPr>
-          <p:cNvPr id="7" name="PlaceHolder 6"/>
-          <p:cNvSpPr>
-            <a:spLocks noGrp="1"/>
-          </p:cNvSpPr>
-          <p:nvPr>
-            <p:ph type="sldNum" idx="14"/>
-          </p:nvPr>
-        </p:nvSpPr>
-        <p:spPr/>
-        <p:txBody>
-          <a:bodyPr/>
-          <a:p>
-            <a:fld id="{9380CF07-BB38-479F-A173-11DDA57F3C1C}" type="slidenum">
-              <a:t>&lt;#&gt;</a:t>
-            </a:fld>
-          </a:p>
-        </p:txBody>
-      </p:sp>
-      <p:sp>
-        <p:nvSpPr>
-          <p:cNvPr id="8" name="PlaceHolder 7"/>
-          <p:cNvSpPr>
-            <a:spLocks noGrp="1"/>
-          </p:cNvSpPr>
-          <p:nvPr>
-            <p:ph type="dt" idx="15"/>
-          </p:nvPr>
-        </p:nvSpPr>
-        <p:spPr/>
-        <p:txBody>
-          <a:bodyPr/>
-          <a:p>
-            <a:r>
-              <a:rPr lang="en-IE"/>
-              <a:t/>
-            </a:r>
-          </a:p>
-        </p:txBody>
-      </p:sp>
-    </p:spTree>
-  </p:cSld>
-</p:sldLayout>
-</file>
-
-<file path=ppt/slideLayouts/slideLayout56.xml><?xml version="1.0" encoding="utf-8"?>
-<p:sldLayout xmlns:a="http://schemas.openxmlformats.org/drawingml/2006/main" xmlns:p="http://schemas.openxmlformats.org/presentationml/2006/main" xmlns:r="http://schemas.openxmlformats.org/officeDocument/2006/relationships" xmlns:p14="http://schemas.microsoft.com/office/powerpoint/2010/main" xmlns:p15="http://schemas.microsoft.com/office/powerpoint/2012/main" xmlns:mc="http://schemas.openxmlformats.org/markup-compatibility/2006" type="objAndTwoObj" preserve="1">
-  <p:cSld name="Title Content and 2 Content">
-    <p:spTree>
-      <p:nvGrpSpPr>
-        <p:cNvPr id="1" name=""/>
-        <p:cNvGrpSpPr/>
-        <p:nvPr/>
-      </p:nvGrpSpPr>
-      <p:grpSpPr>
-        <a:xfrm>
-          <a:off x="0" y="0"/>
-          <a:ext cx="0" cy="0"/>
-          <a:chOff x="0" y="0"/>
-          <a:chExt cx="0" cy="0"/>
-        </a:xfrm>
-      </p:grpSpPr>
-      <p:sp>
-        <p:nvSpPr>
-          <p:cNvPr id="182" name="PlaceHolder 1"/>
-          <p:cNvSpPr>
-            <a:spLocks noGrp="1"/>
-          </p:cNvSpPr>
-          <p:nvPr>
-            <p:ph type="title"/>
-          </p:nvPr>
-        </p:nvSpPr>
-        <p:spPr>
-          <a:xfrm>
-            <a:off x="609480" y="273600"/>
-            <a:ext cx="10972440" cy="1144800"/>
-          </a:xfrm>
-          <a:prstGeom prst="rect">
-            <a:avLst/>
-          </a:prstGeom>
-          <a:noFill/>
-          <a:ln w="0">
-            <a:noFill/>
-          </a:ln>
-        </p:spPr>
-        <p:txBody>
-          <a:bodyPr lIns="0" rIns="0" tIns="0" bIns="0" anchor="ctr">
-            <a:noAutofit/>
-          </a:bodyPr>
-          <a:p>
-            <a:pPr algn="ctr">
-              <a:buNone/>
-            </a:pPr>
-            <a:endParaRPr b="0" lang="en-IE" sz="4400" spc="-1" strike="noStrike">
-              <a:latin typeface="Arial"/>
-            </a:endParaRPr>
-          </a:p>
-        </p:txBody>
-      </p:sp>
-      <p:sp>
-        <p:nvSpPr>
-          <p:cNvPr id="183" name="PlaceHolder 2"/>
-          <p:cNvSpPr>
-            <a:spLocks noGrp="1"/>
-          </p:cNvSpPr>
-          <p:nvPr>
-            <p:ph/>
-          </p:nvPr>
-        </p:nvSpPr>
-        <p:spPr>
-          <a:xfrm>
-            <a:off x="609480" y="1604520"/>
-            <a:ext cx="5354280" cy="3977280"/>
-          </a:xfrm>
-          <a:prstGeom prst="rect">
-            <a:avLst/>
-          </a:prstGeom>
-          <a:noFill/>
-          <a:ln w="0">
-            <a:noFill/>
-          </a:ln>
-        </p:spPr>
-        <p:txBody>
-          <a:bodyPr lIns="0" rIns="0" tIns="0" bIns="0" anchor="t">
-            <a:normAutofit/>
-          </a:bodyPr>
-          <a:p>
-            <a:endParaRPr b="0" lang="en-IE" sz="3200" spc="-1" strike="noStrike">
-              <a:latin typeface="Arial"/>
-            </a:endParaRPr>
-          </a:p>
-        </p:txBody>
-      </p:sp>
-      <p:sp>
-        <p:nvSpPr>
-          <p:cNvPr id="184" name="PlaceHolder 3"/>
-          <p:cNvSpPr>
-            <a:spLocks noGrp="1"/>
-          </p:cNvSpPr>
-          <p:nvPr>
-            <p:ph/>
-          </p:nvPr>
-        </p:nvSpPr>
-        <p:spPr>
-          <a:xfrm>
-            <a:off x="6231960" y="1604520"/>
-            <a:ext cx="5354280" cy="1896840"/>
-          </a:xfrm>
-          <a:prstGeom prst="rect">
-            <a:avLst/>
-          </a:prstGeom>
-          <a:noFill/>
-          <a:ln w="0">
-            <a:noFill/>
-          </a:ln>
-        </p:spPr>
-        <p:txBody>
-          <a:bodyPr lIns="0" rIns="0" tIns="0" bIns="0" anchor="t">
-            <a:normAutofit/>
-          </a:bodyPr>
-          <a:p>
-            <a:endParaRPr b="0" lang="en-IE" sz="3200" spc="-1" strike="noStrike">
-              <a:latin typeface="Arial"/>
-            </a:endParaRPr>
-          </a:p>
-        </p:txBody>
-      </p:sp>
-      <p:sp>
-        <p:nvSpPr>
-          <p:cNvPr id="185" name="PlaceHolder 4"/>
-          <p:cNvSpPr>
-            <a:spLocks noGrp="1"/>
-          </p:cNvSpPr>
-          <p:nvPr>
-            <p:ph/>
-          </p:nvPr>
-        </p:nvSpPr>
-        <p:spPr>
-          <a:xfrm>
-            <a:off x="6231960" y="3682080"/>
-            <a:ext cx="5354280" cy="1896840"/>
-          </a:xfrm>
-          <a:prstGeom prst="rect">
-            <a:avLst/>
-          </a:prstGeom>
-          <a:noFill/>
-          <a:ln w="0">
-            <a:noFill/>
-          </a:ln>
-        </p:spPr>
-        <p:txBody>
-          <a:bodyPr lIns="0" rIns="0" tIns="0" bIns="0" anchor="t">
-            <a:normAutofit/>
-          </a:bodyPr>
-          <a:p>
-            <a:endParaRPr b="0" lang="en-IE" sz="3200" spc="-1" strike="noStrike">
-              <a:latin typeface="Arial"/>
-            </a:endParaRPr>
-          </a:p>
-        </p:txBody>
-      </p:sp>
-      <p:sp>
-        <p:nvSpPr>
-          <p:cNvPr id="6" name="PlaceHolder 5"/>
-          <p:cNvSpPr>
-            <a:spLocks noGrp="1"/>
-          </p:cNvSpPr>
-          <p:nvPr>
-            <p:ph type="ftr" idx="13"/>
-          </p:nvPr>
-        </p:nvSpPr>
-        <p:spPr/>
-        <p:txBody>
-          <a:bodyPr/>
-          <a:p>
-            <a:r>
-              <a:t>Footer</a:t>
-            </a:r>
-          </a:p>
-        </p:txBody>
-      </p:sp>
-      <p:sp>
-        <p:nvSpPr>
-          <p:cNvPr id="7" name="PlaceHolder 6"/>
-          <p:cNvSpPr>
-            <a:spLocks noGrp="1"/>
-          </p:cNvSpPr>
-          <p:nvPr>
-            <p:ph type="sldNum" idx="14"/>
-          </p:nvPr>
-        </p:nvSpPr>
-        <p:spPr/>
-        <p:txBody>
-          <a:bodyPr/>
-          <a:p>
-            <a:fld id="{7274A465-A95D-494F-BA1F-30E1C28B2DEC}" type="slidenum">
-              <a:t>&lt;#&gt;</a:t>
-            </a:fld>
-          </a:p>
-        </p:txBody>
-      </p:sp>
-      <p:sp>
-        <p:nvSpPr>
-          <p:cNvPr id="8" name="PlaceHolder 7"/>
-          <p:cNvSpPr>
-            <a:spLocks noGrp="1"/>
-          </p:cNvSpPr>
-          <p:nvPr>
-            <p:ph type="dt" idx="15"/>
-          </p:nvPr>
-        </p:nvSpPr>
-        <p:spPr/>
-        <p:txBody>
-          <a:bodyPr/>
-          <a:p>
-            <a:r>
-              <a:rPr lang="en-IE"/>
-              <a:t/>
-            </a:r>
-          </a:p>
-        </p:txBody>
-      </p:sp>
-    </p:spTree>
-  </p:cSld>
-</p:sldLayout>
-</file>
-
-<file path=ppt/slideLayouts/slideLayout57.xml><?xml version="1.0" encoding="utf-8"?>
-<p:sldLayout xmlns:a="http://schemas.openxmlformats.org/drawingml/2006/main" xmlns:p="http://schemas.openxmlformats.org/presentationml/2006/main" xmlns:r="http://schemas.openxmlformats.org/officeDocument/2006/relationships" xmlns:p14="http://schemas.microsoft.com/office/powerpoint/2010/main" xmlns:p15="http://schemas.microsoft.com/office/powerpoint/2012/main" xmlns:mc="http://schemas.openxmlformats.org/markup-compatibility/2006" type="twoObjOverTx" preserve="1">
-  <p:cSld name="Title, 2 Content over Content">
-    <p:spTree>
-      <p:nvGrpSpPr>
-        <p:cNvPr id="1" name=""/>
-        <p:cNvGrpSpPr/>
-        <p:nvPr/>
-      </p:nvGrpSpPr>
-      <p:grpSpPr>
-        <a:xfrm>
-          <a:off x="0" y="0"/>
-          <a:ext cx="0" cy="0"/>
-          <a:chOff x="0" y="0"/>
-          <a:chExt cx="0" cy="0"/>
-        </a:xfrm>
-      </p:grpSpPr>
-      <p:sp>
-        <p:nvSpPr>
-          <p:cNvPr id="186" name="PlaceHolder 1"/>
-          <p:cNvSpPr>
-            <a:spLocks noGrp="1"/>
-          </p:cNvSpPr>
-          <p:nvPr>
-            <p:ph type="title"/>
-          </p:nvPr>
-        </p:nvSpPr>
-        <p:spPr>
-          <a:xfrm>
-            <a:off x="609480" y="273600"/>
-            <a:ext cx="10972440" cy="1144800"/>
-          </a:xfrm>
-          <a:prstGeom prst="rect">
-            <a:avLst/>
-          </a:prstGeom>
-          <a:noFill/>
-          <a:ln w="0">
-            <a:noFill/>
-          </a:ln>
-        </p:spPr>
-        <p:txBody>
-          <a:bodyPr lIns="0" rIns="0" tIns="0" bIns="0" anchor="ctr">
-            <a:noAutofit/>
-          </a:bodyPr>
-          <a:p>
-            <a:pPr algn="ctr">
-              <a:buNone/>
-            </a:pPr>
-            <a:endParaRPr b="0" lang="en-IE" sz="4400" spc="-1" strike="noStrike">
-              <a:latin typeface="Arial"/>
-            </a:endParaRPr>
-          </a:p>
-        </p:txBody>
-      </p:sp>
-      <p:sp>
-        <p:nvSpPr>
-          <p:cNvPr id="187" name="PlaceHolder 2"/>
-          <p:cNvSpPr>
-            <a:spLocks noGrp="1"/>
-          </p:cNvSpPr>
-          <p:nvPr>
-            <p:ph/>
-          </p:nvPr>
-        </p:nvSpPr>
-        <p:spPr>
-          <a:xfrm>
-            <a:off x="609480" y="1604520"/>
-            <a:ext cx="5354280" cy="1896840"/>
-          </a:xfrm>
-          <a:prstGeom prst="rect">
-            <a:avLst/>
-          </a:prstGeom>
-          <a:noFill/>
-          <a:ln w="0">
-            <a:noFill/>
-          </a:ln>
-        </p:spPr>
-        <p:txBody>
-          <a:bodyPr lIns="0" rIns="0" tIns="0" bIns="0" anchor="t">
-            <a:normAutofit/>
-          </a:bodyPr>
-          <a:p>
-            <a:endParaRPr b="0" lang="en-IE" sz="3200" spc="-1" strike="noStrike">
-              <a:latin typeface="Arial"/>
-            </a:endParaRPr>
-          </a:p>
-        </p:txBody>
-      </p:sp>
-      <p:sp>
-        <p:nvSpPr>
-          <p:cNvPr id="188" name="PlaceHolder 3"/>
-          <p:cNvSpPr>
-            <a:spLocks noGrp="1"/>
-          </p:cNvSpPr>
-          <p:nvPr>
-            <p:ph/>
-          </p:nvPr>
-        </p:nvSpPr>
-        <p:spPr>
-          <a:xfrm>
-            <a:off x="6231960" y="1604520"/>
-            <a:ext cx="5354280" cy="1896840"/>
-          </a:xfrm>
-          <a:prstGeom prst="rect">
-            <a:avLst/>
-          </a:prstGeom>
-          <a:noFill/>
-          <a:ln w="0">
-            <a:noFill/>
-          </a:ln>
-        </p:spPr>
-        <p:txBody>
-          <a:bodyPr lIns="0" rIns="0" tIns="0" bIns="0" anchor="t">
-            <a:normAutofit/>
-          </a:bodyPr>
-          <a:p>
-            <a:endParaRPr b="0" lang="en-IE" sz="3200" spc="-1" strike="noStrike">
-              <a:latin typeface="Arial"/>
-            </a:endParaRPr>
-          </a:p>
-        </p:txBody>
-      </p:sp>
-      <p:sp>
-        <p:nvSpPr>
-          <p:cNvPr id="189" name="PlaceHolder 4"/>
-          <p:cNvSpPr>
-            <a:spLocks noGrp="1"/>
-          </p:cNvSpPr>
-          <p:nvPr>
-            <p:ph/>
-          </p:nvPr>
-        </p:nvSpPr>
-        <p:spPr>
-          <a:xfrm>
-            <a:off x="609480" y="3682080"/>
-            <a:ext cx="10972440" cy="1896840"/>
-          </a:xfrm>
-          <a:prstGeom prst="rect">
-            <a:avLst/>
-          </a:prstGeom>
-          <a:noFill/>
-          <a:ln w="0">
-            <a:noFill/>
-          </a:ln>
-        </p:spPr>
-        <p:txBody>
-          <a:bodyPr lIns="0" rIns="0" tIns="0" bIns="0" anchor="t">
-            <a:normAutofit/>
-          </a:bodyPr>
-          <a:p>
-            <a:endParaRPr b="0" lang="en-IE" sz="3200" spc="-1" strike="noStrike">
-              <a:latin typeface="Arial"/>
-            </a:endParaRPr>
-          </a:p>
-        </p:txBody>
-      </p:sp>
-      <p:sp>
-        <p:nvSpPr>
-          <p:cNvPr id="6" name="PlaceHolder 5"/>
-          <p:cNvSpPr>
-            <a:spLocks noGrp="1"/>
-          </p:cNvSpPr>
-          <p:nvPr>
-            <p:ph type="ftr" idx="13"/>
-          </p:nvPr>
-        </p:nvSpPr>
-        <p:spPr/>
-        <p:txBody>
-          <a:bodyPr/>
-          <a:p>
-            <a:r>
-              <a:t>Footer</a:t>
-            </a:r>
-          </a:p>
-        </p:txBody>
-      </p:sp>
-      <p:sp>
-        <p:nvSpPr>
-          <p:cNvPr id="7" name="PlaceHolder 6"/>
-          <p:cNvSpPr>
-            <a:spLocks noGrp="1"/>
-          </p:cNvSpPr>
-          <p:nvPr>
-            <p:ph type="sldNum" idx="14"/>
-          </p:nvPr>
-        </p:nvSpPr>
-        <p:spPr/>
-        <p:txBody>
-          <a:bodyPr/>
-          <a:p>
-            <a:fld id="{1F4A3F36-F126-4C78-AFB5-FA7CBCDF3459}" type="slidenum">
-              <a:t>&lt;#&gt;</a:t>
-            </a:fld>
-          </a:p>
-        </p:txBody>
-      </p:sp>
-      <p:sp>
-        <p:nvSpPr>
-          <p:cNvPr id="8" name="PlaceHolder 7"/>
-          <p:cNvSpPr>
-            <a:spLocks noGrp="1"/>
-          </p:cNvSpPr>
-          <p:nvPr>
-            <p:ph type="dt" idx="15"/>
-          </p:nvPr>
-        </p:nvSpPr>
-        <p:spPr/>
-        <p:txBody>
-          <a:bodyPr/>
-          <a:p>
-            <a:r>
-              <a:rPr lang="en-IE"/>
-              <a:t/>
-            </a:r>
-          </a:p>
-        </p:txBody>
-      </p:sp>
-    </p:spTree>
-  </p:cSld>
-</p:sldLayout>
-</file>
-
-<file path=ppt/slideLayouts/slideLayout58.xml><?xml version="1.0" encoding="utf-8"?>
-<p:sldLayout xmlns:a="http://schemas.openxmlformats.org/drawingml/2006/main" xmlns:p="http://schemas.openxmlformats.org/presentationml/2006/main" xmlns:r="http://schemas.openxmlformats.org/officeDocument/2006/relationships" xmlns:p14="http://schemas.microsoft.com/office/powerpoint/2010/main" xmlns:p15="http://schemas.microsoft.com/office/powerpoint/2012/main" xmlns:mc="http://schemas.openxmlformats.org/markup-compatibility/2006" type="objOverTx" preserve="1">
-  <p:cSld name="Title, Content over Content">
-    <p:spTree>
-      <p:nvGrpSpPr>
-        <p:cNvPr id="1" name=""/>
-        <p:cNvGrpSpPr/>
-        <p:nvPr/>
-      </p:nvGrpSpPr>
-      <p:grpSpPr>
-        <a:xfrm>
-          <a:off x="0" y="0"/>
-          <a:ext cx="0" cy="0"/>
-          <a:chOff x="0" y="0"/>
-          <a:chExt cx="0" cy="0"/>
-        </a:xfrm>
-      </p:grpSpPr>
-      <p:sp>
-        <p:nvSpPr>
-          <p:cNvPr id="190" name="PlaceHolder 1"/>
-          <p:cNvSpPr>
-            <a:spLocks noGrp="1"/>
-          </p:cNvSpPr>
-          <p:nvPr>
-            <p:ph type="title"/>
-          </p:nvPr>
-        </p:nvSpPr>
-        <p:spPr>
-          <a:xfrm>
-            <a:off x="609480" y="273600"/>
-            <a:ext cx="10972440" cy="1144800"/>
-          </a:xfrm>
-          <a:prstGeom prst="rect">
-            <a:avLst/>
-          </a:prstGeom>
-          <a:noFill/>
-          <a:ln w="0">
-            <a:noFill/>
-          </a:ln>
-        </p:spPr>
-        <p:txBody>
-          <a:bodyPr lIns="0" rIns="0" tIns="0" bIns="0" anchor="ctr">
-            <a:noAutofit/>
-          </a:bodyPr>
-          <a:p>
-            <a:pPr algn="ctr">
-              <a:buNone/>
-            </a:pPr>
-            <a:endParaRPr b="0" lang="en-IE" sz="4400" spc="-1" strike="noStrike">
-              <a:latin typeface="Arial"/>
-            </a:endParaRPr>
-          </a:p>
-        </p:txBody>
-      </p:sp>
-      <p:sp>
-        <p:nvSpPr>
-          <p:cNvPr id="191" name="PlaceHolder 2"/>
-          <p:cNvSpPr>
-            <a:spLocks noGrp="1"/>
-          </p:cNvSpPr>
-          <p:nvPr>
-            <p:ph/>
-          </p:nvPr>
-        </p:nvSpPr>
-        <p:spPr>
-          <a:xfrm>
-            <a:off x="609480" y="1604520"/>
-            <a:ext cx="10972440" cy="1896840"/>
-          </a:xfrm>
-          <a:prstGeom prst="rect">
-            <a:avLst/>
-          </a:prstGeom>
-          <a:noFill/>
-          <a:ln w="0">
-            <a:noFill/>
-          </a:ln>
-        </p:spPr>
-        <p:txBody>
-          <a:bodyPr lIns="0" rIns="0" tIns="0" bIns="0" anchor="t">
-            <a:normAutofit/>
-          </a:bodyPr>
-          <a:p>
-            <a:endParaRPr b="0" lang="en-IE" sz="3200" spc="-1" strike="noStrike">
-              <a:latin typeface="Arial"/>
-            </a:endParaRPr>
-          </a:p>
-        </p:txBody>
-      </p:sp>
-      <p:sp>
-        <p:nvSpPr>
-          <p:cNvPr id="192" name="PlaceHolder 3"/>
-          <p:cNvSpPr>
-            <a:spLocks noGrp="1"/>
-          </p:cNvSpPr>
-          <p:nvPr>
-            <p:ph/>
-          </p:nvPr>
-        </p:nvSpPr>
-        <p:spPr>
-          <a:xfrm>
-            <a:off x="609480" y="3682080"/>
-            <a:ext cx="10972440" cy="1896840"/>
-          </a:xfrm>
-          <a:prstGeom prst="rect">
-            <a:avLst/>
-          </a:prstGeom>
-          <a:noFill/>
-          <a:ln w="0">
-            <a:noFill/>
-          </a:ln>
-        </p:spPr>
-        <p:txBody>
-          <a:bodyPr lIns="0" rIns="0" tIns="0" bIns="0" anchor="t">
-            <a:normAutofit/>
-          </a:bodyPr>
-          <a:p>
-            <a:endParaRPr b="0" lang="en-IE" sz="3200" spc="-1" strike="noStrike">
-              <a:latin typeface="Arial"/>
-            </a:endParaRPr>
-          </a:p>
-        </p:txBody>
-      </p:sp>
-      <p:sp>
-        <p:nvSpPr>
-          <p:cNvPr id="5" name="PlaceHolder 4"/>
-          <p:cNvSpPr>
-            <a:spLocks noGrp="1"/>
-          </p:cNvSpPr>
-          <p:nvPr>
-            <p:ph type="ftr" idx="13"/>
-          </p:nvPr>
-        </p:nvSpPr>
-        <p:spPr/>
-        <p:txBody>
-          <a:bodyPr/>
-          <a:p>
-            <a:r>
-              <a:t>Footer</a:t>
-            </a:r>
-          </a:p>
-        </p:txBody>
-      </p:sp>
-      <p:sp>
-        <p:nvSpPr>
-          <p:cNvPr id="6" name="PlaceHolder 5"/>
-          <p:cNvSpPr>
-            <a:spLocks noGrp="1"/>
-          </p:cNvSpPr>
-          <p:nvPr>
-            <p:ph type="sldNum" idx="14"/>
-          </p:nvPr>
-        </p:nvSpPr>
-        <p:spPr/>
-        <p:txBody>
-          <a:bodyPr/>
-          <a:p>
-            <a:fld id="{C88E2673-EFA6-415C-95DE-C0FC68D689CA}" type="slidenum">
-              <a:t>&lt;#&gt;</a:t>
-            </a:fld>
-          </a:p>
-        </p:txBody>
-      </p:sp>
-      <p:sp>
-        <p:nvSpPr>
-          <p:cNvPr id="7" name="PlaceHolder 6"/>
-          <p:cNvSpPr>
-            <a:spLocks noGrp="1"/>
-          </p:cNvSpPr>
-          <p:nvPr>
-            <p:ph type="dt" idx="15"/>
-          </p:nvPr>
-        </p:nvSpPr>
-        <p:spPr/>
-        <p:txBody>
-          <a:bodyPr/>
-          <a:p>
-            <a:r>
-              <a:rPr lang="en-IE"/>
-              <a:t/>
-            </a:r>
-          </a:p>
-        </p:txBody>
-      </p:sp>
-    </p:spTree>
-  </p:cSld>
-</p:sldLayout>
-</file>
-
-<file path=ppt/slideLayouts/slideLayout59.xml><?xml version="1.0" encoding="utf-8"?>
-<p:sldLayout xmlns:a="http://schemas.openxmlformats.org/drawingml/2006/main" xmlns:p="http://schemas.openxmlformats.org/presentationml/2006/main" xmlns:r="http://schemas.openxmlformats.org/officeDocument/2006/relationships" xmlns:p14="http://schemas.microsoft.com/office/powerpoint/2010/main" xmlns:p15="http://schemas.microsoft.com/office/powerpoint/2012/main" xmlns:mc="http://schemas.openxmlformats.org/markup-compatibility/2006" type="fourObj" preserve="1">
-  <p:cSld name="Title, 4 Content">
-    <p:spTree>
-      <p:nvGrpSpPr>
-        <p:cNvPr id="1" name=""/>
-        <p:cNvGrpSpPr/>
-        <p:nvPr/>
-      </p:nvGrpSpPr>
-      <p:grpSpPr>
-        <a:xfrm>
-          <a:off x="0" y="0"/>
-          <a:ext cx="0" cy="0"/>
-          <a:chOff x="0" y="0"/>
-          <a:chExt cx="0" cy="0"/>
-        </a:xfrm>
-      </p:grpSpPr>
-      <p:sp>
-        <p:nvSpPr>
-          <p:cNvPr id="193" name="PlaceHolder 1"/>
-          <p:cNvSpPr>
-            <a:spLocks noGrp="1"/>
-          </p:cNvSpPr>
-          <p:nvPr>
-            <p:ph type="title"/>
-          </p:nvPr>
-        </p:nvSpPr>
-        <p:spPr>
-          <a:xfrm>
-            <a:off x="609480" y="273600"/>
-            <a:ext cx="10972440" cy="1144800"/>
-          </a:xfrm>
-          <a:prstGeom prst="rect">
-            <a:avLst/>
-          </a:prstGeom>
-          <a:noFill/>
-          <a:ln w="0">
-            <a:noFill/>
-          </a:ln>
-        </p:spPr>
-        <p:txBody>
-          <a:bodyPr lIns="0" rIns="0" tIns="0" bIns="0" anchor="ctr">
-            <a:noAutofit/>
-          </a:bodyPr>
-          <a:p>
-            <a:pPr algn="ctr">
-              <a:buNone/>
-            </a:pPr>
-            <a:endParaRPr b="0" lang="en-IE" sz="4400" spc="-1" strike="noStrike">
-              <a:latin typeface="Arial"/>
-            </a:endParaRPr>
-          </a:p>
-        </p:txBody>
-      </p:sp>
-      <p:sp>
-        <p:nvSpPr>
-          <p:cNvPr id="194" name="PlaceHolder 2"/>
-          <p:cNvSpPr>
-            <a:spLocks noGrp="1"/>
-          </p:cNvSpPr>
-          <p:nvPr>
-            <p:ph/>
-          </p:nvPr>
-        </p:nvSpPr>
-        <p:spPr>
-          <a:xfrm>
-            <a:off x="609480" y="1604520"/>
-            <a:ext cx="5354280" cy="1896840"/>
-          </a:xfrm>
-          <a:prstGeom prst="rect">
-            <a:avLst/>
-          </a:prstGeom>
-          <a:noFill/>
-          <a:ln w="0">
-            <a:noFill/>
-          </a:ln>
-        </p:spPr>
-        <p:txBody>
-          <a:bodyPr lIns="0" rIns="0" tIns="0" bIns="0" anchor="t">
-            <a:normAutofit/>
-          </a:bodyPr>
-          <a:p>
-            <a:endParaRPr b="0" lang="en-IE" sz="3200" spc="-1" strike="noStrike">
-              <a:latin typeface="Arial"/>
-            </a:endParaRPr>
-          </a:p>
-        </p:txBody>
-      </p:sp>
-      <p:sp>
-        <p:nvSpPr>
-          <p:cNvPr id="195" name="PlaceHolder 3"/>
-          <p:cNvSpPr>
-            <a:spLocks noGrp="1"/>
-          </p:cNvSpPr>
-          <p:nvPr>
-            <p:ph/>
-          </p:nvPr>
-        </p:nvSpPr>
-        <p:spPr>
-          <a:xfrm>
-            <a:off x="6231960" y="1604520"/>
-            <a:ext cx="5354280" cy="1896840"/>
-          </a:xfrm>
-          <a:prstGeom prst="rect">
-            <a:avLst/>
-          </a:prstGeom>
-          <a:noFill/>
-          <a:ln w="0">
-            <a:noFill/>
-          </a:ln>
-        </p:spPr>
-        <p:txBody>
-          <a:bodyPr lIns="0" rIns="0" tIns="0" bIns="0" anchor="t">
-            <a:normAutofit/>
-          </a:bodyPr>
-          <a:p>
-            <a:endParaRPr b="0" lang="en-IE" sz="3200" spc="-1" strike="noStrike">
-              <a:latin typeface="Arial"/>
-            </a:endParaRPr>
-          </a:p>
-        </p:txBody>
-      </p:sp>
-      <p:sp>
-        <p:nvSpPr>
-          <p:cNvPr id="196" name="PlaceHolder 4"/>
-          <p:cNvSpPr>
-            <a:spLocks noGrp="1"/>
-          </p:cNvSpPr>
-          <p:nvPr>
-            <p:ph/>
-          </p:nvPr>
-        </p:nvSpPr>
-        <p:spPr>
-          <a:xfrm>
-            <a:off x="609480" y="3682080"/>
-            <a:ext cx="5354280" cy="1896840"/>
-          </a:xfrm>
-          <a:prstGeom prst="rect">
-            <a:avLst/>
-          </a:prstGeom>
-          <a:noFill/>
-          <a:ln w="0">
-            <a:noFill/>
-          </a:ln>
-        </p:spPr>
-        <p:txBody>
-          <a:bodyPr lIns="0" rIns="0" tIns="0" bIns="0" anchor="t">
-            <a:normAutofit/>
-          </a:bodyPr>
-          <a:p>
-            <a:endParaRPr b="0" lang="en-IE" sz="3200" spc="-1" strike="noStrike">
-              <a:latin typeface="Arial"/>
-            </a:endParaRPr>
-          </a:p>
-        </p:txBody>
-      </p:sp>
-      <p:sp>
-        <p:nvSpPr>
-          <p:cNvPr id="197" name="PlaceHolder 5"/>
-          <p:cNvSpPr>
-            <a:spLocks noGrp="1"/>
-          </p:cNvSpPr>
-          <p:nvPr>
-            <p:ph/>
-          </p:nvPr>
-        </p:nvSpPr>
-        <p:spPr>
-          <a:xfrm>
-            <a:off x="6231960" y="3682080"/>
-            <a:ext cx="5354280" cy="1896840"/>
-          </a:xfrm>
-          <a:prstGeom prst="rect">
-            <a:avLst/>
-          </a:prstGeom>
-          <a:noFill/>
-          <a:ln w="0">
-            <a:noFill/>
-          </a:ln>
-        </p:spPr>
-        <p:txBody>
-          <a:bodyPr lIns="0" rIns="0" tIns="0" bIns="0" anchor="t">
-            <a:normAutofit/>
-          </a:bodyPr>
-          <a:p>
-            <a:endParaRPr b="0" lang="en-IE" sz="3200" spc="-1" strike="noStrike">
-              <a:latin typeface="Arial"/>
-            </a:endParaRPr>
-          </a:p>
-        </p:txBody>
-      </p:sp>
-      <p:sp>
-        <p:nvSpPr>
-          <p:cNvPr id="7" name="PlaceHolder 6"/>
-          <p:cNvSpPr>
-            <a:spLocks noGrp="1"/>
-          </p:cNvSpPr>
-          <p:nvPr>
-            <p:ph type="ftr" idx="13"/>
-          </p:nvPr>
-        </p:nvSpPr>
-        <p:spPr/>
-        <p:txBody>
-          <a:bodyPr/>
-          <a:p>
-            <a:r>
-              <a:t>Footer</a:t>
-            </a:r>
-          </a:p>
-        </p:txBody>
-      </p:sp>
-      <p:sp>
-        <p:nvSpPr>
-          <p:cNvPr id="8" name="PlaceHolder 7"/>
-          <p:cNvSpPr>
-            <a:spLocks noGrp="1"/>
-          </p:cNvSpPr>
-          <p:nvPr>
-            <p:ph type="sldNum" idx="14"/>
-          </p:nvPr>
-        </p:nvSpPr>
-        <p:spPr/>
-        <p:txBody>
-          <a:bodyPr/>
-          <a:p>
-            <a:fld id="{C34C92CC-1E4F-4D58-84D1-67F377318FAF}" type="slidenum">
-              <a:t>&lt;#&gt;</a:t>
-            </a:fld>
-          </a:p>
-        </p:txBody>
-      </p:sp>
-      <p:sp>
-        <p:nvSpPr>
-          <p:cNvPr id="9" name="PlaceHolder 8"/>
-          <p:cNvSpPr>
-            <a:spLocks noGrp="1"/>
-          </p:cNvSpPr>
-          <p:nvPr>
-            <p:ph type="dt" idx="15"/>
           </p:nvPr>
         </p:nvSpPr>
         <p:spPr/>
@@ -10279,7 +8346,7 @@
         <p:txBody>
           <a:bodyPr/>
           <a:p>
-            <a:fld id="{D0CA6B73-6C5F-47CA-85AF-AA6C4D39345E}" type="slidenum">
+            <a:fld id="{0FAB427B-AE51-4D39-9CB6-E47BD6103499}" type="slidenum">
               <a:t>&lt;#&gt;</a:t>
             </a:fld>
           </a:p>
@@ -10293,330 +8360,6 @@
           </p:cNvSpPr>
           <p:nvPr>
             <p:ph type="dt" idx="3"/>
-          </p:nvPr>
-        </p:nvSpPr>
-        <p:spPr/>
-        <p:txBody>
-          <a:bodyPr/>
-          <a:p>
-            <a:r>
-              <a:rPr lang="en-IE"/>
-              <a:t/>
-            </a:r>
-          </a:p>
-        </p:txBody>
-      </p:sp>
-    </p:spTree>
-  </p:cSld>
-</p:sldLayout>
-</file>
-
-<file path=ppt/slideLayouts/slideLayout60.xml><?xml version="1.0" encoding="utf-8"?>
-<p:sldLayout xmlns:a="http://schemas.openxmlformats.org/drawingml/2006/main" xmlns:p="http://schemas.openxmlformats.org/presentationml/2006/main" xmlns:r="http://schemas.openxmlformats.org/officeDocument/2006/relationships" xmlns:p14="http://schemas.microsoft.com/office/powerpoint/2010/main" xmlns:p15="http://schemas.microsoft.com/office/powerpoint/2012/main" xmlns:mc="http://schemas.openxmlformats.org/markup-compatibility/2006" type="blank" preserve="1">
-  <p:cSld name="Title, 6 Content">
-    <p:spTree>
-      <p:nvGrpSpPr>
-        <p:cNvPr id="1" name=""/>
-        <p:cNvGrpSpPr/>
-        <p:nvPr/>
-      </p:nvGrpSpPr>
-      <p:grpSpPr>
-        <a:xfrm>
-          <a:off x="0" y="0"/>
-          <a:ext cx="0" cy="0"/>
-          <a:chOff x="0" y="0"/>
-          <a:chExt cx="0" cy="0"/>
-        </a:xfrm>
-      </p:grpSpPr>
-      <p:sp>
-        <p:nvSpPr>
-          <p:cNvPr id="198" name="PlaceHolder 1"/>
-          <p:cNvSpPr>
-            <a:spLocks noGrp="1"/>
-          </p:cNvSpPr>
-          <p:nvPr>
-            <p:ph type="title"/>
-          </p:nvPr>
-        </p:nvSpPr>
-        <p:spPr>
-          <a:xfrm>
-            <a:off x="609480" y="273600"/>
-            <a:ext cx="10972440" cy="1144800"/>
-          </a:xfrm>
-          <a:prstGeom prst="rect">
-            <a:avLst/>
-          </a:prstGeom>
-          <a:noFill/>
-          <a:ln w="0">
-            <a:noFill/>
-          </a:ln>
-        </p:spPr>
-        <p:txBody>
-          <a:bodyPr lIns="0" rIns="0" tIns="0" bIns="0" anchor="ctr">
-            <a:noAutofit/>
-          </a:bodyPr>
-          <a:p>
-            <a:pPr algn="ctr">
-              <a:buNone/>
-            </a:pPr>
-            <a:endParaRPr b="0" lang="en-IE" sz="4400" spc="-1" strike="noStrike">
-              <a:latin typeface="Arial"/>
-            </a:endParaRPr>
-          </a:p>
-        </p:txBody>
-      </p:sp>
-      <p:sp>
-        <p:nvSpPr>
-          <p:cNvPr id="199" name="PlaceHolder 2"/>
-          <p:cNvSpPr>
-            <a:spLocks noGrp="1"/>
-          </p:cNvSpPr>
-          <p:nvPr>
-            <p:ph/>
-          </p:nvPr>
-        </p:nvSpPr>
-        <p:spPr>
-          <a:xfrm>
-            <a:off x="609480" y="1604520"/>
-            <a:ext cx="3533040" cy="1896840"/>
-          </a:xfrm>
-          <a:prstGeom prst="rect">
-            <a:avLst/>
-          </a:prstGeom>
-          <a:noFill/>
-          <a:ln w="0">
-            <a:noFill/>
-          </a:ln>
-        </p:spPr>
-        <p:txBody>
-          <a:bodyPr lIns="0" rIns="0" tIns="0" bIns="0" anchor="t">
-            <a:normAutofit/>
-          </a:bodyPr>
-          <a:p>
-            <a:endParaRPr b="0" lang="en-IE" sz="3200" spc="-1" strike="noStrike">
-              <a:latin typeface="Arial"/>
-            </a:endParaRPr>
-          </a:p>
-        </p:txBody>
-      </p:sp>
-      <p:sp>
-        <p:nvSpPr>
-          <p:cNvPr id="200" name="PlaceHolder 3"/>
-          <p:cNvSpPr>
-            <a:spLocks noGrp="1"/>
-          </p:cNvSpPr>
-          <p:nvPr>
-            <p:ph/>
-          </p:nvPr>
-        </p:nvSpPr>
-        <p:spPr>
-          <a:xfrm>
-            <a:off x="4319640" y="1604520"/>
-            <a:ext cx="3533040" cy="1896840"/>
-          </a:xfrm>
-          <a:prstGeom prst="rect">
-            <a:avLst/>
-          </a:prstGeom>
-          <a:noFill/>
-          <a:ln w="0">
-            <a:noFill/>
-          </a:ln>
-        </p:spPr>
-        <p:txBody>
-          <a:bodyPr lIns="0" rIns="0" tIns="0" bIns="0" anchor="t">
-            <a:normAutofit/>
-          </a:bodyPr>
-          <a:p>
-            <a:endParaRPr b="0" lang="en-IE" sz="3200" spc="-1" strike="noStrike">
-              <a:latin typeface="Arial"/>
-            </a:endParaRPr>
-          </a:p>
-        </p:txBody>
-      </p:sp>
-      <p:sp>
-        <p:nvSpPr>
-          <p:cNvPr id="201" name="PlaceHolder 4"/>
-          <p:cNvSpPr>
-            <a:spLocks noGrp="1"/>
-          </p:cNvSpPr>
-          <p:nvPr>
-            <p:ph/>
-          </p:nvPr>
-        </p:nvSpPr>
-        <p:spPr>
-          <a:xfrm>
-            <a:off x="8029800" y="1604520"/>
-            <a:ext cx="3533040" cy="1896840"/>
-          </a:xfrm>
-          <a:prstGeom prst="rect">
-            <a:avLst/>
-          </a:prstGeom>
-          <a:noFill/>
-          <a:ln w="0">
-            <a:noFill/>
-          </a:ln>
-        </p:spPr>
-        <p:txBody>
-          <a:bodyPr lIns="0" rIns="0" tIns="0" bIns="0" anchor="t">
-            <a:normAutofit/>
-          </a:bodyPr>
-          <a:p>
-            <a:endParaRPr b="0" lang="en-IE" sz="3200" spc="-1" strike="noStrike">
-              <a:latin typeface="Arial"/>
-            </a:endParaRPr>
-          </a:p>
-        </p:txBody>
-      </p:sp>
-      <p:sp>
-        <p:nvSpPr>
-          <p:cNvPr id="202" name="PlaceHolder 5"/>
-          <p:cNvSpPr>
-            <a:spLocks noGrp="1"/>
-          </p:cNvSpPr>
-          <p:nvPr>
-            <p:ph/>
-          </p:nvPr>
-        </p:nvSpPr>
-        <p:spPr>
-          <a:xfrm>
-            <a:off x="609480" y="3682080"/>
-            <a:ext cx="3533040" cy="1896840"/>
-          </a:xfrm>
-          <a:prstGeom prst="rect">
-            <a:avLst/>
-          </a:prstGeom>
-          <a:noFill/>
-          <a:ln w="0">
-            <a:noFill/>
-          </a:ln>
-        </p:spPr>
-        <p:txBody>
-          <a:bodyPr lIns="0" rIns="0" tIns="0" bIns="0" anchor="t">
-            <a:normAutofit/>
-          </a:bodyPr>
-          <a:p>
-            <a:endParaRPr b="0" lang="en-IE" sz="3200" spc="-1" strike="noStrike">
-              <a:latin typeface="Arial"/>
-            </a:endParaRPr>
-          </a:p>
-        </p:txBody>
-      </p:sp>
-      <p:sp>
-        <p:nvSpPr>
-          <p:cNvPr id="203" name="PlaceHolder 6"/>
-          <p:cNvSpPr>
-            <a:spLocks noGrp="1"/>
-          </p:cNvSpPr>
-          <p:nvPr>
-            <p:ph/>
-          </p:nvPr>
-        </p:nvSpPr>
-        <p:spPr>
-          <a:xfrm>
-            <a:off x="4319640" y="3682080"/>
-            <a:ext cx="3533040" cy="1896840"/>
-          </a:xfrm>
-          <a:prstGeom prst="rect">
-            <a:avLst/>
-          </a:prstGeom>
-          <a:noFill/>
-          <a:ln w="0">
-            <a:noFill/>
-          </a:ln>
-        </p:spPr>
-        <p:txBody>
-          <a:bodyPr lIns="0" rIns="0" tIns="0" bIns="0" anchor="t">
-            <a:normAutofit/>
-          </a:bodyPr>
-          <a:p>
-            <a:endParaRPr b="0" lang="en-IE" sz="3200" spc="-1" strike="noStrike">
-              <a:latin typeface="Arial"/>
-            </a:endParaRPr>
-          </a:p>
-        </p:txBody>
-      </p:sp>
-      <p:sp>
-        <p:nvSpPr>
-          <p:cNvPr id="204" name="PlaceHolder 7"/>
-          <p:cNvSpPr>
-            <a:spLocks noGrp="1"/>
-          </p:cNvSpPr>
-          <p:nvPr>
-            <p:ph/>
-          </p:nvPr>
-        </p:nvSpPr>
-        <p:spPr>
-          <a:xfrm>
-            <a:off x="8029800" y="3682080"/>
-            <a:ext cx="3533040" cy="1896840"/>
-          </a:xfrm>
-          <a:prstGeom prst="rect">
-            <a:avLst/>
-          </a:prstGeom>
-          <a:noFill/>
-          <a:ln w="0">
-            <a:noFill/>
-          </a:ln>
-        </p:spPr>
-        <p:txBody>
-          <a:bodyPr lIns="0" rIns="0" tIns="0" bIns="0" anchor="t">
-            <a:normAutofit/>
-          </a:bodyPr>
-          <a:p>
-            <a:endParaRPr b="0" lang="en-IE" sz="3200" spc="-1" strike="noStrike">
-              <a:latin typeface="Arial"/>
-            </a:endParaRPr>
-          </a:p>
-        </p:txBody>
-      </p:sp>
-      <p:sp>
-        <p:nvSpPr>
-          <p:cNvPr id="9" name="PlaceHolder 8"/>
-          <p:cNvSpPr>
-            <a:spLocks noGrp="1"/>
-          </p:cNvSpPr>
-          <p:nvPr>
-            <p:ph type="ftr" idx="13"/>
-          </p:nvPr>
-        </p:nvSpPr>
-        <p:spPr/>
-        <p:txBody>
-          <a:bodyPr/>
-          <a:p>
-            <a:r>
-              <a:t>Footer</a:t>
-            </a:r>
-          </a:p>
-        </p:txBody>
-      </p:sp>
-      <p:sp>
-        <p:nvSpPr>
-          <p:cNvPr id="10" name="PlaceHolder 9"/>
-          <p:cNvSpPr>
-            <a:spLocks noGrp="1"/>
-          </p:cNvSpPr>
-          <p:nvPr>
-            <p:ph type="sldNum" idx="14"/>
-          </p:nvPr>
-        </p:nvSpPr>
-        <p:spPr/>
-        <p:txBody>
-          <a:bodyPr/>
-          <a:p>
-            <a:fld id="{E61C6A06-8AED-489E-91DA-D53BCFB0A5F1}" type="slidenum">
-              <a:t>&lt;#&gt;</a:t>
-            </a:fld>
-          </a:p>
-        </p:txBody>
-      </p:sp>
-      <p:sp>
-        <p:nvSpPr>
-          <p:cNvPr id="11" name="PlaceHolder 10"/>
-          <p:cNvSpPr>
-            <a:spLocks noGrp="1"/>
-          </p:cNvSpPr>
-          <p:nvPr>
-            <p:ph type="dt" idx="15"/>
           </p:nvPr>
         </p:nvSpPr>
         <p:spPr/>
@@ -10825,7 +8568,7 @@
         <p:txBody>
           <a:bodyPr/>
           <a:p>
-            <a:fld id="{2F3E736C-E8EE-49DA-B159-25024FB25FFD}" type="slidenum">
+            <a:fld id="{9A3675F0-3D16-46D7-A3C1-C83153E19859}" type="slidenum">
               <a:t>&lt;#&gt;</a:t>
             </a:fld>
           </a:p>
@@ -11047,7 +8790,7 @@
         <p:txBody>
           <a:bodyPr/>
           <a:p>
-            <a:fld id="{E9D97498-929C-4411-9A44-416E181BB6D2}" type="slidenum">
+            <a:fld id="{581C8534-E153-4608-865D-CC5E6D584B15}" type="slidenum">
               <a:t>&lt;#&gt;</a:t>
             </a:fld>
           </a:p>
@@ -11269,7 +9012,7 @@
         <p:txBody>
           <a:bodyPr/>
           <a:p>
-            <a:fld id="{9FB3282C-0612-4A41-A620-B1A82FC5072E}" type="slidenum">
+            <a:fld id="{F9DF7220-2938-4F62-A68E-4B415DBB4FF0}" type="slidenum">
               <a:t>&lt;#&gt;</a:t>
             </a:fld>
           </a:p>
@@ -11338,7 +9081,7 @@
         <p:spPr>
           <a:xfrm>
             <a:off x="4038480" y="6356520"/>
-            <a:ext cx="4110840" cy="361080"/>
+            <a:ext cx="4110480" cy="360720"/>
           </a:xfrm>
           <a:prstGeom prst="rect">
             <a:avLst/>
@@ -11395,7 +9138,7 @@
         <p:spPr>
           <a:xfrm>
             <a:off x="8610480" y="6356520"/>
-            <a:ext cx="2739240" cy="361080"/>
+            <a:ext cx="2738880" cy="360720"/>
           </a:xfrm>
           <a:prstGeom prst="rect">
             <a:avLst/>
@@ -11430,7 +9173,7 @@
               </a:lnSpc>
               <a:buNone/>
             </a:pPr>
-            <a:fld id="{DB06E6C7-076F-4859-A2FA-6B18D17F1328}" type="slidenum">
+            <a:fld id="{5BD46CC7-8406-4758-9064-62A447BB409B}" type="slidenum">
               <a:rPr b="0" lang="en-GB" sz="1200" spc="-1" strike="noStrike">
                 <a:solidFill>
                   <a:srgbClr val="8b8b8b"/>
@@ -11458,7 +9201,7 @@
         <p:spPr>
           <a:xfrm>
             <a:off x="838080" y="6356520"/>
-            <a:ext cx="2739240" cy="361080"/>
+            <a:ext cx="2738880" cy="360720"/>
           </a:xfrm>
           <a:prstGeom prst="rect">
             <a:avLst/>
@@ -11769,13 +9512,236 @@
             <a:spLocks noGrp="1"/>
           </p:cNvSpPr>
           <p:nvPr>
+            <p:ph type="title"/>
+          </p:nvPr>
+        </p:nvSpPr>
+        <p:spPr>
+          <a:xfrm>
+            <a:off x="609480" y="273600"/>
+            <a:ext cx="10972080" cy="1144440"/>
+          </a:xfrm>
+          <a:prstGeom prst="rect">
+            <a:avLst/>
+          </a:prstGeom>
+          <a:noFill/>
+          <a:ln w="0">
+            <a:noFill/>
+          </a:ln>
+        </p:spPr>
+        <p:txBody>
+          <a:bodyPr lIns="0" rIns="0" tIns="0" bIns="0" anchor="ctr">
+            <a:noAutofit/>
+          </a:bodyPr>
+          <a:p>
+            <a:r>
+              <a:rPr b="0" lang="en-IE" sz="1800" spc="-1" strike="noStrike">
+                <a:latin typeface="Arial"/>
+              </a:rPr>
+              <a:t>Click to edit the title text format</a:t>
+            </a:r>
+            <a:endParaRPr b="0" lang="en-IE" sz="1800" spc="-1" strike="noStrike">
+              <a:latin typeface="Arial"/>
+            </a:endParaRPr>
+          </a:p>
+        </p:txBody>
+      </p:sp>
+      <p:sp>
+        <p:nvSpPr>
+          <p:cNvPr id="42" name="PlaceHolder 2"/>
+          <p:cNvSpPr>
+            <a:spLocks noGrp="1"/>
+          </p:cNvSpPr>
+          <p:nvPr>
+            <p:ph type="body"/>
+          </p:nvPr>
+        </p:nvSpPr>
+        <p:spPr>
+          <a:xfrm>
+            <a:off x="609480" y="1604520"/>
+            <a:ext cx="10972080" cy="3976920"/>
+          </a:xfrm>
+          <a:prstGeom prst="rect">
+            <a:avLst/>
+          </a:prstGeom>
+          <a:noFill/>
+          <a:ln w="0">
+            <a:noFill/>
+          </a:ln>
+        </p:spPr>
+        <p:txBody>
+          <a:bodyPr lIns="0" rIns="0" tIns="0" bIns="0" anchor="t">
+            <a:normAutofit/>
+          </a:bodyPr>
+          <a:p>
+            <a:pPr marL="432000" indent="-324000">
+              <a:spcBef>
+                <a:spcPts val="1417"/>
+              </a:spcBef>
+              <a:buClr>
+                <a:srgbClr val="000000"/>
+              </a:buClr>
+              <a:buSzPct val="45000"/>
+              <a:buFont typeface="Wingdings" charset="2"/>
+              <a:buChar char=""/>
+            </a:pPr>
+            <a:r>
+              <a:rPr b="0" lang="en-IE" sz="1800" spc="-1" strike="noStrike">
+                <a:latin typeface="Arial"/>
+              </a:rPr>
+              <a:t>Click to edit the outline text format</a:t>
+            </a:r>
+            <a:endParaRPr b="0" lang="en-IE" sz="1800" spc="-1" strike="noStrike">
+              <a:latin typeface="Arial"/>
+            </a:endParaRPr>
+          </a:p>
+          <a:p>
+            <a:pPr lvl="1" marL="864000" indent="-324000">
+              <a:spcBef>
+                <a:spcPts val="1134"/>
+              </a:spcBef>
+              <a:buClr>
+                <a:srgbClr val="000000"/>
+              </a:buClr>
+              <a:buSzPct val="75000"/>
+              <a:buFont typeface="Symbol" charset="2"/>
+              <a:buChar char=""/>
+            </a:pPr>
+            <a:r>
+              <a:rPr b="0" lang="en-IE" sz="1800" spc="-1" strike="noStrike">
+                <a:latin typeface="Arial"/>
+              </a:rPr>
+              <a:t>Second Outline Level</a:t>
+            </a:r>
+            <a:endParaRPr b="0" lang="en-IE" sz="1800" spc="-1" strike="noStrike">
+              <a:latin typeface="Arial"/>
+            </a:endParaRPr>
+          </a:p>
+          <a:p>
+            <a:pPr lvl="2" marL="1296000" indent="-288000">
+              <a:spcBef>
+                <a:spcPts val="850"/>
+              </a:spcBef>
+              <a:buClr>
+                <a:srgbClr val="000000"/>
+              </a:buClr>
+              <a:buSzPct val="45000"/>
+              <a:buFont typeface="Wingdings" charset="2"/>
+              <a:buChar char=""/>
+            </a:pPr>
+            <a:r>
+              <a:rPr b="0" lang="en-IE" sz="1800" spc="-1" strike="noStrike">
+                <a:latin typeface="Arial"/>
+              </a:rPr>
+              <a:t>Third Outline Level</a:t>
+            </a:r>
+            <a:endParaRPr b="0" lang="en-IE" sz="1800" spc="-1" strike="noStrike">
+              <a:latin typeface="Arial"/>
+            </a:endParaRPr>
+          </a:p>
+          <a:p>
+            <a:pPr lvl="3" marL="1728000" indent="-216000">
+              <a:spcBef>
+                <a:spcPts val="567"/>
+              </a:spcBef>
+              <a:buClr>
+                <a:srgbClr val="000000"/>
+              </a:buClr>
+              <a:buSzPct val="75000"/>
+              <a:buFont typeface="Symbol" charset="2"/>
+              <a:buChar char=""/>
+            </a:pPr>
+            <a:r>
+              <a:rPr b="0" lang="en-IE" sz="1800" spc="-1" strike="noStrike">
+                <a:latin typeface="Arial"/>
+              </a:rPr>
+              <a:t>Fourth Outline Level</a:t>
+            </a:r>
+            <a:endParaRPr b="0" lang="en-IE" sz="1800" spc="-1" strike="noStrike">
+              <a:latin typeface="Arial"/>
+            </a:endParaRPr>
+          </a:p>
+          <a:p>
+            <a:pPr lvl="4" marL="2160000" indent="-216000">
+              <a:spcBef>
+                <a:spcPts val="283"/>
+              </a:spcBef>
+              <a:buClr>
+                <a:srgbClr val="000000"/>
+              </a:buClr>
+              <a:buSzPct val="45000"/>
+              <a:buFont typeface="Wingdings" charset="2"/>
+              <a:buChar char=""/>
+            </a:pPr>
+            <a:r>
+              <a:rPr b="0" lang="en-IE" sz="1800" spc="-1" strike="noStrike">
+                <a:latin typeface="Arial"/>
+              </a:rPr>
+              <a:t>Fifth Outline Level</a:t>
+            </a:r>
+            <a:endParaRPr b="0" lang="en-IE" sz="1800" spc="-1" strike="noStrike">
+              <a:latin typeface="Arial"/>
+            </a:endParaRPr>
+          </a:p>
+          <a:p>
+            <a:pPr lvl="5" marL="2592000" indent="-216000">
+              <a:spcBef>
+                <a:spcPts val="283"/>
+              </a:spcBef>
+              <a:buClr>
+                <a:srgbClr val="000000"/>
+              </a:buClr>
+              <a:buSzPct val="45000"/>
+              <a:buFont typeface="Wingdings" charset="2"/>
+              <a:buChar char=""/>
+            </a:pPr>
+            <a:r>
+              <a:rPr b="0" lang="en-IE" sz="1800" spc="-1" strike="noStrike">
+                <a:latin typeface="Arial"/>
+              </a:rPr>
+              <a:t>Sixth Outline Level</a:t>
+            </a:r>
+            <a:endParaRPr b="0" lang="en-IE" sz="1800" spc="-1" strike="noStrike">
+              <a:latin typeface="Arial"/>
+            </a:endParaRPr>
+          </a:p>
+          <a:p>
+            <a:pPr lvl="6" marL="3024000" indent="-216000">
+              <a:spcBef>
+                <a:spcPts val="283"/>
+              </a:spcBef>
+              <a:buClr>
+                <a:srgbClr val="000000"/>
+              </a:buClr>
+              <a:buSzPct val="45000"/>
+              <a:buFont typeface="Wingdings" charset="2"/>
+              <a:buChar char=""/>
+            </a:pPr>
+            <a:r>
+              <a:rPr b="0" lang="en-IE" sz="1800" spc="-1" strike="noStrike">
+                <a:latin typeface="Arial"/>
+              </a:rPr>
+              <a:t>Seventh Outline Level</a:t>
+            </a:r>
+            <a:endParaRPr b="0" lang="en-IE" sz="1800" spc="-1" strike="noStrike">
+              <a:latin typeface="Arial"/>
+            </a:endParaRPr>
+          </a:p>
+        </p:txBody>
+      </p:sp>
+      <p:sp>
+        <p:nvSpPr>
+          <p:cNvPr id="43" name="PlaceHolder 3"/>
+          <p:cNvSpPr>
+            <a:spLocks noGrp="1"/>
+          </p:cNvSpPr>
+          <p:nvPr>
             <p:ph type="ftr" idx="4"/>
           </p:nvPr>
         </p:nvSpPr>
         <p:spPr>
           <a:xfrm>
             <a:off x="4038480" y="6356520"/>
-            <a:ext cx="4110840" cy="361080"/>
+            <a:ext cx="4110480" cy="360720"/>
           </a:xfrm>
           <a:prstGeom prst="rect">
             <a:avLst/>
@@ -11821,7 +9787,7 @@
       </p:sp>
       <p:sp>
         <p:nvSpPr>
-          <p:cNvPr id="42" name="PlaceHolder 2"/>
+          <p:cNvPr id="44" name="PlaceHolder 4"/>
           <p:cNvSpPr>
             <a:spLocks noGrp="1"/>
           </p:cNvSpPr>
@@ -11832,7 +9798,7 @@
         <p:spPr>
           <a:xfrm>
             <a:off x="8610480" y="6356520"/>
-            <a:ext cx="2739240" cy="361080"/>
+            <a:ext cx="2738880" cy="360720"/>
           </a:xfrm>
           <a:prstGeom prst="rect">
             <a:avLst/>
@@ -11867,7 +9833,7 @@
               </a:lnSpc>
               <a:buNone/>
             </a:pPr>
-            <a:fld id="{BD80684D-B86A-4790-9AA9-B597EE6CB3BF}" type="slidenum">
+            <a:fld id="{69C75E07-D1A0-4C2F-B169-B2D67C54B97C}" type="slidenum">
               <a:rPr b="0" lang="en-GB" sz="1200" spc="-1" strike="noStrike">
                 <a:solidFill>
                   <a:srgbClr val="8b8b8b"/>
@@ -11884,7 +9850,7 @@
       </p:sp>
       <p:sp>
         <p:nvSpPr>
-          <p:cNvPr id="43" name="PlaceHolder 3"/>
+          <p:cNvPr id="45" name="PlaceHolder 5"/>
           <p:cNvSpPr>
             <a:spLocks noGrp="1"/>
           </p:cNvSpPr>
@@ -11895,7 +9861,7 @@
         <p:spPr>
           <a:xfrm>
             <a:off x="838080" y="6356520"/>
-            <a:ext cx="2739240" cy="361080"/>
+            <a:ext cx="2738880" cy="360720"/>
           </a:xfrm>
           <a:prstGeom prst="rect">
             <a:avLst/>
@@ -11925,232 +9891,6 @@
             </a:r>
             <a:endParaRPr b="0" lang="en-IE" sz="1400" spc="-1" strike="noStrike">
               <a:latin typeface="Times New Roman"/>
-            </a:endParaRPr>
-          </a:p>
-        </p:txBody>
-      </p:sp>
-      <p:sp>
-        <p:nvSpPr>
-          <p:cNvPr id="44" name="PlaceHolder 4"/>
-          <p:cNvSpPr>
-            <a:spLocks noGrp="1"/>
-          </p:cNvSpPr>
-          <p:nvPr>
-            <p:ph type="title"/>
-          </p:nvPr>
-        </p:nvSpPr>
-        <p:spPr>
-          <a:xfrm>
-            <a:off x="609480" y="273600"/>
-            <a:ext cx="10972440" cy="1144800"/>
-          </a:xfrm>
-          <a:prstGeom prst="rect">
-            <a:avLst/>
-          </a:prstGeom>
-          <a:noFill/>
-          <a:ln w="0">
-            <a:noFill/>
-          </a:ln>
-        </p:spPr>
-        <p:txBody>
-          <a:bodyPr lIns="0" rIns="0" tIns="0" bIns="0" anchor="ctr">
-            <a:noAutofit/>
-          </a:bodyPr>
-          <a:p>
-            <a:pPr algn="ctr">
-              <a:buNone/>
-            </a:pPr>
-            <a:r>
-              <a:rPr b="0" lang="en-IE" sz="4400" spc="-1" strike="noStrike">
-                <a:latin typeface="Arial"/>
-              </a:rPr>
-              <a:t>Click to edit the title text format</a:t>
-            </a:r>
-            <a:endParaRPr b="0" lang="en-IE" sz="4400" spc="-1" strike="noStrike">
-              <a:latin typeface="Arial"/>
-            </a:endParaRPr>
-          </a:p>
-        </p:txBody>
-      </p:sp>
-      <p:sp>
-        <p:nvSpPr>
-          <p:cNvPr id="45" name="PlaceHolder 5"/>
-          <p:cNvSpPr>
-            <a:spLocks noGrp="1"/>
-          </p:cNvSpPr>
-          <p:nvPr>
-            <p:ph type="body"/>
-          </p:nvPr>
-        </p:nvSpPr>
-        <p:spPr>
-          <a:xfrm>
-            <a:off x="609480" y="1604520"/>
-            <a:ext cx="10972440" cy="3977280"/>
-          </a:xfrm>
-          <a:prstGeom prst="rect">
-            <a:avLst/>
-          </a:prstGeom>
-          <a:noFill/>
-          <a:ln w="0">
-            <a:noFill/>
-          </a:ln>
-        </p:spPr>
-        <p:txBody>
-          <a:bodyPr lIns="0" rIns="0" tIns="0" bIns="0" anchor="t">
-            <a:normAutofit/>
-          </a:bodyPr>
-          <a:p>
-            <a:pPr marL="432000" indent="-324000">
-              <a:spcBef>
-                <a:spcPts val="1417"/>
-              </a:spcBef>
-              <a:buClr>
-                <a:srgbClr val="000000"/>
-              </a:buClr>
-              <a:buSzPct val="45000"/>
-              <a:buFont typeface="Wingdings" charset="2"/>
-              <a:buChar char=""/>
-            </a:pPr>
-            <a:r>
-              <a:rPr b="0" lang="en-IE" sz="3200" spc="-1" strike="noStrike">
-                <a:latin typeface="Arial"/>
-              </a:rPr>
-              <a:t>Click to edit the outline text format</a:t>
-            </a:r>
-            <a:endParaRPr b="0" lang="en-IE" sz="3200" spc="-1" strike="noStrike">
-              <a:latin typeface="Arial"/>
-            </a:endParaRPr>
-          </a:p>
-          <a:p>
-            <a:pPr lvl="1" marL="864000" indent="-324000">
-              <a:spcBef>
-                <a:spcPts val="1134"/>
-              </a:spcBef>
-              <a:buClr>
-                <a:srgbClr val="000000"/>
-              </a:buClr>
-              <a:buSzPct val="75000"/>
-              <a:buFont typeface="Symbol" charset="2"/>
-              <a:buChar char=""/>
-            </a:pPr>
-            <a:r>
-              <a:rPr b="0" lang="en-IE" sz="2800" spc="-1" strike="noStrike">
-                <a:latin typeface="Arial"/>
-              </a:rPr>
-              <a:t>Second Outline Level</a:t>
-            </a:r>
-            <a:endParaRPr b="0" lang="en-IE" sz="2800" spc="-1" strike="noStrike">
-              <a:latin typeface="Arial"/>
-            </a:endParaRPr>
-          </a:p>
-          <a:p>
-            <a:pPr lvl="2" marL="1296000" indent="-288000">
-              <a:spcBef>
-                <a:spcPts val="850"/>
-              </a:spcBef>
-              <a:buClr>
-                <a:srgbClr val="000000"/>
-              </a:buClr>
-              <a:buSzPct val="45000"/>
-              <a:buFont typeface="Wingdings" charset="2"/>
-              <a:buChar char=""/>
-            </a:pPr>
-            <a:r>
-              <a:rPr b="0" lang="en-IE" sz="2400" spc="-1" strike="noStrike">
-                <a:latin typeface="Arial"/>
-              </a:rPr>
-              <a:t>Third Outline Level</a:t>
-            </a:r>
-            <a:endParaRPr b="0" lang="en-IE" sz="2400" spc="-1" strike="noStrike">
-              <a:latin typeface="Arial"/>
-            </a:endParaRPr>
-          </a:p>
-          <a:p>
-            <a:pPr lvl="3" marL="1728000" indent="-216000">
-              <a:spcBef>
-                <a:spcPts val="567"/>
-              </a:spcBef>
-              <a:buClr>
-                <a:srgbClr val="000000"/>
-              </a:buClr>
-              <a:buSzPct val="75000"/>
-              <a:buFont typeface="Symbol" charset="2"/>
-              <a:buChar char=""/>
-            </a:pPr>
-            <a:r>
-              <a:rPr b="0" lang="en-IE" sz="2000" spc="-1" strike="noStrike">
-                <a:latin typeface="Arial"/>
-              </a:rPr>
-              <a:t>Fourth Outline Level</a:t>
-            </a:r>
-            <a:endParaRPr b="0" lang="en-IE" sz="2000" spc="-1" strike="noStrike">
-              <a:latin typeface="Arial"/>
-            </a:endParaRPr>
-          </a:p>
-          <a:p>
-            <a:pPr lvl="4" marL="2160000" indent="-216000">
-              <a:spcBef>
-                <a:spcPts val="283"/>
-              </a:spcBef>
-              <a:buClr>
-                <a:srgbClr val="000000"/>
-              </a:buClr>
-              <a:buSzPct val="45000"/>
-              <a:buFont typeface="Wingdings" charset="2"/>
-              <a:buChar char=""/>
-            </a:pPr>
-            <a:r>
-              <a:rPr b="0" lang="en-IE" sz="2000" spc="-1" strike="noStrike">
-                <a:latin typeface="Arial"/>
-              </a:rPr>
-              <a:t>Fifth Outline Level</a:t>
-            </a:r>
-            <a:endParaRPr b="0" lang="en-IE" sz="2000" spc="-1" strike="noStrike">
-              <a:latin typeface="Arial"/>
-            </a:endParaRPr>
-          </a:p>
-          <a:p>
-            <a:pPr lvl="5" marL="2592000" indent="-216000">
-              <a:spcBef>
-                <a:spcPts val="283"/>
-              </a:spcBef>
-              <a:buClr>
-                <a:srgbClr val="000000"/>
-              </a:buClr>
-              <a:buSzPct val="45000"/>
-              <a:buFont typeface="Wingdings" charset="2"/>
-              <a:buChar char=""/>
-            </a:pPr>
-            <a:r>
-              <a:rPr b="0" lang="en-IE" sz="2000" spc="-1" strike="noStrike">
-                <a:latin typeface="Arial"/>
-              </a:rPr>
-              <a:t>Sixth Outline Level</a:t>
-            </a:r>
-            <a:endParaRPr b="0" lang="en-IE" sz="2000" spc="-1" strike="noStrike">
-              <a:latin typeface="Arial"/>
-            </a:endParaRPr>
-          </a:p>
-          <a:p>
-            <a:pPr lvl="6" marL="3024000" indent="-216000">
-              <a:spcBef>
-                <a:spcPts val="283"/>
-              </a:spcBef>
-              <a:buClr>
-                <a:srgbClr val="000000"/>
-              </a:buClr>
-              <a:buSzPct val="45000"/>
-              <a:buFont typeface="Wingdings" charset="2"/>
-              <a:buChar char=""/>
-            </a:pPr>
-            <a:r>
-              <a:rPr b="0" lang="en-IE" sz="2000" spc="-1" strike="noStrike">
-                <a:latin typeface="Arial"/>
-              </a:rPr>
-              <a:t>Seventh Outline Level</a:t>
-            </a:r>
-            <a:endParaRPr b="0" lang="en-IE" sz="2000" spc="-1" strike="noStrike">
-              <a:latin typeface="Arial"/>
             </a:endParaRPr>
           </a:p>
         </p:txBody>
@@ -12206,53 +9946,13 @@
             <a:spLocks noGrp="1"/>
           </p:cNvSpPr>
           <p:nvPr>
-            <p:ph type="title"/>
-          </p:nvPr>
-        </p:nvSpPr>
-        <p:spPr>
-          <a:xfrm>
-            <a:off x="609480" y="273600"/>
-            <a:ext cx="10972080" cy="1144440"/>
-          </a:xfrm>
-          <a:prstGeom prst="rect">
-            <a:avLst/>
-          </a:prstGeom>
-          <a:noFill/>
-          <a:ln w="0">
-            <a:noFill/>
-          </a:ln>
-        </p:spPr>
-        <p:txBody>
-          <a:bodyPr lIns="0" rIns="0" tIns="0" bIns="0" anchor="ctr">
-            <a:noAutofit/>
-          </a:bodyPr>
-          <a:p>
-            <a:r>
-              <a:rPr b="0" lang="en-IE" sz="1800" spc="-1" strike="noStrike">
-                <a:latin typeface="Arial"/>
-              </a:rPr>
-              <a:t>Click to edit the title text format</a:t>
-            </a:r>
-            <a:endParaRPr b="0" lang="en-IE" sz="1800" spc="-1" strike="noStrike">
-              <a:latin typeface="Arial"/>
-            </a:endParaRPr>
-          </a:p>
-        </p:txBody>
-      </p:sp>
-      <p:sp>
-        <p:nvSpPr>
-          <p:cNvPr id="83" name="PlaceHolder 2"/>
-          <p:cNvSpPr>
-            <a:spLocks noGrp="1"/>
-          </p:cNvSpPr>
-          <p:nvPr>
             <p:ph type="ftr" idx="7"/>
           </p:nvPr>
         </p:nvSpPr>
         <p:spPr>
           <a:xfrm>
             <a:off x="4038480" y="6356520"/>
-            <a:ext cx="4110840" cy="361080"/>
+            <a:ext cx="4110480" cy="360720"/>
           </a:xfrm>
           <a:prstGeom prst="rect">
             <a:avLst/>
@@ -12298,7 +9998,7 @@
       </p:sp>
       <p:sp>
         <p:nvSpPr>
-          <p:cNvPr id="84" name="PlaceHolder 3"/>
+          <p:cNvPr id="83" name="PlaceHolder 2"/>
           <p:cNvSpPr>
             <a:spLocks noGrp="1"/>
           </p:cNvSpPr>
@@ -12309,7 +10009,7 @@
         <p:spPr>
           <a:xfrm>
             <a:off x="8610480" y="6356520"/>
-            <a:ext cx="2739240" cy="361080"/>
+            <a:ext cx="2738880" cy="360720"/>
           </a:xfrm>
           <a:prstGeom prst="rect">
             <a:avLst/>
@@ -12344,7 +10044,7 @@
               </a:lnSpc>
               <a:buNone/>
             </a:pPr>
-            <a:fld id="{8F9F6823-4AFE-437F-9AB6-3543B75A6767}" type="slidenum">
+            <a:fld id="{FACB1FF9-9133-4519-811A-71DF6F17366A}" type="slidenum">
               <a:rPr b="0" lang="en-GB" sz="1200" spc="-1" strike="noStrike">
                 <a:solidFill>
                   <a:srgbClr val="8b8b8b"/>
@@ -12361,7 +10061,7 @@
       </p:sp>
       <p:sp>
         <p:nvSpPr>
-          <p:cNvPr id="85" name="PlaceHolder 4"/>
+          <p:cNvPr id="84" name="PlaceHolder 3"/>
           <p:cNvSpPr>
             <a:spLocks noGrp="1"/>
           </p:cNvSpPr>
@@ -12372,7 +10072,7 @@
         <p:spPr>
           <a:xfrm>
             <a:off x="838080" y="6356520"/>
-            <a:ext cx="2739240" cy="361080"/>
+            <a:ext cx="2738880" cy="360720"/>
           </a:xfrm>
           <a:prstGeom prst="rect">
             <a:avLst/>
@@ -12402,6 +10102,49 @@
             </a:r>
             <a:endParaRPr b="0" lang="en-IE" sz="1400" spc="-1" strike="noStrike">
               <a:latin typeface="Times New Roman"/>
+            </a:endParaRPr>
+          </a:p>
+        </p:txBody>
+      </p:sp>
+      <p:sp>
+        <p:nvSpPr>
+          <p:cNvPr id="85" name="PlaceHolder 4"/>
+          <p:cNvSpPr>
+            <a:spLocks noGrp="1"/>
+          </p:cNvSpPr>
+          <p:nvPr>
+            <p:ph type="title"/>
+          </p:nvPr>
+        </p:nvSpPr>
+        <p:spPr>
+          <a:xfrm>
+            <a:off x="609480" y="273600"/>
+            <a:ext cx="10972440" cy="1144800"/>
+          </a:xfrm>
+          <a:prstGeom prst="rect">
+            <a:avLst/>
+          </a:prstGeom>
+          <a:noFill/>
+          <a:ln w="0">
+            <a:noFill/>
+          </a:ln>
+        </p:spPr>
+        <p:txBody>
+          <a:bodyPr lIns="0" rIns="0" tIns="0" bIns="0" anchor="ctr">
+            <a:noAutofit/>
+          </a:bodyPr>
+          <a:p>
+            <a:pPr algn="ctr">
+              <a:buNone/>
+            </a:pPr>
+            <a:r>
+              <a:rPr b="0" lang="en-IE" sz="4400" spc="-1" strike="noStrike">
+                <a:latin typeface="Arial"/>
+              </a:rPr>
+              <a:t>Click to edit the title text format</a:t>
+            </a:r>
+            <a:endParaRPr b="0" lang="en-IE" sz="4400" spc="-1" strike="noStrike">
+              <a:latin typeface="Arial"/>
             </a:endParaRPr>
           </a:p>
         </p:txBody>
@@ -12646,7 +10389,7 @@
         <p:spPr>
           <a:xfrm>
             <a:off x="4038480" y="6356520"/>
-            <a:ext cx="4110840" cy="361080"/>
+            <a:ext cx="4110480" cy="360720"/>
           </a:xfrm>
           <a:prstGeom prst="rect">
             <a:avLst/>
@@ -12703,7 +10446,7 @@
         <p:spPr>
           <a:xfrm>
             <a:off x="8610480" y="6356520"/>
-            <a:ext cx="2739240" cy="361080"/>
+            <a:ext cx="2738880" cy="360720"/>
           </a:xfrm>
           <a:prstGeom prst="rect">
             <a:avLst/>
@@ -12738,7 +10481,7 @@
               </a:lnSpc>
               <a:buNone/>
             </a:pPr>
-            <a:fld id="{B537DB10-5353-4A4A-A0D3-30E891116B41}" type="slidenum">
+            <a:fld id="{CEC00EF7-7999-4B10-B4C6-A48B34A3E931}" type="slidenum">
               <a:rPr b="0" lang="en-GB" sz="1200" spc="-1" strike="noStrike">
                 <a:solidFill>
                   <a:srgbClr val="8b8b8b"/>
@@ -12766,7 +10509,7 @@
         <p:spPr>
           <a:xfrm>
             <a:off x="838080" y="6356520"/>
-            <a:ext cx="2739240" cy="361080"/>
+            <a:ext cx="2738880" cy="360720"/>
           </a:xfrm>
           <a:prstGeom prst="rect">
             <a:avLst/>
@@ -13042,443 +10785,6 @@
     <p:sldLayoutId id="2147483697" r:id="rId11"/>
     <p:sldLayoutId id="2147483698" r:id="rId12"/>
     <p:sldLayoutId id="2147483699" r:id="rId13"/>
-  </p:sldLayoutIdLst>
-</p:sldMaster>
-</file>
-
-<file path=ppt/slideMasters/slideMaster5.xml><?xml version="1.0" encoding="utf-8"?>
-<p:sldMaster xmlns:a="http://schemas.openxmlformats.org/drawingml/2006/main" xmlns:p="http://schemas.openxmlformats.org/presentationml/2006/main" xmlns:r="http://schemas.openxmlformats.org/officeDocument/2006/relationships" xmlns:p14="http://schemas.microsoft.com/office/powerpoint/2010/main" xmlns:p15="http://schemas.microsoft.com/office/powerpoint/2012/main" xmlns:mc="http://schemas.openxmlformats.org/markup-compatibility/2006">
-  <p:cSld>
-    <p:bg>
-      <p:bgPr>
-        <a:solidFill>
-          <a:srgbClr val="ffffff"/>
-        </a:solidFill>
-      </p:bgPr>
-    </p:bg>
-    <p:spTree>
-      <p:nvGrpSpPr>
-        <p:cNvPr id="1" name=""/>
-        <p:cNvGrpSpPr/>
-        <p:nvPr/>
-      </p:nvGrpSpPr>
-      <p:grpSpPr>
-        <a:xfrm>
-          <a:off x="0" y="0"/>
-          <a:ext cx="0" cy="0"/>
-          <a:chOff x="0" y="0"/>
-          <a:chExt cx="0" cy="0"/>
-        </a:xfrm>
-      </p:grpSpPr>
-      <p:sp>
-        <p:nvSpPr>
-          <p:cNvPr id="164" name="PlaceHolder 1"/>
-          <p:cNvSpPr>
-            <a:spLocks noGrp="1"/>
-          </p:cNvSpPr>
-          <p:nvPr>
-            <p:ph type="ftr" idx="13"/>
-          </p:nvPr>
-        </p:nvSpPr>
-        <p:spPr>
-          <a:xfrm>
-            <a:off x="4038480" y="6356520"/>
-            <a:ext cx="4110840" cy="361080"/>
-          </a:xfrm>
-          <a:prstGeom prst="rect">
-            <a:avLst/>
-          </a:prstGeom>
-          <a:noFill/>
-          <a:ln w="0">
-            <a:noFill/>
-          </a:ln>
-        </p:spPr>
-        <p:txBody>
-          <a:bodyPr lIns="90000" rIns="90000" tIns="45000" bIns="45000" anchor="ctr">
-            <a:noAutofit/>
-          </a:bodyPr>
-          <a:lstStyle>
-            <a:lvl1pPr algn="ctr">
-              <a:lnSpc>
-                <a:spcPct val="100000"/>
-              </a:lnSpc>
-              <a:buNone/>
-              <a:defRPr b="0" lang="en-IE" sz="1400" spc="-1" strike="noStrike">
-                <a:latin typeface="Times New Roman"/>
-              </a:defRPr>
-            </a:lvl1pPr>
-          </a:lstStyle>
-          <a:p>
-            <a:pPr algn="ctr">
-              <a:lnSpc>
-                <a:spcPct val="100000"/>
-              </a:lnSpc>
-              <a:buNone/>
-            </a:pPr>
-            <a:r>
-              <a:rPr b="0" lang="en-IE" sz="1400" spc="-1" strike="noStrike">
-                <a:latin typeface="Times New Roman"/>
-              </a:rPr>
-              <a:t>&lt;footer&gt;</a:t>
-            </a:r>
-            <a:endParaRPr b="0" lang="en-IE" sz="1400" spc="-1" strike="noStrike">
-              <a:latin typeface="Times New Roman"/>
-            </a:endParaRPr>
-          </a:p>
-        </p:txBody>
-      </p:sp>
-      <p:sp>
-        <p:nvSpPr>
-          <p:cNvPr id="165" name="PlaceHolder 2"/>
-          <p:cNvSpPr>
-            <a:spLocks noGrp="1"/>
-          </p:cNvSpPr>
-          <p:nvPr>
-            <p:ph type="sldNum" idx="14"/>
-          </p:nvPr>
-        </p:nvSpPr>
-        <p:spPr>
-          <a:xfrm>
-            <a:off x="8610480" y="6356520"/>
-            <a:ext cx="2739240" cy="361080"/>
-          </a:xfrm>
-          <a:prstGeom prst="rect">
-            <a:avLst/>
-          </a:prstGeom>
-          <a:noFill/>
-          <a:ln w="0">
-            <a:noFill/>
-          </a:ln>
-        </p:spPr>
-        <p:txBody>
-          <a:bodyPr lIns="90000" rIns="90000" tIns="45000" bIns="45000" anchor="ctr">
-            <a:noAutofit/>
-          </a:bodyPr>
-          <a:lstStyle>
-            <a:lvl1pPr algn="r">
-              <a:lnSpc>
-                <a:spcPct val="100000"/>
-              </a:lnSpc>
-              <a:buNone/>
-              <a:defRPr b="0" lang="en-GB" sz="1200" spc="-1" strike="noStrike">
-                <a:solidFill>
-                  <a:srgbClr val="8b8b8b"/>
-                </a:solidFill>
-                <a:latin typeface="Calibri"/>
-              </a:defRPr>
-            </a:lvl1pPr>
-          </a:lstStyle>
-          <a:p>
-            <a:pPr algn="r">
-              <a:lnSpc>
-                <a:spcPct val="100000"/>
-              </a:lnSpc>
-              <a:buNone/>
-            </a:pPr>
-            <a:fld id="{083108B5-02E1-4FA6-88A2-675E155AE8D8}" type="slidenum">
-              <a:rPr b="0" lang="en-GB" sz="1200" spc="-1" strike="noStrike">
-                <a:solidFill>
-                  <a:srgbClr val="8b8b8b"/>
-                </a:solidFill>
-                <a:latin typeface="Calibri"/>
-              </a:rPr>
-              <a:t>&lt;number&gt;</a:t>
-            </a:fld>
-            <a:endParaRPr b="0" lang="en-IE" sz="1200" spc="-1" strike="noStrike">
-              <a:latin typeface="Times New Roman"/>
-            </a:endParaRPr>
-          </a:p>
-        </p:txBody>
-      </p:sp>
-      <p:sp>
-        <p:nvSpPr>
-          <p:cNvPr id="166" name="PlaceHolder 3"/>
-          <p:cNvSpPr>
-            <a:spLocks noGrp="1"/>
-          </p:cNvSpPr>
-          <p:nvPr>
-            <p:ph type="dt" idx="15"/>
-          </p:nvPr>
-        </p:nvSpPr>
-        <p:spPr>
-          <a:xfrm>
-            <a:off x="838080" y="6356520"/>
-            <a:ext cx="2739240" cy="361080"/>
-          </a:xfrm>
-          <a:prstGeom prst="rect">
-            <a:avLst/>
-          </a:prstGeom>
-          <a:noFill/>
-          <a:ln w="0">
-            <a:noFill/>
-          </a:ln>
-        </p:spPr>
-        <p:txBody>
-          <a:bodyPr lIns="90000" rIns="90000" tIns="45000" bIns="45000" anchor="ctr">
-            <a:noAutofit/>
-          </a:bodyPr>
-          <a:lstStyle>
-            <a:lvl1pPr>
-              <a:defRPr b="0" lang="en-IE" sz="1400" spc="-1" strike="noStrike">
-                <a:latin typeface="Times New Roman"/>
-              </a:defRPr>
-            </a:lvl1pPr>
-          </a:lstStyle>
-          <a:p>
-            <a:r>
-              <a:rPr b="0" lang="en-IE" sz="1400" spc="-1" strike="noStrike">
-                <a:latin typeface="Times New Roman"/>
-              </a:rPr>
-              <a:t>&lt;date/time&gt;</a:t>
-            </a:r>
-            <a:endParaRPr b="0" lang="en-IE" sz="1400" spc="-1" strike="noStrike">
-              <a:latin typeface="Times New Roman"/>
-            </a:endParaRPr>
-          </a:p>
-        </p:txBody>
-      </p:sp>
-      <p:sp>
-        <p:nvSpPr>
-          <p:cNvPr id="167" name="PlaceHolder 4"/>
-          <p:cNvSpPr>
-            <a:spLocks noGrp="1"/>
-          </p:cNvSpPr>
-          <p:nvPr>
-            <p:ph type="title"/>
-          </p:nvPr>
-        </p:nvSpPr>
-        <p:spPr>
-          <a:xfrm>
-            <a:off x="609480" y="273600"/>
-            <a:ext cx="10972440" cy="1144800"/>
-          </a:xfrm>
-          <a:prstGeom prst="rect">
-            <a:avLst/>
-          </a:prstGeom>
-          <a:noFill/>
-          <a:ln w="0">
-            <a:noFill/>
-          </a:ln>
-        </p:spPr>
-        <p:txBody>
-          <a:bodyPr lIns="0" rIns="0" tIns="0" bIns="0" anchor="ctr">
-            <a:noAutofit/>
-          </a:bodyPr>
-          <a:p>
-            <a:pPr algn="ctr">
-              <a:buNone/>
-            </a:pPr>
-            <a:r>
-              <a:rPr b="0" lang="en-IE" sz="4400" spc="-1" strike="noStrike">
-                <a:latin typeface="Arial"/>
-              </a:rPr>
-              <a:t>Click to edit the title text format</a:t>
-            </a:r>
-            <a:endParaRPr b="0" lang="en-IE" sz="4400" spc="-1" strike="noStrike">
-              <a:latin typeface="Arial"/>
-            </a:endParaRPr>
-          </a:p>
-        </p:txBody>
-      </p:sp>
-      <p:sp>
-        <p:nvSpPr>
-          <p:cNvPr id="168" name="PlaceHolder 5"/>
-          <p:cNvSpPr>
-            <a:spLocks noGrp="1"/>
-          </p:cNvSpPr>
-          <p:nvPr>
-            <p:ph type="body"/>
-          </p:nvPr>
-        </p:nvSpPr>
-        <p:spPr>
-          <a:xfrm>
-            <a:off x="609480" y="1604520"/>
-            <a:ext cx="10972440" cy="3977280"/>
-          </a:xfrm>
-          <a:prstGeom prst="rect">
-            <a:avLst/>
-          </a:prstGeom>
-          <a:noFill/>
-          <a:ln w="0">
-            <a:noFill/>
-          </a:ln>
-        </p:spPr>
-        <p:txBody>
-          <a:bodyPr lIns="0" rIns="0" tIns="0" bIns="0" anchor="t">
-            <a:normAutofit/>
-          </a:bodyPr>
-          <a:p>
-            <a:pPr marL="432000" indent="-324000">
-              <a:spcBef>
-                <a:spcPts val="1417"/>
-              </a:spcBef>
-              <a:buClr>
-                <a:srgbClr val="000000"/>
-              </a:buClr>
-              <a:buSzPct val="45000"/>
-              <a:buFont typeface="Wingdings" charset="2"/>
-              <a:buChar char=""/>
-            </a:pPr>
-            <a:r>
-              <a:rPr b="0" lang="en-IE" sz="3200" spc="-1" strike="noStrike">
-                <a:latin typeface="Arial"/>
-              </a:rPr>
-              <a:t>Click to edit the outline text format</a:t>
-            </a:r>
-            <a:endParaRPr b="0" lang="en-IE" sz="3200" spc="-1" strike="noStrike">
-              <a:latin typeface="Arial"/>
-            </a:endParaRPr>
-          </a:p>
-          <a:p>
-            <a:pPr lvl="1" marL="864000" indent="-324000">
-              <a:spcBef>
-                <a:spcPts val="1134"/>
-              </a:spcBef>
-              <a:buClr>
-                <a:srgbClr val="000000"/>
-              </a:buClr>
-              <a:buSzPct val="75000"/>
-              <a:buFont typeface="Symbol" charset="2"/>
-              <a:buChar char=""/>
-            </a:pPr>
-            <a:r>
-              <a:rPr b="0" lang="en-IE" sz="2800" spc="-1" strike="noStrike">
-                <a:latin typeface="Arial"/>
-              </a:rPr>
-              <a:t>Second Outline Level</a:t>
-            </a:r>
-            <a:endParaRPr b="0" lang="en-IE" sz="2800" spc="-1" strike="noStrike">
-              <a:latin typeface="Arial"/>
-            </a:endParaRPr>
-          </a:p>
-          <a:p>
-            <a:pPr lvl="2" marL="1296000" indent="-288000">
-              <a:spcBef>
-                <a:spcPts val="850"/>
-              </a:spcBef>
-              <a:buClr>
-                <a:srgbClr val="000000"/>
-              </a:buClr>
-              <a:buSzPct val="45000"/>
-              <a:buFont typeface="Wingdings" charset="2"/>
-              <a:buChar char=""/>
-            </a:pPr>
-            <a:r>
-              <a:rPr b="0" lang="en-IE" sz="2400" spc="-1" strike="noStrike">
-                <a:latin typeface="Arial"/>
-              </a:rPr>
-              <a:t>Third Outline Level</a:t>
-            </a:r>
-            <a:endParaRPr b="0" lang="en-IE" sz="2400" spc="-1" strike="noStrike">
-              <a:latin typeface="Arial"/>
-            </a:endParaRPr>
-          </a:p>
-          <a:p>
-            <a:pPr lvl="3" marL="1728000" indent="-216000">
-              <a:spcBef>
-                <a:spcPts val="567"/>
-              </a:spcBef>
-              <a:buClr>
-                <a:srgbClr val="000000"/>
-              </a:buClr>
-              <a:buSzPct val="75000"/>
-              <a:buFont typeface="Symbol" charset="2"/>
-              <a:buChar char=""/>
-            </a:pPr>
-            <a:r>
-              <a:rPr b="0" lang="en-IE" sz="2000" spc="-1" strike="noStrike">
-                <a:latin typeface="Arial"/>
-              </a:rPr>
-              <a:t>Fourth Outline Level</a:t>
-            </a:r>
-            <a:endParaRPr b="0" lang="en-IE" sz="2000" spc="-1" strike="noStrike">
-              <a:latin typeface="Arial"/>
-            </a:endParaRPr>
-          </a:p>
-          <a:p>
-            <a:pPr lvl="4" marL="2160000" indent="-216000">
-              <a:spcBef>
-                <a:spcPts val="283"/>
-              </a:spcBef>
-              <a:buClr>
-                <a:srgbClr val="000000"/>
-              </a:buClr>
-              <a:buSzPct val="45000"/>
-              <a:buFont typeface="Wingdings" charset="2"/>
-              <a:buChar char=""/>
-            </a:pPr>
-            <a:r>
-              <a:rPr b="0" lang="en-IE" sz="2000" spc="-1" strike="noStrike">
-                <a:latin typeface="Arial"/>
-              </a:rPr>
-              <a:t>Fifth Outline Level</a:t>
-            </a:r>
-            <a:endParaRPr b="0" lang="en-IE" sz="2000" spc="-1" strike="noStrike">
-              <a:latin typeface="Arial"/>
-            </a:endParaRPr>
-          </a:p>
-          <a:p>
-            <a:pPr lvl="5" marL="2592000" indent="-216000">
-              <a:spcBef>
-                <a:spcPts val="283"/>
-              </a:spcBef>
-              <a:buClr>
-                <a:srgbClr val="000000"/>
-              </a:buClr>
-              <a:buSzPct val="45000"/>
-              <a:buFont typeface="Wingdings" charset="2"/>
-              <a:buChar char=""/>
-            </a:pPr>
-            <a:r>
-              <a:rPr b="0" lang="en-IE" sz="2000" spc="-1" strike="noStrike">
-                <a:latin typeface="Arial"/>
-              </a:rPr>
-              <a:t>Sixth Outline Level</a:t>
-            </a:r>
-            <a:endParaRPr b="0" lang="en-IE" sz="2000" spc="-1" strike="noStrike">
-              <a:latin typeface="Arial"/>
-            </a:endParaRPr>
-          </a:p>
-          <a:p>
-            <a:pPr lvl="6" marL="3024000" indent="-216000">
-              <a:spcBef>
-                <a:spcPts val="283"/>
-              </a:spcBef>
-              <a:buClr>
-                <a:srgbClr val="000000"/>
-              </a:buClr>
-              <a:buSzPct val="45000"/>
-              <a:buFont typeface="Wingdings" charset="2"/>
-              <a:buChar char=""/>
-            </a:pPr>
-            <a:r>
-              <a:rPr b="0" lang="en-IE" sz="2000" spc="-1" strike="noStrike">
-                <a:latin typeface="Arial"/>
-              </a:rPr>
-              <a:t>Seventh Outline Level</a:t>
-            </a:r>
-            <a:endParaRPr b="0" lang="en-IE" sz="2000" spc="-1" strike="noStrike">
-              <a:latin typeface="Arial"/>
-            </a:endParaRPr>
-          </a:p>
-        </p:txBody>
-      </p:sp>
-    </p:spTree>
-  </p:cSld>
-  <p:clrMap bg1="lt1" bg2="lt2" tx1="dk1" tx2="dk2" accent1="accent1" accent2="accent2" accent3="accent3" accent4="accent4" accent5="accent5" accent6="accent6" hlink="hlink" folHlink="folHlink"/>
-  <p:sldLayoutIdLst>
-    <p:sldLayoutId id="2147483701" r:id="rId2"/>
-    <p:sldLayoutId id="2147483702" r:id="rId3"/>
-    <p:sldLayoutId id="2147483703" r:id="rId4"/>
-    <p:sldLayoutId id="2147483704" r:id="rId5"/>
-    <p:sldLayoutId id="2147483705" r:id="rId6"/>
-    <p:sldLayoutId id="2147483706" r:id="rId7"/>
-    <p:sldLayoutId id="2147483707" r:id="rId8"/>
-    <p:sldLayoutId id="2147483708" r:id="rId9"/>
-    <p:sldLayoutId id="2147483709" r:id="rId10"/>
-    <p:sldLayoutId id="2147483710" r:id="rId11"/>
-    <p:sldLayoutId id="2147483711" r:id="rId12"/>
-    <p:sldLayoutId id="2147483712" r:id="rId13"/>
   </p:sldLayoutIdLst>
 </p:sldMaster>
 </file>
@@ -13502,7 +10808,7 @@
       </p:grpSpPr>
       <p:sp>
         <p:nvSpPr>
-          <p:cNvPr id="205" name="PlaceHolder 1"/>
+          <p:cNvPr id="164" name="PlaceHolder 1"/>
           <p:cNvSpPr>
             <a:spLocks noGrp="1"/>
           </p:cNvSpPr>
@@ -13513,7 +10819,7 @@
         <p:spPr>
           <a:xfrm>
             <a:off x="609480" y="273600"/>
-            <a:ext cx="10969200" cy="1141560"/>
+            <a:ext cx="10968840" cy="1141200"/>
           </a:xfrm>
           <a:prstGeom prst="rect">
             <a:avLst/>
@@ -13548,14 +10854,14 @@
       </p:sp>
       <p:sp>
         <p:nvSpPr>
-          <p:cNvPr id="206" name=""/>
+          <p:cNvPr id="165" name=""/>
           <p:cNvSpPr/>
           <p:nvPr/>
         </p:nvSpPr>
         <p:spPr>
           <a:xfrm>
             <a:off x="1080000" y="1800000"/>
-            <a:ext cx="10256760" cy="4136760"/>
+            <a:ext cx="10256400" cy="4136400"/>
           </a:xfrm>
           <a:prstGeom prst="rect">
             <a:avLst/>
@@ -13641,7 +10947,7 @@
       </p:grpSpPr>
       <p:sp>
         <p:nvSpPr>
-          <p:cNvPr id="207" name="PlaceHolder 1"/>
+          <p:cNvPr id="166" name="PlaceHolder 1"/>
           <p:cNvSpPr>
             <a:spLocks noGrp="1"/>
           </p:cNvSpPr>
@@ -13652,7 +10958,7 @@
         <p:spPr>
           <a:xfrm>
             <a:off x="609480" y="273600"/>
-            <a:ext cx="10972080" cy="1144440"/>
+            <a:ext cx="10971720" cy="1144080"/>
           </a:xfrm>
           <a:prstGeom prst="rect">
             <a:avLst/>
@@ -13687,7 +10993,7 @@
       </p:sp>
       <p:pic>
         <p:nvPicPr>
-          <p:cNvPr id="208" name="" descr=""/>
+          <p:cNvPr id="167" name="" descr=""/>
           <p:cNvPicPr/>
           <p:nvPr/>
         </p:nvPicPr>
@@ -13698,7 +11004,7 @@
         <p:spPr>
           <a:xfrm>
             <a:off x="810720" y="1260000"/>
-            <a:ext cx="1528920" cy="5247000"/>
+            <a:ext cx="1528560" cy="5246640"/>
           </a:xfrm>
           <a:prstGeom prst="rect">
             <a:avLst/>
@@ -13710,14 +11016,14 @@
       </p:pic>
       <p:sp>
         <p:nvSpPr>
-          <p:cNvPr id="209" name=""/>
+          <p:cNvPr id="168" name=""/>
           <p:cNvSpPr/>
           <p:nvPr/>
         </p:nvSpPr>
         <p:spPr>
           <a:xfrm>
             <a:off x="2520000" y="1620000"/>
-            <a:ext cx="1979640" cy="601920"/>
+            <a:ext cx="1979280" cy="601560"/>
           </a:xfrm>
           <a:prstGeom prst="rect">
             <a:avLst/>
@@ -13746,7 +11052,11 @@
             </a:pPr>
             <a:r>
               <a:rPr b="0" lang="en-IE" sz="1800" spc="-1" strike="noStrike">
+                <a:solidFill>
+                  <a:srgbClr val="000000"/>
+                </a:solidFill>
                 <a:latin typeface="Arial"/>
+                <a:ea typeface="DejaVu Sans"/>
               </a:rPr>
               <a:t>User Entry on server</a:t>
             </a:r>
@@ -13758,7 +11068,7 @@
       </p:sp>
       <p:pic>
         <p:nvPicPr>
-          <p:cNvPr id="210" name="" descr=""/>
+          <p:cNvPr id="169" name="" descr=""/>
           <p:cNvPicPr/>
           <p:nvPr/>
         </p:nvPicPr>
@@ -13769,7 +11079,7 @@
         <p:spPr>
           <a:xfrm>
             <a:off x="5462280" y="1598040"/>
-            <a:ext cx="2637360" cy="2551320"/>
+            <a:ext cx="2637000" cy="2550960"/>
           </a:xfrm>
           <a:prstGeom prst="rect">
             <a:avLst/>
@@ -13781,14 +11091,14 @@
       </p:pic>
       <p:sp>
         <p:nvSpPr>
-          <p:cNvPr id="211" name=""/>
+          <p:cNvPr id="170" name=""/>
           <p:cNvSpPr/>
           <p:nvPr/>
         </p:nvSpPr>
         <p:spPr>
           <a:xfrm>
             <a:off x="8280000" y="1800000"/>
-            <a:ext cx="2159640" cy="601920"/>
+            <a:ext cx="2159280" cy="601560"/>
           </a:xfrm>
           <a:prstGeom prst="rect">
             <a:avLst/>
@@ -13817,7 +11127,11 @@
             </a:pPr>
             <a:r>
               <a:rPr b="0" lang="en-IE" sz="1800" spc="-1" strike="noStrike">
+                <a:solidFill>
+                  <a:srgbClr val="000000"/>
+                </a:solidFill>
                 <a:latin typeface="Arial"/>
+                <a:ea typeface="DejaVu Sans"/>
               </a:rPr>
               <a:t>Schedule stored on Rasberry Pi</a:t>
             </a:r>
@@ -13859,7 +11173,7 @@
       </p:grpSpPr>
       <p:sp>
         <p:nvSpPr>
-          <p:cNvPr id="212" name="PlaceHolder 1"/>
+          <p:cNvPr id="171" name="PlaceHolder 1"/>
           <p:cNvSpPr>
             <a:spLocks noGrp="1"/>
           </p:cNvSpPr>
@@ -13870,7 +11184,7 @@
         <p:spPr>
           <a:xfrm>
             <a:off x="609480" y="273600"/>
-            <a:ext cx="10969200" cy="1141560"/>
+            <a:ext cx="10968840" cy="1141200"/>
           </a:xfrm>
           <a:prstGeom prst="rect">
             <a:avLst/>
@@ -13905,14 +11219,14 @@
       </p:sp>
       <p:sp>
         <p:nvSpPr>
-          <p:cNvPr id="213" name=""/>
+          <p:cNvPr id="172" name=""/>
           <p:cNvSpPr/>
           <p:nvPr/>
         </p:nvSpPr>
         <p:spPr>
           <a:xfrm>
             <a:off x="900000" y="1800000"/>
-            <a:ext cx="10796760" cy="2646720"/>
+            <a:ext cx="10796400" cy="2646360"/>
           </a:xfrm>
           <a:prstGeom prst="rect">
             <a:avLst/>
@@ -14176,7 +11490,7 @@
                 <a:latin typeface="Arial"/>
                 <a:ea typeface="DejaVu Sans"/>
               </a:rPr>
-              <a:t>- 0v across an open switch</a:t>
+              <a:t>- 0v across a switch when the circuit is not completed</a:t>
             </a:r>
             <a:endParaRPr b="0" lang="en-IE" sz="1800" spc="-1" strike="noStrike">
               <a:latin typeface="Arial"/>
@@ -14207,7 +11521,7 @@
                 <a:latin typeface="Arial"/>
                 <a:ea typeface="DejaVu Sans"/>
               </a:rPr>
-              <a:t>- 5v across a closed switch</a:t>
+              <a:t>- 5v across a switch when the circuit is completed.</a:t>
             </a:r>
             <a:endParaRPr b="0" lang="en-IE" sz="1800" spc="-1" strike="noStrike">
               <a:latin typeface="Arial"/>
@@ -14248,7 +11562,7 @@
       </p:sp>
       <p:pic>
         <p:nvPicPr>
-          <p:cNvPr id="214" name="" descr=""/>
+          <p:cNvPr id="173" name="" descr=""/>
           <p:cNvPicPr/>
           <p:nvPr/>
         </p:nvPicPr>
@@ -14259,7 +11573,7 @@
         <p:spPr>
           <a:xfrm>
             <a:off x="7560000" y="1416240"/>
-            <a:ext cx="4020840" cy="2857320"/>
+            <a:ext cx="4020480" cy="2856960"/>
           </a:xfrm>
           <a:prstGeom prst="rect">
             <a:avLst/>
@@ -14301,7 +11615,7 @@
       </p:grpSpPr>
       <p:sp>
         <p:nvSpPr>
-          <p:cNvPr id="215" name="PlaceHolder 1"/>
+          <p:cNvPr id="174" name="PlaceHolder 1"/>
           <p:cNvSpPr>
             <a:spLocks noGrp="1"/>
           </p:cNvSpPr>
@@ -14312,7 +11626,7 @@
         <p:spPr>
           <a:xfrm>
             <a:off x="609480" y="273600"/>
-            <a:ext cx="10969200" cy="1141560"/>
+            <a:ext cx="10968840" cy="1141200"/>
           </a:xfrm>
           <a:prstGeom prst="rect">
             <a:avLst/>
@@ -14347,14 +11661,14 @@
       </p:sp>
       <p:sp>
         <p:nvSpPr>
-          <p:cNvPr id="216" name=""/>
+          <p:cNvPr id="175" name=""/>
           <p:cNvSpPr/>
           <p:nvPr/>
         </p:nvSpPr>
         <p:spPr>
           <a:xfrm>
             <a:off x="540000" y="1620000"/>
-            <a:ext cx="11157120" cy="1879200"/>
+            <a:ext cx="11156760" cy="1878840"/>
           </a:xfrm>
           <a:prstGeom prst="rect">
             <a:avLst/>
@@ -14741,7 +12055,7 @@
       </p:grpSpPr>
       <p:sp>
         <p:nvSpPr>
-          <p:cNvPr id="217" name="PlaceHolder 1"/>
+          <p:cNvPr id="176" name="PlaceHolder 1"/>
           <p:cNvSpPr>
             <a:spLocks noGrp="1"/>
           </p:cNvSpPr>
@@ -14752,7 +12066,7 @@
         <p:spPr>
           <a:xfrm>
             <a:off x="609480" y="273600"/>
-            <a:ext cx="10969920" cy="1142280"/>
+            <a:ext cx="10969560" cy="1141920"/>
           </a:xfrm>
           <a:prstGeom prst="rect">
             <a:avLst/>
@@ -14787,14 +12101,14 @@
       </p:sp>
       <p:sp>
         <p:nvSpPr>
-          <p:cNvPr id="218" name=""/>
+          <p:cNvPr id="177" name=""/>
           <p:cNvSpPr/>
           <p:nvPr/>
         </p:nvSpPr>
         <p:spPr>
           <a:xfrm>
             <a:off x="720000" y="1620000"/>
-            <a:ext cx="11157480" cy="855720"/>
+            <a:ext cx="11157120" cy="855360"/>
           </a:xfrm>
           <a:prstGeom prst="rect">
             <a:avLst/>
@@ -15007,7 +12321,7 @@
       </p:grpSpPr>
       <p:sp>
         <p:nvSpPr>
-          <p:cNvPr id="219" name="PlaceHolder 1"/>
+          <p:cNvPr id="178" name="PlaceHolder 1"/>
           <p:cNvSpPr>
             <a:spLocks noGrp="1"/>
           </p:cNvSpPr>
@@ -15018,7 +12332,7 @@
         <p:spPr>
           <a:xfrm>
             <a:off x="609480" y="273600"/>
-            <a:ext cx="10970640" cy="1143000"/>
+            <a:ext cx="10970280" cy="1142640"/>
           </a:xfrm>
           <a:prstGeom prst="rect">
             <a:avLst/>
@@ -15053,14 +12367,14 @@
       </p:sp>
       <p:sp>
         <p:nvSpPr>
-          <p:cNvPr id="220" name=""/>
+          <p:cNvPr id="179" name=""/>
           <p:cNvSpPr/>
           <p:nvPr/>
         </p:nvSpPr>
         <p:spPr>
           <a:xfrm>
             <a:off x="360000" y="1440000"/>
-            <a:ext cx="11518200" cy="3959280"/>
+            <a:ext cx="11517840" cy="3958920"/>
           </a:xfrm>
           <a:prstGeom prst="rect">
             <a:avLst/>
@@ -16176,230 +13490,4 @@
     </a:fmtScheme>
   </a:themeElements>
 </a:theme>
-</file>
-
-<file path=ppt/theme/theme5.xml><?xml version="1.0" encoding="utf-8"?>
-<a:theme xmlns:a="http://schemas.openxmlformats.org/drawingml/2006/main" name="Office Theme">
-  <a:themeElements>
-    <a:clrScheme name="Office">
-      <a:dk1>
-        <a:sysClr val="windowText" lastClr="000000"/>
-      </a:dk1>
-      <a:lt1>
-        <a:sysClr val="window" lastClr="FFFFFF"/>
-      </a:lt1>
-      <a:dk2>
-        <a:srgbClr val="44546a"/>
-      </a:dk2>
-      <a:lt2>
-        <a:srgbClr val="e7e6e6"/>
-      </a:lt2>
-      <a:accent1>
-        <a:srgbClr val="4472c4"/>
-      </a:accent1>
-      <a:accent2>
-        <a:srgbClr val="ed7d31"/>
-      </a:accent2>
-      <a:accent3>
-        <a:srgbClr val="a5a5a5"/>
-      </a:accent3>
-      <a:accent4>
-        <a:srgbClr val="ffc000"/>
-      </a:accent4>
-      <a:accent5>
-        <a:srgbClr val="5b9bd5"/>
-      </a:accent5>
-      <a:accent6>
-        <a:srgbClr val="70ad47"/>
-      </a:accent6>
-      <a:hlink>
-        <a:srgbClr val="0563c1"/>
-      </a:hlink>
-      <a:folHlink>
-        <a:srgbClr val="954f72"/>
-      </a:folHlink>
-    </a:clrScheme>
-    <a:fontScheme name="Office">
-      <a:majorFont>
-        <a:latin typeface="Arial"/>
-        <a:ea typeface="DejaVu Sans"/>
-        <a:cs typeface="DejaVu Sans"/>
-      </a:majorFont>
-      <a:minorFont>
-        <a:latin typeface="Arial"/>
-        <a:ea typeface="DejaVu Sans"/>
-        <a:cs typeface="DejaVu Sans"/>
-      </a:minorFont>
-    </a:fontScheme>
-    <a:fmtScheme name="Office">
-      <a:fillStyleLst>
-        <a:solidFill>
-          <a:schemeClr val="phClr"/>
-        </a:solidFill>
-        <a:gradFill rotWithShape="1">
-          <a:gsLst>
-            <a:gs pos="0">
-              <a:schemeClr val="phClr">
-                <a:tint val="50000"/>
-                <a:satMod val="300000"/>
-              </a:schemeClr>
-            </a:gs>
-            <a:gs pos="35000">
-              <a:schemeClr val="phClr">
-                <a:tint val="37000"/>
-                <a:satMod val="300000"/>
-              </a:schemeClr>
-            </a:gs>
-            <a:gs pos="100000">
-              <a:schemeClr val="phClr">
-                <a:tint val="15000"/>
-                <a:satMod val="350000"/>
-              </a:schemeClr>
-            </a:gs>
-          </a:gsLst>
-          <a:lin ang="16200000" scaled="1"/>
-        </a:gradFill>
-        <a:gradFill rotWithShape="1">
-          <a:gsLst>
-            <a:gs pos="0">
-              <a:schemeClr val="phClr">
-                <a:shade val="51000"/>
-                <a:satMod val="130000"/>
-              </a:schemeClr>
-            </a:gs>
-            <a:gs pos="80000">
-              <a:schemeClr val="phClr">
-                <a:shade val="93000"/>
-                <a:satMod val="130000"/>
-              </a:schemeClr>
-            </a:gs>
-            <a:gs pos="100000">
-              <a:schemeClr val="phClr">
-                <a:shade val="94000"/>
-                <a:satMod val="135000"/>
-              </a:schemeClr>
-            </a:gs>
-          </a:gsLst>
-          <a:lin ang="16200000" scaled="0"/>
-        </a:gradFill>
-      </a:fillStyleLst>
-      <a:lnStyleLst>
-        <a:ln w="9525" cap="flat" cmpd="sng" algn="ctr">
-          <a:solidFill>
-            <a:schemeClr val="phClr">
-              <a:shade val="95000"/>
-              <a:satMod val="105000"/>
-            </a:schemeClr>
-          </a:solidFill>
-          <a:prstDash val="solid"/>
-          <a:miter/>
-        </a:ln>
-        <a:ln w="25400" cap="flat" cmpd="sng" algn="ctr">
-          <a:solidFill>
-            <a:schemeClr val="phClr"/>
-          </a:solidFill>
-          <a:prstDash val="solid"/>
-          <a:miter/>
-        </a:ln>
-        <a:ln w="38100" cap="flat" cmpd="sng" algn="ctr">
-          <a:solidFill>
-            <a:schemeClr val="phClr"/>
-          </a:solidFill>
-          <a:prstDash val="solid"/>
-          <a:miter/>
-        </a:ln>
-      </a:lnStyleLst>
-      <a:effectStyleLst>
-        <a:effectStyle>
-          <a:effectLst>
-            <a:outerShdw blurRad="40000" dist="20000" dir="5400000" rotWithShape="0">
-              <a:srgbClr val="000000">
-                <a:alpha val="38000"/>
-              </a:srgbClr>
-            </a:outerShdw>
-          </a:effectLst>
-        </a:effectStyle>
-        <a:effectStyle>
-          <a:effectLst>
-            <a:outerShdw blurRad="40000" dist="23000" dir="5400000" rotWithShape="0">
-              <a:srgbClr val="000000">
-                <a:alpha val="35000"/>
-              </a:srgbClr>
-            </a:outerShdw>
-          </a:effectLst>
-        </a:effectStyle>
-        <a:effectStyle>
-          <a:effectLst>
-            <a:outerShdw blurRad="40000" dist="23000" dir="5400000" rotWithShape="0">
-              <a:srgbClr val="000000">
-                <a:alpha val="35000"/>
-              </a:srgbClr>
-            </a:outerShdw>
-          </a:effectLst>
-          <a:scene3d>
-            <a:camera prst="orthographicFront">
-              <a:rot lat="0" lon="0" rev="0"/>
-            </a:camera>
-            <a:lightRig rig="threePt" dir="t">
-              <a:rot lat="0" lon="0" rev="1200000"/>
-            </a:lightRig>
-          </a:scene3d>
-          <a:sp3d>
-            <a:bevelT w="63500" h="25400"/>
-          </a:sp3d>
-        </a:effectStyle>
-      </a:effectStyleLst>
-      <a:bgFillStyleLst>
-        <a:solidFill>
-          <a:schemeClr val="phClr"/>
-        </a:solidFill>
-        <a:gradFill rotWithShape="1">
-          <a:gsLst>
-            <a:gs pos="0">
-              <a:schemeClr val="phClr">
-                <a:tint val="40000"/>
-                <a:satMod val="350000"/>
-              </a:schemeClr>
-            </a:gs>
-            <a:gs pos="40000">
-              <a:schemeClr val="phClr">
-                <a:tint val="45000"/>
-                <a:shade val="99000"/>
-                <a:satMod val="350000"/>
-              </a:schemeClr>
-            </a:gs>
-            <a:gs pos="100000">
-              <a:schemeClr val="phClr">
-                <a:shade val="20000"/>
-                <a:satMod val="255000"/>
-              </a:schemeClr>
-            </a:gs>
-          </a:gsLst>
-          <a:path path="circle">
-            <a:fillToRect l="50000" t="-80000" r="50000" b="180000"/>
-          </a:path>
-        </a:gradFill>
-        <a:gradFill rotWithShape="1">
-          <a:gsLst>
-            <a:gs pos="0">
-              <a:schemeClr val="phClr">
-                <a:tint val="80000"/>
-                <a:satMod val="300000"/>
-              </a:schemeClr>
-            </a:gs>
-            <a:gs pos="100000">
-              <a:schemeClr val="phClr">
-                <a:shade val="30000"/>
-                <a:satMod val="200000"/>
-              </a:schemeClr>
-            </a:gs>
-          </a:gsLst>
-          <a:path path="circle">
-            <a:fillToRect l="50000" t="50000" r="50000" b="50000"/>
-          </a:path>
-        </a:gradFill>
-      </a:bgFillStyleLst>
-    </a:fmtScheme>
-  </a:themeElements>
-</a:theme>
 </file>
--- a/Slideshow template.pptx
+++ b/Slideshow template.pptx
@@ -14,6 +14,7 @@
     <p:sldId id="259" r:id="rId9"/>
     <p:sldId id="260" r:id="rId10"/>
     <p:sldId id="261" r:id="rId11"/>
+    <p:sldId id="262" r:id="rId12"/>
   </p:sldIdLst>
   <p:sldSz cx="12192000" cy="6858000"/>
   <p:notesSz cx="7559675" cy="10691813"/>
@@ -71,7 +72,7 @@
         <p:txBody>
           <a:bodyPr/>
           <a:p>
-            <a:fld id="{2CB93991-8103-45BB-9C33-C65B46A732CB}" type="slidenum">
+            <a:fld id="{2931526E-6E6A-4DAF-ACE1-D9EF6C36806C}" type="slidenum">
               <a:t>&lt;#&gt;</a:t>
             </a:fld>
           </a:p>
@@ -259,7 +260,7 @@
         <p:txBody>
           <a:bodyPr/>
           <a:p>
-            <a:fld id="{70F74648-21DE-4BC5-945D-424E8C6B5A46}" type="slidenum">
+            <a:fld id="{002E1628-531A-4211-837D-897CC4C2E3EB}" type="slidenum">
               <a:t>&lt;#&gt;</a:t>
             </a:fld>
           </a:p>
@@ -515,7 +516,7 @@
         <p:txBody>
           <a:bodyPr/>
           <a:p>
-            <a:fld id="{E96A0865-3694-467D-A55F-A04876A830CC}" type="slidenum">
+            <a:fld id="{A48E0E3D-8EDA-4186-B438-4B355074C04C}" type="slidenum">
               <a:t>&lt;#&gt;</a:t>
             </a:fld>
           </a:p>
@@ -839,7 +840,7 @@
         <p:txBody>
           <a:bodyPr/>
           <a:p>
-            <a:fld id="{4382D00B-1C90-4D61-B532-CDA8FB91D37E}" type="slidenum">
+            <a:fld id="{C2369478-C7F4-4846-8465-4AD10C4AAF06}" type="slidenum">
               <a:t>&lt;#&gt;</a:t>
             </a:fld>
           </a:p>
@@ -922,7 +923,7 @@
         <p:txBody>
           <a:bodyPr/>
           <a:p>
-            <a:fld id="{8646B1C0-29AF-4B73-8C37-A2D6DAA041F1}" type="slidenum">
+            <a:fld id="{990E5E1F-0E38-4A26-8357-E540A1761C7E}" type="slidenum">
               <a:t>&lt;#&gt;</a:t>
             </a:fld>
           </a:p>
@@ -1079,7 +1080,7 @@
         <p:txBody>
           <a:bodyPr/>
           <a:p>
-            <a:fld id="{1C8FF72A-B342-4387-8906-005883569B75}" type="slidenum">
+            <a:fld id="{6E6742BD-6F28-4EA7-80F1-139F6D7233BF}" type="slidenum">
               <a:t>&lt;#&gt;</a:t>
             </a:fld>
           </a:p>
@@ -1233,7 +1234,7 @@
         <p:txBody>
           <a:bodyPr/>
           <a:p>
-            <a:fld id="{D9D6D3FA-A324-4742-8B97-06723841D28D}" type="slidenum">
+            <a:fld id="{E228138C-A268-4AB3-8789-923432CFFF32}" type="slidenum">
               <a:t>&lt;#&gt;</a:t>
             </a:fld>
           </a:p>
@@ -1421,7 +1422,7 @@
         <p:txBody>
           <a:bodyPr/>
           <a:p>
-            <a:fld id="{57861A4E-C201-4CD0-A11E-C6F518219E11}" type="slidenum">
+            <a:fld id="{C6DE57DD-5BF0-4F3E-A0A0-2F567625D9E2}" type="slidenum">
               <a:t>&lt;#&gt;</a:t>
             </a:fld>
           </a:p>
@@ -1541,7 +1542,7 @@
         <p:txBody>
           <a:bodyPr/>
           <a:p>
-            <a:fld id="{C2840BEF-BD8D-458B-BDD7-0F573117FFE5}" type="slidenum">
+            <a:fld id="{A6C55450-3463-4D9D-905D-FC6467107C0D}" type="slidenum">
               <a:t>&lt;#&gt;</a:t>
             </a:fld>
           </a:p>
@@ -1661,7 +1662,7 @@
         <p:txBody>
           <a:bodyPr/>
           <a:p>
-            <a:fld id="{D42EEC06-4681-4C79-860C-260341E2D213}" type="slidenum">
+            <a:fld id="{43E2B5A6-8A80-44F6-A90E-A2C97C47B260}" type="slidenum">
               <a:t>&lt;#&gt;</a:t>
             </a:fld>
           </a:p>
@@ -1883,7 +1884,7 @@
         <p:txBody>
           <a:bodyPr/>
           <a:p>
-            <a:fld id="{B2994421-C647-4024-99D8-5142F150BF58}" type="slidenum">
+            <a:fld id="{72ED92F4-7AFF-4DA7-A0C8-345EF6A4290A}" type="slidenum">
               <a:t>&lt;#&gt;</a:t>
             </a:fld>
           </a:p>
@@ -2040,7 +2041,7 @@
         <p:txBody>
           <a:bodyPr/>
           <a:p>
-            <a:fld id="{C79C4566-707E-479F-90A9-88A214B4BEEA}" type="slidenum">
+            <a:fld id="{BCD10C6E-604E-484D-8F2A-1DC353F1272E}" type="slidenum">
               <a:t>&lt;#&gt;</a:t>
             </a:fld>
           </a:p>
@@ -2262,7 +2263,7 @@
         <p:txBody>
           <a:bodyPr/>
           <a:p>
-            <a:fld id="{AF7E91FF-FA6A-4D60-9C84-D3A844F0C4FE}" type="slidenum">
+            <a:fld id="{3A72F6B5-5124-4A38-9CDF-051668FFA9FC}" type="slidenum">
               <a:t>&lt;#&gt;</a:t>
             </a:fld>
           </a:p>
@@ -2484,7 +2485,7 @@
         <p:txBody>
           <a:bodyPr/>
           <a:p>
-            <a:fld id="{1A856060-CFBA-445C-8196-90F29538595E}" type="slidenum">
+            <a:fld id="{9FAAD636-320E-4EA4-A484-53D775FB8DCD}" type="slidenum">
               <a:t>&lt;#&gt;</a:t>
             </a:fld>
           </a:p>
@@ -2672,7 +2673,7 @@
         <p:txBody>
           <a:bodyPr/>
           <a:p>
-            <a:fld id="{EE9721A7-B638-443E-988B-4F8C4162AF9B}" type="slidenum">
+            <a:fld id="{335CAC2B-252D-4BA2-BB3C-992CBF524C10}" type="slidenum">
               <a:t>&lt;#&gt;</a:t>
             </a:fld>
           </a:p>
@@ -2928,7 +2929,7 @@
         <p:txBody>
           <a:bodyPr/>
           <a:p>
-            <a:fld id="{72F48204-198C-4CD8-8FBA-724FA4F77520}" type="slidenum">
+            <a:fld id="{18531CAE-86F3-4A47-A31C-C938254B5053}" type="slidenum">
               <a:t>&lt;#&gt;</a:t>
             </a:fld>
           </a:p>
@@ -3252,7 +3253,7 @@
         <p:txBody>
           <a:bodyPr/>
           <a:p>
-            <a:fld id="{61B6D331-ACCF-4DB8-9DE9-44550B2304C6}" type="slidenum">
+            <a:fld id="{54B6E3A0-5C78-4103-BDE1-EED10A5D79AC}" type="slidenum">
               <a:t>&lt;#&gt;</a:t>
             </a:fld>
           </a:p>
@@ -3335,7 +3336,7 @@
         <p:txBody>
           <a:bodyPr/>
           <a:p>
-            <a:fld id="{F3C9D029-C62F-4A8F-A973-3BACF21597E3}" type="slidenum">
+            <a:fld id="{3220BDAB-B81D-438E-AAAE-9FAA607A78D1}" type="slidenum">
               <a:t>&lt;#&gt;</a:t>
             </a:fld>
           </a:p>
@@ -3492,7 +3493,7 @@
         <p:txBody>
           <a:bodyPr/>
           <a:p>
-            <a:fld id="{5CAB6F17-AEF3-42C9-BC40-26BE32689306}" type="slidenum">
+            <a:fld id="{67D56DF3-AA7E-4B55-9DC6-A6067F6AE9A1}" type="slidenum">
               <a:t>&lt;#&gt;</a:t>
             </a:fld>
           </a:p>
@@ -3646,7 +3647,7 @@
         <p:txBody>
           <a:bodyPr/>
           <a:p>
-            <a:fld id="{8618AB83-5F47-4E08-A5B6-AB8C8ED326E5}" type="slidenum">
+            <a:fld id="{1A32A636-21C7-4265-B246-6488108C4C91}" type="slidenum">
               <a:t>&lt;#&gt;</a:t>
             </a:fld>
           </a:p>
@@ -3834,7 +3835,7 @@
         <p:txBody>
           <a:bodyPr/>
           <a:p>
-            <a:fld id="{7FF5BE94-440D-4369-B8D7-253CF2A18039}" type="slidenum">
+            <a:fld id="{07AD3E99-2D4E-4859-A2F4-D90637C11F60}" type="slidenum">
               <a:t>&lt;#&gt;</a:t>
             </a:fld>
           </a:p>
@@ -3954,7 +3955,7 @@
         <p:txBody>
           <a:bodyPr/>
           <a:p>
-            <a:fld id="{D6FB78DB-F006-4CED-8138-9EEBFAD29F0E}" type="slidenum">
+            <a:fld id="{156B046A-DF56-4834-9CAE-749EE86068B0}" type="slidenum">
               <a:t>&lt;#&gt;</a:t>
             </a:fld>
           </a:p>
@@ -4108,7 +4109,7 @@
         <p:txBody>
           <a:bodyPr/>
           <a:p>
-            <a:fld id="{654185C2-5B71-4A43-A519-E5232081980B}" type="slidenum">
+            <a:fld id="{6307FFE3-33A6-4BF8-8BDC-57103F5DA5A8}" type="slidenum">
               <a:t>&lt;#&gt;</a:t>
             </a:fld>
           </a:p>
@@ -4228,7 +4229,7 @@
         <p:txBody>
           <a:bodyPr/>
           <a:p>
-            <a:fld id="{FADAE761-D931-4CA8-BA75-D69BDC27911E}" type="slidenum">
+            <a:fld id="{CCC6D09E-799F-499D-B9ED-6F898EB1FAFD}" type="slidenum">
               <a:t>&lt;#&gt;</a:t>
             </a:fld>
           </a:p>
@@ -4450,7 +4451,7 @@
         <p:txBody>
           <a:bodyPr/>
           <a:p>
-            <a:fld id="{1B29A35F-98C3-4541-9EDE-F5DA58F3A501}" type="slidenum">
+            <a:fld id="{5A91E6B1-7F24-472E-867E-BC573A55C286}" type="slidenum">
               <a:t>&lt;#&gt;</a:t>
             </a:fld>
           </a:p>
@@ -4672,7 +4673,7 @@
         <p:txBody>
           <a:bodyPr/>
           <a:p>
-            <a:fld id="{09814735-7288-4D62-A2C1-D7623DAFFFEC}" type="slidenum">
+            <a:fld id="{F5CB78B6-F052-4469-B43B-993107C001FE}" type="slidenum">
               <a:t>&lt;#&gt;</a:t>
             </a:fld>
           </a:p>
@@ -4894,7 +4895,7 @@
         <p:txBody>
           <a:bodyPr/>
           <a:p>
-            <a:fld id="{AC6050D2-E478-48F3-949A-5C6A8B688050}" type="slidenum">
+            <a:fld id="{84189CF6-C466-48D6-BB00-FBAD86600962}" type="slidenum">
               <a:t>&lt;#&gt;</a:t>
             </a:fld>
           </a:p>
@@ -5082,7 +5083,7 @@
         <p:txBody>
           <a:bodyPr/>
           <a:p>
-            <a:fld id="{ED32D5D7-DFB2-4F85-AA5F-CCAE35921C53}" type="slidenum">
+            <a:fld id="{7E54D398-B4ED-4D44-AA09-B08F73DC8AD1}" type="slidenum">
               <a:t>&lt;#&gt;</a:t>
             </a:fld>
           </a:p>
@@ -5338,7 +5339,7 @@
         <p:txBody>
           <a:bodyPr/>
           <a:p>
-            <a:fld id="{E81F3385-3602-4B01-A9B1-F608EB2C9730}" type="slidenum">
+            <a:fld id="{D5CEDC71-9C50-45FF-951D-D2C1662FA80B}" type="slidenum">
               <a:t>&lt;#&gt;</a:t>
             </a:fld>
           </a:p>
@@ -5662,7 +5663,7 @@
         <p:txBody>
           <a:bodyPr/>
           <a:p>
-            <a:fld id="{A33E7D17-83C7-49A2-A176-AA1F1514FE3C}" type="slidenum">
+            <a:fld id="{F9860437-47ED-4788-B6A1-E0F41069D764}" type="slidenum">
               <a:t>&lt;#&gt;</a:t>
             </a:fld>
           </a:p>
@@ -5745,7 +5746,7 @@
         <p:txBody>
           <a:bodyPr/>
           <a:p>
-            <a:fld id="{DD196854-C4DF-4F0E-8A46-D995B1382063}" type="slidenum">
+            <a:fld id="{060DFD57-2170-4657-90F6-7FB28F890E2D}" type="slidenum">
               <a:t>&lt;#&gt;</a:t>
             </a:fld>
           </a:p>
@@ -5902,7 +5903,7 @@
         <p:txBody>
           <a:bodyPr/>
           <a:p>
-            <a:fld id="{41D7D8FE-D71B-44D6-BCCD-95872E026517}" type="slidenum">
+            <a:fld id="{6F7BCFD8-839C-4F45-A753-753CBAE6D98F}" type="slidenum">
               <a:t>&lt;#&gt;</a:t>
             </a:fld>
           </a:p>
@@ -6056,7 +6057,7 @@
         <p:txBody>
           <a:bodyPr/>
           <a:p>
-            <a:fld id="{2EDEDF05-FECF-429D-A124-2FC750E969DF}" type="slidenum">
+            <a:fld id="{12AB0E18-6B99-472A-AA9F-AA101EF451EE}" type="slidenum">
               <a:t>&lt;#&gt;</a:t>
             </a:fld>
           </a:p>
@@ -6244,7 +6245,7 @@
         <p:txBody>
           <a:bodyPr/>
           <a:p>
-            <a:fld id="{98508261-A8EE-4BE6-ADF5-A16AEACFA237}" type="slidenum">
+            <a:fld id="{1FD80035-4A1A-4404-AD82-BC5ACDA1D844}" type="slidenum">
               <a:t>&lt;#&gt;</a:t>
             </a:fld>
           </a:p>
@@ -6432,7 +6433,7 @@
         <p:txBody>
           <a:bodyPr/>
           <a:p>
-            <a:fld id="{0C7B9D34-BA0D-4A61-B19A-00A6C5016E0F}" type="slidenum">
+            <a:fld id="{C28E828D-2A4E-4B15-813B-443F140A0604}" type="slidenum">
               <a:t>&lt;#&gt;</a:t>
             </a:fld>
           </a:p>
@@ -6552,7 +6553,7 @@
         <p:txBody>
           <a:bodyPr/>
           <a:p>
-            <a:fld id="{58B3A7EE-839B-40D5-A33A-A139DB35B953}" type="slidenum">
+            <a:fld id="{5C5A0627-8E3B-4C29-9420-CADF0EBF8C18}" type="slidenum">
               <a:t>&lt;#&gt;</a:t>
             </a:fld>
           </a:p>
@@ -6672,7 +6673,7 @@
         <p:txBody>
           <a:bodyPr/>
           <a:p>
-            <a:fld id="{74221E92-A6AB-4335-935A-7FF8FDCE0DEC}" type="slidenum">
+            <a:fld id="{0B4CB971-82F5-4182-A297-78EDCB4D2B08}" type="slidenum">
               <a:t>&lt;#&gt;</a:t>
             </a:fld>
           </a:p>
@@ -6894,7 +6895,7 @@
         <p:txBody>
           <a:bodyPr/>
           <a:p>
-            <a:fld id="{1505D9ED-47C6-43D4-A054-1D0F6065BFF1}" type="slidenum">
+            <a:fld id="{DFE5B4C5-B245-47AE-AF3F-6B1ADD5CC3CA}" type="slidenum">
               <a:t>&lt;#&gt;</a:t>
             </a:fld>
           </a:p>
@@ -7116,7 +7117,7 @@
         <p:txBody>
           <a:bodyPr/>
           <a:p>
-            <a:fld id="{94855B97-198E-467E-8117-5C64ED197DF3}" type="slidenum">
+            <a:fld id="{FE7F0841-2685-4F6B-9EAE-4F8C8C8163F9}" type="slidenum">
               <a:t>&lt;#&gt;</a:t>
             </a:fld>
           </a:p>
@@ -7338,7 +7339,7 @@
         <p:txBody>
           <a:bodyPr/>
           <a:p>
-            <a:fld id="{E5EB0567-6341-4172-B396-717DA0BA002B}" type="slidenum">
+            <a:fld id="{0D5804FC-93F0-4536-BE07-DA25ADD458DE}" type="slidenum">
               <a:t>&lt;#&gt;</a:t>
             </a:fld>
           </a:p>
@@ -7526,7 +7527,7 @@
         <p:txBody>
           <a:bodyPr/>
           <a:p>
-            <a:fld id="{EDAEF4EB-0CEF-459B-B0E7-6E6DDBA6CEF7}" type="slidenum">
+            <a:fld id="{439AA35C-8D1A-4FC5-B247-B8D06FB1B6F1}" type="slidenum">
               <a:t>&lt;#&gt;</a:t>
             </a:fld>
           </a:p>
@@ -7782,7 +7783,7 @@
         <p:txBody>
           <a:bodyPr/>
           <a:p>
-            <a:fld id="{E90C0065-F79A-4B66-B00F-824CDAB7C5B0}" type="slidenum">
+            <a:fld id="{74392D78-45B6-4A4D-A77F-F0901B001948}" type="slidenum">
               <a:t>&lt;#&gt;</a:t>
             </a:fld>
           </a:p>
@@ -8106,7 +8107,7 @@
         <p:txBody>
           <a:bodyPr/>
           <a:p>
-            <a:fld id="{FE52C7AC-86CB-41D7-A7A7-C60D1127FA85}" type="slidenum">
+            <a:fld id="{515DB7F3-EA5C-4202-A434-9C471BF062DE}" type="slidenum">
               <a:t>&lt;#&gt;</a:t>
             </a:fld>
           </a:p>
@@ -8226,7 +8227,7 @@
         <p:txBody>
           <a:bodyPr/>
           <a:p>
-            <a:fld id="{2DE7318E-BEC9-49B0-94DE-7C1C29C661B0}" type="slidenum">
+            <a:fld id="{2AAE4DE4-71C6-46E8-8EDB-7F824B251E1C}" type="slidenum">
               <a:t>&lt;#&gt;</a:t>
             </a:fld>
           </a:p>
@@ -8346,7 +8347,7 @@
         <p:txBody>
           <a:bodyPr/>
           <a:p>
-            <a:fld id="{0FAB427B-AE51-4D39-9CB6-E47BD6103499}" type="slidenum">
+            <a:fld id="{934B53F6-5D52-4AD1-975E-1D8B678FEED0}" type="slidenum">
               <a:t>&lt;#&gt;</a:t>
             </a:fld>
           </a:p>
@@ -8568,7 +8569,7 @@
         <p:txBody>
           <a:bodyPr/>
           <a:p>
-            <a:fld id="{9A3675F0-3D16-46D7-A3C1-C83153E19859}" type="slidenum">
+            <a:fld id="{DCFB3D2A-38C0-4674-AA2B-48EC0B5E4C4C}" type="slidenum">
               <a:t>&lt;#&gt;</a:t>
             </a:fld>
           </a:p>
@@ -8790,7 +8791,7 @@
         <p:txBody>
           <a:bodyPr/>
           <a:p>
-            <a:fld id="{581C8534-E153-4608-865D-CC5E6D584B15}" type="slidenum">
+            <a:fld id="{6E5954F7-D6A4-4843-9A13-EC62B588F4E1}" type="slidenum">
               <a:t>&lt;#&gt;</a:t>
             </a:fld>
           </a:p>
@@ -9012,7 +9013,7 @@
         <p:txBody>
           <a:bodyPr/>
           <a:p>
-            <a:fld id="{F9DF7220-2938-4F62-A68E-4B415DBB4FF0}" type="slidenum">
+            <a:fld id="{D4FDC1DD-05C3-4CAE-96EE-BB725882922D}" type="slidenum">
               <a:t>&lt;#&gt;</a:t>
             </a:fld>
           </a:p>
@@ -9081,7 +9082,7 @@
         <p:spPr>
           <a:xfrm>
             <a:off x="4038480" y="6356520"/>
-            <a:ext cx="4110480" cy="360720"/>
+            <a:ext cx="4110120" cy="360360"/>
           </a:xfrm>
           <a:prstGeom prst="rect">
             <a:avLst/>
@@ -9117,7 +9118,7 @@
               <a:rPr b="0" lang="en-IE" sz="1400" spc="-1" strike="noStrike">
                 <a:latin typeface="Times New Roman"/>
               </a:rPr>
-              <a:t>&lt;footer&gt;</a:t>
+              <a:t> </a:t>
             </a:r>
             <a:endParaRPr b="0" lang="en-IE" sz="1400" spc="-1" strike="noStrike">
               <a:latin typeface="Times New Roman"/>
@@ -9138,7 +9139,7 @@
         <p:spPr>
           <a:xfrm>
             <a:off x="8610480" y="6356520"/>
-            <a:ext cx="2738880" cy="360720"/>
+            <a:ext cx="2738520" cy="360360"/>
           </a:xfrm>
           <a:prstGeom prst="rect">
             <a:avLst/>
@@ -9173,14 +9174,14 @@
               </a:lnSpc>
               <a:buNone/>
             </a:pPr>
-            <a:fld id="{5BD46CC7-8406-4758-9064-62A447BB409B}" type="slidenum">
+            <a:fld id="{216A8893-FC49-49C0-8681-51615D6C5D8D}" type="slidenum">
               <a:rPr b="0" lang="en-GB" sz="1200" spc="-1" strike="noStrike">
                 <a:solidFill>
                   <a:srgbClr val="8b8b8b"/>
                 </a:solidFill>
                 <a:latin typeface="Calibri"/>
               </a:rPr>
-              <a:t>&lt;number&gt;</a:t>
+              <a:t>6</a:t>
             </a:fld>
             <a:endParaRPr b="0" lang="en-IE" sz="1200" spc="-1" strike="noStrike">
               <a:latin typeface="Times New Roman"/>
@@ -9201,7 +9202,7 @@
         <p:spPr>
           <a:xfrm>
             <a:off x="838080" y="6356520"/>
-            <a:ext cx="2738880" cy="360720"/>
+            <a:ext cx="2738520" cy="360360"/>
           </a:xfrm>
           <a:prstGeom prst="rect">
             <a:avLst/>
@@ -9227,7 +9228,7 @@
               <a:rPr b="0" lang="en-IE" sz="1400" spc="-1" strike="noStrike">
                 <a:latin typeface="Times New Roman"/>
               </a:rPr>
-              <a:t>&lt;date/time&gt;</a:t>
+              <a:t> </a:t>
             </a:r>
             <a:endParaRPr b="0" lang="en-IE" sz="1400" spc="-1" strike="noStrike">
               <a:latin typeface="Times New Roman"/>
@@ -9512,236 +9513,13 @@
             <a:spLocks noGrp="1"/>
           </p:cNvSpPr>
           <p:nvPr>
-            <p:ph type="title"/>
-          </p:nvPr>
-        </p:nvSpPr>
-        <p:spPr>
-          <a:xfrm>
-            <a:off x="609480" y="273600"/>
-            <a:ext cx="10972080" cy="1144440"/>
-          </a:xfrm>
-          <a:prstGeom prst="rect">
-            <a:avLst/>
-          </a:prstGeom>
-          <a:noFill/>
-          <a:ln w="0">
-            <a:noFill/>
-          </a:ln>
-        </p:spPr>
-        <p:txBody>
-          <a:bodyPr lIns="0" rIns="0" tIns="0" bIns="0" anchor="ctr">
-            <a:noAutofit/>
-          </a:bodyPr>
-          <a:p>
-            <a:r>
-              <a:rPr b="0" lang="en-IE" sz="1800" spc="-1" strike="noStrike">
-                <a:latin typeface="Arial"/>
-              </a:rPr>
-              <a:t>Click to edit the title text format</a:t>
-            </a:r>
-            <a:endParaRPr b="0" lang="en-IE" sz="1800" spc="-1" strike="noStrike">
-              <a:latin typeface="Arial"/>
-            </a:endParaRPr>
-          </a:p>
-        </p:txBody>
-      </p:sp>
-      <p:sp>
-        <p:nvSpPr>
-          <p:cNvPr id="42" name="PlaceHolder 2"/>
-          <p:cNvSpPr>
-            <a:spLocks noGrp="1"/>
-          </p:cNvSpPr>
-          <p:nvPr>
-            <p:ph type="body"/>
-          </p:nvPr>
-        </p:nvSpPr>
-        <p:spPr>
-          <a:xfrm>
-            <a:off x="609480" y="1604520"/>
-            <a:ext cx="10972080" cy="3976920"/>
-          </a:xfrm>
-          <a:prstGeom prst="rect">
-            <a:avLst/>
-          </a:prstGeom>
-          <a:noFill/>
-          <a:ln w="0">
-            <a:noFill/>
-          </a:ln>
-        </p:spPr>
-        <p:txBody>
-          <a:bodyPr lIns="0" rIns="0" tIns="0" bIns="0" anchor="t">
-            <a:normAutofit/>
-          </a:bodyPr>
-          <a:p>
-            <a:pPr marL="432000" indent="-324000">
-              <a:spcBef>
-                <a:spcPts val="1417"/>
-              </a:spcBef>
-              <a:buClr>
-                <a:srgbClr val="000000"/>
-              </a:buClr>
-              <a:buSzPct val="45000"/>
-              <a:buFont typeface="Wingdings" charset="2"/>
-              <a:buChar char=""/>
-            </a:pPr>
-            <a:r>
-              <a:rPr b="0" lang="en-IE" sz="1800" spc="-1" strike="noStrike">
-                <a:latin typeface="Arial"/>
-              </a:rPr>
-              <a:t>Click to edit the outline text format</a:t>
-            </a:r>
-            <a:endParaRPr b="0" lang="en-IE" sz="1800" spc="-1" strike="noStrike">
-              <a:latin typeface="Arial"/>
-            </a:endParaRPr>
-          </a:p>
-          <a:p>
-            <a:pPr lvl="1" marL="864000" indent="-324000">
-              <a:spcBef>
-                <a:spcPts val="1134"/>
-              </a:spcBef>
-              <a:buClr>
-                <a:srgbClr val="000000"/>
-              </a:buClr>
-              <a:buSzPct val="75000"/>
-              <a:buFont typeface="Symbol" charset="2"/>
-              <a:buChar char=""/>
-            </a:pPr>
-            <a:r>
-              <a:rPr b="0" lang="en-IE" sz="1800" spc="-1" strike="noStrike">
-                <a:latin typeface="Arial"/>
-              </a:rPr>
-              <a:t>Second Outline Level</a:t>
-            </a:r>
-            <a:endParaRPr b="0" lang="en-IE" sz="1800" spc="-1" strike="noStrike">
-              <a:latin typeface="Arial"/>
-            </a:endParaRPr>
-          </a:p>
-          <a:p>
-            <a:pPr lvl="2" marL="1296000" indent="-288000">
-              <a:spcBef>
-                <a:spcPts val="850"/>
-              </a:spcBef>
-              <a:buClr>
-                <a:srgbClr val="000000"/>
-              </a:buClr>
-              <a:buSzPct val="45000"/>
-              <a:buFont typeface="Wingdings" charset="2"/>
-              <a:buChar char=""/>
-            </a:pPr>
-            <a:r>
-              <a:rPr b="0" lang="en-IE" sz="1800" spc="-1" strike="noStrike">
-                <a:latin typeface="Arial"/>
-              </a:rPr>
-              <a:t>Third Outline Level</a:t>
-            </a:r>
-            <a:endParaRPr b="0" lang="en-IE" sz="1800" spc="-1" strike="noStrike">
-              <a:latin typeface="Arial"/>
-            </a:endParaRPr>
-          </a:p>
-          <a:p>
-            <a:pPr lvl="3" marL="1728000" indent="-216000">
-              <a:spcBef>
-                <a:spcPts val="567"/>
-              </a:spcBef>
-              <a:buClr>
-                <a:srgbClr val="000000"/>
-              </a:buClr>
-              <a:buSzPct val="75000"/>
-              <a:buFont typeface="Symbol" charset="2"/>
-              <a:buChar char=""/>
-            </a:pPr>
-            <a:r>
-              <a:rPr b="0" lang="en-IE" sz="1800" spc="-1" strike="noStrike">
-                <a:latin typeface="Arial"/>
-              </a:rPr>
-              <a:t>Fourth Outline Level</a:t>
-            </a:r>
-            <a:endParaRPr b="0" lang="en-IE" sz="1800" spc="-1" strike="noStrike">
-              <a:latin typeface="Arial"/>
-            </a:endParaRPr>
-          </a:p>
-          <a:p>
-            <a:pPr lvl="4" marL="2160000" indent="-216000">
-              <a:spcBef>
-                <a:spcPts val="283"/>
-              </a:spcBef>
-              <a:buClr>
-                <a:srgbClr val="000000"/>
-              </a:buClr>
-              <a:buSzPct val="45000"/>
-              <a:buFont typeface="Wingdings" charset="2"/>
-              <a:buChar char=""/>
-            </a:pPr>
-            <a:r>
-              <a:rPr b="0" lang="en-IE" sz="1800" spc="-1" strike="noStrike">
-                <a:latin typeface="Arial"/>
-              </a:rPr>
-              <a:t>Fifth Outline Level</a:t>
-            </a:r>
-            <a:endParaRPr b="0" lang="en-IE" sz="1800" spc="-1" strike="noStrike">
-              <a:latin typeface="Arial"/>
-            </a:endParaRPr>
-          </a:p>
-          <a:p>
-            <a:pPr lvl="5" marL="2592000" indent="-216000">
-              <a:spcBef>
-                <a:spcPts val="283"/>
-              </a:spcBef>
-              <a:buClr>
-                <a:srgbClr val="000000"/>
-              </a:buClr>
-              <a:buSzPct val="45000"/>
-              <a:buFont typeface="Wingdings" charset="2"/>
-              <a:buChar char=""/>
-            </a:pPr>
-            <a:r>
-              <a:rPr b="0" lang="en-IE" sz="1800" spc="-1" strike="noStrike">
-                <a:latin typeface="Arial"/>
-              </a:rPr>
-              <a:t>Sixth Outline Level</a:t>
-            </a:r>
-            <a:endParaRPr b="0" lang="en-IE" sz="1800" spc="-1" strike="noStrike">
-              <a:latin typeface="Arial"/>
-            </a:endParaRPr>
-          </a:p>
-          <a:p>
-            <a:pPr lvl="6" marL="3024000" indent="-216000">
-              <a:spcBef>
-                <a:spcPts val="283"/>
-              </a:spcBef>
-              <a:buClr>
-                <a:srgbClr val="000000"/>
-              </a:buClr>
-              <a:buSzPct val="45000"/>
-              <a:buFont typeface="Wingdings" charset="2"/>
-              <a:buChar char=""/>
-            </a:pPr>
-            <a:r>
-              <a:rPr b="0" lang="en-IE" sz="1800" spc="-1" strike="noStrike">
-                <a:latin typeface="Arial"/>
-              </a:rPr>
-              <a:t>Seventh Outline Level</a:t>
-            </a:r>
-            <a:endParaRPr b="0" lang="en-IE" sz="1800" spc="-1" strike="noStrike">
-              <a:latin typeface="Arial"/>
-            </a:endParaRPr>
-          </a:p>
-        </p:txBody>
-      </p:sp>
-      <p:sp>
-        <p:nvSpPr>
-          <p:cNvPr id="43" name="PlaceHolder 3"/>
-          <p:cNvSpPr>
-            <a:spLocks noGrp="1"/>
-          </p:cNvSpPr>
-          <p:nvPr>
             <p:ph type="ftr" idx="4"/>
           </p:nvPr>
         </p:nvSpPr>
         <p:spPr>
           <a:xfrm>
             <a:off x="4038480" y="6356520"/>
-            <a:ext cx="4110480" cy="360720"/>
+            <a:ext cx="4110120" cy="360360"/>
           </a:xfrm>
           <a:prstGeom prst="rect">
             <a:avLst/>
@@ -9787,7 +9565,7 @@
       </p:sp>
       <p:sp>
         <p:nvSpPr>
-          <p:cNvPr id="44" name="PlaceHolder 4"/>
+          <p:cNvPr id="42" name="PlaceHolder 2"/>
           <p:cNvSpPr>
             <a:spLocks noGrp="1"/>
           </p:cNvSpPr>
@@ -9798,7 +9576,7 @@
         <p:spPr>
           <a:xfrm>
             <a:off x="8610480" y="6356520"/>
-            <a:ext cx="2738880" cy="360720"/>
+            <a:ext cx="2738520" cy="360360"/>
           </a:xfrm>
           <a:prstGeom prst="rect">
             <a:avLst/>
@@ -9833,7 +9611,7 @@
               </a:lnSpc>
               <a:buNone/>
             </a:pPr>
-            <a:fld id="{69C75E07-D1A0-4C2F-B169-B2D67C54B97C}" type="slidenum">
+            <a:fld id="{EF95D121-32FF-4333-A114-771E232FEFA3}" type="slidenum">
               <a:rPr b="0" lang="en-GB" sz="1200" spc="-1" strike="noStrike">
                 <a:solidFill>
                   <a:srgbClr val="8b8b8b"/>
@@ -9850,7 +9628,7 @@
       </p:sp>
       <p:sp>
         <p:nvSpPr>
-          <p:cNvPr id="45" name="PlaceHolder 5"/>
+          <p:cNvPr id="43" name="PlaceHolder 3"/>
           <p:cNvSpPr>
             <a:spLocks noGrp="1"/>
           </p:cNvSpPr>
@@ -9861,7 +9639,7 @@
         <p:spPr>
           <a:xfrm>
             <a:off x="838080" y="6356520"/>
-            <a:ext cx="2738880" cy="360720"/>
+            <a:ext cx="2738520" cy="360360"/>
           </a:xfrm>
           <a:prstGeom prst="rect">
             <a:avLst/>
@@ -9891,6 +9669,232 @@
             </a:r>
             <a:endParaRPr b="0" lang="en-IE" sz="1400" spc="-1" strike="noStrike">
               <a:latin typeface="Times New Roman"/>
+            </a:endParaRPr>
+          </a:p>
+        </p:txBody>
+      </p:sp>
+      <p:sp>
+        <p:nvSpPr>
+          <p:cNvPr id="44" name="PlaceHolder 4"/>
+          <p:cNvSpPr>
+            <a:spLocks noGrp="1"/>
+          </p:cNvSpPr>
+          <p:nvPr>
+            <p:ph type="title"/>
+          </p:nvPr>
+        </p:nvSpPr>
+        <p:spPr>
+          <a:xfrm>
+            <a:off x="609480" y="273600"/>
+            <a:ext cx="10972440" cy="1144800"/>
+          </a:xfrm>
+          <a:prstGeom prst="rect">
+            <a:avLst/>
+          </a:prstGeom>
+          <a:noFill/>
+          <a:ln w="0">
+            <a:noFill/>
+          </a:ln>
+        </p:spPr>
+        <p:txBody>
+          <a:bodyPr lIns="0" rIns="0" tIns="0" bIns="0" anchor="ctr">
+            <a:noAutofit/>
+          </a:bodyPr>
+          <a:p>
+            <a:pPr algn="ctr">
+              <a:buNone/>
+            </a:pPr>
+            <a:r>
+              <a:rPr b="0" lang="en-IE" sz="4400" spc="-1" strike="noStrike">
+                <a:latin typeface="Arial"/>
+              </a:rPr>
+              <a:t>Click to edit the title text format</a:t>
+            </a:r>
+            <a:endParaRPr b="0" lang="en-IE" sz="4400" spc="-1" strike="noStrike">
+              <a:latin typeface="Arial"/>
+            </a:endParaRPr>
+          </a:p>
+        </p:txBody>
+      </p:sp>
+      <p:sp>
+        <p:nvSpPr>
+          <p:cNvPr id="45" name="PlaceHolder 5"/>
+          <p:cNvSpPr>
+            <a:spLocks noGrp="1"/>
+          </p:cNvSpPr>
+          <p:nvPr>
+            <p:ph type="body"/>
+          </p:nvPr>
+        </p:nvSpPr>
+        <p:spPr>
+          <a:xfrm>
+            <a:off x="609480" y="1604520"/>
+            <a:ext cx="10972440" cy="3977280"/>
+          </a:xfrm>
+          <a:prstGeom prst="rect">
+            <a:avLst/>
+          </a:prstGeom>
+          <a:noFill/>
+          <a:ln w="0">
+            <a:noFill/>
+          </a:ln>
+        </p:spPr>
+        <p:txBody>
+          <a:bodyPr lIns="0" rIns="0" tIns="0" bIns="0" anchor="t">
+            <a:normAutofit/>
+          </a:bodyPr>
+          <a:p>
+            <a:pPr marL="432000" indent="-324000">
+              <a:spcBef>
+                <a:spcPts val="1417"/>
+              </a:spcBef>
+              <a:buClr>
+                <a:srgbClr val="000000"/>
+              </a:buClr>
+              <a:buSzPct val="45000"/>
+              <a:buFont typeface="Wingdings" charset="2"/>
+              <a:buChar char=""/>
+            </a:pPr>
+            <a:r>
+              <a:rPr b="0" lang="en-IE" sz="3200" spc="-1" strike="noStrike">
+                <a:latin typeface="Arial"/>
+              </a:rPr>
+              <a:t>Click to edit the outline text format</a:t>
+            </a:r>
+            <a:endParaRPr b="0" lang="en-IE" sz="3200" spc="-1" strike="noStrike">
+              <a:latin typeface="Arial"/>
+            </a:endParaRPr>
+          </a:p>
+          <a:p>
+            <a:pPr lvl="1" marL="864000" indent="-324000">
+              <a:spcBef>
+                <a:spcPts val="1134"/>
+              </a:spcBef>
+              <a:buClr>
+                <a:srgbClr val="000000"/>
+              </a:buClr>
+              <a:buSzPct val="75000"/>
+              <a:buFont typeface="Symbol" charset="2"/>
+              <a:buChar char=""/>
+            </a:pPr>
+            <a:r>
+              <a:rPr b="0" lang="en-IE" sz="2800" spc="-1" strike="noStrike">
+                <a:latin typeface="Arial"/>
+              </a:rPr>
+              <a:t>Second Outline Level</a:t>
+            </a:r>
+            <a:endParaRPr b="0" lang="en-IE" sz="2800" spc="-1" strike="noStrike">
+              <a:latin typeface="Arial"/>
+            </a:endParaRPr>
+          </a:p>
+          <a:p>
+            <a:pPr lvl="2" marL="1296000" indent="-288000">
+              <a:spcBef>
+                <a:spcPts val="850"/>
+              </a:spcBef>
+              <a:buClr>
+                <a:srgbClr val="000000"/>
+              </a:buClr>
+              <a:buSzPct val="45000"/>
+              <a:buFont typeface="Wingdings" charset="2"/>
+              <a:buChar char=""/>
+            </a:pPr>
+            <a:r>
+              <a:rPr b="0" lang="en-IE" sz="2400" spc="-1" strike="noStrike">
+                <a:latin typeface="Arial"/>
+              </a:rPr>
+              <a:t>Third Outline Level</a:t>
+            </a:r>
+            <a:endParaRPr b="0" lang="en-IE" sz="2400" spc="-1" strike="noStrike">
+              <a:latin typeface="Arial"/>
+            </a:endParaRPr>
+          </a:p>
+          <a:p>
+            <a:pPr lvl="3" marL="1728000" indent="-216000">
+              <a:spcBef>
+                <a:spcPts val="567"/>
+              </a:spcBef>
+              <a:buClr>
+                <a:srgbClr val="000000"/>
+              </a:buClr>
+              <a:buSzPct val="75000"/>
+              <a:buFont typeface="Symbol" charset="2"/>
+              <a:buChar char=""/>
+            </a:pPr>
+            <a:r>
+              <a:rPr b="0" lang="en-IE" sz="2000" spc="-1" strike="noStrike">
+                <a:latin typeface="Arial"/>
+              </a:rPr>
+              <a:t>Fourth Outline Level</a:t>
+            </a:r>
+            <a:endParaRPr b="0" lang="en-IE" sz="2000" spc="-1" strike="noStrike">
+              <a:latin typeface="Arial"/>
+            </a:endParaRPr>
+          </a:p>
+          <a:p>
+            <a:pPr lvl="4" marL="2160000" indent="-216000">
+              <a:spcBef>
+                <a:spcPts val="283"/>
+              </a:spcBef>
+              <a:buClr>
+                <a:srgbClr val="000000"/>
+              </a:buClr>
+              <a:buSzPct val="45000"/>
+              <a:buFont typeface="Wingdings" charset="2"/>
+              <a:buChar char=""/>
+            </a:pPr>
+            <a:r>
+              <a:rPr b="0" lang="en-IE" sz="2000" spc="-1" strike="noStrike">
+                <a:latin typeface="Arial"/>
+              </a:rPr>
+              <a:t>Fifth Outline Level</a:t>
+            </a:r>
+            <a:endParaRPr b="0" lang="en-IE" sz="2000" spc="-1" strike="noStrike">
+              <a:latin typeface="Arial"/>
+            </a:endParaRPr>
+          </a:p>
+          <a:p>
+            <a:pPr lvl="5" marL="2592000" indent="-216000">
+              <a:spcBef>
+                <a:spcPts val="283"/>
+              </a:spcBef>
+              <a:buClr>
+                <a:srgbClr val="000000"/>
+              </a:buClr>
+              <a:buSzPct val="45000"/>
+              <a:buFont typeface="Wingdings" charset="2"/>
+              <a:buChar char=""/>
+            </a:pPr>
+            <a:r>
+              <a:rPr b="0" lang="en-IE" sz="2000" spc="-1" strike="noStrike">
+                <a:latin typeface="Arial"/>
+              </a:rPr>
+              <a:t>Sixth Outline Level</a:t>
+            </a:r>
+            <a:endParaRPr b="0" lang="en-IE" sz="2000" spc="-1" strike="noStrike">
+              <a:latin typeface="Arial"/>
+            </a:endParaRPr>
+          </a:p>
+          <a:p>
+            <a:pPr lvl="6" marL="3024000" indent="-216000">
+              <a:spcBef>
+                <a:spcPts val="283"/>
+              </a:spcBef>
+              <a:buClr>
+                <a:srgbClr val="000000"/>
+              </a:buClr>
+              <a:buSzPct val="45000"/>
+              <a:buFont typeface="Wingdings" charset="2"/>
+              <a:buChar char=""/>
+            </a:pPr>
+            <a:r>
+              <a:rPr b="0" lang="en-IE" sz="2000" spc="-1" strike="noStrike">
+                <a:latin typeface="Arial"/>
+              </a:rPr>
+              <a:t>Seventh Outline Level</a:t>
+            </a:r>
+            <a:endParaRPr b="0" lang="en-IE" sz="2000" spc="-1" strike="noStrike">
+              <a:latin typeface="Arial"/>
             </a:endParaRPr>
           </a:p>
         </p:txBody>
@@ -9952,7 +9956,7 @@
         <p:spPr>
           <a:xfrm>
             <a:off x="4038480" y="6356520"/>
-            <a:ext cx="4110480" cy="360720"/>
+            <a:ext cx="4110120" cy="360360"/>
           </a:xfrm>
           <a:prstGeom prst="rect">
             <a:avLst/>
@@ -10009,7 +10013,7 @@
         <p:spPr>
           <a:xfrm>
             <a:off x="8610480" y="6356520"/>
-            <a:ext cx="2738880" cy="360720"/>
+            <a:ext cx="2738520" cy="360360"/>
           </a:xfrm>
           <a:prstGeom prst="rect">
             <a:avLst/>
@@ -10044,7 +10048,7 @@
               </a:lnSpc>
               <a:buNone/>
             </a:pPr>
-            <a:fld id="{FACB1FF9-9133-4519-811A-71DF6F17366A}" type="slidenum">
+            <a:fld id="{BC950035-8635-4641-AC09-4CBAC266F8DC}" type="slidenum">
               <a:rPr b="0" lang="en-GB" sz="1200" spc="-1" strike="noStrike">
                 <a:solidFill>
                   <a:srgbClr val="8b8b8b"/>
@@ -10072,7 +10076,7 @@
         <p:spPr>
           <a:xfrm>
             <a:off x="838080" y="6356520"/>
-            <a:ext cx="2738880" cy="360720"/>
+            <a:ext cx="2738520" cy="360360"/>
           </a:xfrm>
           <a:prstGeom prst="rect">
             <a:avLst/>
@@ -10389,7 +10393,7 @@
         <p:spPr>
           <a:xfrm>
             <a:off x="4038480" y="6356520"/>
-            <a:ext cx="4110480" cy="360720"/>
+            <a:ext cx="4110120" cy="360360"/>
           </a:xfrm>
           <a:prstGeom prst="rect">
             <a:avLst/>
@@ -10446,7 +10450,7 @@
         <p:spPr>
           <a:xfrm>
             <a:off x="8610480" y="6356520"/>
-            <a:ext cx="2738880" cy="360720"/>
+            <a:ext cx="2738520" cy="360360"/>
           </a:xfrm>
           <a:prstGeom prst="rect">
             <a:avLst/>
@@ -10481,7 +10485,7 @@
               </a:lnSpc>
               <a:buNone/>
             </a:pPr>
-            <a:fld id="{CEC00EF7-7999-4B10-B4C6-A48B34A3E931}" type="slidenum">
+            <a:fld id="{2A43666E-9A9A-4B41-A3A6-A717948045DB}" type="slidenum">
               <a:rPr b="0" lang="en-GB" sz="1200" spc="-1" strike="noStrike">
                 <a:solidFill>
                   <a:srgbClr val="8b8b8b"/>
@@ -10509,7 +10513,7 @@
         <p:spPr>
           <a:xfrm>
             <a:off x="838080" y="6356520"/>
-            <a:ext cx="2738880" cy="360720"/>
+            <a:ext cx="2738520" cy="360360"/>
           </a:xfrm>
           <a:prstGeom prst="rect">
             <a:avLst/>
@@ -10819,7 +10823,7 @@
         <p:spPr>
           <a:xfrm>
             <a:off x="609480" y="273600"/>
-            <a:ext cx="10968840" cy="1141200"/>
+            <a:ext cx="10968480" cy="1140840"/>
           </a:xfrm>
           <a:prstGeom prst="rect">
             <a:avLst/>
@@ -10861,7 +10865,7 @@
         <p:spPr>
           <a:xfrm>
             <a:off x="1080000" y="1800000"/>
-            <a:ext cx="10256400" cy="4136400"/>
+            <a:ext cx="10256040" cy="4136040"/>
           </a:xfrm>
           <a:prstGeom prst="rect">
             <a:avLst/>
@@ -10958,7 +10962,7 @@
         <p:spPr>
           <a:xfrm>
             <a:off x="609480" y="273600"/>
-            <a:ext cx="10971720" cy="1144080"/>
+            <a:ext cx="10971360" cy="1143720"/>
           </a:xfrm>
           <a:prstGeom prst="rect">
             <a:avLst/>
@@ -11004,7 +11008,7 @@
         <p:spPr>
           <a:xfrm>
             <a:off x="810720" y="1260000"/>
-            <a:ext cx="1528560" cy="5246640"/>
+            <a:ext cx="1528200" cy="5246280"/>
           </a:xfrm>
           <a:prstGeom prst="rect">
             <a:avLst/>
@@ -11023,7 +11027,7 @@
         <p:spPr>
           <a:xfrm>
             <a:off x="2520000" y="1620000"/>
-            <a:ext cx="1979280" cy="601560"/>
+            <a:ext cx="1978920" cy="601200"/>
           </a:xfrm>
           <a:prstGeom prst="rect">
             <a:avLst/>
@@ -11079,7 +11083,7 @@
         <p:spPr>
           <a:xfrm>
             <a:off x="5462280" y="1598040"/>
-            <a:ext cx="2637000" cy="2550960"/>
+            <a:ext cx="2636640" cy="2550600"/>
           </a:xfrm>
           <a:prstGeom prst="rect">
             <a:avLst/>
@@ -11098,7 +11102,7 @@
         <p:spPr>
           <a:xfrm>
             <a:off x="8280000" y="1800000"/>
-            <a:ext cx="2159280" cy="601560"/>
+            <a:ext cx="2158920" cy="601200"/>
           </a:xfrm>
           <a:prstGeom prst="rect">
             <a:avLst/>
@@ -11184,7 +11188,7 @@
         <p:spPr>
           <a:xfrm>
             <a:off x="609480" y="273600"/>
-            <a:ext cx="10968840" cy="1141200"/>
+            <a:ext cx="10968480" cy="1140840"/>
           </a:xfrm>
           <a:prstGeom prst="rect">
             <a:avLst/>
@@ -11226,7 +11230,7 @@
         <p:spPr>
           <a:xfrm>
             <a:off x="900000" y="1800000"/>
-            <a:ext cx="10796400" cy="2646360"/>
+            <a:ext cx="10796040" cy="2646000"/>
           </a:xfrm>
           <a:prstGeom prst="rect">
             <a:avLst/>
@@ -11573,7 +11577,7 @@
         <p:spPr>
           <a:xfrm>
             <a:off x="7560000" y="1416240"/>
-            <a:ext cx="4020480" cy="2856960"/>
+            <a:ext cx="4020120" cy="2856600"/>
           </a:xfrm>
           <a:prstGeom prst="rect">
             <a:avLst/>
@@ -11626,7 +11630,7 @@
         <p:spPr>
           <a:xfrm>
             <a:off x="609480" y="273600"/>
-            <a:ext cx="10968840" cy="1141200"/>
+            <a:ext cx="10968480" cy="1140840"/>
           </a:xfrm>
           <a:prstGeom prst="rect">
             <a:avLst/>
@@ -11668,7 +11672,7 @@
         <p:spPr>
           <a:xfrm>
             <a:off x="540000" y="1620000"/>
-            <a:ext cx="11156760" cy="1878840"/>
+            <a:ext cx="11156400" cy="1878480"/>
           </a:xfrm>
           <a:prstGeom prst="rect">
             <a:avLst/>
@@ -12066,7 +12070,7 @@
         <p:spPr>
           <a:xfrm>
             <a:off x="609480" y="273600"/>
-            <a:ext cx="10969560" cy="1141920"/>
+            <a:ext cx="10969200" cy="1141560"/>
           </a:xfrm>
           <a:prstGeom prst="rect">
             <a:avLst/>
@@ -12108,7 +12112,7 @@
         <p:spPr>
           <a:xfrm>
             <a:off x="720000" y="1620000"/>
-            <a:ext cx="11157120" cy="855360"/>
+            <a:ext cx="11156760" cy="855000"/>
           </a:xfrm>
           <a:prstGeom prst="rect">
             <a:avLst/>
@@ -12238,7 +12242,7 @@
                 <a:latin typeface="Arial"/>
                 <a:ea typeface="DejaVu Sans"/>
               </a:rPr>
-              <a:t>The data will be processed to record if medication was taking on time, a dose was missed and if the medication box will require a refill.</a:t>
+              <a:t>The data will be processed to record if medication was taken on time, a dose was missed and if the medication box will require a refill.</a:t>
             </a:r>
             <a:endParaRPr b="0" lang="en-IE" sz="1800" spc="-1" strike="noStrike">
               <a:latin typeface="Arial"/>
@@ -12332,7 +12336,257 @@
         <p:spPr>
           <a:xfrm>
             <a:off x="609480" y="273600"/>
-            <a:ext cx="10970280" cy="1142640"/>
+            <a:ext cx="10972440" cy="1144800"/>
+          </a:xfrm>
+          <a:prstGeom prst="rect">
+            <a:avLst/>
+          </a:prstGeom>
+          <a:noFill/>
+          <a:ln w="0">
+            <a:noFill/>
+          </a:ln>
+        </p:spPr>
+        <p:txBody>
+          <a:bodyPr lIns="0" rIns="0" tIns="0" bIns="0" anchor="ctr">
+            <a:noAutofit/>
+          </a:bodyPr>
+          <a:p>
+            <a:pPr algn="ctr">
+              <a:buNone/>
+            </a:pPr>
+            <a:r>
+              <a:rPr b="0" lang="en-IE" sz="4400" spc="-1" strike="noStrike">
+                <a:latin typeface="Arial"/>
+              </a:rPr>
+              <a:t>Data Processing – Example Queries</a:t>
+            </a:r>
+            <a:endParaRPr b="0" lang="en-IE" sz="4400" spc="-1" strike="noStrike">
+              <a:latin typeface="Arial"/>
+            </a:endParaRPr>
+          </a:p>
+        </p:txBody>
+      </p:sp>
+      <p:pic>
+        <p:nvPicPr>
+          <p:cNvPr id="179" name="" descr=""/>
+          <p:cNvPicPr/>
+          <p:nvPr/>
+        </p:nvPicPr>
+        <p:blipFill>
+          <a:blip r:embed="rId1"/>
+          <a:stretch/>
+        </p:blipFill>
+        <p:spPr>
+          <a:xfrm>
+            <a:off x="319680" y="1693080"/>
+            <a:ext cx="2380320" cy="646920"/>
+          </a:xfrm>
+          <a:prstGeom prst="rect">
+            <a:avLst/>
+          </a:prstGeom>
+          <a:ln w="0">
+            <a:noFill/>
+          </a:ln>
+        </p:spPr>
+      </p:pic>
+      <p:sp>
+        <p:nvSpPr>
+          <p:cNvPr id="180" name=""/>
+          <p:cNvSpPr txBox="1"/>
+          <p:nvPr/>
+        </p:nvSpPr>
+        <p:spPr>
+          <a:xfrm>
+            <a:off x="2880000" y="1800000"/>
+            <a:ext cx="5400000" cy="360000"/>
+          </a:xfrm>
+          <a:prstGeom prst="rect">
+            <a:avLst/>
+          </a:prstGeom>
+          <a:noFill/>
+          <a:ln w="0">
+            <a:noFill/>
+          </a:ln>
+        </p:spPr>
+        <p:txBody>
+          <a:bodyPr lIns="90000" rIns="90000" tIns="45000" bIns="45000" anchor="t">
+            <a:noAutofit/>
+          </a:bodyPr>
+          <a:p>
+            <a:r>
+              <a:rPr b="0" lang="en-IE" sz="1800" spc="-1" strike="noStrike">
+                <a:latin typeface="Arial"/>
+              </a:rPr>
+              <a:t>Find all entries where the user has missed a dose.</a:t>
+            </a:r>
+            <a:endParaRPr b="0" lang="en-IE" sz="1800" spc="-1" strike="noStrike">
+              <a:latin typeface="Arial"/>
+            </a:endParaRPr>
+          </a:p>
+        </p:txBody>
+      </p:sp>
+      <p:pic>
+        <p:nvPicPr>
+          <p:cNvPr id="181" name="" descr=""/>
+          <p:cNvPicPr/>
+          <p:nvPr/>
+        </p:nvPicPr>
+        <p:blipFill>
+          <a:blip r:embed="rId2"/>
+          <a:stretch/>
+        </p:blipFill>
+        <p:spPr>
+          <a:xfrm>
+            <a:off x="646200" y="2520000"/>
+            <a:ext cx="1513800" cy="808920"/>
+          </a:xfrm>
+          <a:prstGeom prst="rect">
+            <a:avLst/>
+          </a:prstGeom>
+          <a:ln w="0">
+            <a:noFill/>
+          </a:ln>
+        </p:spPr>
+      </p:pic>
+      <p:sp>
+        <p:nvSpPr>
+          <p:cNvPr id="182" name=""/>
+          <p:cNvSpPr txBox="1"/>
+          <p:nvPr/>
+        </p:nvSpPr>
+        <p:spPr>
+          <a:xfrm>
+            <a:off x="2880000" y="2700000"/>
+            <a:ext cx="5220000" cy="346320"/>
+          </a:xfrm>
+          <a:prstGeom prst="rect">
+            <a:avLst/>
+          </a:prstGeom>
+          <a:noFill/>
+          <a:ln w="0">
+            <a:noFill/>
+          </a:ln>
+        </p:spPr>
+        <p:txBody>
+          <a:bodyPr lIns="90000" rIns="90000" tIns="45000" bIns="45000" anchor="t">
+            <a:noAutofit/>
+          </a:bodyPr>
+          <a:p>
+            <a:r>
+              <a:rPr b="0" lang="en-IE" sz="1800" spc="-1" strike="noStrike">
+                <a:latin typeface="Arial"/>
+              </a:rPr>
+              <a:t>Get the 30 most recent histroy entries.</a:t>
+            </a:r>
+            <a:endParaRPr b="0" lang="en-IE" sz="1800" spc="-1" strike="noStrike">
+              <a:latin typeface="Arial"/>
+            </a:endParaRPr>
+          </a:p>
+        </p:txBody>
+      </p:sp>
+      <p:pic>
+        <p:nvPicPr>
+          <p:cNvPr id="183" name="" descr=""/>
+          <p:cNvPicPr/>
+          <p:nvPr/>
+        </p:nvPicPr>
+        <p:blipFill>
+          <a:blip r:embed="rId3"/>
+          <a:stretch/>
+        </p:blipFill>
+        <p:spPr>
+          <a:xfrm>
+            <a:off x="540000" y="3600000"/>
+            <a:ext cx="1647000" cy="818640"/>
+          </a:xfrm>
+          <a:prstGeom prst="rect">
+            <a:avLst/>
+          </a:prstGeom>
+          <a:ln w="0">
+            <a:noFill/>
+          </a:ln>
+        </p:spPr>
+      </p:pic>
+      <p:sp>
+        <p:nvSpPr>
+          <p:cNvPr id="184" name=""/>
+          <p:cNvSpPr txBox="1"/>
+          <p:nvPr/>
+        </p:nvSpPr>
+        <p:spPr>
+          <a:xfrm>
+            <a:off x="2700000" y="3780000"/>
+            <a:ext cx="5580000" cy="346320"/>
+          </a:xfrm>
+          <a:prstGeom prst="rect">
+            <a:avLst/>
+          </a:prstGeom>
+          <a:noFill/>
+          <a:ln w="0">
+            <a:noFill/>
+          </a:ln>
+        </p:spPr>
+        <p:txBody>
+          <a:bodyPr lIns="90000" rIns="90000" tIns="45000" bIns="45000" anchor="t">
+            <a:noAutofit/>
+          </a:bodyPr>
+          <a:p>
+            <a:r>
+              <a:rPr b="0" lang="en-IE" sz="1800" spc="-1" strike="noStrike">
+                <a:latin typeface="Arial"/>
+              </a:rPr>
+              <a:t>Get the next 5 entries in the users schedule.</a:t>
+            </a:r>
+            <a:endParaRPr b="0" lang="en-IE" sz="1800" spc="-1" strike="noStrike">
+              <a:latin typeface="Arial"/>
+            </a:endParaRPr>
+          </a:p>
+        </p:txBody>
+      </p:sp>
+    </p:spTree>
+  </p:cSld>
+  <mc:AlternateContent>
+    <mc:Choice Requires="p14">
+      <p:transition spd="slow" p14:dur="2000"/>
+    </mc:Choice>
+    <mc:Fallback>
+      <p:transition spd="slow"/>
+    </mc:Fallback>
+  </mc:AlternateContent>
+</p:sld>
+</file>
+
+<file path=ppt/slides/slide7.xml><?xml version="1.0" encoding="utf-8"?>
+<p:sld xmlns:a="http://schemas.openxmlformats.org/drawingml/2006/main" xmlns:p="http://schemas.openxmlformats.org/presentationml/2006/main" xmlns:r="http://schemas.openxmlformats.org/officeDocument/2006/relationships" xmlns:p14="http://schemas.microsoft.com/office/powerpoint/2010/main" xmlns:p15="http://schemas.microsoft.com/office/powerpoint/2012/main" xmlns:mc="http://schemas.openxmlformats.org/markup-compatibility/2006">
+  <p:cSld>
+    <p:spTree>
+      <p:nvGrpSpPr>
+        <p:cNvPr id="1" name=""/>
+        <p:cNvGrpSpPr/>
+        <p:nvPr/>
+      </p:nvGrpSpPr>
+      <p:grpSpPr>
+        <a:xfrm>
+          <a:off x="0" y="0"/>
+          <a:ext cx="0" cy="0"/>
+          <a:chOff x="0" y="0"/>
+          <a:chExt cx="0" cy="0"/>
+        </a:xfrm>
+      </p:grpSpPr>
+      <p:sp>
+        <p:nvSpPr>
+          <p:cNvPr id="185" name="PlaceHolder 1"/>
+          <p:cNvSpPr>
+            <a:spLocks noGrp="1"/>
+          </p:cNvSpPr>
+          <p:nvPr>
+            <p:ph type="title"/>
+          </p:nvPr>
+        </p:nvSpPr>
+        <p:spPr>
+          <a:xfrm>
+            <a:off x="609480" y="273600"/>
+            <a:ext cx="10969920" cy="1142280"/>
           </a:xfrm>
           <a:prstGeom prst="rect">
             <a:avLst/>
@@ -12367,14 +12621,14 @@
       </p:sp>
       <p:sp>
         <p:nvSpPr>
-          <p:cNvPr id="179" name=""/>
+          <p:cNvPr id="186" name=""/>
           <p:cNvSpPr/>
           <p:nvPr/>
         </p:nvSpPr>
         <p:spPr>
           <a:xfrm>
             <a:off x="360000" y="1440000"/>
-            <a:ext cx="11517840" cy="3958920"/>
+            <a:ext cx="11517480" cy="3958560"/>
           </a:xfrm>
           <a:prstGeom prst="rect">
             <a:avLst/>
